--- a/Help/Figures2.pptx
+++ b/Help/Figures2.pptx
@@ -5,7 +5,7 @@
     <p:sldMasterId id="2147483648" r:id="rId1"/>
   </p:sldMasterIdLst>
   <p:notesMasterIdLst>
-    <p:notesMasterId r:id="rId9"/>
+    <p:notesMasterId r:id="rId10"/>
   </p:notesMasterIdLst>
   <p:sldIdLst>
     <p:sldId id="279" r:id="rId2"/>
@@ -15,6 +15,7 @@
     <p:sldId id="269" r:id="rId6"/>
     <p:sldId id="271" r:id="rId7"/>
     <p:sldId id="270" r:id="rId8"/>
+    <p:sldId id="280" r:id="rId9"/>
   </p:sldIdLst>
   <p:sldSz cx="12192000" cy="6858000"/>
   <p:notesSz cx="6858000" cy="9144000"/>
@@ -228,7 +229,7 @@
           <a:p>
             <a:fld id="{C07E4396-26A3-4143-A0A3-BBC18DD0CEAD}" type="datetimeFigureOut">
               <a:rPr lang="en-US" smtClean="0"/>
-              <a:t>2019-06-03</a:t>
+              <a:t>06-Aug-19</a:t>
             </a:fld>
             <a:endParaRPr lang="en-US"/>
           </a:p>
@@ -292,38 +293,37 @@
           <a:p>
             <a:pPr lvl="0"/>
             <a:r>
-              <a:rPr lang="en-US" smtClean="0"/>
+              <a:rPr lang="en-US"/>
               <a:t>Click to edit Master text styles</a:t>
             </a:r>
           </a:p>
           <a:p>
             <a:pPr lvl="1"/>
             <a:r>
-              <a:rPr lang="en-US" smtClean="0"/>
+              <a:rPr lang="en-US"/>
               <a:t>Second level</a:t>
             </a:r>
           </a:p>
           <a:p>
             <a:pPr lvl="2"/>
             <a:r>
-              <a:rPr lang="en-US" smtClean="0"/>
+              <a:rPr lang="en-US"/>
               <a:t>Third level</a:t>
             </a:r>
           </a:p>
           <a:p>
             <a:pPr lvl="3"/>
             <a:r>
-              <a:rPr lang="en-US" smtClean="0"/>
+              <a:rPr lang="en-US"/>
               <a:t>Fourth level</a:t>
             </a:r>
           </a:p>
           <a:p>
             <a:pPr lvl="4"/>
             <a:r>
-              <a:rPr lang="en-US" smtClean="0"/>
+              <a:rPr lang="en-US"/>
               <a:t>Fifth level</a:t>
             </a:r>
-            <a:endParaRPr lang="en-US"/>
           </a:p>
         </p:txBody>
       </p:sp>
@@ -706,10 +706,9 @@
           </a:lstStyle>
           <a:p>
             <a:r>
-              <a:rPr lang="en-US" smtClean="0"/>
+              <a:rPr lang="en-US"/>
               <a:t>Click to edit Master title style</a:t>
             </a:r>
-            <a:endParaRPr lang="en-US"/>
           </a:p>
         </p:txBody>
       </p:sp>
@@ -771,10 +770,9 @@
           </a:lstStyle>
           <a:p>
             <a:r>
-              <a:rPr lang="en-US" smtClean="0"/>
+              <a:rPr lang="en-US"/>
               <a:t>Click to edit Master subtitle style</a:t>
             </a:r>
-            <a:endParaRPr lang="en-US"/>
           </a:p>
         </p:txBody>
       </p:sp>
@@ -795,7 +793,7 @@
           <a:p>
             <a:fld id="{2DC2A043-560F-4D2E-8D1E-02B02E053659}" type="datetimeFigureOut">
               <a:rPr lang="en-US" smtClean="0"/>
-              <a:t>2019-06-03</a:t>
+              <a:t>06-Aug-19</a:t>
             </a:fld>
             <a:endParaRPr lang="en-US"/>
           </a:p>
@@ -889,10 +887,9 @@
           <a:lstStyle/>
           <a:p>
             <a:r>
-              <a:rPr lang="en-US" smtClean="0"/>
+              <a:rPr lang="en-US"/>
               <a:t>Click to edit Master title style</a:t>
             </a:r>
-            <a:endParaRPr lang="en-US"/>
           </a:p>
         </p:txBody>
       </p:sp>
@@ -913,38 +910,37 @@
           <a:p>
             <a:pPr lvl="0"/>
             <a:r>
-              <a:rPr lang="en-US" smtClean="0"/>
+              <a:rPr lang="en-US"/>
               <a:t>Click to edit Master text styles</a:t>
             </a:r>
           </a:p>
           <a:p>
             <a:pPr lvl="1"/>
             <a:r>
-              <a:rPr lang="en-US" smtClean="0"/>
+              <a:rPr lang="en-US"/>
               <a:t>Second level</a:t>
             </a:r>
           </a:p>
           <a:p>
             <a:pPr lvl="2"/>
             <a:r>
-              <a:rPr lang="en-US" smtClean="0"/>
+              <a:rPr lang="en-US"/>
               <a:t>Third level</a:t>
             </a:r>
           </a:p>
           <a:p>
             <a:pPr lvl="3"/>
             <a:r>
-              <a:rPr lang="en-US" smtClean="0"/>
+              <a:rPr lang="en-US"/>
               <a:t>Fourth level</a:t>
             </a:r>
           </a:p>
           <a:p>
             <a:pPr lvl="4"/>
             <a:r>
-              <a:rPr lang="en-US" smtClean="0"/>
+              <a:rPr lang="en-US"/>
               <a:t>Fifth level</a:t>
             </a:r>
-            <a:endParaRPr lang="en-US"/>
           </a:p>
         </p:txBody>
       </p:sp>
@@ -965,7 +961,7 @@
           <a:p>
             <a:fld id="{2DC2A043-560F-4D2E-8D1E-02B02E053659}" type="datetimeFigureOut">
               <a:rPr lang="en-US" smtClean="0"/>
-              <a:t>2019-06-03</a:t>
+              <a:t>06-Aug-19</a:t>
             </a:fld>
             <a:endParaRPr lang="en-US"/>
           </a:p>
@@ -1064,10 +1060,9 @@
           <a:lstStyle/>
           <a:p>
             <a:r>
-              <a:rPr lang="en-US" smtClean="0"/>
+              <a:rPr lang="en-US"/>
               <a:t>Click to edit Master title style</a:t>
             </a:r>
-            <a:endParaRPr lang="en-US"/>
           </a:p>
         </p:txBody>
       </p:sp>
@@ -1093,38 +1088,37 @@
           <a:p>
             <a:pPr lvl="0"/>
             <a:r>
-              <a:rPr lang="en-US" smtClean="0"/>
+              <a:rPr lang="en-US"/>
               <a:t>Click to edit Master text styles</a:t>
             </a:r>
           </a:p>
           <a:p>
             <a:pPr lvl="1"/>
             <a:r>
-              <a:rPr lang="en-US" smtClean="0"/>
+              <a:rPr lang="en-US"/>
               <a:t>Second level</a:t>
             </a:r>
           </a:p>
           <a:p>
             <a:pPr lvl="2"/>
             <a:r>
-              <a:rPr lang="en-US" smtClean="0"/>
+              <a:rPr lang="en-US"/>
               <a:t>Third level</a:t>
             </a:r>
           </a:p>
           <a:p>
             <a:pPr lvl="3"/>
             <a:r>
-              <a:rPr lang="en-US" smtClean="0"/>
+              <a:rPr lang="en-US"/>
               <a:t>Fourth level</a:t>
             </a:r>
           </a:p>
           <a:p>
             <a:pPr lvl="4"/>
             <a:r>
-              <a:rPr lang="en-US" smtClean="0"/>
+              <a:rPr lang="en-US"/>
               <a:t>Fifth level</a:t>
             </a:r>
-            <a:endParaRPr lang="en-US"/>
           </a:p>
         </p:txBody>
       </p:sp>
@@ -1145,7 +1139,7 @@
           <a:p>
             <a:fld id="{2DC2A043-560F-4D2E-8D1E-02B02E053659}" type="datetimeFigureOut">
               <a:rPr lang="en-US" smtClean="0"/>
-              <a:t>2019-06-03</a:t>
+              <a:t>06-Aug-19</a:t>
             </a:fld>
             <a:endParaRPr lang="en-US"/>
           </a:p>
@@ -1239,10 +1233,9 @@
           <a:lstStyle/>
           <a:p>
             <a:r>
-              <a:rPr lang="en-US" smtClean="0"/>
+              <a:rPr lang="en-US"/>
               <a:t>Click to edit Master title style</a:t>
             </a:r>
-            <a:endParaRPr lang="en-US"/>
           </a:p>
         </p:txBody>
       </p:sp>
@@ -1263,38 +1256,37 @@
           <a:p>
             <a:pPr lvl="0"/>
             <a:r>
-              <a:rPr lang="en-US" smtClean="0"/>
+              <a:rPr lang="en-US"/>
               <a:t>Click to edit Master text styles</a:t>
             </a:r>
           </a:p>
           <a:p>
             <a:pPr lvl="1"/>
             <a:r>
-              <a:rPr lang="en-US" smtClean="0"/>
+              <a:rPr lang="en-US"/>
               <a:t>Second level</a:t>
             </a:r>
           </a:p>
           <a:p>
             <a:pPr lvl="2"/>
             <a:r>
-              <a:rPr lang="en-US" smtClean="0"/>
+              <a:rPr lang="en-US"/>
               <a:t>Third level</a:t>
             </a:r>
           </a:p>
           <a:p>
             <a:pPr lvl="3"/>
             <a:r>
-              <a:rPr lang="en-US" smtClean="0"/>
+              <a:rPr lang="en-US"/>
               <a:t>Fourth level</a:t>
             </a:r>
           </a:p>
           <a:p>
             <a:pPr lvl="4"/>
             <a:r>
-              <a:rPr lang="en-US" smtClean="0"/>
+              <a:rPr lang="en-US"/>
               <a:t>Fifth level</a:t>
             </a:r>
-            <a:endParaRPr lang="en-US"/>
           </a:p>
         </p:txBody>
       </p:sp>
@@ -1315,7 +1307,7 @@
           <a:p>
             <a:fld id="{2DC2A043-560F-4D2E-8D1E-02B02E053659}" type="datetimeFigureOut">
               <a:rPr lang="en-US" smtClean="0"/>
-              <a:t>2019-06-03</a:t>
+              <a:t>06-Aug-19</a:t>
             </a:fld>
             <a:endParaRPr lang="en-US"/>
           </a:p>
@@ -1418,10 +1410,9 @@
           </a:lstStyle>
           <a:p>
             <a:r>
-              <a:rPr lang="en-US" smtClean="0"/>
+              <a:rPr lang="en-US"/>
               <a:t>Click to edit Master title style</a:t>
             </a:r>
-            <a:endParaRPr lang="en-US"/>
           </a:p>
         </p:txBody>
       </p:sp>
@@ -1538,7 +1529,7 @@
           <a:p>
             <a:pPr lvl="0"/>
             <a:r>
-              <a:rPr lang="en-US" smtClean="0"/>
+              <a:rPr lang="en-US"/>
               <a:t>Click to edit Master text styles</a:t>
             </a:r>
           </a:p>
@@ -1561,7 +1552,7 @@
           <a:p>
             <a:fld id="{2DC2A043-560F-4D2E-8D1E-02B02E053659}" type="datetimeFigureOut">
               <a:rPr lang="en-US" smtClean="0"/>
-              <a:t>2019-06-03</a:t>
+              <a:t>06-Aug-19</a:t>
             </a:fld>
             <a:endParaRPr lang="en-US"/>
           </a:p>
@@ -1655,10 +1646,9 @@
           <a:lstStyle/>
           <a:p>
             <a:r>
-              <a:rPr lang="en-US" smtClean="0"/>
+              <a:rPr lang="en-US"/>
               <a:t>Click to edit Master title style</a:t>
             </a:r>
-            <a:endParaRPr lang="en-US"/>
           </a:p>
         </p:txBody>
       </p:sp>
@@ -1684,38 +1674,37 @@
           <a:p>
             <a:pPr lvl="0"/>
             <a:r>
-              <a:rPr lang="en-US" smtClean="0"/>
+              <a:rPr lang="en-US"/>
               <a:t>Click to edit Master text styles</a:t>
             </a:r>
           </a:p>
           <a:p>
             <a:pPr lvl="1"/>
             <a:r>
-              <a:rPr lang="en-US" smtClean="0"/>
+              <a:rPr lang="en-US"/>
               <a:t>Second level</a:t>
             </a:r>
           </a:p>
           <a:p>
             <a:pPr lvl="2"/>
             <a:r>
-              <a:rPr lang="en-US" smtClean="0"/>
+              <a:rPr lang="en-US"/>
               <a:t>Third level</a:t>
             </a:r>
           </a:p>
           <a:p>
             <a:pPr lvl="3"/>
             <a:r>
-              <a:rPr lang="en-US" smtClean="0"/>
+              <a:rPr lang="en-US"/>
               <a:t>Fourth level</a:t>
             </a:r>
           </a:p>
           <a:p>
             <a:pPr lvl="4"/>
             <a:r>
-              <a:rPr lang="en-US" smtClean="0"/>
+              <a:rPr lang="en-US"/>
               <a:t>Fifth level</a:t>
             </a:r>
-            <a:endParaRPr lang="en-US"/>
           </a:p>
         </p:txBody>
       </p:sp>
@@ -1741,38 +1730,37 @@
           <a:p>
             <a:pPr lvl="0"/>
             <a:r>
-              <a:rPr lang="en-US" smtClean="0"/>
+              <a:rPr lang="en-US"/>
               <a:t>Click to edit Master text styles</a:t>
             </a:r>
           </a:p>
           <a:p>
             <a:pPr lvl="1"/>
             <a:r>
-              <a:rPr lang="en-US" smtClean="0"/>
+              <a:rPr lang="en-US"/>
               <a:t>Second level</a:t>
             </a:r>
           </a:p>
           <a:p>
             <a:pPr lvl="2"/>
             <a:r>
-              <a:rPr lang="en-US" smtClean="0"/>
+              <a:rPr lang="en-US"/>
               <a:t>Third level</a:t>
             </a:r>
           </a:p>
           <a:p>
             <a:pPr lvl="3"/>
             <a:r>
-              <a:rPr lang="en-US" smtClean="0"/>
+              <a:rPr lang="en-US"/>
               <a:t>Fourth level</a:t>
             </a:r>
           </a:p>
           <a:p>
             <a:pPr lvl="4"/>
             <a:r>
-              <a:rPr lang="en-US" smtClean="0"/>
+              <a:rPr lang="en-US"/>
               <a:t>Fifth level</a:t>
             </a:r>
-            <a:endParaRPr lang="en-US"/>
           </a:p>
         </p:txBody>
       </p:sp>
@@ -1793,7 +1781,7 @@
           <a:p>
             <a:fld id="{2DC2A043-560F-4D2E-8D1E-02B02E053659}" type="datetimeFigureOut">
               <a:rPr lang="en-US" smtClean="0"/>
-              <a:t>2019-06-03</a:t>
+              <a:t>06-Aug-19</a:t>
             </a:fld>
             <a:endParaRPr lang="en-US"/>
           </a:p>
@@ -1892,10 +1880,9 @@
           <a:lstStyle/>
           <a:p>
             <a:r>
-              <a:rPr lang="en-US" smtClean="0"/>
+              <a:rPr lang="en-US"/>
               <a:t>Click to edit Master title style</a:t>
             </a:r>
-            <a:endParaRPr lang="en-US"/>
           </a:p>
         </p:txBody>
       </p:sp>
@@ -1958,7 +1945,7 @@
           <a:p>
             <a:pPr lvl="0"/>
             <a:r>
-              <a:rPr lang="en-US" smtClean="0"/>
+              <a:rPr lang="en-US"/>
               <a:t>Click to edit Master text styles</a:t>
             </a:r>
           </a:p>
@@ -1986,38 +1973,37 @@
           <a:p>
             <a:pPr lvl="0"/>
             <a:r>
-              <a:rPr lang="en-US" smtClean="0"/>
+              <a:rPr lang="en-US"/>
               <a:t>Click to edit Master text styles</a:t>
             </a:r>
           </a:p>
           <a:p>
             <a:pPr lvl="1"/>
             <a:r>
-              <a:rPr lang="en-US" smtClean="0"/>
+              <a:rPr lang="en-US"/>
               <a:t>Second level</a:t>
             </a:r>
           </a:p>
           <a:p>
             <a:pPr lvl="2"/>
             <a:r>
-              <a:rPr lang="en-US" smtClean="0"/>
+              <a:rPr lang="en-US"/>
               <a:t>Third level</a:t>
             </a:r>
           </a:p>
           <a:p>
             <a:pPr lvl="3"/>
             <a:r>
-              <a:rPr lang="en-US" smtClean="0"/>
+              <a:rPr lang="en-US"/>
               <a:t>Fourth level</a:t>
             </a:r>
           </a:p>
           <a:p>
             <a:pPr lvl="4"/>
             <a:r>
-              <a:rPr lang="en-US" smtClean="0"/>
+              <a:rPr lang="en-US"/>
               <a:t>Fifth level</a:t>
             </a:r>
-            <a:endParaRPr lang="en-US"/>
           </a:p>
         </p:txBody>
       </p:sp>
@@ -2080,7 +2066,7 @@
           <a:p>
             <a:pPr lvl="0"/>
             <a:r>
-              <a:rPr lang="en-US" smtClean="0"/>
+              <a:rPr lang="en-US"/>
               <a:t>Click to edit Master text styles</a:t>
             </a:r>
           </a:p>
@@ -2108,38 +2094,37 @@
           <a:p>
             <a:pPr lvl="0"/>
             <a:r>
-              <a:rPr lang="en-US" smtClean="0"/>
+              <a:rPr lang="en-US"/>
               <a:t>Click to edit Master text styles</a:t>
             </a:r>
           </a:p>
           <a:p>
             <a:pPr lvl="1"/>
             <a:r>
-              <a:rPr lang="en-US" smtClean="0"/>
+              <a:rPr lang="en-US"/>
               <a:t>Second level</a:t>
             </a:r>
           </a:p>
           <a:p>
             <a:pPr lvl="2"/>
             <a:r>
-              <a:rPr lang="en-US" smtClean="0"/>
+              <a:rPr lang="en-US"/>
               <a:t>Third level</a:t>
             </a:r>
           </a:p>
           <a:p>
             <a:pPr lvl="3"/>
             <a:r>
-              <a:rPr lang="en-US" smtClean="0"/>
+              <a:rPr lang="en-US"/>
               <a:t>Fourth level</a:t>
             </a:r>
           </a:p>
           <a:p>
             <a:pPr lvl="4"/>
             <a:r>
-              <a:rPr lang="en-US" smtClean="0"/>
+              <a:rPr lang="en-US"/>
               <a:t>Fifth level</a:t>
             </a:r>
-            <a:endParaRPr lang="en-US"/>
           </a:p>
         </p:txBody>
       </p:sp>
@@ -2160,7 +2145,7 @@
           <a:p>
             <a:fld id="{2DC2A043-560F-4D2E-8D1E-02B02E053659}" type="datetimeFigureOut">
               <a:rPr lang="en-US" smtClean="0"/>
-              <a:t>2019-06-03</a:t>
+              <a:t>06-Aug-19</a:t>
             </a:fld>
             <a:endParaRPr lang="en-US"/>
           </a:p>
@@ -2254,10 +2239,9 @@
           <a:lstStyle/>
           <a:p>
             <a:r>
-              <a:rPr lang="en-US" smtClean="0"/>
+              <a:rPr lang="en-US"/>
               <a:t>Click to edit Master title style</a:t>
             </a:r>
-            <a:endParaRPr lang="en-US"/>
           </a:p>
         </p:txBody>
       </p:sp>
@@ -2278,7 +2262,7 @@
           <a:p>
             <a:fld id="{2DC2A043-560F-4D2E-8D1E-02B02E053659}" type="datetimeFigureOut">
               <a:rPr lang="en-US" smtClean="0"/>
-              <a:t>2019-06-03</a:t>
+              <a:t>06-Aug-19</a:t>
             </a:fld>
             <a:endParaRPr lang="en-US"/>
           </a:p>
@@ -2373,7 +2357,7 @@
           <a:p>
             <a:fld id="{2DC2A043-560F-4D2E-8D1E-02B02E053659}" type="datetimeFigureOut">
               <a:rPr lang="en-US" smtClean="0"/>
-              <a:t>2019-06-03</a:t>
+              <a:t>06-Aug-19</a:t>
             </a:fld>
             <a:endParaRPr lang="en-US"/>
           </a:p>
@@ -2476,10 +2460,9 @@
           </a:lstStyle>
           <a:p>
             <a:r>
-              <a:rPr lang="en-US" smtClean="0"/>
+              <a:rPr lang="en-US"/>
               <a:t>Click to edit Master title style</a:t>
             </a:r>
-            <a:endParaRPr lang="en-US"/>
           </a:p>
         </p:txBody>
       </p:sp>
@@ -2533,38 +2516,37 @@
           <a:p>
             <a:pPr lvl="0"/>
             <a:r>
-              <a:rPr lang="en-US" smtClean="0"/>
+              <a:rPr lang="en-US"/>
               <a:t>Click to edit Master text styles</a:t>
             </a:r>
           </a:p>
           <a:p>
             <a:pPr lvl="1"/>
             <a:r>
-              <a:rPr lang="en-US" smtClean="0"/>
+              <a:rPr lang="en-US"/>
               <a:t>Second level</a:t>
             </a:r>
           </a:p>
           <a:p>
             <a:pPr lvl="2"/>
             <a:r>
-              <a:rPr lang="en-US" smtClean="0"/>
+              <a:rPr lang="en-US"/>
               <a:t>Third level</a:t>
             </a:r>
           </a:p>
           <a:p>
             <a:pPr lvl="3"/>
             <a:r>
-              <a:rPr lang="en-US" smtClean="0"/>
+              <a:rPr lang="en-US"/>
               <a:t>Fourth level</a:t>
             </a:r>
           </a:p>
           <a:p>
             <a:pPr lvl="4"/>
             <a:r>
-              <a:rPr lang="en-US" smtClean="0"/>
+              <a:rPr lang="en-US"/>
               <a:t>Fifth level</a:t>
             </a:r>
-            <a:endParaRPr lang="en-US"/>
           </a:p>
         </p:txBody>
       </p:sp>
@@ -2627,7 +2609,7 @@
           <a:p>
             <a:pPr lvl="0"/>
             <a:r>
-              <a:rPr lang="en-US" smtClean="0"/>
+              <a:rPr lang="en-US"/>
               <a:t>Click to edit Master text styles</a:t>
             </a:r>
           </a:p>
@@ -2650,7 +2632,7 @@
           <a:p>
             <a:fld id="{2DC2A043-560F-4D2E-8D1E-02B02E053659}" type="datetimeFigureOut">
               <a:rPr lang="en-US" smtClean="0"/>
-              <a:t>2019-06-03</a:t>
+              <a:t>06-Aug-19</a:t>
             </a:fld>
             <a:endParaRPr lang="en-US"/>
           </a:p>
@@ -2753,10 +2735,9 @@
           </a:lstStyle>
           <a:p>
             <a:r>
-              <a:rPr lang="en-US" smtClean="0"/>
+              <a:rPr lang="en-US"/>
               <a:t>Click to edit Master title style</a:t>
             </a:r>
-            <a:endParaRPr lang="en-US"/>
           </a:p>
         </p:txBody>
       </p:sp>
@@ -2880,7 +2861,7 @@
           <a:p>
             <a:pPr lvl="0"/>
             <a:r>
-              <a:rPr lang="en-US" smtClean="0"/>
+              <a:rPr lang="en-US"/>
               <a:t>Click to edit Master text styles</a:t>
             </a:r>
           </a:p>
@@ -2903,7 +2884,7 @@
           <a:p>
             <a:fld id="{2DC2A043-560F-4D2E-8D1E-02B02E053659}" type="datetimeFigureOut">
               <a:rPr lang="en-US" smtClean="0"/>
-              <a:t>2019-06-03</a:t>
+              <a:t>06-Aug-19</a:t>
             </a:fld>
             <a:endParaRPr lang="en-US"/>
           </a:p>
@@ -3012,10 +2993,9 @@
           <a:lstStyle/>
           <a:p>
             <a:r>
-              <a:rPr lang="en-US" smtClean="0"/>
+              <a:rPr lang="en-US"/>
               <a:t>Click to edit Master title style</a:t>
             </a:r>
-            <a:endParaRPr lang="en-US"/>
           </a:p>
         </p:txBody>
       </p:sp>
@@ -3046,38 +3026,37 @@
           <a:p>
             <a:pPr lvl="0"/>
             <a:r>
-              <a:rPr lang="en-US" smtClean="0"/>
+              <a:rPr lang="en-US"/>
               <a:t>Click to edit Master text styles</a:t>
             </a:r>
           </a:p>
           <a:p>
             <a:pPr lvl="1"/>
             <a:r>
-              <a:rPr lang="en-US" smtClean="0"/>
+              <a:rPr lang="en-US"/>
               <a:t>Second level</a:t>
             </a:r>
           </a:p>
           <a:p>
             <a:pPr lvl="2"/>
             <a:r>
-              <a:rPr lang="en-US" smtClean="0"/>
+              <a:rPr lang="en-US"/>
               <a:t>Third level</a:t>
             </a:r>
           </a:p>
           <a:p>
             <a:pPr lvl="3"/>
             <a:r>
-              <a:rPr lang="en-US" smtClean="0"/>
+              <a:rPr lang="en-US"/>
               <a:t>Fourth level</a:t>
             </a:r>
           </a:p>
           <a:p>
             <a:pPr lvl="4"/>
             <a:r>
-              <a:rPr lang="en-US" smtClean="0"/>
+              <a:rPr lang="en-US"/>
               <a:t>Fifth level</a:t>
             </a:r>
-            <a:endParaRPr lang="en-US"/>
           </a:p>
         </p:txBody>
       </p:sp>
@@ -3116,7 +3095,7 @@
           <a:p>
             <a:fld id="{2DC2A043-560F-4D2E-8D1E-02B02E053659}" type="datetimeFigureOut">
               <a:rPr lang="en-US" smtClean="0"/>
-              <a:t>2019-06-03</a:t>
+              <a:t>06-Aug-19</a:t>
             </a:fld>
             <a:endParaRPr lang="en-US"/>
           </a:p>
@@ -3823,25 +3802,7 @@
                             </a:solidFill>
                             <a:latin typeface="Cambria Math" panose="02040503050406030204" pitchFamily="18" charset="0"/>
                           </a:rPr>
-                          <m:t>0</m:t>
-                        </m:r>
-                        <m:r>
-                          <a:rPr lang="en-US" sz="1700" b="0" i="1" smtClean="0">
-                            <a:solidFill>
-                              <a:schemeClr val="bg1"/>
-                            </a:solidFill>
-                            <a:latin typeface="Cambria Math" panose="02040503050406030204" pitchFamily="18" charset="0"/>
-                          </a:rPr>
-                          <m:t>.</m:t>
-                        </m:r>
-                        <m:r>
-                          <a:rPr lang="en-US" sz="1700" b="0" i="1" smtClean="0">
-                            <a:solidFill>
-                              <a:schemeClr val="bg1"/>
-                            </a:solidFill>
-                            <a:latin typeface="Cambria Math" panose="02040503050406030204" pitchFamily="18" charset="0"/>
-                          </a:rPr>
-                          <m:t>8</m:t>
+                          <m:t>0.8</m:t>
                         </m:r>
                       </m:oMath>
                     </m:oMathPara>
@@ -4068,10 +4029,9 @@
             <a:p>
               <a:pPr algn="ctr"/>
               <a:r>
-                <a:rPr lang="en-US" sz="1911" b="1" dirty="0" smtClean="0"/>
+                <a:rPr lang="en-US" sz="1911" b="1" dirty="0"/>
                 <a:t>Transition Probability</a:t>
               </a:r>
-              <a:endParaRPr lang="en-US" sz="1911" b="1" dirty="0"/>
             </a:p>
           </p:txBody>
         </p:sp>
@@ -4131,16 +4091,7 @@
                             </a:solidFill>
                             <a:latin typeface="Cambria Math" panose="02040503050406030204" pitchFamily="18" charset="0"/>
                           </a:rPr>
-                          <m:t> </m:t>
-                        </m:r>
-                        <m:r>
-                          <a:rPr lang="en-US" sz="1700" b="0" i="1" smtClean="0">
-                            <a:solidFill>
-                              <a:schemeClr val="tx1"/>
-                            </a:solidFill>
-                            <a:latin typeface="Cambria Math" panose="02040503050406030204" pitchFamily="18" charset="0"/>
-                          </a:rPr>
-                          <m:t>0</m:t>
+                          <m:t> 0</m:t>
                         </m:r>
                         <m:r>
                           <a:rPr lang="en-US" sz="1700" b="0" i="0" smtClean="0">
@@ -4768,34 +4719,7 @@
                             </a:solidFill>
                             <a:latin typeface="Cambria Math" panose="02040503050406030204" pitchFamily="18" charset="0"/>
                           </a:rPr>
-                          <m:t> </m:t>
-                        </m:r>
-                        <m:r>
-                          <a:rPr lang="en-US" sz="1700" b="0" i="1" smtClean="0">
-                            <a:solidFill>
-                              <a:schemeClr val="tx1"/>
-                            </a:solidFill>
-                            <a:latin typeface="Cambria Math" panose="02040503050406030204" pitchFamily="18" charset="0"/>
-                          </a:rPr>
-                          <m:t>0</m:t>
-                        </m:r>
-                        <m:r>
-                          <a:rPr lang="en-US" sz="1700" b="0" i="1" smtClean="0">
-                            <a:solidFill>
-                              <a:schemeClr val="tx1"/>
-                            </a:solidFill>
-                            <a:latin typeface="Cambria Math" panose="02040503050406030204" pitchFamily="18" charset="0"/>
-                          </a:rPr>
-                          <m:t>.</m:t>
-                        </m:r>
-                        <m:r>
-                          <a:rPr lang="en-US" sz="1700" b="0" i="1" smtClean="0">
-                            <a:solidFill>
-                              <a:schemeClr val="tx1"/>
-                            </a:solidFill>
-                            <a:latin typeface="Cambria Math" panose="02040503050406030204" pitchFamily="18" charset="0"/>
-                          </a:rPr>
-                          <m:t>1</m:t>
+                          <m:t> 0.1</m:t>
                         </m:r>
                       </m:oMath>
                     </m:oMathPara>
@@ -4904,34 +4828,7 @@
                             </a:solidFill>
                             <a:latin typeface="Cambria Math" panose="02040503050406030204" pitchFamily="18" charset="0"/>
                           </a:rPr>
-                          <m:t> </m:t>
-                        </m:r>
-                        <m:r>
-                          <a:rPr lang="en-US" sz="1700" b="0" i="1" smtClean="0">
-                            <a:solidFill>
-                              <a:sysClr val="windowText" lastClr="000000"/>
-                            </a:solidFill>
-                            <a:latin typeface="Cambria Math" panose="02040503050406030204" pitchFamily="18" charset="0"/>
-                          </a:rPr>
-                          <m:t>0</m:t>
-                        </m:r>
-                        <m:r>
-                          <a:rPr lang="en-US" sz="1700" b="0" i="1" smtClean="0">
-                            <a:solidFill>
-                              <a:sysClr val="windowText" lastClr="000000"/>
-                            </a:solidFill>
-                            <a:latin typeface="Cambria Math" panose="02040503050406030204" pitchFamily="18" charset="0"/>
-                          </a:rPr>
-                          <m:t>.</m:t>
-                        </m:r>
-                        <m:r>
-                          <a:rPr lang="en-US" sz="1700" b="0" i="1" smtClean="0">
-                            <a:solidFill>
-                              <a:sysClr val="windowText" lastClr="000000"/>
-                            </a:solidFill>
-                            <a:latin typeface="Cambria Math" panose="02040503050406030204" pitchFamily="18" charset="0"/>
-                          </a:rPr>
-                          <m:t>05</m:t>
+                          <m:t> 0.05</m:t>
                         </m:r>
                       </m:oMath>
                     </m:oMathPara>
@@ -5038,34 +4935,7 @@
                             </a:solidFill>
                             <a:latin typeface="Cambria Math" panose="02040503050406030204" pitchFamily="18" charset="0"/>
                           </a:rPr>
-                          <m:t> </m:t>
-                        </m:r>
-                        <m:r>
-                          <a:rPr lang="en-US" sz="1700" b="0" i="1" smtClean="0">
-                            <a:solidFill>
-                              <a:schemeClr val="tx1"/>
-                            </a:solidFill>
-                            <a:latin typeface="Cambria Math" panose="02040503050406030204" pitchFamily="18" charset="0"/>
-                          </a:rPr>
-                          <m:t>0</m:t>
-                        </m:r>
-                        <m:r>
-                          <a:rPr lang="en-US" sz="1700" b="0" i="1" smtClean="0">
-                            <a:solidFill>
-                              <a:schemeClr val="tx1"/>
-                            </a:solidFill>
-                            <a:latin typeface="Cambria Math" panose="02040503050406030204" pitchFamily="18" charset="0"/>
-                          </a:rPr>
-                          <m:t>.</m:t>
-                        </m:r>
-                        <m:r>
-                          <a:rPr lang="en-US" sz="1700" b="0" i="1" smtClean="0">
-                            <a:solidFill>
-                              <a:schemeClr val="tx1"/>
-                            </a:solidFill>
-                            <a:latin typeface="Cambria Math" panose="02040503050406030204" pitchFamily="18" charset="0"/>
-                          </a:rPr>
-                          <m:t>0</m:t>
+                          <m:t> 0.0</m:t>
                         </m:r>
                       </m:oMath>
                     </m:oMathPara>
@@ -5174,34 +5044,7 @@
                             </a:solidFill>
                             <a:latin typeface="Cambria Math" panose="02040503050406030204" pitchFamily="18" charset="0"/>
                           </a:rPr>
-                          <m:t> </m:t>
-                        </m:r>
-                        <m:r>
-                          <a:rPr lang="en-US" sz="1700" b="0" i="1" smtClean="0">
-                            <a:solidFill>
-                              <a:sysClr val="windowText" lastClr="000000"/>
-                            </a:solidFill>
-                            <a:latin typeface="Cambria Math" panose="02040503050406030204" pitchFamily="18" charset="0"/>
-                          </a:rPr>
-                          <m:t>0</m:t>
-                        </m:r>
-                        <m:r>
-                          <a:rPr lang="en-US" sz="1700" b="0" i="1" smtClean="0">
-                            <a:solidFill>
-                              <a:sysClr val="windowText" lastClr="000000"/>
-                            </a:solidFill>
-                            <a:latin typeface="Cambria Math" panose="02040503050406030204" pitchFamily="18" charset="0"/>
-                          </a:rPr>
-                          <m:t>.</m:t>
-                        </m:r>
-                        <m:r>
-                          <a:rPr lang="en-US" sz="1700" b="0" i="1" smtClean="0">
-                            <a:solidFill>
-                              <a:sysClr val="windowText" lastClr="000000"/>
-                            </a:solidFill>
-                            <a:latin typeface="Cambria Math" panose="02040503050406030204" pitchFamily="18" charset="0"/>
-                          </a:rPr>
-                          <m:t>05</m:t>
+                          <m:t> 0.05</m:t>
                         </m:r>
                       </m:oMath>
                     </m:oMathPara>
@@ -5311,34 +5154,7 @@
                             </a:solidFill>
                             <a:latin typeface="Cambria Math" panose="02040503050406030204" pitchFamily="18" charset="0"/>
                           </a:rPr>
-                          <m:t> </m:t>
-                        </m:r>
-                        <m:r>
-                          <a:rPr lang="en-US" sz="1700" b="0" i="1" smtClean="0">
-                            <a:solidFill>
-                              <a:schemeClr val="bg1"/>
-                            </a:solidFill>
-                            <a:latin typeface="Cambria Math" panose="02040503050406030204" pitchFamily="18" charset="0"/>
-                          </a:rPr>
-                          <m:t>0</m:t>
-                        </m:r>
-                        <m:r>
-                          <a:rPr lang="en-US" sz="1700" b="0" i="1" smtClean="0">
-                            <a:solidFill>
-                              <a:schemeClr val="bg1"/>
-                            </a:solidFill>
-                            <a:latin typeface="Cambria Math" panose="02040503050406030204" pitchFamily="18" charset="0"/>
-                          </a:rPr>
-                          <m:t>.</m:t>
-                        </m:r>
-                        <m:r>
-                          <a:rPr lang="en-US" sz="1700" b="0" i="1" smtClean="0">
-                            <a:solidFill>
-                              <a:schemeClr val="bg1"/>
-                            </a:solidFill>
-                            <a:latin typeface="Cambria Math" panose="02040503050406030204" pitchFamily="18" charset="0"/>
-                          </a:rPr>
-                          <m:t>8</m:t>
+                          <m:t> 0.8</m:t>
                         </m:r>
                       </m:oMath>
                     </m:oMathPara>
@@ -7310,34 +7126,7 @@
                             </a:solidFill>
                             <a:latin typeface="Cambria Math" panose="02040503050406030204" pitchFamily="18" charset="0"/>
                           </a:rPr>
-                          <m:t> </m:t>
-                        </m:r>
-                        <m:r>
-                          <a:rPr lang="en-US" sz="1700" b="0" i="1" smtClean="0">
-                            <a:solidFill>
-                              <a:sysClr val="windowText" lastClr="000000"/>
-                            </a:solidFill>
-                            <a:latin typeface="Cambria Math" panose="02040503050406030204" pitchFamily="18" charset="0"/>
-                          </a:rPr>
-                          <m:t>0</m:t>
-                        </m:r>
-                        <m:r>
-                          <a:rPr lang="en-US" sz="1700" b="0" i="1" smtClean="0">
-                            <a:solidFill>
-                              <a:sysClr val="windowText" lastClr="000000"/>
-                            </a:solidFill>
-                            <a:latin typeface="Cambria Math" panose="02040503050406030204" pitchFamily="18" charset="0"/>
-                          </a:rPr>
-                          <m:t>.</m:t>
-                        </m:r>
-                        <m:r>
-                          <a:rPr lang="en-US" sz="1700" b="0" i="1" smtClean="0">
-                            <a:solidFill>
-                              <a:sysClr val="windowText" lastClr="000000"/>
-                            </a:solidFill>
-                            <a:latin typeface="Cambria Math" panose="02040503050406030204" pitchFamily="18" charset="0"/>
-                          </a:rPr>
-                          <m:t>0</m:t>
+                          <m:t> 0.0</m:t>
                         </m:r>
                       </m:oMath>
                     </m:oMathPara>
@@ -7446,34 +7235,7 @@
                             </a:solidFill>
                             <a:latin typeface="Cambria Math" panose="02040503050406030204" pitchFamily="18" charset="0"/>
                           </a:rPr>
-                          <m:t> </m:t>
-                        </m:r>
-                        <m:r>
-                          <a:rPr lang="en-US" sz="1700" b="0" i="1" smtClean="0">
-                            <a:solidFill>
-                              <a:schemeClr val="tx1"/>
-                            </a:solidFill>
-                            <a:latin typeface="Cambria Math" panose="02040503050406030204" pitchFamily="18" charset="0"/>
-                          </a:rPr>
-                          <m:t>0</m:t>
-                        </m:r>
-                        <m:r>
-                          <a:rPr lang="en-US" sz="1700" b="0" i="1" smtClean="0">
-                            <a:solidFill>
-                              <a:schemeClr val="tx1"/>
-                            </a:solidFill>
-                            <a:latin typeface="Cambria Math" panose="02040503050406030204" pitchFamily="18" charset="0"/>
-                          </a:rPr>
-                          <m:t>.</m:t>
-                        </m:r>
-                        <m:r>
-                          <a:rPr lang="en-US" sz="1700" b="0" i="1" smtClean="0">
-                            <a:solidFill>
-                              <a:schemeClr val="tx1"/>
-                            </a:solidFill>
-                            <a:latin typeface="Cambria Math" panose="02040503050406030204" pitchFamily="18" charset="0"/>
-                          </a:rPr>
-                          <m:t>1</m:t>
+                          <m:t> 0.1</m:t>
                         </m:r>
                       </m:oMath>
                     </m:oMathPara>
@@ -7580,34 +7342,7 @@
                             </a:solidFill>
                             <a:latin typeface="Cambria Math" panose="02040503050406030204" pitchFamily="18" charset="0"/>
                           </a:rPr>
-                          <m:t> </m:t>
-                        </m:r>
-                        <m:r>
-                          <a:rPr lang="en-US" sz="1700" b="0" i="1" smtClean="0">
-                            <a:solidFill>
-                              <a:sysClr val="windowText" lastClr="000000"/>
-                            </a:solidFill>
-                            <a:latin typeface="Cambria Math" panose="02040503050406030204" pitchFamily="18" charset="0"/>
-                          </a:rPr>
-                          <m:t>0</m:t>
-                        </m:r>
-                        <m:r>
-                          <a:rPr lang="en-US" sz="1700" b="0" i="1" smtClean="0">
-                            <a:solidFill>
-                              <a:sysClr val="windowText" lastClr="000000"/>
-                            </a:solidFill>
-                            <a:latin typeface="Cambria Math" panose="02040503050406030204" pitchFamily="18" charset="0"/>
-                          </a:rPr>
-                          <m:t>.</m:t>
-                        </m:r>
-                        <m:r>
-                          <a:rPr lang="en-US" sz="1700" b="0" i="1" smtClean="0">
-                            <a:solidFill>
-                              <a:sysClr val="windowText" lastClr="000000"/>
-                            </a:solidFill>
-                            <a:latin typeface="Cambria Math" panose="02040503050406030204" pitchFamily="18" charset="0"/>
-                          </a:rPr>
-                          <m:t>0</m:t>
+                          <m:t> 0.0</m:t>
                         </m:r>
                       </m:oMath>
                     </m:oMathPara>
@@ -14036,25 +13771,7 @@
                             </a:solidFill>
                             <a:latin typeface="Cambria Math" panose="02040503050406030204" pitchFamily="18" charset="0"/>
                           </a:rPr>
-                          <m:t>0</m:t>
-                        </m:r>
-                        <m:r>
-                          <a:rPr lang="en-US" sz="1700" b="0" i="1" smtClean="0">
-                            <a:solidFill>
-                              <a:schemeClr val="bg1"/>
-                            </a:solidFill>
-                            <a:latin typeface="Cambria Math" panose="02040503050406030204" pitchFamily="18" charset="0"/>
-                          </a:rPr>
-                          <m:t>.</m:t>
-                        </m:r>
-                        <m:r>
-                          <a:rPr lang="en-US" sz="1700" b="0" i="1" smtClean="0">
-                            <a:solidFill>
-                              <a:schemeClr val="bg1"/>
-                            </a:solidFill>
-                            <a:latin typeface="Cambria Math" panose="02040503050406030204" pitchFamily="18" charset="0"/>
-                          </a:rPr>
-                          <m:t>8</m:t>
+                          <m:t>0.8</m:t>
                         </m:r>
                       </m:oMath>
                     </m:oMathPara>
@@ -14313,16 +14030,7 @@
                             </a:solidFill>
                             <a:latin typeface="Cambria Math" panose="02040503050406030204" pitchFamily="18" charset="0"/>
                           </a:rPr>
-                          <m:t> </m:t>
-                        </m:r>
-                        <m:r>
-                          <a:rPr lang="en-US" sz="1700" b="0" i="1" smtClean="0">
-                            <a:solidFill>
-                              <a:schemeClr val="tx1"/>
-                            </a:solidFill>
-                            <a:latin typeface="Cambria Math" panose="02040503050406030204" pitchFamily="18" charset="0"/>
-                          </a:rPr>
-                          <m:t>0</m:t>
+                          <m:t> 0</m:t>
                         </m:r>
                         <m:r>
                           <a:rPr lang="en-US" sz="1700" b="0" i="0" smtClean="0">
@@ -14950,34 +14658,7 @@
                             </a:solidFill>
                             <a:latin typeface="Cambria Math" panose="02040503050406030204" pitchFamily="18" charset="0"/>
                           </a:rPr>
-                          <m:t> </m:t>
-                        </m:r>
-                        <m:r>
-                          <a:rPr lang="en-US" sz="1700" b="0" i="1" smtClean="0">
-                            <a:solidFill>
-                              <a:schemeClr val="tx1"/>
-                            </a:solidFill>
-                            <a:latin typeface="Cambria Math" panose="02040503050406030204" pitchFamily="18" charset="0"/>
-                          </a:rPr>
-                          <m:t>0</m:t>
-                        </m:r>
-                        <m:r>
-                          <a:rPr lang="en-US" sz="1700" b="0" i="1" smtClean="0">
-                            <a:solidFill>
-                              <a:schemeClr val="tx1"/>
-                            </a:solidFill>
-                            <a:latin typeface="Cambria Math" panose="02040503050406030204" pitchFamily="18" charset="0"/>
-                          </a:rPr>
-                          <m:t>.</m:t>
-                        </m:r>
-                        <m:r>
-                          <a:rPr lang="en-US" sz="1700" b="0" i="1" smtClean="0">
-                            <a:solidFill>
-                              <a:schemeClr val="tx1"/>
-                            </a:solidFill>
-                            <a:latin typeface="Cambria Math" panose="02040503050406030204" pitchFamily="18" charset="0"/>
-                          </a:rPr>
-                          <m:t>1</m:t>
+                          <m:t> 0.1</m:t>
                         </m:r>
                       </m:oMath>
                     </m:oMathPara>
@@ -15086,34 +14767,7 @@
                             </a:solidFill>
                             <a:latin typeface="Cambria Math" panose="02040503050406030204" pitchFamily="18" charset="0"/>
                           </a:rPr>
-                          <m:t> </m:t>
-                        </m:r>
-                        <m:r>
-                          <a:rPr lang="en-US" sz="1700" b="0" i="1" smtClean="0">
-                            <a:solidFill>
-                              <a:sysClr val="windowText" lastClr="000000"/>
-                            </a:solidFill>
-                            <a:latin typeface="Cambria Math" panose="02040503050406030204" pitchFamily="18" charset="0"/>
-                          </a:rPr>
-                          <m:t>0</m:t>
-                        </m:r>
-                        <m:r>
-                          <a:rPr lang="en-US" sz="1700" b="0" i="1" smtClean="0">
-                            <a:solidFill>
-                              <a:sysClr val="windowText" lastClr="000000"/>
-                            </a:solidFill>
-                            <a:latin typeface="Cambria Math" panose="02040503050406030204" pitchFamily="18" charset="0"/>
-                          </a:rPr>
-                          <m:t>.</m:t>
-                        </m:r>
-                        <m:r>
-                          <a:rPr lang="en-US" sz="1700" b="0" i="1" smtClean="0">
-                            <a:solidFill>
-                              <a:sysClr val="windowText" lastClr="000000"/>
-                            </a:solidFill>
-                            <a:latin typeface="Cambria Math" panose="02040503050406030204" pitchFamily="18" charset="0"/>
-                          </a:rPr>
-                          <m:t>05</m:t>
+                          <m:t> 0.05</m:t>
                         </m:r>
                       </m:oMath>
                     </m:oMathPara>
@@ -15220,34 +14874,7 @@
                             </a:solidFill>
                             <a:latin typeface="Cambria Math" panose="02040503050406030204" pitchFamily="18" charset="0"/>
                           </a:rPr>
-                          <m:t> </m:t>
-                        </m:r>
-                        <m:r>
-                          <a:rPr lang="en-US" sz="1700" b="0" i="1" smtClean="0">
-                            <a:solidFill>
-                              <a:schemeClr val="tx1"/>
-                            </a:solidFill>
-                            <a:latin typeface="Cambria Math" panose="02040503050406030204" pitchFamily="18" charset="0"/>
-                          </a:rPr>
-                          <m:t>0</m:t>
-                        </m:r>
-                        <m:r>
-                          <a:rPr lang="en-US" sz="1700" b="0" i="1" smtClean="0">
-                            <a:solidFill>
-                              <a:schemeClr val="tx1"/>
-                            </a:solidFill>
-                            <a:latin typeface="Cambria Math" panose="02040503050406030204" pitchFamily="18" charset="0"/>
-                          </a:rPr>
-                          <m:t>.</m:t>
-                        </m:r>
-                        <m:r>
-                          <a:rPr lang="en-US" sz="1700" b="0" i="1" smtClean="0">
-                            <a:solidFill>
-                              <a:schemeClr val="tx1"/>
-                            </a:solidFill>
-                            <a:latin typeface="Cambria Math" panose="02040503050406030204" pitchFamily="18" charset="0"/>
-                          </a:rPr>
-                          <m:t>0</m:t>
+                          <m:t> 0.0</m:t>
                         </m:r>
                       </m:oMath>
                     </m:oMathPara>
@@ -15356,34 +14983,7 @@
                             </a:solidFill>
                             <a:latin typeface="Cambria Math" panose="02040503050406030204" pitchFamily="18" charset="0"/>
                           </a:rPr>
-                          <m:t> </m:t>
-                        </m:r>
-                        <m:r>
-                          <a:rPr lang="en-US" sz="1700" b="0" i="1" smtClean="0">
-                            <a:solidFill>
-                              <a:sysClr val="windowText" lastClr="000000"/>
-                            </a:solidFill>
-                            <a:latin typeface="Cambria Math" panose="02040503050406030204" pitchFamily="18" charset="0"/>
-                          </a:rPr>
-                          <m:t>0</m:t>
-                        </m:r>
-                        <m:r>
-                          <a:rPr lang="en-US" sz="1700" b="0" i="1" smtClean="0">
-                            <a:solidFill>
-                              <a:sysClr val="windowText" lastClr="000000"/>
-                            </a:solidFill>
-                            <a:latin typeface="Cambria Math" panose="02040503050406030204" pitchFamily="18" charset="0"/>
-                          </a:rPr>
-                          <m:t>.</m:t>
-                        </m:r>
-                        <m:r>
-                          <a:rPr lang="en-US" sz="1700" b="0" i="1" smtClean="0">
-                            <a:solidFill>
-                              <a:sysClr val="windowText" lastClr="000000"/>
-                            </a:solidFill>
-                            <a:latin typeface="Cambria Math" panose="02040503050406030204" pitchFamily="18" charset="0"/>
-                          </a:rPr>
-                          <m:t>05</m:t>
+                          <m:t> 0.05</m:t>
                         </m:r>
                       </m:oMath>
                     </m:oMathPara>
@@ -15493,34 +15093,7 @@
                             </a:solidFill>
                             <a:latin typeface="Cambria Math" panose="02040503050406030204" pitchFamily="18" charset="0"/>
                           </a:rPr>
-                          <m:t> </m:t>
-                        </m:r>
-                        <m:r>
-                          <a:rPr lang="en-US" sz="1700" b="0" i="1" smtClean="0">
-                            <a:solidFill>
-                              <a:schemeClr val="bg1"/>
-                            </a:solidFill>
-                            <a:latin typeface="Cambria Math" panose="02040503050406030204" pitchFamily="18" charset="0"/>
-                          </a:rPr>
-                          <m:t>0</m:t>
-                        </m:r>
-                        <m:r>
-                          <a:rPr lang="en-US" sz="1700" b="0" i="1" smtClean="0">
-                            <a:solidFill>
-                              <a:schemeClr val="bg1"/>
-                            </a:solidFill>
-                            <a:latin typeface="Cambria Math" panose="02040503050406030204" pitchFamily="18" charset="0"/>
-                          </a:rPr>
-                          <m:t>.</m:t>
-                        </m:r>
-                        <m:r>
-                          <a:rPr lang="en-US" sz="1700" b="0" i="1" smtClean="0">
-                            <a:solidFill>
-                              <a:schemeClr val="bg1"/>
-                            </a:solidFill>
-                            <a:latin typeface="Cambria Math" panose="02040503050406030204" pitchFamily="18" charset="0"/>
-                          </a:rPr>
-                          <m:t>8</m:t>
+                          <m:t> 0.8</m:t>
                         </m:r>
                       </m:oMath>
                     </m:oMathPara>
@@ -16322,34 +15895,7 @@
                             </a:solidFill>
                             <a:latin typeface="Cambria Math" panose="02040503050406030204" pitchFamily="18" charset="0"/>
                           </a:rPr>
-                          <m:t> </m:t>
-                        </m:r>
-                        <m:r>
-                          <a:rPr lang="en-US" sz="1700" b="0" i="1" smtClean="0">
-                            <a:solidFill>
-                              <a:sysClr val="windowText" lastClr="000000"/>
-                            </a:solidFill>
-                            <a:latin typeface="Cambria Math" panose="02040503050406030204" pitchFamily="18" charset="0"/>
-                          </a:rPr>
-                          <m:t>0</m:t>
-                        </m:r>
-                        <m:r>
-                          <a:rPr lang="en-US" sz="1700" b="0" i="1" smtClean="0">
-                            <a:solidFill>
-                              <a:sysClr val="windowText" lastClr="000000"/>
-                            </a:solidFill>
-                            <a:latin typeface="Cambria Math" panose="02040503050406030204" pitchFamily="18" charset="0"/>
-                          </a:rPr>
-                          <m:t>.</m:t>
-                        </m:r>
-                        <m:r>
-                          <a:rPr lang="en-US" sz="1700" b="0" i="1" smtClean="0">
-                            <a:solidFill>
-                              <a:sysClr val="windowText" lastClr="000000"/>
-                            </a:solidFill>
-                            <a:latin typeface="Cambria Math" panose="02040503050406030204" pitchFamily="18" charset="0"/>
-                          </a:rPr>
-                          <m:t>0</m:t>
+                          <m:t> 0.0</m:t>
                         </m:r>
                       </m:oMath>
                     </m:oMathPara>
@@ -16458,34 +16004,7 @@
                             </a:solidFill>
                             <a:latin typeface="Cambria Math" panose="02040503050406030204" pitchFamily="18" charset="0"/>
                           </a:rPr>
-                          <m:t> </m:t>
-                        </m:r>
-                        <m:r>
-                          <a:rPr lang="en-US" sz="1700" b="0" i="1" smtClean="0">
-                            <a:solidFill>
-                              <a:schemeClr val="tx1"/>
-                            </a:solidFill>
-                            <a:latin typeface="Cambria Math" panose="02040503050406030204" pitchFamily="18" charset="0"/>
-                          </a:rPr>
-                          <m:t>0</m:t>
-                        </m:r>
-                        <m:r>
-                          <a:rPr lang="en-US" sz="1700" b="0" i="1" smtClean="0">
-                            <a:solidFill>
-                              <a:schemeClr val="tx1"/>
-                            </a:solidFill>
-                            <a:latin typeface="Cambria Math" panose="02040503050406030204" pitchFamily="18" charset="0"/>
-                          </a:rPr>
-                          <m:t>.</m:t>
-                        </m:r>
-                        <m:r>
-                          <a:rPr lang="en-US" sz="1700" b="0" i="1" smtClean="0">
-                            <a:solidFill>
-                              <a:schemeClr val="tx1"/>
-                            </a:solidFill>
-                            <a:latin typeface="Cambria Math" panose="02040503050406030204" pitchFamily="18" charset="0"/>
-                          </a:rPr>
-                          <m:t>1</m:t>
+                          <m:t> 0.1</m:t>
                         </m:r>
                       </m:oMath>
                     </m:oMathPara>
@@ -16592,34 +16111,7 @@
                             </a:solidFill>
                             <a:latin typeface="Cambria Math" panose="02040503050406030204" pitchFamily="18" charset="0"/>
                           </a:rPr>
-                          <m:t> </m:t>
-                        </m:r>
-                        <m:r>
-                          <a:rPr lang="en-US" sz="1700" b="0" i="1" smtClean="0">
-                            <a:solidFill>
-                              <a:sysClr val="windowText" lastClr="000000"/>
-                            </a:solidFill>
-                            <a:latin typeface="Cambria Math" panose="02040503050406030204" pitchFamily="18" charset="0"/>
-                          </a:rPr>
-                          <m:t>0</m:t>
-                        </m:r>
-                        <m:r>
-                          <a:rPr lang="en-US" sz="1700" b="0" i="1" smtClean="0">
-                            <a:solidFill>
-                              <a:sysClr val="windowText" lastClr="000000"/>
-                            </a:solidFill>
-                            <a:latin typeface="Cambria Math" panose="02040503050406030204" pitchFamily="18" charset="0"/>
-                          </a:rPr>
-                          <m:t>.</m:t>
-                        </m:r>
-                        <m:r>
-                          <a:rPr lang="en-US" sz="1700" b="0" i="1" smtClean="0">
-                            <a:solidFill>
-                              <a:sysClr val="windowText" lastClr="000000"/>
-                            </a:solidFill>
-                            <a:latin typeface="Cambria Math" panose="02040503050406030204" pitchFamily="18" charset="0"/>
-                          </a:rPr>
-                          <m:t>0</m:t>
+                          <m:t> 0.0</m:t>
                         </m:r>
                       </m:oMath>
                     </m:oMathPara>
@@ -16948,8 +16440,8 @@
             </a:p>
           </p:txBody>
         </p:sp>
-        <mc:AlternateContent xmlns:mc="http://schemas.openxmlformats.org/markup-compatibility/2006">
-          <mc:Choice xmlns:a14="http://schemas.microsoft.com/office/drawing/2010/main" Requires="a14">
+        <mc:AlternateContent xmlns:mc="http://schemas.openxmlformats.org/markup-compatibility/2006" xmlns:a14="http://schemas.microsoft.com/office/drawing/2010/main">
+          <mc:Choice Requires="a14">
             <p:sp>
               <p:nvSpPr>
                 <p:cNvPr id="281" name="Rectangle 280"/>
@@ -17017,7 +16509,7 @@
               </p:txBody>
             </p:sp>
           </mc:Choice>
-          <mc:Fallback>
+          <mc:Fallback xmlns="">
             <p:sp>
               <p:nvSpPr>
                 <p:cNvPr id="281" name="Rectangle 280"/>
@@ -17389,8 +16881,8 @@
             </p:sp>
           </mc:Fallback>
         </mc:AlternateContent>
-        <mc:AlternateContent xmlns:mc="http://schemas.openxmlformats.org/markup-compatibility/2006">
-          <mc:Choice xmlns:a14="http://schemas.microsoft.com/office/drawing/2010/main" Requires="a14">
+        <mc:AlternateContent xmlns:mc="http://schemas.openxmlformats.org/markup-compatibility/2006" xmlns:a14="http://schemas.microsoft.com/office/drawing/2010/main">
+          <mc:Choice Requires="a14">
             <p:sp>
               <p:nvSpPr>
                 <p:cNvPr id="131" name="Rectangle 130"/>
@@ -17513,7 +17005,7 @@
               </p:txBody>
             </p:sp>
           </mc:Choice>
-          <mc:Fallback>
+          <mc:Fallback xmlns="">
             <p:sp>
               <p:nvSpPr>
                 <p:cNvPr id="131" name="Rectangle 130"/>
@@ -17555,8 +17047,8 @@
             </p:sp>
           </mc:Fallback>
         </mc:AlternateContent>
-        <mc:AlternateContent xmlns:mc="http://schemas.openxmlformats.org/markup-compatibility/2006">
-          <mc:Choice xmlns:a14="http://schemas.microsoft.com/office/drawing/2010/main" Requires="a14">
+        <mc:AlternateContent xmlns:mc="http://schemas.openxmlformats.org/markup-compatibility/2006" xmlns:a14="http://schemas.microsoft.com/office/drawing/2010/main">
+          <mc:Choice Requires="a14">
             <p:sp>
               <p:nvSpPr>
                 <p:cNvPr id="132" name="Rectangle 131"/>
@@ -17684,7 +17176,7 @@
               </p:txBody>
             </p:sp>
           </mc:Choice>
-          <mc:Fallback>
+          <mc:Fallback xmlns="">
             <p:sp>
               <p:nvSpPr>
                 <p:cNvPr id="132" name="Rectangle 131"/>
@@ -17726,8 +17218,8 @@
             </p:sp>
           </mc:Fallback>
         </mc:AlternateContent>
-        <mc:AlternateContent xmlns:mc="http://schemas.openxmlformats.org/markup-compatibility/2006">
-          <mc:Choice xmlns:a14="http://schemas.microsoft.com/office/drawing/2010/main" Requires="a14">
+        <mc:AlternateContent xmlns:mc="http://schemas.openxmlformats.org/markup-compatibility/2006" xmlns:a14="http://schemas.microsoft.com/office/drawing/2010/main">
+          <mc:Choice Requires="a14">
             <p:sp>
               <p:nvSpPr>
                 <p:cNvPr id="128" name="Rectangle 127"/>
@@ -17786,7 +17278,7 @@
               </p:txBody>
             </p:sp>
           </mc:Choice>
-          <mc:Fallback>
+          <mc:Fallback xmlns="">
             <p:sp>
               <p:nvSpPr>
                 <p:cNvPr id="128" name="Rectangle 127"/>
@@ -17825,8 +17317,8 @@
             </p:sp>
           </mc:Fallback>
         </mc:AlternateContent>
-        <mc:AlternateContent xmlns:mc="http://schemas.openxmlformats.org/markup-compatibility/2006">
-          <mc:Choice xmlns:a14="http://schemas.microsoft.com/office/drawing/2010/main" Requires="a14">
+        <mc:AlternateContent xmlns:mc="http://schemas.openxmlformats.org/markup-compatibility/2006" xmlns:a14="http://schemas.microsoft.com/office/drawing/2010/main">
+          <mc:Choice Requires="a14">
             <p:sp>
               <p:nvSpPr>
                 <p:cNvPr id="130" name="Rectangle 129"/>
@@ -17885,7 +17377,7 @@
               </p:txBody>
             </p:sp>
           </mc:Choice>
-          <mc:Fallback>
+          <mc:Fallback xmlns="">
             <p:sp>
               <p:nvSpPr>
                 <p:cNvPr id="130" name="Rectangle 129"/>
@@ -17924,8 +17416,8 @@
             </p:sp>
           </mc:Fallback>
         </mc:AlternateContent>
-        <mc:AlternateContent xmlns:mc="http://schemas.openxmlformats.org/markup-compatibility/2006">
-          <mc:Choice xmlns:a14="http://schemas.microsoft.com/office/drawing/2010/main" Requires="a14">
+        <mc:AlternateContent xmlns:mc="http://schemas.openxmlformats.org/markup-compatibility/2006" xmlns:a14="http://schemas.microsoft.com/office/drawing/2010/main">
+          <mc:Choice Requires="a14">
             <p:sp>
               <p:nvSpPr>
                 <p:cNvPr id="133" name="Rectangle 132"/>
@@ -17984,7 +17476,7 @@
               </p:txBody>
             </p:sp>
           </mc:Choice>
-          <mc:Fallback>
+          <mc:Fallback xmlns="">
             <p:sp>
               <p:nvSpPr>
                 <p:cNvPr id="133" name="Rectangle 132"/>
@@ -18023,8 +17515,8 @@
             </p:sp>
           </mc:Fallback>
         </mc:AlternateContent>
-        <mc:AlternateContent xmlns:mc="http://schemas.openxmlformats.org/markup-compatibility/2006">
-          <mc:Choice xmlns:a14="http://schemas.microsoft.com/office/drawing/2010/main" Requires="a14">
+        <mc:AlternateContent xmlns:mc="http://schemas.openxmlformats.org/markup-compatibility/2006" xmlns:a14="http://schemas.microsoft.com/office/drawing/2010/main">
+          <mc:Choice Requires="a14">
             <p:sp>
               <p:nvSpPr>
                 <p:cNvPr id="137" name="Rectangle 136"/>
@@ -18083,7 +17575,7 @@
               </p:txBody>
             </p:sp>
           </mc:Choice>
-          <mc:Fallback>
+          <mc:Fallback xmlns="">
             <p:sp>
               <p:nvSpPr>
                 <p:cNvPr id="137" name="Rectangle 136"/>
@@ -18122,8 +17614,8 @@
             </p:sp>
           </mc:Fallback>
         </mc:AlternateContent>
-        <mc:AlternateContent xmlns:mc="http://schemas.openxmlformats.org/markup-compatibility/2006">
-          <mc:Choice xmlns:a14="http://schemas.microsoft.com/office/drawing/2010/main" Requires="a14">
+        <mc:AlternateContent xmlns:mc="http://schemas.openxmlformats.org/markup-compatibility/2006" xmlns:a14="http://schemas.microsoft.com/office/drawing/2010/main">
+          <mc:Choice Requires="a14">
             <p:sp>
               <p:nvSpPr>
                 <p:cNvPr id="138" name="Rectangle 137"/>
@@ -18182,7 +17674,7 @@
               </p:txBody>
             </p:sp>
           </mc:Choice>
-          <mc:Fallback>
+          <mc:Fallback xmlns="">
             <p:sp>
               <p:nvSpPr>
                 <p:cNvPr id="138" name="Rectangle 137"/>
@@ -18221,8 +17713,8 @@
             </p:sp>
           </mc:Fallback>
         </mc:AlternateContent>
-        <mc:AlternateContent xmlns:mc="http://schemas.openxmlformats.org/markup-compatibility/2006">
-          <mc:Choice xmlns:a14="http://schemas.microsoft.com/office/drawing/2010/main" Requires="a14">
+        <mc:AlternateContent xmlns:mc="http://schemas.openxmlformats.org/markup-compatibility/2006" xmlns:a14="http://schemas.microsoft.com/office/drawing/2010/main">
+          <mc:Choice Requires="a14">
             <p:sp>
               <p:nvSpPr>
                 <p:cNvPr id="139" name="Rectangle 138"/>
@@ -18281,7 +17773,7 @@
               </p:txBody>
             </p:sp>
           </mc:Choice>
-          <mc:Fallback>
+          <mc:Fallback xmlns="">
             <p:sp>
               <p:nvSpPr>
                 <p:cNvPr id="139" name="Rectangle 138"/>
@@ -18320,8 +17812,8 @@
             </p:sp>
           </mc:Fallback>
         </mc:AlternateContent>
-        <mc:AlternateContent xmlns:mc="http://schemas.openxmlformats.org/markup-compatibility/2006">
-          <mc:Choice xmlns:a14="http://schemas.microsoft.com/office/drawing/2010/main" Requires="a14">
+        <mc:AlternateContent xmlns:mc="http://schemas.openxmlformats.org/markup-compatibility/2006" xmlns:a14="http://schemas.microsoft.com/office/drawing/2010/main">
+          <mc:Choice Requires="a14">
             <p:sp>
               <p:nvSpPr>
                 <p:cNvPr id="143" name="Rectangle 142"/>
@@ -18380,7 +17872,7 @@
               </p:txBody>
             </p:sp>
           </mc:Choice>
-          <mc:Fallback>
+          <mc:Fallback xmlns="">
             <p:sp>
               <p:nvSpPr>
                 <p:cNvPr id="143" name="Rectangle 142"/>
@@ -18419,8 +17911,8 @@
             </p:sp>
           </mc:Fallback>
         </mc:AlternateContent>
-        <mc:AlternateContent xmlns:mc="http://schemas.openxmlformats.org/markup-compatibility/2006">
-          <mc:Choice xmlns:a14="http://schemas.microsoft.com/office/drawing/2010/main" Requires="a14">
+        <mc:AlternateContent xmlns:mc="http://schemas.openxmlformats.org/markup-compatibility/2006" xmlns:a14="http://schemas.microsoft.com/office/drawing/2010/main">
+          <mc:Choice Requires="a14">
             <p:sp>
               <p:nvSpPr>
                 <p:cNvPr id="144" name="Rectangle 143"/>
@@ -18479,7 +17971,7 @@
               </p:txBody>
             </p:sp>
           </mc:Choice>
-          <mc:Fallback>
+          <mc:Fallback xmlns="">
             <p:sp>
               <p:nvSpPr>
                 <p:cNvPr id="144" name="Rectangle 143"/>
@@ -18518,8 +18010,8 @@
             </p:sp>
           </mc:Fallback>
         </mc:AlternateContent>
-        <mc:AlternateContent xmlns:mc="http://schemas.openxmlformats.org/markup-compatibility/2006">
-          <mc:Choice xmlns:a14="http://schemas.microsoft.com/office/drawing/2010/main" Requires="a14">
+        <mc:AlternateContent xmlns:mc="http://schemas.openxmlformats.org/markup-compatibility/2006" xmlns:a14="http://schemas.microsoft.com/office/drawing/2010/main">
+          <mc:Choice Requires="a14">
             <p:sp>
               <p:nvSpPr>
                 <p:cNvPr id="145" name="Rectangle 144"/>
@@ -18578,7 +18070,7 @@
               </p:txBody>
             </p:sp>
           </mc:Choice>
-          <mc:Fallback>
+          <mc:Fallback xmlns="">
             <p:sp>
               <p:nvSpPr>
                 <p:cNvPr id="145" name="Rectangle 144"/>
@@ -18617,8 +18109,8 @@
             </p:sp>
           </mc:Fallback>
         </mc:AlternateContent>
-        <mc:AlternateContent xmlns:mc="http://schemas.openxmlformats.org/markup-compatibility/2006">
-          <mc:Choice xmlns:a14="http://schemas.microsoft.com/office/drawing/2010/main" Requires="a14">
+        <mc:AlternateContent xmlns:mc="http://schemas.openxmlformats.org/markup-compatibility/2006" xmlns:a14="http://schemas.microsoft.com/office/drawing/2010/main">
+          <mc:Choice Requires="a14">
             <p:sp>
               <p:nvSpPr>
                 <p:cNvPr id="146" name="Rectangle 145"/>
@@ -18677,7 +18169,7 @@
               </p:txBody>
             </p:sp>
           </mc:Choice>
-          <mc:Fallback>
+          <mc:Fallback xmlns="">
             <p:sp>
               <p:nvSpPr>
                 <p:cNvPr id="146" name="Rectangle 145"/>
@@ -18716,8 +18208,8 @@
             </p:sp>
           </mc:Fallback>
         </mc:AlternateContent>
-        <mc:AlternateContent xmlns:mc="http://schemas.openxmlformats.org/markup-compatibility/2006">
-          <mc:Choice xmlns:a14="http://schemas.microsoft.com/office/drawing/2010/main" Requires="a14">
+        <mc:AlternateContent xmlns:mc="http://schemas.openxmlformats.org/markup-compatibility/2006" xmlns:a14="http://schemas.microsoft.com/office/drawing/2010/main">
+          <mc:Choice Requires="a14">
             <p:sp>
               <p:nvSpPr>
                 <p:cNvPr id="147" name="Rectangle 146"/>
@@ -18776,7 +18268,7 @@
               </p:txBody>
             </p:sp>
           </mc:Choice>
-          <mc:Fallback>
+          <mc:Fallback xmlns="">
             <p:sp>
               <p:nvSpPr>
                 <p:cNvPr id="147" name="Rectangle 146"/>
@@ -18815,8 +18307,8 @@
             </p:sp>
           </mc:Fallback>
         </mc:AlternateContent>
-        <mc:AlternateContent xmlns:mc="http://schemas.openxmlformats.org/markup-compatibility/2006">
-          <mc:Choice xmlns:a14="http://schemas.microsoft.com/office/drawing/2010/main" Requires="a14">
+        <mc:AlternateContent xmlns:mc="http://schemas.openxmlformats.org/markup-compatibility/2006" xmlns:a14="http://schemas.microsoft.com/office/drawing/2010/main">
+          <mc:Choice Requires="a14">
             <p:sp>
               <p:nvSpPr>
                 <p:cNvPr id="148" name="Rectangle 147"/>
@@ -18875,7 +18367,7 @@
               </p:txBody>
             </p:sp>
           </mc:Choice>
-          <mc:Fallback>
+          <mc:Fallback xmlns="">
             <p:sp>
               <p:nvSpPr>
                 <p:cNvPr id="148" name="Rectangle 147"/>
@@ -18914,8 +18406,8 @@
             </p:sp>
           </mc:Fallback>
         </mc:AlternateContent>
-        <mc:AlternateContent xmlns:mc="http://schemas.openxmlformats.org/markup-compatibility/2006">
-          <mc:Choice xmlns:a14="http://schemas.microsoft.com/office/drawing/2010/main" Requires="a14">
+        <mc:AlternateContent xmlns:mc="http://schemas.openxmlformats.org/markup-compatibility/2006" xmlns:a14="http://schemas.microsoft.com/office/drawing/2010/main">
+          <mc:Choice Requires="a14">
             <p:sp>
               <p:nvSpPr>
                 <p:cNvPr id="149" name="Rectangle 148"/>
@@ -18974,7 +18466,7 @@
               </p:txBody>
             </p:sp>
           </mc:Choice>
-          <mc:Fallback>
+          <mc:Fallback xmlns="">
             <p:sp>
               <p:nvSpPr>
                 <p:cNvPr id="149" name="Rectangle 148"/>
@@ -19013,8 +18505,8 @@
             </p:sp>
           </mc:Fallback>
         </mc:AlternateContent>
-        <mc:AlternateContent xmlns:mc="http://schemas.openxmlformats.org/markup-compatibility/2006">
-          <mc:Choice xmlns:a14="http://schemas.microsoft.com/office/drawing/2010/main" Requires="a14">
+        <mc:AlternateContent xmlns:mc="http://schemas.openxmlformats.org/markup-compatibility/2006" xmlns:a14="http://schemas.microsoft.com/office/drawing/2010/main">
+          <mc:Choice Requires="a14">
             <p:sp>
               <p:nvSpPr>
                 <p:cNvPr id="150" name="Rectangle 149"/>
@@ -19073,7 +18565,7 @@
               </p:txBody>
             </p:sp>
           </mc:Choice>
-          <mc:Fallback>
+          <mc:Fallback xmlns="">
             <p:sp>
               <p:nvSpPr>
                 <p:cNvPr id="150" name="Rectangle 149"/>
@@ -19112,8 +18604,8 @@
             </p:sp>
           </mc:Fallback>
         </mc:AlternateContent>
-        <mc:AlternateContent xmlns:mc="http://schemas.openxmlformats.org/markup-compatibility/2006">
-          <mc:Choice xmlns:a14="http://schemas.microsoft.com/office/drawing/2010/main" Requires="a14">
+        <mc:AlternateContent xmlns:mc="http://schemas.openxmlformats.org/markup-compatibility/2006" xmlns:a14="http://schemas.microsoft.com/office/drawing/2010/main">
+          <mc:Choice Requires="a14">
             <p:sp>
               <p:nvSpPr>
                 <p:cNvPr id="151" name="Rectangle 150"/>
@@ -19172,7 +18664,7 @@
               </p:txBody>
             </p:sp>
           </mc:Choice>
-          <mc:Fallback>
+          <mc:Fallback xmlns="">
             <p:sp>
               <p:nvSpPr>
                 <p:cNvPr id="151" name="Rectangle 150"/>
@@ -19211,8 +18703,8 @@
             </p:sp>
           </mc:Fallback>
         </mc:AlternateContent>
-        <mc:AlternateContent xmlns:mc="http://schemas.openxmlformats.org/markup-compatibility/2006">
-          <mc:Choice xmlns:a14="http://schemas.microsoft.com/office/drawing/2010/main" Requires="a14">
+        <mc:AlternateContent xmlns:mc="http://schemas.openxmlformats.org/markup-compatibility/2006" xmlns:a14="http://schemas.microsoft.com/office/drawing/2010/main">
+          <mc:Choice Requires="a14">
             <p:sp>
               <p:nvSpPr>
                 <p:cNvPr id="152" name="Rectangle 151"/>
@@ -19271,7 +18763,7 @@
               </p:txBody>
             </p:sp>
           </mc:Choice>
-          <mc:Fallback>
+          <mc:Fallback xmlns="">
             <p:sp>
               <p:nvSpPr>
                 <p:cNvPr id="152" name="Rectangle 151"/>
@@ -19310,8 +18802,8 @@
             </p:sp>
           </mc:Fallback>
         </mc:AlternateContent>
-        <mc:AlternateContent xmlns:mc="http://schemas.openxmlformats.org/markup-compatibility/2006">
-          <mc:Choice xmlns:a14="http://schemas.microsoft.com/office/drawing/2010/main" Requires="a14">
+        <mc:AlternateContent xmlns:mc="http://schemas.openxmlformats.org/markup-compatibility/2006" xmlns:a14="http://schemas.microsoft.com/office/drawing/2010/main">
+          <mc:Choice Requires="a14">
             <p:sp>
               <p:nvSpPr>
                 <p:cNvPr id="153" name="Rectangle 152"/>
@@ -19370,7 +18862,7 @@
               </p:txBody>
             </p:sp>
           </mc:Choice>
-          <mc:Fallback>
+          <mc:Fallback xmlns="">
             <p:sp>
               <p:nvSpPr>
                 <p:cNvPr id="153" name="Rectangle 152"/>
@@ -19409,8 +18901,8 @@
             </p:sp>
           </mc:Fallback>
         </mc:AlternateContent>
-        <mc:AlternateContent xmlns:mc="http://schemas.openxmlformats.org/markup-compatibility/2006">
-          <mc:Choice xmlns:a14="http://schemas.microsoft.com/office/drawing/2010/main" Requires="a14">
+        <mc:AlternateContent xmlns:mc="http://schemas.openxmlformats.org/markup-compatibility/2006" xmlns:a14="http://schemas.microsoft.com/office/drawing/2010/main">
+          <mc:Choice Requires="a14">
             <p:sp>
               <p:nvSpPr>
                 <p:cNvPr id="154" name="Rectangle 153"/>
@@ -19469,7 +18961,7 @@
               </p:txBody>
             </p:sp>
           </mc:Choice>
-          <mc:Fallback>
+          <mc:Fallback xmlns="">
             <p:sp>
               <p:nvSpPr>
                 <p:cNvPr id="154" name="Rectangle 153"/>
@@ -19508,8 +19000,8 @@
             </p:sp>
           </mc:Fallback>
         </mc:AlternateContent>
-        <mc:AlternateContent xmlns:mc="http://schemas.openxmlformats.org/markup-compatibility/2006">
-          <mc:Choice xmlns:a14="http://schemas.microsoft.com/office/drawing/2010/main" Requires="a14">
+        <mc:AlternateContent xmlns:mc="http://schemas.openxmlformats.org/markup-compatibility/2006" xmlns:a14="http://schemas.microsoft.com/office/drawing/2010/main">
+          <mc:Choice Requires="a14">
             <p:sp>
               <p:nvSpPr>
                 <p:cNvPr id="155" name="Rectangle 154"/>
@@ -19568,7 +19060,7 @@
               </p:txBody>
             </p:sp>
           </mc:Choice>
-          <mc:Fallback>
+          <mc:Fallback xmlns="">
             <p:sp>
               <p:nvSpPr>
                 <p:cNvPr id="155" name="Rectangle 154"/>
@@ -19607,8 +19099,8 @@
             </p:sp>
           </mc:Fallback>
         </mc:AlternateContent>
-        <mc:AlternateContent xmlns:mc="http://schemas.openxmlformats.org/markup-compatibility/2006">
-          <mc:Choice xmlns:a14="http://schemas.microsoft.com/office/drawing/2010/main" Requires="a14">
+        <mc:AlternateContent xmlns:mc="http://schemas.openxmlformats.org/markup-compatibility/2006" xmlns:a14="http://schemas.microsoft.com/office/drawing/2010/main">
+          <mc:Choice Requires="a14">
             <p:sp>
               <p:nvSpPr>
                 <p:cNvPr id="156" name="Rectangle 155"/>
@@ -19667,7 +19159,7 @@
               </p:txBody>
             </p:sp>
           </mc:Choice>
-          <mc:Fallback>
+          <mc:Fallback xmlns="">
             <p:sp>
               <p:nvSpPr>
                 <p:cNvPr id="156" name="Rectangle 155"/>
@@ -19706,8 +19198,8 @@
             </p:sp>
           </mc:Fallback>
         </mc:AlternateContent>
-        <mc:AlternateContent xmlns:mc="http://schemas.openxmlformats.org/markup-compatibility/2006">
-          <mc:Choice xmlns:a14="http://schemas.microsoft.com/office/drawing/2010/main" Requires="a14">
+        <mc:AlternateContent xmlns:mc="http://schemas.openxmlformats.org/markup-compatibility/2006" xmlns:a14="http://schemas.microsoft.com/office/drawing/2010/main">
+          <mc:Choice Requires="a14">
             <p:sp>
               <p:nvSpPr>
                 <p:cNvPr id="157" name="Rectangle 156"/>
@@ -19766,7 +19258,7 @@
               </p:txBody>
             </p:sp>
           </mc:Choice>
-          <mc:Fallback>
+          <mc:Fallback xmlns="">
             <p:sp>
               <p:nvSpPr>
                 <p:cNvPr id="157" name="Rectangle 156"/>
@@ -19805,8 +19297,8 @@
             </p:sp>
           </mc:Fallback>
         </mc:AlternateContent>
-        <mc:AlternateContent xmlns:mc="http://schemas.openxmlformats.org/markup-compatibility/2006">
-          <mc:Choice xmlns:a14="http://schemas.microsoft.com/office/drawing/2010/main" Requires="a14">
+        <mc:AlternateContent xmlns:mc="http://schemas.openxmlformats.org/markup-compatibility/2006" xmlns:a14="http://schemas.microsoft.com/office/drawing/2010/main">
+          <mc:Choice Requires="a14">
             <p:sp>
               <p:nvSpPr>
                 <p:cNvPr id="175" name="Rectangle 174"/>
@@ -19865,7 +19357,7 @@
               </p:txBody>
             </p:sp>
           </mc:Choice>
-          <mc:Fallback>
+          <mc:Fallback xmlns="">
             <p:sp>
               <p:nvSpPr>
                 <p:cNvPr id="175" name="Rectangle 174"/>
@@ -19904,8 +19396,8 @@
             </p:sp>
           </mc:Fallback>
         </mc:AlternateContent>
-        <mc:AlternateContent xmlns:mc="http://schemas.openxmlformats.org/markup-compatibility/2006">
-          <mc:Choice xmlns:a14="http://schemas.microsoft.com/office/drawing/2010/main" Requires="a14">
+        <mc:AlternateContent xmlns:mc="http://schemas.openxmlformats.org/markup-compatibility/2006" xmlns:a14="http://schemas.microsoft.com/office/drawing/2010/main">
+          <mc:Choice Requires="a14">
             <p:sp>
               <p:nvSpPr>
                 <p:cNvPr id="176" name="Rectangle 175"/>
@@ -19964,7 +19456,7 @@
               </p:txBody>
             </p:sp>
           </mc:Choice>
-          <mc:Fallback>
+          <mc:Fallback xmlns="">
             <p:sp>
               <p:nvSpPr>
                 <p:cNvPr id="176" name="Rectangle 175"/>
@@ -20003,8 +19495,8 @@
             </p:sp>
           </mc:Fallback>
         </mc:AlternateContent>
-        <mc:AlternateContent xmlns:mc="http://schemas.openxmlformats.org/markup-compatibility/2006">
-          <mc:Choice xmlns:a14="http://schemas.microsoft.com/office/drawing/2010/main" Requires="a14">
+        <mc:AlternateContent xmlns:mc="http://schemas.openxmlformats.org/markup-compatibility/2006" xmlns:a14="http://schemas.microsoft.com/office/drawing/2010/main">
+          <mc:Choice Requires="a14">
             <p:sp>
               <p:nvSpPr>
                 <p:cNvPr id="177" name="Rectangle 176"/>
@@ -20063,7 +19555,7 @@
               </p:txBody>
             </p:sp>
           </mc:Choice>
-          <mc:Fallback>
+          <mc:Fallback xmlns="">
             <p:sp>
               <p:nvSpPr>
                 <p:cNvPr id="177" name="Rectangle 176"/>
@@ -20102,8 +19594,8 @@
             </p:sp>
           </mc:Fallback>
         </mc:AlternateContent>
-        <mc:AlternateContent xmlns:mc="http://schemas.openxmlformats.org/markup-compatibility/2006">
-          <mc:Choice xmlns:a14="http://schemas.microsoft.com/office/drawing/2010/main" Requires="a14">
+        <mc:AlternateContent xmlns:mc="http://schemas.openxmlformats.org/markup-compatibility/2006" xmlns:a14="http://schemas.microsoft.com/office/drawing/2010/main">
+          <mc:Choice Requires="a14">
             <p:sp>
               <p:nvSpPr>
                 <p:cNvPr id="178" name="Rectangle 177"/>
@@ -20162,7 +19654,7 @@
               </p:txBody>
             </p:sp>
           </mc:Choice>
-          <mc:Fallback>
+          <mc:Fallback xmlns="">
             <p:sp>
               <p:nvSpPr>
                 <p:cNvPr id="178" name="Rectangle 177"/>
@@ -20201,8 +19693,8 @@
             </p:sp>
           </mc:Fallback>
         </mc:AlternateContent>
-        <mc:AlternateContent xmlns:mc="http://schemas.openxmlformats.org/markup-compatibility/2006">
-          <mc:Choice xmlns:a14="http://schemas.microsoft.com/office/drawing/2010/main" Requires="a14">
+        <mc:AlternateContent xmlns:mc="http://schemas.openxmlformats.org/markup-compatibility/2006" xmlns:a14="http://schemas.microsoft.com/office/drawing/2010/main">
+          <mc:Choice Requires="a14">
             <p:sp>
               <p:nvSpPr>
                 <p:cNvPr id="179" name="Rectangle 178"/>
@@ -20261,7 +19753,7 @@
               </p:txBody>
             </p:sp>
           </mc:Choice>
-          <mc:Fallback>
+          <mc:Fallback xmlns="">
             <p:sp>
               <p:nvSpPr>
                 <p:cNvPr id="179" name="Rectangle 178"/>
@@ -20300,8 +19792,8 @@
             </p:sp>
           </mc:Fallback>
         </mc:AlternateContent>
-        <mc:AlternateContent xmlns:mc="http://schemas.openxmlformats.org/markup-compatibility/2006">
-          <mc:Choice xmlns:a14="http://schemas.microsoft.com/office/drawing/2010/main" Requires="a14">
+        <mc:AlternateContent xmlns:mc="http://schemas.openxmlformats.org/markup-compatibility/2006" xmlns:a14="http://schemas.microsoft.com/office/drawing/2010/main">
+          <mc:Choice Requires="a14">
             <p:sp>
               <p:nvSpPr>
                 <p:cNvPr id="180" name="Rectangle 179"/>
@@ -20360,7 +19852,7 @@
               </p:txBody>
             </p:sp>
           </mc:Choice>
-          <mc:Fallback>
+          <mc:Fallback xmlns="">
             <p:sp>
               <p:nvSpPr>
                 <p:cNvPr id="180" name="Rectangle 179"/>
@@ -20399,8 +19891,8 @@
             </p:sp>
           </mc:Fallback>
         </mc:AlternateContent>
-        <mc:AlternateContent xmlns:mc="http://schemas.openxmlformats.org/markup-compatibility/2006">
-          <mc:Choice xmlns:a14="http://schemas.microsoft.com/office/drawing/2010/main" Requires="a14">
+        <mc:AlternateContent xmlns:mc="http://schemas.openxmlformats.org/markup-compatibility/2006" xmlns:a14="http://schemas.microsoft.com/office/drawing/2010/main">
+          <mc:Choice Requires="a14">
             <p:sp>
               <p:nvSpPr>
                 <p:cNvPr id="181" name="Rectangle 180"/>
@@ -20459,7 +19951,7 @@
               </p:txBody>
             </p:sp>
           </mc:Choice>
-          <mc:Fallback>
+          <mc:Fallback xmlns="">
             <p:sp>
               <p:nvSpPr>
                 <p:cNvPr id="181" name="Rectangle 180"/>
@@ -20498,8 +19990,8 @@
             </p:sp>
           </mc:Fallback>
         </mc:AlternateContent>
-        <mc:AlternateContent xmlns:mc="http://schemas.openxmlformats.org/markup-compatibility/2006">
-          <mc:Choice xmlns:a14="http://schemas.microsoft.com/office/drawing/2010/main" Requires="a14">
+        <mc:AlternateContent xmlns:mc="http://schemas.openxmlformats.org/markup-compatibility/2006" xmlns:a14="http://schemas.microsoft.com/office/drawing/2010/main">
+          <mc:Choice Requires="a14">
             <p:sp>
               <p:nvSpPr>
                 <p:cNvPr id="182" name="Rectangle 181"/>
@@ -20558,7 +20050,7 @@
               </p:txBody>
             </p:sp>
           </mc:Choice>
-          <mc:Fallback>
+          <mc:Fallback xmlns="">
             <p:sp>
               <p:nvSpPr>
                 <p:cNvPr id="182" name="Rectangle 181"/>
@@ -20597,8 +20089,8 @@
             </p:sp>
           </mc:Fallback>
         </mc:AlternateContent>
-        <mc:AlternateContent xmlns:mc="http://schemas.openxmlformats.org/markup-compatibility/2006">
-          <mc:Choice xmlns:a14="http://schemas.microsoft.com/office/drawing/2010/main" Requires="a14">
+        <mc:AlternateContent xmlns:mc="http://schemas.openxmlformats.org/markup-compatibility/2006" xmlns:a14="http://schemas.microsoft.com/office/drawing/2010/main">
+          <mc:Choice Requires="a14">
             <p:sp>
               <p:nvSpPr>
                 <p:cNvPr id="183" name="Rectangle 182"/>
@@ -20657,7 +20149,7 @@
               </p:txBody>
             </p:sp>
           </mc:Choice>
-          <mc:Fallback>
+          <mc:Fallback xmlns="">
             <p:sp>
               <p:nvSpPr>
                 <p:cNvPr id="183" name="Rectangle 182"/>
@@ -20696,8 +20188,8 @@
             </p:sp>
           </mc:Fallback>
         </mc:AlternateContent>
-        <mc:AlternateContent xmlns:mc="http://schemas.openxmlformats.org/markup-compatibility/2006">
-          <mc:Choice xmlns:a14="http://schemas.microsoft.com/office/drawing/2010/main" Requires="a14">
+        <mc:AlternateContent xmlns:mc="http://schemas.openxmlformats.org/markup-compatibility/2006" xmlns:a14="http://schemas.microsoft.com/office/drawing/2010/main">
+          <mc:Choice Requires="a14">
             <p:sp>
               <p:nvSpPr>
                 <p:cNvPr id="184" name="Rectangle 183"/>
@@ -20756,7 +20248,7 @@
               </p:txBody>
             </p:sp>
           </mc:Choice>
-          <mc:Fallback>
+          <mc:Fallback xmlns="">
             <p:sp>
               <p:nvSpPr>
                 <p:cNvPr id="184" name="Rectangle 183"/>
@@ -20795,8 +20287,8 @@
             </p:sp>
           </mc:Fallback>
         </mc:AlternateContent>
-        <mc:AlternateContent xmlns:mc="http://schemas.openxmlformats.org/markup-compatibility/2006">
-          <mc:Choice xmlns:a14="http://schemas.microsoft.com/office/drawing/2010/main" Requires="a14">
+        <mc:AlternateContent xmlns:mc="http://schemas.openxmlformats.org/markup-compatibility/2006" xmlns:a14="http://schemas.microsoft.com/office/drawing/2010/main">
+          <mc:Choice Requires="a14">
             <p:sp>
               <p:nvSpPr>
                 <p:cNvPr id="185" name="Rectangle 184"/>
@@ -20855,7 +20347,7 @@
               </p:txBody>
             </p:sp>
           </mc:Choice>
-          <mc:Fallback>
+          <mc:Fallback xmlns="">
             <p:sp>
               <p:nvSpPr>
                 <p:cNvPr id="185" name="Rectangle 184"/>
@@ -20894,8 +20386,8 @@
             </p:sp>
           </mc:Fallback>
         </mc:AlternateContent>
-        <mc:AlternateContent xmlns:mc="http://schemas.openxmlformats.org/markup-compatibility/2006">
-          <mc:Choice xmlns:a14="http://schemas.microsoft.com/office/drawing/2010/main" Requires="a14">
+        <mc:AlternateContent xmlns:mc="http://schemas.openxmlformats.org/markup-compatibility/2006" xmlns:a14="http://schemas.microsoft.com/office/drawing/2010/main">
+          <mc:Choice Requires="a14">
             <p:sp>
               <p:nvSpPr>
                 <p:cNvPr id="186" name="Rectangle 185"/>
@@ -20954,7 +20446,7 @@
               </p:txBody>
             </p:sp>
           </mc:Choice>
-          <mc:Fallback>
+          <mc:Fallback xmlns="">
             <p:sp>
               <p:nvSpPr>
                 <p:cNvPr id="186" name="Rectangle 185"/>
@@ -20993,8 +20485,8 @@
             </p:sp>
           </mc:Fallback>
         </mc:AlternateContent>
-        <mc:AlternateContent xmlns:mc="http://schemas.openxmlformats.org/markup-compatibility/2006">
-          <mc:Choice xmlns:a14="http://schemas.microsoft.com/office/drawing/2010/main" Requires="a14">
+        <mc:AlternateContent xmlns:mc="http://schemas.openxmlformats.org/markup-compatibility/2006" xmlns:a14="http://schemas.microsoft.com/office/drawing/2010/main">
+          <mc:Choice Requires="a14">
             <p:sp>
               <p:nvSpPr>
                 <p:cNvPr id="187" name="Rectangle 186"/>
@@ -21053,7 +20545,7 @@
               </p:txBody>
             </p:sp>
           </mc:Choice>
-          <mc:Fallback>
+          <mc:Fallback xmlns="">
             <p:sp>
               <p:nvSpPr>
                 <p:cNvPr id="187" name="Rectangle 186"/>
@@ -21092,8 +20584,8 @@
             </p:sp>
           </mc:Fallback>
         </mc:AlternateContent>
-        <mc:AlternateContent xmlns:mc="http://schemas.openxmlformats.org/markup-compatibility/2006">
-          <mc:Choice xmlns:a14="http://schemas.microsoft.com/office/drawing/2010/main" Requires="a14">
+        <mc:AlternateContent xmlns:mc="http://schemas.openxmlformats.org/markup-compatibility/2006" xmlns:a14="http://schemas.microsoft.com/office/drawing/2010/main">
+          <mc:Choice Requires="a14">
             <p:sp>
               <p:nvSpPr>
                 <p:cNvPr id="188" name="Rectangle 187"/>
@@ -21152,7 +20644,7 @@
               </p:txBody>
             </p:sp>
           </mc:Choice>
-          <mc:Fallback>
+          <mc:Fallback xmlns="">
             <p:sp>
               <p:nvSpPr>
                 <p:cNvPr id="188" name="Rectangle 187"/>
@@ -21191,8 +20683,8 @@
             </p:sp>
           </mc:Fallback>
         </mc:AlternateContent>
-        <mc:AlternateContent xmlns:mc="http://schemas.openxmlformats.org/markup-compatibility/2006">
-          <mc:Choice xmlns:a14="http://schemas.microsoft.com/office/drawing/2010/main" Requires="a14">
+        <mc:AlternateContent xmlns:mc="http://schemas.openxmlformats.org/markup-compatibility/2006" xmlns:a14="http://schemas.microsoft.com/office/drawing/2010/main">
+          <mc:Choice Requires="a14">
             <p:sp>
               <p:nvSpPr>
                 <p:cNvPr id="189" name="Rectangle 188"/>
@@ -21251,7 +20743,7 @@
               </p:txBody>
             </p:sp>
           </mc:Choice>
-          <mc:Fallback>
+          <mc:Fallback xmlns="">
             <p:sp>
               <p:nvSpPr>
                 <p:cNvPr id="189" name="Rectangle 188"/>
@@ -21290,8 +20782,8 @@
             </p:sp>
           </mc:Fallback>
         </mc:AlternateContent>
-        <mc:AlternateContent xmlns:mc="http://schemas.openxmlformats.org/markup-compatibility/2006">
-          <mc:Choice xmlns:a14="http://schemas.microsoft.com/office/drawing/2010/main" Requires="a14">
+        <mc:AlternateContent xmlns:mc="http://schemas.openxmlformats.org/markup-compatibility/2006" xmlns:a14="http://schemas.microsoft.com/office/drawing/2010/main">
+          <mc:Choice Requires="a14">
             <p:sp>
               <p:nvSpPr>
                 <p:cNvPr id="190" name="Rectangle 189"/>
@@ -21350,7 +20842,7 @@
               </p:txBody>
             </p:sp>
           </mc:Choice>
-          <mc:Fallback>
+          <mc:Fallback xmlns="">
             <p:sp>
               <p:nvSpPr>
                 <p:cNvPr id="190" name="Rectangle 189"/>
@@ -21389,8 +20881,8 @@
             </p:sp>
           </mc:Fallback>
         </mc:AlternateContent>
-        <mc:AlternateContent xmlns:mc="http://schemas.openxmlformats.org/markup-compatibility/2006">
-          <mc:Choice xmlns:a14="http://schemas.microsoft.com/office/drawing/2010/main" Requires="a14">
+        <mc:AlternateContent xmlns:mc="http://schemas.openxmlformats.org/markup-compatibility/2006" xmlns:a14="http://schemas.microsoft.com/office/drawing/2010/main">
+          <mc:Choice Requires="a14">
             <p:sp>
               <p:nvSpPr>
                 <p:cNvPr id="197" name="Rectangle 196"/>
@@ -21449,7 +20941,7 @@
               </p:txBody>
             </p:sp>
           </mc:Choice>
-          <mc:Fallback>
+          <mc:Fallback xmlns="">
             <p:sp>
               <p:nvSpPr>
                 <p:cNvPr id="197" name="Rectangle 196"/>
@@ -21488,8 +20980,8 @@
             </p:sp>
           </mc:Fallback>
         </mc:AlternateContent>
-        <mc:AlternateContent xmlns:mc="http://schemas.openxmlformats.org/markup-compatibility/2006">
-          <mc:Choice xmlns:a14="http://schemas.microsoft.com/office/drawing/2010/main" Requires="a14">
+        <mc:AlternateContent xmlns:mc="http://schemas.openxmlformats.org/markup-compatibility/2006" xmlns:a14="http://schemas.microsoft.com/office/drawing/2010/main">
+          <mc:Choice Requires="a14">
             <p:sp>
               <p:nvSpPr>
                 <p:cNvPr id="198" name="Rectangle 197"/>
@@ -21548,7 +21040,7 @@
               </p:txBody>
             </p:sp>
           </mc:Choice>
-          <mc:Fallback>
+          <mc:Fallback xmlns="">
             <p:sp>
               <p:nvSpPr>
                 <p:cNvPr id="198" name="Rectangle 197"/>
@@ -21587,8 +21079,8 @@
             </p:sp>
           </mc:Fallback>
         </mc:AlternateContent>
-        <mc:AlternateContent xmlns:mc="http://schemas.openxmlformats.org/markup-compatibility/2006">
-          <mc:Choice xmlns:a14="http://schemas.microsoft.com/office/drawing/2010/main" Requires="a14">
+        <mc:AlternateContent xmlns:mc="http://schemas.openxmlformats.org/markup-compatibility/2006" xmlns:a14="http://schemas.microsoft.com/office/drawing/2010/main">
+          <mc:Choice Requires="a14">
             <p:sp>
               <p:nvSpPr>
                 <p:cNvPr id="223" name="Rectangle 222"/>
@@ -21647,7 +21139,7 @@
               </p:txBody>
             </p:sp>
           </mc:Choice>
-          <mc:Fallback>
+          <mc:Fallback xmlns="">
             <p:sp>
               <p:nvSpPr>
                 <p:cNvPr id="223" name="Rectangle 222"/>
@@ -21686,8 +21178,8 @@
             </p:sp>
           </mc:Fallback>
         </mc:AlternateContent>
-        <mc:AlternateContent xmlns:mc="http://schemas.openxmlformats.org/markup-compatibility/2006">
-          <mc:Choice xmlns:a14="http://schemas.microsoft.com/office/drawing/2010/main" Requires="a14">
+        <mc:AlternateContent xmlns:mc="http://schemas.openxmlformats.org/markup-compatibility/2006" xmlns:a14="http://schemas.microsoft.com/office/drawing/2010/main">
+          <mc:Choice Requires="a14">
             <p:sp>
               <p:nvSpPr>
                 <p:cNvPr id="224" name="Rectangle 223"/>
@@ -21746,7 +21238,7 @@
               </p:txBody>
             </p:sp>
           </mc:Choice>
-          <mc:Fallback>
+          <mc:Fallback xmlns="">
             <p:sp>
               <p:nvSpPr>
                 <p:cNvPr id="224" name="Rectangle 223"/>
@@ -21785,8 +21277,8 @@
             </p:sp>
           </mc:Fallback>
         </mc:AlternateContent>
-        <mc:AlternateContent xmlns:mc="http://schemas.openxmlformats.org/markup-compatibility/2006">
-          <mc:Choice xmlns:a14="http://schemas.microsoft.com/office/drawing/2010/main" Requires="a14">
+        <mc:AlternateContent xmlns:mc="http://schemas.openxmlformats.org/markup-compatibility/2006" xmlns:a14="http://schemas.microsoft.com/office/drawing/2010/main">
+          <mc:Choice Requires="a14">
             <p:sp>
               <p:nvSpPr>
                 <p:cNvPr id="225" name="Rectangle 224"/>
@@ -21845,7 +21337,7 @@
               </p:txBody>
             </p:sp>
           </mc:Choice>
-          <mc:Fallback>
+          <mc:Fallback xmlns="">
             <p:sp>
               <p:nvSpPr>
                 <p:cNvPr id="225" name="Rectangle 224"/>
@@ -21884,8 +21376,8 @@
             </p:sp>
           </mc:Fallback>
         </mc:AlternateContent>
-        <mc:AlternateContent xmlns:mc="http://schemas.openxmlformats.org/markup-compatibility/2006">
-          <mc:Choice xmlns:a14="http://schemas.microsoft.com/office/drawing/2010/main" Requires="a14">
+        <mc:AlternateContent xmlns:mc="http://schemas.openxmlformats.org/markup-compatibility/2006" xmlns:a14="http://schemas.microsoft.com/office/drawing/2010/main">
+          <mc:Choice Requires="a14">
             <p:sp>
               <p:nvSpPr>
                 <p:cNvPr id="226" name="Rectangle 225"/>
@@ -21944,7 +21436,7 @@
               </p:txBody>
             </p:sp>
           </mc:Choice>
-          <mc:Fallback>
+          <mc:Fallback xmlns="">
             <p:sp>
               <p:nvSpPr>
                 <p:cNvPr id="226" name="Rectangle 225"/>
@@ -21983,8 +21475,8 @@
             </p:sp>
           </mc:Fallback>
         </mc:AlternateContent>
-        <mc:AlternateContent xmlns:mc="http://schemas.openxmlformats.org/markup-compatibility/2006">
-          <mc:Choice xmlns:a14="http://schemas.microsoft.com/office/drawing/2010/main" Requires="a14">
+        <mc:AlternateContent xmlns:mc="http://schemas.openxmlformats.org/markup-compatibility/2006" xmlns:a14="http://schemas.microsoft.com/office/drawing/2010/main">
+          <mc:Choice Requires="a14">
             <p:sp>
               <p:nvSpPr>
                 <p:cNvPr id="227" name="Rectangle 226"/>
@@ -22043,7 +21535,7 @@
               </p:txBody>
             </p:sp>
           </mc:Choice>
-          <mc:Fallback>
+          <mc:Fallback xmlns="">
             <p:sp>
               <p:nvSpPr>
                 <p:cNvPr id="227" name="Rectangle 226"/>
@@ -22082,8 +21574,8 @@
             </p:sp>
           </mc:Fallback>
         </mc:AlternateContent>
-        <mc:AlternateContent xmlns:mc="http://schemas.openxmlformats.org/markup-compatibility/2006">
-          <mc:Choice xmlns:a14="http://schemas.microsoft.com/office/drawing/2010/main" Requires="a14">
+        <mc:AlternateContent xmlns:mc="http://schemas.openxmlformats.org/markup-compatibility/2006" xmlns:a14="http://schemas.microsoft.com/office/drawing/2010/main">
+          <mc:Choice Requires="a14">
             <p:sp>
               <p:nvSpPr>
                 <p:cNvPr id="228" name="Rectangle 227"/>
@@ -22142,7 +21634,7 @@
               </p:txBody>
             </p:sp>
           </mc:Choice>
-          <mc:Fallback>
+          <mc:Fallback xmlns="">
             <p:sp>
               <p:nvSpPr>
                 <p:cNvPr id="228" name="Rectangle 227"/>
@@ -22181,8 +21673,8 @@
             </p:sp>
           </mc:Fallback>
         </mc:AlternateContent>
-        <mc:AlternateContent xmlns:mc="http://schemas.openxmlformats.org/markup-compatibility/2006">
-          <mc:Choice xmlns:a14="http://schemas.microsoft.com/office/drawing/2010/main" Requires="a14">
+        <mc:AlternateContent xmlns:mc="http://schemas.openxmlformats.org/markup-compatibility/2006" xmlns:a14="http://schemas.microsoft.com/office/drawing/2010/main">
+          <mc:Choice Requires="a14">
             <p:sp>
               <p:nvSpPr>
                 <p:cNvPr id="229" name="Rectangle 228"/>
@@ -22241,7 +21733,7 @@
               </p:txBody>
             </p:sp>
           </mc:Choice>
-          <mc:Fallback>
+          <mc:Fallback xmlns="">
             <p:sp>
               <p:nvSpPr>
                 <p:cNvPr id="229" name="Rectangle 228"/>
@@ -22280,8 +21772,8 @@
             </p:sp>
           </mc:Fallback>
         </mc:AlternateContent>
-        <mc:AlternateContent xmlns:mc="http://schemas.openxmlformats.org/markup-compatibility/2006">
-          <mc:Choice xmlns:a14="http://schemas.microsoft.com/office/drawing/2010/main" Requires="a14">
+        <mc:AlternateContent xmlns:mc="http://schemas.openxmlformats.org/markup-compatibility/2006" xmlns:a14="http://schemas.microsoft.com/office/drawing/2010/main">
+          <mc:Choice Requires="a14">
             <p:sp>
               <p:nvSpPr>
                 <p:cNvPr id="230" name="Rectangle 229"/>
@@ -22340,7 +21832,7 @@
               </p:txBody>
             </p:sp>
           </mc:Choice>
-          <mc:Fallback>
+          <mc:Fallback xmlns="">
             <p:sp>
               <p:nvSpPr>
                 <p:cNvPr id="230" name="Rectangle 229"/>
@@ -22379,8 +21871,8 @@
             </p:sp>
           </mc:Fallback>
         </mc:AlternateContent>
-        <mc:AlternateContent xmlns:mc="http://schemas.openxmlformats.org/markup-compatibility/2006">
-          <mc:Choice xmlns:a14="http://schemas.microsoft.com/office/drawing/2010/main" Requires="a14">
+        <mc:AlternateContent xmlns:mc="http://schemas.openxmlformats.org/markup-compatibility/2006" xmlns:a14="http://schemas.microsoft.com/office/drawing/2010/main">
+          <mc:Choice Requires="a14">
             <p:sp>
               <p:nvSpPr>
                 <p:cNvPr id="231" name="Rectangle 230"/>
@@ -22439,7 +21931,7 @@
               </p:txBody>
             </p:sp>
           </mc:Choice>
-          <mc:Fallback>
+          <mc:Fallback xmlns="">
             <p:sp>
               <p:nvSpPr>
                 <p:cNvPr id="231" name="Rectangle 230"/>
@@ -22478,8 +21970,8 @@
             </p:sp>
           </mc:Fallback>
         </mc:AlternateContent>
-        <mc:AlternateContent xmlns:mc="http://schemas.openxmlformats.org/markup-compatibility/2006">
-          <mc:Choice xmlns:a14="http://schemas.microsoft.com/office/drawing/2010/main" Requires="a14">
+        <mc:AlternateContent xmlns:mc="http://schemas.openxmlformats.org/markup-compatibility/2006" xmlns:a14="http://schemas.microsoft.com/office/drawing/2010/main">
+          <mc:Choice Requires="a14">
             <p:sp>
               <p:nvSpPr>
                 <p:cNvPr id="232" name="Rectangle 231"/>
@@ -22538,7 +22030,7 @@
               </p:txBody>
             </p:sp>
           </mc:Choice>
-          <mc:Fallback>
+          <mc:Fallback xmlns="">
             <p:sp>
               <p:nvSpPr>
                 <p:cNvPr id="232" name="Rectangle 231"/>
@@ -22577,8 +22069,8 @@
             </p:sp>
           </mc:Fallback>
         </mc:AlternateContent>
-        <mc:AlternateContent xmlns:mc="http://schemas.openxmlformats.org/markup-compatibility/2006">
-          <mc:Choice xmlns:a14="http://schemas.microsoft.com/office/drawing/2010/main" Requires="a14">
+        <mc:AlternateContent xmlns:mc="http://schemas.openxmlformats.org/markup-compatibility/2006" xmlns:a14="http://schemas.microsoft.com/office/drawing/2010/main">
+          <mc:Choice Requires="a14">
             <p:sp>
               <p:nvSpPr>
                 <p:cNvPr id="233" name="Rectangle 232"/>
@@ -22637,7 +22129,7 @@
               </p:txBody>
             </p:sp>
           </mc:Choice>
-          <mc:Fallback>
+          <mc:Fallback xmlns="">
             <p:sp>
               <p:nvSpPr>
                 <p:cNvPr id="233" name="Rectangle 232"/>
@@ -22676,8 +22168,8 @@
             </p:sp>
           </mc:Fallback>
         </mc:AlternateContent>
-        <mc:AlternateContent xmlns:mc="http://schemas.openxmlformats.org/markup-compatibility/2006">
-          <mc:Choice xmlns:a14="http://schemas.microsoft.com/office/drawing/2010/main" Requires="a14">
+        <mc:AlternateContent xmlns:mc="http://schemas.openxmlformats.org/markup-compatibility/2006" xmlns:a14="http://schemas.microsoft.com/office/drawing/2010/main">
+          <mc:Choice Requires="a14">
             <p:sp>
               <p:nvSpPr>
                 <p:cNvPr id="234" name="Rectangle 233"/>
@@ -22736,7 +22228,7 @@
               </p:txBody>
             </p:sp>
           </mc:Choice>
-          <mc:Fallback>
+          <mc:Fallback xmlns="">
             <p:sp>
               <p:nvSpPr>
                 <p:cNvPr id="234" name="Rectangle 233"/>
@@ -22775,8 +22267,8 @@
             </p:sp>
           </mc:Fallback>
         </mc:AlternateContent>
-        <mc:AlternateContent xmlns:mc="http://schemas.openxmlformats.org/markup-compatibility/2006">
-          <mc:Choice xmlns:a14="http://schemas.microsoft.com/office/drawing/2010/main" Requires="a14">
+        <mc:AlternateContent xmlns:mc="http://schemas.openxmlformats.org/markup-compatibility/2006" xmlns:a14="http://schemas.microsoft.com/office/drawing/2010/main">
+          <mc:Choice Requires="a14">
             <p:sp>
               <p:nvSpPr>
                 <p:cNvPr id="235" name="Rectangle 234"/>
@@ -22835,7 +22327,7 @@
               </p:txBody>
             </p:sp>
           </mc:Choice>
-          <mc:Fallback>
+          <mc:Fallback xmlns="">
             <p:sp>
               <p:nvSpPr>
                 <p:cNvPr id="235" name="Rectangle 234"/>
@@ -22874,8 +22366,8 @@
             </p:sp>
           </mc:Fallback>
         </mc:AlternateContent>
-        <mc:AlternateContent xmlns:mc="http://schemas.openxmlformats.org/markup-compatibility/2006">
-          <mc:Choice xmlns:a14="http://schemas.microsoft.com/office/drawing/2010/main" Requires="a14">
+        <mc:AlternateContent xmlns:mc="http://schemas.openxmlformats.org/markup-compatibility/2006" xmlns:a14="http://schemas.microsoft.com/office/drawing/2010/main">
+          <mc:Choice Requires="a14">
             <p:sp>
               <p:nvSpPr>
                 <p:cNvPr id="236" name="Rectangle 235"/>
@@ -22934,7 +22426,7 @@
               </p:txBody>
             </p:sp>
           </mc:Choice>
-          <mc:Fallback>
+          <mc:Fallback xmlns="">
             <p:sp>
               <p:nvSpPr>
                 <p:cNvPr id="236" name="Rectangle 235"/>
@@ -22973,8 +22465,8 @@
             </p:sp>
           </mc:Fallback>
         </mc:AlternateContent>
-        <mc:AlternateContent xmlns:mc="http://schemas.openxmlformats.org/markup-compatibility/2006">
-          <mc:Choice xmlns:a14="http://schemas.microsoft.com/office/drawing/2010/main" Requires="a14">
+        <mc:AlternateContent xmlns:mc="http://schemas.openxmlformats.org/markup-compatibility/2006" xmlns:a14="http://schemas.microsoft.com/office/drawing/2010/main">
+          <mc:Choice Requires="a14">
             <p:sp>
               <p:nvSpPr>
                 <p:cNvPr id="237" name="Rectangle 236"/>
@@ -23033,7 +22525,7 @@
               </p:txBody>
             </p:sp>
           </mc:Choice>
-          <mc:Fallback>
+          <mc:Fallback xmlns="">
             <p:sp>
               <p:nvSpPr>
                 <p:cNvPr id="237" name="Rectangle 236"/>
@@ -23083,13 +22575,6 @@
   <p:clrMapOvr>
     <a:masterClrMapping/>
   </p:clrMapOvr>
-  <p:timing>
-    <p:tnLst>
-      <p:par>
-        <p:cTn id="1" dur="indefinite" restart="never" nodeType="tmRoot"/>
-      </p:par>
-    </p:tnLst>
-  </p:timing>
 </p:sld>
 </file>
 
@@ -23226,7 +22711,7 @@
                       </m:oMath>
                     </m:oMathPara>
                   </a14:m>
-                  <a:endParaRPr lang="he-IL" sz="1200" b="0" i="1" dirty="0" smtClean="0">
+                  <a:endParaRPr lang="he-IL" sz="1200" b="0" i="1" dirty="0">
                     <a:solidFill>
                       <a:schemeClr val="tx1"/>
                     </a:solidFill>
@@ -23337,8 +22822,8 @@
             </p:sp>
           </mc:Fallback>
         </mc:AlternateContent>
-        <mc:AlternateContent xmlns:mc="http://schemas.openxmlformats.org/markup-compatibility/2006">
-          <mc:Choice xmlns:a14="http://schemas.microsoft.com/office/drawing/2010/main" Requires="a14">
+        <mc:AlternateContent xmlns:mc="http://schemas.openxmlformats.org/markup-compatibility/2006" xmlns:a14="http://schemas.microsoft.com/office/drawing/2010/main">
+          <mc:Choice Requires="a14">
             <p:sp>
               <p:nvSpPr>
                 <p:cNvPr id="521" name="Rectangle 520"/>
@@ -23453,7 +22938,7 @@
                       </m:oMath>
                     </m:oMathPara>
                   </a14:m>
-                  <a:endParaRPr lang="en-US" sz="1200" b="0" i="1" dirty="0" smtClean="0">
+                  <a:endParaRPr lang="en-US" sz="1200" b="0" i="1" dirty="0">
                     <a:solidFill>
                       <a:schemeClr val="tx1"/>
                     </a:solidFill>
@@ -23525,7 +23010,7 @@
               </p:txBody>
             </p:sp>
           </mc:Choice>
-          <mc:Fallback>
+          <mc:Fallback xmlns="">
             <p:sp>
               <p:nvSpPr>
                 <p:cNvPr id="521" name="Rectangle 520"/>
@@ -23699,8 +23184,8 @@
             </a:p>
           </p:txBody>
         </p:sp>
-        <mc:AlternateContent xmlns:mc="http://schemas.openxmlformats.org/markup-compatibility/2006">
-          <mc:Choice xmlns:a14="http://schemas.microsoft.com/office/drawing/2010/main" Requires="a14">
+        <mc:AlternateContent xmlns:mc="http://schemas.openxmlformats.org/markup-compatibility/2006" xmlns:a14="http://schemas.microsoft.com/office/drawing/2010/main">
+          <mc:Choice Requires="a14">
             <p:sp>
               <p:nvSpPr>
                 <p:cNvPr id="525" name="Rectangle 524"/>
@@ -23781,7 +23266,7 @@
               </p:txBody>
             </p:sp>
           </mc:Choice>
-          <mc:Fallback>
+          <mc:Fallback xmlns="">
             <p:sp>
               <p:nvSpPr>
                 <p:cNvPr id="525" name="Rectangle 524"/>
@@ -23861,8 +23346,8 @@
             </a:fontRef>
           </p:style>
         </p:cxnSp>
-        <mc:AlternateContent xmlns:mc="http://schemas.openxmlformats.org/markup-compatibility/2006">
-          <mc:Choice xmlns:a14="http://schemas.microsoft.com/office/drawing/2010/main" Requires="a14">
+        <mc:AlternateContent xmlns:mc="http://schemas.openxmlformats.org/markup-compatibility/2006" xmlns:a14="http://schemas.microsoft.com/office/drawing/2010/main">
+          <mc:Choice Requires="a14">
             <p:sp>
               <p:nvSpPr>
                 <p:cNvPr id="527" name="Rectangle 526"/>
@@ -23943,7 +23428,7 @@
               </p:txBody>
             </p:sp>
           </mc:Choice>
-          <mc:Fallback>
+          <mc:Fallback xmlns="">
             <p:sp>
               <p:nvSpPr>
                 <p:cNvPr id="527" name="Rectangle 526"/>
@@ -23987,8 +23472,8 @@
             </p:sp>
           </mc:Fallback>
         </mc:AlternateContent>
-        <mc:AlternateContent xmlns:mc="http://schemas.openxmlformats.org/markup-compatibility/2006">
-          <mc:Choice xmlns:a14="http://schemas.microsoft.com/office/drawing/2010/main" Requires="a14">
+        <mc:AlternateContent xmlns:mc="http://schemas.openxmlformats.org/markup-compatibility/2006" xmlns:a14="http://schemas.microsoft.com/office/drawing/2010/main">
+          <mc:Choice Requires="a14">
             <p:sp>
               <p:nvSpPr>
                 <p:cNvPr id="528" name="Rectangle 527"/>
@@ -24069,7 +23554,7 @@
               </p:txBody>
             </p:sp>
           </mc:Choice>
-          <mc:Fallback>
+          <mc:Fallback xmlns="">
             <p:sp>
               <p:nvSpPr>
                 <p:cNvPr id="528" name="Rectangle 527"/>
@@ -24113,8 +23598,8 @@
             </p:sp>
           </mc:Fallback>
         </mc:AlternateContent>
-        <mc:AlternateContent xmlns:mc="http://schemas.openxmlformats.org/markup-compatibility/2006">
-          <mc:Choice xmlns:a14="http://schemas.microsoft.com/office/drawing/2010/main" Requires="a14">
+        <mc:AlternateContent xmlns:mc="http://schemas.openxmlformats.org/markup-compatibility/2006" xmlns:a14="http://schemas.microsoft.com/office/drawing/2010/main">
+          <mc:Choice Requires="a14">
             <p:sp>
               <p:nvSpPr>
                 <p:cNvPr id="529" name="Rectangle 528"/>
@@ -24195,7 +23680,7 @@
               </p:txBody>
             </p:sp>
           </mc:Choice>
-          <mc:Fallback>
+          <mc:Fallback xmlns="">
             <p:sp>
               <p:nvSpPr>
                 <p:cNvPr id="529" name="Rectangle 528"/>
@@ -24239,8 +23724,8 @@
             </p:sp>
           </mc:Fallback>
         </mc:AlternateContent>
-        <mc:AlternateContent xmlns:mc="http://schemas.openxmlformats.org/markup-compatibility/2006">
-          <mc:Choice xmlns:a14="http://schemas.microsoft.com/office/drawing/2010/main" Requires="a14">
+        <mc:AlternateContent xmlns:mc="http://schemas.openxmlformats.org/markup-compatibility/2006" xmlns:a14="http://schemas.microsoft.com/office/drawing/2010/main">
+          <mc:Choice Requires="a14">
             <p:sp>
               <p:nvSpPr>
                 <p:cNvPr id="548" name="Rectangle 547"/>
@@ -24284,7 +23769,7 @@
                 <a:p>
                   <a:pPr algn="ctr"/>
                   <a:r>
-                    <a:rPr lang="en-US" sz="1200" dirty="0" smtClean="0">
+                    <a:rPr lang="en-US" sz="1200" dirty="0">
                       <a:solidFill>
                         <a:schemeClr val="tx1"/>
                       </a:solidFill>
@@ -24421,7 +23906,7 @@
               </p:txBody>
             </p:sp>
           </mc:Choice>
-          <mc:Fallback>
+          <mc:Fallback xmlns="">
             <p:sp>
               <p:nvSpPr>
                 <p:cNvPr id="548" name="Rectangle 547"/>
@@ -24460,8 +23945,8 @@
             </p:sp>
           </mc:Fallback>
         </mc:AlternateContent>
-        <mc:AlternateContent xmlns:mc="http://schemas.openxmlformats.org/markup-compatibility/2006">
-          <mc:Choice xmlns:a14="http://schemas.microsoft.com/office/drawing/2010/main" Requires="a14">
+        <mc:AlternateContent xmlns:mc="http://schemas.openxmlformats.org/markup-compatibility/2006" xmlns:a14="http://schemas.microsoft.com/office/drawing/2010/main">
+          <mc:Choice Requires="a14">
             <p:sp>
               <p:nvSpPr>
                 <p:cNvPr id="549" name="Rectangle 548"/>
@@ -24505,7 +23990,7 @@
                 <a:p>
                   <a:pPr algn="ctr"/>
                   <a:r>
-                    <a:rPr lang="en-US" sz="1200" dirty="0" smtClean="0">
+                    <a:rPr lang="en-US" sz="1200" dirty="0">
                       <a:solidFill>
                         <a:schemeClr val="tx1"/>
                       </a:solidFill>
@@ -24642,7 +24127,7 @@
               </p:txBody>
             </p:sp>
           </mc:Choice>
-          <mc:Fallback>
+          <mc:Fallback xmlns="">
             <p:sp>
               <p:nvSpPr>
                 <p:cNvPr id="549" name="Rectangle 548"/>
@@ -24930,10 +24415,9 @@
             <a:p>
               <a:pPr algn="ctr"/>
               <a:r>
-                <a:rPr lang="en-US" sz="1911" b="1" dirty="0" smtClean="0"/>
+                <a:rPr lang="en-US" sz="1911" b="1" dirty="0"/>
                 <a:t>Hidden State Machine</a:t>
               </a:r>
-              <a:endParaRPr lang="en-US" sz="1911" b="1" dirty="0"/>
             </a:p>
           </p:txBody>
         </p:sp>
@@ -25294,8 +24778,8 @@
             </p:sp>
           </mc:Fallback>
         </mc:AlternateContent>
-        <mc:AlternateContent xmlns:mc="http://schemas.openxmlformats.org/markup-compatibility/2006">
-          <mc:Choice xmlns:a14="http://schemas.microsoft.com/office/drawing/2010/main" Requires="a14">
+        <mc:AlternateContent xmlns:mc="http://schemas.openxmlformats.org/markup-compatibility/2006" xmlns:a14="http://schemas.microsoft.com/office/drawing/2010/main">
+          <mc:Choice Requires="a14">
             <p:sp>
               <p:nvSpPr>
                 <p:cNvPr id="237" name="Rectangle 236"/>
@@ -25491,7 +24975,7 @@
               </p:txBody>
             </p:sp>
           </mc:Choice>
-          <mc:Fallback>
+          <mc:Fallback xmlns="">
             <p:sp>
               <p:nvSpPr>
                 <p:cNvPr id="237" name="Rectangle 236"/>
@@ -25665,8 +25149,8 @@
             </a:p>
           </p:txBody>
         </p:sp>
-        <mc:AlternateContent xmlns:mc="http://schemas.openxmlformats.org/markup-compatibility/2006">
-          <mc:Choice xmlns:a14="http://schemas.microsoft.com/office/drawing/2010/main" Requires="a14">
+        <mc:AlternateContent xmlns:mc="http://schemas.openxmlformats.org/markup-compatibility/2006" xmlns:a14="http://schemas.microsoft.com/office/drawing/2010/main">
+          <mc:Choice Requires="a14">
             <p:sp>
               <p:nvSpPr>
                 <p:cNvPr id="241" name="Rectangle 240"/>
@@ -25747,7 +25231,7 @@
               </p:txBody>
             </p:sp>
           </mc:Choice>
-          <mc:Fallback>
+          <mc:Fallback xmlns="">
             <p:sp>
               <p:nvSpPr>
                 <p:cNvPr id="241" name="Rectangle 240"/>
@@ -25827,8 +25311,8 @@
             </a:fontRef>
           </p:style>
         </p:cxnSp>
-        <mc:AlternateContent xmlns:mc="http://schemas.openxmlformats.org/markup-compatibility/2006">
-          <mc:Choice xmlns:a14="http://schemas.microsoft.com/office/drawing/2010/main" Requires="a14">
+        <mc:AlternateContent xmlns:mc="http://schemas.openxmlformats.org/markup-compatibility/2006" xmlns:a14="http://schemas.microsoft.com/office/drawing/2010/main">
+          <mc:Choice Requires="a14">
             <p:sp>
               <p:nvSpPr>
                 <p:cNvPr id="243" name="Rectangle 242"/>
@@ -25909,7 +25393,7 @@
               </p:txBody>
             </p:sp>
           </mc:Choice>
-          <mc:Fallback>
+          <mc:Fallback xmlns="">
             <p:sp>
               <p:nvSpPr>
                 <p:cNvPr id="243" name="Rectangle 242"/>
@@ -25953,8 +25437,8 @@
             </p:sp>
           </mc:Fallback>
         </mc:AlternateContent>
-        <mc:AlternateContent xmlns:mc="http://schemas.openxmlformats.org/markup-compatibility/2006">
-          <mc:Choice xmlns:a14="http://schemas.microsoft.com/office/drawing/2010/main" Requires="a14">
+        <mc:AlternateContent xmlns:mc="http://schemas.openxmlformats.org/markup-compatibility/2006" xmlns:a14="http://schemas.microsoft.com/office/drawing/2010/main">
+          <mc:Choice Requires="a14">
             <p:sp>
               <p:nvSpPr>
                 <p:cNvPr id="244" name="Rectangle 243"/>
@@ -26035,7 +25519,7 @@
               </p:txBody>
             </p:sp>
           </mc:Choice>
-          <mc:Fallback>
+          <mc:Fallback xmlns="">
             <p:sp>
               <p:nvSpPr>
                 <p:cNvPr id="244" name="Rectangle 243"/>
@@ -26079,8 +25563,8 @@
             </p:sp>
           </mc:Fallback>
         </mc:AlternateContent>
-        <mc:AlternateContent xmlns:mc="http://schemas.openxmlformats.org/markup-compatibility/2006">
-          <mc:Choice xmlns:a14="http://schemas.microsoft.com/office/drawing/2010/main" Requires="a14">
+        <mc:AlternateContent xmlns:mc="http://schemas.openxmlformats.org/markup-compatibility/2006" xmlns:a14="http://schemas.microsoft.com/office/drawing/2010/main">
+          <mc:Choice Requires="a14">
             <p:sp>
               <p:nvSpPr>
                 <p:cNvPr id="249" name="Rectangle 248"/>
@@ -26161,7 +25645,7 @@
               </p:txBody>
             </p:sp>
           </mc:Choice>
-          <mc:Fallback>
+          <mc:Fallback xmlns="">
             <p:sp>
               <p:nvSpPr>
                 <p:cNvPr id="249" name="Rectangle 248"/>
@@ -26205,8 +25689,8 @@
             </p:sp>
           </mc:Fallback>
         </mc:AlternateContent>
-        <mc:AlternateContent xmlns:mc="http://schemas.openxmlformats.org/markup-compatibility/2006">
-          <mc:Choice xmlns:a14="http://schemas.microsoft.com/office/drawing/2010/main" Requires="a14">
+        <mc:AlternateContent xmlns:mc="http://schemas.openxmlformats.org/markup-compatibility/2006" xmlns:a14="http://schemas.microsoft.com/office/drawing/2010/main">
+          <mc:Choice Requires="a14">
             <p:sp>
               <p:nvSpPr>
                 <p:cNvPr id="255" name="Rectangle 254"/>
@@ -26393,7 +25877,7 @@
               </p:txBody>
             </p:sp>
           </mc:Choice>
-          <mc:Fallback>
+          <mc:Fallback xmlns="">
             <p:sp>
               <p:nvSpPr>
                 <p:cNvPr id="255" name="Rectangle 254"/>
@@ -26432,8 +25916,8 @@
             </p:sp>
           </mc:Fallback>
         </mc:AlternateContent>
-        <mc:AlternateContent xmlns:mc="http://schemas.openxmlformats.org/markup-compatibility/2006">
-          <mc:Choice xmlns:a14="http://schemas.microsoft.com/office/drawing/2010/main" Requires="a14">
+        <mc:AlternateContent xmlns:mc="http://schemas.openxmlformats.org/markup-compatibility/2006" xmlns:a14="http://schemas.microsoft.com/office/drawing/2010/main">
+          <mc:Choice Requires="a14">
             <p:sp>
               <p:nvSpPr>
                 <p:cNvPr id="259" name="Rectangle 258"/>
@@ -26477,7 +25961,7 @@
                 <a:p>
                   <a:pPr algn="ctr"/>
                   <a:r>
-                    <a:rPr lang="en-US" sz="1200" dirty="0" smtClean="0">
+                    <a:rPr lang="en-US" sz="1200" dirty="0">
                       <a:solidFill>
                         <a:schemeClr val="tx1"/>
                       </a:solidFill>
@@ -26614,7 +26098,7 @@
               </p:txBody>
             </p:sp>
           </mc:Choice>
-          <mc:Fallback>
+          <mc:Fallback xmlns="">
             <p:sp>
               <p:nvSpPr>
                 <p:cNvPr id="259" name="Rectangle 258"/>
@@ -27079,7 +26563,7 @@
                       </m:oMath>
                     </m:oMathPara>
                   </a14:m>
-                  <a:endParaRPr lang="en-US" sz="1200" i="1" dirty="0" smtClean="0">
+                  <a:endParaRPr lang="en-US" sz="1200" i="1" dirty="0">
                     <a:solidFill>
                       <a:schemeClr val="tx1"/>
                     </a:solidFill>
@@ -27208,8 +26692,8 @@
             </p:sp>
           </mc:Fallback>
         </mc:AlternateContent>
-        <mc:AlternateContent xmlns:mc="http://schemas.openxmlformats.org/markup-compatibility/2006">
-          <mc:Choice xmlns:a14="http://schemas.microsoft.com/office/drawing/2010/main" Requires="a14">
+        <mc:AlternateContent xmlns:mc="http://schemas.openxmlformats.org/markup-compatibility/2006" xmlns:a14="http://schemas.microsoft.com/office/drawing/2010/main">
+          <mc:Choice Requires="a14">
             <p:sp>
               <p:nvSpPr>
                 <p:cNvPr id="288" name="Rectangle 287"/>
@@ -27414,7 +26898,7 @@
               </p:txBody>
             </p:sp>
           </mc:Choice>
-          <mc:Fallback>
+          <mc:Fallback xmlns="">
             <p:sp>
               <p:nvSpPr>
                 <p:cNvPr id="288" name="Rectangle 287"/>
@@ -27588,8 +27072,8 @@
             </a:p>
           </p:txBody>
         </p:sp>
-        <mc:AlternateContent xmlns:mc="http://schemas.openxmlformats.org/markup-compatibility/2006">
-          <mc:Choice xmlns:a14="http://schemas.microsoft.com/office/drawing/2010/main" Requires="a14">
+        <mc:AlternateContent xmlns:mc="http://schemas.openxmlformats.org/markup-compatibility/2006" xmlns:a14="http://schemas.microsoft.com/office/drawing/2010/main">
+          <mc:Choice Requires="a14">
             <p:sp>
               <p:nvSpPr>
                 <p:cNvPr id="293" name="Rectangle 292"/>
@@ -27670,7 +27154,7 @@
               </p:txBody>
             </p:sp>
           </mc:Choice>
-          <mc:Fallback>
+          <mc:Fallback xmlns="">
             <p:sp>
               <p:nvSpPr>
                 <p:cNvPr id="293" name="Rectangle 292"/>
@@ -27750,8 +27234,8 @@
             </a:fontRef>
           </p:style>
         </p:cxnSp>
-        <mc:AlternateContent xmlns:mc="http://schemas.openxmlformats.org/markup-compatibility/2006">
-          <mc:Choice xmlns:a14="http://schemas.microsoft.com/office/drawing/2010/main" Requires="a14">
+        <mc:AlternateContent xmlns:mc="http://schemas.openxmlformats.org/markup-compatibility/2006" xmlns:a14="http://schemas.microsoft.com/office/drawing/2010/main">
+          <mc:Choice Requires="a14">
             <p:sp>
               <p:nvSpPr>
                 <p:cNvPr id="295" name="Rectangle 294"/>
@@ -27832,7 +27316,7 @@
               </p:txBody>
             </p:sp>
           </mc:Choice>
-          <mc:Fallback>
+          <mc:Fallback xmlns="">
             <p:sp>
               <p:nvSpPr>
                 <p:cNvPr id="295" name="Rectangle 294"/>
@@ -27876,8 +27360,8 @@
             </p:sp>
           </mc:Fallback>
         </mc:AlternateContent>
-        <mc:AlternateContent xmlns:mc="http://schemas.openxmlformats.org/markup-compatibility/2006">
-          <mc:Choice xmlns:a14="http://schemas.microsoft.com/office/drawing/2010/main" Requires="a14">
+        <mc:AlternateContent xmlns:mc="http://schemas.openxmlformats.org/markup-compatibility/2006" xmlns:a14="http://schemas.microsoft.com/office/drawing/2010/main">
+          <mc:Choice Requires="a14">
             <p:sp>
               <p:nvSpPr>
                 <p:cNvPr id="296" name="Rectangle 295"/>
@@ -27958,7 +27442,7 @@
               </p:txBody>
             </p:sp>
           </mc:Choice>
-          <mc:Fallback>
+          <mc:Fallback xmlns="">
             <p:sp>
               <p:nvSpPr>
                 <p:cNvPr id="296" name="Rectangle 295"/>
@@ -28002,8 +27486,8 @@
             </p:sp>
           </mc:Fallback>
         </mc:AlternateContent>
-        <mc:AlternateContent xmlns:mc="http://schemas.openxmlformats.org/markup-compatibility/2006">
-          <mc:Choice xmlns:a14="http://schemas.microsoft.com/office/drawing/2010/main" Requires="a14">
+        <mc:AlternateContent xmlns:mc="http://schemas.openxmlformats.org/markup-compatibility/2006" xmlns:a14="http://schemas.microsoft.com/office/drawing/2010/main">
+          <mc:Choice Requires="a14">
             <p:sp>
               <p:nvSpPr>
                 <p:cNvPr id="297" name="Rectangle 296"/>
@@ -28084,7 +27568,7 @@
               </p:txBody>
             </p:sp>
           </mc:Choice>
-          <mc:Fallback>
+          <mc:Fallback xmlns="">
             <p:sp>
               <p:nvSpPr>
                 <p:cNvPr id="297" name="Rectangle 296"/>
@@ -28128,8 +27612,8 @@
             </p:sp>
           </mc:Fallback>
         </mc:AlternateContent>
-        <mc:AlternateContent xmlns:mc="http://schemas.openxmlformats.org/markup-compatibility/2006">
-          <mc:Choice xmlns:a14="http://schemas.microsoft.com/office/drawing/2010/main" Requires="a14">
+        <mc:AlternateContent xmlns:mc="http://schemas.openxmlformats.org/markup-compatibility/2006" xmlns:a14="http://schemas.microsoft.com/office/drawing/2010/main">
+          <mc:Choice Requires="a14">
             <p:sp>
               <p:nvSpPr>
                 <p:cNvPr id="298" name="Rectangle 297"/>
@@ -28173,7 +27657,7 @@
                 <a:p>
                   <a:pPr algn="ctr"/>
                   <a:r>
-                    <a:rPr lang="en-US" sz="1200" dirty="0" smtClean="0">
+                    <a:rPr lang="en-US" sz="1200" dirty="0">
                       <a:solidFill>
                         <a:schemeClr val="tx1"/>
                       </a:solidFill>
@@ -28310,7 +27794,7 @@
               </p:txBody>
             </p:sp>
           </mc:Choice>
-          <mc:Fallback>
+          <mc:Fallback xmlns="">
             <p:sp>
               <p:nvSpPr>
                 <p:cNvPr id="298" name="Rectangle 297"/>
@@ -28349,8 +27833,8 @@
             </p:sp>
           </mc:Fallback>
         </mc:AlternateContent>
-        <mc:AlternateContent xmlns:mc="http://schemas.openxmlformats.org/markup-compatibility/2006">
-          <mc:Choice xmlns:a14="http://schemas.microsoft.com/office/drawing/2010/main" Requires="a14">
+        <mc:AlternateContent xmlns:mc="http://schemas.openxmlformats.org/markup-compatibility/2006" xmlns:a14="http://schemas.microsoft.com/office/drawing/2010/main">
+          <mc:Choice Requires="a14">
             <p:sp>
               <p:nvSpPr>
                 <p:cNvPr id="299" name="Rectangle 298"/>
@@ -28537,7 +28021,7 @@
               </p:txBody>
             </p:sp>
           </mc:Choice>
-          <mc:Fallback>
+          <mc:Fallback xmlns="">
             <p:sp>
               <p:nvSpPr>
                 <p:cNvPr id="299" name="Rectangle 298"/>
@@ -29808,13 +29292,6 @@
   <p:clrMapOvr>
     <a:masterClrMapping/>
   </p:clrMapOvr>
-  <p:timing>
-    <p:tnLst>
-      <p:par>
-        <p:cTn id="1" dur="indefinite" restart="never" nodeType="tmRoot"/>
-      </p:par>
-    </p:tnLst>
-  </p:timing>
 </p:sld>
 </file>
 
@@ -30812,10 +30289,9 @@
                 <a:p>
                   <a:pPr algn="ctr"/>
                   <a:r>
-                    <a:rPr lang="en-US" dirty="0" smtClean="0"/>
+                    <a:rPr lang="en-US" dirty="0"/>
                     <a:t> </a:t>
                   </a:r>
-                  <a:endParaRPr lang="en-US" dirty="0"/>
                 </a:p>
               </p:txBody>
             </p:sp>
@@ -31365,7 +30841,16 @@
                                 </a:solidFill>
                                 <a:latin typeface="Cambria Math" panose="02040503050406030204" pitchFamily="18" charset="0"/>
                               </a:rPr>
-                              <m:t>+1</m:t>
+                              <m:t>+</m:t>
+                            </m:r>
+                            <m:r>
+                              <a:rPr lang="en-US" sz="1400" b="0" i="1" smtClean="0">
+                                <a:solidFill>
+                                  <a:schemeClr val="tx1"/>
+                                </a:solidFill>
+                                <a:latin typeface="Cambria Math" panose="02040503050406030204" pitchFamily="18" charset="0"/>
+                              </a:rPr>
+                              <m:t>1</m:t>
                             </m:r>
                           </m:oMath>
                         </m:oMathPara>
@@ -34227,7 +33712,7 @@
               <a:p>
                 <a:pPr algn="ctr"/>
                 <a:r>
-                  <a:rPr lang="en-US" dirty="0" smtClean="0">
+                  <a:rPr lang="en-US" dirty="0">
                     <a:solidFill>
                       <a:schemeClr val="tx1"/>
                     </a:solidFill>
@@ -34236,13 +33721,6 @@
                   </a:rPr>
                   <a:t>Backward Algorithm</a:t>
                 </a:r>
-                <a:endParaRPr lang="en-US" dirty="0">
-                  <a:solidFill>
-                    <a:schemeClr val="tx1"/>
-                  </a:solidFill>
-                  <a:latin typeface="Cambria Math" panose="02040503050406030204" pitchFamily="18" charset="0"/>
-                  <a:ea typeface="Cambria Math" panose="02040503050406030204" pitchFamily="18" charset="0"/>
-                </a:endParaRPr>
               </a:p>
             </p:txBody>
           </p:sp>
@@ -35725,7 +35203,16 @@
                               </a:solidFill>
                               <a:latin typeface="Cambria Math" panose="02040503050406030204" pitchFamily="18" charset="0"/>
                             </a:rPr>
-                            <m:t>−1</m:t>
+                            <m:t>−</m:t>
+                          </m:r>
+                          <m:r>
+                            <a:rPr lang="en-US" sz="1400" b="0" i="1" smtClean="0">
+                              <a:solidFill>
+                                <a:schemeClr val="tx1"/>
+                              </a:solidFill>
+                              <a:latin typeface="Cambria Math" panose="02040503050406030204" pitchFamily="18" charset="0"/>
+                            </a:rPr>
+                            <m:t>1</m:t>
                           </m:r>
                         </m:oMath>
                       </m:oMathPara>
@@ -38590,7 +38077,7 @@
               <a:p>
                 <a:pPr algn="ctr"/>
                 <a:r>
-                  <a:rPr lang="en-US" dirty="0" smtClean="0">
+                  <a:rPr lang="en-US" dirty="0">
                     <a:solidFill>
                       <a:schemeClr val="tx1"/>
                     </a:solidFill>
@@ -38599,13 +38086,6 @@
                   </a:rPr>
                   <a:t>Forward Algorithm</a:t>
                 </a:r>
-                <a:endParaRPr lang="en-US" dirty="0">
-                  <a:solidFill>
-                    <a:schemeClr val="tx1"/>
-                  </a:solidFill>
-                  <a:latin typeface="Cambria Math" panose="02040503050406030204" pitchFamily="18" charset="0"/>
-                  <a:ea typeface="Cambria Math" panose="02040503050406030204" pitchFamily="18" charset="0"/>
-                </a:endParaRPr>
               </a:p>
             </p:txBody>
           </p:sp>
@@ -39576,10 +39056,9 @@
           <a:p>
             <a:pPr algn="ctr"/>
             <a:r>
-              <a:rPr lang="en-US" dirty="0" smtClean="0"/>
+              <a:rPr lang="en-US" dirty="0"/>
               <a:t> </a:t>
             </a:r>
-            <a:endParaRPr lang="en-US" dirty="0"/>
           </a:p>
         </p:txBody>
       </p:sp>
@@ -40121,7 +39600,7 @@
                   </m:oMath>
                 </a14:m>
                 <a:r>
-                  <a:rPr lang="en-US" sz="1200" dirty="0" smtClean="0">
+                  <a:rPr lang="en-US" sz="1200" dirty="0">
                     <a:solidFill>
                       <a:schemeClr val="tx1"/>
                     </a:solidFill>
@@ -40129,18 +39608,13 @@
                   <a:t>+</a:t>
                 </a:r>
                 <a:r>
-                  <a:rPr lang="en-US" sz="1600" dirty="0" smtClean="0">
+                  <a:rPr lang="en-US" sz="1600" dirty="0">
                     <a:solidFill>
                       <a:schemeClr val="tx1"/>
                     </a:solidFill>
                   </a:rPr>
                   <a:t>1</a:t>
                 </a:r>
-                <a:endParaRPr lang="en-US" sz="1600" dirty="0">
-                  <a:solidFill>
-                    <a:schemeClr val="tx1"/>
-                  </a:solidFill>
-                </a:endParaRPr>
               </a:p>
             </p:txBody>
           </p:sp>
@@ -42981,10 +42455,9 @@
           <a:p>
             <a:pPr algn="ctr"/>
             <a:r>
-              <a:rPr lang="en-US" dirty="0" smtClean="0"/>
+              <a:rPr lang="en-US" dirty="0"/>
               <a:t>1</a:t>
             </a:r>
-            <a:endParaRPr lang="en-US" dirty="0"/>
           </a:p>
         </p:txBody>
       </p:sp>
@@ -43028,18 +42501,13 @@
           <a:p>
             <a:pPr algn="ctr"/>
             <a:r>
-              <a:rPr lang="en-US" dirty="0" smtClean="0">
+              <a:rPr lang="en-US" dirty="0">
                 <a:solidFill>
                   <a:sysClr val="windowText" lastClr="000000"/>
                 </a:solidFill>
               </a:rPr>
               <a:t>0</a:t>
             </a:r>
-            <a:endParaRPr lang="en-US" dirty="0">
-              <a:solidFill>
-                <a:sysClr val="windowText" lastClr="000000"/>
-              </a:solidFill>
-            </a:endParaRPr>
           </a:p>
         </p:txBody>
       </p:sp>
@@ -43085,10 +42553,9 @@
           <a:p>
             <a:pPr algn="ctr"/>
             <a:r>
-              <a:rPr lang="en-US" dirty="0" smtClean="0"/>
+              <a:rPr lang="en-US" dirty="0"/>
               <a:t>1</a:t>
             </a:r>
-            <a:endParaRPr lang="en-US" dirty="0"/>
           </a:p>
         </p:txBody>
       </p:sp>
@@ -43132,18 +42599,13 @@
           <a:p>
             <a:pPr algn="ctr"/>
             <a:r>
-              <a:rPr lang="en-US" dirty="0" smtClean="0">
+              <a:rPr lang="en-US" dirty="0">
                 <a:solidFill>
                   <a:sysClr val="windowText" lastClr="000000"/>
                 </a:solidFill>
               </a:rPr>
               <a:t>0</a:t>
             </a:r>
-            <a:endParaRPr lang="en-US" dirty="0">
-              <a:solidFill>
-                <a:sysClr val="windowText" lastClr="000000"/>
-              </a:solidFill>
-            </a:endParaRPr>
           </a:p>
         </p:txBody>
       </p:sp>
@@ -43187,18 +42649,13 @@
           <a:p>
             <a:pPr algn="ctr"/>
             <a:r>
-              <a:rPr lang="en-US" dirty="0" smtClean="0">
+              <a:rPr lang="en-US" dirty="0">
                 <a:solidFill>
                   <a:sysClr val="windowText" lastClr="000000"/>
                 </a:solidFill>
               </a:rPr>
               <a:t>0</a:t>
             </a:r>
-            <a:endParaRPr lang="en-US" dirty="0">
-              <a:solidFill>
-                <a:sysClr val="windowText" lastClr="000000"/>
-              </a:solidFill>
-            </a:endParaRPr>
           </a:p>
         </p:txBody>
       </p:sp>
@@ -43242,18 +42699,13 @@
           <a:p>
             <a:pPr algn="ctr"/>
             <a:r>
-              <a:rPr lang="en-US" dirty="0" smtClean="0">
+              <a:rPr lang="en-US" dirty="0">
                 <a:solidFill>
                   <a:sysClr val="windowText" lastClr="000000"/>
                 </a:solidFill>
               </a:rPr>
               <a:t>0</a:t>
             </a:r>
-            <a:endParaRPr lang="en-US" dirty="0">
-              <a:solidFill>
-                <a:sysClr val="windowText" lastClr="000000"/>
-              </a:solidFill>
-            </a:endParaRPr>
           </a:p>
         </p:txBody>
       </p:sp>
@@ -43299,10 +42751,9 @@
           <a:p>
             <a:pPr algn="ctr"/>
             <a:r>
-              <a:rPr lang="en-US" dirty="0" smtClean="0"/>
+              <a:rPr lang="en-US" dirty="0"/>
               <a:t>1</a:t>
             </a:r>
-            <a:endParaRPr lang="en-US" dirty="0"/>
           </a:p>
         </p:txBody>
       </p:sp>
@@ -43346,18 +42797,13 @@
           <a:p>
             <a:pPr algn="ctr"/>
             <a:r>
-              <a:rPr lang="en-US" dirty="0" smtClean="0">
+              <a:rPr lang="en-US" dirty="0">
                 <a:solidFill>
                   <a:sysClr val="windowText" lastClr="000000"/>
                 </a:solidFill>
               </a:rPr>
               <a:t>0</a:t>
             </a:r>
-            <a:endParaRPr lang="en-US" dirty="0">
-              <a:solidFill>
-                <a:sysClr val="windowText" lastClr="000000"/>
-              </a:solidFill>
-            </a:endParaRPr>
           </a:p>
         </p:txBody>
       </p:sp>
@@ -43401,18 +42847,13 @@
           <a:p>
             <a:pPr algn="ctr"/>
             <a:r>
-              <a:rPr lang="en-US" dirty="0" smtClean="0">
+              <a:rPr lang="en-US" dirty="0">
                 <a:solidFill>
                   <a:sysClr val="windowText" lastClr="000000"/>
                 </a:solidFill>
               </a:rPr>
               <a:t>0</a:t>
             </a:r>
-            <a:endParaRPr lang="en-US" dirty="0">
-              <a:solidFill>
-                <a:sysClr val="windowText" lastClr="000000"/>
-              </a:solidFill>
-            </a:endParaRPr>
           </a:p>
         </p:txBody>
       </p:sp>
@@ -43456,18 +42897,13 @@
           <a:p>
             <a:pPr algn="ctr"/>
             <a:r>
-              <a:rPr lang="en-US" dirty="0" smtClean="0">
+              <a:rPr lang="en-US" dirty="0">
                 <a:solidFill>
                   <a:sysClr val="windowText" lastClr="000000"/>
                 </a:solidFill>
               </a:rPr>
               <a:t>0</a:t>
             </a:r>
-            <a:endParaRPr lang="en-US" dirty="0">
-              <a:solidFill>
-                <a:sysClr val="windowText" lastClr="000000"/>
-              </a:solidFill>
-            </a:endParaRPr>
           </a:p>
         </p:txBody>
       </p:sp>
@@ -43511,18 +42947,13 @@
           <a:p>
             <a:pPr algn="ctr"/>
             <a:r>
-              <a:rPr lang="en-US" dirty="0" smtClean="0">
+              <a:rPr lang="en-US" dirty="0">
                 <a:solidFill>
                   <a:sysClr val="windowText" lastClr="000000"/>
                 </a:solidFill>
               </a:rPr>
               <a:t>0</a:t>
             </a:r>
-            <a:endParaRPr lang="en-US" dirty="0">
-              <a:solidFill>
-                <a:sysClr val="windowText" lastClr="000000"/>
-              </a:solidFill>
-            </a:endParaRPr>
           </a:p>
         </p:txBody>
       </p:sp>
@@ -43566,18 +42997,13 @@
           <a:p>
             <a:pPr algn="ctr"/>
             <a:r>
-              <a:rPr lang="en-US" dirty="0" smtClean="0">
+              <a:rPr lang="en-US" dirty="0">
                 <a:solidFill>
                   <a:sysClr val="windowText" lastClr="000000"/>
                 </a:solidFill>
               </a:rPr>
               <a:t>0</a:t>
             </a:r>
-            <a:endParaRPr lang="en-US" dirty="0">
-              <a:solidFill>
-                <a:sysClr val="windowText" lastClr="000000"/>
-              </a:solidFill>
-            </a:endParaRPr>
           </a:p>
         </p:txBody>
       </p:sp>
@@ -43621,18 +43047,13 @@
           <a:p>
             <a:pPr algn="ctr"/>
             <a:r>
-              <a:rPr lang="en-US" dirty="0" smtClean="0">
+              <a:rPr lang="en-US" dirty="0">
                 <a:solidFill>
                   <a:sysClr val="windowText" lastClr="000000"/>
                 </a:solidFill>
               </a:rPr>
               <a:t>0</a:t>
             </a:r>
-            <a:endParaRPr lang="en-US" dirty="0">
-              <a:solidFill>
-                <a:sysClr val="windowText" lastClr="000000"/>
-              </a:solidFill>
-            </a:endParaRPr>
           </a:p>
         </p:txBody>
       </p:sp>
@@ -43678,10 +43099,9 @@
           <a:p>
             <a:pPr algn="ctr"/>
             <a:r>
-              <a:rPr lang="en-US" dirty="0" smtClean="0"/>
+              <a:rPr lang="en-US" dirty="0"/>
               <a:t>1</a:t>
             </a:r>
-            <a:endParaRPr lang="en-US" dirty="0"/>
           </a:p>
         </p:txBody>
       </p:sp>
@@ -43725,18 +43145,13 @@
           <a:p>
             <a:pPr algn="ctr"/>
             <a:r>
-              <a:rPr lang="en-US" dirty="0" smtClean="0">
+              <a:rPr lang="en-US" dirty="0">
                 <a:solidFill>
                   <a:sysClr val="windowText" lastClr="000000"/>
                 </a:solidFill>
               </a:rPr>
               <a:t>0</a:t>
             </a:r>
-            <a:endParaRPr lang="en-US" dirty="0">
-              <a:solidFill>
-                <a:sysClr val="windowText" lastClr="000000"/>
-              </a:solidFill>
-            </a:endParaRPr>
           </a:p>
         </p:txBody>
       </p:sp>
@@ -43780,18 +43195,13 @@
           <a:p>
             <a:pPr algn="ctr"/>
             <a:r>
-              <a:rPr lang="en-US" dirty="0" smtClean="0">
+              <a:rPr lang="en-US" dirty="0">
                 <a:solidFill>
                   <a:sysClr val="windowText" lastClr="000000"/>
                 </a:solidFill>
               </a:rPr>
               <a:t>0</a:t>
             </a:r>
-            <a:endParaRPr lang="en-US" dirty="0">
-              <a:solidFill>
-                <a:sysClr val="windowText" lastClr="000000"/>
-              </a:solidFill>
-            </a:endParaRPr>
           </a:p>
         </p:txBody>
       </p:sp>
@@ -43835,18 +43245,13 @@
           <a:p>
             <a:pPr algn="ctr"/>
             <a:r>
-              <a:rPr lang="en-US" dirty="0" smtClean="0">
+              <a:rPr lang="en-US" dirty="0">
                 <a:solidFill>
                   <a:sysClr val="windowText" lastClr="000000"/>
                 </a:solidFill>
               </a:rPr>
               <a:t>0</a:t>
             </a:r>
-            <a:endParaRPr lang="en-US" dirty="0">
-              <a:solidFill>
-                <a:sysClr val="windowText" lastClr="000000"/>
-              </a:solidFill>
-            </a:endParaRPr>
           </a:p>
         </p:txBody>
       </p:sp>
@@ -43890,18 +43295,13 @@
           <a:p>
             <a:pPr algn="ctr"/>
             <a:r>
-              <a:rPr lang="en-US" dirty="0" smtClean="0">
+              <a:rPr lang="en-US" dirty="0">
                 <a:solidFill>
                   <a:sysClr val="windowText" lastClr="000000"/>
                 </a:solidFill>
               </a:rPr>
               <a:t>0</a:t>
             </a:r>
-            <a:endParaRPr lang="en-US" dirty="0">
-              <a:solidFill>
-                <a:sysClr val="windowText" lastClr="000000"/>
-              </a:solidFill>
-            </a:endParaRPr>
           </a:p>
         </p:txBody>
       </p:sp>
@@ -43945,18 +43345,13 @@
           <a:p>
             <a:pPr algn="ctr"/>
             <a:r>
-              <a:rPr lang="en-US" dirty="0" smtClean="0">
+              <a:rPr lang="en-US" dirty="0">
                 <a:solidFill>
                   <a:sysClr val="windowText" lastClr="000000"/>
                 </a:solidFill>
               </a:rPr>
               <a:t>0</a:t>
             </a:r>
-            <a:endParaRPr lang="en-US" dirty="0">
-              <a:solidFill>
-                <a:sysClr val="windowText" lastClr="000000"/>
-              </a:solidFill>
-            </a:endParaRPr>
           </a:p>
         </p:txBody>
       </p:sp>
@@ -44000,18 +43395,13 @@
           <a:p>
             <a:pPr algn="ctr"/>
             <a:r>
-              <a:rPr lang="en-US" dirty="0" smtClean="0">
+              <a:rPr lang="en-US" dirty="0">
                 <a:solidFill>
                   <a:sysClr val="windowText" lastClr="000000"/>
                 </a:solidFill>
               </a:rPr>
               <a:t>0</a:t>
             </a:r>
-            <a:endParaRPr lang="en-US" dirty="0">
-              <a:solidFill>
-                <a:sysClr val="windowText" lastClr="000000"/>
-              </a:solidFill>
-            </a:endParaRPr>
           </a:p>
         </p:txBody>
       </p:sp>
@@ -44057,10 +43447,9 @@
           <a:p>
             <a:pPr algn="ctr"/>
             <a:r>
-              <a:rPr lang="en-US" dirty="0" smtClean="0"/>
+              <a:rPr lang="en-US" dirty="0"/>
               <a:t>1</a:t>
             </a:r>
-            <a:endParaRPr lang="en-US" dirty="0"/>
           </a:p>
         </p:txBody>
       </p:sp>
@@ -44106,10 +43495,9 @@
           <a:p>
             <a:pPr algn="ctr"/>
             <a:r>
-              <a:rPr lang="en-US" dirty="0" smtClean="0"/>
+              <a:rPr lang="en-US" dirty="0"/>
               <a:t>1</a:t>
             </a:r>
-            <a:endParaRPr lang="en-US" dirty="0"/>
           </a:p>
         </p:txBody>
       </p:sp>
@@ -44153,18 +43541,13 @@
           <a:p>
             <a:pPr algn="ctr"/>
             <a:r>
-              <a:rPr lang="en-US" dirty="0" smtClean="0">
+              <a:rPr lang="en-US" dirty="0">
                 <a:solidFill>
                   <a:sysClr val="windowText" lastClr="000000"/>
                 </a:solidFill>
               </a:rPr>
               <a:t>0</a:t>
             </a:r>
-            <a:endParaRPr lang="en-US" dirty="0">
-              <a:solidFill>
-                <a:sysClr val="windowText" lastClr="000000"/>
-              </a:solidFill>
-            </a:endParaRPr>
           </a:p>
         </p:txBody>
       </p:sp>
@@ -44208,18 +43591,13 @@
           <a:p>
             <a:pPr algn="ctr"/>
             <a:r>
-              <a:rPr lang="en-US" dirty="0" smtClean="0">
+              <a:rPr lang="en-US" dirty="0">
                 <a:solidFill>
                   <a:sysClr val="windowText" lastClr="000000"/>
                 </a:solidFill>
               </a:rPr>
               <a:t>0</a:t>
             </a:r>
-            <a:endParaRPr lang="en-US" dirty="0">
-              <a:solidFill>
-                <a:sysClr val="windowText" lastClr="000000"/>
-              </a:solidFill>
-            </a:endParaRPr>
           </a:p>
         </p:txBody>
       </p:sp>
@@ -44263,18 +43641,13 @@
           <a:p>
             <a:pPr algn="ctr"/>
             <a:r>
-              <a:rPr lang="en-US" dirty="0" smtClean="0">
+              <a:rPr lang="en-US" dirty="0">
                 <a:solidFill>
                   <a:sysClr val="windowText" lastClr="000000"/>
                 </a:solidFill>
               </a:rPr>
               <a:t>0</a:t>
             </a:r>
-            <a:endParaRPr lang="en-US" dirty="0">
-              <a:solidFill>
-                <a:sysClr val="windowText" lastClr="000000"/>
-              </a:solidFill>
-            </a:endParaRPr>
           </a:p>
         </p:txBody>
       </p:sp>
@@ -44318,18 +43691,13 @@
           <a:p>
             <a:pPr algn="ctr"/>
             <a:r>
-              <a:rPr lang="en-US" dirty="0" smtClean="0">
+              <a:rPr lang="en-US" dirty="0">
                 <a:solidFill>
                   <a:sysClr val="windowText" lastClr="000000"/>
                 </a:solidFill>
               </a:rPr>
               <a:t>0</a:t>
             </a:r>
-            <a:endParaRPr lang="en-US" dirty="0">
-              <a:solidFill>
-                <a:sysClr val="windowText" lastClr="000000"/>
-              </a:solidFill>
-            </a:endParaRPr>
           </a:p>
         </p:txBody>
       </p:sp>
@@ -44373,18 +43741,13 @@
           <a:p>
             <a:pPr algn="ctr"/>
             <a:r>
-              <a:rPr lang="en-US" dirty="0" smtClean="0">
+              <a:rPr lang="en-US" dirty="0">
                 <a:solidFill>
                   <a:sysClr val="windowText" lastClr="000000"/>
                 </a:solidFill>
               </a:rPr>
               <a:t>0</a:t>
             </a:r>
-            <a:endParaRPr lang="en-US" dirty="0">
-              <a:solidFill>
-                <a:sysClr val="windowText" lastClr="000000"/>
-              </a:solidFill>
-            </a:endParaRPr>
           </a:p>
         </p:txBody>
       </p:sp>
@@ -44428,18 +43791,13 @@
           <a:p>
             <a:pPr algn="ctr"/>
             <a:r>
-              <a:rPr lang="en-US" dirty="0" smtClean="0">
+              <a:rPr lang="en-US" dirty="0">
                 <a:solidFill>
                   <a:sysClr val="windowText" lastClr="000000"/>
                 </a:solidFill>
               </a:rPr>
               <a:t>0</a:t>
             </a:r>
-            <a:endParaRPr lang="en-US" dirty="0">
-              <a:solidFill>
-                <a:sysClr val="windowText" lastClr="000000"/>
-              </a:solidFill>
-            </a:endParaRPr>
           </a:p>
         </p:txBody>
       </p:sp>
@@ -44485,10 +43843,9 @@
           <a:p>
             <a:pPr algn="ctr"/>
             <a:r>
-              <a:rPr lang="en-US" dirty="0" smtClean="0"/>
+              <a:rPr lang="en-US" dirty="0"/>
               <a:t>1</a:t>
             </a:r>
-            <a:endParaRPr lang="en-US" dirty="0"/>
           </a:p>
         </p:txBody>
       </p:sp>
@@ -44532,18 +43889,13 @@
           <a:p>
             <a:pPr algn="ctr"/>
             <a:r>
-              <a:rPr lang="en-US" dirty="0" smtClean="0">
+              <a:rPr lang="en-US" dirty="0">
                 <a:solidFill>
                   <a:sysClr val="windowText" lastClr="000000"/>
                 </a:solidFill>
               </a:rPr>
               <a:t>0</a:t>
             </a:r>
-            <a:endParaRPr lang="en-US" dirty="0">
-              <a:solidFill>
-                <a:sysClr val="windowText" lastClr="000000"/>
-              </a:solidFill>
-            </a:endParaRPr>
           </a:p>
         </p:txBody>
       </p:sp>
@@ -44589,7 +43941,7 @@
           <a:p>
             <a:pPr algn="ctr"/>
             <a:r>
-              <a:rPr lang="en-US" dirty="0" smtClean="0">
+              <a:rPr lang="en-US" dirty="0">
                 <a:effectLst>
                   <a:outerShdw blurRad="38100" dist="38100" dir="2700000" algn="tl">
                     <a:srgbClr val="000000">
@@ -44600,15 +43952,6 @@
               </a:rPr>
               <a:t>1</a:t>
             </a:r>
-            <a:endParaRPr lang="en-US" dirty="0">
-              <a:effectLst>
-                <a:outerShdw blurRad="38100" dist="38100" dir="2700000" algn="tl">
-                  <a:srgbClr val="000000">
-                    <a:alpha val="43137"/>
-                  </a:srgbClr>
-                </a:outerShdw>
-              </a:effectLst>
-            </a:endParaRPr>
           </a:p>
         </p:txBody>
       </p:sp>
@@ -44652,18 +43995,13 @@
           <a:p>
             <a:pPr algn="ctr"/>
             <a:r>
-              <a:rPr lang="en-US" dirty="0" smtClean="0">
+              <a:rPr lang="en-US" dirty="0">
                 <a:solidFill>
                   <a:sysClr val="windowText" lastClr="000000"/>
                 </a:solidFill>
               </a:rPr>
               <a:t>0</a:t>
             </a:r>
-            <a:endParaRPr lang="en-US" dirty="0">
-              <a:solidFill>
-                <a:sysClr val="windowText" lastClr="000000"/>
-              </a:solidFill>
-            </a:endParaRPr>
           </a:p>
         </p:txBody>
       </p:sp>
@@ -44707,18 +44045,13 @@
           <a:p>
             <a:pPr algn="ctr"/>
             <a:r>
-              <a:rPr lang="en-US" dirty="0" smtClean="0">
+              <a:rPr lang="en-US" dirty="0">
                 <a:solidFill>
                   <a:sysClr val="windowText" lastClr="000000"/>
                 </a:solidFill>
               </a:rPr>
               <a:t>0</a:t>
             </a:r>
-            <a:endParaRPr lang="en-US" dirty="0">
-              <a:solidFill>
-                <a:sysClr val="windowText" lastClr="000000"/>
-              </a:solidFill>
-            </a:endParaRPr>
           </a:p>
         </p:txBody>
       </p:sp>
@@ -44764,10 +44097,9 @@
           <a:p>
             <a:pPr algn="ctr"/>
             <a:r>
-              <a:rPr lang="en-US" dirty="0" smtClean="0"/>
+              <a:rPr lang="en-US" dirty="0"/>
               <a:t>1</a:t>
             </a:r>
-            <a:endParaRPr lang="en-US" dirty="0"/>
           </a:p>
         </p:txBody>
       </p:sp>
@@ -44811,18 +44143,13 @@
           <a:p>
             <a:pPr algn="ctr"/>
             <a:r>
-              <a:rPr lang="en-US" dirty="0" smtClean="0">
+              <a:rPr lang="en-US" dirty="0">
                 <a:solidFill>
                   <a:sysClr val="windowText" lastClr="000000"/>
                 </a:solidFill>
               </a:rPr>
               <a:t>0</a:t>
             </a:r>
-            <a:endParaRPr lang="en-US" dirty="0">
-              <a:solidFill>
-                <a:sysClr val="windowText" lastClr="000000"/>
-              </a:solidFill>
-            </a:endParaRPr>
           </a:p>
         </p:txBody>
       </p:sp>
@@ -44867,7 +44194,7 @@
           <a:p>
             <a:pPr algn="ctr"/>
             <a:r>
-              <a:rPr lang="en-US" sz="2800" b="1" spc="600" dirty="0" smtClean="0">
+              <a:rPr lang="en-US" sz="2800" b="1" spc="600" dirty="0">
                 <a:solidFill>
                   <a:schemeClr val="bg2">
                     <a:lumMod val="75000"/>
@@ -44879,7 +44206,7 @@
               <a:t>…CG</a:t>
             </a:r>
             <a:r>
-              <a:rPr lang="en-US" sz="2800" b="1" spc="600" dirty="0" smtClean="0">
+              <a:rPr lang="en-US" sz="2800" b="1" spc="600" dirty="0">
                 <a:solidFill>
                   <a:sysClr val="windowText" lastClr="000000"/>
                 </a:solidFill>
@@ -44889,7 +44216,7 @@
               <a:t>GCTACTCTG</a:t>
             </a:r>
             <a:r>
-              <a:rPr lang="en-US" sz="2800" b="1" spc="600" dirty="0" smtClean="0">
+              <a:rPr lang="en-US" sz="2800" b="1" spc="600" dirty="0">
                 <a:solidFill>
                   <a:schemeClr val="bg2">
                     <a:lumMod val="75000"/>
@@ -44900,15 +44227,6 @@
               </a:rPr>
               <a:t>TA…</a:t>
             </a:r>
-            <a:endParaRPr lang="en-US" sz="2800" b="1" spc="600" dirty="0">
-              <a:solidFill>
-                <a:schemeClr val="bg2">
-                  <a:lumMod val="75000"/>
-                </a:schemeClr>
-              </a:solidFill>
-              <a:latin typeface="Courier New" panose="02070309020205020404" pitchFamily="49" charset="0"/>
-              <a:cs typeface="Courier New" panose="02070309020205020404" pitchFamily="49" charset="0"/>
-            </a:endParaRPr>
           </a:p>
         </p:txBody>
       </p:sp>
@@ -45063,18 +44381,13 @@
           <a:p>
             <a:pPr algn="ctr"/>
             <a:r>
-              <a:rPr lang="en-US" dirty="0" smtClean="0">
+              <a:rPr lang="en-US" dirty="0">
                 <a:solidFill>
                   <a:sysClr val="windowText" lastClr="000000"/>
                 </a:solidFill>
               </a:rPr>
               <a:t>0</a:t>
             </a:r>
-            <a:endParaRPr lang="en-US" dirty="0">
-              <a:solidFill>
-                <a:sysClr val="windowText" lastClr="000000"/>
-              </a:solidFill>
-            </a:endParaRPr>
           </a:p>
         </p:txBody>
       </p:sp>
@@ -45292,7 +44605,7 @@
           <a:p>
             <a:pPr algn="ctr"/>
             <a:r>
-              <a:rPr lang="en-US" sz="2800" dirty="0" smtClean="0">
+              <a:rPr lang="en-US" sz="2800" dirty="0">
                 <a:ln w="0"/>
                 <a:solidFill>
                   <a:schemeClr val="accent1"/>
@@ -45309,21 +44622,6 @@
               </a:rPr>
               <a:t>PWM</a:t>
             </a:r>
-            <a:endParaRPr lang="en-US" sz="2800" dirty="0">
-              <a:ln w="0"/>
-              <a:solidFill>
-                <a:schemeClr val="accent1"/>
-              </a:solidFill>
-              <a:effectLst>
-                <a:outerShdw blurRad="38100" dist="25400" dir="5400000" algn="ctr" rotWithShape="0">
-                  <a:srgbClr val="6E747A">
-                    <a:alpha val="43000"/>
-                  </a:srgbClr>
-                </a:outerShdw>
-              </a:effectLst>
-              <a:latin typeface="Courier New" panose="02070309020205020404" pitchFamily="49" charset="0"/>
-              <a:cs typeface="Courier New" panose="02070309020205020404" pitchFamily="49" charset="0"/>
-            </a:endParaRPr>
           </a:p>
         </p:txBody>
       </p:sp>
@@ -45599,7 +44897,7 @@
               <a:p>
                 <a:pPr algn="ctr"/>
                 <a:r>
-                  <a:rPr lang="en-US" sz="2800" dirty="0" smtClean="0">
+                  <a:rPr lang="en-US" sz="2800" dirty="0">
                     <a:ln w="0"/>
                     <a:solidFill>
                       <a:schemeClr val="accent1"/>
@@ -45616,21 +44914,6 @@
                   </a:rPr>
                   <a:t>PWM</a:t>
                 </a:r>
-                <a:endParaRPr lang="en-US" sz="2800" dirty="0">
-                  <a:ln w="0"/>
-                  <a:solidFill>
-                    <a:schemeClr val="accent1"/>
-                  </a:solidFill>
-                  <a:effectLst>
-                    <a:outerShdw blurRad="38100" dist="25400" dir="5400000" algn="ctr" rotWithShape="0">
-                      <a:srgbClr val="6E747A">
-                        <a:alpha val="43000"/>
-                      </a:srgbClr>
-                    </a:outerShdw>
-                  </a:effectLst>
-                  <a:latin typeface="Courier New" panose="02070309020205020404" pitchFamily="49" charset="0"/>
-                  <a:cs typeface="Courier New" panose="02070309020205020404" pitchFamily="49" charset="0"/>
-                </a:endParaRPr>
               </a:p>
             </p:txBody>
           </p:sp>
@@ -45675,7 +44958,7 @@
               <a:p>
                 <a:pPr algn="ctr"/>
                 <a:r>
-                  <a:rPr lang="en-US" sz="2800" dirty="0" smtClean="0">
+                  <a:rPr lang="en-US" sz="2800" dirty="0">
                     <a:ln w="0"/>
                     <a:solidFill>
                       <a:schemeClr val="accent1"/>
@@ -45692,21 +44975,6 @@
                   </a:rPr>
                   <a:t>M</a:t>
                 </a:r>
-                <a:endParaRPr lang="en-US" sz="2800" dirty="0">
-                  <a:ln w="0"/>
-                  <a:solidFill>
-                    <a:schemeClr val="accent1"/>
-                  </a:solidFill>
-                  <a:effectLst>
-                    <a:outerShdw blurRad="38100" dist="25400" dir="5400000" algn="ctr" rotWithShape="0">
-                      <a:srgbClr val="6E747A">
-                        <a:alpha val="43000"/>
-                      </a:srgbClr>
-                    </a:outerShdw>
-                  </a:effectLst>
-                  <a:latin typeface="Courier New" panose="02070309020205020404" pitchFamily="49" charset="0"/>
-                  <a:cs typeface="Courier New" panose="02070309020205020404" pitchFamily="49" charset="0"/>
-                </a:endParaRPr>
               </a:p>
             </p:txBody>
           </p:sp>
@@ -45867,7 +45135,7 @@
               <a:p>
                 <a:pPr algn="ctr"/>
                 <a:r>
-                  <a:rPr lang="en-US" sz="2800" b="1" spc="600" dirty="0" smtClean="0">
+                  <a:rPr lang="en-US" sz="2800" b="1" spc="600" dirty="0">
                     <a:solidFill>
                       <a:schemeClr val="bg2">
                         <a:lumMod val="75000"/>
@@ -45879,7 +45147,7 @@
                   <a:t>…CG</a:t>
                 </a:r>
                 <a:r>
-                  <a:rPr lang="en-US" sz="2800" b="1" spc="600" dirty="0" smtClean="0">
+                  <a:rPr lang="en-US" sz="2800" b="1" spc="600" dirty="0">
                     <a:solidFill>
                       <a:sysClr val="windowText" lastClr="000000"/>
                     </a:solidFill>
@@ -45889,7 +45157,7 @@
                   <a:t>GCTACTCT</a:t>
                 </a:r>
                 <a:r>
-                  <a:rPr lang="en-US" sz="2800" b="1" spc="600" dirty="0" smtClean="0">
+                  <a:rPr lang="en-US" sz="2800" b="1" spc="600" dirty="0">
                     <a:solidFill>
                       <a:schemeClr val="bg2">
                         <a:lumMod val="75000"/>
@@ -45900,15 +45168,6 @@
                   </a:rPr>
                   <a:t>TA…</a:t>
                 </a:r>
-                <a:endParaRPr lang="en-US" sz="2800" b="1" spc="600" dirty="0">
-                  <a:solidFill>
-                    <a:schemeClr val="bg2">
-                      <a:lumMod val="75000"/>
-                    </a:schemeClr>
-                  </a:solidFill>
-                  <a:latin typeface="Courier New" panose="02070309020205020404" pitchFamily="49" charset="0"/>
-                  <a:cs typeface="Courier New" panose="02070309020205020404" pitchFamily="49" charset="0"/>
-                </a:endParaRPr>
               </a:p>
             </p:txBody>
           </p:sp>
@@ -46424,18 +45683,13 @@
             <a:p>
               <a:pPr algn="ctr"/>
               <a:r>
-                <a:rPr lang="en-US" dirty="0" smtClean="0">
+                <a:rPr lang="en-US" dirty="0">
                   <a:solidFill>
                     <a:sysClr val="windowText" lastClr="000000"/>
                   </a:solidFill>
                 </a:rPr>
                 <a:t>Location in sequence</a:t>
               </a:r>
-              <a:endParaRPr lang="en-US" dirty="0">
-                <a:solidFill>
-                  <a:sysClr val="windowText" lastClr="000000"/>
-                </a:solidFill>
-              </a:endParaRPr>
             </a:p>
           </p:txBody>
         </p:sp>
@@ -46480,18 +45734,13 @@
             <a:p>
               <a:pPr algn="ctr"/>
               <a:r>
-                <a:rPr lang="en-US" dirty="0" smtClean="0">
+                <a:rPr lang="en-US" dirty="0">
                   <a:solidFill>
                     <a:sysClr val="windowText" lastClr="000000"/>
                   </a:solidFill>
                 </a:rPr>
                 <a:t>Log likelihood of TF binding</a:t>
               </a:r>
-              <a:endParaRPr lang="en-US" dirty="0">
-                <a:solidFill>
-                  <a:sysClr val="windowText" lastClr="000000"/>
-                </a:solidFill>
-              </a:endParaRPr>
             </a:p>
           </p:txBody>
         </p:sp>
@@ -46635,7 +45884,7 @@
           <a:p>
             <a:pPr algn="ctr"/>
             <a:r>
-              <a:rPr lang="en-US" sz="2400" dirty="0" smtClean="0">
+              <a:rPr lang="en-US" sz="2400" dirty="0">
                 <a:ln w="0"/>
                 <a:solidFill>
                   <a:schemeClr val="accent1"/>
@@ -46652,21 +45901,6 @@
               </a:rPr>
               <a:t>One-hot encoding</a:t>
             </a:r>
-            <a:endParaRPr lang="en-US" sz="2400" dirty="0">
-              <a:ln w="0"/>
-              <a:solidFill>
-                <a:schemeClr val="accent1"/>
-              </a:solidFill>
-              <a:effectLst>
-                <a:outerShdw blurRad="38100" dist="25400" dir="5400000" algn="ctr" rotWithShape="0">
-                  <a:srgbClr val="6E747A">
-                    <a:alpha val="43000"/>
-                  </a:srgbClr>
-                </a:outerShdw>
-              </a:effectLst>
-              <a:latin typeface="Courier New" panose="02070309020205020404" pitchFamily="49" charset="0"/>
-              <a:cs typeface="Courier New" panose="02070309020205020404" pitchFamily="49" charset="0"/>
-            </a:endParaRPr>
           </a:p>
         </p:txBody>
       </p:sp>
@@ -46788,13 +46022,473 @@
   <p:clrMapOvr>
     <a:masterClrMapping/>
   </p:clrMapOvr>
-  <p:timing>
-    <p:tnLst>
-      <p:par>
-        <p:cTn id="1" dur="indefinite" restart="never" nodeType="tmRoot"/>
-      </p:par>
-    </p:tnLst>
-  </p:timing>
+</p:sld>
+</file>
+
+<file path=ppt/slides/slide8.xml><?xml version="1.0" encoding="utf-8"?>
+<p:sld xmlns:a="http://schemas.openxmlformats.org/drawingml/2006/main" xmlns:r="http://schemas.openxmlformats.org/officeDocument/2006/relationships" xmlns:p="http://schemas.openxmlformats.org/presentationml/2006/main">
+  <p:cSld>
+    <p:spTree>
+      <p:nvGrpSpPr>
+        <p:cNvPr id="1" name=""/>
+        <p:cNvGrpSpPr/>
+        <p:nvPr/>
+      </p:nvGrpSpPr>
+      <p:grpSpPr>
+        <a:xfrm>
+          <a:off x="0" y="0"/>
+          <a:ext cx="0" cy="0"/>
+          <a:chOff x="0" y="0"/>
+          <a:chExt cx="0" cy="0"/>
+        </a:xfrm>
+      </p:grpSpPr>
+      <p:sp>
+        <p:nvSpPr>
+          <p:cNvPr id="2" name="Title 1">
+            <a:extLst>
+              <a:ext uri="{FF2B5EF4-FFF2-40B4-BE49-F238E27FC236}">
+                <a16:creationId xmlns:a16="http://schemas.microsoft.com/office/drawing/2014/main" id="{BCD69B69-0F2F-42F7-8E6B-27A158FE54D3}"/>
+              </a:ext>
+            </a:extLst>
+          </p:cNvPr>
+          <p:cNvSpPr>
+            <a:spLocks noGrp="1"/>
+          </p:cNvSpPr>
+          <p:nvPr>
+            <p:ph type="title"/>
+          </p:nvPr>
+        </p:nvSpPr>
+        <p:spPr/>
+        <p:txBody>
+          <a:bodyPr/>
+          <a:lstStyle/>
+          <a:p>
+            <a:endParaRPr lang="en-US"/>
+          </a:p>
+        </p:txBody>
+      </p:sp>
+      <p:pic>
+        <p:nvPicPr>
+          <p:cNvPr id="5" name="Content Placeholder 4" descr="A picture containing text, map&#10;&#10;Description automatically generated">
+            <a:extLst>
+              <a:ext uri="{FF2B5EF4-FFF2-40B4-BE49-F238E27FC236}">
+                <a16:creationId xmlns:a16="http://schemas.microsoft.com/office/drawing/2014/main" id="{57F949F9-4B9E-4C6A-B0B0-69E73A36D028}"/>
+              </a:ext>
+            </a:extLst>
+          </p:cNvPr>
+          <p:cNvPicPr>
+            <a:picLocks noGrp="1" noChangeAspect="1"/>
+          </p:cNvPicPr>
+          <p:nvPr>
+            <p:ph idx="1"/>
+          </p:nvPr>
+        </p:nvPicPr>
+        <p:blipFill rotWithShape="1">
+          <a:blip r:embed="rId2" cstate="print">
+            <a:extLst>
+              <a:ext uri="{28A0092B-C50C-407E-A947-70E740481C1C}">
+                <a14:useLocalDpi xmlns:a14="http://schemas.microsoft.com/office/drawing/2010/main" val="0"/>
+              </a:ext>
+            </a:extLst>
+          </a:blip>
+          <a:srcRect t="6029"/>
+          <a:stretch/>
+        </p:blipFill>
+        <p:spPr>
+          <a:xfrm>
+            <a:off x="638630" y="2540000"/>
+            <a:ext cx="4684483" cy="3486740"/>
+          </a:xfrm>
+        </p:spPr>
+      </p:pic>
+      <mc:AlternateContent xmlns:mc="http://schemas.openxmlformats.org/markup-compatibility/2006">
+        <mc:Choice xmlns:a14="http://schemas.microsoft.com/office/drawing/2010/main" Requires="a14">
+          <p:sp>
+            <p:nvSpPr>
+              <p:cNvPr id="10" name="Rectangle 9">
+                <a:extLst>
+                  <a:ext uri="{FF2B5EF4-FFF2-40B4-BE49-F238E27FC236}">
+                    <a16:creationId xmlns:a16="http://schemas.microsoft.com/office/drawing/2014/main" id="{2E36643D-EEA2-42A8-BBCF-DC12D9FC8BA4}"/>
+                  </a:ext>
+                </a:extLst>
+              </p:cNvPr>
+              <p:cNvSpPr/>
+              <p:nvPr/>
+            </p:nvSpPr>
+            <p:spPr>
+              <a:xfrm>
+                <a:off x="1949790" y="5731031"/>
+                <a:ext cx="2062162" cy="252412"/>
+              </a:xfrm>
+              <a:prstGeom prst="rect">
+                <a:avLst/>
+              </a:prstGeom>
+              <a:solidFill>
+                <a:schemeClr val="bg1"/>
+              </a:solidFill>
+              <a:ln>
+                <a:noFill/>
+              </a:ln>
+            </p:spPr>
+            <p:style>
+              <a:lnRef idx="2">
+                <a:schemeClr val="accent1">
+                  <a:shade val="50000"/>
+                </a:schemeClr>
+              </a:lnRef>
+              <a:fillRef idx="1">
+                <a:schemeClr val="accent1"/>
+              </a:fillRef>
+              <a:effectRef idx="0">
+                <a:schemeClr val="accent1"/>
+              </a:effectRef>
+              <a:fontRef idx="minor">
+                <a:schemeClr val="lt1"/>
+              </a:fontRef>
+            </p:style>
+            <p:txBody>
+              <a:bodyPr rtlCol="0" anchor="ctr"/>
+              <a:lstStyle/>
+              <a:p>
+                <a:pPr algn="ctr"/>
+                <a14:m>
+                  <m:oMathPara xmlns:m="http://schemas.openxmlformats.org/officeDocument/2006/math">
+                    <m:oMathParaPr>
+                      <m:jc m:val="centerGroup"/>
+                    </m:oMathParaPr>
+                    <m:oMath xmlns:m="http://schemas.openxmlformats.org/officeDocument/2006/math">
+                      <m:r>
+                        <a:rPr lang="en-US" sz="1200" b="0" i="1" smtClean="0">
+                          <a:solidFill>
+                            <a:schemeClr val="tx1"/>
+                          </a:solidFill>
+                          <a:latin typeface="Cambria Math" panose="02040503050406030204" pitchFamily="18" charset="0"/>
+                        </a:rPr>
+                        <m:t>𝑇𝑟𝑢𝑒</m:t>
+                      </m:r>
+                      <m:r>
+                        <a:rPr lang="en-US" sz="1200" b="0" i="1" smtClean="0">
+                          <a:solidFill>
+                            <a:schemeClr val="tx1"/>
+                          </a:solidFill>
+                          <a:latin typeface="Cambria Math" panose="02040503050406030204" pitchFamily="18" charset="0"/>
+                        </a:rPr>
+                        <m:t> </m:t>
+                      </m:r>
+                      <m:r>
+                        <a:rPr lang="en-US" sz="1200" b="0" i="1" smtClean="0">
+                          <a:solidFill>
+                            <a:schemeClr val="tx1"/>
+                          </a:solidFill>
+                          <a:latin typeface="Cambria Math" panose="02040503050406030204" pitchFamily="18" charset="0"/>
+                        </a:rPr>
+                        <m:t>𝜃</m:t>
+                      </m:r>
+                      <m:r>
+                        <a:rPr lang="en-US" sz="1200" b="0" i="1" smtClean="0">
+                          <a:solidFill>
+                            <a:schemeClr val="tx1"/>
+                          </a:solidFill>
+                          <a:latin typeface="Cambria Math" panose="02040503050406030204" pitchFamily="18" charset="0"/>
+                        </a:rPr>
+                        <m:t> </m:t>
+                      </m:r>
+                      <m:r>
+                        <a:rPr lang="en-US" sz="1200" b="0" i="1" smtClean="0">
+                          <a:solidFill>
+                            <a:schemeClr val="tx1"/>
+                          </a:solidFill>
+                          <a:latin typeface="Cambria Math" panose="02040503050406030204" pitchFamily="18" charset="0"/>
+                        </a:rPr>
+                        <m:t>𝑃𝑟𝑏𝑎𝑏𝑖𝑙𝑖𝑡𝑖𝑒𝑠</m:t>
+                      </m:r>
+                    </m:oMath>
+                  </m:oMathPara>
+                </a14:m>
+                <a:endParaRPr lang="en-US" sz="1200" dirty="0">
+                  <a:solidFill>
+                    <a:schemeClr val="tx1"/>
+                  </a:solidFill>
+                </a:endParaRPr>
+              </a:p>
+            </p:txBody>
+          </p:sp>
+        </mc:Choice>
+        <mc:Fallback>
+          <p:sp>
+            <p:nvSpPr>
+              <p:cNvPr id="10" name="Rectangle 9">
+                <a:extLst>
+                  <a:ext uri="{FF2B5EF4-FFF2-40B4-BE49-F238E27FC236}">
+                    <a16:creationId xmlns:a16="http://schemas.microsoft.com/office/drawing/2014/main" id="{2E36643D-EEA2-42A8-BBCF-DC12D9FC8BA4}"/>
+                  </a:ext>
+                </a:extLst>
+              </p:cNvPr>
+              <p:cNvSpPr>
+                <a:spLocks noRot="1" noChangeAspect="1" noMove="1" noResize="1" noEditPoints="1" noAdjustHandles="1" noChangeArrowheads="1" noChangeShapeType="1" noTextEdit="1"/>
+              </p:cNvSpPr>
+              <p:nvPr/>
+            </p:nvSpPr>
+            <p:spPr>
+              <a:xfrm>
+                <a:off x="1949790" y="5731031"/>
+                <a:ext cx="2062162" cy="252412"/>
+              </a:xfrm>
+              <a:prstGeom prst="rect">
+                <a:avLst/>
+              </a:prstGeom>
+              <a:blipFill>
+                <a:blip r:embed="rId3"/>
+                <a:stretch>
+                  <a:fillRect/>
+                </a:stretch>
+              </a:blipFill>
+              <a:ln>
+                <a:noFill/>
+              </a:ln>
+            </p:spPr>
+            <p:txBody>
+              <a:bodyPr/>
+              <a:lstStyle/>
+              <a:p>
+                <a:r>
+                  <a:rPr lang="en-US">
+                    <a:noFill/>
+                  </a:rPr>
+                  <a:t> </a:t>
+                </a:r>
+              </a:p>
+            </p:txBody>
+          </p:sp>
+        </mc:Fallback>
+      </mc:AlternateContent>
+      <p:sp>
+        <p:nvSpPr>
+          <p:cNvPr id="11" name="Rectangle 10">
+            <a:extLst>
+              <a:ext uri="{FF2B5EF4-FFF2-40B4-BE49-F238E27FC236}">
+                <a16:creationId xmlns:a16="http://schemas.microsoft.com/office/drawing/2014/main" id="{0088E734-0132-42BF-A871-F58627DBCCEF}"/>
+              </a:ext>
+            </a:extLst>
+          </p:cNvPr>
+          <p:cNvSpPr/>
+          <p:nvPr/>
+        </p:nvSpPr>
+        <p:spPr>
+          <a:xfrm>
+            <a:off x="2071688" y="2465543"/>
+            <a:ext cx="2062162" cy="252412"/>
+          </a:xfrm>
+          <a:prstGeom prst="rect">
+            <a:avLst/>
+          </a:prstGeom>
+          <a:solidFill>
+            <a:schemeClr val="bg1"/>
+          </a:solidFill>
+          <a:ln>
+            <a:noFill/>
+          </a:ln>
+        </p:spPr>
+        <p:style>
+          <a:lnRef idx="2">
+            <a:schemeClr val="accent1">
+              <a:shade val="50000"/>
+            </a:schemeClr>
+          </a:lnRef>
+          <a:fillRef idx="1">
+            <a:schemeClr val="accent1"/>
+          </a:fillRef>
+          <a:effectRef idx="0">
+            <a:schemeClr val="accent1"/>
+          </a:effectRef>
+          <a:fontRef idx="minor">
+            <a:schemeClr val="lt1"/>
+          </a:fontRef>
+        </p:style>
+        <p:txBody>
+          <a:bodyPr rtlCol="0" anchor="ctr"/>
+          <a:lstStyle/>
+          <a:p>
+            <a:pPr algn="ctr"/>
+            <a:endParaRPr lang="en-US" dirty="0">
+              <a:solidFill>
+                <a:schemeClr val="tx1"/>
+              </a:solidFill>
+            </a:endParaRPr>
+          </a:p>
+        </p:txBody>
+      </p:sp>
+      <mc:AlternateContent xmlns:mc="http://schemas.openxmlformats.org/markup-compatibility/2006">
+        <mc:Choice xmlns:a14="http://schemas.microsoft.com/office/drawing/2010/main" Requires="a14">
+          <p:sp>
+            <p:nvSpPr>
+              <p:cNvPr id="13" name="Rectangle 12">
+                <a:extLst>
+                  <a:ext uri="{FF2B5EF4-FFF2-40B4-BE49-F238E27FC236}">
+                    <a16:creationId xmlns:a16="http://schemas.microsoft.com/office/drawing/2014/main" id="{6D2C8BE0-B0D2-4978-A1B5-FFF5137A4C82}"/>
+                  </a:ext>
+                </a:extLst>
+              </p:cNvPr>
+              <p:cNvSpPr/>
+              <p:nvPr/>
+            </p:nvSpPr>
+            <p:spPr>
+              <a:xfrm rot="16200000">
+                <a:off x="9526" y="3797456"/>
+                <a:ext cx="2062162" cy="252412"/>
+              </a:xfrm>
+              <a:prstGeom prst="rect">
+                <a:avLst/>
+              </a:prstGeom>
+              <a:solidFill>
+                <a:schemeClr val="bg1"/>
+              </a:solidFill>
+              <a:ln>
+                <a:noFill/>
+              </a:ln>
+            </p:spPr>
+            <p:style>
+              <a:lnRef idx="2">
+                <a:schemeClr val="accent1">
+                  <a:shade val="50000"/>
+                </a:schemeClr>
+              </a:lnRef>
+              <a:fillRef idx="1">
+                <a:schemeClr val="accent1"/>
+              </a:fillRef>
+              <a:effectRef idx="0">
+                <a:schemeClr val="accent1"/>
+              </a:effectRef>
+              <a:fontRef idx="minor">
+                <a:schemeClr val="lt1"/>
+              </a:fontRef>
+            </p:style>
+            <p:txBody>
+              <a:bodyPr rtlCol="0" anchor="ctr"/>
+              <a:lstStyle/>
+              <a:p>
+                <a:pPr algn="ctr"/>
+                <a14:m>
+                  <m:oMathPara xmlns:m="http://schemas.openxmlformats.org/officeDocument/2006/math">
+                    <m:oMathParaPr>
+                      <m:jc m:val="centerGroup"/>
+                    </m:oMathParaPr>
+                    <m:oMath xmlns:m="http://schemas.openxmlformats.org/officeDocument/2006/math">
+                      <m:r>
+                        <a:rPr lang="en-US" sz="1200" b="0" i="1" smtClean="0">
+                          <a:solidFill>
+                            <a:schemeClr val="tx1"/>
+                          </a:solidFill>
+                          <a:latin typeface="Cambria Math" panose="02040503050406030204" pitchFamily="18" charset="0"/>
+                        </a:rPr>
+                        <m:t>𝐸𝑠𝑡𝑖𝑚𝑎𝑡𝑒𝑑</m:t>
+                      </m:r>
+                      <m:r>
+                        <a:rPr lang="en-US" sz="1200" b="0" i="1" smtClean="0">
+                          <a:solidFill>
+                            <a:schemeClr val="tx1"/>
+                          </a:solidFill>
+                          <a:latin typeface="Cambria Math" panose="02040503050406030204" pitchFamily="18" charset="0"/>
+                        </a:rPr>
+                        <m:t> </m:t>
+                      </m:r>
+                      <m:r>
+                        <a:rPr lang="en-US" sz="1200" b="0" i="1" smtClean="0">
+                          <a:solidFill>
+                            <a:schemeClr val="tx1"/>
+                          </a:solidFill>
+                          <a:latin typeface="Cambria Math" panose="02040503050406030204" pitchFamily="18" charset="0"/>
+                        </a:rPr>
+                        <m:t>𝜃</m:t>
+                      </m:r>
+                      <m:r>
+                        <a:rPr lang="en-US" sz="1200" b="0" i="1" smtClean="0">
+                          <a:solidFill>
+                            <a:schemeClr val="tx1"/>
+                          </a:solidFill>
+                          <a:latin typeface="Cambria Math" panose="02040503050406030204" pitchFamily="18" charset="0"/>
+                        </a:rPr>
+                        <m:t> </m:t>
+                      </m:r>
+                      <m:r>
+                        <a:rPr lang="en-US" sz="1200" b="0" i="1" smtClean="0">
+                          <a:solidFill>
+                            <a:schemeClr val="tx1"/>
+                          </a:solidFill>
+                          <a:latin typeface="Cambria Math" panose="02040503050406030204" pitchFamily="18" charset="0"/>
+                        </a:rPr>
+                        <m:t>𝑃𝑟𝑏𝑎𝑏𝑖𝑙𝑖𝑡𝑖𝑒𝑠</m:t>
+                      </m:r>
+                    </m:oMath>
+                  </m:oMathPara>
+                </a14:m>
+                <a:endParaRPr lang="en-US" sz="1200" dirty="0">
+                  <a:solidFill>
+                    <a:schemeClr val="tx1"/>
+                  </a:solidFill>
+                </a:endParaRPr>
+              </a:p>
+            </p:txBody>
+          </p:sp>
+        </mc:Choice>
+        <mc:Fallback>
+          <p:sp>
+            <p:nvSpPr>
+              <p:cNvPr id="13" name="Rectangle 12">
+                <a:extLst>
+                  <a:ext uri="{FF2B5EF4-FFF2-40B4-BE49-F238E27FC236}">
+                    <a16:creationId xmlns:a16="http://schemas.microsoft.com/office/drawing/2014/main" id="{6D2C8BE0-B0D2-4978-A1B5-FFF5137A4C82}"/>
+                  </a:ext>
+                </a:extLst>
+              </p:cNvPr>
+              <p:cNvSpPr>
+                <a:spLocks noRot="1" noChangeAspect="1" noMove="1" noResize="1" noEditPoints="1" noAdjustHandles="1" noChangeArrowheads="1" noChangeShapeType="1" noTextEdit="1"/>
+              </p:cNvSpPr>
+              <p:nvPr/>
+            </p:nvSpPr>
+            <p:spPr>
+              <a:xfrm rot="16200000">
+                <a:off x="9526" y="3797456"/>
+                <a:ext cx="2062162" cy="252412"/>
+              </a:xfrm>
+              <a:prstGeom prst="rect">
+                <a:avLst/>
+              </a:prstGeom>
+              <a:blipFill>
+                <a:blip r:embed="rId4"/>
+                <a:stretch>
+                  <a:fillRect/>
+                </a:stretch>
+              </a:blipFill>
+              <a:ln>
+                <a:noFill/>
+              </a:ln>
+            </p:spPr>
+            <p:txBody>
+              <a:bodyPr/>
+              <a:lstStyle/>
+              <a:p>
+                <a:r>
+                  <a:rPr lang="en-US">
+                    <a:noFill/>
+                  </a:rPr>
+                  <a:t> </a:t>
+                </a:r>
+              </a:p>
+            </p:txBody>
+          </p:sp>
+        </mc:Fallback>
+      </mc:AlternateContent>
+    </p:spTree>
+    <p:extLst>
+      <p:ext uri="{BB962C8B-B14F-4D97-AF65-F5344CB8AC3E}">
+        <p14:creationId xmlns:p14="http://schemas.microsoft.com/office/powerpoint/2010/main" val="1079704894"/>
+      </p:ext>
+    </p:extLst>
+  </p:cSld>
+  <p:clrMapOvr>
+    <a:masterClrMapping/>
+  </p:clrMapOvr>
 </p:sld>
 </file>
 

--- a/Help/Figures2.pptx
+++ b/Help/Figures2.pptx
@@ -5,7 +5,7 @@
     <p:sldMasterId id="2147483648" r:id="rId1"/>
   </p:sldMasterIdLst>
   <p:notesMasterIdLst>
-    <p:notesMasterId r:id="rId10"/>
+    <p:notesMasterId r:id="rId15"/>
   </p:notesMasterIdLst>
   <p:sldIdLst>
     <p:sldId id="279" r:id="rId2"/>
@@ -16,6 +16,11 @@
     <p:sldId id="271" r:id="rId7"/>
     <p:sldId id="270" r:id="rId8"/>
     <p:sldId id="280" r:id="rId9"/>
+    <p:sldId id="284" r:id="rId10"/>
+    <p:sldId id="281" r:id="rId11"/>
+    <p:sldId id="285" r:id="rId12"/>
+    <p:sldId id="282" r:id="rId13"/>
+    <p:sldId id="283" r:id="rId14"/>
   </p:sldIdLst>
   <p:sldSz cx="12192000" cy="6858000"/>
   <p:notesSz cx="6858000" cy="9144000"/>
@@ -196,7 +201,7 @@
             </a:lvl1pPr>
           </a:lstStyle>
           <a:p>
-            <a:endParaRPr lang="en-US"/>
+            <a:endParaRPr lang="en-US" dirty="0"/>
           </a:p>
         </p:txBody>
       </p:sp>
@@ -229,9 +234,9 @@
           <a:p>
             <a:fld id="{C07E4396-26A3-4143-A0A3-BBC18DD0CEAD}" type="datetimeFigureOut">
               <a:rPr lang="en-US" smtClean="0"/>
-              <a:t>06-Aug-19</a:t>
+              <a:t>2019-08-06</a:t>
             </a:fld>
-            <a:endParaRPr lang="en-US"/>
+            <a:endParaRPr lang="en-US" dirty="0"/>
           </a:p>
         </p:txBody>
       </p:sp>
@@ -264,7 +269,7 @@
           <a:bodyPr vert="horz" lIns="91440" tIns="45720" rIns="91440" bIns="45720" rtlCol="0" anchor="ctr"/>
           <a:lstStyle/>
           <a:p>
-            <a:endParaRPr lang="en-US"/>
+            <a:endParaRPr lang="en-US" dirty="0"/>
           </a:p>
         </p:txBody>
       </p:sp>
@@ -354,7 +359,7 @@
             </a:lvl1pPr>
           </a:lstStyle>
           <a:p>
-            <a:endParaRPr lang="en-US"/>
+            <a:endParaRPr lang="en-US" dirty="0"/>
           </a:p>
         </p:txBody>
       </p:sp>
@@ -389,7 +394,7 @@
               <a:rPr lang="en-US" smtClean="0"/>
               <a:t>‹#›</a:t>
             </a:fld>
-            <a:endParaRPr lang="en-US"/>
+            <a:endParaRPr lang="en-US" dirty="0"/>
           </a:p>
         </p:txBody>
       </p:sp>
@@ -563,7 +568,7 @@
               <a:rPr lang="en-US" smtClean="0"/>
               <a:t>1</a:t>
             </a:fld>
-            <a:endParaRPr lang="en-US"/>
+            <a:endParaRPr lang="en-US" dirty="0"/>
           </a:p>
         </p:txBody>
       </p:sp>
@@ -793,9 +798,9 @@
           <a:p>
             <a:fld id="{2DC2A043-560F-4D2E-8D1E-02B02E053659}" type="datetimeFigureOut">
               <a:rPr lang="en-US" smtClean="0"/>
-              <a:t>06-Aug-19</a:t>
+              <a:t>2019-08-06</a:t>
             </a:fld>
-            <a:endParaRPr lang="en-US"/>
+            <a:endParaRPr lang="en-US" dirty="0"/>
           </a:p>
         </p:txBody>
       </p:sp>
@@ -814,7 +819,7 @@
           <a:bodyPr/>
           <a:lstStyle/>
           <a:p>
-            <a:endParaRPr lang="en-US"/>
+            <a:endParaRPr lang="en-US" dirty="0"/>
           </a:p>
         </p:txBody>
       </p:sp>
@@ -837,7 +842,7 @@
               <a:rPr lang="en-US" smtClean="0"/>
               <a:t>‹#›</a:t>
             </a:fld>
-            <a:endParaRPr lang="en-US"/>
+            <a:endParaRPr lang="en-US" dirty="0"/>
           </a:p>
         </p:txBody>
       </p:sp>
@@ -961,9 +966,9 @@
           <a:p>
             <a:fld id="{2DC2A043-560F-4D2E-8D1E-02B02E053659}" type="datetimeFigureOut">
               <a:rPr lang="en-US" smtClean="0"/>
-              <a:t>06-Aug-19</a:t>
+              <a:t>2019-08-06</a:t>
             </a:fld>
-            <a:endParaRPr lang="en-US"/>
+            <a:endParaRPr lang="en-US" dirty="0"/>
           </a:p>
         </p:txBody>
       </p:sp>
@@ -982,7 +987,7 @@
           <a:bodyPr/>
           <a:lstStyle/>
           <a:p>
-            <a:endParaRPr lang="en-US"/>
+            <a:endParaRPr lang="en-US" dirty="0"/>
           </a:p>
         </p:txBody>
       </p:sp>
@@ -1005,7 +1010,7 @@
               <a:rPr lang="en-US" smtClean="0"/>
               <a:t>‹#›</a:t>
             </a:fld>
-            <a:endParaRPr lang="en-US"/>
+            <a:endParaRPr lang="en-US" dirty="0"/>
           </a:p>
         </p:txBody>
       </p:sp>
@@ -1139,9 +1144,9 @@
           <a:p>
             <a:fld id="{2DC2A043-560F-4D2E-8D1E-02B02E053659}" type="datetimeFigureOut">
               <a:rPr lang="en-US" smtClean="0"/>
-              <a:t>06-Aug-19</a:t>
+              <a:t>2019-08-06</a:t>
             </a:fld>
-            <a:endParaRPr lang="en-US"/>
+            <a:endParaRPr lang="en-US" dirty="0"/>
           </a:p>
         </p:txBody>
       </p:sp>
@@ -1160,7 +1165,7 @@
           <a:bodyPr/>
           <a:lstStyle/>
           <a:p>
-            <a:endParaRPr lang="en-US"/>
+            <a:endParaRPr lang="en-US" dirty="0"/>
           </a:p>
         </p:txBody>
       </p:sp>
@@ -1183,7 +1188,7 @@
               <a:rPr lang="en-US" smtClean="0"/>
               <a:t>‹#›</a:t>
             </a:fld>
-            <a:endParaRPr lang="en-US"/>
+            <a:endParaRPr lang="en-US" dirty="0"/>
           </a:p>
         </p:txBody>
       </p:sp>
@@ -1307,9 +1312,9 @@
           <a:p>
             <a:fld id="{2DC2A043-560F-4D2E-8D1E-02B02E053659}" type="datetimeFigureOut">
               <a:rPr lang="en-US" smtClean="0"/>
-              <a:t>06-Aug-19</a:t>
+              <a:t>2019-08-06</a:t>
             </a:fld>
-            <a:endParaRPr lang="en-US"/>
+            <a:endParaRPr lang="en-US" dirty="0"/>
           </a:p>
         </p:txBody>
       </p:sp>
@@ -1328,7 +1333,7 @@
           <a:bodyPr/>
           <a:lstStyle/>
           <a:p>
-            <a:endParaRPr lang="en-US"/>
+            <a:endParaRPr lang="en-US" dirty="0"/>
           </a:p>
         </p:txBody>
       </p:sp>
@@ -1351,7 +1356,7 @@
               <a:rPr lang="en-US" smtClean="0"/>
               <a:t>‹#›</a:t>
             </a:fld>
-            <a:endParaRPr lang="en-US"/>
+            <a:endParaRPr lang="en-US" dirty="0"/>
           </a:p>
         </p:txBody>
       </p:sp>
@@ -1552,9 +1557,9 @@
           <a:p>
             <a:fld id="{2DC2A043-560F-4D2E-8D1E-02B02E053659}" type="datetimeFigureOut">
               <a:rPr lang="en-US" smtClean="0"/>
-              <a:t>06-Aug-19</a:t>
+              <a:t>2019-08-06</a:t>
             </a:fld>
-            <a:endParaRPr lang="en-US"/>
+            <a:endParaRPr lang="en-US" dirty="0"/>
           </a:p>
         </p:txBody>
       </p:sp>
@@ -1573,7 +1578,7 @@
           <a:bodyPr/>
           <a:lstStyle/>
           <a:p>
-            <a:endParaRPr lang="en-US"/>
+            <a:endParaRPr lang="en-US" dirty="0"/>
           </a:p>
         </p:txBody>
       </p:sp>
@@ -1596,7 +1601,7 @@
               <a:rPr lang="en-US" smtClean="0"/>
               <a:t>‹#›</a:t>
             </a:fld>
-            <a:endParaRPr lang="en-US"/>
+            <a:endParaRPr lang="en-US" dirty="0"/>
           </a:p>
         </p:txBody>
       </p:sp>
@@ -1781,9 +1786,9 @@
           <a:p>
             <a:fld id="{2DC2A043-560F-4D2E-8D1E-02B02E053659}" type="datetimeFigureOut">
               <a:rPr lang="en-US" smtClean="0"/>
-              <a:t>06-Aug-19</a:t>
+              <a:t>2019-08-06</a:t>
             </a:fld>
-            <a:endParaRPr lang="en-US"/>
+            <a:endParaRPr lang="en-US" dirty="0"/>
           </a:p>
         </p:txBody>
       </p:sp>
@@ -1802,7 +1807,7 @@
           <a:bodyPr/>
           <a:lstStyle/>
           <a:p>
-            <a:endParaRPr lang="en-US"/>
+            <a:endParaRPr lang="en-US" dirty="0"/>
           </a:p>
         </p:txBody>
       </p:sp>
@@ -1825,7 +1830,7 @@
               <a:rPr lang="en-US" smtClean="0"/>
               <a:t>‹#›</a:t>
             </a:fld>
-            <a:endParaRPr lang="en-US"/>
+            <a:endParaRPr lang="en-US" dirty="0"/>
           </a:p>
         </p:txBody>
       </p:sp>
@@ -2145,9 +2150,9 @@
           <a:p>
             <a:fld id="{2DC2A043-560F-4D2E-8D1E-02B02E053659}" type="datetimeFigureOut">
               <a:rPr lang="en-US" smtClean="0"/>
-              <a:t>06-Aug-19</a:t>
+              <a:t>2019-08-06</a:t>
             </a:fld>
-            <a:endParaRPr lang="en-US"/>
+            <a:endParaRPr lang="en-US" dirty="0"/>
           </a:p>
         </p:txBody>
       </p:sp>
@@ -2166,7 +2171,7 @@
           <a:bodyPr/>
           <a:lstStyle/>
           <a:p>
-            <a:endParaRPr lang="en-US"/>
+            <a:endParaRPr lang="en-US" dirty="0"/>
           </a:p>
         </p:txBody>
       </p:sp>
@@ -2189,7 +2194,7 @@
               <a:rPr lang="en-US" smtClean="0"/>
               <a:t>‹#›</a:t>
             </a:fld>
-            <a:endParaRPr lang="en-US"/>
+            <a:endParaRPr lang="en-US" dirty="0"/>
           </a:p>
         </p:txBody>
       </p:sp>
@@ -2262,9 +2267,9 @@
           <a:p>
             <a:fld id="{2DC2A043-560F-4D2E-8D1E-02B02E053659}" type="datetimeFigureOut">
               <a:rPr lang="en-US" smtClean="0"/>
-              <a:t>06-Aug-19</a:t>
+              <a:t>2019-08-06</a:t>
             </a:fld>
-            <a:endParaRPr lang="en-US"/>
+            <a:endParaRPr lang="en-US" dirty="0"/>
           </a:p>
         </p:txBody>
       </p:sp>
@@ -2283,7 +2288,7 @@
           <a:bodyPr/>
           <a:lstStyle/>
           <a:p>
-            <a:endParaRPr lang="en-US"/>
+            <a:endParaRPr lang="en-US" dirty="0"/>
           </a:p>
         </p:txBody>
       </p:sp>
@@ -2306,7 +2311,7 @@
               <a:rPr lang="en-US" smtClean="0"/>
               <a:t>‹#›</a:t>
             </a:fld>
-            <a:endParaRPr lang="en-US"/>
+            <a:endParaRPr lang="en-US" dirty="0"/>
           </a:p>
         </p:txBody>
       </p:sp>
@@ -2357,9 +2362,9 @@
           <a:p>
             <a:fld id="{2DC2A043-560F-4D2E-8D1E-02B02E053659}" type="datetimeFigureOut">
               <a:rPr lang="en-US" smtClean="0"/>
-              <a:t>06-Aug-19</a:t>
+              <a:t>2019-08-06</a:t>
             </a:fld>
-            <a:endParaRPr lang="en-US"/>
+            <a:endParaRPr lang="en-US" dirty="0"/>
           </a:p>
         </p:txBody>
       </p:sp>
@@ -2378,7 +2383,7 @@
           <a:bodyPr/>
           <a:lstStyle/>
           <a:p>
-            <a:endParaRPr lang="en-US"/>
+            <a:endParaRPr lang="en-US" dirty="0"/>
           </a:p>
         </p:txBody>
       </p:sp>
@@ -2401,7 +2406,7 @@
               <a:rPr lang="en-US" smtClean="0"/>
               <a:t>‹#›</a:t>
             </a:fld>
-            <a:endParaRPr lang="en-US"/>
+            <a:endParaRPr lang="en-US" dirty="0"/>
           </a:p>
         </p:txBody>
       </p:sp>
@@ -2632,9 +2637,9 @@
           <a:p>
             <a:fld id="{2DC2A043-560F-4D2E-8D1E-02B02E053659}" type="datetimeFigureOut">
               <a:rPr lang="en-US" smtClean="0"/>
-              <a:t>06-Aug-19</a:t>
+              <a:t>2019-08-06</a:t>
             </a:fld>
-            <a:endParaRPr lang="en-US"/>
+            <a:endParaRPr lang="en-US" dirty="0"/>
           </a:p>
         </p:txBody>
       </p:sp>
@@ -2653,7 +2658,7 @@
           <a:bodyPr/>
           <a:lstStyle/>
           <a:p>
-            <a:endParaRPr lang="en-US"/>
+            <a:endParaRPr lang="en-US" dirty="0"/>
           </a:p>
         </p:txBody>
       </p:sp>
@@ -2676,7 +2681,7 @@
               <a:rPr lang="en-US" smtClean="0"/>
               <a:t>‹#›</a:t>
             </a:fld>
-            <a:endParaRPr lang="en-US"/>
+            <a:endParaRPr lang="en-US" dirty="0"/>
           </a:p>
         </p:txBody>
       </p:sp>
@@ -2798,7 +2803,7 @@
             </a:lvl9pPr>
           </a:lstStyle>
           <a:p>
-            <a:endParaRPr lang="en-US"/>
+            <a:endParaRPr lang="en-US" dirty="0"/>
           </a:p>
         </p:txBody>
       </p:sp>
@@ -2884,9 +2889,9 @@
           <a:p>
             <a:fld id="{2DC2A043-560F-4D2E-8D1E-02B02E053659}" type="datetimeFigureOut">
               <a:rPr lang="en-US" smtClean="0"/>
-              <a:t>06-Aug-19</a:t>
+              <a:t>2019-08-06</a:t>
             </a:fld>
-            <a:endParaRPr lang="en-US"/>
+            <a:endParaRPr lang="en-US" dirty="0"/>
           </a:p>
         </p:txBody>
       </p:sp>
@@ -2905,7 +2910,7 @@
           <a:bodyPr/>
           <a:lstStyle/>
           <a:p>
-            <a:endParaRPr lang="en-US"/>
+            <a:endParaRPr lang="en-US" dirty="0"/>
           </a:p>
         </p:txBody>
       </p:sp>
@@ -2928,7 +2933,7 @@
               <a:rPr lang="en-US" smtClean="0"/>
               <a:t>‹#›</a:t>
             </a:fld>
-            <a:endParaRPr lang="en-US"/>
+            <a:endParaRPr lang="en-US" dirty="0"/>
           </a:p>
         </p:txBody>
       </p:sp>
@@ -3095,9 +3100,9 @@
           <a:p>
             <a:fld id="{2DC2A043-560F-4D2E-8D1E-02B02E053659}" type="datetimeFigureOut">
               <a:rPr lang="en-US" smtClean="0"/>
-              <a:t>06-Aug-19</a:t>
+              <a:t>2019-08-06</a:t>
             </a:fld>
-            <a:endParaRPr lang="en-US"/>
+            <a:endParaRPr lang="en-US" dirty="0"/>
           </a:p>
         </p:txBody>
       </p:sp>
@@ -3134,7 +3139,7 @@
             </a:lvl1pPr>
           </a:lstStyle>
           <a:p>
-            <a:endParaRPr lang="en-US"/>
+            <a:endParaRPr lang="en-US" dirty="0"/>
           </a:p>
         </p:txBody>
       </p:sp>
@@ -3175,7 +3180,7 @@
               <a:rPr lang="en-US" smtClean="0"/>
               <a:t>‹#›</a:t>
             </a:fld>
-            <a:endParaRPr lang="en-US"/>
+            <a:endParaRPr lang="en-US" dirty="0"/>
           </a:p>
         </p:txBody>
       </p:sp>
@@ -3802,7 +3807,25 @@
                             </a:solidFill>
                             <a:latin typeface="Cambria Math" panose="02040503050406030204" pitchFamily="18" charset="0"/>
                           </a:rPr>
-                          <m:t>0.8</m:t>
+                          <m:t>0</m:t>
+                        </m:r>
+                        <m:r>
+                          <a:rPr lang="en-US" sz="1700" b="0" i="1" smtClean="0">
+                            <a:solidFill>
+                              <a:schemeClr val="bg1"/>
+                            </a:solidFill>
+                            <a:latin typeface="Cambria Math" panose="02040503050406030204" pitchFamily="18" charset="0"/>
+                          </a:rPr>
+                          <m:t>.</m:t>
+                        </m:r>
+                        <m:r>
+                          <a:rPr lang="en-US" sz="1700" b="0" i="1" smtClean="0">
+                            <a:solidFill>
+                              <a:schemeClr val="bg1"/>
+                            </a:solidFill>
+                            <a:latin typeface="Cambria Math" panose="02040503050406030204" pitchFamily="18" charset="0"/>
+                          </a:rPr>
+                          <m:t>8</m:t>
                         </m:r>
                       </m:oMath>
                     </m:oMathPara>
@@ -4091,7 +4114,16 @@
                             </a:solidFill>
                             <a:latin typeface="Cambria Math" panose="02040503050406030204" pitchFamily="18" charset="0"/>
                           </a:rPr>
-                          <m:t> 0</m:t>
+                          <m:t> </m:t>
+                        </m:r>
+                        <m:r>
+                          <a:rPr lang="en-US" sz="1700" b="0" i="1" smtClean="0">
+                            <a:solidFill>
+                              <a:schemeClr val="tx1"/>
+                            </a:solidFill>
+                            <a:latin typeface="Cambria Math" panose="02040503050406030204" pitchFamily="18" charset="0"/>
+                          </a:rPr>
+                          <m:t>0</m:t>
                         </m:r>
                         <m:r>
                           <a:rPr lang="en-US" sz="1700" b="0" i="0" smtClean="0">
@@ -4719,7 +4751,34 @@
                             </a:solidFill>
                             <a:latin typeface="Cambria Math" panose="02040503050406030204" pitchFamily="18" charset="0"/>
                           </a:rPr>
-                          <m:t> 0.1</m:t>
+                          <m:t> </m:t>
+                        </m:r>
+                        <m:r>
+                          <a:rPr lang="en-US" sz="1700" b="0" i="1" smtClean="0">
+                            <a:solidFill>
+                              <a:schemeClr val="tx1"/>
+                            </a:solidFill>
+                            <a:latin typeface="Cambria Math" panose="02040503050406030204" pitchFamily="18" charset="0"/>
+                          </a:rPr>
+                          <m:t>0</m:t>
+                        </m:r>
+                        <m:r>
+                          <a:rPr lang="en-US" sz="1700" b="0" i="1" smtClean="0">
+                            <a:solidFill>
+                              <a:schemeClr val="tx1"/>
+                            </a:solidFill>
+                            <a:latin typeface="Cambria Math" panose="02040503050406030204" pitchFamily="18" charset="0"/>
+                          </a:rPr>
+                          <m:t>.</m:t>
+                        </m:r>
+                        <m:r>
+                          <a:rPr lang="en-US" sz="1700" b="0" i="1" smtClean="0">
+                            <a:solidFill>
+                              <a:schemeClr val="tx1"/>
+                            </a:solidFill>
+                            <a:latin typeface="Cambria Math" panose="02040503050406030204" pitchFamily="18" charset="0"/>
+                          </a:rPr>
+                          <m:t>1</m:t>
                         </m:r>
                       </m:oMath>
                     </m:oMathPara>
@@ -4828,7 +4887,34 @@
                             </a:solidFill>
                             <a:latin typeface="Cambria Math" panose="02040503050406030204" pitchFamily="18" charset="0"/>
                           </a:rPr>
-                          <m:t> 0.05</m:t>
+                          <m:t> </m:t>
+                        </m:r>
+                        <m:r>
+                          <a:rPr lang="en-US" sz="1700" b="0" i="1" smtClean="0">
+                            <a:solidFill>
+                              <a:sysClr val="windowText" lastClr="000000"/>
+                            </a:solidFill>
+                            <a:latin typeface="Cambria Math" panose="02040503050406030204" pitchFamily="18" charset="0"/>
+                          </a:rPr>
+                          <m:t>0</m:t>
+                        </m:r>
+                        <m:r>
+                          <a:rPr lang="en-US" sz="1700" b="0" i="1" smtClean="0">
+                            <a:solidFill>
+                              <a:sysClr val="windowText" lastClr="000000"/>
+                            </a:solidFill>
+                            <a:latin typeface="Cambria Math" panose="02040503050406030204" pitchFamily="18" charset="0"/>
+                          </a:rPr>
+                          <m:t>.</m:t>
+                        </m:r>
+                        <m:r>
+                          <a:rPr lang="en-US" sz="1700" b="0" i="1" smtClean="0">
+                            <a:solidFill>
+                              <a:sysClr val="windowText" lastClr="000000"/>
+                            </a:solidFill>
+                            <a:latin typeface="Cambria Math" panose="02040503050406030204" pitchFamily="18" charset="0"/>
+                          </a:rPr>
+                          <m:t>05</m:t>
                         </m:r>
                       </m:oMath>
                     </m:oMathPara>
@@ -4935,7 +5021,34 @@
                             </a:solidFill>
                             <a:latin typeface="Cambria Math" panose="02040503050406030204" pitchFamily="18" charset="0"/>
                           </a:rPr>
-                          <m:t> 0.0</m:t>
+                          <m:t> </m:t>
+                        </m:r>
+                        <m:r>
+                          <a:rPr lang="en-US" sz="1700" b="0" i="1" smtClean="0">
+                            <a:solidFill>
+                              <a:schemeClr val="tx1"/>
+                            </a:solidFill>
+                            <a:latin typeface="Cambria Math" panose="02040503050406030204" pitchFamily="18" charset="0"/>
+                          </a:rPr>
+                          <m:t>0</m:t>
+                        </m:r>
+                        <m:r>
+                          <a:rPr lang="en-US" sz="1700" b="0" i="1" smtClean="0">
+                            <a:solidFill>
+                              <a:schemeClr val="tx1"/>
+                            </a:solidFill>
+                            <a:latin typeface="Cambria Math" panose="02040503050406030204" pitchFamily="18" charset="0"/>
+                          </a:rPr>
+                          <m:t>.</m:t>
+                        </m:r>
+                        <m:r>
+                          <a:rPr lang="en-US" sz="1700" b="0" i="1" smtClean="0">
+                            <a:solidFill>
+                              <a:schemeClr val="tx1"/>
+                            </a:solidFill>
+                            <a:latin typeface="Cambria Math" panose="02040503050406030204" pitchFamily="18" charset="0"/>
+                          </a:rPr>
+                          <m:t>0</m:t>
                         </m:r>
                       </m:oMath>
                     </m:oMathPara>
@@ -5044,7 +5157,34 @@
                             </a:solidFill>
                             <a:latin typeface="Cambria Math" panose="02040503050406030204" pitchFamily="18" charset="0"/>
                           </a:rPr>
-                          <m:t> 0.05</m:t>
+                          <m:t> </m:t>
+                        </m:r>
+                        <m:r>
+                          <a:rPr lang="en-US" sz="1700" b="0" i="1" smtClean="0">
+                            <a:solidFill>
+                              <a:sysClr val="windowText" lastClr="000000"/>
+                            </a:solidFill>
+                            <a:latin typeface="Cambria Math" panose="02040503050406030204" pitchFamily="18" charset="0"/>
+                          </a:rPr>
+                          <m:t>0</m:t>
+                        </m:r>
+                        <m:r>
+                          <a:rPr lang="en-US" sz="1700" b="0" i="1" smtClean="0">
+                            <a:solidFill>
+                              <a:sysClr val="windowText" lastClr="000000"/>
+                            </a:solidFill>
+                            <a:latin typeface="Cambria Math" panose="02040503050406030204" pitchFamily="18" charset="0"/>
+                          </a:rPr>
+                          <m:t>.</m:t>
+                        </m:r>
+                        <m:r>
+                          <a:rPr lang="en-US" sz="1700" b="0" i="1" smtClean="0">
+                            <a:solidFill>
+                              <a:sysClr val="windowText" lastClr="000000"/>
+                            </a:solidFill>
+                            <a:latin typeface="Cambria Math" panose="02040503050406030204" pitchFamily="18" charset="0"/>
+                          </a:rPr>
+                          <m:t>05</m:t>
                         </m:r>
                       </m:oMath>
                     </m:oMathPara>
@@ -5154,7 +5294,34 @@
                             </a:solidFill>
                             <a:latin typeface="Cambria Math" panose="02040503050406030204" pitchFamily="18" charset="0"/>
                           </a:rPr>
-                          <m:t> 0.8</m:t>
+                          <m:t> </m:t>
+                        </m:r>
+                        <m:r>
+                          <a:rPr lang="en-US" sz="1700" b="0" i="1" smtClean="0">
+                            <a:solidFill>
+                              <a:schemeClr val="bg1"/>
+                            </a:solidFill>
+                            <a:latin typeface="Cambria Math" panose="02040503050406030204" pitchFamily="18" charset="0"/>
+                          </a:rPr>
+                          <m:t>0</m:t>
+                        </m:r>
+                        <m:r>
+                          <a:rPr lang="en-US" sz="1700" b="0" i="1" smtClean="0">
+                            <a:solidFill>
+                              <a:schemeClr val="bg1"/>
+                            </a:solidFill>
+                            <a:latin typeface="Cambria Math" panose="02040503050406030204" pitchFamily="18" charset="0"/>
+                          </a:rPr>
+                          <m:t>.</m:t>
+                        </m:r>
+                        <m:r>
+                          <a:rPr lang="en-US" sz="1700" b="0" i="1" smtClean="0">
+                            <a:solidFill>
+                              <a:schemeClr val="bg1"/>
+                            </a:solidFill>
+                            <a:latin typeface="Cambria Math" panose="02040503050406030204" pitchFamily="18" charset="0"/>
+                          </a:rPr>
+                          <m:t>8</m:t>
                         </m:r>
                       </m:oMath>
                     </m:oMathPara>
@@ -7126,7 +7293,34 @@
                             </a:solidFill>
                             <a:latin typeface="Cambria Math" panose="02040503050406030204" pitchFamily="18" charset="0"/>
                           </a:rPr>
-                          <m:t> 0.0</m:t>
+                          <m:t> </m:t>
+                        </m:r>
+                        <m:r>
+                          <a:rPr lang="en-US" sz="1700" b="0" i="1" smtClean="0">
+                            <a:solidFill>
+                              <a:sysClr val="windowText" lastClr="000000"/>
+                            </a:solidFill>
+                            <a:latin typeface="Cambria Math" panose="02040503050406030204" pitchFamily="18" charset="0"/>
+                          </a:rPr>
+                          <m:t>0</m:t>
+                        </m:r>
+                        <m:r>
+                          <a:rPr lang="en-US" sz="1700" b="0" i="1" smtClean="0">
+                            <a:solidFill>
+                              <a:sysClr val="windowText" lastClr="000000"/>
+                            </a:solidFill>
+                            <a:latin typeface="Cambria Math" panose="02040503050406030204" pitchFamily="18" charset="0"/>
+                          </a:rPr>
+                          <m:t>.</m:t>
+                        </m:r>
+                        <m:r>
+                          <a:rPr lang="en-US" sz="1700" b="0" i="1" smtClean="0">
+                            <a:solidFill>
+                              <a:sysClr val="windowText" lastClr="000000"/>
+                            </a:solidFill>
+                            <a:latin typeface="Cambria Math" panose="02040503050406030204" pitchFamily="18" charset="0"/>
+                          </a:rPr>
+                          <m:t>0</m:t>
                         </m:r>
                       </m:oMath>
                     </m:oMathPara>
@@ -7235,7 +7429,34 @@
                             </a:solidFill>
                             <a:latin typeface="Cambria Math" panose="02040503050406030204" pitchFamily="18" charset="0"/>
                           </a:rPr>
-                          <m:t> 0.1</m:t>
+                          <m:t> </m:t>
+                        </m:r>
+                        <m:r>
+                          <a:rPr lang="en-US" sz="1700" b="0" i="1" smtClean="0">
+                            <a:solidFill>
+                              <a:schemeClr val="tx1"/>
+                            </a:solidFill>
+                            <a:latin typeface="Cambria Math" panose="02040503050406030204" pitchFamily="18" charset="0"/>
+                          </a:rPr>
+                          <m:t>0</m:t>
+                        </m:r>
+                        <m:r>
+                          <a:rPr lang="en-US" sz="1700" b="0" i="1" smtClean="0">
+                            <a:solidFill>
+                              <a:schemeClr val="tx1"/>
+                            </a:solidFill>
+                            <a:latin typeface="Cambria Math" panose="02040503050406030204" pitchFamily="18" charset="0"/>
+                          </a:rPr>
+                          <m:t>.</m:t>
+                        </m:r>
+                        <m:r>
+                          <a:rPr lang="en-US" sz="1700" b="0" i="1" smtClean="0">
+                            <a:solidFill>
+                              <a:schemeClr val="tx1"/>
+                            </a:solidFill>
+                            <a:latin typeface="Cambria Math" panose="02040503050406030204" pitchFamily="18" charset="0"/>
+                          </a:rPr>
+                          <m:t>1</m:t>
                         </m:r>
                       </m:oMath>
                     </m:oMathPara>
@@ -7342,7 +7563,34 @@
                             </a:solidFill>
                             <a:latin typeface="Cambria Math" panose="02040503050406030204" pitchFamily="18" charset="0"/>
                           </a:rPr>
-                          <m:t> 0.0</m:t>
+                          <m:t> </m:t>
+                        </m:r>
+                        <m:r>
+                          <a:rPr lang="en-US" sz="1700" b="0" i="1" smtClean="0">
+                            <a:solidFill>
+                              <a:sysClr val="windowText" lastClr="000000"/>
+                            </a:solidFill>
+                            <a:latin typeface="Cambria Math" panose="02040503050406030204" pitchFamily="18" charset="0"/>
+                          </a:rPr>
+                          <m:t>0</m:t>
+                        </m:r>
+                        <m:r>
+                          <a:rPr lang="en-US" sz="1700" b="0" i="1" smtClean="0">
+                            <a:solidFill>
+                              <a:sysClr val="windowText" lastClr="000000"/>
+                            </a:solidFill>
+                            <a:latin typeface="Cambria Math" panose="02040503050406030204" pitchFamily="18" charset="0"/>
+                          </a:rPr>
+                          <m:t>.</m:t>
+                        </m:r>
+                        <m:r>
+                          <a:rPr lang="en-US" sz="1700" b="0" i="1" smtClean="0">
+                            <a:solidFill>
+                              <a:sysClr val="windowText" lastClr="000000"/>
+                            </a:solidFill>
+                            <a:latin typeface="Cambria Math" panose="02040503050406030204" pitchFamily="18" charset="0"/>
+                          </a:rPr>
+                          <m:t>0</m:t>
                         </m:r>
                       </m:oMath>
                     </m:oMathPara>
@@ -13771,7 +14019,25 @@
                             </a:solidFill>
                             <a:latin typeface="Cambria Math" panose="02040503050406030204" pitchFamily="18" charset="0"/>
                           </a:rPr>
-                          <m:t>0.8</m:t>
+                          <m:t>0</m:t>
+                        </m:r>
+                        <m:r>
+                          <a:rPr lang="en-US" sz="1700" b="0" i="1" smtClean="0">
+                            <a:solidFill>
+                              <a:schemeClr val="bg1"/>
+                            </a:solidFill>
+                            <a:latin typeface="Cambria Math" panose="02040503050406030204" pitchFamily="18" charset="0"/>
+                          </a:rPr>
+                          <m:t>.</m:t>
+                        </m:r>
+                        <m:r>
+                          <a:rPr lang="en-US" sz="1700" b="0" i="1" smtClean="0">
+                            <a:solidFill>
+                              <a:schemeClr val="bg1"/>
+                            </a:solidFill>
+                            <a:latin typeface="Cambria Math" panose="02040503050406030204" pitchFamily="18" charset="0"/>
+                          </a:rPr>
+                          <m:t>8</m:t>
                         </m:r>
                       </m:oMath>
                     </m:oMathPara>
@@ -14030,7 +14296,16 @@
                             </a:solidFill>
                             <a:latin typeface="Cambria Math" panose="02040503050406030204" pitchFamily="18" charset="0"/>
                           </a:rPr>
-                          <m:t> 0</m:t>
+                          <m:t> </m:t>
+                        </m:r>
+                        <m:r>
+                          <a:rPr lang="en-US" sz="1700" b="0" i="1" smtClean="0">
+                            <a:solidFill>
+                              <a:schemeClr val="tx1"/>
+                            </a:solidFill>
+                            <a:latin typeface="Cambria Math" panose="02040503050406030204" pitchFamily="18" charset="0"/>
+                          </a:rPr>
+                          <m:t>0</m:t>
                         </m:r>
                         <m:r>
                           <a:rPr lang="en-US" sz="1700" b="0" i="0" smtClean="0">
@@ -14658,7 +14933,34 @@
                             </a:solidFill>
                             <a:latin typeface="Cambria Math" panose="02040503050406030204" pitchFamily="18" charset="0"/>
                           </a:rPr>
-                          <m:t> 0.1</m:t>
+                          <m:t> </m:t>
+                        </m:r>
+                        <m:r>
+                          <a:rPr lang="en-US" sz="1700" b="0" i="1" smtClean="0">
+                            <a:solidFill>
+                              <a:schemeClr val="tx1"/>
+                            </a:solidFill>
+                            <a:latin typeface="Cambria Math" panose="02040503050406030204" pitchFamily="18" charset="0"/>
+                          </a:rPr>
+                          <m:t>0</m:t>
+                        </m:r>
+                        <m:r>
+                          <a:rPr lang="en-US" sz="1700" b="0" i="1" smtClean="0">
+                            <a:solidFill>
+                              <a:schemeClr val="tx1"/>
+                            </a:solidFill>
+                            <a:latin typeface="Cambria Math" panose="02040503050406030204" pitchFamily="18" charset="0"/>
+                          </a:rPr>
+                          <m:t>.</m:t>
+                        </m:r>
+                        <m:r>
+                          <a:rPr lang="en-US" sz="1700" b="0" i="1" smtClean="0">
+                            <a:solidFill>
+                              <a:schemeClr val="tx1"/>
+                            </a:solidFill>
+                            <a:latin typeface="Cambria Math" panose="02040503050406030204" pitchFamily="18" charset="0"/>
+                          </a:rPr>
+                          <m:t>1</m:t>
                         </m:r>
                       </m:oMath>
                     </m:oMathPara>
@@ -14767,7 +15069,34 @@
                             </a:solidFill>
                             <a:latin typeface="Cambria Math" panose="02040503050406030204" pitchFamily="18" charset="0"/>
                           </a:rPr>
-                          <m:t> 0.05</m:t>
+                          <m:t> </m:t>
+                        </m:r>
+                        <m:r>
+                          <a:rPr lang="en-US" sz="1700" b="0" i="1" smtClean="0">
+                            <a:solidFill>
+                              <a:sysClr val="windowText" lastClr="000000"/>
+                            </a:solidFill>
+                            <a:latin typeface="Cambria Math" panose="02040503050406030204" pitchFamily="18" charset="0"/>
+                          </a:rPr>
+                          <m:t>0</m:t>
+                        </m:r>
+                        <m:r>
+                          <a:rPr lang="en-US" sz="1700" b="0" i="1" smtClean="0">
+                            <a:solidFill>
+                              <a:sysClr val="windowText" lastClr="000000"/>
+                            </a:solidFill>
+                            <a:latin typeface="Cambria Math" panose="02040503050406030204" pitchFamily="18" charset="0"/>
+                          </a:rPr>
+                          <m:t>.</m:t>
+                        </m:r>
+                        <m:r>
+                          <a:rPr lang="en-US" sz="1700" b="0" i="1" smtClean="0">
+                            <a:solidFill>
+                              <a:sysClr val="windowText" lastClr="000000"/>
+                            </a:solidFill>
+                            <a:latin typeface="Cambria Math" panose="02040503050406030204" pitchFamily="18" charset="0"/>
+                          </a:rPr>
+                          <m:t>05</m:t>
                         </m:r>
                       </m:oMath>
                     </m:oMathPara>
@@ -14874,7 +15203,34 @@
                             </a:solidFill>
                             <a:latin typeface="Cambria Math" panose="02040503050406030204" pitchFamily="18" charset="0"/>
                           </a:rPr>
-                          <m:t> 0.0</m:t>
+                          <m:t> </m:t>
+                        </m:r>
+                        <m:r>
+                          <a:rPr lang="en-US" sz="1700" b="0" i="1" smtClean="0">
+                            <a:solidFill>
+                              <a:schemeClr val="tx1"/>
+                            </a:solidFill>
+                            <a:latin typeface="Cambria Math" panose="02040503050406030204" pitchFamily="18" charset="0"/>
+                          </a:rPr>
+                          <m:t>0</m:t>
+                        </m:r>
+                        <m:r>
+                          <a:rPr lang="en-US" sz="1700" b="0" i="1" smtClean="0">
+                            <a:solidFill>
+                              <a:schemeClr val="tx1"/>
+                            </a:solidFill>
+                            <a:latin typeface="Cambria Math" panose="02040503050406030204" pitchFamily="18" charset="0"/>
+                          </a:rPr>
+                          <m:t>.</m:t>
+                        </m:r>
+                        <m:r>
+                          <a:rPr lang="en-US" sz="1700" b="0" i="1" smtClean="0">
+                            <a:solidFill>
+                              <a:schemeClr val="tx1"/>
+                            </a:solidFill>
+                            <a:latin typeface="Cambria Math" panose="02040503050406030204" pitchFamily="18" charset="0"/>
+                          </a:rPr>
+                          <m:t>0</m:t>
                         </m:r>
                       </m:oMath>
                     </m:oMathPara>
@@ -14983,7 +15339,34 @@
                             </a:solidFill>
                             <a:latin typeface="Cambria Math" panose="02040503050406030204" pitchFamily="18" charset="0"/>
                           </a:rPr>
-                          <m:t> 0.05</m:t>
+                          <m:t> </m:t>
+                        </m:r>
+                        <m:r>
+                          <a:rPr lang="en-US" sz="1700" b="0" i="1" smtClean="0">
+                            <a:solidFill>
+                              <a:sysClr val="windowText" lastClr="000000"/>
+                            </a:solidFill>
+                            <a:latin typeface="Cambria Math" panose="02040503050406030204" pitchFamily="18" charset="0"/>
+                          </a:rPr>
+                          <m:t>0</m:t>
+                        </m:r>
+                        <m:r>
+                          <a:rPr lang="en-US" sz="1700" b="0" i="1" smtClean="0">
+                            <a:solidFill>
+                              <a:sysClr val="windowText" lastClr="000000"/>
+                            </a:solidFill>
+                            <a:latin typeface="Cambria Math" panose="02040503050406030204" pitchFamily="18" charset="0"/>
+                          </a:rPr>
+                          <m:t>.</m:t>
+                        </m:r>
+                        <m:r>
+                          <a:rPr lang="en-US" sz="1700" b="0" i="1" smtClean="0">
+                            <a:solidFill>
+                              <a:sysClr val="windowText" lastClr="000000"/>
+                            </a:solidFill>
+                            <a:latin typeface="Cambria Math" panose="02040503050406030204" pitchFamily="18" charset="0"/>
+                          </a:rPr>
+                          <m:t>05</m:t>
                         </m:r>
                       </m:oMath>
                     </m:oMathPara>
@@ -15093,7 +15476,34 @@
                             </a:solidFill>
                             <a:latin typeface="Cambria Math" panose="02040503050406030204" pitchFamily="18" charset="0"/>
                           </a:rPr>
-                          <m:t> 0.8</m:t>
+                          <m:t> </m:t>
+                        </m:r>
+                        <m:r>
+                          <a:rPr lang="en-US" sz="1700" b="0" i="1" smtClean="0">
+                            <a:solidFill>
+                              <a:schemeClr val="bg1"/>
+                            </a:solidFill>
+                            <a:latin typeface="Cambria Math" panose="02040503050406030204" pitchFamily="18" charset="0"/>
+                          </a:rPr>
+                          <m:t>0</m:t>
+                        </m:r>
+                        <m:r>
+                          <a:rPr lang="en-US" sz="1700" b="0" i="1" smtClean="0">
+                            <a:solidFill>
+                              <a:schemeClr val="bg1"/>
+                            </a:solidFill>
+                            <a:latin typeface="Cambria Math" panose="02040503050406030204" pitchFamily="18" charset="0"/>
+                          </a:rPr>
+                          <m:t>.</m:t>
+                        </m:r>
+                        <m:r>
+                          <a:rPr lang="en-US" sz="1700" b="0" i="1" smtClean="0">
+                            <a:solidFill>
+                              <a:schemeClr val="bg1"/>
+                            </a:solidFill>
+                            <a:latin typeface="Cambria Math" panose="02040503050406030204" pitchFamily="18" charset="0"/>
+                          </a:rPr>
+                          <m:t>8</m:t>
                         </m:r>
                       </m:oMath>
                     </m:oMathPara>
@@ -15895,7 +16305,34 @@
                             </a:solidFill>
                             <a:latin typeface="Cambria Math" panose="02040503050406030204" pitchFamily="18" charset="0"/>
                           </a:rPr>
-                          <m:t> 0.0</m:t>
+                          <m:t> </m:t>
+                        </m:r>
+                        <m:r>
+                          <a:rPr lang="en-US" sz="1700" b="0" i="1" smtClean="0">
+                            <a:solidFill>
+                              <a:sysClr val="windowText" lastClr="000000"/>
+                            </a:solidFill>
+                            <a:latin typeface="Cambria Math" panose="02040503050406030204" pitchFamily="18" charset="0"/>
+                          </a:rPr>
+                          <m:t>0</m:t>
+                        </m:r>
+                        <m:r>
+                          <a:rPr lang="en-US" sz="1700" b="0" i="1" smtClean="0">
+                            <a:solidFill>
+                              <a:sysClr val="windowText" lastClr="000000"/>
+                            </a:solidFill>
+                            <a:latin typeface="Cambria Math" panose="02040503050406030204" pitchFamily="18" charset="0"/>
+                          </a:rPr>
+                          <m:t>.</m:t>
+                        </m:r>
+                        <m:r>
+                          <a:rPr lang="en-US" sz="1700" b="0" i="1" smtClean="0">
+                            <a:solidFill>
+                              <a:sysClr val="windowText" lastClr="000000"/>
+                            </a:solidFill>
+                            <a:latin typeface="Cambria Math" panose="02040503050406030204" pitchFamily="18" charset="0"/>
+                          </a:rPr>
+                          <m:t>0</m:t>
                         </m:r>
                       </m:oMath>
                     </m:oMathPara>
@@ -16004,7 +16441,34 @@
                             </a:solidFill>
                             <a:latin typeface="Cambria Math" panose="02040503050406030204" pitchFamily="18" charset="0"/>
                           </a:rPr>
-                          <m:t> 0.1</m:t>
+                          <m:t> </m:t>
+                        </m:r>
+                        <m:r>
+                          <a:rPr lang="en-US" sz="1700" b="0" i="1" smtClean="0">
+                            <a:solidFill>
+                              <a:schemeClr val="tx1"/>
+                            </a:solidFill>
+                            <a:latin typeface="Cambria Math" panose="02040503050406030204" pitchFamily="18" charset="0"/>
+                          </a:rPr>
+                          <m:t>0</m:t>
+                        </m:r>
+                        <m:r>
+                          <a:rPr lang="en-US" sz="1700" b="0" i="1" smtClean="0">
+                            <a:solidFill>
+                              <a:schemeClr val="tx1"/>
+                            </a:solidFill>
+                            <a:latin typeface="Cambria Math" panose="02040503050406030204" pitchFamily="18" charset="0"/>
+                          </a:rPr>
+                          <m:t>.</m:t>
+                        </m:r>
+                        <m:r>
+                          <a:rPr lang="en-US" sz="1700" b="0" i="1" smtClean="0">
+                            <a:solidFill>
+                              <a:schemeClr val="tx1"/>
+                            </a:solidFill>
+                            <a:latin typeface="Cambria Math" panose="02040503050406030204" pitchFamily="18" charset="0"/>
+                          </a:rPr>
+                          <m:t>1</m:t>
                         </m:r>
                       </m:oMath>
                     </m:oMathPara>
@@ -16111,7 +16575,34 @@
                             </a:solidFill>
                             <a:latin typeface="Cambria Math" panose="02040503050406030204" pitchFamily="18" charset="0"/>
                           </a:rPr>
-                          <m:t> 0.0</m:t>
+                          <m:t> </m:t>
+                        </m:r>
+                        <m:r>
+                          <a:rPr lang="en-US" sz="1700" b="0" i="1" smtClean="0">
+                            <a:solidFill>
+                              <a:sysClr val="windowText" lastClr="000000"/>
+                            </a:solidFill>
+                            <a:latin typeface="Cambria Math" panose="02040503050406030204" pitchFamily="18" charset="0"/>
+                          </a:rPr>
+                          <m:t>0</m:t>
+                        </m:r>
+                        <m:r>
+                          <a:rPr lang="en-US" sz="1700" b="0" i="1" smtClean="0">
+                            <a:solidFill>
+                              <a:sysClr val="windowText" lastClr="000000"/>
+                            </a:solidFill>
+                            <a:latin typeface="Cambria Math" panose="02040503050406030204" pitchFamily="18" charset="0"/>
+                          </a:rPr>
+                          <m:t>.</m:t>
+                        </m:r>
+                        <m:r>
+                          <a:rPr lang="en-US" sz="1700" b="0" i="1" smtClean="0">
+                            <a:solidFill>
+                              <a:sysClr val="windowText" lastClr="000000"/>
+                            </a:solidFill>
+                            <a:latin typeface="Cambria Math" panose="02040503050406030204" pitchFamily="18" charset="0"/>
+                          </a:rPr>
+                          <m:t>0</m:t>
                         </m:r>
                       </m:oMath>
                     </m:oMathPara>
@@ -16206,7 +16697,7 @@
             <a:lstStyle/>
             <a:p>
               <a:pPr algn="ctr"/>
-              <a:endParaRPr lang="en-US"/>
+              <a:endParaRPr lang="en-US" dirty="0"/>
             </a:p>
           </p:txBody>
         </p:sp>
@@ -16252,7 +16743,7 @@
             <a:lstStyle/>
             <a:p>
               <a:pPr algn="ctr"/>
-              <a:endParaRPr lang="en-US"/>
+              <a:endParaRPr lang="en-US" dirty="0"/>
             </a:p>
           </p:txBody>
         </p:sp>
@@ -16298,7 +16789,7 @@
             <a:lstStyle/>
             <a:p>
               <a:pPr algn="ctr"/>
-              <a:endParaRPr lang="en-US"/>
+              <a:endParaRPr lang="en-US" dirty="0"/>
             </a:p>
           </p:txBody>
         </p:sp>
@@ -16344,7 +16835,7 @@
             <a:lstStyle/>
             <a:p>
               <a:pPr algn="ctr"/>
-              <a:endParaRPr lang="en-US"/>
+              <a:endParaRPr lang="en-US" dirty="0"/>
             </a:p>
           </p:txBody>
         </p:sp>
@@ -16390,7 +16881,7 @@
             <a:lstStyle/>
             <a:p>
               <a:pPr algn="ctr"/>
-              <a:endParaRPr lang="en-US"/>
+              <a:endParaRPr lang="en-US" dirty="0"/>
             </a:p>
           </p:txBody>
         </p:sp>
@@ -16436,7 +16927,7 @@
             <a:lstStyle/>
             <a:p>
               <a:pPr algn="ctr"/>
-              <a:endParaRPr lang="en-US"/>
+              <a:endParaRPr lang="en-US" dirty="0"/>
             </a:p>
           </p:txBody>
         </p:sp>
@@ -16590,7 +17081,7 @@
             <a:lstStyle/>
             <a:p>
               <a:pPr algn="ctr"/>
-              <a:endParaRPr lang="en-US"/>
+              <a:endParaRPr lang="en-US" dirty="0"/>
             </a:p>
           </p:txBody>
         </p:sp>
@@ -16755,7 +17246,7 @@
             <a:lstStyle/>
             <a:p>
               <a:pPr algn="ctr"/>
-              <a:endParaRPr lang="en-US"/>
+              <a:endParaRPr lang="en-US" dirty="0"/>
             </a:p>
           </p:txBody>
         </p:sp>
@@ -22575,6 +23066,3728 @@
   <p:clrMapOvr>
     <a:masterClrMapping/>
   </p:clrMapOvr>
+  <p:timing>
+    <p:tnLst>
+      <p:par>
+        <p:cTn id="1" dur="indefinite" restart="never" nodeType="tmRoot"/>
+      </p:par>
+    </p:tnLst>
+  </p:timing>
+</p:sld>
+</file>
+
+<file path=ppt/slides/slide10.xml><?xml version="1.0" encoding="utf-8"?>
+<p:sld xmlns:a="http://schemas.openxmlformats.org/drawingml/2006/main" xmlns:r="http://schemas.openxmlformats.org/officeDocument/2006/relationships" xmlns:p="http://schemas.openxmlformats.org/presentationml/2006/main">
+  <p:cSld>
+    <p:spTree>
+      <p:nvGrpSpPr>
+        <p:cNvPr id="1" name=""/>
+        <p:cNvGrpSpPr/>
+        <p:nvPr/>
+      </p:nvGrpSpPr>
+      <p:grpSpPr>
+        <a:xfrm>
+          <a:off x="0" y="0"/>
+          <a:ext cx="0" cy="0"/>
+          <a:chOff x="0" y="0"/>
+          <a:chExt cx="0" cy="0"/>
+        </a:xfrm>
+      </p:grpSpPr>
+      <p:pic>
+        <p:nvPicPr>
+          <p:cNvPr id="15" name="Picture 14"/>
+          <p:cNvPicPr>
+            <a:picLocks noChangeAspect="1"/>
+          </p:cNvPicPr>
+          <p:nvPr/>
+        </p:nvPicPr>
+        <p:blipFill>
+          <a:blip r:embed="rId2">
+            <a:extLst>
+              <a:ext uri="{28A0092B-C50C-407E-A947-70E740481C1C}">
+                <a14:useLocalDpi xmlns:a14="http://schemas.microsoft.com/office/drawing/2010/main" val="0"/>
+              </a:ext>
+            </a:extLst>
+          </a:blip>
+          <a:stretch>
+            <a:fillRect/>
+          </a:stretch>
+        </p:blipFill>
+        <p:spPr>
+          <a:xfrm>
+            <a:off x="1766818" y="-57150"/>
+            <a:ext cx="8658363" cy="6858000"/>
+          </a:xfrm>
+          <a:prstGeom prst="rect">
+            <a:avLst/>
+          </a:prstGeom>
+        </p:spPr>
+      </p:pic>
+      <p:sp>
+        <p:nvSpPr>
+          <p:cNvPr id="10" name="Rectangle 9">
+            <a:extLst>
+              <a:ext uri="{FF2B5EF4-FFF2-40B4-BE49-F238E27FC236}">
+                <a16:creationId xmlns:a16="http://schemas.microsoft.com/office/drawing/2014/main" xmlns="" id="{0088E734-0132-42BF-A871-F58627DBCCEF}"/>
+              </a:ext>
+            </a:extLst>
+          </p:cNvPr>
+          <p:cNvSpPr/>
+          <p:nvPr/>
+        </p:nvSpPr>
+        <p:spPr>
+          <a:xfrm>
+            <a:off x="4972668" y="2225140"/>
+            <a:ext cx="2062162" cy="252412"/>
+          </a:xfrm>
+          <a:prstGeom prst="rect">
+            <a:avLst/>
+          </a:prstGeom>
+          <a:solidFill>
+            <a:schemeClr val="bg1"/>
+          </a:solidFill>
+          <a:ln>
+            <a:noFill/>
+          </a:ln>
+        </p:spPr>
+        <p:style>
+          <a:lnRef idx="2">
+            <a:schemeClr val="accent1">
+              <a:shade val="50000"/>
+            </a:schemeClr>
+          </a:lnRef>
+          <a:fillRef idx="1">
+            <a:schemeClr val="accent1"/>
+          </a:fillRef>
+          <a:effectRef idx="0">
+            <a:schemeClr val="accent1"/>
+          </a:effectRef>
+          <a:fontRef idx="minor">
+            <a:schemeClr val="lt1"/>
+          </a:fontRef>
+        </p:style>
+        <p:txBody>
+          <a:bodyPr rtlCol="0" anchor="ctr"/>
+          <a:lstStyle/>
+          <a:p>
+            <a:pPr algn="ctr"/>
+            <a:endParaRPr lang="en-US" dirty="0">
+              <a:solidFill>
+                <a:schemeClr val="tx1"/>
+              </a:solidFill>
+              <a:latin typeface="Cambria Math" panose="02040503050406030204" pitchFamily="18" charset="0"/>
+              <a:ea typeface="Cambria Math" panose="02040503050406030204" pitchFamily="18" charset="0"/>
+            </a:endParaRPr>
+          </a:p>
+        </p:txBody>
+      </p:sp>
+      <p:sp>
+        <p:nvSpPr>
+          <p:cNvPr id="11" name="Rectangle 10">
+            <a:extLst>
+              <a:ext uri="{FF2B5EF4-FFF2-40B4-BE49-F238E27FC236}">
+                <a16:creationId xmlns:a16="http://schemas.microsoft.com/office/drawing/2014/main" xmlns:a14="http://schemas.microsoft.com/office/drawing/2010/main" xmlns:mc="http://schemas.openxmlformats.org/markup-compatibility/2006" xmlns="" id="{2E36643D-EEA2-42A8-BBCF-DC12D9FC8BA4}"/>
+              </a:ext>
+            </a:extLst>
+          </p:cNvPr>
+          <p:cNvSpPr/>
+          <p:nvPr/>
+        </p:nvSpPr>
+        <p:spPr>
+          <a:xfrm>
+            <a:off x="5330084" y="6237706"/>
+            <a:ext cx="2062162" cy="252412"/>
+          </a:xfrm>
+          <a:prstGeom prst="rect">
+            <a:avLst/>
+          </a:prstGeom>
+          <a:solidFill>
+            <a:schemeClr val="bg1"/>
+          </a:solidFill>
+          <a:ln>
+            <a:noFill/>
+          </a:ln>
+        </p:spPr>
+        <p:style>
+          <a:lnRef idx="2">
+            <a:schemeClr val="accent1">
+              <a:shade val="50000"/>
+            </a:schemeClr>
+          </a:lnRef>
+          <a:fillRef idx="1">
+            <a:schemeClr val="accent1"/>
+          </a:fillRef>
+          <a:effectRef idx="0">
+            <a:schemeClr val="accent1"/>
+          </a:effectRef>
+          <a:fontRef idx="minor">
+            <a:schemeClr val="lt1"/>
+          </a:fontRef>
+        </p:style>
+        <p:txBody>
+          <a:bodyPr rtlCol="0" anchor="ctr"/>
+          <a:lstStyle/>
+          <a:p>
+            <a:pPr algn="ctr"/>
+            <a:r>
+              <a:rPr lang="en-US" sz="1200" dirty="0" smtClean="0">
+                <a:solidFill>
+                  <a:schemeClr val="tx1"/>
+                </a:solidFill>
+                <a:latin typeface="Cambria Math" panose="02040503050406030204" pitchFamily="18" charset="0"/>
+                <a:ea typeface="Cambria Math" panose="02040503050406030204" pitchFamily="18" charset="0"/>
+              </a:rPr>
+              <a:t>EM Iterations</a:t>
+            </a:r>
+            <a:endParaRPr lang="en-US" sz="1200" dirty="0">
+              <a:solidFill>
+                <a:schemeClr val="tx1"/>
+              </a:solidFill>
+              <a:latin typeface="Cambria Math" panose="02040503050406030204" pitchFamily="18" charset="0"/>
+              <a:ea typeface="Cambria Math" panose="02040503050406030204" pitchFamily="18" charset="0"/>
+            </a:endParaRPr>
+          </a:p>
+        </p:txBody>
+      </p:sp>
+      <p:sp>
+        <p:nvSpPr>
+          <p:cNvPr id="12" name="Rectangle 11">
+            <a:extLst>
+              <a:ext uri="{FF2B5EF4-FFF2-40B4-BE49-F238E27FC236}">
+                <a16:creationId xmlns:a16="http://schemas.microsoft.com/office/drawing/2014/main" xmlns:a14="http://schemas.microsoft.com/office/drawing/2010/main" xmlns:mc="http://schemas.openxmlformats.org/markup-compatibility/2006" xmlns="" id="{6D2C8BE0-B0D2-4978-A1B5-FFF5137A4C82}"/>
+              </a:ext>
+            </a:extLst>
+          </p:cNvPr>
+          <p:cNvSpPr/>
+          <p:nvPr/>
+        </p:nvSpPr>
+        <p:spPr>
+          <a:xfrm>
+            <a:off x="1260900" y="2113280"/>
+            <a:ext cx="1308324" cy="2286000"/>
+          </a:xfrm>
+          <a:prstGeom prst="rect">
+            <a:avLst/>
+          </a:prstGeom>
+          <a:solidFill>
+            <a:schemeClr val="bg1"/>
+          </a:solidFill>
+          <a:ln>
+            <a:noFill/>
+          </a:ln>
+        </p:spPr>
+        <p:style>
+          <a:lnRef idx="2">
+            <a:schemeClr val="accent1">
+              <a:shade val="50000"/>
+            </a:schemeClr>
+          </a:lnRef>
+          <a:fillRef idx="1">
+            <a:schemeClr val="accent1"/>
+          </a:fillRef>
+          <a:effectRef idx="0">
+            <a:schemeClr val="accent1"/>
+          </a:effectRef>
+          <a:fontRef idx="minor">
+            <a:schemeClr val="lt1"/>
+          </a:fontRef>
+        </p:style>
+        <p:txBody>
+          <a:bodyPr rtlCol="0" anchor="ctr"/>
+          <a:lstStyle/>
+          <a:p>
+            <a:pPr algn="ctr"/>
+            <a:r>
+              <a:rPr lang="en-US" sz="1200" dirty="0" smtClean="0">
+                <a:solidFill>
+                  <a:schemeClr val="tx1"/>
+                </a:solidFill>
+                <a:latin typeface="Cambria Math" panose="02040503050406030204" pitchFamily="18" charset="0"/>
+                <a:ea typeface="Cambria Math" panose="02040503050406030204" pitchFamily="18" charset="0"/>
+              </a:rPr>
+              <a:t>Misclassification Rate</a:t>
+            </a:r>
+          </a:p>
+        </p:txBody>
+      </p:sp>
+      <mc:AlternateContent xmlns:mc="http://schemas.openxmlformats.org/markup-compatibility/2006">
+        <mc:Choice xmlns:a14="http://schemas.microsoft.com/office/drawing/2010/main" Requires="a14">
+          <p:sp>
+            <p:nvSpPr>
+              <p:cNvPr id="7" name="Rectangle 6"/>
+              <p:cNvSpPr/>
+              <p:nvPr/>
+            </p:nvSpPr>
+            <p:spPr>
+              <a:xfrm>
+                <a:off x="6970964" y="2391605"/>
+                <a:ext cx="2467310" cy="939011"/>
+              </a:xfrm>
+              <a:prstGeom prst="rect">
+                <a:avLst/>
+              </a:prstGeom>
+              <a:solidFill>
+                <a:schemeClr val="bg1"/>
+              </a:solidFill>
+              <a:ln>
+                <a:solidFill>
+                  <a:schemeClr val="bg1"/>
+                </a:solidFill>
+              </a:ln>
+            </p:spPr>
+            <p:style>
+              <a:lnRef idx="2">
+                <a:schemeClr val="accent1">
+                  <a:shade val="50000"/>
+                </a:schemeClr>
+              </a:lnRef>
+              <a:fillRef idx="1">
+                <a:schemeClr val="accent1"/>
+              </a:fillRef>
+              <a:effectRef idx="0">
+                <a:schemeClr val="accent1"/>
+              </a:effectRef>
+              <a:fontRef idx="minor">
+                <a:schemeClr val="lt1"/>
+              </a:fontRef>
+            </p:style>
+            <p:txBody>
+              <a:bodyPr rtlCol="0" anchor="ctr"/>
+              <a:lstStyle/>
+              <a:p>
+                <a:r>
+                  <a:rPr lang="en-US" sz="1200" dirty="0" smtClean="0">
+                    <a:solidFill>
+                      <a:schemeClr val="tx1"/>
+                    </a:solidFill>
+                    <a:latin typeface="Cambria Math" panose="02040503050406030204" pitchFamily="18" charset="0"/>
+                    <a:ea typeface="Cambria Math" panose="02040503050406030204" pitchFamily="18" charset="0"/>
+                  </a:rPr>
+                  <a:t>Viterbi train </a:t>
+                </a:r>
+                <a:r>
+                  <a:rPr lang="en-US" sz="1200" dirty="0">
+                    <a:solidFill>
+                      <a:schemeClr val="tx1"/>
+                    </a:solidFill>
+                    <a:latin typeface="Cambria Math" panose="02040503050406030204" pitchFamily="18" charset="0"/>
+                    <a:ea typeface="Cambria Math" panose="02040503050406030204" pitchFamily="18" charset="0"/>
+                  </a:rPr>
+                  <a:t>e</a:t>
+                </a:r>
+                <a:r>
+                  <a:rPr lang="en-US" sz="1200" dirty="0" smtClean="0">
+                    <a:solidFill>
+                      <a:schemeClr val="tx1"/>
+                    </a:solidFill>
+                    <a:latin typeface="Cambria Math" panose="02040503050406030204" pitchFamily="18" charset="0"/>
+                    <a:ea typeface="Cambria Math" panose="02040503050406030204" pitchFamily="18" charset="0"/>
+                  </a:rPr>
+                  <a:t>rror </a:t>
+                </a:r>
+                <a:r>
+                  <a:rPr lang="en-US" sz="1200" dirty="0">
+                    <a:solidFill>
+                      <a:schemeClr val="tx1"/>
+                    </a:solidFill>
+                    <a:latin typeface="Cambria Math" panose="02040503050406030204" pitchFamily="18" charset="0"/>
+                    <a:ea typeface="Cambria Math" panose="02040503050406030204" pitchFamily="18" charset="0"/>
+                  </a:rPr>
+                  <a:t>with </a:t>
+                </a:r>
+                <a:r>
+                  <a:rPr lang="en-US" sz="1200" dirty="0" smtClean="0">
+                    <a:solidFill>
+                      <a:schemeClr val="tx1"/>
+                    </a:solidFill>
+                    <a:latin typeface="Cambria Math" panose="02040503050406030204" pitchFamily="18" charset="0"/>
+                    <a:ea typeface="Cambria Math" panose="02040503050406030204" pitchFamily="18" charset="0"/>
+                  </a:rPr>
+                  <a:t>learned </a:t>
+                </a:r>
+                <a14:m>
+                  <m:oMath xmlns:m="http://schemas.openxmlformats.org/officeDocument/2006/math">
+                    <m:r>
+                      <a:rPr lang="en-US" sz="1200" i="1">
+                        <a:solidFill>
+                          <a:schemeClr val="tx1"/>
+                        </a:solidFill>
+                        <a:latin typeface="Cambria Math" panose="02040503050406030204" pitchFamily="18" charset="0"/>
+                        <a:ea typeface="Cambria Math" panose="02040503050406030204" pitchFamily="18" charset="0"/>
+                      </a:rPr>
+                      <m:t>𝜃</m:t>
+                    </m:r>
+                  </m:oMath>
+                </a14:m>
+                <a:endParaRPr lang="en-US" sz="1200" dirty="0" smtClean="0">
+                  <a:solidFill>
+                    <a:schemeClr val="tx1"/>
+                  </a:solidFill>
+                  <a:latin typeface="Cambria Math" panose="02040503050406030204" pitchFamily="18" charset="0"/>
+                  <a:ea typeface="Cambria Math" panose="02040503050406030204" pitchFamily="18" charset="0"/>
+                </a:endParaRPr>
+              </a:p>
+              <a:p>
+                <a:r>
+                  <a:rPr lang="en-US" sz="1200" dirty="0">
+                    <a:solidFill>
+                      <a:schemeClr val="tx1"/>
+                    </a:solidFill>
+                    <a:latin typeface="Cambria Math" panose="02040503050406030204" pitchFamily="18" charset="0"/>
+                    <a:ea typeface="Cambria Math" panose="02040503050406030204" pitchFamily="18" charset="0"/>
+                  </a:rPr>
+                  <a:t>Viterbi </a:t>
+                </a:r>
+                <a:r>
+                  <a:rPr lang="en-US" sz="1200" dirty="0" smtClean="0">
+                    <a:solidFill>
+                      <a:schemeClr val="tx1"/>
+                    </a:solidFill>
+                    <a:latin typeface="Cambria Math" panose="02040503050406030204" pitchFamily="18" charset="0"/>
+                    <a:ea typeface="Cambria Math" panose="02040503050406030204" pitchFamily="18" charset="0"/>
+                  </a:rPr>
+                  <a:t>average test error </a:t>
+                </a:r>
+                <a:r>
+                  <a:rPr lang="en-US" sz="1200" dirty="0">
+                    <a:solidFill>
+                      <a:schemeClr val="tx1"/>
+                    </a:solidFill>
+                    <a:latin typeface="Cambria Math" panose="02040503050406030204" pitchFamily="18" charset="0"/>
+                    <a:ea typeface="Cambria Math" panose="02040503050406030204" pitchFamily="18" charset="0"/>
+                  </a:rPr>
+                  <a:t>with </a:t>
+                </a:r>
+                <a:r>
+                  <a:rPr lang="en-US" sz="1200" dirty="0" smtClean="0">
+                    <a:solidFill>
+                      <a:schemeClr val="tx1"/>
+                    </a:solidFill>
+                    <a:latin typeface="Cambria Math" panose="02040503050406030204" pitchFamily="18" charset="0"/>
+                    <a:ea typeface="Cambria Math" panose="02040503050406030204" pitchFamily="18" charset="0"/>
+                  </a:rPr>
+                  <a:t>learned </a:t>
+                </a:r>
+                <a14:m>
+                  <m:oMath xmlns:m="http://schemas.openxmlformats.org/officeDocument/2006/math">
+                    <m:r>
+                      <a:rPr lang="en-US" sz="1200" i="1">
+                        <a:solidFill>
+                          <a:schemeClr val="tx1"/>
+                        </a:solidFill>
+                        <a:latin typeface="Cambria Math" panose="02040503050406030204" pitchFamily="18" charset="0"/>
+                        <a:ea typeface="Cambria Math" panose="02040503050406030204" pitchFamily="18" charset="0"/>
+                      </a:rPr>
+                      <m:t>𝜃</m:t>
+                    </m:r>
+                  </m:oMath>
+                </a14:m>
+                <a:endParaRPr lang="en-US" sz="1200" dirty="0">
+                  <a:solidFill>
+                    <a:schemeClr val="tx1"/>
+                  </a:solidFill>
+                  <a:latin typeface="Cambria Math" panose="02040503050406030204" pitchFamily="18" charset="0"/>
+                  <a:ea typeface="Cambria Math" panose="02040503050406030204" pitchFamily="18" charset="0"/>
+                </a:endParaRPr>
+              </a:p>
+              <a:p>
+                <a:r>
+                  <a:rPr lang="en-US" sz="1200" dirty="0">
+                    <a:solidFill>
+                      <a:schemeClr val="tx1"/>
+                    </a:solidFill>
+                    <a:latin typeface="Cambria Math" panose="02040503050406030204" pitchFamily="18" charset="0"/>
+                    <a:ea typeface="Cambria Math" panose="02040503050406030204" pitchFamily="18" charset="0"/>
+                  </a:rPr>
+                  <a:t>Viterbi </a:t>
+                </a:r>
+                <a:r>
+                  <a:rPr lang="en-US" sz="1200" dirty="0" smtClean="0">
+                    <a:solidFill>
+                      <a:schemeClr val="tx1"/>
+                    </a:solidFill>
+                    <a:latin typeface="Cambria Math" panose="02040503050406030204" pitchFamily="18" charset="0"/>
+                    <a:ea typeface="Cambria Math" panose="02040503050406030204" pitchFamily="18" charset="0"/>
+                  </a:rPr>
+                  <a:t>train error </a:t>
+                </a:r>
+                <a:r>
+                  <a:rPr lang="en-US" sz="1200" dirty="0">
+                    <a:solidFill>
+                      <a:schemeClr val="tx1"/>
+                    </a:solidFill>
+                    <a:latin typeface="Cambria Math" panose="02040503050406030204" pitchFamily="18" charset="0"/>
+                    <a:ea typeface="Cambria Math" panose="02040503050406030204" pitchFamily="18" charset="0"/>
+                  </a:rPr>
+                  <a:t>with </a:t>
+                </a:r>
+                <a:r>
+                  <a:rPr lang="en-US" sz="1200" dirty="0" smtClean="0">
+                    <a:solidFill>
+                      <a:schemeClr val="tx1"/>
+                    </a:solidFill>
+                    <a:latin typeface="Cambria Math" panose="02040503050406030204" pitchFamily="18" charset="0"/>
+                    <a:ea typeface="Cambria Math" panose="02040503050406030204" pitchFamily="18" charset="0"/>
+                  </a:rPr>
+                  <a:t>true </a:t>
+                </a:r>
+                <a14:m>
+                  <m:oMath xmlns:m="http://schemas.openxmlformats.org/officeDocument/2006/math">
+                    <m:r>
+                      <a:rPr lang="en-US" sz="1200" i="1">
+                        <a:solidFill>
+                          <a:schemeClr val="tx1"/>
+                        </a:solidFill>
+                        <a:latin typeface="Cambria Math" panose="02040503050406030204" pitchFamily="18" charset="0"/>
+                        <a:ea typeface="Cambria Math" panose="02040503050406030204" pitchFamily="18" charset="0"/>
+                      </a:rPr>
+                      <m:t>𝜃</m:t>
+                    </m:r>
+                  </m:oMath>
+                </a14:m>
+                <a:endParaRPr lang="en-US" sz="1200" dirty="0" smtClean="0">
+                  <a:solidFill>
+                    <a:schemeClr val="tx1"/>
+                  </a:solidFill>
+                  <a:latin typeface="Cambria Math" panose="02040503050406030204" pitchFamily="18" charset="0"/>
+                  <a:ea typeface="Cambria Math" panose="02040503050406030204" pitchFamily="18" charset="0"/>
+                </a:endParaRPr>
+              </a:p>
+              <a:p>
+                <a:r>
+                  <a:rPr lang="en-US" sz="1200" dirty="0">
+                    <a:solidFill>
+                      <a:schemeClr val="tx1"/>
+                    </a:solidFill>
+                    <a:latin typeface="Cambria Math" panose="02040503050406030204" pitchFamily="18" charset="0"/>
+                    <a:ea typeface="Cambria Math" panose="02040503050406030204" pitchFamily="18" charset="0"/>
+                  </a:rPr>
+                  <a:t>Viterbi </a:t>
+                </a:r>
+                <a:r>
+                  <a:rPr lang="en-US" sz="1200" dirty="0" smtClean="0">
+                    <a:solidFill>
+                      <a:schemeClr val="tx1"/>
+                    </a:solidFill>
+                    <a:latin typeface="Cambria Math" panose="02040503050406030204" pitchFamily="18" charset="0"/>
+                    <a:ea typeface="Cambria Math" panose="02040503050406030204" pitchFamily="18" charset="0"/>
+                  </a:rPr>
+                  <a:t>test error </a:t>
+                </a:r>
+                <a:r>
+                  <a:rPr lang="en-US" sz="1200" dirty="0">
+                    <a:solidFill>
+                      <a:schemeClr val="tx1"/>
+                    </a:solidFill>
+                    <a:latin typeface="Cambria Math" panose="02040503050406030204" pitchFamily="18" charset="0"/>
+                    <a:ea typeface="Cambria Math" panose="02040503050406030204" pitchFamily="18" charset="0"/>
+                  </a:rPr>
+                  <a:t>with true </a:t>
+                </a:r>
+                <a14:m>
+                  <m:oMath xmlns:m="http://schemas.openxmlformats.org/officeDocument/2006/math">
+                    <m:r>
+                      <a:rPr lang="en-US" sz="1200" b="0" i="0" smtClean="0">
+                        <a:solidFill>
+                          <a:schemeClr val="tx1"/>
+                        </a:solidFill>
+                        <a:latin typeface="Cambria Math" panose="02040503050406030204" pitchFamily="18" charset="0"/>
+                        <a:ea typeface="Cambria Math" panose="02040503050406030204" pitchFamily="18" charset="0"/>
+                      </a:rPr>
+                      <m:t> </m:t>
+                    </m:r>
+                    <m:r>
+                      <a:rPr lang="en-US" sz="1200" i="1">
+                        <a:solidFill>
+                          <a:schemeClr val="tx1"/>
+                        </a:solidFill>
+                        <a:latin typeface="Cambria Math" panose="02040503050406030204" pitchFamily="18" charset="0"/>
+                        <a:ea typeface="Cambria Math" panose="02040503050406030204" pitchFamily="18" charset="0"/>
+                      </a:rPr>
+                      <m:t>𝜃</m:t>
+                    </m:r>
+                  </m:oMath>
+                </a14:m>
+                <a:endParaRPr lang="en-US" sz="1200" dirty="0">
+                  <a:solidFill>
+                    <a:schemeClr val="tx1"/>
+                  </a:solidFill>
+                  <a:latin typeface="Cambria Math" panose="02040503050406030204" pitchFamily="18" charset="0"/>
+                  <a:ea typeface="Cambria Math" panose="02040503050406030204" pitchFamily="18" charset="0"/>
+                </a:endParaRPr>
+              </a:p>
+              <a:p>
+                <a:endParaRPr lang="en-US" sz="1200" dirty="0" smtClean="0">
+                  <a:solidFill>
+                    <a:schemeClr val="tx1"/>
+                  </a:solidFill>
+                  <a:latin typeface="Cambria Math" panose="02040503050406030204" pitchFamily="18" charset="0"/>
+                  <a:ea typeface="Cambria Math" panose="02040503050406030204" pitchFamily="18" charset="0"/>
+                </a:endParaRPr>
+              </a:p>
+              <a:p>
+                <a:endParaRPr lang="en-US" sz="1200" dirty="0">
+                  <a:solidFill>
+                    <a:schemeClr val="tx1"/>
+                  </a:solidFill>
+                  <a:latin typeface="Cambria Math" panose="02040503050406030204" pitchFamily="18" charset="0"/>
+                  <a:ea typeface="Cambria Math" panose="02040503050406030204" pitchFamily="18" charset="0"/>
+                </a:endParaRPr>
+              </a:p>
+            </p:txBody>
+          </p:sp>
+        </mc:Choice>
+        <mc:Fallback>
+          <p:sp>
+            <p:nvSpPr>
+              <p:cNvPr id="7" name="Rectangle 6"/>
+              <p:cNvSpPr>
+                <a:spLocks noRot="1" noChangeAspect="1" noMove="1" noResize="1" noEditPoints="1" noAdjustHandles="1" noChangeArrowheads="1" noChangeShapeType="1" noTextEdit="1"/>
+              </p:cNvSpPr>
+              <p:nvPr/>
+            </p:nvSpPr>
+            <p:spPr>
+              <a:xfrm>
+                <a:off x="6970964" y="2391605"/>
+                <a:ext cx="2467310" cy="939011"/>
+              </a:xfrm>
+              <a:prstGeom prst="rect">
+                <a:avLst/>
+              </a:prstGeom>
+              <a:blipFill rotWithShape="0">
+                <a:blip r:embed="rId3"/>
+                <a:stretch>
+                  <a:fillRect t="-22436"/>
+                </a:stretch>
+              </a:blipFill>
+              <a:ln>
+                <a:solidFill>
+                  <a:schemeClr val="bg1"/>
+                </a:solidFill>
+              </a:ln>
+            </p:spPr>
+            <p:txBody>
+              <a:bodyPr/>
+              <a:lstStyle/>
+              <a:p>
+                <a:r>
+                  <a:rPr lang="en-US">
+                    <a:noFill/>
+                  </a:rPr>
+                  <a:t> </a:t>
+                </a:r>
+              </a:p>
+            </p:txBody>
+          </p:sp>
+        </mc:Fallback>
+      </mc:AlternateContent>
+      <p:pic>
+        <p:nvPicPr>
+          <p:cNvPr id="8" name="Picture 7"/>
+          <p:cNvPicPr>
+            <a:picLocks noChangeAspect="1"/>
+          </p:cNvPicPr>
+          <p:nvPr/>
+        </p:nvPicPr>
+        <p:blipFill rotWithShape="1">
+          <a:blip r:embed="rId4">
+            <a:extLst>
+              <a:ext uri="{28A0092B-C50C-407E-A947-70E740481C1C}">
+                <a14:useLocalDpi xmlns:a14="http://schemas.microsoft.com/office/drawing/2010/main" val="0"/>
+              </a:ext>
+            </a:extLst>
+          </a:blip>
+          <a:srcRect l="75601" t="9220" r="21538" b="82368"/>
+          <a:stretch/>
+        </p:blipFill>
+        <p:spPr>
+          <a:xfrm>
+            <a:off x="6514856" y="2322828"/>
+            <a:ext cx="500020" cy="748032"/>
+          </a:xfrm>
+          <a:prstGeom prst="rect">
+            <a:avLst/>
+          </a:prstGeom>
+        </p:spPr>
+      </p:pic>
+      <p:sp>
+        <p:nvSpPr>
+          <p:cNvPr id="13" name="Oval 12"/>
+          <p:cNvSpPr/>
+          <p:nvPr/>
+        </p:nvSpPr>
+        <p:spPr>
+          <a:xfrm>
+            <a:off x="2047395" y="644175"/>
+            <a:ext cx="328566" cy="291486"/>
+          </a:xfrm>
+          <a:prstGeom prst="ellipse">
+            <a:avLst/>
+          </a:prstGeom>
+          <a:noFill/>
+          <a:ln w="38100">
+            <a:solidFill>
+              <a:schemeClr val="tx1"/>
+            </a:solidFill>
+          </a:ln>
+        </p:spPr>
+        <p:style>
+          <a:lnRef idx="2">
+            <a:schemeClr val="accent1">
+              <a:shade val="50000"/>
+            </a:schemeClr>
+          </a:lnRef>
+          <a:fillRef idx="1">
+            <a:schemeClr val="accent1"/>
+          </a:fillRef>
+          <a:effectRef idx="0">
+            <a:schemeClr val="accent1"/>
+          </a:effectRef>
+          <a:fontRef idx="minor">
+            <a:schemeClr val="lt1"/>
+          </a:fontRef>
+        </p:style>
+        <p:txBody>
+          <a:bodyPr rtlCol="0" anchor="ctr"/>
+          <a:lstStyle/>
+          <a:p>
+            <a:pPr algn="ctr"/>
+            <a:r>
+              <a:rPr lang="en-US" b="1" dirty="0" smtClean="0">
+                <a:solidFill>
+                  <a:schemeClr val="tx1"/>
+                </a:solidFill>
+              </a:rPr>
+              <a:t>C</a:t>
+            </a:r>
+            <a:endParaRPr lang="en-US" b="1" dirty="0">
+              <a:solidFill>
+                <a:schemeClr val="tx1"/>
+              </a:solidFill>
+            </a:endParaRPr>
+          </a:p>
+        </p:txBody>
+      </p:sp>
+      <p:sp>
+        <p:nvSpPr>
+          <p:cNvPr id="16" name="Rectangle 15">
+            <a:extLst>
+              <a:ext uri="{FF2B5EF4-FFF2-40B4-BE49-F238E27FC236}">
+                <a16:creationId xmlns:a16="http://schemas.microsoft.com/office/drawing/2014/main" xmlns:a14="http://schemas.microsoft.com/office/drawing/2010/main" xmlns:mc="http://schemas.openxmlformats.org/markup-compatibility/2006" xmlns="" id="{2E36643D-EEA2-42A8-BBCF-DC12D9FC8BA4}"/>
+              </a:ext>
+            </a:extLst>
+          </p:cNvPr>
+          <p:cNvSpPr/>
+          <p:nvPr/>
+        </p:nvSpPr>
+        <p:spPr>
+          <a:xfrm>
+            <a:off x="4702704" y="234524"/>
+            <a:ext cx="2744576" cy="253156"/>
+          </a:xfrm>
+          <a:prstGeom prst="rect">
+            <a:avLst/>
+          </a:prstGeom>
+          <a:solidFill>
+            <a:schemeClr val="bg1"/>
+          </a:solidFill>
+          <a:ln>
+            <a:noFill/>
+          </a:ln>
+        </p:spPr>
+        <p:style>
+          <a:lnRef idx="2">
+            <a:schemeClr val="accent1">
+              <a:shade val="50000"/>
+            </a:schemeClr>
+          </a:lnRef>
+          <a:fillRef idx="1">
+            <a:schemeClr val="accent1"/>
+          </a:fillRef>
+          <a:effectRef idx="0">
+            <a:schemeClr val="accent1"/>
+          </a:effectRef>
+          <a:fontRef idx="minor">
+            <a:schemeClr val="lt1"/>
+          </a:fontRef>
+        </p:style>
+        <p:txBody>
+          <a:bodyPr rtlCol="0" anchor="ctr"/>
+          <a:lstStyle/>
+          <a:p>
+            <a:pPr algn="ctr"/>
+            <a:endParaRPr lang="en-US" sz="1200" dirty="0">
+              <a:solidFill>
+                <a:schemeClr val="tx1"/>
+              </a:solidFill>
+              <a:latin typeface="Cambria Math" panose="02040503050406030204" pitchFamily="18" charset="0"/>
+              <a:ea typeface="Cambria Math" panose="02040503050406030204" pitchFamily="18" charset="0"/>
+            </a:endParaRPr>
+          </a:p>
+        </p:txBody>
+      </p:sp>
+      <p:sp>
+        <p:nvSpPr>
+          <p:cNvPr id="17" name="Rectangle 16">
+            <a:extLst>
+              <a:ext uri="{FF2B5EF4-FFF2-40B4-BE49-F238E27FC236}">
+                <a16:creationId xmlns:a16="http://schemas.microsoft.com/office/drawing/2014/main" xmlns:a14="http://schemas.microsoft.com/office/drawing/2010/main" xmlns:mc="http://schemas.openxmlformats.org/markup-compatibility/2006" xmlns="" id="{2E36643D-EEA2-42A8-BBCF-DC12D9FC8BA4}"/>
+              </a:ext>
+            </a:extLst>
+          </p:cNvPr>
+          <p:cNvSpPr/>
+          <p:nvPr/>
+        </p:nvSpPr>
+        <p:spPr>
+          <a:xfrm>
+            <a:off x="7037287" y="309296"/>
+            <a:ext cx="2687737" cy="928954"/>
+          </a:xfrm>
+          <a:prstGeom prst="rect">
+            <a:avLst/>
+          </a:prstGeom>
+          <a:solidFill>
+            <a:schemeClr val="bg1"/>
+          </a:solidFill>
+          <a:ln>
+            <a:noFill/>
+          </a:ln>
+        </p:spPr>
+        <p:style>
+          <a:lnRef idx="2">
+            <a:schemeClr val="accent1">
+              <a:shade val="50000"/>
+            </a:schemeClr>
+          </a:lnRef>
+          <a:fillRef idx="1">
+            <a:schemeClr val="accent1"/>
+          </a:fillRef>
+          <a:effectRef idx="0">
+            <a:schemeClr val="accent1"/>
+          </a:effectRef>
+          <a:fontRef idx="minor">
+            <a:schemeClr val="lt1"/>
+          </a:fontRef>
+        </p:style>
+        <p:txBody>
+          <a:bodyPr rtlCol="0" anchor="ctr"/>
+          <a:lstStyle/>
+          <a:p>
+            <a:pPr algn="ctr"/>
+            <a:r>
+              <a:rPr lang="en-US" sz="1200" dirty="0" smtClean="0">
+                <a:solidFill>
+                  <a:schemeClr val="tx1"/>
+                </a:solidFill>
+                <a:latin typeface="Cambria Math" panose="02040503050406030204" pitchFamily="18" charset="0"/>
+                <a:ea typeface="Cambria Math" panose="02040503050406030204" pitchFamily="18" charset="0"/>
+              </a:rPr>
+              <a:t>EM Iterations</a:t>
+            </a:r>
+            <a:endParaRPr lang="en-US" sz="1200" dirty="0">
+              <a:solidFill>
+                <a:schemeClr val="tx1"/>
+              </a:solidFill>
+              <a:latin typeface="Cambria Math" panose="02040503050406030204" pitchFamily="18" charset="0"/>
+              <a:ea typeface="Cambria Math" panose="02040503050406030204" pitchFamily="18" charset="0"/>
+            </a:endParaRPr>
+          </a:p>
+        </p:txBody>
+      </p:sp>
+      <p:pic>
+        <p:nvPicPr>
+          <p:cNvPr id="18" name="Picture 17"/>
+          <p:cNvPicPr>
+            <a:picLocks noChangeAspect="1"/>
+          </p:cNvPicPr>
+          <p:nvPr/>
+        </p:nvPicPr>
+        <p:blipFill rotWithShape="1">
+          <a:blip r:embed="rId2">
+            <a:extLst>
+              <a:ext uri="{28A0092B-C50C-407E-A947-70E740481C1C}">
+                <a14:useLocalDpi xmlns:a14="http://schemas.microsoft.com/office/drawing/2010/main" val="0"/>
+              </a:ext>
+            </a:extLst>
+          </a:blip>
+          <a:srcRect l="67788" t="12778" r="27778" b="82500"/>
+          <a:stretch/>
+        </p:blipFill>
+        <p:spPr>
+          <a:xfrm>
+            <a:off x="6525383" y="1941034"/>
+            <a:ext cx="477398" cy="402692"/>
+          </a:xfrm>
+          <a:prstGeom prst="rect">
+            <a:avLst/>
+          </a:prstGeom>
+        </p:spPr>
+      </p:pic>
+    </p:spTree>
+    <p:extLst>
+      <p:ext uri="{BB962C8B-B14F-4D97-AF65-F5344CB8AC3E}">
+        <p14:creationId xmlns:p14="http://schemas.microsoft.com/office/powerpoint/2010/main" val="1377424737"/>
+      </p:ext>
+    </p:extLst>
+  </p:cSld>
+  <p:clrMapOvr>
+    <a:masterClrMapping/>
+  </p:clrMapOvr>
+  <p:timing>
+    <p:tnLst>
+      <p:par>
+        <p:cTn id="1" dur="indefinite" restart="never" nodeType="tmRoot"/>
+      </p:par>
+    </p:tnLst>
+  </p:timing>
+</p:sld>
+</file>
+
+<file path=ppt/slides/slide11.xml><?xml version="1.0" encoding="utf-8"?>
+<p:sld xmlns:a="http://schemas.openxmlformats.org/drawingml/2006/main" xmlns:r="http://schemas.openxmlformats.org/officeDocument/2006/relationships" xmlns:p="http://schemas.openxmlformats.org/presentationml/2006/main">
+  <p:cSld>
+    <p:spTree>
+      <p:nvGrpSpPr>
+        <p:cNvPr id="1" name=""/>
+        <p:cNvGrpSpPr/>
+        <p:nvPr/>
+      </p:nvGrpSpPr>
+      <p:grpSpPr>
+        <a:xfrm>
+          <a:off x="0" y="0"/>
+          <a:ext cx="0" cy="0"/>
+          <a:chOff x="0" y="0"/>
+          <a:chExt cx="0" cy="0"/>
+        </a:xfrm>
+      </p:grpSpPr>
+      <p:grpSp>
+        <p:nvGrpSpPr>
+          <p:cNvPr id="14" name="Group 13"/>
+          <p:cNvGrpSpPr/>
+          <p:nvPr/>
+        </p:nvGrpSpPr>
+        <p:grpSpPr>
+          <a:xfrm>
+            <a:off x="548641" y="579120"/>
+            <a:ext cx="11349419" cy="5774936"/>
+            <a:chOff x="548641" y="579120"/>
+            <a:chExt cx="11349419" cy="5774936"/>
+          </a:xfrm>
+        </p:grpSpPr>
+        <p:pic>
+          <p:nvPicPr>
+            <p:cNvPr id="4" name="Picture 3"/>
+            <p:cNvPicPr>
+              <a:picLocks noChangeAspect="1"/>
+            </p:cNvPicPr>
+            <p:nvPr/>
+          </p:nvPicPr>
+          <p:blipFill>
+            <a:blip r:embed="rId2">
+              <a:extLst>
+                <a:ext uri="{28A0092B-C50C-407E-A947-70E740481C1C}">
+                  <a14:useLocalDpi xmlns:a14="http://schemas.microsoft.com/office/drawing/2010/main" val="0"/>
+                </a:ext>
+              </a:extLst>
+            </a:blip>
+            <a:stretch>
+              <a:fillRect/>
+            </a:stretch>
+          </p:blipFill>
+          <p:spPr>
+            <a:xfrm>
+              <a:off x="548641" y="579120"/>
+              <a:ext cx="11349419" cy="5774936"/>
+            </a:xfrm>
+            <a:prstGeom prst="rect">
+              <a:avLst/>
+            </a:prstGeom>
+          </p:spPr>
+        </p:pic>
+        <p:grpSp>
+          <p:nvGrpSpPr>
+            <p:cNvPr id="12" name="Group 11"/>
+            <p:cNvGrpSpPr/>
+            <p:nvPr/>
+          </p:nvGrpSpPr>
+          <p:grpSpPr>
+            <a:xfrm>
+              <a:off x="7194439" y="4533437"/>
+              <a:ext cx="3606911" cy="1129973"/>
+              <a:chOff x="6581430" y="2413155"/>
+              <a:chExt cx="2887211" cy="918536"/>
+            </a:xfrm>
+          </p:grpSpPr>
+          <mc:AlternateContent xmlns:mc="http://schemas.openxmlformats.org/markup-compatibility/2006">
+            <mc:Choice xmlns:a14="http://schemas.microsoft.com/office/drawing/2010/main" Requires="a14">
+              <p:sp>
+                <p:nvSpPr>
+                  <p:cNvPr id="5" name="Rectangle 4"/>
+                  <p:cNvSpPr/>
+                  <p:nvPr/>
+                </p:nvSpPr>
+                <p:spPr>
+                  <a:xfrm>
+                    <a:off x="6951010" y="2413155"/>
+                    <a:ext cx="2517631" cy="918536"/>
+                  </a:xfrm>
+                  <a:prstGeom prst="rect">
+                    <a:avLst/>
+                  </a:prstGeom>
+                  <a:solidFill>
+                    <a:schemeClr val="bg1"/>
+                  </a:solidFill>
+                  <a:ln>
+                    <a:solidFill>
+                      <a:schemeClr val="bg1"/>
+                    </a:solidFill>
+                  </a:ln>
+                </p:spPr>
+                <p:style>
+                  <a:lnRef idx="2">
+                    <a:schemeClr val="accent1">
+                      <a:shade val="50000"/>
+                    </a:schemeClr>
+                  </a:lnRef>
+                  <a:fillRef idx="1">
+                    <a:schemeClr val="accent1"/>
+                  </a:fillRef>
+                  <a:effectRef idx="0">
+                    <a:schemeClr val="accent1"/>
+                  </a:effectRef>
+                  <a:fontRef idx="minor">
+                    <a:schemeClr val="lt1"/>
+                  </a:fontRef>
+                </p:style>
+                <p:txBody>
+                  <a:bodyPr rtlCol="0" anchor="ctr"/>
+                  <a:lstStyle/>
+                  <a:p>
+                    <a:r>
+                      <a:rPr lang="en-US" sz="1200" dirty="0" smtClean="0">
+                        <a:solidFill>
+                          <a:schemeClr val="tx1"/>
+                        </a:solidFill>
+                        <a:latin typeface="Cambria Math" panose="02040503050406030204" pitchFamily="18" charset="0"/>
+                        <a:ea typeface="Cambria Math" panose="02040503050406030204" pitchFamily="18" charset="0"/>
+                      </a:rPr>
+                      <a:t>Likelihood of learned </a:t>
+                    </a:r>
+                    <a14:m>
+                      <m:oMath xmlns:m="http://schemas.openxmlformats.org/officeDocument/2006/math">
+                        <m:r>
+                          <a:rPr lang="en-US" sz="1200" i="1">
+                            <a:solidFill>
+                              <a:schemeClr val="tx1"/>
+                            </a:solidFill>
+                            <a:latin typeface="Cambria Math" panose="02040503050406030204" pitchFamily="18" charset="0"/>
+                            <a:ea typeface="Cambria Math" panose="02040503050406030204" pitchFamily="18" charset="0"/>
+                          </a:rPr>
+                          <m:t>𝜃</m:t>
+                        </m:r>
+                      </m:oMath>
+                    </a14:m>
+                    <a:r>
+                      <a:rPr lang="en-US" sz="1200" dirty="0" smtClean="0">
+                        <a:solidFill>
+                          <a:schemeClr val="tx1"/>
+                        </a:solidFill>
+                        <a:latin typeface="Cambria Math" panose="02040503050406030204" pitchFamily="18" charset="0"/>
+                        <a:ea typeface="Cambria Math" panose="02040503050406030204" pitchFamily="18" charset="0"/>
+                      </a:rPr>
+                      <a:t> on train sequences</a:t>
+                    </a:r>
+                  </a:p>
+                  <a:p>
+                    <a:r>
+                      <a:rPr lang="en-US" sz="1200" dirty="0">
+                        <a:solidFill>
+                          <a:schemeClr val="tx1"/>
+                        </a:solidFill>
+                        <a:latin typeface="Cambria Math" panose="02040503050406030204" pitchFamily="18" charset="0"/>
+                        <a:ea typeface="Cambria Math" panose="02040503050406030204" pitchFamily="18" charset="0"/>
+                      </a:rPr>
+                      <a:t>Likelihood of learned </a:t>
+                    </a:r>
+                    <a14:m>
+                      <m:oMath xmlns:m="http://schemas.openxmlformats.org/officeDocument/2006/math">
+                        <m:r>
+                          <a:rPr lang="en-US" sz="1200" i="1">
+                            <a:solidFill>
+                              <a:schemeClr val="tx1"/>
+                            </a:solidFill>
+                            <a:latin typeface="Cambria Math" panose="02040503050406030204" pitchFamily="18" charset="0"/>
+                            <a:ea typeface="Cambria Math" panose="02040503050406030204" pitchFamily="18" charset="0"/>
+                          </a:rPr>
+                          <m:t>𝜃</m:t>
+                        </m:r>
+                      </m:oMath>
+                    </a14:m>
+                    <a:r>
+                      <a:rPr lang="en-US" sz="1200" dirty="0">
+                        <a:solidFill>
+                          <a:schemeClr val="tx1"/>
+                        </a:solidFill>
+                        <a:latin typeface="Cambria Math" panose="02040503050406030204" pitchFamily="18" charset="0"/>
+                        <a:ea typeface="Cambria Math" panose="02040503050406030204" pitchFamily="18" charset="0"/>
+                      </a:rPr>
+                      <a:t> on </a:t>
+                    </a:r>
+                    <a:r>
+                      <a:rPr lang="en-US" sz="1200" dirty="0" smtClean="0">
+                        <a:solidFill>
+                          <a:schemeClr val="tx1"/>
+                        </a:solidFill>
+                        <a:latin typeface="Cambria Math" panose="02040503050406030204" pitchFamily="18" charset="0"/>
+                        <a:ea typeface="Cambria Math" panose="02040503050406030204" pitchFamily="18" charset="0"/>
+                      </a:rPr>
+                      <a:t>test sequences</a:t>
+                    </a:r>
+                    <a:endParaRPr lang="en-US" sz="1200" dirty="0">
+                      <a:solidFill>
+                        <a:schemeClr val="tx1"/>
+                      </a:solidFill>
+                      <a:latin typeface="Cambria Math" panose="02040503050406030204" pitchFamily="18" charset="0"/>
+                      <a:ea typeface="Cambria Math" panose="02040503050406030204" pitchFamily="18" charset="0"/>
+                    </a:endParaRPr>
+                  </a:p>
+                  <a:p>
+                    <a:r>
+                      <a:rPr lang="en-US" sz="1200" dirty="0">
+                        <a:solidFill>
+                          <a:schemeClr val="tx1"/>
+                        </a:solidFill>
+                        <a:latin typeface="Cambria Math" panose="02040503050406030204" pitchFamily="18" charset="0"/>
+                        <a:ea typeface="Cambria Math" panose="02040503050406030204" pitchFamily="18" charset="0"/>
+                      </a:rPr>
+                      <a:t>Likelihood of </a:t>
+                    </a:r>
+                    <a:r>
+                      <a:rPr lang="en-US" sz="1200" dirty="0" smtClean="0">
+                        <a:solidFill>
+                          <a:schemeClr val="tx1"/>
+                        </a:solidFill>
+                        <a:latin typeface="Cambria Math" panose="02040503050406030204" pitchFamily="18" charset="0"/>
+                        <a:ea typeface="Cambria Math" panose="02040503050406030204" pitchFamily="18" charset="0"/>
+                      </a:rPr>
+                      <a:t>true </a:t>
+                    </a:r>
+                    <a14:m>
+                      <m:oMath xmlns:m="http://schemas.openxmlformats.org/officeDocument/2006/math">
+                        <m:r>
+                          <a:rPr lang="en-US" sz="1200" i="1">
+                            <a:solidFill>
+                              <a:schemeClr val="tx1"/>
+                            </a:solidFill>
+                            <a:latin typeface="Cambria Math" panose="02040503050406030204" pitchFamily="18" charset="0"/>
+                            <a:ea typeface="Cambria Math" panose="02040503050406030204" pitchFamily="18" charset="0"/>
+                          </a:rPr>
+                          <m:t>𝜃</m:t>
+                        </m:r>
+                      </m:oMath>
+                    </a14:m>
+                    <a:r>
+                      <a:rPr lang="en-US" sz="1200" dirty="0">
+                        <a:solidFill>
+                          <a:schemeClr val="tx1"/>
+                        </a:solidFill>
+                        <a:latin typeface="Cambria Math" panose="02040503050406030204" pitchFamily="18" charset="0"/>
+                        <a:ea typeface="Cambria Math" panose="02040503050406030204" pitchFamily="18" charset="0"/>
+                      </a:rPr>
+                      <a:t> on train sequences</a:t>
+                    </a:r>
+                  </a:p>
+                  <a:p>
+                    <a:r>
+                      <a:rPr lang="en-US" sz="1200" dirty="0">
+                        <a:solidFill>
+                          <a:schemeClr val="tx1"/>
+                        </a:solidFill>
+                        <a:latin typeface="Cambria Math" panose="02040503050406030204" pitchFamily="18" charset="0"/>
+                        <a:ea typeface="Cambria Math" panose="02040503050406030204" pitchFamily="18" charset="0"/>
+                      </a:rPr>
+                      <a:t>Likelihood of true </a:t>
+                    </a:r>
+                    <a14:m>
+                      <m:oMath xmlns:m="http://schemas.openxmlformats.org/officeDocument/2006/math">
+                        <m:r>
+                          <a:rPr lang="en-US" sz="1200" i="1">
+                            <a:solidFill>
+                              <a:schemeClr val="tx1"/>
+                            </a:solidFill>
+                            <a:latin typeface="Cambria Math" panose="02040503050406030204" pitchFamily="18" charset="0"/>
+                            <a:ea typeface="Cambria Math" panose="02040503050406030204" pitchFamily="18" charset="0"/>
+                          </a:rPr>
+                          <m:t>𝜃</m:t>
+                        </m:r>
+                      </m:oMath>
+                    </a14:m>
+                    <a:r>
+                      <a:rPr lang="en-US" sz="1200" dirty="0">
+                        <a:solidFill>
+                          <a:schemeClr val="tx1"/>
+                        </a:solidFill>
+                        <a:latin typeface="Cambria Math" panose="02040503050406030204" pitchFamily="18" charset="0"/>
+                        <a:ea typeface="Cambria Math" panose="02040503050406030204" pitchFamily="18" charset="0"/>
+                      </a:rPr>
+                      <a:t> on </a:t>
+                    </a:r>
+                    <a:r>
+                      <a:rPr lang="en-US" sz="1200" dirty="0" smtClean="0">
+                        <a:solidFill>
+                          <a:schemeClr val="tx1"/>
+                        </a:solidFill>
+                        <a:latin typeface="Cambria Math" panose="02040503050406030204" pitchFamily="18" charset="0"/>
+                        <a:ea typeface="Cambria Math" panose="02040503050406030204" pitchFamily="18" charset="0"/>
+                      </a:rPr>
+                      <a:t>test sequences</a:t>
+                    </a:r>
+                    <a:endParaRPr lang="en-US" sz="1200" dirty="0">
+                      <a:solidFill>
+                        <a:schemeClr val="tx1"/>
+                      </a:solidFill>
+                      <a:latin typeface="Cambria Math" panose="02040503050406030204" pitchFamily="18" charset="0"/>
+                      <a:ea typeface="Cambria Math" panose="02040503050406030204" pitchFamily="18" charset="0"/>
+                    </a:endParaRPr>
+                  </a:p>
+                  <a:p>
+                    <a:endParaRPr lang="en-US" sz="1200" dirty="0" smtClean="0">
+                      <a:solidFill>
+                        <a:schemeClr val="tx1"/>
+                      </a:solidFill>
+                      <a:latin typeface="Cambria Math" panose="02040503050406030204" pitchFamily="18" charset="0"/>
+                      <a:ea typeface="Cambria Math" panose="02040503050406030204" pitchFamily="18" charset="0"/>
+                    </a:endParaRPr>
+                  </a:p>
+                  <a:p>
+                    <a:endParaRPr lang="en-US" sz="1200" dirty="0">
+                      <a:solidFill>
+                        <a:schemeClr val="tx1"/>
+                      </a:solidFill>
+                      <a:latin typeface="Cambria Math" panose="02040503050406030204" pitchFamily="18" charset="0"/>
+                      <a:ea typeface="Cambria Math" panose="02040503050406030204" pitchFamily="18" charset="0"/>
+                    </a:endParaRPr>
+                  </a:p>
+                </p:txBody>
+              </p:sp>
+            </mc:Choice>
+            <mc:Fallback>
+              <p:sp>
+                <p:nvSpPr>
+                  <p:cNvPr id="5" name="Rectangle 4"/>
+                  <p:cNvSpPr>
+                    <a:spLocks noRot="1" noChangeAspect="1" noMove="1" noResize="1" noEditPoints="1" noAdjustHandles="1" noChangeArrowheads="1" noChangeShapeType="1" noTextEdit="1"/>
+                  </p:cNvSpPr>
+                  <p:nvPr/>
+                </p:nvSpPr>
+                <p:spPr>
+                  <a:xfrm>
+                    <a:off x="6951010" y="2413155"/>
+                    <a:ext cx="2517631" cy="918536"/>
+                  </a:xfrm>
+                  <a:prstGeom prst="rect">
+                    <a:avLst/>
+                  </a:prstGeom>
+                  <a:blipFill rotWithShape="0">
+                    <a:blip r:embed="rId3"/>
+                    <a:stretch>
+                      <a:fillRect t="-2674"/>
+                    </a:stretch>
+                  </a:blipFill>
+                  <a:ln>
+                    <a:solidFill>
+                      <a:schemeClr val="bg1"/>
+                    </a:solidFill>
+                  </a:ln>
+                </p:spPr>
+                <p:txBody>
+                  <a:bodyPr/>
+                  <a:lstStyle/>
+                  <a:p>
+                    <a:r>
+                      <a:rPr lang="en-US">
+                        <a:noFill/>
+                      </a:rPr>
+                      <a:t> </a:t>
+                    </a:r>
+                  </a:p>
+                </p:txBody>
+              </p:sp>
+            </mc:Fallback>
+          </mc:AlternateContent>
+          <p:pic>
+            <p:nvPicPr>
+              <p:cNvPr id="6" name="Picture 5"/>
+              <p:cNvPicPr>
+                <a:picLocks noChangeAspect="1"/>
+              </p:cNvPicPr>
+              <p:nvPr/>
+            </p:nvPicPr>
+            <p:blipFill rotWithShape="1">
+              <a:blip r:embed="rId4">
+                <a:extLst>
+                  <a:ext uri="{28A0092B-C50C-407E-A947-70E740481C1C}">
+                    <a14:useLocalDpi xmlns:a14="http://schemas.microsoft.com/office/drawing/2010/main" val="0"/>
+                  </a:ext>
+                </a:extLst>
+              </a:blip>
+              <a:srcRect l="75601" t="9220" r="21538" b="82368"/>
+              <a:stretch/>
+            </p:blipFill>
+            <p:spPr>
+              <a:xfrm>
+                <a:off x="6581430" y="2438305"/>
+                <a:ext cx="387052" cy="579032"/>
+              </a:xfrm>
+              <a:prstGeom prst="rect">
+                <a:avLst/>
+              </a:prstGeom>
+            </p:spPr>
+          </p:pic>
+        </p:grpSp>
+        <p:sp>
+          <p:nvSpPr>
+            <p:cNvPr id="7" name="Rectangle 6">
+              <a:extLst>
+                <a:ext uri="{FF2B5EF4-FFF2-40B4-BE49-F238E27FC236}">
+                  <a16:creationId xmlns:a16="http://schemas.microsoft.com/office/drawing/2014/main" xmlns="" id="{0088E734-0132-42BF-A871-F58627DBCCEF}"/>
+                </a:ext>
+              </a:extLst>
+            </p:cNvPr>
+            <p:cNvSpPr/>
+            <p:nvPr/>
+          </p:nvSpPr>
+          <p:spPr>
+            <a:xfrm>
+              <a:off x="5460348" y="823060"/>
+              <a:ext cx="2062162" cy="252412"/>
+            </a:xfrm>
+            <a:prstGeom prst="rect">
+              <a:avLst/>
+            </a:prstGeom>
+            <a:solidFill>
+              <a:schemeClr val="bg1"/>
+            </a:solidFill>
+            <a:ln>
+              <a:noFill/>
+            </a:ln>
+          </p:spPr>
+          <p:style>
+            <a:lnRef idx="2">
+              <a:schemeClr val="accent1">
+                <a:shade val="50000"/>
+              </a:schemeClr>
+            </a:lnRef>
+            <a:fillRef idx="1">
+              <a:schemeClr val="accent1"/>
+            </a:fillRef>
+            <a:effectRef idx="0">
+              <a:schemeClr val="accent1"/>
+            </a:effectRef>
+            <a:fontRef idx="minor">
+              <a:schemeClr val="lt1"/>
+            </a:fontRef>
+          </p:style>
+          <p:txBody>
+            <a:bodyPr rtlCol="0" anchor="ctr"/>
+            <a:lstStyle/>
+            <a:p>
+              <a:pPr algn="ctr"/>
+              <a:endParaRPr lang="en-US" sz="1200" dirty="0">
+                <a:solidFill>
+                  <a:schemeClr val="tx1"/>
+                </a:solidFill>
+                <a:latin typeface="Cambria Math" panose="02040503050406030204" pitchFamily="18" charset="0"/>
+                <a:ea typeface="Cambria Math" panose="02040503050406030204" pitchFamily="18" charset="0"/>
+              </a:endParaRPr>
+            </a:p>
+          </p:txBody>
+        </p:sp>
+        <p:sp>
+          <p:nvSpPr>
+            <p:cNvPr id="8" name="Rectangle 7">
+              <a:extLst>
+                <a:ext uri="{FF2B5EF4-FFF2-40B4-BE49-F238E27FC236}">
+                  <a16:creationId xmlns:a16="http://schemas.microsoft.com/office/drawing/2014/main" xmlns:a14="http://schemas.microsoft.com/office/drawing/2010/main" xmlns:mc="http://schemas.openxmlformats.org/markup-compatibility/2006" xmlns="" id="{2E36643D-EEA2-42A8-BBCF-DC12D9FC8BA4}"/>
+                </a:ext>
+              </a:extLst>
+            </p:cNvPr>
+            <p:cNvSpPr/>
+            <p:nvPr/>
+          </p:nvSpPr>
+          <p:spPr>
+            <a:xfrm>
+              <a:off x="5385036" y="5916396"/>
+              <a:ext cx="2062162" cy="252412"/>
+            </a:xfrm>
+            <a:prstGeom prst="rect">
+              <a:avLst/>
+            </a:prstGeom>
+            <a:solidFill>
+              <a:schemeClr val="bg1"/>
+            </a:solidFill>
+            <a:ln>
+              <a:noFill/>
+            </a:ln>
+          </p:spPr>
+          <p:style>
+            <a:lnRef idx="2">
+              <a:schemeClr val="accent1">
+                <a:shade val="50000"/>
+              </a:schemeClr>
+            </a:lnRef>
+            <a:fillRef idx="1">
+              <a:schemeClr val="accent1"/>
+            </a:fillRef>
+            <a:effectRef idx="0">
+              <a:schemeClr val="accent1"/>
+            </a:effectRef>
+            <a:fontRef idx="minor">
+              <a:schemeClr val="lt1"/>
+            </a:fontRef>
+          </p:style>
+          <p:txBody>
+            <a:bodyPr rtlCol="0" anchor="ctr"/>
+            <a:lstStyle/>
+            <a:p>
+              <a:pPr algn="ctr"/>
+              <a:r>
+                <a:rPr lang="en-US" sz="1200" dirty="0" smtClean="0">
+                  <a:solidFill>
+                    <a:schemeClr val="tx1"/>
+                  </a:solidFill>
+                  <a:latin typeface="Cambria Math" panose="02040503050406030204" pitchFamily="18" charset="0"/>
+                  <a:ea typeface="Cambria Math" panose="02040503050406030204" pitchFamily="18" charset="0"/>
+                </a:rPr>
+                <a:t>EM Iterations</a:t>
+              </a:r>
+              <a:endParaRPr lang="en-US" sz="1200" dirty="0">
+                <a:solidFill>
+                  <a:schemeClr val="tx1"/>
+                </a:solidFill>
+                <a:latin typeface="Cambria Math" panose="02040503050406030204" pitchFamily="18" charset="0"/>
+                <a:ea typeface="Cambria Math" panose="02040503050406030204" pitchFamily="18" charset="0"/>
+              </a:endParaRPr>
+            </a:p>
+          </p:txBody>
+        </p:sp>
+        <mc:AlternateContent xmlns:mc="http://schemas.openxmlformats.org/markup-compatibility/2006">
+          <mc:Choice xmlns:a14="http://schemas.microsoft.com/office/drawing/2010/main" Requires="a14">
+            <p:sp>
+              <p:nvSpPr>
+                <p:cNvPr id="9" name="Rectangle 8">
+                  <a:extLst>
+                    <a:ext uri="{FF2B5EF4-FFF2-40B4-BE49-F238E27FC236}">
+                      <a16:creationId xmlns:a16="http://schemas.microsoft.com/office/drawing/2014/main" xmlns="" id="{6D2C8BE0-B0D2-4978-A1B5-FFF5137A4C82}"/>
+                    </a:ext>
+                  </a:extLst>
+                </p:cNvPr>
+                <p:cNvSpPr/>
+                <p:nvPr/>
+              </p:nvSpPr>
+              <p:spPr>
+                <a:xfrm>
+                  <a:off x="568961" y="2235200"/>
+                  <a:ext cx="1161520" cy="2298237"/>
+                </a:xfrm>
+                <a:prstGeom prst="rect">
+                  <a:avLst/>
+                </a:prstGeom>
+                <a:solidFill>
+                  <a:schemeClr val="bg1"/>
+                </a:solidFill>
+                <a:ln>
+                  <a:noFill/>
+                </a:ln>
+              </p:spPr>
+              <p:style>
+                <a:lnRef idx="2">
+                  <a:schemeClr val="accent1">
+                    <a:shade val="50000"/>
+                  </a:schemeClr>
+                </a:lnRef>
+                <a:fillRef idx="1">
+                  <a:schemeClr val="accent1"/>
+                </a:fillRef>
+                <a:effectRef idx="0">
+                  <a:schemeClr val="accent1"/>
+                </a:effectRef>
+                <a:fontRef idx="minor">
+                  <a:schemeClr val="lt1"/>
+                </a:fontRef>
+              </p:style>
+              <p:txBody>
+                <a:bodyPr rtlCol="0" anchor="ctr"/>
+                <a:lstStyle/>
+                <a:p>
+                  <a:pPr algn="ctr"/>
+                  <a:r>
+                    <a:rPr lang="en-US" sz="1200" dirty="0" smtClean="0">
+                      <a:solidFill>
+                        <a:schemeClr val="tx1"/>
+                      </a:solidFill>
+                      <a:latin typeface="Cambria Math" panose="02040503050406030204" pitchFamily="18" charset="0"/>
+                      <a:ea typeface="Cambria Math" panose="02040503050406030204" pitchFamily="18" charset="0"/>
+                    </a:rPr>
+                    <a:t>Mean Log Likelihood</a:t>
+                  </a:r>
+                  <a:endParaRPr lang="he-IL" sz="1200" dirty="0" smtClean="0">
+                    <a:solidFill>
+                      <a:schemeClr val="tx1"/>
+                    </a:solidFill>
+                    <a:latin typeface="Cambria Math" panose="02040503050406030204" pitchFamily="18" charset="0"/>
+                    <a:ea typeface="Cambria Math" panose="02040503050406030204" pitchFamily="18" charset="0"/>
+                  </a:endParaRPr>
+                </a:p>
+                <a:p>
+                  <a:pPr algn="ctr"/>
+                  <a14:m>
+                    <m:oMathPara xmlns:m="http://schemas.openxmlformats.org/officeDocument/2006/math">
+                      <m:oMathParaPr>
+                        <m:jc m:val="centerGroup"/>
+                      </m:oMathParaPr>
+                      <m:oMath xmlns:m="http://schemas.openxmlformats.org/officeDocument/2006/math">
+                        <m:sSub>
+                          <m:sSubPr>
+                            <m:ctrlPr>
+                              <a:rPr lang="en-US" sz="1200" b="0" i="1" smtClean="0">
+                                <a:solidFill>
+                                  <a:schemeClr val="tx1"/>
+                                </a:solidFill>
+                                <a:latin typeface="Cambria Math" panose="02040503050406030204" pitchFamily="18" charset="0"/>
+                                <a:ea typeface="Cambria Math" panose="02040503050406030204" pitchFamily="18" charset="0"/>
+                              </a:rPr>
+                            </m:ctrlPr>
+                          </m:sSubPr>
+                          <m:e>
+                            <m:r>
+                              <a:rPr lang="en-US" sz="1200" b="0" i="1" smtClean="0">
+                                <a:solidFill>
+                                  <a:schemeClr val="tx1"/>
+                                </a:solidFill>
+                                <a:latin typeface="Cambria Math" panose="02040503050406030204" pitchFamily="18" charset="0"/>
+                                <a:ea typeface="Cambria Math" panose="02040503050406030204" pitchFamily="18" charset="0"/>
+                              </a:rPr>
+                              <m:t>𝑃</m:t>
+                            </m:r>
+                          </m:e>
+                          <m:sub>
+                            <m:r>
+                              <a:rPr lang="en-US" sz="1200" b="0" i="1" smtClean="0">
+                                <a:solidFill>
+                                  <a:schemeClr val="tx1"/>
+                                </a:solidFill>
+                                <a:latin typeface="Cambria Math" panose="02040503050406030204" pitchFamily="18" charset="0"/>
+                                <a:ea typeface="Cambria Math" panose="02040503050406030204" pitchFamily="18" charset="0"/>
+                              </a:rPr>
+                              <m:t>𝜃</m:t>
+                            </m:r>
+                          </m:sub>
+                        </m:sSub>
+                        <m:d>
+                          <m:dPr>
+                            <m:ctrlPr>
+                              <a:rPr lang="en-US" sz="1200" b="0" i="1" smtClean="0">
+                                <a:solidFill>
+                                  <a:schemeClr val="tx1"/>
+                                </a:solidFill>
+                                <a:latin typeface="Cambria Math" panose="02040503050406030204" pitchFamily="18" charset="0"/>
+                                <a:ea typeface="Cambria Math" panose="02040503050406030204" pitchFamily="18" charset="0"/>
+                              </a:rPr>
+                            </m:ctrlPr>
+                          </m:dPr>
+                          <m:e>
+                            <m:r>
+                              <a:rPr lang="en-US" sz="1200" b="0" i="1" smtClean="0">
+                                <a:solidFill>
+                                  <a:schemeClr val="tx1"/>
+                                </a:solidFill>
+                                <a:latin typeface="Cambria Math" panose="02040503050406030204" pitchFamily="18" charset="0"/>
+                                <a:ea typeface="Cambria Math" panose="02040503050406030204" pitchFamily="18" charset="0"/>
+                              </a:rPr>
+                              <m:t>𝑋</m:t>
+                            </m:r>
+                          </m:e>
+                        </m:d>
+                      </m:oMath>
+                    </m:oMathPara>
+                  </a14:m>
+                  <a:endParaRPr lang="en-US" sz="1200" dirty="0" smtClean="0">
+                    <a:solidFill>
+                      <a:schemeClr val="tx1"/>
+                    </a:solidFill>
+                    <a:latin typeface="Cambria Math" panose="02040503050406030204" pitchFamily="18" charset="0"/>
+                    <a:ea typeface="Cambria Math" panose="02040503050406030204" pitchFamily="18" charset="0"/>
+                  </a:endParaRPr>
+                </a:p>
+              </p:txBody>
+            </p:sp>
+          </mc:Choice>
+          <mc:Fallback>
+            <p:sp>
+              <p:nvSpPr>
+                <p:cNvPr id="9" name="Rectangle 8">
+                  <a:extLst>
+                    <a:ext uri="{FF2B5EF4-FFF2-40B4-BE49-F238E27FC236}">
+                      <a16:creationId xmlns:a16="http://schemas.microsoft.com/office/drawing/2014/main" xmlns:a14="http://schemas.microsoft.com/office/drawing/2010/main" xmlns="" id="{6D2C8BE0-B0D2-4978-A1B5-FFF5137A4C82}"/>
+                    </a:ext>
+                  </a:extLst>
+                </p:cNvPr>
+                <p:cNvSpPr>
+                  <a:spLocks noRot="1" noChangeAspect="1" noMove="1" noResize="1" noEditPoints="1" noAdjustHandles="1" noChangeArrowheads="1" noChangeShapeType="1" noTextEdit="1"/>
+                </p:cNvSpPr>
+                <p:nvPr/>
+              </p:nvSpPr>
+              <p:spPr>
+                <a:xfrm>
+                  <a:off x="568961" y="2235200"/>
+                  <a:ext cx="1161520" cy="2298237"/>
+                </a:xfrm>
+                <a:prstGeom prst="rect">
+                  <a:avLst/>
+                </a:prstGeom>
+                <a:blipFill rotWithShape="0">
+                  <a:blip r:embed="rId5"/>
+                  <a:stretch>
+                    <a:fillRect/>
+                  </a:stretch>
+                </a:blipFill>
+                <a:ln>
+                  <a:noFill/>
+                </a:ln>
+              </p:spPr>
+              <p:txBody>
+                <a:bodyPr/>
+                <a:lstStyle/>
+                <a:p>
+                  <a:r>
+                    <a:rPr lang="en-US">
+                      <a:noFill/>
+                    </a:rPr>
+                    <a:t> </a:t>
+                  </a:r>
+                </a:p>
+              </p:txBody>
+            </p:sp>
+          </mc:Fallback>
+        </mc:AlternateContent>
+        <p:sp>
+          <p:nvSpPr>
+            <p:cNvPr id="13" name="Oval 12"/>
+            <p:cNvSpPr/>
+            <p:nvPr/>
+          </p:nvSpPr>
+          <p:spPr>
+            <a:xfrm>
+              <a:off x="1149721" y="1773906"/>
+              <a:ext cx="328566" cy="291486"/>
+            </a:xfrm>
+            <a:prstGeom prst="ellipse">
+              <a:avLst/>
+            </a:prstGeom>
+            <a:noFill/>
+            <a:ln w="38100">
+              <a:solidFill>
+                <a:schemeClr val="tx1"/>
+              </a:solidFill>
+            </a:ln>
+          </p:spPr>
+          <p:style>
+            <a:lnRef idx="2">
+              <a:schemeClr val="accent1">
+                <a:shade val="50000"/>
+              </a:schemeClr>
+            </a:lnRef>
+            <a:fillRef idx="1">
+              <a:schemeClr val="accent1"/>
+            </a:fillRef>
+            <a:effectRef idx="0">
+              <a:schemeClr val="accent1"/>
+            </a:effectRef>
+            <a:fontRef idx="minor">
+              <a:schemeClr val="lt1"/>
+            </a:fontRef>
+          </p:style>
+          <p:txBody>
+            <a:bodyPr rtlCol="0" anchor="ctr"/>
+            <a:lstStyle/>
+            <a:p>
+              <a:pPr algn="ctr"/>
+              <a:r>
+                <a:rPr lang="en-US" b="1" dirty="0" smtClean="0">
+                  <a:solidFill>
+                    <a:schemeClr val="tx1"/>
+                  </a:solidFill>
+                </a:rPr>
+                <a:t>D</a:t>
+              </a:r>
+              <a:endParaRPr lang="en-US" b="1" dirty="0">
+                <a:solidFill>
+                  <a:schemeClr val="tx1"/>
+                </a:solidFill>
+              </a:endParaRPr>
+            </a:p>
+          </p:txBody>
+        </p:sp>
+      </p:grpSp>
+    </p:spTree>
+    <p:extLst>
+      <p:ext uri="{BB962C8B-B14F-4D97-AF65-F5344CB8AC3E}">
+        <p14:creationId xmlns:p14="http://schemas.microsoft.com/office/powerpoint/2010/main" val="2949276080"/>
+      </p:ext>
+    </p:extLst>
+  </p:cSld>
+  <p:clrMapOvr>
+    <a:masterClrMapping/>
+  </p:clrMapOvr>
+</p:sld>
+</file>
+
+<file path=ppt/slides/slide12.xml><?xml version="1.0" encoding="utf-8"?>
+<p:sld xmlns:a="http://schemas.openxmlformats.org/drawingml/2006/main" xmlns:r="http://schemas.openxmlformats.org/officeDocument/2006/relationships" xmlns:p="http://schemas.openxmlformats.org/presentationml/2006/main">
+  <p:cSld>
+    <p:spTree>
+      <p:nvGrpSpPr>
+        <p:cNvPr id="1" name=""/>
+        <p:cNvGrpSpPr/>
+        <p:nvPr/>
+      </p:nvGrpSpPr>
+      <p:grpSpPr>
+        <a:xfrm>
+          <a:off x="0" y="0"/>
+          <a:ext cx="0" cy="0"/>
+          <a:chOff x="0" y="0"/>
+          <a:chExt cx="0" cy="0"/>
+        </a:xfrm>
+      </p:grpSpPr>
+      <p:grpSp>
+        <p:nvGrpSpPr>
+          <p:cNvPr id="20" name="Group 19"/>
+          <p:cNvGrpSpPr/>
+          <p:nvPr/>
+        </p:nvGrpSpPr>
+        <p:grpSpPr>
+          <a:xfrm>
+            <a:off x="0" y="370306"/>
+            <a:ext cx="13441678" cy="6117388"/>
+            <a:chOff x="-335280" y="-444207"/>
+            <a:chExt cx="13441678" cy="6117388"/>
+          </a:xfrm>
+          <a:solidFill>
+            <a:schemeClr val="bg1"/>
+          </a:solidFill>
+        </p:grpSpPr>
+        <p:grpSp>
+          <p:nvGrpSpPr>
+            <p:cNvPr id="19" name="Group 18"/>
+            <p:cNvGrpSpPr/>
+            <p:nvPr/>
+          </p:nvGrpSpPr>
+          <p:grpSpPr>
+            <a:xfrm>
+              <a:off x="-335280" y="-444207"/>
+              <a:ext cx="13441678" cy="6117388"/>
+              <a:chOff x="579121" y="731520"/>
+              <a:chExt cx="13441678" cy="6117388"/>
+            </a:xfrm>
+            <a:grpFill/>
+          </p:grpSpPr>
+          <p:sp>
+            <p:nvSpPr>
+              <p:cNvPr id="5" name="Rectangle 4"/>
+              <p:cNvSpPr/>
+              <p:nvPr/>
+            </p:nvSpPr>
+            <p:spPr>
+              <a:xfrm>
+                <a:off x="5265420" y="731520"/>
+                <a:ext cx="2004060" cy="259080"/>
+              </a:xfrm>
+              <a:prstGeom prst="rect">
+                <a:avLst/>
+              </a:prstGeom>
+              <a:grpFill/>
+              <a:ln>
+                <a:solidFill>
+                  <a:schemeClr val="bg1"/>
+                </a:solidFill>
+              </a:ln>
+            </p:spPr>
+            <p:style>
+              <a:lnRef idx="2">
+                <a:schemeClr val="accent1">
+                  <a:shade val="50000"/>
+                </a:schemeClr>
+              </a:lnRef>
+              <a:fillRef idx="1">
+                <a:schemeClr val="accent1"/>
+              </a:fillRef>
+              <a:effectRef idx="0">
+                <a:schemeClr val="accent1"/>
+              </a:effectRef>
+              <a:fontRef idx="minor">
+                <a:schemeClr val="lt1"/>
+              </a:fontRef>
+            </p:style>
+            <p:txBody>
+              <a:bodyPr rtlCol="0" anchor="ctr"/>
+              <a:lstStyle/>
+              <a:p>
+                <a:pPr algn="ctr"/>
+                <a:endParaRPr lang="en-US" dirty="0"/>
+              </a:p>
+            </p:txBody>
+          </p:sp>
+          <p:grpSp>
+            <p:nvGrpSpPr>
+              <p:cNvPr id="10" name="Group 9"/>
+              <p:cNvGrpSpPr/>
+              <p:nvPr/>
+            </p:nvGrpSpPr>
+            <p:grpSpPr>
+              <a:xfrm>
+                <a:off x="1065530" y="861060"/>
+                <a:ext cx="12955269" cy="5987848"/>
+                <a:chOff x="171450" y="481987"/>
+                <a:chExt cx="12955269" cy="5987848"/>
+              </a:xfrm>
+              <a:grpFill/>
+            </p:grpSpPr>
+            <p:pic>
+              <p:nvPicPr>
+                <p:cNvPr id="4" name="Picture 3"/>
+                <p:cNvPicPr>
+                  <a:picLocks noChangeAspect="1"/>
+                </p:cNvPicPr>
+                <p:nvPr/>
+              </p:nvPicPr>
+              <p:blipFill>
+                <a:blip r:embed="rId2">
+                  <a:extLst>
+                    <a:ext uri="{28A0092B-C50C-407E-A947-70E740481C1C}">
+                      <a14:useLocalDpi xmlns:a14="http://schemas.microsoft.com/office/drawing/2010/main" val="0"/>
+                    </a:ext>
+                  </a:extLst>
+                </a:blip>
+                <a:stretch>
+                  <a:fillRect/>
+                </a:stretch>
+              </p:blipFill>
+              <p:spPr>
+                <a:xfrm>
+                  <a:off x="171450" y="526235"/>
+                  <a:ext cx="12192000" cy="5943600"/>
+                </a:xfrm>
+                <a:prstGeom prst="rect">
+                  <a:avLst/>
+                </a:prstGeom>
+                <a:grpFill/>
+                <a:ln>
+                  <a:solidFill>
+                    <a:schemeClr val="bg1"/>
+                  </a:solidFill>
+                </a:ln>
+              </p:spPr>
+            </p:pic>
+            <p:sp>
+              <p:nvSpPr>
+                <p:cNvPr id="9" name="Rectangle 8"/>
+                <p:cNvSpPr/>
+                <p:nvPr/>
+              </p:nvSpPr>
+              <p:spPr>
+                <a:xfrm>
+                  <a:off x="10681850" y="481987"/>
+                  <a:ext cx="2444869" cy="828317"/>
+                </a:xfrm>
+                <a:prstGeom prst="rect">
+                  <a:avLst/>
+                </a:prstGeom>
+                <a:grpFill/>
+                <a:ln>
+                  <a:solidFill>
+                    <a:schemeClr val="bg1"/>
+                  </a:solidFill>
+                </a:ln>
+              </p:spPr>
+              <p:txBody>
+                <a:bodyPr wrap="square">
+                  <a:spAutoFit/>
+                </a:bodyPr>
+                <a:lstStyle/>
+                <a:p>
+                  <a:endParaRPr lang="en-US" sz="1600" dirty="0">
+                    <a:latin typeface="Cambria Math" panose="02040503050406030204" pitchFamily="18" charset="0"/>
+                    <a:ea typeface="Cambria Math" panose="02040503050406030204" pitchFamily="18" charset="0"/>
+                  </a:endParaRPr>
+                </a:p>
+              </p:txBody>
+            </p:sp>
+          </p:grpSp>
+          <mc:AlternateContent xmlns:mc="http://schemas.openxmlformats.org/markup-compatibility/2006">
+            <mc:Choice xmlns:a14="http://schemas.microsoft.com/office/drawing/2010/main" Requires="a14">
+              <p:sp>
+                <p:nvSpPr>
+                  <p:cNvPr id="8" name="Rectangle 7"/>
+                  <p:cNvSpPr/>
+                  <p:nvPr/>
+                </p:nvSpPr>
+                <p:spPr>
+                  <a:xfrm>
+                    <a:off x="579121" y="3429000"/>
+                    <a:ext cx="1910080" cy="584775"/>
+                  </a:xfrm>
+                  <a:prstGeom prst="rect">
+                    <a:avLst/>
+                  </a:prstGeom>
+                  <a:grpFill/>
+                  <a:ln>
+                    <a:solidFill>
+                      <a:schemeClr val="bg1"/>
+                    </a:solidFill>
+                  </a:ln>
+                </p:spPr>
+                <p:txBody>
+                  <a:bodyPr wrap="square">
+                    <a:spAutoFit/>
+                  </a:bodyPr>
+                  <a:lstStyle/>
+                  <a:p>
+                    <a:pPr algn="ctr"/>
+                    <a14:m>
+                      <m:oMathPara xmlns:m="http://schemas.openxmlformats.org/officeDocument/2006/math">
+                        <m:oMathParaPr>
+                          <m:jc m:val="centerGroup"/>
+                        </m:oMathParaPr>
+                        <m:oMath xmlns:m="http://schemas.openxmlformats.org/officeDocument/2006/math">
+                          <m:r>
+                            <a:rPr lang="en-US" sz="1600" b="0" i="1" dirty="0" smtClean="0">
+                              <a:latin typeface="Cambria Math" panose="02040503050406030204" pitchFamily="18" charset="0"/>
+                              <a:ea typeface="Cambria Math" panose="02040503050406030204" pitchFamily="18" charset="0"/>
+                            </a:rPr>
+                            <m:t>−</m:t>
+                          </m:r>
+                          <m:r>
+                            <a:rPr lang="en-US" sz="1600" b="0" i="1" dirty="0" smtClean="0">
+                              <a:latin typeface="Cambria Math" panose="02040503050406030204" pitchFamily="18" charset="0"/>
+                              <a:ea typeface="Cambria Math" panose="02040503050406030204" pitchFamily="18" charset="0"/>
+                            </a:rPr>
+                            <m:t>𝑙𝑜</m:t>
+                          </m:r>
+                          <m:sSub>
+                            <m:sSubPr>
+                              <m:ctrlPr>
+                                <a:rPr lang="en-US" sz="1600" b="0" i="1" dirty="0" smtClean="0">
+                                  <a:latin typeface="Cambria Math" panose="02040503050406030204" pitchFamily="18" charset="0"/>
+                                  <a:ea typeface="Cambria Math" panose="02040503050406030204" pitchFamily="18" charset="0"/>
+                                </a:rPr>
+                              </m:ctrlPr>
+                            </m:sSubPr>
+                            <m:e>
+                              <m:r>
+                                <a:rPr lang="en-US" sz="1600" i="1" dirty="0" smtClean="0">
+                                  <a:latin typeface="Cambria Math" panose="02040503050406030204" pitchFamily="18" charset="0"/>
+                                  <a:ea typeface="Cambria Math" panose="02040503050406030204" pitchFamily="18" charset="0"/>
+                                </a:rPr>
+                                <m:t>𝑔</m:t>
+                              </m:r>
+                            </m:e>
+                            <m:sub>
+                              <m:r>
+                                <a:rPr lang="en-US" sz="1600" b="0" i="1" dirty="0" smtClean="0">
+                                  <a:latin typeface="Cambria Math" panose="02040503050406030204" pitchFamily="18" charset="0"/>
+                                  <a:ea typeface="Cambria Math" panose="02040503050406030204" pitchFamily="18" charset="0"/>
+                                </a:rPr>
+                                <m:t>10</m:t>
+                              </m:r>
+                            </m:sub>
+                          </m:sSub>
+                          <m:d>
+                            <m:dPr>
+                              <m:ctrlPr>
+                                <a:rPr lang="en-US" sz="1600" b="0" i="1" dirty="0" smtClean="0">
+                                  <a:latin typeface="Cambria Math" panose="02040503050406030204" pitchFamily="18" charset="0"/>
+                                  <a:ea typeface="Cambria Math" panose="02040503050406030204" pitchFamily="18" charset="0"/>
+                                </a:rPr>
+                              </m:ctrlPr>
+                            </m:dPr>
+                            <m:e>
+                              <m:r>
+                                <a:rPr lang="en-US" sz="1600" b="0" i="1" dirty="0" smtClean="0">
+                                  <a:latin typeface="Cambria Math" panose="02040503050406030204" pitchFamily="18" charset="0"/>
+                                  <a:ea typeface="Cambria Math" panose="02040503050406030204" pitchFamily="18" charset="0"/>
+                                </a:rPr>
+                                <m:t>𝑝</m:t>
+                              </m:r>
+                              <m:r>
+                                <a:rPr lang="en-US" sz="1600" b="0" i="1" dirty="0" smtClean="0">
+                                  <a:latin typeface="Cambria Math" panose="02040503050406030204" pitchFamily="18" charset="0"/>
+                                  <a:ea typeface="Cambria Math" panose="02040503050406030204" pitchFamily="18" charset="0"/>
+                                </a:rPr>
+                                <m:t>−</m:t>
+                              </m:r>
+                              <m:r>
+                                <a:rPr lang="en-US" sz="1600" b="0" i="1" dirty="0" smtClean="0">
+                                  <a:latin typeface="Cambria Math" panose="02040503050406030204" pitchFamily="18" charset="0"/>
+                                  <a:ea typeface="Cambria Math" panose="02040503050406030204" pitchFamily="18" charset="0"/>
+                                </a:rPr>
+                                <m:t>𝑣𝑎𝑙𝑢𝑒</m:t>
+                              </m:r>
+                            </m:e>
+                          </m:d>
+                        </m:oMath>
+                      </m:oMathPara>
+                    </a14:m>
+                    <a:endParaRPr lang="en-US" sz="1600" b="0" dirty="0" smtClean="0">
+                      <a:latin typeface="Cambria Math" panose="02040503050406030204" pitchFamily="18" charset="0"/>
+                      <a:ea typeface="Cambria Math" panose="02040503050406030204" pitchFamily="18" charset="0"/>
+                    </a:endParaRPr>
+                  </a:p>
+                  <a:p>
+                    <a:pPr algn="ctr"/>
+                    <a:r>
+                      <a:rPr lang="en-US" sz="1600" dirty="0" smtClean="0">
+                        <a:latin typeface="Cambria Math" panose="02040503050406030204" pitchFamily="18" charset="0"/>
+                        <a:ea typeface="Cambria Math" panose="02040503050406030204" pitchFamily="18" charset="0"/>
+                      </a:rPr>
+                      <a:t>DNase</a:t>
+                    </a:r>
+                    <a:endParaRPr lang="en-US" sz="1600" dirty="0">
+                      <a:latin typeface="Cambria Math" panose="02040503050406030204" pitchFamily="18" charset="0"/>
+                      <a:ea typeface="Cambria Math" panose="02040503050406030204" pitchFamily="18" charset="0"/>
+                    </a:endParaRPr>
+                  </a:p>
+                </p:txBody>
+              </p:sp>
+            </mc:Choice>
+            <mc:Fallback>
+              <p:sp>
+                <p:nvSpPr>
+                  <p:cNvPr id="8" name="Rectangle 7"/>
+                  <p:cNvSpPr>
+                    <a:spLocks noRot="1" noChangeAspect="1" noMove="1" noResize="1" noEditPoints="1" noAdjustHandles="1" noChangeArrowheads="1" noChangeShapeType="1" noTextEdit="1"/>
+                  </p:cNvSpPr>
+                  <p:nvPr/>
+                </p:nvSpPr>
+                <p:spPr>
+                  <a:xfrm>
+                    <a:off x="579121" y="3429000"/>
+                    <a:ext cx="1910080" cy="584775"/>
+                  </a:xfrm>
+                  <a:prstGeom prst="rect">
+                    <a:avLst/>
+                  </a:prstGeom>
+                  <a:blipFill rotWithShape="0">
+                    <a:blip r:embed="rId3"/>
+                    <a:stretch>
+                      <a:fillRect b="-10204"/>
+                    </a:stretch>
+                  </a:blipFill>
+                  <a:ln>
+                    <a:solidFill>
+                      <a:schemeClr val="bg1"/>
+                    </a:solidFill>
+                  </a:ln>
+                </p:spPr>
+                <p:txBody>
+                  <a:bodyPr/>
+                  <a:lstStyle/>
+                  <a:p>
+                    <a:r>
+                      <a:rPr lang="en-US">
+                        <a:noFill/>
+                      </a:rPr>
+                      <a:t> </a:t>
+                    </a:r>
+                  </a:p>
+                </p:txBody>
+              </p:sp>
+            </mc:Fallback>
+          </mc:AlternateContent>
+          <mc:AlternateContent xmlns:mc="http://schemas.openxmlformats.org/markup-compatibility/2006">
+            <mc:Choice xmlns:a14="http://schemas.microsoft.com/office/drawing/2010/main" Requires="a14">
+              <p:sp>
+                <p:nvSpPr>
+                  <p:cNvPr id="11" name="Rectangle 10"/>
+                  <p:cNvSpPr/>
+                  <p:nvPr/>
+                </p:nvSpPr>
+                <p:spPr>
+                  <a:xfrm>
+                    <a:off x="579121" y="1689377"/>
+                    <a:ext cx="1910080" cy="584775"/>
+                  </a:xfrm>
+                  <a:prstGeom prst="rect">
+                    <a:avLst/>
+                  </a:prstGeom>
+                  <a:grpFill/>
+                  <a:ln>
+                    <a:solidFill>
+                      <a:schemeClr val="bg1"/>
+                    </a:solidFill>
+                  </a:ln>
+                </p:spPr>
+                <p:txBody>
+                  <a:bodyPr wrap="square">
+                    <a:spAutoFit/>
+                  </a:bodyPr>
+                  <a:lstStyle/>
+                  <a:p>
+                    <a:pPr algn="ctr"/>
+                    <a14:m>
+                      <m:oMathPara xmlns:m="http://schemas.openxmlformats.org/officeDocument/2006/math">
+                        <m:oMathParaPr>
+                          <m:jc m:val="centerGroup"/>
+                        </m:oMathParaPr>
+                        <m:oMath xmlns:m="http://schemas.openxmlformats.org/officeDocument/2006/math">
+                          <m:r>
+                            <a:rPr lang="en-US" sz="1600" b="0" i="1" dirty="0" smtClean="0">
+                              <a:latin typeface="Cambria Math" panose="02040503050406030204" pitchFamily="18" charset="0"/>
+                              <a:ea typeface="Cambria Math" panose="02040503050406030204" pitchFamily="18" charset="0"/>
+                            </a:rPr>
+                            <m:t>−</m:t>
+                          </m:r>
+                          <m:r>
+                            <a:rPr lang="en-US" sz="1600" b="0" i="1" dirty="0" smtClean="0">
+                              <a:latin typeface="Cambria Math" panose="02040503050406030204" pitchFamily="18" charset="0"/>
+                              <a:ea typeface="Cambria Math" panose="02040503050406030204" pitchFamily="18" charset="0"/>
+                            </a:rPr>
+                            <m:t>𝑙𝑜</m:t>
+                          </m:r>
+                          <m:sSub>
+                            <m:sSubPr>
+                              <m:ctrlPr>
+                                <a:rPr lang="en-US" sz="1600" b="0" i="1" dirty="0" smtClean="0">
+                                  <a:latin typeface="Cambria Math" panose="02040503050406030204" pitchFamily="18" charset="0"/>
+                                  <a:ea typeface="Cambria Math" panose="02040503050406030204" pitchFamily="18" charset="0"/>
+                                </a:rPr>
+                              </m:ctrlPr>
+                            </m:sSubPr>
+                            <m:e>
+                              <m:r>
+                                <a:rPr lang="en-US" sz="1600" i="1" dirty="0" smtClean="0">
+                                  <a:latin typeface="Cambria Math" panose="02040503050406030204" pitchFamily="18" charset="0"/>
+                                  <a:ea typeface="Cambria Math" panose="02040503050406030204" pitchFamily="18" charset="0"/>
+                                </a:rPr>
+                                <m:t>𝑔</m:t>
+                              </m:r>
+                            </m:e>
+                            <m:sub>
+                              <m:r>
+                                <a:rPr lang="en-US" sz="1600" b="0" i="1" dirty="0" smtClean="0">
+                                  <a:latin typeface="Cambria Math" panose="02040503050406030204" pitchFamily="18" charset="0"/>
+                                  <a:ea typeface="Cambria Math" panose="02040503050406030204" pitchFamily="18" charset="0"/>
+                                </a:rPr>
+                                <m:t>10</m:t>
+                              </m:r>
+                            </m:sub>
+                          </m:sSub>
+                          <m:d>
+                            <m:dPr>
+                              <m:ctrlPr>
+                                <a:rPr lang="en-US" sz="1600" b="0" i="1" dirty="0" smtClean="0">
+                                  <a:latin typeface="Cambria Math" panose="02040503050406030204" pitchFamily="18" charset="0"/>
+                                  <a:ea typeface="Cambria Math" panose="02040503050406030204" pitchFamily="18" charset="0"/>
+                                </a:rPr>
+                              </m:ctrlPr>
+                            </m:dPr>
+                            <m:e>
+                              <m:r>
+                                <a:rPr lang="en-US" sz="1600" i="1" dirty="0">
+                                  <a:latin typeface="Cambria Math" panose="02040503050406030204" pitchFamily="18" charset="0"/>
+                                  <a:ea typeface="Cambria Math" panose="02040503050406030204" pitchFamily="18" charset="0"/>
+                                </a:rPr>
+                                <m:t>𝑝</m:t>
+                              </m:r>
+                              <m:r>
+                                <a:rPr lang="en-US" sz="1600" i="1" dirty="0">
+                                  <a:latin typeface="Cambria Math" panose="02040503050406030204" pitchFamily="18" charset="0"/>
+                                  <a:ea typeface="Cambria Math" panose="02040503050406030204" pitchFamily="18" charset="0"/>
+                                </a:rPr>
+                                <m:t>−</m:t>
+                              </m:r>
+                              <m:r>
+                                <a:rPr lang="en-US" sz="1600" i="1" dirty="0">
+                                  <a:latin typeface="Cambria Math" panose="02040503050406030204" pitchFamily="18" charset="0"/>
+                                  <a:ea typeface="Cambria Math" panose="02040503050406030204" pitchFamily="18" charset="0"/>
+                                </a:rPr>
+                                <m:t>𝑣𝑎𝑙𝑢𝑒</m:t>
+                              </m:r>
+                            </m:e>
+                          </m:d>
+                        </m:oMath>
+                      </m:oMathPara>
+                    </a14:m>
+                    <a:endParaRPr lang="en-US" sz="1600" b="0" dirty="0" smtClean="0">
+                      <a:latin typeface="Cambria Math" panose="02040503050406030204" pitchFamily="18" charset="0"/>
+                      <a:ea typeface="Cambria Math" panose="02040503050406030204" pitchFamily="18" charset="0"/>
+                    </a:endParaRPr>
+                  </a:p>
+                  <a:p>
+                    <a:pPr algn="ctr"/>
+                    <a:r>
+                      <a:rPr lang="en-US" sz="1600" dirty="0">
+                        <a:latin typeface="Cambria Math" panose="02040503050406030204" pitchFamily="18" charset="0"/>
+                        <a:ea typeface="Cambria Math" panose="02040503050406030204" pitchFamily="18" charset="0"/>
+                      </a:rPr>
+                      <a:t>H3K27ac</a:t>
+                    </a:r>
+                  </a:p>
+                </p:txBody>
+              </p:sp>
+            </mc:Choice>
+            <mc:Fallback>
+              <p:sp>
+                <p:nvSpPr>
+                  <p:cNvPr id="11" name="Rectangle 10"/>
+                  <p:cNvSpPr>
+                    <a:spLocks noRot="1" noChangeAspect="1" noMove="1" noResize="1" noEditPoints="1" noAdjustHandles="1" noChangeArrowheads="1" noChangeShapeType="1" noTextEdit="1"/>
+                  </p:cNvSpPr>
+                  <p:nvPr/>
+                </p:nvSpPr>
+                <p:spPr>
+                  <a:xfrm>
+                    <a:off x="579121" y="1689377"/>
+                    <a:ext cx="1910080" cy="584775"/>
+                  </a:xfrm>
+                  <a:prstGeom prst="rect">
+                    <a:avLst/>
+                  </a:prstGeom>
+                  <a:blipFill rotWithShape="0">
+                    <a:blip r:embed="rId4"/>
+                    <a:stretch>
+                      <a:fillRect b="-10204"/>
+                    </a:stretch>
+                  </a:blipFill>
+                  <a:ln>
+                    <a:solidFill>
+                      <a:schemeClr val="bg1"/>
+                    </a:solidFill>
+                  </a:ln>
+                </p:spPr>
+                <p:txBody>
+                  <a:bodyPr/>
+                  <a:lstStyle/>
+                  <a:p>
+                    <a:r>
+                      <a:rPr lang="en-US">
+                        <a:noFill/>
+                      </a:rPr>
+                      <a:t> </a:t>
+                    </a:r>
+                  </a:p>
+                </p:txBody>
+              </p:sp>
+            </mc:Fallback>
+          </mc:AlternateContent>
+          <mc:AlternateContent xmlns:mc="http://schemas.openxmlformats.org/markup-compatibility/2006">
+            <mc:Choice xmlns:a14="http://schemas.microsoft.com/office/drawing/2010/main" Requires="a14">
+              <p:sp>
+                <p:nvSpPr>
+                  <p:cNvPr id="12" name="Rectangle 11"/>
+                  <p:cNvSpPr/>
+                  <p:nvPr/>
+                </p:nvSpPr>
+                <p:spPr>
+                  <a:xfrm>
+                    <a:off x="1602273" y="5346069"/>
+                    <a:ext cx="879774" cy="338554"/>
+                  </a:xfrm>
+                  <a:prstGeom prst="rect">
+                    <a:avLst/>
+                  </a:prstGeom>
+                  <a:grpFill/>
+                  <a:ln>
+                    <a:solidFill>
+                      <a:schemeClr val="bg1"/>
+                    </a:solidFill>
+                  </a:ln>
+                </p:spPr>
+                <p:txBody>
+                  <a:bodyPr wrap="square">
+                    <a:spAutoFit/>
+                  </a:bodyPr>
+                  <a:lstStyle/>
+                  <a:p>
+                    <a:pPr algn="ctr"/>
+                    <a14:m>
+                      <m:oMathPara xmlns:m="http://schemas.openxmlformats.org/officeDocument/2006/math">
+                        <m:oMathParaPr>
+                          <m:jc m:val="centerGroup"/>
+                        </m:oMathParaPr>
+                        <m:oMath xmlns:m="http://schemas.openxmlformats.org/officeDocument/2006/math">
+                          <m:r>
+                            <a:rPr lang="en-US" sz="1600" b="0" i="1" dirty="0" smtClean="0">
+                              <a:latin typeface="Cambria Math" panose="02040503050406030204" pitchFamily="18" charset="0"/>
+                              <a:ea typeface="Cambria Math" panose="02040503050406030204" pitchFamily="18" charset="0"/>
+                            </a:rPr>
+                            <m:t>𝑃</m:t>
+                          </m:r>
+                          <m:d>
+                            <m:dPr>
+                              <m:ctrlPr>
+                                <a:rPr lang="en-US" sz="1600" b="0" i="1" dirty="0" smtClean="0">
+                                  <a:latin typeface="Cambria Math" panose="02040503050406030204" pitchFamily="18" charset="0"/>
+                                  <a:ea typeface="Cambria Math" panose="02040503050406030204" pitchFamily="18" charset="0"/>
+                                </a:rPr>
+                              </m:ctrlPr>
+                            </m:dPr>
+                            <m:e>
+                              <m:sSub>
+                                <m:sSubPr>
+                                  <m:ctrlPr>
+                                    <a:rPr lang="en-US" sz="1600" i="1" dirty="0">
+                                      <a:latin typeface="Cambria Math" panose="02040503050406030204" pitchFamily="18" charset="0"/>
+                                      <a:ea typeface="Cambria Math" panose="02040503050406030204" pitchFamily="18" charset="0"/>
+                                    </a:rPr>
+                                  </m:ctrlPr>
+                                </m:sSubPr>
+                                <m:e>
+                                  <m:r>
+                                    <a:rPr lang="en-US" sz="1600" i="1" dirty="0">
+                                      <a:latin typeface="Cambria Math" panose="02040503050406030204" pitchFamily="18" charset="0"/>
+                                      <a:ea typeface="Cambria Math" panose="02040503050406030204" pitchFamily="18" charset="0"/>
+                                    </a:rPr>
+                                    <m:t>𝑦</m:t>
+                                  </m:r>
+                                </m:e>
+                                <m:sub>
+                                  <m:r>
+                                    <a:rPr lang="en-US" sz="1600" i="1" dirty="0">
+                                      <a:latin typeface="Cambria Math" panose="02040503050406030204" pitchFamily="18" charset="0"/>
+                                      <a:ea typeface="Cambria Math" panose="02040503050406030204" pitchFamily="18" charset="0"/>
+                                    </a:rPr>
+                                    <m:t>𝑡</m:t>
+                                  </m:r>
+                                </m:sub>
+                              </m:sSub>
+                            </m:e>
+                            <m:e>
+                              <m:r>
+                                <a:rPr lang="en-US" sz="1600" b="0" i="1" dirty="0" smtClean="0">
+                                  <a:latin typeface="Cambria Math" panose="02040503050406030204" pitchFamily="18" charset="0"/>
+                                  <a:ea typeface="Cambria Math" panose="02040503050406030204" pitchFamily="18" charset="0"/>
+                                </a:rPr>
+                                <m:t>𝑋</m:t>
+                              </m:r>
+                            </m:e>
+                          </m:d>
+                          <m:r>
+                            <a:rPr lang="en-US" sz="1600" b="0" i="1" dirty="0" smtClean="0">
+                              <a:latin typeface="Cambria Math" panose="02040503050406030204" pitchFamily="18" charset="0"/>
+                              <a:ea typeface="Cambria Math" panose="02040503050406030204" pitchFamily="18" charset="0"/>
+                            </a:rPr>
+                            <m:t> </m:t>
+                          </m:r>
+                        </m:oMath>
+                      </m:oMathPara>
+                    </a14:m>
+                    <a:endParaRPr lang="en-US" sz="1600" dirty="0">
+                      <a:latin typeface="Cambria Math" panose="02040503050406030204" pitchFamily="18" charset="0"/>
+                      <a:ea typeface="Cambria Math" panose="02040503050406030204" pitchFamily="18" charset="0"/>
+                    </a:endParaRPr>
+                  </a:p>
+                </p:txBody>
+              </p:sp>
+            </mc:Choice>
+            <mc:Fallback>
+              <p:sp>
+                <p:nvSpPr>
+                  <p:cNvPr id="12" name="Rectangle 11"/>
+                  <p:cNvSpPr>
+                    <a:spLocks noRot="1" noChangeAspect="1" noMove="1" noResize="1" noEditPoints="1" noAdjustHandles="1" noChangeArrowheads="1" noChangeShapeType="1" noTextEdit="1"/>
+                  </p:cNvSpPr>
+                  <p:nvPr/>
+                </p:nvSpPr>
+                <p:spPr>
+                  <a:xfrm>
+                    <a:off x="1602273" y="5346069"/>
+                    <a:ext cx="879774" cy="338554"/>
+                  </a:xfrm>
+                  <a:prstGeom prst="rect">
+                    <a:avLst/>
+                  </a:prstGeom>
+                  <a:blipFill rotWithShape="0">
+                    <a:blip r:embed="rId5"/>
+                    <a:stretch>
+                      <a:fillRect l="-1370" b="-3509"/>
+                    </a:stretch>
+                  </a:blipFill>
+                  <a:ln>
+                    <a:solidFill>
+                      <a:schemeClr val="bg1"/>
+                    </a:solidFill>
+                  </a:ln>
+                </p:spPr>
+                <p:txBody>
+                  <a:bodyPr/>
+                  <a:lstStyle/>
+                  <a:p>
+                    <a:r>
+                      <a:rPr lang="en-US">
+                        <a:noFill/>
+                      </a:rPr>
+                      <a:t> </a:t>
+                    </a:r>
+                  </a:p>
+                </p:txBody>
+              </p:sp>
+            </mc:Fallback>
+          </mc:AlternateContent>
+          <p:sp>
+            <p:nvSpPr>
+              <p:cNvPr id="13" name="Rectangle 12"/>
+              <p:cNvSpPr/>
+              <p:nvPr/>
+            </p:nvSpPr>
+            <p:spPr>
+              <a:xfrm>
+                <a:off x="6402188" y="1164388"/>
+                <a:ext cx="1959492" cy="307777"/>
+              </a:xfrm>
+              <a:prstGeom prst="rect">
+                <a:avLst/>
+              </a:prstGeom>
+              <a:grpFill/>
+              <a:ln>
+                <a:solidFill>
+                  <a:schemeClr val="bg1"/>
+                </a:solidFill>
+              </a:ln>
+            </p:spPr>
+            <p:txBody>
+              <a:bodyPr wrap="square">
+                <a:spAutoFit/>
+              </a:bodyPr>
+              <a:lstStyle/>
+              <a:p>
+                <a:pPr algn="ctr"/>
+                <a:endParaRPr lang="en-US" sz="1400" dirty="0">
+                  <a:latin typeface="Cambria Math" panose="02040503050406030204" pitchFamily="18" charset="0"/>
+                  <a:ea typeface="Cambria Math" panose="02040503050406030204" pitchFamily="18" charset="0"/>
+                </a:endParaRPr>
+              </a:p>
+            </p:txBody>
+          </p:sp>
+          <p:sp>
+            <p:nvSpPr>
+              <p:cNvPr id="14" name="Rectangle 13"/>
+              <p:cNvSpPr/>
+              <p:nvPr/>
+            </p:nvSpPr>
+            <p:spPr>
+              <a:xfrm>
+                <a:off x="6290428" y="6356148"/>
+                <a:ext cx="2538612" cy="338554"/>
+              </a:xfrm>
+              <a:prstGeom prst="rect">
+                <a:avLst/>
+              </a:prstGeom>
+              <a:grpFill/>
+              <a:ln>
+                <a:solidFill>
+                  <a:schemeClr val="bg1"/>
+                </a:solidFill>
+              </a:ln>
+            </p:spPr>
+            <p:txBody>
+              <a:bodyPr wrap="square">
+                <a:spAutoFit/>
+              </a:bodyPr>
+              <a:lstStyle/>
+              <a:p>
+                <a:pPr algn="ctr"/>
+                <a:r>
+                  <a:rPr lang="en-US" sz="1600" dirty="0" smtClean="0">
+                    <a:latin typeface="Cambria Math" panose="02040503050406030204" pitchFamily="18" charset="0"/>
+                    <a:ea typeface="Cambria Math" panose="02040503050406030204" pitchFamily="18" charset="0"/>
+                  </a:rPr>
+                  <a:t>Position In DNA Sequence</a:t>
+                </a:r>
+                <a:endParaRPr lang="en-US" sz="1600" dirty="0">
+                  <a:latin typeface="Cambria Math" panose="02040503050406030204" pitchFamily="18" charset="0"/>
+                  <a:ea typeface="Cambria Math" panose="02040503050406030204" pitchFamily="18" charset="0"/>
+                </a:endParaRPr>
+              </a:p>
+            </p:txBody>
+          </p:sp>
+          <p:sp>
+            <p:nvSpPr>
+              <p:cNvPr id="16" name="Rectangle 15"/>
+              <p:cNvSpPr/>
+              <p:nvPr/>
+            </p:nvSpPr>
+            <p:spPr>
+              <a:xfrm>
+                <a:off x="12115800" y="1592580"/>
+                <a:ext cx="1264920" cy="4663440"/>
+              </a:xfrm>
+              <a:prstGeom prst="rect">
+                <a:avLst/>
+              </a:prstGeom>
+              <a:grpFill/>
+              <a:ln>
+                <a:solidFill>
+                  <a:schemeClr val="bg1"/>
+                </a:solidFill>
+              </a:ln>
+            </p:spPr>
+            <p:style>
+              <a:lnRef idx="2">
+                <a:schemeClr val="accent1">
+                  <a:shade val="50000"/>
+                </a:schemeClr>
+              </a:lnRef>
+              <a:fillRef idx="1">
+                <a:schemeClr val="accent1"/>
+              </a:fillRef>
+              <a:effectRef idx="0">
+                <a:schemeClr val="accent1"/>
+              </a:effectRef>
+              <a:fontRef idx="minor">
+                <a:schemeClr val="lt1"/>
+              </a:fontRef>
+            </p:style>
+            <p:txBody>
+              <a:bodyPr rtlCol="0" anchor="ctr"/>
+              <a:lstStyle/>
+              <a:p>
+                <a:pPr algn="ctr"/>
+                <a:endParaRPr lang="en-US" dirty="0"/>
+              </a:p>
+            </p:txBody>
+          </p:sp>
+          <p:sp>
+            <p:nvSpPr>
+              <p:cNvPr id="17" name="Rectangle 16"/>
+              <p:cNvSpPr/>
+              <p:nvPr/>
+            </p:nvSpPr>
+            <p:spPr>
+              <a:xfrm>
+                <a:off x="1253826" y="5943600"/>
+                <a:ext cx="1234103" cy="307777"/>
+              </a:xfrm>
+              <a:prstGeom prst="rect">
+                <a:avLst/>
+              </a:prstGeom>
+              <a:grpFill/>
+              <a:ln>
+                <a:solidFill>
+                  <a:schemeClr val="bg1"/>
+                </a:solidFill>
+              </a:ln>
+            </p:spPr>
+            <p:txBody>
+              <a:bodyPr wrap="square">
+                <a:spAutoFit/>
+              </a:bodyPr>
+              <a:lstStyle/>
+              <a:p>
+                <a:pPr algn="ctr"/>
+                <a:r>
+                  <a:rPr lang="en-US" sz="1400" dirty="0" smtClean="0">
+                    <a:latin typeface="Cambria Math" panose="02040503050406030204" pitchFamily="18" charset="0"/>
+                    <a:ea typeface="Cambria Math" panose="02040503050406030204" pitchFamily="18" charset="0"/>
+                  </a:rPr>
+                  <a:t>Viterbi Path</a:t>
+                </a:r>
+                <a:endParaRPr lang="en-US" sz="1400" dirty="0">
+                  <a:latin typeface="Cambria Math" panose="02040503050406030204" pitchFamily="18" charset="0"/>
+                  <a:ea typeface="Cambria Math" panose="02040503050406030204" pitchFamily="18" charset="0"/>
+                </a:endParaRPr>
+              </a:p>
+            </p:txBody>
+          </p:sp>
+        </p:grpSp>
+        <p:grpSp>
+          <p:nvGrpSpPr>
+            <p:cNvPr id="18" name="Group 17"/>
+            <p:cNvGrpSpPr/>
+            <p:nvPr/>
+          </p:nvGrpSpPr>
+          <p:grpSpPr>
+            <a:xfrm>
+              <a:off x="2136834" y="-36413"/>
+              <a:ext cx="6739771" cy="861774"/>
+              <a:chOff x="1398389" y="85189"/>
+              <a:chExt cx="6739771" cy="861774"/>
+            </a:xfrm>
+            <a:grpFill/>
+          </p:grpSpPr>
+          <p:sp>
+            <p:nvSpPr>
+              <p:cNvPr id="6" name="Rectangle 5"/>
+              <p:cNvSpPr/>
+              <p:nvPr/>
+            </p:nvSpPr>
+            <p:spPr>
+              <a:xfrm>
+                <a:off x="2042160" y="85189"/>
+                <a:ext cx="6096000" cy="861774"/>
+              </a:xfrm>
+              <a:prstGeom prst="rect">
+                <a:avLst/>
+              </a:prstGeom>
+              <a:noFill/>
+              <a:ln>
+                <a:solidFill>
+                  <a:schemeClr val="bg1"/>
+                </a:solidFill>
+              </a:ln>
+            </p:spPr>
+            <p:txBody>
+              <a:bodyPr>
+                <a:spAutoFit/>
+              </a:bodyPr>
+              <a:lstStyle/>
+              <a:p>
+                <a:r>
+                  <a:rPr lang="en-US" sz="1600" dirty="0" smtClean="0">
+                    <a:latin typeface="Cambria Math" panose="02040503050406030204" pitchFamily="18" charset="0"/>
+                    <a:ea typeface="Cambria Math" panose="02040503050406030204" pitchFamily="18" charset="0"/>
+                  </a:rPr>
+                  <a:t>H1 </a:t>
+                </a:r>
+                <a:r>
+                  <a:rPr lang="en-US" sz="1600" dirty="0">
+                    <a:latin typeface="Cambria Math" panose="02040503050406030204" pitchFamily="18" charset="0"/>
+                    <a:ea typeface="Cambria Math" panose="02040503050406030204" pitchFamily="18" charset="0"/>
+                  </a:rPr>
+                  <a:t>BMP4 Derived </a:t>
+                </a:r>
+                <a:r>
+                  <a:rPr lang="en-US" sz="1600" dirty="0" err="1" smtClean="0">
+                    <a:latin typeface="Cambria Math" panose="02040503050406030204" pitchFamily="18" charset="0"/>
+                    <a:ea typeface="Cambria Math" panose="02040503050406030204" pitchFamily="18" charset="0"/>
+                  </a:rPr>
+                  <a:t>Mesendoderm</a:t>
+                </a:r>
+                <a:r>
+                  <a:rPr lang="en-US" sz="1600" dirty="0" smtClean="0">
+                    <a:latin typeface="Cambria Math" panose="02040503050406030204" pitchFamily="18" charset="0"/>
+                    <a:ea typeface="Cambria Math" panose="02040503050406030204" pitchFamily="18" charset="0"/>
+                  </a:rPr>
+                  <a:t> </a:t>
+                </a:r>
+                <a:r>
+                  <a:rPr lang="en-US" sz="1600" dirty="0">
+                    <a:latin typeface="Cambria Math" panose="02040503050406030204" pitchFamily="18" charset="0"/>
+                    <a:ea typeface="Cambria Math" panose="02040503050406030204" pitchFamily="18" charset="0"/>
+                  </a:rPr>
+                  <a:t>Cultured </a:t>
+                </a:r>
+                <a:r>
+                  <a:rPr lang="en-US" sz="1600" dirty="0" smtClean="0">
+                    <a:latin typeface="Cambria Math" panose="02040503050406030204" pitchFamily="18" charset="0"/>
+                    <a:ea typeface="Cambria Math" panose="02040503050406030204" pitchFamily="18" charset="0"/>
+                  </a:rPr>
+                  <a:t>Cells (E004) </a:t>
+                </a:r>
+                <a:endParaRPr lang="en-US" sz="1600" dirty="0">
+                  <a:latin typeface="Cambria Math" panose="02040503050406030204" pitchFamily="18" charset="0"/>
+                  <a:ea typeface="Cambria Math" panose="02040503050406030204" pitchFamily="18" charset="0"/>
+                </a:endParaRPr>
+              </a:p>
+              <a:p>
+                <a:r>
+                  <a:rPr lang="en-US" sz="1600" dirty="0" smtClean="0">
+                    <a:latin typeface="Cambria Math" panose="02040503050406030204" pitchFamily="18" charset="0"/>
+                    <a:ea typeface="Cambria Math" panose="02040503050406030204" pitchFamily="18" charset="0"/>
+                  </a:rPr>
+                  <a:t>Fetal </a:t>
+                </a:r>
+                <a:r>
+                  <a:rPr lang="en-US" sz="1600" dirty="0">
+                    <a:latin typeface="Cambria Math" panose="02040503050406030204" pitchFamily="18" charset="0"/>
+                    <a:ea typeface="Cambria Math" panose="02040503050406030204" pitchFamily="18" charset="0"/>
+                  </a:rPr>
+                  <a:t>Adrenal </a:t>
+                </a:r>
+                <a:r>
+                  <a:rPr lang="en-US" sz="1600" dirty="0" smtClean="0">
+                    <a:latin typeface="Cambria Math" panose="02040503050406030204" pitchFamily="18" charset="0"/>
+                    <a:ea typeface="Cambria Math" panose="02040503050406030204" pitchFamily="18" charset="0"/>
+                  </a:rPr>
+                  <a:t>Gland (E080)</a:t>
+                </a:r>
+              </a:p>
+              <a:p>
+                <a:r>
+                  <a:rPr lang="en-US" sz="1600" dirty="0" smtClean="0">
+                    <a:latin typeface="Cambria Math" panose="02040503050406030204" pitchFamily="18" charset="0"/>
+                    <a:ea typeface="Cambria Math" panose="02040503050406030204" pitchFamily="18" charset="0"/>
+                  </a:rPr>
+                  <a:t>Background</a:t>
+                </a:r>
+                <a:endParaRPr lang="en-US" sz="1600" dirty="0">
+                  <a:latin typeface="Cambria Math" panose="02040503050406030204" pitchFamily="18" charset="0"/>
+                  <a:ea typeface="Cambria Math" panose="02040503050406030204" pitchFamily="18" charset="0"/>
+                </a:endParaRPr>
+              </a:p>
+            </p:txBody>
+          </p:sp>
+          <p:pic>
+            <p:nvPicPr>
+              <p:cNvPr id="7" name="Picture 6"/>
+              <p:cNvPicPr>
+                <a:picLocks noChangeAspect="1"/>
+              </p:cNvPicPr>
+              <p:nvPr/>
+            </p:nvPicPr>
+            <p:blipFill rotWithShape="1">
+              <a:blip r:embed="rId6">
+                <a:extLst>
+                  <a:ext uri="{BEBA8EAE-BF5A-486C-A8C5-ECC9F3942E4B}">
+                    <a14:imgProps xmlns:a14="http://schemas.microsoft.com/office/drawing/2010/main">
+                      <a14:imgLayer r:embed="rId7">
+                        <a14:imgEffect>
+                          <a14:sharpenSoften amount="17000"/>
+                        </a14:imgEffect>
+                      </a14:imgLayer>
+                    </a14:imgProps>
+                  </a:ext>
+                  <a:ext uri="{28A0092B-C50C-407E-A947-70E740481C1C}">
+                    <a14:useLocalDpi xmlns:a14="http://schemas.microsoft.com/office/drawing/2010/main" val="0"/>
+                  </a:ext>
+                </a:extLst>
+              </a:blip>
+              <a:srcRect l="90822" t="4241" r="6321" b="89231"/>
+              <a:stretch/>
+            </p:blipFill>
+            <p:spPr>
+              <a:xfrm>
+                <a:off x="1398389" y="156325"/>
+                <a:ext cx="664091" cy="739821"/>
+              </a:xfrm>
+              <a:prstGeom prst="rect">
+                <a:avLst/>
+              </a:prstGeom>
+              <a:grpFill/>
+              <a:ln>
+                <a:solidFill>
+                  <a:schemeClr val="bg1"/>
+                </a:solidFill>
+              </a:ln>
+            </p:spPr>
+          </p:pic>
+        </p:grpSp>
+      </p:grpSp>
+    </p:spTree>
+    <p:extLst>
+      <p:ext uri="{BB962C8B-B14F-4D97-AF65-F5344CB8AC3E}">
+        <p14:creationId xmlns:p14="http://schemas.microsoft.com/office/powerpoint/2010/main" val="3945575488"/>
+      </p:ext>
+    </p:extLst>
+  </p:cSld>
+  <p:clrMapOvr>
+    <a:masterClrMapping/>
+  </p:clrMapOvr>
+  <p:timing>
+    <p:tnLst>
+      <p:par>
+        <p:cTn id="1" dur="indefinite" restart="never" nodeType="tmRoot"/>
+      </p:par>
+    </p:tnLst>
+  </p:timing>
+</p:sld>
+</file>
+
+<file path=ppt/slides/slide13.xml><?xml version="1.0" encoding="utf-8"?>
+<p:sld xmlns:a="http://schemas.openxmlformats.org/drawingml/2006/main" xmlns:r="http://schemas.openxmlformats.org/officeDocument/2006/relationships" xmlns:p="http://schemas.openxmlformats.org/presentationml/2006/main">
+  <p:cSld>
+    <p:spTree>
+      <p:nvGrpSpPr>
+        <p:cNvPr id="1" name=""/>
+        <p:cNvGrpSpPr/>
+        <p:nvPr/>
+      </p:nvGrpSpPr>
+      <p:grpSpPr>
+        <a:xfrm>
+          <a:off x="0" y="0"/>
+          <a:ext cx="0" cy="0"/>
+          <a:chOff x="0" y="0"/>
+          <a:chExt cx="0" cy="0"/>
+        </a:xfrm>
+      </p:grpSpPr>
+      <p:grpSp>
+        <p:nvGrpSpPr>
+          <p:cNvPr id="20" name="Group 19"/>
+          <p:cNvGrpSpPr/>
+          <p:nvPr/>
+        </p:nvGrpSpPr>
+        <p:grpSpPr>
+          <a:xfrm>
+            <a:off x="0" y="370306"/>
+            <a:ext cx="13441678" cy="5963182"/>
+            <a:chOff x="-335280" y="-444207"/>
+            <a:chExt cx="13441678" cy="5963182"/>
+          </a:xfrm>
+          <a:solidFill>
+            <a:schemeClr val="bg1"/>
+          </a:solidFill>
+        </p:grpSpPr>
+        <p:grpSp>
+          <p:nvGrpSpPr>
+            <p:cNvPr id="19" name="Group 18"/>
+            <p:cNvGrpSpPr/>
+            <p:nvPr/>
+          </p:nvGrpSpPr>
+          <p:grpSpPr>
+            <a:xfrm>
+              <a:off x="-335280" y="-444207"/>
+              <a:ext cx="13441678" cy="5963182"/>
+              <a:chOff x="579121" y="731520"/>
+              <a:chExt cx="13441678" cy="5963182"/>
+            </a:xfrm>
+            <a:grpFill/>
+          </p:grpSpPr>
+          <p:sp>
+            <p:nvSpPr>
+              <p:cNvPr id="5" name="Rectangle 4"/>
+              <p:cNvSpPr/>
+              <p:nvPr/>
+            </p:nvSpPr>
+            <p:spPr>
+              <a:xfrm>
+                <a:off x="5265420" y="731520"/>
+                <a:ext cx="2004060" cy="259080"/>
+              </a:xfrm>
+              <a:prstGeom prst="rect">
+                <a:avLst/>
+              </a:prstGeom>
+              <a:grpFill/>
+              <a:ln>
+                <a:solidFill>
+                  <a:schemeClr val="bg1"/>
+                </a:solidFill>
+              </a:ln>
+            </p:spPr>
+            <p:style>
+              <a:lnRef idx="2">
+                <a:schemeClr val="accent1">
+                  <a:shade val="50000"/>
+                </a:schemeClr>
+              </a:lnRef>
+              <a:fillRef idx="1">
+                <a:schemeClr val="accent1"/>
+              </a:fillRef>
+              <a:effectRef idx="0">
+                <a:schemeClr val="accent1"/>
+              </a:effectRef>
+              <a:fontRef idx="minor">
+                <a:schemeClr val="lt1"/>
+              </a:fontRef>
+            </p:style>
+            <p:txBody>
+              <a:bodyPr rtlCol="0" anchor="ctr"/>
+              <a:lstStyle/>
+              <a:p>
+                <a:pPr algn="ctr"/>
+                <a:endParaRPr lang="en-US" dirty="0"/>
+              </a:p>
+            </p:txBody>
+          </p:sp>
+          <p:sp>
+            <p:nvSpPr>
+              <p:cNvPr id="9" name="Rectangle 8"/>
+              <p:cNvSpPr/>
+              <p:nvPr/>
+            </p:nvSpPr>
+            <p:spPr>
+              <a:xfrm>
+                <a:off x="11575930" y="861060"/>
+                <a:ext cx="2444869" cy="828317"/>
+              </a:xfrm>
+              <a:prstGeom prst="rect">
+                <a:avLst/>
+              </a:prstGeom>
+              <a:grpFill/>
+              <a:ln>
+                <a:solidFill>
+                  <a:schemeClr val="bg1"/>
+                </a:solidFill>
+              </a:ln>
+            </p:spPr>
+            <p:txBody>
+              <a:bodyPr wrap="square">
+                <a:spAutoFit/>
+              </a:bodyPr>
+              <a:lstStyle/>
+              <a:p>
+                <a:endParaRPr lang="en-US" sz="1600" dirty="0">
+                  <a:latin typeface="Cambria Math" panose="02040503050406030204" pitchFamily="18" charset="0"/>
+                  <a:ea typeface="Cambria Math" panose="02040503050406030204" pitchFamily="18" charset="0"/>
+                </a:endParaRPr>
+              </a:p>
+            </p:txBody>
+          </p:sp>
+          <mc:AlternateContent xmlns:mc="http://schemas.openxmlformats.org/markup-compatibility/2006">
+            <mc:Choice xmlns:a14="http://schemas.microsoft.com/office/drawing/2010/main" Requires="a14">
+              <p:sp>
+                <p:nvSpPr>
+                  <p:cNvPr id="8" name="Rectangle 7"/>
+                  <p:cNvSpPr/>
+                  <p:nvPr/>
+                </p:nvSpPr>
+                <p:spPr>
+                  <a:xfrm>
+                    <a:off x="579121" y="3429000"/>
+                    <a:ext cx="1910080" cy="584775"/>
+                  </a:xfrm>
+                  <a:prstGeom prst="rect">
+                    <a:avLst/>
+                  </a:prstGeom>
+                  <a:grpFill/>
+                  <a:ln>
+                    <a:solidFill>
+                      <a:schemeClr val="bg1"/>
+                    </a:solidFill>
+                  </a:ln>
+                </p:spPr>
+                <p:txBody>
+                  <a:bodyPr wrap="square">
+                    <a:spAutoFit/>
+                  </a:bodyPr>
+                  <a:lstStyle/>
+                  <a:p>
+                    <a:pPr algn="ctr"/>
+                    <a14:m>
+                      <m:oMathPara xmlns:m="http://schemas.openxmlformats.org/officeDocument/2006/math">
+                        <m:oMathParaPr>
+                          <m:jc m:val="centerGroup"/>
+                        </m:oMathParaPr>
+                        <m:oMath xmlns:m="http://schemas.openxmlformats.org/officeDocument/2006/math">
+                          <m:r>
+                            <a:rPr lang="en-US" sz="1600" b="0" i="1" dirty="0" smtClean="0">
+                              <a:latin typeface="Cambria Math" panose="02040503050406030204" pitchFamily="18" charset="0"/>
+                              <a:ea typeface="Cambria Math" panose="02040503050406030204" pitchFamily="18" charset="0"/>
+                            </a:rPr>
+                            <m:t>−</m:t>
+                          </m:r>
+                          <m:r>
+                            <a:rPr lang="en-US" sz="1600" b="0" i="1" dirty="0" smtClean="0">
+                              <a:latin typeface="Cambria Math" panose="02040503050406030204" pitchFamily="18" charset="0"/>
+                              <a:ea typeface="Cambria Math" panose="02040503050406030204" pitchFamily="18" charset="0"/>
+                            </a:rPr>
+                            <m:t>𝑙𝑜</m:t>
+                          </m:r>
+                          <m:sSub>
+                            <m:sSubPr>
+                              <m:ctrlPr>
+                                <a:rPr lang="en-US" sz="1600" b="0" i="1" dirty="0" smtClean="0">
+                                  <a:latin typeface="Cambria Math" panose="02040503050406030204" pitchFamily="18" charset="0"/>
+                                  <a:ea typeface="Cambria Math" panose="02040503050406030204" pitchFamily="18" charset="0"/>
+                                </a:rPr>
+                              </m:ctrlPr>
+                            </m:sSubPr>
+                            <m:e>
+                              <m:r>
+                                <a:rPr lang="en-US" sz="1600" i="1" dirty="0" smtClean="0">
+                                  <a:latin typeface="Cambria Math" panose="02040503050406030204" pitchFamily="18" charset="0"/>
+                                  <a:ea typeface="Cambria Math" panose="02040503050406030204" pitchFamily="18" charset="0"/>
+                                </a:rPr>
+                                <m:t>𝑔</m:t>
+                              </m:r>
+                            </m:e>
+                            <m:sub>
+                              <m:r>
+                                <a:rPr lang="en-US" sz="1600" b="0" i="1" dirty="0" smtClean="0">
+                                  <a:latin typeface="Cambria Math" panose="02040503050406030204" pitchFamily="18" charset="0"/>
+                                  <a:ea typeface="Cambria Math" panose="02040503050406030204" pitchFamily="18" charset="0"/>
+                                </a:rPr>
+                                <m:t>10</m:t>
+                              </m:r>
+                            </m:sub>
+                          </m:sSub>
+                          <m:d>
+                            <m:dPr>
+                              <m:ctrlPr>
+                                <a:rPr lang="en-US" sz="1600" b="0" i="1" dirty="0" smtClean="0">
+                                  <a:latin typeface="Cambria Math" panose="02040503050406030204" pitchFamily="18" charset="0"/>
+                                  <a:ea typeface="Cambria Math" panose="02040503050406030204" pitchFamily="18" charset="0"/>
+                                </a:rPr>
+                              </m:ctrlPr>
+                            </m:dPr>
+                            <m:e>
+                              <m:r>
+                                <a:rPr lang="en-US" sz="1600" b="0" i="1" dirty="0" smtClean="0">
+                                  <a:latin typeface="Cambria Math" panose="02040503050406030204" pitchFamily="18" charset="0"/>
+                                  <a:ea typeface="Cambria Math" panose="02040503050406030204" pitchFamily="18" charset="0"/>
+                                </a:rPr>
+                                <m:t>𝑝</m:t>
+                              </m:r>
+                              <m:r>
+                                <a:rPr lang="en-US" sz="1600" b="0" i="1" dirty="0" smtClean="0">
+                                  <a:latin typeface="Cambria Math" panose="02040503050406030204" pitchFamily="18" charset="0"/>
+                                  <a:ea typeface="Cambria Math" panose="02040503050406030204" pitchFamily="18" charset="0"/>
+                                </a:rPr>
+                                <m:t>−</m:t>
+                              </m:r>
+                              <m:r>
+                                <a:rPr lang="en-US" sz="1600" b="0" i="1" dirty="0" smtClean="0">
+                                  <a:latin typeface="Cambria Math" panose="02040503050406030204" pitchFamily="18" charset="0"/>
+                                  <a:ea typeface="Cambria Math" panose="02040503050406030204" pitchFamily="18" charset="0"/>
+                                </a:rPr>
+                                <m:t>𝑣𝑎𝑙𝑢𝑒</m:t>
+                              </m:r>
+                            </m:e>
+                          </m:d>
+                        </m:oMath>
+                      </m:oMathPara>
+                    </a14:m>
+                    <a:endParaRPr lang="en-US" sz="1600" b="0" dirty="0" smtClean="0">
+                      <a:latin typeface="Cambria Math" panose="02040503050406030204" pitchFamily="18" charset="0"/>
+                      <a:ea typeface="Cambria Math" panose="02040503050406030204" pitchFamily="18" charset="0"/>
+                    </a:endParaRPr>
+                  </a:p>
+                  <a:p>
+                    <a:pPr algn="ctr"/>
+                    <a:r>
+                      <a:rPr lang="en-US" sz="1600" dirty="0" smtClean="0">
+                        <a:latin typeface="Cambria Math" panose="02040503050406030204" pitchFamily="18" charset="0"/>
+                        <a:ea typeface="Cambria Math" panose="02040503050406030204" pitchFamily="18" charset="0"/>
+                      </a:rPr>
+                      <a:t>DNase</a:t>
+                    </a:r>
+                    <a:endParaRPr lang="en-US" sz="1600" dirty="0">
+                      <a:latin typeface="Cambria Math" panose="02040503050406030204" pitchFamily="18" charset="0"/>
+                      <a:ea typeface="Cambria Math" panose="02040503050406030204" pitchFamily="18" charset="0"/>
+                    </a:endParaRPr>
+                  </a:p>
+                </p:txBody>
+              </p:sp>
+            </mc:Choice>
+            <mc:Fallback>
+              <p:sp>
+                <p:nvSpPr>
+                  <p:cNvPr id="8" name="Rectangle 7"/>
+                  <p:cNvSpPr>
+                    <a:spLocks noRot="1" noChangeAspect="1" noMove="1" noResize="1" noEditPoints="1" noAdjustHandles="1" noChangeArrowheads="1" noChangeShapeType="1" noTextEdit="1"/>
+                  </p:cNvSpPr>
+                  <p:nvPr/>
+                </p:nvSpPr>
+                <p:spPr>
+                  <a:xfrm>
+                    <a:off x="579121" y="3429000"/>
+                    <a:ext cx="1910080" cy="584775"/>
+                  </a:xfrm>
+                  <a:prstGeom prst="rect">
+                    <a:avLst/>
+                  </a:prstGeom>
+                  <a:blipFill rotWithShape="0">
+                    <a:blip r:embed="rId2"/>
+                    <a:stretch>
+                      <a:fillRect b="-10204"/>
+                    </a:stretch>
+                  </a:blipFill>
+                  <a:ln>
+                    <a:solidFill>
+                      <a:schemeClr val="bg1"/>
+                    </a:solidFill>
+                  </a:ln>
+                </p:spPr>
+                <p:txBody>
+                  <a:bodyPr/>
+                  <a:lstStyle/>
+                  <a:p>
+                    <a:r>
+                      <a:rPr lang="en-US">
+                        <a:noFill/>
+                      </a:rPr>
+                      <a:t> </a:t>
+                    </a:r>
+                  </a:p>
+                </p:txBody>
+              </p:sp>
+            </mc:Fallback>
+          </mc:AlternateContent>
+          <mc:AlternateContent xmlns:mc="http://schemas.openxmlformats.org/markup-compatibility/2006">
+            <mc:Choice xmlns:a14="http://schemas.microsoft.com/office/drawing/2010/main" Requires="a14">
+              <p:sp>
+                <p:nvSpPr>
+                  <p:cNvPr id="11" name="Rectangle 10"/>
+                  <p:cNvSpPr/>
+                  <p:nvPr/>
+                </p:nvSpPr>
+                <p:spPr>
+                  <a:xfrm>
+                    <a:off x="579121" y="1689377"/>
+                    <a:ext cx="1910080" cy="584775"/>
+                  </a:xfrm>
+                  <a:prstGeom prst="rect">
+                    <a:avLst/>
+                  </a:prstGeom>
+                  <a:grpFill/>
+                  <a:ln>
+                    <a:solidFill>
+                      <a:schemeClr val="bg1"/>
+                    </a:solidFill>
+                  </a:ln>
+                </p:spPr>
+                <p:txBody>
+                  <a:bodyPr wrap="square">
+                    <a:spAutoFit/>
+                  </a:bodyPr>
+                  <a:lstStyle/>
+                  <a:p>
+                    <a:pPr algn="ctr"/>
+                    <a14:m>
+                      <m:oMathPara xmlns:m="http://schemas.openxmlformats.org/officeDocument/2006/math">
+                        <m:oMathParaPr>
+                          <m:jc m:val="centerGroup"/>
+                        </m:oMathParaPr>
+                        <m:oMath xmlns:m="http://schemas.openxmlformats.org/officeDocument/2006/math">
+                          <m:r>
+                            <a:rPr lang="en-US" sz="1600" b="0" i="1" dirty="0" smtClean="0">
+                              <a:latin typeface="Cambria Math" panose="02040503050406030204" pitchFamily="18" charset="0"/>
+                              <a:ea typeface="Cambria Math" panose="02040503050406030204" pitchFamily="18" charset="0"/>
+                            </a:rPr>
+                            <m:t>−</m:t>
+                          </m:r>
+                          <m:r>
+                            <a:rPr lang="en-US" sz="1600" b="0" i="1" dirty="0" smtClean="0">
+                              <a:latin typeface="Cambria Math" panose="02040503050406030204" pitchFamily="18" charset="0"/>
+                              <a:ea typeface="Cambria Math" panose="02040503050406030204" pitchFamily="18" charset="0"/>
+                            </a:rPr>
+                            <m:t>𝑙𝑜</m:t>
+                          </m:r>
+                          <m:sSub>
+                            <m:sSubPr>
+                              <m:ctrlPr>
+                                <a:rPr lang="en-US" sz="1600" b="0" i="1" dirty="0" smtClean="0">
+                                  <a:latin typeface="Cambria Math" panose="02040503050406030204" pitchFamily="18" charset="0"/>
+                                  <a:ea typeface="Cambria Math" panose="02040503050406030204" pitchFamily="18" charset="0"/>
+                                </a:rPr>
+                              </m:ctrlPr>
+                            </m:sSubPr>
+                            <m:e>
+                              <m:r>
+                                <a:rPr lang="en-US" sz="1600" i="1" dirty="0" smtClean="0">
+                                  <a:latin typeface="Cambria Math" panose="02040503050406030204" pitchFamily="18" charset="0"/>
+                                  <a:ea typeface="Cambria Math" panose="02040503050406030204" pitchFamily="18" charset="0"/>
+                                </a:rPr>
+                                <m:t>𝑔</m:t>
+                              </m:r>
+                            </m:e>
+                            <m:sub>
+                              <m:r>
+                                <a:rPr lang="en-US" sz="1600" b="0" i="1" dirty="0" smtClean="0">
+                                  <a:latin typeface="Cambria Math" panose="02040503050406030204" pitchFamily="18" charset="0"/>
+                                  <a:ea typeface="Cambria Math" panose="02040503050406030204" pitchFamily="18" charset="0"/>
+                                </a:rPr>
+                                <m:t>10</m:t>
+                              </m:r>
+                            </m:sub>
+                          </m:sSub>
+                          <m:d>
+                            <m:dPr>
+                              <m:ctrlPr>
+                                <a:rPr lang="en-US" sz="1600" b="0" i="1" dirty="0" smtClean="0">
+                                  <a:latin typeface="Cambria Math" panose="02040503050406030204" pitchFamily="18" charset="0"/>
+                                  <a:ea typeface="Cambria Math" panose="02040503050406030204" pitchFamily="18" charset="0"/>
+                                </a:rPr>
+                              </m:ctrlPr>
+                            </m:dPr>
+                            <m:e>
+                              <m:r>
+                                <a:rPr lang="en-US" sz="1600" i="1" dirty="0">
+                                  <a:latin typeface="Cambria Math" panose="02040503050406030204" pitchFamily="18" charset="0"/>
+                                  <a:ea typeface="Cambria Math" panose="02040503050406030204" pitchFamily="18" charset="0"/>
+                                </a:rPr>
+                                <m:t>𝑝</m:t>
+                              </m:r>
+                              <m:r>
+                                <a:rPr lang="en-US" sz="1600" i="1" dirty="0">
+                                  <a:latin typeface="Cambria Math" panose="02040503050406030204" pitchFamily="18" charset="0"/>
+                                  <a:ea typeface="Cambria Math" panose="02040503050406030204" pitchFamily="18" charset="0"/>
+                                </a:rPr>
+                                <m:t>−</m:t>
+                              </m:r>
+                              <m:r>
+                                <a:rPr lang="en-US" sz="1600" i="1" dirty="0">
+                                  <a:latin typeface="Cambria Math" panose="02040503050406030204" pitchFamily="18" charset="0"/>
+                                  <a:ea typeface="Cambria Math" panose="02040503050406030204" pitchFamily="18" charset="0"/>
+                                </a:rPr>
+                                <m:t>𝑣𝑎𝑙𝑢𝑒</m:t>
+                              </m:r>
+                            </m:e>
+                          </m:d>
+                        </m:oMath>
+                      </m:oMathPara>
+                    </a14:m>
+                    <a:endParaRPr lang="en-US" sz="1600" b="0" dirty="0" smtClean="0">
+                      <a:latin typeface="Cambria Math" panose="02040503050406030204" pitchFamily="18" charset="0"/>
+                      <a:ea typeface="Cambria Math" panose="02040503050406030204" pitchFamily="18" charset="0"/>
+                    </a:endParaRPr>
+                  </a:p>
+                  <a:p>
+                    <a:pPr algn="ctr"/>
+                    <a:r>
+                      <a:rPr lang="en-US" sz="1600" dirty="0">
+                        <a:latin typeface="Cambria Math" panose="02040503050406030204" pitchFamily="18" charset="0"/>
+                        <a:ea typeface="Cambria Math" panose="02040503050406030204" pitchFamily="18" charset="0"/>
+                      </a:rPr>
+                      <a:t>H3K27ac</a:t>
+                    </a:r>
+                  </a:p>
+                </p:txBody>
+              </p:sp>
+            </mc:Choice>
+            <mc:Fallback>
+              <p:sp>
+                <p:nvSpPr>
+                  <p:cNvPr id="11" name="Rectangle 10"/>
+                  <p:cNvSpPr>
+                    <a:spLocks noRot="1" noChangeAspect="1" noMove="1" noResize="1" noEditPoints="1" noAdjustHandles="1" noChangeArrowheads="1" noChangeShapeType="1" noTextEdit="1"/>
+                  </p:cNvSpPr>
+                  <p:nvPr/>
+                </p:nvSpPr>
+                <p:spPr>
+                  <a:xfrm>
+                    <a:off x="579121" y="1689377"/>
+                    <a:ext cx="1910080" cy="584775"/>
+                  </a:xfrm>
+                  <a:prstGeom prst="rect">
+                    <a:avLst/>
+                  </a:prstGeom>
+                  <a:blipFill rotWithShape="0">
+                    <a:blip r:embed="rId3"/>
+                    <a:stretch>
+                      <a:fillRect b="-10204"/>
+                    </a:stretch>
+                  </a:blipFill>
+                  <a:ln>
+                    <a:solidFill>
+                      <a:schemeClr val="bg1"/>
+                    </a:solidFill>
+                  </a:ln>
+                </p:spPr>
+                <p:txBody>
+                  <a:bodyPr/>
+                  <a:lstStyle/>
+                  <a:p>
+                    <a:r>
+                      <a:rPr lang="en-US">
+                        <a:noFill/>
+                      </a:rPr>
+                      <a:t> </a:t>
+                    </a:r>
+                  </a:p>
+                </p:txBody>
+              </p:sp>
+            </mc:Fallback>
+          </mc:AlternateContent>
+          <mc:AlternateContent xmlns:mc="http://schemas.openxmlformats.org/markup-compatibility/2006">
+            <mc:Choice xmlns:a14="http://schemas.microsoft.com/office/drawing/2010/main" Requires="a14">
+              <p:sp>
+                <p:nvSpPr>
+                  <p:cNvPr id="12" name="Rectangle 11"/>
+                  <p:cNvSpPr/>
+                  <p:nvPr/>
+                </p:nvSpPr>
+                <p:spPr>
+                  <a:xfrm>
+                    <a:off x="1602273" y="5346069"/>
+                    <a:ext cx="879774" cy="338554"/>
+                  </a:xfrm>
+                  <a:prstGeom prst="rect">
+                    <a:avLst/>
+                  </a:prstGeom>
+                  <a:grpFill/>
+                  <a:ln>
+                    <a:solidFill>
+                      <a:schemeClr val="bg1"/>
+                    </a:solidFill>
+                  </a:ln>
+                </p:spPr>
+                <p:txBody>
+                  <a:bodyPr wrap="square">
+                    <a:spAutoFit/>
+                  </a:bodyPr>
+                  <a:lstStyle/>
+                  <a:p>
+                    <a:pPr algn="ctr"/>
+                    <a14:m>
+                      <m:oMathPara xmlns:m="http://schemas.openxmlformats.org/officeDocument/2006/math">
+                        <m:oMathParaPr>
+                          <m:jc m:val="centerGroup"/>
+                        </m:oMathParaPr>
+                        <m:oMath xmlns:m="http://schemas.openxmlformats.org/officeDocument/2006/math">
+                          <m:r>
+                            <a:rPr lang="en-US" sz="1600" b="0" i="1" dirty="0" smtClean="0">
+                              <a:latin typeface="Cambria Math" panose="02040503050406030204" pitchFamily="18" charset="0"/>
+                              <a:ea typeface="Cambria Math" panose="02040503050406030204" pitchFamily="18" charset="0"/>
+                            </a:rPr>
+                            <m:t>𝑃</m:t>
+                          </m:r>
+                          <m:d>
+                            <m:dPr>
+                              <m:ctrlPr>
+                                <a:rPr lang="en-US" sz="1600" b="0" i="1" dirty="0" smtClean="0">
+                                  <a:latin typeface="Cambria Math" panose="02040503050406030204" pitchFamily="18" charset="0"/>
+                                  <a:ea typeface="Cambria Math" panose="02040503050406030204" pitchFamily="18" charset="0"/>
+                                </a:rPr>
+                              </m:ctrlPr>
+                            </m:dPr>
+                            <m:e>
+                              <m:sSub>
+                                <m:sSubPr>
+                                  <m:ctrlPr>
+                                    <a:rPr lang="en-US" sz="1600" i="1" dirty="0">
+                                      <a:latin typeface="Cambria Math" panose="02040503050406030204" pitchFamily="18" charset="0"/>
+                                      <a:ea typeface="Cambria Math" panose="02040503050406030204" pitchFamily="18" charset="0"/>
+                                    </a:rPr>
+                                  </m:ctrlPr>
+                                </m:sSubPr>
+                                <m:e>
+                                  <m:r>
+                                    <a:rPr lang="en-US" sz="1600" i="1" dirty="0">
+                                      <a:latin typeface="Cambria Math" panose="02040503050406030204" pitchFamily="18" charset="0"/>
+                                      <a:ea typeface="Cambria Math" panose="02040503050406030204" pitchFamily="18" charset="0"/>
+                                    </a:rPr>
+                                    <m:t>𝑦</m:t>
+                                  </m:r>
+                                </m:e>
+                                <m:sub>
+                                  <m:r>
+                                    <a:rPr lang="en-US" sz="1600" i="1" dirty="0">
+                                      <a:latin typeface="Cambria Math" panose="02040503050406030204" pitchFamily="18" charset="0"/>
+                                      <a:ea typeface="Cambria Math" panose="02040503050406030204" pitchFamily="18" charset="0"/>
+                                    </a:rPr>
+                                    <m:t>𝑡</m:t>
+                                  </m:r>
+                                </m:sub>
+                              </m:sSub>
+                            </m:e>
+                            <m:e>
+                              <m:r>
+                                <a:rPr lang="en-US" sz="1600" b="0" i="1" dirty="0" smtClean="0">
+                                  <a:latin typeface="Cambria Math" panose="02040503050406030204" pitchFamily="18" charset="0"/>
+                                  <a:ea typeface="Cambria Math" panose="02040503050406030204" pitchFamily="18" charset="0"/>
+                                </a:rPr>
+                                <m:t>𝑋</m:t>
+                              </m:r>
+                            </m:e>
+                          </m:d>
+                          <m:r>
+                            <a:rPr lang="en-US" sz="1600" b="0" i="1" dirty="0" smtClean="0">
+                              <a:latin typeface="Cambria Math" panose="02040503050406030204" pitchFamily="18" charset="0"/>
+                              <a:ea typeface="Cambria Math" panose="02040503050406030204" pitchFamily="18" charset="0"/>
+                            </a:rPr>
+                            <m:t> </m:t>
+                          </m:r>
+                        </m:oMath>
+                      </m:oMathPara>
+                    </a14:m>
+                    <a:endParaRPr lang="en-US" sz="1600" dirty="0">
+                      <a:latin typeface="Cambria Math" panose="02040503050406030204" pitchFamily="18" charset="0"/>
+                      <a:ea typeface="Cambria Math" panose="02040503050406030204" pitchFamily="18" charset="0"/>
+                    </a:endParaRPr>
+                  </a:p>
+                </p:txBody>
+              </p:sp>
+            </mc:Choice>
+            <mc:Fallback>
+              <p:sp>
+                <p:nvSpPr>
+                  <p:cNvPr id="12" name="Rectangle 11"/>
+                  <p:cNvSpPr>
+                    <a:spLocks noRot="1" noChangeAspect="1" noMove="1" noResize="1" noEditPoints="1" noAdjustHandles="1" noChangeArrowheads="1" noChangeShapeType="1" noTextEdit="1"/>
+                  </p:cNvSpPr>
+                  <p:nvPr/>
+                </p:nvSpPr>
+                <p:spPr>
+                  <a:xfrm>
+                    <a:off x="1602273" y="5346069"/>
+                    <a:ext cx="879774" cy="338554"/>
+                  </a:xfrm>
+                  <a:prstGeom prst="rect">
+                    <a:avLst/>
+                  </a:prstGeom>
+                  <a:blipFill rotWithShape="0">
+                    <a:blip r:embed="rId4"/>
+                    <a:stretch>
+                      <a:fillRect l="-1370" b="-3509"/>
+                    </a:stretch>
+                  </a:blipFill>
+                  <a:ln>
+                    <a:solidFill>
+                      <a:schemeClr val="bg1"/>
+                    </a:solidFill>
+                  </a:ln>
+                </p:spPr>
+                <p:txBody>
+                  <a:bodyPr/>
+                  <a:lstStyle/>
+                  <a:p>
+                    <a:r>
+                      <a:rPr lang="en-US">
+                        <a:noFill/>
+                      </a:rPr>
+                      <a:t> </a:t>
+                    </a:r>
+                  </a:p>
+                </p:txBody>
+              </p:sp>
+            </mc:Fallback>
+          </mc:AlternateContent>
+          <p:sp>
+            <p:nvSpPr>
+              <p:cNvPr id="13" name="Rectangle 12"/>
+              <p:cNvSpPr/>
+              <p:nvPr/>
+            </p:nvSpPr>
+            <p:spPr>
+              <a:xfrm>
+                <a:off x="6402188" y="1164388"/>
+                <a:ext cx="1959492" cy="307777"/>
+              </a:xfrm>
+              <a:prstGeom prst="rect">
+                <a:avLst/>
+              </a:prstGeom>
+              <a:grpFill/>
+              <a:ln>
+                <a:solidFill>
+                  <a:schemeClr val="bg1"/>
+                </a:solidFill>
+              </a:ln>
+            </p:spPr>
+            <p:txBody>
+              <a:bodyPr wrap="square">
+                <a:spAutoFit/>
+              </a:bodyPr>
+              <a:lstStyle/>
+              <a:p>
+                <a:pPr algn="ctr"/>
+                <a:endParaRPr lang="en-US" sz="1400" dirty="0">
+                  <a:latin typeface="Cambria Math" panose="02040503050406030204" pitchFamily="18" charset="0"/>
+                  <a:ea typeface="Cambria Math" panose="02040503050406030204" pitchFamily="18" charset="0"/>
+                </a:endParaRPr>
+              </a:p>
+            </p:txBody>
+          </p:sp>
+          <p:sp>
+            <p:nvSpPr>
+              <p:cNvPr id="14" name="Rectangle 13"/>
+              <p:cNvSpPr/>
+              <p:nvPr/>
+            </p:nvSpPr>
+            <p:spPr>
+              <a:xfrm>
+                <a:off x="6290428" y="6356148"/>
+                <a:ext cx="2538612" cy="338554"/>
+              </a:xfrm>
+              <a:prstGeom prst="rect">
+                <a:avLst/>
+              </a:prstGeom>
+              <a:grpFill/>
+              <a:ln>
+                <a:solidFill>
+                  <a:schemeClr val="bg1"/>
+                </a:solidFill>
+              </a:ln>
+            </p:spPr>
+            <p:txBody>
+              <a:bodyPr wrap="square">
+                <a:spAutoFit/>
+              </a:bodyPr>
+              <a:lstStyle/>
+              <a:p>
+                <a:pPr algn="ctr"/>
+                <a:r>
+                  <a:rPr lang="en-US" sz="1600" dirty="0" smtClean="0">
+                    <a:latin typeface="Cambria Math" panose="02040503050406030204" pitchFamily="18" charset="0"/>
+                    <a:ea typeface="Cambria Math" panose="02040503050406030204" pitchFamily="18" charset="0"/>
+                  </a:rPr>
+                  <a:t>Position In DNA Sequence</a:t>
+                </a:r>
+                <a:endParaRPr lang="en-US" sz="1600" dirty="0">
+                  <a:latin typeface="Cambria Math" panose="02040503050406030204" pitchFamily="18" charset="0"/>
+                  <a:ea typeface="Cambria Math" panose="02040503050406030204" pitchFamily="18" charset="0"/>
+                </a:endParaRPr>
+              </a:p>
+            </p:txBody>
+          </p:sp>
+          <p:sp>
+            <p:nvSpPr>
+              <p:cNvPr id="16" name="Rectangle 15"/>
+              <p:cNvSpPr/>
+              <p:nvPr/>
+            </p:nvSpPr>
+            <p:spPr>
+              <a:xfrm>
+                <a:off x="12115800" y="1592580"/>
+                <a:ext cx="1264920" cy="4663440"/>
+              </a:xfrm>
+              <a:prstGeom prst="rect">
+                <a:avLst/>
+              </a:prstGeom>
+              <a:grpFill/>
+              <a:ln>
+                <a:solidFill>
+                  <a:schemeClr val="bg1"/>
+                </a:solidFill>
+              </a:ln>
+            </p:spPr>
+            <p:style>
+              <a:lnRef idx="2">
+                <a:schemeClr val="accent1">
+                  <a:shade val="50000"/>
+                </a:schemeClr>
+              </a:lnRef>
+              <a:fillRef idx="1">
+                <a:schemeClr val="accent1"/>
+              </a:fillRef>
+              <a:effectRef idx="0">
+                <a:schemeClr val="accent1"/>
+              </a:effectRef>
+              <a:fontRef idx="minor">
+                <a:schemeClr val="lt1"/>
+              </a:fontRef>
+            </p:style>
+            <p:txBody>
+              <a:bodyPr rtlCol="0" anchor="ctr"/>
+              <a:lstStyle/>
+              <a:p>
+                <a:pPr algn="ctr"/>
+                <a:endParaRPr lang="en-US" dirty="0"/>
+              </a:p>
+            </p:txBody>
+          </p:sp>
+          <p:sp>
+            <p:nvSpPr>
+              <p:cNvPr id="17" name="Rectangle 16"/>
+              <p:cNvSpPr/>
+              <p:nvPr/>
+            </p:nvSpPr>
+            <p:spPr>
+              <a:xfrm>
+                <a:off x="1253826" y="5943600"/>
+                <a:ext cx="1234103" cy="307777"/>
+              </a:xfrm>
+              <a:prstGeom prst="rect">
+                <a:avLst/>
+              </a:prstGeom>
+              <a:grpFill/>
+              <a:ln>
+                <a:solidFill>
+                  <a:schemeClr val="bg1"/>
+                </a:solidFill>
+              </a:ln>
+            </p:spPr>
+            <p:txBody>
+              <a:bodyPr wrap="square">
+                <a:spAutoFit/>
+              </a:bodyPr>
+              <a:lstStyle/>
+              <a:p>
+                <a:pPr algn="ctr"/>
+                <a:r>
+                  <a:rPr lang="en-US" sz="1400" dirty="0" smtClean="0">
+                    <a:latin typeface="Cambria Math" panose="02040503050406030204" pitchFamily="18" charset="0"/>
+                    <a:ea typeface="Cambria Math" panose="02040503050406030204" pitchFamily="18" charset="0"/>
+                  </a:rPr>
+                  <a:t>Viterbi Path</a:t>
+                </a:r>
+                <a:endParaRPr lang="en-US" sz="1400" dirty="0">
+                  <a:latin typeface="Cambria Math" panose="02040503050406030204" pitchFamily="18" charset="0"/>
+                  <a:ea typeface="Cambria Math" panose="02040503050406030204" pitchFamily="18" charset="0"/>
+                </a:endParaRPr>
+              </a:p>
+            </p:txBody>
+          </p:sp>
+        </p:grpSp>
+        <p:grpSp>
+          <p:nvGrpSpPr>
+            <p:cNvPr id="18" name="Group 17"/>
+            <p:cNvGrpSpPr/>
+            <p:nvPr/>
+          </p:nvGrpSpPr>
+          <p:grpSpPr>
+            <a:xfrm>
+              <a:off x="2136834" y="-36413"/>
+              <a:ext cx="6739771" cy="861774"/>
+              <a:chOff x="1398389" y="85189"/>
+              <a:chExt cx="6739771" cy="861774"/>
+            </a:xfrm>
+            <a:grpFill/>
+          </p:grpSpPr>
+          <p:sp>
+            <p:nvSpPr>
+              <p:cNvPr id="6" name="Rectangle 5"/>
+              <p:cNvSpPr/>
+              <p:nvPr/>
+            </p:nvSpPr>
+            <p:spPr>
+              <a:xfrm>
+                <a:off x="2042160" y="85189"/>
+                <a:ext cx="6096000" cy="861774"/>
+              </a:xfrm>
+              <a:prstGeom prst="rect">
+                <a:avLst/>
+              </a:prstGeom>
+              <a:grpFill/>
+              <a:ln>
+                <a:solidFill>
+                  <a:schemeClr val="bg1"/>
+                </a:solidFill>
+              </a:ln>
+            </p:spPr>
+            <p:txBody>
+              <a:bodyPr>
+                <a:spAutoFit/>
+              </a:bodyPr>
+              <a:lstStyle/>
+              <a:p>
+                <a:r>
+                  <a:rPr lang="en-US" sz="1600" dirty="0" smtClean="0">
+                    <a:latin typeface="Cambria Math" panose="02040503050406030204" pitchFamily="18" charset="0"/>
+                    <a:ea typeface="Cambria Math" panose="02040503050406030204" pitchFamily="18" charset="0"/>
+                  </a:rPr>
+                  <a:t>H1 </a:t>
+                </a:r>
+                <a:r>
+                  <a:rPr lang="en-US" sz="1600" dirty="0">
+                    <a:latin typeface="Cambria Math" panose="02040503050406030204" pitchFamily="18" charset="0"/>
+                    <a:ea typeface="Cambria Math" panose="02040503050406030204" pitchFamily="18" charset="0"/>
+                  </a:rPr>
+                  <a:t>BMP4 Derived </a:t>
+                </a:r>
+                <a:r>
+                  <a:rPr lang="en-US" sz="1600" dirty="0" err="1" smtClean="0">
+                    <a:latin typeface="Cambria Math" panose="02040503050406030204" pitchFamily="18" charset="0"/>
+                    <a:ea typeface="Cambria Math" panose="02040503050406030204" pitchFamily="18" charset="0"/>
+                  </a:rPr>
+                  <a:t>Mesendoderm</a:t>
+                </a:r>
+                <a:r>
+                  <a:rPr lang="en-US" sz="1600" dirty="0" smtClean="0">
+                    <a:latin typeface="Cambria Math" panose="02040503050406030204" pitchFamily="18" charset="0"/>
+                    <a:ea typeface="Cambria Math" panose="02040503050406030204" pitchFamily="18" charset="0"/>
+                  </a:rPr>
+                  <a:t> </a:t>
+                </a:r>
+                <a:r>
+                  <a:rPr lang="en-US" sz="1600" dirty="0">
+                    <a:latin typeface="Cambria Math" panose="02040503050406030204" pitchFamily="18" charset="0"/>
+                    <a:ea typeface="Cambria Math" panose="02040503050406030204" pitchFamily="18" charset="0"/>
+                  </a:rPr>
+                  <a:t>Cultured </a:t>
+                </a:r>
+                <a:r>
+                  <a:rPr lang="en-US" sz="1600" dirty="0" smtClean="0">
+                    <a:latin typeface="Cambria Math" panose="02040503050406030204" pitchFamily="18" charset="0"/>
+                    <a:ea typeface="Cambria Math" panose="02040503050406030204" pitchFamily="18" charset="0"/>
+                  </a:rPr>
+                  <a:t>Cells (E004) </a:t>
+                </a:r>
+                <a:endParaRPr lang="en-US" sz="1600" dirty="0">
+                  <a:latin typeface="Cambria Math" panose="02040503050406030204" pitchFamily="18" charset="0"/>
+                  <a:ea typeface="Cambria Math" panose="02040503050406030204" pitchFamily="18" charset="0"/>
+                </a:endParaRPr>
+              </a:p>
+              <a:p>
+                <a:r>
+                  <a:rPr lang="en-US" sz="1600" dirty="0" smtClean="0">
+                    <a:latin typeface="Cambria Math" panose="02040503050406030204" pitchFamily="18" charset="0"/>
+                    <a:ea typeface="Cambria Math" panose="02040503050406030204" pitchFamily="18" charset="0"/>
+                  </a:rPr>
+                  <a:t>Fetal </a:t>
+                </a:r>
+                <a:r>
+                  <a:rPr lang="en-US" sz="1600" dirty="0">
+                    <a:latin typeface="Cambria Math" panose="02040503050406030204" pitchFamily="18" charset="0"/>
+                    <a:ea typeface="Cambria Math" panose="02040503050406030204" pitchFamily="18" charset="0"/>
+                  </a:rPr>
+                  <a:t>Adrenal </a:t>
+                </a:r>
+                <a:r>
+                  <a:rPr lang="en-US" sz="1600" dirty="0" smtClean="0">
+                    <a:latin typeface="Cambria Math" panose="02040503050406030204" pitchFamily="18" charset="0"/>
+                    <a:ea typeface="Cambria Math" panose="02040503050406030204" pitchFamily="18" charset="0"/>
+                  </a:rPr>
+                  <a:t>Gland (E080)</a:t>
+                </a:r>
+              </a:p>
+              <a:p>
+                <a:r>
+                  <a:rPr lang="en-US" sz="1600" dirty="0" smtClean="0">
+                    <a:latin typeface="Cambria Math" panose="02040503050406030204" pitchFamily="18" charset="0"/>
+                    <a:ea typeface="Cambria Math" panose="02040503050406030204" pitchFamily="18" charset="0"/>
+                  </a:rPr>
+                  <a:t>Background</a:t>
+                </a:r>
+                <a:endParaRPr lang="en-US" sz="1600" dirty="0">
+                  <a:latin typeface="Cambria Math" panose="02040503050406030204" pitchFamily="18" charset="0"/>
+                  <a:ea typeface="Cambria Math" panose="02040503050406030204" pitchFamily="18" charset="0"/>
+                </a:endParaRPr>
+              </a:p>
+            </p:txBody>
+          </p:sp>
+          <p:pic>
+            <p:nvPicPr>
+              <p:cNvPr id="7" name="Picture 6"/>
+              <p:cNvPicPr>
+                <a:picLocks noChangeAspect="1"/>
+              </p:cNvPicPr>
+              <p:nvPr/>
+            </p:nvPicPr>
+            <p:blipFill rotWithShape="1">
+              <a:blip r:embed="rId5">
+                <a:extLst>
+                  <a:ext uri="{BEBA8EAE-BF5A-486C-A8C5-ECC9F3942E4B}">
+                    <a14:imgProps xmlns:a14="http://schemas.microsoft.com/office/drawing/2010/main">
+                      <a14:imgLayer r:embed="rId6">
+                        <a14:imgEffect>
+                          <a14:sharpenSoften amount="17000"/>
+                        </a14:imgEffect>
+                      </a14:imgLayer>
+                    </a14:imgProps>
+                  </a:ext>
+                  <a:ext uri="{28A0092B-C50C-407E-A947-70E740481C1C}">
+                    <a14:useLocalDpi xmlns:a14="http://schemas.microsoft.com/office/drawing/2010/main" val="0"/>
+                  </a:ext>
+                </a:extLst>
+              </a:blip>
+              <a:srcRect l="90822" t="4241" r="6321" b="89231"/>
+              <a:stretch/>
+            </p:blipFill>
+            <p:spPr>
+              <a:xfrm>
+                <a:off x="1398389" y="156325"/>
+                <a:ext cx="664091" cy="739821"/>
+              </a:xfrm>
+              <a:prstGeom prst="rect">
+                <a:avLst/>
+              </a:prstGeom>
+              <a:grpFill/>
+              <a:ln>
+                <a:solidFill>
+                  <a:schemeClr val="bg1"/>
+                </a:solidFill>
+              </a:ln>
+            </p:spPr>
+          </p:pic>
+        </p:grpSp>
+      </p:grpSp>
+    </p:spTree>
+    <p:extLst>
+      <p:ext uri="{BB962C8B-B14F-4D97-AF65-F5344CB8AC3E}">
+        <p14:creationId xmlns:p14="http://schemas.microsoft.com/office/powerpoint/2010/main" val="708941522"/>
+      </p:ext>
+    </p:extLst>
+  </p:cSld>
+  <p:clrMapOvr>
+    <a:masterClrMapping/>
+  </p:clrMapOvr>
+  <p:timing>
+    <p:tnLst>
+      <p:par>
+        <p:cTn id="1" dur="indefinite" restart="never" nodeType="tmRoot"/>
+      </p:par>
+    </p:tnLst>
+  </p:timing>
 </p:sld>
 </file>
 
@@ -29292,6 +33505,13 @@
   <p:clrMapOvr>
     <a:masterClrMapping/>
   </p:clrMapOvr>
+  <p:timing>
+    <p:tnLst>
+      <p:par>
+        <p:cTn id="1" dur="indefinite" restart="never" nodeType="tmRoot"/>
+      </p:par>
+    </p:tnLst>
+  </p:timing>
 </p:sld>
 </file>
 
@@ -29391,7 +33611,7 @@
                 <a:lstStyle/>
                 <a:p>
                   <a:pPr algn="ctr"/>
-                  <a:endParaRPr lang="en-US"/>
+                  <a:endParaRPr lang="en-US" dirty="0"/>
                 </a:p>
               </p:txBody>
             </p:sp>
@@ -29434,7 +33654,7 @@
                 <a:lstStyle/>
                 <a:p>
                   <a:pPr algn="ctr"/>
-                  <a:endParaRPr lang="en-US"/>
+                  <a:endParaRPr lang="en-US" dirty="0"/>
                 </a:p>
               </p:txBody>
             </p:sp>
@@ -29614,7 +33834,7 @@
                 <a:lstStyle/>
                 <a:p>
                   <a:pPr algn="ctr"/>
-                  <a:endParaRPr lang="en-US"/>
+                  <a:endParaRPr lang="en-US" dirty="0"/>
                 </a:p>
               </p:txBody>
             </p:sp>
@@ -29660,7 +33880,7 @@
                 <a:lstStyle/>
                 <a:p>
                   <a:pPr algn="ctr"/>
-                  <a:endParaRPr lang="en-US"/>
+                  <a:endParaRPr lang="en-US" dirty="0"/>
                 </a:p>
               </p:txBody>
             </p:sp>
@@ -29706,7 +33926,7 @@
                 <a:lstStyle/>
                 <a:p>
                   <a:pPr algn="ctr"/>
-                  <a:endParaRPr lang="en-US"/>
+                  <a:endParaRPr lang="en-US" dirty="0"/>
                 </a:p>
               </p:txBody>
             </p:sp>
@@ -29752,7 +33972,7 @@
                 <a:lstStyle/>
                 <a:p>
                   <a:pPr algn="ctr"/>
-                  <a:endParaRPr lang="en-US"/>
+                  <a:endParaRPr lang="en-US" dirty="0"/>
                 </a:p>
               </p:txBody>
             </p:sp>
@@ -29798,7 +34018,7 @@
                 <a:lstStyle/>
                 <a:p>
                   <a:pPr algn="ctr"/>
-                  <a:endParaRPr lang="en-US"/>
+                  <a:endParaRPr lang="en-US" dirty="0"/>
                 </a:p>
               </p:txBody>
             </p:sp>
@@ -29839,7 +34059,7 @@
                 <a:lstStyle/>
                 <a:p>
                   <a:pPr algn="ctr"/>
-                  <a:endParaRPr lang="en-US"/>
+                  <a:endParaRPr lang="en-US" dirty="0"/>
                 </a:p>
               </p:txBody>
             </p:sp>
@@ -29882,7 +34102,7 @@
                 <a:lstStyle/>
                 <a:p>
                   <a:pPr algn="ctr"/>
-                  <a:endParaRPr lang="en-US"/>
+                  <a:endParaRPr lang="en-US" dirty="0"/>
                 </a:p>
               </p:txBody>
             </p:sp>
@@ -29923,7 +34143,7 @@
                 <a:lstStyle/>
                 <a:p>
                   <a:pPr algn="ctr"/>
-                  <a:endParaRPr lang="en-US"/>
+                  <a:endParaRPr lang="en-US" dirty="0"/>
                 </a:p>
               </p:txBody>
             </p:sp>
@@ -29966,7 +34186,7 @@
                 <a:lstStyle/>
                 <a:p>
                   <a:pPr algn="ctr"/>
-                  <a:endParaRPr lang="en-US"/>
+                  <a:endParaRPr lang="en-US" dirty="0"/>
                 </a:p>
               </p:txBody>
             </p:sp>
@@ -30012,7 +34232,7 @@
                 <a:lstStyle/>
                 <a:p>
                   <a:pPr algn="ctr"/>
-                  <a:endParaRPr lang="en-US"/>
+                  <a:endParaRPr lang="en-US" dirty="0"/>
                 </a:p>
               </p:txBody>
             </p:sp>
@@ -30058,7 +34278,7 @@
                 <a:lstStyle/>
                 <a:p>
                   <a:pPr algn="ctr"/>
-                  <a:endParaRPr lang="en-US"/>
+                  <a:endParaRPr lang="en-US" dirty="0"/>
                 </a:p>
               </p:txBody>
             </p:sp>
@@ -30104,7 +34324,7 @@
                 <a:lstStyle/>
                 <a:p>
                   <a:pPr algn="ctr"/>
-                  <a:endParaRPr lang="en-US"/>
+                  <a:endParaRPr lang="en-US" dirty="0"/>
                 </a:p>
               </p:txBody>
             </p:sp>
@@ -30150,7 +34370,7 @@
                 <a:lstStyle/>
                 <a:p>
                   <a:pPr algn="ctr"/>
-                  <a:endParaRPr lang="en-US"/>
+                  <a:endParaRPr lang="en-US" dirty="0"/>
                 </a:p>
               </p:txBody>
             </p:sp>
@@ -30196,7 +34416,7 @@
                 <a:lstStyle/>
                 <a:p>
                   <a:pPr algn="ctr"/>
-                  <a:endParaRPr lang="en-US"/>
+                  <a:endParaRPr lang="en-US" dirty="0"/>
                 </a:p>
               </p:txBody>
             </p:sp>
@@ -30242,7 +34462,7 @@
                 <a:lstStyle/>
                 <a:p>
                   <a:pPr algn="ctr"/>
-                  <a:endParaRPr lang="en-US"/>
+                  <a:endParaRPr lang="en-US" dirty="0"/>
                 </a:p>
               </p:txBody>
             </p:sp>
@@ -30337,7 +34557,7 @@
                 <a:lstStyle/>
                 <a:p>
                   <a:pPr algn="ctr"/>
-                  <a:endParaRPr lang="en-US"/>
+                  <a:endParaRPr lang="en-US" dirty="0"/>
                 </a:p>
               </p:txBody>
             </p:sp>
@@ -30383,7 +34603,7 @@
                 <a:lstStyle/>
                 <a:p>
                   <a:pPr algn="ctr"/>
-                  <a:endParaRPr lang="en-US"/>
+                  <a:endParaRPr lang="en-US" dirty="0"/>
                 </a:p>
               </p:txBody>
             </p:sp>
@@ -30429,7 +34649,7 @@
                 <a:lstStyle/>
                 <a:p>
                   <a:pPr algn="ctr"/>
-                  <a:endParaRPr lang="en-US"/>
+                  <a:endParaRPr lang="en-US" dirty="0"/>
                 </a:p>
               </p:txBody>
             </p:sp>
@@ -30475,7 +34695,7 @@
                 <a:lstStyle/>
                 <a:p>
                   <a:pPr algn="ctr"/>
-                  <a:endParaRPr lang="en-US"/>
+                  <a:endParaRPr lang="en-US" dirty="0"/>
                 </a:p>
               </p:txBody>
             </p:sp>
@@ -30521,7 +34741,7 @@
                 <a:lstStyle/>
                 <a:p>
                   <a:pPr algn="ctr"/>
-                  <a:endParaRPr lang="en-US"/>
+                  <a:endParaRPr lang="en-US" dirty="0"/>
                 </a:p>
               </p:txBody>
             </p:sp>
@@ -31063,7 +35283,7 @@
                 <a:lstStyle/>
                 <a:p>
                   <a:pPr algn="ctr"/>
-                  <a:endParaRPr lang="en-US"/>
+                  <a:endParaRPr lang="en-US" dirty="0"/>
                 </a:p>
               </p:txBody>
             </p:sp>
@@ -31104,7 +35324,7 @@
                 <a:lstStyle/>
                 <a:p>
                   <a:pPr algn="ctr"/>
-                  <a:endParaRPr lang="en-US"/>
+                  <a:endParaRPr lang="en-US" dirty="0"/>
                 </a:p>
               </p:txBody>
             </p:sp>
@@ -31145,7 +35365,7 @@
                 <a:lstStyle/>
                 <a:p>
                   <a:pPr algn="ctr"/>
-                  <a:endParaRPr lang="en-US"/>
+                  <a:endParaRPr lang="en-US" dirty="0"/>
                 </a:p>
               </p:txBody>
             </p:sp>
@@ -31186,7 +35406,7 @@
                 <a:lstStyle/>
                 <a:p>
                   <a:pPr algn="ctr"/>
-                  <a:endParaRPr lang="en-US"/>
+                  <a:endParaRPr lang="en-US" dirty="0"/>
                 </a:p>
               </p:txBody>
             </p:sp>
@@ -31232,7 +35452,7 @@
                 <a:lstStyle/>
                 <a:p>
                   <a:pPr algn="ctr"/>
-                  <a:endParaRPr lang="en-US"/>
+                  <a:endParaRPr lang="en-US" dirty="0"/>
                 </a:p>
               </p:txBody>
             </p:sp>
@@ -31278,7 +35498,7 @@
                 <a:lstStyle/>
                 <a:p>
                   <a:pPr algn="ctr"/>
-                  <a:endParaRPr lang="en-US"/>
+                  <a:endParaRPr lang="en-US" dirty="0"/>
                 </a:p>
               </p:txBody>
             </p:sp>
@@ -31370,7 +35590,7 @@
                 <a:lstStyle/>
                 <a:p>
                   <a:pPr algn="ctr"/>
-                  <a:endParaRPr lang="en-US"/>
+                  <a:endParaRPr lang="en-US" dirty="0"/>
                 </a:p>
               </p:txBody>
             </p:sp>
@@ -31416,7 +35636,7 @@
                 <a:lstStyle/>
                 <a:p>
                   <a:pPr algn="ctr"/>
-                  <a:endParaRPr lang="en-US"/>
+                  <a:endParaRPr lang="en-US" dirty="0"/>
                 </a:p>
               </p:txBody>
             </p:sp>
@@ -31462,7 +35682,7 @@
                 <a:lstStyle/>
                 <a:p>
                   <a:pPr algn="ctr"/>
-                  <a:endParaRPr lang="en-US"/>
+                  <a:endParaRPr lang="en-US" dirty="0"/>
                 </a:p>
               </p:txBody>
             </p:sp>
@@ -31505,7 +35725,7 @@
                 <a:lstStyle/>
                 <a:p>
                   <a:pPr algn="ctr"/>
-                  <a:endParaRPr lang="en-US"/>
+                  <a:endParaRPr lang="en-US" dirty="0"/>
                 </a:p>
               </p:txBody>
             </p:sp>
@@ -31551,7 +35771,7 @@
                 <a:lstStyle/>
                 <a:p>
                   <a:pPr algn="ctr"/>
-                  <a:endParaRPr lang="en-US"/>
+                  <a:endParaRPr lang="en-US" dirty="0"/>
                 </a:p>
               </p:txBody>
             </p:sp>
@@ -31597,7 +35817,7 @@
                 <a:lstStyle/>
                 <a:p>
                   <a:pPr algn="ctr"/>
-                  <a:endParaRPr lang="en-US"/>
+                  <a:endParaRPr lang="en-US" dirty="0"/>
                 </a:p>
               </p:txBody>
             </p:sp>
@@ -31643,7 +35863,7 @@
                 <a:lstStyle/>
                 <a:p>
                   <a:pPr algn="ctr"/>
-                  <a:endParaRPr lang="en-US"/>
+                  <a:endParaRPr lang="en-US" dirty="0"/>
                 </a:p>
               </p:txBody>
             </p:sp>
@@ -31689,7 +35909,7 @@
                 <a:lstStyle/>
                 <a:p>
                   <a:pPr algn="ctr"/>
-                  <a:endParaRPr lang="en-US"/>
+                  <a:endParaRPr lang="en-US" dirty="0"/>
                 </a:p>
               </p:txBody>
             </p:sp>
@@ -31735,7 +35955,7 @@
                 <a:lstStyle/>
                 <a:p>
                   <a:pPr algn="ctr"/>
-                  <a:endParaRPr lang="en-US"/>
+                  <a:endParaRPr lang="en-US" dirty="0"/>
                 </a:p>
               </p:txBody>
             </p:sp>
@@ -31781,7 +36001,7 @@
                 <a:lstStyle/>
                 <a:p>
                   <a:pPr algn="ctr"/>
-                  <a:endParaRPr lang="en-US"/>
+                  <a:endParaRPr lang="en-US" dirty="0"/>
                 </a:p>
               </p:txBody>
             </p:sp>
@@ -31827,7 +36047,7 @@
                 <a:lstStyle/>
                 <a:p>
                   <a:pPr algn="ctr"/>
-                  <a:endParaRPr lang="en-US"/>
+                  <a:endParaRPr lang="en-US" dirty="0"/>
                 </a:p>
               </p:txBody>
             </p:sp>
@@ -31873,7 +36093,7 @@
                 <a:lstStyle/>
                 <a:p>
                   <a:pPr algn="ctr"/>
-                  <a:endParaRPr lang="en-US"/>
+                  <a:endParaRPr lang="en-US" dirty="0"/>
                 </a:p>
               </p:txBody>
             </p:sp>
@@ -31919,7 +36139,7 @@
                 <a:lstStyle/>
                 <a:p>
                   <a:pPr algn="ctr"/>
-                  <a:endParaRPr lang="en-US"/>
+                  <a:endParaRPr lang="en-US" dirty="0"/>
                 </a:p>
               </p:txBody>
             </p:sp>
@@ -31965,7 +36185,7 @@
                 <a:lstStyle/>
                 <a:p>
                   <a:pPr algn="ctr"/>
-                  <a:endParaRPr lang="en-US"/>
+                  <a:endParaRPr lang="en-US" dirty="0"/>
                 </a:p>
               </p:txBody>
             </p:sp>
@@ -32011,7 +36231,7 @@
                 <a:lstStyle/>
                 <a:p>
                   <a:pPr algn="ctr"/>
-                  <a:endParaRPr lang="en-US"/>
+                  <a:endParaRPr lang="en-US" dirty="0"/>
                 </a:p>
               </p:txBody>
             </p:sp>
@@ -32100,7 +36320,7 @@
                 <a:lstStyle/>
                 <a:p>
                   <a:pPr algn="ctr"/>
-                  <a:endParaRPr lang="en-US"/>
+                  <a:endParaRPr lang="en-US" dirty="0"/>
                 </a:p>
               </p:txBody>
             </p:sp>
@@ -32146,7 +36366,7 @@
                 <a:lstStyle/>
                 <a:p>
                   <a:pPr algn="ctr"/>
-                  <a:endParaRPr lang="en-US"/>
+                  <a:endParaRPr lang="en-US" dirty="0"/>
                 </a:p>
               </p:txBody>
             </p:sp>
@@ -32192,7 +36412,7 @@
                 <a:lstStyle/>
                 <a:p>
                   <a:pPr algn="ctr"/>
-                  <a:endParaRPr lang="en-US"/>
+                  <a:endParaRPr lang="en-US" dirty="0"/>
                 </a:p>
               </p:txBody>
             </p:sp>
@@ -32238,7 +36458,7 @@
                 <a:lstStyle/>
                 <a:p>
                   <a:pPr algn="ctr"/>
-                  <a:endParaRPr lang="en-US"/>
+                  <a:endParaRPr lang="en-US" dirty="0"/>
                 </a:p>
               </p:txBody>
             </p:sp>
@@ -32284,7 +36504,7 @@
                 <a:lstStyle/>
                 <a:p>
                   <a:pPr algn="ctr"/>
-                  <a:endParaRPr lang="en-US"/>
+                  <a:endParaRPr lang="en-US" dirty="0"/>
                 </a:p>
               </p:txBody>
             </p:sp>
@@ -32567,7 +36787,7 @@
                 <a:lstStyle/>
                 <a:p>
                   <a:pPr algn="ctr"/>
-                  <a:endParaRPr lang="en-US"/>
+                  <a:endParaRPr lang="en-US" dirty="0"/>
                 </a:p>
               </p:txBody>
             </p:sp>
@@ -32613,7 +36833,7 @@
                 <a:lstStyle/>
                 <a:p>
                   <a:pPr algn="ctr"/>
-                  <a:endParaRPr lang="en-US"/>
+                  <a:endParaRPr lang="en-US" dirty="0"/>
                 </a:p>
               </p:txBody>
             </p:sp>
@@ -32656,7 +36876,7 @@
                 <a:lstStyle/>
                 <a:p>
                   <a:pPr algn="ctr"/>
-                  <a:endParaRPr lang="en-US"/>
+                  <a:endParaRPr lang="en-US" dirty="0"/>
                 </a:p>
               </p:txBody>
             </p:sp>
@@ -32702,7 +36922,7 @@
                 <a:lstStyle/>
                 <a:p>
                   <a:pPr algn="ctr"/>
-                  <a:endParaRPr lang="en-US"/>
+                  <a:endParaRPr lang="en-US" dirty="0"/>
                 </a:p>
               </p:txBody>
             </p:sp>
@@ -32745,7 +36965,7 @@
                 <a:lstStyle/>
                 <a:p>
                   <a:pPr algn="ctr"/>
-                  <a:endParaRPr lang="en-US"/>
+                  <a:endParaRPr lang="en-US" dirty="0"/>
                 </a:p>
               </p:txBody>
             </p:sp>
@@ -32791,7 +37011,7 @@
                 <a:lstStyle/>
                 <a:p>
                   <a:pPr algn="ctr"/>
-                  <a:endParaRPr lang="en-US"/>
+                  <a:endParaRPr lang="en-US" dirty="0"/>
                 </a:p>
               </p:txBody>
             </p:sp>
@@ -32837,7 +37057,7 @@
                 <a:lstStyle/>
                 <a:p>
                   <a:pPr algn="ctr"/>
-                  <a:endParaRPr lang="en-US"/>
+                  <a:endParaRPr lang="en-US" dirty="0"/>
                 </a:p>
               </p:txBody>
             </p:sp>
@@ -33064,7 +37284,7 @@
                 <a:lstStyle/>
                 <a:p>
                   <a:pPr algn="ctr"/>
-                  <a:endParaRPr lang="en-US"/>
+                  <a:endParaRPr lang="en-US" dirty="0"/>
                 </a:p>
               </p:txBody>
             </p:sp>
@@ -33107,7 +37327,7 @@
                 <a:lstStyle/>
                 <a:p>
                   <a:pPr algn="ctr"/>
-                  <a:endParaRPr lang="en-US"/>
+                  <a:endParaRPr lang="en-US" dirty="0"/>
                 </a:p>
               </p:txBody>
             </p:sp>
@@ -33150,7 +37370,7 @@
                 <a:lstStyle/>
                 <a:p>
                   <a:pPr algn="ctr"/>
-                  <a:endParaRPr lang="en-US"/>
+                  <a:endParaRPr lang="en-US" dirty="0"/>
                 </a:p>
               </p:txBody>
             </p:sp>
@@ -33193,7 +37413,7 @@
                 <a:lstStyle/>
                 <a:p>
                   <a:pPr algn="ctr"/>
-                  <a:endParaRPr lang="en-US"/>
+                  <a:endParaRPr lang="en-US" dirty="0"/>
                 </a:p>
               </p:txBody>
             </p:sp>
@@ -33666,7 +37886,7 @@
                 <a:lstStyle/>
                 <a:p>
                   <a:pPr algn="ctr"/>
-                  <a:endParaRPr lang="en-US"/>
+                  <a:endParaRPr lang="en-US" dirty="0"/>
                 </a:p>
               </p:txBody>
             </p:sp>
@@ -33781,7 +38001,7 @@
               <a:lstStyle/>
               <a:p>
                 <a:pPr algn="ctr"/>
-                <a:endParaRPr lang="en-US"/>
+                <a:endParaRPr lang="en-US" dirty="0"/>
               </a:p>
             </p:txBody>
           </p:sp>
@@ -33827,7 +38047,7 @@
               <a:lstStyle/>
               <a:p>
                 <a:pPr algn="ctr"/>
-                <a:endParaRPr lang="en-US"/>
+                <a:endParaRPr lang="en-US" dirty="0"/>
               </a:p>
             </p:txBody>
           </p:sp>
@@ -33873,7 +38093,7 @@
               <a:lstStyle/>
               <a:p>
                 <a:pPr algn="ctr"/>
-                <a:endParaRPr lang="en-US"/>
+                <a:endParaRPr lang="en-US" dirty="0"/>
               </a:p>
             </p:txBody>
           </p:sp>
@@ -33919,7 +38139,7 @@
               <a:lstStyle/>
               <a:p>
                 <a:pPr algn="ctr"/>
-                <a:endParaRPr lang="en-US"/>
+                <a:endParaRPr lang="en-US" dirty="0"/>
               </a:p>
             </p:txBody>
           </p:sp>
@@ -33965,7 +38185,7 @@
               <a:lstStyle/>
               <a:p>
                 <a:pPr algn="ctr"/>
-                <a:endParaRPr lang="en-US"/>
+                <a:endParaRPr lang="en-US" dirty="0"/>
               </a:p>
             </p:txBody>
           </p:sp>
@@ -34008,7 +38228,7 @@
               <a:lstStyle/>
               <a:p>
                 <a:pPr algn="ctr"/>
-                <a:endParaRPr lang="en-US"/>
+                <a:endParaRPr lang="en-US" dirty="0"/>
               </a:p>
             </p:txBody>
           </p:sp>
@@ -34054,7 +38274,7 @@
               <a:lstStyle/>
               <a:p>
                 <a:pPr algn="ctr"/>
-                <a:endParaRPr lang="en-US"/>
+                <a:endParaRPr lang="en-US" dirty="0"/>
               </a:p>
             </p:txBody>
           </p:sp>
@@ -34097,7 +38317,7 @@
               <a:lstStyle/>
               <a:p>
                 <a:pPr algn="ctr"/>
-                <a:endParaRPr lang="en-US"/>
+                <a:endParaRPr lang="en-US" dirty="0"/>
               </a:p>
             </p:txBody>
           </p:sp>
@@ -34143,7 +38363,7 @@
               <a:lstStyle/>
               <a:p>
                 <a:pPr algn="ctr"/>
-                <a:endParaRPr lang="en-US"/>
+                <a:endParaRPr lang="en-US" dirty="0"/>
               </a:p>
             </p:txBody>
           </p:sp>
@@ -34189,7 +38409,7 @@
               <a:lstStyle/>
               <a:p>
                 <a:pPr algn="ctr"/>
-                <a:endParaRPr lang="en-US"/>
+                <a:endParaRPr lang="en-US" dirty="0"/>
               </a:p>
             </p:txBody>
           </p:sp>
@@ -34235,7 +38455,7 @@
               <a:lstStyle/>
               <a:p>
                 <a:pPr algn="ctr"/>
-                <a:endParaRPr lang="en-US"/>
+                <a:endParaRPr lang="en-US" dirty="0"/>
               </a:p>
             </p:txBody>
           </p:sp>
@@ -34281,7 +38501,7 @@
               <a:lstStyle/>
               <a:p>
                 <a:pPr algn="ctr"/>
-                <a:endParaRPr lang="en-US"/>
+                <a:endParaRPr lang="en-US" dirty="0"/>
               </a:p>
             </p:txBody>
           </p:sp>
@@ -34327,7 +38547,7 @@
               <a:lstStyle/>
               <a:p>
                 <a:pPr algn="ctr"/>
-                <a:endParaRPr lang="en-US"/>
+                <a:endParaRPr lang="en-US" dirty="0"/>
               </a:p>
             </p:txBody>
           </p:sp>
@@ -34370,7 +38590,7 @@
               <a:lstStyle/>
               <a:p>
                 <a:pPr algn="ctr"/>
-                <a:endParaRPr lang="en-US"/>
+                <a:endParaRPr lang="en-US" dirty="0"/>
               </a:p>
             </p:txBody>
           </p:sp>
@@ -34416,7 +38636,7 @@
               <a:lstStyle/>
               <a:p>
                 <a:pPr algn="ctr"/>
-                <a:endParaRPr lang="en-US"/>
+                <a:endParaRPr lang="en-US" dirty="0"/>
               </a:p>
             </p:txBody>
           </p:sp>
@@ -34459,7 +38679,7 @@
               <a:lstStyle/>
               <a:p>
                 <a:pPr algn="ctr"/>
-                <a:endParaRPr lang="en-US"/>
+                <a:endParaRPr lang="en-US" dirty="0"/>
               </a:p>
             </p:txBody>
           </p:sp>
@@ -34500,7 +38720,7 @@
               <a:lstStyle/>
               <a:p>
                 <a:pPr algn="ctr"/>
-                <a:endParaRPr lang="en-US"/>
+                <a:endParaRPr lang="en-US" dirty="0"/>
               </a:p>
             </p:txBody>
           </p:sp>
@@ -34541,7 +38761,7 @@
               <a:lstStyle/>
               <a:p>
                 <a:pPr algn="ctr"/>
-                <a:endParaRPr lang="en-US"/>
+                <a:endParaRPr lang="en-US" dirty="0"/>
               </a:p>
             </p:txBody>
           </p:sp>
@@ -34719,7 +38939,7 @@
               <a:lstStyle/>
               <a:p>
                 <a:pPr algn="ctr"/>
-                <a:endParaRPr lang="en-US"/>
+                <a:endParaRPr lang="en-US" dirty="0"/>
               </a:p>
             </p:txBody>
           </p:sp>
@@ -34760,7 +38980,7 @@
               <a:lstStyle/>
               <a:p>
                 <a:pPr algn="ctr"/>
-                <a:endParaRPr lang="en-US"/>
+                <a:endParaRPr lang="en-US" dirty="0"/>
               </a:p>
             </p:txBody>
           </p:sp>
@@ -34801,7 +39021,7 @@
               <a:lstStyle/>
               <a:p>
                 <a:pPr algn="ctr"/>
-                <a:endParaRPr lang="en-US"/>
+                <a:endParaRPr lang="en-US" dirty="0"/>
               </a:p>
             </p:txBody>
           </p:sp>
@@ -34842,7 +39062,7 @@
               <a:lstStyle/>
               <a:p>
                 <a:pPr algn="ctr"/>
-                <a:endParaRPr lang="en-US"/>
+                <a:endParaRPr lang="en-US" dirty="0"/>
               </a:p>
             </p:txBody>
           </p:sp>
@@ -34883,7 +39103,7 @@
               <a:lstStyle/>
               <a:p>
                 <a:pPr algn="ctr"/>
-                <a:endParaRPr lang="en-US"/>
+                <a:endParaRPr lang="en-US" dirty="0"/>
               </a:p>
             </p:txBody>
           </p:sp>
@@ -35430,7 +39650,7 @@
               <a:lstStyle/>
               <a:p>
                 <a:pPr algn="ctr"/>
-                <a:endParaRPr lang="en-US"/>
+                <a:endParaRPr lang="en-US" dirty="0"/>
               </a:p>
             </p:txBody>
           </p:sp>
@@ -35476,7 +39696,7 @@
               <a:lstStyle/>
               <a:p>
                 <a:pPr algn="ctr"/>
-                <a:endParaRPr lang="en-US"/>
+                <a:endParaRPr lang="en-US" dirty="0"/>
               </a:p>
             </p:txBody>
           </p:sp>
@@ -35522,7 +39742,7 @@
               <a:lstStyle/>
               <a:p>
                 <a:pPr algn="ctr"/>
-                <a:endParaRPr lang="en-US"/>
+                <a:endParaRPr lang="en-US" dirty="0"/>
               </a:p>
             </p:txBody>
           </p:sp>
@@ -35568,7 +39788,7 @@
               <a:lstStyle/>
               <a:p>
                 <a:pPr algn="ctr"/>
-                <a:endParaRPr lang="en-US"/>
+                <a:endParaRPr lang="en-US" dirty="0"/>
               </a:p>
             </p:txBody>
           </p:sp>
@@ -35614,7 +39834,7 @@
               <a:lstStyle/>
               <a:p>
                 <a:pPr algn="ctr"/>
-                <a:endParaRPr lang="en-US"/>
+                <a:endParaRPr lang="en-US" dirty="0"/>
               </a:p>
             </p:txBody>
           </p:sp>
@@ -35660,7 +39880,7 @@
               <a:lstStyle/>
               <a:p>
                 <a:pPr algn="ctr"/>
-                <a:endParaRPr lang="en-US"/>
+                <a:endParaRPr lang="en-US" dirty="0"/>
               </a:p>
             </p:txBody>
           </p:sp>
@@ -35749,7 +39969,7 @@
               <a:lstStyle/>
               <a:p>
                 <a:pPr algn="ctr"/>
-                <a:endParaRPr lang="en-US"/>
+                <a:endParaRPr lang="en-US" dirty="0"/>
               </a:p>
             </p:txBody>
           </p:sp>
@@ -35795,7 +40015,7 @@
               <a:lstStyle/>
               <a:p>
                 <a:pPr algn="ctr"/>
-                <a:endParaRPr lang="en-US"/>
+                <a:endParaRPr lang="en-US" dirty="0"/>
               </a:p>
             </p:txBody>
           </p:sp>
@@ -35841,7 +40061,7 @@
               <a:lstStyle/>
               <a:p>
                 <a:pPr algn="ctr"/>
-                <a:endParaRPr lang="en-US"/>
+                <a:endParaRPr lang="en-US" dirty="0"/>
               </a:p>
             </p:txBody>
           </p:sp>
@@ -35887,7 +40107,7 @@
               <a:lstStyle/>
               <a:p>
                 <a:pPr algn="ctr"/>
-                <a:endParaRPr lang="en-US"/>
+                <a:endParaRPr lang="en-US" dirty="0"/>
               </a:p>
             </p:txBody>
           </p:sp>
@@ -35933,7 +40153,7 @@
               <a:lstStyle/>
               <a:p>
                 <a:pPr algn="ctr"/>
-                <a:endParaRPr lang="en-US"/>
+                <a:endParaRPr lang="en-US" dirty="0"/>
               </a:p>
             </p:txBody>
           </p:sp>
@@ -35979,7 +40199,7 @@
               <a:lstStyle/>
               <a:p>
                 <a:pPr algn="ctr"/>
-                <a:endParaRPr lang="en-US"/>
+                <a:endParaRPr lang="en-US" dirty="0"/>
               </a:p>
             </p:txBody>
           </p:sp>
@@ -36025,7 +40245,7 @@
               <a:lstStyle/>
               <a:p>
                 <a:pPr algn="ctr"/>
-                <a:endParaRPr lang="en-US"/>
+                <a:endParaRPr lang="en-US" dirty="0"/>
               </a:p>
             </p:txBody>
           </p:sp>
@@ -36071,7 +40291,7 @@
               <a:lstStyle/>
               <a:p>
                 <a:pPr algn="ctr"/>
-                <a:endParaRPr lang="en-US"/>
+                <a:endParaRPr lang="en-US" dirty="0"/>
               </a:p>
             </p:txBody>
           </p:sp>
@@ -36117,7 +40337,7 @@
               <a:lstStyle/>
               <a:p>
                 <a:pPr algn="ctr"/>
-                <a:endParaRPr lang="en-US"/>
+                <a:endParaRPr lang="en-US" dirty="0"/>
               </a:p>
             </p:txBody>
           </p:sp>
@@ -36163,7 +40383,7 @@
               <a:lstStyle/>
               <a:p>
                 <a:pPr algn="ctr"/>
-                <a:endParaRPr lang="en-US"/>
+                <a:endParaRPr lang="en-US" dirty="0"/>
               </a:p>
             </p:txBody>
           </p:sp>
@@ -36209,7 +40429,7 @@
               <a:lstStyle/>
               <a:p>
                 <a:pPr algn="ctr"/>
-                <a:endParaRPr lang="en-US"/>
+                <a:endParaRPr lang="en-US" dirty="0"/>
               </a:p>
             </p:txBody>
           </p:sp>
@@ -36255,7 +40475,7 @@
               <a:lstStyle/>
               <a:p>
                 <a:pPr algn="ctr"/>
-                <a:endParaRPr lang="en-US"/>
+                <a:endParaRPr lang="en-US" dirty="0"/>
               </a:p>
             </p:txBody>
           </p:sp>
@@ -36301,7 +40521,7 @@
               <a:lstStyle/>
               <a:p>
                 <a:pPr algn="ctr"/>
-                <a:endParaRPr lang="en-US"/>
+                <a:endParaRPr lang="en-US" dirty="0"/>
               </a:p>
             </p:txBody>
           </p:sp>
@@ -36342,7 +40562,7 @@
               <a:lstStyle/>
               <a:p>
                 <a:pPr algn="ctr"/>
-                <a:endParaRPr lang="en-US"/>
+                <a:endParaRPr lang="en-US" dirty="0"/>
               </a:p>
             </p:txBody>
           </p:sp>
@@ -36383,7 +40603,7 @@
               <a:lstStyle/>
               <a:p>
                 <a:pPr algn="ctr"/>
-                <a:endParaRPr lang="en-US"/>
+                <a:endParaRPr lang="en-US" dirty="0"/>
               </a:p>
             </p:txBody>
           </p:sp>
@@ -36561,7 +40781,7 @@
               <a:lstStyle/>
               <a:p>
                 <a:pPr algn="ctr"/>
-                <a:endParaRPr lang="en-US"/>
+                <a:endParaRPr lang="en-US" dirty="0"/>
               </a:p>
             </p:txBody>
           </p:sp>
@@ -36602,7 +40822,7 @@
               <a:lstStyle/>
               <a:p>
                 <a:pPr algn="ctr"/>
-                <a:endParaRPr lang="en-US"/>
+                <a:endParaRPr lang="en-US" dirty="0"/>
               </a:p>
             </p:txBody>
           </p:sp>
@@ -36643,7 +40863,7 @@
               <a:lstStyle/>
               <a:p>
                 <a:pPr algn="ctr"/>
-                <a:endParaRPr lang="en-US"/>
+                <a:endParaRPr lang="en-US" dirty="0"/>
               </a:p>
             </p:txBody>
           </p:sp>
@@ -36684,7 +40904,7 @@
               <a:lstStyle/>
               <a:p>
                 <a:pPr algn="ctr"/>
-                <a:endParaRPr lang="en-US"/>
+                <a:endParaRPr lang="en-US" dirty="0"/>
               </a:p>
             </p:txBody>
           </p:sp>
@@ -36725,7 +40945,7 @@
               <a:lstStyle/>
               <a:p>
                 <a:pPr algn="ctr"/>
-                <a:endParaRPr lang="en-US"/>
+                <a:endParaRPr lang="en-US" dirty="0"/>
               </a:p>
             </p:txBody>
           </p:sp>
@@ -37207,7 +41427,7 @@
               <a:lstStyle/>
               <a:p>
                 <a:pPr algn="ctr"/>
-                <a:endParaRPr lang="en-US"/>
+                <a:endParaRPr lang="en-US" dirty="0"/>
               </a:p>
             </p:txBody>
           </p:sp>
@@ -37253,7 +41473,7 @@
               <a:lstStyle/>
               <a:p>
                 <a:pPr algn="ctr"/>
-                <a:endParaRPr lang="en-US"/>
+                <a:endParaRPr lang="en-US" dirty="0"/>
               </a:p>
             </p:txBody>
           </p:sp>
@@ -37299,7 +41519,7 @@
               <a:lstStyle/>
               <a:p>
                 <a:pPr algn="ctr"/>
-                <a:endParaRPr lang="en-US"/>
+                <a:endParaRPr lang="en-US" dirty="0"/>
               </a:p>
             </p:txBody>
           </p:sp>
@@ -37345,7 +41565,7 @@
               <a:lstStyle/>
               <a:p>
                 <a:pPr algn="ctr"/>
-                <a:endParaRPr lang="en-US"/>
+                <a:endParaRPr lang="en-US" dirty="0"/>
               </a:p>
             </p:txBody>
           </p:sp>
@@ -37391,7 +41611,7 @@
               <a:lstStyle/>
               <a:p>
                 <a:pPr algn="ctr"/>
-                <a:endParaRPr lang="en-US"/>
+                <a:endParaRPr lang="en-US" dirty="0"/>
               </a:p>
             </p:txBody>
           </p:sp>
@@ -37437,7 +41657,7 @@
               <a:lstStyle/>
               <a:p>
                 <a:pPr algn="ctr"/>
-                <a:endParaRPr lang="en-US"/>
+                <a:endParaRPr lang="en-US" dirty="0"/>
               </a:p>
             </p:txBody>
           </p:sp>
@@ -37521,7 +41741,7 @@
               <a:lstStyle/>
               <a:p>
                 <a:pPr algn="ctr"/>
-                <a:endParaRPr lang="en-US"/>
+                <a:endParaRPr lang="en-US" dirty="0"/>
               </a:p>
             </p:txBody>
           </p:sp>
@@ -37852,7 +42072,7 @@
               <a:lstStyle/>
               <a:p>
                 <a:pPr algn="ctr"/>
-                <a:endParaRPr lang="en-US"/>
+                <a:endParaRPr lang="en-US" dirty="0"/>
               </a:p>
             </p:txBody>
           </p:sp>
@@ -37898,7 +42118,7 @@
               <a:lstStyle/>
               <a:p>
                 <a:pPr algn="ctr"/>
-                <a:endParaRPr lang="en-US"/>
+                <a:endParaRPr lang="en-US" dirty="0"/>
               </a:p>
             </p:txBody>
           </p:sp>
@@ -37944,7 +42164,7 @@
               <a:lstStyle/>
               <a:p>
                 <a:pPr algn="ctr"/>
-                <a:endParaRPr lang="en-US"/>
+                <a:endParaRPr lang="en-US" dirty="0"/>
               </a:p>
             </p:txBody>
           </p:sp>
@@ -37990,7 +42210,7 @@
               <a:lstStyle/>
               <a:p>
                 <a:pPr algn="ctr"/>
-                <a:endParaRPr lang="en-US"/>
+                <a:endParaRPr lang="en-US" dirty="0"/>
               </a:p>
             </p:txBody>
           </p:sp>
@@ -38032,7 +42252,7 @@
               <a:lstStyle/>
               <a:p>
                 <a:pPr algn="ctr"/>
-                <a:endParaRPr lang="en-US"/>
+                <a:endParaRPr lang="en-US" dirty="0"/>
               </a:p>
             </p:txBody>
           </p:sp>
@@ -38101,6 +42321,13 @@
   <p:clrMapOvr>
     <a:masterClrMapping/>
   </p:clrMapOvr>
+  <p:timing>
+    <p:tnLst>
+      <p:par>
+        <p:cTn id="1" dur="indefinite" restart="never" nodeType="tmRoot"/>
+      </p:par>
+    </p:tnLst>
+  </p:timing>
 </p:sld>
 </file>
 
@@ -38158,7 +42385,7 @@
           <a:lstStyle/>
           <a:p>
             <a:pPr algn="ctr"/>
-            <a:endParaRPr lang="en-US"/>
+            <a:endParaRPr lang="en-US" dirty="0"/>
           </a:p>
         </p:txBody>
       </p:sp>
@@ -38201,7 +42428,7 @@
           <a:lstStyle/>
           <a:p>
             <a:pPr algn="ctr"/>
-            <a:endParaRPr lang="en-US"/>
+            <a:endParaRPr lang="en-US" dirty="0"/>
           </a:p>
         </p:txBody>
       </p:sp>
@@ -38381,7 +42608,7 @@
           <a:lstStyle/>
           <a:p>
             <a:pPr algn="ctr"/>
-            <a:endParaRPr lang="en-US"/>
+            <a:endParaRPr lang="en-US" dirty="0"/>
           </a:p>
         </p:txBody>
       </p:sp>
@@ -38427,7 +42654,7 @@
           <a:lstStyle/>
           <a:p>
             <a:pPr algn="ctr"/>
-            <a:endParaRPr lang="en-US"/>
+            <a:endParaRPr lang="en-US" dirty="0"/>
           </a:p>
         </p:txBody>
       </p:sp>
@@ -38473,7 +42700,7 @@
           <a:lstStyle/>
           <a:p>
             <a:pPr algn="ctr"/>
-            <a:endParaRPr lang="en-US"/>
+            <a:endParaRPr lang="en-US" dirty="0"/>
           </a:p>
         </p:txBody>
       </p:sp>
@@ -38519,7 +42746,7 @@
           <a:lstStyle/>
           <a:p>
             <a:pPr algn="ctr"/>
-            <a:endParaRPr lang="en-US"/>
+            <a:endParaRPr lang="en-US" dirty="0"/>
           </a:p>
         </p:txBody>
       </p:sp>
@@ -38565,7 +42792,7 @@
           <a:lstStyle/>
           <a:p>
             <a:pPr algn="ctr"/>
-            <a:endParaRPr lang="en-US"/>
+            <a:endParaRPr lang="en-US" dirty="0"/>
           </a:p>
         </p:txBody>
       </p:sp>
@@ -38606,7 +42833,7 @@
           <a:lstStyle/>
           <a:p>
             <a:pPr algn="ctr"/>
-            <a:endParaRPr lang="en-US"/>
+            <a:endParaRPr lang="en-US" dirty="0"/>
           </a:p>
         </p:txBody>
       </p:sp>
@@ -38649,7 +42876,7 @@
           <a:lstStyle/>
           <a:p>
             <a:pPr algn="ctr"/>
-            <a:endParaRPr lang="en-US"/>
+            <a:endParaRPr lang="en-US" dirty="0"/>
           </a:p>
         </p:txBody>
       </p:sp>
@@ -38690,7 +42917,7 @@
           <a:lstStyle/>
           <a:p>
             <a:pPr algn="ctr"/>
-            <a:endParaRPr lang="en-US"/>
+            <a:endParaRPr lang="en-US" dirty="0"/>
           </a:p>
         </p:txBody>
       </p:sp>
@@ -38733,7 +42960,7 @@
           <a:lstStyle/>
           <a:p>
             <a:pPr algn="ctr"/>
-            <a:endParaRPr lang="en-US"/>
+            <a:endParaRPr lang="en-US" dirty="0"/>
           </a:p>
         </p:txBody>
       </p:sp>
@@ -38779,7 +43006,7 @@
           <a:lstStyle/>
           <a:p>
             <a:pPr algn="ctr"/>
-            <a:endParaRPr lang="en-US"/>
+            <a:endParaRPr lang="en-US" dirty="0"/>
           </a:p>
         </p:txBody>
       </p:sp>
@@ -38825,7 +43052,7 @@
           <a:lstStyle/>
           <a:p>
             <a:pPr algn="ctr"/>
-            <a:endParaRPr lang="en-US"/>
+            <a:endParaRPr lang="en-US" dirty="0"/>
           </a:p>
         </p:txBody>
       </p:sp>
@@ -38871,7 +43098,7 @@
           <a:lstStyle/>
           <a:p>
             <a:pPr algn="ctr"/>
-            <a:endParaRPr lang="en-US"/>
+            <a:endParaRPr lang="en-US" dirty="0"/>
           </a:p>
         </p:txBody>
       </p:sp>
@@ -38917,7 +43144,7 @@
           <a:lstStyle/>
           <a:p>
             <a:pPr algn="ctr"/>
-            <a:endParaRPr lang="en-US"/>
+            <a:endParaRPr lang="en-US" dirty="0"/>
           </a:p>
         </p:txBody>
       </p:sp>
@@ -38963,7 +43190,7 @@
           <a:lstStyle/>
           <a:p>
             <a:pPr algn="ctr"/>
-            <a:endParaRPr lang="en-US"/>
+            <a:endParaRPr lang="en-US" dirty="0"/>
           </a:p>
         </p:txBody>
       </p:sp>
@@ -39009,7 +43236,7 @@
           <a:lstStyle/>
           <a:p>
             <a:pPr algn="ctr"/>
-            <a:endParaRPr lang="en-US"/>
+            <a:endParaRPr lang="en-US" dirty="0"/>
           </a:p>
         </p:txBody>
       </p:sp>
@@ -39104,7 +43331,7 @@
           <a:lstStyle/>
           <a:p>
             <a:pPr algn="ctr"/>
-            <a:endParaRPr lang="en-US"/>
+            <a:endParaRPr lang="en-US" dirty="0"/>
           </a:p>
         </p:txBody>
       </p:sp>
@@ -39150,7 +43377,7 @@
           <a:lstStyle/>
           <a:p>
             <a:pPr algn="ctr"/>
-            <a:endParaRPr lang="en-US"/>
+            <a:endParaRPr lang="en-US" dirty="0"/>
           </a:p>
         </p:txBody>
       </p:sp>
@@ -39196,7 +43423,7 @@
           <a:lstStyle/>
           <a:p>
             <a:pPr algn="ctr"/>
-            <a:endParaRPr lang="en-US"/>
+            <a:endParaRPr lang="en-US" dirty="0"/>
           </a:p>
         </p:txBody>
       </p:sp>
@@ -39242,7 +43469,7 @@
           <a:lstStyle/>
           <a:p>
             <a:pPr algn="ctr"/>
-            <a:endParaRPr lang="en-US"/>
+            <a:endParaRPr lang="en-US" dirty="0"/>
           </a:p>
         </p:txBody>
       </p:sp>
@@ -39288,7 +43515,7 @@
           <a:lstStyle/>
           <a:p>
             <a:pPr algn="ctr"/>
-            <a:endParaRPr lang="en-US"/>
+            <a:endParaRPr lang="en-US" dirty="0"/>
           </a:p>
         </p:txBody>
       </p:sp>
@@ -39818,7 +44045,7 @@
           <a:lstStyle/>
           <a:p>
             <a:pPr algn="ctr"/>
-            <a:endParaRPr lang="en-US"/>
+            <a:endParaRPr lang="en-US" dirty="0"/>
           </a:p>
         </p:txBody>
       </p:sp>
@@ -39859,7 +44086,7 @@
           <a:lstStyle/>
           <a:p>
             <a:pPr algn="ctr"/>
-            <a:endParaRPr lang="en-US"/>
+            <a:endParaRPr lang="en-US" dirty="0"/>
           </a:p>
         </p:txBody>
       </p:sp>
@@ -39900,7 +44127,7 @@
           <a:lstStyle/>
           <a:p>
             <a:pPr algn="ctr"/>
-            <a:endParaRPr lang="en-US"/>
+            <a:endParaRPr lang="en-US" dirty="0"/>
           </a:p>
         </p:txBody>
       </p:sp>
@@ -39941,7 +44168,7 @@
           <a:lstStyle/>
           <a:p>
             <a:pPr algn="ctr"/>
-            <a:endParaRPr lang="en-US"/>
+            <a:endParaRPr lang="en-US" dirty="0"/>
           </a:p>
         </p:txBody>
       </p:sp>
@@ -39987,7 +44214,7 @@
           <a:lstStyle/>
           <a:p>
             <a:pPr algn="ctr"/>
-            <a:endParaRPr lang="en-US"/>
+            <a:endParaRPr lang="en-US" dirty="0"/>
           </a:p>
         </p:txBody>
       </p:sp>
@@ -40033,7 +44260,7 @@
           <a:lstStyle/>
           <a:p>
             <a:pPr algn="ctr"/>
-            <a:endParaRPr lang="en-US"/>
+            <a:endParaRPr lang="en-US" dirty="0"/>
           </a:p>
         </p:txBody>
       </p:sp>
@@ -40125,7 +44352,7 @@
           <a:lstStyle/>
           <a:p>
             <a:pPr algn="ctr"/>
-            <a:endParaRPr lang="en-US"/>
+            <a:endParaRPr lang="en-US" dirty="0"/>
           </a:p>
         </p:txBody>
       </p:sp>
@@ -40171,7 +44398,7 @@
           <a:lstStyle/>
           <a:p>
             <a:pPr algn="ctr"/>
-            <a:endParaRPr lang="en-US"/>
+            <a:endParaRPr lang="en-US" dirty="0"/>
           </a:p>
         </p:txBody>
       </p:sp>
@@ -40217,7 +44444,7 @@
           <a:lstStyle/>
           <a:p>
             <a:pPr algn="ctr"/>
-            <a:endParaRPr lang="en-US"/>
+            <a:endParaRPr lang="en-US" dirty="0"/>
           </a:p>
         </p:txBody>
       </p:sp>
@@ -40260,7 +44487,7 @@
           <a:lstStyle/>
           <a:p>
             <a:pPr algn="ctr"/>
-            <a:endParaRPr lang="en-US"/>
+            <a:endParaRPr lang="en-US" dirty="0"/>
           </a:p>
         </p:txBody>
       </p:sp>
@@ -40306,7 +44533,7 @@
           <a:lstStyle/>
           <a:p>
             <a:pPr algn="ctr"/>
-            <a:endParaRPr lang="en-US"/>
+            <a:endParaRPr lang="en-US" dirty="0"/>
           </a:p>
         </p:txBody>
       </p:sp>
@@ -40352,7 +44579,7 @@
           <a:lstStyle/>
           <a:p>
             <a:pPr algn="ctr"/>
-            <a:endParaRPr lang="en-US"/>
+            <a:endParaRPr lang="en-US" dirty="0"/>
           </a:p>
         </p:txBody>
       </p:sp>
@@ -40398,7 +44625,7 @@
           <a:lstStyle/>
           <a:p>
             <a:pPr algn="ctr"/>
-            <a:endParaRPr lang="en-US"/>
+            <a:endParaRPr lang="en-US" dirty="0"/>
           </a:p>
         </p:txBody>
       </p:sp>
@@ -40444,7 +44671,7 @@
           <a:lstStyle/>
           <a:p>
             <a:pPr algn="ctr"/>
-            <a:endParaRPr lang="en-US"/>
+            <a:endParaRPr lang="en-US" dirty="0"/>
           </a:p>
         </p:txBody>
       </p:sp>
@@ -40490,7 +44717,7 @@
           <a:lstStyle/>
           <a:p>
             <a:pPr algn="ctr"/>
-            <a:endParaRPr lang="en-US"/>
+            <a:endParaRPr lang="en-US" dirty="0"/>
           </a:p>
         </p:txBody>
       </p:sp>
@@ -40536,7 +44763,7 @@
           <a:lstStyle/>
           <a:p>
             <a:pPr algn="ctr"/>
-            <a:endParaRPr lang="en-US"/>
+            <a:endParaRPr lang="en-US" dirty="0"/>
           </a:p>
         </p:txBody>
       </p:sp>
@@ -40582,7 +44809,7 @@
           <a:lstStyle/>
           <a:p>
             <a:pPr algn="ctr"/>
-            <a:endParaRPr lang="en-US"/>
+            <a:endParaRPr lang="en-US" dirty="0"/>
           </a:p>
         </p:txBody>
       </p:sp>
@@ -40628,7 +44855,7 @@
           <a:lstStyle/>
           <a:p>
             <a:pPr algn="ctr"/>
-            <a:endParaRPr lang="en-US"/>
+            <a:endParaRPr lang="en-US" dirty="0"/>
           </a:p>
         </p:txBody>
       </p:sp>
@@ -40674,7 +44901,7 @@
           <a:lstStyle/>
           <a:p>
             <a:pPr algn="ctr"/>
-            <a:endParaRPr lang="en-US"/>
+            <a:endParaRPr lang="en-US" dirty="0"/>
           </a:p>
         </p:txBody>
       </p:sp>
@@ -40720,7 +44947,7 @@
           <a:lstStyle/>
           <a:p>
             <a:pPr algn="ctr"/>
-            <a:endParaRPr lang="en-US"/>
+            <a:endParaRPr lang="en-US" dirty="0"/>
           </a:p>
         </p:txBody>
       </p:sp>
@@ -40766,7 +44993,7 @@
           <a:lstStyle/>
           <a:p>
             <a:pPr algn="ctr"/>
-            <a:endParaRPr lang="en-US"/>
+            <a:endParaRPr lang="en-US" dirty="0"/>
           </a:p>
         </p:txBody>
       </p:sp>
@@ -40855,7 +45082,7 @@
           <a:lstStyle/>
           <a:p>
             <a:pPr algn="ctr"/>
-            <a:endParaRPr lang="en-US"/>
+            <a:endParaRPr lang="en-US" dirty="0"/>
           </a:p>
         </p:txBody>
       </p:sp>
@@ -40901,7 +45128,7 @@
           <a:lstStyle/>
           <a:p>
             <a:pPr algn="ctr"/>
-            <a:endParaRPr lang="en-US"/>
+            <a:endParaRPr lang="en-US" dirty="0"/>
           </a:p>
         </p:txBody>
       </p:sp>
@@ -40947,7 +45174,7 @@
           <a:lstStyle/>
           <a:p>
             <a:pPr algn="ctr"/>
-            <a:endParaRPr lang="en-US"/>
+            <a:endParaRPr lang="en-US" dirty="0"/>
           </a:p>
         </p:txBody>
       </p:sp>
@@ -40993,7 +45220,7 @@
           <a:lstStyle/>
           <a:p>
             <a:pPr algn="ctr"/>
-            <a:endParaRPr lang="en-US"/>
+            <a:endParaRPr lang="en-US" dirty="0"/>
           </a:p>
         </p:txBody>
       </p:sp>
@@ -41039,7 +45266,7 @@
           <a:lstStyle/>
           <a:p>
             <a:pPr algn="ctr"/>
-            <a:endParaRPr lang="en-US"/>
+            <a:endParaRPr lang="en-US" dirty="0"/>
           </a:p>
         </p:txBody>
       </p:sp>
@@ -41518,7 +45745,7 @@
           <a:lstStyle/>
           <a:p>
             <a:pPr algn="ctr"/>
-            <a:endParaRPr lang="en-US"/>
+            <a:endParaRPr lang="en-US" dirty="0"/>
           </a:p>
         </p:txBody>
       </p:sp>
@@ -41564,7 +45791,7 @@
           <a:lstStyle/>
           <a:p>
             <a:pPr algn="ctr"/>
-            <a:endParaRPr lang="en-US"/>
+            <a:endParaRPr lang="en-US" dirty="0"/>
           </a:p>
         </p:txBody>
       </p:sp>
@@ -41607,7 +45834,7 @@
           <a:lstStyle/>
           <a:p>
             <a:pPr algn="ctr"/>
-            <a:endParaRPr lang="en-US"/>
+            <a:endParaRPr lang="en-US" dirty="0"/>
           </a:p>
         </p:txBody>
       </p:sp>
@@ -41653,7 +45880,7 @@
           <a:lstStyle/>
           <a:p>
             <a:pPr algn="ctr"/>
-            <a:endParaRPr lang="en-US"/>
+            <a:endParaRPr lang="en-US" dirty="0"/>
           </a:p>
         </p:txBody>
       </p:sp>
@@ -41696,7 +45923,7 @@
           <a:lstStyle/>
           <a:p>
             <a:pPr algn="ctr"/>
-            <a:endParaRPr lang="en-US"/>
+            <a:endParaRPr lang="en-US" dirty="0"/>
           </a:p>
         </p:txBody>
       </p:sp>
@@ -41742,7 +45969,7 @@
           <a:lstStyle/>
           <a:p>
             <a:pPr algn="ctr"/>
-            <a:endParaRPr lang="en-US"/>
+            <a:endParaRPr lang="en-US" dirty="0"/>
           </a:p>
         </p:txBody>
       </p:sp>
@@ -41788,7 +46015,7 @@
           <a:lstStyle/>
           <a:p>
             <a:pPr algn="ctr"/>
-            <a:endParaRPr lang="en-US"/>
+            <a:endParaRPr lang="en-US" dirty="0"/>
           </a:p>
         </p:txBody>
       </p:sp>
@@ -42211,7 +46438,7 @@
           <a:lstStyle/>
           <a:p>
             <a:pPr algn="ctr"/>
-            <a:endParaRPr lang="en-US"/>
+            <a:endParaRPr lang="en-US" dirty="0"/>
           </a:p>
         </p:txBody>
       </p:sp>
@@ -42254,7 +46481,7 @@
           <a:lstStyle/>
           <a:p>
             <a:pPr algn="ctr"/>
-            <a:endParaRPr lang="en-US"/>
+            <a:endParaRPr lang="en-US" dirty="0"/>
           </a:p>
         </p:txBody>
       </p:sp>
@@ -42297,7 +46524,7 @@
           <a:lstStyle/>
           <a:p>
             <a:pPr algn="ctr"/>
-            <a:endParaRPr lang="en-US"/>
+            <a:endParaRPr lang="en-US" dirty="0"/>
           </a:p>
         </p:txBody>
       </p:sp>
@@ -42340,7 +46567,7 @@
           <a:lstStyle/>
           <a:p>
             <a:pPr algn="ctr"/>
-            <a:endParaRPr lang="en-US"/>
+            <a:endParaRPr lang="en-US" dirty="0"/>
           </a:p>
         </p:txBody>
       </p:sp>
@@ -42393,6 +46620,13 @@
   <p:clrMapOvr>
     <a:masterClrMapping/>
   </p:clrMapOvr>
+  <p:timing>
+    <p:tnLst>
+      <p:par>
+        <p:cTn id="1" dur="indefinite" restart="never" nodeType="tmRoot"/>
+      </p:par>
+    </p:tnLst>
+  </p:timing>
 </p:sld>
 </file>
 
@@ -44272,7 +48506,7 @@
           <a:lstStyle/>
           <a:p>
             <a:pPr algn="ctr"/>
-            <a:endParaRPr lang="en-US"/>
+            <a:endParaRPr lang="en-US" dirty="0"/>
           </a:p>
         </p:txBody>
       </p:sp>
@@ -44435,7 +48669,7 @@
           <a:lstStyle/>
           <a:p>
             <a:pPr algn="ctr"/>
-            <a:endParaRPr lang="en-US"/>
+            <a:endParaRPr lang="en-US" dirty="0"/>
           </a:p>
         </p:txBody>
       </p:sp>
@@ -44486,7 +48720,7 @@
           <a:lstStyle/>
           <a:p>
             <a:pPr algn="ctr"/>
-            <a:endParaRPr lang="en-US">
+            <a:endParaRPr lang="en-US" dirty="0">
               <a:solidFill>
                 <a:schemeClr val="tx1"/>
               </a:solidFill>
@@ -44635,6 +48869,13 @@
   <p:clrMapOvr>
     <a:masterClrMapping/>
   </p:clrMapOvr>
+  <p:timing>
+    <p:tnLst>
+      <p:par>
+        <p:cTn id="1" dur="indefinite" restart="never" nodeType="tmRoot"/>
+      </p:par>
+    </p:tnLst>
+  </p:timing>
 </p:sld>
 </file>
 
@@ -44727,7 +48968,7 @@
               <a:lstStyle/>
               <a:p>
                 <a:pPr algn="ctr"/>
-                <a:endParaRPr lang="en-US"/>
+                <a:endParaRPr lang="en-US" dirty="0"/>
               </a:p>
             </p:txBody>
           </p:sp>
@@ -44778,7 +49019,7 @@
               <a:lstStyle/>
               <a:p>
                 <a:pPr algn="ctr"/>
-                <a:endParaRPr lang="en-US">
+                <a:endParaRPr lang="en-US" dirty="0">
                   <a:solidFill>
                     <a:schemeClr val="tx1"/>
                   </a:solidFill>
@@ -45213,7 +49454,7 @@
               <a:lstStyle/>
               <a:p>
                 <a:pPr algn="ctr"/>
-                <a:endParaRPr lang="en-US"/>
+                <a:endParaRPr lang="en-US" dirty="0"/>
               </a:p>
             </p:txBody>
           </p:sp>
@@ -45614,7 +49855,7 @@
               <a:lstStyle/>
               <a:p>
                 <a:pPr algn="ctr"/>
-                <a:endParaRPr lang="en-US"/>
+                <a:endParaRPr lang="en-US" dirty="0"/>
               </a:p>
             </p:txBody>
           </p:sp>
@@ -45780,7 +50021,7 @@
             <a:lstStyle/>
             <a:p>
               <a:pPr algn="ctr"/>
-              <a:endParaRPr lang="en-US"/>
+              <a:endParaRPr lang="en-US" dirty="0"/>
             </a:p>
           </p:txBody>
         </p:sp>
@@ -45914,6 +50155,13 @@
   <p:clrMapOvr>
     <a:masterClrMapping/>
   </p:clrMapOvr>
+  <p:timing>
+    <p:tnLst>
+      <p:par>
+        <p:cTn id="1" dur="indefinite" restart="never" nodeType="tmRoot"/>
+      </p:par>
+    </p:tnLst>
+  </p:timing>
 </p:sld>
 </file>
 
@@ -45949,7 +50197,7 @@
           <a:bodyPr/>
           <a:lstStyle/>
           <a:p>
-            <a:endParaRPr lang="en-US"/>
+            <a:endParaRPr lang="en-US" dirty="0"/>
           </a:p>
         </p:txBody>
       </p:sp>
@@ -46022,6 +50270,13 @@
   <p:clrMapOvr>
     <a:masterClrMapping/>
   </p:clrMapOvr>
+  <p:timing>
+    <p:tnLst>
+      <p:par>
+        <p:cTn id="1" dur="indefinite" restart="never" nodeType="tmRoot"/>
+      </p:par>
+    </p:tnLst>
+  </p:timing>
 </p:sld>
 </file>
 
@@ -46042,120 +50297,111 @@
           <a:chExt cx="0" cy="0"/>
         </a:xfrm>
       </p:grpSpPr>
-      <p:sp>
-        <p:nvSpPr>
-          <p:cNvPr id="2" name="Title 1">
-            <a:extLst>
-              <a:ext uri="{FF2B5EF4-FFF2-40B4-BE49-F238E27FC236}">
-                <a16:creationId xmlns:a16="http://schemas.microsoft.com/office/drawing/2014/main" id="{BCD69B69-0F2F-42F7-8E6B-27A158FE54D3}"/>
-              </a:ext>
-            </a:extLst>
-          </p:cNvPr>
-          <p:cNvSpPr>
-            <a:spLocks noGrp="1"/>
-          </p:cNvSpPr>
-          <p:nvPr>
-            <p:ph type="title"/>
-          </p:nvPr>
-        </p:nvSpPr>
-        <p:spPr/>
-        <p:txBody>
-          <a:bodyPr/>
-          <a:lstStyle/>
-          <a:p>
-            <a:endParaRPr lang="en-US"/>
-          </a:p>
-        </p:txBody>
-      </p:sp>
-      <p:pic>
-        <p:nvPicPr>
-          <p:cNvPr id="5" name="Content Placeholder 4" descr="A picture containing text, map&#10;&#10;Description automatically generated">
-            <a:extLst>
-              <a:ext uri="{FF2B5EF4-FFF2-40B4-BE49-F238E27FC236}">
-                <a16:creationId xmlns:a16="http://schemas.microsoft.com/office/drawing/2014/main" id="{57F949F9-4B9E-4C6A-B0B0-69E73A36D028}"/>
-              </a:ext>
-            </a:extLst>
-          </p:cNvPr>
-          <p:cNvPicPr>
-            <a:picLocks noGrp="1" noChangeAspect="1"/>
-          </p:cNvPicPr>
-          <p:nvPr>
-            <p:ph idx="1"/>
-          </p:nvPr>
-        </p:nvPicPr>
-        <p:blipFill rotWithShape="1">
-          <a:blip r:embed="rId2" cstate="print">
-            <a:extLst>
-              <a:ext uri="{28A0092B-C50C-407E-A947-70E740481C1C}">
-                <a14:useLocalDpi xmlns:a14="http://schemas.microsoft.com/office/drawing/2010/main" val="0"/>
-              </a:ext>
-            </a:extLst>
-          </a:blip>
-          <a:srcRect t="6029"/>
-          <a:stretch/>
-        </p:blipFill>
-        <p:spPr>
+      <p:grpSp>
+        <p:nvGrpSpPr>
+          <p:cNvPr id="32" name="Group 31"/>
+          <p:cNvGrpSpPr/>
+          <p:nvPr/>
+        </p:nvGrpSpPr>
+        <p:grpSpPr>
           <a:xfrm>
-            <a:off x="638630" y="2540000"/>
-            <a:ext cx="4684483" cy="3486740"/>
+            <a:off x="2747725" y="451311"/>
+            <a:ext cx="6250967" cy="3857625"/>
+            <a:chOff x="2747725" y="451311"/>
+            <a:chExt cx="6250967" cy="3857625"/>
           </a:xfrm>
-        </p:spPr>
-      </p:pic>
-      <mc:AlternateContent xmlns:mc="http://schemas.openxmlformats.org/markup-compatibility/2006">
-        <mc:Choice xmlns:a14="http://schemas.microsoft.com/office/drawing/2010/main" Requires="a14">
-          <p:sp>
-            <p:nvSpPr>
-              <p:cNvPr id="10" name="Rectangle 9">
-                <a:extLst>
-                  <a:ext uri="{FF2B5EF4-FFF2-40B4-BE49-F238E27FC236}">
-                    <a16:creationId xmlns:a16="http://schemas.microsoft.com/office/drawing/2014/main" id="{2E36643D-EEA2-42A8-BBCF-DC12D9FC8BA4}"/>
-                  </a:ext>
-                </a:extLst>
-              </p:cNvPr>
-              <p:cNvSpPr/>
-              <p:nvPr/>
-            </p:nvSpPr>
-            <p:spPr>
-              <a:xfrm>
-                <a:off x="1949790" y="5731031"/>
-                <a:ext cx="2062162" cy="252412"/>
-              </a:xfrm>
-              <a:prstGeom prst="rect">
-                <a:avLst/>
-              </a:prstGeom>
-              <a:solidFill>
-                <a:schemeClr val="bg1"/>
-              </a:solidFill>
-              <a:ln>
-                <a:noFill/>
-              </a:ln>
-            </p:spPr>
-            <p:style>
-              <a:lnRef idx="2">
-                <a:schemeClr val="accent1">
-                  <a:shade val="50000"/>
-                </a:schemeClr>
-              </a:lnRef>
-              <a:fillRef idx="1">
-                <a:schemeClr val="accent1"/>
-              </a:fillRef>
-              <a:effectRef idx="0">
-                <a:schemeClr val="accent1"/>
-              </a:effectRef>
-              <a:fontRef idx="minor">
-                <a:schemeClr val="lt1"/>
-              </a:fontRef>
-            </p:style>
-            <p:txBody>
-              <a:bodyPr rtlCol="0" anchor="ctr"/>
-              <a:lstStyle/>
-              <a:p>
-                <a:pPr algn="ctr"/>
-                <a14:m>
-                  <m:oMathPara xmlns:m="http://schemas.openxmlformats.org/officeDocument/2006/math">
-                    <m:oMathParaPr>
-                      <m:jc m:val="centerGroup"/>
-                    </m:oMathParaPr>
+        </p:grpSpPr>
+        <p:pic>
+          <p:nvPicPr>
+            <p:cNvPr id="31" name="Picture 30"/>
+            <p:cNvPicPr>
+              <a:picLocks noChangeAspect="1"/>
+            </p:cNvPicPr>
+            <p:nvPr/>
+          </p:nvPicPr>
+          <p:blipFill>
+            <a:blip r:embed="rId2" cstate="print">
+              <a:extLst>
+                <a:ext uri="{28A0092B-C50C-407E-A947-70E740481C1C}">
+                  <a14:useLocalDpi xmlns:a14="http://schemas.microsoft.com/office/drawing/2010/main" val="0"/>
+                </a:ext>
+              </a:extLst>
+            </a:blip>
+            <a:stretch>
+              <a:fillRect/>
+            </a:stretch>
+          </p:blipFill>
+          <p:spPr>
+            <a:xfrm>
+              <a:off x="3467815" y="451311"/>
+              <a:ext cx="4870329" cy="3857625"/>
+            </a:xfrm>
+            <a:prstGeom prst="rect">
+              <a:avLst/>
+            </a:prstGeom>
+          </p:spPr>
+        </p:pic>
+        <mc:AlternateContent xmlns:mc="http://schemas.openxmlformats.org/markup-compatibility/2006">
+          <mc:Choice xmlns:a14="http://schemas.microsoft.com/office/drawing/2010/main" Requires="a14">
+            <p:sp>
+              <p:nvSpPr>
+                <p:cNvPr id="10" name="Rectangle 9">
+                  <a:extLst>
+                    <a:ext uri="{FF2B5EF4-FFF2-40B4-BE49-F238E27FC236}">
+                      <a16:creationId xmlns:a16="http://schemas.microsoft.com/office/drawing/2014/main" xmlns="" id="{2E36643D-EEA2-42A8-BBCF-DC12D9FC8BA4}"/>
+                    </a:ext>
+                  </a:extLst>
+                </p:cNvPr>
+                <p:cNvSpPr/>
+                <p:nvPr/>
+              </p:nvSpPr>
+              <p:spPr>
+                <a:xfrm>
+                  <a:off x="4805204" y="4017858"/>
+                  <a:ext cx="2062162" cy="252412"/>
+                </a:xfrm>
+                <a:prstGeom prst="rect">
+                  <a:avLst/>
+                </a:prstGeom>
+                <a:solidFill>
+                  <a:schemeClr val="bg1"/>
+                </a:solidFill>
+                <a:ln>
+                  <a:noFill/>
+                </a:ln>
+              </p:spPr>
+              <p:style>
+                <a:lnRef idx="2">
+                  <a:schemeClr val="accent1">
+                    <a:shade val="50000"/>
+                  </a:schemeClr>
+                </a:lnRef>
+                <a:fillRef idx="1">
+                  <a:schemeClr val="accent1"/>
+                </a:fillRef>
+                <a:effectRef idx="0">
+                  <a:schemeClr val="accent1"/>
+                </a:effectRef>
+                <a:fontRef idx="minor">
+                  <a:schemeClr val="lt1"/>
+                </a:fontRef>
+              </p:style>
+              <p:txBody>
+                <a:bodyPr rtlCol="0" anchor="ctr"/>
+                <a:lstStyle/>
+                <a:p>
+                  <a:pPr algn="ctr"/>
+                  <a:r>
+                    <a:rPr lang="en-US" sz="1200" b="0" dirty="0" smtClean="0">
+                      <a:solidFill>
+                        <a:schemeClr val="tx1"/>
+                      </a:solidFill>
+                      <a:latin typeface="Cambria Math" panose="02040503050406030204" pitchFamily="18" charset="0"/>
+                      <a:ea typeface="Cambria Math" panose="02040503050406030204" pitchFamily="18" charset="0"/>
+                    </a:rPr>
+                    <a:t>True </a:t>
+                  </a:r>
+                  <a14:m>
                     <m:oMath xmlns:m="http://schemas.openxmlformats.org/officeDocument/2006/math">
                       <m:r>
                         <a:rPr lang="en-US" sz="1200" b="0" i="1" smtClean="0">
@@ -46163,15 +50409,216 @@
                             <a:schemeClr val="tx1"/>
                           </a:solidFill>
                           <a:latin typeface="Cambria Math" panose="02040503050406030204" pitchFamily="18" charset="0"/>
+                          <a:ea typeface="Cambria Math" panose="02040503050406030204" pitchFamily="18" charset="0"/>
                         </a:rPr>
-                        <m:t>𝑇𝑟𝑢𝑒</m:t>
+                        <m:t>𝜃</m:t>
                       </m:r>
+                    </m:oMath>
+                  </a14:m>
+                  <a:r>
+                    <a:rPr lang="en-US" sz="1200" dirty="0" smtClean="0">
+                      <a:solidFill>
+                        <a:schemeClr val="tx1"/>
+                      </a:solidFill>
+                      <a:latin typeface="Cambria Math" panose="02040503050406030204" pitchFamily="18" charset="0"/>
+                      <a:ea typeface="Cambria Math" panose="02040503050406030204" pitchFamily="18" charset="0"/>
+                    </a:rPr>
+                    <a:t> Probabilities</a:t>
+                  </a:r>
+                  <a:endParaRPr lang="en-US" sz="1200" dirty="0">
+                    <a:solidFill>
+                      <a:schemeClr val="tx1"/>
+                    </a:solidFill>
+                    <a:latin typeface="Cambria Math" panose="02040503050406030204" pitchFamily="18" charset="0"/>
+                    <a:ea typeface="Cambria Math" panose="02040503050406030204" pitchFamily="18" charset="0"/>
+                  </a:endParaRPr>
+                </a:p>
+              </p:txBody>
+            </p:sp>
+          </mc:Choice>
+          <mc:Fallback>
+            <p:sp>
+              <p:nvSpPr>
+                <p:cNvPr id="10" name="Rectangle 9">
+                  <a:extLst>
+                    <a:ext uri="{FF2B5EF4-FFF2-40B4-BE49-F238E27FC236}">
+                      <a16:creationId xmlns:a16="http://schemas.microsoft.com/office/drawing/2014/main" xmlns:a14="http://schemas.microsoft.com/office/drawing/2010/main" xmlns="" id="{2E36643D-EEA2-42A8-BBCF-DC12D9FC8BA4}"/>
+                    </a:ext>
+                  </a:extLst>
+                </p:cNvPr>
+                <p:cNvSpPr>
+                  <a:spLocks noRot="1" noChangeAspect="1" noMove="1" noResize="1" noEditPoints="1" noAdjustHandles="1" noChangeArrowheads="1" noChangeShapeType="1" noTextEdit="1"/>
+                </p:cNvSpPr>
+                <p:nvPr/>
+              </p:nvSpPr>
+              <p:spPr>
+                <a:xfrm>
+                  <a:off x="4805204" y="4017858"/>
+                  <a:ext cx="2062162" cy="252412"/>
+                </a:xfrm>
+                <a:prstGeom prst="rect">
+                  <a:avLst/>
+                </a:prstGeom>
+                <a:blipFill rotWithShape="0">
+                  <a:blip r:embed="rId3"/>
+                  <a:stretch>
+                    <a:fillRect t="-4762" b="-21429"/>
+                  </a:stretch>
+                </a:blipFill>
+                <a:ln>
+                  <a:noFill/>
+                </a:ln>
+              </p:spPr>
+              <p:txBody>
+                <a:bodyPr/>
+                <a:lstStyle/>
+                <a:p>
+                  <a:r>
+                    <a:rPr lang="en-US">
+                      <a:noFill/>
+                    </a:rPr>
+                    <a:t> </a:t>
+                  </a:r>
+                </a:p>
+              </p:txBody>
+            </p:sp>
+          </mc:Fallback>
+        </mc:AlternateContent>
+        <p:sp>
+          <p:nvSpPr>
+            <p:cNvPr id="11" name="Rectangle 10">
+              <a:extLst>
+                <a:ext uri="{FF2B5EF4-FFF2-40B4-BE49-F238E27FC236}">
+                  <a16:creationId xmlns:a16="http://schemas.microsoft.com/office/drawing/2014/main" xmlns="" id="{0088E734-0132-42BF-A871-F58627DBCCEF}"/>
+                </a:ext>
+              </a:extLst>
+            </p:cNvPr>
+            <p:cNvSpPr/>
+            <p:nvPr/>
+          </p:nvSpPr>
+          <p:spPr>
+            <a:xfrm>
+              <a:off x="4917577" y="638070"/>
+              <a:ext cx="2062162" cy="252412"/>
+            </a:xfrm>
+            <a:prstGeom prst="rect">
+              <a:avLst/>
+            </a:prstGeom>
+            <a:solidFill>
+              <a:schemeClr val="bg1"/>
+            </a:solidFill>
+            <a:ln>
+              <a:noFill/>
+            </a:ln>
+          </p:spPr>
+          <p:style>
+            <a:lnRef idx="2">
+              <a:schemeClr val="accent1">
+                <a:shade val="50000"/>
+              </a:schemeClr>
+            </a:lnRef>
+            <a:fillRef idx="1">
+              <a:schemeClr val="accent1"/>
+            </a:fillRef>
+            <a:effectRef idx="0">
+              <a:schemeClr val="accent1"/>
+            </a:effectRef>
+            <a:fontRef idx="minor">
+              <a:schemeClr val="lt1"/>
+            </a:fontRef>
+          </p:style>
+          <p:txBody>
+            <a:bodyPr rtlCol="0" anchor="ctr"/>
+            <a:lstStyle/>
+            <a:p>
+              <a:pPr algn="ctr"/>
+              <a:endParaRPr lang="en-US" dirty="0">
+                <a:solidFill>
+                  <a:schemeClr val="tx1"/>
+                </a:solidFill>
+              </a:endParaRPr>
+            </a:p>
+          </p:txBody>
+        </p:sp>
+        <mc:AlternateContent xmlns:mc="http://schemas.openxmlformats.org/markup-compatibility/2006">
+          <mc:Choice xmlns:a14="http://schemas.microsoft.com/office/drawing/2010/main" Requires="a14">
+            <p:sp>
+              <p:nvSpPr>
+                <p:cNvPr id="13" name="Rectangle 12">
+                  <a:extLst>
+                    <a:ext uri="{FF2B5EF4-FFF2-40B4-BE49-F238E27FC236}">
+                      <a16:creationId xmlns:a16="http://schemas.microsoft.com/office/drawing/2014/main" xmlns="" id="{6D2C8BE0-B0D2-4978-A1B5-FFF5137A4C82}"/>
+                    </a:ext>
+                  </a:extLst>
+                </p:cNvPr>
+                <p:cNvSpPr/>
+                <p:nvPr/>
+              </p:nvSpPr>
+              <p:spPr>
+                <a:xfrm>
+                  <a:off x="2747725" y="1668675"/>
+                  <a:ext cx="1211580" cy="1075852"/>
+                </a:xfrm>
+                <a:prstGeom prst="rect">
+                  <a:avLst/>
+                </a:prstGeom>
+                <a:solidFill>
+                  <a:schemeClr val="bg1"/>
+                </a:solidFill>
+                <a:ln>
+                  <a:noFill/>
+                </a:ln>
+              </p:spPr>
+              <p:style>
+                <a:lnRef idx="2">
+                  <a:schemeClr val="accent1">
+                    <a:shade val="50000"/>
+                  </a:schemeClr>
+                </a:lnRef>
+                <a:fillRef idx="1">
+                  <a:schemeClr val="accent1"/>
+                </a:fillRef>
+                <a:effectRef idx="0">
+                  <a:schemeClr val="accent1"/>
+                </a:effectRef>
+                <a:fontRef idx="minor">
+                  <a:schemeClr val="lt1"/>
+                </a:fontRef>
+              </p:style>
+              <p:txBody>
+                <a:bodyPr rtlCol="0" anchor="ctr"/>
+                <a:lstStyle/>
+                <a:p>
+                  <a:pPr algn="ctr"/>
+                  <a:r>
+                    <a:rPr lang="en-US" sz="1200" dirty="0" smtClean="0">
+                      <a:solidFill>
+                        <a:schemeClr val="tx1"/>
+                      </a:solidFill>
+                      <a:latin typeface="Cambria Math" panose="02040503050406030204" pitchFamily="18" charset="0"/>
+                      <a:ea typeface="Cambria Math" panose="02040503050406030204" pitchFamily="18" charset="0"/>
+                    </a:rPr>
+                    <a:t>Estimated</a:t>
+                  </a:r>
+                  <a:endParaRPr lang="en-US" sz="1200" b="0" dirty="0" smtClean="0">
+                    <a:solidFill>
+                      <a:schemeClr val="tx1"/>
+                    </a:solidFill>
+                    <a:latin typeface="Cambria Math" panose="02040503050406030204" pitchFamily="18" charset="0"/>
+                    <a:ea typeface="Cambria Math" panose="02040503050406030204" pitchFamily="18" charset="0"/>
+                  </a:endParaRPr>
+                </a:p>
+                <a:p>
+                  <a:pPr algn="ctr"/>
+                  <a14:m>
+                    <m:oMath xmlns:m="http://schemas.openxmlformats.org/officeDocument/2006/math">
                       <m:r>
                         <a:rPr lang="en-US" sz="1200" b="0" i="1" smtClean="0">
                           <a:solidFill>
                             <a:schemeClr val="tx1"/>
                           </a:solidFill>
                           <a:latin typeface="Cambria Math" panose="02040503050406030204" pitchFamily="18" charset="0"/>
+                          <a:ea typeface="Cambria Math" panose="02040503050406030204" pitchFamily="18" charset="0"/>
                         </a:rPr>
                         <m:t> </m:t>
                       </m:r>
@@ -46181,308 +50628,1097 @@
                             <a:schemeClr val="tx1"/>
                           </a:solidFill>
                           <a:latin typeface="Cambria Math" panose="02040503050406030204" pitchFamily="18" charset="0"/>
+                          <a:ea typeface="Cambria Math" panose="02040503050406030204" pitchFamily="18" charset="0"/>
                         </a:rPr>
                         <m:t>𝜃</m:t>
                       </m:r>
+                    </m:oMath>
+                  </a14:m>
+                  <a:r>
+                    <a:rPr lang="en-US" sz="1200" dirty="0" smtClean="0">
+                      <a:solidFill>
+                        <a:schemeClr val="tx1"/>
+                      </a:solidFill>
+                      <a:latin typeface="Cambria Math" panose="02040503050406030204" pitchFamily="18" charset="0"/>
+                      <a:ea typeface="Cambria Math" panose="02040503050406030204" pitchFamily="18" charset="0"/>
+                    </a:rPr>
+                    <a:t> Probabilities</a:t>
+                  </a:r>
+                  <a:endParaRPr lang="en-US" sz="1200" dirty="0">
+                    <a:solidFill>
+                      <a:schemeClr val="tx1"/>
+                    </a:solidFill>
+                    <a:latin typeface="Cambria Math" panose="02040503050406030204" pitchFamily="18" charset="0"/>
+                    <a:ea typeface="Cambria Math" panose="02040503050406030204" pitchFamily="18" charset="0"/>
+                  </a:endParaRPr>
+                </a:p>
+              </p:txBody>
+            </p:sp>
+          </mc:Choice>
+          <mc:Fallback>
+            <p:sp>
+              <p:nvSpPr>
+                <p:cNvPr id="13" name="Rectangle 12">
+                  <a:extLst>
+                    <a:ext uri="{FF2B5EF4-FFF2-40B4-BE49-F238E27FC236}">
+                      <a16:creationId xmlns:a16="http://schemas.microsoft.com/office/drawing/2014/main" xmlns:a14="http://schemas.microsoft.com/office/drawing/2010/main" xmlns="" id="{6D2C8BE0-B0D2-4978-A1B5-FFF5137A4C82}"/>
+                    </a:ext>
+                  </a:extLst>
+                </p:cNvPr>
+                <p:cNvSpPr>
+                  <a:spLocks noRot="1" noChangeAspect="1" noMove="1" noResize="1" noEditPoints="1" noAdjustHandles="1" noChangeArrowheads="1" noChangeShapeType="1" noTextEdit="1"/>
+                </p:cNvSpPr>
+                <p:nvPr/>
+              </p:nvSpPr>
+              <p:spPr>
+                <a:xfrm>
+                  <a:off x="2747725" y="1668675"/>
+                  <a:ext cx="1211580" cy="1075852"/>
+                </a:xfrm>
+                <a:prstGeom prst="rect">
+                  <a:avLst/>
+                </a:prstGeom>
+                <a:blipFill rotWithShape="0">
+                  <a:blip r:embed="rId4"/>
+                  <a:stretch>
+                    <a:fillRect/>
+                  </a:stretch>
+                </a:blipFill>
+                <a:ln>
+                  <a:noFill/>
+                </a:ln>
+              </p:spPr>
+              <p:txBody>
+                <a:bodyPr/>
+                <a:lstStyle/>
+                <a:p>
+                  <a:r>
+                    <a:rPr lang="en-US">
+                      <a:noFill/>
+                    </a:rPr>
+                    <a:t> </a:t>
+                  </a:r>
+                </a:p>
+              </p:txBody>
+            </p:sp>
+          </mc:Fallback>
+        </mc:AlternateContent>
+        <mc:AlternateContent xmlns:mc="http://schemas.openxmlformats.org/markup-compatibility/2006">
+          <mc:Choice xmlns:a14="http://schemas.microsoft.com/office/drawing/2010/main" Requires="a14">
+            <p:sp>
+              <p:nvSpPr>
+                <p:cNvPr id="23" name="Rectangle 22"/>
+                <p:cNvSpPr/>
+                <p:nvPr/>
+              </p:nvSpPr>
+              <p:spPr>
+                <a:xfrm>
+                  <a:off x="6148812" y="3066778"/>
+                  <a:ext cx="2849880" cy="567690"/>
+                </a:xfrm>
+                <a:prstGeom prst="rect">
+                  <a:avLst/>
+                </a:prstGeom>
+                <a:solidFill>
+                  <a:schemeClr val="bg1"/>
+                </a:solidFill>
+                <a:ln>
+                  <a:solidFill>
+                    <a:schemeClr val="bg1"/>
+                  </a:solidFill>
+                </a:ln>
+              </p:spPr>
+              <p:style>
+                <a:lnRef idx="2">
+                  <a:schemeClr val="accent1">
+                    <a:shade val="50000"/>
+                  </a:schemeClr>
+                </a:lnRef>
+                <a:fillRef idx="1">
+                  <a:schemeClr val="accent1"/>
+                </a:fillRef>
+                <a:effectRef idx="0">
+                  <a:schemeClr val="accent1"/>
+                </a:effectRef>
+                <a:fontRef idx="minor">
+                  <a:schemeClr val="lt1"/>
+                </a:fontRef>
+              </p:style>
+              <p:txBody>
+                <a:bodyPr rtlCol="0" anchor="ctr"/>
+                <a:lstStyle/>
+                <a:p>
+                  <a14:m>
+                    <m:oMath xmlns:m="http://schemas.openxmlformats.org/officeDocument/2006/math">
                       <m:r>
-                        <a:rPr lang="en-US" sz="1200" b="0" i="1" smtClean="0">
+                        <a:rPr lang="en-US" sz="1200" i="1">
                           <a:solidFill>
                             <a:schemeClr val="tx1"/>
                           </a:solidFill>
                           <a:latin typeface="Cambria Math" panose="02040503050406030204" pitchFamily="18" charset="0"/>
+                          <a:ea typeface="Cambria Math" panose="02040503050406030204" pitchFamily="18" charset="0"/>
                         </a:rPr>
-                        <m:t> </m:t>
+                        <m:t>𝜃</m:t>
                       </m:r>
+                    </m:oMath>
+                  </a14:m>
+                  <a:r>
+                    <a:rPr lang="en-US" sz="1200" dirty="0">
+                      <a:solidFill>
+                        <a:schemeClr val="tx1"/>
+                      </a:solidFill>
+                      <a:latin typeface="Cambria Math" panose="02040503050406030204" pitchFamily="18" charset="0"/>
+                      <a:ea typeface="Cambria Math" panose="02040503050406030204" pitchFamily="18" charset="0"/>
+                    </a:rPr>
+                    <a:t> value in final EM </a:t>
+                  </a:r>
+                  <a:r>
+                    <a:rPr lang="en-US" sz="1200" dirty="0" smtClean="0">
+                      <a:solidFill>
+                        <a:schemeClr val="tx1"/>
+                      </a:solidFill>
+                      <a:latin typeface="Cambria Math" panose="02040503050406030204" pitchFamily="18" charset="0"/>
+                      <a:ea typeface="Cambria Math" panose="02040503050406030204" pitchFamily="18" charset="0"/>
+                    </a:rPr>
+                    <a:t>iteration</a:t>
+                  </a:r>
+                </a:p>
+                <a:p>
+                  <a14:m>
+                    <m:oMath xmlns:m="http://schemas.openxmlformats.org/officeDocument/2006/math">
                       <m:r>
-                        <a:rPr lang="en-US" sz="1200" b="0" i="1" smtClean="0">
+                        <a:rPr lang="en-US" sz="1200" i="1">
                           <a:solidFill>
                             <a:schemeClr val="tx1"/>
                           </a:solidFill>
                           <a:latin typeface="Cambria Math" panose="02040503050406030204" pitchFamily="18" charset="0"/>
+                          <a:ea typeface="Cambria Math" panose="02040503050406030204" pitchFamily="18" charset="0"/>
                         </a:rPr>
-                        <m:t>𝑃𝑟𝑏𝑎𝑏𝑖𝑙𝑖𝑡𝑖𝑒𝑠</m:t>
+                        <m:t>𝜃</m:t>
                       </m:r>
                     </m:oMath>
-                  </m:oMathPara>
-                </a14:m>
-                <a:endParaRPr lang="en-US" sz="1200" dirty="0">
+                  </a14:m>
+                  <a:r>
+                    <a:rPr lang="en-US" sz="1200" dirty="0">
+                      <a:solidFill>
+                        <a:schemeClr val="tx1"/>
+                      </a:solidFill>
+                      <a:latin typeface="Cambria Math" panose="02040503050406030204" pitchFamily="18" charset="0"/>
+                      <a:ea typeface="Cambria Math" panose="02040503050406030204" pitchFamily="18" charset="0"/>
+                    </a:rPr>
+                    <a:t> value </a:t>
+                  </a:r>
+                  <a:r>
+                    <a:rPr lang="en-US" sz="1200" dirty="0" smtClean="0">
+                      <a:solidFill>
+                        <a:schemeClr val="tx1"/>
+                      </a:solidFill>
+                      <a:latin typeface="Cambria Math" panose="02040503050406030204" pitchFamily="18" charset="0"/>
+                      <a:ea typeface="Cambria Math" panose="02040503050406030204" pitchFamily="18" charset="0"/>
+                    </a:rPr>
+                    <a:t>during EM iterations</a:t>
+                  </a:r>
+                  <a:endParaRPr lang="en-US" sz="1200" dirty="0">
+                    <a:solidFill>
+                      <a:schemeClr val="tx1"/>
+                    </a:solidFill>
+                    <a:latin typeface="Cambria Math" panose="02040503050406030204" pitchFamily="18" charset="0"/>
+                    <a:ea typeface="Cambria Math" panose="02040503050406030204" pitchFamily="18" charset="0"/>
+                  </a:endParaRPr>
+                </a:p>
+              </p:txBody>
+            </p:sp>
+          </mc:Choice>
+          <mc:Fallback>
+            <p:sp>
+              <p:nvSpPr>
+                <p:cNvPr id="23" name="Rectangle 22"/>
+                <p:cNvSpPr>
+                  <a:spLocks noRot="1" noChangeAspect="1" noMove="1" noResize="1" noEditPoints="1" noAdjustHandles="1" noChangeArrowheads="1" noChangeShapeType="1" noTextEdit="1"/>
+                </p:cNvSpPr>
+                <p:nvPr/>
+              </p:nvSpPr>
+              <p:spPr>
+                <a:xfrm>
+                  <a:off x="6148812" y="3066778"/>
+                  <a:ext cx="2849880" cy="567690"/>
+                </a:xfrm>
+                <a:prstGeom prst="rect">
+                  <a:avLst/>
+                </a:prstGeom>
+                <a:blipFill rotWithShape="0">
+                  <a:blip r:embed="rId5"/>
+                  <a:stretch>
+                    <a:fillRect/>
+                  </a:stretch>
+                </a:blipFill>
+                <a:ln>
+                  <a:solidFill>
+                    <a:schemeClr val="bg1"/>
+                  </a:solidFill>
+                </a:ln>
+              </p:spPr>
+              <p:txBody>
+                <a:bodyPr/>
+                <a:lstStyle/>
+                <a:p>
+                  <a:r>
+                    <a:rPr lang="en-US">
+                      <a:noFill/>
+                    </a:rPr>
+                    <a:t> </a:t>
+                  </a:r>
+                </a:p>
+              </p:txBody>
+            </p:sp>
+          </mc:Fallback>
+        </mc:AlternateContent>
+        <p:sp>
+          <p:nvSpPr>
+            <p:cNvPr id="21" name="Oval 20"/>
+            <p:cNvSpPr/>
+            <p:nvPr/>
+          </p:nvSpPr>
+          <p:spPr>
+            <a:xfrm>
+              <a:off x="6124575" y="3239510"/>
+              <a:ext cx="49266" cy="54622"/>
+            </a:xfrm>
+            <a:prstGeom prst="ellipse">
+              <a:avLst/>
+            </a:prstGeom>
+            <a:solidFill>
+              <a:srgbClr val="0009E1"/>
+            </a:solidFill>
+            <a:ln>
+              <a:solidFill>
+                <a:srgbClr val="0009E1"/>
+              </a:solidFill>
+            </a:ln>
+          </p:spPr>
+          <p:style>
+            <a:lnRef idx="2">
+              <a:schemeClr val="accent1">
+                <a:shade val="50000"/>
+              </a:schemeClr>
+            </a:lnRef>
+            <a:fillRef idx="1">
+              <a:schemeClr val="accent1"/>
+            </a:fillRef>
+            <a:effectRef idx="0">
+              <a:schemeClr val="accent1"/>
+            </a:effectRef>
+            <a:fontRef idx="minor">
+              <a:schemeClr val="lt1"/>
+            </a:fontRef>
+          </p:style>
+          <p:txBody>
+            <a:bodyPr rtlCol="0" anchor="ctr"/>
+            <a:lstStyle/>
+            <a:p>
+              <a:pPr algn="ctr"/>
+              <a:endParaRPr lang="en-US" dirty="0">
+                <a:solidFill>
+                  <a:srgbClr val="0009E1"/>
+                </a:solidFill>
+              </a:endParaRPr>
+            </a:p>
+          </p:txBody>
+        </p:sp>
+        <p:sp>
+          <p:nvSpPr>
+            <p:cNvPr id="25" name="Oval 24"/>
+            <p:cNvSpPr/>
+            <p:nvPr/>
+          </p:nvSpPr>
+          <p:spPr>
+            <a:xfrm>
+              <a:off x="6124575" y="3416669"/>
+              <a:ext cx="49266" cy="54622"/>
+            </a:xfrm>
+            <a:prstGeom prst="ellipse">
+              <a:avLst/>
+            </a:prstGeom>
+            <a:solidFill>
+              <a:srgbClr val="C4C5FD"/>
+            </a:solidFill>
+            <a:ln>
+              <a:solidFill>
+                <a:srgbClr val="C4C5FD"/>
+              </a:solidFill>
+            </a:ln>
+          </p:spPr>
+          <p:style>
+            <a:lnRef idx="2">
+              <a:schemeClr val="accent1">
+                <a:shade val="50000"/>
+              </a:schemeClr>
+            </a:lnRef>
+            <a:fillRef idx="1">
+              <a:schemeClr val="accent1"/>
+            </a:fillRef>
+            <a:effectRef idx="0">
+              <a:schemeClr val="accent1"/>
+            </a:effectRef>
+            <a:fontRef idx="minor">
+              <a:schemeClr val="lt1"/>
+            </a:fontRef>
+          </p:style>
+          <p:txBody>
+            <a:bodyPr rtlCol="0" anchor="ctr"/>
+            <a:lstStyle/>
+            <a:p>
+              <a:pPr algn="ctr"/>
+              <a:endParaRPr lang="en-US" dirty="0">
+                <a:solidFill>
+                  <a:srgbClr val="0009E1"/>
+                </a:solidFill>
+              </a:endParaRPr>
+            </a:p>
+          </p:txBody>
+        </p:sp>
+        <p:sp>
+          <p:nvSpPr>
+            <p:cNvPr id="29" name="Oval 28"/>
+            <p:cNvSpPr/>
+            <p:nvPr/>
+          </p:nvSpPr>
+          <p:spPr>
+            <a:xfrm>
+              <a:off x="3263007" y="764276"/>
+              <a:ext cx="328566" cy="291486"/>
+            </a:xfrm>
+            <a:prstGeom prst="ellipse">
+              <a:avLst/>
+            </a:prstGeom>
+            <a:noFill/>
+            <a:ln w="38100">
+              <a:solidFill>
+                <a:schemeClr val="tx1"/>
+              </a:solidFill>
+            </a:ln>
+          </p:spPr>
+          <p:style>
+            <a:lnRef idx="2">
+              <a:schemeClr val="accent1">
+                <a:shade val="50000"/>
+              </a:schemeClr>
+            </a:lnRef>
+            <a:fillRef idx="1">
+              <a:schemeClr val="accent1"/>
+            </a:fillRef>
+            <a:effectRef idx="0">
+              <a:schemeClr val="accent1"/>
+            </a:effectRef>
+            <a:fontRef idx="minor">
+              <a:schemeClr val="lt1"/>
+            </a:fontRef>
+          </p:style>
+          <p:txBody>
+            <a:bodyPr rtlCol="0" anchor="ctr"/>
+            <a:lstStyle/>
+            <a:p>
+              <a:pPr algn="ctr"/>
+              <a:r>
+                <a:rPr lang="en-US" b="1" dirty="0">
                   <a:solidFill>
                     <a:schemeClr val="tx1"/>
                   </a:solidFill>
-                </a:endParaRPr>
-              </a:p>
-            </p:txBody>
-          </p:sp>
-        </mc:Choice>
-        <mc:Fallback>
-          <p:sp>
-            <p:nvSpPr>
-              <p:cNvPr id="10" name="Rectangle 9">
-                <a:extLst>
-                  <a:ext uri="{FF2B5EF4-FFF2-40B4-BE49-F238E27FC236}">
-                    <a16:creationId xmlns:a16="http://schemas.microsoft.com/office/drawing/2014/main" id="{2E36643D-EEA2-42A8-BBCF-DC12D9FC8BA4}"/>
-                  </a:ext>
-                </a:extLst>
-              </p:cNvPr>
-              <p:cNvSpPr>
-                <a:spLocks noRot="1" noChangeAspect="1" noMove="1" noResize="1" noEditPoints="1" noAdjustHandles="1" noChangeArrowheads="1" noChangeShapeType="1" noTextEdit="1"/>
-              </p:cNvSpPr>
-              <p:nvPr/>
-            </p:nvSpPr>
-            <p:spPr>
-              <a:xfrm>
-                <a:off x="1949790" y="5731031"/>
-                <a:ext cx="2062162" cy="252412"/>
-              </a:xfrm>
-              <a:prstGeom prst="rect">
-                <a:avLst/>
-              </a:prstGeom>
-              <a:blipFill>
-                <a:blip r:embed="rId3"/>
-                <a:stretch>
-                  <a:fillRect/>
-                </a:stretch>
-              </a:blipFill>
-              <a:ln>
-                <a:noFill/>
-              </a:ln>
-            </p:spPr>
-            <p:txBody>
-              <a:bodyPr/>
-              <a:lstStyle/>
-              <a:p>
-                <a:r>
-                  <a:rPr lang="en-US">
-                    <a:noFill/>
-                  </a:rPr>
-                  <a:t> </a:t>
-                </a:r>
-              </a:p>
-            </p:txBody>
-          </p:sp>
-        </mc:Fallback>
-      </mc:AlternateContent>
-      <p:sp>
-        <p:nvSpPr>
-          <p:cNvPr id="11" name="Rectangle 10">
-            <a:extLst>
-              <a:ext uri="{FF2B5EF4-FFF2-40B4-BE49-F238E27FC236}">
-                <a16:creationId xmlns:a16="http://schemas.microsoft.com/office/drawing/2014/main" id="{0088E734-0132-42BF-A871-F58627DBCCEF}"/>
-              </a:ext>
-            </a:extLst>
-          </p:cNvPr>
-          <p:cNvSpPr/>
+                </a:rPr>
+                <a:t>A</a:t>
+              </a:r>
+            </a:p>
+          </p:txBody>
+        </p:sp>
+      </p:grpSp>
+    </p:spTree>
+    <p:extLst>
+      <p:ext uri="{BB962C8B-B14F-4D97-AF65-F5344CB8AC3E}">
+        <p14:creationId xmlns:p14="http://schemas.microsoft.com/office/powerpoint/2010/main" val="1079704894"/>
+      </p:ext>
+    </p:extLst>
+  </p:cSld>
+  <p:clrMapOvr>
+    <a:masterClrMapping/>
+  </p:clrMapOvr>
+  <p:timing>
+    <p:tnLst>
+      <p:par>
+        <p:cTn id="1" dur="indefinite" restart="never" nodeType="tmRoot"/>
+      </p:par>
+    </p:tnLst>
+  </p:timing>
+</p:sld>
+</file>
+
+<file path=ppt/slides/slide9.xml><?xml version="1.0" encoding="utf-8"?>
+<p:sld xmlns:a="http://schemas.openxmlformats.org/drawingml/2006/main" xmlns:r="http://schemas.openxmlformats.org/officeDocument/2006/relationships" xmlns:p="http://schemas.openxmlformats.org/presentationml/2006/main">
+  <p:cSld>
+    <p:spTree>
+      <p:nvGrpSpPr>
+        <p:cNvPr id="1" name=""/>
+        <p:cNvGrpSpPr/>
+        <p:nvPr/>
+      </p:nvGrpSpPr>
+      <p:grpSpPr>
+        <a:xfrm>
+          <a:off x="0" y="0"/>
+          <a:ext cx="0" cy="0"/>
+          <a:chOff x="0" y="0"/>
+          <a:chExt cx="0" cy="0"/>
+        </a:xfrm>
+      </p:grpSpPr>
+      <p:grpSp>
+        <p:nvGrpSpPr>
+          <p:cNvPr id="37" name="Group 36"/>
+          <p:cNvGrpSpPr/>
           <p:nvPr/>
-        </p:nvSpPr>
-        <p:spPr>
+        </p:nvGrpSpPr>
+        <p:grpSpPr>
           <a:xfrm>
-            <a:off x="2071688" y="2465543"/>
-            <a:ext cx="2062162" cy="252412"/>
+            <a:off x="2327103" y="1200150"/>
+            <a:ext cx="7868457" cy="5348511"/>
+            <a:chOff x="2327103" y="1200150"/>
+            <a:chExt cx="7868457" cy="5348511"/>
           </a:xfrm>
-          <a:prstGeom prst="rect">
-            <a:avLst/>
-          </a:prstGeom>
-          <a:solidFill>
-            <a:schemeClr val="bg1"/>
-          </a:solidFill>
-          <a:ln>
-            <a:noFill/>
-          </a:ln>
-        </p:spPr>
-        <p:style>
-          <a:lnRef idx="2">
-            <a:schemeClr val="accent1">
-              <a:shade val="50000"/>
-            </a:schemeClr>
-          </a:lnRef>
-          <a:fillRef idx="1">
-            <a:schemeClr val="accent1"/>
-          </a:fillRef>
-          <a:effectRef idx="0">
-            <a:schemeClr val="accent1"/>
-          </a:effectRef>
-          <a:fontRef idx="minor">
-            <a:schemeClr val="lt1"/>
-          </a:fontRef>
-        </p:style>
-        <p:txBody>
-          <a:bodyPr rtlCol="0" anchor="ctr"/>
-          <a:lstStyle/>
-          <a:p>
-            <a:pPr algn="ctr"/>
-            <a:endParaRPr lang="en-US" dirty="0">
-              <a:solidFill>
-                <a:schemeClr val="tx1"/>
-              </a:solidFill>
-            </a:endParaRPr>
-          </a:p>
-        </p:txBody>
-      </p:sp>
-      <mc:AlternateContent xmlns:mc="http://schemas.openxmlformats.org/markup-compatibility/2006">
-        <mc:Choice xmlns:a14="http://schemas.microsoft.com/office/drawing/2010/main" Requires="a14">
-          <p:sp>
-            <p:nvSpPr>
-              <p:cNvPr id="13" name="Rectangle 12">
-                <a:extLst>
-                  <a:ext uri="{FF2B5EF4-FFF2-40B4-BE49-F238E27FC236}">
-                    <a16:creationId xmlns:a16="http://schemas.microsoft.com/office/drawing/2014/main" id="{6D2C8BE0-B0D2-4978-A1B5-FFF5137A4C82}"/>
-                  </a:ext>
-                </a:extLst>
-              </p:cNvPr>
-              <p:cNvSpPr/>
-              <p:nvPr/>
-            </p:nvSpPr>
-            <p:spPr>
-              <a:xfrm rot="16200000">
-                <a:off x="9526" y="3797456"/>
-                <a:ext cx="2062162" cy="252412"/>
-              </a:xfrm>
-              <a:prstGeom prst="rect">
-                <a:avLst/>
-              </a:prstGeom>
-              <a:solidFill>
-                <a:schemeClr val="bg1"/>
-              </a:solidFill>
-              <a:ln>
-                <a:noFill/>
-              </a:ln>
-            </p:spPr>
-            <p:style>
-              <a:lnRef idx="2">
-                <a:schemeClr val="accent1">
-                  <a:shade val="50000"/>
-                </a:schemeClr>
-              </a:lnRef>
-              <a:fillRef idx="1">
-                <a:schemeClr val="accent1"/>
-              </a:fillRef>
-              <a:effectRef idx="0">
-                <a:schemeClr val="accent1"/>
-              </a:effectRef>
-              <a:fontRef idx="minor">
-                <a:schemeClr val="lt1"/>
-              </a:fontRef>
-            </p:style>
-            <p:txBody>
-              <a:bodyPr rtlCol="0" anchor="ctr"/>
-              <a:lstStyle/>
-              <a:p>
-                <a:pPr algn="ctr"/>
-                <a14:m>
-                  <m:oMathPara xmlns:m="http://schemas.openxmlformats.org/officeDocument/2006/math">
-                    <m:oMathParaPr>
-                      <m:jc m:val="centerGroup"/>
-                    </m:oMathParaPr>
+        </p:grpSpPr>
+        <p:pic>
+          <p:nvPicPr>
+            <p:cNvPr id="34" name="Picture 33"/>
+            <p:cNvPicPr>
+              <a:picLocks noChangeAspect="1"/>
+            </p:cNvPicPr>
+            <p:nvPr/>
+          </p:nvPicPr>
+          <p:blipFill>
+            <a:blip r:embed="rId2">
+              <a:extLst>
+                <a:ext uri="{28A0092B-C50C-407E-A947-70E740481C1C}">
+                  <a14:useLocalDpi xmlns:a14="http://schemas.microsoft.com/office/drawing/2010/main" val="0"/>
+                </a:ext>
+              </a:extLst>
+            </a:blip>
+            <a:stretch>
+              <a:fillRect/>
+            </a:stretch>
+          </p:blipFill>
+          <p:spPr>
+            <a:xfrm>
+              <a:off x="2724771" y="1200150"/>
+              <a:ext cx="6752604" cy="5348511"/>
+            </a:xfrm>
+            <a:prstGeom prst="rect">
+              <a:avLst/>
+            </a:prstGeom>
+          </p:spPr>
+        </p:pic>
+        <p:sp>
+          <p:nvSpPr>
+            <p:cNvPr id="5" name="Rectangle 4">
+              <a:extLst>
+                <a:ext uri="{FF2B5EF4-FFF2-40B4-BE49-F238E27FC236}">
+                  <a16:creationId xmlns:a16="http://schemas.microsoft.com/office/drawing/2014/main" xmlns:a14="http://schemas.microsoft.com/office/drawing/2010/main" xmlns:mc="http://schemas.openxmlformats.org/markup-compatibility/2006" xmlns="" id="{2E36643D-EEA2-42A8-BBCF-DC12D9FC8BA4}"/>
+                </a:ext>
+              </a:extLst>
+            </p:cNvPr>
+            <p:cNvSpPr/>
+            <p:nvPr/>
+          </p:nvSpPr>
+          <p:spPr>
+            <a:xfrm>
+              <a:off x="5078413" y="6144093"/>
+              <a:ext cx="2024961" cy="246838"/>
+            </a:xfrm>
+            <a:prstGeom prst="rect">
+              <a:avLst/>
+            </a:prstGeom>
+            <a:solidFill>
+              <a:schemeClr val="bg1"/>
+            </a:solidFill>
+            <a:ln>
+              <a:noFill/>
+            </a:ln>
+          </p:spPr>
+          <p:style>
+            <a:lnRef idx="2">
+              <a:schemeClr val="accent1">
+                <a:shade val="50000"/>
+              </a:schemeClr>
+            </a:lnRef>
+            <a:fillRef idx="1">
+              <a:schemeClr val="accent1"/>
+            </a:fillRef>
+            <a:effectRef idx="0">
+              <a:schemeClr val="accent1"/>
+            </a:effectRef>
+            <a:fontRef idx="minor">
+              <a:schemeClr val="lt1"/>
+            </a:fontRef>
+          </p:style>
+          <p:txBody>
+            <a:bodyPr rtlCol="0" anchor="ctr"/>
+            <a:lstStyle/>
+            <a:p>
+              <a:pPr algn="ctr"/>
+              <a:r>
+                <a:rPr lang="en-US" sz="1200" dirty="0" smtClean="0">
+                  <a:solidFill>
+                    <a:schemeClr val="tx1"/>
+                  </a:solidFill>
+                  <a:latin typeface="Cambria Math" panose="02040503050406030204" pitchFamily="18" charset="0"/>
+                  <a:ea typeface="Cambria Math" panose="02040503050406030204" pitchFamily="18" charset="0"/>
+                </a:rPr>
+                <a:t>EM Iterations</a:t>
+              </a:r>
+              <a:endParaRPr lang="en-US" sz="1200" dirty="0">
+                <a:solidFill>
+                  <a:schemeClr val="tx1"/>
+                </a:solidFill>
+                <a:latin typeface="Cambria Math" panose="02040503050406030204" pitchFamily="18" charset="0"/>
+                <a:ea typeface="Cambria Math" panose="02040503050406030204" pitchFamily="18" charset="0"/>
+              </a:endParaRPr>
+            </a:p>
+          </p:txBody>
+        </p:sp>
+        <p:sp>
+          <p:nvSpPr>
+            <p:cNvPr id="12" name="Rectangle 11">
+              <a:extLst>
+                <a:ext uri="{FF2B5EF4-FFF2-40B4-BE49-F238E27FC236}">
+                  <a16:creationId xmlns:a16="http://schemas.microsoft.com/office/drawing/2014/main" xmlns="" id="{0088E734-0132-42BF-A871-F58627DBCCEF}"/>
+                </a:ext>
+              </a:extLst>
+            </p:cNvPr>
+            <p:cNvSpPr/>
+            <p:nvPr/>
+          </p:nvSpPr>
+          <p:spPr>
+            <a:xfrm>
+              <a:off x="4972668" y="2225140"/>
+              <a:ext cx="2062162" cy="252412"/>
+            </a:xfrm>
+            <a:prstGeom prst="rect">
+              <a:avLst/>
+            </a:prstGeom>
+            <a:solidFill>
+              <a:schemeClr val="bg1"/>
+            </a:solidFill>
+            <a:ln>
+              <a:noFill/>
+            </a:ln>
+          </p:spPr>
+          <p:style>
+            <a:lnRef idx="2">
+              <a:schemeClr val="accent1">
+                <a:shade val="50000"/>
+              </a:schemeClr>
+            </a:lnRef>
+            <a:fillRef idx="1">
+              <a:schemeClr val="accent1"/>
+            </a:fillRef>
+            <a:effectRef idx="0">
+              <a:schemeClr val="accent1"/>
+            </a:effectRef>
+            <a:fontRef idx="minor">
+              <a:schemeClr val="lt1"/>
+            </a:fontRef>
+          </p:style>
+          <p:txBody>
+            <a:bodyPr rtlCol="0" anchor="ctr"/>
+            <a:lstStyle/>
+            <a:p>
+              <a:pPr algn="ctr"/>
+              <a:endParaRPr lang="en-US" dirty="0">
+                <a:solidFill>
+                  <a:schemeClr val="tx1"/>
+                </a:solidFill>
+              </a:endParaRPr>
+            </a:p>
+          </p:txBody>
+        </p:sp>
+        <p:sp>
+          <p:nvSpPr>
+            <p:cNvPr id="14" name="Rectangle 13">
+              <a:extLst>
+                <a:ext uri="{FF2B5EF4-FFF2-40B4-BE49-F238E27FC236}">
+                  <a16:creationId xmlns:a16="http://schemas.microsoft.com/office/drawing/2014/main" xmlns:a14="http://schemas.microsoft.com/office/drawing/2010/main" xmlns:mc="http://schemas.openxmlformats.org/markup-compatibility/2006" xmlns="" id="{6D2C8BE0-B0D2-4978-A1B5-FFF5137A4C82}"/>
+                </a:ext>
+              </a:extLst>
+            </p:cNvPr>
+            <p:cNvSpPr/>
+            <p:nvPr/>
+          </p:nvSpPr>
+          <p:spPr>
+            <a:xfrm>
+              <a:off x="2327103" y="2997238"/>
+              <a:ext cx="1034287" cy="1574800"/>
+            </a:xfrm>
+            <a:prstGeom prst="rect">
+              <a:avLst/>
+            </a:prstGeom>
+            <a:solidFill>
+              <a:schemeClr val="bg1"/>
+            </a:solidFill>
+            <a:ln>
+              <a:noFill/>
+            </a:ln>
+          </p:spPr>
+          <p:style>
+            <a:lnRef idx="2">
+              <a:schemeClr val="accent1">
+                <a:shade val="50000"/>
+              </a:schemeClr>
+            </a:lnRef>
+            <a:fillRef idx="1">
+              <a:schemeClr val="accent1"/>
+            </a:fillRef>
+            <a:effectRef idx="0">
+              <a:schemeClr val="accent1"/>
+            </a:effectRef>
+            <a:fontRef idx="minor">
+              <a:schemeClr val="lt1"/>
+            </a:fontRef>
+          </p:style>
+          <p:txBody>
+            <a:bodyPr rtlCol="0" anchor="ctr"/>
+            <a:lstStyle/>
+            <a:p>
+              <a:pPr algn="ctr"/>
+              <a:r>
+                <a:rPr lang="en-US" sz="1200" dirty="0" smtClean="0">
+                  <a:solidFill>
+                    <a:schemeClr val="tx1"/>
+                  </a:solidFill>
+                  <a:latin typeface="Cambria Math" panose="02040503050406030204" pitchFamily="18" charset="0"/>
+                  <a:ea typeface="Cambria Math" panose="02040503050406030204" pitchFamily="18" charset="0"/>
+                </a:rPr>
+                <a:t>Root Mean Square Error (RMSE)</a:t>
+              </a:r>
+              <a:endParaRPr lang="en-US" sz="1200" dirty="0" smtClean="0">
+                <a:solidFill>
+                  <a:schemeClr val="tx1"/>
+                </a:solidFill>
+                <a:latin typeface="Cambria Math" panose="02040503050406030204" pitchFamily="18" charset="0"/>
+                <a:ea typeface="Cambria Math" panose="02040503050406030204" pitchFamily="18" charset="0"/>
+              </a:endParaRPr>
+            </a:p>
+          </p:txBody>
+        </p:sp>
+        <mc:AlternateContent xmlns:mc="http://schemas.openxmlformats.org/markup-compatibility/2006">
+          <mc:Choice xmlns:a14="http://schemas.microsoft.com/office/drawing/2010/main" Requires="a14">
+            <p:sp>
+              <p:nvSpPr>
+                <p:cNvPr id="9" name="Rectangle 8"/>
+                <p:cNvSpPr/>
+                <p:nvPr/>
+              </p:nvSpPr>
+              <p:spPr>
+                <a:xfrm>
+                  <a:off x="5751938" y="2225140"/>
+                  <a:ext cx="4443622" cy="898253"/>
+                </a:xfrm>
+                <a:prstGeom prst="rect">
+                  <a:avLst/>
+                </a:prstGeom>
+                <a:solidFill>
+                  <a:schemeClr val="bg1"/>
+                </a:solidFill>
+                <a:ln>
+                  <a:solidFill>
+                    <a:schemeClr val="bg1"/>
+                  </a:solidFill>
+                </a:ln>
+              </p:spPr>
+              <p:style>
+                <a:lnRef idx="2">
+                  <a:schemeClr val="accent1">
+                    <a:shade val="50000"/>
+                  </a:schemeClr>
+                </a:lnRef>
+                <a:fillRef idx="1">
+                  <a:schemeClr val="accent1"/>
+                </a:fillRef>
+                <a:effectRef idx="0">
+                  <a:schemeClr val="accent1"/>
+                </a:effectRef>
+                <a:fontRef idx="minor">
+                  <a:schemeClr val="lt1"/>
+                </a:fontRef>
+              </p:style>
+              <p:txBody>
+                <a:bodyPr rtlCol="0" anchor="ctr"/>
+                <a:lstStyle/>
+                <a:p>
+                  <a:r>
+                    <a:rPr lang="en-US" sz="1200" dirty="0" smtClean="0">
+                      <a:solidFill>
+                        <a:schemeClr val="tx1"/>
+                      </a:solidFill>
+                      <a:latin typeface="Cambria Math" panose="02040503050406030204" pitchFamily="18" charset="0"/>
+                      <a:ea typeface="Cambria Math" panose="02040503050406030204" pitchFamily="18" charset="0"/>
+                    </a:rPr>
+                    <a:t>Average error of true </a:t>
+                  </a:r>
+                  <a14:m>
                     <m:oMath xmlns:m="http://schemas.openxmlformats.org/officeDocument/2006/math">
                       <m:r>
-                        <a:rPr lang="en-US" sz="1200" b="0" i="1" smtClean="0">
+                        <a:rPr lang="en-US" sz="1200" i="1">
                           <a:solidFill>
                             <a:schemeClr val="tx1"/>
                           </a:solidFill>
                           <a:latin typeface="Cambria Math" panose="02040503050406030204" pitchFamily="18" charset="0"/>
+                          <a:ea typeface="Cambria Math" panose="02040503050406030204" pitchFamily="18" charset="0"/>
                         </a:rPr>
-                        <m:t>𝐸𝑠𝑡𝑖𝑚𝑎𝑡𝑒𝑑</m:t>
+                        <m:t>𝜃</m:t>
                       </m:r>
+                    </m:oMath>
+                  </a14:m>
+                  <a:r>
+                    <a:rPr lang="en-US" sz="1200" dirty="0">
+                      <a:solidFill>
+                        <a:schemeClr val="tx1"/>
+                      </a:solidFill>
+                      <a:latin typeface="Cambria Math" panose="02040503050406030204" pitchFamily="18" charset="0"/>
+                      <a:ea typeface="Cambria Math" panose="02040503050406030204" pitchFamily="18" charset="0"/>
+                    </a:rPr>
+                    <a:t> vs. estimated </a:t>
+                  </a:r>
+                  <a14:m>
+                    <m:oMath xmlns:m="http://schemas.openxmlformats.org/officeDocument/2006/math">
                       <m:r>
-                        <a:rPr lang="en-US" sz="1200" b="0" i="1" smtClean="0">
+                        <a:rPr lang="en-US" sz="1200" i="1">
                           <a:solidFill>
                             <a:schemeClr val="tx1"/>
                           </a:solidFill>
                           <a:latin typeface="Cambria Math" panose="02040503050406030204" pitchFamily="18" charset="0"/>
+                          <a:ea typeface="Cambria Math" panose="02040503050406030204" pitchFamily="18" charset="0"/>
                         </a:rPr>
-                        <m:t> </m:t>
+                        <m:t>𝜃</m:t>
                       </m:r>
+                    </m:oMath>
+                  </a14:m>
+                  <a:endParaRPr lang="en-US" sz="1200" dirty="0" smtClean="0">
+                    <a:solidFill>
+                      <a:schemeClr val="tx1"/>
+                    </a:solidFill>
+                    <a:latin typeface="Cambria Math" panose="02040503050406030204" pitchFamily="18" charset="0"/>
+                    <a:ea typeface="Cambria Math" panose="02040503050406030204" pitchFamily="18" charset="0"/>
+                  </a:endParaRPr>
+                </a:p>
+                <a:p>
+                  <a:r>
+                    <a:rPr lang="en-US" sz="1200" dirty="0" smtClean="0">
+                      <a:solidFill>
+                        <a:schemeClr val="tx1"/>
+                      </a:solidFill>
+                      <a:latin typeface="Cambria Math" panose="02040503050406030204" pitchFamily="18" charset="0"/>
+                      <a:ea typeface="Cambria Math" panose="02040503050406030204" pitchFamily="18" charset="0"/>
+                    </a:rPr>
+                    <a:t>Error of true </a:t>
+                  </a:r>
+                  <a14:m>
+                    <m:oMath xmlns:m="http://schemas.openxmlformats.org/officeDocument/2006/math">
                       <m:r>
-                        <a:rPr lang="en-US" sz="1200" b="0" i="1" smtClean="0">
+                        <a:rPr lang="en-US" sz="1200" i="1">
                           <a:solidFill>
                             <a:schemeClr val="tx1"/>
                           </a:solidFill>
                           <a:latin typeface="Cambria Math" panose="02040503050406030204" pitchFamily="18" charset="0"/>
+                          <a:ea typeface="Cambria Math" panose="02040503050406030204" pitchFamily="18" charset="0"/>
                         </a:rPr>
                         <m:t>𝜃</m:t>
                       </m:r>
+                    </m:oMath>
+                  </a14:m>
+                  <a:r>
+                    <a:rPr lang="en-US" sz="1200" dirty="0">
+                      <a:solidFill>
+                        <a:schemeClr val="tx1"/>
+                      </a:solidFill>
+                      <a:latin typeface="Cambria Math" panose="02040503050406030204" pitchFamily="18" charset="0"/>
+                      <a:ea typeface="Cambria Math" panose="02040503050406030204" pitchFamily="18" charset="0"/>
+                    </a:rPr>
+                    <a:t> vs. estimated </a:t>
+                  </a:r>
+                  <a14:m>
+                    <m:oMath xmlns:m="http://schemas.openxmlformats.org/officeDocument/2006/math">
                       <m:r>
-                        <a:rPr lang="en-US" sz="1200" b="0" i="1" smtClean="0">
+                        <a:rPr lang="en-US" sz="1200" i="1">
                           <a:solidFill>
                             <a:schemeClr val="tx1"/>
                           </a:solidFill>
                           <a:latin typeface="Cambria Math" panose="02040503050406030204" pitchFamily="18" charset="0"/>
+                          <a:ea typeface="Cambria Math" panose="02040503050406030204" pitchFamily="18" charset="0"/>
                         </a:rPr>
-                        <m:t> </m:t>
-                      </m:r>
-                      <m:r>
-                        <a:rPr lang="en-US" sz="1200" b="0" i="1" smtClean="0">
-                          <a:solidFill>
-                            <a:schemeClr val="tx1"/>
-                          </a:solidFill>
-                          <a:latin typeface="Cambria Math" panose="02040503050406030204" pitchFamily="18" charset="0"/>
-                        </a:rPr>
-                        <m:t>𝑃𝑟𝑏𝑎𝑏𝑖𝑙𝑖𝑡𝑖𝑒𝑠</m:t>
+                        <m:t>𝜃</m:t>
                       </m:r>
                     </m:oMath>
-                  </m:oMathPara>
-                </a14:m>
-                <a:endParaRPr lang="en-US" sz="1200" dirty="0">
+                  </a14:m>
+                  <a:r>
+                    <a:rPr lang="en-US" sz="1200" dirty="0" smtClean="0">
+                      <a:solidFill>
+                        <a:schemeClr val="tx1"/>
+                      </a:solidFill>
+                      <a:latin typeface="Cambria Math" panose="02040503050406030204" pitchFamily="18" charset="0"/>
+                      <a:ea typeface="Cambria Math" panose="02040503050406030204" pitchFamily="18" charset="0"/>
+                    </a:rPr>
+                    <a:t> by a single </a:t>
+                  </a:r>
+                  <a:r>
+                    <a:rPr lang="en-US" sz="1200" dirty="0">
+                      <a:solidFill>
+                        <a:schemeClr val="tx1"/>
+                      </a:solidFill>
+                      <a:latin typeface="Cambria Math" panose="02040503050406030204" pitchFamily="18" charset="0"/>
+                      <a:ea typeface="Cambria Math" panose="02040503050406030204" pitchFamily="18" charset="0"/>
+                    </a:rPr>
+                    <a:t>run</a:t>
+                  </a:r>
+                  <a:endParaRPr lang="en-US" sz="1200" dirty="0">
+                    <a:solidFill>
+                      <a:schemeClr val="tx1"/>
+                    </a:solidFill>
+                    <a:latin typeface="Cambria Math" panose="02040503050406030204" pitchFamily="18" charset="0"/>
+                    <a:ea typeface="Cambria Math" panose="02040503050406030204" pitchFamily="18" charset="0"/>
+                  </a:endParaRPr>
+                </a:p>
+                <a:p>
+                  <a:endParaRPr lang="en-US" sz="1200" dirty="0" smtClean="0">
+                    <a:solidFill>
+                      <a:schemeClr val="tx1"/>
+                    </a:solidFill>
+                    <a:latin typeface="Cambria Math" panose="02040503050406030204" pitchFamily="18" charset="0"/>
+                    <a:ea typeface="Cambria Math" panose="02040503050406030204" pitchFamily="18" charset="0"/>
+                  </a:endParaRPr>
+                </a:p>
+                <a:p>
+                  <a:endParaRPr lang="en-US" sz="1200" dirty="0">
+                    <a:solidFill>
+                      <a:schemeClr val="tx1"/>
+                    </a:solidFill>
+                    <a:latin typeface="Cambria Math" panose="02040503050406030204" pitchFamily="18" charset="0"/>
+                    <a:ea typeface="Cambria Math" panose="02040503050406030204" pitchFamily="18" charset="0"/>
+                  </a:endParaRPr>
+                </a:p>
+              </p:txBody>
+            </p:sp>
+          </mc:Choice>
+          <mc:Fallback>
+            <p:sp>
+              <p:nvSpPr>
+                <p:cNvPr id="9" name="Rectangle 8"/>
+                <p:cNvSpPr>
+                  <a:spLocks noRot="1" noChangeAspect="1" noMove="1" noResize="1" noEditPoints="1" noAdjustHandles="1" noChangeArrowheads="1" noChangeShapeType="1" noTextEdit="1"/>
+                </p:cNvSpPr>
+                <p:nvPr/>
+              </p:nvSpPr>
+              <p:spPr>
+                <a:xfrm>
+                  <a:off x="5751938" y="2225140"/>
+                  <a:ext cx="4443622" cy="898253"/>
+                </a:xfrm>
+                <a:prstGeom prst="rect">
+                  <a:avLst/>
+                </a:prstGeom>
+                <a:blipFill rotWithShape="0">
+                  <a:blip r:embed="rId3"/>
+                  <a:stretch>
+                    <a:fillRect/>
+                  </a:stretch>
+                </a:blipFill>
+                <a:ln>
+                  <a:solidFill>
+                    <a:schemeClr val="bg1"/>
+                  </a:solidFill>
+                </a:ln>
+              </p:spPr>
+              <p:txBody>
+                <a:bodyPr/>
+                <a:lstStyle/>
+                <a:p>
+                  <a:r>
+                    <a:rPr lang="en-US">
+                      <a:noFill/>
+                    </a:rPr>
+                    <a:t> </a:t>
+                  </a:r>
+                </a:p>
+              </p:txBody>
+            </p:sp>
+          </mc:Fallback>
+        </mc:AlternateContent>
+        <p:pic>
+          <p:nvPicPr>
+            <p:cNvPr id="10" name="Picture 9"/>
+            <p:cNvPicPr>
+              <a:picLocks noChangeAspect="1"/>
+            </p:cNvPicPr>
+            <p:nvPr/>
+          </p:nvPicPr>
+          <p:blipFill rotWithShape="1">
+            <a:blip r:embed="rId4">
+              <a:extLst>
+                <a:ext uri="{28A0092B-C50C-407E-A947-70E740481C1C}">
+                  <a14:useLocalDpi xmlns:a14="http://schemas.microsoft.com/office/drawing/2010/main" val="0"/>
+                </a:ext>
+              </a:extLst>
+            </a:blip>
+            <a:srcRect l="75601" t="9220" r="21538" b="88382"/>
+            <a:stretch/>
+          </p:blipFill>
+          <p:spPr>
+            <a:xfrm>
+              <a:off x="5396361" y="2351346"/>
+              <a:ext cx="416538" cy="177646"/>
+            </a:xfrm>
+            <a:prstGeom prst="rect">
+              <a:avLst/>
+            </a:prstGeom>
+          </p:spPr>
+        </p:pic>
+        <p:sp>
+          <p:nvSpPr>
+            <p:cNvPr id="26" name="Rectangle 25"/>
+            <p:cNvSpPr/>
+            <p:nvPr/>
+          </p:nvSpPr>
+          <p:spPr>
+            <a:xfrm>
+              <a:off x="5391703" y="1398195"/>
+              <a:ext cx="1643127" cy="437659"/>
+            </a:xfrm>
+            <a:prstGeom prst="rect">
+              <a:avLst/>
+            </a:prstGeom>
+            <a:solidFill>
+              <a:schemeClr val="bg1"/>
+            </a:solidFill>
+            <a:ln>
+              <a:solidFill>
+                <a:schemeClr val="bg1"/>
+              </a:solidFill>
+            </a:ln>
+          </p:spPr>
+          <p:style>
+            <a:lnRef idx="2">
+              <a:schemeClr val="accent1">
+                <a:shade val="50000"/>
+              </a:schemeClr>
+            </a:lnRef>
+            <a:fillRef idx="1">
+              <a:schemeClr val="accent1"/>
+            </a:fillRef>
+            <a:effectRef idx="0">
+              <a:schemeClr val="accent1"/>
+            </a:effectRef>
+            <a:fontRef idx="minor">
+              <a:schemeClr val="lt1"/>
+            </a:fontRef>
+          </p:style>
+          <p:txBody>
+            <a:bodyPr rtlCol="0" anchor="ctr"/>
+            <a:lstStyle/>
+            <a:p>
+              <a:endParaRPr lang="en-US" sz="1000" dirty="0">
+                <a:solidFill>
+                  <a:schemeClr val="tx1"/>
+                </a:solidFill>
+              </a:endParaRPr>
+            </a:p>
+          </p:txBody>
+        </p:sp>
+        <p:sp>
+          <p:nvSpPr>
+            <p:cNvPr id="32" name="Oval 31"/>
+            <p:cNvSpPr/>
+            <p:nvPr/>
+          </p:nvSpPr>
+          <p:spPr>
+            <a:xfrm>
+              <a:off x="2747788" y="1933654"/>
+              <a:ext cx="328566" cy="291486"/>
+            </a:xfrm>
+            <a:prstGeom prst="ellipse">
+              <a:avLst/>
+            </a:prstGeom>
+            <a:noFill/>
+            <a:ln w="38100">
+              <a:solidFill>
+                <a:schemeClr val="tx1"/>
+              </a:solidFill>
+            </a:ln>
+          </p:spPr>
+          <p:style>
+            <a:lnRef idx="2">
+              <a:schemeClr val="accent1">
+                <a:shade val="50000"/>
+              </a:schemeClr>
+            </a:lnRef>
+            <a:fillRef idx="1">
+              <a:schemeClr val="accent1"/>
+            </a:fillRef>
+            <a:effectRef idx="0">
+              <a:schemeClr val="accent1"/>
+            </a:effectRef>
+            <a:fontRef idx="minor">
+              <a:schemeClr val="lt1"/>
+            </a:fontRef>
+          </p:style>
+          <p:txBody>
+            <a:bodyPr rtlCol="0" anchor="ctr"/>
+            <a:lstStyle/>
+            <a:p>
+              <a:pPr algn="ctr"/>
+              <a:r>
+                <a:rPr lang="en-US" b="1" dirty="0" smtClean="0">
                   <a:solidFill>
                     <a:schemeClr val="tx1"/>
                   </a:solidFill>
-                </a:endParaRPr>
-              </a:p>
-            </p:txBody>
-          </p:sp>
-        </mc:Choice>
-        <mc:Fallback>
-          <p:sp>
-            <p:nvSpPr>
-              <p:cNvPr id="13" name="Rectangle 12">
-                <a:extLst>
-                  <a:ext uri="{FF2B5EF4-FFF2-40B4-BE49-F238E27FC236}">
-                    <a16:creationId xmlns:a16="http://schemas.microsoft.com/office/drawing/2014/main" id="{6D2C8BE0-B0D2-4978-A1B5-FFF5137A4C82}"/>
-                  </a:ext>
-                </a:extLst>
-              </p:cNvPr>
-              <p:cNvSpPr>
-                <a:spLocks noRot="1" noChangeAspect="1" noMove="1" noResize="1" noEditPoints="1" noAdjustHandles="1" noChangeArrowheads="1" noChangeShapeType="1" noTextEdit="1"/>
-              </p:cNvSpPr>
-              <p:nvPr/>
-            </p:nvSpPr>
-            <p:spPr>
-              <a:xfrm rot="16200000">
-                <a:off x="9526" y="3797456"/>
-                <a:ext cx="2062162" cy="252412"/>
-              </a:xfrm>
-              <a:prstGeom prst="rect">
-                <a:avLst/>
-              </a:prstGeom>
-              <a:blipFill>
-                <a:blip r:embed="rId4"/>
-                <a:stretch>
-                  <a:fillRect/>
-                </a:stretch>
-              </a:blipFill>
-              <a:ln>
-                <a:noFill/>
-              </a:ln>
-            </p:spPr>
-            <p:txBody>
-              <a:bodyPr/>
-              <a:lstStyle/>
-              <a:p>
-                <a:r>
-                  <a:rPr lang="en-US">
-                    <a:noFill/>
-                  </a:rPr>
-                  <a:t> </a:t>
-                </a:r>
-              </a:p>
-            </p:txBody>
-          </p:sp>
-        </mc:Fallback>
-      </mc:AlternateContent>
+                </a:rPr>
+                <a:t>B</a:t>
+              </a:r>
+              <a:endParaRPr lang="en-US" b="1" dirty="0">
+                <a:solidFill>
+                  <a:schemeClr val="tx1"/>
+                </a:solidFill>
+              </a:endParaRPr>
+            </a:p>
+          </p:txBody>
+        </p:sp>
+        <p:pic>
+          <p:nvPicPr>
+            <p:cNvPr id="35" name="Picture 34"/>
+            <p:cNvPicPr>
+              <a:picLocks noChangeAspect="1"/>
+            </p:cNvPicPr>
+            <p:nvPr/>
+          </p:nvPicPr>
+          <p:blipFill rotWithShape="1">
+            <a:blip r:embed="rId4">
+              <a:extLst>
+                <a:ext uri="{28A0092B-C50C-407E-A947-70E740481C1C}">
+                  <a14:useLocalDpi xmlns:a14="http://schemas.microsoft.com/office/drawing/2010/main" val="0"/>
+                </a:ext>
+              </a:extLst>
+            </a:blip>
+            <a:srcRect l="75601" t="9220" r="21538" b="88382"/>
+            <a:stretch/>
+          </p:blipFill>
+          <p:spPr>
+            <a:xfrm>
+              <a:off x="5394837" y="2579994"/>
+              <a:ext cx="416538" cy="75204"/>
+            </a:xfrm>
+            <a:prstGeom prst="rect">
+              <a:avLst/>
+            </a:prstGeom>
+          </p:spPr>
+        </p:pic>
+      </p:grpSp>
     </p:spTree>
     <p:extLst>
       <p:ext uri="{BB962C8B-B14F-4D97-AF65-F5344CB8AC3E}">
-        <p14:creationId xmlns:p14="http://schemas.microsoft.com/office/powerpoint/2010/main" val="1079704894"/>
+        <p14:creationId xmlns:p14="http://schemas.microsoft.com/office/powerpoint/2010/main" val="1030506470"/>
       </p:ext>
     </p:extLst>
   </p:cSld>

--- a/Help/Figures2.pptx
+++ b/Help/Figures2.pptx
@@ -5,7 +5,7 @@
     <p:sldMasterId id="2147483648" r:id="rId1"/>
   </p:sldMasterIdLst>
   <p:notesMasterIdLst>
-    <p:notesMasterId r:id="rId15"/>
+    <p:notesMasterId r:id="rId9"/>
   </p:notesMasterIdLst>
   <p:sldIdLst>
     <p:sldId id="279" r:id="rId2"/>
@@ -15,12 +15,6 @@
     <p:sldId id="269" r:id="rId6"/>
     <p:sldId id="271" r:id="rId7"/>
     <p:sldId id="270" r:id="rId8"/>
-    <p:sldId id="280" r:id="rId9"/>
-    <p:sldId id="284" r:id="rId10"/>
-    <p:sldId id="281" r:id="rId11"/>
-    <p:sldId id="285" r:id="rId12"/>
-    <p:sldId id="282" r:id="rId13"/>
-    <p:sldId id="283" r:id="rId14"/>
   </p:sldIdLst>
   <p:sldSz cx="12192000" cy="6858000"/>
   <p:notesSz cx="6858000" cy="9144000"/>
@@ -234,7 +228,7 @@
           <a:p>
             <a:fld id="{C07E4396-26A3-4143-A0A3-BBC18DD0CEAD}" type="datetimeFigureOut">
               <a:rPr lang="en-US" smtClean="0"/>
-              <a:t>2019-08-06</a:t>
+              <a:t>2019-08-19</a:t>
             </a:fld>
             <a:endParaRPr lang="en-US" dirty="0"/>
           </a:p>
@@ -798,7 +792,7 @@
           <a:p>
             <a:fld id="{2DC2A043-560F-4D2E-8D1E-02B02E053659}" type="datetimeFigureOut">
               <a:rPr lang="en-US" smtClean="0"/>
-              <a:t>2019-08-06</a:t>
+              <a:t>2019-08-19</a:t>
             </a:fld>
             <a:endParaRPr lang="en-US" dirty="0"/>
           </a:p>
@@ -966,7 +960,7 @@
           <a:p>
             <a:fld id="{2DC2A043-560F-4D2E-8D1E-02B02E053659}" type="datetimeFigureOut">
               <a:rPr lang="en-US" smtClean="0"/>
-              <a:t>2019-08-06</a:t>
+              <a:t>2019-08-19</a:t>
             </a:fld>
             <a:endParaRPr lang="en-US" dirty="0"/>
           </a:p>
@@ -1144,7 +1138,7 @@
           <a:p>
             <a:fld id="{2DC2A043-560F-4D2E-8D1E-02B02E053659}" type="datetimeFigureOut">
               <a:rPr lang="en-US" smtClean="0"/>
-              <a:t>2019-08-06</a:t>
+              <a:t>2019-08-19</a:t>
             </a:fld>
             <a:endParaRPr lang="en-US" dirty="0"/>
           </a:p>
@@ -1312,7 +1306,7 @@
           <a:p>
             <a:fld id="{2DC2A043-560F-4D2E-8D1E-02B02E053659}" type="datetimeFigureOut">
               <a:rPr lang="en-US" smtClean="0"/>
-              <a:t>2019-08-06</a:t>
+              <a:t>2019-08-19</a:t>
             </a:fld>
             <a:endParaRPr lang="en-US" dirty="0"/>
           </a:p>
@@ -1557,7 +1551,7 @@
           <a:p>
             <a:fld id="{2DC2A043-560F-4D2E-8D1E-02B02E053659}" type="datetimeFigureOut">
               <a:rPr lang="en-US" smtClean="0"/>
-              <a:t>2019-08-06</a:t>
+              <a:t>2019-08-19</a:t>
             </a:fld>
             <a:endParaRPr lang="en-US" dirty="0"/>
           </a:p>
@@ -1786,7 +1780,7 @@
           <a:p>
             <a:fld id="{2DC2A043-560F-4D2E-8D1E-02B02E053659}" type="datetimeFigureOut">
               <a:rPr lang="en-US" smtClean="0"/>
-              <a:t>2019-08-06</a:t>
+              <a:t>2019-08-19</a:t>
             </a:fld>
             <a:endParaRPr lang="en-US" dirty="0"/>
           </a:p>
@@ -2150,7 +2144,7 @@
           <a:p>
             <a:fld id="{2DC2A043-560F-4D2E-8D1E-02B02E053659}" type="datetimeFigureOut">
               <a:rPr lang="en-US" smtClean="0"/>
-              <a:t>2019-08-06</a:t>
+              <a:t>2019-08-19</a:t>
             </a:fld>
             <a:endParaRPr lang="en-US" dirty="0"/>
           </a:p>
@@ -2267,7 +2261,7 @@
           <a:p>
             <a:fld id="{2DC2A043-560F-4D2E-8D1E-02B02E053659}" type="datetimeFigureOut">
               <a:rPr lang="en-US" smtClean="0"/>
-              <a:t>2019-08-06</a:t>
+              <a:t>2019-08-19</a:t>
             </a:fld>
             <a:endParaRPr lang="en-US" dirty="0"/>
           </a:p>
@@ -2362,7 +2356,7 @@
           <a:p>
             <a:fld id="{2DC2A043-560F-4D2E-8D1E-02B02E053659}" type="datetimeFigureOut">
               <a:rPr lang="en-US" smtClean="0"/>
-              <a:t>2019-08-06</a:t>
+              <a:t>2019-08-19</a:t>
             </a:fld>
             <a:endParaRPr lang="en-US" dirty="0"/>
           </a:p>
@@ -2637,7 +2631,7 @@
           <a:p>
             <a:fld id="{2DC2A043-560F-4D2E-8D1E-02B02E053659}" type="datetimeFigureOut">
               <a:rPr lang="en-US" smtClean="0"/>
-              <a:t>2019-08-06</a:t>
+              <a:t>2019-08-19</a:t>
             </a:fld>
             <a:endParaRPr lang="en-US" dirty="0"/>
           </a:p>
@@ -2889,7 +2883,7 @@
           <a:p>
             <a:fld id="{2DC2A043-560F-4D2E-8D1E-02B02E053659}" type="datetimeFigureOut">
               <a:rPr lang="en-US" smtClean="0"/>
-              <a:t>2019-08-06</a:t>
+              <a:t>2019-08-19</a:t>
             </a:fld>
             <a:endParaRPr lang="en-US" dirty="0"/>
           </a:p>
@@ -3100,7 +3094,7 @@
           <a:p>
             <a:fld id="{2DC2A043-560F-4D2E-8D1E-02B02E053659}" type="datetimeFigureOut">
               <a:rPr lang="en-US" smtClean="0"/>
-              <a:t>2019-08-06</a:t>
+              <a:t>2019-08-19</a:t>
             </a:fld>
             <a:endParaRPr lang="en-US" dirty="0"/>
           </a:p>
@@ -3807,25 +3801,7 @@
                             </a:solidFill>
                             <a:latin typeface="Cambria Math" panose="02040503050406030204" pitchFamily="18" charset="0"/>
                           </a:rPr>
-                          <m:t>0</m:t>
-                        </m:r>
-                        <m:r>
-                          <a:rPr lang="en-US" sz="1700" b="0" i="1" smtClean="0">
-                            <a:solidFill>
-                              <a:schemeClr val="bg1"/>
-                            </a:solidFill>
-                            <a:latin typeface="Cambria Math" panose="02040503050406030204" pitchFamily="18" charset="0"/>
-                          </a:rPr>
-                          <m:t>.</m:t>
-                        </m:r>
-                        <m:r>
-                          <a:rPr lang="en-US" sz="1700" b="0" i="1" smtClean="0">
-                            <a:solidFill>
-                              <a:schemeClr val="bg1"/>
-                            </a:solidFill>
-                            <a:latin typeface="Cambria Math" panose="02040503050406030204" pitchFamily="18" charset="0"/>
-                          </a:rPr>
-                          <m:t>8</m:t>
+                          <m:t>0.8</m:t>
                         </m:r>
                       </m:oMath>
                     </m:oMathPara>
@@ -4114,16 +4090,7 @@
                             </a:solidFill>
                             <a:latin typeface="Cambria Math" panose="02040503050406030204" pitchFamily="18" charset="0"/>
                           </a:rPr>
-                          <m:t> </m:t>
-                        </m:r>
-                        <m:r>
-                          <a:rPr lang="en-US" sz="1700" b="0" i="1" smtClean="0">
-                            <a:solidFill>
-                              <a:schemeClr val="tx1"/>
-                            </a:solidFill>
-                            <a:latin typeface="Cambria Math" panose="02040503050406030204" pitchFamily="18" charset="0"/>
-                          </a:rPr>
-                          <m:t>0</m:t>
+                          <m:t> 0</m:t>
                         </m:r>
                         <m:r>
                           <a:rPr lang="en-US" sz="1700" b="0" i="0" smtClean="0">
@@ -4751,34 +4718,7 @@
                             </a:solidFill>
                             <a:latin typeface="Cambria Math" panose="02040503050406030204" pitchFamily="18" charset="0"/>
                           </a:rPr>
-                          <m:t> </m:t>
-                        </m:r>
-                        <m:r>
-                          <a:rPr lang="en-US" sz="1700" b="0" i="1" smtClean="0">
-                            <a:solidFill>
-                              <a:schemeClr val="tx1"/>
-                            </a:solidFill>
-                            <a:latin typeface="Cambria Math" panose="02040503050406030204" pitchFamily="18" charset="0"/>
-                          </a:rPr>
-                          <m:t>0</m:t>
-                        </m:r>
-                        <m:r>
-                          <a:rPr lang="en-US" sz="1700" b="0" i="1" smtClean="0">
-                            <a:solidFill>
-                              <a:schemeClr val="tx1"/>
-                            </a:solidFill>
-                            <a:latin typeface="Cambria Math" panose="02040503050406030204" pitchFamily="18" charset="0"/>
-                          </a:rPr>
-                          <m:t>.</m:t>
-                        </m:r>
-                        <m:r>
-                          <a:rPr lang="en-US" sz="1700" b="0" i="1" smtClean="0">
-                            <a:solidFill>
-                              <a:schemeClr val="tx1"/>
-                            </a:solidFill>
-                            <a:latin typeface="Cambria Math" panose="02040503050406030204" pitchFamily="18" charset="0"/>
-                          </a:rPr>
-                          <m:t>1</m:t>
+                          <m:t> 0.1</m:t>
                         </m:r>
                       </m:oMath>
                     </m:oMathPara>
@@ -4887,34 +4827,7 @@
                             </a:solidFill>
                             <a:latin typeface="Cambria Math" panose="02040503050406030204" pitchFamily="18" charset="0"/>
                           </a:rPr>
-                          <m:t> </m:t>
-                        </m:r>
-                        <m:r>
-                          <a:rPr lang="en-US" sz="1700" b="0" i="1" smtClean="0">
-                            <a:solidFill>
-                              <a:sysClr val="windowText" lastClr="000000"/>
-                            </a:solidFill>
-                            <a:latin typeface="Cambria Math" panose="02040503050406030204" pitchFamily="18" charset="0"/>
-                          </a:rPr>
-                          <m:t>0</m:t>
-                        </m:r>
-                        <m:r>
-                          <a:rPr lang="en-US" sz="1700" b="0" i="1" smtClean="0">
-                            <a:solidFill>
-                              <a:sysClr val="windowText" lastClr="000000"/>
-                            </a:solidFill>
-                            <a:latin typeface="Cambria Math" panose="02040503050406030204" pitchFamily="18" charset="0"/>
-                          </a:rPr>
-                          <m:t>.</m:t>
-                        </m:r>
-                        <m:r>
-                          <a:rPr lang="en-US" sz="1700" b="0" i="1" smtClean="0">
-                            <a:solidFill>
-                              <a:sysClr val="windowText" lastClr="000000"/>
-                            </a:solidFill>
-                            <a:latin typeface="Cambria Math" panose="02040503050406030204" pitchFamily="18" charset="0"/>
-                          </a:rPr>
-                          <m:t>05</m:t>
+                          <m:t> 0.05</m:t>
                         </m:r>
                       </m:oMath>
                     </m:oMathPara>
@@ -5021,34 +4934,7 @@
                             </a:solidFill>
                             <a:latin typeface="Cambria Math" panose="02040503050406030204" pitchFamily="18" charset="0"/>
                           </a:rPr>
-                          <m:t> </m:t>
-                        </m:r>
-                        <m:r>
-                          <a:rPr lang="en-US" sz="1700" b="0" i="1" smtClean="0">
-                            <a:solidFill>
-                              <a:schemeClr val="tx1"/>
-                            </a:solidFill>
-                            <a:latin typeface="Cambria Math" panose="02040503050406030204" pitchFamily="18" charset="0"/>
-                          </a:rPr>
-                          <m:t>0</m:t>
-                        </m:r>
-                        <m:r>
-                          <a:rPr lang="en-US" sz="1700" b="0" i="1" smtClean="0">
-                            <a:solidFill>
-                              <a:schemeClr val="tx1"/>
-                            </a:solidFill>
-                            <a:latin typeface="Cambria Math" panose="02040503050406030204" pitchFamily="18" charset="0"/>
-                          </a:rPr>
-                          <m:t>.</m:t>
-                        </m:r>
-                        <m:r>
-                          <a:rPr lang="en-US" sz="1700" b="0" i="1" smtClean="0">
-                            <a:solidFill>
-                              <a:schemeClr val="tx1"/>
-                            </a:solidFill>
-                            <a:latin typeface="Cambria Math" panose="02040503050406030204" pitchFamily="18" charset="0"/>
-                          </a:rPr>
-                          <m:t>0</m:t>
+                          <m:t> 0.0</m:t>
                         </m:r>
                       </m:oMath>
                     </m:oMathPara>
@@ -5157,34 +5043,7 @@
                             </a:solidFill>
                             <a:latin typeface="Cambria Math" panose="02040503050406030204" pitchFamily="18" charset="0"/>
                           </a:rPr>
-                          <m:t> </m:t>
-                        </m:r>
-                        <m:r>
-                          <a:rPr lang="en-US" sz="1700" b="0" i="1" smtClean="0">
-                            <a:solidFill>
-                              <a:sysClr val="windowText" lastClr="000000"/>
-                            </a:solidFill>
-                            <a:latin typeface="Cambria Math" panose="02040503050406030204" pitchFamily="18" charset="0"/>
-                          </a:rPr>
-                          <m:t>0</m:t>
-                        </m:r>
-                        <m:r>
-                          <a:rPr lang="en-US" sz="1700" b="0" i="1" smtClean="0">
-                            <a:solidFill>
-                              <a:sysClr val="windowText" lastClr="000000"/>
-                            </a:solidFill>
-                            <a:latin typeface="Cambria Math" panose="02040503050406030204" pitchFamily="18" charset="0"/>
-                          </a:rPr>
-                          <m:t>.</m:t>
-                        </m:r>
-                        <m:r>
-                          <a:rPr lang="en-US" sz="1700" b="0" i="1" smtClean="0">
-                            <a:solidFill>
-                              <a:sysClr val="windowText" lastClr="000000"/>
-                            </a:solidFill>
-                            <a:latin typeface="Cambria Math" panose="02040503050406030204" pitchFamily="18" charset="0"/>
-                          </a:rPr>
-                          <m:t>05</m:t>
+                          <m:t> 0.05</m:t>
                         </m:r>
                       </m:oMath>
                     </m:oMathPara>
@@ -5294,34 +5153,7 @@
                             </a:solidFill>
                             <a:latin typeface="Cambria Math" panose="02040503050406030204" pitchFamily="18" charset="0"/>
                           </a:rPr>
-                          <m:t> </m:t>
-                        </m:r>
-                        <m:r>
-                          <a:rPr lang="en-US" sz="1700" b="0" i="1" smtClean="0">
-                            <a:solidFill>
-                              <a:schemeClr val="bg1"/>
-                            </a:solidFill>
-                            <a:latin typeface="Cambria Math" panose="02040503050406030204" pitchFamily="18" charset="0"/>
-                          </a:rPr>
-                          <m:t>0</m:t>
-                        </m:r>
-                        <m:r>
-                          <a:rPr lang="en-US" sz="1700" b="0" i="1" smtClean="0">
-                            <a:solidFill>
-                              <a:schemeClr val="bg1"/>
-                            </a:solidFill>
-                            <a:latin typeface="Cambria Math" panose="02040503050406030204" pitchFamily="18" charset="0"/>
-                          </a:rPr>
-                          <m:t>.</m:t>
-                        </m:r>
-                        <m:r>
-                          <a:rPr lang="en-US" sz="1700" b="0" i="1" smtClean="0">
-                            <a:solidFill>
-                              <a:schemeClr val="bg1"/>
-                            </a:solidFill>
-                            <a:latin typeface="Cambria Math" panose="02040503050406030204" pitchFamily="18" charset="0"/>
-                          </a:rPr>
-                          <m:t>8</m:t>
+                          <m:t> 0.8</m:t>
                         </m:r>
                       </m:oMath>
                     </m:oMathPara>
@@ -7293,34 +7125,7 @@
                             </a:solidFill>
                             <a:latin typeface="Cambria Math" panose="02040503050406030204" pitchFamily="18" charset="0"/>
                           </a:rPr>
-                          <m:t> </m:t>
-                        </m:r>
-                        <m:r>
-                          <a:rPr lang="en-US" sz="1700" b="0" i="1" smtClean="0">
-                            <a:solidFill>
-                              <a:sysClr val="windowText" lastClr="000000"/>
-                            </a:solidFill>
-                            <a:latin typeface="Cambria Math" panose="02040503050406030204" pitchFamily="18" charset="0"/>
-                          </a:rPr>
-                          <m:t>0</m:t>
-                        </m:r>
-                        <m:r>
-                          <a:rPr lang="en-US" sz="1700" b="0" i="1" smtClean="0">
-                            <a:solidFill>
-                              <a:sysClr val="windowText" lastClr="000000"/>
-                            </a:solidFill>
-                            <a:latin typeface="Cambria Math" panose="02040503050406030204" pitchFamily="18" charset="0"/>
-                          </a:rPr>
-                          <m:t>.</m:t>
-                        </m:r>
-                        <m:r>
-                          <a:rPr lang="en-US" sz="1700" b="0" i="1" smtClean="0">
-                            <a:solidFill>
-                              <a:sysClr val="windowText" lastClr="000000"/>
-                            </a:solidFill>
-                            <a:latin typeface="Cambria Math" panose="02040503050406030204" pitchFamily="18" charset="0"/>
-                          </a:rPr>
-                          <m:t>0</m:t>
+                          <m:t> 0.0</m:t>
                         </m:r>
                       </m:oMath>
                     </m:oMathPara>
@@ -7429,34 +7234,7 @@
                             </a:solidFill>
                             <a:latin typeface="Cambria Math" panose="02040503050406030204" pitchFamily="18" charset="0"/>
                           </a:rPr>
-                          <m:t> </m:t>
-                        </m:r>
-                        <m:r>
-                          <a:rPr lang="en-US" sz="1700" b="0" i="1" smtClean="0">
-                            <a:solidFill>
-                              <a:schemeClr val="tx1"/>
-                            </a:solidFill>
-                            <a:latin typeface="Cambria Math" panose="02040503050406030204" pitchFamily="18" charset="0"/>
-                          </a:rPr>
-                          <m:t>0</m:t>
-                        </m:r>
-                        <m:r>
-                          <a:rPr lang="en-US" sz="1700" b="0" i="1" smtClean="0">
-                            <a:solidFill>
-                              <a:schemeClr val="tx1"/>
-                            </a:solidFill>
-                            <a:latin typeface="Cambria Math" panose="02040503050406030204" pitchFamily="18" charset="0"/>
-                          </a:rPr>
-                          <m:t>.</m:t>
-                        </m:r>
-                        <m:r>
-                          <a:rPr lang="en-US" sz="1700" b="0" i="1" smtClean="0">
-                            <a:solidFill>
-                              <a:schemeClr val="tx1"/>
-                            </a:solidFill>
-                            <a:latin typeface="Cambria Math" panose="02040503050406030204" pitchFamily="18" charset="0"/>
-                          </a:rPr>
-                          <m:t>1</m:t>
+                          <m:t> 0.1</m:t>
                         </m:r>
                       </m:oMath>
                     </m:oMathPara>
@@ -7563,34 +7341,7 @@
                             </a:solidFill>
                             <a:latin typeface="Cambria Math" panose="02040503050406030204" pitchFamily="18" charset="0"/>
                           </a:rPr>
-                          <m:t> </m:t>
-                        </m:r>
-                        <m:r>
-                          <a:rPr lang="en-US" sz="1700" b="0" i="1" smtClean="0">
-                            <a:solidFill>
-                              <a:sysClr val="windowText" lastClr="000000"/>
-                            </a:solidFill>
-                            <a:latin typeface="Cambria Math" panose="02040503050406030204" pitchFamily="18" charset="0"/>
-                          </a:rPr>
-                          <m:t>0</m:t>
-                        </m:r>
-                        <m:r>
-                          <a:rPr lang="en-US" sz="1700" b="0" i="1" smtClean="0">
-                            <a:solidFill>
-                              <a:sysClr val="windowText" lastClr="000000"/>
-                            </a:solidFill>
-                            <a:latin typeface="Cambria Math" panose="02040503050406030204" pitchFamily="18" charset="0"/>
-                          </a:rPr>
-                          <m:t>.</m:t>
-                        </m:r>
-                        <m:r>
-                          <a:rPr lang="en-US" sz="1700" b="0" i="1" smtClean="0">
-                            <a:solidFill>
-                              <a:sysClr val="windowText" lastClr="000000"/>
-                            </a:solidFill>
-                            <a:latin typeface="Cambria Math" panose="02040503050406030204" pitchFamily="18" charset="0"/>
-                          </a:rPr>
-                          <m:t>0</m:t>
+                          <m:t> 0.0</m:t>
                         </m:r>
                       </m:oMath>
                     </m:oMathPara>
@@ -14019,25 +13770,7 @@
                             </a:solidFill>
                             <a:latin typeface="Cambria Math" panose="02040503050406030204" pitchFamily="18" charset="0"/>
                           </a:rPr>
-                          <m:t>0</m:t>
-                        </m:r>
-                        <m:r>
-                          <a:rPr lang="en-US" sz="1700" b="0" i="1" smtClean="0">
-                            <a:solidFill>
-                              <a:schemeClr val="bg1"/>
-                            </a:solidFill>
-                            <a:latin typeface="Cambria Math" panose="02040503050406030204" pitchFamily="18" charset="0"/>
-                          </a:rPr>
-                          <m:t>.</m:t>
-                        </m:r>
-                        <m:r>
-                          <a:rPr lang="en-US" sz="1700" b="0" i="1" smtClean="0">
-                            <a:solidFill>
-                              <a:schemeClr val="bg1"/>
-                            </a:solidFill>
-                            <a:latin typeface="Cambria Math" panose="02040503050406030204" pitchFamily="18" charset="0"/>
-                          </a:rPr>
-                          <m:t>8</m:t>
+                          <m:t>0.8</m:t>
                         </m:r>
                       </m:oMath>
                     </m:oMathPara>
@@ -14296,16 +14029,7 @@
                             </a:solidFill>
                             <a:latin typeface="Cambria Math" panose="02040503050406030204" pitchFamily="18" charset="0"/>
                           </a:rPr>
-                          <m:t> </m:t>
-                        </m:r>
-                        <m:r>
-                          <a:rPr lang="en-US" sz="1700" b="0" i="1" smtClean="0">
-                            <a:solidFill>
-                              <a:schemeClr val="tx1"/>
-                            </a:solidFill>
-                            <a:latin typeface="Cambria Math" panose="02040503050406030204" pitchFamily="18" charset="0"/>
-                          </a:rPr>
-                          <m:t>0</m:t>
+                          <m:t> 0</m:t>
                         </m:r>
                         <m:r>
                           <a:rPr lang="en-US" sz="1700" b="0" i="0" smtClean="0">
@@ -14933,34 +14657,7 @@
                             </a:solidFill>
                             <a:latin typeface="Cambria Math" panose="02040503050406030204" pitchFamily="18" charset="0"/>
                           </a:rPr>
-                          <m:t> </m:t>
-                        </m:r>
-                        <m:r>
-                          <a:rPr lang="en-US" sz="1700" b="0" i="1" smtClean="0">
-                            <a:solidFill>
-                              <a:schemeClr val="tx1"/>
-                            </a:solidFill>
-                            <a:latin typeface="Cambria Math" panose="02040503050406030204" pitchFamily="18" charset="0"/>
-                          </a:rPr>
-                          <m:t>0</m:t>
-                        </m:r>
-                        <m:r>
-                          <a:rPr lang="en-US" sz="1700" b="0" i="1" smtClean="0">
-                            <a:solidFill>
-                              <a:schemeClr val="tx1"/>
-                            </a:solidFill>
-                            <a:latin typeface="Cambria Math" panose="02040503050406030204" pitchFamily="18" charset="0"/>
-                          </a:rPr>
-                          <m:t>.</m:t>
-                        </m:r>
-                        <m:r>
-                          <a:rPr lang="en-US" sz="1700" b="0" i="1" smtClean="0">
-                            <a:solidFill>
-                              <a:schemeClr val="tx1"/>
-                            </a:solidFill>
-                            <a:latin typeface="Cambria Math" panose="02040503050406030204" pitchFamily="18" charset="0"/>
-                          </a:rPr>
-                          <m:t>1</m:t>
+                          <m:t> 0.1</m:t>
                         </m:r>
                       </m:oMath>
                     </m:oMathPara>
@@ -15069,34 +14766,7 @@
                             </a:solidFill>
                             <a:latin typeface="Cambria Math" panose="02040503050406030204" pitchFamily="18" charset="0"/>
                           </a:rPr>
-                          <m:t> </m:t>
-                        </m:r>
-                        <m:r>
-                          <a:rPr lang="en-US" sz="1700" b="0" i="1" smtClean="0">
-                            <a:solidFill>
-                              <a:sysClr val="windowText" lastClr="000000"/>
-                            </a:solidFill>
-                            <a:latin typeface="Cambria Math" panose="02040503050406030204" pitchFamily="18" charset="0"/>
-                          </a:rPr>
-                          <m:t>0</m:t>
-                        </m:r>
-                        <m:r>
-                          <a:rPr lang="en-US" sz="1700" b="0" i="1" smtClean="0">
-                            <a:solidFill>
-                              <a:sysClr val="windowText" lastClr="000000"/>
-                            </a:solidFill>
-                            <a:latin typeface="Cambria Math" panose="02040503050406030204" pitchFamily="18" charset="0"/>
-                          </a:rPr>
-                          <m:t>.</m:t>
-                        </m:r>
-                        <m:r>
-                          <a:rPr lang="en-US" sz="1700" b="0" i="1" smtClean="0">
-                            <a:solidFill>
-                              <a:sysClr val="windowText" lastClr="000000"/>
-                            </a:solidFill>
-                            <a:latin typeface="Cambria Math" panose="02040503050406030204" pitchFamily="18" charset="0"/>
-                          </a:rPr>
-                          <m:t>05</m:t>
+                          <m:t> 0.05</m:t>
                         </m:r>
                       </m:oMath>
                     </m:oMathPara>
@@ -15203,34 +14873,7 @@
                             </a:solidFill>
                             <a:latin typeface="Cambria Math" panose="02040503050406030204" pitchFamily="18" charset="0"/>
                           </a:rPr>
-                          <m:t> </m:t>
-                        </m:r>
-                        <m:r>
-                          <a:rPr lang="en-US" sz="1700" b="0" i="1" smtClean="0">
-                            <a:solidFill>
-                              <a:schemeClr val="tx1"/>
-                            </a:solidFill>
-                            <a:latin typeface="Cambria Math" panose="02040503050406030204" pitchFamily="18" charset="0"/>
-                          </a:rPr>
-                          <m:t>0</m:t>
-                        </m:r>
-                        <m:r>
-                          <a:rPr lang="en-US" sz="1700" b="0" i="1" smtClean="0">
-                            <a:solidFill>
-                              <a:schemeClr val="tx1"/>
-                            </a:solidFill>
-                            <a:latin typeface="Cambria Math" panose="02040503050406030204" pitchFamily="18" charset="0"/>
-                          </a:rPr>
-                          <m:t>.</m:t>
-                        </m:r>
-                        <m:r>
-                          <a:rPr lang="en-US" sz="1700" b="0" i="1" smtClean="0">
-                            <a:solidFill>
-                              <a:schemeClr val="tx1"/>
-                            </a:solidFill>
-                            <a:latin typeface="Cambria Math" panose="02040503050406030204" pitchFamily="18" charset="0"/>
-                          </a:rPr>
-                          <m:t>0</m:t>
+                          <m:t> 0.0</m:t>
                         </m:r>
                       </m:oMath>
                     </m:oMathPara>
@@ -15339,34 +14982,7 @@
                             </a:solidFill>
                             <a:latin typeface="Cambria Math" panose="02040503050406030204" pitchFamily="18" charset="0"/>
                           </a:rPr>
-                          <m:t> </m:t>
-                        </m:r>
-                        <m:r>
-                          <a:rPr lang="en-US" sz="1700" b="0" i="1" smtClean="0">
-                            <a:solidFill>
-                              <a:sysClr val="windowText" lastClr="000000"/>
-                            </a:solidFill>
-                            <a:latin typeface="Cambria Math" panose="02040503050406030204" pitchFamily="18" charset="0"/>
-                          </a:rPr>
-                          <m:t>0</m:t>
-                        </m:r>
-                        <m:r>
-                          <a:rPr lang="en-US" sz="1700" b="0" i="1" smtClean="0">
-                            <a:solidFill>
-                              <a:sysClr val="windowText" lastClr="000000"/>
-                            </a:solidFill>
-                            <a:latin typeface="Cambria Math" panose="02040503050406030204" pitchFamily="18" charset="0"/>
-                          </a:rPr>
-                          <m:t>.</m:t>
-                        </m:r>
-                        <m:r>
-                          <a:rPr lang="en-US" sz="1700" b="0" i="1" smtClean="0">
-                            <a:solidFill>
-                              <a:sysClr val="windowText" lastClr="000000"/>
-                            </a:solidFill>
-                            <a:latin typeface="Cambria Math" panose="02040503050406030204" pitchFamily="18" charset="0"/>
-                          </a:rPr>
-                          <m:t>05</m:t>
+                          <m:t> 0.05</m:t>
                         </m:r>
                       </m:oMath>
                     </m:oMathPara>
@@ -15476,34 +15092,7 @@
                             </a:solidFill>
                             <a:latin typeface="Cambria Math" panose="02040503050406030204" pitchFamily="18" charset="0"/>
                           </a:rPr>
-                          <m:t> </m:t>
-                        </m:r>
-                        <m:r>
-                          <a:rPr lang="en-US" sz="1700" b="0" i="1" smtClean="0">
-                            <a:solidFill>
-                              <a:schemeClr val="bg1"/>
-                            </a:solidFill>
-                            <a:latin typeface="Cambria Math" panose="02040503050406030204" pitchFamily="18" charset="0"/>
-                          </a:rPr>
-                          <m:t>0</m:t>
-                        </m:r>
-                        <m:r>
-                          <a:rPr lang="en-US" sz="1700" b="0" i="1" smtClean="0">
-                            <a:solidFill>
-                              <a:schemeClr val="bg1"/>
-                            </a:solidFill>
-                            <a:latin typeface="Cambria Math" panose="02040503050406030204" pitchFamily="18" charset="0"/>
-                          </a:rPr>
-                          <m:t>.</m:t>
-                        </m:r>
-                        <m:r>
-                          <a:rPr lang="en-US" sz="1700" b="0" i="1" smtClean="0">
-                            <a:solidFill>
-                              <a:schemeClr val="bg1"/>
-                            </a:solidFill>
-                            <a:latin typeface="Cambria Math" panose="02040503050406030204" pitchFamily="18" charset="0"/>
-                          </a:rPr>
-                          <m:t>8</m:t>
+                          <m:t> 0.8</m:t>
                         </m:r>
                       </m:oMath>
                     </m:oMathPara>
@@ -16305,34 +15894,7 @@
                             </a:solidFill>
                             <a:latin typeface="Cambria Math" panose="02040503050406030204" pitchFamily="18" charset="0"/>
                           </a:rPr>
-                          <m:t> </m:t>
-                        </m:r>
-                        <m:r>
-                          <a:rPr lang="en-US" sz="1700" b="0" i="1" smtClean="0">
-                            <a:solidFill>
-                              <a:sysClr val="windowText" lastClr="000000"/>
-                            </a:solidFill>
-                            <a:latin typeface="Cambria Math" panose="02040503050406030204" pitchFamily="18" charset="0"/>
-                          </a:rPr>
-                          <m:t>0</m:t>
-                        </m:r>
-                        <m:r>
-                          <a:rPr lang="en-US" sz="1700" b="0" i="1" smtClean="0">
-                            <a:solidFill>
-                              <a:sysClr val="windowText" lastClr="000000"/>
-                            </a:solidFill>
-                            <a:latin typeface="Cambria Math" panose="02040503050406030204" pitchFamily="18" charset="0"/>
-                          </a:rPr>
-                          <m:t>.</m:t>
-                        </m:r>
-                        <m:r>
-                          <a:rPr lang="en-US" sz="1700" b="0" i="1" smtClean="0">
-                            <a:solidFill>
-                              <a:sysClr val="windowText" lastClr="000000"/>
-                            </a:solidFill>
-                            <a:latin typeface="Cambria Math" panose="02040503050406030204" pitchFamily="18" charset="0"/>
-                          </a:rPr>
-                          <m:t>0</m:t>
+                          <m:t> 0.0</m:t>
                         </m:r>
                       </m:oMath>
                     </m:oMathPara>
@@ -16441,34 +16003,7 @@
                             </a:solidFill>
                             <a:latin typeface="Cambria Math" panose="02040503050406030204" pitchFamily="18" charset="0"/>
                           </a:rPr>
-                          <m:t> </m:t>
-                        </m:r>
-                        <m:r>
-                          <a:rPr lang="en-US" sz="1700" b="0" i="1" smtClean="0">
-                            <a:solidFill>
-                              <a:schemeClr val="tx1"/>
-                            </a:solidFill>
-                            <a:latin typeface="Cambria Math" panose="02040503050406030204" pitchFamily="18" charset="0"/>
-                          </a:rPr>
-                          <m:t>0</m:t>
-                        </m:r>
-                        <m:r>
-                          <a:rPr lang="en-US" sz="1700" b="0" i="1" smtClean="0">
-                            <a:solidFill>
-                              <a:schemeClr val="tx1"/>
-                            </a:solidFill>
-                            <a:latin typeface="Cambria Math" panose="02040503050406030204" pitchFamily="18" charset="0"/>
-                          </a:rPr>
-                          <m:t>.</m:t>
-                        </m:r>
-                        <m:r>
-                          <a:rPr lang="en-US" sz="1700" b="0" i="1" smtClean="0">
-                            <a:solidFill>
-                              <a:schemeClr val="tx1"/>
-                            </a:solidFill>
-                            <a:latin typeface="Cambria Math" panose="02040503050406030204" pitchFamily="18" charset="0"/>
-                          </a:rPr>
-                          <m:t>1</m:t>
+                          <m:t> 0.1</m:t>
                         </m:r>
                       </m:oMath>
                     </m:oMathPara>
@@ -16575,34 +16110,7 @@
                             </a:solidFill>
                             <a:latin typeface="Cambria Math" panose="02040503050406030204" pitchFamily="18" charset="0"/>
                           </a:rPr>
-                          <m:t> </m:t>
-                        </m:r>
-                        <m:r>
-                          <a:rPr lang="en-US" sz="1700" b="0" i="1" smtClean="0">
-                            <a:solidFill>
-                              <a:sysClr val="windowText" lastClr="000000"/>
-                            </a:solidFill>
-                            <a:latin typeface="Cambria Math" panose="02040503050406030204" pitchFamily="18" charset="0"/>
-                          </a:rPr>
-                          <m:t>0</m:t>
-                        </m:r>
-                        <m:r>
-                          <a:rPr lang="en-US" sz="1700" b="0" i="1" smtClean="0">
-                            <a:solidFill>
-                              <a:sysClr val="windowText" lastClr="000000"/>
-                            </a:solidFill>
-                            <a:latin typeface="Cambria Math" panose="02040503050406030204" pitchFamily="18" charset="0"/>
-                          </a:rPr>
-                          <m:t>.</m:t>
-                        </m:r>
-                        <m:r>
-                          <a:rPr lang="en-US" sz="1700" b="0" i="1" smtClean="0">
-                            <a:solidFill>
-                              <a:sysClr val="windowText" lastClr="000000"/>
-                            </a:solidFill>
-                            <a:latin typeface="Cambria Math" panose="02040503050406030204" pitchFamily="18" charset="0"/>
-                          </a:rPr>
-                          <m:t>0</m:t>
+                          <m:t> 0.0</m:t>
                         </m:r>
                       </m:oMath>
                     </m:oMathPara>
@@ -23060,3721 +22568,6 @@
     <p:extLst>
       <p:ext uri="{BB962C8B-B14F-4D97-AF65-F5344CB8AC3E}">
         <p14:creationId xmlns:p14="http://schemas.microsoft.com/office/powerpoint/2010/main" val="2575481567"/>
-      </p:ext>
-    </p:extLst>
-  </p:cSld>
-  <p:clrMapOvr>
-    <a:masterClrMapping/>
-  </p:clrMapOvr>
-  <p:timing>
-    <p:tnLst>
-      <p:par>
-        <p:cTn id="1" dur="indefinite" restart="never" nodeType="tmRoot"/>
-      </p:par>
-    </p:tnLst>
-  </p:timing>
-</p:sld>
-</file>
-
-<file path=ppt/slides/slide10.xml><?xml version="1.0" encoding="utf-8"?>
-<p:sld xmlns:a="http://schemas.openxmlformats.org/drawingml/2006/main" xmlns:r="http://schemas.openxmlformats.org/officeDocument/2006/relationships" xmlns:p="http://schemas.openxmlformats.org/presentationml/2006/main">
-  <p:cSld>
-    <p:spTree>
-      <p:nvGrpSpPr>
-        <p:cNvPr id="1" name=""/>
-        <p:cNvGrpSpPr/>
-        <p:nvPr/>
-      </p:nvGrpSpPr>
-      <p:grpSpPr>
-        <a:xfrm>
-          <a:off x="0" y="0"/>
-          <a:ext cx="0" cy="0"/>
-          <a:chOff x="0" y="0"/>
-          <a:chExt cx="0" cy="0"/>
-        </a:xfrm>
-      </p:grpSpPr>
-      <p:pic>
-        <p:nvPicPr>
-          <p:cNvPr id="15" name="Picture 14"/>
-          <p:cNvPicPr>
-            <a:picLocks noChangeAspect="1"/>
-          </p:cNvPicPr>
-          <p:nvPr/>
-        </p:nvPicPr>
-        <p:blipFill>
-          <a:blip r:embed="rId2">
-            <a:extLst>
-              <a:ext uri="{28A0092B-C50C-407E-A947-70E740481C1C}">
-                <a14:useLocalDpi xmlns:a14="http://schemas.microsoft.com/office/drawing/2010/main" val="0"/>
-              </a:ext>
-            </a:extLst>
-          </a:blip>
-          <a:stretch>
-            <a:fillRect/>
-          </a:stretch>
-        </p:blipFill>
-        <p:spPr>
-          <a:xfrm>
-            <a:off x="1766818" y="-57150"/>
-            <a:ext cx="8658363" cy="6858000"/>
-          </a:xfrm>
-          <a:prstGeom prst="rect">
-            <a:avLst/>
-          </a:prstGeom>
-        </p:spPr>
-      </p:pic>
-      <p:sp>
-        <p:nvSpPr>
-          <p:cNvPr id="10" name="Rectangle 9">
-            <a:extLst>
-              <a:ext uri="{FF2B5EF4-FFF2-40B4-BE49-F238E27FC236}">
-                <a16:creationId xmlns:a16="http://schemas.microsoft.com/office/drawing/2014/main" xmlns="" id="{0088E734-0132-42BF-A871-F58627DBCCEF}"/>
-              </a:ext>
-            </a:extLst>
-          </p:cNvPr>
-          <p:cNvSpPr/>
-          <p:nvPr/>
-        </p:nvSpPr>
-        <p:spPr>
-          <a:xfrm>
-            <a:off x="4972668" y="2225140"/>
-            <a:ext cx="2062162" cy="252412"/>
-          </a:xfrm>
-          <a:prstGeom prst="rect">
-            <a:avLst/>
-          </a:prstGeom>
-          <a:solidFill>
-            <a:schemeClr val="bg1"/>
-          </a:solidFill>
-          <a:ln>
-            <a:noFill/>
-          </a:ln>
-        </p:spPr>
-        <p:style>
-          <a:lnRef idx="2">
-            <a:schemeClr val="accent1">
-              <a:shade val="50000"/>
-            </a:schemeClr>
-          </a:lnRef>
-          <a:fillRef idx="1">
-            <a:schemeClr val="accent1"/>
-          </a:fillRef>
-          <a:effectRef idx="0">
-            <a:schemeClr val="accent1"/>
-          </a:effectRef>
-          <a:fontRef idx="minor">
-            <a:schemeClr val="lt1"/>
-          </a:fontRef>
-        </p:style>
-        <p:txBody>
-          <a:bodyPr rtlCol="0" anchor="ctr"/>
-          <a:lstStyle/>
-          <a:p>
-            <a:pPr algn="ctr"/>
-            <a:endParaRPr lang="en-US" dirty="0">
-              <a:solidFill>
-                <a:schemeClr val="tx1"/>
-              </a:solidFill>
-              <a:latin typeface="Cambria Math" panose="02040503050406030204" pitchFamily="18" charset="0"/>
-              <a:ea typeface="Cambria Math" panose="02040503050406030204" pitchFamily="18" charset="0"/>
-            </a:endParaRPr>
-          </a:p>
-        </p:txBody>
-      </p:sp>
-      <p:sp>
-        <p:nvSpPr>
-          <p:cNvPr id="11" name="Rectangle 10">
-            <a:extLst>
-              <a:ext uri="{FF2B5EF4-FFF2-40B4-BE49-F238E27FC236}">
-                <a16:creationId xmlns:a16="http://schemas.microsoft.com/office/drawing/2014/main" xmlns:a14="http://schemas.microsoft.com/office/drawing/2010/main" xmlns:mc="http://schemas.openxmlformats.org/markup-compatibility/2006" xmlns="" id="{2E36643D-EEA2-42A8-BBCF-DC12D9FC8BA4}"/>
-              </a:ext>
-            </a:extLst>
-          </p:cNvPr>
-          <p:cNvSpPr/>
-          <p:nvPr/>
-        </p:nvSpPr>
-        <p:spPr>
-          <a:xfrm>
-            <a:off x="5330084" y="6237706"/>
-            <a:ext cx="2062162" cy="252412"/>
-          </a:xfrm>
-          <a:prstGeom prst="rect">
-            <a:avLst/>
-          </a:prstGeom>
-          <a:solidFill>
-            <a:schemeClr val="bg1"/>
-          </a:solidFill>
-          <a:ln>
-            <a:noFill/>
-          </a:ln>
-        </p:spPr>
-        <p:style>
-          <a:lnRef idx="2">
-            <a:schemeClr val="accent1">
-              <a:shade val="50000"/>
-            </a:schemeClr>
-          </a:lnRef>
-          <a:fillRef idx="1">
-            <a:schemeClr val="accent1"/>
-          </a:fillRef>
-          <a:effectRef idx="0">
-            <a:schemeClr val="accent1"/>
-          </a:effectRef>
-          <a:fontRef idx="minor">
-            <a:schemeClr val="lt1"/>
-          </a:fontRef>
-        </p:style>
-        <p:txBody>
-          <a:bodyPr rtlCol="0" anchor="ctr"/>
-          <a:lstStyle/>
-          <a:p>
-            <a:pPr algn="ctr"/>
-            <a:r>
-              <a:rPr lang="en-US" sz="1200" dirty="0" smtClean="0">
-                <a:solidFill>
-                  <a:schemeClr val="tx1"/>
-                </a:solidFill>
-                <a:latin typeface="Cambria Math" panose="02040503050406030204" pitchFamily="18" charset="0"/>
-                <a:ea typeface="Cambria Math" panose="02040503050406030204" pitchFamily="18" charset="0"/>
-              </a:rPr>
-              <a:t>EM Iterations</a:t>
-            </a:r>
-            <a:endParaRPr lang="en-US" sz="1200" dirty="0">
-              <a:solidFill>
-                <a:schemeClr val="tx1"/>
-              </a:solidFill>
-              <a:latin typeface="Cambria Math" panose="02040503050406030204" pitchFamily="18" charset="0"/>
-              <a:ea typeface="Cambria Math" panose="02040503050406030204" pitchFamily="18" charset="0"/>
-            </a:endParaRPr>
-          </a:p>
-        </p:txBody>
-      </p:sp>
-      <p:sp>
-        <p:nvSpPr>
-          <p:cNvPr id="12" name="Rectangle 11">
-            <a:extLst>
-              <a:ext uri="{FF2B5EF4-FFF2-40B4-BE49-F238E27FC236}">
-                <a16:creationId xmlns:a16="http://schemas.microsoft.com/office/drawing/2014/main" xmlns:a14="http://schemas.microsoft.com/office/drawing/2010/main" xmlns:mc="http://schemas.openxmlformats.org/markup-compatibility/2006" xmlns="" id="{6D2C8BE0-B0D2-4978-A1B5-FFF5137A4C82}"/>
-              </a:ext>
-            </a:extLst>
-          </p:cNvPr>
-          <p:cNvSpPr/>
-          <p:nvPr/>
-        </p:nvSpPr>
-        <p:spPr>
-          <a:xfrm>
-            <a:off x="1260900" y="2113280"/>
-            <a:ext cx="1308324" cy="2286000"/>
-          </a:xfrm>
-          <a:prstGeom prst="rect">
-            <a:avLst/>
-          </a:prstGeom>
-          <a:solidFill>
-            <a:schemeClr val="bg1"/>
-          </a:solidFill>
-          <a:ln>
-            <a:noFill/>
-          </a:ln>
-        </p:spPr>
-        <p:style>
-          <a:lnRef idx="2">
-            <a:schemeClr val="accent1">
-              <a:shade val="50000"/>
-            </a:schemeClr>
-          </a:lnRef>
-          <a:fillRef idx="1">
-            <a:schemeClr val="accent1"/>
-          </a:fillRef>
-          <a:effectRef idx="0">
-            <a:schemeClr val="accent1"/>
-          </a:effectRef>
-          <a:fontRef idx="minor">
-            <a:schemeClr val="lt1"/>
-          </a:fontRef>
-        </p:style>
-        <p:txBody>
-          <a:bodyPr rtlCol="0" anchor="ctr"/>
-          <a:lstStyle/>
-          <a:p>
-            <a:pPr algn="ctr"/>
-            <a:r>
-              <a:rPr lang="en-US" sz="1200" dirty="0" smtClean="0">
-                <a:solidFill>
-                  <a:schemeClr val="tx1"/>
-                </a:solidFill>
-                <a:latin typeface="Cambria Math" panose="02040503050406030204" pitchFamily="18" charset="0"/>
-                <a:ea typeface="Cambria Math" panose="02040503050406030204" pitchFamily="18" charset="0"/>
-              </a:rPr>
-              <a:t>Misclassification Rate</a:t>
-            </a:r>
-          </a:p>
-        </p:txBody>
-      </p:sp>
-      <mc:AlternateContent xmlns:mc="http://schemas.openxmlformats.org/markup-compatibility/2006">
-        <mc:Choice xmlns:a14="http://schemas.microsoft.com/office/drawing/2010/main" Requires="a14">
-          <p:sp>
-            <p:nvSpPr>
-              <p:cNvPr id="7" name="Rectangle 6"/>
-              <p:cNvSpPr/>
-              <p:nvPr/>
-            </p:nvSpPr>
-            <p:spPr>
-              <a:xfrm>
-                <a:off x="6970964" y="2391605"/>
-                <a:ext cx="2467310" cy="939011"/>
-              </a:xfrm>
-              <a:prstGeom prst="rect">
-                <a:avLst/>
-              </a:prstGeom>
-              <a:solidFill>
-                <a:schemeClr val="bg1"/>
-              </a:solidFill>
-              <a:ln>
-                <a:solidFill>
-                  <a:schemeClr val="bg1"/>
-                </a:solidFill>
-              </a:ln>
-            </p:spPr>
-            <p:style>
-              <a:lnRef idx="2">
-                <a:schemeClr val="accent1">
-                  <a:shade val="50000"/>
-                </a:schemeClr>
-              </a:lnRef>
-              <a:fillRef idx="1">
-                <a:schemeClr val="accent1"/>
-              </a:fillRef>
-              <a:effectRef idx="0">
-                <a:schemeClr val="accent1"/>
-              </a:effectRef>
-              <a:fontRef idx="minor">
-                <a:schemeClr val="lt1"/>
-              </a:fontRef>
-            </p:style>
-            <p:txBody>
-              <a:bodyPr rtlCol="0" anchor="ctr"/>
-              <a:lstStyle/>
-              <a:p>
-                <a:r>
-                  <a:rPr lang="en-US" sz="1200" dirty="0" smtClean="0">
-                    <a:solidFill>
-                      <a:schemeClr val="tx1"/>
-                    </a:solidFill>
-                    <a:latin typeface="Cambria Math" panose="02040503050406030204" pitchFamily="18" charset="0"/>
-                    <a:ea typeface="Cambria Math" panose="02040503050406030204" pitchFamily="18" charset="0"/>
-                  </a:rPr>
-                  <a:t>Viterbi train </a:t>
-                </a:r>
-                <a:r>
-                  <a:rPr lang="en-US" sz="1200" dirty="0">
-                    <a:solidFill>
-                      <a:schemeClr val="tx1"/>
-                    </a:solidFill>
-                    <a:latin typeface="Cambria Math" panose="02040503050406030204" pitchFamily="18" charset="0"/>
-                    <a:ea typeface="Cambria Math" panose="02040503050406030204" pitchFamily="18" charset="0"/>
-                  </a:rPr>
-                  <a:t>e</a:t>
-                </a:r>
-                <a:r>
-                  <a:rPr lang="en-US" sz="1200" dirty="0" smtClean="0">
-                    <a:solidFill>
-                      <a:schemeClr val="tx1"/>
-                    </a:solidFill>
-                    <a:latin typeface="Cambria Math" panose="02040503050406030204" pitchFamily="18" charset="0"/>
-                    <a:ea typeface="Cambria Math" panose="02040503050406030204" pitchFamily="18" charset="0"/>
-                  </a:rPr>
-                  <a:t>rror </a:t>
-                </a:r>
-                <a:r>
-                  <a:rPr lang="en-US" sz="1200" dirty="0">
-                    <a:solidFill>
-                      <a:schemeClr val="tx1"/>
-                    </a:solidFill>
-                    <a:latin typeface="Cambria Math" panose="02040503050406030204" pitchFamily="18" charset="0"/>
-                    <a:ea typeface="Cambria Math" panose="02040503050406030204" pitchFamily="18" charset="0"/>
-                  </a:rPr>
-                  <a:t>with </a:t>
-                </a:r>
-                <a:r>
-                  <a:rPr lang="en-US" sz="1200" dirty="0" smtClean="0">
-                    <a:solidFill>
-                      <a:schemeClr val="tx1"/>
-                    </a:solidFill>
-                    <a:latin typeface="Cambria Math" panose="02040503050406030204" pitchFamily="18" charset="0"/>
-                    <a:ea typeface="Cambria Math" panose="02040503050406030204" pitchFamily="18" charset="0"/>
-                  </a:rPr>
-                  <a:t>learned </a:t>
-                </a:r>
-                <a14:m>
-                  <m:oMath xmlns:m="http://schemas.openxmlformats.org/officeDocument/2006/math">
-                    <m:r>
-                      <a:rPr lang="en-US" sz="1200" i="1">
-                        <a:solidFill>
-                          <a:schemeClr val="tx1"/>
-                        </a:solidFill>
-                        <a:latin typeface="Cambria Math" panose="02040503050406030204" pitchFamily="18" charset="0"/>
-                        <a:ea typeface="Cambria Math" panose="02040503050406030204" pitchFamily="18" charset="0"/>
-                      </a:rPr>
-                      <m:t>𝜃</m:t>
-                    </m:r>
-                  </m:oMath>
-                </a14:m>
-                <a:endParaRPr lang="en-US" sz="1200" dirty="0" smtClean="0">
-                  <a:solidFill>
-                    <a:schemeClr val="tx1"/>
-                  </a:solidFill>
-                  <a:latin typeface="Cambria Math" panose="02040503050406030204" pitchFamily="18" charset="0"/>
-                  <a:ea typeface="Cambria Math" panose="02040503050406030204" pitchFamily="18" charset="0"/>
-                </a:endParaRPr>
-              </a:p>
-              <a:p>
-                <a:r>
-                  <a:rPr lang="en-US" sz="1200" dirty="0">
-                    <a:solidFill>
-                      <a:schemeClr val="tx1"/>
-                    </a:solidFill>
-                    <a:latin typeface="Cambria Math" panose="02040503050406030204" pitchFamily="18" charset="0"/>
-                    <a:ea typeface="Cambria Math" panose="02040503050406030204" pitchFamily="18" charset="0"/>
-                  </a:rPr>
-                  <a:t>Viterbi </a:t>
-                </a:r>
-                <a:r>
-                  <a:rPr lang="en-US" sz="1200" dirty="0" smtClean="0">
-                    <a:solidFill>
-                      <a:schemeClr val="tx1"/>
-                    </a:solidFill>
-                    <a:latin typeface="Cambria Math" panose="02040503050406030204" pitchFamily="18" charset="0"/>
-                    <a:ea typeface="Cambria Math" panose="02040503050406030204" pitchFamily="18" charset="0"/>
-                  </a:rPr>
-                  <a:t>average test error </a:t>
-                </a:r>
-                <a:r>
-                  <a:rPr lang="en-US" sz="1200" dirty="0">
-                    <a:solidFill>
-                      <a:schemeClr val="tx1"/>
-                    </a:solidFill>
-                    <a:latin typeface="Cambria Math" panose="02040503050406030204" pitchFamily="18" charset="0"/>
-                    <a:ea typeface="Cambria Math" panose="02040503050406030204" pitchFamily="18" charset="0"/>
-                  </a:rPr>
-                  <a:t>with </a:t>
-                </a:r>
-                <a:r>
-                  <a:rPr lang="en-US" sz="1200" dirty="0" smtClean="0">
-                    <a:solidFill>
-                      <a:schemeClr val="tx1"/>
-                    </a:solidFill>
-                    <a:latin typeface="Cambria Math" panose="02040503050406030204" pitchFamily="18" charset="0"/>
-                    <a:ea typeface="Cambria Math" panose="02040503050406030204" pitchFamily="18" charset="0"/>
-                  </a:rPr>
-                  <a:t>learned </a:t>
-                </a:r>
-                <a14:m>
-                  <m:oMath xmlns:m="http://schemas.openxmlformats.org/officeDocument/2006/math">
-                    <m:r>
-                      <a:rPr lang="en-US" sz="1200" i="1">
-                        <a:solidFill>
-                          <a:schemeClr val="tx1"/>
-                        </a:solidFill>
-                        <a:latin typeface="Cambria Math" panose="02040503050406030204" pitchFamily="18" charset="0"/>
-                        <a:ea typeface="Cambria Math" panose="02040503050406030204" pitchFamily="18" charset="0"/>
-                      </a:rPr>
-                      <m:t>𝜃</m:t>
-                    </m:r>
-                  </m:oMath>
-                </a14:m>
-                <a:endParaRPr lang="en-US" sz="1200" dirty="0">
-                  <a:solidFill>
-                    <a:schemeClr val="tx1"/>
-                  </a:solidFill>
-                  <a:latin typeface="Cambria Math" panose="02040503050406030204" pitchFamily="18" charset="0"/>
-                  <a:ea typeface="Cambria Math" panose="02040503050406030204" pitchFamily="18" charset="0"/>
-                </a:endParaRPr>
-              </a:p>
-              <a:p>
-                <a:r>
-                  <a:rPr lang="en-US" sz="1200" dirty="0">
-                    <a:solidFill>
-                      <a:schemeClr val="tx1"/>
-                    </a:solidFill>
-                    <a:latin typeface="Cambria Math" panose="02040503050406030204" pitchFamily="18" charset="0"/>
-                    <a:ea typeface="Cambria Math" panose="02040503050406030204" pitchFamily="18" charset="0"/>
-                  </a:rPr>
-                  <a:t>Viterbi </a:t>
-                </a:r>
-                <a:r>
-                  <a:rPr lang="en-US" sz="1200" dirty="0" smtClean="0">
-                    <a:solidFill>
-                      <a:schemeClr val="tx1"/>
-                    </a:solidFill>
-                    <a:latin typeface="Cambria Math" panose="02040503050406030204" pitchFamily="18" charset="0"/>
-                    <a:ea typeface="Cambria Math" panose="02040503050406030204" pitchFamily="18" charset="0"/>
-                  </a:rPr>
-                  <a:t>train error </a:t>
-                </a:r>
-                <a:r>
-                  <a:rPr lang="en-US" sz="1200" dirty="0">
-                    <a:solidFill>
-                      <a:schemeClr val="tx1"/>
-                    </a:solidFill>
-                    <a:latin typeface="Cambria Math" panose="02040503050406030204" pitchFamily="18" charset="0"/>
-                    <a:ea typeface="Cambria Math" panose="02040503050406030204" pitchFamily="18" charset="0"/>
-                  </a:rPr>
-                  <a:t>with </a:t>
-                </a:r>
-                <a:r>
-                  <a:rPr lang="en-US" sz="1200" dirty="0" smtClean="0">
-                    <a:solidFill>
-                      <a:schemeClr val="tx1"/>
-                    </a:solidFill>
-                    <a:latin typeface="Cambria Math" panose="02040503050406030204" pitchFamily="18" charset="0"/>
-                    <a:ea typeface="Cambria Math" panose="02040503050406030204" pitchFamily="18" charset="0"/>
-                  </a:rPr>
-                  <a:t>true </a:t>
-                </a:r>
-                <a14:m>
-                  <m:oMath xmlns:m="http://schemas.openxmlformats.org/officeDocument/2006/math">
-                    <m:r>
-                      <a:rPr lang="en-US" sz="1200" i="1">
-                        <a:solidFill>
-                          <a:schemeClr val="tx1"/>
-                        </a:solidFill>
-                        <a:latin typeface="Cambria Math" panose="02040503050406030204" pitchFamily="18" charset="0"/>
-                        <a:ea typeface="Cambria Math" panose="02040503050406030204" pitchFamily="18" charset="0"/>
-                      </a:rPr>
-                      <m:t>𝜃</m:t>
-                    </m:r>
-                  </m:oMath>
-                </a14:m>
-                <a:endParaRPr lang="en-US" sz="1200" dirty="0" smtClean="0">
-                  <a:solidFill>
-                    <a:schemeClr val="tx1"/>
-                  </a:solidFill>
-                  <a:latin typeface="Cambria Math" panose="02040503050406030204" pitchFamily="18" charset="0"/>
-                  <a:ea typeface="Cambria Math" panose="02040503050406030204" pitchFamily="18" charset="0"/>
-                </a:endParaRPr>
-              </a:p>
-              <a:p>
-                <a:r>
-                  <a:rPr lang="en-US" sz="1200" dirty="0">
-                    <a:solidFill>
-                      <a:schemeClr val="tx1"/>
-                    </a:solidFill>
-                    <a:latin typeface="Cambria Math" panose="02040503050406030204" pitchFamily="18" charset="0"/>
-                    <a:ea typeface="Cambria Math" panose="02040503050406030204" pitchFamily="18" charset="0"/>
-                  </a:rPr>
-                  <a:t>Viterbi </a:t>
-                </a:r>
-                <a:r>
-                  <a:rPr lang="en-US" sz="1200" dirty="0" smtClean="0">
-                    <a:solidFill>
-                      <a:schemeClr val="tx1"/>
-                    </a:solidFill>
-                    <a:latin typeface="Cambria Math" panose="02040503050406030204" pitchFamily="18" charset="0"/>
-                    <a:ea typeface="Cambria Math" panose="02040503050406030204" pitchFamily="18" charset="0"/>
-                  </a:rPr>
-                  <a:t>test error </a:t>
-                </a:r>
-                <a:r>
-                  <a:rPr lang="en-US" sz="1200" dirty="0">
-                    <a:solidFill>
-                      <a:schemeClr val="tx1"/>
-                    </a:solidFill>
-                    <a:latin typeface="Cambria Math" panose="02040503050406030204" pitchFamily="18" charset="0"/>
-                    <a:ea typeface="Cambria Math" panose="02040503050406030204" pitchFamily="18" charset="0"/>
-                  </a:rPr>
-                  <a:t>with true </a:t>
-                </a:r>
-                <a14:m>
-                  <m:oMath xmlns:m="http://schemas.openxmlformats.org/officeDocument/2006/math">
-                    <m:r>
-                      <a:rPr lang="en-US" sz="1200" b="0" i="0" smtClean="0">
-                        <a:solidFill>
-                          <a:schemeClr val="tx1"/>
-                        </a:solidFill>
-                        <a:latin typeface="Cambria Math" panose="02040503050406030204" pitchFamily="18" charset="0"/>
-                        <a:ea typeface="Cambria Math" panose="02040503050406030204" pitchFamily="18" charset="0"/>
-                      </a:rPr>
-                      <m:t> </m:t>
-                    </m:r>
-                    <m:r>
-                      <a:rPr lang="en-US" sz="1200" i="1">
-                        <a:solidFill>
-                          <a:schemeClr val="tx1"/>
-                        </a:solidFill>
-                        <a:latin typeface="Cambria Math" panose="02040503050406030204" pitchFamily="18" charset="0"/>
-                        <a:ea typeface="Cambria Math" panose="02040503050406030204" pitchFamily="18" charset="0"/>
-                      </a:rPr>
-                      <m:t>𝜃</m:t>
-                    </m:r>
-                  </m:oMath>
-                </a14:m>
-                <a:endParaRPr lang="en-US" sz="1200" dirty="0">
-                  <a:solidFill>
-                    <a:schemeClr val="tx1"/>
-                  </a:solidFill>
-                  <a:latin typeface="Cambria Math" panose="02040503050406030204" pitchFamily="18" charset="0"/>
-                  <a:ea typeface="Cambria Math" panose="02040503050406030204" pitchFamily="18" charset="0"/>
-                </a:endParaRPr>
-              </a:p>
-              <a:p>
-                <a:endParaRPr lang="en-US" sz="1200" dirty="0" smtClean="0">
-                  <a:solidFill>
-                    <a:schemeClr val="tx1"/>
-                  </a:solidFill>
-                  <a:latin typeface="Cambria Math" panose="02040503050406030204" pitchFamily="18" charset="0"/>
-                  <a:ea typeface="Cambria Math" panose="02040503050406030204" pitchFamily="18" charset="0"/>
-                </a:endParaRPr>
-              </a:p>
-              <a:p>
-                <a:endParaRPr lang="en-US" sz="1200" dirty="0">
-                  <a:solidFill>
-                    <a:schemeClr val="tx1"/>
-                  </a:solidFill>
-                  <a:latin typeface="Cambria Math" panose="02040503050406030204" pitchFamily="18" charset="0"/>
-                  <a:ea typeface="Cambria Math" panose="02040503050406030204" pitchFamily="18" charset="0"/>
-                </a:endParaRPr>
-              </a:p>
-            </p:txBody>
-          </p:sp>
-        </mc:Choice>
-        <mc:Fallback>
-          <p:sp>
-            <p:nvSpPr>
-              <p:cNvPr id="7" name="Rectangle 6"/>
-              <p:cNvSpPr>
-                <a:spLocks noRot="1" noChangeAspect="1" noMove="1" noResize="1" noEditPoints="1" noAdjustHandles="1" noChangeArrowheads="1" noChangeShapeType="1" noTextEdit="1"/>
-              </p:cNvSpPr>
-              <p:nvPr/>
-            </p:nvSpPr>
-            <p:spPr>
-              <a:xfrm>
-                <a:off x="6970964" y="2391605"/>
-                <a:ext cx="2467310" cy="939011"/>
-              </a:xfrm>
-              <a:prstGeom prst="rect">
-                <a:avLst/>
-              </a:prstGeom>
-              <a:blipFill rotWithShape="0">
-                <a:blip r:embed="rId3"/>
-                <a:stretch>
-                  <a:fillRect t="-22436"/>
-                </a:stretch>
-              </a:blipFill>
-              <a:ln>
-                <a:solidFill>
-                  <a:schemeClr val="bg1"/>
-                </a:solidFill>
-              </a:ln>
-            </p:spPr>
-            <p:txBody>
-              <a:bodyPr/>
-              <a:lstStyle/>
-              <a:p>
-                <a:r>
-                  <a:rPr lang="en-US">
-                    <a:noFill/>
-                  </a:rPr>
-                  <a:t> </a:t>
-                </a:r>
-              </a:p>
-            </p:txBody>
-          </p:sp>
-        </mc:Fallback>
-      </mc:AlternateContent>
-      <p:pic>
-        <p:nvPicPr>
-          <p:cNvPr id="8" name="Picture 7"/>
-          <p:cNvPicPr>
-            <a:picLocks noChangeAspect="1"/>
-          </p:cNvPicPr>
-          <p:nvPr/>
-        </p:nvPicPr>
-        <p:blipFill rotWithShape="1">
-          <a:blip r:embed="rId4">
-            <a:extLst>
-              <a:ext uri="{28A0092B-C50C-407E-A947-70E740481C1C}">
-                <a14:useLocalDpi xmlns:a14="http://schemas.microsoft.com/office/drawing/2010/main" val="0"/>
-              </a:ext>
-            </a:extLst>
-          </a:blip>
-          <a:srcRect l="75601" t="9220" r="21538" b="82368"/>
-          <a:stretch/>
-        </p:blipFill>
-        <p:spPr>
-          <a:xfrm>
-            <a:off x="6514856" y="2322828"/>
-            <a:ext cx="500020" cy="748032"/>
-          </a:xfrm>
-          <a:prstGeom prst="rect">
-            <a:avLst/>
-          </a:prstGeom>
-        </p:spPr>
-      </p:pic>
-      <p:sp>
-        <p:nvSpPr>
-          <p:cNvPr id="13" name="Oval 12"/>
-          <p:cNvSpPr/>
-          <p:nvPr/>
-        </p:nvSpPr>
-        <p:spPr>
-          <a:xfrm>
-            <a:off x="2047395" y="644175"/>
-            <a:ext cx="328566" cy="291486"/>
-          </a:xfrm>
-          <a:prstGeom prst="ellipse">
-            <a:avLst/>
-          </a:prstGeom>
-          <a:noFill/>
-          <a:ln w="38100">
-            <a:solidFill>
-              <a:schemeClr val="tx1"/>
-            </a:solidFill>
-          </a:ln>
-        </p:spPr>
-        <p:style>
-          <a:lnRef idx="2">
-            <a:schemeClr val="accent1">
-              <a:shade val="50000"/>
-            </a:schemeClr>
-          </a:lnRef>
-          <a:fillRef idx="1">
-            <a:schemeClr val="accent1"/>
-          </a:fillRef>
-          <a:effectRef idx="0">
-            <a:schemeClr val="accent1"/>
-          </a:effectRef>
-          <a:fontRef idx="minor">
-            <a:schemeClr val="lt1"/>
-          </a:fontRef>
-        </p:style>
-        <p:txBody>
-          <a:bodyPr rtlCol="0" anchor="ctr"/>
-          <a:lstStyle/>
-          <a:p>
-            <a:pPr algn="ctr"/>
-            <a:r>
-              <a:rPr lang="en-US" b="1" dirty="0" smtClean="0">
-                <a:solidFill>
-                  <a:schemeClr val="tx1"/>
-                </a:solidFill>
-              </a:rPr>
-              <a:t>C</a:t>
-            </a:r>
-            <a:endParaRPr lang="en-US" b="1" dirty="0">
-              <a:solidFill>
-                <a:schemeClr val="tx1"/>
-              </a:solidFill>
-            </a:endParaRPr>
-          </a:p>
-        </p:txBody>
-      </p:sp>
-      <p:sp>
-        <p:nvSpPr>
-          <p:cNvPr id="16" name="Rectangle 15">
-            <a:extLst>
-              <a:ext uri="{FF2B5EF4-FFF2-40B4-BE49-F238E27FC236}">
-                <a16:creationId xmlns:a16="http://schemas.microsoft.com/office/drawing/2014/main" xmlns:a14="http://schemas.microsoft.com/office/drawing/2010/main" xmlns:mc="http://schemas.openxmlformats.org/markup-compatibility/2006" xmlns="" id="{2E36643D-EEA2-42A8-BBCF-DC12D9FC8BA4}"/>
-              </a:ext>
-            </a:extLst>
-          </p:cNvPr>
-          <p:cNvSpPr/>
-          <p:nvPr/>
-        </p:nvSpPr>
-        <p:spPr>
-          <a:xfrm>
-            <a:off x="4702704" y="234524"/>
-            <a:ext cx="2744576" cy="253156"/>
-          </a:xfrm>
-          <a:prstGeom prst="rect">
-            <a:avLst/>
-          </a:prstGeom>
-          <a:solidFill>
-            <a:schemeClr val="bg1"/>
-          </a:solidFill>
-          <a:ln>
-            <a:noFill/>
-          </a:ln>
-        </p:spPr>
-        <p:style>
-          <a:lnRef idx="2">
-            <a:schemeClr val="accent1">
-              <a:shade val="50000"/>
-            </a:schemeClr>
-          </a:lnRef>
-          <a:fillRef idx="1">
-            <a:schemeClr val="accent1"/>
-          </a:fillRef>
-          <a:effectRef idx="0">
-            <a:schemeClr val="accent1"/>
-          </a:effectRef>
-          <a:fontRef idx="minor">
-            <a:schemeClr val="lt1"/>
-          </a:fontRef>
-        </p:style>
-        <p:txBody>
-          <a:bodyPr rtlCol="0" anchor="ctr"/>
-          <a:lstStyle/>
-          <a:p>
-            <a:pPr algn="ctr"/>
-            <a:endParaRPr lang="en-US" sz="1200" dirty="0">
-              <a:solidFill>
-                <a:schemeClr val="tx1"/>
-              </a:solidFill>
-              <a:latin typeface="Cambria Math" panose="02040503050406030204" pitchFamily="18" charset="0"/>
-              <a:ea typeface="Cambria Math" panose="02040503050406030204" pitchFamily="18" charset="0"/>
-            </a:endParaRPr>
-          </a:p>
-        </p:txBody>
-      </p:sp>
-      <p:sp>
-        <p:nvSpPr>
-          <p:cNvPr id="17" name="Rectangle 16">
-            <a:extLst>
-              <a:ext uri="{FF2B5EF4-FFF2-40B4-BE49-F238E27FC236}">
-                <a16:creationId xmlns:a16="http://schemas.microsoft.com/office/drawing/2014/main" xmlns:a14="http://schemas.microsoft.com/office/drawing/2010/main" xmlns:mc="http://schemas.openxmlformats.org/markup-compatibility/2006" xmlns="" id="{2E36643D-EEA2-42A8-BBCF-DC12D9FC8BA4}"/>
-              </a:ext>
-            </a:extLst>
-          </p:cNvPr>
-          <p:cNvSpPr/>
-          <p:nvPr/>
-        </p:nvSpPr>
-        <p:spPr>
-          <a:xfrm>
-            <a:off x="7037287" y="309296"/>
-            <a:ext cx="2687737" cy="928954"/>
-          </a:xfrm>
-          <a:prstGeom prst="rect">
-            <a:avLst/>
-          </a:prstGeom>
-          <a:solidFill>
-            <a:schemeClr val="bg1"/>
-          </a:solidFill>
-          <a:ln>
-            <a:noFill/>
-          </a:ln>
-        </p:spPr>
-        <p:style>
-          <a:lnRef idx="2">
-            <a:schemeClr val="accent1">
-              <a:shade val="50000"/>
-            </a:schemeClr>
-          </a:lnRef>
-          <a:fillRef idx="1">
-            <a:schemeClr val="accent1"/>
-          </a:fillRef>
-          <a:effectRef idx="0">
-            <a:schemeClr val="accent1"/>
-          </a:effectRef>
-          <a:fontRef idx="minor">
-            <a:schemeClr val="lt1"/>
-          </a:fontRef>
-        </p:style>
-        <p:txBody>
-          <a:bodyPr rtlCol="0" anchor="ctr"/>
-          <a:lstStyle/>
-          <a:p>
-            <a:pPr algn="ctr"/>
-            <a:r>
-              <a:rPr lang="en-US" sz="1200" dirty="0" smtClean="0">
-                <a:solidFill>
-                  <a:schemeClr val="tx1"/>
-                </a:solidFill>
-                <a:latin typeface="Cambria Math" panose="02040503050406030204" pitchFamily="18" charset="0"/>
-                <a:ea typeface="Cambria Math" panose="02040503050406030204" pitchFamily="18" charset="0"/>
-              </a:rPr>
-              <a:t>EM Iterations</a:t>
-            </a:r>
-            <a:endParaRPr lang="en-US" sz="1200" dirty="0">
-              <a:solidFill>
-                <a:schemeClr val="tx1"/>
-              </a:solidFill>
-              <a:latin typeface="Cambria Math" panose="02040503050406030204" pitchFamily="18" charset="0"/>
-              <a:ea typeface="Cambria Math" panose="02040503050406030204" pitchFamily="18" charset="0"/>
-            </a:endParaRPr>
-          </a:p>
-        </p:txBody>
-      </p:sp>
-      <p:pic>
-        <p:nvPicPr>
-          <p:cNvPr id="18" name="Picture 17"/>
-          <p:cNvPicPr>
-            <a:picLocks noChangeAspect="1"/>
-          </p:cNvPicPr>
-          <p:nvPr/>
-        </p:nvPicPr>
-        <p:blipFill rotWithShape="1">
-          <a:blip r:embed="rId2">
-            <a:extLst>
-              <a:ext uri="{28A0092B-C50C-407E-A947-70E740481C1C}">
-                <a14:useLocalDpi xmlns:a14="http://schemas.microsoft.com/office/drawing/2010/main" val="0"/>
-              </a:ext>
-            </a:extLst>
-          </a:blip>
-          <a:srcRect l="67788" t="12778" r="27778" b="82500"/>
-          <a:stretch/>
-        </p:blipFill>
-        <p:spPr>
-          <a:xfrm>
-            <a:off x="6525383" y="1941034"/>
-            <a:ext cx="477398" cy="402692"/>
-          </a:xfrm>
-          <a:prstGeom prst="rect">
-            <a:avLst/>
-          </a:prstGeom>
-        </p:spPr>
-      </p:pic>
-    </p:spTree>
-    <p:extLst>
-      <p:ext uri="{BB962C8B-B14F-4D97-AF65-F5344CB8AC3E}">
-        <p14:creationId xmlns:p14="http://schemas.microsoft.com/office/powerpoint/2010/main" val="1377424737"/>
-      </p:ext>
-    </p:extLst>
-  </p:cSld>
-  <p:clrMapOvr>
-    <a:masterClrMapping/>
-  </p:clrMapOvr>
-  <p:timing>
-    <p:tnLst>
-      <p:par>
-        <p:cTn id="1" dur="indefinite" restart="never" nodeType="tmRoot"/>
-      </p:par>
-    </p:tnLst>
-  </p:timing>
-</p:sld>
-</file>
-
-<file path=ppt/slides/slide11.xml><?xml version="1.0" encoding="utf-8"?>
-<p:sld xmlns:a="http://schemas.openxmlformats.org/drawingml/2006/main" xmlns:r="http://schemas.openxmlformats.org/officeDocument/2006/relationships" xmlns:p="http://schemas.openxmlformats.org/presentationml/2006/main">
-  <p:cSld>
-    <p:spTree>
-      <p:nvGrpSpPr>
-        <p:cNvPr id="1" name=""/>
-        <p:cNvGrpSpPr/>
-        <p:nvPr/>
-      </p:nvGrpSpPr>
-      <p:grpSpPr>
-        <a:xfrm>
-          <a:off x="0" y="0"/>
-          <a:ext cx="0" cy="0"/>
-          <a:chOff x="0" y="0"/>
-          <a:chExt cx="0" cy="0"/>
-        </a:xfrm>
-      </p:grpSpPr>
-      <p:grpSp>
-        <p:nvGrpSpPr>
-          <p:cNvPr id="14" name="Group 13"/>
-          <p:cNvGrpSpPr/>
-          <p:nvPr/>
-        </p:nvGrpSpPr>
-        <p:grpSpPr>
-          <a:xfrm>
-            <a:off x="548641" y="579120"/>
-            <a:ext cx="11349419" cy="5774936"/>
-            <a:chOff x="548641" y="579120"/>
-            <a:chExt cx="11349419" cy="5774936"/>
-          </a:xfrm>
-        </p:grpSpPr>
-        <p:pic>
-          <p:nvPicPr>
-            <p:cNvPr id="4" name="Picture 3"/>
-            <p:cNvPicPr>
-              <a:picLocks noChangeAspect="1"/>
-            </p:cNvPicPr>
-            <p:nvPr/>
-          </p:nvPicPr>
-          <p:blipFill>
-            <a:blip r:embed="rId2">
-              <a:extLst>
-                <a:ext uri="{28A0092B-C50C-407E-A947-70E740481C1C}">
-                  <a14:useLocalDpi xmlns:a14="http://schemas.microsoft.com/office/drawing/2010/main" val="0"/>
-                </a:ext>
-              </a:extLst>
-            </a:blip>
-            <a:stretch>
-              <a:fillRect/>
-            </a:stretch>
-          </p:blipFill>
-          <p:spPr>
-            <a:xfrm>
-              <a:off x="548641" y="579120"/>
-              <a:ext cx="11349419" cy="5774936"/>
-            </a:xfrm>
-            <a:prstGeom prst="rect">
-              <a:avLst/>
-            </a:prstGeom>
-          </p:spPr>
-        </p:pic>
-        <p:grpSp>
-          <p:nvGrpSpPr>
-            <p:cNvPr id="12" name="Group 11"/>
-            <p:cNvGrpSpPr/>
-            <p:nvPr/>
-          </p:nvGrpSpPr>
-          <p:grpSpPr>
-            <a:xfrm>
-              <a:off x="7194439" y="4533437"/>
-              <a:ext cx="3606911" cy="1129973"/>
-              <a:chOff x="6581430" y="2413155"/>
-              <a:chExt cx="2887211" cy="918536"/>
-            </a:xfrm>
-          </p:grpSpPr>
-          <mc:AlternateContent xmlns:mc="http://schemas.openxmlformats.org/markup-compatibility/2006">
-            <mc:Choice xmlns:a14="http://schemas.microsoft.com/office/drawing/2010/main" Requires="a14">
-              <p:sp>
-                <p:nvSpPr>
-                  <p:cNvPr id="5" name="Rectangle 4"/>
-                  <p:cNvSpPr/>
-                  <p:nvPr/>
-                </p:nvSpPr>
-                <p:spPr>
-                  <a:xfrm>
-                    <a:off x="6951010" y="2413155"/>
-                    <a:ext cx="2517631" cy="918536"/>
-                  </a:xfrm>
-                  <a:prstGeom prst="rect">
-                    <a:avLst/>
-                  </a:prstGeom>
-                  <a:solidFill>
-                    <a:schemeClr val="bg1"/>
-                  </a:solidFill>
-                  <a:ln>
-                    <a:solidFill>
-                      <a:schemeClr val="bg1"/>
-                    </a:solidFill>
-                  </a:ln>
-                </p:spPr>
-                <p:style>
-                  <a:lnRef idx="2">
-                    <a:schemeClr val="accent1">
-                      <a:shade val="50000"/>
-                    </a:schemeClr>
-                  </a:lnRef>
-                  <a:fillRef idx="1">
-                    <a:schemeClr val="accent1"/>
-                  </a:fillRef>
-                  <a:effectRef idx="0">
-                    <a:schemeClr val="accent1"/>
-                  </a:effectRef>
-                  <a:fontRef idx="minor">
-                    <a:schemeClr val="lt1"/>
-                  </a:fontRef>
-                </p:style>
-                <p:txBody>
-                  <a:bodyPr rtlCol="0" anchor="ctr"/>
-                  <a:lstStyle/>
-                  <a:p>
-                    <a:r>
-                      <a:rPr lang="en-US" sz="1200" dirty="0" smtClean="0">
-                        <a:solidFill>
-                          <a:schemeClr val="tx1"/>
-                        </a:solidFill>
-                        <a:latin typeface="Cambria Math" panose="02040503050406030204" pitchFamily="18" charset="0"/>
-                        <a:ea typeface="Cambria Math" panose="02040503050406030204" pitchFamily="18" charset="0"/>
-                      </a:rPr>
-                      <a:t>Likelihood of learned </a:t>
-                    </a:r>
-                    <a14:m>
-                      <m:oMath xmlns:m="http://schemas.openxmlformats.org/officeDocument/2006/math">
-                        <m:r>
-                          <a:rPr lang="en-US" sz="1200" i="1">
-                            <a:solidFill>
-                              <a:schemeClr val="tx1"/>
-                            </a:solidFill>
-                            <a:latin typeface="Cambria Math" panose="02040503050406030204" pitchFamily="18" charset="0"/>
-                            <a:ea typeface="Cambria Math" panose="02040503050406030204" pitchFamily="18" charset="0"/>
-                          </a:rPr>
-                          <m:t>𝜃</m:t>
-                        </m:r>
-                      </m:oMath>
-                    </a14:m>
-                    <a:r>
-                      <a:rPr lang="en-US" sz="1200" dirty="0" smtClean="0">
-                        <a:solidFill>
-                          <a:schemeClr val="tx1"/>
-                        </a:solidFill>
-                        <a:latin typeface="Cambria Math" panose="02040503050406030204" pitchFamily="18" charset="0"/>
-                        <a:ea typeface="Cambria Math" panose="02040503050406030204" pitchFamily="18" charset="0"/>
-                      </a:rPr>
-                      <a:t> on train sequences</a:t>
-                    </a:r>
-                  </a:p>
-                  <a:p>
-                    <a:r>
-                      <a:rPr lang="en-US" sz="1200" dirty="0">
-                        <a:solidFill>
-                          <a:schemeClr val="tx1"/>
-                        </a:solidFill>
-                        <a:latin typeface="Cambria Math" panose="02040503050406030204" pitchFamily="18" charset="0"/>
-                        <a:ea typeface="Cambria Math" panose="02040503050406030204" pitchFamily="18" charset="0"/>
-                      </a:rPr>
-                      <a:t>Likelihood of learned </a:t>
-                    </a:r>
-                    <a14:m>
-                      <m:oMath xmlns:m="http://schemas.openxmlformats.org/officeDocument/2006/math">
-                        <m:r>
-                          <a:rPr lang="en-US" sz="1200" i="1">
-                            <a:solidFill>
-                              <a:schemeClr val="tx1"/>
-                            </a:solidFill>
-                            <a:latin typeface="Cambria Math" panose="02040503050406030204" pitchFamily="18" charset="0"/>
-                            <a:ea typeface="Cambria Math" panose="02040503050406030204" pitchFamily="18" charset="0"/>
-                          </a:rPr>
-                          <m:t>𝜃</m:t>
-                        </m:r>
-                      </m:oMath>
-                    </a14:m>
-                    <a:r>
-                      <a:rPr lang="en-US" sz="1200" dirty="0">
-                        <a:solidFill>
-                          <a:schemeClr val="tx1"/>
-                        </a:solidFill>
-                        <a:latin typeface="Cambria Math" panose="02040503050406030204" pitchFamily="18" charset="0"/>
-                        <a:ea typeface="Cambria Math" panose="02040503050406030204" pitchFamily="18" charset="0"/>
-                      </a:rPr>
-                      <a:t> on </a:t>
-                    </a:r>
-                    <a:r>
-                      <a:rPr lang="en-US" sz="1200" dirty="0" smtClean="0">
-                        <a:solidFill>
-                          <a:schemeClr val="tx1"/>
-                        </a:solidFill>
-                        <a:latin typeface="Cambria Math" panose="02040503050406030204" pitchFamily="18" charset="0"/>
-                        <a:ea typeface="Cambria Math" panose="02040503050406030204" pitchFamily="18" charset="0"/>
-                      </a:rPr>
-                      <a:t>test sequences</a:t>
-                    </a:r>
-                    <a:endParaRPr lang="en-US" sz="1200" dirty="0">
-                      <a:solidFill>
-                        <a:schemeClr val="tx1"/>
-                      </a:solidFill>
-                      <a:latin typeface="Cambria Math" panose="02040503050406030204" pitchFamily="18" charset="0"/>
-                      <a:ea typeface="Cambria Math" panose="02040503050406030204" pitchFamily="18" charset="0"/>
-                    </a:endParaRPr>
-                  </a:p>
-                  <a:p>
-                    <a:r>
-                      <a:rPr lang="en-US" sz="1200" dirty="0">
-                        <a:solidFill>
-                          <a:schemeClr val="tx1"/>
-                        </a:solidFill>
-                        <a:latin typeface="Cambria Math" panose="02040503050406030204" pitchFamily="18" charset="0"/>
-                        <a:ea typeface="Cambria Math" panose="02040503050406030204" pitchFamily="18" charset="0"/>
-                      </a:rPr>
-                      <a:t>Likelihood of </a:t>
-                    </a:r>
-                    <a:r>
-                      <a:rPr lang="en-US" sz="1200" dirty="0" smtClean="0">
-                        <a:solidFill>
-                          <a:schemeClr val="tx1"/>
-                        </a:solidFill>
-                        <a:latin typeface="Cambria Math" panose="02040503050406030204" pitchFamily="18" charset="0"/>
-                        <a:ea typeface="Cambria Math" panose="02040503050406030204" pitchFamily="18" charset="0"/>
-                      </a:rPr>
-                      <a:t>true </a:t>
-                    </a:r>
-                    <a14:m>
-                      <m:oMath xmlns:m="http://schemas.openxmlformats.org/officeDocument/2006/math">
-                        <m:r>
-                          <a:rPr lang="en-US" sz="1200" i="1">
-                            <a:solidFill>
-                              <a:schemeClr val="tx1"/>
-                            </a:solidFill>
-                            <a:latin typeface="Cambria Math" panose="02040503050406030204" pitchFamily="18" charset="0"/>
-                            <a:ea typeface="Cambria Math" panose="02040503050406030204" pitchFamily="18" charset="0"/>
-                          </a:rPr>
-                          <m:t>𝜃</m:t>
-                        </m:r>
-                      </m:oMath>
-                    </a14:m>
-                    <a:r>
-                      <a:rPr lang="en-US" sz="1200" dirty="0">
-                        <a:solidFill>
-                          <a:schemeClr val="tx1"/>
-                        </a:solidFill>
-                        <a:latin typeface="Cambria Math" panose="02040503050406030204" pitchFamily="18" charset="0"/>
-                        <a:ea typeface="Cambria Math" panose="02040503050406030204" pitchFamily="18" charset="0"/>
-                      </a:rPr>
-                      <a:t> on train sequences</a:t>
-                    </a:r>
-                  </a:p>
-                  <a:p>
-                    <a:r>
-                      <a:rPr lang="en-US" sz="1200" dirty="0">
-                        <a:solidFill>
-                          <a:schemeClr val="tx1"/>
-                        </a:solidFill>
-                        <a:latin typeface="Cambria Math" panose="02040503050406030204" pitchFamily="18" charset="0"/>
-                        <a:ea typeface="Cambria Math" panose="02040503050406030204" pitchFamily="18" charset="0"/>
-                      </a:rPr>
-                      <a:t>Likelihood of true </a:t>
-                    </a:r>
-                    <a14:m>
-                      <m:oMath xmlns:m="http://schemas.openxmlformats.org/officeDocument/2006/math">
-                        <m:r>
-                          <a:rPr lang="en-US" sz="1200" i="1">
-                            <a:solidFill>
-                              <a:schemeClr val="tx1"/>
-                            </a:solidFill>
-                            <a:latin typeface="Cambria Math" panose="02040503050406030204" pitchFamily="18" charset="0"/>
-                            <a:ea typeface="Cambria Math" panose="02040503050406030204" pitchFamily="18" charset="0"/>
-                          </a:rPr>
-                          <m:t>𝜃</m:t>
-                        </m:r>
-                      </m:oMath>
-                    </a14:m>
-                    <a:r>
-                      <a:rPr lang="en-US" sz="1200" dirty="0">
-                        <a:solidFill>
-                          <a:schemeClr val="tx1"/>
-                        </a:solidFill>
-                        <a:latin typeface="Cambria Math" panose="02040503050406030204" pitchFamily="18" charset="0"/>
-                        <a:ea typeface="Cambria Math" panose="02040503050406030204" pitchFamily="18" charset="0"/>
-                      </a:rPr>
-                      <a:t> on </a:t>
-                    </a:r>
-                    <a:r>
-                      <a:rPr lang="en-US" sz="1200" dirty="0" smtClean="0">
-                        <a:solidFill>
-                          <a:schemeClr val="tx1"/>
-                        </a:solidFill>
-                        <a:latin typeface="Cambria Math" panose="02040503050406030204" pitchFamily="18" charset="0"/>
-                        <a:ea typeface="Cambria Math" panose="02040503050406030204" pitchFamily="18" charset="0"/>
-                      </a:rPr>
-                      <a:t>test sequences</a:t>
-                    </a:r>
-                    <a:endParaRPr lang="en-US" sz="1200" dirty="0">
-                      <a:solidFill>
-                        <a:schemeClr val="tx1"/>
-                      </a:solidFill>
-                      <a:latin typeface="Cambria Math" panose="02040503050406030204" pitchFamily="18" charset="0"/>
-                      <a:ea typeface="Cambria Math" panose="02040503050406030204" pitchFamily="18" charset="0"/>
-                    </a:endParaRPr>
-                  </a:p>
-                  <a:p>
-                    <a:endParaRPr lang="en-US" sz="1200" dirty="0" smtClean="0">
-                      <a:solidFill>
-                        <a:schemeClr val="tx1"/>
-                      </a:solidFill>
-                      <a:latin typeface="Cambria Math" panose="02040503050406030204" pitchFamily="18" charset="0"/>
-                      <a:ea typeface="Cambria Math" panose="02040503050406030204" pitchFamily="18" charset="0"/>
-                    </a:endParaRPr>
-                  </a:p>
-                  <a:p>
-                    <a:endParaRPr lang="en-US" sz="1200" dirty="0">
-                      <a:solidFill>
-                        <a:schemeClr val="tx1"/>
-                      </a:solidFill>
-                      <a:latin typeface="Cambria Math" panose="02040503050406030204" pitchFamily="18" charset="0"/>
-                      <a:ea typeface="Cambria Math" panose="02040503050406030204" pitchFamily="18" charset="0"/>
-                    </a:endParaRPr>
-                  </a:p>
-                </p:txBody>
-              </p:sp>
-            </mc:Choice>
-            <mc:Fallback>
-              <p:sp>
-                <p:nvSpPr>
-                  <p:cNvPr id="5" name="Rectangle 4"/>
-                  <p:cNvSpPr>
-                    <a:spLocks noRot="1" noChangeAspect="1" noMove="1" noResize="1" noEditPoints="1" noAdjustHandles="1" noChangeArrowheads="1" noChangeShapeType="1" noTextEdit="1"/>
-                  </p:cNvSpPr>
-                  <p:nvPr/>
-                </p:nvSpPr>
-                <p:spPr>
-                  <a:xfrm>
-                    <a:off x="6951010" y="2413155"/>
-                    <a:ext cx="2517631" cy="918536"/>
-                  </a:xfrm>
-                  <a:prstGeom prst="rect">
-                    <a:avLst/>
-                  </a:prstGeom>
-                  <a:blipFill rotWithShape="0">
-                    <a:blip r:embed="rId3"/>
-                    <a:stretch>
-                      <a:fillRect t="-2674"/>
-                    </a:stretch>
-                  </a:blipFill>
-                  <a:ln>
-                    <a:solidFill>
-                      <a:schemeClr val="bg1"/>
-                    </a:solidFill>
-                  </a:ln>
-                </p:spPr>
-                <p:txBody>
-                  <a:bodyPr/>
-                  <a:lstStyle/>
-                  <a:p>
-                    <a:r>
-                      <a:rPr lang="en-US">
-                        <a:noFill/>
-                      </a:rPr>
-                      <a:t> </a:t>
-                    </a:r>
-                  </a:p>
-                </p:txBody>
-              </p:sp>
-            </mc:Fallback>
-          </mc:AlternateContent>
-          <p:pic>
-            <p:nvPicPr>
-              <p:cNvPr id="6" name="Picture 5"/>
-              <p:cNvPicPr>
-                <a:picLocks noChangeAspect="1"/>
-              </p:cNvPicPr>
-              <p:nvPr/>
-            </p:nvPicPr>
-            <p:blipFill rotWithShape="1">
-              <a:blip r:embed="rId4">
-                <a:extLst>
-                  <a:ext uri="{28A0092B-C50C-407E-A947-70E740481C1C}">
-                    <a14:useLocalDpi xmlns:a14="http://schemas.microsoft.com/office/drawing/2010/main" val="0"/>
-                  </a:ext>
-                </a:extLst>
-              </a:blip>
-              <a:srcRect l="75601" t="9220" r="21538" b="82368"/>
-              <a:stretch/>
-            </p:blipFill>
-            <p:spPr>
-              <a:xfrm>
-                <a:off x="6581430" y="2438305"/>
-                <a:ext cx="387052" cy="579032"/>
-              </a:xfrm>
-              <a:prstGeom prst="rect">
-                <a:avLst/>
-              </a:prstGeom>
-            </p:spPr>
-          </p:pic>
-        </p:grpSp>
-        <p:sp>
-          <p:nvSpPr>
-            <p:cNvPr id="7" name="Rectangle 6">
-              <a:extLst>
-                <a:ext uri="{FF2B5EF4-FFF2-40B4-BE49-F238E27FC236}">
-                  <a16:creationId xmlns:a16="http://schemas.microsoft.com/office/drawing/2014/main" xmlns="" id="{0088E734-0132-42BF-A871-F58627DBCCEF}"/>
-                </a:ext>
-              </a:extLst>
-            </p:cNvPr>
-            <p:cNvSpPr/>
-            <p:nvPr/>
-          </p:nvSpPr>
-          <p:spPr>
-            <a:xfrm>
-              <a:off x="5460348" y="823060"/>
-              <a:ext cx="2062162" cy="252412"/>
-            </a:xfrm>
-            <a:prstGeom prst="rect">
-              <a:avLst/>
-            </a:prstGeom>
-            <a:solidFill>
-              <a:schemeClr val="bg1"/>
-            </a:solidFill>
-            <a:ln>
-              <a:noFill/>
-            </a:ln>
-          </p:spPr>
-          <p:style>
-            <a:lnRef idx="2">
-              <a:schemeClr val="accent1">
-                <a:shade val="50000"/>
-              </a:schemeClr>
-            </a:lnRef>
-            <a:fillRef idx="1">
-              <a:schemeClr val="accent1"/>
-            </a:fillRef>
-            <a:effectRef idx="0">
-              <a:schemeClr val="accent1"/>
-            </a:effectRef>
-            <a:fontRef idx="minor">
-              <a:schemeClr val="lt1"/>
-            </a:fontRef>
-          </p:style>
-          <p:txBody>
-            <a:bodyPr rtlCol="0" anchor="ctr"/>
-            <a:lstStyle/>
-            <a:p>
-              <a:pPr algn="ctr"/>
-              <a:endParaRPr lang="en-US" sz="1200" dirty="0">
-                <a:solidFill>
-                  <a:schemeClr val="tx1"/>
-                </a:solidFill>
-                <a:latin typeface="Cambria Math" panose="02040503050406030204" pitchFamily="18" charset="0"/>
-                <a:ea typeface="Cambria Math" panose="02040503050406030204" pitchFamily="18" charset="0"/>
-              </a:endParaRPr>
-            </a:p>
-          </p:txBody>
-        </p:sp>
-        <p:sp>
-          <p:nvSpPr>
-            <p:cNvPr id="8" name="Rectangle 7">
-              <a:extLst>
-                <a:ext uri="{FF2B5EF4-FFF2-40B4-BE49-F238E27FC236}">
-                  <a16:creationId xmlns:a16="http://schemas.microsoft.com/office/drawing/2014/main" xmlns:a14="http://schemas.microsoft.com/office/drawing/2010/main" xmlns:mc="http://schemas.openxmlformats.org/markup-compatibility/2006" xmlns="" id="{2E36643D-EEA2-42A8-BBCF-DC12D9FC8BA4}"/>
-                </a:ext>
-              </a:extLst>
-            </p:cNvPr>
-            <p:cNvSpPr/>
-            <p:nvPr/>
-          </p:nvSpPr>
-          <p:spPr>
-            <a:xfrm>
-              <a:off x="5385036" y="5916396"/>
-              <a:ext cx="2062162" cy="252412"/>
-            </a:xfrm>
-            <a:prstGeom prst="rect">
-              <a:avLst/>
-            </a:prstGeom>
-            <a:solidFill>
-              <a:schemeClr val="bg1"/>
-            </a:solidFill>
-            <a:ln>
-              <a:noFill/>
-            </a:ln>
-          </p:spPr>
-          <p:style>
-            <a:lnRef idx="2">
-              <a:schemeClr val="accent1">
-                <a:shade val="50000"/>
-              </a:schemeClr>
-            </a:lnRef>
-            <a:fillRef idx="1">
-              <a:schemeClr val="accent1"/>
-            </a:fillRef>
-            <a:effectRef idx="0">
-              <a:schemeClr val="accent1"/>
-            </a:effectRef>
-            <a:fontRef idx="minor">
-              <a:schemeClr val="lt1"/>
-            </a:fontRef>
-          </p:style>
-          <p:txBody>
-            <a:bodyPr rtlCol="0" anchor="ctr"/>
-            <a:lstStyle/>
-            <a:p>
-              <a:pPr algn="ctr"/>
-              <a:r>
-                <a:rPr lang="en-US" sz="1200" dirty="0" smtClean="0">
-                  <a:solidFill>
-                    <a:schemeClr val="tx1"/>
-                  </a:solidFill>
-                  <a:latin typeface="Cambria Math" panose="02040503050406030204" pitchFamily="18" charset="0"/>
-                  <a:ea typeface="Cambria Math" panose="02040503050406030204" pitchFamily="18" charset="0"/>
-                </a:rPr>
-                <a:t>EM Iterations</a:t>
-              </a:r>
-              <a:endParaRPr lang="en-US" sz="1200" dirty="0">
-                <a:solidFill>
-                  <a:schemeClr val="tx1"/>
-                </a:solidFill>
-                <a:latin typeface="Cambria Math" panose="02040503050406030204" pitchFamily="18" charset="0"/>
-                <a:ea typeface="Cambria Math" panose="02040503050406030204" pitchFamily="18" charset="0"/>
-              </a:endParaRPr>
-            </a:p>
-          </p:txBody>
-        </p:sp>
-        <mc:AlternateContent xmlns:mc="http://schemas.openxmlformats.org/markup-compatibility/2006">
-          <mc:Choice xmlns:a14="http://schemas.microsoft.com/office/drawing/2010/main" Requires="a14">
-            <p:sp>
-              <p:nvSpPr>
-                <p:cNvPr id="9" name="Rectangle 8">
-                  <a:extLst>
-                    <a:ext uri="{FF2B5EF4-FFF2-40B4-BE49-F238E27FC236}">
-                      <a16:creationId xmlns:a16="http://schemas.microsoft.com/office/drawing/2014/main" xmlns="" id="{6D2C8BE0-B0D2-4978-A1B5-FFF5137A4C82}"/>
-                    </a:ext>
-                  </a:extLst>
-                </p:cNvPr>
-                <p:cNvSpPr/>
-                <p:nvPr/>
-              </p:nvSpPr>
-              <p:spPr>
-                <a:xfrm>
-                  <a:off x="568961" y="2235200"/>
-                  <a:ext cx="1161520" cy="2298237"/>
-                </a:xfrm>
-                <a:prstGeom prst="rect">
-                  <a:avLst/>
-                </a:prstGeom>
-                <a:solidFill>
-                  <a:schemeClr val="bg1"/>
-                </a:solidFill>
-                <a:ln>
-                  <a:noFill/>
-                </a:ln>
-              </p:spPr>
-              <p:style>
-                <a:lnRef idx="2">
-                  <a:schemeClr val="accent1">
-                    <a:shade val="50000"/>
-                  </a:schemeClr>
-                </a:lnRef>
-                <a:fillRef idx="1">
-                  <a:schemeClr val="accent1"/>
-                </a:fillRef>
-                <a:effectRef idx="0">
-                  <a:schemeClr val="accent1"/>
-                </a:effectRef>
-                <a:fontRef idx="minor">
-                  <a:schemeClr val="lt1"/>
-                </a:fontRef>
-              </p:style>
-              <p:txBody>
-                <a:bodyPr rtlCol="0" anchor="ctr"/>
-                <a:lstStyle/>
-                <a:p>
-                  <a:pPr algn="ctr"/>
-                  <a:r>
-                    <a:rPr lang="en-US" sz="1200" dirty="0" smtClean="0">
-                      <a:solidFill>
-                        <a:schemeClr val="tx1"/>
-                      </a:solidFill>
-                      <a:latin typeface="Cambria Math" panose="02040503050406030204" pitchFamily="18" charset="0"/>
-                      <a:ea typeface="Cambria Math" panose="02040503050406030204" pitchFamily="18" charset="0"/>
-                    </a:rPr>
-                    <a:t>Mean Log Likelihood</a:t>
-                  </a:r>
-                  <a:endParaRPr lang="he-IL" sz="1200" dirty="0" smtClean="0">
-                    <a:solidFill>
-                      <a:schemeClr val="tx1"/>
-                    </a:solidFill>
-                    <a:latin typeface="Cambria Math" panose="02040503050406030204" pitchFamily="18" charset="0"/>
-                    <a:ea typeface="Cambria Math" panose="02040503050406030204" pitchFamily="18" charset="0"/>
-                  </a:endParaRPr>
-                </a:p>
-                <a:p>
-                  <a:pPr algn="ctr"/>
-                  <a14:m>
-                    <m:oMathPara xmlns:m="http://schemas.openxmlformats.org/officeDocument/2006/math">
-                      <m:oMathParaPr>
-                        <m:jc m:val="centerGroup"/>
-                      </m:oMathParaPr>
-                      <m:oMath xmlns:m="http://schemas.openxmlformats.org/officeDocument/2006/math">
-                        <m:sSub>
-                          <m:sSubPr>
-                            <m:ctrlPr>
-                              <a:rPr lang="en-US" sz="1200" b="0" i="1" smtClean="0">
-                                <a:solidFill>
-                                  <a:schemeClr val="tx1"/>
-                                </a:solidFill>
-                                <a:latin typeface="Cambria Math" panose="02040503050406030204" pitchFamily="18" charset="0"/>
-                                <a:ea typeface="Cambria Math" panose="02040503050406030204" pitchFamily="18" charset="0"/>
-                              </a:rPr>
-                            </m:ctrlPr>
-                          </m:sSubPr>
-                          <m:e>
-                            <m:r>
-                              <a:rPr lang="en-US" sz="1200" b="0" i="1" smtClean="0">
-                                <a:solidFill>
-                                  <a:schemeClr val="tx1"/>
-                                </a:solidFill>
-                                <a:latin typeface="Cambria Math" panose="02040503050406030204" pitchFamily="18" charset="0"/>
-                                <a:ea typeface="Cambria Math" panose="02040503050406030204" pitchFamily="18" charset="0"/>
-                              </a:rPr>
-                              <m:t>𝑃</m:t>
-                            </m:r>
-                          </m:e>
-                          <m:sub>
-                            <m:r>
-                              <a:rPr lang="en-US" sz="1200" b="0" i="1" smtClean="0">
-                                <a:solidFill>
-                                  <a:schemeClr val="tx1"/>
-                                </a:solidFill>
-                                <a:latin typeface="Cambria Math" panose="02040503050406030204" pitchFamily="18" charset="0"/>
-                                <a:ea typeface="Cambria Math" panose="02040503050406030204" pitchFamily="18" charset="0"/>
-                              </a:rPr>
-                              <m:t>𝜃</m:t>
-                            </m:r>
-                          </m:sub>
-                        </m:sSub>
-                        <m:d>
-                          <m:dPr>
-                            <m:ctrlPr>
-                              <a:rPr lang="en-US" sz="1200" b="0" i="1" smtClean="0">
-                                <a:solidFill>
-                                  <a:schemeClr val="tx1"/>
-                                </a:solidFill>
-                                <a:latin typeface="Cambria Math" panose="02040503050406030204" pitchFamily="18" charset="0"/>
-                                <a:ea typeface="Cambria Math" panose="02040503050406030204" pitchFamily="18" charset="0"/>
-                              </a:rPr>
-                            </m:ctrlPr>
-                          </m:dPr>
-                          <m:e>
-                            <m:r>
-                              <a:rPr lang="en-US" sz="1200" b="0" i="1" smtClean="0">
-                                <a:solidFill>
-                                  <a:schemeClr val="tx1"/>
-                                </a:solidFill>
-                                <a:latin typeface="Cambria Math" panose="02040503050406030204" pitchFamily="18" charset="0"/>
-                                <a:ea typeface="Cambria Math" panose="02040503050406030204" pitchFamily="18" charset="0"/>
-                              </a:rPr>
-                              <m:t>𝑋</m:t>
-                            </m:r>
-                          </m:e>
-                        </m:d>
-                      </m:oMath>
-                    </m:oMathPara>
-                  </a14:m>
-                  <a:endParaRPr lang="en-US" sz="1200" dirty="0" smtClean="0">
-                    <a:solidFill>
-                      <a:schemeClr val="tx1"/>
-                    </a:solidFill>
-                    <a:latin typeface="Cambria Math" panose="02040503050406030204" pitchFamily="18" charset="0"/>
-                    <a:ea typeface="Cambria Math" panose="02040503050406030204" pitchFamily="18" charset="0"/>
-                  </a:endParaRPr>
-                </a:p>
-              </p:txBody>
-            </p:sp>
-          </mc:Choice>
-          <mc:Fallback>
-            <p:sp>
-              <p:nvSpPr>
-                <p:cNvPr id="9" name="Rectangle 8">
-                  <a:extLst>
-                    <a:ext uri="{FF2B5EF4-FFF2-40B4-BE49-F238E27FC236}">
-                      <a16:creationId xmlns:a16="http://schemas.microsoft.com/office/drawing/2014/main" xmlns:a14="http://schemas.microsoft.com/office/drawing/2010/main" xmlns="" id="{6D2C8BE0-B0D2-4978-A1B5-FFF5137A4C82}"/>
-                    </a:ext>
-                  </a:extLst>
-                </p:cNvPr>
-                <p:cNvSpPr>
-                  <a:spLocks noRot="1" noChangeAspect="1" noMove="1" noResize="1" noEditPoints="1" noAdjustHandles="1" noChangeArrowheads="1" noChangeShapeType="1" noTextEdit="1"/>
-                </p:cNvSpPr>
-                <p:nvPr/>
-              </p:nvSpPr>
-              <p:spPr>
-                <a:xfrm>
-                  <a:off x="568961" y="2235200"/>
-                  <a:ext cx="1161520" cy="2298237"/>
-                </a:xfrm>
-                <a:prstGeom prst="rect">
-                  <a:avLst/>
-                </a:prstGeom>
-                <a:blipFill rotWithShape="0">
-                  <a:blip r:embed="rId5"/>
-                  <a:stretch>
-                    <a:fillRect/>
-                  </a:stretch>
-                </a:blipFill>
-                <a:ln>
-                  <a:noFill/>
-                </a:ln>
-              </p:spPr>
-              <p:txBody>
-                <a:bodyPr/>
-                <a:lstStyle/>
-                <a:p>
-                  <a:r>
-                    <a:rPr lang="en-US">
-                      <a:noFill/>
-                    </a:rPr>
-                    <a:t> </a:t>
-                  </a:r>
-                </a:p>
-              </p:txBody>
-            </p:sp>
-          </mc:Fallback>
-        </mc:AlternateContent>
-        <p:sp>
-          <p:nvSpPr>
-            <p:cNvPr id="13" name="Oval 12"/>
-            <p:cNvSpPr/>
-            <p:nvPr/>
-          </p:nvSpPr>
-          <p:spPr>
-            <a:xfrm>
-              <a:off x="1149721" y="1773906"/>
-              <a:ext cx="328566" cy="291486"/>
-            </a:xfrm>
-            <a:prstGeom prst="ellipse">
-              <a:avLst/>
-            </a:prstGeom>
-            <a:noFill/>
-            <a:ln w="38100">
-              <a:solidFill>
-                <a:schemeClr val="tx1"/>
-              </a:solidFill>
-            </a:ln>
-          </p:spPr>
-          <p:style>
-            <a:lnRef idx="2">
-              <a:schemeClr val="accent1">
-                <a:shade val="50000"/>
-              </a:schemeClr>
-            </a:lnRef>
-            <a:fillRef idx="1">
-              <a:schemeClr val="accent1"/>
-            </a:fillRef>
-            <a:effectRef idx="0">
-              <a:schemeClr val="accent1"/>
-            </a:effectRef>
-            <a:fontRef idx="minor">
-              <a:schemeClr val="lt1"/>
-            </a:fontRef>
-          </p:style>
-          <p:txBody>
-            <a:bodyPr rtlCol="0" anchor="ctr"/>
-            <a:lstStyle/>
-            <a:p>
-              <a:pPr algn="ctr"/>
-              <a:r>
-                <a:rPr lang="en-US" b="1" dirty="0" smtClean="0">
-                  <a:solidFill>
-                    <a:schemeClr val="tx1"/>
-                  </a:solidFill>
-                </a:rPr>
-                <a:t>D</a:t>
-              </a:r>
-              <a:endParaRPr lang="en-US" b="1" dirty="0">
-                <a:solidFill>
-                  <a:schemeClr val="tx1"/>
-                </a:solidFill>
-              </a:endParaRPr>
-            </a:p>
-          </p:txBody>
-        </p:sp>
-      </p:grpSp>
-    </p:spTree>
-    <p:extLst>
-      <p:ext uri="{BB962C8B-B14F-4D97-AF65-F5344CB8AC3E}">
-        <p14:creationId xmlns:p14="http://schemas.microsoft.com/office/powerpoint/2010/main" val="2949276080"/>
-      </p:ext>
-    </p:extLst>
-  </p:cSld>
-  <p:clrMapOvr>
-    <a:masterClrMapping/>
-  </p:clrMapOvr>
-</p:sld>
-</file>
-
-<file path=ppt/slides/slide12.xml><?xml version="1.0" encoding="utf-8"?>
-<p:sld xmlns:a="http://schemas.openxmlformats.org/drawingml/2006/main" xmlns:r="http://schemas.openxmlformats.org/officeDocument/2006/relationships" xmlns:p="http://schemas.openxmlformats.org/presentationml/2006/main">
-  <p:cSld>
-    <p:spTree>
-      <p:nvGrpSpPr>
-        <p:cNvPr id="1" name=""/>
-        <p:cNvGrpSpPr/>
-        <p:nvPr/>
-      </p:nvGrpSpPr>
-      <p:grpSpPr>
-        <a:xfrm>
-          <a:off x="0" y="0"/>
-          <a:ext cx="0" cy="0"/>
-          <a:chOff x="0" y="0"/>
-          <a:chExt cx="0" cy="0"/>
-        </a:xfrm>
-      </p:grpSpPr>
-      <p:grpSp>
-        <p:nvGrpSpPr>
-          <p:cNvPr id="20" name="Group 19"/>
-          <p:cNvGrpSpPr/>
-          <p:nvPr/>
-        </p:nvGrpSpPr>
-        <p:grpSpPr>
-          <a:xfrm>
-            <a:off x="0" y="370306"/>
-            <a:ext cx="13441678" cy="6117388"/>
-            <a:chOff x="-335280" y="-444207"/>
-            <a:chExt cx="13441678" cy="6117388"/>
-          </a:xfrm>
-          <a:solidFill>
-            <a:schemeClr val="bg1"/>
-          </a:solidFill>
-        </p:grpSpPr>
-        <p:grpSp>
-          <p:nvGrpSpPr>
-            <p:cNvPr id="19" name="Group 18"/>
-            <p:cNvGrpSpPr/>
-            <p:nvPr/>
-          </p:nvGrpSpPr>
-          <p:grpSpPr>
-            <a:xfrm>
-              <a:off x="-335280" y="-444207"/>
-              <a:ext cx="13441678" cy="6117388"/>
-              <a:chOff x="579121" y="731520"/>
-              <a:chExt cx="13441678" cy="6117388"/>
-            </a:xfrm>
-            <a:grpFill/>
-          </p:grpSpPr>
-          <p:sp>
-            <p:nvSpPr>
-              <p:cNvPr id="5" name="Rectangle 4"/>
-              <p:cNvSpPr/>
-              <p:nvPr/>
-            </p:nvSpPr>
-            <p:spPr>
-              <a:xfrm>
-                <a:off x="5265420" y="731520"/>
-                <a:ext cx="2004060" cy="259080"/>
-              </a:xfrm>
-              <a:prstGeom prst="rect">
-                <a:avLst/>
-              </a:prstGeom>
-              <a:grpFill/>
-              <a:ln>
-                <a:solidFill>
-                  <a:schemeClr val="bg1"/>
-                </a:solidFill>
-              </a:ln>
-            </p:spPr>
-            <p:style>
-              <a:lnRef idx="2">
-                <a:schemeClr val="accent1">
-                  <a:shade val="50000"/>
-                </a:schemeClr>
-              </a:lnRef>
-              <a:fillRef idx="1">
-                <a:schemeClr val="accent1"/>
-              </a:fillRef>
-              <a:effectRef idx="0">
-                <a:schemeClr val="accent1"/>
-              </a:effectRef>
-              <a:fontRef idx="minor">
-                <a:schemeClr val="lt1"/>
-              </a:fontRef>
-            </p:style>
-            <p:txBody>
-              <a:bodyPr rtlCol="0" anchor="ctr"/>
-              <a:lstStyle/>
-              <a:p>
-                <a:pPr algn="ctr"/>
-                <a:endParaRPr lang="en-US" dirty="0"/>
-              </a:p>
-            </p:txBody>
-          </p:sp>
-          <p:grpSp>
-            <p:nvGrpSpPr>
-              <p:cNvPr id="10" name="Group 9"/>
-              <p:cNvGrpSpPr/>
-              <p:nvPr/>
-            </p:nvGrpSpPr>
-            <p:grpSpPr>
-              <a:xfrm>
-                <a:off x="1065530" y="861060"/>
-                <a:ext cx="12955269" cy="5987848"/>
-                <a:chOff x="171450" y="481987"/>
-                <a:chExt cx="12955269" cy="5987848"/>
-              </a:xfrm>
-              <a:grpFill/>
-            </p:grpSpPr>
-            <p:pic>
-              <p:nvPicPr>
-                <p:cNvPr id="4" name="Picture 3"/>
-                <p:cNvPicPr>
-                  <a:picLocks noChangeAspect="1"/>
-                </p:cNvPicPr>
-                <p:nvPr/>
-              </p:nvPicPr>
-              <p:blipFill>
-                <a:blip r:embed="rId2">
-                  <a:extLst>
-                    <a:ext uri="{28A0092B-C50C-407E-A947-70E740481C1C}">
-                      <a14:useLocalDpi xmlns:a14="http://schemas.microsoft.com/office/drawing/2010/main" val="0"/>
-                    </a:ext>
-                  </a:extLst>
-                </a:blip>
-                <a:stretch>
-                  <a:fillRect/>
-                </a:stretch>
-              </p:blipFill>
-              <p:spPr>
-                <a:xfrm>
-                  <a:off x="171450" y="526235"/>
-                  <a:ext cx="12192000" cy="5943600"/>
-                </a:xfrm>
-                <a:prstGeom prst="rect">
-                  <a:avLst/>
-                </a:prstGeom>
-                <a:grpFill/>
-                <a:ln>
-                  <a:solidFill>
-                    <a:schemeClr val="bg1"/>
-                  </a:solidFill>
-                </a:ln>
-              </p:spPr>
-            </p:pic>
-            <p:sp>
-              <p:nvSpPr>
-                <p:cNvPr id="9" name="Rectangle 8"/>
-                <p:cNvSpPr/>
-                <p:nvPr/>
-              </p:nvSpPr>
-              <p:spPr>
-                <a:xfrm>
-                  <a:off x="10681850" y="481987"/>
-                  <a:ext cx="2444869" cy="828317"/>
-                </a:xfrm>
-                <a:prstGeom prst="rect">
-                  <a:avLst/>
-                </a:prstGeom>
-                <a:grpFill/>
-                <a:ln>
-                  <a:solidFill>
-                    <a:schemeClr val="bg1"/>
-                  </a:solidFill>
-                </a:ln>
-              </p:spPr>
-              <p:txBody>
-                <a:bodyPr wrap="square">
-                  <a:spAutoFit/>
-                </a:bodyPr>
-                <a:lstStyle/>
-                <a:p>
-                  <a:endParaRPr lang="en-US" sz="1600" dirty="0">
-                    <a:latin typeface="Cambria Math" panose="02040503050406030204" pitchFamily="18" charset="0"/>
-                    <a:ea typeface="Cambria Math" panose="02040503050406030204" pitchFamily="18" charset="0"/>
-                  </a:endParaRPr>
-                </a:p>
-              </p:txBody>
-            </p:sp>
-          </p:grpSp>
-          <mc:AlternateContent xmlns:mc="http://schemas.openxmlformats.org/markup-compatibility/2006">
-            <mc:Choice xmlns:a14="http://schemas.microsoft.com/office/drawing/2010/main" Requires="a14">
-              <p:sp>
-                <p:nvSpPr>
-                  <p:cNvPr id="8" name="Rectangle 7"/>
-                  <p:cNvSpPr/>
-                  <p:nvPr/>
-                </p:nvSpPr>
-                <p:spPr>
-                  <a:xfrm>
-                    <a:off x="579121" y="3429000"/>
-                    <a:ext cx="1910080" cy="584775"/>
-                  </a:xfrm>
-                  <a:prstGeom prst="rect">
-                    <a:avLst/>
-                  </a:prstGeom>
-                  <a:grpFill/>
-                  <a:ln>
-                    <a:solidFill>
-                      <a:schemeClr val="bg1"/>
-                    </a:solidFill>
-                  </a:ln>
-                </p:spPr>
-                <p:txBody>
-                  <a:bodyPr wrap="square">
-                    <a:spAutoFit/>
-                  </a:bodyPr>
-                  <a:lstStyle/>
-                  <a:p>
-                    <a:pPr algn="ctr"/>
-                    <a14:m>
-                      <m:oMathPara xmlns:m="http://schemas.openxmlformats.org/officeDocument/2006/math">
-                        <m:oMathParaPr>
-                          <m:jc m:val="centerGroup"/>
-                        </m:oMathParaPr>
-                        <m:oMath xmlns:m="http://schemas.openxmlformats.org/officeDocument/2006/math">
-                          <m:r>
-                            <a:rPr lang="en-US" sz="1600" b="0" i="1" dirty="0" smtClean="0">
-                              <a:latin typeface="Cambria Math" panose="02040503050406030204" pitchFamily="18" charset="0"/>
-                              <a:ea typeface="Cambria Math" panose="02040503050406030204" pitchFamily="18" charset="0"/>
-                            </a:rPr>
-                            <m:t>−</m:t>
-                          </m:r>
-                          <m:r>
-                            <a:rPr lang="en-US" sz="1600" b="0" i="1" dirty="0" smtClean="0">
-                              <a:latin typeface="Cambria Math" panose="02040503050406030204" pitchFamily="18" charset="0"/>
-                              <a:ea typeface="Cambria Math" panose="02040503050406030204" pitchFamily="18" charset="0"/>
-                            </a:rPr>
-                            <m:t>𝑙𝑜</m:t>
-                          </m:r>
-                          <m:sSub>
-                            <m:sSubPr>
-                              <m:ctrlPr>
-                                <a:rPr lang="en-US" sz="1600" b="0" i="1" dirty="0" smtClean="0">
-                                  <a:latin typeface="Cambria Math" panose="02040503050406030204" pitchFamily="18" charset="0"/>
-                                  <a:ea typeface="Cambria Math" panose="02040503050406030204" pitchFamily="18" charset="0"/>
-                                </a:rPr>
-                              </m:ctrlPr>
-                            </m:sSubPr>
-                            <m:e>
-                              <m:r>
-                                <a:rPr lang="en-US" sz="1600" i="1" dirty="0" smtClean="0">
-                                  <a:latin typeface="Cambria Math" panose="02040503050406030204" pitchFamily="18" charset="0"/>
-                                  <a:ea typeface="Cambria Math" panose="02040503050406030204" pitchFamily="18" charset="0"/>
-                                </a:rPr>
-                                <m:t>𝑔</m:t>
-                              </m:r>
-                            </m:e>
-                            <m:sub>
-                              <m:r>
-                                <a:rPr lang="en-US" sz="1600" b="0" i="1" dirty="0" smtClean="0">
-                                  <a:latin typeface="Cambria Math" panose="02040503050406030204" pitchFamily="18" charset="0"/>
-                                  <a:ea typeface="Cambria Math" panose="02040503050406030204" pitchFamily="18" charset="0"/>
-                                </a:rPr>
-                                <m:t>10</m:t>
-                              </m:r>
-                            </m:sub>
-                          </m:sSub>
-                          <m:d>
-                            <m:dPr>
-                              <m:ctrlPr>
-                                <a:rPr lang="en-US" sz="1600" b="0" i="1" dirty="0" smtClean="0">
-                                  <a:latin typeface="Cambria Math" panose="02040503050406030204" pitchFamily="18" charset="0"/>
-                                  <a:ea typeface="Cambria Math" panose="02040503050406030204" pitchFamily="18" charset="0"/>
-                                </a:rPr>
-                              </m:ctrlPr>
-                            </m:dPr>
-                            <m:e>
-                              <m:r>
-                                <a:rPr lang="en-US" sz="1600" b="0" i="1" dirty="0" smtClean="0">
-                                  <a:latin typeface="Cambria Math" panose="02040503050406030204" pitchFamily="18" charset="0"/>
-                                  <a:ea typeface="Cambria Math" panose="02040503050406030204" pitchFamily="18" charset="0"/>
-                                </a:rPr>
-                                <m:t>𝑝</m:t>
-                              </m:r>
-                              <m:r>
-                                <a:rPr lang="en-US" sz="1600" b="0" i="1" dirty="0" smtClean="0">
-                                  <a:latin typeface="Cambria Math" panose="02040503050406030204" pitchFamily="18" charset="0"/>
-                                  <a:ea typeface="Cambria Math" panose="02040503050406030204" pitchFamily="18" charset="0"/>
-                                </a:rPr>
-                                <m:t>−</m:t>
-                              </m:r>
-                              <m:r>
-                                <a:rPr lang="en-US" sz="1600" b="0" i="1" dirty="0" smtClean="0">
-                                  <a:latin typeface="Cambria Math" panose="02040503050406030204" pitchFamily="18" charset="0"/>
-                                  <a:ea typeface="Cambria Math" panose="02040503050406030204" pitchFamily="18" charset="0"/>
-                                </a:rPr>
-                                <m:t>𝑣𝑎𝑙𝑢𝑒</m:t>
-                              </m:r>
-                            </m:e>
-                          </m:d>
-                        </m:oMath>
-                      </m:oMathPara>
-                    </a14:m>
-                    <a:endParaRPr lang="en-US" sz="1600" b="0" dirty="0" smtClean="0">
-                      <a:latin typeface="Cambria Math" panose="02040503050406030204" pitchFamily="18" charset="0"/>
-                      <a:ea typeface="Cambria Math" panose="02040503050406030204" pitchFamily="18" charset="0"/>
-                    </a:endParaRPr>
-                  </a:p>
-                  <a:p>
-                    <a:pPr algn="ctr"/>
-                    <a:r>
-                      <a:rPr lang="en-US" sz="1600" dirty="0" smtClean="0">
-                        <a:latin typeface="Cambria Math" panose="02040503050406030204" pitchFamily="18" charset="0"/>
-                        <a:ea typeface="Cambria Math" panose="02040503050406030204" pitchFamily="18" charset="0"/>
-                      </a:rPr>
-                      <a:t>DNase</a:t>
-                    </a:r>
-                    <a:endParaRPr lang="en-US" sz="1600" dirty="0">
-                      <a:latin typeface="Cambria Math" panose="02040503050406030204" pitchFamily="18" charset="0"/>
-                      <a:ea typeface="Cambria Math" panose="02040503050406030204" pitchFamily="18" charset="0"/>
-                    </a:endParaRPr>
-                  </a:p>
-                </p:txBody>
-              </p:sp>
-            </mc:Choice>
-            <mc:Fallback>
-              <p:sp>
-                <p:nvSpPr>
-                  <p:cNvPr id="8" name="Rectangle 7"/>
-                  <p:cNvSpPr>
-                    <a:spLocks noRot="1" noChangeAspect="1" noMove="1" noResize="1" noEditPoints="1" noAdjustHandles="1" noChangeArrowheads="1" noChangeShapeType="1" noTextEdit="1"/>
-                  </p:cNvSpPr>
-                  <p:nvPr/>
-                </p:nvSpPr>
-                <p:spPr>
-                  <a:xfrm>
-                    <a:off x="579121" y="3429000"/>
-                    <a:ext cx="1910080" cy="584775"/>
-                  </a:xfrm>
-                  <a:prstGeom prst="rect">
-                    <a:avLst/>
-                  </a:prstGeom>
-                  <a:blipFill rotWithShape="0">
-                    <a:blip r:embed="rId3"/>
-                    <a:stretch>
-                      <a:fillRect b="-10204"/>
-                    </a:stretch>
-                  </a:blipFill>
-                  <a:ln>
-                    <a:solidFill>
-                      <a:schemeClr val="bg1"/>
-                    </a:solidFill>
-                  </a:ln>
-                </p:spPr>
-                <p:txBody>
-                  <a:bodyPr/>
-                  <a:lstStyle/>
-                  <a:p>
-                    <a:r>
-                      <a:rPr lang="en-US">
-                        <a:noFill/>
-                      </a:rPr>
-                      <a:t> </a:t>
-                    </a:r>
-                  </a:p>
-                </p:txBody>
-              </p:sp>
-            </mc:Fallback>
-          </mc:AlternateContent>
-          <mc:AlternateContent xmlns:mc="http://schemas.openxmlformats.org/markup-compatibility/2006">
-            <mc:Choice xmlns:a14="http://schemas.microsoft.com/office/drawing/2010/main" Requires="a14">
-              <p:sp>
-                <p:nvSpPr>
-                  <p:cNvPr id="11" name="Rectangle 10"/>
-                  <p:cNvSpPr/>
-                  <p:nvPr/>
-                </p:nvSpPr>
-                <p:spPr>
-                  <a:xfrm>
-                    <a:off x="579121" y="1689377"/>
-                    <a:ext cx="1910080" cy="584775"/>
-                  </a:xfrm>
-                  <a:prstGeom prst="rect">
-                    <a:avLst/>
-                  </a:prstGeom>
-                  <a:grpFill/>
-                  <a:ln>
-                    <a:solidFill>
-                      <a:schemeClr val="bg1"/>
-                    </a:solidFill>
-                  </a:ln>
-                </p:spPr>
-                <p:txBody>
-                  <a:bodyPr wrap="square">
-                    <a:spAutoFit/>
-                  </a:bodyPr>
-                  <a:lstStyle/>
-                  <a:p>
-                    <a:pPr algn="ctr"/>
-                    <a14:m>
-                      <m:oMathPara xmlns:m="http://schemas.openxmlformats.org/officeDocument/2006/math">
-                        <m:oMathParaPr>
-                          <m:jc m:val="centerGroup"/>
-                        </m:oMathParaPr>
-                        <m:oMath xmlns:m="http://schemas.openxmlformats.org/officeDocument/2006/math">
-                          <m:r>
-                            <a:rPr lang="en-US" sz="1600" b="0" i="1" dirty="0" smtClean="0">
-                              <a:latin typeface="Cambria Math" panose="02040503050406030204" pitchFamily="18" charset="0"/>
-                              <a:ea typeface="Cambria Math" panose="02040503050406030204" pitchFamily="18" charset="0"/>
-                            </a:rPr>
-                            <m:t>−</m:t>
-                          </m:r>
-                          <m:r>
-                            <a:rPr lang="en-US" sz="1600" b="0" i="1" dirty="0" smtClean="0">
-                              <a:latin typeface="Cambria Math" panose="02040503050406030204" pitchFamily="18" charset="0"/>
-                              <a:ea typeface="Cambria Math" panose="02040503050406030204" pitchFamily="18" charset="0"/>
-                            </a:rPr>
-                            <m:t>𝑙𝑜</m:t>
-                          </m:r>
-                          <m:sSub>
-                            <m:sSubPr>
-                              <m:ctrlPr>
-                                <a:rPr lang="en-US" sz="1600" b="0" i="1" dirty="0" smtClean="0">
-                                  <a:latin typeface="Cambria Math" panose="02040503050406030204" pitchFamily="18" charset="0"/>
-                                  <a:ea typeface="Cambria Math" panose="02040503050406030204" pitchFamily="18" charset="0"/>
-                                </a:rPr>
-                              </m:ctrlPr>
-                            </m:sSubPr>
-                            <m:e>
-                              <m:r>
-                                <a:rPr lang="en-US" sz="1600" i="1" dirty="0" smtClean="0">
-                                  <a:latin typeface="Cambria Math" panose="02040503050406030204" pitchFamily="18" charset="0"/>
-                                  <a:ea typeface="Cambria Math" panose="02040503050406030204" pitchFamily="18" charset="0"/>
-                                </a:rPr>
-                                <m:t>𝑔</m:t>
-                              </m:r>
-                            </m:e>
-                            <m:sub>
-                              <m:r>
-                                <a:rPr lang="en-US" sz="1600" b="0" i="1" dirty="0" smtClean="0">
-                                  <a:latin typeface="Cambria Math" panose="02040503050406030204" pitchFamily="18" charset="0"/>
-                                  <a:ea typeface="Cambria Math" panose="02040503050406030204" pitchFamily="18" charset="0"/>
-                                </a:rPr>
-                                <m:t>10</m:t>
-                              </m:r>
-                            </m:sub>
-                          </m:sSub>
-                          <m:d>
-                            <m:dPr>
-                              <m:ctrlPr>
-                                <a:rPr lang="en-US" sz="1600" b="0" i="1" dirty="0" smtClean="0">
-                                  <a:latin typeface="Cambria Math" panose="02040503050406030204" pitchFamily="18" charset="0"/>
-                                  <a:ea typeface="Cambria Math" panose="02040503050406030204" pitchFamily="18" charset="0"/>
-                                </a:rPr>
-                              </m:ctrlPr>
-                            </m:dPr>
-                            <m:e>
-                              <m:r>
-                                <a:rPr lang="en-US" sz="1600" i="1" dirty="0">
-                                  <a:latin typeface="Cambria Math" panose="02040503050406030204" pitchFamily="18" charset="0"/>
-                                  <a:ea typeface="Cambria Math" panose="02040503050406030204" pitchFamily="18" charset="0"/>
-                                </a:rPr>
-                                <m:t>𝑝</m:t>
-                              </m:r>
-                              <m:r>
-                                <a:rPr lang="en-US" sz="1600" i="1" dirty="0">
-                                  <a:latin typeface="Cambria Math" panose="02040503050406030204" pitchFamily="18" charset="0"/>
-                                  <a:ea typeface="Cambria Math" panose="02040503050406030204" pitchFamily="18" charset="0"/>
-                                </a:rPr>
-                                <m:t>−</m:t>
-                              </m:r>
-                              <m:r>
-                                <a:rPr lang="en-US" sz="1600" i="1" dirty="0">
-                                  <a:latin typeface="Cambria Math" panose="02040503050406030204" pitchFamily="18" charset="0"/>
-                                  <a:ea typeface="Cambria Math" panose="02040503050406030204" pitchFamily="18" charset="0"/>
-                                </a:rPr>
-                                <m:t>𝑣𝑎𝑙𝑢𝑒</m:t>
-                              </m:r>
-                            </m:e>
-                          </m:d>
-                        </m:oMath>
-                      </m:oMathPara>
-                    </a14:m>
-                    <a:endParaRPr lang="en-US" sz="1600" b="0" dirty="0" smtClean="0">
-                      <a:latin typeface="Cambria Math" panose="02040503050406030204" pitchFamily="18" charset="0"/>
-                      <a:ea typeface="Cambria Math" panose="02040503050406030204" pitchFamily="18" charset="0"/>
-                    </a:endParaRPr>
-                  </a:p>
-                  <a:p>
-                    <a:pPr algn="ctr"/>
-                    <a:r>
-                      <a:rPr lang="en-US" sz="1600" dirty="0">
-                        <a:latin typeface="Cambria Math" panose="02040503050406030204" pitchFamily="18" charset="0"/>
-                        <a:ea typeface="Cambria Math" panose="02040503050406030204" pitchFamily="18" charset="0"/>
-                      </a:rPr>
-                      <a:t>H3K27ac</a:t>
-                    </a:r>
-                  </a:p>
-                </p:txBody>
-              </p:sp>
-            </mc:Choice>
-            <mc:Fallback>
-              <p:sp>
-                <p:nvSpPr>
-                  <p:cNvPr id="11" name="Rectangle 10"/>
-                  <p:cNvSpPr>
-                    <a:spLocks noRot="1" noChangeAspect="1" noMove="1" noResize="1" noEditPoints="1" noAdjustHandles="1" noChangeArrowheads="1" noChangeShapeType="1" noTextEdit="1"/>
-                  </p:cNvSpPr>
-                  <p:nvPr/>
-                </p:nvSpPr>
-                <p:spPr>
-                  <a:xfrm>
-                    <a:off x="579121" y="1689377"/>
-                    <a:ext cx="1910080" cy="584775"/>
-                  </a:xfrm>
-                  <a:prstGeom prst="rect">
-                    <a:avLst/>
-                  </a:prstGeom>
-                  <a:blipFill rotWithShape="0">
-                    <a:blip r:embed="rId4"/>
-                    <a:stretch>
-                      <a:fillRect b="-10204"/>
-                    </a:stretch>
-                  </a:blipFill>
-                  <a:ln>
-                    <a:solidFill>
-                      <a:schemeClr val="bg1"/>
-                    </a:solidFill>
-                  </a:ln>
-                </p:spPr>
-                <p:txBody>
-                  <a:bodyPr/>
-                  <a:lstStyle/>
-                  <a:p>
-                    <a:r>
-                      <a:rPr lang="en-US">
-                        <a:noFill/>
-                      </a:rPr>
-                      <a:t> </a:t>
-                    </a:r>
-                  </a:p>
-                </p:txBody>
-              </p:sp>
-            </mc:Fallback>
-          </mc:AlternateContent>
-          <mc:AlternateContent xmlns:mc="http://schemas.openxmlformats.org/markup-compatibility/2006">
-            <mc:Choice xmlns:a14="http://schemas.microsoft.com/office/drawing/2010/main" Requires="a14">
-              <p:sp>
-                <p:nvSpPr>
-                  <p:cNvPr id="12" name="Rectangle 11"/>
-                  <p:cNvSpPr/>
-                  <p:nvPr/>
-                </p:nvSpPr>
-                <p:spPr>
-                  <a:xfrm>
-                    <a:off x="1602273" y="5346069"/>
-                    <a:ext cx="879774" cy="338554"/>
-                  </a:xfrm>
-                  <a:prstGeom prst="rect">
-                    <a:avLst/>
-                  </a:prstGeom>
-                  <a:grpFill/>
-                  <a:ln>
-                    <a:solidFill>
-                      <a:schemeClr val="bg1"/>
-                    </a:solidFill>
-                  </a:ln>
-                </p:spPr>
-                <p:txBody>
-                  <a:bodyPr wrap="square">
-                    <a:spAutoFit/>
-                  </a:bodyPr>
-                  <a:lstStyle/>
-                  <a:p>
-                    <a:pPr algn="ctr"/>
-                    <a14:m>
-                      <m:oMathPara xmlns:m="http://schemas.openxmlformats.org/officeDocument/2006/math">
-                        <m:oMathParaPr>
-                          <m:jc m:val="centerGroup"/>
-                        </m:oMathParaPr>
-                        <m:oMath xmlns:m="http://schemas.openxmlformats.org/officeDocument/2006/math">
-                          <m:r>
-                            <a:rPr lang="en-US" sz="1600" b="0" i="1" dirty="0" smtClean="0">
-                              <a:latin typeface="Cambria Math" panose="02040503050406030204" pitchFamily="18" charset="0"/>
-                              <a:ea typeface="Cambria Math" panose="02040503050406030204" pitchFamily="18" charset="0"/>
-                            </a:rPr>
-                            <m:t>𝑃</m:t>
-                          </m:r>
-                          <m:d>
-                            <m:dPr>
-                              <m:ctrlPr>
-                                <a:rPr lang="en-US" sz="1600" b="0" i="1" dirty="0" smtClean="0">
-                                  <a:latin typeface="Cambria Math" panose="02040503050406030204" pitchFamily="18" charset="0"/>
-                                  <a:ea typeface="Cambria Math" panose="02040503050406030204" pitchFamily="18" charset="0"/>
-                                </a:rPr>
-                              </m:ctrlPr>
-                            </m:dPr>
-                            <m:e>
-                              <m:sSub>
-                                <m:sSubPr>
-                                  <m:ctrlPr>
-                                    <a:rPr lang="en-US" sz="1600" i="1" dirty="0">
-                                      <a:latin typeface="Cambria Math" panose="02040503050406030204" pitchFamily="18" charset="0"/>
-                                      <a:ea typeface="Cambria Math" panose="02040503050406030204" pitchFamily="18" charset="0"/>
-                                    </a:rPr>
-                                  </m:ctrlPr>
-                                </m:sSubPr>
-                                <m:e>
-                                  <m:r>
-                                    <a:rPr lang="en-US" sz="1600" i="1" dirty="0">
-                                      <a:latin typeface="Cambria Math" panose="02040503050406030204" pitchFamily="18" charset="0"/>
-                                      <a:ea typeface="Cambria Math" panose="02040503050406030204" pitchFamily="18" charset="0"/>
-                                    </a:rPr>
-                                    <m:t>𝑦</m:t>
-                                  </m:r>
-                                </m:e>
-                                <m:sub>
-                                  <m:r>
-                                    <a:rPr lang="en-US" sz="1600" i="1" dirty="0">
-                                      <a:latin typeface="Cambria Math" panose="02040503050406030204" pitchFamily="18" charset="0"/>
-                                      <a:ea typeface="Cambria Math" panose="02040503050406030204" pitchFamily="18" charset="0"/>
-                                    </a:rPr>
-                                    <m:t>𝑡</m:t>
-                                  </m:r>
-                                </m:sub>
-                              </m:sSub>
-                            </m:e>
-                            <m:e>
-                              <m:r>
-                                <a:rPr lang="en-US" sz="1600" b="0" i="1" dirty="0" smtClean="0">
-                                  <a:latin typeface="Cambria Math" panose="02040503050406030204" pitchFamily="18" charset="0"/>
-                                  <a:ea typeface="Cambria Math" panose="02040503050406030204" pitchFamily="18" charset="0"/>
-                                </a:rPr>
-                                <m:t>𝑋</m:t>
-                              </m:r>
-                            </m:e>
-                          </m:d>
-                          <m:r>
-                            <a:rPr lang="en-US" sz="1600" b="0" i="1" dirty="0" smtClean="0">
-                              <a:latin typeface="Cambria Math" panose="02040503050406030204" pitchFamily="18" charset="0"/>
-                              <a:ea typeface="Cambria Math" panose="02040503050406030204" pitchFamily="18" charset="0"/>
-                            </a:rPr>
-                            <m:t> </m:t>
-                          </m:r>
-                        </m:oMath>
-                      </m:oMathPara>
-                    </a14:m>
-                    <a:endParaRPr lang="en-US" sz="1600" dirty="0">
-                      <a:latin typeface="Cambria Math" panose="02040503050406030204" pitchFamily="18" charset="0"/>
-                      <a:ea typeface="Cambria Math" panose="02040503050406030204" pitchFamily="18" charset="0"/>
-                    </a:endParaRPr>
-                  </a:p>
-                </p:txBody>
-              </p:sp>
-            </mc:Choice>
-            <mc:Fallback>
-              <p:sp>
-                <p:nvSpPr>
-                  <p:cNvPr id="12" name="Rectangle 11"/>
-                  <p:cNvSpPr>
-                    <a:spLocks noRot="1" noChangeAspect="1" noMove="1" noResize="1" noEditPoints="1" noAdjustHandles="1" noChangeArrowheads="1" noChangeShapeType="1" noTextEdit="1"/>
-                  </p:cNvSpPr>
-                  <p:nvPr/>
-                </p:nvSpPr>
-                <p:spPr>
-                  <a:xfrm>
-                    <a:off x="1602273" y="5346069"/>
-                    <a:ext cx="879774" cy="338554"/>
-                  </a:xfrm>
-                  <a:prstGeom prst="rect">
-                    <a:avLst/>
-                  </a:prstGeom>
-                  <a:blipFill rotWithShape="0">
-                    <a:blip r:embed="rId5"/>
-                    <a:stretch>
-                      <a:fillRect l="-1370" b="-3509"/>
-                    </a:stretch>
-                  </a:blipFill>
-                  <a:ln>
-                    <a:solidFill>
-                      <a:schemeClr val="bg1"/>
-                    </a:solidFill>
-                  </a:ln>
-                </p:spPr>
-                <p:txBody>
-                  <a:bodyPr/>
-                  <a:lstStyle/>
-                  <a:p>
-                    <a:r>
-                      <a:rPr lang="en-US">
-                        <a:noFill/>
-                      </a:rPr>
-                      <a:t> </a:t>
-                    </a:r>
-                  </a:p>
-                </p:txBody>
-              </p:sp>
-            </mc:Fallback>
-          </mc:AlternateContent>
-          <p:sp>
-            <p:nvSpPr>
-              <p:cNvPr id="13" name="Rectangle 12"/>
-              <p:cNvSpPr/>
-              <p:nvPr/>
-            </p:nvSpPr>
-            <p:spPr>
-              <a:xfrm>
-                <a:off x="6402188" y="1164388"/>
-                <a:ext cx="1959492" cy="307777"/>
-              </a:xfrm>
-              <a:prstGeom prst="rect">
-                <a:avLst/>
-              </a:prstGeom>
-              <a:grpFill/>
-              <a:ln>
-                <a:solidFill>
-                  <a:schemeClr val="bg1"/>
-                </a:solidFill>
-              </a:ln>
-            </p:spPr>
-            <p:txBody>
-              <a:bodyPr wrap="square">
-                <a:spAutoFit/>
-              </a:bodyPr>
-              <a:lstStyle/>
-              <a:p>
-                <a:pPr algn="ctr"/>
-                <a:endParaRPr lang="en-US" sz="1400" dirty="0">
-                  <a:latin typeface="Cambria Math" panose="02040503050406030204" pitchFamily="18" charset="0"/>
-                  <a:ea typeface="Cambria Math" panose="02040503050406030204" pitchFamily="18" charset="0"/>
-                </a:endParaRPr>
-              </a:p>
-            </p:txBody>
-          </p:sp>
-          <p:sp>
-            <p:nvSpPr>
-              <p:cNvPr id="14" name="Rectangle 13"/>
-              <p:cNvSpPr/>
-              <p:nvPr/>
-            </p:nvSpPr>
-            <p:spPr>
-              <a:xfrm>
-                <a:off x="6290428" y="6356148"/>
-                <a:ext cx="2538612" cy="338554"/>
-              </a:xfrm>
-              <a:prstGeom prst="rect">
-                <a:avLst/>
-              </a:prstGeom>
-              <a:grpFill/>
-              <a:ln>
-                <a:solidFill>
-                  <a:schemeClr val="bg1"/>
-                </a:solidFill>
-              </a:ln>
-            </p:spPr>
-            <p:txBody>
-              <a:bodyPr wrap="square">
-                <a:spAutoFit/>
-              </a:bodyPr>
-              <a:lstStyle/>
-              <a:p>
-                <a:pPr algn="ctr"/>
-                <a:r>
-                  <a:rPr lang="en-US" sz="1600" dirty="0" smtClean="0">
-                    <a:latin typeface="Cambria Math" panose="02040503050406030204" pitchFamily="18" charset="0"/>
-                    <a:ea typeface="Cambria Math" panose="02040503050406030204" pitchFamily="18" charset="0"/>
-                  </a:rPr>
-                  <a:t>Position In DNA Sequence</a:t>
-                </a:r>
-                <a:endParaRPr lang="en-US" sz="1600" dirty="0">
-                  <a:latin typeface="Cambria Math" panose="02040503050406030204" pitchFamily="18" charset="0"/>
-                  <a:ea typeface="Cambria Math" panose="02040503050406030204" pitchFamily="18" charset="0"/>
-                </a:endParaRPr>
-              </a:p>
-            </p:txBody>
-          </p:sp>
-          <p:sp>
-            <p:nvSpPr>
-              <p:cNvPr id="16" name="Rectangle 15"/>
-              <p:cNvSpPr/>
-              <p:nvPr/>
-            </p:nvSpPr>
-            <p:spPr>
-              <a:xfrm>
-                <a:off x="12115800" y="1592580"/>
-                <a:ext cx="1264920" cy="4663440"/>
-              </a:xfrm>
-              <a:prstGeom prst="rect">
-                <a:avLst/>
-              </a:prstGeom>
-              <a:grpFill/>
-              <a:ln>
-                <a:solidFill>
-                  <a:schemeClr val="bg1"/>
-                </a:solidFill>
-              </a:ln>
-            </p:spPr>
-            <p:style>
-              <a:lnRef idx="2">
-                <a:schemeClr val="accent1">
-                  <a:shade val="50000"/>
-                </a:schemeClr>
-              </a:lnRef>
-              <a:fillRef idx="1">
-                <a:schemeClr val="accent1"/>
-              </a:fillRef>
-              <a:effectRef idx="0">
-                <a:schemeClr val="accent1"/>
-              </a:effectRef>
-              <a:fontRef idx="minor">
-                <a:schemeClr val="lt1"/>
-              </a:fontRef>
-            </p:style>
-            <p:txBody>
-              <a:bodyPr rtlCol="0" anchor="ctr"/>
-              <a:lstStyle/>
-              <a:p>
-                <a:pPr algn="ctr"/>
-                <a:endParaRPr lang="en-US" dirty="0"/>
-              </a:p>
-            </p:txBody>
-          </p:sp>
-          <p:sp>
-            <p:nvSpPr>
-              <p:cNvPr id="17" name="Rectangle 16"/>
-              <p:cNvSpPr/>
-              <p:nvPr/>
-            </p:nvSpPr>
-            <p:spPr>
-              <a:xfrm>
-                <a:off x="1253826" y="5943600"/>
-                <a:ext cx="1234103" cy="307777"/>
-              </a:xfrm>
-              <a:prstGeom prst="rect">
-                <a:avLst/>
-              </a:prstGeom>
-              <a:grpFill/>
-              <a:ln>
-                <a:solidFill>
-                  <a:schemeClr val="bg1"/>
-                </a:solidFill>
-              </a:ln>
-            </p:spPr>
-            <p:txBody>
-              <a:bodyPr wrap="square">
-                <a:spAutoFit/>
-              </a:bodyPr>
-              <a:lstStyle/>
-              <a:p>
-                <a:pPr algn="ctr"/>
-                <a:r>
-                  <a:rPr lang="en-US" sz="1400" dirty="0" smtClean="0">
-                    <a:latin typeface="Cambria Math" panose="02040503050406030204" pitchFamily="18" charset="0"/>
-                    <a:ea typeface="Cambria Math" panose="02040503050406030204" pitchFamily="18" charset="0"/>
-                  </a:rPr>
-                  <a:t>Viterbi Path</a:t>
-                </a:r>
-                <a:endParaRPr lang="en-US" sz="1400" dirty="0">
-                  <a:latin typeface="Cambria Math" panose="02040503050406030204" pitchFamily="18" charset="0"/>
-                  <a:ea typeface="Cambria Math" panose="02040503050406030204" pitchFamily="18" charset="0"/>
-                </a:endParaRPr>
-              </a:p>
-            </p:txBody>
-          </p:sp>
-        </p:grpSp>
-        <p:grpSp>
-          <p:nvGrpSpPr>
-            <p:cNvPr id="18" name="Group 17"/>
-            <p:cNvGrpSpPr/>
-            <p:nvPr/>
-          </p:nvGrpSpPr>
-          <p:grpSpPr>
-            <a:xfrm>
-              <a:off x="2136834" y="-36413"/>
-              <a:ext cx="6739771" cy="861774"/>
-              <a:chOff x="1398389" y="85189"/>
-              <a:chExt cx="6739771" cy="861774"/>
-            </a:xfrm>
-            <a:grpFill/>
-          </p:grpSpPr>
-          <p:sp>
-            <p:nvSpPr>
-              <p:cNvPr id="6" name="Rectangle 5"/>
-              <p:cNvSpPr/>
-              <p:nvPr/>
-            </p:nvSpPr>
-            <p:spPr>
-              <a:xfrm>
-                <a:off x="2042160" y="85189"/>
-                <a:ext cx="6096000" cy="861774"/>
-              </a:xfrm>
-              <a:prstGeom prst="rect">
-                <a:avLst/>
-              </a:prstGeom>
-              <a:noFill/>
-              <a:ln>
-                <a:solidFill>
-                  <a:schemeClr val="bg1"/>
-                </a:solidFill>
-              </a:ln>
-            </p:spPr>
-            <p:txBody>
-              <a:bodyPr>
-                <a:spAutoFit/>
-              </a:bodyPr>
-              <a:lstStyle/>
-              <a:p>
-                <a:r>
-                  <a:rPr lang="en-US" sz="1600" dirty="0" smtClean="0">
-                    <a:latin typeface="Cambria Math" panose="02040503050406030204" pitchFamily="18" charset="0"/>
-                    <a:ea typeface="Cambria Math" panose="02040503050406030204" pitchFamily="18" charset="0"/>
-                  </a:rPr>
-                  <a:t>H1 </a:t>
-                </a:r>
-                <a:r>
-                  <a:rPr lang="en-US" sz="1600" dirty="0">
-                    <a:latin typeface="Cambria Math" panose="02040503050406030204" pitchFamily="18" charset="0"/>
-                    <a:ea typeface="Cambria Math" panose="02040503050406030204" pitchFamily="18" charset="0"/>
-                  </a:rPr>
-                  <a:t>BMP4 Derived </a:t>
-                </a:r>
-                <a:r>
-                  <a:rPr lang="en-US" sz="1600" dirty="0" err="1" smtClean="0">
-                    <a:latin typeface="Cambria Math" panose="02040503050406030204" pitchFamily="18" charset="0"/>
-                    <a:ea typeface="Cambria Math" panose="02040503050406030204" pitchFamily="18" charset="0"/>
-                  </a:rPr>
-                  <a:t>Mesendoderm</a:t>
-                </a:r>
-                <a:r>
-                  <a:rPr lang="en-US" sz="1600" dirty="0" smtClean="0">
-                    <a:latin typeface="Cambria Math" panose="02040503050406030204" pitchFamily="18" charset="0"/>
-                    <a:ea typeface="Cambria Math" panose="02040503050406030204" pitchFamily="18" charset="0"/>
-                  </a:rPr>
-                  <a:t> </a:t>
-                </a:r>
-                <a:r>
-                  <a:rPr lang="en-US" sz="1600" dirty="0">
-                    <a:latin typeface="Cambria Math" panose="02040503050406030204" pitchFamily="18" charset="0"/>
-                    <a:ea typeface="Cambria Math" panose="02040503050406030204" pitchFamily="18" charset="0"/>
-                  </a:rPr>
-                  <a:t>Cultured </a:t>
-                </a:r>
-                <a:r>
-                  <a:rPr lang="en-US" sz="1600" dirty="0" smtClean="0">
-                    <a:latin typeface="Cambria Math" panose="02040503050406030204" pitchFamily="18" charset="0"/>
-                    <a:ea typeface="Cambria Math" panose="02040503050406030204" pitchFamily="18" charset="0"/>
-                  </a:rPr>
-                  <a:t>Cells (E004) </a:t>
-                </a:r>
-                <a:endParaRPr lang="en-US" sz="1600" dirty="0">
-                  <a:latin typeface="Cambria Math" panose="02040503050406030204" pitchFamily="18" charset="0"/>
-                  <a:ea typeface="Cambria Math" panose="02040503050406030204" pitchFamily="18" charset="0"/>
-                </a:endParaRPr>
-              </a:p>
-              <a:p>
-                <a:r>
-                  <a:rPr lang="en-US" sz="1600" dirty="0" smtClean="0">
-                    <a:latin typeface="Cambria Math" panose="02040503050406030204" pitchFamily="18" charset="0"/>
-                    <a:ea typeface="Cambria Math" panose="02040503050406030204" pitchFamily="18" charset="0"/>
-                  </a:rPr>
-                  <a:t>Fetal </a:t>
-                </a:r>
-                <a:r>
-                  <a:rPr lang="en-US" sz="1600" dirty="0">
-                    <a:latin typeface="Cambria Math" panose="02040503050406030204" pitchFamily="18" charset="0"/>
-                    <a:ea typeface="Cambria Math" panose="02040503050406030204" pitchFamily="18" charset="0"/>
-                  </a:rPr>
-                  <a:t>Adrenal </a:t>
-                </a:r>
-                <a:r>
-                  <a:rPr lang="en-US" sz="1600" dirty="0" smtClean="0">
-                    <a:latin typeface="Cambria Math" panose="02040503050406030204" pitchFamily="18" charset="0"/>
-                    <a:ea typeface="Cambria Math" panose="02040503050406030204" pitchFamily="18" charset="0"/>
-                  </a:rPr>
-                  <a:t>Gland (E080)</a:t>
-                </a:r>
-              </a:p>
-              <a:p>
-                <a:r>
-                  <a:rPr lang="en-US" sz="1600" dirty="0" smtClean="0">
-                    <a:latin typeface="Cambria Math" panose="02040503050406030204" pitchFamily="18" charset="0"/>
-                    <a:ea typeface="Cambria Math" panose="02040503050406030204" pitchFamily="18" charset="0"/>
-                  </a:rPr>
-                  <a:t>Background</a:t>
-                </a:r>
-                <a:endParaRPr lang="en-US" sz="1600" dirty="0">
-                  <a:latin typeface="Cambria Math" panose="02040503050406030204" pitchFamily="18" charset="0"/>
-                  <a:ea typeface="Cambria Math" panose="02040503050406030204" pitchFamily="18" charset="0"/>
-                </a:endParaRPr>
-              </a:p>
-            </p:txBody>
-          </p:sp>
-          <p:pic>
-            <p:nvPicPr>
-              <p:cNvPr id="7" name="Picture 6"/>
-              <p:cNvPicPr>
-                <a:picLocks noChangeAspect="1"/>
-              </p:cNvPicPr>
-              <p:nvPr/>
-            </p:nvPicPr>
-            <p:blipFill rotWithShape="1">
-              <a:blip r:embed="rId6">
-                <a:extLst>
-                  <a:ext uri="{BEBA8EAE-BF5A-486C-A8C5-ECC9F3942E4B}">
-                    <a14:imgProps xmlns:a14="http://schemas.microsoft.com/office/drawing/2010/main">
-                      <a14:imgLayer r:embed="rId7">
-                        <a14:imgEffect>
-                          <a14:sharpenSoften amount="17000"/>
-                        </a14:imgEffect>
-                      </a14:imgLayer>
-                    </a14:imgProps>
-                  </a:ext>
-                  <a:ext uri="{28A0092B-C50C-407E-A947-70E740481C1C}">
-                    <a14:useLocalDpi xmlns:a14="http://schemas.microsoft.com/office/drawing/2010/main" val="0"/>
-                  </a:ext>
-                </a:extLst>
-              </a:blip>
-              <a:srcRect l="90822" t="4241" r="6321" b="89231"/>
-              <a:stretch/>
-            </p:blipFill>
-            <p:spPr>
-              <a:xfrm>
-                <a:off x="1398389" y="156325"/>
-                <a:ext cx="664091" cy="739821"/>
-              </a:xfrm>
-              <a:prstGeom prst="rect">
-                <a:avLst/>
-              </a:prstGeom>
-              <a:grpFill/>
-              <a:ln>
-                <a:solidFill>
-                  <a:schemeClr val="bg1"/>
-                </a:solidFill>
-              </a:ln>
-            </p:spPr>
-          </p:pic>
-        </p:grpSp>
-      </p:grpSp>
-    </p:spTree>
-    <p:extLst>
-      <p:ext uri="{BB962C8B-B14F-4D97-AF65-F5344CB8AC3E}">
-        <p14:creationId xmlns:p14="http://schemas.microsoft.com/office/powerpoint/2010/main" val="3945575488"/>
-      </p:ext>
-    </p:extLst>
-  </p:cSld>
-  <p:clrMapOvr>
-    <a:masterClrMapping/>
-  </p:clrMapOvr>
-  <p:timing>
-    <p:tnLst>
-      <p:par>
-        <p:cTn id="1" dur="indefinite" restart="never" nodeType="tmRoot"/>
-      </p:par>
-    </p:tnLst>
-  </p:timing>
-</p:sld>
-</file>
-
-<file path=ppt/slides/slide13.xml><?xml version="1.0" encoding="utf-8"?>
-<p:sld xmlns:a="http://schemas.openxmlformats.org/drawingml/2006/main" xmlns:r="http://schemas.openxmlformats.org/officeDocument/2006/relationships" xmlns:p="http://schemas.openxmlformats.org/presentationml/2006/main">
-  <p:cSld>
-    <p:spTree>
-      <p:nvGrpSpPr>
-        <p:cNvPr id="1" name=""/>
-        <p:cNvGrpSpPr/>
-        <p:nvPr/>
-      </p:nvGrpSpPr>
-      <p:grpSpPr>
-        <a:xfrm>
-          <a:off x="0" y="0"/>
-          <a:ext cx="0" cy="0"/>
-          <a:chOff x="0" y="0"/>
-          <a:chExt cx="0" cy="0"/>
-        </a:xfrm>
-      </p:grpSpPr>
-      <p:grpSp>
-        <p:nvGrpSpPr>
-          <p:cNvPr id="20" name="Group 19"/>
-          <p:cNvGrpSpPr/>
-          <p:nvPr/>
-        </p:nvGrpSpPr>
-        <p:grpSpPr>
-          <a:xfrm>
-            <a:off x="0" y="370306"/>
-            <a:ext cx="13441678" cy="5963182"/>
-            <a:chOff x="-335280" y="-444207"/>
-            <a:chExt cx="13441678" cy="5963182"/>
-          </a:xfrm>
-          <a:solidFill>
-            <a:schemeClr val="bg1"/>
-          </a:solidFill>
-        </p:grpSpPr>
-        <p:grpSp>
-          <p:nvGrpSpPr>
-            <p:cNvPr id="19" name="Group 18"/>
-            <p:cNvGrpSpPr/>
-            <p:nvPr/>
-          </p:nvGrpSpPr>
-          <p:grpSpPr>
-            <a:xfrm>
-              <a:off x="-335280" y="-444207"/>
-              <a:ext cx="13441678" cy="5963182"/>
-              <a:chOff x="579121" y="731520"/>
-              <a:chExt cx="13441678" cy="5963182"/>
-            </a:xfrm>
-            <a:grpFill/>
-          </p:grpSpPr>
-          <p:sp>
-            <p:nvSpPr>
-              <p:cNvPr id="5" name="Rectangle 4"/>
-              <p:cNvSpPr/>
-              <p:nvPr/>
-            </p:nvSpPr>
-            <p:spPr>
-              <a:xfrm>
-                <a:off x="5265420" y="731520"/>
-                <a:ext cx="2004060" cy="259080"/>
-              </a:xfrm>
-              <a:prstGeom prst="rect">
-                <a:avLst/>
-              </a:prstGeom>
-              <a:grpFill/>
-              <a:ln>
-                <a:solidFill>
-                  <a:schemeClr val="bg1"/>
-                </a:solidFill>
-              </a:ln>
-            </p:spPr>
-            <p:style>
-              <a:lnRef idx="2">
-                <a:schemeClr val="accent1">
-                  <a:shade val="50000"/>
-                </a:schemeClr>
-              </a:lnRef>
-              <a:fillRef idx="1">
-                <a:schemeClr val="accent1"/>
-              </a:fillRef>
-              <a:effectRef idx="0">
-                <a:schemeClr val="accent1"/>
-              </a:effectRef>
-              <a:fontRef idx="minor">
-                <a:schemeClr val="lt1"/>
-              </a:fontRef>
-            </p:style>
-            <p:txBody>
-              <a:bodyPr rtlCol="0" anchor="ctr"/>
-              <a:lstStyle/>
-              <a:p>
-                <a:pPr algn="ctr"/>
-                <a:endParaRPr lang="en-US" dirty="0"/>
-              </a:p>
-            </p:txBody>
-          </p:sp>
-          <p:sp>
-            <p:nvSpPr>
-              <p:cNvPr id="9" name="Rectangle 8"/>
-              <p:cNvSpPr/>
-              <p:nvPr/>
-            </p:nvSpPr>
-            <p:spPr>
-              <a:xfrm>
-                <a:off x="11575930" y="861060"/>
-                <a:ext cx="2444869" cy="828317"/>
-              </a:xfrm>
-              <a:prstGeom prst="rect">
-                <a:avLst/>
-              </a:prstGeom>
-              <a:grpFill/>
-              <a:ln>
-                <a:solidFill>
-                  <a:schemeClr val="bg1"/>
-                </a:solidFill>
-              </a:ln>
-            </p:spPr>
-            <p:txBody>
-              <a:bodyPr wrap="square">
-                <a:spAutoFit/>
-              </a:bodyPr>
-              <a:lstStyle/>
-              <a:p>
-                <a:endParaRPr lang="en-US" sz="1600" dirty="0">
-                  <a:latin typeface="Cambria Math" panose="02040503050406030204" pitchFamily="18" charset="0"/>
-                  <a:ea typeface="Cambria Math" panose="02040503050406030204" pitchFamily="18" charset="0"/>
-                </a:endParaRPr>
-              </a:p>
-            </p:txBody>
-          </p:sp>
-          <mc:AlternateContent xmlns:mc="http://schemas.openxmlformats.org/markup-compatibility/2006">
-            <mc:Choice xmlns:a14="http://schemas.microsoft.com/office/drawing/2010/main" Requires="a14">
-              <p:sp>
-                <p:nvSpPr>
-                  <p:cNvPr id="8" name="Rectangle 7"/>
-                  <p:cNvSpPr/>
-                  <p:nvPr/>
-                </p:nvSpPr>
-                <p:spPr>
-                  <a:xfrm>
-                    <a:off x="579121" y="3429000"/>
-                    <a:ext cx="1910080" cy="584775"/>
-                  </a:xfrm>
-                  <a:prstGeom prst="rect">
-                    <a:avLst/>
-                  </a:prstGeom>
-                  <a:grpFill/>
-                  <a:ln>
-                    <a:solidFill>
-                      <a:schemeClr val="bg1"/>
-                    </a:solidFill>
-                  </a:ln>
-                </p:spPr>
-                <p:txBody>
-                  <a:bodyPr wrap="square">
-                    <a:spAutoFit/>
-                  </a:bodyPr>
-                  <a:lstStyle/>
-                  <a:p>
-                    <a:pPr algn="ctr"/>
-                    <a14:m>
-                      <m:oMathPara xmlns:m="http://schemas.openxmlformats.org/officeDocument/2006/math">
-                        <m:oMathParaPr>
-                          <m:jc m:val="centerGroup"/>
-                        </m:oMathParaPr>
-                        <m:oMath xmlns:m="http://schemas.openxmlformats.org/officeDocument/2006/math">
-                          <m:r>
-                            <a:rPr lang="en-US" sz="1600" b="0" i="1" dirty="0" smtClean="0">
-                              <a:latin typeface="Cambria Math" panose="02040503050406030204" pitchFamily="18" charset="0"/>
-                              <a:ea typeface="Cambria Math" panose="02040503050406030204" pitchFamily="18" charset="0"/>
-                            </a:rPr>
-                            <m:t>−</m:t>
-                          </m:r>
-                          <m:r>
-                            <a:rPr lang="en-US" sz="1600" b="0" i="1" dirty="0" smtClean="0">
-                              <a:latin typeface="Cambria Math" panose="02040503050406030204" pitchFamily="18" charset="0"/>
-                              <a:ea typeface="Cambria Math" panose="02040503050406030204" pitchFamily="18" charset="0"/>
-                            </a:rPr>
-                            <m:t>𝑙𝑜</m:t>
-                          </m:r>
-                          <m:sSub>
-                            <m:sSubPr>
-                              <m:ctrlPr>
-                                <a:rPr lang="en-US" sz="1600" b="0" i="1" dirty="0" smtClean="0">
-                                  <a:latin typeface="Cambria Math" panose="02040503050406030204" pitchFamily="18" charset="0"/>
-                                  <a:ea typeface="Cambria Math" panose="02040503050406030204" pitchFamily="18" charset="0"/>
-                                </a:rPr>
-                              </m:ctrlPr>
-                            </m:sSubPr>
-                            <m:e>
-                              <m:r>
-                                <a:rPr lang="en-US" sz="1600" i="1" dirty="0" smtClean="0">
-                                  <a:latin typeface="Cambria Math" panose="02040503050406030204" pitchFamily="18" charset="0"/>
-                                  <a:ea typeface="Cambria Math" panose="02040503050406030204" pitchFamily="18" charset="0"/>
-                                </a:rPr>
-                                <m:t>𝑔</m:t>
-                              </m:r>
-                            </m:e>
-                            <m:sub>
-                              <m:r>
-                                <a:rPr lang="en-US" sz="1600" b="0" i="1" dirty="0" smtClean="0">
-                                  <a:latin typeface="Cambria Math" panose="02040503050406030204" pitchFamily="18" charset="0"/>
-                                  <a:ea typeface="Cambria Math" panose="02040503050406030204" pitchFamily="18" charset="0"/>
-                                </a:rPr>
-                                <m:t>10</m:t>
-                              </m:r>
-                            </m:sub>
-                          </m:sSub>
-                          <m:d>
-                            <m:dPr>
-                              <m:ctrlPr>
-                                <a:rPr lang="en-US" sz="1600" b="0" i="1" dirty="0" smtClean="0">
-                                  <a:latin typeface="Cambria Math" panose="02040503050406030204" pitchFamily="18" charset="0"/>
-                                  <a:ea typeface="Cambria Math" panose="02040503050406030204" pitchFamily="18" charset="0"/>
-                                </a:rPr>
-                              </m:ctrlPr>
-                            </m:dPr>
-                            <m:e>
-                              <m:r>
-                                <a:rPr lang="en-US" sz="1600" b="0" i="1" dirty="0" smtClean="0">
-                                  <a:latin typeface="Cambria Math" panose="02040503050406030204" pitchFamily="18" charset="0"/>
-                                  <a:ea typeface="Cambria Math" panose="02040503050406030204" pitchFamily="18" charset="0"/>
-                                </a:rPr>
-                                <m:t>𝑝</m:t>
-                              </m:r>
-                              <m:r>
-                                <a:rPr lang="en-US" sz="1600" b="0" i="1" dirty="0" smtClean="0">
-                                  <a:latin typeface="Cambria Math" panose="02040503050406030204" pitchFamily="18" charset="0"/>
-                                  <a:ea typeface="Cambria Math" panose="02040503050406030204" pitchFamily="18" charset="0"/>
-                                </a:rPr>
-                                <m:t>−</m:t>
-                              </m:r>
-                              <m:r>
-                                <a:rPr lang="en-US" sz="1600" b="0" i="1" dirty="0" smtClean="0">
-                                  <a:latin typeface="Cambria Math" panose="02040503050406030204" pitchFamily="18" charset="0"/>
-                                  <a:ea typeface="Cambria Math" panose="02040503050406030204" pitchFamily="18" charset="0"/>
-                                </a:rPr>
-                                <m:t>𝑣𝑎𝑙𝑢𝑒</m:t>
-                              </m:r>
-                            </m:e>
-                          </m:d>
-                        </m:oMath>
-                      </m:oMathPara>
-                    </a14:m>
-                    <a:endParaRPr lang="en-US" sz="1600" b="0" dirty="0" smtClean="0">
-                      <a:latin typeface="Cambria Math" panose="02040503050406030204" pitchFamily="18" charset="0"/>
-                      <a:ea typeface="Cambria Math" panose="02040503050406030204" pitchFamily="18" charset="0"/>
-                    </a:endParaRPr>
-                  </a:p>
-                  <a:p>
-                    <a:pPr algn="ctr"/>
-                    <a:r>
-                      <a:rPr lang="en-US" sz="1600" dirty="0" smtClean="0">
-                        <a:latin typeface="Cambria Math" panose="02040503050406030204" pitchFamily="18" charset="0"/>
-                        <a:ea typeface="Cambria Math" panose="02040503050406030204" pitchFamily="18" charset="0"/>
-                      </a:rPr>
-                      <a:t>DNase</a:t>
-                    </a:r>
-                    <a:endParaRPr lang="en-US" sz="1600" dirty="0">
-                      <a:latin typeface="Cambria Math" panose="02040503050406030204" pitchFamily="18" charset="0"/>
-                      <a:ea typeface="Cambria Math" panose="02040503050406030204" pitchFamily="18" charset="0"/>
-                    </a:endParaRPr>
-                  </a:p>
-                </p:txBody>
-              </p:sp>
-            </mc:Choice>
-            <mc:Fallback>
-              <p:sp>
-                <p:nvSpPr>
-                  <p:cNvPr id="8" name="Rectangle 7"/>
-                  <p:cNvSpPr>
-                    <a:spLocks noRot="1" noChangeAspect="1" noMove="1" noResize="1" noEditPoints="1" noAdjustHandles="1" noChangeArrowheads="1" noChangeShapeType="1" noTextEdit="1"/>
-                  </p:cNvSpPr>
-                  <p:nvPr/>
-                </p:nvSpPr>
-                <p:spPr>
-                  <a:xfrm>
-                    <a:off x="579121" y="3429000"/>
-                    <a:ext cx="1910080" cy="584775"/>
-                  </a:xfrm>
-                  <a:prstGeom prst="rect">
-                    <a:avLst/>
-                  </a:prstGeom>
-                  <a:blipFill rotWithShape="0">
-                    <a:blip r:embed="rId2"/>
-                    <a:stretch>
-                      <a:fillRect b="-10204"/>
-                    </a:stretch>
-                  </a:blipFill>
-                  <a:ln>
-                    <a:solidFill>
-                      <a:schemeClr val="bg1"/>
-                    </a:solidFill>
-                  </a:ln>
-                </p:spPr>
-                <p:txBody>
-                  <a:bodyPr/>
-                  <a:lstStyle/>
-                  <a:p>
-                    <a:r>
-                      <a:rPr lang="en-US">
-                        <a:noFill/>
-                      </a:rPr>
-                      <a:t> </a:t>
-                    </a:r>
-                  </a:p>
-                </p:txBody>
-              </p:sp>
-            </mc:Fallback>
-          </mc:AlternateContent>
-          <mc:AlternateContent xmlns:mc="http://schemas.openxmlformats.org/markup-compatibility/2006">
-            <mc:Choice xmlns:a14="http://schemas.microsoft.com/office/drawing/2010/main" Requires="a14">
-              <p:sp>
-                <p:nvSpPr>
-                  <p:cNvPr id="11" name="Rectangle 10"/>
-                  <p:cNvSpPr/>
-                  <p:nvPr/>
-                </p:nvSpPr>
-                <p:spPr>
-                  <a:xfrm>
-                    <a:off x="579121" y="1689377"/>
-                    <a:ext cx="1910080" cy="584775"/>
-                  </a:xfrm>
-                  <a:prstGeom prst="rect">
-                    <a:avLst/>
-                  </a:prstGeom>
-                  <a:grpFill/>
-                  <a:ln>
-                    <a:solidFill>
-                      <a:schemeClr val="bg1"/>
-                    </a:solidFill>
-                  </a:ln>
-                </p:spPr>
-                <p:txBody>
-                  <a:bodyPr wrap="square">
-                    <a:spAutoFit/>
-                  </a:bodyPr>
-                  <a:lstStyle/>
-                  <a:p>
-                    <a:pPr algn="ctr"/>
-                    <a14:m>
-                      <m:oMathPara xmlns:m="http://schemas.openxmlformats.org/officeDocument/2006/math">
-                        <m:oMathParaPr>
-                          <m:jc m:val="centerGroup"/>
-                        </m:oMathParaPr>
-                        <m:oMath xmlns:m="http://schemas.openxmlformats.org/officeDocument/2006/math">
-                          <m:r>
-                            <a:rPr lang="en-US" sz="1600" b="0" i="1" dirty="0" smtClean="0">
-                              <a:latin typeface="Cambria Math" panose="02040503050406030204" pitchFamily="18" charset="0"/>
-                              <a:ea typeface="Cambria Math" panose="02040503050406030204" pitchFamily="18" charset="0"/>
-                            </a:rPr>
-                            <m:t>−</m:t>
-                          </m:r>
-                          <m:r>
-                            <a:rPr lang="en-US" sz="1600" b="0" i="1" dirty="0" smtClean="0">
-                              <a:latin typeface="Cambria Math" panose="02040503050406030204" pitchFamily="18" charset="0"/>
-                              <a:ea typeface="Cambria Math" panose="02040503050406030204" pitchFamily="18" charset="0"/>
-                            </a:rPr>
-                            <m:t>𝑙𝑜</m:t>
-                          </m:r>
-                          <m:sSub>
-                            <m:sSubPr>
-                              <m:ctrlPr>
-                                <a:rPr lang="en-US" sz="1600" b="0" i="1" dirty="0" smtClean="0">
-                                  <a:latin typeface="Cambria Math" panose="02040503050406030204" pitchFamily="18" charset="0"/>
-                                  <a:ea typeface="Cambria Math" panose="02040503050406030204" pitchFamily="18" charset="0"/>
-                                </a:rPr>
-                              </m:ctrlPr>
-                            </m:sSubPr>
-                            <m:e>
-                              <m:r>
-                                <a:rPr lang="en-US" sz="1600" i="1" dirty="0" smtClean="0">
-                                  <a:latin typeface="Cambria Math" panose="02040503050406030204" pitchFamily="18" charset="0"/>
-                                  <a:ea typeface="Cambria Math" panose="02040503050406030204" pitchFamily="18" charset="0"/>
-                                </a:rPr>
-                                <m:t>𝑔</m:t>
-                              </m:r>
-                            </m:e>
-                            <m:sub>
-                              <m:r>
-                                <a:rPr lang="en-US" sz="1600" b="0" i="1" dirty="0" smtClean="0">
-                                  <a:latin typeface="Cambria Math" panose="02040503050406030204" pitchFamily="18" charset="0"/>
-                                  <a:ea typeface="Cambria Math" panose="02040503050406030204" pitchFamily="18" charset="0"/>
-                                </a:rPr>
-                                <m:t>10</m:t>
-                              </m:r>
-                            </m:sub>
-                          </m:sSub>
-                          <m:d>
-                            <m:dPr>
-                              <m:ctrlPr>
-                                <a:rPr lang="en-US" sz="1600" b="0" i="1" dirty="0" smtClean="0">
-                                  <a:latin typeface="Cambria Math" panose="02040503050406030204" pitchFamily="18" charset="0"/>
-                                  <a:ea typeface="Cambria Math" panose="02040503050406030204" pitchFamily="18" charset="0"/>
-                                </a:rPr>
-                              </m:ctrlPr>
-                            </m:dPr>
-                            <m:e>
-                              <m:r>
-                                <a:rPr lang="en-US" sz="1600" i="1" dirty="0">
-                                  <a:latin typeface="Cambria Math" panose="02040503050406030204" pitchFamily="18" charset="0"/>
-                                  <a:ea typeface="Cambria Math" panose="02040503050406030204" pitchFamily="18" charset="0"/>
-                                </a:rPr>
-                                <m:t>𝑝</m:t>
-                              </m:r>
-                              <m:r>
-                                <a:rPr lang="en-US" sz="1600" i="1" dirty="0">
-                                  <a:latin typeface="Cambria Math" panose="02040503050406030204" pitchFamily="18" charset="0"/>
-                                  <a:ea typeface="Cambria Math" panose="02040503050406030204" pitchFamily="18" charset="0"/>
-                                </a:rPr>
-                                <m:t>−</m:t>
-                              </m:r>
-                              <m:r>
-                                <a:rPr lang="en-US" sz="1600" i="1" dirty="0">
-                                  <a:latin typeface="Cambria Math" panose="02040503050406030204" pitchFamily="18" charset="0"/>
-                                  <a:ea typeface="Cambria Math" panose="02040503050406030204" pitchFamily="18" charset="0"/>
-                                </a:rPr>
-                                <m:t>𝑣𝑎𝑙𝑢𝑒</m:t>
-                              </m:r>
-                            </m:e>
-                          </m:d>
-                        </m:oMath>
-                      </m:oMathPara>
-                    </a14:m>
-                    <a:endParaRPr lang="en-US" sz="1600" b="0" dirty="0" smtClean="0">
-                      <a:latin typeface="Cambria Math" panose="02040503050406030204" pitchFamily="18" charset="0"/>
-                      <a:ea typeface="Cambria Math" panose="02040503050406030204" pitchFamily="18" charset="0"/>
-                    </a:endParaRPr>
-                  </a:p>
-                  <a:p>
-                    <a:pPr algn="ctr"/>
-                    <a:r>
-                      <a:rPr lang="en-US" sz="1600" dirty="0">
-                        <a:latin typeface="Cambria Math" panose="02040503050406030204" pitchFamily="18" charset="0"/>
-                        <a:ea typeface="Cambria Math" panose="02040503050406030204" pitchFamily="18" charset="0"/>
-                      </a:rPr>
-                      <a:t>H3K27ac</a:t>
-                    </a:r>
-                  </a:p>
-                </p:txBody>
-              </p:sp>
-            </mc:Choice>
-            <mc:Fallback>
-              <p:sp>
-                <p:nvSpPr>
-                  <p:cNvPr id="11" name="Rectangle 10"/>
-                  <p:cNvSpPr>
-                    <a:spLocks noRot="1" noChangeAspect="1" noMove="1" noResize="1" noEditPoints="1" noAdjustHandles="1" noChangeArrowheads="1" noChangeShapeType="1" noTextEdit="1"/>
-                  </p:cNvSpPr>
-                  <p:nvPr/>
-                </p:nvSpPr>
-                <p:spPr>
-                  <a:xfrm>
-                    <a:off x="579121" y="1689377"/>
-                    <a:ext cx="1910080" cy="584775"/>
-                  </a:xfrm>
-                  <a:prstGeom prst="rect">
-                    <a:avLst/>
-                  </a:prstGeom>
-                  <a:blipFill rotWithShape="0">
-                    <a:blip r:embed="rId3"/>
-                    <a:stretch>
-                      <a:fillRect b="-10204"/>
-                    </a:stretch>
-                  </a:blipFill>
-                  <a:ln>
-                    <a:solidFill>
-                      <a:schemeClr val="bg1"/>
-                    </a:solidFill>
-                  </a:ln>
-                </p:spPr>
-                <p:txBody>
-                  <a:bodyPr/>
-                  <a:lstStyle/>
-                  <a:p>
-                    <a:r>
-                      <a:rPr lang="en-US">
-                        <a:noFill/>
-                      </a:rPr>
-                      <a:t> </a:t>
-                    </a:r>
-                  </a:p>
-                </p:txBody>
-              </p:sp>
-            </mc:Fallback>
-          </mc:AlternateContent>
-          <mc:AlternateContent xmlns:mc="http://schemas.openxmlformats.org/markup-compatibility/2006">
-            <mc:Choice xmlns:a14="http://schemas.microsoft.com/office/drawing/2010/main" Requires="a14">
-              <p:sp>
-                <p:nvSpPr>
-                  <p:cNvPr id="12" name="Rectangle 11"/>
-                  <p:cNvSpPr/>
-                  <p:nvPr/>
-                </p:nvSpPr>
-                <p:spPr>
-                  <a:xfrm>
-                    <a:off x="1602273" y="5346069"/>
-                    <a:ext cx="879774" cy="338554"/>
-                  </a:xfrm>
-                  <a:prstGeom prst="rect">
-                    <a:avLst/>
-                  </a:prstGeom>
-                  <a:grpFill/>
-                  <a:ln>
-                    <a:solidFill>
-                      <a:schemeClr val="bg1"/>
-                    </a:solidFill>
-                  </a:ln>
-                </p:spPr>
-                <p:txBody>
-                  <a:bodyPr wrap="square">
-                    <a:spAutoFit/>
-                  </a:bodyPr>
-                  <a:lstStyle/>
-                  <a:p>
-                    <a:pPr algn="ctr"/>
-                    <a14:m>
-                      <m:oMathPara xmlns:m="http://schemas.openxmlformats.org/officeDocument/2006/math">
-                        <m:oMathParaPr>
-                          <m:jc m:val="centerGroup"/>
-                        </m:oMathParaPr>
-                        <m:oMath xmlns:m="http://schemas.openxmlformats.org/officeDocument/2006/math">
-                          <m:r>
-                            <a:rPr lang="en-US" sz="1600" b="0" i="1" dirty="0" smtClean="0">
-                              <a:latin typeface="Cambria Math" panose="02040503050406030204" pitchFamily="18" charset="0"/>
-                              <a:ea typeface="Cambria Math" panose="02040503050406030204" pitchFamily="18" charset="0"/>
-                            </a:rPr>
-                            <m:t>𝑃</m:t>
-                          </m:r>
-                          <m:d>
-                            <m:dPr>
-                              <m:ctrlPr>
-                                <a:rPr lang="en-US" sz="1600" b="0" i="1" dirty="0" smtClean="0">
-                                  <a:latin typeface="Cambria Math" panose="02040503050406030204" pitchFamily="18" charset="0"/>
-                                  <a:ea typeface="Cambria Math" panose="02040503050406030204" pitchFamily="18" charset="0"/>
-                                </a:rPr>
-                              </m:ctrlPr>
-                            </m:dPr>
-                            <m:e>
-                              <m:sSub>
-                                <m:sSubPr>
-                                  <m:ctrlPr>
-                                    <a:rPr lang="en-US" sz="1600" i="1" dirty="0">
-                                      <a:latin typeface="Cambria Math" panose="02040503050406030204" pitchFamily="18" charset="0"/>
-                                      <a:ea typeface="Cambria Math" panose="02040503050406030204" pitchFamily="18" charset="0"/>
-                                    </a:rPr>
-                                  </m:ctrlPr>
-                                </m:sSubPr>
-                                <m:e>
-                                  <m:r>
-                                    <a:rPr lang="en-US" sz="1600" i="1" dirty="0">
-                                      <a:latin typeface="Cambria Math" panose="02040503050406030204" pitchFamily="18" charset="0"/>
-                                      <a:ea typeface="Cambria Math" panose="02040503050406030204" pitchFamily="18" charset="0"/>
-                                    </a:rPr>
-                                    <m:t>𝑦</m:t>
-                                  </m:r>
-                                </m:e>
-                                <m:sub>
-                                  <m:r>
-                                    <a:rPr lang="en-US" sz="1600" i="1" dirty="0">
-                                      <a:latin typeface="Cambria Math" panose="02040503050406030204" pitchFamily="18" charset="0"/>
-                                      <a:ea typeface="Cambria Math" panose="02040503050406030204" pitchFamily="18" charset="0"/>
-                                    </a:rPr>
-                                    <m:t>𝑡</m:t>
-                                  </m:r>
-                                </m:sub>
-                              </m:sSub>
-                            </m:e>
-                            <m:e>
-                              <m:r>
-                                <a:rPr lang="en-US" sz="1600" b="0" i="1" dirty="0" smtClean="0">
-                                  <a:latin typeface="Cambria Math" panose="02040503050406030204" pitchFamily="18" charset="0"/>
-                                  <a:ea typeface="Cambria Math" panose="02040503050406030204" pitchFamily="18" charset="0"/>
-                                </a:rPr>
-                                <m:t>𝑋</m:t>
-                              </m:r>
-                            </m:e>
-                          </m:d>
-                          <m:r>
-                            <a:rPr lang="en-US" sz="1600" b="0" i="1" dirty="0" smtClean="0">
-                              <a:latin typeface="Cambria Math" panose="02040503050406030204" pitchFamily="18" charset="0"/>
-                              <a:ea typeface="Cambria Math" panose="02040503050406030204" pitchFamily="18" charset="0"/>
-                            </a:rPr>
-                            <m:t> </m:t>
-                          </m:r>
-                        </m:oMath>
-                      </m:oMathPara>
-                    </a14:m>
-                    <a:endParaRPr lang="en-US" sz="1600" dirty="0">
-                      <a:latin typeface="Cambria Math" panose="02040503050406030204" pitchFamily="18" charset="0"/>
-                      <a:ea typeface="Cambria Math" panose="02040503050406030204" pitchFamily="18" charset="0"/>
-                    </a:endParaRPr>
-                  </a:p>
-                </p:txBody>
-              </p:sp>
-            </mc:Choice>
-            <mc:Fallback>
-              <p:sp>
-                <p:nvSpPr>
-                  <p:cNvPr id="12" name="Rectangle 11"/>
-                  <p:cNvSpPr>
-                    <a:spLocks noRot="1" noChangeAspect="1" noMove="1" noResize="1" noEditPoints="1" noAdjustHandles="1" noChangeArrowheads="1" noChangeShapeType="1" noTextEdit="1"/>
-                  </p:cNvSpPr>
-                  <p:nvPr/>
-                </p:nvSpPr>
-                <p:spPr>
-                  <a:xfrm>
-                    <a:off x="1602273" y="5346069"/>
-                    <a:ext cx="879774" cy="338554"/>
-                  </a:xfrm>
-                  <a:prstGeom prst="rect">
-                    <a:avLst/>
-                  </a:prstGeom>
-                  <a:blipFill rotWithShape="0">
-                    <a:blip r:embed="rId4"/>
-                    <a:stretch>
-                      <a:fillRect l="-1370" b="-3509"/>
-                    </a:stretch>
-                  </a:blipFill>
-                  <a:ln>
-                    <a:solidFill>
-                      <a:schemeClr val="bg1"/>
-                    </a:solidFill>
-                  </a:ln>
-                </p:spPr>
-                <p:txBody>
-                  <a:bodyPr/>
-                  <a:lstStyle/>
-                  <a:p>
-                    <a:r>
-                      <a:rPr lang="en-US">
-                        <a:noFill/>
-                      </a:rPr>
-                      <a:t> </a:t>
-                    </a:r>
-                  </a:p>
-                </p:txBody>
-              </p:sp>
-            </mc:Fallback>
-          </mc:AlternateContent>
-          <p:sp>
-            <p:nvSpPr>
-              <p:cNvPr id="13" name="Rectangle 12"/>
-              <p:cNvSpPr/>
-              <p:nvPr/>
-            </p:nvSpPr>
-            <p:spPr>
-              <a:xfrm>
-                <a:off x="6402188" y="1164388"/>
-                <a:ext cx="1959492" cy="307777"/>
-              </a:xfrm>
-              <a:prstGeom prst="rect">
-                <a:avLst/>
-              </a:prstGeom>
-              <a:grpFill/>
-              <a:ln>
-                <a:solidFill>
-                  <a:schemeClr val="bg1"/>
-                </a:solidFill>
-              </a:ln>
-            </p:spPr>
-            <p:txBody>
-              <a:bodyPr wrap="square">
-                <a:spAutoFit/>
-              </a:bodyPr>
-              <a:lstStyle/>
-              <a:p>
-                <a:pPr algn="ctr"/>
-                <a:endParaRPr lang="en-US" sz="1400" dirty="0">
-                  <a:latin typeface="Cambria Math" panose="02040503050406030204" pitchFamily="18" charset="0"/>
-                  <a:ea typeface="Cambria Math" panose="02040503050406030204" pitchFamily="18" charset="0"/>
-                </a:endParaRPr>
-              </a:p>
-            </p:txBody>
-          </p:sp>
-          <p:sp>
-            <p:nvSpPr>
-              <p:cNvPr id="14" name="Rectangle 13"/>
-              <p:cNvSpPr/>
-              <p:nvPr/>
-            </p:nvSpPr>
-            <p:spPr>
-              <a:xfrm>
-                <a:off x="6290428" y="6356148"/>
-                <a:ext cx="2538612" cy="338554"/>
-              </a:xfrm>
-              <a:prstGeom prst="rect">
-                <a:avLst/>
-              </a:prstGeom>
-              <a:grpFill/>
-              <a:ln>
-                <a:solidFill>
-                  <a:schemeClr val="bg1"/>
-                </a:solidFill>
-              </a:ln>
-            </p:spPr>
-            <p:txBody>
-              <a:bodyPr wrap="square">
-                <a:spAutoFit/>
-              </a:bodyPr>
-              <a:lstStyle/>
-              <a:p>
-                <a:pPr algn="ctr"/>
-                <a:r>
-                  <a:rPr lang="en-US" sz="1600" dirty="0" smtClean="0">
-                    <a:latin typeface="Cambria Math" panose="02040503050406030204" pitchFamily="18" charset="0"/>
-                    <a:ea typeface="Cambria Math" panose="02040503050406030204" pitchFamily="18" charset="0"/>
-                  </a:rPr>
-                  <a:t>Position In DNA Sequence</a:t>
-                </a:r>
-                <a:endParaRPr lang="en-US" sz="1600" dirty="0">
-                  <a:latin typeface="Cambria Math" panose="02040503050406030204" pitchFamily="18" charset="0"/>
-                  <a:ea typeface="Cambria Math" panose="02040503050406030204" pitchFamily="18" charset="0"/>
-                </a:endParaRPr>
-              </a:p>
-            </p:txBody>
-          </p:sp>
-          <p:sp>
-            <p:nvSpPr>
-              <p:cNvPr id="16" name="Rectangle 15"/>
-              <p:cNvSpPr/>
-              <p:nvPr/>
-            </p:nvSpPr>
-            <p:spPr>
-              <a:xfrm>
-                <a:off x="12115800" y="1592580"/>
-                <a:ext cx="1264920" cy="4663440"/>
-              </a:xfrm>
-              <a:prstGeom prst="rect">
-                <a:avLst/>
-              </a:prstGeom>
-              <a:grpFill/>
-              <a:ln>
-                <a:solidFill>
-                  <a:schemeClr val="bg1"/>
-                </a:solidFill>
-              </a:ln>
-            </p:spPr>
-            <p:style>
-              <a:lnRef idx="2">
-                <a:schemeClr val="accent1">
-                  <a:shade val="50000"/>
-                </a:schemeClr>
-              </a:lnRef>
-              <a:fillRef idx="1">
-                <a:schemeClr val="accent1"/>
-              </a:fillRef>
-              <a:effectRef idx="0">
-                <a:schemeClr val="accent1"/>
-              </a:effectRef>
-              <a:fontRef idx="minor">
-                <a:schemeClr val="lt1"/>
-              </a:fontRef>
-            </p:style>
-            <p:txBody>
-              <a:bodyPr rtlCol="0" anchor="ctr"/>
-              <a:lstStyle/>
-              <a:p>
-                <a:pPr algn="ctr"/>
-                <a:endParaRPr lang="en-US" dirty="0"/>
-              </a:p>
-            </p:txBody>
-          </p:sp>
-          <p:sp>
-            <p:nvSpPr>
-              <p:cNvPr id="17" name="Rectangle 16"/>
-              <p:cNvSpPr/>
-              <p:nvPr/>
-            </p:nvSpPr>
-            <p:spPr>
-              <a:xfrm>
-                <a:off x="1253826" y="5943600"/>
-                <a:ext cx="1234103" cy="307777"/>
-              </a:xfrm>
-              <a:prstGeom prst="rect">
-                <a:avLst/>
-              </a:prstGeom>
-              <a:grpFill/>
-              <a:ln>
-                <a:solidFill>
-                  <a:schemeClr val="bg1"/>
-                </a:solidFill>
-              </a:ln>
-            </p:spPr>
-            <p:txBody>
-              <a:bodyPr wrap="square">
-                <a:spAutoFit/>
-              </a:bodyPr>
-              <a:lstStyle/>
-              <a:p>
-                <a:pPr algn="ctr"/>
-                <a:r>
-                  <a:rPr lang="en-US" sz="1400" dirty="0" smtClean="0">
-                    <a:latin typeface="Cambria Math" panose="02040503050406030204" pitchFamily="18" charset="0"/>
-                    <a:ea typeface="Cambria Math" panose="02040503050406030204" pitchFamily="18" charset="0"/>
-                  </a:rPr>
-                  <a:t>Viterbi Path</a:t>
-                </a:r>
-                <a:endParaRPr lang="en-US" sz="1400" dirty="0">
-                  <a:latin typeface="Cambria Math" panose="02040503050406030204" pitchFamily="18" charset="0"/>
-                  <a:ea typeface="Cambria Math" panose="02040503050406030204" pitchFamily="18" charset="0"/>
-                </a:endParaRPr>
-              </a:p>
-            </p:txBody>
-          </p:sp>
-        </p:grpSp>
-        <p:grpSp>
-          <p:nvGrpSpPr>
-            <p:cNvPr id="18" name="Group 17"/>
-            <p:cNvGrpSpPr/>
-            <p:nvPr/>
-          </p:nvGrpSpPr>
-          <p:grpSpPr>
-            <a:xfrm>
-              <a:off x="2136834" y="-36413"/>
-              <a:ext cx="6739771" cy="861774"/>
-              <a:chOff x="1398389" y="85189"/>
-              <a:chExt cx="6739771" cy="861774"/>
-            </a:xfrm>
-            <a:grpFill/>
-          </p:grpSpPr>
-          <p:sp>
-            <p:nvSpPr>
-              <p:cNvPr id="6" name="Rectangle 5"/>
-              <p:cNvSpPr/>
-              <p:nvPr/>
-            </p:nvSpPr>
-            <p:spPr>
-              <a:xfrm>
-                <a:off x="2042160" y="85189"/>
-                <a:ext cx="6096000" cy="861774"/>
-              </a:xfrm>
-              <a:prstGeom prst="rect">
-                <a:avLst/>
-              </a:prstGeom>
-              <a:grpFill/>
-              <a:ln>
-                <a:solidFill>
-                  <a:schemeClr val="bg1"/>
-                </a:solidFill>
-              </a:ln>
-            </p:spPr>
-            <p:txBody>
-              <a:bodyPr>
-                <a:spAutoFit/>
-              </a:bodyPr>
-              <a:lstStyle/>
-              <a:p>
-                <a:r>
-                  <a:rPr lang="en-US" sz="1600" dirty="0" smtClean="0">
-                    <a:latin typeface="Cambria Math" panose="02040503050406030204" pitchFamily="18" charset="0"/>
-                    <a:ea typeface="Cambria Math" panose="02040503050406030204" pitchFamily="18" charset="0"/>
-                  </a:rPr>
-                  <a:t>H1 </a:t>
-                </a:r>
-                <a:r>
-                  <a:rPr lang="en-US" sz="1600" dirty="0">
-                    <a:latin typeface="Cambria Math" panose="02040503050406030204" pitchFamily="18" charset="0"/>
-                    <a:ea typeface="Cambria Math" panose="02040503050406030204" pitchFamily="18" charset="0"/>
-                  </a:rPr>
-                  <a:t>BMP4 Derived </a:t>
-                </a:r>
-                <a:r>
-                  <a:rPr lang="en-US" sz="1600" dirty="0" err="1" smtClean="0">
-                    <a:latin typeface="Cambria Math" panose="02040503050406030204" pitchFamily="18" charset="0"/>
-                    <a:ea typeface="Cambria Math" panose="02040503050406030204" pitchFamily="18" charset="0"/>
-                  </a:rPr>
-                  <a:t>Mesendoderm</a:t>
-                </a:r>
-                <a:r>
-                  <a:rPr lang="en-US" sz="1600" dirty="0" smtClean="0">
-                    <a:latin typeface="Cambria Math" panose="02040503050406030204" pitchFamily="18" charset="0"/>
-                    <a:ea typeface="Cambria Math" panose="02040503050406030204" pitchFamily="18" charset="0"/>
-                  </a:rPr>
-                  <a:t> </a:t>
-                </a:r>
-                <a:r>
-                  <a:rPr lang="en-US" sz="1600" dirty="0">
-                    <a:latin typeface="Cambria Math" panose="02040503050406030204" pitchFamily="18" charset="0"/>
-                    <a:ea typeface="Cambria Math" panose="02040503050406030204" pitchFamily="18" charset="0"/>
-                  </a:rPr>
-                  <a:t>Cultured </a:t>
-                </a:r>
-                <a:r>
-                  <a:rPr lang="en-US" sz="1600" dirty="0" smtClean="0">
-                    <a:latin typeface="Cambria Math" panose="02040503050406030204" pitchFamily="18" charset="0"/>
-                    <a:ea typeface="Cambria Math" panose="02040503050406030204" pitchFamily="18" charset="0"/>
-                  </a:rPr>
-                  <a:t>Cells (E004) </a:t>
-                </a:r>
-                <a:endParaRPr lang="en-US" sz="1600" dirty="0">
-                  <a:latin typeface="Cambria Math" panose="02040503050406030204" pitchFamily="18" charset="0"/>
-                  <a:ea typeface="Cambria Math" panose="02040503050406030204" pitchFamily="18" charset="0"/>
-                </a:endParaRPr>
-              </a:p>
-              <a:p>
-                <a:r>
-                  <a:rPr lang="en-US" sz="1600" dirty="0" smtClean="0">
-                    <a:latin typeface="Cambria Math" panose="02040503050406030204" pitchFamily="18" charset="0"/>
-                    <a:ea typeface="Cambria Math" panose="02040503050406030204" pitchFamily="18" charset="0"/>
-                  </a:rPr>
-                  <a:t>Fetal </a:t>
-                </a:r>
-                <a:r>
-                  <a:rPr lang="en-US" sz="1600" dirty="0">
-                    <a:latin typeface="Cambria Math" panose="02040503050406030204" pitchFamily="18" charset="0"/>
-                    <a:ea typeface="Cambria Math" panose="02040503050406030204" pitchFamily="18" charset="0"/>
-                  </a:rPr>
-                  <a:t>Adrenal </a:t>
-                </a:r>
-                <a:r>
-                  <a:rPr lang="en-US" sz="1600" dirty="0" smtClean="0">
-                    <a:latin typeface="Cambria Math" panose="02040503050406030204" pitchFamily="18" charset="0"/>
-                    <a:ea typeface="Cambria Math" panose="02040503050406030204" pitchFamily="18" charset="0"/>
-                  </a:rPr>
-                  <a:t>Gland (E080)</a:t>
-                </a:r>
-              </a:p>
-              <a:p>
-                <a:r>
-                  <a:rPr lang="en-US" sz="1600" dirty="0" smtClean="0">
-                    <a:latin typeface="Cambria Math" panose="02040503050406030204" pitchFamily="18" charset="0"/>
-                    <a:ea typeface="Cambria Math" panose="02040503050406030204" pitchFamily="18" charset="0"/>
-                  </a:rPr>
-                  <a:t>Background</a:t>
-                </a:r>
-                <a:endParaRPr lang="en-US" sz="1600" dirty="0">
-                  <a:latin typeface="Cambria Math" panose="02040503050406030204" pitchFamily="18" charset="0"/>
-                  <a:ea typeface="Cambria Math" panose="02040503050406030204" pitchFamily="18" charset="0"/>
-                </a:endParaRPr>
-              </a:p>
-            </p:txBody>
-          </p:sp>
-          <p:pic>
-            <p:nvPicPr>
-              <p:cNvPr id="7" name="Picture 6"/>
-              <p:cNvPicPr>
-                <a:picLocks noChangeAspect="1"/>
-              </p:cNvPicPr>
-              <p:nvPr/>
-            </p:nvPicPr>
-            <p:blipFill rotWithShape="1">
-              <a:blip r:embed="rId5">
-                <a:extLst>
-                  <a:ext uri="{BEBA8EAE-BF5A-486C-A8C5-ECC9F3942E4B}">
-                    <a14:imgProps xmlns:a14="http://schemas.microsoft.com/office/drawing/2010/main">
-                      <a14:imgLayer r:embed="rId6">
-                        <a14:imgEffect>
-                          <a14:sharpenSoften amount="17000"/>
-                        </a14:imgEffect>
-                      </a14:imgLayer>
-                    </a14:imgProps>
-                  </a:ext>
-                  <a:ext uri="{28A0092B-C50C-407E-A947-70E740481C1C}">
-                    <a14:useLocalDpi xmlns:a14="http://schemas.microsoft.com/office/drawing/2010/main" val="0"/>
-                  </a:ext>
-                </a:extLst>
-              </a:blip>
-              <a:srcRect l="90822" t="4241" r="6321" b="89231"/>
-              <a:stretch/>
-            </p:blipFill>
-            <p:spPr>
-              <a:xfrm>
-                <a:off x="1398389" y="156325"/>
-                <a:ext cx="664091" cy="739821"/>
-              </a:xfrm>
-              <a:prstGeom prst="rect">
-                <a:avLst/>
-              </a:prstGeom>
-              <a:grpFill/>
-              <a:ln>
-                <a:solidFill>
-                  <a:schemeClr val="bg1"/>
-                </a:solidFill>
-              </a:ln>
-            </p:spPr>
-          </p:pic>
-        </p:grpSp>
-      </p:grpSp>
-    </p:spTree>
-    <p:extLst>
-      <p:ext uri="{BB962C8B-B14F-4D97-AF65-F5344CB8AC3E}">
-        <p14:creationId xmlns:p14="http://schemas.microsoft.com/office/powerpoint/2010/main" val="708941522"/>
       </p:ext>
     </p:extLst>
   </p:cSld>
@@ -35061,16 +30854,7 @@
                                 </a:solidFill>
                                 <a:latin typeface="Cambria Math" panose="02040503050406030204" pitchFamily="18" charset="0"/>
                               </a:rPr>
-                              <m:t>+</m:t>
-                            </m:r>
-                            <m:r>
-                              <a:rPr lang="en-US" sz="1400" b="0" i="1" smtClean="0">
-                                <a:solidFill>
-                                  <a:schemeClr val="tx1"/>
-                                </a:solidFill>
-                                <a:latin typeface="Cambria Math" panose="02040503050406030204" pitchFamily="18" charset="0"/>
-                              </a:rPr>
-                              <m:t>1</m:t>
+                              <m:t>+1</m:t>
                             </m:r>
                           </m:oMath>
                         </m:oMathPara>
@@ -39423,16 +35207,7 @@
                               </a:solidFill>
                               <a:latin typeface="Cambria Math" panose="02040503050406030204" pitchFamily="18" charset="0"/>
                             </a:rPr>
-                            <m:t>−</m:t>
-                          </m:r>
-                          <m:r>
-                            <a:rPr lang="en-US" sz="1400" b="0" i="1" smtClean="0">
-                              <a:solidFill>
-                                <a:schemeClr val="tx1"/>
-                              </a:solidFill>
-                              <a:latin typeface="Cambria Math" panose="02040503050406030204" pitchFamily="18" charset="0"/>
-                            </a:rPr>
-                            <m:t>1</m:t>
+                            <m:t>−1</m:t>
                           </m:r>
                         </m:oMath>
                       </m:oMathPara>
@@ -50280,1454 +46055,6 @@
 </p:sld>
 </file>
 
-<file path=ppt/slides/slide8.xml><?xml version="1.0" encoding="utf-8"?>
-<p:sld xmlns:a="http://schemas.openxmlformats.org/drawingml/2006/main" xmlns:r="http://schemas.openxmlformats.org/officeDocument/2006/relationships" xmlns:p="http://schemas.openxmlformats.org/presentationml/2006/main">
-  <p:cSld>
-    <p:spTree>
-      <p:nvGrpSpPr>
-        <p:cNvPr id="1" name=""/>
-        <p:cNvGrpSpPr/>
-        <p:nvPr/>
-      </p:nvGrpSpPr>
-      <p:grpSpPr>
-        <a:xfrm>
-          <a:off x="0" y="0"/>
-          <a:ext cx="0" cy="0"/>
-          <a:chOff x="0" y="0"/>
-          <a:chExt cx="0" cy="0"/>
-        </a:xfrm>
-      </p:grpSpPr>
-      <p:grpSp>
-        <p:nvGrpSpPr>
-          <p:cNvPr id="32" name="Group 31"/>
-          <p:cNvGrpSpPr/>
-          <p:nvPr/>
-        </p:nvGrpSpPr>
-        <p:grpSpPr>
-          <a:xfrm>
-            <a:off x="2747725" y="451311"/>
-            <a:ext cx="6250967" cy="3857625"/>
-            <a:chOff x="2747725" y="451311"/>
-            <a:chExt cx="6250967" cy="3857625"/>
-          </a:xfrm>
-        </p:grpSpPr>
-        <p:pic>
-          <p:nvPicPr>
-            <p:cNvPr id="31" name="Picture 30"/>
-            <p:cNvPicPr>
-              <a:picLocks noChangeAspect="1"/>
-            </p:cNvPicPr>
-            <p:nvPr/>
-          </p:nvPicPr>
-          <p:blipFill>
-            <a:blip r:embed="rId2" cstate="print">
-              <a:extLst>
-                <a:ext uri="{28A0092B-C50C-407E-A947-70E740481C1C}">
-                  <a14:useLocalDpi xmlns:a14="http://schemas.microsoft.com/office/drawing/2010/main" val="0"/>
-                </a:ext>
-              </a:extLst>
-            </a:blip>
-            <a:stretch>
-              <a:fillRect/>
-            </a:stretch>
-          </p:blipFill>
-          <p:spPr>
-            <a:xfrm>
-              <a:off x="3467815" y="451311"/>
-              <a:ext cx="4870329" cy="3857625"/>
-            </a:xfrm>
-            <a:prstGeom prst="rect">
-              <a:avLst/>
-            </a:prstGeom>
-          </p:spPr>
-        </p:pic>
-        <mc:AlternateContent xmlns:mc="http://schemas.openxmlformats.org/markup-compatibility/2006">
-          <mc:Choice xmlns:a14="http://schemas.microsoft.com/office/drawing/2010/main" Requires="a14">
-            <p:sp>
-              <p:nvSpPr>
-                <p:cNvPr id="10" name="Rectangle 9">
-                  <a:extLst>
-                    <a:ext uri="{FF2B5EF4-FFF2-40B4-BE49-F238E27FC236}">
-                      <a16:creationId xmlns:a16="http://schemas.microsoft.com/office/drawing/2014/main" xmlns="" id="{2E36643D-EEA2-42A8-BBCF-DC12D9FC8BA4}"/>
-                    </a:ext>
-                  </a:extLst>
-                </p:cNvPr>
-                <p:cNvSpPr/>
-                <p:nvPr/>
-              </p:nvSpPr>
-              <p:spPr>
-                <a:xfrm>
-                  <a:off x="4805204" y="4017858"/>
-                  <a:ext cx="2062162" cy="252412"/>
-                </a:xfrm>
-                <a:prstGeom prst="rect">
-                  <a:avLst/>
-                </a:prstGeom>
-                <a:solidFill>
-                  <a:schemeClr val="bg1"/>
-                </a:solidFill>
-                <a:ln>
-                  <a:noFill/>
-                </a:ln>
-              </p:spPr>
-              <p:style>
-                <a:lnRef idx="2">
-                  <a:schemeClr val="accent1">
-                    <a:shade val="50000"/>
-                  </a:schemeClr>
-                </a:lnRef>
-                <a:fillRef idx="1">
-                  <a:schemeClr val="accent1"/>
-                </a:fillRef>
-                <a:effectRef idx="0">
-                  <a:schemeClr val="accent1"/>
-                </a:effectRef>
-                <a:fontRef idx="minor">
-                  <a:schemeClr val="lt1"/>
-                </a:fontRef>
-              </p:style>
-              <p:txBody>
-                <a:bodyPr rtlCol="0" anchor="ctr"/>
-                <a:lstStyle/>
-                <a:p>
-                  <a:pPr algn="ctr"/>
-                  <a:r>
-                    <a:rPr lang="en-US" sz="1200" b="0" dirty="0" smtClean="0">
-                      <a:solidFill>
-                        <a:schemeClr val="tx1"/>
-                      </a:solidFill>
-                      <a:latin typeface="Cambria Math" panose="02040503050406030204" pitchFamily="18" charset="0"/>
-                      <a:ea typeface="Cambria Math" panose="02040503050406030204" pitchFamily="18" charset="0"/>
-                    </a:rPr>
-                    <a:t>True </a:t>
-                  </a:r>
-                  <a14:m>
-                    <m:oMath xmlns:m="http://schemas.openxmlformats.org/officeDocument/2006/math">
-                      <m:r>
-                        <a:rPr lang="en-US" sz="1200" b="0" i="1" smtClean="0">
-                          <a:solidFill>
-                            <a:schemeClr val="tx1"/>
-                          </a:solidFill>
-                          <a:latin typeface="Cambria Math" panose="02040503050406030204" pitchFamily="18" charset="0"/>
-                          <a:ea typeface="Cambria Math" panose="02040503050406030204" pitchFamily="18" charset="0"/>
-                        </a:rPr>
-                        <m:t>𝜃</m:t>
-                      </m:r>
-                    </m:oMath>
-                  </a14:m>
-                  <a:r>
-                    <a:rPr lang="en-US" sz="1200" dirty="0" smtClean="0">
-                      <a:solidFill>
-                        <a:schemeClr val="tx1"/>
-                      </a:solidFill>
-                      <a:latin typeface="Cambria Math" panose="02040503050406030204" pitchFamily="18" charset="0"/>
-                      <a:ea typeface="Cambria Math" panose="02040503050406030204" pitchFamily="18" charset="0"/>
-                    </a:rPr>
-                    <a:t> Probabilities</a:t>
-                  </a:r>
-                  <a:endParaRPr lang="en-US" sz="1200" dirty="0">
-                    <a:solidFill>
-                      <a:schemeClr val="tx1"/>
-                    </a:solidFill>
-                    <a:latin typeface="Cambria Math" panose="02040503050406030204" pitchFamily="18" charset="0"/>
-                    <a:ea typeface="Cambria Math" panose="02040503050406030204" pitchFamily="18" charset="0"/>
-                  </a:endParaRPr>
-                </a:p>
-              </p:txBody>
-            </p:sp>
-          </mc:Choice>
-          <mc:Fallback>
-            <p:sp>
-              <p:nvSpPr>
-                <p:cNvPr id="10" name="Rectangle 9">
-                  <a:extLst>
-                    <a:ext uri="{FF2B5EF4-FFF2-40B4-BE49-F238E27FC236}">
-                      <a16:creationId xmlns:a16="http://schemas.microsoft.com/office/drawing/2014/main" xmlns:a14="http://schemas.microsoft.com/office/drawing/2010/main" xmlns="" id="{2E36643D-EEA2-42A8-BBCF-DC12D9FC8BA4}"/>
-                    </a:ext>
-                  </a:extLst>
-                </p:cNvPr>
-                <p:cNvSpPr>
-                  <a:spLocks noRot="1" noChangeAspect="1" noMove="1" noResize="1" noEditPoints="1" noAdjustHandles="1" noChangeArrowheads="1" noChangeShapeType="1" noTextEdit="1"/>
-                </p:cNvSpPr>
-                <p:nvPr/>
-              </p:nvSpPr>
-              <p:spPr>
-                <a:xfrm>
-                  <a:off x="4805204" y="4017858"/>
-                  <a:ext cx="2062162" cy="252412"/>
-                </a:xfrm>
-                <a:prstGeom prst="rect">
-                  <a:avLst/>
-                </a:prstGeom>
-                <a:blipFill rotWithShape="0">
-                  <a:blip r:embed="rId3"/>
-                  <a:stretch>
-                    <a:fillRect t="-4762" b="-21429"/>
-                  </a:stretch>
-                </a:blipFill>
-                <a:ln>
-                  <a:noFill/>
-                </a:ln>
-              </p:spPr>
-              <p:txBody>
-                <a:bodyPr/>
-                <a:lstStyle/>
-                <a:p>
-                  <a:r>
-                    <a:rPr lang="en-US">
-                      <a:noFill/>
-                    </a:rPr>
-                    <a:t> </a:t>
-                  </a:r>
-                </a:p>
-              </p:txBody>
-            </p:sp>
-          </mc:Fallback>
-        </mc:AlternateContent>
-        <p:sp>
-          <p:nvSpPr>
-            <p:cNvPr id="11" name="Rectangle 10">
-              <a:extLst>
-                <a:ext uri="{FF2B5EF4-FFF2-40B4-BE49-F238E27FC236}">
-                  <a16:creationId xmlns:a16="http://schemas.microsoft.com/office/drawing/2014/main" xmlns="" id="{0088E734-0132-42BF-A871-F58627DBCCEF}"/>
-                </a:ext>
-              </a:extLst>
-            </p:cNvPr>
-            <p:cNvSpPr/>
-            <p:nvPr/>
-          </p:nvSpPr>
-          <p:spPr>
-            <a:xfrm>
-              <a:off x="4917577" y="638070"/>
-              <a:ext cx="2062162" cy="252412"/>
-            </a:xfrm>
-            <a:prstGeom prst="rect">
-              <a:avLst/>
-            </a:prstGeom>
-            <a:solidFill>
-              <a:schemeClr val="bg1"/>
-            </a:solidFill>
-            <a:ln>
-              <a:noFill/>
-            </a:ln>
-          </p:spPr>
-          <p:style>
-            <a:lnRef idx="2">
-              <a:schemeClr val="accent1">
-                <a:shade val="50000"/>
-              </a:schemeClr>
-            </a:lnRef>
-            <a:fillRef idx="1">
-              <a:schemeClr val="accent1"/>
-            </a:fillRef>
-            <a:effectRef idx="0">
-              <a:schemeClr val="accent1"/>
-            </a:effectRef>
-            <a:fontRef idx="minor">
-              <a:schemeClr val="lt1"/>
-            </a:fontRef>
-          </p:style>
-          <p:txBody>
-            <a:bodyPr rtlCol="0" anchor="ctr"/>
-            <a:lstStyle/>
-            <a:p>
-              <a:pPr algn="ctr"/>
-              <a:endParaRPr lang="en-US" dirty="0">
-                <a:solidFill>
-                  <a:schemeClr val="tx1"/>
-                </a:solidFill>
-              </a:endParaRPr>
-            </a:p>
-          </p:txBody>
-        </p:sp>
-        <mc:AlternateContent xmlns:mc="http://schemas.openxmlformats.org/markup-compatibility/2006">
-          <mc:Choice xmlns:a14="http://schemas.microsoft.com/office/drawing/2010/main" Requires="a14">
-            <p:sp>
-              <p:nvSpPr>
-                <p:cNvPr id="13" name="Rectangle 12">
-                  <a:extLst>
-                    <a:ext uri="{FF2B5EF4-FFF2-40B4-BE49-F238E27FC236}">
-                      <a16:creationId xmlns:a16="http://schemas.microsoft.com/office/drawing/2014/main" xmlns="" id="{6D2C8BE0-B0D2-4978-A1B5-FFF5137A4C82}"/>
-                    </a:ext>
-                  </a:extLst>
-                </p:cNvPr>
-                <p:cNvSpPr/>
-                <p:nvPr/>
-              </p:nvSpPr>
-              <p:spPr>
-                <a:xfrm>
-                  <a:off x="2747725" y="1668675"/>
-                  <a:ext cx="1211580" cy="1075852"/>
-                </a:xfrm>
-                <a:prstGeom prst="rect">
-                  <a:avLst/>
-                </a:prstGeom>
-                <a:solidFill>
-                  <a:schemeClr val="bg1"/>
-                </a:solidFill>
-                <a:ln>
-                  <a:noFill/>
-                </a:ln>
-              </p:spPr>
-              <p:style>
-                <a:lnRef idx="2">
-                  <a:schemeClr val="accent1">
-                    <a:shade val="50000"/>
-                  </a:schemeClr>
-                </a:lnRef>
-                <a:fillRef idx="1">
-                  <a:schemeClr val="accent1"/>
-                </a:fillRef>
-                <a:effectRef idx="0">
-                  <a:schemeClr val="accent1"/>
-                </a:effectRef>
-                <a:fontRef idx="minor">
-                  <a:schemeClr val="lt1"/>
-                </a:fontRef>
-              </p:style>
-              <p:txBody>
-                <a:bodyPr rtlCol="0" anchor="ctr"/>
-                <a:lstStyle/>
-                <a:p>
-                  <a:pPr algn="ctr"/>
-                  <a:r>
-                    <a:rPr lang="en-US" sz="1200" dirty="0" smtClean="0">
-                      <a:solidFill>
-                        <a:schemeClr val="tx1"/>
-                      </a:solidFill>
-                      <a:latin typeface="Cambria Math" panose="02040503050406030204" pitchFamily="18" charset="0"/>
-                      <a:ea typeface="Cambria Math" panose="02040503050406030204" pitchFamily="18" charset="0"/>
-                    </a:rPr>
-                    <a:t>Estimated</a:t>
-                  </a:r>
-                  <a:endParaRPr lang="en-US" sz="1200" b="0" dirty="0" smtClean="0">
-                    <a:solidFill>
-                      <a:schemeClr val="tx1"/>
-                    </a:solidFill>
-                    <a:latin typeface="Cambria Math" panose="02040503050406030204" pitchFamily="18" charset="0"/>
-                    <a:ea typeface="Cambria Math" panose="02040503050406030204" pitchFamily="18" charset="0"/>
-                  </a:endParaRPr>
-                </a:p>
-                <a:p>
-                  <a:pPr algn="ctr"/>
-                  <a14:m>
-                    <m:oMath xmlns:m="http://schemas.openxmlformats.org/officeDocument/2006/math">
-                      <m:r>
-                        <a:rPr lang="en-US" sz="1200" b="0" i="1" smtClean="0">
-                          <a:solidFill>
-                            <a:schemeClr val="tx1"/>
-                          </a:solidFill>
-                          <a:latin typeface="Cambria Math" panose="02040503050406030204" pitchFamily="18" charset="0"/>
-                          <a:ea typeface="Cambria Math" panose="02040503050406030204" pitchFamily="18" charset="0"/>
-                        </a:rPr>
-                        <m:t> </m:t>
-                      </m:r>
-                      <m:r>
-                        <a:rPr lang="en-US" sz="1200" b="0" i="1" smtClean="0">
-                          <a:solidFill>
-                            <a:schemeClr val="tx1"/>
-                          </a:solidFill>
-                          <a:latin typeface="Cambria Math" panose="02040503050406030204" pitchFamily="18" charset="0"/>
-                          <a:ea typeface="Cambria Math" panose="02040503050406030204" pitchFamily="18" charset="0"/>
-                        </a:rPr>
-                        <m:t>𝜃</m:t>
-                      </m:r>
-                    </m:oMath>
-                  </a14:m>
-                  <a:r>
-                    <a:rPr lang="en-US" sz="1200" dirty="0" smtClean="0">
-                      <a:solidFill>
-                        <a:schemeClr val="tx1"/>
-                      </a:solidFill>
-                      <a:latin typeface="Cambria Math" panose="02040503050406030204" pitchFamily="18" charset="0"/>
-                      <a:ea typeface="Cambria Math" panose="02040503050406030204" pitchFamily="18" charset="0"/>
-                    </a:rPr>
-                    <a:t> Probabilities</a:t>
-                  </a:r>
-                  <a:endParaRPr lang="en-US" sz="1200" dirty="0">
-                    <a:solidFill>
-                      <a:schemeClr val="tx1"/>
-                    </a:solidFill>
-                    <a:latin typeface="Cambria Math" panose="02040503050406030204" pitchFamily="18" charset="0"/>
-                    <a:ea typeface="Cambria Math" panose="02040503050406030204" pitchFamily="18" charset="0"/>
-                  </a:endParaRPr>
-                </a:p>
-              </p:txBody>
-            </p:sp>
-          </mc:Choice>
-          <mc:Fallback>
-            <p:sp>
-              <p:nvSpPr>
-                <p:cNvPr id="13" name="Rectangle 12">
-                  <a:extLst>
-                    <a:ext uri="{FF2B5EF4-FFF2-40B4-BE49-F238E27FC236}">
-                      <a16:creationId xmlns:a16="http://schemas.microsoft.com/office/drawing/2014/main" xmlns:a14="http://schemas.microsoft.com/office/drawing/2010/main" xmlns="" id="{6D2C8BE0-B0D2-4978-A1B5-FFF5137A4C82}"/>
-                    </a:ext>
-                  </a:extLst>
-                </p:cNvPr>
-                <p:cNvSpPr>
-                  <a:spLocks noRot="1" noChangeAspect="1" noMove="1" noResize="1" noEditPoints="1" noAdjustHandles="1" noChangeArrowheads="1" noChangeShapeType="1" noTextEdit="1"/>
-                </p:cNvSpPr>
-                <p:nvPr/>
-              </p:nvSpPr>
-              <p:spPr>
-                <a:xfrm>
-                  <a:off x="2747725" y="1668675"/>
-                  <a:ext cx="1211580" cy="1075852"/>
-                </a:xfrm>
-                <a:prstGeom prst="rect">
-                  <a:avLst/>
-                </a:prstGeom>
-                <a:blipFill rotWithShape="0">
-                  <a:blip r:embed="rId4"/>
-                  <a:stretch>
-                    <a:fillRect/>
-                  </a:stretch>
-                </a:blipFill>
-                <a:ln>
-                  <a:noFill/>
-                </a:ln>
-              </p:spPr>
-              <p:txBody>
-                <a:bodyPr/>
-                <a:lstStyle/>
-                <a:p>
-                  <a:r>
-                    <a:rPr lang="en-US">
-                      <a:noFill/>
-                    </a:rPr>
-                    <a:t> </a:t>
-                  </a:r>
-                </a:p>
-              </p:txBody>
-            </p:sp>
-          </mc:Fallback>
-        </mc:AlternateContent>
-        <mc:AlternateContent xmlns:mc="http://schemas.openxmlformats.org/markup-compatibility/2006">
-          <mc:Choice xmlns:a14="http://schemas.microsoft.com/office/drawing/2010/main" Requires="a14">
-            <p:sp>
-              <p:nvSpPr>
-                <p:cNvPr id="23" name="Rectangle 22"/>
-                <p:cNvSpPr/>
-                <p:nvPr/>
-              </p:nvSpPr>
-              <p:spPr>
-                <a:xfrm>
-                  <a:off x="6148812" y="3066778"/>
-                  <a:ext cx="2849880" cy="567690"/>
-                </a:xfrm>
-                <a:prstGeom prst="rect">
-                  <a:avLst/>
-                </a:prstGeom>
-                <a:solidFill>
-                  <a:schemeClr val="bg1"/>
-                </a:solidFill>
-                <a:ln>
-                  <a:solidFill>
-                    <a:schemeClr val="bg1"/>
-                  </a:solidFill>
-                </a:ln>
-              </p:spPr>
-              <p:style>
-                <a:lnRef idx="2">
-                  <a:schemeClr val="accent1">
-                    <a:shade val="50000"/>
-                  </a:schemeClr>
-                </a:lnRef>
-                <a:fillRef idx="1">
-                  <a:schemeClr val="accent1"/>
-                </a:fillRef>
-                <a:effectRef idx="0">
-                  <a:schemeClr val="accent1"/>
-                </a:effectRef>
-                <a:fontRef idx="minor">
-                  <a:schemeClr val="lt1"/>
-                </a:fontRef>
-              </p:style>
-              <p:txBody>
-                <a:bodyPr rtlCol="0" anchor="ctr"/>
-                <a:lstStyle/>
-                <a:p>
-                  <a14:m>
-                    <m:oMath xmlns:m="http://schemas.openxmlformats.org/officeDocument/2006/math">
-                      <m:r>
-                        <a:rPr lang="en-US" sz="1200" i="1">
-                          <a:solidFill>
-                            <a:schemeClr val="tx1"/>
-                          </a:solidFill>
-                          <a:latin typeface="Cambria Math" panose="02040503050406030204" pitchFamily="18" charset="0"/>
-                          <a:ea typeface="Cambria Math" panose="02040503050406030204" pitchFamily="18" charset="0"/>
-                        </a:rPr>
-                        <m:t>𝜃</m:t>
-                      </m:r>
-                    </m:oMath>
-                  </a14:m>
-                  <a:r>
-                    <a:rPr lang="en-US" sz="1200" dirty="0">
-                      <a:solidFill>
-                        <a:schemeClr val="tx1"/>
-                      </a:solidFill>
-                      <a:latin typeface="Cambria Math" panose="02040503050406030204" pitchFamily="18" charset="0"/>
-                      <a:ea typeface="Cambria Math" panose="02040503050406030204" pitchFamily="18" charset="0"/>
-                    </a:rPr>
-                    <a:t> value in final EM </a:t>
-                  </a:r>
-                  <a:r>
-                    <a:rPr lang="en-US" sz="1200" dirty="0" smtClean="0">
-                      <a:solidFill>
-                        <a:schemeClr val="tx1"/>
-                      </a:solidFill>
-                      <a:latin typeface="Cambria Math" panose="02040503050406030204" pitchFamily="18" charset="0"/>
-                      <a:ea typeface="Cambria Math" panose="02040503050406030204" pitchFamily="18" charset="0"/>
-                    </a:rPr>
-                    <a:t>iteration</a:t>
-                  </a:r>
-                </a:p>
-                <a:p>
-                  <a14:m>
-                    <m:oMath xmlns:m="http://schemas.openxmlformats.org/officeDocument/2006/math">
-                      <m:r>
-                        <a:rPr lang="en-US" sz="1200" i="1">
-                          <a:solidFill>
-                            <a:schemeClr val="tx1"/>
-                          </a:solidFill>
-                          <a:latin typeface="Cambria Math" panose="02040503050406030204" pitchFamily="18" charset="0"/>
-                          <a:ea typeface="Cambria Math" panose="02040503050406030204" pitchFamily="18" charset="0"/>
-                        </a:rPr>
-                        <m:t>𝜃</m:t>
-                      </m:r>
-                    </m:oMath>
-                  </a14:m>
-                  <a:r>
-                    <a:rPr lang="en-US" sz="1200" dirty="0">
-                      <a:solidFill>
-                        <a:schemeClr val="tx1"/>
-                      </a:solidFill>
-                      <a:latin typeface="Cambria Math" panose="02040503050406030204" pitchFamily="18" charset="0"/>
-                      <a:ea typeface="Cambria Math" panose="02040503050406030204" pitchFamily="18" charset="0"/>
-                    </a:rPr>
-                    <a:t> value </a:t>
-                  </a:r>
-                  <a:r>
-                    <a:rPr lang="en-US" sz="1200" dirty="0" smtClean="0">
-                      <a:solidFill>
-                        <a:schemeClr val="tx1"/>
-                      </a:solidFill>
-                      <a:latin typeface="Cambria Math" panose="02040503050406030204" pitchFamily="18" charset="0"/>
-                      <a:ea typeface="Cambria Math" panose="02040503050406030204" pitchFamily="18" charset="0"/>
-                    </a:rPr>
-                    <a:t>during EM iterations</a:t>
-                  </a:r>
-                  <a:endParaRPr lang="en-US" sz="1200" dirty="0">
-                    <a:solidFill>
-                      <a:schemeClr val="tx1"/>
-                    </a:solidFill>
-                    <a:latin typeface="Cambria Math" panose="02040503050406030204" pitchFamily="18" charset="0"/>
-                    <a:ea typeface="Cambria Math" panose="02040503050406030204" pitchFamily="18" charset="0"/>
-                  </a:endParaRPr>
-                </a:p>
-              </p:txBody>
-            </p:sp>
-          </mc:Choice>
-          <mc:Fallback>
-            <p:sp>
-              <p:nvSpPr>
-                <p:cNvPr id="23" name="Rectangle 22"/>
-                <p:cNvSpPr>
-                  <a:spLocks noRot="1" noChangeAspect="1" noMove="1" noResize="1" noEditPoints="1" noAdjustHandles="1" noChangeArrowheads="1" noChangeShapeType="1" noTextEdit="1"/>
-                </p:cNvSpPr>
-                <p:nvPr/>
-              </p:nvSpPr>
-              <p:spPr>
-                <a:xfrm>
-                  <a:off x="6148812" y="3066778"/>
-                  <a:ext cx="2849880" cy="567690"/>
-                </a:xfrm>
-                <a:prstGeom prst="rect">
-                  <a:avLst/>
-                </a:prstGeom>
-                <a:blipFill rotWithShape="0">
-                  <a:blip r:embed="rId5"/>
-                  <a:stretch>
-                    <a:fillRect/>
-                  </a:stretch>
-                </a:blipFill>
-                <a:ln>
-                  <a:solidFill>
-                    <a:schemeClr val="bg1"/>
-                  </a:solidFill>
-                </a:ln>
-              </p:spPr>
-              <p:txBody>
-                <a:bodyPr/>
-                <a:lstStyle/>
-                <a:p>
-                  <a:r>
-                    <a:rPr lang="en-US">
-                      <a:noFill/>
-                    </a:rPr>
-                    <a:t> </a:t>
-                  </a:r>
-                </a:p>
-              </p:txBody>
-            </p:sp>
-          </mc:Fallback>
-        </mc:AlternateContent>
-        <p:sp>
-          <p:nvSpPr>
-            <p:cNvPr id="21" name="Oval 20"/>
-            <p:cNvSpPr/>
-            <p:nvPr/>
-          </p:nvSpPr>
-          <p:spPr>
-            <a:xfrm>
-              <a:off x="6124575" y="3239510"/>
-              <a:ext cx="49266" cy="54622"/>
-            </a:xfrm>
-            <a:prstGeom prst="ellipse">
-              <a:avLst/>
-            </a:prstGeom>
-            <a:solidFill>
-              <a:srgbClr val="0009E1"/>
-            </a:solidFill>
-            <a:ln>
-              <a:solidFill>
-                <a:srgbClr val="0009E1"/>
-              </a:solidFill>
-            </a:ln>
-          </p:spPr>
-          <p:style>
-            <a:lnRef idx="2">
-              <a:schemeClr val="accent1">
-                <a:shade val="50000"/>
-              </a:schemeClr>
-            </a:lnRef>
-            <a:fillRef idx="1">
-              <a:schemeClr val="accent1"/>
-            </a:fillRef>
-            <a:effectRef idx="0">
-              <a:schemeClr val="accent1"/>
-            </a:effectRef>
-            <a:fontRef idx="minor">
-              <a:schemeClr val="lt1"/>
-            </a:fontRef>
-          </p:style>
-          <p:txBody>
-            <a:bodyPr rtlCol="0" anchor="ctr"/>
-            <a:lstStyle/>
-            <a:p>
-              <a:pPr algn="ctr"/>
-              <a:endParaRPr lang="en-US" dirty="0">
-                <a:solidFill>
-                  <a:srgbClr val="0009E1"/>
-                </a:solidFill>
-              </a:endParaRPr>
-            </a:p>
-          </p:txBody>
-        </p:sp>
-        <p:sp>
-          <p:nvSpPr>
-            <p:cNvPr id="25" name="Oval 24"/>
-            <p:cNvSpPr/>
-            <p:nvPr/>
-          </p:nvSpPr>
-          <p:spPr>
-            <a:xfrm>
-              <a:off x="6124575" y="3416669"/>
-              <a:ext cx="49266" cy="54622"/>
-            </a:xfrm>
-            <a:prstGeom prst="ellipse">
-              <a:avLst/>
-            </a:prstGeom>
-            <a:solidFill>
-              <a:srgbClr val="C4C5FD"/>
-            </a:solidFill>
-            <a:ln>
-              <a:solidFill>
-                <a:srgbClr val="C4C5FD"/>
-              </a:solidFill>
-            </a:ln>
-          </p:spPr>
-          <p:style>
-            <a:lnRef idx="2">
-              <a:schemeClr val="accent1">
-                <a:shade val="50000"/>
-              </a:schemeClr>
-            </a:lnRef>
-            <a:fillRef idx="1">
-              <a:schemeClr val="accent1"/>
-            </a:fillRef>
-            <a:effectRef idx="0">
-              <a:schemeClr val="accent1"/>
-            </a:effectRef>
-            <a:fontRef idx="minor">
-              <a:schemeClr val="lt1"/>
-            </a:fontRef>
-          </p:style>
-          <p:txBody>
-            <a:bodyPr rtlCol="0" anchor="ctr"/>
-            <a:lstStyle/>
-            <a:p>
-              <a:pPr algn="ctr"/>
-              <a:endParaRPr lang="en-US" dirty="0">
-                <a:solidFill>
-                  <a:srgbClr val="0009E1"/>
-                </a:solidFill>
-              </a:endParaRPr>
-            </a:p>
-          </p:txBody>
-        </p:sp>
-        <p:sp>
-          <p:nvSpPr>
-            <p:cNvPr id="29" name="Oval 28"/>
-            <p:cNvSpPr/>
-            <p:nvPr/>
-          </p:nvSpPr>
-          <p:spPr>
-            <a:xfrm>
-              <a:off x="3263007" y="764276"/>
-              <a:ext cx="328566" cy="291486"/>
-            </a:xfrm>
-            <a:prstGeom prst="ellipse">
-              <a:avLst/>
-            </a:prstGeom>
-            <a:noFill/>
-            <a:ln w="38100">
-              <a:solidFill>
-                <a:schemeClr val="tx1"/>
-              </a:solidFill>
-            </a:ln>
-          </p:spPr>
-          <p:style>
-            <a:lnRef idx="2">
-              <a:schemeClr val="accent1">
-                <a:shade val="50000"/>
-              </a:schemeClr>
-            </a:lnRef>
-            <a:fillRef idx="1">
-              <a:schemeClr val="accent1"/>
-            </a:fillRef>
-            <a:effectRef idx="0">
-              <a:schemeClr val="accent1"/>
-            </a:effectRef>
-            <a:fontRef idx="minor">
-              <a:schemeClr val="lt1"/>
-            </a:fontRef>
-          </p:style>
-          <p:txBody>
-            <a:bodyPr rtlCol="0" anchor="ctr"/>
-            <a:lstStyle/>
-            <a:p>
-              <a:pPr algn="ctr"/>
-              <a:r>
-                <a:rPr lang="en-US" b="1" dirty="0">
-                  <a:solidFill>
-                    <a:schemeClr val="tx1"/>
-                  </a:solidFill>
-                </a:rPr>
-                <a:t>A</a:t>
-              </a:r>
-            </a:p>
-          </p:txBody>
-        </p:sp>
-      </p:grpSp>
-    </p:spTree>
-    <p:extLst>
-      <p:ext uri="{BB962C8B-B14F-4D97-AF65-F5344CB8AC3E}">
-        <p14:creationId xmlns:p14="http://schemas.microsoft.com/office/powerpoint/2010/main" val="1079704894"/>
-      </p:ext>
-    </p:extLst>
-  </p:cSld>
-  <p:clrMapOvr>
-    <a:masterClrMapping/>
-  </p:clrMapOvr>
-  <p:timing>
-    <p:tnLst>
-      <p:par>
-        <p:cTn id="1" dur="indefinite" restart="never" nodeType="tmRoot"/>
-      </p:par>
-    </p:tnLst>
-  </p:timing>
-</p:sld>
-</file>
-
-<file path=ppt/slides/slide9.xml><?xml version="1.0" encoding="utf-8"?>
-<p:sld xmlns:a="http://schemas.openxmlformats.org/drawingml/2006/main" xmlns:r="http://schemas.openxmlformats.org/officeDocument/2006/relationships" xmlns:p="http://schemas.openxmlformats.org/presentationml/2006/main">
-  <p:cSld>
-    <p:spTree>
-      <p:nvGrpSpPr>
-        <p:cNvPr id="1" name=""/>
-        <p:cNvGrpSpPr/>
-        <p:nvPr/>
-      </p:nvGrpSpPr>
-      <p:grpSpPr>
-        <a:xfrm>
-          <a:off x="0" y="0"/>
-          <a:ext cx="0" cy="0"/>
-          <a:chOff x="0" y="0"/>
-          <a:chExt cx="0" cy="0"/>
-        </a:xfrm>
-      </p:grpSpPr>
-      <p:grpSp>
-        <p:nvGrpSpPr>
-          <p:cNvPr id="37" name="Group 36"/>
-          <p:cNvGrpSpPr/>
-          <p:nvPr/>
-        </p:nvGrpSpPr>
-        <p:grpSpPr>
-          <a:xfrm>
-            <a:off x="2327103" y="1200150"/>
-            <a:ext cx="7868457" cy="5348511"/>
-            <a:chOff x="2327103" y="1200150"/>
-            <a:chExt cx="7868457" cy="5348511"/>
-          </a:xfrm>
-        </p:grpSpPr>
-        <p:pic>
-          <p:nvPicPr>
-            <p:cNvPr id="34" name="Picture 33"/>
-            <p:cNvPicPr>
-              <a:picLocks noChangeAspect="1"/>
-            </p:cNvPicPr>
-            <p:nvPr/>
-          </p:nvPicPr>
-          <p:blipFill>
-            <a:blip r:embed="rId2">
-              <a:extLst>
-                <a:ext uri="{28A0092B-C50C-407E-A947-70E740481C1C}">
-                  <a14:useLocalDpi xmlns:a14="http://schemas.microsoft.com/office/drawing/2010/main" val="0"/>
-                </a:ext>
-              </a:extLst>
-            </a:blip>
-            <a:stretch>
-              <a:fillRect/>
-            </a:stretch>
-          </p:blipFill>
-          <p:spPr>
-            <a:xfrm>
-              <a:off x="2724771" y="1200150"/>
-              <a:ext cx="6752604" cy="5348511"/>
-            </a:xfrm>
-            <a:prstGeom prst="rect">
-              <a:avLst/>
-            </a:prstGeom>
-          </p:spPr>
-        </p:pic>
-        <p:sp>
-          <p:nvSpPr>
-            <p:cNvPr id="5" name="Rectangle 4">
-              <a:extLst>
-                <a:ext uri="{FF2B5EF4-FFF2-40B4-BE49-F238E27FC236}">
-                  <a16:creationId xmlns:a16="http://schemas.microsoft.com/office/drawing/2014/main" xmlns:a14="http://schemas.microsoft.com/office/drawing/2010/main" xmlns:mc="http://schemas.openxmlformats.org/markup-compatibility/2006" xmlns="" id="{2E36643D-EEA2-42A8-BBCF-DC12D9FC8BA4}"/>
-                </a:ext>
-              </a:extLst>
-            </p:cNvPr>
-            <p:cNvSpPr/>
-            <p:nvPr/>
-          </p:nvSpPr>
-          <p:spPr>
-            <a:xfrm>
-              <a:off x="5078413" y="6144093"/>
-              <a:ext cx="2024961" cy="246838"/>
-            </a:xfrm>
-            <a:prstGeom prst="rect">
-              <a:avLst/>
-            </a:prstGeom>
-            <a:solidFill>
-              <a:schemeClr val="bg1"/>
-            </a:solidFill>
-            <a:ln>
-              <a:noFill/>
-            </a:ln>
-          </p:spPr>
-          <p:style>
-            <a:lnRef idx="2">
-              <a:schemeClr val="accent1">
-                <a:shade val="50000"/>
-              </a:schemeClr>
-            </a:lnRef>
-            <a:fillRef idx="1">
-              <a:schemeClr val="accent1"/>
-            </a:fillRef>
-            <a:effectRef idx="0">
-              <a:schemeClr val="accent1"/>
-            </a:effectRef>
-            <a:fontRef idx="minor">
-              <a:schemeClr val="lt1"/>
-            </a:fontRef>
-          </p:style>
-          <p:txBody>
-            <a:bodyPr rtlCol="0" anchor="ctr"/>
-            <a:lstStyle/>
-            <a:p>
-              <a:pPr algn="ctr"/>
-              <a:r>
-                <a:rPr lang="en-US" sz="1200" dirty="0" smtClean="0">
-                  <a:solidFill>
-                    <a:schemeClr val="tx1"/>
-                  </a:solidFill>
-                  <a:latin typeface="Cambria Math" panose="02040503050406030204" pitchFamily="18" charset="0"/>
-                  <a:ea typeface="Cambria Math" panose="02040503050406030204" pitchFamily="18" charset="0"/>
-                </a:rPr>
-                <a:t>EM Iterations</a:t>
-              </a:r>
-              <a:endParaRPr lang="en-US" sz="1200" dirty="0">
-                <a:solidFill>
-                  <a:schemeClr val="tx1"/>
-                </a:solidFill>
-                <a:latin typeface="Cambria Math" panose="02040503050406030204" pitchFamily="18" charset="0"/>
-                <a:ea typeface="Cambria Math" panose="02040503050406030204" pitchFamily="18" charset="0"/>
-              </a:endParaRPr>
-            </a:p>
-          </p:txBody>
-        </p:sp>
-        <p:sp>
-          <p:nvSpPr>
-            <p:cNvPr id="12" name="Rectangle 11">
-              <a:extLst>
-                <a:ext uri="{FF2B5EF4-FFF2-40B4-BE49-F238E27FC236}">
-                  <a16:creationId xmlns:a16="http://schemas.microsoft.com/office/drawing/2014/main" xmlns="" id="{0088E734-0132-42BF-A871-F58627DBCCEF}"/>
-                </a:ext>
-              </a:extLst>
-            </p:cNvPr>
-            <p:cNvSpPr/>
-            <p:nvPr/>
-          </p:nvSpPr>
-          <p:spPr>
-            <a:xfrm>
-              <a:off x="4972668" y="2225140"/>
-              <a:ext cx="2062162" cy="252412"/>
-            </a:xfrm>
-            <a:prstGeom prst="rect">
-              <a:avLst/>
-            </a:prstGeom>
-            <a:solidFill>
-              <a:schemeClr val="bg1"/>
-            </a:solidFill>
-            <a:ln>
-              <a:noFill/>
-            </a:ln>
-          </p:spPr>
-          <p:style>
-            <a:lnRef idx="2">
-              <a:schemeClr val="accent1">
-                <a:shade val="50000"/>
-              </a:schemeClr>
-            </a:lnRef>
-            <a:fillRef idx="1">
-              <a:schemeClr val="accent1"/>
-            </a:fillRef>
-            <a:effectRef idx="0">
-              <a:schemeClr val="accent1"/>
-            </a:effectRef>
-            <a:fontRef idx="minor">
-              <a:schemeClr val="lt1"/>
-            </a:fontRef>
-          </p:style>
-          <p:txBody>
-            <a:bodyPr rtlCol="0" anchor="ctr"/>
-            <a:lstStyle/>
-            <a:p>
-              <a:pPr algn="ctr"/>
-              <a:endParaRPr lang="en-US" dirty="0">
-                <a:solidFill>
-                  <a:schemeClr val="tx1"/>
-                </a:solidFill>
-              </a:endParaRPr>
-            </a:p>
-          </p:txBody>
-        </p:sp>
-        <p:sp>
-          <p:nvSpPr>
-            <p:cNvPr id="14" name="Rectangle 13">
-              <a:extLst>
-                <a:ext uri="{FF2B5EF4-FFF2-40B4-BE49-F238E27FC236}">
-                  <a16:creationId xmlns:a16="http://schemas.microsoft.com/office/drawing/2014/main" xmlns:a14="http://schemas.microsoft.com/office/drawing/2010/main" xmlns:mc="http://schemas.openxmlformats.org/markup-compatibility/2006" xmlns="" id="{6D2C8BE0-B0D2-4978-A1B5-FFF5137A4C82}"/>
-                </a:ext>
-              </a:extLst>
-            </p:cNvPr>
-            <p:cNvSpPr/>
-            <p:nvPr/>
-          </p:nvSpPr>
-          <p:spPr>
-            <a:xfrm>
-              <a:off x="2327103" y="2997238"/>
-              <a:ext cx="1034287" cy="1574800"/>
-            </a:xfrm>
-            <a:prstGeom prst="rect">
-              <a:avLst/>
-            </a:prstGeom>
-            <a:solidFill>
-              <a:schemeClr val="bg1"/>
-            </a:solidFill>
-            <a:ln>
-              <a:noFill/>
-            </a:ln>
-          </p:spPr>
-          <p:style>
-            <a:lnRef idx="2">
-              <a:schemeClr val="accent1">
-                <a:shade val="50000"/>
-              </a:schemeClr>
-            </a:lnRef>
-            <a:fillRef idx="1">
-              <a:schemeClr val="accent1"/>
-            </a:fillRef>
-            <a:effectRef idx="0">
-              <a:schemeClr val="accent1"/>
-            </a:effectRef>
-            <a:fontRef idx="minor">
-              <a:schemeClr val="lt1"/>
-            </a:fontRef>
-          </p:style>
-          <p:txBody>
-            <a:bodyPr rtlCol="0" anchor="ctr"/>
-            <a:lstStyle/>
-            <a:p>
-              <a:pPr algn="ctr"/>
-              <a:r>
-                <a:rPr lang="en-US" sz="1200" dirty="0" smtClean="0">
-                  <a:solidFill>
-                    <a:schemeClr val="tx1"/>
-                  </a:solidFill>
-                  <a:latin typeface="Cambria Math" panose="02040503050406030204" pitchFamily="18" charset="0"/>
-                  <a:ea typeface="Cambria Math" panose="02040503050406030204" pitchFamily="18" charset="0"/>
-                </a:rPr>
-                <a:t>Root Mean Square Error (RMSE)</a:t>
-              </a:r>
-              <a:endParaRPr lang="en-US" sz="1200" dirty="0" smtClean="0">
-                <a:solidFill>
-                  <a:schemeClr val="tx1"/>
-                </a:solidFill>
-                <a:latin typeface="Cambria Math" panose="02040503050406030204" pitchFamily="18" charset="0"/>
-                <a:ea typeface="Cambria Math" panose="02040503050406030204" pitchFamily="18" charset="0"/>
-              </a:endParaRPr>
-            </a:p>
-          </p:txBody>
-        </p:sp>
-        <mc:AlternateContent xmlns:mc="http://schemas.openxmlformats.org/markup-compatibility/2006">
-          <mc:Choice xmlns:a14="http://schemas.microsoft.com/office/drawing/2010/main" Requires="a14">
-            <p:sp>
-              <p:nvSpPr>
-                <p:cNvPr id="9" name="Rectangle 8"/>
-                <p:cNvSpPr/>
-                <p:nvPr/>
-              </p:nvSpPr>
-              <p:spPr>
-                <a:xfrm>
-                  <a:off x="5751938" y="2225140"/>
-                  <a:ext cx="4443622" cy="898253"/>
-                </a:xfrm>
-                <a:prstGeom prst="rect">
-                  <a:avLst/>
-                </a:prstGeom>
-                <a:solidFill>
-                  <a:schemeClr val="bg1"/>
-                </a:solidFill>
-                <a:ln>
-                  <a:solidFill>
-                    <a:schemeClr val="bg1"/>
-                  </a:solidFill>
-                </a:ln>
-              </p:spPr>
-              <p:style>
-                <a:lnRef idx="2">
-                  <a:schemeClr val="accent1">
-                    <a:shade val="50000"/>
-                  </a:schemeClr>
-                </a:lnRef>
-                <a:fillRef idx="1">
-                  <a:schemeClr val="accent1"/>
-                </a:fillRef>
-                <a:effectRef idx="0">
-                  <a:schemeClr val="accent1"/>
-                </a:effectRef>
-                <a:fontRef idx="minor">
-                  <a:schemeClr val="lt1"/>
-                </a:fontRef>
-              </p:style>
-              <p:txBody>
-                <a:bodyPr rtlCol="0" anchor="ctr"/>
-                <a:lstStyle/>
-                <a:p>
-                  <a:r>
-                    <a:rPr lang="en-US" sz="1200" dirty="0" smtClean="0">
-                      <a:solidFill>
-                        <a:schemeClr val="tx1"/>
-                      </a:solidFill>
-                      <a:latin typeface="Cambria Math" panose="02040503050406030204" pitchFamily="18" charset="0"/>
-                      <a:ea typeface="Cambria Math" panose="02040503050406030204" pitchFamily="18" charset="0"/>
-                    </a:rPr>
-                    <a:t>Average error of true </a:t>
-                  </a:r>
-                  <a14:m>
-                    <m:oMath xmlns:m="http://schemas.openxmlformats.org/officeDocument/2006/math">
-                      <m:r>
-                        <a:rPr lang="en-US" sz="1200" i="1">
-                          <a:solidFill>
-                            <a:schemeClr val="tx1"/>
-                          </a:solidFill>
-                          <a:latin typeface="Cambria Math" panose="02040503050406030204" pitchFamily="18" charset="0"/>
-                          <a:ea typeface="Cambria Math" panose="02040503050406030204" pitchFamily="18" charset="0"/>
-                        </a:rPr>
-                        <m:t>𝜃</m:t>
-                      </m:r>
-                    </m:oMath>
-                  </a14:m>
-                  <a:r>
-                    <a:rPr lang="en-US" sz="1200" dirty="0">
-                      <a:solidFill>
-                        <a:schemeClr val="tx1"/>
-                      </a:solidFill>
-                      <a:latin typeface="Cambria Math" panose="02040503050406030204" pitchFamily="18" charset="0"/>
-                      <a:ea typeface="Cambria Math" panose="02040503050406030204" pitchFamily="18" charset="0"/>
-                    </a:rPr>
-                    <a:t> vs. estimated </a:t>
-                  </a:r>
-                  <a14:m>
-                    <m:oMath xmlns:m="http://schemas.openxmlformats.org/officeDocument/2006/math">
-                      <m:r>
-                        <a:rPr lang="en-US" sz="1200" i="1">
-                          <a:solidFill>
-                            <a:schemeClr val="tx1"/>
-                          </a:solidFill>
-                          <a:latin typeface="Cambria Math" panose="02040503050406030204" pitchFamily="18" charset="0"/>
-                          <a:ea typeface="Cambria Math" panose="02040503050406030204" pitchFamily="18" charset="0"/>
-                        </a:rPr>
-                        <m:t>𝜃</m:t>
-                      </m:r>
-                    </m:oMath>
-                  </a14:m>
-                  <a:endParaRPr lang="en-US" sz="1200" dirty="0" smtClean="0">
-                    <a:solidFill>
-                      <a:schemeClr val="tx1"/>
-                    </a:solidFill>
-                    <a:latin typeface="Cambria Math" panose="02040503050406030204" pitchFamily="18" charset="0"/>
-                    <a:ea typeface="Cambria Math" panose="02040503050406030204" pitchFamily="18" charset="0"/>
-                  </a:endParaRPr>
-                </a:p>
-                <a:p>
-                  <a:r>
-                    <a:rPr lang="en-US" sz="1200" dirty="0" smtClean="0">
-                      <a:solidFill>
-                        <a:schemeClr val="tx1"/>
-                      </a:solidFill>
-                      <a:latin typeface="Cambria Math" panose="02040503050406030204" pitchFamily="18" charset="0"/>
-                      <a:ea typeface="Cambria Math" panose="02040503050406030204" pitchFamily="18" charset="0"/>
-                    </a:rPr>
-                    <a:t>Error of true </a:t>
-                  </a:r>
-                  <a14:m>
-                    <m:oMath xmlns:m="http://schemas.openxmlformats.org/officeDocument/2006/math">
-                      <m:r>
-                        <a:rPr lang="en-US" sz="1200" i="1">
-                          <a:solidFill>
-                            <a:schemeClr val="tx1"/>
-                          </a:solidFill>
-                          <a:latin typeface="Cambria Math" panose="02040503050406030204" pitchFamily="18" charset="0"/>
-                          <a:ea typeface="Cambria Math" panose="02040503050406030204" pitchFamily="18" charset="0"/>
-                        </a:rPr>
-                        <m:t>𝜃</m:t>
-                      </m:r>
-                    </m:oMath>
-                  </a14:m>
-                  <a:r>
-                    <a:rPr lang="en-US" sz="1200" dirty="0">
-                      <a:solidFill>
-                        <a:schemeClr val="tx1"/>
-                      </a:solidFill>
-                      <a:latin typeface="Cambria Math" panose="02040503050406030204" pitchFamily="18" charset="0"/>
-                      <a:ea typeface="Cambria Math" panose="02040503050406030204" pitchFamily="18" charset="0"/>
-                    </a:rPr>
-                    <a:t> vs. estimated </a:t>
-                  </a:r>
-                  <a14:m>
-                    <m:oMath xmlns:m="http://schemas.openxmlformats.org/officeDocument/2006/math">
-                      <m:r>
-                        <a:rPr lang="en-US" sz="1200" i="1">
-                          <a:solidFill>
-                            <a:schemeClr val="tx1"/>
-                          </a:solidFill>
-                          <a:latin typeface="Cambria Math" panose="02040503050406030204" pitchFamily="18" charset="0"/>
-                          <a:ea typeface="Cambria Math" panose="02040503050406030204" pitchFamily="18" charset="0"/>
-                        </a:rPr>
-                        <m:t>𝜃</m:t>
-                      </m:r>
-                    </m:oMath>
-                  </a14:m>
-                  <a:r>
-                    <a:rPr lang="en-US" sz="1200" dirty="0" smtClean="0">
-                      <a:solidFill>
-                        <a:schemeClr val="tx1"/>
-                      </a:solidFill>
-                      <a:latin typeface="Cambria Math" panose="02040503050406030204" pitchFamily="18" charset="0"/>
-                      <a:ea typeface="Cambria Math" panose="02040503050406030204" pitchFamily="18" charset="0"/>
-                    </a:rPr>
-                    <a:t> by a single </a:t>
-                  </a:r>
-                  <a:r>
-                    <a:rPr lang="en-US" sz="1200" dirty="0">
-                      <a:solidFill>
-                        <a:schemeClr val="tx1"/>
-                      </a:solidFill>
-                      <a:latin typeface="Cambria Math" panose="02040503050406030204" pitchFamily="18" charset="0"/>
-                      <a:ea typeface="Cambria Math" panose="02040503050406030204" pitchFamily="18" charset="0"/>
-                    </a:rPr>
-                    <a:t>run</a:t>
-                  </a:r>
-                  <a:endParaRPr lang="en-US" sz="1200" dirty="0">
-                    <a:solidFill>
-                      <a:schemeClr val="tx1"/>
-                    </a:solidFill>
-                    <a:latin typeface="Cambria Math" panose="02040503050406030204" pitchFamily="18" charset="0"/>
-                    <a:ea typeface="Cambria Math" panose="02040503050406030204" pitchFamily="18" charset="0"/>
-                  </a:endParaRPr>
-                </a:p>
-                <a:p>
-                  <a:endParaRPr lang="en-US" sz="1200" dirty="0" smtClean="0">
-                    <a:solidFill>
-                      <a:schemeClr val="tx1"/>
-                    </a:solidFill>
-                    <a:latin typeface="Cambria Math" panose="02040503050406030204" pitchFamily="18" charset="0"/>
-                    <a:ea typeface="Cambria Math" panose="02040503050406030204" pitchFamily="18" charset="0"/>
-                  </a:endParaRPr>
-                </a:p>
-                <a:p>
-                  <a:endParaRPr lang="en-US" sz="1200" dirty="0">
-                    <a:solidFill>
-                      <a:schemeClr val="tx1"/>
-                    </a:solidFill>
-                    <a:latin typeface="Cambria Math" panose="02040503050406030204" pitchFamily="18" charset="0"/>
-                    <a:ea typeface="Cambria Math" panose="02040503050406030204" pitchFamily="18" charset="0"/>
-                  </a:endParaRPr>
-                </a:p>
-              </p:txBody>
-            </p:sp>
-          </mc:Choice>
-          <mc:Fallback>
-            <p:sp>
-              <p:nvSpPr>
-                <p:cNvPr id="9" name="Rectangle 8"/>
-                <p:cNvSpPr>
-                  <a:spLocks noRot="1" noChangeAspect="1" noMove="1" noResize="1" noEditPoints="1" noAdjustHandles="1" noChangeArrowheads="1" noChangeShapeType="1" noTextEdit="1"/>
-                </p:cNvSpPr>
-                <p:nvPr/>
-              </p:nvSpPr>
-              <p:spPr>
-                <a:xfrm>
-                  <a:off x="5751938" y="2225140"/>
-                  <a:ext cx="4443622" cy="898253"/>
-                </a:xfrm>
-                <a:prstGeom prst="rect">
-                  <a:avLst/>
-                </a:prstGeom>
-                <a:blipFill rotWithShape="0">
-                  <a:blip r:embed="rId3"/>
-                  <a:stretch>
-                    <a:fillRect/>
-                  </a:stretch>
-                </a:blipFill>
-                <a:ln>
-                  <a:solidFill>
-                    <a:schemeClr val="bg1"/>
-                  </a:solidFill>
-                </a:ln>
-              </p:spPr>
-              <p:txBody>
-                <a:bodyPr/>
-                <a:lstStyle/>
-                <a:p>
-                  <a:r>
-                    <a:rPr lang="en-US">
-                      <a:noFill/>
-                    </a:rPr>
-                    <a:t> </a:t>
-                  </a:r>
-                </a:p>
-              </p:txBody>
-            </p:sp>
-          </mc:Fallback>
-        </mc:AlternateContent>
-        <p:pic>
-          <p:nvPicPr>
-            <p:cNvPr id="10" name="Picture 9"/>
-            <p:cNvPicPr>
-              <a:picLocks noChangeAspect="1"/>
-            </p:cNvPicPr>
-            <p:nvPr/>
-          </p:nvPicPr>
-          <p:blipFill rotWithShape="1">
-            <a:blip r:embed="rId4">
-              <a:extLst>
-                <a:ext uri="{28A0092B-C50C-407E-A947-70E740481C1C}">
-                  <a14:useLocalDpi xmlns:a14="http://schemas.microsoft.com/office/drawing/2010/main" val="0"/>
-                </a:ext>
-              </a:extLst>
-            </a:blip>
-            <a:srcRect l="75601" t="9220" r="21538" b="88382"/>
-            <a:stretch/>
-          </p:blipFill>
-          <p:spPr>
-            <a:xfrm>
-              <a:off x="5396361" y="2351346"/>
-              <a:ext cx="416538" cy="177646"/>
-            </a:xfrm>
-            <a:prstGeom prst="rect">
-              <a:avLst/>
-            </a:prstGeom>
-          </p:spPr>
-        </p:pic>
-        <p:sp>
-          <p:nvSpPr>
-            <p:cNvPr id="26" name="Rectangle 25"/>
-            <p:cNvSpPr/>
-            <p:nvPr/>
-          </p:nvSpPr>
-          <p:spPr>
-            <a:xfrm>
-              <a:off x="5391703" y="1398195"/>
-              <a:ext cx="1643127" cy="437659"/>
-            </a:xfrm>
-            <a:prstGeom prst="rect">
-              <a:avLst/>
-            </a:prstGeom>
-            <a:solidFill>
-              <a:schemeClr val="bg1"/>
-            </a:solidFill>
-            <a:ln>
-              <a:solidFill>
-                <a:schemeClr val="bg1"/>
-              </a:solidFill>
-            </a:ln>
-          </p:spPr>
-          <p:style>
-            <a:lnRef idx="2">
-              <a:schemeClr val="accent1">
-                <a:shade val="50000"/>
-              </a:schemeClr>
-            </a:lnRef>
-            <a:fillRef idx="1">
-              <a:schemeClr val="accent1"/>
-            </a:fillRef>
-            <a:effectRef idx="0">
-              <a:schemeClr val="accent1"/>
-            </a:effectRef>
-            <a:fontRef idx="minor">
-              <a:schemeClr val="lt1"/>
-            </a:fontRef>
-          </p:style>
-          <p:txBody>
-            <a:bodyPr rtlCol="0" anchor="ctr"/>
-            <a:lstStyle/>
-            <a:p>
-              <a:endParaRPr lang="en-US" sz="1000" dirty="0">
-                <a:solidFill>
-                  <a:schemeClr val="tx1"/>
-                </a:solidFill>
-              </a:endParaRPr>
-            </a:p>
-          </p:txBody>
-        </p:sp>
-        <p:sp>
-          <p:nvSpPr>
-            <p:cNvPr id="32" name="Oval 31"/>
-            <p:cNvSpPr/>
-            <p:nvPr/>
-          </p:nvSpPr>
-          <p:spPr>
-            <a:xfrm>
-              <a:off x="2747788" y="1933654"/>
-              <a:ext cx="328566" cy="291486"/>
-            </a:xfrm>
-            <a:prstGeom prst="ellipse">
-              <a:avLst/>
-            </a:prstGeom>
-            <a:noFill/>
-            <a:ln w="38100">
-              <a:solidFill>
-                <a:schemeClr val="tx1"/>
-              </a:solidFill>
-            </a:ln>
-          </p:spPr>
-          <p:style>
-            <a:lnRef idx="2">
-              <a:schemeClr val="accent1">
-                <a:shade val="50000"/>
-              </a:schemeClr>
-            </a:lnRef>
-            <a:fillRef idx="1">
-              <a:schemeClr val="accent1"/>
-            </a:fillRef>
-            <a:effectRef idx="0">
-              <a:schemeClr val="accent1"/>
-            </a:effectRef>
-            <a:fontRef idx="minor">
-              <a:schemeClr val="lt1"/>
-            </a:fontRef>
-          </p:style>
-          <p:txBody>
-            <a:bodyPr rtlCol="0" anchor="ctr"/>
-            <a:lstStyle/>
-            <a:p>
-              <a:pPr algn="ctr"/>
-              <a:r>
-                <a:rPr lang="en-US" b="1" dirty="0" smtClean="0">
-                  <a:solidFill>
-                    <a:schemeClr val="tx1"/>
-                  </a:solidFill>
-                </a:rPr>
-                <a:t>B</a:t>
-              </a:r>
-              <a:endParaRPr lang="en-US" b="1" dirty="0">
-                <a:solidFill>
-                  <a:schemeClr val="tx1"/>
-                </a:solidFill>
-              </a:endParaRPr>
-            </a:p>
-          </p:txBody>
-        </p:sp>
-        <p:pic>
-          <p:nvPicPr>
-            <p:cNvPr id="35" name="Picture 34"/>
-            <p:cNvPicPr>
-              <a:picLocks noChangeAspect="1"/>
-            </p:cNvPicPr>
-            <p:nvPr/>
-          </p:nvPicPr>
-          <p:blipFill rotWithShape="1">
-            <a:blip r:embed="rId4">
-              <a:extLst>
-                <a:ext uri="{28A0092B-C50C-407E-A947-70E740481C1C}">
-                  <a14:useLocalDpi xmlns:a14="http://schemas.microsoft.com/office/drawing/2010/main" val="0"/>
-                </a:ext>
-              </a:extLst>
-            </a:blip>
-            <a:srcRect l="75601" t="9220" r="21538" b="88382"/>
-            <a:stretch/>
-          </p:blipFill>
-          <p:spPr>
-            <a:xfrm>
-              <a:off x="5394837" y="2579994"/>
-              <a:ext cx="416538" cy="75204"/>
-            </a:xfrm>
-            <a:prstGeom prst="rect">
-              <a:avLst/>
-            </a:prstGeom>
-          </p:spPr>
-        </p:pic>
-      </p:grpSp>
-    </p:spTree>
-    <p:extLst>
-      <p:ext uri="{BB962C8B-B14F-4D97-AF65-F5344CB8AC3E}">
-        <p14:creationId xmlns:p14="http://schemas.microsoft.com/office/powerpoint/2010/main" val="1030506470"/>
-      </p:ext>
-    </p:extLst>
-  </p:cSld>
-  <p:clrMapOvr>
-    <a:masterClrMapping/>
-  </p:clrMapOvr>
-</p:sld>
-</file>
-
 <file path=ppt/theme/theme1.xml><?xml version="1.0" encoding="utf-8"?>
 <a:theme xmlns:a="http://schemas.openxmlformats.org/drawingml/2006/main" name="Office Theme">
   <a:themeElements>

--- a/Help/Figures2.pptx
+++ b/Help/Figures2.pptx
@@ -116,12 +116,12 @@
   <p:extLst>
     <p:ext uri="{EFAFB233-063F-42B5-8137-9DF3F51BA10A}">
       <p15:sldGuideLst xmlns:p15="http://schemas.microsoft.com/office/powerpoint/2012/main">
-        <p15:guide id="1" orient="horz" pos="2160" userDrawn="1">
+        <p15:guide id="1" orient="horz" pos="1176" userDrawn="1">
           <p15:clr>
             <a:srgbClr val="A4A3A4"/>
           </p15:clr>
         </p15:guide>
-        <p15:guide id="2" pos="3840" userDrawn="1">
+        <p15:guide id="2" pos="2016" userDrawn="1">
           <p15:clr>
             <a:srgbClr val="A4A3A4"/>
           </p15:clr>
@@ -228,7 +228,7 @@
           <a:p>
             <a:fld id="{C07E4396-26A3-4143-A0A3-BBC18DD0CEAD}" type="datetimeFigureOut">
               <a:rPr lang="en-US" smtClean="0"/>
-              <a:t>2019-08-19</a:t>
+              <a:t>2020-01-20</a:t>
             </a:fld>
             <a:endParaRPr lang="en-US" dirty="0"/>
           </a:p>
@@ -792,7 +792,7 @@
           <a:p>
             <a:fld id="{2DC2A043-560F-4D2E-8D1E-02B02E053659}" type="datetimeFigureOut">
               <a:rPr lang="en-US" smtClean="0"/>
-              <a:t>2019-08-19</a:t>
+              <a:t>2020-01-20</a:t>
             </a:fld>
             <a:endParaRPr lang="en-US" dirty="0"/>
           </a:p>
@@ -960,7 +960,7 @@
           <a:p>
             <a:fld id="{2DC2A043-560F-4D2E-8D1E-02B02E053659}" type="datetimeFigureOut">
               <a:rPr lang="en-US" smtClean="0"/>
-              <a:t>2019-08-19</a:t>
+              <a:t>2020-01-20</a:t>
             </a:fld>
             <a:endParaRPr lang="en-US" dirty="0"/>
           </a:p>
@@ -1138,7 +1138,7 @@
           <a:p>
             <a:fld id="{2DC2A043-560F-4D2E-8D1E-02B02E053659}" type="datetimeFigureOut">
               <a:rPr lang="en-US" smtClean="0"/>
-              <a:t>2019-08-19</a:t>
+              <a:t>2020-01-20</a:t>
             </a:fld>
             <a:endParaRPr lang="en-US" dirty="0"/>
           </a:p>
@@ -1306,7 +1306,7 @@
           <a:p>
             <a:fld id="{2DC2A043-560F-4D2E-8D1E-02B02E053659}" type="datetimeFigureOut">
               <a:rPr lang="en-US" smtClean="0"/>
-              <a:t>2019-08-19</a:t>
+              <a:t>2020-01-20</a:t>
             </a:fld>
             <a:endParaRPr lang="en-US" dirty="0"/>
           </a:p>
@@ -1551,7 +1551,7 @@
           <a:p>
             <a:fld id="{2DC2A043-560F-4D2E-8D1E-02B02E053659}" type="datetimeFigureOut">
               <a:rPr lang="en-US" smtClean="0"/>
-              <a:t>2019-08-19</a:t>
+              <a:t>2020-01-20</a:t>
             </a:fld>
             <a:endParaRPr lang="en-US" dirty="0"/>
           </a:p>
@@ -1780,7 +1780,7 @@
           <a:p>
             <a:fld id="{2DC2A043-560F-4D2E-8D1E-02B02E053659}" type="datetimeFigureOut">
               <a:rPr lang="en-US" smtClean="0"/>
-              <a:t>2019-08-19</a:t>
+              <a:t>2020-01-20</a:t>
             </a:fld>
             <a:endParaRPr lang="en-US" dirty="0"/>
           </a:p>
@@ -2144,7 +2144,7 @@
           <a:p>
             <a:fld id="{2DC2A043-560F-4D2E-8D1E-02B02E053659}" type="datetimeFigureOut">
               <a:rPr lang="en-US" smtClean="0"/>
-              <a:t>2019-08-19</a:t>
+              <a:t>2020-01-20</a:t>
             </a:fld>
             <a:endParaRPr lang="en-US" dirty="0"/>
           </a:p>
@@ -2261,7 +2261,7 @@
           <a:p>
             <a:fld id="{2DC2A043-560F-4D2E-8D1E-02B02E053659}" type="datetimeFigureOut">
               <a:rPr lang="en-US" smtClean="0"/>
-              <a:t>2019-08-19</a:t>
+              <a:t>2020-01-20</a:t>
             </a:fld>
             <a:endParaRPr lang="en-US" dirty="0"/>
           </a:p>
@@ -2356,7 +2356,7 @@
           <a:p>
             <a:fld id="{2DC2A043-560F-4D2E-8D1E-02B02E053659}" type="datetimeFigureOut">
               <a:rPr lang="en-US" smtClean="0"/>
-              <a:t>2019-08-19</a:t>
+              <a:t>2020-01-20</a:t>
             </a:fld>
             <a:endParaRPr lang="en-US" dirty="0"/>
           </a:p>
@@ -2631,7 +2631,7 @@
           <a:p>
             <a:fld id="{2DC2A043-560F-4D2E-8D1E-02B02E053659}" type="datetimeFigureOut">
               <a:rPr lang="en-US" smtClean="0"/>
-              <a:t>2019-08-19</a:t>
+              <a:t>2020-01-20</a:t>
             </a:fld>
             <a:endParaRPr lang="en-US" dirty="0"/>
           </a:p>
@@ -2883,7 +2883,7 @@
           <a:p>
             <a:fld id="{2DC2A043-560F-4D2E-8D1E-02B02E053659}" type="datetimeFigureOut">
               <a:rPr lang="en-US" smtClean="0"/>
-              <a:t>2019-08-19</a:t>
+              <a:t>2020-01-20</a:t>
             </a:fld>
             <a:endParaRPr lang="en-US" dirty="0"/>
           </a:p>
@@ -3094,7 +3094,7 @@
           <a:p>
             <a:fld id="{2DC2A043-560F-4D2E-8D1E-02B02E053659}" type="datetimeFigureOut">
               <a:rPr lang="en-US" smtClean="0"/>
-              <a:t>2019-08-19</a:t>
+              <a:t>2020-01-20</a:t>
             </a:fld>
             <a:endParaRPr lang="en-US" dirty="0"/>
           </a:p>
@@ -3801,7 +3801,25 @@
                             </a:solidFill>
                             <a:latin typeface="Cambria Math" panose="02040503050406030204" pitchFamily="18" charset="0"/>
                           </a:rPr>
-                          <m:t>0.8</m:t>
+                          <m:t>0</m:t>
+                        </m:r>
+                        <m:r>
+                          <a:rPr lang="en-US" sz="1700" b="0" i="1" smtClean="0">
+                            <a:solidFill>
+                              <a:schemeClr val="bg1"/>
+                            </a:solidFill>
+                            <a:latin typeface="Cambria Math" panose="02040503050406030204" pitchFamily="18" charset="0"/>
+                          </a:rPr>
+                          <m:t>.</m:t>
+                        </m:r>
+                        <m:r>
+                          <a:rPr lang="en-US" sz="1700" b="0" i="1" smtClean="0">
+                            <a:solidFill>
+                              <a:schemeClr val="bg1"/>
+                            </a:solidFill>
+                            <a:latin typeface="Cambria Math" panose="02040503050406030204" pitchFamily="18" charset="0"/>
+                          </a:rPr>
+                          <m:t>8</m:t>
                         </m:r>
                       </m:oMath>
                     </m:oMathPara>
@@ -4090,7 +4108,16 @@
                             </a:solidFill>
                             <a:latin typeface="Cambria Math" panose="02040503050406030204" pitchFamily="18" charset="0"/>
                           </a:rPr>
-                          <m:t> 0</m:t>
+                          <m:t> </m:t>
+                        </m:r>
+                        <m:r>
+                          <a:rPr lang="en-US" sz="1700" b="0" i="1" smtClean="0">
+                            <a:solidFill>
+                              <a:schemeClr val="tx1"/>
+                            </a:solidFill>
+                            <a:latin typeface="Cambria Math" panose="02040503050406030204" pitchFamily="18" charset="0"/>
+                          </a:rPr>
+                          <m:t>0</m:t>
                         </m:r>
                         <m:r>
                           <a:rPr lang="en-US" sz="1700" b="0" i="0" smtClean="0">
@@ -4718,7 +4745,34 @@
                             </a:solidFill>
                             <a:latin typeface="Cambria Math" panose="02040503050406030204" pitchFamily="18" charset="0"/>
                           </a:rPr>
-                          <m:t> 0.1</m:t>
+                          <m:t> </m:t>
+                        </m:r>
+                        <m:r>
+                          <a:rPr lang="en-US" sz="1700" b="0" i="1" smtClean="0">
+                            <a:solidFill>
+                              <a:schemeClr val="tx1"/>
+                            </a:solidFill>
+                            <a:latin typeface="Cambria Math" panose="02040503050406030204" pitchFamily="18" charset="0"/>
+                          </a:rPr>
+                          <m:t>0</m:t>
+                        </m:r>
+                        <m:r>
+                          <a:rPr lang="en-US" sz="1700" b="0" i="1" smtClean="0">
+                            <a:solidFill>
+                              <a:schemeClr val="tx1"/>
+                            </a:solidFill>
+                            <a:latin typeface="Cambria Math" panose="02040503050406030204" pitchFamily="18" charset="0"/>
+                          </a:rPr>
+                          <m:t>.</m:t>
+                        </m:r>
+                        <m:r>
+                          <a:rPr lang="en-US" sz="1700" b="0" i="1" smtClean="0">
+                            <a:solidFill>
+                              <a:schemeClr val="tx1"/>
+                            </a:solidFill>
+                            <a:latin typeface="Cambria Math" panose="02040503050406030204" pitchFamily="18" charset="0"/>
+                          </a:rPr>
+                          <m:t>1</m:t>
                         </m:r>
                       </m:oMath>
                     </m:oMathPara>
@@ -4827,7 +4881,34 @@
                             </a:solidFill>
                             <a:latin typeface="Cambria Math" panose="02040503050406030204" pitchFamily="18" charset="0"/>
                           </a:rPr>
-                          <m:t> 0.05</m:t>
+                          <m:t> </m:t>
+                        </m:r>
+                        <m:r>
+                          <a:rPr lang="en-US" sz="1700" b="0" i="1" smtClean="0">
+                            <a:solidFill>
+                              <a:sysClr val="windowText" lastClr="000000"/>
+                            </a:solidFill>
+                            <a:latin typeface="Cambria Math" panose="02040503050406030204" pitchFamily="18" charset="0"/>
+                          </a:rPr>
+                          <m:t>0</m:t>
+                        </m:r>
+                        <m:r>
+                          <a:rPr lang="en-US" sz="1700" b="0" i="1" smtClean="0">
+                            <a:solidFill>
+                              <a:sysClr val="windowText" lastClr="000000"/>
+                            </a:solidFill>
+                            <a:latin typeface="Cambria Math" panose="02040503050406030204" pitchFamily="18" charset="0"/>
+                          </a:rPr>
+                          <m:t>.</m:t>
+                        </m:r>
+                        <m:r>
+                          <a:rPr lang="en-US" sz="1700" b="0" i="1" smtClean="0">
+                            <a:solidFill>
+                              <a:sysClr val="windowText" lastClr="000000"/>
+                            </a:solidFill>
+                            <a:latin typeface="Cambria Math" panose="02040503050406030204" pitchFamily="18" charset="0"/>
+                          </a:rPr>
+                          <m:t>05</m:t>
                         </m:r>
                       </m:oMath>
                     </m:oMathPara>
@@ -4934,7 +5015,34 @@
                             </a:solidFill>
                             <a:latin typeface="Cambria Math" panose="02040503050406030204" pitchFamily="18" charset="0"/>
                           </a:rPr>
-                          <m:t> 0.0</m:t>
+                          <m:t> </m:t>
+                        </m:r>
+                        <m:r>
+                          <a:rPr lang="en-US" sz="1700" b="0" i="1" smtClean="0">
+                            <a:solidFill>
+                              <a:schemeClr val="tx1"/>
+                            </a:solidFill>
+                            <a:latin typeface="Cambria Math" panose="02040503050406030204" pitchFamily="18" charset="0"/>
+                          </a:rPr>
+                          <m:t>0</m:t>
+                        </m:r>
+                        <m:r>
+                          <a:rPr lang="en-US" sz="1700" b="0" i="1" smtClean="0">
+                            <a:solidFill>
+                              <a:schemeClr val="tx1"/>
+                            </a:solidFill>
+                            <a:latin typeface="Cambria Math" panose="02040503050406030204" pitchFamily="18" charset="0"/>
+                          </a:rPr>
+                          <m:t>.</m:t>
+                        </m:r>
+                        <m:r>
+                          <a:rPr lang="en-US" sz="1700" b="0" i="1" smtClean="0">
+                            <a:solidFill>
+                              <a:schemeClr val="tx1"/>
+                            </a:solidFill>
+                            <a:latin typeface="Cambria Math" panose="02040503050406030204" pitchFamily="18" charset="0"/>
+                          </a:rPr>
+                          <m:t>0</m:t>
                         </m:r>
                       </m:oMath>
                     </m:oMathPara>
@@ -5043,7 +5151,34 @@
                             </a:solidFill>
                             <a:latin typeface="Cambria Math" panose="02040503050406030204" pitchFamily="18" charset="0"/>
                           </a:rPr>
-                          <m:t> 0.05</m:t>
+                          <m:t> </m:t>
+                        </m:r>
+                        <m:r>
+                          <a:rPr lang="en-US" sz="1700" b="0" i="1" smtClean="0">
+                            <a:solidFill>
+                              <a:sysClr val="windowText" lastClr="000000"/>
+                            </a:solidFill>
+                            <a:latin typeface="Cambria Math" panose="02040503050406030204" pitchFamily="18" charset="0"/>
+                          </a:rPr>
+                          <m:t>0</m:t>
+                        </m:r>
+                        <m:r>
+                          <a:rPr lang="en-US" sz="1700" b="0" i="1" smtClean="0">
+                            <a:solidFill>
+                              <a:sysClr val="windowText" lastClr="000000"/>
+                            </a:solidFill>
+                            <a:latin typeface="Cambria Math" panose="02040503050406030204" pitchFamily="18" charset="0"/>
+                          </a:rPr>
+                          <m:t>.</m:t>
+                        </m:r>
+                        <m:r>
+                          <a:rPr lang="en-US" sz="1700" b="0" i="1" smtClean="0">
+                            <a:solidFill>
+                              <a:sysClr val="windowText" lastClr="000000"/>
+                            </a:solidFill>
+                            <a:latin typeface="Cambria Math" panose="02040503050406030204" pitchFamily="18" charset="0"/>
+                          </a:rPr>
+                          <m:t>05</m:t>
                         </m:r>
                       </m:oMath>
                     </m:oMathPara>
@@ -5153,7 +5288,34 @@
                             </a:solidFill>
                             <a:latin typeface="Cambria Math" panose="02040503050406030204" pitchFamily="18" charset="0"/>
                           </a:rPr>
-                          <m:t> 0.8</m:t>
+                          <m:t> </m:t>
+                        </m:r>
+                        <m:r>
+                          <a:rPr lang="en-US" sz="1700" b="0" i="1" smtClean="0">
+                            <a:solidFill>
+                              <a:schemeClr val="bg1"/>
+                            </a:solidFill>
+                            <a:latin typeface="Cambria Math" panose="02040503050406030204" pitchFamily="18" charset="0"/>
+                          </a:rPr>
+                          <m:t>0</m:t>
+                        </m:r>
+                        <m:r>
+                          <a:rPr lang="en-US" sz="1700" b="0" i="1" smtClean="0">
+                            <a:solidFill>
+                              <a:schemeClr val="bg1"/>
+                            </a:solidFill>
+                            <a:latin typeface="Cambria Math" panose="02040503050406030204" pitchFamily="18" charset="0"/>
+                          </a:rPr>
+                          <m:t>.</m:t>
+                        </m:r>
+                        <m:r>
+                          <a:rPr lang="en-US" sz="1700" b="0" i="1" smtClean="0">
+                            <a:solidFill>
+                              <a:schemeClr val="bg1"/>
+                            </a:solidFill>
+                            <a:latin typeface="Cambria Math" panose="02040503050406030204" pitchFamily="18" charset="0"/>
+                          </a:rPr>
+                          <m:t>8</m:t>
                         </m:r>
                       </m:oMath>
                     </m:oMathPara>
@@ -7125,7 +7287,34 @@
                             </a:solidFill>
                             <a:latin typeface="Cambria Math" panose="02040503050406030204" pitchFamily="18" charset="0"/>
                           </a:rPr>
-                          <m:t> 0.0</m:t>
+                          <m:t> </m:t>
+                        </m:r>
+                        <m:r>
+                          <a:rPr lang="en-US" sz="1700" b="0" i="1" smtClean="0">
+                            <a:solidFill>
+                              <a:sysClr val="windowText" lastClr="000000"/>
+                            </a:solidFill>
+                            <a:latin typeface="Cambria Math" panose="02040503050406030204" pitchFamily="18" charset="0"/>
+                          </a:rPr>
+                          <m:t>0</m:t>
+                        </m:r>
+                        <m:r>
+                          <a:rPr lang="en-US" sz="1700" b="0" i="1" smtClean="0">
+                            <a:solidFill>
+                              <a:sysClr val="windowText" lastClr="000000"/>
+                            </a:solidFill>
+                            <a:latin typeface="Cambria Math" panose="02040503050406030204" pitchFamily="18" charset="0"/>
+                          </a:rPr>
+                          <m:t>.</m:t>
+                        </m:r>
+                        <m:r>
+                          <a:rPr lang="en-US" sz="1700" b="0" i="1" smtClean="0">
+                            <a:solidFill>
+                              <a:sysClr val="windowText" lastClr="000000"/>
+                            </a:solidFill>
+                            <a:latin typeface="Cambria Math" panose="02040503050406030204" pitchFamily="18" charset="0"/>
+                          </a:rPr>
+                          <m:t>0</m:t>
                         </m:r>
                       </m:oMath>
                     </m:oMathPara>
@@ -7234,7 +7423,34 @@
                             </a:solidFill>
                             <a:latin typeface="Cambria Math" panose="02040503050406030204" pitchFamily="18" charset="0"/>
                           </a:rPr>
-                          <m:t> 0.1</m:t>
+                          <m:t> </m:t>
+                        </m:r>
+                        <m:r>
+                          <a:rPr lang="en-US" sz="1700" b="0" i="1" smtClean="0">
+                            <a:solidFill>
+                              <a:schemeClr val="tx1"/>
+                            </a:solidFill>
+                            <a:latin typeface="Cambria Math" panose="02040503050406030204" pitchFamily="18" charset="0"/>
+                          </a:rPr>
+                          <m:t>0</m:t>
+                        </m:r>
+                        <m:r>
+                          <a:rPr lang="en-US" sz="1700" b="0" i="1" smtClean="0">
+                            <a:solidFill>
+                              <a:schemeClr val="tx1"/>
+                            </a:solidFill>
+                            <a:latin typeface="Cambria Math" panose="02040503050406030204" pitchFamily="18" charset="0"/>
+                          </a:rPr>
+                          <m:t>.</m:t>
+                        </m:r>
+                        <m:r>
+                          <a:rPr lang="en-US" sz="1700" b="0" i="1" smtClean="0">
+                            <a:solidFill>
+                              <a:schemeClr val="tx1"/>
+                            </a:solidFill>
+                            <a:latin typeface="Cambria Math" panose="02040503050406030204" pitchFamily="18" charset="0"/>
+                          </a:rPr>
+                          <m:t>1</m:t>
                         </m:r>
                       </m:oMath>
                     </m:oMathPara>
@@ -7341,7 +7557,34 @@
                             </a:solidFill>
                             <a:latin typeface="Cambria Math" panose="02040503050406030204" pitchFamily="18" charset="0"/>
                           </a:rPr>
-                          <m:t> 0.0</m:t>
+                          <m:t> </m:t>
+                        </m:r>
+                        <m:r>
+                          <a:rPr lang="en-US" sz="1700" b="0" i="1" smtClean="0">
+                            <a:solidFill>
+                              <a:sysClr val="windowText" lastClr="000000"/>
+                            </a:solidFill>
+                            <a:latin typeface="Cambria Math" panose="02040503050406030204" pitchFamily="18" charset="0"/>
+                          </a:rPr>
+                          <m:t>0</m:t>
+                        </m:r>
+                        <m:r>
+                          <a:rPr lang="en-US" sz="1700" b="0" i="1" smtClean="0">
+                            <a:solidFill>
+                              <a:sysClr val="windowText" lastClr="000000"/>
+                            </a:solidFill>
+                            <a:latin typeface="Cambria Math" panose="02040503050406030204" pitchFamily="18" charset="0"/>
+                          </a:rPr>
+                          <m:t>.</m:t>
+                        </m:r>
+                        <m:r>
+                          <a:rPr lang="en-US" sz="1700" b="0" i="1" smtClean="0">
+                            <a:solidFill>
+                              <a:sysClr val="windowText" lastClr="000000"/>
+                            </a:solidFill>
+                            <a:latin typeface="Cambria Math" panose="02040503050406030204" pitchFamily="18" charset="0"/>
+                          </a:rPr>
+                          <m:t>0</m:t>
                         </m:r>
                       </m:oMath>
                     </m:oMathPara>
@@ -13770,7 +14013,25 @@
                             </a:solidFill>
                             <a:latin typeface="Cambria Math" panose="02040503050406030204" pitchFamily="18" charset="0"/>
                           </a:rPr>
-                          <m:t>0.8</m:t>
+                          <m:t>0</m:t>
+                        </m:r>
+                        <m:r>
+                          <a:rPr lang="en-US" sz="1700" b="0" i="1" smtClean="0">
+                            <a:solidFill>
+                              <a:schemeClr val="bg1"/>
+                            </a:solidFill>
+                            <a:latin typeface="Cambria Math" panose="02040503050406030204" pitchFamily="18" charset="0"/>
+                          </a:rPr>
+                          <m:t>.</m:t>
+                        </m:r>
+                        <m:r>
+                          <a:rPr lang="en-US" sz="1700" b="0" i="1" smtClean="0">
+                            <a:solidFill>
+                              <a:schemeClr val="bg1"/>
+                            </a:solidFill>
+                            <a:latin typeface="Cambria Math" panose="02040503050406030204" pitchFamily="18" charset="0"/>
+                          </a:rPr>
+                          <m:t>8</m:t>
                         </m:r>
                       </m:oMath>
                     </m:oMathPara>
@@ -14029,7 +14290,16 @@
                             </a:solidFill>
                             <a:latin typeface="Cambria Math" panose="02040503050406030204" pitchFamily="18" charset="0"/>
                           </a:rPr>
-                          <m:t> 0</m:t>
+                          <m:t> </m:t>
+                        </m:r>
+                        <m:r>
+                          <a:rPr lang="en-US" sz="1700" b="0" i="1" smtClean="0">
+                            <a:solidFill>
+                              <a:schemeClr val="tx1"/>
+                            </a:solidFill>
+                            <a:latin typeface="Cambria Math" panose="02040503050406030204" pitchFamily="18" charset="0"/>
+                          </a:rPr>
+                          <m:t>0</m:t>
                         </m:r>
                         <m:r>
                           <a:rPr lang="en-US" sz="1700" b="0" i="0" smtClean="0">
@@ -14657,7 +14927,34 @@
                             </a:solidFill>
                             <a:latin typeface="Cambria Math" panose="02040503050406030204" pitchFamily="18" charset="0"/>
                           </a:rPr>
-                          <m:t> 0.1</m:t>
+                          <m:t> </m:t>
+                        </m:r>
+                        <m:r>
+                          <a:rPr lang="en-US" sz="1700" b="0" i="1" smtClean="0">
+                            <a:solidFill>
+                              <a:schemeClr val="tx1"/>
+                            </a:solidFill>
+                            <a:latin typeface="Cambria Math" panose="02040503050406030204" pitchFamily="18" charset="0"/>
+                          </a:rPr>
+                          <m:t>0</m:t>
+                        </m:r>
+                        <m:r>
+                          <a:rPr lang="en-US" sz="1700" b="0" i="1" smtClean="0">
+                            <a:solidFill>
+                              <a:schemeClr val="tx1"/>
+                            </a:solidFill>
+                            <a:latin typeface="Cambria Math" panose="02040503050406030204" pitchFamily="18" charset="0"/>
+                          </a:rPr>
+                          <m:t>.</m:t>
+                        </m:r>
+                        <m:r>
+                          <a:rPr lang="en-US" sz="1700" b="0" i="1" smtClean="0">
+                            <a:solidFill>
+                              <a:schemeClr val="tx1"/>
+                            </a:solidFill>
+                            <a:latin typeface="Cambria Math" panose="02040503050406030204" pitchFamily="18" charset="0"/>
+                          </a:rPr>
+                          <m:t>1</m:t>
                         </m:r>
                       </m:oMath>
                     </m:oMathPara>
@@ -14766,7 +15063,34 @@
                             </a:solidFill>
                             <a:latin typeface="Cambria Math" panose="02040503050406030204" pitchFamily="18" charset="0"/>
                           </a:rPr>
-                          <m:t> 0.05</m:t>
+                          <m:t> </m:t>
+                        </m:r>
+                        <m:r>
+                          <a:rPr lang="en-US" sz="1700" b="0" i="1" smtClean="0">
+                            <a:solidFill>
+                              <a:sysClr val="windowText" lastClr="000000"/>
+                            </a:solidFill>
+                            <a:latin typeface="Cambria Math" panose="02040503050406030204" pitchFamily="18" charset="0"/>
+                          </a:rPr>
+                          <m:t>0</m:t>
+                        </m:r>
+                        <m:r>
+                          <a:rPr lang="en-US" sz="1700" b="0" i="1" smtClean="0">
+                            <a:solidFill>
+                              <a:sysClr val="windowText" lastClr="000000"/>
+                            </a:solidFill>
+                            <a:latin typeface="Cambria Math" panose="02040503050406030204" pitchFamily="18" charset="0"/>
+                          </a:rPr>
+                          <m:t>.</m:t>
+                        </m:r>
+                        <m:r>
+                          <a:rPr lang="en-US" sz="1700" b="0" i="1" smtClean="0">
+                            <a:solidFill>
+                              <a:sysClr val="windowText" lastClr="000000"/>
+                            </a:solidFill>
+                            <a:latin typeface="Cambria Math" panose="02040503050406030204" pitchFamily="18" charset="0"/>
+                          </a:rPr>
+                          <m:t>05</m:t>
                         </m:r>
                       </m:oMath>
                     </m:oMathPara>
@@ -14873,7 +15197,34 @@
                             </a:solidFill>
                             <a:latin typeface="Cambria Math" panose="02040503050406030204" pitchFamily="18" charset="0"/>
                           </a:rPr>
-                          <m:t> 0.0</m:t>
+                          <m:t> </m:t>
+                        </m:r>
+                        <m:r>
+                          <a:rPr lang="en-US" sz="1700" b="0" i="1" smtClean="0">
+                            <a:solidFill>
+                              <a:schemeClr val="tx1"/>
+                            </a:solidFill>
+                            <a:latin typeface="Cambria Math" panose="02040503050406030204" pitchFamily="18" charset="0"/>
+                          </a:rPr>
+                          <m:t>0</m:t>
+                        </m:r>
+                        <m:r>
+                          <a:rPr lang="en-US" sz="1700" b="0" i="1" smtClean="0">
+                            <a:solidFill>
+                              <a:schemeClr val="tx1"/>
+                            </a:solidFill>
+                            <a:latin typeface="Cambria Math" panose="02040503050406030204" pitchFamily="18" charset="0"/>
+                          </a:rPr>
+                          <m:t>.</m:t>
+                        </m:r>
+                        <m:r>
+                          <a:rPr lang="en-US" sz="1700" b="0" i="1" smtClean="0">
+                            <a:solidFill>
+                              <a:schemeClr val="tx1"/>
+                            </a:solidFill>
+                            <a:latin typeface="Cambria Math" panose="02040503050406030204" pitchFamily="18" charset="0"/>
+                          </a:rPr>
+                          <m:t>0</m:t>
                         </m:r>
                       </m:oMath>
                     </m:oMathPara>
@@ -14982,7 +15333,34 @@
                             </a:solidFill>
                             <a:latin typeface="Cambria Math" panose="02040503050406030204" pitchFamily="18" charset="0"/>
                           </a:rPr>
-                          <m:t> 0.05</m:t>
+                          <m:t> </m:t>
+                        </m:r>
+                        <m:r>
+                          <a:rPr lang="en-US" sz="1700" b="0" i="1" smtClean="0">
+                            <a:solidFill>
+                              <a:sysClr val="windowText" lastClr="000000"/>
+                            </a:solidFill>
+                            <a:latin typeface="Cambria Math" panose="02040503050406030204" pitchFamily="18" charset="0"/>
+                          </a:rPr>
+                          <m:t>0</m:t>
+                        </m:r>
+                        <m:r>
+                          <a:rPr lang="en-US" sz="1700" b="0" i="1" smtClean="0">
+                            <a:solidFill>
+                              <a:sysClr val="windowText" lastClr="000000"/>
+                            </a:solidFill>
+                            <a:latin typeface="Cambria Math" panose="02040503050406030204" pitchFamily="18" charset="0"/>
+                          </a:rPr>
+                          <m:t>.</m:t>
+                        </m:r>
+                        <m:r>
+                          <a:rPr lang="en-US" sz="1700" b="0" i="1" smtClean="0">
+                            <a:solidFill>
+                              <a:sysClr val="windowText" lastClr="000000"/>
+                            </a:solidFill>
+                            <a:latin typeface="Cambria Math" panose="02040503050406030204" pitchFamily="18" charset="0"/>
+                          </a:rPr>
+                          <m:t>05</m:t>
                         </m:r>
                       </m:oMath>
                     </m:oMathPara>
@@ -15092,7 +15470,34 @@
                             </a:solidFill>
                             <a:latin typeface="Cambria Math" panose="02040503050406030204" pitchFamily="18" charset="0"/>
                           </a:rPr>
-                          <m:t> 0.8</m:t>
+                          <m:t> </m:t>
+                        </m:r>
+                        <m:r>
+                          <a:rPr lang="en-US" sz="1700" b="0" i="1" smtClean="0">
+                            <a:solidFill>
+                              <a:schemeClr val="bg1"/>
+                            </a:solidFill>
+                            <a:latin typeface="Cambria Math" panose="02040503050406030204" pitchFamily="18" charset="0"/>
+                          </a:rPr>
+                          <m:t>0</m:t>
+                        </m:r>
+                        <m:r>
+                          <a:rPr lang="en-US" sz="1700" b="0" i="1" smtClean="0">
+                            <a:solidFill>
+                              <a:schemeClr val="bg1"/>
+                            </a:solidFill>
+                            <a:latin typeface="Cambria Math" panose="02040503050406030204" pitchFamily="18" charset="0"/>
+                          </a:rPr>
+                          <m:t>.</m:t>
+                        </m:r>
+                        <m:r>
+                          <a:rPr lang="en-US" sz="1700" b="0" i="1" smtClean="0">
+                            <a:solidFill>
+                              <a:schemeClr val="bg1"/>
+                            </a:solidFill>
+                            <a:latin typeface="Cambria Math" panose="02040503050406030204" pitchFamily="18" charset="0"/>
+                          </a:rPr>
+                          <m:t>8</m:t>
                         </m:r>
                       </m:oMath>
                     </m:oMathPara>
@@ -15894,7 +16299,34 @@
                             </a:solidFill>
                             <a:latin typeface="Cambria Math" panose="02040503050406030204" pitchFamily="18" charset="0"/>
                           </a:rPr>
-                          <m:t> 0.0</m:t>
+                          <m:t> </m:t>
+                        </m:r>
+                        <m:r>
+                          <a:rPr lang="en-US" sz="1700" b="0" i="1" smtClean="0">
+                            <a:solidFill>
+                              <a:sysClr val="windowText" lastClr="000000"/>
+                            </a:solidFill>
+                            <a:latin typeface="Cambria Math" panose="02040503050406030204" pitchFamily="18" charset="0"/>
+                          </a:rPr>
+                          <m:t>0</m:t>
+                        </m:r>
+                        <m:r>
+                          <a:rPr lang="en-US" sz="1700" b="0" i="1" smtClean="0">
+                            <a:solidFill>
+                              <a:sysClr val="windowText" lastClr="000000"/>
+                            </a:solidFill>
+                            <a:latin typeface="Cambria Math" panose="02040503050406030204" pitchFamily="18" charset="0"/>
+                          </a:rPr>
+                          <m:t>.</m:t>
+                        </m:r>
+                        <m:r>
+                          <a:rPr lang="en-US" sz="1700" b="0" i="1" smtClean="0">
+                            <a:solidFill>
+                              <a:sysClr val="windowText" lastClr="000000"/>
+                            </a:solidFill>
+                            <a:latin typeface="Cambria Math" panose="02040503050406030204" pitchFamily="18" charset="0"/>
+                          </a:rPr>
+                          <m:t>0</m:t>
                         </m:r>
                       </m:oMath>
                     </m:oMathPara>
@@ -16003,7 +16435,34 @@
                             </a:solidFill>
                             <a:latin typeface="Cambria Math" panose="02040503050406030204" pitchFamily="18" charset="0"/>
                           </a:rPr>
-                          <m:t> 0.1</m:t>
+                          <m:t> </m:t>
+                        </m:r>
+                        <m:r>
+                          <a:rPr lang="en-US" sz="1700" b="0" i="1" smtClean="0">
+                            <a:solidFill>
+                              <a:schemeClr val="tx1"/>
+                            </a:solidFill>
+                            <a:latin typeface="Cambria Math" panose="02040503050406030204" pitchFamily="18" charset="0"/>
+                          </a:rPr>
+                          <m:t>0</m:t>
+                        </m:r>
+                        <m:r>
+                          <a:rPr lang="en-US" sz="1700" b="0" i="1" smtClean="0">
+                            <a:solidFill>
+                              <a:schemeClr val="tx1"/>
+                            </a:solidFill>
+                            <a:latin typeface="Cambria Math" panose="02040503050406030204" pitchFamily="18" charset="0"/>
+                          </a:rPr>
+                          <m:t>.</m:t>
+                        </m:r>
+                        <m:r>
+                          <a:rPr lang="en-US" sz="1700" b="0" i="1" smtClean="0">
+                            <a:solidFill>
+                              <a:schemeClr val="tx1"/>
+                            </a:solidFill>
+                            <a:latin typeface="Cambria Math" panose="02040503050406030204" pitchFamily="18" charset="0"/>
+                          </a:rPr>
+                          <m:t>1</m:t>
                         </m:r>
                       </m:oMath>
                     </m:oMathPara>
@@ -16110,7 +16569,34 @@
                             </a:solidFill>
                             <a:latin typeface="Cambria Math" panose="02040503050406030204" pitchFamily="18" charset="0"/>
                           </a:rPr>
-                          <m:t> 0.0</m:t>
+                          <m:t> </m:t>
+                        </m:r>
+                        <m:r>
+                          <a:rPr lang="en-US" sz="1700" b="0" i="1" smtClean="0">
+                            <a:solidFill>
+                              <a:sysClr val="windowText" lastClr="000000"/>
+                            </a:solidFill>
+                            <a:latin typeface="Cambria Math" panose="02040503050406030204" pitchFamily="18" charset="0"/>
+                          </a:rPr>
+                          <m:t>0</m:t>
+                        </m:r>
+                        <m:r>
+                          <a:rPr lang="en-US" sz="1700" b="0" i="1" smtClean="0">
+                            <a:solidFill>
+                              <a:sysClr val="windowText" lastClr="000000"/>
+                            </a:solidFill>
+                            <a:latin typeface="Cambria Math" panose="02040503050406030204" pitchFamily="18" charset="0"/>
+                          </a:rPr>
+                          <m:t>.</m:t>
+                        </m:r>
+                        <m:r>
+                          <a:rPr lang="en-US" sz="1700" b="0" i="1" smtClean="0">
+                            <a:solidFill>
+                              <a:sysClr val="windowText" lastClr="000000"/>
+                            </a:solidFill>
+                            <a:latin typeface="Cambria Math" panose="02040503050406030204" pitchFamily="18" charset="0"/>
+                          </a:rPr>
+                          <m:t>0</m:t>
                         </m:r>
                       </m:oMath>
                     </m:oMathPara>
@@ -38123,108 +38609,106 @@
           <a:chExt cx="0" cy="0"/>
         </a:xfrm>
       </p:grpSpPr>
-      <p:sp>
-        <p:nvSpPr>
-          <p:cNvPr id="3" name="Rectangle 2"/>
-          <p:cNvSpPr/>
+      <p:grpSp>
+        <p:nvGrpSpPr>
+          <p:cNvPr id="8" name="Group 7"/>
+          <p:cNvGrpSpPr/>
           <p:nvPr/>
-        </p:nvSpPr>
-        <p:spPr>
+        </p:nvGrpSpPr>
+        <p:grpSpPr>
           <a:xfrm>
-            <a:off x="8150345" y="712389"/>
-            <a:ext cx="457599" cy="453839"/>
+            <a:off x="-162572" y="3350323"/>
+            <a:ext cx="8067773" cy="2638921"/>
+            <a:chOff x="-153945" y="614421"/>
+            <a:chExt cx="8067773" cy="2638921"/>
           </a:xfrm>
-          <a:prstGeom prst="rect">
-            <a:avLst/>
-          </a:prstGeom>
-          <a:noFill/>
-        </p:spPr>
-        <p:style>
-          <a:lnRef idx="2">
-            <a:schemeClr val="accent1">
-              <a:shade val="50000"/>
-            </a:schemeClr>
-          </a:lnRef>
-          <a:fillRef idx="1">
-            <a:schemeClr val="accent1"/>
-          </a:fillRef>
-          <a:effectRef idx="0">
-            <a:schemeClr val="accent1"/>
-          </a:effectRef>
-          <a:fontRef idx="minor">
-            <a:schemeClr val="lt1"/>
-          </a:fontRef>
-        </p:style>
-        <p:txBody>
-          <a:bodyPr rtlCol="0" anchor="ctr"/>
-          <a:lstStyle/>
-          <a:p>
-            <a:pPr algn="ctr"/>
-            <a:endParaRPr lang="en-US" dirty="0"/>
-          </a:p>
-        </p:txBody>
-      </p:sp>
-      <p:sp>
-        <p:nvSpPr>
-          <p:cNvPr id="35" name="Rectangle 34"/>
-          <p:cNvSpPr/>
-          <p:nvPr/>
-        </p:nvSpPr>
-        <p:spPr>
-          <a:xfrm>
-            <a:off x="8607944" y="712389"/>
-            <a:ext cx="457599" cy="453839"/>
-          </a:xfrm>
-          <a:prstGeom prst="rect">
-            <a:avLst/>
-          </a:prstGeom>
-          <a:solidFill>
-            <a:schemeClr val="accent1"/>
-          </a:solidFill>
-        </p:spPr>
-        <p:style>
-          <a:lnRef idx="2">
-            <a:schemeClr val="accent1">
-              <a:shade val="50000"/>
-            </a:schemeClr>
-          </a:lnRef>
-          <a:fillRef idx="1">
-            <a:schemeClr val="accent1"/>
-          </a:fillRef>
-          <a:effectRef idx="0">
-            <a:schemeClr val="accent1"/>
-          </a:effectRef>
-          <a:fontRef idx="minor">
-            <a:schemeClr val="lt1"/>
-          </a:fontRef>
-        </p:style>
-        <p:txBody>
-          <a:bodyPr rtlCol="0" anchor="ctr"/>
-          <a:lstStyle/>
-          <a:p>
-            <a:pPr algn="ctr"/>
-            <a:endParaRPr lang="en-US" dirty="0"/>
-          </a:p>
-        </p:txBody>
-      </p:sp>
-      <mc:AlternateContent xmlns:mc="http://schemas.openxmlformats.org/markup-compatibility/2006" xmlns:a14="http://schemas.microsoft.com/office/drawing/2010/main">
-        <mc:Choice Requires="a14">
+        </p:grpSpPr>
+        <p:sp>
+          <p:nvSpPr>
+            <p:cNvPr id="535" name="Rectangle 534"/>
+            <p:cNvSpPr/>
+            <p:nvPr/>
+          </p:nvSpPr>
+          <p:spPr>
+            <a:xfrm>
+              <a:off x="-153945" y="614421"/>
+              <a:ext cx="4321656" cy="453839"/>
+            </a:xfrm>
+            <a:prstGeom prst="rect">
+              <a:avLst/>
+            </a:prstGeom>
+            <a:noFill/>
+            <a:ln>
+              <a:noFill/>
+            </a:ln>
+          </p:spPr>
+          <p:style>
+            <a:lnRef idx="2">
+              <a:schemeClr val="accent1">
+                <a:shade val="50000"/>
+              </a:schemeClr>
+            </a:lnRef>
+            <a:fillRef idx="1">
+              <a:schemeClr val="accent1"/>
+            </a:fillRef>
+            <a:effectRef idx="0">
+              <a:schemeClr val="accent1"/>
+            </a:effectRef>
+            <a:fontRef idx="minor">
+              <a:schemeClr val="lt1"/>
+            </a:fontRef>
+          </p:style>
+          <p:txBody>
+            <a:bodyPr rtlCol="0" anchor="ctr"/>
+            <a:lstStyle/>
+            <a:p>
+              <a:pPr algn="ctr"/>
+              <a:r>
+                <a:rPr lang="en-US" dirty="0">
+                  <a:solidFill>
+                    <a:schemeClr val="tx1"/>
+                  </a:solidFill>
+                  <a:latin typeface="Cambria Math" panose="02040503050406030204" pitchFamily="18" charset="0"/>
+                  <a:ea typeface="Cambria Math" panose="02040503050406030204" pitchFamily="18" charset="0"/>
+                </a:rPr>
+                <a:t>Forward Algorithm</a:t>
+              </a:r>
+            </a:p>
+          </p:txBody>
+        </p:sp>
+        <p:grpSp>
+          <p:nvGrpSpPr>
+            <p:cNvPr id="7" name="Group 6"/>
+            <p:cNvGrpSpPr/>
+            <p:nvPr/>
+          </p:nvGrpSpPr>
+          <p:grpSpPr>
+            <a:xfrm>
+              <a:off x="1135994" y="984147"/>
+              <a:ext cx="6777834" cy="2269195"/>
+              <a:chOff x="1135994" y="984147"/>
+              <a:chExt cx="6777834" cy="2269195"/>
+            </a:xfrm>
+          </p:grpSpPr>
           <p:sp>
             <p:nvSpPr>
-              <p:cNvPr id="36" name="Rectangle 35"/>
+              <p:cNvPr id="652" name="Rectangle 651"/>
               <p:cNvSpPr/>
               <p:nvPr/>
             </p:nvSpPr>
             <p:spPr>
               <a:xfrm>
-                <a:off x="8150345" y="1166228"/>
+                <a:off x="1592951" y="1437986"/>
                 <a:ext cx="457599" cy="453839"/>
               </a:xfrm>
               <a:prstGeom prst="rect">
                 <a:avLst/>
               </a:prstGeom>
               <a:solidFill>
-                <a:schemeClr val="accent6"/>
+                <a:schemeClr val="accent1">
+                  <a:lumMod val="20000"/>
+                  <a:lumOff val="80000"/>
+                </a:schemeClr>
               </a:solidFill>
             </p:spPr>
             <p:style>
@@ -38248,3570 +38732,29 @@
               <a:lstStyle/>
               <a:p>
                 <a:pPr algn="ctr"/>
-                <a14:m>
-                  <m:oMathPara xmlns:m="http://schemas.openxmlformats.org/officeDocument/2006/math">
-                    <m:oMathParaPr>
-                      <m:jc m:val="centerGroup"/>
-                    </m:oMathParaPr>
-                    <m:oMath xmlns:m="http://schemas.openxmlformats.org/officeDocument/2006/math">
-                      <m:r>
-                        <a:rPr lang="en-US" i="1" smtClean="0">
-                          <a:latin typeface="Cambria Math" panose="02040503050406030204" pitchFamily="18" charset="0"/>
-                        </a:rPr>
-                        <m:t> </m:t>
-                      </m:r>
-                      <m:sSub>
-                        <m:sSubPr>
-                          <m:ctrlPr>
-                            <a:rPr lang="en-US" i="1">
-                              <a:latin typeface="Cambria Math" panose="02040503050406030204" pitchFamily="18" charset="0"/>
-                            </a:rPr>
-                          </m:ctrlPr>
-                        </m:sSubPr>
-                        <m:e>
-                          <m:r>
-                            <a:rPr lang="en-US" b="0" i="1" smtClean="0">
-                              <a:latin typeface="Cambria Math" panose="02040503050406030204" pitchFamily="18" charset="0"/>
-                            </a:rPr>
-                            <m:t>𝛽</m:t>
-                          </m:r>
-                        </m:e>
-                        <m:sub>
-                          <m:r>
-                            <a:rPr lang="en-US" i="1">
-                              <a:latin typeface="Cambria Math" panose="02040503050406030204" pitchFamily="18" charset="0"/>
-                            </a:rPr>
-                            <m:t>𝑗</m:t>
-                          </m:r>
-                          <m:r>
-                            <a:rPr lang="en-US" i="1">
-                              <a:latin typeface="Cambria Math" panose="02040503050406030204" pitchFamily="18" charset="0"/>
-                            </a:rPr>
-                            <m:t>,</m:t>
-                          </m:r>
-                          <m:r>
-                            <a:rPr lang="en-US" i="1">
-                              <a:latin typeface="Cambria Math" panose="02040503050406030204" pitchFamily="18" charset="0"/>
-                            </a:rPr>
-                            <m:t>𝑡</m:t>
-                          </m:r>
-                        </m:sub>
-                      </m:sSub>
-                    </m:oMath>
-                  </m:oMathPara>
-                </a14:m>
                 <a:endParaRPr lang="en-US" dirty="0"/>
               </a:p>
             </p:txBody>
           </p:sp>
-        </mc:Choice>
-        <mc:Fallback xmlns="">
           <p:sp>
             <p:nvSpPr>
-              <p:cNvPr id="36" name="Rectangle 35"/>
-              <p:cNvSpPr>
-                <a:spLocks noRot="1" noChangeAspect="1" noMove="1" noResize="1" noEditPoints="1" noAdjustHandles="1" noChangeArrowheads="1" noChangeShapeType="1" noTextEdit="1"/>
-              </p:cNvSpPr>
-              <p:nvPr/>
-            </p:nvSpPr>
-            <p:spPr>
-              <a:xfrm>
-                <a:off x="8150345" y="1166228"/>
-                <a:ext cx="457599" cy="453839"/>
-              </a:xfrm>
-              <a:prstGeom prst="rect">
-                <a:avLst/>
-              </a:prstGeom>
-              <a:blipFill rotWithShape="0">
-                <a:blip r:embed="rId11"/>
-                <a:stretch>
-                  <a:fillRect l="-7792"/>
-                </a:stretch>
-              </a:blipFill>
-            </p:spPr>
-            <p:txBody>
-              <a:bodyPr/>
-              <a:lstStyle/>
-              <a:p>
-                <a:r>
-                  <a:rPr lang="en-US">
-                    <a:noFill/>
-                  </a:rPr>
-                  <a:t> </a:t>
-                </a:r>
-              </a:p>
-            </p:txBody>
-          </p:sp>
-        </mc:Fallback>
-      </mc:AlternateContent>
-      <p:sp>
-        <p:nvSpPr>
-          <p:cNvPr id="37" name="Rectangle 36"/>
-          <p:cNvSpPr/>
-          <p:nvPr/>
-        </p:nvSpPr>
-        <p:spPr>
-          <a:xfrm>
-            <a:off x="8607944" y="1166228"/>
-            <a:ext cx="457599" cy="453839"/>
-          </a:xfrm>
-          <a:prstGeom prst="rect">
-            <a:avLst/>
-          </a:prstGeom>
-          <a:solidFill>
-            <a:schemeClr val="accent1"/>
-          </a:solidFill>
-        </p:spPr>
-        <p:style>
-          <a:lnRef idx="2">
-            <a:schemeClr val="accent1">
-              <a:shade val="50000"/>
-            </a:schemeClr>
-          </a:lnRef>
-          <a:fillRef idx="1">
-            <a:schemeClr val="accent1"/>
-          </a:fillRef>
-          <a:effectRef idx="0">
-            <a:schemeClr val="accent1"/>
-          </a:effectRef>
-          <a:fontRef idx="minor">
-            <a:schemeClr val="lt1"/>
-          </a:fontRef>
-        </p:style>
-        <p:txBody>
-          <a:bodyPr rtlCol="0" anchor="ctr"/>
-          <a:lstStyle/>
-          <a:p>
-            <a:pPr algn="ctr"/>
-            <a:endParaRPr lang="en-US" dirty="0"/>
-          </a:p>
-        </p:txBody>
-      </p:sp>
-      <p:sp>
-        <p:nvSpPr>
-          <p:cNvPr id="39" name="Rectangle 38"/>
-          <p:cNvSpPr/>
-          <p:nvPr/>
-        </p:nvSpPr>
-        <p:spPr>
-          <a:xfrm>
-            <a:off x="9065543" y="712389"/>
-            <a:ext cx="457599" cy="453839"/>
-          </a:xfrm>
-          <a:prstGeom prst="rect">
-            <a:avLst/>
-          </a:prstGeom>
-          <a:solidFill>
-            <a:schemeClr val="accent1">
-              <a:lumMod val="20000"/>
-              <a:lumOff val="80000"/>
-            </a:schemeClr>
-          </a:solidFill>
-        </p:spPr>
-        <p:style>
-          <a:lnRef idx="2">
-            <a:schemeClr val="accent1">
-              <a:shade val="50000"/>
-            </a:schemeClr>
-          </a:lnRef>
-          <a:fillRef idx="1">
-            <a:schemeClr val="accent1"/>
-          </a:fillRef>
-          <a:effectRef idx="0">
-            <a:schemeClr val="accent1"/>
-          </a:effectRef>
-          <a:fontRef idx="minor">
-            <a:schemeClr val="lt1"/>
-          </a:fontRef>
-        </p:style>
-        <p:txBody>
-          <a:bodyPr rtlCol="0" anchor="ctr"/>
-          <a:lstStyle/>
-          <a:p>
-            <a:pPr algn="ctr"/>
-            <a:endParaRPr lang="en-US" dirty="0"/>
-          </a:p>
-        </p:txBody>
-      </p:sp>
-      <p:sp>
-        <p:nvSpPr>
-          <p:cNvPr id="40" name="Rectangle 39"/>
-          <p:cNvSpPr/>
-          <p:nvPr/>
-        </p:nvSpPr>
-        <p:spPr>
-          <a:xfrm>
-            <a:off x="9523142" y="712389"/>
-            <a:ext cx="457599" cy="453839"/>
-          </a:xfrm>
-          <a:prstGeom prst="rect">
-            <a:avLst/>
-          </a:prstGeom>
-          <a:solidFill>
-            <a:schemeClr val="accent1">
-              <a:lumMod val="20000"/>
-              <a:lumOff val="80000"/>
-            </a:schemeClr>
-          </a:solidFill>
-        </p:spPr>
-        <p:style>
-          <a:lnRef idx="2">
-            <a:schemeClr val="accent1">
-              <a:shade val="50000"/>
-            </a:schemeClr>
-          </a:lnRef>
-          <a:fillRef idx="1">
-            <a:schemeClr val="accent1"/>
-          </a:fillRef>
-          <a:effectRef idx="0">
-            <a:schemeClr val="accent1"/>
-          </a:effectRef>
-          <a:fontRef idx="minor">
-            <a:schemeClr val="lt1"/>
-          </a:fontRef>
-        </p:style>
-        <p:txBody>
-          <a:bodyPr rtlCol="0" anchor="ctr"/>
-          <a:lstStyle/>
-          <a:p>
-            <a:pPr algn="ctr"/>
-            <a:endParaRPr lang="en-US" dirty="0"/>
-          </a:p>
-        </p:txBody>
-      </p:sp>
-      <p:sp>
-        <p:nvSpPr>
-          <p:cNvPr id="41" name="Rectangle 40"/>
-          <p:cNvSpPr/>
-          <p:nvPr/>
-        </p:nvSpPr>
-        <p:spPr>
-          <a:xfrm>
-            <a:off x="9065543" y="1166228"/>
-            <a:ext cx="457599" cy="453839"/>
-          </a:xfrm>
-          <a:prstGeom prst="rect">
-            <a:avLst/>
-          </a:prstGeom>
-          <a:solidFill>
-            <a:schemeClr val="accent1">
-              <a:lumMod val="20000"/>
-              <a:lumOff val="80000"/>
-            </a:schemeClr>
-          </a:solidFill>
-        </p:spPr>
-        <p:style>
-          <a:lnRef idx="2">
-            <a:schemeClr val="accent1">
-              <a:shade val="50000"/>
-            </a:schemeClr>
-          </a:lnRef>
-          <a:fillRef idx="1">
-            <a:schemeClr val="accent1"/>
-          </a:fillRef>
-          <a:effectRef idx="0">
-            <a:schemeClr val="accent1"/>
-          </a:effectRef>
-          <a:fontRef idx="minor">
-            <a:schemeClr val="lt1"/>
-          </a:fontRef>
-        </p:style>
-        <p:txBody>
-          <a:bodyPr rtlCol="0" anchor="ctr"/>
-          <a:lstStyle/>
-          <a:p>
-            <a:pPr algn="ctr"/>
-            <a:endParaRPr lang="en-US" dirty="0"/>
-          </a:p>
-        </p:txBody>
-      </p:sp>
-      <p:sp>
-        <p:nvSpPr>
-          <p:cNvPr id="42" name="Rectangle 41"/>
-          <p:cNvSpPr/>
-          <p:nvPr/>
-        </p:nvSpPr>
-        <p:spPr>
-          <a:xfrm>
-            <a:off x="9523142" y="1166228"/>
-            <a:ext cx="457599" cy="453839"/>
-          </a:xfrm>
-          <a:prstGeom prst="rect">
-            <a:avLst/>
-          </a:prstGeom>
-          <a:solidFill>
-            <a:schemeClr val="accent1">
-              <a:lumMod val="20000"/>
-              <a:lumOff val="80000"/>
-            </a:schemeClr>
-          </a:solidFill>
-        </p:spPr>
-        <p:style>
-          <a:lnRef idx="2">
-            <a:schemeClr val="accent1">
-              <a:shade val="50000"/>
-            </a:schemeClr>
-          </a:lnRef>
-          <a:fillRef idx="1">
-            <a:schemeClr val="accent1"/>
-          </a:fillRef>
-          <a:effectRef idx="0">
-            <a:schemeClr val="accent1"/>
-          </a:effectRef>
-          <a:fontRef idx="minor">
-            <a:schemeClr val="lt1"/>
-          </a:fontRef>
-        </p:style>
-        <p:txBody>
-          <a:bodyPr rtlCol="0" anchor="ctr"/>
-          <a:lstStyle/>
-          <a:p>
-            <a:pPr algn="ctr"/>
-            <a:endParaRPr lang="en-US" dirty="0"/>
-          </a:p>
-        </p:txBody>
-      </p:sp>
-      <p:sp>
-        <p:nvSpPr>
-          <p:cNvPr id="43" name="Rectangle 42"/>
-          <p:cNvSpPr/>
-          <p:nvPr/>
-        </p:nvSpPr>
-        <p:spPr>
-          <a:xfrm>
-            <a:off x="8150345" y="1620067"/>
-            <a:ext cx="457599" cy="453839"/>
-          </a:xfrm>
-          <a:prstGeom prst="rect">
-            <a:avLst/>
-          </a:prstGeom>
-          <a:noFill/>
-        </p:spPr>
-        <p:style>
-          <a:lnRef idx="2">
-            <a:schemeClr val="accent1">
-              <a:shade val="50000"/>
-            </a:schemeClr>
-          </a:lnRef>
-          <a:fillRef idx="1">
-            <a:schemeClr val="accent1"/>
-          </a:fillRef>
-          <a:effectRef idx="0">
-            <a:schemeClr val="accent1"/>
-          </a:effectRef>
-          <a:fontRef idx="minor">
-            <a:schemeClr val="lt1"/>
-          </a:fontRef>
-        </p:style>
-        <p:txBody>
-          <a:bodyPr rtlCol="0" anchor="ctr"/>
-          <a:lstStyle/>
-          <a:p>
-            <a:pPr algn="ctr"/>
-            <a:endParaRPr lang="en-US" dirty="0"/>
-          </a:p>
-        </p:txBody>
-      </p:sp>
-      <p:sp>
-        <p:nvSpPr>
-          <p:cNvPr id="44" name="Rectangle 43"/>
-          <p:cNvSpPr/>
-          <p:nvPr/>
-        </p:nvSpPr>
-        <p:spPr>
-          <a:xfrm>
-            <a:off x="8607944" y="1620067"/>
-            <a:ext cx="457599" cy="453839"/>
-          </a:xfrm>
-          <a:prstGeom prst="rect">
-            <a:avLst/>
-          </a:prstGeom>
-          <a:solidFill>
-            <a:schemeClr val="accent1"/>
-          </a:solidFill>
-        </p:spPr>
-        <p:style>
-          <a:lnRef idx="2">
-            <a:schemeClr val="accent1">
-              <a:shade val="50000"/>
-            </a:schemeClr>
-          </a:lnRef>
-          <a:fillRef idx="1">
-            <a:schemeClr val="accent1"/>
-          </a:fillRef>
-          <a:effectRef idx="0">
-            <a:schemeClr val="accent1"/>
-          </a:effectRef>
-          <a:fontRef idx="minor">
-            <a:schemeClr val="lt1"/>
-          </a:fontRef>
-        </p:style>
-        <p:txBody>
-          <a:bodyPr rtlCol="0" anchor="ctr"/>
-          <a:lstStyle/>
-          <a:p>
-            <a:pPr algn="ctr"/>
-            <a:endParaRPr lang="en-US" dirty="0"/>
-          </a:p>
-        </p:txBody>
-      </p:sp>
-      <p:sp>
-        <p:nvSpPr>
-          <p:cNvPr id="45" name="Rectangle 44"/>
-          <p:cNvSpPr/>
-          <p:nvPr/>
-        </p:nvSpPr>
-        <p:spPr>
-          <a:xfrm>
-            <a:off x="8150345" y="2073906"/>
-            <a:ext cx="457599" cy="453839"/>
-          </a:xfrm>
-          <a:prstGeom prst="rect">
-            <a:avLst/>
-          </a:prstGeom>
-          <a:noFill/>
-        </p:spPr>
-        <p:style>
-          <a:lnRef idx="2">
-            <a:schemeClr val="accent1">
-              <a:shade val="50000"/>
-            </a:schemeClr>
-          </a:lnRef>
-          <a:fillRef idx="1">
-            <a:schemeClr val="accent1"/>
-          </a:fillRef>
-          <a:effectRef idx="0">
-            <a:schemeClr val="accent1"/>
-          </a:effectRef>
-          <a:fontRef idx="minor">
-            <a:schemeClr val="lt1"/>
-          </a:fontRef>
-        </p:style>
-        <p:txBody>
-          <a:bodyPr rtlCol="0" anchor="ctr"/>
-          <a:lstStyle/>
-          <a:p>
-            <a:pPr algn="ctr"/>
-            <a:endParaRPr lang="en-US" dirty="0"/>
-          </a:p>
-        </p:txBody>
-      </p:sp>
-      <p:sp>
-        <p:nvSpPr>
-          <p:cNvPr id="46" name="Rectangle 45"/>
-          <p:cNvSpPr/>
-          <p:nvPr/>
-        </p:nvSpPr>
-        <p:spPr>
-          <a:xfrm>
-            <a:off x="8607944" y="2073906"/>
-            <a:ext cx="457599" cy="453839"/>
-          </a:xfrm>
-          <a:prstGeom prst="rect">
-            <a:avLst/>
-          </a:prstGeom>
-          <a:solidFill>
-            <a:schemeClr val="accent1"/>
-          </a:solidFill>
-        </p:spPr>
-        <p:style>
-          <a:lnRef idx="2">
-            <a:schemeClr val="accent1">
-              <a:shade val="50000"/>
-            </a:schemeClr>
-          </a:lnRef>
-          <a:fillRef idx="1">
-            <a:schemeClr val="accent1"/>
-          </a:fillRef>
-          <a:effectRef idx="0">
-            <a:schemeClr val="accent1"/>
-          </a:effectRef>
-          <a:fontRef idx="minor">
-            <a:schemeClr val="lt1"/>
-          </a:fontRef>
-        </p:style>
-        <p:txBody>
-          <a:bodyPr rtlCol="0" anchor="ctr"/>
-          <a:lstStyle/>
-          <a:p>
-            <a:pPr algn="ctr"/>
-            <a:endParaRPr lang="en-US" dirty="0"/>
-          </a:p>
-        </p:txBody>
-      </p:sp>
-      <p:sp>
-        <p:nvSpPr>
-          <p:cNvPr id="48" name="Rectangle 47"/>
-          <p:cNvSpPr/>
-          <p:nvPr/>
-        </p:nvSpPr>
-        <p:spPr>
-          <a:xfrm>
-            <a:off x="9065543" y="1620067"/>
-            <a:ext cx="457599" cy="453839"/>
-          </a:xfrm>
-          <a:prstGeom prst="rect">
-            <a:avLst/>
-          </a:prstGeom>
-          <a:solidFill>
-            <a:schemeClr val="accent1">
-              <a:lumMod val="20000"/>
-              <a:lumOff val="80000"/>
-            </a:schemeClr>
-          </a:solidFill>
-        </p:spPr>
-        <p:style>
-          <a:lnRef idx="2">
-            <a:schemeClr val="accent1">
-              <a:shade val="50000"/>
-            </a:schemeClr>
-          </a:lnRef>
-          <a:fillRef idx="1">
-            <a:schemeClr val="accent1"/>
-          </a:fillRef>
-          <a:effectRef idx="0">
-            <a:schemeClr val="accent1"/>
-          </a:effectRef>
-          <a:fontRef idx="minor">
-            <a:schemeClr val="lt1"/>
-          </a:fontRef>
-        </p:style>
-        <p:txBody>
-          <a:bodyPr rtlCol="0" anchor="ctr"/>
-          <a:lstStyle/>
-          <a:p>
-            <a:pPr algn="ctr"/>
-            <a:endParaRPr lang="en-US" dirty="0"/>
-          </a:p>
-        </p:txBody>
-      </p:sp>
-      <p:sp>
-        <p:nvSpPr>
-          <p:cNvPr id="49" name="Rectangle 48"/>
-          <p:cNvSpPr/>
-          <p:nvPr/>
-        </p:nvSpPr>
-        <p:spPr>
-          <a:xfrm>
-            <a:off x="9523142" y="1620067"/>
-            <a:ext cx="457599" cy="453839"/>
-          </a:xfrm>
-          <a:prstGeom prst="rect">
-            <a:avLst/>
-          </a:prstGeom>
-          <a:solidFill>
-            <a:schemeClr val="accent1">
-              <a:lumMod val="20000"/>
-              <a:lumOff val="80000"/>
-            </a:schemeClr>
-          </a:solidFill>
-        </p:spPr>
-        <p:style>
-          <a:lnRef idx="2">
-            <a:schemeClr val="accent1">
-              <a:shade val="50000"/>
-            </a:schemeClr>
-          </a:lnRef>
-          <a:fillRef idx="1">
-            <a:schemeClr val="accent1"/>
-          </a:fillRef>
-          <a:effectRef idx="0">
-            <a:schemeClr val="accent1"/>
-          </a:effectRef>
-          <a:fontRef idx="minor">
-            <a:schemeClr val="lt1"/>
-          </a:fontRef>
-        </p:style>
-        <p:txBody>
-          <a:bodyPr rtlCol="0" anchor="ctr"/>
-          <a:lstStyle/>
-          <a:p>
-            <a:pPr algn="ctr"/>
-            <a:endParaRPr lang="en-US" dirty="0"/>
-          </a:p>
-        </p:txBody>
-      </p:sp>
-      <p:sp>
-        <p:nvSpPr>
-          <p:cNvPr id="50" name="Rectangle 49"/>
-          <p:cNvSpPr/>
-          <p:nvPr/>
-        </p:nvSpPr>
-        <p:spPr>
-          <a:xfrm>
-            <a:off x="9065543" y="2073906"/>
-            <a:ext cx="457599" cy="453839"/>
-          </a:xfrm>
-          <a:prstGeom prst="rect">
-            <a:avLst/>
-          </a:prstGeom>
-          <a:solidFill>
-            <a:schemeClr val="accent1">
-              <a:lumMod val="20000"/>
-              <a:lumOff val="80000"/>
-            </a:schemeClr>
-          </a:solidFill>
-        </p:spPr>
-        <p:style>
-          <a:lnRef idx="2">
-            <a:schemeClr val="accent1">
-              <a:shade val="50000"/>
-            </a:schemeClr>
-          </a:lnRef>
-          <a:fillRef idx="1">
-            <a:schemeClr val="accent1"/>
-          </a:fillRef>
-          <a:effectRef idx="0">
-            <a:schemeClr val="accent1"/>
-          </a:effectRef>
-          <a:fontRef idx="minor">
-            <a:schemeClr val="lt1"/>
-          </a:fontRef>
-        </p:style>
-        <p:txBody>
-          <a:bodyPr rtlCol="0" anchor="ctr"/>
-          <a:lstStyle/>
-          <a:p>
-            <a:pPr algn="ctr"/>
-            <a:endParaRPr lang="en-US" dirty="0"/>
-          </a:p>
-        </p:txBody>
-      </p:sp>
-      <p:sp>
-        <p:nvSpPr>
-          <p:cNvPr id="51" name="Rectangle 50"/>
-          <p:cNvSpPr/>
-          <p:nvPr/>
-        </p:nvSpPr>
-        <p:spPr>
-          <a:xfrm>
-            <a:off x="9523142" y="2073906"/>
-            <a:ext cx="457599" cy="453839"/>
-          </a:xfrm>
-          <a:prstGeom prst="rect">
-            <a:avLst/>
-          </a:prstGeom>
-          <a:solidFill>
-            <a:schemeClr val="accent1">
-              <a:lumMod val="20000"/>
-              <a:lumOff val="80000"/>
-            </a:schemeClr>
-          </a:solidFill>
-        </p:spPr>
-        <p:style>
-          <a:lnRef idx="2">
-            <a:schemeClr val="accent1">
-              <a:shade val="50000"/>
-            </a:schemeClr>
-          </a:lnRef>
-          <a:fillRef idx="1">
-            <a:schemeClr val="accent1"/>
-          </a:fillRef>
-          <a:effectRef idx="0">
-            <a:schemeClr val="accent1"/>
-          </a:effectRef>
-          <a:fontRef idx="minor">
-            <a:schemeClr val="lt1"/>
-          </a:fontRef>
-        </p:style>
-        <p:txBody>
-          <a:bodyPr rtlCol="0" anchor="ctr"/>
-          <a:lstStyle/>
-          <a:p>
-            <a:pPr algn="ctr"/>
-            <a:endParaRPr lang="en-US" dirty="0"/>
-          </a:p>
-        </p:txBody>
-      </p:sp>
-      <p:sp>
-        <p:nvSpPr>
-          <p:cNvPr id="61" name="Rectangle 60"/>
-          <p:cNvSpPr/>
-          <p:nvPr/>
-        </p:nvSpPr>
-        <p:spPr>
-          <a:xfrm>
-            <a:off x="9980741" y="712389"/>
-            <a:ext cx="457599" cy="453839"/>
-          </a:xfrm>
-          <a:prstGeom prst="rect">
-            <a:avLst/>
-          </a:prstGeom>
-          <a:solidFill>
-            <a:schemeClr val="accent1">
-              <a:lumMod val="20000"/>
-              <a:lumOff val="80000"/>
-            </a:schemeClr>
-          </a:solidFill>
-        </p:spPr>
-        <p:style>
-          <a:lnRef idx="2">
-            <a:schemeClr val="accent1">
-              <a:shade val="50000"/>
-            </a:schemeClr>
-          </a:lnRef>
-          <a:fillRef idx="1">
-            <a:schemeClr val="accent1"/>
-          </a:fillRef>
-          <a:effectRef idx="0">
-            <a:schemeClr val="accent1"/>
-          </a:effectRef>
-          <a:fontRef idx="minor">
-            <a:schemeClr val="lt1"/>
-          </a:fontRef>
-        </p:style>
-        <p:txBody>
-          <a:bodyPr rtlCol="0" anchor="ctr"/>
-          <a:lstStyle/>
-          <a:p>
-            <a:pPr algn="ctr"/>
-            <a:endParaRPr lang="en-US" dirty="0"/>
-          </a:p>
-        </p:txBody>
-      </p:sp>
-      <p:sp>
-        <p:nvSpPr>
-          <p:cNvPr id="62" name="Rectangle 61"/>
-          <p:cNvSpPr/>
-          <p:nvPr/>
-        </p:nvSpPr>
-        <p:spPr>
-          <a:xfrm>
-            <a:off x="10438340" y="712389"/>
-            <a:ext cx="457599" cy="453839"/>
-          </a:xfrm>
-          <a:prstGeom prst="rect">
-            <a:avLst/>
-          </a:prstGeom>
-          <a:solidFill>
-            <a:schemeClr val="accent1">
-              <a:lumMod val="20000"/>
-              <a:lumOff val="80000"/>
-            </a:schemeClr>
-          </a:solidFill>
-        </p:spPr>
-        <p:style>
-          <a:lnRef idx="2">
-            <a:schemeClr val="accent1">
-              <a:shade val="50000"/>
-            </a:schemeClr>
-          </a:lnRef>
-          <a:fillRef idx="1">
-            <a:schemeClr val="accent1"/>
-          </a:fillRef>
-          <a:effectRef idx="0">
-            <a:schemeClr val="accent1"/>
-          </a:effectRef>
-          <a:fontRef idx="minor">
-            <a:schemeClr val="lt1"/>
-          </a:fontRef>
-        </p:style>
-        <p:txBody>
-          <a:bodyPr rtlCol="0" anchor="ctr"/>
-          <a:lstStyle/>
-          <a:p>
-            <a:pPr algn="ctr"/>
-            <a:endParaRPr lang="en-US" dirty="0"/>
-          </a:p>
-        </p:txBody>
-      </p:sp>
-      <p:sp>
-        <p:nvSpPr>
-          <p:cNvPr id="63" name="Rectangle 62"/>
-          <p:cNvSpPr/>
-          <p:nvPr/>
-        </p:nvSpPr>
-        <p:spPr>
-          <a:xfrm>
-            <a:off x="9980741" y="1166228"/>
-            <a:ext cx="457599" cy="453839"/>
-          </a:xfrm>
-          <a:prstGeom prst="rect">
-            <a:avLst/>
-          </a:prstGeom>
-          <a:solidFill>
-            <a:schemeClr val="accent1">
-              <a:lumMod val="20000"/>
-              <a:lumOff val="80000"/>
-            </a:schemeClr>
-          </a:solidFill>
-        </p:spPr>
-        <p:style>
-          <a:lnRef idx="2">
-            <a:schemeClr val="accent1">
-              <a:shade val="50000"/>
-            </a:schemeClr>
-          </a:lnRef>
-          <a:fillRef idx="1">
-            <a:schemeClr val="accent1"/>
-          </a:fillRef>
-          <a:effectRef idx="0">
-            <a:schemeClr val="accent1"/>
-          </a:effectRef>
-          <a:fontRef idx="minor">
-            <a:schemeClr val="lt1"/>
-          </a:fontRef>
-        </p:style>
-        <p:txBody>
-          <a:bodyPr rtlCol="0" anchor="ctr"/>
-          <a:lstStyle/>
-          <a:p>
-            <a:pPr algn="ctr"/>
-            <a:r>
-              <a:rPr lang="en-US" dirty="0"/>
-              <a:t> </a:t>
-            </a:r>
-          </a:p>
-        </p:txBody>
-      </p:sp>
-      <p:sp>
-        <p:nvSpPr>
-          <p:cNvPr id="64" name="Rectangle 63"/>
-          <p:cNvSpPr/>
-          <p:nvPr/>
-        </p:nvSpPr>
-        <p:spPr>
-          <a:xfrm>
-            <a:off x="10438340" y="1166228"/>
-            <a:ext cx="457599" cy="453839"/>
-          </a:xfrm>
-          <a:prstGeom prst="rect">
-            <a:avLst/>
-          </a:prstGeom>
-          <a:solidFill>
-            <a:schemeClr val="accent1">
-              <a:lumMod val="20000"/>
-              <a:lumOff val="80000"/>
-            </a:schemeClr>
-          </a:solidFill>
-        </p:spPr>
-        <p:style>
-          <a:lnRef idx="2">
-            <a:schemeClr val="accent1">
-              <a:shade val="50000"/>
-            </a:schemeClr>
-          </a:lnRef>
-          <a:fillRef idx="1">
-            <a:schemeClr val="accent1"/>
-          </a:fillRef>
-          <a:effectRef idx="0">
-            <a:schemeClr val="accent1"/>
-          </a:effectRef>
-          <a:fontRef idx="minor">
-            <a:schemeClr val="lt1"/>
-          </a:fontRef>
-        </p:style>
-        <p:txBody>
-          <a:bodyPr rtlCol="0" anchor="ctr"/>
-          <a:lstStyle/>
-          <a:p>
-            <a:pPr algn="ctr"/>
-            <a:endParaRPr lang="en-US" dirty="0"/>
-          </a:p>
-        </p:txBody>
-      </p:sp>
-      <p:sp>
-        <p:nvSpPr>
-          <p:cNvPr id="73" name="Rectangle 72"/>
-          <p:cNvSpPr/>
-          <p:nvPr/>
-        </p:nvSpPr>
-        <p:spPr>
-          <a:xfrm>
-            <a:off x="9980741" y="1620067"/>
-            <a:ext cx="457599" cy="453839"/>
-          </a:xfrm>
-          <a:prstGeom prst="rect">
-            <a:avLst/>
-          </a:prstGeom>
-          <a:solidFill>
-            <a:schemeClr val="accent1">
-              <a:lumMod val="20000"/>
-              <a:lumOff val="80000"/>
-            </a:schemeClr>
-          </a:solidFill>
-        </p:spPr>
-        <p:style>
-          <a:lnRef idx="2">
-            <a:schemeClr val="accent1">
-              <a:shade val="50000"/>
-            </a:schemeClr>
-          </a:lnRef>
-          <a:fillRef idx="1">
-            <a:schemeClr val="accent1"/>
-          </a:fillRef>
-          <a:effectRef idx="0">
-            <a:schemeClr val="accent1"/>
-          </a:effectRef>
-          <a:fontRef idx="minor">
-            <a:schemeClr val="lt1"/>
-          </a:fontRef>
-        </p:style>
-        <p:txBody>
-          <a:bodyPr rtlCol="0" anchor="ctr"/>
-          <a:lstStyle/>
-          <a:p>
-            <a:pPr algn="ctr"/>
-            <a:endParaRPr lang="en-US" dirty="0"/>
-          </a:p>
-        </p:txBody>
-      </p:sp>
-      <p:sp>
-        <p:nvSpPr>
-          <p:cNvPr id="75" name="Rectangle 74"/>
-          <p:cNvSpPr/>
-          <p:nvPr/>
-        </p:nvSpPr>
-        <p:spPr>
-          <a:xfrm>
-            <a:off x="10438340" y="1620067"/>
-            <a:ext cx="457599" cy="453839"/>
-          </a:xfrm>
-          <a:prstGeom prst="rect">
-            <a:avLst/>
-          </a:prstGeom>
-          <a:solidFill>
-            <a:schemeClr val="accent1">
-              <a:lumMod val="20000"/>
-              <a:lumOff val="80000"/>
-            </a:schemeClr>
-          </a:solidFill>
-        </p:spPr>
-        <p:style>
-          <a:lnRef idx="2">
-            <a:schemeClr val="accent1">
-              <a:shade val="50000"/>
-            </a:schemeClr>
-          </a:lnRef>
-          <a:fillRef idx="1">
-            <a:schemeClr val="accent1"/>
-          </a:fillRef>
-          <a:effectRef idx="0">
-            <a:schemeClr val="accent1"/>
-          </a:effectRef>
-          <a:fontRef idx="minor">
-            <a:schemeClr val="lt1"/>
-          </a:fontRef>
-        </p:style>
-        <p:txBody>
-          <a:bodyPr rtlCol="0" anchor="ctr"/>
-          <a:lstStyle/>
-          <a:p>
-            <a:pPr algn="ctr"/>
-            <a:endParaRPr lang="en-US" dirty="0"/>
-          </a:p>
-        </p:txBody>
-      </p:sp>
-      <p:sp>
-        <p:nvSpPr>
-          <p:cNvPr id="76" name="Rectangle 75"/>
-          <p:cNvSpPr/>
-          <p:nvPr/>
-        </p:nvSpPr>
-        <p:spPr>
-          <a:xfrm>
-            <a:off x="9980741" y="2073906"/>
-            <a:ext cx="457599" cy="453839"/>
-          </a:xfrm>
-          <a:prstGeom prst="rect">
-            <a:avLst/>
-          </a:prstGeom>
-          <a:solidFill>
-            <a:schemeClr val="accent1">
-              <a:lumMod val="20000"/>
-              <a:lumOff val="80000"/>
-            </a:schemeClr>
-          </a:solidFill>
-        </p:spPr>
-        <p:style>
-          <a:lnRef idx="2">
-            <a:schemeClr val="accent1">
-              <a:shade val="50000"/>
-            </a:schemeClr>
-          </a:lnRef>
-          <a:fillRef idx="1">
-            <a:schemeClr val="accent1"/>
-          </a:fillRef>
-          <a:effectRef idx="0">
-            <a:schemeClr val="accent1"/>
-          </a:effectRef>
-          <a:fontRef idx="minor">
-            <a:schemeClr val="lt1"/>
-          </a:fontRef>
-        </p:style>
-        <p:txBody>
-          <a:bodyPr rtlCol="0" anchor="ctr"/>
-          <a:lstStyle/>
-          <a:p>
-            <a:pPr algn="ctr"/>
-            <a:endParaRPr lang="en-US" dirty="0"/>
-          </a:p>
-        </p:txBody>
-      </p:sp>
-      <p:sp>
-        <p:nvSpPr>
-          <p:cNvPr id="77" name="Rectangle 76"/>
-          <p:cNvSpPr/>
-          <p:nvPr/>
-        </p:nvSpPr>
-        <p:spPr>
-          <a:xfrm>
-            <a:off x="10438340" y="2073906"/>
-            <a:ext cx="457599" cy="453839"/>
-          </a:xfrm>
-          <a:prstGeom prst="rect">
-            <a:avLst/>
-          </a:prstGeom>
-          <a:solidFill>
-            <a:schemeClr val="accent1">
-              <a:lumMod val="20000"/>
-              <a:lumOff val="80000"/>
-            </a:schemeClr>
-          </a:solidFill>
-        </p:spPr>
-        <p:style>
-          <a:lnRef idx="2">
-            <a:schemeClr val="accent1">
-              <a:shade val="50000"/>
-            </a:schemeClr>
-          </a:lnRef>
-          <a:fillRef idx="1">
-            <a:schemeClr val="accent1"/>
-          </a:fillRef>
-          <a:effectRef idx="0">
-            <a:schemeClr val="accent1"/>
-          </a:effectRef>
-          <a:fontRef idx="minor">
-            <a:schemeClr val="lt1"/>
-          </a:fontRef>
-        </p:style>
-        <p:txBody>
-          <a:bodyPr rtlCol="0" anchor="ctr"/>
-          <a:lstStyle/>
-          <a:p>
-            <a:pPr algn="ctr"/>
-            <a:endParaRPr lang="en-US" dirty="0"/>
-          </a:p>
-        </p:txBody>
-      </p:sp>
-      <mc:AlternateContent xmlns:mc="http://schemas.openxmlformats.org/markup-compatibility/2006" xmlns:a14="http://schemas.microsoft.com/office/drawing/2010/main">
-        <mc:Choice Requires="a14">
-          <p:sp>
-            <p:nvSpPr>
-              <p:cNvPr id="82" name="Rectangle 81"/>
+              <p:cNvPr id="653" name="Rectangle 652"/>
               <p:cNvSpPr/>
               <p:nvPr/>
             </p:nvSpPr>
             <p:spPr>
               <a:xfrm>
-                <a:off x="8136869" y="281529"/>
-                <a:ext cx="457599" cy="453839"/>
-              </a:xfrm>
-              <a:prstGeom prst="rect">
-                <a:avLst/>
-              </a:prstGeom>
-              <a:noFill/>
-              <a:ln>
-                <a:noFill/>
-              </a:ln>
-            </p:spPr>
-            <p:style>
-              <a:lnRef idx="2">
-                <a:schemeClr val="accent1">
-                  <a:shade val="50000"/>
-                </a:schemeClr>
-              </a:lnRef>
-              <a:fillRef idx="1">
-                <a:schemeClr val="accent1"/>
-              </a:fillRef>
-              <a:effectRef idx="0">
-                <a:schemeClr val="accent1"/>
-              </a:effectRef>
-              <a:fontRef idx="minor">
-                <a:schemeClr val="lt1"/>
-              </a:fontRef>
-            </p:style>
-            <p:txBody>
-              <a:bodyPr rtlCol="0" anchor="ctr"/>
-              <a:lstStyle/>
-              <a:p>
-                <a:pPr algn="ctr"/>
-                <a14:m>
-                  <m:oMathPara xmlns:m="http://schemas.openxmlformats.org/officeDocument/2006/math">
-                    <m:oMathParaPr>
-                      <m:jc m:val="centerGroup"/>
-                    </m:oMathParaPr>
-                    <m:oMath xmlns:m="http://schemas.openxmlformats.org/officeDocument/2006/math">
-                      <m:r>
-                        <a:rPr lang="en-US" sz="1600" b="0" i="1" smtClean="0">
-                          <a:solidFill>
-                            <a:schemeClr val="tx1"/>
-                          </a:solidFill>
-                          <a:latin typeface="Cambria Math" panose="02040503050406030204" pitchFamily="18" charset="0"/>
-                        </a:rPr>
-                        <m:t> </m:t>
-                      </m:r>
-                      <m:r>
-                        <a:rPr lang="en-US" sz="1600" b="0" i="1" smtClean="0">
-                          <a:solidFill>
-                            <a:schemeClr val="tx1"/>
-                          </a:solidFill>
-                          <a:latin typeface="Cambria Math" panose="02040503050406030204" pitchFamily="18" charset="0"/>
-                        </a:rPr>
-                        <m:t>𝑡</m:t>
-                      </m:r>
-                    </m:oMath>
-                  </m:oMathPara>
-                </a14:m>
-                <a:endParaRPr lang="en-US" dirty="0">
-                  <a:solidFill>
-                    <a:schemeClr val="tx1"/>
-                  </a:solidFill>
-                </a:endParaRPr>
-              </a:p>
-            </p:txBody>
-          </p:sp>
-        </mc:Choice>
-        <mc:Fallback xmlns="">
-          <p:sp>
-            <p:nvSpPr>
-              <p:cNvPr id="82" name="Rectangle 81"/>
-              <p:cNvSpPr>
-                <a:spLocks noRot="1" noChangeAspect="1" noMove="1" noResize="1" noEditPoints="1" noAdjustHandles="1" noChangeArrowheads="1" noChangeShapeType="1" noTextEdit="1"/>
-              </p:cNvSpPr>
-              <p:nvPr/>
-            </p:nvSpPr>
-            <p:spPr>
-              <a:xfrm>
-                <a:off x="8136869" y="281529"/>
-                <a:ext cx="457599" cy="453839"/>
-              </a:xfrm>
-              <a:prstGeom prst="rect">
-                <a:avLst/>
-              </a:prstGeom>
-              <a:blipFill rotWithShape="0">
-                <a:blip r:embed="rId12"/>
-                <a:stretch>
-                  <a:fillRect/>
-                </a:stretch>
-              </a:blipFill>
-              <a:ln>
-                <a:noFill/>
-              </a:ln>
-            </p:spPr>
-            <p:txBody>
-              <a:bodyPr/>
-              <a:lstStyle/>
-              <a:p>
-                <a:r>
-                  <a:rPr lang="en-US">
-                    <a:noFill/>
-                  </a:rPr>
-                  <a:t> </a:t>
-                </a:r>
-              </a:p>
-            </p:txBody>
-          </p:sp>
-        </mc:Fallback>
-      </mc:AlternateContent>
-      <p:cxnSp>
-        <p:nvCxnSpPr>
-          <p:cNvPr id="10" name="Straight Arrow Connector 9"/>
-          <p:cNvCxnSpPr/>
-          <p:nvPr/>
-        </p:nvCxnSpPr>
-        <p:spPr>
-          <a:xfrm flipH="1">
-            <a:off x="8492388" y="856298"/>
-            <a:ext cx="199618" cy="391208"/>
-          </a:xfrm>
-          <a:prstGeom prst="straightConnector1">
-            <a:avLst/>
-          </a:prstGeom>
-          <a:ln w="19050">
-            <a:tailEnd type="triangle"/>
-          </a:ln>
-        </p:spPr>
-        <p:style>
-          <a:lnRef idx="1">
-            <a:schemeClr val="dk1"/>
-          </a:lnRef>
-          <a:fillRef idx="0">
-            <a:schemeClr val="dk1"/>
-          </a:fillRef>
-          <a:effectRef idx="0">
-            <a:schemeClr val="dk1"/>
-          </a:effectRef>
-          <a:fontRef idx="minor">
-            <a:schemeClr val="tx1"/>
-          </a:fontRef>
-        </p:style>
-      </p:cxnSp>
-      <p:cxnSp>
-        <p:nvCxnSpPr>
-          <p:cNvPr id="83" name="Straight Arrow Connector 82"/>
-          <p:cNvCxnSpPr/>
-          <p:nvPr/>
-        </p:nvCxnSpPr>
-        <p:spPr>
-          <a:xfrm flipH="1">
-            <a:off x="8516771" y="1356571"/>
-            <a:ext cx="181331" cy="0"/>
-          </a:xfrm>
-          <a:prstGeom prst="straightConnector1">
-            <a:avLst/>
-          </a:prstGeom>
-          <a:ln w="19050">
-            <a:tailEnd type="triangle"/>
-          </a:ln>
-        </p:spPr>
-        <p:style>
-          <a:lnRef idx="1">
-            <a:schemeClr val="dk1"/>
-          </a:lnRef>
-          <a:fillRef idx="0">
-            <a:schemeClr val="dk1"/>
-          </a:fillRef>
-          <a:effectRef idx="0">
-            <a:schemeClr val="dk1"/>
-          </a:effectRef>
-          <a:fontRef idx="minor">
-            <a:schemeClr val="tx1"/>
-          </a:fontRef>
-        </p:style>
-      </p:cxnSp>
-      <p:cxnSp>
-        <p:nvCxnSpPr>
-          <p:cNvPr id="84" name="Straight Arrow Connector 83"/>
-          <p:cNvCxnSpPr/>
-          <p:nvPr/>
-        </p:nvCxnSpPr>
-        <p:spPr>
-          <a:xfrm flipH="1" flipV="1">
-            <a:off x="8530774" y="1504550"/>
-            <a:ext cx="140998" cy="187086"/>
-          </a:xfrm>
-          <a:prstGeom prst="straightConnector1">
-            <a:avLst/>
-          </a:prstGeom>
-          <a:ln w="19050">
-            <a:tailEnd type="triangle"/>
-          </a:ln>
-        </p:spPr>
-        <p:style>
-          <a:lnRef idx="1">
-            <a:schemeClr val="dk1"/>
-          </a:lnRef>
-          <a:fillRef idx="0">
-            <a:schemeClr val="dk1"/>
-          </a:fillRef>
-          <a:effectRef idx="0">
-            <a:schemeClr val="dk1"/>
-          </a:effectRef>
-          <a:fontRef idx="minor">
-            <a:schemeClr val="tx1"/>
-          </a:fontRef>
-        </p:style>
-      </p:cxnSp>
-      <p:cxnSp>
-        <p:nvCxnSpPr>
-          <p:cNvPr id="85" name="Straight Arrow Connector 84"/>
-          <p:cNvCxnSpPr/>
-          <p:nvPr/>
-        </p:nvCxnSpPr>
-        <p:spPr>
-          <a:xfrm flipH="1" flipV="1">
-            <a:off x="8504579" y="1570854"/>
-            <a:ext cx="179385" cy="589209"/>
-          </a:xfrm>
-          <a:prstGeom prst="straightConnector1">
-            <a:avLst/>
-          </a:prstGeom>
-          <a:ln w="19050">
-            <a:tailEnd type="triangle"/>
-          </a:ln>
-        </p:spPr>
-        <p:style>
-          <a:lnRef idx="1">
-            <a:schemeClr val="dk1"/>
-          </a:lnRef>
-          <a:fillRef idx="0">
-            <a:schemeClr val="dk1"/>
-          </a:fillRef>
-          <a:effectRef idx="0">
-            <a:schemeClr val="dk1"/>
-          </a:effectRef>
-          <a:fontRef idx="minor">
-            <a:schemeClr val="tx1"/>
-          </a:fontRef>
-        </p:style>
-      </p:cxnSp>
-      <mc:AlternateContent xmlns:mc="http://schemas.openxmlformats.org/markup-compatibility/2006" xmlns:a14="http://schemas.microsoft.com/office/drawing/2010/main">
-        <mc:Choice Requires="a14">
-          <p:sp>
-            <p:nvSpPr>
-              <p:cNvPr id="89" name="Rectangle 88"/>
-              <p:cNvSpPr/>
-              <p:nvPr/>
-            </p:nvSpPr>
-            <p:spPr>
-              <a:xfrm>
-                <a:off x="8592542" y="281528"/>
-                <a:ext cx="457599" cy="453839"/>
-              </a:xfrm>
-              <a:prstGeom prst="rect">
-                <a:avLst/>
-              </a:prstGeom>
-              <a:noFill/>
-              <a:ln>
-                <a:noFill/>
-              </a:ln>
-            </p:spPr>
-            <p:style>
-              <a:lnRef idx="2">
-                <a:schemeClr val="accent1">
-                  <a:shade val="50000"/>
-                </a:schemeClr>
-              </a:lnRef>
-              <a:fillRef idx="1">
-                <a:schemeClr val="accent1"/>
-              </a:fillRef>
-              <a:effectRef idx="0">
-                <a:schemeClr val="accent1"/>
-              </a:effectRef>
-              <a:fontRef idx="minor">
-                <a:schemeClr val="lt1"/>
-              </a:fontRef>
-            </p:style>
-            <p:txBody>
-              <a:bodyPr rtlCol="0" anchor="ctr"/>
-              <a:lstStyle/>
-              <a:p>
-                <a:pPr algn="ctr"/>
-                <a14:m>
-                  <m:oMath xmlns:m="http://schemas.openxmlformats.org/officeDocument/2006/math">
-                    <m:r>
-                      <a:rPr lang="en-US" sz="1600" b="0" i="1" smtClean="0">
-                        <a:solidFill>
-                          <a:schemeClr val="tx1"/>
-                        </a:solidFill>
-                        <a:latin typeface="Cambria Math" panose="02040503050406030204" pitchFamily="18" charset="0"/>
-                      </a:rPr>
-                      <m:t>𝑡</m:t>
-                    </m:r>
-                  </m:oMath>
-                </a14:m>
-                <a:r>
-                  <a:rPr lang="en-US" sz="1200" dirty="0">
-                    <a:solidFill>
-                      <a:schemeClr val="tx1"/>
-                    </a:solidFill>
-                  </a:rPr>
-                  <a:t>+</a:t>
-                </a:r>
-                <a:r>
-                  <a:rPr lang="en-US" sz="1600" dirty="0">
-                    <a:solidFill>
-                      <a:schemeClr val="tx1"/>
-                    </a:solidFill>
-                  </a:rPr>
-                  <a:t>1</a:t>
-                </a:r>
-              </a:p>
-            </p:txBody>
-          </p:sp>
-        </mc:Choice>
-        <mc:Fallback xmlns="">
-          <p:sp>
-            <p:nvSpPr>
-              <p:cNvPr id="89" name="Rectangle 88"/>
-              <p:cNvSpPr>
-                <a:spLocks noRot="1" noChangeAspect="1" noMove="1" noResize="1" noEditPoints="1" noAdjustHandles="1" noChangeArrowheads="1" noChangeShapeType="1" noTextEdit="1"/>
-              </p:cNvSpPr>
-              <p:nvPr/>
-            </p:nvSpPr>
-            <p:spPr>
-              <a:xfrm>
-                <a:off x="8592542" y="281528"/>
-                <a:ext cx="457599" cy="453839"/>
-              </a:xfrm>
-              <a:prstGeom prst="rect">
-                <a:avLst/>
-              </a:prstGeom>
-              <a:blipFill rotWithShape="0">
-                <a:blip r:embed="rId13"/>
-                <a:stretch>
-                  <a:fillRect r="-5333" b="-4000"/>
-                </a:stretch>
-              </a:blipFill>
-              <a:ln>
-                <a:noFill/>
-              </a:ln>
-            </p:spPr>
-            <p:txBody>
-              <a:bodyPr/>
-              <a:lstStyle/>
-              <a:p>
-                <a:r>
-                  <a:rPr lang="en-US">
-                    <a:noFill/>
-                  </a:rPr>
-                  <a:t> </a:t>
-                </a:r>
-              </a:p>
-            </p:txBody>
-          </p:sp>
-        </mc:Fallback>
-      </mc:AlternateContent>
-      <mc:AlternateContent xmlns:mc="http://schemas.openxmlformats.org/markup-compatibility/2006" xmlns:a14="http://schemas.microsoft.com/office/drawing/2010/main">
-        <mc:Choice Requires="a14">
-          <p:sp>
-            <p:nvSpPr>
-              <p:cNvPr id="90" name="Rectangle 89"/>
-              <p:cNvSpPr/>
-              <p:nvPr/>
-            </p:nvSpPr>
-            <p:spPr>
-              <a:xfrm>
-                <a:off x="7328247" y="1169272"/>
-                <a:ext cx="457599" cy="453839"/>
-              </a:xfrm>
-              <a:prstGeom prst="rect">
-                <a:avLst/>
-              </a:prstGeom>
-              <a:noFill/>
-              <a:ln>
-                <a:noFill/>
-              </a:ln>
-            </p:spPr>
-            <p:style>
-              <a:lnRef idx="2">
-                <a:schemeClr val="accent1">
-                  <a:shade val="50000"/>
-                </a:schemeClr>
-              </a:lnRef>
-              <a:fillRef idx="1">
-                <a:schemeClr val="accent1"/>
-              </a:fillRef>
-              <a:effectRef idx="0">
-                <a:schemeClr val="accent1"/>
-              </a:effectRef>
-              <a:fontRef idx="minor">
-                <a:schemeClr val="lt1"/>
-              </a:fontRef>
-            </p:style>
-            <p:txBody>
-              <a:bodyPr rtlCol="0" anchor="ctr"/>
-              <a:lstStyle/>
-              <a:p>
-                <a:pPr algn="ctr"/>
-                <a14:m>
-                  <m:oMathPara xmlns:m="http://schemas.openxmlformats.org/officeDocument/2006/math">
-                    <m:oMathParaPr>
-                      <m:jc m:val="centerGroup"/>
-                    </m:oMathParaPr>
-                    <m:oMath xmlns:m="http://schemas.openxmlformats.org/officeDocument/2006/math">
-                      <m:r>
-                        <a:rPr lang="en-US" sz="1600" b="0" i="1" smtClean="0">
-                          <a:solidFill>
-                            <a:schemeClr val="tx1"/>
-                          </a:solidFill>
-                          <a:latin typeface="Cambria Math" panose="02040503050406030204" pitchFamily="18" charset="0"/>
-                        </a:rPr>
-                        <m:t> </m:t>
-                      </m:r>
-                      <m:r>
-                        <a:rPr lang="en-US" sz="1600" b="0" i="1" smtClean="0">
-                          <a:solidFill>
-                            <a:schemeClr val="tx1"/>
-                          </a:solidFill>
-                          <a:latin typeface="Cambria Math" panose="02040503050406030204" pitchFamily="18" charset="0"/>
-                        </a:rPr>
-                        <m:t>𝑗</m:t>
-                      </m:r>
-                    </m:oMath>
-                  </m:oMathPara>
-                </a14:m>
-                <a:endParaRPr lang="en-US" dirty="0">
-                  <a:solidFill>
-                    <a:schemeClr val="tx1"/>
-                  </a:solidFill>
-                </a:endParaRPr>
-              </a:p>
-            </p:txBody>
-          </p:sp>
-        </mc:Choice>
-        <mc:Fallback xmlns="">
-          <p:sp>
-            <p:nvSpPr>
-              <p:cNvPr id="90" name="Rectangle 89"/>
-              <p:cNvSpPr>
-                <a:spLocks noRot="1" noChangeAspect="1" noMove="1" noResize="1" noEditPoints="1" noAdjustHandles="1" noChangeArrowheads="1" noChangeShapeType="1" noTextEdit="1"/>
-              </p:cNvSpPr>
-              <p:nvPr/>
-            </p:nvSpPr>
-            <p:spPr>
-              <a:xfrm>
-                <a:off x="7328247" y="1169272"/>
-                <a:ext cx="457599" cy="453839"/>
-              </a:xfrm>
-              <a:prstGeom prst="rect">
-                <a:avLst/>
-              </a:prstGeom>
-              <a:blipFill rotWithShape="0">
-                <a:blip r:embed="rId14"/>
-                <a:stretch>
-                  <a:fillRect/>
-                </a:stretch>
-              </a:blipFill>
-              <a:ln>
-                <a:noFill/>
-              </a:ln>
-            </p:spPr>
-            <p:txBody>
-              <a:bodyPr/>
-              <a:lstStyle/>
-              <a:p>
-                <a:r>
-                  <a:rPr lang="en-US">
-                    <a:noFill/>
-                  </a:rPr>
-                  <a:t> </a:t>
-                </a:r>
-              </a:p>
-            </p:txBody>
-          </p:sp>
-        </mc:Fallback>
-      </mc:AlternateContent>
-      <p:sp>
-        <p:nvSpPr>
-          <p:cNvPr id="132" name="Rectangle 131"/>
-          <p:cNvSpPr/>
-          <p:nvPr/>
-        </p:nvSpPr>
-        <p:spPr>
-          <a:xfrm>
-            <a:off x="7693388" y="712389"/>
-            <a:ext cx="457599" cy="453839"/>
-          </a:xfrm>
-          <a:prstGeom prst="rect">
-            <a:avLst/>
-          </a:prstGeom>
-          <a:noFill/>
-        </p:spPr>
-        <p:style>
-          <a:lnRef idx="2">
-            <a:schemeClr val="accent1">
-              <a:shade val="50000"/>
-            </a:schemeClr>
-          </a:lnRef>
-          <a:fillRef idx="1">
-            <a:schemeClr val="accent1"/>
-          </a:fillRef>
-          <a:effectRef idx="0">
-            <a:schemeClr val="accent1"/>
-          </a:effectRef>
-          <a:fontRef idx="minor">
-            <a:schemeClr val="lt1"/>
-          </a:fontRef>
-        </p:style>
-        <p:txBody>
-          <a:bodyPr rtlCol="0" anchor="ctr"/>
-          <a:lstStyle/>
-          <a:p>
-            <a:pPr algn="ctr"/>
-            <a:endParaRPr lang="en-US" dirty="0"/>
-          </a:p>
-        </p:txBody>
-      </p:sp>
-      <p:sp>
-        <p:nvSpPr>
-          <p:cNvPr id="134" name="Rectangle 133"/>
-          <p:cNvSpPr/>
-          <p:nvPr/>
-        </p:nvSpPr>
-        <p:spPr>
-          <a:xfrm>
-            <a:off x="7693388" y="1166228"/>
-            <a:ext cx="457599" cy="453839"/>
-          </a:xfrm>
-          <a:prstGeom prst="rect">
-            <a:avLst/>
-          </a:prstGeom>
-          <a:noFill/>
-        </p:spPr>
-        <p:style>
-          <a:lnRef idx="2">
-            <a:schemeClr val="accent1">
-              <a:shade val="50000"/>
-            </a:schemeClr>
-          </a:lnRef>
-          <a:fillRef idx="1">
-            <a:schemeClr val="accent1"/>
-          </a:fillRef>
-          <a:effectRef idx="0">
-            <a:schemeClr val="accent1"/>
-          </a:effectRef>
-          <a:fontRef idx="minor">
-            <a:schemeClr val="lt1"/>
-          </a:fontRef>
-        </p:style>
-        <p:txBody>
-          <a:bodyPr rtlCol="0" anchor="ctr"/>
-          <a:lstStyle/>
-          <a:p>
-            <a:pPr algn="ctr"/>
-            <a:endParaRPr lang="en-US" dirty="0"/>
-          </a:p>
-        </p:txBody>
-      </p:sp>
-      <p:sp>
-        <p:nvSpPr>
-          <p:cNvPr id="136" name="Rectangle 135"/>
-          <p:cNvSpPr/>
-          <p:nvPr/>
-        </p:nvSpPr>
-        <p:spPr>
-          <a:xfrm>
-            <a:off x="7693388" y="1620067"/>
-            <a:ext cx="457599" cy="453839"/>
-          </a:xfrm>
-          <a:prstGeom prst="rect">
-            <a:avLst/>
-          </a:prstGeom>
-          <a:noFill/>
-        </p:spPr>
-        <p:style>
-          <a:lnRef idx="2">
-            <a:schemeClr val="accent1">
-              <a:shade val="50000"/>
-            </a:schemeClr>
-          </a:lnRef>
-          <a:fillRef idx="1">
-            <a:schemeClr val="accent1"/>
-          </a:fillRef>
-          <a:effectRef idx="0">
-            <a:schemeClr val="accent1"/>
-          </a:effectRef>
-          <a:fontRef idx="minor">
-            <a:schemeClr val="lt1"/>
-          </a:fontRef>
-        </p:style>
-        <p:txBody>
-          <a:bodyPr rtlCol="0" anchor="ctr"/>
-          <a:lstStyle/>
-          <a:p>
-            <a:pPr algn="ctr"/>
-            <a:endParaRPr lang="en-US" dirty="0"/>
-          </a:p>
-        </p:txBody>
-      </p:sp>
-      <p:sp>
-        <p:nvSpPr>
-          <p:cNvPr id="138" name="Rectangle 137"/>
-          <p:cNvSpPr/>
-          <p:nvPr/>
-        </p:nvSpPr>
-        <p:spPr>
-          <a:xfrm>
-            <a:off x="7693388" y="2073906"/>
-            <a:ext cx="457599" cy="453839"/>
-          </a:xfrm>
-          <a:prstGeom prst="rect">
-            <a:avLst/>
-          </a:prstGeom>
-          <a:noFill/>
-        </p:spPr>
-        <p:style>
-          <a:lnRef idx="2">
-            <a:schemeClr val="accent1">
-              <a:shade val="50000"/>
-            </a:schemeClr>
-          </a:lnRef>
-          <a:fillRef idx="1">
-            <a:schemeClr val="accent1"/>
-          </a:fillRef>
-          <a:effectRef idx="0">
-            <a:schemeClr val="accent1"/>
-          </a:effectRef>
-          <a:fontRef idx="minor">
-            <a:schemeClr val="lt1"/>
-          </a:fontRef>
-        </p:style>
-        <p:txBody>
-          <a:bodyPr rtlCol="0" anchor="ctr"/>
-          <a:lstStyle/>
-          <a:p>
-            <a:pPr algn="ctr"/>
-            <a:endParaRPr lang="en-US" dirty="0"/>
-          </a:p>
-        </p:txBody>
-      </p:sp>
-      <p:sp>
-        <p:nvSpPr>
-          <p:cNvPr id="139" name="Rectangle 138"/>
-          <p:cNvSpPr/>
-          <p:nvPr/>
-        </p:nvSpPr>
-        <p:spPr>
-          <a:xfrm>
-            <a:off x="2844153" y="712389"/>
-            <a:ext cx="457599" cy="453839"/>
-          </a:xfrm>
-          <a:prstGeom prst="rect">
-            <a:avLst/>
-          </a:prstGeom>
-          <a:solidFill>
-            <a:schemeClr val="accent1">
-              <a:lumMod val="20000"/>
-              <a:lumOff val="80000"/>
-            </a:schemeClr>
-          </a:solidFill>
-        </p:spPr>
-        <p:style>
-          <a:lnRef idx="2">
-            <a:schemeClr val="accent1">
-              <a:shade val="50000"/>
-            </a:schemeClr>
-          </a:lnRef>
-          <a:fillRef idx="1">
-            <a:schemeClr val="accent1"/>
-          </a:fillRef>
-          <a:effectRef idx="0">
-            <a:schemeClr val="accent1"/>
-          </a:effectRef>
-          <a:fontRef idx="minor">
-            <a:schemeClr val="lt1"/>
-          </a:fontRef>
-        </p:style>
-        <p:txBody>
-          <a:bodyPr rtlCol="0" anchor="ctr"/>
-          <a:lstStyle/>
-          <a:p>
-            <a:pPr algn="ctr"/>
-            <a:endParaRPr lang="en-US" dirty="0"/>
-          </a:p>
-        </p:txBody>
-      </p:sp>
-      <p:sp>
-        <p:nvSpPr>
-          <p:cNvPr id="140" name="Rectangle 139"/>
-          <p:cNvSpPr/>
-          <p:nvPr/>
-        </p:nvSpPr>
-        <p:spPr>
-          <a:xfrm>
-            <a:off x="3301752" y="712389"/>
-            <a:ext cx="457599" cy="453839"/>
-          </a:xfrm>
-          <a:prstGeom prst="rect">
-            <a:avLst/>
-          </a:prstGeom>
-          <a:solidFill>
-            <a:schemeClr val="accent1">
-              <a:lumMod val="20000"/>
-              <a:lumOff val="80000"/>
-            </a:schemeClr>
-          </a:solidFill>
-        </p:spPr>
-        <p:style>
-          <a:lnRef idx="2">
-            <a:schemeClr val="accent1">
-              <a:shade val="50000"/>
-            </a:schemeClr>
-          </a:lnRef>
-          <a:fillRef idx="1">
-            <a:schemeClr val="accent1"/>
-          </a:fillRef>
-          <a:effectRef idx="0">
-            <a:schemeClr val="accent1"/>
-          </a:effectRef>
-          <a:fontRef idx="minor">
-            <a:schemeClr val="lt1"/>
-          </a:fontRef>
-        </p:style>
-        <p:txBody>
-          <a:bodyPr rtlCol="0" anchor="ctr"/>
-          <a:lstStyle/>
-          <a:p>
-            <a:pPr algn="ctr"/>
-            <a:endParaRPr lang="en-US" dirty="0"/>
-          </a:p>
-        </p:txBody>
-      </p:sp>
-      <p:sp>
-        <p:nvSpPr>
-          <p:cNvPr id="141" name="Rectangle 140"/>
-          <p:cNvSpPr/>
-          <p:nvPr/>
-        </p:nvSpPr>
-        <p:spPr>
-          <a:xfrm>
-            <a:off x="2844153" y="1166228"/>
-            <a:ext cx="457599" cy="453839"/>
-          </a:xfrm>
-          <a:prstGeom prst="rect">
-            <a:avLst/>
-          </a:prstGeom>
-          <a:solidFill>
-            <a:schemeClr val="accent1">
-              <a:lumMod val="60000"/>
-              <a:lumOff val="40000"/>
-            </a:schemeClr>
-          </a:solidFill>
-        </p:spPr>
-        <p:style>
-          <a:lnRef idx="2">
-            <a:schemeClr val="accent1">
-              <a:shade val="50000"/>
-            </a:schemeClr>
-          </a:lnRef>
-          <a:fillRef idx="1">
-            <a:schemeClr val="accent1"/>
-          </a:fillRef>
-          <a:effectRef idx="0">
-            <a:schemeClr val="accent1"/>
-          </a:effectRef>
-          <a:fontRef idx="minor">
-            <a:schemeClr val="lt1"/>
-          </a:fontRef>
-        </p:style>
-        <p:txBody>
-          <a:bodyPr rtlCol="0" anchor="ctr"/>
-          <a:lstStyle/>
-          <a:p>
-            <a:pPr algn="ctr"/>
-            <a:endParaRPr lang="en-US" sz="900" dirty="0"/>
-          </a:p>
-        </p:txBody>
-      </p:sp>
-      <p:sp>
-        <p:nvSpPr>
-          <p:cNvPr id="142" name="Rectangle 141"/>
-          <p:cNvSpPr/>
-          <p:nvPr/>
-        </p:nvSpPr>
-        <p:spPr>
-          <a:xfrm>
-            <a:off x="3301752" y="1166228"/>
-            <a:ext cx="457599" cy="453839"/>
-          </a:xfrm>
-          <a:prstGeom prst="rect">
-            <a:avLst/>
-          </a:prstGeom>
-          <a:solidFill>
-            <a:schemeClr val="accent1">
-              <a:lumMod val="60000"/>
-              <a:lumOff val="40000"/>
-            </a:schemeClr>
-          </a:solidFill>
-        </p:spPr>
-        <p:style>
-          <a:lnRef idx="2">
-            <a:schemeClr val="accent1">
-              <a:shade val="50000"/>
-            </a:schemeClr>
-          </a:lnRef>
-          <a:fillRef idx="1">
-            <a:schemeClr val="accent1"/>
-          </a:fillRef>
-          <a:effectRef idx="0">
-            <a:schemeClr val="accent1"/>
-          </a:effectRef>
-          <a:fontRef idx="minor">
-            <a:schemeClr val="lt1"/>
-          </a:fontRef>
-        </p:style>
-        <p:txBody>
-          <a:bodyPr rtlCol="0" anchor="ctr"/>
-          <a:lstStyle/>
-          <a:p>
-            <a:pPr algn="ctr"/>
-            <a:endParaRPr lang="en-US" dirty="0"/>
-          </a:p>
-        </p:txBody>
-      </p:sp>
-      <p:sp>
-        <p:nvSpPr>
-          <p:cNvPr id="143" name="Rectangle 142"/>
-          <p:cNvSpPr/>
-          <p:nvPr/>
-        </p:nvSpPr>
-        <p:spPr>
-          <a:xfrm>
-            <a:off x="3759351" y="712389"/>
-            <a:ext cx="457599" cy="453839"/>
-          </a:xfrm>
-          <a:prstGeom prst="rect">
-            <a:avLst/>
-          </a:prstGeom>
-          <a:solidFill>
-            <a:schemeClr val="accent1">
-              <a:lumMod val="20000"/>
-              <a:lumOff val="80000"/>
-            </a:schemeClr>
-          </a:solidFill>
-        </p:spPr>
-        <p:style>
-          <a:lnRef idx="2">
-            <a:schemeClr val="accent1">
-              <a:shade val="50000"/>
-            </a:schemeClr>
-          </a:lnRef>
-          <a:fillRef idx="1">
-            <a:schemeClr val="accent1"/>
-          </a:fillRef>
-          <a:effectRef idx="0">
-            <a:schemeClr val="accent1"/>
-          </a:effectRef>
-          <a:fontRef idx="minor">
-            <a:schemeClr val="lt1"/>
-          </a:fontRef>
-        </p:style>
-        <p:txBody>
-          <a:bodyPr rtlCol="0" anchor="ctr"/>
-          <a:lstStyle/>
-          <a:p>
-            <a:pPr algn="ctr"/>
-            <a:endParaRPr lang="en-US" dirty="0"/>
-          </a:p>
-        </p:txBody>
-      </p:sp>
-      <p:sp>
-        <p:nvSpPr>
-          <p:cNvPr id="144" name="Rectangle 143"/>
-          <p:cNvSpPr/>
-          <p:nvPr/>
-        </p:nvSpPr>
-        <p:spPr>
-          <a:xfrm>
-            <a:off x="4216950" y="712389"/>
-            <a:ext cx="457599" cy="453839"/>
-          </a:xfrm>
-          <a:prstGeom prst="rect">
-            <a:avLst/>
-          </a:prstGeom>
-          <a:solidFill>
-            <a:schemeClr val="accent1">
-              <a:lumMod val="20000"/>
-              <a:lumOff val="80000"/>
-            </a:schemeClr>
-          </a:solidFill>
-        </p:spPr>
-        <p:style>
-          <a:lnRef idx="2">
-            <a:schemeClr val="accent1">
-              <a:shade val="50000"/>
-            </a:schemeClr>
-          </a:lnRef>
-          <a:fillRef idx="1">
-            <a:schemeClr val="accent1"/>
-          </a:fillRef>
-          <a:effectRef idx="0">
-            <a:schemeClr val="accent1"/>
-          </a:effectRef>
-          <a:fontRef idx="minor">
-            <a:schemeClr val="lt1"/>
-          </a:fontRef>
-        </p:style>
-        <p:txBody>
-          <a:bodyPr rtlCol="0" anchor="ctr"/>
-          <a:lstStyle/>
-          <a:p>
-            <a:pPr algn="ctr"/>
-            <a:endParaRPr lang="en-US" dirty="0"/>
-          </a:p>
-        </p:txBody>
-      </p:sp>
-      <p:sp>
-        <p:nvSpPr>
-          <p:cNvPr id="145" name="Rectangle 144"/>
-          <p:cNvSpPr/>
-          <p:nvPr/>
-        </p:nvSpPr>
-        <p:spPr>
-          <a:xfrm>
-            <a:off x="3759351" y="1166228"/>
-            <a:ext cx="457599" cy="453839"/>
-          </a:xfrm>
-          <a:prstGeom prst="rect">
-            <a:avLst/>
-          </a:prstGeom>
-          <a:solidFill>
-            <a:schemeClr val="accent1"/>
-          </a:solidFill>
-        </p:spPr>
-        <p:style>
-          <a:lnRef idx="2">
-            <a:schemeClr val="accent1">
-              <a:shade val="50000"/>
-            </a:schemeClr>
-          </a:lnRef>
-          <a:fillRef idx="1">
-            <a:schemeClr val="accent1"/>
-          </a:fillRef>
-          <a:effectRef idx="0">
-            <a:schemeClr val="accent1"/>
-          </a:effectRef>
-          <a:fontRef idx="minor">
-            <a:schemeClr val="lt1"/>
-          </a:fontRef>
-        </p:style>
-        <p:txBody>
-          <a:bodyPr rtlCol="0" anchor="ctr"/>
-          <a:lstStyle/>
-          <a:p>
-            <a:pPr algn="ctr"/>
-            <a:endParaRPr lang="en-US" dirty="0"/>
-          </a:p>
-        </p:txBody>
-      </p:sp>
-      <p:sp>
-        <p:nvSpPr>
-          <p:cNvPr id="146" name="Rectangle 145"/>
-          <p:cNvSpPr/>
-          <p:nvPr/>
-        </p:nvSpPr>
-        <p:spPr>
-          <a:xfrm>
-            <a:off x="4216950" y="1166228"/>
-            <a:ext cx="457599" cy="453839"/>
-          </a:xfrm>
-          <a:prstGeom prst="rect">
-            <a:avLst/>
-          </a:prstGeom>
-          <a:solidFill>
-            <a:schemeClr val="accent1">
-              <a:lumMod val="60000"/>
-              <a:lumOff val="40000"/>
-            </a:schemeClr>
-          </a:solidFill>
-        </p:spPr>
-        <p:style>
-          <a:lnRef idx="2">
-            <a:schemeClr val="accent1">
-              <a:shade val="50000"/>
-            </a:schemeClr>
-          </a:lnRef>
-          <a:fillRef idx="1">
-            <a:schemeClr val="accent1"/>
-          </a:fillRef>
-          <a:effectRef idx="0">
-            <a:schemeClr val="accent1"/>
-          </a:effectRef>
-          <a:fontRef idx="minor">
-            <a:schemeClr val="lt1"/>
-          </a:fontRef>
-        </p:style>
-        <p:txBody>
-          <a:bodyPr rtlCol="0" anchor="ctr"/>
-          <a:lstStyle/>
-          <a:p>
-            <a:pPr algn="ctr"/>
-            <a:endParaRPr lang="en-US" dirty="0"/>
-          </a:p>
-        </p:txBody>
-      </p:sp>
-      <p:sp>
-        <p:nvSpPr>
-          <p:cNvPr id="147" name="Rectangle 146"/>
-          <p:cNvSpPr/>
-          <p:nvPr/>
-        </p:nvSpPr>
-        <p:spPr>
-          <a:xfrm>
-            <a:off x="2844153" y="1620067"/>
-            <a:ext cx="457599" cy="453839"/>
-          </a:xfrm>
-          <a:prstGeom prst="rect">
-            <a:avLst/>
-          </a:prstGeom>
-          <a:solidFill>
-            <a:schemeClr val="accent1">
-              <a:lumMod val="20000"/>
-              <a:lumOff val="80000"/>
-            </a:schemeClr>
-          </a:solidFill>
-        </p:spPr>
-        <p:style>
-          <a:lnRef idx="2">
-            <a:schemeClr val="accent1">
-              <a:shade val="50000"/>
-            </a:schemeClr>
-          </a:lnRef>
-          <a:fillRef idx="1">
-            <a:schemeClr val="accent1"/>
-          </a:fillRef>
-          <a:effectRef idx="0">
-            <a:schemeClr val="accent1"/>
-          </a:effectRef>
-          <a:fontRef idx="minor">
-            <a:schemeClr val="lt1"/>
-          </a:fontRef>
-        </p:style>
-        <p:txBody>
-          <a:bodyPr rtlCol="0" anchor="ctr"/>
-          <a:lstStyle/>
-          <a:p>
-            <a:pPr algn="ctr"/>
-            <a:endParaRPr lang="en-US" dirty="0"/>
-          </a:p>
-        </p:txBody>
-      </p:sp>
-      <p:sp>
-        <p:nvSpPr>
-          <p:cNvPr id="148" name="Rectangle 147"/>
-          <p:cNvSpPr/>
-          <p:nvPr/>
-        </p:nvSpPr>
-        <p:spPr>
-          <a:xfrm>
-            <a:off x="3301752" y="1620067"/>
-            <a:ext cx="457599" cy="453839"/>
-          </a:xfrm>
-          <a:prstGeom prst="rect">
-            <a:avLst/>
-          </a:prstGeom>
-          <a:solidFill>
-            <a:schemeClr val="accent1">
-              <a:lumMod val="20000"/>
-              <a:lumOff val="80000"/>
-            </a:schemeClr>
-          </a:solidFill>
-        </p:spPr>
-        <p:style>
-          <a:lnRef idx="2">
-            <a:schemeClr val="accent1">
-              <a:shade val="50000"/>
-            </a:schemeClr>
-          </a:lnRef>
-          <a:fillRef idx="1">
-            <a:schemeClr val="accent1"/>
-          </a:fillRef>
-          <a:effectRef idx="0">
-            <a:schemeClr val="accent1"/>
-          </a:effectRef>
-          <a:fontRef idx="minor">
-            <a:schemeClr val="lt1"/>
-          </a:fontRef>
-        </p:style>
-        <p:txBody>
-          <a:bodyPr rtlCol="0" anchor="ctr"/>
-          <a:lstStyle/>
-          <a:p>
-            <a:pPr algn="ctr"/>
-            <a:endParaRPr lang="en-US" dirty="0"/>
-          </a:p>
-        </p:txBody>
-      </p:sp>
-      <p:sp>
-        <p:nvSpPr>
-          <p:cNvPr id="149" name="Rectangle 148"/>
-          <p:cNvSpPr/>
-          <p:nvPr/>
-        </p:nvSpPr>
-        <p:spPr>
-          <a:xfrm>
-            <a:off x="2844153" y="2073906"/>
-            <a:ext cx="457599" cy="453839"/>
-          </a:xfrm>
-          <a:prstGeom prst="rect">
-            <a:avLst/>
-          </a:prstGeom>
-          <a:solidFill>
-            <a:schemeClr val="accent1">
-              <a:lumMod val="20000"/>
-              <a:lumOff val="80000"/>
-            </a:schemeClr>
-          </a:solidFill>
-        </p:spPr>
-        <p:style>
-          <a:lnRef idx="2">
-            <a:schemeClr val="accent1">
-              <a:shade val="50000"/>
-            </a:schemeClr>
-          </a:lnRef>
-          <a:fillRef idx="1">
-            <a:schemeClr val="accent1"/>
-          </a:fillRef>
-          <a:effectRef idx="0">
-            <a:schemeClr val="accent1"/>
-          </a:effectRef>
-          <a:fontRef idx="minor">
-            <a:schemeClr val="lt1"/>
-          </a:fontRef>
-        </p:style>
-        <p:txBody>
-          <a:bodyPr rtlCol="0" anchor="ctr"/>
-          <a:lstStyle/>
-          <a:p>
-            <a:pPr algn="ctr"/>
-            <a:endParaRPr lang="en-US" dirty="0"/>
-          </a:p>
-        </p:txBody>
-      </p:sp>
-      <p:sp>
-        <p:nvSpPr>
-          <p:cNvPr id="150" name="Rectangle 149"/>
-          <p:cNvSpPr/>
-          <p:nvPr/>
-        </p:nvSpPr>
-        <p:spPr>
-          <a:xfrm>
-            <a:off x="3301752" y="2073906"/>
-            <a:ext cx="457599" cy="453839"/>
-          </a:xfrm>
-          <a:prstGeom prst="rect">
-            <a:avLst/>
-          </a:prstGeom>
-          <a:solidFill>
-            <a:schemeClr val="accent1">
-              <a:lumMod val="20000"/>
-              <a:lumOff val="80000"/>
-            </a:schemeClr>
-          </a:solidFill>
-        </p:spPr>
-        <p:style>
-          <a:lnRef idx="2">
-            <a:schemeClr val="accent1">
-              <a:shade val="50000"/>
-            </a:schemeClr>
-          </a:lnRef>
-          <a:fillRef idx="1">
-            <a:schemeClr val="accent1"/>
-          </a:fillRef>
-          <a:effectRef idx="0">
-            <a:schemeClr val="accent1"/>
-          </a:effectRef>
-          <a:fontRef idx="minor">
-            <a:schemeClr val="lt1"/>
-          </a:fontRef>
-        </p:style>
-        <p:txBody>
-          <a:bodyPr rtlCol="0" anchor="ctr"/>
-          <a:lstStyle/>
-          <a:p>
-            <a:pPr algn="ctr"/>
-            <a:endParaRPr lang="en-US" dirty="0"/>
-          </a:p>
-        </p:txBody>
-      </p:sp>
-      <p:sp>
-        <p:nvSpPr>
-          <p:cNvPr id="151" name="Rectangle 150"/>
-          <p:cNvSpPr/>
-          <p:nvPr/>
-        </p:nvSpPr>
-        <p:spPr>
-          <a:xfrm>
-            <a:off x="3759351" y="1620067"/>
-            <a:ext cx="457599" cy="453839"/>
-          </a:xfrm>
-          <a:prstGeom prst="rect">
-            <a:avLst/>
-          </a:prstGeom>
-          <a:solidFill>
-            <a:schemeClr val="accent1">
-              <a:lumMod val="20000"/>
-              <a:lumOff val="80000"/>
-            </a:schemeClr>
-          </a:solidFill>
-        </p:spPr>
-        <p:style>
-          <a:lnRef idx="2">
-            <a:schemeClr val="accent1">
-              <a:shade val="50000"/>
-            </a:schemeClr>
-          </a:lnRef>
-          <a:fillRef idx="1">
-            <a:schemeClr val="accent1"/>
-          </a:fillRef>
-          <a:effectRef idx="0">
-            <a:schemeClr val="accent1"/>
-          </a:effectRef>
-          <a:fontRef idx="minor">
-            <a:schemeClr val="lt1"/>
-          </a:fontRef>
-        </p:style>
-        <p:txBody>
-          <a:bodyPr rtlCol="0" anchor="ctr"/>
-          <a:lstStyle/>
-          <a:p>
-            <a:pPr algn="ctr"/>
-            <a:endParaRPr lang="en-US" dirty="0"/>
-          </a:p>
-        </p:txBody>
-      </p:sp>
-      <p:sp>
-        <p:nvSpPr>
-          <p:cNvPr id="152" name="Rectangle 151"/>
-          <p:cNvSpPr/>
-          <p:nvPr/>
-        </p:nvSpPr>
-        <p:spPr>
-          <a:xfrm>
-            <a:off x="4216950" y="1620067"/>
-            <a:ext cx="457599" cy="453839"/>
-          </a:xfrm>
-          <a:prstGeom prst="rect">
-            <a:avLst/>
-          </a:prstGeom>
-          <a:solidFill>
-            <a:schemeClr val="accent1">
-              <a:lumMod val="20000"/>
-              <a:lumOff val="80000"/>
-            </a:schemeClr>
-          </a:solidFill>
-        </p:spPr>
-        <p:style>
-          <a:lnRef idx="2">
-            <a:schemeClr val="accent1">
-              <a:shade val="50000"/>
-            </a:schemeClr>
-          </a:lnRef>
-          <a:fillRef idx="1">
-            <a:schemeClr val="accent1"/>
-          </a:fillRef>
-          <a:effectRef idx="0">
-            <a:schemeClr val="accent1"/>
-          </a:effectRef>
-          <a:fontRef idx="minor">
-            <a:schemeClr val="lt1"/>
-          </a:fontRef>
-        </p:style>
-        <p:txBody>
-          <a:bodyPr rtlCol="0" anchor="ctr"/>
-          <a:lstStyle/>
-          <a:p>
-            <a:pPr algn="ctr"/>
-            <a:endParaRPr lang="en-US" dirty="0"/>
-          </a:p>
-        </p:txBody>
-      </p:sp>
-      <p:sp>
-        <p:nvSpPr>
-          <p:cNvPr id="153" name="Rectangle 152"/>
-          <p:cNvSpPr/>
-          <p:nvPr/>
-        </p:nvSpPr>
-        <p:spPr>
-          <a:xfrm>
-            <a:off x="3759351" y="2073906"/>
-            <a:ext cx="457599" cy="453839"/>
-          </a:xfrm>
-          <a:prstGeom prst="rect">
-            <a:avLst/>
-          </a:prstGeom>
-          <a:solidFill>
-            <a:schemeClr val="accent1">
-              <a:lumMod val="20000"/>
-              <a:lumOff val="80000"/>
-            </a:schemeClr>
-          </a:solidFill>
-        </p:spPr>
-        <p:style>
-          <a:lnRef idx="2">
-            <a:schemeClr val="accent1">
-              <a:shade val="50000"/>
-            </a:schemeClr>
-          </a:lnRef>
-          <a:fillRef idx="1">
-            <a:schemeClr val="accent1"/>
-          </a:fillRef>
-          <a:effectRef idx="0">
-            <a:schemeClr val="accent1"/>
-          </a:effectRef>
-          <a:fontRef idx="minor">
-            <a:schemeClr val="lt1"/>
-          </a:fontRef>
-        </p:style>
-        <p:txBody>
-          <a:bodyPr rtlCol="0" anchor="ctr"/>
-          <a:lstStyle/>
-          <a:p>
-            <a:pPr algn="ctr"/>
-            <a:endParaRPr lang="en-US" dirty="0"/>
-          </a:p>
-        </p:txBody>
-      </p:sp>
-      <p:sp>
-        <p:nvSpPr>
-          <p:cNvPr id="154" name="Rectangle 153"/>
-          <p:cNvSpPr/>
-          <p:nvPr/>
-        </p:nvSpPr>
-        <p:spPr>
-          <a:xfrm>
-            <a:off x="4216950" y="2073906"/>
-            <a:ext cx="457599" cy="453839"/>
-          </a:xfrm>
-          <a:prstGeom prst="rect">
-            <a:avLst/>
-          </a:prstGeom>
-          <a:solidFill>
-            <a:schemeClr val="accent1">
-              <a:lumMod val="20000"/>
-              <a:lumOff val="80000"/>
-            </a:schemeClr>
-          </a:solidFill>
-        </p:spPr>
-        <p:style>
-          <a:lnRef idx="2">
-            <a:schemeClr val="accent1">
-              <a:shade val="50000"/>
-            </a:schemeClr>
-          </a:lnRef>
-          <a:fillRef idx="1">
-            <a:schemeClr val="accent1"/>
-          </a:fillRef>
-          <a:effectRef idx="0">
-            <a:schemeClr val="accent1"/>
-          </a:effectRef>
-          <a:fontRef idx="minor">
-            <a:schemeClr val="lt1"/>
-          </a:fontRef>
-        </p:style>
-        <p:txBody>
-          <a:bodyPr rtlCol="0" anchor="ctr"/>
-          <a:lstStyle/>
-          <a:p>
-            <a:pPr algn="ctr"/>
-            <a:endParaRPr lang="en-US" dirty="0"/>
-          </a:p>
-        </p:txBody>
-      </p:sp>
-      <p:sp>
-        <p:nvSpPr>
-          <p:cNvPr id="155" name="Rectangle 154"/>
-          <p:cNvSpPr/>
-          <p:nvPr/>
-        </p:nvSpPr>
-        <p:spPr>
-          <a:xfrm>
-            <a:off x="4674549" y="712389"/>
-            <a:ext cx="457599" cy="453839"/>
-          </a:xfrm>
-          <a:prstGeom prst="rect">
-            <a:avLst/>
-          </a:prstGeom>
-          <a:solidFill>
-            <a:schemeClr val="accent1">
-              <a:lumMod val="20000"/>
-              <a:lumOff val="80000"/>
-            </a:schemeClr>
-          </a:solidFill>
-        </p:spPr>
-        <p:style>
-          <a:lnRef idx="2">
-            <a:schemeClr val="accent1">
-              <a:shade val="50000"/>
-            </a:schemeClr>
-          </a:lnRef>
-          <a:fillRef idx="1">
-            <a:schemeClr val="accent1"/>
-          </a:fillRef>
-          <a:effectRef idx="0">
-            <a:schemeClr val="accent1"/>
-          </a:effectRef>
-          <a:fontRef idx="minor">
-            <a:schemeClr val="lt1"/>
-          </a:fontRef>
-        </p:style>
-        <p:txBody>
-          <a:bodyPr rtlCol="0" anchor="ctr"/>
-          <a:lstStyle/>
-          <a:p>
-            <a:pPr algn="ctr"/>
-            <a:endParaRPr lang="en-US" dirty="0"/>
-          </a:p>
-        </p:txBody>
-      </p:sp>
-      <p:sp>
-        <p:nvSpPr>
-          <p:cNvPr id="156" name="Rectangle 155"/>
-          <p:cNvSpPr/>
-          <p:nvPr/>
-        </p:nvSpPr>
-        <p:spPr>
-          <a:xfrm>
-            <a:off x="5132148" y="712389"/>
-            <a:ext cx="457599" cy="453839"/>
-          </a:xfrm>
-          <a:prstGeom prst="rect">
-            <a:avLst/>
-          </a:prstGeom>
-          <a:solidFill>
-            <a:schemeClr val="accent1">
-              <a:lumMod val="20000"/>
-              <a:lumOff val="80000"/>
-            </a:schemeClr>
-          </a:solidFill>
-        </p:spPr>
-        <p:style>
-          <a:lnRef idx="2">
-            <a:schemeClr val="accent1">
-              <a:shade val="50000"/>
-            </a:schemeClr>
-          </a:lnRef>
-          <a:fillRef idx="1">
-            <a:schemeClr val="accent1"/>
-          </a:fillRef>
-          <a:effectRef idx="0">
-            <a:schemeClr val="accent1"/>
-          </a:effectRef>
-          <a:fontRef idx="minor">
-            <a:schemeClr val="lt1"/>
-          </a:fontRef>
-        </p:style>
-        <p:txBody>
-          <a:bodyPr rtlCol="0" anchor="ctr"/>
-          <a:lstStyle/>
-          <a:p>
-            <a:pPr algn="ctr"/>
-            <a:endParaRPr lang="en-US" dirty="0"/>
-          </a:p>
-        </p:txBody>
-      </p:sp>
-      <p:sp>
-        <p:nvSpPr>
-          <p:cNvPr id="157" name="Rectangle 156"/>
-          <p:cNvSpPr/>
-          <p:nvPr/>
-        </p:nvSpPr>
-        <p:spPr>
-          <a:xfrm>
-            <a:off x="4674549" y="1166228"/>
-            <a:ext cx="457599" cy="453839"/>
-          </a:xfrm>
-          <a:prstGeom prst="rect">
-            <a:avLst/>
-          </a:prstGeom>
-          <a:solidFill>
-            <a:schemeClr val="accent1"/>
-          </a:solidFill>
-        </p:spPr>
-        <p:style>
-          <a:lnRef idx="2">
-            <a:schemeClr val="accent1">
-              <a:shade val="50000"/>
-            </a:schemeClr>
-          </a:lnRef>
-          <a:fillRef idx="1">
-            <a:schemeClr val="accent1"/>
-          </a:fillRef>
-          <a:effectRef idx="0">
-            <a:schemeClr val="accent1"/>
-          </a:effectRef>
-          <a:fontRef idx="minor">
-            <a:schemeClr val="lt1"/>
-          </a:fontRef>
-        </p:style>
-        <p:txBody>
-          <a:bodyPr rtlCol="0" anchor="ctr"/>
-          <a:lstStyle/>
-          <a:p>
-            <a:pPr algn="ctr"/>
-            <a:endParaRPr lang="en-US" dirty="0"/>
-          </a:p>
-        </p:txBody>
-      </p:sp>
-      <p:sp>
-        <p:nvSpPr>
-          <p:cNvPr id="158" name="Rectangle 157"/>
-          <p:cNvSpPr/>
-          <p:nvPr/>
-        </p:nvSpPr>
-        <p:spPr>
-          <a:xfrm>
-            <a:off x="5132148" y="1166228"/>
-            <a:ext cx="457599" cy="453839"/>
-          </a:xfrm>
-          <a:prstGeom prst="rect">
-            <a:avLst/>
-          </a:prstGeom>
-          <a:solidFill>
-            <a:schemeClr val="accent1">
-              <a:lumMod val="20000"/>
-              <a:lumOff val="80000"/>
-            </a:schemeClr>
-          </a:solidFill>
-        </p:spPr>
-        <p:style>
-          <a:lnRef idx="2">
-            <a:schemeClr val="accent1">
-              <a:shade val="50000"/>
-            </a:schemeClr>
-          </a:lnRef>
-          <a:fillRef idx="1">
-            <a:schemeClr val="accent1"/>
-          </a:fillRef>
-          <a:effectRef idx="0">
-            <a:schemeClr val="accent1"/>
-          </a:effectRef>
-          <a:fontRef idx="minor">
-            <a:schemeClr val="lt1"/>
-          </a:fontRef>
-        </p:style>
-        <p:txBody>
-          <a:bodyPr rtlCol="0" anchor="ctr"/>
-          <a:lstStyle/>
-          <a:p>
-            <a:pPr algn="ctr"/>
-            <a:endParaRPr lang="en-US" dirty="0"/>
-          </a:p>
-        </p:txBody>
-      </p:sp>
-      <p:sp>
-        <p:nvSpPr>
-          <p:cNvPr id="159" name="Rectangle 158"/>
-          <p:cNvSpPr/>
-          <p:nvPr/>
-        </p:nvSpPr>
-        <p:spPr>
-          <a:xfrm>
-            <a:off x="4674549" y="1620067"/>
-            <a:ext cx="457599" cy="453839"/>
-          </a:xfrm>
-          <a:prstGeom prst="rect">
-            <a:avLst/>
-          </a:prstGeom>
-          <a:solidFill>
-            <a:schemeClr val="accent1">
-              <a:lumMod val="20000"/>
-              <a:lumOff val="80000"/>
-            </a:schemeClr>
-          </a:solidFill>
-        </p:spPr>
-        <p:style>
-          <a:lnRef idx="2">
-            <a:schemeClr val="accent1">
-              <a:shade val="50000"/>
-            </a:schemeClr>
-          </a:lnRef>
-          <a:fillRef idx="1">
-            <a:schemeClr val="accent1"/>
-          </a:fillRef>
-          <a:effectRef idx="0">
-            <a:schemeClr val="accent1"/>
-          </a:effectRef>
-          <a:fontRef idx="minor">
-            <a:schemeClr val="lt1"/>
-          </a:fontRef>
-        </p:style>
-        <p:txBody>
-          <a:bodyPr rtlCol="0" anchor="ctr"/>
-          <a:lstStyle/>
-          <a:p>
-            <a:pPr algn="ctr"/>
-            <a:endParaRPr lang="en-US" dirty="0"/>
-          </a:p>
-        </p:txBody>
-      </p:sp>
-      <p:sp>
-        <p:nvSpPr>
-          <p:cNvPr id="160" name="Rectangle 159"/>
-          <p:cNvSpPr/>
-          <p:nvPr/>
-        </p:nvSpPr>
-        <p:spPr>
-          <a:xfrm>
-            <a:off x="5132148" y="1620067"/>
-            <a:ext cx="457599" cy="453839"/>
-          </a:xfrm>
-          <a:prstGeom prst="rect">
-            <a:avLst/>
-          </a:prstGeom>
-          <a:solidFill>
-            <a:schemeClr val="accent1">
-              <a:lumMod val="20000"/>
-              <a:lumOff val="80000"/>
-            </a:schemeClr>
-          </a:solidFill>
-        </p:spPr>
-        <p:style>
-          <a:lnRef idx="2">
-            <a:schemeClr val="accent1">
-              <a:shade val="50000"/>
-            </a:schemeClr>
-          </a:lnRef>
-          <a:fillRef idx="1">
-            <a:schemeClr val="accent1"/>
-          </a:fillRef>
-          <a:effectRef idx="0">
-            <a:schemeClr val="accent1"/>
-          </a:effectRef>
-          <a:fontRef idx="minor">
-            <a:schemeClr val="lt1"/>
-          </a:fontRef>
-        </p:style>
-        <p:txBody>
-          <a:bodyPr rtlCol="0" anchor="ctr"/>
-          <a:lstStyle/>
-          <a:p>
-            <a:pPr algn="ctr"/>
-            <a:endParaRPr lang="en-US" dirty="0"/>
-          </a:p>
-        </p:txBody>
-      </p:sp>
-      <p:sp>
-        <p:nvSpPr>
-          <p:cNvPr id="161" name="Rectangle 160"/>
-          <p:cNvSpPr/>
-          <p:nvPr/>
-        </p:nvSpPr>
-        <p:spPr>
-          <a:xfrm>
-            <a:off x="4674549" y="2073906"/>
-            <a:ext cx="457599" cy="453839"/>
-          </a:xfrm>
-          <a:prstGeom prst="rect">
-            <a:avLst/>
-          </a:prstGeom>
-          <a:solidFill>
-            <a:schemeClr val="accent1">
-              <a:lumMod val="20000"/>
-              <a:lumOff val="80000"/>
-            </a:schemeClr>
-          </a:solidFill>
-        </p:spPr>
-        <p:style>
-          <a:lnRef idx="2">
-            <a:schemeClr val="accent1">
-              <a:shade val="50000"/>
-            </a:schemeClr>
-          </a:lnRef>
-          <a:fillRef idx="1">
-            <a:schemeClr val="accent1"/>
-          </a:fillRef>
-          <a:effectRef idx="0">
-            <a:schemeClr val="accent1"/>
-          </a:effectRef>
-          <a:fontRef idx="minor">
-            <a:schemeClr val="lt1"/>
-          </a:fontRef>
-        </p:style>
-        <p:txBody>
-          <a:bodyPr rtlCol="0" anchor="ctr"/>
-          <a:lstStyle/>
-          <a:p>
-            <a:pPr algn="ctr"/>
-            <a:endParaRPr lang="en-US" dirty="0"/>
-          </a:p>
-        </p:txBody>
-      </p:sp>
-      <p:sp>
-        <p:nvSpPr>
-          <p:cNvPr id="162" name="Rectangle 161"/>
-          <p:cNvSpPr/>
-          <p:nvPr/>
-        </p:nvSpPr>
-        <p:spPr>
-          <a:xfrm>
-            <a:off x="5132148" y="2073906"/>
-            <a:ext cx="457599" cy="453839"/>
-          </a:xfrm>
-          <a:prstGeom prst="rect">
-            <a:avLst/>
-          </a:prstGeom>
-          <a:solidFill>
-            <a:schemeClr val="accent1">
-              <a:lumMod val="20000"/>
-              <a:lumOff val="80000"/>
-            </a:schemeClr>
-          </a:solidFill>
-        </p:spPr>
-        <p:style>
-          <a:lnRef idx="2">
-            <a:schemeClr val="accent1">
-              <a:shade val="50000"/>
-            </a:schemeClr>
-          </a:lnRef>
-          <a:fillRef idx="1">
-            <a:schemeClr val="accent1"/>
-          </a:fillRef>
-          <a:effectRef idx="0">
-            <a:schemeClr val="accent1"/>
-          </a:effectRef>
-          <a:fontRef idx="minor">
-            <a:schemeClr val="lt1"/>
-          </a:fontRef>
-        </p:style>
-        <p:txBody>
-          <a:bodyPr rtlCol="0" anchor="ctr"/>
-          <a:lstStyle/>
-          <a:p>
-            <a:pPr algn="ctr"/>
-            <a:endParaRPr lang="en-US" dirty="0"/>
-          </a:p>
-        </p:txBody>
-      </p:sp>
-      <mc:AlternateContent xmlns:mc="http://schemas.openxmlformats.org/markup-compatibility/2006" xmlns:a14="http://schemas.microsoft.com/office/drawing/2010/main">
-        <mc:Choice Requires="a14">
-          <p:sp>
-            <p:nvSpPr>
-              <p:cNvPr id="163" name="Rectangle 162"/>
-              <p:cNvSpPr/>
-              <p:nvPr/>
-            </p:nvSpPr>
-            <p:spPr>
-              <a:xfrm>
-                <a:off x="1917725" y="282706"/>
-                <a:ext cx="457599" cy="453839"/>
-              </a:xfrm>
-              <a:prstGeom prst="rect">
-                <a:avLst/>
-              </a:prstGeom>
-              <a:noFill/>
-              <a:ln>
-                <a:noFill/>
-              </a:ln>
-            </p:spPr>
-            <p:style>
-              <a:lnRef idx="2">
-                <a:schemeClr val="accent1">
-                  <a:shade val="50000"/>
-                </a:schemeClr>
-              </a:lnRef>
-              <a:fillRef idx="1">
-                <a:schemeClr val="accent1"/>
-              </a:fillRef>
-              <a:effectRef idx="0">
-                <a:schemeClr val="accent1"/>
-              </a:effectRef>
-              <a:fontRef idx="minor">
-                <a:schemeClr val="lt1"/>
-              </a:fontRef>
-            </p:style>
-            <p:txBody>
-              <a:bodyPr rtlCol="0" anchor="ctr"/>
-              <a:lstStyle/>
-              <a:p>
-                <a:pPr algn="ctr"/>
-                <a14:m>
-                  <m:oMathPara xmlns:m="http://schemas.openxmlformats.org/officeDocument/2006/math">
-                    <m:oMathParaPr>
-                      <m:jc m:val="centerGroup"/>
-                    </m:oMathParaPr>
-                    <m:oMath xmlns:m="http://schemas.openxmlformats.org/officeDocument/2006/math">
-                      <m:r>
-                        <a:rPr lang="en-US" sz="1600" b="0" i="1" smtClean="0">
-                          <a:solidFill>
-                            <a:schemeClr val="tx1"/>
-                          </a:solidFill>
-                          <a:latin typeface="Cambria Math" panose="02040503050406030204" pitchFamily="18" charset="0"/>
-                        </a:rPr>
-                        <m:t> </m:t>
-                      </m:r>
-                      <m:r>
-                        <a:rPr lang="en-US" sz="1600" b="0" i="1" smtClean="0">
-                          <a:solidFill>
-                            <a:schemeClr val="tx1"/>
-                          </a:solidFill>
-                          <a:latin typeface="Cambria Math" panose="02040503050406030204" pitchFamily="18" charset="0"/>
-                        </a:rPr>
-                        <m:t>𝑡</m:t>
-                      </m:r>
-                    </m:oMath>
-                  </m:oMathPara>
-                </a14:m>
-                <a:endParaRPr lang="en-US" dirty="0">
-                  <a:solidFill>
-                    <a:schemeClr val="tx1"/>
-                  </a:solidFill>
-                </a:endParaRPr>
-              </a:p>
-            </p:txBody>
-          </p:sp>
-        </mc:Choice>
-        <mc:Fallback xmlns="">
-          <p:sp>
-            <p:nvSpPr>
-              <p:cNvPr id="163" name="Rectangle 162"/>
-              <p:cNvSpPr>
-                <a:spLocks noRot="1" noChangeAspect="1" noMove="1" noResize="1" noEditPoints="1" noAdjustHandles="1" noChangeArrowheads="1" noChangeShapeType="1" noTextEdit="1"/>
-              </p:cNvSpPr>
-              <p:nvPr/>
-            </p:nvSpPr>
-            <p:spPr>
-              <a:xfrm>
-                <a:off x="1917725" y="282706"/>
-                <a:ext cx="457599" cy="453839"/>
-              </a:xfrm>
-              <a:prstGeom prst="rect">
-                <a:avLst/>
-              </a:prstGeom>
-              <a:blipFill rotWithShape="0">
-                <a:blip r:embed="rId15"/>
-                <a:stretch>
-                  <a:fillRect/>
-                </a:stretch>
-              </a:blipFill>
-              <a:ln>
-                <a:noFill/>
-              </a:ln>
-            </p:spPr>
-            <p:txBody>
-              <a:bodyPr/>
-              <a:lstStyle/>
-              <a:p>
-                <a:r>
-                  <a:rPr lang="en-US">
-                    <a:noFill/>
-                  </a:rPr>
-                  <a:t> </a:t>
-                </a:r>
-              </a:p>
-            </p:txBody>
-          </p:sp>
-        </mc:Fallback>
-      </mc:AlternateContent>
-      <mc:AlternateContent xmlns:mc="http://schemas.openxmlformats.org/markup-compatibility/2006" xmlns:a14="http://schemas.microsoft.com/office/drawing/2010/main">
-        <mc:Choice Requires="a14">
-          <p:sp>
-            <p:nvSpPr>
-              <p:cNvPr id="168" name="Rectangle 167"/>
-              <p:cNvSpPr/>
-              <p:nvPr/>
-            </p:nvSpPr>
-            <p:spPr>
-              <a:xfrm>
-                <a:off x="3527884" y="284900"/>
-                <a:ext cx="935828" cy="453839"/>
-              </a:xfrm>
-              <a:prstGeom prst="rect">
-                <a:avLst/>
-              </a:prstGeom>
-              <a:noFill/>
-              <a:ln>
-                <a:noFill/>
-              </a:ln>
-            </p:spPr>
-            <p:style>
-              <a:lnRef idx="2">
-                <a:schemeClr val="accent1">
-                  <a:shade val="50000"/>
-                </a:schemeClr>
-              </a:lnRef>
-              <a:fillRef idx="1">
-                <a:schemeClr val="accent1"/>
-              </a:fillRef>
-              <a:effectRef idx="0">
-                <a:schemeClr val="accent1"/>
-              </a:effectRef>
-              <a:fontRef idx="minor">
-                <a:schemeClr val="lt1"/>
-              </a:fontRef>
-            </p:style>
-            <p:txBody>
-              <a:bodyPr rtlCol="0" anchor="ctr"/>
-              <a:lstStyle/>
-              <a:p>
-                <a:pPr algn="ctr"/>
-                <a14:m>
-                  <m:oMathPara xmlns:m="http://schemas.openxmlformats.org/officeDocument/2006/math">
-                    <m:oMathParaPr>
-                      <m:jc m:val="centerGroup"/>
-                    </m:oMathParaPr>
-                    <m:oMath xmlns:m="http://schemas.openxmlformats.org/officeDocument/2006/math">
-                      <m:r>
-                        <a:rPr lang="en-US" sz="1400" b="0" i="1" smtClean="0">
-                          <a:solidFill>
-                            <a:schemeClr val="tx1"/>
-                          </a:solidFill>
-                          <a:latin typeface="Cambria Math" panose="02040503050406030204" pitchFamily="18" charset="0"/>
-                        </a:rPr>
-                        <m:t>𝑡</m:t>
-                      </m:r>
-                      <m:r>
-                        <m:rPr>
-                          <m:lit/>
-                        </m:rPr>
-                        <a:rPr lang="en-US" sz="1400" b="0" i="1" smtClean="0">
-                          <a:solidFill>
-                            <a:schemeClr val="tx1"/>
-                          </a:solidFill>
-                          <a:latin typeface="Cambria Math" panose="02040503050406030204" pitchFamily="18" charset="0"/>
-                        </a:rPr>
-                        <m:t>−</m:t>
-                      </m:r>
-                      <m:r>
-                        <a:rPr lang="en-US" sz="1400" b="0" i="1" smtClean="0">
-                          <a:solidFill>
-                            <a:schemeClr val="tx1"/>
-                          </a:solidFill>
-                          <a:latin typeface="Cambria Math" panose="02040503050406030204" pitchFamily="18" charset="0"/>
-                        </a:rPr>
-                        <m:t>|</m:t>
-                      </m:r>
-                      <m:sSub>
-                        <m:sSubPr>
-                          <m:ctrlPr>
-                            <a:rPr lang="en-US" sz="1400" b="0" i="1" smtClean="0">
-                              <a:solidFill>
-                                <a:schemeClr val="tx1"/>
-                              </a:solidFill>
-                              <a:latin typeface="Cambria Math" panose="02040503050406030204" pitchFamily="18" charset="0"/>
-                            </a:rPr>
-                          </m:ctrlPr>
-                        </m:sSubPr>
-                        <m:e>
-                          <m:r>
-                            <a:rPr lang="en-US" sz="1400" b="0" i="1" smtClean="0">
-                              <a:solidFill>
-                                <a:schemeClr val="tx1"/>
-                              </a:solidFill>
-                              <a:latin typeface="Cambria Math" panose="02040503050406030204" pitchFamily="18" charset="0"/>
-                            </a:rPr>
-                            <m:t>𝑊</m:t>
-                          </m:r>
-                        </m:e>
-                        <m:sub>
-                          <m:r>
-                            <a:rPr lang="he-IL" sz="1400" b="0" i="1" smtClean="0">
-                              <a:solidFill>
-                                <a:schemeClr val="tx1"/>
-                              </a:solidFill>
-                              <a:latin typeface="Cambria Math" panose="02040503050406030204" pitchFamily="18" charset="0"/>
-                            </a:rPr>
-                            <m:t>2</m:t>
-                          </m:r>
-                        </m:sub>
-                      </m:sSub>
-                      <m:r>
-                        <a:rPr lang="en-US" sz="1400" b="0" i="1" smtClean="0">
-                          <a:solidFill>
-                            <a:schemeClr val="tx1"/>
-                          </a:solidFill>
-                          <a:latin typeface="Cambria Math" panose="02040503050406030204" pitchFamily="18" charset="0"/>
-                        </a:rPr>
-                        <m:t>|</m:t>
-                      </m:r>
-                      <m:r>
-                        <m:rPr>
-                          <m:lit/>
-                        </m:rPr>
-                        <a:rPr lang="en-US" sz="1400" b="0" i="1" smtClean="0">
-                          <a:solidFill>
-                            <a:schemeClr val="tx1"/>
-                          </a:solidFill>
-                          <a:latin typeface="Cambria Math" panose="02040503050406030204" pitchFamily="18" charset="0"/>
-                        </a:rPr>
-                        <m:t>−</m:t>
-                      </m:r>
-                      <m:r>
-                        <a:rPr lang="en-US" sz="1400" b="0" i="1" smtClean="0">
-                          <a:solidFill>
-                            <a:schemeClr val="tx1"/>
-                          </a:solidFill>
-                          <a:latin typeface="Cambria Math" panose="02040503050406030204" pitchFamily="18" charset="0"/>
-                        </a:rPr>
-                        <m:t>1</m:t>
-                      </m:r>
-                    </m:oMath>
-                  </m:oMathPara>
-                </a14:m>
-                <a:endParaRPr lang="en-US" sz="1400" dirty="0">
-                  <a:solidFill>
-                    <a:schemeClr val="tx1"/>
-                  </a:solidFill>
-                </a:endParaRPr>
-              </a:p>
-            </p:txBody>
-          </p:sp>
-        </mc:Choice>
-        <mc:Fallback xmlns="">
-          <p:sp>
-            <p:nvSpPr>
-              <p:cNvPr id="168" name="Rectangle 167"/>
-              <p:cNvSpPr>
-                <a:spLocks noRot="1" noChangeAspect="1" noMove="1" noResize="1" noEditPoints="1" noAdjustHandles="1" noChangeArrowheads="1" noChangeShapeType="1" noTextEdit="1"/>
-              </p:cNvSpPr>
-              <p:nvPr/>
-            </p:nvSpPr>
-            <p:spPr>
-              <a:xfrm>
-                <a:off x="3527884" y="284900"/>
-                <a:ext cx="935828" cy="453839"/>
-              </a:xfrm>
-              <a:prstGeom prst="rect">
-                <a:avLst/>
-              </a:prstGeom>
-              <a:blipFill rotWithShape="0">
-                <a:blip r:embed="rId16"/>
-                <a:stretch>
-                  <a:fillRect/>
-                </a:stretch>
-              </a:blipFill>
-              <a:ln>
-                <a:noFill/>
-              </a:ln>
-            </p:spPr>
-            <p:txBody>
-              <a:bodyPr/>
-              <a:lstStyle/>
-              <a:p>
-                <a:r>
-                  <a:rPr lang="en-US">
-                    <a:noFill/>
-                  </a:rPr>
-                  <a:t> </a:t>
-                </a:r>
-              </a:p>
-            </p:txBody>
-          </p:sp>
-        </mc:Fallback>
-      </mc:AlternateContent>
-      <mc:AlternateContent xmlns:mc="http://schemas.openxmlformats.org/markup-compatibility/2006" xmlns:a14="http://schemas.microsoft.com/office/drawing/2010/main">
-        <mc:Choice Requires="a14">
-          <p:sp>
-            <p:nvSpPr>
-              <p:cNvPr id="169" name="Rectangle 168"/>
-              <p:cNvSpPr/>
-              <p:nvPr/>
-            </p:nvSpPr>
-            <p:spPr>
-              <a:xfrm>
-                <a:off x="1002036" y="1133816"/>
-                <a:ext cx="457599" cy="453839"/>
-              </a:xfrm>
-              <a:prstGeom prst="rect">
-                <a:avLst/>
-              </a:prstGeom>
-              <a:noFill/>
-              <a:ln>
-                <a:noFill/>
-              </a:ln>
-            </p:spPr>
-            <p:style>
-              <a:lnRef idx="2">
-                <a:schemeClr val="accent1">
-                  <a:shade val="50000"/>
-                </a:schemeClr>
-              </a:lnRef>
-              <a:fillRef idx="1">
-                <a:schemeClr val="accent1"/>
-              </a:fillRef>
-              <a:effectRef idx="0">
-                <a:schemeClr val="accent1"/>
-              </a:effectRef>
-              <a:fontRef idx="minor">
-                <a:schemeClr val="lt1"/>
-              </a:fontRef>
-            </p:style>
-            <p:txBody>
-              <a:bodyPr rtlCol="0" anchor="ctr"/>
-              <a:lstStyle/>
-              <a:p>
-                <a:pPr algn="ctr"/>
-                <a14:m>
-                  <m:oMathPara xmlns:m="http://schemas.openxmlformats.org/officeDocument/2006/math">
-                    <m:oMathParaPr>
-                      <m:jc m:val="centerGroup"/>
-                    </m:oMathParaPr>
-                    <m:oMath xmlns:m="http://schemas.openxmlformats.org/officeDocument/2006/math">
-                      <m:r>
-                        <a:rPr lang="en-US" sz="1600" b="0" i="1" smtClean="0">
-                          <a:solidFill>
-                            <a:schemeClr val="tx1"/>
-                          </a:solidFill>
-                          <a:latin typeface="Cambria Math" panose="02040503050406030204" pitchFamily="18" charset="0"/>
-                        </a:rPr>
-                        <m:t> </m:t>
-                      </m:r>
-                      <m:r>
-                        <a:rPr lang="en-US" sz="1600" b="0" i="1" smtClean="0">
-                          <a:solidFill>
-                            <a:schemeClr val="tx1"/>
-                          </a:solidFill>
-                          <a:latin typeface="Cambria Math" panose="02040503050406030204" pitchFamily="18" charset="0"/>
-                        </a:rPr>
-                        <m:t>𝑗</m:t>
-                      </m:r>
-                    </m:oMath>
-                  </m:oMathPara>
-                </a14:m>
-                <a:endParaRPr lang="en-US" dirty="0">
-                  <a:solidFill>
-                    <a:schemeClr val="tx1"/>
-                  </a:solidFill>
-                </a:endParaRPr>
-              </a:p>
-            </p:txBody>
-          </p:sp>
-        </mc:Choice>
-        <mc:Fallback xmlns="">
-          <p:sp>
-            <p:nvSpPr>
-              <p:cNvPr id="169" name="Rectangle 168"/>
-              <p:cNvSpPr>
-                <a:spLocks noRot="1" noChangeAspect="1" noMove="1" noResize="1" noEditPoints="1" noAdjustHandles="1" noChangeArrowheads="1" noChangeShapeType="1" noTextEdit="1"/>
-              </p:cNvSpPr>
-              <p:nvPr/>
-            </p:nvSpPr>
-            <p:spPr>
-              <a:xfrm>
-                <a:off x="1002036" y="1133816"/>
-                <a:ext cx="457599" cy="453839"/>
-              </a:xfrm>
-              <a:prstGeom prst="rect">
-                <a:avLst/>
-              </a:prstGeom>
-              <a:blipFill rotWithShape="0">
-                <a:blip r:embed="rId17"/>
-                <a:stretch>
-                  <a:fillRect/>
-                </a:stretch>
-              </a:blipFill>
-              <a:ln>
-                <a:noFill/>
-              </a:ln>
-            </p:spPr>
-            <p:txBody>
-              <a:bodyPr/>
-              <a:lstStyle/>
-              <a:p>
-                <a:r>
-                  <a:rPr lang="en-US">
-                    <a:noFill/>
-                  </a:rPr>
-                  <a:t> </a:t>
-                </a:r>
-              </a:p>
-            </p:txBody>
-          </p:sp>
-        </mc:Fallback>
-      </mc:AlternateContent>
-      <p:sp>
-        <p:nvSpPr>
-          <p:cNvPr id="170" name="Rectangle 169"/>
-          <p:cNvSpPr/>
-          <p:nvPr/>
-        </p:nvSpPr>
-        <p:spPr>
-          <a:xfrm>
-            <a:off x="1929597" y="712389"/>
-            <a:ext cx="457599" cy="453839"/>
-          </a:xfrm>
-          <a:prstGeom prst="rect">
-            <a:avLst/>
-          </a:prstGeom>
-          <a:solidFill>
-            <a:schemeClr val="bg1"/>
-          </a:solidFill>
-        </p:spPr>
-        <p:style>
-          <a:lnRef idx="2">
-            <a:schemeClr val="accent1">
-              <a:shade val="50000"/>
-            </a:schemeClr>
-          </a:lnRef>
-          <a:fillRef idx="1">
-            <a:schemeClr val="accent1"/>
-          </a:fillRef>
-          <a:effectRef idx="0">
-            <a:schemeClr val="accent1"/>
-          </a:effectRef>
-          <a:fontRef idx="minor">
-            <a:schemeClr val="lt1"/>
-          </a:fontRef>
-        </p:style>
-        <p:txBody>
-          <a:bodyPr rtlCol="0" anchor="ctr"/>
-          <a:lstStyle/>
-          <a:p>
-            <a:pPr algn="ctr"/>
-            <a:endParaRPr lang="en-US" dirty="0"/>
-          </a:p>
-        </p:txBody>
-      </p:sp>
-      <p:sp>
-        <p:nvSpPr>
-          <p:cNvPr id="171" name="Rectangle 170"/>
-          <p:cNvSpPr/>
-          <p:nvPr/>
-        </p:nvSpPr>
-        <p:spPr>
-          <a:xfrm>
-            <a:off x="2387196" y="712389"/>
-            <a:ext cx="457599" cy="453839"/>
-          </a:xfrm>
-          <a:prstGeom prst="rect">
-            <a:avLst/>
-          </a:prstGeom>
-          <a:solidFill>
-            <a:schemeClr val="accent1">
-              <a:lumMod val="20000"/>
-              <a:lumOff val="80000"/>
-            </a:schemeClr>
-          </a:solidFill>
-        </p:spPr>
-        <p:style>
-          <a:lnRef idx="2">
-            <a:schemeClr val="accent1">
-              <a:shade val="50000"/>
-            </a:schemeClr>
-          </a:lnRef>
-          <a:fillRef idx="1">
-            <a:schemeClr val="accent1"/>
-          </a:fillRef>
-          <a:effectRef idx="0">
-            <a:schemeClr val="accent1"/>
-          </a:effectRef>
-          <a:fontRef idx="minor">
-            <a:schemeClr val="lt1"/>
-          </a:fontRef>
-        </p:style>
-        <p:txBody>
-          <a:bodyPr rtlCol="0" anchor="ctr"/>
-          <a:lstStyle/>
-          <a:p>
-            <a:pPr algn="ctr"/>
-            <a:endParaRPr lang="en-US" dirty="0"/>
-          </a:p>
-        </p:txBody>
-      </p:sp>
-      <p:sp>
-        <p:nvSpPr>
-          <p:cNvPr id="174" name="Rectangle 173"/>
-          <p:cNvSpPr/>
-          <p:nvPr/>
-        </p:nvSpPr>
-        <p:spPr>
-          <a:xfrm>
-            <a:off x="1929597" y="1620067"/>
-            <a:ext cx="457599" cy="453839"/>
-          </a:xfrm>
-          <a:prstGeom prst="rect">
-            <a:avLst/>
-          </a:prstGeom>
-          <a:solidFill>
-            <a:schemeClr val="bg1"/>
-          </a:solidFill>
-        </p:spPr>
-        <p:style>
-          <a:lnRef idx="2">
-            <a:schemeClr val="accent1">
-              <a:shade val="50000"/>
-            </a:schemeClr>
-          </a:lnRef>
-          <a:fillRef idx="1">
-            <a:schemeClr val="accent1"/>
-          </a:fillRef>
-          <a:effectRef idx="0">
-            <a:schemeClr val="accent1"/>
-          </a:effectRef>
-          <a:fontRef idx="minor">
-            <a:schemeClr val="lt1"/>
-          </a:fontRef>
-        </p:style>
-        <p:txBody>
-          <a:bodyPr rtlCol="0" anchor="ctr"/>
-          <a:lstStyle/>
-          <a:p>
-            <a:pPr algn="ctr"/>
-            <a:endParaRPr lang="en-US" dirty="0"/>
-          </a:p>
-        </p:txBody>
-      </p:sp>
-      <p:sp>
-        <p:nvSpPr>
-          <p:cNvPr id="175" name="Rectangle 174"/>
-          <p:cNvSpPr/>
-          <p:nvPr/>
-        </p:nvSpPr>
-        <p:spPr>
-          <a:xfrm>
-            <a:off x="2387196" y="1620067"/>
-            <a:ext cx="457599" cy="453839"/>
-          </a:xfrm>
-          <a:prstGeom prst="rect">
-            <a:avLst/>
-          </a:prstGeom>
-          <a:solidFill>
-            <a:schemeClr val="accent1">
-              <a:lumMod val="20000"/>
-              <a:lumOff val="80000"/>
-            </a:schemeClr>
-          </a:solidFill>
-        </p:spPr>
-        <p:style>
-          <a:lnRef idx="2">
-            <a:schemeClr val="accent1">
-              <a:shade val="50000"/>
-            </a:schemeClr>
-          </a:lnRef>
-          <a:fillRef idx="1">
-            <a:schemeClr val="accent1"/>
-          </a:fillRef>
-          <a:effectRef idx="0">
-            <a:schemeClr val="accent1"/>
-          </a:effectRef>
-          <a:fontRef idx="minor">
-            <a:schemeClr val="lt1"/>
-          </a:fontRef>
-        </p:style>
-        <p:txBody>
-          <a:bodyPr rtlCol="0" anchor="ctr"/>
-          <a:lstStyle/>
-          <a:p>
-            <a:pPr algn="ctr"/>
-            <a:endParaRPr lang="en-US" dirty="0"/>
-          </a:p>
-        </p:txBody>
-      </p:sp>
-      <p:sp>
-        <p:nvSpPr>
-          <p:cNvPr id="176" name="Rectangle 175"/>
-          <p:cNvSpPr/>
-          <p:nvPr/>
-        </p:nvSpPr>
-        <p:spPr>
-          <a:xfrm>
-            <a:off x="1929597" y="2073906"/>
-            <a:ext cx="457599" cy="453839"/>
-          </a:xfrm>
-          <a:prstGeom prst="rect">
-            <a:avLst/>
-          </a:prstGeom>
-          <a:solidFill>
-            <a:schemeClr val="bg1"/>
-          </a:solidFill>
-        </p:spPr>
-        <p:style>
-          <a:lnRef idx="2">
-            <a:schemeClr val="accent1">
-              <a:shade val="50000"/>
-            </a:schemeClr>
-          </a:lnRef>
-          <a:fillRef idx="1">
-            <a:schemeClr val="accent1"/>
-          </a:fillRef>
-          <a:effectRef idx="0">
-            <a:schemeClr val="accent1"/>
-          </a:effectRef>
-          <a:fontRef idx="minor">
-            <a:schemeClr val="lt1"/>
-          </a:fontRef>
-        </p:style>
-        <p:txBody>
-          <a:bodyPr rtlCol="0" anchor="ctr"/>
-          <a:lstStyle/>
-          <a:p>
-            <a:pPr algn="ctr"/>
-            <a:endParaRPr lang="en-US" dirty="0"/>
-          </a:p>
-        </p:txBody>
-      </p:sp>
-      <p:sp>
-        <p:nvSpPr>
-          <p:cNvPr id="177" name="Rectangle 176"/>
-          <p:cNvSpPr/>
-          <p:nvPr/>
-        </p:nvSpPr>
-        <p:spPr>
-          <a:xfrm>
-            <a:off x="2387196" y="2073906"/>
-            <a:ext cx="457599" cy="453839"/>
-          </a:xfrm>
-          <a:prstGeom prst="rect">
-            <a:avLst/>
-          </a:prstGeom>
-          <a:solidFill>
-            <a:schemeClr val="accent1">
-              <a:lumMod val="20000"/>
-              <a:lumOff val="80000"/>
-            </a:schemeClr>
-          </a:solidFill>
-        </p:spPr>
-        <p:style>
-          <a:lnRef idx="2">
-            <a:schemeClr val="accent1">
-              <a:shade val="50000"/>
-            </a:schemeClr>
-          </a:lnRef>
-          <a:fillRef idx="1">
-            <a:schemeClr val="accent1"/>
-          </a:fillRef>
-          <a:effectRef idx="0">
-            <a:schemeClr val="accent1"/>
-          </a:effectRef>
-          <a:fontRef idx="minor">
-            <a:schemeClr val="lt1"/>
-          </a:fontRef>
-        </p:style>
-        <p:txBody>
-          <a:bodyPr rtlCol="0" anchor="ctr"/>
-          <a:lstStyle/>
-          <a:p>
-            <a:pPr algn="ctr"/>
-            <a:endParaRPr lang="en-US" dirty="0"/>
-          </a:p>
-        </p:txBody>
-      </p:sp>
-      <p:sp>
-        <p:nvSpPr>
-          <p:cNvPr id="78" name="Rectangle 77"/>
-          <p:cNvSpPr/>
-          <p:nvPr/>
-        </p:nvSpPr>
-        <p:spPr>
-          <a:xfrm>
-            <a:off x="2386089" y="1166226"/>
-            <a:ext cx="457599" cy="453839"/>
-          </a:xfrm>
-          <a:prstGeom prst="rect">
-            <a:avLst/>
-          </a:prstGeom>
-          <a:solidFill>
-            <a:schemeClr val="accent1">
-              <a:lumMod val="60000"/>
-              <a:lumOff val="40000"/>
-            </a:schemeClr>
-          </a:solidFill>
-        </p:spPr>
-        <p:style>
-          <a:lnRef idx="2">
-            <a:schemeClr val="accent1">
-              <a:shade val="50000"/>
-            </a:schemeClr>
-          </a:lnRef>
-          <a:fillRef idx="1">
-            <a:schemeClr val="accent1"/>
-          </a:fillRef>
-          <a:effectRef idx="0">
-            <a:schemeClr val="accent1"/>
-          </a:effectRef>
-          <a:fontRef idx="minor">
-            <a:schemeClr val="lt1"/>
-          </a:fontRef>
-        </p:style>
-        <p:txBody>
-          <a:bodyPr rtlCol="0" anchor="ctr"/>
-          <a:lstStyle/>
-          <a:p>
-            <a:pPr algn="ctr"/>
-            <a:endParaRPr lang="en-US" dirty="0"/>
-          </a:p>
-        </p:txBody>
-      </p:sp>
-      <mc:AlternateContent xmlns:mc="http://schemas.openxmlformats.org/markup-compatibility/2006" xmlns:a14="http://schemas.microsoft.com/office/drawing/2010/main">
-        <mc:Choice Requires="a14">
-          <p:sp>
-            <p:nvSpPr>
-              <p:cNvPr id="79" name="Rectangle 78"/>
-              <p:cNvSpPr/>
-              <p:nvPr/>
-            </p:nvSpPr>
-            <p:spPr>
-              <a:xfrm>
-                <a:off x="1930236" y="1166226"/>
+                <a:off x="2050550" y="1437986"/>
                 <a:ext cx="457599" cy="453839"/>
               </a:xfrm>
               <a:prstGeom prst="rect">
                 <a:avLst/>
               </a:prstGeom>
               <a:solidFill>
-                <a:schemeClr val="accent6"/>
+                <a:schemeClr val="accent1">
+                  <a:lumMod val="20000"/>
+                  <a:lumOff val="80000"/>
+                </a:schemeClr>
               </a:solidFill>
             </p:spPr>
             <p:style>
@@ -41835,130 +38778,30 @@
               <a:lstStyle/>
               <a:p>
                 <a:pPr algn="ctr"/>
-                <a14:m>
-                  <m:oMathPara xmlns:m="http://schemas.openxmlformats.org/officeDocument/2006/math">
-                    <m:oMathParaPr>
-                      <m:jc m:val="centerGroup"/>
-                    </m:oMathParaPr>
-                    <m:oMath xmlns:m="http://schemas.openxmlformats.org/officeDocument/2006/math">
-                      <m:r>
-                        <a:rPr lang="en-US" i="1" smtClean="0">
-                          <a:latin typeface="Cambria Math" panose="02040503050406030204" pitchFamily="18" charset="0"/>
-                        </a:rPr>
-                        <m:t> </m:t>
-                      </m:r>
-                      <m:sSub>
-                        <m:sSubPr>
-                          <m:ctrlPr>
-                            <a:rPr lang="en-US" i="1">
-                              <a:latin typeface="Cambria Math" panose="02040503050406030204" pitchFamily="18" charset="0"/>
-                            </a:rPr>
-                          </m:ctrlPr>
-                        </m:sSubPr>
-                        <m:e>
-                          <m:r>
-                            <a:rPr lang="en-US" b="0" i="1" smtClean="0">
-                              <a:latin typeface="Cambria Math" panose="02040503050406030204" pitchFamily="18" charset="0"/>
-                            </a:rPr>
-                            <m:t>𝛽</m:t>
-                          </m:r>
-                        </m:e>
-                        <m:sub>
-                          <m:r>
-                            <a:rPr lang="en-US" i="1">
-                              <a:latin typeface="Cambria Math" panose="02040503050406030204" pitchFamily="18" charset="0"/>
-                            </a:rPr>
-                            <m:t>𝑗</m:t>
-                          </m:r>
-                          <m:r>
-                            <a:rPr lang="en-US" i="1">
-                              <a:latin typeface="Cambria Math" panose="02040503050406030204" pitchFamily="18" charset="0"/>
-                            </a:rPr>
-                            <m:t>,</m:t>
-                          </m:r>
-                          <m:r>
-                            <a:rPr lang="en-US" i="1">
-                              <a:latin typeface="Cambria Math" panose="02040503050406030204" pitchFamily="18" charset="0"/>
-                            </a:rPr>
-                            <m:t>𝑡</m:t>
-                          </m:r>
-                        </m:sub>
-                      </m:sSub>
-                    </m:oMath>
-                  </m:oMathPara>
-                </a14:m>
-                <a:endParaRPr lang="en-US" dirty="0">
-                  <a:effectLst>
-                    <a:outerShdw blurRad="38100" dist="38100" dir="2700000" algn="tl">
-                      <a:srgbClr val="000000">
-                        <a:alpha val="43137"/>
-                      </a:srgbClr>
-                    </a:outerShdw>
-                  </a:effectLst>
-                </a:endParaRPr>
+                <a:endParaRPr lang="en-US" dirty="0"/>
               </a:p>
             </p:txBody>
           </p:sp>
-        </mc:Choice>
-        <mc:Fallback xmlns="">
           <p:sp>
             <p:nvSpPr>
-              <p:cNvPr id="79" name="Rectangle 78"/>
-              <p:cNvSpPr>
-                <a:spLocks noRot="1" noChangeAspect="1" noMove="1" noResize="1" noEditPoints="1" noAdjustHandles="1" noChangeArrowheads="1" noChangeShapeType="1" noTextEdit="1"/>
-              </p:cNvSpPr>
+              <p:cNvPr id="654" name="Rectangle 653"/>
+              <p:cNvSpPr/>
               <p:nvPr/>
             </p:nvSpPr>
             <p:spPr>
               <a:xfrm>
-                <a:off x="1930236" y="1166226"/>
+                <a:off x="1592951" y="1891825"/>
                 <a:ext cx="457599" cy="453839"/>
               </a:xfrm>
               <a:prstGeom prst="rect">
                 <a:avLst/>
               </a:prstGeom>
-              <a:blipFill rotWithShape="0">
-                <a:blip r:embed="rId18"/>
-                <a:stretch>
-                  <a:fillRect l="-9091"/>
-                </a:stretch>
-              </a:blipFill>
-            </p:spPr>
-            <p:txBody>
-              <a:bodyPr/>
-              <a:lstStyle/>
-              <a:p>
-                <a:r>
-                  <a:rPr lang="en-US">
-                    <a:noFill/>
-                  </a:rPr>
-                  <a:t> </a:t>
-                </a:r>
-              </a:p>
-            </p:txBody>
-          </p:sp>
-        </mc:Fallback>
-      </mc:AlternateContent>
-      <mc:AlternateContent xmlns:mc="http://schemas.openxmlformats.org/markup-compatibility/2006" xmlns:a14="http://schemas.microsoft.com/office/drawing/2010/main">
-        <mc:Choice Requires="a14">
-          <p:sp>
-            <p:nvSpPr>
-              <p:cNvPr id="80" name="Rectangle 79"/>
-              <p:cNvSpPr/>
-              <p:nvPr/>
-            </p:nvSpPr>
-            <p:spPr>
-              <a:xfrm>
-                <a:off x="4430248" y="282707"/>
-                <a:ext cx="935828" cy="453839"/>
-              </a:xfrm>
-              <a:prstGeom prst="rect">
-                <a:avLst/>
-              </a:prstGeom>
-              <a:noFill/>
-              <a:ln>
-                <a:noFill/>
-              </a:ln>
+              <a:solidFill>
+                <a:schemeClr val="accent1">
+                  <a:lumMod val="20000"/>
+                  <a:lumOff val="80000"/>
+                </a:schemeClr>
+              </a:solidFill>
             </p:spPr>
             <p:style>
               <a:lnRef idx="2">
@@ -41981,65 +38824,1320 @@
               <a:lstStyle/>
               <a:p>
                 <a:pPr algn="ctr"/>
-                <a14:m>
-                  <m:oMathPara xmlns:m="http://schemas.openxmlformats.org/officeDocument/2006/math">
-                    <m:oMathParaPr>
-                      <m:jc m:val="centerGroup"/>
-                    </m:oMathParaPr>
-                    <m:oMath xmlns:m="http://schemas.openxmlformats.org/officeDocument/2006/math">
-                      <m:r>
-                        <a:rPr lang="en-US" sz="1400" i="1" smtClean="0">
-                          <a:solidFill>
-                            <a:schemeClr val="tx1"/>
-                          </a:solidFill>
-                          <a:latin typeface="Cambria Math" panose="02040503050406030204" pitchFamily="18" charset="0"/>
-                        </a:rPr>
-                        <m:t>𝑡</m:t>
-                      </m:r>
-                      <m:r>
-                        <m:rPr>
-                          <m:lit/>
-                        </m:rPr>
-                        <a:rPr lang="en-US" sz="1400" b="0" i="1" smtClean="0">
-                          <a:solidFill>
-                            <a:schemeClr val="tx1"/>
-                          </a:solidFill>
-                          <a:latin typeface="Cambria Math" panose="02040503050406030204" pitchFamily="18" charset="0"/>
-                        </a:rPr>
-                        <m:t>−</m:t>
-                      </m:r>
-                      <m:r>
-                        <a:rPr lang="en-US" sz="1400" i="1">
-                          <a:solidFill>
-                            <a:schemeClr val="tx1"/>
-                          </a:solidFill>
-                          <a:latin typeface="Cambria Math" panose="02040503050406030204" pitchFamily="18" charset="0"/>
-                        </a:rPr>
-                        <m:t>|</m:t>
-                      </m:r>
-                      <m:sSub>
-                        <m:sSubPr>
-                          <m:ctrlPr>
-                            <a:rPr lang="en-US" sz="1400" i="1">
+                <a:endParaRPr lang="en-US" dirty="0"/>
+              </a:p>
+            </p:txBody>
+          </p:sp>
+          <p:sp>
+            <p:nvSpPr>
+              <p:cNvPr id="655" name="Rectangle 654"/>
+              <p:cNvSpPr/>
+              <p:nvPr/>
+            </p:nvSpPr>
+            <p:spPr>
+              <a:xfrm>
+                <a:off x="2050550" y="1891825"/>
+                <a:ext cx="457599" cy="453839"/>
+              </a:xfrm>
+              <a:prstGeom prst="rect">
+                <a:avLst/>
+              </a:prstGeom>
+              <a:solidFill>
+                <a:schemeClr val="accent1">
+                  <a:lumMod val="20000"/>
+                  <a:lumOff val="80000"/>
+                </a:schemeClr>
+              </a:solidFill>
+            </p:spPr>
+            <p:style>
+              <a:lnRef idx="2">
+                <a:schemeClr val="accent1">
+                  <a:shade val="50000"/>
+                </a:schemeClr>
+              </a:lnRef>
+              <a:fillRef idx="1">
+                <a:schemeClr val="accent1"/>
+              </a:fillRef>
+              <a:effectRef idx="0">
+                <a:schemeClr val="accent1"/>
+              </a:effectRef>
+              <a:fontRef idx="minor">
+                <a:schemeClr val="lt1"/>
+              </a:fontRef>
+            </p:style>
+            <p:txBody>
+              <a:bodyPr rtlCol="0" anchor="ctr"/>
+              <a:lstStyle/>
+              <a:p>
+                <a:pPr algn="ctr"/>
+                <a:endParaRPr lang="en-US" dirty="0"/>
+              </a:p>
+            </p:txBody>
+          </p:sp>
+          <p:sp>
+            <p:nvSpPr>
+              <p:cNvPr id="656" name="Rectangle 655"/>
+              <p:cNvSpPr/>
+              <p:nvPr/>
+            </p:nvSpPr>
+            <p:spPr>
+              <a:xfrm>
+                <a:off x="2508149" y="1437986"/>
+                <a:ext cx="457599" cy="453839"/>
+              </a:xfrm>
+              <a:prstGeom prst="rect">
+                <a:avLst/>
+              </a:prstGeom>
+              <a:solidFill>
+                <a:schemeClr val="accent1">
+                  <a:lumMod val="20000"/>
+                  <a:lumOff val="80000"/>
+                </a:schemeClr>
+              </a:solidFill>
+            </p:spPr>
+            <p:style>
+              <a:lnRef idx="2">
+                <a:schemeClr val="accent1">
+                  <a:shade val="50000"/>
+                </a:schemeClr>
+              </a:lnRef>
+              <a:fillRef idx="1">
+                <a:schemeClr val="accent1"/>
+              </a:fillRef>
+              <a:effectRef idx="0">
+                <a:schemeClr val="accent1"/>
+              </a:effectRef>
+              <a:fontRef idx="minor">
+                <a:schemeClr val="lt1"/>
+              </a:fontRef>
+            </p:style>
+            <p:txBody>
+              <a:bodyPr rtlCol="0" anchor="ctr"/>
+              <a:lstStyle/>
+              <a:p>
+                <a:pPr algn="ctr"/>
+                <a:endParaRPr lang="en-US" dirty="0"/>
+              </a:p>
+            </p:txBody>
+          </p:sp>
+          <p:sp>
+            <p:nvSpPr>
+              <p:cNvPr id="657" name="Rectangle 656"/>
+              <p:cNvSpPr/>
+              <p:nvPr/>
+            </p:nvSpPr>
+            <p:spPr>
+              <a:xfrm>
+                <a:off x="2965748" y="1437986"/>
+                <a:ext cx="457599" cy="453839"/>
+              </a:xfrm>
+              <a:prstGeom prst="rect">
+                <a:avLst/>
+              </a:prstGeom>
+              <a:solidFill>
+                <a:schemeClr val="accent1"/>
+              </a:solidFill>
+            </p:spPr>
+            <p:style>
+              <a:lnRef idx="2">
+                <a:schemeClr val="accent1">
+                  <a:shade val="50000"/>
+                </a:schemeClr>
+              </a:lnRef>
+              <a:fillRef idx="1">
+                <a:schemeClr val="accent1"/>
+              </a:fillRef>
+              <a:effectRef idx="0">
+                <a:schemeClr val="accent1"/>
+              </a:effectRef>
+              <a:fontRef idx="minor">
+                <a:schemeClr val="lt1"/>
+              </a:fontRef>
+            </p:style>
+            <p:txBody>
+              <a:bodyPr rtlCol="0" anchor="ctr"/>
+              <a:lstStyle/>
+              <a:p>
+                <a:pPr algn="ctr"/>
+                <a:endParaRPr lang="en-US" dirty="0"/>
+              </a:p>
+            </p:txBody>
+          </p:sp>
+          <p:sp>
+            <p:nvSpPr>
+              <p:cNvPr id="658" name="Rectangle 657"/>
+              <p:cNvSpPr/>
+              <p:nvPr/>
+            </p:nvSpPr>
+            <p:spPr>
+              <a:xfrm>
+                <a:off x="2508149" y="1891825"/>
+                <a:ext cx="457599" cy="453839"/>
+              </a:xfrm>
+              <a:prstGeom prst="rect">
+                <a:avLst/>
+              </a:prstGeom>
+              <a:solidFill>
+                <a:schemeClr val="accent1">
+                  <a:lumMod val="20000"/>
+                  <a:lumOff val="80000"/>
+                </a:schemeClr>
+              </a:solidFill>
+            </p:spPr>
+            <p:style>
+              <a:lnRef idx="2">
+                <a:schemeClr val="accent1">
+                  <a:shade val="50000"/>
+                </a:schemeClr>
+              </a:lnRef>
+              <a:fillRef idx="1">
+                <a:schemeClr val="accent1"/>
+              </a:fillRef>
+              <a:effectRef idx="0">
+                <a:schemeClr val="accent1"/>
+              </a:effectRef>
+              <a:fontRef idx="minor">
+                <a:schemeClr val="lt1"/>
+              </a:fontRef>
+            </p:style>
+            <p:txBody>
+              <a:bodyPr rtlCol="0" anchor="ctr"/>
+              <a:lstStyle/>
+              <a:p>
+                <a:pPr algn="ctr"/>
+                <a:endParaRPr lang="en-US" dirty="0"/>
+              </a:p>
+            </p:txBody>
+          </p:sp>
+          <p:sp>
+            <p:nvSpPr>
+              <p:cNvPr id="659" name="Rectangle 658"/>
+              <p:cNvSpPr/>
+              <p:nvPr/>
+            </p:nvSpPr>
+            <p:spPr>
+              <a:xfrm>
+                <a:off x="2965748" y="1891825"/>
+                <a:ext cx="457599" cy="453839"/>
+              </a:xfrm>
+              <a:prstGeom prst="rect">
+                <a:avLst/>
+              </a:prstGeom>
+              <a:solidFill>
+                <a:schemeClr val="accent1"/>
+              </a:solidFill>
+            </p:spPr>
+            <p:style>
+              <a:lnRef idx="2">
+                <a:schemeClr val="accent1">
+                  <a:shade val="50000"/>
+                </a:schemeClr>
+              </a:lnRef>
+              <a:fillRef idx="1">
+                <a:schemeClr val="accent1"/>
+              </a:fillRef>
+              <a:effectRef idx="0">
+                <a:schemeClr val="accent1"/>
+              </a:effectRef>
+              <a:fontRef idx="minor">
+                <a:schemeClr val="lt1"/>
+              </a:fontRef>
+            </p:style>
+            <p:txBody>
+              <a:bodyPr rtlCol="0" anchor="ctr"/>
+              <a:lstStyle/>
+              <a:p>
+                <a:pPr algn="ctr"/>
+                <a:endParaRPr lang="en-US" dirty="0"/>
+              </a:p>
+            </p:txBody>
+          </p:sp>
+          <p:sp>
+            <p:nvSpPr>
+              <p:cNvPr id="660" name="Rectangle 659"/>
+              <p:cNvSpPr/>
+              <p:nvPr/>
+            </p:nvSpPr>
+            <p:spPr>
+              <a:xfrm>
+                <a:off x="1592951" y="2345664"/>
+                <a:ext cx="457599" cy="453839"/>
+              </a:xfrm>
+              <a:prstGeom prst="rect">
+                <a:avLst/>
+              </a:prstGeom>
+              <a:solidFill>
+                <a:schemeClr val="accent1">
+                  <a:lumMod val="20000"/>
+                  <a:lumOff val="80000"/>
+                </a:schemeClr>
+              </a:solidFill>
+            </p:spPr>
+            <p:style>
+              <a:lnRef idx="2">
+                <a:schemeClr val="accent1">
+                  <a:shade val="50000"/>
+                </a:schemeClr>
+              </a:lnRef>
+              <a:fillRef idx="1">
+                <a:schemeClr val="accent1"/>
+              </a:fillRef>
+              <a:effectRef idx="0">
+                <a:schemeClr val="accent1"/>
+              </a:effectRef>
+              <a:fontRef idx="minor">
+                <a:schemeClr val="lt1"/>
+              </a:fontRef>
+            </p:style>
+            <p:txBody>
+              <a:bodyPr rtlCol="0" anchor="ctr"/>
+              <a:lstStyle/>
+              <a:p>
+                <a:pPr algn="ctr"/>
+                <a:endParaRPr lang="en-US" dirty="0"/>
+              </a:p>
+            </p:txBody>
+          </p:sp>
+          <p:sp>
+            <p:nvSpPr>
+              <p:cNvPr id="661" name="Rectangle 660"/>
+              <p:cNvSpPr/>
+              <p:nvPr/>
+            </p:nvSpPr>
+            <p:spPr>
+              <a:xfrm>
+                <a:off x="2050550" y="2345664"/>
+                <a:ext cx="457599" cy="453839"/>
+              </a:xfrm>
+              <a:prstGeom prst="rect">
+                <a:avLst/>
+              </a:prstGeom>
+              <a:solidFill>
+                <a:schemeClr val="accent1">
+                  <a:lumMod val="20000"/>
+                  <a:lumOff val="80000"/>
+                </a:schemeClr>
+              </a:solidFill>
+            </p:spPr>
+            <p:style>
+              <a:lnRef idx="2">
+                <a:schemeClr val="accent1">
+                  <a:shade val="50000"/>
+                </a:schemeClr>
+              </a:lnRef>
+              <a:fillRef idx="1">
+                <a:schemeClr val="accent1"/>
+              </a:fillRef>
+              <a:effectRef idx="0">
+                <a:schemeClr val="accent1"/>
+              </a:effectRef>
+              <a:fontRef idx="minor">
+                <a:schemeClr val="lt1"/>
+              </a:fontRef>
+            </p:style>
+            <p:txBody>
+              <a:bodyPr rtlCol="0" anchor="ctr"/>
+              <a:lstStyle/>
+              <a:p>
+                <a:pPr algn="ctr"/>
+                <a:endParaRPr lang="en-US" dirty="0"/>
+              </a:p>
+            </p:txBody>
+          </p:sp>
+          <p:sp>
+            <p:nvSpPr>
+              <p:cNvPr id="662" name="Rectangle 661"/>
+              <p:cNvSpPr/>
+              <p:nvPr/>
+            </p:nvSpPr>
+            <p:spPr>
+              <a:xfrm>
+                <a:off x="1592951" y="2799503"/>
+                <a:ext cx="457599" cy="453839"/>
+              </a:xfrm>
+              <a:prstGeom prst="rect">
+                <a:avLst/>
+              </a:prstGeom>
+              <a:solidFill>
+                <a:schemeClr val="accent1">
+                  <a:lumMod val="20000"/>
+                  <a:lumOff val="80000"/>
+                </a:schemeClr>
+              </a:solidFill>
+            </p:spPr>
+            <p:style>
+              <a:lnRef idx="2">
+                <a:schemeClr val="accent1">
+                  <a:shade val="50000"/>
+                </a:schemeClr>
+              </a:lnRef>
+              <a:fillRef idx="1">
+                <a:schemeClr val="accent1"/>
+              </a:fillRef>
+              <a:effectRef idx="0">
+                <a:schemeClr val="accent1"/>
+              </a:effectRef>
+              <a:fontRef idx="minor">
+                <a:schemeClr val="lt1"/>
+              </a:fontRef>
+            </p:style>
+            <p:txBody>
+              <a:bodyPr rtlCol="0" anchor="ctr"/>
+              <a:lstStyle/>
+              <a:p>
+                <a:pPr algn="ctr"/>
+                <a:endParaRPr lang="en-US" dirty="0"/>
+              </a:p>
+            </p:txBody>
+          </p:sp>
+          <p:sp>
+            <p:nvSpPr>
+              <p:cNvPr id="663" name="Rectangle 662"/>
+              <p:cNvSpPr/>
+              <p:nvPr/>
+            </p:nvSpPr>
+            <p:spPr>
+              <a:xfrm>
+                <a:off x="2050550" y="2799503"/>
+                <a:ext cx="457599" cy="453839"/>
+              </a:xfrm>
+              <a:prstGeom prst="rect">
+                <a:avLst/>
+              </a:prstGeom>
+              <a:solidFill>
+                <a:schemeClr val="accent1">
+                  <a:lumMod val="20000"/>
+                  <a:lumOff val="80000"/>
+                </a:schemeClr>
+              </a:solidFill>
+            </p:spPr>
+            <p:style>
+              <a:lnRef idx="2">
+                <a:schemeClr val="accent1">
+                  <a:shade val="50000"/>
+                </a:schemeClr>
+              </a:lnRef>
+              <a:fillRef idx="1">
+                <a:schemeClr val="accent1"/>
+              </a:fillRef>
+              <a:effectRef idx="0">
+                <a:schemeClr val="accent1"/>
+              </a:effectRef>
+              <a:fontRef idx="minor">
+                <a:schemeClr val="lt1"/>
+              </a:fontRef>
+            </p:style>
+            <p:txBody>
+              <a:bodyPr rtlCol="0" anchor="ctr"/>
+              <a:lstStyle/>
+              <a:p>
+                <a:pPr algn="ctr"/>
+                <a:endParaRPr lang="en-US" dirty="0"/>
+              </a:p>
+            </p:txBody>
+          </p:sp>
+          <p:sp>
+            <p:nvSpPr>
+              <p:cNvPr id="664" name="Rectangle 663"/>
+              <p:cNvSpPr/>
+              <p:nvPr/>
+            </p:nvSpPr>
+            <p:spPr>
+              <a:xfrm>
+                <a:off x="2508149" y="2345664"/>
+                <a:ext cx="457599" cy="453839"/>
+              </a:xfrm>
+              <a:prstGeom prst="rect">
+                <a:avLst/>
+              </a:prstGeom>
+              <a:solidFill>
+                <a:schemeClr val="accent1">
+                  <a:lumMod val="20000"/>
+                  <a:lumOff val="80000"/>
+                </a:schemeClr>
+              </a:solidFill>
+            </p:spPr>
+            <p:style>
+              <a:lnRef idx="2">
+                <a:schemeClr val="accent1">
+                  <a:shade val="50000"/>
+                </a:schemeClr>
+              </a:lnRef>
+              <a:fillRef idx="1">
+                <a:schemeClr val="accent1"/>
+              </a:fillRef>
+              <a:effectRef idx="0">
+                <a:schemeClr val="accent1"/>
+              </a:effectRef>
+              <a:fontRef idx="minor">
+                <a:schemeClr val="lt1"/>
+              </a:fontRef>
+            </p:style>
+            <p:txBody>
+              <a:bodyPr rtlCol="0" anchor="ctr"/>
+              <a:lstStyle/>
+              <a:p>
+                <a:pPr algn="ctr"/>
+                <a:endParaRPr lang="en-US" dirty="0"/>
+              </a:p>
+            </p:txBody>
+          </p:sp>
+          <p:sp>
+            <p:nvSpPr>
+              <p:cNvPr id="665" name="Rectangle 664"/>
+              <p:cNvSpPr/>
+              <p:nvPr/>
+            </p:nvSpPr>
+            <p:spPr>
+              <a:xfrm>
+                <a:off x="2965748" y="2345664"/>
+                <a:ext cx="457599" cy="453839"/>
+              </a:xfrm>
+              <a:prstGeom prst="rect">
+                <a:avLst/>
+              </a:prstGeom>
+              <a:solidFill>
+                <a:schemeClr val="accent1"/>
+              </a:solidFill>
+            </p:spPr>
+            <p:style>
+              <a:lnRef idx="2">
+                <a:schemeClr val="accent1">
+                  <a:shade val="50000"/>
+                </a:schemeClr>
+              </a:lnRef>
+              <a:fillRef idx="1">
+                <a:schemeClr val="accent1"/>
+              </a:fillRef>
+              <a:effectRef idx="0">
+                <a:schemeClr val="accent1"/>
+              </a:effectRef>
+              <a:fontRef idx="minor">
+                <a:schemeClr val="lt1"/>
+              </a:fontRef>
+            </p:style>
+            <p:txBody>
+              <a:bodyPr rtlCol="0" anchor="ctr"/>
+              <a:lstStyle/>
+              <a:p>
+                <a:pPr algn="ctr"/>
+                <a:endParaRPr lang="en-US" dirty="0"/>
+              </a:p>
+            </p:txBody>
+          </p:sp>
+          <p:sp>
+            <p:nvSpPr>
+              <p:cNvPr id="666" name="Rectangle 665"/>
+              <p:cNvSpPr/>
+              <p:nvPr/>
+            </p:nvSpPr>
+            <p:spPr>
+              <a:xfrm>
+                <a:off x="2508149" y="2799503"/>
+                <a:ext cx="457599" cy="453839"/>
+              </a:xfrm>
+              <a:prstGeom prst="rect">
+                <a:avLst/>
+              </a:prstGeom>
+              <a:solidFill>
+                <a:schemeClr val="accent1">
+                  <a:lumMod val="20000"/>
+                  <a:lumOff val="80000"/>
+                </a:schemeClr>
+              </a:solidFill>
+            </p:spPr>
+            <p:style>
+              <a:lnRef idx="2">
+                <a:schemeClr val="accent1">
+                  <a:shade val="50000"/>
+                </a:schemeClr>
+              </a:lnRef>
+              <a:fillRef idx="1">
+                <a:schemeClr val="accent1"/>
+              </a:fillRef>
+              <a:effectRef idx="0">
+                <a:schemeClr val="accent1"/>
+              </a:effectRef>
+              <a:fontRef idx="minor">
+                <a:schemeClr val="lt1"/>
+              </a:fontRef>
+            </p:style>
+            <p:txBody>
+              <a:bodyPr rtlCol="0" anchor="ctr"/>
+              <a:lstStyle/>
+              <a:p>
+                <a:pPr algn="ctr"/>
+                <a:endParaRPr lang="en-US" dirty="0"/>
+              </a:p>
+            </p:txBody>
+          </p:sp>
+          <p:sp>
+            <p:nvSpPr>
+              <p:cNvPr id="667" name="Rectangle 666"/>
+              <p:cNvSpPr/>
+              <p:nvPr/>
+            </p:nvSpPr>
+            <p:spPr>
+              <a:xfrm>
+                <a:off x="2965748" y="2799503"/>
+                <a:ext cx="457599" cy="453839"/>
+              </a:xfrm>
+              <a:prstGeom prst="rect">
+                <a:avLst/>
+              </a:prstGeom>
+              <a:solidFill>
+                <a:schemeClr val="accent1"/>
+              </a:solidFill>
+            </p:spPr>
+            <p:style>
+              <a:lnRef idx="2">
+                <a:schemeClr val="accent1">
+                  <a:shade val="50000"/>
+                </a:schemeClr>
+              </a:lnRef>
+              <a:fillRef idx="1">
+                <a:schemeClr val="accent1"/>
+              </a:fillRef>
+              <a:effectRef idx="0">
+                <a:schemeClr val="accent1"/>
+              </a:effectRef>
+              <a:fontRef idx="minor">
+                <a:schemeClr val="lt1"/>
+              </a:fontRef>
+            </p:style>
+            <p:txBody>
+              <a:bodyPr rtlCol="0" anchor="ctr"/>
+              <a:lstStyle/>
+              <a:p>
+                <a:pPr algn="ctr"/>
+                <a:endParaRPr lang="en-US" dirty="0"/>
+              </a:p>
+            </p:txBody>
+          </p:sp>
+          <p:sp>
+            <p:nvSpPr>
+              <p:cNvPr id="668" name="Rectangle 667"/>
+              <p:cNvSpPr/>
+              <p:nvPr/>
+            </p:nvSpPr>
+            <p:spPr>
+              <a:xfrm>
+                <a:off x="3423347" y="1437986"/>
+                <a:ext cx="457599" cy="453839"/>
+              </a:xfrm>
+              <a:prstGeom prst="rect">
+                <a:avLst/>
+              </a:prstGeom>
+              <a:noFill/>
+            </p:spPr>
+            <p:style>
+              <a:lnRef idx="2">
+                <a:schemeClr val="accent1">
+                  <a:shade val="50000"/>
+                </a:schemeClr>
+              </a:lnRef>
+              <a:fillRef idx="1">
+                <a:schemeClr val="accent1"/>
+              </a:fillRef>
+              <a:effectRef idx="0">
+                <a:schemeClr val="accent1"/>
+              </a:effectRef>
+              <a:fontRef idx="minor">
+                <a:schemeClr val="lt1"/>
+              </a:fontRef>
+            </p:style>
+            <p:txBody>
+              <a:bodyPr rtlCol="0" anchor="ctr"/>
+              <a:lstStyle/>
+              <a:p>
+                <a:pPr algn="ctr"/>
+                <a:endParaRPr lang="en-US" dirty="0"/>
+              </a:p>
+            </p:txBody>
+          </p:sp>
+          <p:sp>
+            <p:nvSpPr>
+              <p:cNvPr id="669" name="Rectangle 668"/>
+              <p:cNvSpPr/>
+              <p:nvPr/>
+            </p:nvSpPr>
+            <p:spPr>
+              <a:xfrm>
+                <a:off x="3880946" y="1437986"/>
+                <a:ext cx="457599" cy="453839"/>
+              </a:xfrm>
+              <a:prstGeom prst="rect">
+                <a:avLst/>
+              </a:prstGeom>
+              <a:noFill/>
+            </p:spPr>
+            <p:style>
+              <a:lnRef idx="2">
+                <a:schemeClr val="accent1">
+                  <a:shade val="50000"/>
+                </a:schemeClr>
+              </a:lnRef>
+              <a:fillRef idx="1">
+                <a:schemeClr val="accent1"/>
+              </a:fillRef>
+              <a:effectRef idx="0">
+                <a:schemeClr val="accent1"/>
+              </a:effectRef>
+              <a:fontRef idx="minor">
+                <a:schemeClr val="lt1"/>
+              </a:fontRef>
+            </p:style>
+            <p:txBody>
+              <a:bodyPr rtlCol="0" anchor="ctr"/>
+              <a:lstStyle/>
+              <a:p>
+                <a:pPr algn="ctr"/>
+                <a:endParaRPr lang="en-US" dirty="0"/>
+              </a:p>
+            </p:txBody>
+          </p:sp>
+          <mc:AlternateContent xmlns:mc="http://schemas.openxmlformats.org/markup-compatibility/2006">
+            <mc:Choice xmlns:a14="http://schemas.microsoft.com/office/drawing/2010/main" Requires="a14">
+              <p:sp>
+                <p:nvSpPr>
+                  <p:cNvPr id="670" name="Rectangle 669"/>
+                  <p:cNvSpPr/>
+                  <p:nvPr/>
+                </p:nvSpPr>
+                <p:spPr>
+                  <a:xfrm>
+                    <a:off x="3423347" y="1891825"/>
+                    <a:ext cx="457599" cy="453839"/>
+                  </a:xfrm>
+                  <a:prstGeom prst="rect">
+                    <a:avLst/>
+                  </a:prstGeom>
+                  <a:solidFill>
+                    <a:schemeClr val="accent6"/>
+                  </a:solidFill>
+                </p:spPr>
+                <p:style>
+                  <a:lnRef idx="2">
+                    <a:schemeClr val="accent1">
+                      <a:shade val="50000"/>
+                    </a:schemeClr>
+                  </a:lnRef>
+                  <a:fillRef idx="1">
+                    <a:schemeClr val="accent1"/>
+                  </a:fillRef>
+                  <a:effectRef idx="0">
+                    <a:schemeClr val="accent1"/>
+                  </a:effectRef>
+                  <a:fontRef idx="minor">
+                    <a:schemeClr val="lt1"/>
+                  </a:fontRef>
+                </p:style>
+                <p:txBody>
+                  <a:bodyPr rtlCol="0" anchor="ctr"/>
+                  <a:lstStyle/>
+                  <a:p>
+                    <a:pPr algn="ctr"/>
+                    <a14:m>
+                      <m:oMathPara xmlns:m="http://schemas.openxmlformats.org/officeDocument/2006/math">
+                        <m:oMathParaPr>
+                          <m:jc m:val="centerGroup"/>
+                        </m:oMathParaPr>
+                        <m:oMath xmlns:m="http://schemas.openxmlformats.org/officeDocument/2006/math">
+                          <m:r>
+                            <a:rPr lang="en-US" b="0" i="1" smtClean="0">
+                              <a:latin typeface="Cambria Math" panose="02040503050406030204" pitchFamily="18" charset="0"/>
+                            </a:rPr>
+                            <m:t>  </m:t>
+                          </m:r>
+                          <m:sSub>
+                            <m:sSubPr>
+                              <m:ctrlPr>
+                                <a:rPr lang="en-US" b="0" i="1" smtClean="0">
+                                  <a:latin typeface="Cambria Math" panose="02040503050406030204" pitchFamily="18" charset="0"/>
+                                </a:rPr>
+                              </m:ctrlPr>
+                            </m:sSubPr>
+                            <m:e>
+                              <m:r>
+                                <a:rPr lang="en-US" b="0" i="1" smtClean="0">
+                                  <a:latin typeface="Cambria Math" panose="02040503050406030204" pitchFamily="18" charset="0"/>
+                                </a:rPr>
+                                <m:t>𝛼</m:t>
+                              </m:r>
+                            </m:e>
+                            <m:sub>
+                              <m:r>
+                                <a:rPr lang="en-US" b="0" i="1" smtClean="0">
+                                  <a:latin typeface="Cambria Math" panose="02040503050406030204" pitchFamily="18" charset="0"/>
+                                </a:rPr>
+                                <m:t>𝑗</m:t>
+                              </m:r>
+                              <m:r>
+                                <a:rPr lang="en-US" b="0" i="1" smtClean="0">
+                                  <a:latin typeface="Cambria Math" panose="02040503050406030204" pitchFamily="18" charset="0"/>
+                                </a:rPr>
+                                <m:t>,</m:t>
+                              </m:r>
+                              <m:r>
+                                <a:rPr lang="en-US" b="0" i="1" smtClean="0">
+                                  <a:latin typeface="Cambria Math" panose="02040503050406030204" pitchFamily="18" charset="0"/>
+                                </a:rPr>
+                                <m:t>𝑡</m:t>
+                              </m:r>
+                            </m:sub>
+                          </m:sSub>
+                        </m:oMath>
+                      </m:oMathPara>
+                    </a14:m>
+                    <a:endParaRPr lang="en-US" dirty="0"/>
+                  </a:p>
+                </p:txBody>
+              </p:sp>
+            </mc:Choice>
+            <mc:Fallback>
+              <p:sp>
+                <p:nvSpPr>
+                  <p:cNvPr id="670" name="Rectangle 669"/>
+                  <p:cNvSpPr>
+                    <a:spLocks noRot="1" noChangeAspect="1" noMove="1" noResize="1" noEditPoints="1" noAdjustHandles="1" noChangeArrowheads="1" noChangeShapeType="1" noTextEdit="1"/>
+                  </p:cNvSpPr>
+                  <p:nvPr/>
+                </p:nvSpPr>
+                <p:spPr>
+                  <a:xfrm>
+                    <a:off x="3423347" y="1891825"/>
+                    <a:ext cx="457599" cy="453839"/>
+                  </a:xfrm>
+                  <a:prstGeom prst="rect">
+                    <a:avLst/>
+                  </a:prstGeom>
+                  <a:blipFill rotWithShape="0">
+                    <a:blip r:embed="rId2"/>
+                    <a:stretch>
+                      <a:fillRect l="-1299"/>
+                    </a:stretch>
+                  </a:blipFill>
+                </p:spPr>
+                <p:txBody>
+                  <a:bodyPr/>
+                  <a:lstStyle/>
+                  <a:p>
+                    <a:r>
+                      <a:rPr lang="en-US">
+                        <a:noFill/>
+                      </a:rPr>
+                      <a:t> </a:t>
+                    </a:r>
+                  </a:p>
+                </p:txBody>
+              </p:sp>
+            </mc:Fallback>
+          </mc:AlternateContent>
+          <p:sp>
+            <p:nvSpPr>
+              <p:cNvPr id="671" name="Rectangle 670"/>
+              <p:cNvSpPr/>
+              <p:nvPr/>
+            </p:nvSpPr>
+            <p:spPr>
+              <a:xfrm>
+                <a:off x="3880946" y="1891825"/>
+                <a:ext cx="457599" cy="453839"/>
+              </a:xfrm>
+              <a:prstGeom prst="rect">
+                <a:avLst/>
+              </a:prstGeom>
+              <a:noFill/>
+            </p:spPr>
+            <p:style>
+              <a:lnRef idx="2">
+                <a:schemeClr val="accent1">
+                  <a:shade val="50000"/>
+                </a:schemeClr>
+              </a:lnRef>
+              <a:fillRef idx="1">
+                <a:schemeClr val="accent1"/>
+              </a:fillRef>
+              <a:effectRef idx="0">
+                <a:schemeClr val="accent1"/>
+              </a:effectRef>
+              <a:fontRef idx="minor">
+                <a:schemeClr val="lt1"/>
+              </a:fontRef>
+            </p:style>
+            <p:txBody>
+              <a:bodyPr rtlCol="0" anchor="ctr"/>
+              <a:lstStyle/>
+              <a:p>
+                <a:pPr algn="ctr"/>
+                <a:endParaRPr lang="en-US" dirty="0"/>
+              </a:p>
+            </p:txBody>
+          </p:sp>
+          <p:sp>
+            <p:nvSpPr>
+              <p:cNvPr id="672" name="Rectangle 671"/>
+              <p:cNvSpPr/>
+              <p:nvPr/>
+            </p:nvSpPr>
+            <p:spPr>
+              <a:xfrm>
+                <a:off x="3423347" y="2345664"/>
+                <a:ext cx="457599" cy="453839"/>
+              </a:xfrm>
+              <a:prstGeom prst="rect">
+                <a:avLst/>
+              </a:prstGeom>
+              <a:noFill/>
+            </p:spPr>
+            <p:style>
+              <a:lnRef idx="2">
+                <a:schemeClr val="accent1">
+                  <a:shade val="50000"/>
+                </a:schemeClr>
+              </a:lnRef>
+              <a:fillRef idx="1">
+                <a:schemeClr val="accent1"/>
+              </a:fillRef>
+              <a:effectRef idx="0">
+                <a:schemeClr val="accent1"/>
+              </a:effectRef>
+              <a:fontRef idx="minor">
+                <a:schemeClr val="lt1"/>
+              </a:fontRef>
+            </p:style>
+            <p:txBody>
+              <a:bodyPr rtlCol="0" anchor="ctr"/>
+              <a:lstStyle/>
+              <a:p>
+                <a:pPr algn="ctr"/>
+                <a:endParaRPr lang="en-US" dirty="0"/>
+              </a:p>
+            </p:txBody>
+          </p:sp>
+          <p:sp>
+            <p:nvSpPr>
+              <p:cNvPr id="673" name="Rectangle 672"/>
+              <p:cNvSpPr/>
+              <p:nvPr/>
+            </p:nvSpPr>
+            <p:spPr>
+              <a:xfrm>
+                <a:off x="3880946" y="2345664"/>
+                <a:ext cx="457599" cy="453839"/>
+              </a:xfrm>
+              <a:prstGeom prst="rect">
+                <a:avLst/>
+              </a:prstGeom>
+              <a:noFill/>
+            </p:spPr>
+            <p:style>
+              <a:lnRef idx="2">
+                <a:schemeClr val="accent1">
+                  <a:shade val="50000"/>
+                </a:schemeClr>
+              </a:lnRef>
+              <a:fillRef idx="1">
+                <a:schemeClr val="accent1"/>
+              </a:fillRef>
+              <a:effectRef idx="0">
+                <a:schemeClr val="accent1"/>
+              </a:effectRef>
+              <a:fontRef idx="minor">
+                <a:schemeClr val="lt1"/>
+              </a:fontRef>
+            </p:style>
+            <p:txBody>
+              <a:bodyPr rtlCol="0" anchor="ctr"/>
+              <a:lstStyle/>
+              <a:p>
+                <a:pPr algn="ctr"/>
+                <a:endParaRPr lang="en-US" dirty="0"/>
+              </a:p>
+            </p:txBody>
+          </p:sp>
+          <p:sp>
+            <p:nvSpPr>
+              <p:cNvPr id="674" name="Rectangle 673"/>
+              <p:cNvSpPr/>
+              <p:nvPr/>
+            </p:nvSpPr>
+            <p:spPr>
+              <a:xfrm>
+                <a:off x="3423347" y="2799503"/>
+                <a:ext cx="457599" cy="453839"/>
+              </a:xfrm>
+              <a:prstGeom prst="rect">
+                <a:avLst/>
+              </a:prstGeom>
+              <a:noFill/>
+            </p:spPr>
+            <p:style>
+              <a:lnRef idx="2">
+                <a:schemeClr val="accent1">
+                  <a:shade val="50000"/>
+                </a:schemeClr>
+              </a:lnRef>
+              <a:fillRef idx="1">
+                <a:schemeClr val="accent1"/>
+              </a:fillRef>
+              <a:effectRef idx="0">
+                <a:schemeClr val="accent1"/>
+              </a:effectRef>
+              <a:fontRef idx="minor">
+                <a:schemeClr val="lt1"/>
+              </a:fontRef>
+            </p:style>
+            <p:txBody>
+              <a:bodyPr rtlCol="0" anchor="ctr"/>
+              <a:lstStyle/>
+              <a:p>
+                <a:pPr algn="ctr"/>
+                <a:endParaRPr lang="en-US" dirty="0"/>
+              </a:p>
+            </p:txBody>
+          </p:sp>
+          <p:sp>
+            <p:nvSpPr>
+              <p:cNvPr id="675" name="Rectangle 674"/>
+              <p:cNvSpPr/>
+              <p:nvPr/>
+            </p:nvSpPr>
+            <p:spPr>
+              <a:xfrm>
+                <a:off x="3880946" y="2799503"/>
+                <a:ext cx="457599" cy="453839"/>
+              </a:xfrm>
+              <a:prstGeom prst="rect">
+                <a:avLst/>
+              </a:prstGeom>
+              <a:noFill/>
+            </p:spPr>
+            <p:style>
+              <a:lnRef idx="2">
+                <a:schemeClr val="accent1">
+                  <a:shade val="50000"/>
+                </a:schemeClr>
+              </a:lnRef>
+              <a:fillRef idx="1">
+                <a:schemeClr val="accent1"/>
+              </a:fillRef>
+              <a:effectRef idx="0">
+                <a:schemeClr val="accent1"/>
+              </a:effectRef>
+              <a:fontRef idx="minor">
+                <a:schemeClr val="lt1"/>
+              </a:fontRef>
+            </p:style>
+            <p:txBody>
+              <a:bodyPr rtlCol="0" anchor="ctr"/>
+              <a:lstStyle/>
+              <a:p>
+                <a:pPr algn="ctr"/>
+                <a:endParaRPr lang="en-US" dirty="0"/>
+              </a:p>
+            </p:txBody>
+          </p:sp>
+          <mc:AlternateContent xmlns:mc="http://schemas.openxmlformats.org/markup-compatibility/2006">
+            <mc:Choice xmlns:a14="http://schemas.microsoft.com/office/drawing/2010/main" Requires="a14">
+              <p:sp>
+                <p:nvSpPr>
+                  <p:cNvPr id="676" name="Rectangle 675"/>
+                  <p:cNvSpPr/>
+                  <p:nvPr/>
+                </p:nvSpPr>
+                <p:spPr>
+                  <a:xfrm>
+                    <a:off x="3423346" y="988837"/>
+                    <a:ext cx="457599" cy="453839"/>
+                  </a:xfrm>
+                  <a:prstGeom prst="rect">
+                    <a:avLst/>
+                  </a:prstGeom>
+                  <a:noFill/>
+                  <a:ln>
+                    <a:noFill/>
+                  </a:ln>
+                </p:spPr>
+                <p:style>
+                  <a:lnRef idx="2">
+                    <a:schemeClr val="accent1">
+                      <a:shade val="50000"/>
+                    </a:schemeClr>
+                  </a:lnRef>
+                  <a:fillRef idx="1">
+                    <a:schemeClr val="accent1"/>
+                  </a:fillRef>
+                  <a:effectRef idx="0">
+                    <a:schemeClr val="accent1"/>
+                  </a:effectRef>
+                  <a:fontRef idx="minor">
+                    <a:schemeClr val="lt1"/>
+                  </a:fontRef>
+                </p:style>
+                <p:txBody>
+                  <a:bodyPr rtlCol="0" anchor="ctr"/>
+                  <a:lstStyle/>
+                  <a:p>
+                    <a:pPr algn="ctr"/>
+                    <a14:m>
+                      <m:oMathPara xmlns:m="http://schemas.openxmlformats.org/officeDocument/2006/math">
+                        <m:oMathParaPr>
+                          <m:jc m:val="centerGroup"/>
+                        </m:oMathParaPr>
+                        <m:oMath xmlns:m="http://schemas.openxmlformats.org/officeDocument/2006/math">
+                          <m:r>
+                            <a:rPr lang="en-US" sz="1600" b="0" i="1" smtClean="0">
                               <a:solidFill>
                                 <a:schemeClr val="tx1"/>
                               </a:solidFill>
                               <a:latin typeface="Cambria Math" panose="02040503050406030204" pitchFamily="18" charset="0"/>
                             </a:rPr>
-                          </m:ctrlPr>
-                        </m:sSubPr>
-                        <m:e>
+                            <m:t> </m:t>
+                          </m:r>
                           <m:r>
-                            <a:rPr lang="en-US" sz="1400" i="1">
+                            <a:rPr lang="en-US" sz="1600" b="0" i="1" smtClean="0">
                               <a:solidFill>
                                 <a:schemeClr val="tx1"/>
                               </a:solidFill>
                               <a:latin typeface="Cambria Math" panose="02040503050406030204" pitchFamily="18" charset="0"/>
                             </a:rPr>
-                            <m:t>𝑊</m:t>
+                            <m:t>𝑡</m:t>
                           </m:r>
-                        </m:e>
-                        <m:sub>
+                        </m:oMath>
+                      </m:oMathPara>
+                    </a14:m>
+                    <a:endParaRPr lang="en-US" dirty="0">
+                      <a:solidFill>
+                        <a:schemeClr val="tx1"/>
+                      </a:solidFill>
+                    </a:endParaRPr>
+                  </a:p>
+                </p:txBody>
+              </p:sp>
+            </mc:Choice>
+            <mc:Fallback>
+              <p:sp>
+                <p:nvSpPr>
+                  <p:cNvPr id="676" name="Rectangle 675"/>
+                  <p:cNvSpPr>
+                    <a:spLocks noRot="1" noChangeAspect="1" noMove="1" noResize="1" noEditPoints="1" noAdjustHandles="1" noChangeArrowheads="1" noChangeShapeType="1" noTextEdit="1"/>
+                  </p:cNvSpPr>
+                  <p:nvPr/>
+                </p:nvSpPr>
+                <p:spPr>
+                  <a:xfrm>
+                    <a:off x="3423346" y="988837"/>
+                    <a:ext cx="457599" cy="453839"/>
+                  </a:xfrm>
+                  <a:prstGeom prst="rect">
+                    <a:avLst/>
+                  </a:prstGeom>
+                  <a:blipFill rotWithShape="0">
+                    <a:blip r:embed="rId3"/>
+                    <a:stretch>
+                      <a:fillRect/>
+                    </a:stretch>
+                  </a:blipFill>
+                  <a:ln>
+                    <a:noFill/>
+                  </a:ln>
+                </p:spPr>
+                <p:txBody>
+                  <a:bodyPr/>
+                  <a:lstStyle/>
+                  <a:p>
+                    <a:r>
+                      <a:rPr lang="en-US">
+                        <a:noFill/>
+                      </a:rPr>
+                      <a:t> </a:t>
+                    </a:r>
+                  </a:p>
+                </p:txBody>
+              </p:sp>
+            </mc:Fallback>
+          </mc:AlternateContent>
+          <p:cxnSp>
+            <p:nvCxnSpPr>
+              <p:cNvPr id="677" name="Straight Arrow Connector 676"/>
+              <p:cNvCxnSpPr/>
+              <p:nvPr/>
+            </p:nvCxnSpPr>
+            <p:spPr>
+              <a:xfrm>
+                <a:off x="3257154" y="1723871"/>
+                <a:ext cx="219206" cy="239523"/>
+              </a:xfrm>
+              <a:prstGeom prst="straightConnector1">
+                <a:avLst/>
+              </a:prstGeom>
+              <a:ln w="19050">
+                <a:tailEnd type="triangle"/>
+              </a:ln>
+            </p:spPr>
+            <p:style>
+              <a:lnRef idx="1">
+                <a:schemeClr val="dk1"/>
+              </a:lnRef>
+              <a:fillRef idx="0">
+                <a:schemeClr val="dk1"/>
+              </a:fillRef>
+              <a:effectRef idx="0">
+                <a:schemeClr val="dk1"/>
+              </a:effectRef>
+              <a:fontRef idx="minor">
+                <a:schemeClr val="tx1"/>
+              </a:fontRef>
+            </p:style>
+          </p:cxnSp>
+          <p:cxnSp>
+            <p:nvCxnSpPr>
+              <p:cNvPr id="678" name="Straight Arrow Connector 677"/>
+              <p:cNvCxnSpPr/>
+              <p:nvPr/>
+            </p:nvCxnSpPr>
+            <p:spPr>
+              <a:xfrm>
+                <a:off x="3216828" y="2118744"/>
+                <a:ext cx="259532" cy="0"/>
+              </a:xfrm>
+              <a:prstGeom prst="straightConnector1">
+                <a:avLst/>
+              </a:prstGeom>
+              <a:ln w="19050">
+                <a:tailEnd type="triangle"/>
+              </a:ln>
+            </p:spPr>
+            <p:style>
+              <a:lnRef idx="1">
+                <a:schemeClr val="dk1"/>
+              </a:lnRef>
+              <a:fillRef idx="0">
+                <a:schemeClr val="dk1"/>
+              </a:fillRef>
+              <a:effectRef idx="0">
+                <a:schemeClr val="dk1"/>
+              </a:effectRef>
+              <a:fontRef idx="minor">
+                <a:schemeClr val="tx1"/>
+              </a:fontRef>
+            </p:style>
+          </p:cxnSp>
+          <p:cxnSp>
+            <p:nvCxnSpPr>
+              <p:cNvPr id="679" name="Straight Arrow Connector 678"/>
+              <p:cNvCxnSpPr/>
+              <p:nvPr/>
+            </p:nvCxnSpPr>
+            <p:spPr>
+              <a:xfrm flipV="1">
+                <a:off x="3237148" y="2236013"/>
+                <a:ext cx="247911" cy="250055"/>
+              </a:xfrm>
+              <a:prstGeom prst="straightConnector1">
+                <a:avLst/>
+              </a:prstGeom>
+              <a:ln w="19050">
+                <a:tailEnd type="triangle"/>
+              </a:ln>
+            </p:spPr>
+            <p:style>
+              <a:lnRef idx="1">
+                <a:schemeClr val="dk1"/>
+              </a:lnRef>
+              <a:fillRef idx="0">
+                <a:schemeClr val="dk1"/>
+              </a:fillRef>
+              <a:effectRef idx="0">
+                <a:schemeClr val="dk1"/>
+              </a:effectRef>
+              <a:fontRef idx="minor">
+                <a:schemeClr val="tx1"/>
+              </a:fontRef>
+            </p:style>
+          </p:cxnSp>
+          <p:cxnSp>
+            <p:nvCxnSpPr>
+              <p:cNvPr id="680" name="Straight Arrow Connector 679"/>
+              <p:cNvCxnSpPr/>
+              <p:nvPr/>
+            </p:nvCxnSpPr>
+            <p:spPr>
+              <a:xfrm flipV="1">
+                <a:off x="3257468" y="2393786"/>
+                <a:ext cx="227591" cy="551633"/>
+              </a:xfrm>
+              <a:prstGeom prst="straightConnector1">
+                <a:avLst/>
+              </a:prstGeom>
+              <a:ln w="19050">
+                <a:tailEnd type="triangle"/>
+              </a:ln>
+            </p:spPr>
+            <p:style>
+              <a:lnRef idx="1">
+                <a:schemeClr val="dk1"/>
+              </a:lnRef>
+              <a:fillRef idx="0">
+                <a:schemeClr val="dk1"/>
+              </a:fillRef>
+              <a:effectRef idx="0">
+                <a:schemeClr val="dk1"/>
+              </a:effectRef>
+              <a:fontRef idx="minor">
+                <a:schemeClr val="tx1"/>
+              </a:fontRef>
+            </p:style>
+          </p:cxnSp>
+          <mc:AlternateContent xmlns:mc="http://schemas.openxmlformats.org/markup-compatibility/2006">
+            <mc:Choice xmlns:a14="http://schemas.microsoft.com/office/drawing/2010/main" Requires="a14">
+              <p:sp>
+                <p:nvSpPr>
+                  <p:cNvPr id="681" name="Rectangle 680"/>
+                  <p:cNvSpPr/>
+                  <p:nvPr/>
+                </p:nvSpPr>
+                <p:spPr>
+                  <a:xfrm>
+                    <a:off x="2894566" y="984147"/>
+                    <a:ext cx="603697" cy="453839"/>
+                  </a:xfrm>
+                  <a:prstGeom prst="rect">
+                    <a:avLst/>
+                  </a:prstGeom>
+                  <a:noFill/>
+                  <a:ln>
+                    <a:noFill/>
+                  </a:ln>
+                </p:spPr>
+                <p:style>
+                  <a:lnRef idx="2">
+                    <a:schemeClr val="accent1">
+                      <a:shade val="50000"/>
+                    </a:schemeClr>
+                  </a:lnRef>
+                  <a:fillRef idx="1">
+                    <a:schemeClr val="accent1"/>
+                  </a:fillRef>
+                  <a:effectRef idx="0">
+                    <a:schemeClr val="accent1"/>
+                  </a:effectRef>
+                  <a:fontRef idx="minor">
+                    <a:schemeClr val="lt1"/>
+                  </a:fontRef>
+                </p:style>
+                <p:txBody>
+                  <a:bodyPr rtlCol="0" anchor="ctr"/>
+                  <a:lstStyle/>
+                  <a:p>
+                    <a:pPr algn="ctr"/>
+                    <a14:m>
+                      <m:oMathPara xmlns:m="http://schemas.openxmlformats.org/officeDocument/2006/math">
+                        <m:oMathParaPr>
+                          <m:jc m:val="centerGroup"/>
+                        </m:oMathParaPr>
+                        <m:oMath xmlns:m="http://schemas.openxmlformats.org/officeDocument/2006/math">
                           <m:r>
                             <a:rPr lang="en-US" sz="1400" b="0" i="1" smtClean="0">
                               <a:solidFill>
@@ -42047,344 +40145,3258 @@
                               </a:solidFill>
                               <a:latin typeface="Cambria Math" panose="02040503050406030204" pitchFamily="18" charset="0"/>
                             </a:rPr>
-                            <m:t>1</m:t>
+                            <m:t>𝑡</m:t>
                           </m:r>
-                        </m:sub>
-                      </m:sSub>
-                      <m:r>
-                        <a:rPr lang="en-US" sz="1400" i="1">
-                          <a:solidFill>
-                            <a:schemeClr val="tx1"/>
-                          </a:solidFill>
-                          <a:latin typeface="Cambria Math" panose="02040503050406030204" pitchFamily="18" charset="0"/>
-                        </a:rPr>
-                        <m:t>|</m:t>
-                      </m:r>
-                      <m:r>
-                        <m:rPr>
-                          <m:lit/>
-                        </m:rPr>
-                        <a:rPr lang="en-US" sz="1400" b="0" i="1" smtClean="0">
-                          <a:solidFill>
-                            <a:schemeClr val="tx1"/>
-                          </a:solidFill>
-                          <a:latin typeface="Cambria Math" panose="02040503050406030204" pitchFamily="18" charset="0"/>
-                        </a:rPr>
-                        <m:t>−</m:t>
-                      </m:r>
-                      <m:r>
-                        <a:rPr lang="en-US" sz="1400" i="1">
-                          <a:solidFill>
-                            <a:schemeClr val="tx1"/>
-                          </a:solidFill>
-                          <a:latin typeface="Cambria Math" panose="02040503050406030204" pitchFamily="18" charset="0"/>
-                        </a:rPr>
-                        <m:t>1</m:t>
-                      </m:r>
-                    </m:oMath>
-                  </m:oMathPara>
-                </a14:m>
-                <a:endParaRPr lang="en-US" sz="1600" dirty="0">
-                  <a:solidFill>
-                    <a:schemeClr val="tx1"/>
-                  </a:solidFill>
-                </a:endParaRPr>
-              </a:p>
-            </p:txBody>
-          </p:sp>
-        </mc:Choice>
-        <mc:Fallback xmlns="">
+                          <m:r>
+                            <a:rPr lang="en-US" sz="1400" b="0" i="1" smtClean="0">
+                              <a:solidFill>
+                                <a:schemeClr val="tx1"/>
+                              </a:solidFill>
+                              <a:latin typeface="Cambria Math" panose="02040503050406030204" pitchFamily="18" charset="0"/>
+                            </a:rPr>
+                            <m:t>−1</m:t>
+                          </m:r>
+                        </m:oMath>
+                      </m:oMathPara>
+                    </a14:m>
+                    <a:endParaRPr lang="en-US" sz="1400" dirty="0">
+                      <a:solidFill>
+                        <a:schemeClr val="tx1"/>
+                      </a:solidFill>
+                    </a:endParaRPr>
+                  </a:p>
+                </p:txBody>
+              </p:sp>
+            </mc:Choice>
+            <mc:Fallback>
+              <p:sp>
+                <p:nvSpPr>
+                  <p:cNvPr id="681" name="Rectangle 680"/>
+                  <p:cNvSpPr>
+                    <a:spLocks noRot="1" noChangeAspect="1" noMove="1" noResize="1" noEditPoints="1" noAdjustHandles="1" noChangeArrowheads="1" noChangeShapeType="1" noTextEdit="1"/>
+                  </p:cNvSpPr>
+                  <p:nvPr/>
+                </p:nvSpPr>
+                <p:spPr>
+                  <a:xfrm>
+                    <a:off x="2894566" y="984147"/>
+                    <a:ext cx="603697" cy="453839"/>
+                  </a:xfrm>
+                  <a:prstGeom prst="rect">
+                    <a:avLst/>
+                  </a:prstGeom>
+                  <a:blipFill rotWithShape="0">
+                    <a:blip r:embed="rId4"/>
+                    <a:stretch>
+                      <a:fillRect/>
+                    </a:stretch>
+                  </a:blipFill>
+                  <a:ln>
+                    <a:noFill/>
+                  </a:ln>
+                </p:spPr>
+                <p:txBody>
+                  <a:bodyPr/>
+                  <a:lstStyle/>
+                  <a:p>
+                    <a:r>
+                      <a:rPr lang="en-US">
+                        <a:noFill/>
+                      </a:rPr>
+                      <a:t> </a:t>
+                    </a:r>
+                  </a:p>
+                </p:txBody>
+              </p:sp>
+            </mc:Fallback>
+          </mc:AlternateContent>
+          <mc:AlternateContent xmlns:mc="http://schemas.openxmlformats.org/markup-compatibility/2006">
+            <mc:Choice xmlns:a14="http://schemas.microsoft.com/office/drawing/2010/main" Requires="a14">
+              <p:sp>
+                <p:nvSpPr>
+                  <p:cNvPr id="682" name="Rectangle 681"/>
+                  <p:cNvSpPr/>
+                  <p:nvPr/>
+                </p:nvSpPr>
+                <p:spPr>
+                  <a:xfrm>
+                    <a:off x="4300445" y="1887135"/>
+                    <a:ext cx="457599" cy="453839"/>
+                  </a:xfrm>
+                  <a:prstGeom prst="rect">
+                    <a:avLst/>
+                  </a:prstGeom>
+                  <a:noFill/>
+                  <a:ln>
+                    <a:noFill/>
+                  </a:ln>
+                </p:spPr>
+                <p:style>
+                  <a:lnRef idx="2">
+                    <a:schemeClr val="accent1">
+                      <a:shade val="50000"/>
+                    </a:schemeClr>
+                  </a:lnRef>
+                  <a:fillRef idx="1">
+                    <a:schemeClr val="accent1"/>
+                  </a:fillRef>
+                  <a:effectRef idx="0">
+                    <a:schemeClr val="accent1"/>
+                  </a:effectRef>
+                  <a:fontRef idx="minor">
+                    <a:schemeClr val="lt1"/>
+                  </a:fontRef>
+                </p:style>
+                <p:txBody>
+                  <a:bodyPr rtlCol="0" anchor="ctr"/>
+                  <a:lstStyle/>
+                  <a:p>
+                    <a:pPr algn="ctr"/>
+                    <a14:m>
+                      <m:oMathPara xmlns:m="http://schemas.openxmlformats.org/officeDocument/2006/math">
+                        <m:oMathParaPr>
+                          <m:jc m:val="centerGroup"/>
+                        </m:oMathParaPr>
+                        <m:oMath xmlns:m="http://schemas.openxmlformats.org/officeDocument/2006/math">
+                          <m:r>
+                            <a:rPr lang="en-US" sz="1400" b="0" i="1" smtClean="0">
+                              <a:solidFill>
+                                <a:schemeClr val="tx1"/>
+                              </a:solidFill>
+                              <a:latin typeface="Cambria Math" panose="02040503050406030204" pitchFamily="18" charset="0"/>
+                            </a:rPr>
+                            <m:t> </m:t>
+                          </m:r>
+                          <m:r>
+                            <a:rPr lang="en-US" sz="1400" b="0" i="1" smtClean="0">
+                              <a:solidFill>
+                                <a:schemeClr val="tx1"/>
+                              </a:solidFill>
+                              <a:latin typeface="Cambria Math" panose="02040503050406030204" pitchFamily="18" charset="0"/>
+                            </a:rPr>
+                            <m:t>𝑗</m:t>
+                          </m:r>
+                        </m:oMath>
+                      </m:oMathPara>
+                    </a14:m>
+                    <a:endParaRPr lang="en-US" dirty="0">
+                      <a:solidFill>
+                        <a:schemeClr val="tx1"/>
+                      </a:solidFill>
+                    </a:endParaRPr>
+                  </a:p>
+                </p:txBody>
+              </p:sp>
+            </mc:Choice>
+            <mc:Fallback>
+              <p:sp>
+                <p:nvSpPr>
+                  <p:cNvPr id="682" name="Rectangle 681"/>
+                  <p:cNvSpPr>
+                    <a:spLocks noRot="1" noChangeAspect="1" noMove="1" noResize="1" noEditPoints="1" noAdjustHandles="1" noChangeArrowheads="1" noChangeShapeType="1" noTextEdit="1"/>
+                  </p:cNvSpPr>
+                  <p:nvPr/>
+                </p:nvSpPr>
+                <p:spPr>
+                  <a:xfrm>
+                    <a:off x="4300445" y="1887135"/>
+                    <a:ext cx="457599" cy="453839"/>
+                  </a:xfrm>
+                  <a:prstGeom prst="rect">
+                    <a:avLst/>
+                  </a:prstGeom>
+                  <a:blipFill rotWithShape="0">
+                    <a:blip r:embed="rId5"/>
+                    <a:stretch>
+                      <a:fillRect/>
+                    </a:stretch>
+                  </a:blipFill>
+                  <a:ln>
+                    <a:noFill/>
+                  </a:ln>
+                </p:spPr>
+                <p:txBody>
+                  <a:bodyPr/>
+                  <a:lstStyle/>
+                  <a:p>
+                    <a:r>
+                      <a:rPr lang="en-US">
+                        <a:noFill/>
+                      </a:rPr>
+                      <a:t> </a:t>
+                    </a:r>
+                  </a:p>
+                </p:txBody>
+              </p:sp>
+            </mc:Fallback>
+          </mc:AlternateContent>
           <p:sp>
             <p:nvSpPr>
-              <p:cNvPr id="80" name="Rectangle 79"/>
-              <p:cNvSpPr>
-                <a:spLocks noRot="1" noChangeAspect="1" noMove="1" noResize="1" noEditPoints="1" noAdjustHandles="1" noChangeArrowheads="1" noChangeShapeType="1" noTextEdit="1"/>
-              </p:cNvSpPr>
+              <p:cNvPr id="683" name="Rectangle 682"/>
+              <p:cNvSpPr/>
               <p:nvPr/>
             </p:nvSpPr>
             <p:spPr>
               <a:xfrm>
-                <a:off x="4430248" y="282707"/>
-                <a:ext cx="935828" cy="453839"/>
+                <a:off x="1135994" y="1437986"/>
+                <a:ext cx="457599" cy="453839"/>
               </a:xfrm>
               <a:prstGeom prst="rect">
                 <a:avLst/>
               </a:prstGeom>
-              <a:blipFill rotWithShape="0">
-                <a:blip r:embed="rId19"/>
-                <a:stretch>
-                  <a:fillRect/>
-                </a:stretch>
-              </a:blipFill>
-              <a:ln>
-                <a:noFill/>
-              </a:ln>
+              <a:solidFill>
+                <a:schemeClr val="accent1">
+                  <a:lumMod val="20000"/>
+                  <a:lumOff val="80000"/>
+                </a:schemeClr>
+              </a:solidFill>
             </p:spPr>
+            <p:style>
+              <a:lnRef idx="2">
+                <a:schemeClr val="accent1">
+                  <a:shade val="50000"/>
+                </a:schemeClr>
+              </a:lnRef>
+              <a:fillRef idx="1">
+                <a:schemeClr val="accent1"/>
+              </a:fillRef>
+              <a:effectRef idx="0">
+                <a:schemeClr val="accent1"/>
+              </a:effectRef>
+              <a:fontRef idx="minor">
+                <a:schemeClr val="lt1"/>
+              </a:fontRef>
+            </p:style>
             <p:txBody>
-              <a:bodyPr/>
+              <a:bodyPr rtlCol="0" anchor="ctr"/>
               <a:lstStyle/>
               <a:p>
-                <a:r>
-                  <a:rPr lang="en-US">
-                    <a:noFill/>
-                  </a:rPr>
-                  <a:t> </a:t>
-                </a:r>
+                <a:pPr algn="ctr"/>
+                <a:endParaRPr lang="en-US" dirty="0"/>
               </a:p>
             </p:txBody>
           </p:sp>
-        </mc:Fallback>
-      </mc:AlternateContent>
-      <p:cxnSp>
-        <p:nvCxnSpPr>
-          <p:cNvPr id="81" name="Curved Connector 80"/>
-          <p:cNvCxnSpPr/>
+          <p:sp>
+            <p:nvSpPr>
+              <p:cNvPr id="684" name="Rectangle 683"/>
+              <p:cNvSpPr/>
+              <p:nvPr/>
+            </p:nvSpPr>
+            <p:spPr>
+              <a:xfrm>
+                <a:off x="1135994" y="1891825"/>
+                <a:ext cx="457599" cy="453839"/>
+              </a:xfrm>
+              <a:prstGeom prst="rect">
+                <a:avLst/>
+              </a:prstGeom>
+              <a:solidFill>
+                <a:schemeClr val="accent1">
+                  <a:lumMod val="20000"/>
+                  <a:lumOff val="80000"/>
+                </a:schemeClr>
+              </a:solidFill>
+            </p:spPr>
+            <p:style>
+              <a:lnRef idx="2">
+                <a:schemeClr val="accent1">
+                  <a:shade val="50000"/>
+                </a:schemeClr>
+              </a:lnRef>
+              <a:fillRef idx="1">
+                <a:schemeClr val="accent1"/>
+              </a:fillRef>
+              <a:effectRef idx="0">
+                <a:schemeClr val="accent1"/>
+              </a:effectRef>
+              <a:fontRef idx="minor">
+                <a:schemeClr val="lt1"/>
+              </a:fontRef>
+            </p:style>
+            <p:txBody>
+              <a:bodyPr rtlCol="0" anchor="ctr"/>
+              <a:lstStyle/>
+              <a:p>
+                <a:pPr algn="ctr"/>
+                <a:endParaRPr lang="en-US" dirty="0"/>
+              </a:p>
+            </p:txBody>
+          </p:sp>
+          <p:sp>
+            <p:nvSpPr>
+              <p:cNvPr id="685" name="Rectangle 684"/>
+              <p:cNvSpPr/>
+              <p:nvPr/>
+            </p:nvSpPr>
+            <p:spPr>
+              <a:xfrm>
+                <a:off x="1135994" y="2345664"/>
+                <a:ext cx="457599" cy="453839"/>
+              </a:xfrm>
+              <a:prstGeom prst="rect">
+                <a:avLst/>
+              </a:prstGeom>
+              <a:solidFill>
+                <a:schemeClr val="accent1">
+                  <a:lumMod val="20000"/>
+                  <a:lumOff val="80000"/>
+                </a:schemeClr>
+              </a:solidFill>
+            </p:spPr>
+            <p:style>
+              <a:lnRef idx="2">
+                <a:schemeClr val="accent1">
+                  <a:shade val="50000"/>
+                </a:schemeClr>
+              </a:lnRef>
+              <a:fillRef idx="1">
+                <a:schemeClr val="accent1"/>
+              </a:fillRef>
+              <a:effectRef idx="0">
+                <a:schemeClr val="accent1"/>
+              </a:effectRef>
+              <a:fontRef idx="minor">
+                <a:schemeClr val="lt1"/>
+              </a:fontRef>
+            </p:style>
+            <p:txBody>
+              <a:bodyPr rtlCol="0" anchor="ctr"/>
+              <a:lstStyle/>
+              <a:p>
+                <a:pPr algn="ctr"/>
+                <a:endParaRPr lang="en-US" dirty="0"/>
+              </a:p>
+            </p:txBody>
+          </p:sp>
+          <p:sp>
+            <p:nvSpPr>
+              <p:cNvPr id="686" name="Rectangle 685"/>
+              <p:cNvSpPr/>
+              <p:nvPr/>
+            </p:nvSpPr>
+            <p:spPr>
+              <a:xfrm>
+                <a:off x="1135994" y="2799503"/>
+                <a:ext cx="457599" cy="453839"/>
+              </a:xfrm>
+              <a:prstGeom prst="rect">
+                <a:avLst/>
+              </a:prstGeom>
+              <a:solidFill>
+                <a:schemeClr val="accent1">
+                  <a:lumMod val="20000"/>
+                  <a:lumOff val="80000"/>
+                </a:schemeClr>
+              </a:solidFill>
+            </p:spPr>
+            <p:style>
+              <a:lnRef idx="2">
+                <a:schemeClr val="accent1">
+                  <a:shade val="50000"/>
+                </a:schemeClr>
+              </a:lnRef>
+              <a:fillRef idx="1">
+                <a:schemeClr val="accent1"/>
+              </a:fillRef>
+              <a:effectRef idx="0">
+                <a:schemeClr val="accent1"/>
+              </a:effectRef>
+              <a:fontRef idx="minor">
+                <a:schemeClr val="lt1"/>
+              </a:fontRef>
+            </p:style>
+            <p:txBody>
+              <a:bodyPr rtlCol="0" anchor="ctr"/>
+              <a:lstStyle/>
+              <a:p>
+                <a:pPr algn="ctr"/>
+                <a:endParaRPr lang="en-US" dirty="0"/>
+              </a:p>
+            </p:txBody>
+          </p:sp>
+          <mc:AlternateContent xmlns:mc="http://schemas.openxmlformats.org/markup-compatibility/2006">
+            <mc:Choice xmlns:a14="http://schemas.microsoft.com/office/drawing/2010/main" Requires="a14">
+              <p:sp>
+                <p:nvSpPr>
+                  <p:cNvPr id="687" name="Rectangle 686"/>
+                  <p:cNvSpPr/>
+                  <p:nvPr/>
+                </p:nvSpPr>
+                <p:spPr>
+                  <a:xfrm>
+                    <a:off x="4424312" y="2365153"/>
+                    <a:ext cx="3489516" cy="453839"/>
+                  </a:xfrm>
+                  <a:prstGeom prst="rect">
+                    <a:avLst/>
+                  </a:prstGeom>
+                  <a:noFill/>
+                  <a:ln>
+                    <a:noFill/>
+                  </a:ln>
+                </p:spPr>
+                <p:style>
+                  <a:lnRef idx="2">
+                    <a:schemeClr val="accent1">
+                      <a:shade val="50000"/>
+                    </a:schemeClr>
+                  </a:lnRef>
+                  <a:fillRef idx="1">
+                    <a:schemeClr val="accent1"/>
+                  </a:fillRef>
+                  <a:effectRef idx="0">
+                    <a:schemeClr val="accent1"/>
+                  </a:effectRef>
+                  <a:fontRef idx="minor">
+                    <a:schemeClr val="lt1"/>
+                  </a:fontRef>
+                </p:style>
+                <p:txBody>
+                  <a:bodyPr rtlCol="0" anchor="ctr"/>
+                  <a:lstStyle/>
+                  <a:p>
+                    <a:pPr algn="ctr"/>
+                    <a14:m>
+                      <m:oMathPara xmlns:m="http://schemas.openxmlformats.org/officeDocument/2006/math">
+                        <m:oMathParaPr>
+                          <m:jc m:val="centerGroup"/>
+                        </m:oMathParaPr>
+                        <m:oMath xmlns:m="http://schemas.openxmlformats.org/officeDocument/2006/math">
+                          <m:sSub>
+                            <m:sSubPr>
+                              <m:ctrlPr>
+                                <a:rPr lang="en-US" b="0" i="1" dirty="0" smtClean="0">
+                                  <a:solidFill>
+                                    <a:schemeClr val="tx1"/>
+                                  </a:solidFill>
+                                  <a:latin typeface="Cambria Math" panose="02040503050406030204" pitchFamily="18" charset="0"/>
+                                </a:rPr>
+                              </m:ctrlPr>
+                            </m:sSubPr>
+                            <m:e>
+                              <m:r>
+                                <a:rPr lang="en-US" b="0" i="1" dirty="0" smtClean="0">
+                                  <a:solidFill>
+                                    <a:schemeClr val="tx1"/>
+                                  </a:solidFill>
+                                  <a:latin typeface="Cambria Math" panose="02040503050406030204" pitchFamily="18" charset="0"/>
+                                </a:rPr>
+                                <m:t>𝛼</m:t>
+                              </m:r>
+                            </m:e>
+                            <m:sub>
+                              <m:r>
+                                <a:rPr lang="en-US" b="0" i="1" dirty="0" smtClean="0">
+                                  <a:solidFill>
+                                    <a:schemeClr val="tx1"/>
+                                  </a:solidFill>
+                                  <a:latin typeface="Cambria Math" panose="02040503050406030204" pitchFamily="18" charset="0"/>
+                                </a:rPr>
+                                <m:t>𝑗</m:t>
+                              </m:r>
+                              <m:r>
+                                <a:rPr lang="en-US" b="0" i="1" dirty="0" smtClean="0">
+                                  <a:solidFill>
+                                    <a:schemeClr val="tx1"/>
+                                  </a:solidFill>
+                                  <a:latin typeface="Cambria Math" panose="02040503050406030204" pitchFamily="18" charset="0"/>
+                                </a:rPr>
+                                <m:t>,</m:t>
+                              </m:r>
+                              <m:r>
+                                <a:rPr lang="en-US" b="0" i="1" dirty="0" smtClean="0">
+                                  <a:solidFill>
+                                    <a:schemeClr val="tx1"/>
+                                  </a:solidFill>
+                                  <a:latin typeface="Cambria Math" panose="02040503050406030204" pitchFamily="18" charset="0"/>
+                                </a:rPr>
+                                <m:t>𝑡</m:t>
+                              </m:r>
+                            </m:sub>
+                          </m:sSub>
+                          <m:r>
+                            <a:rPr lang="en-US" b="0" i="1" dirty="0" smtClean="0">
+                              <a:solidFill>
+                                <a:schemeClr val="tx1"/>
+                              </a:solidFill>
+                              <a:latin typeface="Cambria Math" panose="02040503050406030204" pitchFamily="18" charset="0"/>
+                            </a:rPr>
+                            <m:t>=</m:t>
+                          </m:r>
+                          <m:sSub>
+                            <m:sSubPr>
+                              <m:ctrlPr>
+                                <a:rPr lang="en-US" i="1" dirty="0" smtClean="0">
+                                  <a:solidFill>
+                                    <a:schemeClr val="tx1"/>
+                                  </a:solidFill>
+                                  <a:latin typeface="Cambria Math" panose="02040503050406030204" pitchFamily="18" charset="0"/>
+                                </a:rPr>
+                              </m:ctrlPr>
+                            </m:sSubPr>
+                            <m:e>
+                              <m:r>
+                                <a:rPr lang="en-US" i="1" dirty="0">
+                                  <a:solidFill>
+                                    <a:schemeClr val="tx1"/>
+                                  </a:solidFill>
+                                  <a:latin typeface="Cambria Math" panose="02040503050406030204" pitchFamily="18" charset="0"/>
+                                </a:rPr>
+                                <m:t>𝐸</m:t>
+                              </m:r>
+                            </m:e>
+                            <m:sub>
+                              <m:sSub>
+                                <m:sSubPr>
+                                  <m:ctrlPr>
+                                    <a:rPr lang="en-US" i="1" dirty="0">
+                                      <a:solidFill>
+                                        <a:schemeClr val="tx1"/>
+                                      </a:solidFill>
+                                      <a:latin typeface="Cambria Math" panose="02040503050406030204" pitchFamily="18" charset="0"/>
+                                    </a:rPr>
+                                  </m:ctrlPr>
+                                </m:sSubPr>
+                                <m:e>
+                                  <m:r>
+                                    <m:rPr>
+                                      <m:nor/>
+                                    </m:rPr>
+                                    <a:rPr lang="en-US" i="1" dirty="0">
+                                      <a:solidFill>
+                                        <a:schemeClr val="tx1"/>
+                                      </a:solidFill>
+                                    </a:rPr>
+                                    <m:t>j</m:t>
+                                  </m:r>
+                                  <m:r>
+                                    <m:rPr>
+                                      <m:nor/>
+                                    </m:rPr>
+                                    <a:rPr lang="en-US" i="1" dirty="0">
+                                      <a:solidFill>
+                                        <a:schemeClr val="tx1"/>
+                                      </a:solidFill>
+                                    </a:rPr>
+                                    <m:t>,</m:t>
+                                  </m:r>
+                                  <m:r>
+                                    <m:rPr>
+                                      <m:nor/>
+                                    </m:rPr>
+                                    <a:rPr lang="en-US" i="1" dirty="0">
+                                      <a:solidFill>
+                                        <a:schemeClr val="tx1"/>
+                                      </a:solidFill>
+                                    </a:rPr>
+                                    <m:t>x</m:t>
+                                  </m:r>
+                                </m:e>
+                                <m:sub>
+                                  <m:r>
+                                    <a:rPr lang="en-US" i="1" dirty="0">
+                                      <a:solidFill>
+                                        <a:schemeClr val="tx1"/>
+                                      </a:solidFill>
+                                      <a:latin typeface="Cambria Math" panose="02040503050406030204" pitchFamily="18" charset="0"/>
+                                    </a:rPr>
+                                    <m:t>𝑡</m:t>
+                                  </m:r>
+                                </m:sub>
+                              </m:sSub>
+                            </m:sub>
+                          </m:sSub>
+                          <m:r>
+                            <a:rPr lang="en-US" b="0" i="1" dirty="0" smtClean="0">
+                              <a:solidFill>
+                                <a:schemeClr val="tx1"/>
+                              </a:solidFill>
+                              <a:latin typeface="Cambria Math" panose="02040503050406030204" pitchFamily="18" charset="0"/>
+                            </a:rPr>
+                            <m:t>⋅</m:t>
+                          </m:r>
+                          <m:nary>
+                            <m:naryPr>
+                              <m:chr m:val="∑"/>
+                              <m:limLoc m:val="subSup"/>
+                              <m:supHide m:val="on"/>
+                              <m:ctrlPr>
+                                <a:rPr lang="en-US" i="1" dirty="0" smtClean="0">
+                                  <a:solidFill>
+                                    <a:schemeClr val="tx1"/>
+                                  </a:solidFill>
+                                  <a:latin typeface="Cambria Math" panose="02040503050406030204" pitchFamily="18" charset="0"/>
+                                </a:rPr>
+                              </m:ctrlPr>
+                            </m:naryPr>
+                            <m:sub>
+                              <m:r>
+                                <m:rPr>
+                                  <m:nor/>
+                                </m:rPr>
+                                <a:rPr lang="en-US" i="1" dirty="0">
+                                  <a:solidFill>
+                                    <a:schemeClr val="tx1"/>
+                                  </a:solidFill>
+                                </a:rPr>
+                                <m:t>j</m:t>
+                              </m:r>
+                              <m:r>
+                                <m:rPr>
+                                  <m:nor/>
+                                </m:rPr>
+                                <a:rPr lang="en-US" i="1" dirty="0">
+                                  <a:solidFill>
+                                    <a:schemeClr val="tx1"/>
+                                  </a:solidFill>
+                                </a:rPr>
+                                <m:t>′</m:t>
+                              </m:r>
+                              <m:r>
+                                <a:rPr lang="en-US" i="1" dirty="0">
+                                  <a:solidFill>
+                                    <a:schemeClr val="tx1"/>
+                                  </a:solidFill>
+                                  <a:latin typeface="Cambria Math" panose="02040503050406030204" pitchFamily="18" charset="0"/>
+                                </a:rPr>
+                                <m:t>∈</m:t>
+                              </m:r>
+                              <m:r>
+                                <m:rPr>
+                                  <m:nor/>
+                                </m:rPr>
+                                <a:rPr lang="en-US" i="1" dirty="0">
+                                  <a:solidFill>
+                                    <a:schemeClr val="tx1"/>
+                                  </a:solidFill>
+                                </a:rPr>
+                                <m:t>[</m:t>
+                              </m:r>
+                              <m:r>
+                                <m:rPr>
+                                  <m:nor/>
+                                </m:rPr>
+                                <a:rPr lang="en-US" i="1" dirty="0">
+                                  <a:solidFill>
+                                    <a:schemeClr val="tx1"/>
+                                  </a:solidFill>
+                                </a:rPr>
+                                <m:t>m</m:t>
+                              </m:r>
+                              <m:r>
+                                <m:rPr>
+                                  <m:nor/>
+                                </m:rPr>
+                                <a:rPr lang="en-US" i="1" dirty="0">
+                                  <a:solidFill>
+                                    <a:schemeClr val="tx1"/>
+                                  </a:solidFill>
+                                </a:rPr>
+                                <m:t>]</m:t>
+                              </m:r>
+                            </m:sub>
+                            <m:sup/>
+                            <m:e>
+                              <m:sSub>
+                                <m:sSubPr>
+                                  <m:ctrlPr>
+                                    <a:rPr lang="en-US" i="1" dirty="0">
+                                      <a:solidFill>
+                                        <a:schemeClr val="tx1"/>
+                                      </a:solidFill>
+                                      <a:latin typeface="Cambria Math" panose="02040503050406030204" pitchFamily="18" charset="0"/>
+                                    </a:rPr>
+                                  </m:ctrlPr>
+                                </m:sSubPr>
+                                <m:e>
+                                  <m:r>
+                                    <a:rPr lang="en-US" i="1" dirty="0">
+                                      <a:solidFill>
+                                        <a:schemeClr val="tx1"/>
+                                      </a:solidFill>
+                                      <a:latin typeface="Cambria Math" panose="02040503050406030204" pitchFamily="18" charset="0"/>
+                                    </a:rPr>
+                                    <m:t>𝑇</m:t>
+                                  </m:r>
+                                </m:e>
+                                <m:sub>
+                                  <m:r>
+                                    <m:rPr>
+                                      <m:nor/>
+                                    </m:rPr>
+                                    <a:rPr lang="en-US" i="1" dirty="0">
+                                      <a:solidFill>
+                                        <a:schemeClr val="tx1"/>
+                                      </a:solidFill>
+                                    </a:rPr>
+                                    <m:t>j</m:t>
+                                  </m:r>
+                                  <m:r>
+                                    <m:rPr>
+                                      <m:nor/>
+                                    </m:rPr>
+                                    <a:rPr lang="en-US" i="1" dirty="0">
+                                      <a:solidFill>
+                                        <a:schemeClr val="tx1"/>
+                                      </a:solidFill>
+                                    </a:rPr>
+                                    <m:t>′,</m:t>
+                                  </m:r>
+                                  <m:r>
+                                    <m:rPr>
+                                      <m:nor/>
+                                    </m:rPr>
+                                    <a:rPr lang="en-US" i="1" dirty="0">
+                                      <a:solidFill>
+                                        <a:schemeClr val="tx1"/>
+                                      </a:solidFill>
+                                    </a:rPr>
+                                    <m:t>j</m:t>
+                                  </m:r>
+                                </m:sub>
+                              </m:sSub>
+                              <m:r>
+                                <a:rPr lang="en-US" b="0" i="1" dirty="0" smtClean="0">
+                                  <a:solidFill>
+                                    <a:schemeClr val="tx1"/>
+                                  </a:solidFill>
+                                  <a:latin typeface="Cambria Math" panose="02040503050406030204" pitchFamily="18" charset="0"/>
+                                </a:rPr>
+                                <m:t>⋅</m:t>
+                              </m:r>
+                              <m:sSub>
+                                <m:sSubPr>
+                                  <m:ctrlPr>
+                                    <a:rPr lang="en-US" b="0" i="1" dirty="0" smtClean="0">
+                                      <a:solidFill>
+                                        <a:schemeClr val="tx1"/>
+                                      </a:solidFill>
+                                      <a:latin typeface="Cambria Math" panose="02040503050406030204" pitchFamily="18" charset="0"/>
+                                    </a:rPr>
+                                  </m:ctrlPr>
+                                </m:sSubPr>
+                                <m:e>
+                                  <m:r>
+                                    <a:rPr lang="en-US" b="0" i="1" dirty="0" smtClean="0">
+                                      <a:solidFill>
+                                        <a:schemeClr val="tx1"/>
+                                      </a:solidFill>
+                                      <a:latin typeface="Cambria Math" panose="02040503050406030204" pitchFamily="18" charset="0"/>
+                                    </a:rPr>
+                                    <m:t>𝛼</m:t>
+                                  </m:r>
+                                </m:e>
+                                <m:sub>
+                                  <m:r>
+                                    <m:rPr>
+                                      <m:nor/>
+                                    </m:rPr>
+                                    <a:rPr lang="en-US" i="1" dirty="0">
+                                      <a:solidFill>
+                                        <a:schemeClr val="tx1"/>
+                                      </a:solidFill>
+                                    </a:rPr>
+                                    <m:t>j</m:t>
+                                  </m:r>
+                                  <m:r>
+                                    <m:rPr>
+                                      <m:nor/>
+                                    </m:rPr>
+                                    <a:rPr lang="en-US" i="1" dirty="0">
+                                      <a:solidFill>
+                                        <a:schemeClr val="tx1"/>
+                                      </a:solidFill>
+                                    </a:rPr>
+                                    <m:t>′,</m:t>
+                                  </m:r>
+                                  <m:r>
+                                    <m:rPr>
+                                      <m:nor/>
+                                    </m:rPr>
+                                    <a:rPr lang="en-US" i="1" dirty="0">
+                                      <a:solidFill>
+                                        <a:schemeClr val="tx1"/>
+                                      </a:solidFill>
+                                    </a:rPr>
+                                    <m:t>t</m:t>
+                                  </m:r>
+                                  <m:r>
+                                    <m:rPr>
+                                      <m:nor/>
+                                    </m:rPr>
+                                    <a:rPr lang="en-US" i="1" dirty="0">
+                                      <a:solidFill>
+                                        <a:schemeClr val="tx1"/>
+                                      </a:solidFill>
+                                    </a:rPr>
+                                    <m:t>−1</m:t>
+                                  </m:r>
+                                </m:sub>
+                              </m:sSub>
+                            </m:e>
+                          </m:nary>
+                        </m:oMath>
+                      </m:oMathPara>
+                    </a14:m>
+                    <a:endParaRPr lang="en-US" i="1" dirty="0">
+                      <a:solidFill>
+                        <a:schemeClr val="tx1"/>
+                      </a:solidFill>
+                      <a:latin typeface="Cambria Math" panose="02040503050406030204" pitchFamily="18" charset="0"/>
+                      <a:ea typeface="Cambria Math" panose="02040503050406030204" pitchFamily="18" charset="0"/>
+                    </a:endParaRPr>
+                  </a:p>
+                </p:txBody>
+              </p:sp>
+            </mc:Choice>
+            <mc:Fallback>
+              <p:sp>
+                <p:nvSpPr>
+                  <p:cNvPr id="687" name="Rectangle 686"/>
+                  <p:cNvSpPr>
+                    <a:spLocks noRot="1" noChangeAspect="1" noMove="1" noResize="1" noEditPoints="1" noAdjustHandles="1" noChangeArrowheads="1" noChangeShapeType="1" noTextEdit="1"/>
+                  </p:cNvSpPr>
+                  <p:nvPr/>
+                </p:nvSpPr>
+                <p:spPr>
+                  <a:xfrm>
+                    <a:off x="4424312" y="2365153"/>
+                    <a:ext cx="3489516" cy="453839"/>
+                  </a:xfrm>
+                  <a:prstGeom prst="rect">
+                    <a:avLst/>
+                  </a:prstGeom>
+                  <a:blipFill rotWithShape="0">
+                    <a:blip r:embed="rId6"/>
+                    <a:stretch>
+                      <a:fillRect t="-4054" b="-10811"/>
+                    </a:stretch>
+                  </a:blipFill>
+                  <a:ln>
+                    <a:noFill/>
+                  </a:ln>
+                </p:spPr>
+                <p:txBody>
+                  <a:bodyPr/>
+                  <a:lstStyle/>
+                  <a:p>
+                    <a:r>
+                      <a:rPr lang="en-US">
+                        <a:noFill/>
+                      </a:rPr>
+                      <a:t> </a:t>
+                    </a:r>
+                  </a:p>
+                </p:txBody>
+              </p:sp>
+            </mc:Fallback>
+          </mc:AlternateContent>
+        </p:grpSp>
+      </p:grpSp>
+      <p:grpSp>
+        <p:nvGrpSpPr>
+          <p:cNvPr id="9" name="Group 8"/>
+          <p:cNvGrpSpPr/>
           <p:nvPr/>
-        </p:nvCxnSpPr>
-        <p:spPr>
-          <a:xfrm rot="16200000" flipH="1">
-            <a:off x="3546431" y="-124649"/>
-            <a:ext cx="2" cy="2744313"/>
+        </p:nvGrpSpPr>
+        <p:grpSpPr>
+          <a:xfrm>
+            <a:off x="-14662" y="296414"/>
+            <a:ext cx="8173873" cy="2637281"/>
+            <a:chOff x="-91801" y="3531198"/>
+            <a:chExt cx="8173873" cy="2637281"/>
           </a:xfrm>
-          <a:prstGeom prst="curvedConnector3">
-            <a:avLst>
-              <a:gd name="adj1" fmla="val -11430000000"/>
-            </a:avLst>
-          </a:prstGeom>
-          <a:ln w="19050">
+        </p:grpSpPr>
+        <p:sp>
+          <p:nvSpPr>
+            <p:cNvPr id="537" name="Rectangle 536"/>
+            <p:cNvSpPr/>
+            <p:nvPr/>
+          </p:nvSpPr>
+          <p:spPr>
+            <a:xfrm>
+              <a:off x="-91801" y="3531198"/>
+              <a:ext cx="4321656" cy="453839"/>
+            </a:xfrm>
+            <a:prstGeom prst="rect">
+              <a:avLst/>
+            </a:prstGeom>
+            <a:noFill/>
+            <a:ln>
+              <a:noFill/>
+            </a:ln>
+          </p:spPr>
+          <p:style>
+            <a:lnRef idx="2">
+              <a:schemeClr val="accent1">
+                <a:shade val="50000"/>
+              </a:schemeClr>
+            </a:lnRef>
+            <a:fillRef idx="1">
+              <a:schemeClr val="accent1"/>
+            </a:fillRef>
+            <a:effectRef idx="0">
+              <a:schemeClr val="accent1"/>
+            </a:effectRef>
+            <a:fontRef idx="minor">
+              <a:schemeClr val="lt1"/>
+            </a:fontRef>
+          </p:style>
+          <p:txBody>
+            <a:bodyPr rtlCol="0" anchor="ctr"/>
+            <a:lstStyle/>
+            <a:p>
+              <a:pPr algn="ctr"/>
+              <a:r>
+                <a:rPr lang="en-US" dirty="0">
+                  <a:solidFill>
+                    <a:schemeClr val="tx1"/>
+                  </a:solidFill>
+                  <a:latin typeface="Cambria Math" panose="02040503050406030204" pitchFamily="18" charset="0"/>
+                  <a:ea typeface="Cambria Math" panose="02040503050406030204" pitchFamily="18" charset="0"/>
+                </a:rPr>
+                <a:t>Backward Algorithm</a:t>
+              </a:r>
+            </a:p>
+          </p:txBody>
+        </p:sp>
+        <p:sp>
+          <p:nvSpPr>
+            <p:cNvPr id="617" name="Rectangle 616"/>
+            <p:cNvSpPr/>
+            <p:nvPr/>
+          </p:nvSpPr>
+          <p:spPr>
+            <a:xfrm>
+              <a:off x="1592952" y="4353123"/>
+              <a:ext cx="457599" cy="453839"/>
+            </a:xfrm>
+            <a:prstGeom prst="rect">
+              <a:avLst/>
+            </a:prstGeom>
+            <a:noFill/>
+          </p:spPr>
+          <p:style>
+            <a:lnRef idx="2">
+              <a:schemeClr val="accent1">
+                <a:shade val="50000"/>
+              </a:schemeClr>
+            </a:lnRef>
+            <a:fillRef idx="1">
+              <a:schemeClr val="accent1"/>
+            </a:fillRef>
+            <a:effectRef idx="0">
+              <a:schemeClr val="accent1"/>
+            </a:effectRef>
+            <a:fontRef idx="minor">
+              <a:schemeClr val="lt1"/>
+            </a:fontRef>
+          </p:style>
+          <p:txBody>
+            <a:bodyPr rtlCol="0" anchor="ctr"/>
+            <a:lstStyle/>
+            <a:p>
+              <a:pPr algn="ctr"/>
+              <a:endParaRPr lang="en-US" dirty="0"/>
+            </a:p>
+          </p:txBody>
+        </p:sp>
+        <p:sp>
+          <p:nvSpPr>
+            <p:cNvPr id="618" name="Rectangle 617"/>
+            <p:cNvSpPr/>
+            <p:nvPr/>
+          </p:nvSpPr>
+          <p:spPr>
+            <a:xfrm>
+              <a:off x="2050551" y="4353123"/>
+              <a:ext cx="457599" cy="453839"/>
+            </a:xfrm>
+            <a:prstGeom prst="rect">
+              <a:avLst/>
+            </a:prstGeom>
             <a:solidFill>
+              <a:schemeClr val="accent1"/>
+            </a:solidFill>
+          </p:spPr>
+          <p:style>
+            <a:lnRef idx="2">
+              <a:schemeClr val="accent1">
+                <a:shade val="50000"/>
+              </a:schemeClr>
+            </a:lnRef>
+            <a:fillRef idx="1">
+              <a:schemeClr val="accent1"/>
+            </a:fillRef>
+            <a:effectRef idx="0">
+              <a:schemeClr val="accent1"/>
+            </a:effectRef>
+            <a:fontRef idx="minor">
+              <a:schemeClr val="lt1"/>
+            </a:fontRef>
+          </p:style>
+          <p:txBody>
+            <a:bodyPr rtlCol="0" anchor="ctr"/>
+            <a:lstStyle/>
+            <a:p>
+              <a:pPr algn="ctr"/>
+              <a:endParaRPr lang="en-US" dirty="0"/>
+            </a:p>
+          </p:txBody>
+        </p:sp>
+        <mc:AlternateContent xmlns:mc="http://schemas.openxmlformats.org/markup-compatibility/2006">
+          <mc:Choice xmlns:a14="http://schemas.microsoft.com/office/drawing/2010/main" Requires="a14">
+            <p:sp>
+              <p:nvSpPr>
+                <p:cNvPr id="619" name="Rectangle 618"/>
+                <p:cNvSpPr/>
+                <p:nvPr/>
+              </p:nvSpPr>
+              <p:spPr>
+                <a:xfrm>
+                  <a:off x="1592952" y="4806962"/>
+                  <a:ext cx="457599" cy="453839"/>
+                </a:xfrm>
+                <a:prstGeom prst="rect">
+                  <a:avLst/>
+                </a:prstGeom>
+                <a:solidFill>
+                  <a:schemeClr val="accent6"/>
+                </a:solidFill>
+              </p:spPr>
+              <p:style>
+                <a:lnRef idx="2">
+                  <a:schemeClr val="accent1">
+                    <a:shade val="50000"/>
+                  </a:schemeClr>
+                </a:lnRef>
+                <a:fillRef idx="1">
+                  <a:schemeClr val="accent1"/>
+                </a:fillRef>
+                <a:effectRef idx="0">
+                  <a:schemeClr val="accent1"/>
+                </a:effectRef>
+                <a:fontRef idx="minor">
+                  <a:schemeClr val="lt1"/>
+                </a:fontRef>
+              </p:style>
+              <p:txBody>
+                <a:bodyPr rtlCol="0" anchor="ctr"/>
+                <a:lstStyle/>
+                <a:p>
+                  <a:pPr algn="ctr"/>
+                  <a14:m>
+                    <m:oMathPara xmlns:m="http://schemas.openxmlformats.org/officeDocument/2006/math">
+                      <m:oMathParaPr>
+                        <m:jc m:val="centerGroup"/>
+                      </m:oMathParaPr>
+                      <m:oMath xmlns:m="http://schemas.openxmlformats.org/officeDocument/2006/math">
+                        <m:r>
+                          <a:rPr lang="en-US" i="1" smtClean="0">
+                            <a:latin typeface="Cambria Math" panose="02040503050406030204" pitchFamily="18" charset="0"/>
+                          </a:rPr>
+                          <m:t> </m:t>
+                        </m:r>
+                        <m:sSub>
+                          <m:sSubPr>
+                            <m:ctrlPr>
+                              <a:rPr lang="en-US" i="1">
+                                <a:latin typeface="Cambria Math" panose="02040503050406030204" pitchFamily="18" charset="0"/>
+                              </a:rPr>
+                            </m:ctrlPr>
+                          </m:sSubPr>
+                          <m:e>
+                            <m:r>
+                              <a:rPr lang="en-US" b="0" i="1" smtClean="0">
+                                <a:latin typeface="Cambria Math" panose="02040503050406030204" pitchFamily="18" charset="0"/>
+                              </a:rPr>
+                              <m:t>𝛽</m:t>
+                            </m:r>
+                          </m:e>
+                          <m:sub>
+                            <m:r>
+                              <a:rPr lang="en-US" i="1">
+                                <a:latin typeface="Cambria Math" panose="02040503050406030204" pitchFamily="18" charset="0"/>
+                              </a:rPr>
+                              <m:t>𝑗</m:t>
+                            </m:r>
+                            <m:r>
+                              <a:rPr lang="en-US" i="1">
+                                <a:latin typeface="Cambria Math" panose="02040503050406030204" pitchFamily="18" charset="0"/>
+                              </a:rPr>
+                              <m:t>,</m:t>
+                            </m:r>
+                            <m:r>
+                              <a:rPr lang="en-US" i="1">
+                                <a:latin typeface="Cambria Math" panose="02040503050406030204" pitchFamily="18" charset="0"/>
+                              </a:rPr>
+                              <m:t>𝑡</m:t>
+                            </m:r>
+                          </m:sub>
+                        </m:sSub>
+                      </m:oMath>
+                    </m:oMathPara>
+                  </a14:m>
+                  <a:endParaRPr lang="en-US" dirty="0"/>
+                </a:p>
+              </p:txBody>
+            </p:sp>
+          </mc:Choice>
+          <mc:Fallback>
+            <p:sp>
+              <p:nvSpPr>
+                <p:cNvPr id="619" name="Rectangle 618"/>
+                <p:cNvSpPr>
+                  <a:spLocks noRot="1" noChangeAspect="1" noMove="1" noResize="1" noEditPoints="1" noAdjustHandles="1" noChangeArrowheads="1" noChangeShapeType="1" noTextEdit="1"/>
+                </p:cNvSpPr>
+                <p:nvPr/>
+              </p:nvSpPr>
+              <p:spPr>
+                <a:xfrm>
+                  <a:off x="1592952" y="4806962"/>
+                  <a:ext cx="457599" cy="453839"/>
+                </a:xfrm>
+                <a:prstGeom prst="rect">
+                  <a:avLst/>
+                </a:prstGeom>
+                <a:blipFill rotWithShape="0">
+                  <a:blip r:embed="rId7"/>
+                  <a:stretch>
+                    <a:fillRect l="-7792"/>
+                  </a:stretch>
+                </a:blipFill>
+              </p:spPr>
+              <p:txBody>
+                <a:bodyPr/>
+                <a:lstStyle/>
+                <a:p>
+                  <a:r>
+                    <a:rPr lang="en-US">
+                      <a:noFill/>
+                    </a:rPr>
+                    <a:t> </a:t>
+                  </a:r>
+                </a:p>
+              </p:txBody>
+            </p:sp>
+          </mc:Fallback>
+        </mc:AlternateContent>
+        <p:sp>
+          <p:nvSpPr>
+            <p:cNvPr id="620" name="Rectangle 619"/>
+            <p:cNvSpPr/>
+            <p:nvPr/>
+          </p:nvSpPr>
+          <p:spPr>
+            <a:xfrm>
+              <a:off x="2050551" y="4806962"/>
+              <a:ext cx="457599" cy="453839"/>
+            </a:xfrm>
+            <a:prstGeom prst="rect">
+              <a:avLst/>
+            </a:prstGeom>
+            <a:solidFill>
+              <a:schemeClr val="accent1"/>
+            </a:solidFill>
+          </p:spPr>
+          <p:style>
+            <a:lnRef idx="2">
+              <a:schemeClr val="accent1">
+                <a:shade val="50000"/>
+              </a:schemeClr>
+            </a:lnRef>
+            <a:fillRef idx="1">
+              <a:schemeClr val="accent1"/>
+            </a:fillRef>
+            <a:effectRef idx="0">
+              <a:schemeClr val="accent1"/>
+            </a:effectRef>
+            <a:fontRef idx="minor">
+              <a:schemeClr val="lt1"/>
+            </a:fontRef>
+          </p:style>
+          <p:txBody>
+            <a:bodyPr rtlCol="0" anchor="ctr"/>
+            <a:lstStyle/>
+            <a:p>
+              <a:pPr algn="ctr"/>
+              <a:endParaRPr lang="en-US" dirty="0"/>
+            </a:p>
+          </p:txBody>
+        </p:sp>
+        <p:sp>
+          <p:nvSpPr>
+            <p:cNvPr id="621" name="Rectangle 620"/>
+            <p:cNvSpPr/>
+            <p:nvPr/>
+          </p:nvSpPr>
+          <p:spPr>
+            <a:xfrm>
+              <a:off x="2508150" y="4353123"/>
+              <a:ext cx="457599" cy="453839"/>
+            </a:xfrm>
+            <a:prstGeom prst="rect">
+              <a:avLst/>
+            </a:prstGeom>
+            <a:solidFill>
+              <a:schemeClr val="accent1">
+                <a:lumMod val="20000"/>
+                <a:lumOff val="80000"/>
+              </a:schemeClr>
+            </a:solidFill>
+          </p:spPr>
+          <p:style>
+            <a:lnRef idx="2">
+              <a:schemeClr val="accent1">
+                <a:shade val="50000"/>
+              </a:schemeClr>
+            </a:lnRef>
+            <a:fillRef idx="1">
+              <a:schemeClr val="accent1"/>
+            </a:fillRef>
+            <a:effectRef idx="0">
+              <a:schemeClr val="accent1"/>
+            </a:effectRef>
+            <a:fontRef idx="minor">
+              <a:schemeClr val="lt1"/>
+            </a:fontRef>
+          </p:style>
+          <p:txBody>
+            <a:bodyPr rtlCol="0" anchor="ctr"/>
+            <a:lstStyle/>
+            <a:p>
+              <a:pPr algn="ctr"/>
+              <a:endParaRPr lang="en-US" dirty="0"/>
+            </a:p>
+          </p:txBody>
+        </p:sp>
+        <p:sp>
+          <p:nvSpPr>
+            <p:cNvPr id="622" name="Rectangle 621"/>
+            <p:cNvSpPr/>
+            <p:nvPr/>
+          </p:nvSpPr>
+          <p:spPr>
+            <a:xfrm>
+              <a:off x="2965749" y="4353123"/>
+              <a:ext cx="457599" cy="453839"/>
+            </a:xfrm>
+            <a:prstGeom prst="rect">
+              <a:avLst/>
+            </a:prstGeom>
+            <a:solidFill>
+              <a:schemeClr val="accent1">
+                <a:lumMod val="20000"/>
+                <a:lumOff val="80000"/>
+              </a:schemeClr>
+            </a:solidFill>
+          </p:spPr>
+          <p:style>
+            <a:lnRef idx="2">
+              <a:schemeClr val="accent1">
+                <a:shade val="50000"/>
+              </a:schemeClr>
+            </a:lnRef>
+            <a:fillRef idx="1">
+              <a:schemeClr val="accent1"/>
+            </a:fillRef>
+            <a:effectRef idx="0">
+              <a:schemeClr val="accent1"/>
+            </a:effectRef>
+            <a:fontRef idx="minor">
+              <a:schemeClr val="lt1"/>
+            </a:fontRef>
+          </p:style>
+          <p:txBody>
+            <a:bodyPr rtlCol="0" anchor="ctr"/>
+            <a:lstStyle/>
+            <a:p>
+              <a:pPr algn="ctr"/>
+              <a:endParaRPr lang="en-US" dirty="0"/>
+            </a:p>
+          </p:txBody>
+        </p:sp>
+        <p:sp>
+          <p:nvSpPr>
+            <p:cNvPr id="623" name="Rectangle 622"/>
+            <p:cNvSpPr/>
+            <p:nvPr/>
+          </p:nvSpPr>
+          <p:spPr>
+            <a:xfrm>
+              <a:off x="2508150" y="4806962"/>
+              <a:ext cx="457599" cy="453839"/>
+            </a:xfrm>
+            <a:prstGeom prst="rect">
+              <a:avLst/>
+            </a:prstGeom>
+            <a:solidFill>
+              <a:schemeClr val="accent1">
+                <a:lumMod val="20000"/>
+                <a:lumOff val="80000"/>
+              </a:schemeClr>
+            </a:solidFill>
+          </p:spPr>
+          <p:style>
+            <a:lnRef idx="2">
+              <a:schemeClr val="accent1">
+                <a:shade val="50000"/>
+              </a:schemeClr>
+            </a:lnRef>
+            <a:fillRef idx="1">
+              <a:schemeClr val="accent1"/>
+            </a:fillRef>
+            <a:effectRef idx="0">
+              <a:schemeClr val="accent1"/>
+            </a:effectRef>
+            <a:fontRef idx="minor">
+              <a:schemeClr val="lt1"/>
+            </a:fontRef>
+          </p:style>
+          <p:txBody>
+            <a:bodyPr rtlCol="0" anchor="ctr"/>
+            <a:lstStyle/>
+            <a:p>
+              <a:pPr algn="ctr"/>
+              <a:endParaRPr lang="en-US" dirty="0"/>
+            </a:p>
+          </p:txBody>
+        </p:sp>
+        <p:sp>
+          <p:nvSpPr>
+            <p:cNvPr id="624" name="Rectangle 623"/>
+            <p:cNvSpPr/>
+            <p:nvPr/>
+          </p:nvSpPr>
+          <p:spPr>
+            <a:xfrm>
+              <a:off x="2965749" y="4806962"/>
+              <a:ext cx="457599" cy="453839"/>
+            </a:xfrm>
+            <a:prstGeom prst="rect">
+              <a:avLst/>
+            </a:prstGeom>
+            <a:solidFill>
+              <a:schemeClr val="accent1">
+                <a:lumMod val="20000"/>
+                <a:lumOff val="80000"/>
+              </a:schemeClr>
+            </a:solidFill>
+          </p:spPr>
+          <p:style>
+            <a:lnRef idx="2">
+              <a:schemeClr val="accent1">
+                <a:shade val="50000"/>
+              </a:schemeClr>
+            </a:lnRef>
+            <a:fillRef idx="1">
+              <a:schemeClr val="accent1"/>
+            </a:fillRef>
+            <a:effectRef idx="0">
+              <a:schemeClr val="accent1"/>
+            </a:effectRef>
+            <a:fontRef idx="minor">
+              <a:schemeClr val="lt1"/>
+            </a:fontRef>
+          </p:style>
+          <p:txBody>
+            <a:bodyPr rtlCol="0" anchor="ctr"/>
+            <a:lstStyle/>
+            <a:p>
+              <a:pPr algn="ctr"/>
+              <a:endParaRPr lang="en-US" dirty="0"/>
+            </a:p>
+          </p:txBody>
+        </p:sp>
+        <p:sp>
+          <p:nvSpPr>
+            <p:cNvPr id="625" name="Rectangle 624"/>
+            <p:cNvSpPr/>
+            <p:nvPr/>
+          </p:nvSpPr>
+          <p:spPr>
+            <a:xfrm>
+              <a:off x="1592952" y="5260801"/>
+              <a:ext cx="457599" cy="453839"/>
+            </a:xfrm>
+            <a:prstGeom prst="rect">
+              <a:avLst/>
+            </a:prstGeom>
+            <a:noFill/>
+          </p:spPr>
+          <p:style>
+            <a:lnRef idx="2">
+              <a:schemeClr val="accent1">
+                <a:shade val="50000"/>
+              </a:schemeClr>
+            </a:lnRef>
+            <a:fillRef idx="1">
+              <a:schemeClr val="accent1"/>
+            </a:fillRef>
+            <a:effectRef idx="0">
+              <a:schemeClr val="accent1"/>
+            </a:effectRef>
+            <a:fontRef idx="minor">
+              <a:schemeClr val="lt1"/>
+            </a:fontRef>
+          </p:style>
+          <p:txBody>
+            <a:bodyPr rtlCol="0" anchor="ctr"/>
+            <a:lstStyle/>
+            <a:p>
+              <a:pPr algn="ctr"/>
+              <a:endParaRPr lang="en-US" dirty="0"/>
+            </a:p>
+          </p:txBody>
+        </p:sp>
+        <p:sp>
+          <p:nvSpPr>
+            <p:cNvPr id="626" name="Rectangle 625"/>
+            <p:cNvSpPr/>
+            <p:nvPr/>
+          </p:nvSpPr>
+          <p:spPr>
+            <a:xfrm>
+              <a:off x="2050551" y="5260801"/>
+              <a:ext cx="457599" cy="453839"/>
+            </a:xfrm>
+            <a:prstGeom prst="rect">
+              <a:avLst/>
+            </a:prstGeom>
+            <a:solidFill>
+              <a:schemeClr val="accent1"/>
+            </a:solidFill>
+          </p:spPr>
+          <p:style>
+            <a:lnRef idx="2">
+              <a:schemeClr val="accent1">
+                <a:shade val="50000"/>
+              </a:schemeClr>
+            </a:lnRef>
+            <a:fillRef idx="1">
+              <a:schemeClr val="accent1"/>
+            </a:fillRef>
+            <a:effectRef idx="0">
+              <a:schemeClr val="accent1"/>
+            </a:effectRef>
+            <a:fontRef idx="minor">
+              <a:schemeClr val="lt1"/>
+            </a:fontRef>
+          </p:style>
+          <p:txBody>
+            <a:bodyPr rtlCol="0" anchor="ctr"/>
+            <a:lstStyle/>
+            <a:p>
+              <a:pPr algn="ctr"/>
+              <a:endParaRPr lang="en-US" dirty="0"/>
+            </a:p>
+          </p:txBody>
+        </p:sp>
+        <p:sp>
+          <p:nvSpPr>
+            <p:cNvPr id="627" name="Rectangle 626"/>
+            <p:cNvSpPr/>
+            <p:nvPr/>
+          </p:nvSpPr>
+          <p:spPr>
+            <a:xfrm>
+              <a:off x="1592952" y="5714640"/>
+              <a:ext cx="457599" cy="453839"/>
+            </a:xfrm>
+            <a:prstGeom prst="rect">
+              <a:avLst/>
+            </a:prstGeom>
+            <a:noFill/>
+          </p:spPr>
+          <p:style>
+            <a:lnRef idx="2">
+              <a:schemeClr val="accent1">
+                <a:shade val="50000"/>
+              </a:schemeClr>
+            </a:lnRef>
+            <a:fillRef idx="1">
+              <a:schemeClr val="accent1"/>
+            </a:fillRef>
+            <a:effectRef idx="0">
+              <a:schemeClr val="accent1"/>
+            </a:effectRef>
+            <a:fontRef idx="minor">
+              <a:schemeClr val="lt1"/>
+            </a:fontRef>
+          </p:style>
+          <p:txBody>
+            <a:bodyPr rtlCol="0" anchor="ctr"/>
+            <a:lstStyle/>
+            <a:p>
+              <a:pPr algn="ctr"/>
+              <a:endParaRPr lang="en-US" dirty="0"/>
+            </a:p>
+          </p:txBody>
+        </p:sp>
+        <p:sp>
+          <p:nvSpPr>
+            <p:cNvPr id="628" name="Rectangle 627"/>
+            <p:cNvSpPr/>
+            <p:nvPr/>
+          </p:nvSpPr>
+          <p:spPr>
+            <a:xfrm>
+              <a:off x="2050551" y="5714640"/>
+              <a:ext cx="457599" cy="453839"/>
+            </a:xfrm>
+            <a:prstGeom prst="rect">
+              <a:avLst/>
+            </a:prstGeom>
+            <a:solidFill>
+              <a:schemeClr val="accent1"/>
+            </a:solidFill>
+          </p:spPr>
+          <p:style>
+            <a:lnRef idx="2">
+              <a:schemeClr val="accent1">
+                <a:shade val="50000"/>
+              </a:schemeClr>
+            </a:lnRef>
+            <a:fillRef idx="1">
+              <a:schemeClr val="accent1"/>
+            </a:fillRef>
+            <a:effectRef idx="0">
+              <a:schemeClr val="accent1"/>
+            </a:effectRef>
+            <a:fontRef idx="minor">
+              <a:schemeClr val="lt1"/>
+            </a:fontRef>
+          </p:style>
+          <p:txBody>
+            <a:bodyPr rtlCol="0" anchor="ctr"/>
+            <a:lstStyle/>
+            <a:p>
+              <a:pPr algn="ctr"/>
+              <a:endParaRPr lang="en-US" dirty="0"/>
+            </a:p>
+          </p:txBody>
+        </p:sp>
+        <p:sp>
+          <p:nvSpPr>
+            <p:cNvPr id="629" name="Rectangle 628"/>
+            <p:cNvSpPr/>
+            <p:nvPr/>
+          </p:nvSpPr>
+          <p:spPr>
+            <a:xfrm>
+              <a:off x="2508150" y="5260801"/>
+              <a:ext cx="457599" cy="453839"/>
+            </a:xfrm>
+            <a:prstGeom prst="rect">
+              <a:avLst/>
+            </a:prstGeom>
+            <a:solidFill>
+              <a:schemeClr val="accent1">
+                <a:lumMod val="20000"/>
+                <a:lumOff val="80000"/>
+              </a:schemeClr>
+            </a:solidFill>
+          </p:spPr>
+          <p:style>
+            <a:lnRef idx="2">
+              <a:schemeClr val="accent1">
+                <a:shade val="50000"/>
+              </a:schemeClr>
+            </a:lnRef>
+            <a:fillRef idx="1">
+              <a:schemeClr val="accent1"/>
+            </a:fillRef>
+            <a:effectRef idx="0">
+              <a:schemeClr val="accent1"/>
+            </a:effectRef>
+            <a:fontRef idx="minor">
+              <a:schemeClr val="lt1"/>
+            </a:fontRef>
+          </p:style>
+          <p:txBody>
+            <a:bodyPr rtlCol="0" anchor="ctr"/>
+            <a:lstStyle/>
+            <a:p>
+              <a:pPr algn="ctr"/>
+              <a:endParaRPr lang="en-US" dirty="0"/>
+            </a:p>
+          </p:txBody>
+        </p:sp>
+        <p:sp>
+          <p:nvSpPr>
+            <p:cNvPr id="630" name="Rectangle 629"/>
+            <p:cNvSpPr/>
+            <p:nvPr/>
+          </p:nvSpPr>
+          <p:spPr>
+            <a:xfrm>
+              <a:off x="2965749" y="5260801"/>
+              <a:ext cx="457599" cy="453839"/>
+            </a:xfrm>
+            <a:prstGeom prst="rect">
+              <a:avLst/>
+            </a:prstGeom>
+            <a:solidFill>
+              <a:schemeClr val="accent1">
+                <a:lumMod val="20000"/>
+                <a:lumOff val="80000"/>
+              </a:schemeClr>
+            </a:solidFill>
+          </p:spPr>
+          <p:style>
+            <a:lnRef idx="2">
+              <a:schemeClr val="accent1">
+                <a:shade val="50000"/>
+              </a:schemeClr>
+            </a:lnRef>
+            <a:fillRef idx="1">
+              <a:schemeClr val="accent1"/>
+            </a:fillRef>
+            <a:effectRef idx="0">
+              <a:schemeClr val="accent1"/>
+            </a:effectRef>
+            <a:fontRef idx="minor">
+              <a:schemeClr val="lt1"/>
+            </a:fontRef>
+          </p:style>
+          <p:txBody>
+            <a:bodyPr rtlCol="0" anchor="ctr"/>
+            <a:lstStyle/>
+            <a:p>
+              <a:pPr algn="ctr"/>
+              <a:endParaRPr lang="en-US" dirty="0"/>
+            </a:p>
+          </p:txBody>
+        </p:sp>
+        <p:sp>
+          <p:nvSpPr>
+            <p:cNvPr id="631" name="Rectangle 630"/>
+            <p:cNvSpPr/>
+            <p:nvPr/>
+          </p:nvSpPr>
+          <p:spPr>
+            <a:xfrm>
+              <a:off x="2508150" y="5714640"/>
+              <a:ext cx="457599" cy="453839"/>
+            </a:xfrm>
+            <a:prstGeom prst="rect">
+              <a:avLst/>
+            </a:prstGeom>
+            <a:solidFill>
+              <a:schemeClr val="accent1">
+                <a:lumMod val="20000"/>
+                <a:lumOff val="80000"/>
+              </a:schemeClr>
+            </a:solidFill>
+          </p:spPr>
+          <p:style>
+            <a:lnRef idx="2">
+              <a:schemeClr val="accent1">
+                <a:shade val="50000"/>
+              </a:schemeClr>
+            </a:lnRef>
+            <a:fillRef idx="1">
+              <a:schemeClr val="accent1"/>
+            </a:fillRef>
+            <a:effectRef idx="0">
+              <a:schemeClr val="accent1"/>
+            </a:effectRef>
+            <a:fontRef idx="minor">
+              <a:schemeClr val="lt1"/>
+            </a:fontRef>
+          </p:style>
+          <p:txBody>
+            <a:bodyPr rtlCol="0" anchor="ctr"/>
+            <a:lstStyle/>
+            <a:p>
+              <a:pPr algn="ctr"/>
+              <a:endParaRPr lang="en-US" dirty="0"/>
+            </a:p>
+          </p:txBody>
+        </p:sp>
+        <p:sp>
+          <p:nvSpPr>
+            <p:cNvPr id="632" name="Rectangle 631"/>
+            <p:cNvSpPr/>
+            <p:nvPr/>
+          </p:nvSpPr>
+          <p:spPr>
+            <a:xfrm>
+              <a:off x="2965749" y="5714640"/>
+              <a:ext cx="457599" cy="453839"/>
+            </a:xfrm>
+            <a:prstGeom prst="rect">
+              <a:avLst/>
+            </a:prstGeom>
+            <a:solidFill>
+              <a:schemeClr val="accent1">
+                <a:lumMod val="20000"/>
+                <a:lumOff val="80000"/>
+              </a:schemeClr>
+            </a:solidFill>
+          </p:spPr>
+          <p:style>
+            <a:lnRef idx="2">
+              <a:schemeClr val="accent1">
+                <a:shade val="50000"/>
+              </a:schemeClr>
+            </a:lnRef>
+            <a:fillRef idx="1">
+              <a:schemeClr val="accent1"/>
+            </a:fillRef>
+            <a:effectRef idx="0">
+              <a:schemeClr val="accent1"/>
+            </a:effectRef>
+            <a:fontRef idx="minor">
+              <a:schemeClr val="lt1"/>
+            </a:fontRef>
+          </p:style>
+          <p:txBody>
+            <a:bodyPr rtlCol="0" anchor="ctr"/>
+            <a:lstStyle/>
+            <a:p>
+              <a:pPr algn="ctr"/>
+              <a:endParaRPr lang="en-US" dirty="0"/>
+            </a:p>
+          </p:txBody>
+        </p:sp>
+        <p:sp>
+          <p:nvSpPr>
+            <p:cNvPr id="633" name="Rectangle 632"/>
+            <p:cNvSpPr/>
+            <p:nvPr/>
+          </p:nvSpPr>
+          <p:spPr>
+            <a:xfrm>
+              <a:off x="3423348" y="4353123"/>
+              <a:ext cx="457599" cy="453839"/>
+            </a:xfrm>
+            <a:prstGeom prst="rect">
+              <a:avLst/>
+            </a:prstGeom>
+            <a:solidFill>
+              <a:schemeClr val="accent1">
+                <a:lumMod val="20000"/>
+                <a:lumOff val="80000"/>
+              </a:schemeClr>
+            </a:solidFill>
+          </p:spPr>
+          <p:style>
+            <a:lnRef idx="2">
+              <a:schemeClr val="accent1">
+                <a:shade val="50000"/>
+              </a:schemeClr>
+            </a:lnRef>
+            <a:fillRef idx="1">
+              <a:schemeClr val="accent1"/>
+            </a:fillRef>
+            <a:effectRef idx="0">
+              <a:schemeClr val="accent1"/>
+            </a:effectRef>
+            <a:fontRef idx="minor">
+              <a:schemeClr val="lt1"/>
+            </a:fontRef>
+          </p:style>
+          <p:txBody>
+            <a:bodyPr rtlCol="0" anchor="ctr"/>
+            <a:lstStyle/>
+            <a:p>
+              <a:pPr algn="ctr"/>
+              <a:endParaRPr lang="en-US" dirty="0"/>
+            </a:p>
+          </p:txBody>
+        </p:sp>
+        <p:sp>
+          <p:nvSpPr>
+            <p:cNvPr id="634" name="Rectangle 633"/>
+            <p:cNvSpPr/>
+            <p:nvPr/>
+          </p:nvSpPr>
+          <p:spPr>
+            <a:xfrm>
+              <a:off x="3880947" y="4353123"/>
+              <a:ext cx="457599" cy="453839"/>
+            </a:xfrm>
+            <a:prstGeom prst="rect">
+              <a:avLst/>
+            </a:prstGeom>
+            <a:solidFill>
+              <a:schemeClr val="accent1">
+                <a:lumMod val="20000"/>
+                <a:lumOff val="80000"/>
+              </a:schemeClr>
+            </a:solidFill>
+          </p:spPr>
+          <p:style>
+            <a:lnRef idx="2">
+              <a:schemeClr val="accent1">
+                <a:shade val="50000"/>
+              </a:schemeClr>
+            </a:lnRef>
+            <a:fillRef idx="1">
+              <a:schemeClr val="accent1"/>
+            </a:fillRef>
+            <a:effectRef idx="0">
+              <a:schemeClr val="accent1"/>
+            </a:effectRef>
+            <a:fontRef idx="minor">
+              <a:schemeClr val="lt1"/>
+            </a:fontRef>
+          </p:style>
+          <p:txBody>
+            <a:bodyPr rtlCol="0" anchor="ctr"/>
+            <a:lstStyle/>
+            <a:p>
+              <a:pPr algn="ctr"/>
+              <a:endParaRPr lang="en-US" dirty="0"/>
+            </a:p>
+          </p:txBody>
+        </p:sp>
+        <p:sp>
+          <p:nvSpPr>
+            <p:cNvPr id="635" name="Rectangle 634"/>
+            <p:cNvSpPr/>
+            <p:nvPr/>
+          </p:nvSpPr>
+          <p:spPr>
+            <a:xfrm>
+              <a:off x="3423348" y="4806962"/>
+              <a:ext cx="457599" cy="453839"/>
+            </a:xfrm>
+            <a:prstGeom prst="rect">
+              <a:avLst/>
+            </a:prstGeom>
+            <a:solidFill>
+              <a:schemeClr val="accent1">
+                <a:lumMod val="20000"/>
+                <a:lumOff val="80000"/>
+              </a:schemeClr>
+            </a:solidFill>
+          </p:spPr>
+          <p:style>
+            <a:lnRef idx="2">
+              <a:schemeClr val="accent1">
+                <a:shade val="50000"/>
+              </a:schemeClr>
+            </a:lnRef>
+            <a:fillRef idx="1">
+              <a:schemeClr val="accent1"/>
+            </a:fillRef>
+            <a:effectRef idx="0">
+              <a:schemeClr val="accent1"/>
+            </a:effectRef>
+            <a:fontRef idx="minor">
+              <a:schemeClr val="lt1"/>
+            </a:fontRef>
+          </p:style>
+          <p:txBody>
+            <a:bodyPr rtlCol="0" anchor="ctr"/>
+            <a:lstStyle/>
+            <a:p>
+              <a:pPr algn="ctr"/>
+              <a:r>
+                <a:rPr lang="en-US" dirty="0"/>
+                <a:t> </a:t>
+              </a:r>
+            </a:p>
+          </p:txBody>
+        </p:sp>
+        <p:sp>
+          <p:nvSpPr>
+            <p:cNvPr id="636" name="Rectangle 635"/>
+            <p:cNvSpPr/>
+            <p:nvPr/>
+          </p:nvSpPr>
+          <p:spPr>
+            <a:xfrm>
+              <a:off x="3880947" y="4806962"/>
+              <a:ext cx="457599" cy="453839"/>
+            </a:xfrm>
+            <a:prstGeom prst="rect">
+              <a:avLst/>
+            </a:prstGeom>
+            <a:solidFill>
+              <a:schemeClr val="accent1">
+                <a:lumMod val="20000"/>
+                <a:lumOff val="80000"/>
+              </a:schemeClr>
+            </a:solidFill>
+          </p:spPr>
+          <p:style>
+            <a:lnRef idx="2">
+              <a:schemeClr val="accent1">
+                <a:shade val="50000"/>
+              </a:schemeClr>
+            </a:lnRef>
+            <a:fillRef idx="1">
+              <a:schemeClr val="accent1"/>
+            </a:fillRef>
+            <a:effectRef idx="0">
+              <a:schemeClr val="accent1"/>
+            </a:effectRef>
+            <a:fontRef idx="minor">
+              <a:schemeClr val="lt1"/>
+            </a:fontRef>
+          </p:style>
+          <p:txBody>
+            <a:bodyPr rtlCol="0" anchor="ctr"/>
+            <a:lstStyle/>
+            <a:p>
+              <a:pPr algn="ctr"/>
+              <a:endParaRPr lang="en-US" dirty="0"/>
+            </a:p>
+          </p:txBody>
+        </p:sp>
+        <p:sp>
+          <p:nvSpPr>
+            <p:cNvPr id="637" name="Rectangle 636"/>
+            <p:cNvSpPr/>
+            <p:nvPr/>
+          </p:nvSpPr>
+          <p:spPr>
+            <a:xfrm>
+              <a:off x="3423348" y="5260801"/>
+              <a:ext cx="457599" cy="453839"/>
+            </a:xfrm>
+            <a:prstGeom prst="rect">
+              <a:avLst/>
+            </a:prstGeom>
+            <a:solidFill>
+              <a:schemeClr val="accent1">
+                <a:lumMod val="20000"/>
+                <a:lumOff val="80000"/>
+              </a:schemeClr>
+            </a:solidFill>
+          </p:spPr>
+          <p:style>
+            <a:lnRef idx="2">
+              <a:schemeClr val="accent1">
+                <a:shade val="50000"/>
+              </a:schemeClr>
+            </a:lnRef>
+            <a:fillRef idx="1">
+              <a:schemeClr val="accent1"/>
+            </a:fillRef>
+            <a:effectRef idx="0">
+              <a:schemeClr val="accent1"/>
+            </a:effectRef>
+            <a:fontRef idx="minor">
+              <a:schemeClr val="lt1"/>
+            </a:fontRef>
+          </p:style>
+          <p:txBody>
+            <a:bodyPr rtlCol="0" anchor="ctr"/>
+            <a:lstStyle/>
+            <a:p>
+              <a:pPr algn="ctr"/>
+              <a:endParaRPr lang="en-US" dirty="0"/>
+            </a:p>
+          </p:txBody>
+        </p:sp>
+        <p:sp>
+          <p:nvSpPr>
+            <p:cNvPr id="638" name="Rectangle 637"/>
+            <p:cNvSpPr/>
+            <p:nvPr/>
+          </p:nvSpPr>
+          <p:spPr>
+            <a:xfrm>
+              <a:off x="3880947" y="5260801"/>
+              <a:ext cx="457599" cy="453839"/>
+            </a:xfrm>
+            <a:prstGeom prst="rect">
+              <a:avLst/>
+            </a:prstGeom>
+            <a:solidFill>
+              <a:schemeClr val="accent1">
+                <a:lumMod val="20000"/>
+                <a:lumOff val="80000"/>
+              </a:schemeClr>
+            </a:solidFill>
+          </p:spPr>
+          <p:style>
+            <a:lnRef idx="2">
+              <a:schemeClr val="accent1">
+                <a:shade val="50000"/>
+              </a:schemeClr>
+            </a:lnRef>
+            <a:fillRef idx="1">
+              <a:schemeClr val="accent1"/>
+            </a:fillRef>
+            <a:effectRef idx="0">
+              <a:schemeClr val="accent1"/>
+            </a:effectRef>
+            <a:fontRef idx="minor">
+              <a:schemeClr val="lt1"/>
+            </a:fontRef>
+          </p:style>
+          <p:txBody>
+            <a:bodyPr rtlCol="0" anchor="ctr"/>
+            <a:lstStyle/>
+            <a:p>
+              <a:pPr algn="ctr"/>
+              <a:endParaRPr lang="en-US" dirty="0"/>
+            </a:p>
+          </p:txBody>
+        </p:sp>
+        <p:sp>
+          <p:nvSpPr>
+            <p:cNvPr id="639" name="Rectangle 638"/>
+            <p:cNvSpPr/>
+            <p:nvPr/>
+          </p:nvSpPr>
+          <p:spPr>
+            <a:xfrm>
+              <a:off x="3423348" y="5714640"/>
+              <a:ext cx="457599" cy="453839"/>
+            </a:xfrm>
+            <a:prstGeom prst="rect">
+              <a:avLst/>
+            </a:prstGeom>
+            <a:solidFill>
+              <a:schemeClr val="accent1">
+                <a:lumMod val="20000"/>
+                <a:lumOff val="80000"/>
+              </a:schemeClr>
+            </a:solidFill>
+          </p:spPr>
+          <p:style>
+            <a:lnRef idx="2">
+              <a:schemeClr val="accent1">
+                <a:shade val="50000"/>
+              </a:schemeClr>
+            </a:lnRef>
+            <a:fillRef idx="1">
+              <a:schemeClr val="accent1"/>
+            </a:fillRef>
+            <a:effectRef idx="0">
+              <a:schemeClr val="accent1"/>
+            </a:effectRef>
+            <a:fontRef idx="minor">
+              <a:schemeClr val="lt1"/>
+            </a:fontRef>
+          </p:style>
+          <p:txBody>
+            <a:bodyPr rtlCol="0" anchor="ctr"/>
+            <a:lstStyle/>
+            <a:p>
+              <a:pPr algn="ctr"/>
+              <a:endParaRPr lang="en-US" dirty="0"/>
+            </a:p>
+          </p:txBody>
+        </p:sp>
+        <p:sp>
+          <p:nvSpPr>
+            <p:cNvPr id="640" name="Rectangle 639"/>
+            <p:cNvSpPr/>
+            <p:nvPr/>
+          </p:nvSpPr>
+          <p:spPr>
+            <a:xfrm>
+              <a:off x="3880947" y="5714640"/>
+              <a:ext cx="457599" cy="453839"/>
+            </a:xfrm>
+            <a:prstGeom prst="rect">
+              <a:avLst/>
+            </a:prstGeom>
+            <a:solidFill>
+              <a:schemeClr val="accent1">
+                <a:lumMod val="20000"/>
+                <a:lumOff val="80000"/>
+              </a:schemeClr>
+            </a:solidFill>
+          </p:spPr>
+          <p:style>
+            <a:lnRef idx="2">
+              <a:schemeClr val="accent1">
+                <a:shade val="50000"/>
+              </a:schemeClr>
+            </a:lnRef>
+            <a:fillRef idx="1">
+              <a:schemeClr val="accent1"/>
+            </a:fillRef>
+            <a:effectRef idx="0">
+              <a:schemeClr val="accent1"/>
+            </a:effectRef>
+            <a:fontRef idx="minor">
+              <a:schemeClr val="lt1"/>
+            </a:fontRef>
+          </p:style>
+          <p:txBody>
+            <a:bodyPr rtlCol="0" anchor="ctr"/>
+            <a:lstStyle/>
+            <a:p>
+              <a:pPr algn="ctr"/>
+              <a:endParaRPr lang="en-US" dirty="0"/>
+            </a:p>
+          </p:txBody>
+        </p:sp>
+        <mc:AlternateContent xmlns:mc="http://schemas.openxmlformats.org/markup-compatibility/2006">
+          <mc:Choice xmlns:a14="http://schemas.microsoft.com/office/drawing/2010/main" Requires="a14">
+            <p:sp>
+              <p:nvSpPr>
+                <p:cNvPr id="641" name="Rectangle 640"/>
+                <p:cNvSpPr/>
+                <p:nvPr/>
+              </p:nvSpPr>
+              <p:spPr>
+                <a:xfrm>
+                  <a:off x="1579476" y="3922263"/>
+                  <a:ext cx="457599" cy="453839"/>
+                </a:xfrm>
+                <a:prstGeom prst="rect">
+                  <a:avLst/>
+                </a:prstGeom>
+                <a:noFill/>
+                <a:ln>
+                  <a:noFill/>
+                </a:ln>
+              </p:spPr>
+              <p:style>
+                <a:lnRef idx="2">
+                  <a:schemeClr val="accent1">
+                    <a:shade val="50000"/>
+                  </a:schemeClr>
+                </a:lnRef>
+                <a:fillRef idx="1">
+                  <a:schemeClr val="accent1"/>
+                </a:fillRef>
+                <a:effectRef idx="0">
+                  <a:schemeClr val="accent1"/>
+                </a:effectRef>
+                <a:fontRef idx="minor">
+                  <a:schemeClr val="lt1"/>
+                </a:fontRef>
+              </p:style>
+              <p:txBody>
+                <a:bodyPr rtlCol="0" anchor="ctr"/>
+                <a:lstStyle/>
+                <a:p>
+                  <a:pPr algn="ctr"/>
+                  <a14:m>
+                    <m:oMathPara xmlns:m="http://schemas.openxmlformats.org/officeDocument/2006/math">
+                      <m:oMathParaPr>
+                        <m:jc m:val="centerGroup"/>
+                      </m:oMathParaPr>
+                      <m:oMath xmlns:m="http://schemas.openxmlformats.org/officeDocument/2006/math">
+                        <m:r>
+                          <a:rPr lang="en-US" sz="1400" b="0" i="1" smtClean="0">
+                            <a:solidFill>
+                              <a:schemeClr val="tx1"/>
+                            </a:solidFill>
+                            <a:latin typeface="Cambria Math" panose="02040503050406030204" pitchFamily="18" charset="0"/>
+                          </a:rPr>
+                          <m:t> </m:t>
+                        </m:r>
+                        <m:r>
+                          <a:rPr lang="en-US" sz="1400" b="0" i="1" smtClean="0">
+                            <a:solidFill>
+                              <a:schemeClr val="tx1"/>
+                            </a:solidFill>
+                            <a:latin typeface="Cambria Math" panose="02040503050406030204" pitchFamily="18" charset="0"/>
+                          </a:rPr>
+                          <m:t>𝑡</m:t>
+                        </m:r>
+                      </m:oMath>
+                    </m:oMathPara>
+                  </a14:m>
+                  <a:endParaRPr lang="en-US" dirty="0">
+                    <a:solidFill>
+                      <a:schemeClr val="tx1"/>
+                    </a:solidFill>
+                  </a:endParaRPr>
+                </a:p>
+              </p:txBody>
+            </p:sp>
+          </mc:Choice>
+          <mc:Fallback>
+            <p:sp>
+              <p:nvSpPr>
+                <p:cNvPr id="641" name="Rectangle 640"/>
+                <p:cNvSpPr>
+                  <a:spLocks noRot="1" noChangeAspect="1" noMove="1" noResize="1" noEditPoints="1" noAdjustHandles="1" noChangeArrowheads="1" noChangeShapeType="1" noTextEdit="1"/>
+                </p:cNvSpPr>
+                <p:nvPr/>
+              </p:nvSpPr>
+              <p:spPr>
+                <a:xfrm>
+                  <a:off x="1579476" y="3922263"/>
+                  <a:ext cx="457599" cy="453839"/>
+                </a:xfrm>
+                <a:prstGeom prst="rect">
+                  <a:avLst/>
+                </a:prstGeom>
+                <a:blipFill rotWithShape="0">
+                  <a:blip r:embed="rId8"/>
+                  <a:stretch>
+                    <a:fillRect/>
+                  </a:stretch>
+                </a:blipFill>
+                <a:ln>
+                  <a:noFill/>
+                </a:ln>
+              </p:spPr>
+              <p:txBody>
+                <a:bodyPr/>
+                <a:lstStyle/>
+                <a:p>
+                  <a:r>
+                    <a:rPr lang="en-US">
+                      <a:noFill/>
+                    </a:rPr>
+                    <a:t> </a:t>
+                  </a:r>
+                </a:p>
+              </p:txBody>
+            </p:sp>
+          </mc:Fallback>
+        </mc:AlternateContent>
+        <p:cxnSp>
+          <p:nvCxnSpPr>
+            <p:cNvPr id="642" name="Straight Arrow Connector 641"/>
+            <p:cNvCxnSpPr/>
+            <p:nvPr/>
+          </p:nvCxnSpPr>
+          <p:spPr>
+            <a:xfrm flipH="1">
+              <a:off x="1973381" y="4497032"/>
+              <a:ext cx="161232" cy="359143"/>
+            </a:xfrm>
+            <a:prstGeom prst="straightConnector1">
+              <a:avLst/>
+            </a:prstGeom>
+            <a:ln w="19050">
+              <a:tailEnd type="triangle"/>
+            </a:ln>
+          </p:spPr>
+          <p:style>
+            <a:lnRef idx="1">
+              <a:schemeClr val="dk1"/>
+            </a:lnRef>
+            <a:fillRef idx="0">
+              <a:schemeClr val="dk1"/>
+            </a:fillRef>
+            <a:effectRef idx="0">
+              <a:schemeClr val="dk1"/>
+            </a:effectRef>
+            <a:fontRef idx="minor">
               <a:schemeClr val="tx1"/>
-            </a:solidFill>
-            <a:headEnd type="triangle" w="med" len="med"/>
-            <a:tailEnd type="none" w="med" len="med"/>
-          </a:ln>
-        </p:spPr>
-        <p:style>
-          <a:lnRef idx="1">
-            <a:schemeClr val="accent1"/>
-          </a:lnRef>
-          <a:fillRef idx="0">
-            <a:schemeClr val="accent1"/>
-          </a:fillRef>
-          <a:effectRef idx="0">
-            <a:schemeClr val="accent1"/>
-          </a:effectRef>
-          <a:fontRef idx="minor">
-            <a:schemeClr val="tx1"/>
-          </a:fontRef>
-        </p:style>
-      </p:cxnSp>
-      <p:sp>
-        <p:nvSpPr>
-          <p:cNvPr id="86" name="Rectangle 85"/>
-          <p:cNvSpPr/>
-          <p:nvPr/>
-        </p:nvSpPr>
-        <p:spPr>
-          <a:xfrm>
-            <a:off x="1472365" y="712389"/>
-            <a:ext cx="457599" cy="453839"/>
-          </a:xfrm>
-          <a:prstGeom prst="rect">
-            <a:avLst/>
-          </a:prstGeom>
-          <a:solidFill>
-            <a:schemeClr val="bg1"/>
-          </a:solidFill>
-        </p:spPr>
-        <p:style>
-          <a:lnRef idx="2">
-            <a:schemeClr val="accent1">
-              <a:shade val="50000"/>
-            </a:schemeClr>
-          </a:lnRef>
-          <a:fillRef idx="1">
-            <a:schemeClr val="accent1"/>
-          </a:fillRef>
-          <a:effectRef idx="0">
-            <a:schemeClr val="accent1"/>
-          </a:effectRef>
-          <a:fontRef idx="minor">
-            <a:schemeClr val="lt1"/>
-          </a:fontRef>
-        </p:style>
-        <p:txBody>
-          <a:bodyPr rtlCol="0" anchor="ctr"/>
-          <a:lstStyle/>
-          <a:p>
-            <a:pPr algn="ctr"/>
-            <a:endParaRPr lang="en-US" dirty="0"/>
-          </a:p>
-        </p:txBody>
-      </p:sp>
-      <p:sp>
-        <p:nvSpPr>
-          <p:cNvPr id="87" name="Rectangle 86"/>
-          <p:cNvSpPr/>
-          <p:nvPr/>
-        </p:nvSpPr>
-        <p:spPr>
-          <a:xfrm>
-            <a:off x="1472365" y="1166228"/>
-            <a:ext cx="457599" cy="453839"/>
-          </a:xfrm>
-          <a:prstGeom prst="rect">
-            <a:avLst/>
-          </a:prstGeom>
-          <a:solidFill>
-            <a:schemeClr val="bg1"/>
-          </a:solidFill>
-        </p:spPr>
-        <p:style>
-          <a:lnRef idx="2">
-            <a:schemeClr val="accent1">
-              <a:shade val="50000"/>
-            </a:schemeClr>
-          </a:lnRef>
-          <a:fillRef idx="1">
-            <a:schemeClr val="accent1"/>
-          </a:fillRef>
-          <a:effectRef idx="0">
-            <a:schemeClr val="accent1"/>
-          </a:effectRef>
-          <a:fontRef idx="minor">
-            <a:schemeClr val="lt1"/>
-          </a:fontRef>
-        </p:style>
-        <p:txBody>
-          <a:bodyPr rtlCol="0" anchor="ctr"/>
-          <a:lstStyle/>
-          <a:p>
-            <a:pPr algn="ctr"/>
-            <a:endParaRPr lang="en-US" dirty="0"/>
-          </a:p>
-        </p:txBody>
-      </p:sp>
-      <p:sp>
-        <p:nvSpPr>
-          <p:cNvPr id="88" name="Rectangle 87"/>
-          <p:cNvSpPr/>
-          <p:nvPr/>
-        </p:nvSpPr>
-        <p:spPr>
-          <a:xfrm>
-            <a:off x="1472365" y="1620067"/>
-            <a:ext cx="457599" cy="453839"/>
-          </a:xfrm>
-          <a:prstGeom prst="rect">
-            <a:avLst/>
-          </a:prstGeom>
-          <a:solidFill>
-            <a:schemeClr val="bg1"/>
-          </a:solidFill>
-        </p:spPr>
-        <p:style>
-          <a:lnRef idx="2">
-            <a:schemeClr val="accent1">
-              <a:shade val="50000"/>
-            </a:schemeClr>
-          </a:lnRef>
-          <a:fillRef idx="1">
-            <a:schemeClr val="accent1"/>
-          </a:fillRef>
-          <a:effectRef idx="0">
-            <a:schemeClr val="accent1"/>
-          </a:effectRef>
-          <a:fontRef idx="minor">
-            <a:schemeClr val="lt1"/>
-          </a:fontRef>
-        </p:style>
-        <p:txBody>
-          <a:bodyPr rtlCol="0" anchor="ctr"/>
-          <a:lstStyle/>
-          <a:p>
-            <a:pPr algn="ctr"/>
-            <a:endParaRPr lang="en-US" dirty="0"/>
-          </a:p>
-        </p:txBody>
-      </p:sp>
-      <p:sp>
-        <p:nvSpPr>
-          <p:cNvPr id="91" name="Rectangle 90"/>
-          <p:cNvSpPr/>
-          <p:nvPr/>
-        </p:nvSpPr>
-        <p:spPr>
-          <a:xfrm>
-            <a:off x="1472365" y="2073906"/>
-            <a:ext cx="457599" cy="453839"/>
-          </a:xfrm>
-          <a:prstGeom prst="rect">
-            <a:avLst/>
-          </a:prstGeom>
-          <a:solidFill>
-            <a:schemeClr val="bg1"/>
-          </a:solidFill>
-        </p:spPr>
-        <p:style>
-          <a:lnRef idx="2">
-            <a:schemeClr val="accent1">
-              <a:shade val="50000"/>
-            </a:schemeClr>
-          </a:lnRef>
-          <a:fillRef idx="1">
-            <a:schemeClr val="accent1"/>
-          </a:fillRef>
-          <a:effectRef idx="0">
-            <a:schemeClr val="accent1"/>
-          </a:effectRef>
-          <a:fontRef idx="minor">
-            <a:schemeClr val="lt1"/>
-          </a:fontRef>
-        </p:style>
-        <p:txBody>
-          <a:bodyPr rtlCol="0" anchor="ctr"/>
-          <a:lstStyle/>
-          <a:p>
-            <a:pPr algn="ctr"/>
-            <a:endParaRPr lang="en-US" dirty="0"/>
-          </a:p>
-        </p:txBody>
-      </p:sp>
-      <p:cxnSp>
-        <p:nvCxnSpPr>
-          <p:cNvPr id="179" name="Curved Connector 178"/>
-          <p:cNvCxnSpPr/>
-          <p:nvPr/>
-        </p:nvCxnSpPr>
-        <p:spPr>
-          <a:xfrm rot="5400000" flipH="1" flipV="1">
-            <a:off x="3073751" y="328949"/>
-            <a:ext cx="12700" cy="1830396"/>
-          </a:xfrm>
-          <a:prstGeom prst="curvedConnector3">
-            <a:avLst>
-              <a:gd name="adj1" fmla="val 1360000"/>
-            </a:avLst>
-          </a:prstGeom>
-          <a:ln w="19050">
-            <a:solidFill>
+            </a:fontRef>
+          </p:style>
+        </p:cxnSp>
+        <p:cxnSp>
+          <p:nvCxnSpPr>
+            <p:cNvPr id="643" name="Straight Arrow Connector 642"/>
+            <p:cNvCxnSpPr/>
+            <p:nvPr/>
+          </p:nvCxnSpPr>
+          <p:spPr>
+            <a:xfrm flipH="1">
+              <a:off x="1969538" y="4997305"/>
+              <a:ext cx="181331" cy="0"/>
+            </a:xfrm>
+            <a:prstGeom prst="straightConnector1">
+              <a:avLst/>
+            </a:prstGeom>
+            <a:ln w="19050">
+              <a:tailEnd type="triangle"/>
+            </a:ln>
+          </p:spPr>
+          <p:style>
+            <a:lnRef idx="1">
+              <a:schemeClr val="dk1"/>
+            </a:lnRef>
+            <a:fillRef idx="0">
+              <a:schemeClr val="dk1"/>
+            </a:fillRef>
+            <a:effectRef idx="0">
+              <a:schemeClr val="dk1"/>
+            </a:effectRef>
+            <a:fontRef idx="minor">
               <a:schemeClr val="tx1"/>
-            </a:solidFill>
-            <a:headEnd type="triangle" w="med" len="med"/>
-            <a:tailEnd type="none" w="med" len="med"/>
-          </a:ln>
-        </p:spPr>
-        <p:style>
-          <a:lnRef idx="1">
-            <a:schemeClr val="accent1"/>
-          </a:lnRef>
-          <a:fillRef idx="0">
-            <a:schemeClr val="accent1"/>
-          </a:fillRef>
-          <a:effectRef idx="0">
-            <a:schemeClr val="accent1"/>
-          </a:effectRef>
-          <a:fontRef idx="minor">
-            <a:schemeClr val="tx1"/>
-          </a:fontRef>
-        </p:style>
-      </p:cxnSp>
+            </a:fontRef>
+          </p:style>
+        </p:cxnSp>
+        <p:cxnSp>
+          <p:nvCxnSpPr>
+            <p:cNvPr id="644" name="Straight Arrow Connector 643"/>
+            <p:cNvCxnSpPr/>
+            <p:nvPr/>
+          </p:nvCxnSpPr>
+          <p:spPr>
+            <a:xfrm flipH="1" flipV="1">
+              <a:off x="1959378" y="5174643"/>
+              <a:ext cx="155001" cy="157727"/>
+            </a:xfrm>
+            <a:prstGeom prst="straightConnector1">
+              <a:avLst/>
+            </a:prstGeom>
+            <a:ln w="19050">
+              <a:tailEnd type="triangle"/>
+            </a:ln>
+          </p:spPr>
+          <p:style>
+            <a:lnRef idx="1">
+              <a:schemeClr val="dk1"/>
+            </a:lnRef>
+            <a:fillRef idx="0">
+              <a:schemeClr val="dk1"/>
+            </a:fillRef>
+            <a:effectRef idx="0">
+              <a:schemeClr val="dk1"/>
+            </a:effectRef>
+            <a:fontRef idx="minor">
+              <a:schemeClr val="tx1"/>
+            </a:fontRef>
+          </p:style>
+        </p:cxnSp>
+        <p:cxnSp>
+          <p:nvCxnSpPr>
+            <p:cNvPr id="645" name="Straight Arrow Connector 644"/>
+            <p:cNvCxnSpPr/>
+            <p:nvPr/>
+          </p:nvCxnSpPr>
+          <p:spPr>
+            <a:xfrm flipH="1" flipV="1">
+              <a:off x="1959378" y="5287035"/>
+              <a:ext cx="167194" cy="513763"/>
+            </a:xfrm>
+            <a:prstGeom prst="straightConnector1">
+              <a:avLst/>
+            </a:prstGeom>
+            <a:ln w="19050">
+              <a:tailEnd type="triangle"/>
+            </a:ln>
+          </p:spPr>
+          <p:style>
+            <a:lnRef idx="1">
+              <a:schemeClr val="dk1"/>
+            </a:lnRef>
+            <a:fillRef idx="0">
+              <a:schemeClr val="dk1"/>
+            </a:fillRef>
+            <a:effectRef idx="0">
+              <a:schemeClr val="dk1"/>
+            </a:effectRef>
+            <a:fontRef idx="minor">
+              <a:schemeClr val="tx1"/>
+            </a:fontRef>
+          </p:style>
+        </p:cxnSp>
+        <mc:AlternateContent xmlns:mc="http://schemas.openxmlformats.org/markup-compatibility/2006">
+          <mc:Choice xmlns:a14="http://schemas.microsoft.com/office/drawing/2010/main" Requires="a14">
+            <p:sp>
+              <p:nvSpPr>
+                <p:cNvPr id="646" name="Rectangle 645"/>
+                <p:cNvSpPr/>
+                <p:nvPr/>
+              </p:nvSpPr>
+              <p:spPr>
+                <a:xfrm>
+                  <a:off x="1989429" y="3922262"/>
+                  <a:ext cx="592718" cy="453839"/>
+                </a:xfrm>
+                <a:prstGeom prst="rect">
+                  <a:avLst/>
+                </a:prstGeom>
+                <a:noFill/>
+                <a:ln>
+                  <a:noFill/>
+                </a:ln>
+              </p:spPr>
+              <p:style>
+                <a:lnRef idx="2">
+                  <a:schemeClr val="accent1">
+                    <a:shade val="50000"/>
+                  </a:schemeClr>
+                </a:lnRef>
+                <a:fillRef idx="1">
+                  <a:schemeClr val="accent1"/>
+                </a:fillRef>
+                <a:effectRef idx="0">
+                  <a:schemeClr val="accent1"/>
+                </a:effectRef>
+                <a:fontRef idx="minor">
+                  <a:schemeClr val="lt1"/>
+                </a:fontRef>
+              </p:style>
+              <p:txBody>
+                <a:bodyPr rtlCol="0" anchor="ctr"/>
+                <a:lstStyle/>
+                <a:p>
+                  <a:pPr algn="ctr"/>
+                  <a14:m>
+                    <m:oMathPara xmlns:m="http://schemas.openxmlformats.org/officeDocument/2006/math">
+                      <m:oMathParaPr>
+                        <m:jc m:val="centerGroup"/>
+                      </m:oMathParaPr>
+                      <m:oMath xmlns:m="http://schemas.openxmlformats.org/officeDocument/2006/math">
+                        <m:r>
+                          <a:rPr lang="en-US" sz="1400" b="0" i="1" smtClean="0">
+                            <a:solidFill>
+                              <a:schemeClr val="tx1"/>
+                            </a:solidFill>
+                            <a:latin typeface="Cambria Math" panose="02040503050406030204" pitchFamily="18" charset="0"/>
+                          </a:rPr>
+                          <m:t>𝑡</m:t>
+                        </m:r>
+                        <m:r>
+                          <a:rPr lang="en-US" sz="1400" b="0" i="1" smtClean="0">
+                            <a:solidFill>
+                              <a:schemeClr val="tx1"/>
+                            </a:solidFill>
+                            <a:latin typeface="Cambria Math" panose="02040503050406030204" pitchFamily="18" charset="0"/>
+                          </a:rPr>
+                          <m:t>+1</m:t>
+                        </m:r>
+                      </m:oMath>
+                    </m:oMathPara>
+                  </a14:m>
+                  <a:endParaRPr lang="en-US" sz="1600" dirty="0">
+                    <a:solidFill>
+                      <a:schemeClr val="tx1"/>
+                    </a:solidFill>
+                  </a:endParaRPr>
+                </a:p>
+              </p:txBody>
+            </p:sp>
+          </mc:Choice>
+          <mc:Fallback>
+            <p:sp>
+              <p:nvSpPr>
+                <p:cNvPr id="646" name="Rectangle 645"/>
+                <p:cNvSpPr>
+                  <a:spLocks noRot="1" noChangeAspect="1" noMove="1" noResize="1" noEditPoints="1" noAdjustHandles="1" noChangeArrowheads="1" noChangeShapeType="1" noTextEdit="1"/>
+                </p:cNvSpPr>
+                <p:nvPr/>
+              </p:nvSpPr>
+              <p:spPr>
+                <a:xfrm>
+                  <a:off x="1989429" y="3922262"/>
+                  <a:ext cx="592718" cy="453839"/>
+                </a:xfrm>
+                <a:prstGeom prst="rect">
+                  <a:avLst/>
+                </a:prstGeom>
+                <a:blipFill rotWithShape="0">
+                  <a:blip r:embed="rId9"/>
+                  <a:stretch>
+                    <a:fillRect/>
+                  </a:stretch>
+                </a:blipFill>
+                <a:ln>
+                  <a:noFill/>
+                </a:ln>
+              </p:spPr>
+              <p:txBody>
+                <a:bodyPr/>
+                <a:lstStyle/>
+                <a:p>
+                  <a:r>
+                    <a:rPr lang="en-US">
+                      <a:noFill/>
+                    </a:rPr>
+                    <a:t> </a:t>
+                  </a:r>
+                </a:p>
+              </p:txBody>
+            </p:sp>
+          </mc:Fallback>
+        </mc:AlternateContent>
+        <mc:AlternateContent xmlns:mc="http://schemas.openxmlformats.org/markup-compatibility/2006">
+          <mc:Choice xmlns:a14="http://schemas.microsoft.com/office/drawing/2010/main" Requires="a14">
+            <p:sp>
+              <p:nvSpPr>
+                <p:cNvPr id="647" name="Rectangle 646"/>
+                <p:cNvSpPr/>
+                <p:nvPr/>
+              </p:nvSpPr>
+              <p:spPr>
+                <a:xfrm>
+                  <a:off x="4300445" y="4802272"/>
+                  <a:ext cx="457599" cy="453839"/>
+                </a:xfrm>
+                <a:prstGeom prst="rect">
+                  <a:avLst/>
+                </a:prstGeom>
+                <a:noFill/>
+                <a:ln>
+                  <a:noFill/>
+                </a:ln>
+              </p:spPr>
+              <p:style>
+                <a:lnRef idx="2">
+                  <a:schemeClr val="accent1">
+                    <a:shade val="50000"/>
+                  </a:schemeClr>
+                </a:lnRef>
+                <a:fillRef idx="1">
+                  <a:schemeClr val="accent1"/>
+                </a:fillRef>
+                <a:effectRef idx="0">
+                  <a:schemeClr val="accent1"/>
+                </a:effectRef>
+                <a:fontRef idx="minor">
+                  <a:schemeClr val="lt1"/>
+                </a:fontRef>
+              </p:style>
+              <p:txBody>
+                <a:bodyPr rtlCol="0" anchor="ctr"/>
+                <a:lstStyle/>
+                <a:p>
+                  <a:pPr algn="ctr"/>
+                  <a14:m>
+                    <m:oMathPara xmlns:m="http://schemas.openxmlformats.org/officeDocument/2006/math">
+                      <m:oMathParaPr>
+                        <m:jc m:val="centerGroup"/>
+                      </m:oMathParaPr>
+                      <m:oMath xmlns:m="http://schemas.openxmlformats.org/officeDocument/2006/math">
+                        <m:r>
+                          <a:rPr lang="en-US" sz="1400" b="0" i="1" smtClean="0">
+                            <a:solidFill>
+                              <a:schemeClr val="tx1"/>
+                            </a:solidFill>
+                            <a:latin typeface="Cambria Math" panose="02040503050406030204" pitchFamily="18" charset="0"/>
+                          </a:rPr>
+                          <m:t> </m:t>
+                        </m:r>
+                        <m:r>
+                          <a:rPr lang="en-US" sz="1400" b="0" i="1" smtClean="0">
+                            <a:solidFill>
+                              <a:schemeClr val="tx1"/>
+                            </a:solidFill>
+                            <a:latin typeface="Cambria Math" panose="02040503050406030204" pitchFamily="18" charset="0"/>
+                          </a:rPr>
+                          <m:t>𝑗</m:t>
+                        </m:r>
+                      </m:oMath>
+                    </m:oMathPara>
+                  </a14:m>
+                  <a:endParaRPr lang="en-US" dirty="0">
+                    <a:solidFill>
+                      <a:schemeClr val="tx1"/>
+                    </a:solidFill>
+                  </a:endParaRPr>
+                </a:p>
+              </p:txBody>
+            </p:sp>
+          </mc:Choice>
+          <mc:Fallback>
+            <p:sp>
+              <p:nvSpPr>
+                <p:cNvPr id="647" name="Rectangle 646"/>
+                <p:cNvSpPr>
+                  <a:spLocks noRot="1" noChangeAspect="1" noMove="1" noResize="1" noEditPoints="1" noAdjustHandles="1" noChangeArrowheads="1" noChangeShapeType="1" noTextEdit="1"/>
+                </p:cNvSpPr>
+                <p:nvPr/>
+              </p:nvSpPr>
+              <p:spPr>
+                <a:xfrm>
+                  <a:off x="4300445" y="4802272"/>
+                  <a:ext cx="457599" cy="453839"/>
+                </a:xfrm>
+                <a:prstGeom prst="rect">
+                  <a:avLst/>
+                </a:prstGeom>
+                <a:blipFill rotWithShape="0">
+                  <a:blip r:embed="rId5"/>
+                  <a:stretch>
+                    <a:fillRect/>
+                  </a:stretch>
+                </a:blipFill>
+                <a:ln>
+                  <a:noFill/>
+                </a:ln>
+              </p:spPr>
+              <p:txBody>
+                <a:bodyPr/>
+                <a:lstStyle/>
+                <a:p>
+                  <a:r>
+                    <a:rPr lang="en-US">
+                      <a:noFill/>
+                    </a:rPr>
+                    <a:t> </a:t>
+                  </a:r>
+                </a:p>
+              </p:txBody>
+            </p:sp>
+          </mc:Fallback>
+        </mc:AlternateContent>
+        <p:sp>
+          <p:nvSpPr>
+            <p:cNvPr id="648" name="Rectangle 647"/>
+            <p:cNvSpPr/>
+            <p:nvPr/>
+          </p:nvSpPr>
+          <p:spPr>
+            <a:xfrm>
+              <a:off x="1135995" y="4353123"/>
+              <a:ext cx="457599" cy="453839"/>
+            </a:xfrm>
+            <a:prstGeom prst="rect">
+              <a:avLst/>
+            </a:prstGeom>
+            <a:noFill/>
+          </p:spPr>
+          <p:style>
+            <a:lnRef idx="2">
+              <a:schemeClr val="accent1">
+                <a:shade val="50000"/>
+              </a:schemeClr>
+            </a:lnRef>
+            <a:fillRef idx="1">
+              <a:schemeClr val="accent1"/>
+            </a:fillRef>
+            <a:effectRef idx="0">
+              <a:schemeClr val="accent1"/>
+            </a:effectRef>
+            <a:fontRef idx="minor">
+              <a:schemeClr val="lt1"/>
+            </a:fontRef>
+          </p:style>
+          <p:txBody>
+            <a:bodyPr rtlCol="0" anchor="ctr"/>
+            <a:lstStyle/>
+            <a:p>
+              <a:pPr algn="ctr"/>
+              <a:endParaRPr lang="en-US" dirty="0"/>
+            </a:p>
+          </p:txBody>
+        </p:sp>
+        <p:sp>
+          <p:nvSpPr>
+            <p:cNvPr id="649" name="Rectangle 648"/>
+            <p:cNvSpPr/>
+            <p:nvPr/>
+          </p:nvSpPr>
+          <p:spPr>
+            <a:xfrm>
+              <a:off x="1135995" y="4806962"/>
+              <a:ext cx="457599" cy="453839"/>
+            </a:xfrm>
+            <a:prstGeom prst="rect">
+              <a:avLst/>
+            </a:prstGeom>
+            <a:noFill/>
+          </p:spPr>
+          <p:style>
+            <a:lnRef idx="2">
+              <a:schemeClr val="accent1">
+                <a:shade val="50000"/>
+              </a:schemeClr>
+            </a:lnRef>
+            <a:fillRef idx="1">
+              <a:schemeClr val="accent1"/>
+            </a:fillRef>
+            <a:effectRef idx="0">
+              <a:schemeClr val="accent1"/>
+            </a:effectRef>
+            <a:fontRef idx="minor">
+              <a:schemeClr val="lt1"/>
+            </a:fontRef>
+          </p:style>
+          <p:txBody>
+            <a:bodyPr rtlCol="0" anchor="ctr"/>
+            <a:lstStyle/>
+            <a:p>
+              <a:pPr algn="ctr"/>
+              <a:endParaRPr lang="en-US" dirty="0"/>
+            </a:p>
+          </p:txBody>
+        </p:sp>
+        <p:sp>
+          <p:nvSpPr>
+            <p:cNvPr id="650" name="Rectangle 649"/>
+            <p:cNvSpPr/>
+            <p:nvPr/>
+          </p:nvSpPr>
+          <p:spPr>
+            <a:xfrm>
+              <a:off x="1135995" y="5260801"/>
+              <a:ext cx="457599" cy="453839"/>
+            </a:xfrm>
+            <a:prstGeom prst="rect">
+              <a:avLst/>
+            </a:prstGeom>
+            <a:noFill/>
+          </p:spPr>
+          <p:style>
+            <a:lnRef idx="2">
+              <a:schemeClr val="accent1">
+                <a:shade val="50000"/>
+              </a:schemeClr>
+            </a:lnRef>
+            <a:fillRef idx="1">
+              <a:schemeClr val="accent1"/>
+            </a:fillRef>
+            <a:effectRef idx="0">
+              <a:schemeClr val="accent1"/>
+            </a:effectRef>
+            <a:fontRef idx="minor">
+              <a:schemeClr val="lt1"/>
+            </a:fontRef>
+          </p:style>
+          <p:txBody>
+            <a:bodyPr rtlCol="0" anchor="ctr"/>
+            <a:lstStyle/>
+            <a:p>
+              <a:pPr algn="ctr"/>
+              <a:endParaRPr lang="en-US" dirty="0"/>
+            </a:p>
+          </p:txBody>
+        </p:sp>
+        <p:sp>
+          <p:nvSpPr>
+            <p:cNvPr id="651" name="Rectangle 650"/>
+            <p:cNvSpPr/>
+            <p:nvPr/>
+          </p:nvSpPr>
+          <p:spPr>
+            <a:xfrm>
+              <a:off x="1135995" y="5714640"/>
+              <a:ext cx="457599" cy="453839"/>
+            </a:xfrm>
+            <a:prstGeom prst="rect">
+              <a:avLst/>
+            </a:prstGeom>
+            <a:noFill/>
+          </p:spPr>
+          <p:style>
+            <a:lnRef idx="2">
+              <a:schemeClr val="accent1">
+                <a:shade val="50000"/>
+              </a:schemeClr>
+            </a:lnRef>
+            <a:fillRef idx="1">
+              <a:schemeClr val="accent1"/>
+            </a:fillRef>
+            <a:effectRef idx="0">
+              <a:schemeClr val="accent1"/>
+            </a:effectRef>
+            <a:fontRef idx="minor">
+              <a:schemeClr val="lt1"/>
+            </a:fontRef>
+          </p:style>
+          <p:txBody>
+            <a:bodyPr rtlCol="0" anchor="ctr"/>
+            <a:lstStyle/>
+            <a:p>
+              <a:pPr algn="ctr"/>
+              <a:endParaRPr lang="en-US" dirty="0"/>
+            </a:p>
+          </p:txBody>
+        </p:sp>
+        <mc:AlternateContent xmlns:mc="http://schemas.openxmlformats.org/markup-compatibility/2006">
+          <mc:Choice xmlns:a14="http://schemas.microsoft.com/office/drawing/2010/main" Requires="a14">
+            <p:sp>
+              <p:nvSpPr>
+                <p:cNvPr id="688" name="Rectangle 687"/>
+                <p:cNvSpPr/>
+                <p:nvPr/>
+              </p:nvSpPr>
+              <p:spPr>
+                <a:xfrm>
+                  <a:off x="4443478" y="5510777"/>
+                  <a:ext cx="3638594" cy="453839"/>
+                </a:xfrm>
+                <a:prstGeom prst="rect">
+                  <a:avLst/>
+                </a:prstGeom>
+                <a:noFill/>
+                <a:ln>
+                  <a:noFill/>
+                </a:ln>
+              </p:spPr>
+              <p:style>
+                <a:lnRef idx="2">
+                  <a:schemeClr val="accent1">
+                    <a:shade val="50000"/>
+                  </a:schemeClr>
+                </a:lnRef>
+                <a:fillRef idx="1">
+                  <a:schemeClr val="accent1"/>
+                </a:fillRef>
+                <a:effectRef idx="0">
+                  <a:schemeClr val="accent1"/>
+                </a:effectRef>
+                <a:fontRef idx="minor">
+                  <a:schemeClr val="lt1"/>
+                </a:fontRef>
+              </p:style>
+              <p:txBody>
+                <a:bodyPr rtlCol="0" anchor="ctr"/>
+                <a:lstStyle/>
+                <a:p>
+                  <a:pPr algn="ctr"/>
+                  <a14:m>
+                    <m:oMathPara xmlns:m="http://schemas.openxmlformats.org/officeDocument/2006/math">
+                      <m:oMathParaPr>
+                        <m:jc m:val="centerGroup"/>
+                      </m:oMathParaPr>
+                      <m:oMath xmlns:m="http://schemas.openxmlformats.org/officeDocument/2006/math">
+                        <m:sSub>
+                          <m:sSubPr>
+                            <m:ctrlPr>
+                              <a:rPr lang="en-US" b="0" i="1" dirty="0" smtClean="0">
+                                <a:solidFill>
+                                  <a:schemeClr val="tx1"/>
+                                </a:solidFill>
+                                <a:latin typeface="Cambria Math" panose="02040503050406030204" pitchFamily="18" charset="0"/>
+                              </a:rPr>
+                            </m:ctrlPr>
+                          </m:sSubPr>
+                          <m:e>
+                            <m:r>
+                              <a:rPr lang="en-US" b="0" i="1" dirty="0" smtClean="0">
+                                <a:solidFill>
+                                  <a:schemeClr val="tx1"/>
+                                </a:solidFill>
+                                <a:latin typeface="Cambria Math" panose="02040503050406030204" pitchFamily="18" charset="0"/>
+                              </a:rPr>
+                              <m:t>𝛽</m:t>
+                            </m:r>
+                          </m:e>
+                          <m:sub>
+                            <m:r>
+                              <a:rPr lang="en-US" b="0" i="1" dirty="0" smtClean="0">
+                                <a:solidFill>
+                                  <a:schemeClr val="tx1"/>
+                                </a:solidFill>
+                                <a:latin typeface="Cambria Math" panose="02040503050406030204" pitchFamily="18" charset="0"/>
+                              </a:rPr>
+                              <m:t>𝑗</m:t>
+                            </m:r>
+                            <m:r>
+                              <a:rPr lang="en-US" b="0" i="1" dirty="0" smtClean="0">
+                                <a:solidFill>
+                                  <a:schemeClr val="tx1"/>
+                                </a:solidFill>
+                                <a:latin typeface="Cambria Math" panose="02040503050406030204" pitchFamily="18" charset="0"/>
+                              </a:rPr>
+                              <m:t>,</m:t>
+                            </m:r>
+                            <m:r>
+                              <a:rPr lang="en-US" b="0" i="1" dirty="0" smtClean="0">
+                                <a:solidFill>
+                                  <a:schemeClr val="tx1"/>
+                                </a:solidFill>
+                                <a:latin typeface="Cambria Math" panose="02040503050406030204" pitchFamily="18" charset="0"/>
+                              </a:rPr>
+                              <m:t>𝑡</m:t>
+                            </m:r>
+                          </m:sub>
+                        </m:sSub>
+                        <m:r>
+                          <a:rPr lang="en-US" b="0" i="1" dirty="0" smtClean="0">
+                            <a:solidFill>
+                              <a:schemeClr val="tx1"/>
+                            </a:solidFill>
+                            <a:latin typeface="Cambria Math" panose="02040503050406030204" pitchFamily="18" charset="0"/>
+                          </a:rPr>
+                          <m:t>=</m:t>
+                        </m:r>
+                        <m:nary>
+                          <m:naryPr>
+                            <m:chr m:val="∑"/>
+                            <m:limLoc m:val="subSup"/>
+                            <m:supHide m:val="on"/>
+                            <m:ctrlPr>
+                              <a:rPr lang="en-US" i="1" dirty="0">
+                                <a:solidFill>
+                                  <a:schemeClr val="tx1"/>
+                                </a:solidFill>
+                                <a:latin typeface="Cambria Math" panose="02040503050406030204" pitchFamily="18" charset="0"/>
+                              </a:rPr>
+                            </m:ctrlPr>
+                          </m:naryPr>
+                          <m:sub>
+                            <m:r>
+                              <m:rPr>
+                                <m:nor/>
+                              </m:rPr>
+                              <a:rPr lang="en-US" i="1" dirty="0">
+                                <a:solidFill>
+                                  <a:schemeClr val="tx1"/>
+                                </a:solidFill>
+                              </a:rPr>
+                              <m:t>j</m:t>
+                            </m:r>
+                            <m:r>
+                              <m:rPr>
+                                <m:nor/>
+                              </m:rPr>
+                              <a:rPr lang="en-US" i="1" dirty="0">
+                                <a:solidFill>
+                                  <a:schemeClr val="tx1"/>
+                                </a:solidFill>
+                              </a:rPr>
+                              <m:t>′</m:t>
+                            </m:r>
+                            <m:r>
+                              <a:rPr lang="en-US" i="1" dirty="0">
+                                <a:solidFill>
+                                  <a:schemeClr val="tx1"/>
+                                </a:solidFill>
+                                <a:latin typeface="Cambria Math" panose="02040503050406030204" pitchFamily="18" charset="0"/>
+                              </a:rPr>
+                              <m:t>∈</m:t>
+                            </m:r>
+                            <m:r>
+                              <m:rPr>
+                                <m:nor/>
+                              </m:rPr>
+                              <a:rPr lang="en-US" i="1" dirty="0">
+                                <a:solidFill>
+                                  <a:schemeClr val="tx1"/>
+                                </a:solidFill>
+                              </a:rPr>
+                              <m:t>[</m:t>
+                            </m:r>
+                            <m:r>
+                              <m:rPr>
+                                <m:nor/>
+                              </m:rPr>
+                              <a:rPr lang="en-US" i="1" dirty="0">
+                                <a:solidFill>
+                                  <a:schemeClr val="tx1"/>
+                                </a:solidFill>
+                              </a:rPr>
+                              <m:t>m</m:t>
+                            </m:r>
+                            <m:r>
+                              <m:rPr>
+                                <m:nor/>
+                              </m:rPr>
+                              <a:rPr lang="en-US" i="1" dirty="0">
+                                <a:solidFill>
+                                  <a:schemeClr val="tx1"/>
+                                </a:solidFill>
+                              </a:rPr>
+                              <m:t>]</m:t>
+                            </m:r>
+                          </m:sub>
+                          <m:sup/>
+                          <m:e>
+                            <m:sSub>
+                              <m:sSubPr>
+                                <m:ctrlPr>
+                                  <a:rPr lang="en-US" i="1" dirty="0">
+                                    <a:solidFill>
+                                      <a:schemeClr val="tx1"/>
+                                    </a:solidFill>
+                                    <a:latin typeface="Cambria Math" panose="02040503050406030204" pitchFamily="18" charset="0"/>
+                                  </a:rPr>
+                                </m:ctrlPr>
+                              </m:sSubPr>
+                              <m:e>
+                                <m:r>
+                                  <a:rPr lang="en-US" i="1" dirty="0">
+                                    <a:solidFill>
+                                      <a:schemeClr val="tx1"/>
+                                    </a:solidFill>
+                                    <a:latin typeface="Cambria Math" panose="02040503050406030204" pitchFamily="18" charset="0"/>
+                                  </a:rPr>
+                                  <m:t>𝛽</m:t>
+                                </m:r>
+                              </m:e>
+                              <m:sub>
+                                <m:r>
+                                  <m:rPr>
+                                    <m:nor/>
+                                  </m:rPr>
+                                  <a:rPr lang="en-US" i="1" dirty="0">
+                                    <a:solidFill>
+                                      <a:schemeClr val="tx1"/>
+                                    </a:solidFill>
+                                  </a:rPr>
+                                  <m:t>j</m:t>
+                                </m:r>
+                                <m:r>
+                                  <m:rPr>
+                                    <m:nor/>
+                                  </m:rPr>
+                                  <a:rPr lang="en-US" i="1" dirty="0">
+                                    <a:solidFill>
+                                      <a:schemeClr val="tx1"/>
+                                    </a:solidFill>
+                                  </a:rPr>
+                                  <m:t>′,</m:t>
+                                </m:r>
+                                <m:r>
+                                  <m:rPr>
+                                    <m:nor/>
+                                  </m:rPr>
+                                  <a:rPr lang="en-US" i="1" dirty="0">
+                                    <a:solidFill>
+                                      <a:schemeClr val="tx1"/>
+                                    </a:solidFill>
+                                  </a:rPr>
+                                  <m:t>t</m:t>
+                                </m:r>
+                                <m:r>
+                                  <m:rPr>
+                                    <m:nor/>
+                                  </m:rPr>
+                                  <a:rPr lang="en-US" i="1" dirty="0">
+                                    <a:solidFill>
+                                      <a:schemeClr val="tx1"/>
+                                    </a:solidFill>
+                                  </a:rPr>
+                                  <m:t>+</m:t>
+                                </m:r>
+                                <m:r>
+                                  <m:rPr>
+                                    <m:nor/>
+                                  </m:rPr>
+                                  <a:rPr lang="en-US" i="1" dirty="0">
+                                    <a:solidFill>
+                                      <a:schemeClr val="tx1"/>
+                                    </a:solidFill>
+                                  </a:rPr>
+                                  <m:t>1</m:t>
+                                </m:r>
+                              </m:sub>
+                            </m:sSub>
+                            <m:r>
+                              <a:rPr lang="en-US" i="1" dirty="0">
+                                <a:solidFill>
+                                  <a:schemeClr val="tx1"/>
+                                </a:solidFill>
+                                <a:latin typeface="Cambria Math" panose="02040503050406030204" pitchFamily="18" charset="0"/>
+                              </a:rPr>
+                              <m:t>⋅</m:t>
+                            </m:r>
+                            <m:sSub>
+                              <m:sSubPr>
+                                <m:ctrlPr>
+                                  <a:rPr lang="en-US" i="1" dirty="0">
+                                    <a:solidFill>
+                                      <a:schemeClr val="tx1"/>
+                                    </a:solidFill>
+                                    <a:latin typeface="Cambria Math" panose="02040503050406030204" pitchFamily="18" charset="0"/>
+                                  </a:rPr>
+                                </m:ctrlPr>
+                              </m:sSubPr>
+                              <m:e>
+                                <m:r>
+                                  <a:rPr lang="en-US" i="1" dirty="0">
+                                    <a:solidFill>
+                                      <a:schemeClr val="tx1"/>
+                                    </a:solidFill>
+                                    <a:latin typeface="Cambria Math" panose="02040503050406030204" pitchFamily="18" charset="0"/>
+                                  </a:rPr>
+                                  <m:t>𝐸</m:t>
+                                </m:r>
+                              </m:e>
+                              <m:sub>
+                                <m:sSub>
+                                  <m:sSubPr>
+                                    <m:ctrlPr>
+                                      <a:rPr lang="en-US" i="1" dirty="0">
+                                        <a:solidFill>
+                                          <a:schemeClr val="tx1"/>
+                                        </a:solidFill>
+                                        <a:latin typeface="Cambria Math" panose="02040503050406030204" pitchFamily="18" charset="0"/>
+                                      </a:rPr>
+                                    </m:ctrlPr>
+                                  </m:sSubPr>
+                                  <m:e>
+                                    <m:r>
+                                      <m:rPr>
+                                        <m:nor/>
+                                      </m:rPr>
+                                      <a:rPr lang="en-US" i="1" dirty="0">
+                                        <a:solidFill>
+                                          <a:schemeClr val="tx1"/>
+                                        </a:solidFill>
+                                      </a:rPr>
+                                      <m:t>j</m:t>
+                                    </m:r>
+                                    <m:r>
+                                      <m:rPr>
+                                        <m:nor/>
+                                      </m:rPr>
+                                      <a:rPr lang="en-US" i="1" dirty="0">
+                                        <a:solidFill>
+                                          <a:schemeClr val="tx1"/>
+                                        </a:solidFill>
+                                      </a:rPr>
+                                      <m:t>,</m:t>
+                                    </m:r>
+                                    <m:r>
+                                      <m:rPr>
+                                        <m:nor/>
+                                      </m:rPr>
+                                      <a:rPr lang="en-US" i="1" dirty="0">
+                                        <a:solidFill>
+                                          <a:schemeClr val="tx1"/>
+                                        </a:solidFill>
+                                      </a:rPr>
+                                      <m:t>x</m:t>
+                                    </m:r>
+                                  </m:e>
+                                  <m:sub>
+                                    <m:r>
+                                      <a:rPr lang="en-US" i="1" dirty="0">
+                                        <a:solidFill>
+                                          <a:schemeClr val="tx1"/>
+                                        </a:solidFill>
+                                        <a:latin typeface="Cambria Math" panose="02040503050406030204" pitchFamily="18" charset="0"/>
+                                      </a:rPr>
+                                      <m:t>𝑡</m:t>
+                                    </m:r>
+                                    <m:r>
+                                      <a:rPr lang="en-US" i="1" dirty="0">
+                                        <a:solidFill>
+                                          <a:schemeClr val="tx1"/>
+                                        </a:solidFill>
+                                        <a:latin typeface="Cambria Math" panose="02040503050406030204" pitchFamily="18" charset="0"/>
+                                      </a:rPr>
+                                      <m:t>+1</m:t>
+                                    </m:r>
+                                  </m:sub>
+                                </m:sSub>
+                              </m:sub>
+                            </m:sSub>
+                            <m:r>
+                              <a:rPr lang="en-US" i="1" dirty="0">
+                                <a:solidFill>
+                                  <a:schemeClr val="tx1"/>
+                                </a:solidFill>
+                                <a:latin typeface="Cambria Math" panose="02040503050406030204" pitchFamily="18" charset="0"/>
+                              </a:rPr>
+                              <m:t>⋅</m:t>
+                            </m:r>
+                            <m:sSub>
+                              <m:sSubPr>
+                                <m:ctrlPr>
+                                  <a:rPr lang="en-US" i="1" dirty="0">
+                                    <a:solidFill>
+                                      <a:schemeClr val="tx1"/>
+                                    </a:solidFill>
+                                    <a:latin typeface="Cambria Math" panose="02040503050406030204" pitchFamily="18" charset="0"/>
+                                  </a:rPr>
+                                </m:ctrlPr>
+                              </m:sSubPr>
+                              <m:e>
+                                <m:r>
+                                  <a:rPr lang="en-US" i="1" dirty="0">
+                                    <a:solidFill>
+                                      <a:schemeClr val="tx1"/>
+                                    </a:solidFill>
+                                    <a:latin typeface="Cambria Math" panose="02040503050406030204" pitchFamily="18" charset="0"/>
+                                  </a:rPr>
+                                  <m:t>𝑇</m:t>
+                                </m:r>
+                              </m:e>
+                              <m:sub>
+                                <m:r>
+                                  <m:rPr>
+                                    <m:nor/>
+                                  </m:rPr>
+                                  <a:rPr lang="en-US" i="1" dirty="0">
+                                    <a:solidFill>
+                                      <a:schemeClr val="tx1"/>
+                                    </a:solidFill>
+                                    <a:latin typeface="Cambria Math" panose="02040503050406030204" pitchFamily="18" charset="0"/>
+                                  </a:rPr>
+                                  <m:t>j</m:t>
+                                </m:r>
+                                <m:r>
+                                  <m:rPr>
+                                    <m:nor/>
+                                  </m:rPr>
+                                  <a:rPr lang="en-US" i="1" dirty="0">
+                                    <a:solidFill>
+                                      <a:schemeClr val="tx1"/>
+                                    </a:solidFill>
+                                  </a:rPr>
+                                  <m:t>,</m:t>
+                                </m:r>
+                                <m:r>
+                                  <m:rPr>
+                                    <m:nor/>
+                                  </m:rPr>
+                                  <a:rPr lang="en-US" i="1" dirty="0">
+                                    <a:solidFill>
+                                      <a:schemeClr val="tx1"/>
+                                    </a:solidFill>
+                                  </a:rPr>
+                                  <m:t>j</m:t>
+                                </m:r>
+                                <m:r>
+                                  <m:rPr>
+                                    <m:nor/>
+                                  </m:rPr>
+                                  <a:rPr lang="en-US" i="1" dirty="0">
+                                    <a:solidFill>
+                                      <a:schemeClr val="tx1"/>
+                                    </a:solidFill>
+                                  </a:rPr>
+                                  <m:t>′</m:t>
+                                </m:r>
+                              </m:sub>
+                            </m:sSub>
+                          </m:e>
+                        </m:nary>
+                      </m:oMath>
+                    </m:oMathPara>
+                  </a14:m>
+                  <a:endParaRPr lang="en-US" i="1" dirty="0">
+                    <a:solidFill>
+                      <a:schemeClr val="tx1"/>
+                    </a:solidFill>
+                    <a:latin typeface="Cambria Math" panose="02040503050406030204" pitchFamily="18" charset="0"/>
+                    <a:ea typeface="Cambria Math" panose="02040503050406030204" pitchFamily="18" charset="0"/>
+                  </a:endParaRPr>
+                </a:p>
+              </p:txBody>
+            </p:sp>
+          </mc:Choice>
+          <mc:Fallback>
+            <p:sp>
+              <p:nvSpPr>
+                <p:cNvPr id="688" name="Rectangle 687"/>
+                <p:cNvSpPr>
+                  <a:spLocks noRot="1" noChangeAspect="1" noMove="1" noResize="1" noEditPoints="1" noAdjustHandles="1" noChangeArrowheads="1" noChangeShapeType="1" noTextEdit="1"/>
+                </p:cNvSpPr>
+                <p:nvPr/>
+              </p:nvSpPr>
+              <p:spPr>
+                <a:xfrm>
+                  <a:off x="4443478" y="5510777"/>
+                  <a:ext cx="3638594" cy="453839"/>
+                </a:xfrm>
+                <a:prstGeom prst="rect">
+                  <a:avLst/>
+                </a:prstGeom>
+                <a:blipFill rotWithShape="0">
+                  <a:blip r:embed="rId10"/>
+                  <a:stretch>
+                    <a:fillRect t="-4000" b="-10667"/>
+                  </a:stretch>
+                </a:blipFill>
+                <a:ln>
+                  <a:noFill/>
+                </a:ln>
+              </p:spPr>
+              <p:txBody>
+                <a:bodyPr/>
+                <a:lstStyle/>
+                <a:p>
+                  <a:r>
+                    <a:rPr lang="en-US">
+                      <a:noFill/>
+                    </a:rPr>
+                    <a:t> </a:t>
+                  </a:r>
+                </a:p>
+              </p:txBody>
+            </p:sp>
+          </mc:Fallback>
+        </mc:AlternateContent>
+      </p:grpSp>
     </p:spTree>
     <p:extLst>
       <p:ext uri="{BB962C8B-B14F-4D97-AF65-F5344CB8AC3E}">

--- a/Help/Figures2.pptx
+++ b/Help/Figures2.pptx
@@ -228,7 +228,7 @@
           <a:p>
             <a:fld id="{C07E4396-26A3-4143-A0A3-BBC18DD0CEAD}" type="datetimeFigureOut">
               <a:rPr lang="en-US" smtClean="0"/>
-              <a:t>2020-01-20</a:t>
+              <a:t>2020-01-30</a:t>
             </a:fld>
             <a:endParaRPr lang="en-US" dirty="0"/>
           </a:p>
@@ -792,7 +792,7 @@
           <a:p>
             <a:fld id="{2DC2A043-560F-4D2E-8D1E-02B02E053659}" type="datetimeFigureOut">
               <a:rPr lang="en-US" smtClean="0"/>
-              <a:t>2020-01-20</a:t>
+              <a:t>2020-01-30</a:t>
             </a:fld>
             <a:endParaRPr lang="en-US" dirty="0"/>
           </a:p>
@@ -960,7 +960,7 @@
           <a:p>
             <a:fld id="{2DC2A043-560F-4D2E-8D1E-02B02E053659}" type="datetimeFigureOut">
               <a:rPr lang="en-US" smtClean="0"/>
-              <a:t>2020-01-20</a:t>
+              <a:t>2020-01-30</a:t>
             </a:fld>
             <a:endParaRPr lang="en-US" dirty="0"/>
           </a:p>
@@ -1138,7 +1138,7 @@
           <a:p>
             <a:fld id="{2DC2A043-560F-4D2E-8D1E-02B02E053659}" type="datetimeFigureOut">
               <a:rPr lang="en-US" smtClean="0"/>
-              <a:t>2020-01-20</a:t>
+              <a:t>2020-01-30</a:t>
             </a:fld>
             <a:endParaRPr lang="en-US" dirty="0"/>
           </a:p>
@@ -1306,7 +1306,7 @@
           <a:p>
             <a:fld id="{2DC2A043-560F-4D2E-8D1E-02B02E053659}" type="datetimeFigureOut">
               <a:rPr lang="en-US" smtClean="0"/>
-              <a:t>2020-01-20</a:t>
+              <a:t>2020-01-30</a:t>
             </a:fld>
             <a:endParaRPr lang="en-US" dirty="0"/>
           </a:p>
@@ -1551,7 +1551,7 @@
           <a:p>
             <a:fld id="{2DC2A043-560F-4D2E-8D1E-02B02E053659}" type="datetimeFigureOut">
               <a:rPr lang="en-US" smtClean="0"/>
-              <a:t>2020-01-20</a:t>
+              <a:t>2020-01-30</a:t>
             </a:fld>
             <a:endParaRPr lang="en-US" dirty="0"/>
           </a:p>
@@ -1780,7 +1780,7 @@
           <a:p>
             <a:fld id="{2DC2A043-560F-4D2E-8D1E-02B02E053659}" type="datetimeFigureOut">
               <a:rPr lang="en-US" smtClean="0"/>
-              <a:t>2020-01-20</a:t>
+              <a:t>2020-01-30</a:t>
             </a:fld>
             <a:endParaRPr lang="en-US" dirty="0"/>
           </a:p>
@@ -2144,7 +2144,7 @@
           <a:p>
             <a:fld id="{2DC2A043-560F-4D2E-8D1E-02B02E053659}" type="datetimeFigureOut">
               <a:rPr lang="en-US" smtClean="0"/>
-              <a:t>2020-01-20</a:t>
+              <a:t>2020-01-30</a:t>
             </a:fld>
             <a:endParaRPr lang="en-US" dirty="0"/>
           </a:p>
@@ -2261,7 +2261,7 @@
           <a:p>
             <a:fld id="{2DC2A043-560F-4D2E-8D1E-02B02E053659}" type="datetimeFigureOut">
               <a:rPr lang="en-US" smtClean="0"/>
-              <a:t>2020-01-20</a:t>
+              <a:t>2020-01-30</a:t>
             </a:fld>
             <a:endParaRPr lang="en-US" dirty="0"/>
           </a:p>
@@ -2356,7 +2356,7 @@
           <a:p>
             <a:fld id="{2DC2A043-560F-4D2E-8D1E-02B02E053659}" type="datetimeFigureOut">
               <a:rPr lang="en-US" smtClean="0"/>
-              <a:t>2020-01-20</a:t>
+              <a:t>2020-01-30</a:t>
             </a:fld>
             <a:endParaRPr lang="en-US" dirty="0"/>
           </a:p>
@@ -2631,7 +2631,7 @@
           <a:p>
             <a:fld id="{2DC2A043-560F-4D2E-8D1E-02B02E053659}" type="datetimeFigureOut">
               <a:rPr lang="en-US" smtClean="0"/>
-              <a:t>2020-01-20</a:t>
+              <a:t>2020-01-30</a:t>
             </a:fld>
             <a:endParaRPr lang="en-US" dirty="0"/>
           </a:p>
@@ -2883,7 +2883,7 @@
           <a:p>
             <a:fld id="{2DC2A043-560F-4D2E-8D1E-02B02E053659}" type="datetimeFigureOut">
               <a:rPr lang="en-US" smtClean="0"/>
-              <a:t>2020-01-20</a:t>
+              <a:t>2020-01-30</a:t>
             </a:fld>
             <a:endParaRPr lang="en-US" dirty="0"/>
           </a:p>
@@ -3094,7 +3094,7 @@
           <a:p>
             <a:fld id="{2DC2A043-560F-4D2E-8D1E-02B02E053659}" type="datetimeFigureOut">
               <a:rPr lang="en-US" smtClean="0"/>
-              <a:t>2020-01-20</a:t>
+              <a:t>2020-01-30</a:t>
             </a:fld>
             <a:endParaRPr lang="en-US" dirty="0"/>
           </a:p>
@@ -3508,9 +3508,9 @@
         <p:grpSpPr>
           <a:xfrm>
             <a:off x="1325281" y="916112"/>
-            <a:ext cx="9312239" cy="5396248"/>
+            <a:ext cx="9312239" cy="5391736"/>
             <a:chOff x="1325281" y="916112"/>
-            <a:chExt cx="9312239" cy="5396248"/>
+            <a:chExt cx="9312239" cy="5391736"/>
           </a:xfrm>
         </p:grpSpPr>
         <p:cxnSp>
@@ -3801,25 +3801,7 @@
                             </a:solidFill>
                             <a:latin typeface="Cambria Math" panose="02040503050406030204" pitchFamily="18" charset="0"/>
                           </a:rPr>
-                          <m:t>0</m:t>
-                        </m:r>
-                        <m:r>
-                          <a:rPr lang="en-US" sz="1700" b="0" i="1" smtClean="0">
-                            <a:solidFill>
-                              <a:schemeClr val="bg1"/>
-                            </a:solidFill>
-                            <a:latin typeface="Cambria Math" panose="02040503050406030204" pitchFamily="18" charset="0"/>
-                          </a:rPr>
-                          <m:t>.</m:t>
-                        </m:r>
-                        <m:r>
-                          <a:rPr lang="en-US" sz="1700" b="0" i="1" smtClean="0">
-                            <a:solidFill>
-                              <a:schemeClr val="bg1"/>
-                            </a:solidFill>
-                            <a:latin typeface="Cambria Math" panose="02040503050406030204" pitchFamily="18" charset="0"/>
-                          </a:rPr>
-                          <m:t>8</m:t>
+                          <m:t>0.8</m:t>
                         </m:r>
                       </m:oMath>
                     </m:oMathPara>
@@ -4108,16 +4090,7 @@
                             </a:solidFill>
                             <a:latin typeface="Cambria Math" panose="02040503050406030204" pitchFamily="18" charset="0"/>
                           </a:rPr>
-                          <m:t> </m:t>
-                        </m:r>
-                        <m:r>
-                          <a:rPr lang="en-US" sz="1700" b="0" i="1" smtClean="0">
-                            <a:solidFill>
-                              <a:schemeClr val="tx1"/>
-                            </a:solidFill>
-                            <a:latin typeface="Cambria Math" panose="02040503050406030204" pitchFamily="18" charset="0"/>
-                          </a:rPr>
-                          <m:t>0</m:t>
+                          <m:t> 0</m:t>
                         </m:r>
                         <m:r>
                           <a:rPr lang="en-US" sz="1700" b="0" i="0" smtClean="0">
@@ -4745,34 +4718,7 @@
                             </a:solidFill>
                             <a:latin typeface="Cambria Math" panose="02040503050406030204" pitchFamily="18" charset="0"/>
                           </a:rPr>
-                          <m:t> </m:t>
-                        </m:r>
-                        <m:r>
-                          <a:rPr lang="en-US" sz="1700" b="0" i="1" smtClean="0">
-                            <a:solidFill>
-                              <a:schemeClr val="tx1"/>
-                            </a:solidFill>
-                            <a:latin typeface="Cambria Math" panose="02040503050406030204" pitchFamily="18" charset="0"/>
-                          </a:rPr>
-                          <m:t>0</m:t>
-                        </m:r>
-                        <m:r>
-                          <a:rPr lang="en-US" sz="1700" b="0" i="1" smtClean="0">
-                            <a:solidFill>
-                              <a:schemeClr val="tx1"/>
-                            </a:solidFill>
-                            <a:latin typeface="Cambria Math" panose="02040503050406030204" pitchFamily="18" charset="0"/>
-                          </a:rPr>
-                          <m:t>.</m:t>
-                        </m:r>
-                        <m:r>
-                          <a:rPr lang="en-US" sz="1700" b="0" i="1" smtClean="0">
-                            <a:solidFill>
-                              <a:schemeClr val="tx1"/>
-                            </a:solidFill>
-                            <a:latin typeface="Cambria Math" panose="02040503050406030204" pitchFamily="18" charset="0"/>
-                          </a:rPr>
-                          <m:t>1</m:t>
+                          <m:t> 0.1</m:t>
                         </m:r>
                       </m:oMath>
                     </m:oMathPara>
@@ -4881,34 +4827,7 @@
                             </a:solidFill>
                             <a:latin typeface="Cambria Math" panose="02040503050406030204" pitchFamily="18" charset="0"/>
                           </a:rPr>
-                          <m:t> </m:t>
-                        </m:r>
-                        <m:r>
-                          <a:rPr lang="en-US" sz="1700" b="0" i="1" smtClean="0">
-                            <a:solidFill>
-                              <a:sysClr val="windowText" lastClr="000000"/>
-                            </a:solidFill>
-                            <a:latin typeface="Cambria Math" panose="02040503050406030204" pitchFamily="18" charset="0"/>
-                          </a:rPr>
-                          <m:t>0</m:t>
-                        </m:r>
-                        <m:r>
-                          <a:rPr lang="en-US" sz="1700" b="0" i="1" smtClean="0">
-                            <a:solidFill>
-                              <a:sysClr val="windowText" lastClr="000000"/>
-                            </a:solidFill>
-                            <a:latin typeface="Cambria Math" panose="02040503050406030204" pitchFamily="18" charset="0"/>
-                          </a:rPr>
-                          <m:t>.</m:t>
-                        </m:r>
-                        <m:r>
-                          <a:rPr lang="en-US" sz="1700" b="0" i="1" smtClean="0">
-                            <a:solidFill>
-                              <a:sysClr val="windowText" lastClr="000000"/>
-                            </a:solidFill>
-                            <a:latin typeface="Cambria Math" panose="02040503050406030204" pitchFamily="18" charset="0"/>
-                          </a:rPr>
-                          <m:t>05</m:t>
+                          <m:t> 0.05</m:t>
                         </m:r>
                       </m:oMath>
                     </m:oMathPara>
@@ -5015,34 +4934,7 @@
                             </a:solidFill>
                             <a:latin typeface="Cambria Math" panose="02040503050406030204" pitchFamily="18" charset="0"/>
                           </a:rPr>
-                          <m:t> </m:t>
-                        </m:r>
-                        <m:r>
-                          <a:rPr lang="en-US" sz="1700" b="0" i="1" smtClean="0">
-                            <a:solidFill>
-                              <a:schemeClr val="tx1"/>
-                            </a:solidFill>
-                            <a:latin typeface="Cambria Math" panose="02040503050406030204" pitchFamily="18" charset="0"/>
-                          </a:rPr>
-                          <m:t>0</m:t>
-                        </m:r>
-                        <m:r>
-                          <a:rPr lang="en-US" sz="1700" b="0" i="1" smtClean="0">
-                            <a:solidFill>
-                              <a:schemeClr val="tx1"/>
-                            </a:solidFill>
-                            <a:latin typeface="Cambria Math" panose="02040503050406030204" pitchFamily="18" charset="0"/>
-                          </a:rPr>
-                          <m:t>.</m:t>
-                        </m:r>
-                        <m:r>
-                          <a:rPr lang="en-US" sz="1700" b="0" i="1" smtClean="0">
-                            <a:solidFill>
-                              <a:schemeClr val="tx1"/>
-                            </a:solidFill>
-                            <a:latin typeface="Cambria Math" panose="02040503050406030204" pitchFamily="18" charset="0"/>
-                          </a:rPr>
-                          <m:t>0</m:t>
+                          <m:t> 0.0</m:t>
                         </m:r>
                       </m:oMath>
                     </m:oMathPara>
@@ -5151,34 +5043,7 @@
                             </a:solidFill>
                             <a:latin typeface="Cambria Math" panose="02040503050406030204" pitchFamily="18" charset="0"/>
                           </a:rPr>
-                          <m:t> </m:t>
-                        </m:r>
-                        <m:r>
-                          <a:rPr lang="en-US" sz="1700" b="0" i="1" smtClean="0">
-                            <a:solidFill>
-                              <a:sysClr val="windowText" lastClr="000000"/>
-                            </a:solidFill>
-                            <a:latin typeface="Cambria Math" panose="02040503050406030204" pitchFamily="18" charset="0"/>
-                          </a:rPr>
-                          <m:t>0</m:t>
-                        </m:r>
-                        <m:r>
-                          <a:rPr lang="en-US" sz="1700" b="0" i="1" smtClean="0">
-                            <a:solidFill>
-                              <a:sysClr val="windowText" lastClr="000000"/>
-                            </a:solidFill>
-                            <a:latin typeface="Cambria Math" panose="02040503050406030204" pitchFamily="18" charset="0"/>
-                          </a:rPr>
-                          <m:t>.</m:t>
-                        </m:r>
-                        <m:r>
-                          <a:rPr lang="en-US" sz="1700" b="0" i="1" smtClean="0">
-                            <a:solidFill>
-                              <a:sysClr val="windowText" lastClr="000000"/>
-                            </a:solidFill>
-                            <a:latin typeface="Cambria Math" panose="02040503050406030204" pitchFamily="18" charset="0"/>
-                          </a:rPr>
-                          <m:t>05</m:t>
+                          <m:t> 0.05</m:t>
                         </m:r>
                       </m:oMath>
                     </m:oMathPara>
@@ -5288,34 +5153,7 @@
                             </a:solidFill>
                             <a:latin typeface="Cambria Math" panose="02040503050406030204" pitchFamily="18" charset="0"/>
                           </a:rPr>
-                          <m:t> </m:t>
-                        </m:r>
-                        <m:r>
-                          <a:rPr lang="en-US" sz="1700" b="0" i="1" smtClean="0">
-                            <a:solidFill>
-                              <a:schemeClr val="bg1"/>
-                            </a:solidFill>
-                            <a:latin typeface="Cambria Math" panose="02040503050406030204" pitchFamily="18" charset="0"/>
-                          </a:rPr>
-                          <m:t>0</m:t>
-                        </m:r>
-                        <m:r>
-                          <a:rPr lang="en-US" sz="1700" b="0" i="1" smtClean="0">
-                            <a:solidFill>
-                              <a:schemeClr val="bg1"/>
-                            </a:solidFill>
-                            <a:latin typeface="Cambria Math" panose="02040503050406030204" pitchFamily="18" charset="0"/>
-                          </a:rPr>
-                          <m:t>.</m:t>
-                        </m:r>
-                        <m:r>
-                          <a:rPr lang="en-US" sz="1700" b="0" i="1" smtClean="0">
-                            <a:solidFill>
-                              <a:schemeClr val="bg1"/>
-                            </a:solidFill>
-                            <a:latin typeface="Cambria Math" panose="02040503050406030204" pitchFamily="18" charset="0"/>
-                          </a:rPr>
-                          <m:t>8</m:t>
+                          <m:t> 0.8</m:t>
                         </m:r>
                       </m:oMath>
                     </m:oMathPara>
@@ -6584,8 +6422,8 @@
             </p:sp>
           </mc:Fallback>
         </mc:AlternateContent>
-        <mc:AlternateContent xmlns:mc="http://schemas.openxmlformats.org/markup-compatibility/2006" xmlns:a14="http://schemas.microsoft.com/office/drawing/2010/main">
-          <mc:Choice Requires="a14">
+        <mc:AlternateContent xmlns:mc="http://schemas.openxmlformats.org/markup-compatibility/2006">
+          <mc:Choice xmlns:a14="http://schemas.microsoft.com/office/drawing/2010/main" Requires="a14">
             <p:sp>
               <p:nvSpPr>
                 <p:cNvPr id="35" name="Rectangle 34"/>
@@ -6594,7 +6432,7 @@
               </p:nvSpPr>
               <p:spPr>
                 <a:xfrm>
-                  <a:off x="4917147" y="1804540"/>
+                  <a:off x="4915552" y="1804540"/>
                   <a:ext cx="502920" cy="502920"/>
                 </a:xfrm>
                 <a:prstGeom prst="rect">
@@ -6709,7 +6547,7 @@
               </p:txBody>
             </p:sp>
           </mc:Choice>
-          <mc:Fallback xmlns="">
+          <mc:Fallback>
             <p:sp>
               <p:nvSpPr>
                 <p:cNvPr id="35" name="Rectangle 34"/>
@@ -6720,7 +6558,7 @@
               </p:nvSpPr>
               <p:spPr>
                 <a:xfrm>
-                  <a:off x="4917147" y="1804540"/>
+                  <a:off x="4915552" y="1804540"/>
                   <a:ext cx="502920" cy="502920"/>
                 </a:xfrm>
                 <a:prstGeom prst="rect">
@@ -6729,7 +6567,7 @@
                 <a:blipFill rotWithShape="0">
                   <a:blip r:embed="rId26"/>
                   <a:stretch>
-                    <a:fillRect l="-10714" r="-9524"/>
+                    <a:fillRect l="-9412" r="-9412"/>
                   </a:stretch>
                 </a:blipFill>
               </p:spPr>
@@ -6748,8 +6586,8 @@
             </p:sp>
           </mc:Fallback>
         </mc:AlternateContent>
-        <mc:AlternateContent xmlns:mc="http://schemas.openxmlformats.org/markup-compatibility/2006" xmlns:a14="http://schemas.microsoft.com/office/drawing/2010/main">
-          <mc:Choice Requires="a14">
+        <mc:AlternateContent xmlns:mc="http://schemas.openxmlformats.org/markup-compatibility/2006">
+          <mc:Choice xmlns:a14="http://schemas.microsoft.com/office/drawing/2010/main" Requires="a14">
             <p:sp>
               <p:nvSpPr>
                 <p:cNvPr id="36" name="Rectangle 35"/>
@@ -6758,7 +6596,7 @@
               </p:nvSpPr>
               <p:spPr>
                 <a:xfrm>
-                  <a:off x="5422480" y="1804992"/>
+                  <a:off x="5420885" y="1804992"/>
                   <a:ext cx="502920" cy="502920"/>
                 </a:xfrm>
                 <a:prstGeom prst="rect">
@@ -6873,7 +6711,7 @@
               </p:txBody>
             </p:sp>
           </mc:Choice>
-          <mc:Fallback xmlns="">
+          <mc:Fallback>
             <p:sp>
               <p:nvSpPr>
                 <p:cNvPr id="36" name="Rectangle 35"/>
@@ -6884,7 +6722,7 @@
               </p:nvSpPr>
               <p:spPr>
                 <a:xfrm>
-                  <a:off x="5422480" y="1804992"/>
+                  <a:off x="5420885" y="1804992"/>
                   <a:ext cx="502920" cy="502920"/>
                 </a:xfrm>
                 <a:prstGeom prst="rect">
@@ -6893,7 +6731,7 @@
                 <a:blipFill rotWithShape="0">
                   <a:blip r:embed="rId27"/>
                   <a:stretch>
-                    <a:fillRect l="-10714" r="-9524"/>
+                    <a:fillRect l="-9412" r="-9412"/>
                   </a:stretch>
                 </a:blipFill>
               </p:spPr>
@@ -6912,8 +6750,8 @@
             </p:sp>
           </mc:Fallback>
         </mc:AlternateContent>
-        <mc:AlternateContent xmlns:mc="http://schemas.openxmlformats.org/markup-compatibility/2006" xmlns:a14="http://schemas.microsoft.com/office/drawing/2010/main">
-          <mc:Choice Requires="a14">
+        <mc:AlternateContent xmlns:mc="http://schemas.openxmlformats.org/markup-compatibility/2006">
+          <mc:Choice xmlns:a14="http://schemas.microsoft.com/office/drawing/2010/main" Requires="a14">
             <p:sp>
               <p:nvSpPr>
                 <p:cNvPr id="37" name="Rectangle 36"/>
@@ -6980,7 +6818,7 @@
               </p:txBody>
             </p:sp>
           </mc:Choice>
-          <mc:Fallback xmlns="">
+          <mc:Fallback>
             <p:sp>
               <p:nvSpPr>
                 <p:cNvPr id="37" name="Rectangle 36"/>
@@ -7019,8 +6857,8 @@
             </p:sp>
           </mc:Fallback>
         </mc:AlternateContent>
-        <mc:AlternateContent xmlns:mc="http://schemas.openxmlformats.org/markup-compatibility/2006" xmlns:a14="http://schemas.microsoft.com/office/drawing/2010/main">
-          <mc:Choice Requires="a14">
+        <mc:AlternateContent xmlns:mc="http://schemas.openxmlformats.org/markup-compatibility/2006">
+          <mc:Choice xmlns:a14="http://schemas.microsoft.com/office/drawing/2010/main" Requires="a14">
             <p:sp>
               <p:nvSpPr>
                 <p:cNvPr id="38" name="Rectangle 37"/>
@@ -7029,7 +6867,7 @@
               </p:nvSpPr>
               <p:spPr>
                 <a:xfrm>
-                  <a:off x="4915552" y="2307815"/>
+                  <a:off x="4915552" y="2306833"/>
                   <a:ext cx="502920" cy="502920"/>
                 </a:xfrm>
                 <a:prstGeom prst="rect">
@@ -7087,7 +6925,7 @@
               </p:txBody>
             </p:sp>
           </mc:Choice>
-          <mc:Fallback xmlns="">
+          <mc:Fallback>
             <p:sp>
               <p:nvSpPr>
                 <p:cNvPr id="38" name="Rectangle 37"/>
@@ -7098,7 +6936,7 @@
               </p:nvSpPr>
               <p:spPr>
                 <a:xfrm>
-                  <a:off x="4915552" y="2307815"/>
+                  <a:off x="4915552" y="2306833"/>
                   <a:ext cx="502920" cy="502920"/>
                 </a:xfrm>
                 <a:prstGeom prst="rect">
@@ -7126,8 +6964,8 @@
             </p:sp>
           </mc:Fallback>
         </mc:AlternateContent>
-        <mc:AlternateContent xmlns:mc="http://schemas.openxmlformats.org/markup-compatibility/2006" xmlns:a14="http://schemas.microsoft.com/office/drawing/2010/main">
-          <mc:Choice Requires="a14">
+        <mc:AlternateContent xmlns:mc="http://schemas.openxmlformats.org/markup-compatibility/2006">
+          <mc:Choice xmlns:a14="http://schemas.microsoft.com/office/drawing/2010/main" Requires="a14">
             <p:sp>
               <p:nvSpPr>
                 <p:cNvPr id="39" name="Rectangle 38"/>
@@ -7136,7 +6974,7 @@
               </p:nvSpPr>
               <p:spPr>
                 <a:xfrm>
-                  <a:off x="5420885" y="2308267"/>
+                  <a:off x="5420885" y="2306833"/>
                   <a:ext cx="502920" cy="502920"/>
                 </a:xfrm>
                 <a:prstGeom prst="rect">
@@ -7194,7 +7032,7 @@
               </p:txBody>
             </p:sp>
           </mc:Choice>
-          <mc:Fallback xmlns="">
+          <mc:Fallback>
             <p:sp>
               <p:nvSpPr>
                 <p:cNvPr id="39" name="Rectangle 38"/>
@@ -7205,7 +7043,7 @@
               </p:nvSpPr>
               <p:spPr>
                 <a:xfrm>
-                  <a:off x="5420885" y="2308267"/>
+                  <a:off x="5420885" y="2306833"/>
                   <a:ext cx="502920" cy="502920"/>
                 </a:xfrm>
                 <a:prstGeom prst="rect">
@@ -7287,34 +7125,7 @@
                             </a:solidFill>
                             <a:latin typeface="Cambria Math" panose="02040503050406030204" pitchFamily="18" charset="0"/>
                           </a:rPr>
-                          <m:t> </m:t>
-                        </m:r>
-                        <m:r>
-                          <a:rPr lang="en-US" sz="1700" b="0" i="1" smtClean="0">
-                            <a:solidFill>
-                              <a:sysClr val="windowText" lastClr="000000"/>
-                            </a:solidFill>
-                            <a:latin typeface="Cambria Math" panose="02040503050406030204" pitchFamily="18" charset="0"/>
-                          </a:rPr>
-                          <m:t>0</m:t>
-                        </m:r>
-                        <m:r>
-                          <a:rPr lang="en-US" sz="1700" b="0" i="1" smtClean="0">
-                            <a:solidFill>
-                              <a:sysClr val="windowText" lastClr="000000"/>
-                            </a:solidFill>
-                            <a:latin typeface="Cambria Math" panose="02040503050406030204" pitchFamily="18" charset="0"/>
-                          </a:rPr>
-                          <m:t>.</m:t>
-                        </m:r>
-                        <m:r>
-                          <a:rPr lang="en-US" sz="1700" b="0" i="1" smtClean="0">
-                            <a:solidFill>
-                              <a:sysClr val="windowText" lastClr="000000"/>
-                            </a:solidFill>
-                            <a:latin typeface="Cambria Math" panose="02040503050406030204" pitchFamily="18" charset="0"/>
-                          </a:rPr>
-                          <m:t>0</m:t>
+                          <m:t> 0.0</m:t>
                         </m:r>
                       </m:oMath>
                     </m:oMathPara>
@@ -7367,8 +7178,8 @@
             </p:sp>
           </mc:Fallback>
         </mc:AlternateContent>
-        <mc:AlternateContent xmlns:mc="http://schemas.openxmlformats.org/markup-compatibility/2006" xmlns:a14="http://schemas.microsoft.com/office/drawing/2010/main">
-          <mc:Choice Requires="a14">
+        <mc:AlternateContent xmlns:mc="http://schemas.openxmlformats.org/markup-compatibility/2006">
+          <mc:Choice xmlns:a14="http://schemas.microsoft.com/office/drawing/2010/main" Requires="a14">
             <p:sp>
               <p:nvSpPr>
                 <p:cNvPr id="41" name="Rectangle 40"/>
@@ -7423,34 +7234,7 @@
                             </a:solidFill>
                             <a:latin typeface="Cambria Math" panose="02040503050406030204" pitchFamily="18" charset="0"/>
                           </a:rPr>
-                          <m:t> </m:t>
-                        </m:r>
-                        <m:r>
-                          <a:rPr lang="en-US" sz="1700" b="0" i="1" smtClean="0">
-                            <a:solidFill>
-                              <a:schemeClr val="tx1"/>
-                            </a:solidFill>
-                            <a:latin typeface="Cambria Math" panose="02040503050406030204" pitchFamily="18" charset="0"/>
-                          </a:rPr>
-                          <m:t>0</m:t>
-                        </m:r>
-                        <m:r>
-                          <a:rPr lang="en-US" sz="1700" b="0" i="1" smtClean="0">
-                            <a:solidFill>
-                              <a:schemeClr val="tx1"/>
-                            </a:solidFill>
-                            <a:latin typeface="Cambria Math" panose="02040503050406030204" pitchFamily="18" charset="0"/>
-                          </a:rPr>
-                          <m:t>.</m:t>
-                        </m:r>
-                        <m:r>
-                          <a:rPr lang="en-US" sz="1700" b="0" i="1" smtClean="0">
-                            <a:solidFill>
-                              <a:schemeClr val="tx1"/>
-                            </a:solidFill>
-                            <a:latin typeface="Cambria Math" panose="02040503050406030204" pitchFamily="18" charset="0"/>
-                          </a:rPr>
-                          <m:t>1</m:t>
+                          <m:t> 0.1</m:t>
                         </m:r>
                       </m:oMath>
                     </m:oMathPara>
@@ -7464,7 +7248,7 @@
               </p:txBody>
             </p:sp>
           </mc:Choice>
-          <mc:Fallback xmlns="">
+          <mc:Fallback>
             <p:sp>
               <p:nvSpPr>
                 <p:cNvPr id="41" name="Rectangle 40"/>
@@ -7503,8 +7287,8 @@
             </p:sp>
           </mc:Fallback>
         </mc:AlternateContent>
-        <mc:AlternateContent xmlns:mc="http://schemas.openxmlformats.org/markup-compatibility/2006" xmlns:a14="http://schemas.microsoft.com/office/drawing/2010/main">
-          <mc:Choice Requires="a14">
+        <mc:AlternateContent xmlns:mc="http://schemas.openxmlformats.org/markup-compatibility/2006">
+          <mc:Choice xmlns:a14="http://schemas.microsoft.com/office/drawing/2010/main" Requires="a14">
             <p:sp>
               <p:nvSpPr>
                 <p:cNvPr id="42" name="Rectangle 41"/>
@@ -7557,34 +7341,7 @@
                             </a:solidFill>
                             <a:latin typeface="Cambria Math" panose="02040503050406030204" pitchFamily="18" charset="0"/>
                           </a:rPr>
-                          <m:t> </m:t>
-                        </m:r>
-                        <m:r>
-                          <a:rPr lang="en-US" sz="1700" b="0" i="1" smtClean="0">
-                            <a:solidFill>
-                              <a:sysClr val="windowText" lastClr="000000"/>
-                            </a:solidFill>
-                            <a:latin typeface="Cambria Math" panose="02040503050406030204" pitchFamily="18" charset="0"/>
-                          </a:rPr>
-                          <m:t>0</m:t>
-                        </m:r>
-                        <m:r>
-                          <a:rPr lang="en-US" sz="1700" b="0" i="1" smtClean="0">
-                            <a:solidFill>
-                              <a:sysClr val="windowText" lastClr="000000"/>
-                            </a:solidFill>
-                            <a:latin typeface="Cambria Math" panose="02040503050406030204" pitchFamily="18" charset="0"/>
-                          </a:rPr>
-                          <m:t>.</m:t>
-                        </m:r>
-                        <m:r>
-                          <a:rPr lang="en-US" sz="1700" b="0" i="1" smtClean="0">
-                            <a:solidFill>
-                              <a:sysClr val="windowText" lastClr="000000"/>
-                            </a:solidFill>
-                            <a:latin typeface="Cambria Math" panose="02040503050406030204" pitchFamily="18" charset="0"/>
-                          </a:rPr>
-                          <m:t>0</m:t>
+                          <m:t> 0.0</m:t>
                         </m:r>
                       </m:oMath>
                     </m:oMathPara>
@@ -7598,7 +7355,7 @@
               </p:txBody>
             </p:sp>
           </mc:Choice>
-          <mc:Fallback xmlns="">
+          <mc:Fallback>
             <p:sp>
               <p:nvSpPr>
                 <p:cNvPr id="42" name="Rectangle 41"/>
@@ -9142,8 +8899,8 @@
             </p:sp>
           </mc:Fallback>
         </mc:AlternateContent>
-        <mc:AlternateContent xmlns:mc="http://schemas.openxmlformats.org/markup-compatibility/2006" xmlns:a14="http://schemas.microsoft.com/office/drawing/2010/main">
-          <mc:Choice Requires="a14">
+        <mc:AlternateContent xmlns:mc="http://schemas.openxmlformats.org/markup-compatibility/2006">
+          <mc:Choice xmlns:a14="http://schemas.microsoft.com/office/drawing/2010/main" Requires="a14">
             <p:sp>
               <p:nvSpPr>
                 <p:cNvPr id="56" name="Rectangle 55"/>
@@ -9210,7 +8967,7 @@
               </p:txBody>
             </p:sp>
           </mc:Choice>
-          <mc:Fallback xmlns="">
+          <mc:Fallback>
             <p:sp>
               <p:nvSpPr>
                 <p:cNvPr id="56" name="Rectangle 55"/>
@@ -9249,8 +9006,8 @@
             </p:sp>
           </mc:Fallback>
         </mc:AlternateContent>
-        <mc:AlternateContent xmlns:mc="http://schemas.openxmlformats.org/markup-compatibility/2006" xmlns:a14="http://schemas.microsoft.com/office/drawing/2010/main">
-          <mc:Choice Requires="a14">
+        <mc:AlternateContent xmlns:mc="http://schemas.openxmlformats.org/markup-compatibility/2006">
+          <mc:Choice xmlns:a14="http://schemas.microsoft.com/office/drawing/2010/main" Requires="a14">
             <p:sp>
               <p:nvSpPr>
                 <p:cNvPr id="57" name="Rectangle 56"/>
@@ -9317,7 +9074,7 @@
               </p:txBody>
             </p:sp>
           </mc:Choice>
-          <mc:Fallback xmlns="">
+          <mc:Fallback>
             <p:sp>
               <p:nvSpPr>
                 <p:cNvPr id="57" name="Rectangle 56"/>
@@ -9463,8 +9220,8 @@
             </p:sp>
           </mc:Fallback>
         </mc:AlternateContent>
-        <mc:AlternateContent xmlns:mc="http://schemas.openxmlformats.org/markup-compatibility/2006" xmlns:a14="http://schemas.microsoft.com/office/drawing/2010/main">
-          <mc:Choice Requires="a14">
+        <mc:AlternateContent xmlns:mc="http://schemas.openxmlformats.org/markup-compatibility/2006">
+          <mc:Choice xmlns:a14="http://schemas.microsoft.com/office/drawing/2010/main" Requires="a14">
             <p:sp>
               <p:nvSpPr>
                 <p:cNvPr id="59" name="Rectangle 58"/>
@@ -9531,7 +9288,7 @@
               </p:txBody>
             </p:sp>
           </mc:Choice>
-          <mc:Fallback xmlns="">
+          <mc:Fallback>
             <p:sp>
               <p:nvSpPr>
                 <p:cNvPr id="59" name="Rectangle 58"/>
@@ -9570,8 +9327,8 @@
             </p:sp>
           </mc:Fallback>
         </mc:AlternateContent>
-        <mc:AlternateContent xmlns:mc="http://schemas.openxmlformats.org/markup-compatibility/2006" xmlns:a14="http://schemas.microsoft.com/office/drawing/2010/main">
-          <mc:Choice Requires="a14">
+        <mc:AlternateContent xmlns:mc="http://schemas.openxmlformats.org/markup-compatibility/2006">
+          <mc:Choice xmlns:a14="http://schemas.microsoft.com/office/drawing/2010/main" Requires="a14">
             <p:sp>
               <p:nvSpPr>
                 <p:cNvPr id="60" name="Rectangle 59"/>
@@ -9638,7 +9395,7 @@
               </p:txBody>
             </p:sp>
           </mc:Choice>
-          <mc:Fallback xmlns="">
+          <mc:Fallback>
             <p:sp>
               <p:nvSpPr>
                 <p:cNvPr id="60" name="Rectangle 59"/>
@@ -11182,8 +10939,8 @@
             </p:sp>
           </mc:Fallback>
         </mc:AlternateContent>
-        <mc:AlternateContent xmlns:mc="http://schemas.openxmlformats.org/markup-compatibility/2006" xmlns:a14="http://schemas.microsoft.com/office/drawing/2010/main">
-          <mc:Choice Requires="a14">
+        <mc:AlternateContent xmlns:mc="http://schemas.openxmlformats.org/markup-compatibility/2006">
+          <mc:Choice xmlns:a14="http://schemas.microsoft.com/office/drawing/2010/main" Requires="a14">
             <p:sp>
               <p:nvSpPr>
                 <p:cNvPr id="74" name="Rectangle 73"/>
@@ -11250,7 +11007,7 @@
               </p:txBody>
             </p:sp>
           </mc:Choice>
-          <mc:Fallback xmlns="">
+          <mc:Fallback>
             <p:sp>
               <p:nvSpPr>
                 <p:cNvPr id="74" name="Rectangle 73"/>
@@ -11289,8 +11046,8 @@
             </p:sp>
           </mc:Fallback>
         </mc:AlternateContent>
-        <mc:AlternateContent xmlns:mc="http://schemas.openxmlformats.org/markup-compatibility/2006" xmlns:a14="http://schemas.microsoft.com/office/drawing/2010/main">
-          <mc:Choice Requires="a14">
+        <mc:AlternateContent xmlns:mc="http://schemas.openxmlformats.org/markup-compatibility/2006">
+          <mc:Choice xmlns:a14="http://schemas.microsoft.com/office/drawing/2010/main" Requires="a14">
             <p:sp>
               <p:nvSpPr>
                 <p:cNvPr id="75" name="Rectangle 74"/>
@@ -11357,7 +11114,7 @@
               </p:txBody>
             </p:sp>
           </mc:Choice>
-          <mc:Fallback xmlns="">
+          <mc:Fallback>
             <p:sp>
               <p:nvSpPr>
                 <p:cNvPr id="75" name="Rectangle 74"/>
@@ -11988,8 +11745,8 @@
             </p:sp>
           </mc:Fallback>
         </mc:AlternateContent>
-        <mc:AlternateContent xmlns:mc="http://schemas.openxmlformats.org/markup-compatibility/2006" xmlns:a14="http://schemas.microsoft.com/office/drawing/2010/main">
-          <mc:Choice Requires="a14">
+        <mc:AlternateContent xmlns:mc="http://schemas.openxmlformats.org/markup-compatibility/2006">
+          <mc:Choice xmlns:a14="http://schemas.microsoft.com/office/drawing/2010/main" Requires="a14">
             <p:sp>
               <p:nvSpPr>
                 <p:cNvPr id="81" name="Rectangle 80"/>
@@ -11998,7 +11755,7 @@
               </p:nvSpPr>
               <p:spPr>
                 <a:xfrm>
-                  <a:off x="1890454" y="5807019"/>
+                  <a:off x="1890454" y="5804928"/>
                   <a:ext cx="502920" cy="502920"/>
                 </a:xfrm>
                 <a:prstGeom prst="rect">
@@ -12056,7 +11813,7 @@
               </p:txBody>
             </p:sp>
           </mc:Choice>
-          <mc:Fallback xmlns="">
+          <mc:Fallback>
             <p:sp>
               <p:nvSpPr>
                 <p:cNvPr id="81" name="Rectangle 80"/>
@@ -12067,7 +11824,7 @@
               </p:nvSpPr>
               <p:spPr>
                 <a:xfrm>
-                  <a:off x="1890454" y="5807019"/>
+                  <a:off x="1890454" y="5804928"/>
                   <a:ext cx="502920" cy="502920"/>
                 </a:xfrm>
                 <a:prstGeom prst="rect">
@@ -12523,8 +12280,8 @@
             </p:sp>
           </mc:Fallback>
         </mc:AlternateContent>
-        <mc:AlternateContent xmlns:mc="http://schemas.openxmlformats.org/markup-compatibility/2006" xmlns:a14="http://schemas.microsoft.com/office/drawing/2010/main">
-          <mc:Choice Requires="a14">
+        <mc:AlternateContent xmlns:mc="http://schemas.openxmlformats.org/markup-compatibility/2006">
+          <mc:Choice xmlns:a14="http://schemas.microsoft.com/office/drawing/2010/main" Requires="a14">
             <p:sp>
               <p:nvSpPr>
                 <p:cNvPr id="86" name="Rectangle 85"/>
@@ -12533,7 +12290,7 @@
               </p:nvSpPr>
               <p:spPr>
                 <a:xfrm>
-                  <a:off x="2394665" y="5807867"/>
+                  <a:off x="2394665" y="5804928"/>
                   <a:ext cx="502920" cy="502920"/>
                 </a:xfrm>
                 <a:prstGeom prst="rect">
@@ -12591,7 +12348,7 @@
               </p:txBody>
             </p:sp>
           </mc:Choice>
-          <mc:Fallback xmlns="">
+          <mc:Fallback>
             <p:sp>
               <p:nvSpPr>
                 <p:cNvPr id="86" name="Rectangle 85"/>
@@ -12602,7 +12359,7 @@
               </p:nvSpPr>
               <p:spPr>
                 <a:xfrm>
-                  <a:off x="2394665" y="5807867"/>
+                  <a:off x="2394665" y="5804928"/>
                   <a:ext cx="502920" cy="502920"/>
                 </a:xfrm>
                 <a:prstGeom prst="rect">
@@ -12630,8 +12387,8 @@
             </p:sp>
           </mc:Fallback>
         </mc:AlternateContent>
-        <mc:AlternateContent xmlns:mc="http://schemas.openxmlformats.org/markup-compatibility/2006" xmlns:a14="http://schemas.microsoft.com/office/drawing/2010/main">
-          <mc:Choice Requires="a14">
+        <mc:AlternateContent xmlns:mc="http://schemas.openxmlformats.org/markup-compatibility/2006">
+          <mc:Choice xmlns:a14="http://schemas.microsoft.com/office/drawing/2010/main" Requires="a14">
             <p:sp>
               <p:nvSpPr>
                 <p:cNvPr id="87" name="Rectangle 86"/>
@@ -12640,7 +12397,7 @@
               </p:nvSpPr>
               <p:spPr>
                 <a:xfrm>
-                  <a:off x="2900125" y="5807823"/>
+                  <a:off x="2900125" y="5804928"/>
                   <a:ext cx="502920" cy="502920"/>
                 </a:xfrm>
                 <a:prstGeom prst="rect">
@@ -12698,7 +12455,7 @@
               </p:txBody>
             </p:sp>
           </mc:Choice>
-          <mc:Fallback xmlns="">
+          <mc:Fallback>
             <p:sp>
               <p:nvSpPr>
                 <p:cNvPr id="87" name="Rectangle 86"/>
@@ -12709,7 +12466,7 @@
               </p:nvSpPr>
               <p:spPr>
                 <a:xfrm>
-                  <a:off x="2900125" y="5807823"/>
+                  <a:off x="2900125" y="5804928"/>
                   <a:ext cx="502920" cy="502920"/>
                 </a:xfrm>
                 <a:prstGeom prst="rect">
@@ -12737,8 +12494,8 @@
             </p:sp>
           </mc:Fallback>
         </mc:AlternateContent>
-        <mc:AlternateContent xmlns:mc="http://schemas.openxmlformats.org/markup-compatibility/2006" xmlns:a14="http://schemas.microsoft.com/office/drawing/2010/main">
-          <mc:Choice Requires="a14">
+        <mc:AlternateContent xmlns:mc="http://schemas.openxmlformats.org/markup-compatibility/2006">
+          <mc:Choice xmlns:a14="http://schemas.microsoft.com/office/drawing/2010/main" Requires="a14">
             <p:sp>
               <p:nvSpPr>
                 <p:cNvPr id="88" name="Rectangle 87"/>
@@ -12747,7 +12504,7 @@
               </p:nvSpPr>
               <p:spPr>
                 <a:xfrm>
-                  <a:off x="3404927" y="5809440"/>
+                  <a:off x="3404927" y="5804928"/>
                   <a:ext cx="502920" cy="502920"/>
                 </a:xfrm>
                 <a:prstGeom prst="rect">
@@ -12805,7 +12562,7 @@
               </p:txBody>
             </p:sp>
           </mc:Choice>
-          <mc:Fallback xmlns="">
+          <mc:Fallback>
             <p:sp>
               <p:nvSpPr>
                 <p:cNvPr id="88" name="Rectangle 87"/>
@@ -12816,7 +12573,7 @@
               </p:nvSpPr>
               <p:spPr>
                 <a:xfrm>
-                  <a:off x="3404927" y="5809440"/>
+                  <a:off x="3404927" y="5804928"/>
                   <a:ext cx="502920" cy="502920"/>
                 </a:xfrm>
                 <a:prstGeom prst="rect">
@@ -12844,8 +12601,8 @@
             </p:sp>
           </mc:Fallback>
         </mc:AlternateContent>
-        <mc:AlternateContent xmlns:mc="http://schemas.openxmlformats.org/markup-compatibility/2006" xmlns:a14="http://schemas.microsoft.com/office/drawing/2010/main">
-          <mc:Choice Requires="a14">
+        <mc:AlternateContent xmlns:mc="http://schemas.openxmlformats.org/markup-compatibility/2006">
+          <mc:Choice xmlns:a14="http://schemas.microsoft.com/office/drawing/2010/main" Requires="a14">
             <p:sp>
               <p:nvSpPr>
                 <p:cNvPr id="89" name="Rectangle 88"/>
@@ -12854,7 +12611,7 @@
               </p:nvSpPr>
               <p:spPr>
                 <a:xfrm>
-                  <a:off x="3910260" y="5806082"/>
+                  <a:off x="3910260" y="5804928"/>
                   <a:ext cx="502920" cy="502920"/>
                 </a:xfrm>
                 <a:prstGeom prst="rect">
@@ -12912,7 +12669,7 @@
               </p:txBody>
             </p:sp>
           </mc:Choice>
-          <mc:Fallback xmlns="">
+          <mc:Fallback>
             <p:sp>
               <p:nvSpPr>
                 <p:cNvPr id="89" name="Rectangle 88"/>
@@ -12923,7 +12680,7 @@
               </p:nvSpPr>
               <p:spPr>
                 <a:xfrm>
-                  <a:off x="3910260" y="5806082"/>
+                  <a:off x="3910260" y="5804928"/>
                   <a:ext cx="502920" cy="502920"/>
                 </a:xfrm>
                 <a:prstGeom prst="rect">
@@ -12951,8 +12708,8 @@
             </p:sp>
           </mc:Fallback>
         </mc:AlternateContent>
-        <mc:AlternateContent xmlns:mc="http://schemas.openxmlformats.org/markup-compatibility/2006" xmlns:a14="http://schemas.microsoft.com/office/drawing/2010/main">
-          <mc:Choice Requires="a14">
+        <mc:AlternateContent xmlns:mc="http://schemas.openxmlformats.org/markup-compatibility/2006">
+          <mc:Choice xmlns:a14="http://schemas.microsoft.com/office/drawing/2010/main" Requires="a14">
             <p:sp>
               <p:nvSpPr>
                 <p:cNvPr id="90" name="Rectangle 89"/>
@@ -12961,7 +12718,7 @@
               </p:nvSpPr>
               <p:spPr>
                 <a:xfrm>
-                  <a:off x="1387374" y="5809253"/>
+                  <a:off x="1387374" y="5804928"/>
                   <a:ext cx="502920" cy="502920"/>
                 </a:xfrm>
                 <a:prstGeom prst="rect">
@@ -13076,7 +12833,7 @@
               </p:txBody>
             </p:sp>
           </mc:Choice>
-          <mc:Fallback xmlns="">
+          <mc:Fallback>
             <p:sp>
               <p:nvSpPr>
                 <p:cNvPr id="90" name="Rectangle 89"/>
@@ -13087,7 +12844,7 @@
               </p:nvSpPr>
               <p:spPr>
                 <a:xfrm>
-                  <a:off x="1387374" y="5809253"/>
+                  <a:off x="1387374" y="5804928"/>
                   <a:ext cx="502920" cy="502920"/>
                 </a:xfrm>
                 <a:prstGeom prst="rect">
@@ -13436,8 +13193,8 @@
             </p:sp>
           </mc:Fallback>
         </mc:AlternateContent>
-        <mc:AlternateContent xmlns:mc="http://schemas.openxmlformats.org/markup-compatibility/2006" xmlns:a14="http://schemas.microsoft.com/office/drawing/2010/main">
-          <mc:Choice Requires="a14">
+        <mc:AlternateContent xmlns:mc="http://schemas.openxmlformats.org/markup-compatibility/2006">
+          <mc:Choice xmlns:a14="http://schemas.microsoft.com/office/drawing/2010/main" Requires="a14">
             <p:sp>
               <p:nvSpPr>
                 <p:cNvPr id="94" name="Rectangle 93"/>
@@ -13446,7 +13203,7 @@
               </p:nvSpPr>
               <p:spPr>
                 <a:xfrm>
-                  <a:off x="4410750" y="5806669"/>
+                  <a:off x="4410750" y="5804928"/>
                   <a:ext cx="502920" cy="502920"/>
                 </a:xfrm>
                 <a:prstGeom prst="rect">
@@ -13504,7 +13261,7 @@
               </p:txBody>
             </p:sp>
           </mc:Choice>
-          <mc:Fallback xmlns="">
+          <mc:Fallback>
             <p:sp>
               <p:nvSpPr>
                 <p:cNvPr id="94" name="Rectangle 93"/>
@@ -13515,14 +13272,14 @@
               </p:nvSpPr>
               <p:spPr>
                 <a:xfrm>
-                  <a:off x="4410750" y="5806669"/>
+                  <a:off x="4410750" y="5804928"/>
                   <a:ext cx="502920" cy="502920"/>
                 </a:xfrm>
                 <a:prstGeom prst="rect">
                   <a:avLst/>
                 </a:prstGeom>
                 <a:blipFill rotWithShape="0">
-                  <a:blip r:embed="rId85"/>
+                  <a:blip r:embed="rId79"/>
                   <a:stretch>
                     <a:fillRect/>
                   </a:stretch>
@@ -13543,8 +13300,8 @@
             </p:sp>
           </mc:Fallback>
         </mc:AlternateContent>
-        <mc:AlternateContent xmlns:mc="http://schemas.openxmlformats.org/markup-compatibility/2006" xmlns:a14="http://schemas.microsoft.com/office/drawing/2010/main">
-          <mc:Choice Requires="a14">
+        <mc:AlternateContent xmlns:mc="http://schemas.openxmlformats.org/markup-compatibility/2006">
+          <mc:Choice xmlns:a14="http://schemas.microsoft.com/office/drawing/2010/main" Requires="a14">
             <p:sp>
               <p:nvSpPr>
                 <p:cNvPr id="95" name="Rectangle 94"/>
@@ -13553,7 +13310,7 @@
               </p:nvSpPr>
               <p:spPr>
                 <a:xfrm>
-                  <a:off x="4915552" y="5808286"/>
+                  <a:off x="4915552" y="5804928"/>
                   <a:ext cx="502920" cy="502920"/>
                 </a:xfrm>
                 <a:prstGeom prst="rect">
@@ -13611,7 +13368,7 @@
               </p:txBody>
             </p:sp>
           </mc:Choice>
-          <mc:Fallback xmlns="">
+          <mc:Fallback>
             <p:sp>
               <p:nvSpPr>
                 <p:cNvPr id="95" name="Rectangle 94"/>
@@ -13622,14 +13379,14 @@
               </p:nvSpPr>
               <p:spPr>
                 <a:xfrm>
-                  <a:off x="4915552" y="5808286"/>
+                  <a:off x="4915552" y="5804928"/>
                   <a:ext cx="502920" cy="502920"/>
                 </a:xfrm>
                 <a:prstGeom prst="rect">
                   <a:avLst/>
                 </a:prstGeom>
                 <a:blipFill rotWithShape="0">
-                  <a:blip r:embed="rId86"/>
+                  <a:blip r:embed="rId85"/>
                   <a:stretch>
                     <a:fillRect/>
                   </a:stretch>
@@ -13650,8 +13407,8 @@
             </p:sp>
           </mc:Fallback>
         </mc:AlternateContent>
-        <mc:AlternateContent xmlns:mc="http://schemas.openxmlformats.org/markup-compatibility/2006" xmlns:a14="http://schemas.microsoft.com/office/drawing/2010/main">
-          <mc:Choice Requires="a14">
+        <mc:AlternateContent xmlns:mc="http://schemas.openxmlformats.org/markup-compatibility/2006">
+          <mc:Choice xmlns:a14="http://schemas.microsoft.com/office/drawing/2010/main" Requires="a14">
             <p:sp>
               <p:nvSpPr>
                 <p:cNvPr id="96" name="Rectangle 95"/>
@@ -13718,7 +13475,7 @@
               </p:txBody>
             </p:sp>
           </mc:Choice>
-          <mc:Fallback xmlns="">
+          <mc:Fallback>
             <p:sp>
               <p:nvSpPr>
                 <p:cNvPr id="96" name="Rectangle 95"/>
@@ -13736,7 +13493,7 @@
                   <a:avLst/>
                 </a:prstGeom>
                 <a:blipFill rotWithShape="0">
-                  <a:blip r:embed="rId87"/>
+                  <a:blip r:embed="rId86"/>
                   <a:stretch>
                     <a:fillRect/>
                   </a:stretch>
@@ -14013,25 +13770,7 @@
                             </a:solidFill>
                             <a:latin typeface="Cambria Math" panose="02040503050406030204" pitchFamily="18" charset="0"/>
                           </a:rPr>
-                          <m:t>0</m:t>
-                        </m:r>
-                        <m:r>
-                          <a:rPr lang="en-US" sz="1700" b="0" i="1" smtClean="0">
-                            <a:solidFill>
-                              <a:schemeClr val="bg1"/>
-                            </a:solidFill>
-                            <a:latin typeface="Cambria Math" panose="02040503050406030204" pitchFamily="18" charset="0"/>
-                          </a:rPr>
-                          <m:t>.</m:t>
-                        </m:r>
-                        <m:r>
-                          <a:rPr lang="en-US" sz="1700" b="0" i="1" smtClean="0">
-                            <a:solidFill>
-                              <a:schemeClr val="bg1"/>
-                            </a:solidFill>
-                            <a:latin typeface="Cambria Math" panose="02040503050406030204" pitchFamily="18" charset="0"/>
-                          </a:rPr>
-                          <m:t>8</m:t>
+                          <m:t>0.8</m:t>
                         </m:r>
                       </m:oMath>
                     </m:oMathPara>
@@ -14290,16 +14029,7 @@
                             </a:solidFill>
                             <a:latin typeface="Cambria Math" panose="02040503050406030204" pitchFamily="18" charset="0"/>
                           </a:rPr>
-                          <m:t> </m:t>
-                        </m:r>
-                        <m:r>
-                          <a:rPr lang="en-US" sz="1700" b="0" i="1" smtClean="0">
-                            <a:solidFill>
-                              <a:schemeClr val="tx1"/>
-                            </a:solidFill>
-                            <a:latin typeface="Cambria Math" panose="02040503050406030204" pitchFamily="18" charset="0"/>
-                          </a:rPr>
-                          <m:t>0</m:t>
+                          <m:t> 0</m:t>
                         </m:r>
                         <m:r>
                           <a:rPr lang="en-US" sz="1700" b="0" i="0" smtClean="0">
@@ -14927,34 +14657,7 @@
                             </a:solidFill>
                             <a:latin typeface="Cambria Math" panose="02040503050406030204" pitchFamily="18" charset="0"/>
                           </a:rPr>
-                          <m:t> </m:t>
-                        </m:r>
-                        <m:r>
-                          <a:rPr lang="en-US" sz="1700" b="0" i="1" smtClean="0">
-                            <a:solidFill>
-                              <a:schemeClr val="tx1"/>
-                            </a:solidFill>
-                            <a:latin typeface="Cambria Math" panose="02040503050406030204" pitchFamily="18" charset="0"/>
-                          </a:rPr>
-                          <m:t>0</m:t>
-                        </m:r>
-                        <m:r>
-                          <a:rPr lang="en-US" sz="1700" b="0" i="1" smtClean="0">
-                            <a:solidFill>
-                              <a:schemeClr val="tx1"/>
-                            </a:solidFill>
-                            <a:latin typeface="Cambria Math" panose="02040503050406030204" pitchFamily="18" charset="0"/>
-                          </a:rPr>
-                          <m:t>.</m:t>
-                        </m:r>
-                        <m:r>
-                          <a:rPr lang="en-US" sz="1700" b="0" i="1" smtClean="0">
-                            <a:solidFill>
-                              <a:schemeClr val="tx1"/>
-                            </a:solidFill>
-                            <a:latin typeface="Cambria Math" panose="02040503050406030204" pitchFamily="18" charset="0"/>
-                          </a:rPr>
-                          <m:t>1</m:t>
+                          <m:t> 0.1</m:t>
                         </m:r>
                       </m:oMath>
                     </m:oMathPara>
@@ -15063,34 +14766,7 @@
                             </a:solidFill>
                             <a:latin typeface="Cambria Math" panose="02040503050406030204" pitchFamily="18" charset="0"/>
                           </a:rPr>
-                          <m:t> </m:t>
-                        </m:r>
-                        <m:r>
-                          <a:rPr lang="en-US" sz="1700" b="0" i="1" smtClean="0">
-                            <a:solidFill>
-                              <a:sysClr val="windowText" lastClr="000000"/>
-                            </a:solidFill>
-                            <a:latin typeface="Cambria Math" panose="02040503050406030204" pitchFamily="18" charset="0"/>
-                          </a:rPr>
-                          <m:t>0</m:t>
-                        </m:r>
-                        <m:r>
-                          <a:rPr lang="en-US" sz="1700" b="0" i="1" smtClean="0">
-                            <a:solidFill>
-                              <a:sysClr val="windowText" lastClr="000000"/>
-                            </a:solidFill>
-                            <a:latin typeface="Cambria Math" panose="02040503050406030204" pitchFamily="18" charset="0"/>
-                          </a:rPr>
-                          <m:t>.</m:t>
-                        </m:r>
-                        <m:r>
-                          <a:rPr lang="en-US" sz="1700" b="0" i="1" smtClean="0">
-                            <a:solidFill>
-                              <a:sysClr val="windowText" lastClr="000000"/>
-                            </a:solidFill>
-                            <a:latin typeface="Cambria Math" panose="02040503050406030204" pitchFamily="18" charset="0"/>
-                          </a:rPr>
-                          <m:t>05</m:t>
+                          <m:t> 0.05</m:t>
                         </m:r>
                       </m:oMath>
                     </m:oMathPara>
@@ -15197,34 +14873,7 @@
                             </a:solidFill>
                             <a:latin typeface="Cambria Math" panose="02040503050406030204" pitchFamily="18" charset="0"/>
                           </a:rPr>
-                          <m:t> </m:t>
-                        </m:r>
-                        <m:r>
-                          <a:rPr lang="en-US" sz="1700" b="0" i="1" smtClean="0">
-                            <a:solidFill>
-                              <a:schemeClr val="tx1"/>
-                            </a:solidFill>
-                            <a:latin typeface="Cambria Math" panose="02040503050406030204" pitchFamily="18" charset="0"/>
-                          </a:rPr>
-                          <m:t>0</m:t>
-                        </m:r>
-                        <m:r>
-                          <a:rPr lang="en-US" sz="1700" b="0" i="1" smtClean="0">
-                            <a:solidFill>
-                              <a:schemeClr val="tx1"/>
-                            </a:solidFill>
-                            <a:latin typeface="Cambria Math" panose="02040503050406030204" pitchFamily="18" charset="0"/>
-                          </a:rPr>
-                          <m:t>.</m:t>
-                        </m:r>
-                        <m:r>
-                          <a:rPr lang="en-US" sz="1700" b="0" i="1" smtClean="0">
-                            <a:solidFill>
-                              <a:schemeClr val="tx1"/>
-                            </a:solidFill>
-                            <a:latin typeface="Cambria Math" panose="02040503050406030204" pitchFamily="18" charset="0"/>
-                          </a:rPr>
-                          <m:t>0</m:t>
+                          <m:t> 0.0</m:t>
                         </m:r>
                       </m:oMath>
                     </m:oMathPara>
@@ -15333,34 +14982,7 @@
                             </a:solidFill>
                             <a:latin typeface="Cambria Math" panose="02040503050406030204" pitchFamily="18" charset="0"/>
                           </a:rPr>
-                          <m:t> </m:t>
-                        </m:r>
-                        <m:r>
-                          <a:rPr lang="en-US" sz="1700" b="0" i="1" smtClean="0">
-                            <a:solidFill>
-                              <a:sysClr val="windowText" lastClr="000000"/>
-                            </a:solidFill>
-                            <a:latin typeface="Cambria Math" panose="02040503050406030204" pitchFamily="18" charset="0"/>
-                          </a:rPr>
-                          <m:t>0</m:t>
-                        </m:r>
-                        <m:r>
-                          <a:rPr lang="en-US" sz="1700" b="0" i="1" smtClean="0">
-                            <a:solidFill>
-                              <a:sysClr val="windowText" lastClr="000000"/>
-                            </a:solidFill>
-                            <a:latin typeface="Cambria Math" panose="02040503050406030204" pitchFamily="18" charset="0"/>
-                          </a:rPr>
-                          <m:t>.</m:t>
-                        </m:r>
-                        <m:r>
-                          <a:rPr lang="en-US" sz="1700" b="0" i="1" smtClean="0">
-                            <a:solidFill>
-                              <a:sysClr val="windowText" lastClr="000000"/>
-                            </a:solidFill>
-                            <a:latin typeface="Cambria Math" panose="02040503050406030204" pitchFamily="18" charset="0"/>
-                          </a:rPr>
-                          <m:t>05</m:t>
+                          <m:t> 0.05</m:t>
                         </m:r>
                       </m:oMath>
                     </m:oMathPara>
@@ -15470,34 +15092,7 @@
                             </a:solidFill>
                             <a:latin typeface="Cambria Math" panose="02040503050406030204" pitchFamily="18" charset="0"/>
                           </a:rPr>
-                          <m:t> </m:t>
-                        </m:r>
-                        <m:r>
-                          <a:rPr lang="en-US" sz="1700" b="0" i="1" smtClean="0">
-                            <a:solidFill>
-                              <a:schemeClr val="bg1"/>
-                            </a:solidFill>
-                            <a:latin typeface="Cambria Math" panose="02040503050406030204" pitchFamily="18" charset="0"/>
-                          </a:rPr>
-                          <m:t>0</m:t>
-                        </m:r>
-                        <m:r>
-                          <a:rPr lang="en-US" sz="1700" b="0" i="1" smtClean="0">
-                            <a:solidFill>
-                              <a:schemeClr val="bg1"/>
-                            </a:solidFill>
-                            <a:latin typeface="Cambria Math" panose="02040503050406030204" pitchFamily="18" charset="0"/>
-                          </a:rPr>
-                          <m:t>.</m:t>
-                        </m:r>
-                        <m:r>
-                          <a:rPr lang="en-US" sz="1700" b="0" i="1" smtClean="0">
-                            <a:solidFill>
-                              <a:schemeClr val="bg1"/>
-                            </a:solidFill>
-                            <a:latin typeface="Cambria Math" panose="02040503050406030204" pitchFamily="18" charset="0"/>
-                          </a:rPr>
-                          <m:t>8</m:t>
+                          <m:t> 0.8</m:t>
                         </m:r>
                       </m:oMath>
                     </m:oMathPara>
@@ -16299,34 +15894,7 @@
                             </a:solidFill>
                             <a:latin typeface="Cambria Math" panose="02040503050406030204" pitchFamily="18" charset="0"/>
                           </a:rPr>
-                          <m:t> </m:t>
-                        </m:r>
-                        <m:r>
-                          <a:rPr lang="en-US" sz="1700" b="0" i="1" smtClean="0">
-                            <a:solidFill>
-                              <a:sysClr val="windowText" lastClr="000000"/>
-                            </a:solidFill>
-                            <a:latin typeface="Cambria Math" panose="02040503050406030204" pitchFamily="18" charset="0"/>
-                          </a:rPr>
-                          <m:t>0</m:t>
-                        </m:r>
-                        <m:r>
-                          <a:rPr lang="en-US" sz="1700" b="0" i="1" smtClean="0">
-                            <a:solidFill>
-                              <a:sysClr val="windowText" lastClr="000000"/>
-                            </a:solidFill>
-                            <a:latin typeface="Cambria Math" panose="02040503050406030204" pitchFamily="18" charset="0"/>
-                          </a:rPr>
-                          <m:t>.</m:t>
-                        </m:r>
-                        <m:r>
-                          <a:rPr lang="en-US" sz="1700" b="0" i="1" smtClean="0">
-                            <a:solidFill>
-                              <a:sysClr val="windowText" lastClr="000000"/>
-                            </a:solidFill>
-                            <a:latin typeface="Cambria Math" panose="02040503050406030204" pitchFamily="18" charset="0"/>
-                          </a:rPr>
-                          <m:t>0</m:t>
+                          <m:t> 0.0</m:t>
                         </m:r>
                       </m:oMath>
                     </m:oMathPara>
@@ -16435,34 +16003,7 @@
                             </a:solidFill>
                             <a:latin typeface="Cambria Math" panose="02040503050406030204" pitchFamily="18" charset="0"/>
                           </a:rPr>
-                          <m:t> </m:t>
-                        </m:r>
-                        <m:r>
-                          <a:rPr lang="en-US" sz="1700" b="0" i="1" smtClean="0">
-                            <a:solidFill>
-                              <a:schemeClr val="tx1"/>
-                            </a:solidFill>
-                            <a:latin typeface="Cambria Math" panose="02040503050406030204" pitchFamily="18" charset="0"/>
-                          </a:rPr>
-                          <m:t>0</m:t>
-                        </m:r>
-                        <m:r>
-                          <a:rPr lang="en-US" sz="1700" b="0" i="1" smtClean="0">
-                            <a:solidFill>
-                              <a:schemeClr val="tx1"/>
-                            </a:solidFill>
-                            <a:latin typeface="Cambria Math" panose="02040503050406030204" pitchFamily="18" charset="0"/>
-                          </a:rPr>
-                          <m:t>.</m:t>
-                        </m:r>
-                        <m:r>
-                          <a:rPr lang="en-US" sz="1700" b="0" i="1" smtClean="0">
-                            <a:solidFill>
-                              <a:schemeClr val="tx1"/>
-                            </a:solidFill>
-                            <a:latin typeface="Cambria Math" panose="02040503050406030204" pitchFamily="18" charset="0"/>
-                          </a:rPr>
-                          <m:t>1</m:t>
+                          <m:t> 0.1</m:t>
                         </m:r>
                       </m:oMath>
                     </m:oMathPara>
@@ -16569,34 +16110,7 @@
                             </a:solidFill>
                             <a:latin typeface="Cambria Math" panose="02040503050406030204" pitchFamily="18" charset="0"/>
                           </a:rPr>
-                          <m:t> </m:t>
-                        </m:r>
-                        <m:r>
-                          <a:rPr lang="en-US" sz="1700" b="0" i="1" smtClean="0">
-                            <a:solidFill>
-                              <a:sysClr val="windowText" lastClr="000000"/>
-                            </a:solidFill>
-                            <a:latin typeface="Cambria Math" panose="02040503050406030204" pitchFamily="18" charset="0"/>
-                          </a:rPr>
-                          <m:t>0</m:t>
-                        </m:r>
-                        <m:r>
-                          <a:rPr lang="en-US" sz="1700" b="0" i="1" smtClean="0">
-                            <a:solidFill>
-                              <a:sysClr val="windowText" lastClr="000000"/>
-                            </a:solidFill>
-                            <a:latin typeface="Cambria Math" panose="02040503050406030204" pitchFamily="18" charset="0"/>
-                          </a:rPr>
-                          <m:t>.</m:t>
-                        </m:r>
-                        <m:r>
-                          <a:rPr lang="en-US" sz="1700" b="0" i="1" smtClean="0">
-                            <a:solidFill>
-                              <a:sysClr val="windowText" lastClr="000000"/>
-                            </a:solidFill>
-                            <a:latin typeface="Cambria Math" panose="02040503050406030204" pitchFamily="18" charset="0"/>
-                          </a:rPr>
-                          <m:t>0</m:t>
+                          <m:t> 0.0</m:t>
                         </m:r>
                       </m:oMath>
                     </m:oMathPara>
@@ -39496,8 +39010,8 @@
               </a:p>
             </p:txBody>
           </p:sp>
-          <mc:AlternateContent xmlns:mc="http://schemas.openxmlformats.org/markup-compatibility/2006">
-            <mc:Choice xmlns:a14="http://schemas.microsoft.com/office/drawing/2010/main" Requires="a14">
+          <mc:AlternateContent xmlns:mc="http://schemas.openxmlformats.org/markup-compatibility/2006" xmlns:a14="http://schemas.microsoft.com/office/drawing/2010/main">
+            <mc:Choice Requires="a14">
               <p:sp>
                 <p:nvSpPr>
                   <p:cNvPr id="670" name="Rectangle 669"/>
@@ -39594,7 +39108,7 @@
                 </p:txBody>
               </p:sp>
             </mc:Choice>
-            <mc:Fallback>
+            <mc:Fallback xmlns="">
               <p:sp>
                 <p:nvSpPr>
                   <p:cNvPr id="670" name="Rectangle 669"/>
@@ -39838,8 +39352,8 @@
               </a:p>
             </p:txBody>
           </p:sp>
-          <mc:AlternateContent xmlns:mc="http://schemas.openxmlformats.org/markup-compatibility/2006">
-            <mc:Choice xmlns:a14="http://schemas.microsoft.com/office/drawing/2010/main" Requires="a14">
+          <mc:AlternateContent xmlns:mc="http://schemas.openxmlformats.org/markup-compatibility/2006" xmlns:a14="http://schemas.microsoft.com/office/drawing/2010/main">
+            <mc:Choice Requires="a14">
               <p:sp>
                 <p:nvSpPr>
                   <p:cNvPr id="676" name="Rectangle 675"/>
@@ -39916,7 +39430,7 @@
                 </p:txBody>
               </p:sp>
             </mc:Choice>
-            <mc:Fallback>
+            <mc:Fallback xmlns="">
               <p:sp>
                 <p:nvSpPr>
                   <p:cNvPr id="676" name="Rectangle 675"/>
@@ -40090,8 +39604,8 @@
               </a:fontRef>
             </p:style>
           </p:cxnSp>
-          <mc:AlternateContent xmlns:mc="http://schemas.openxmlformats.org/markup-compatibility/2006">
-            <mc:Choice xmlns:a14="http://schemas.microsoft.com/office/drawing/2010/main" Requires="a14">
+          <mc:AlternateContent xmlns:mc="http://schemas.openxmlformats.org/markup-compatibility/2006" xmlns:a14="http://schemas.microsoft.com/office/drawing/2010/main">
+            <mc:Choice Requires="a14">
               <p:sp>
                 <p:nvSpPr>
                   <p:cNvPr id="681" name="Rectangle 680"/>
@@ -40154,7 +39668,16 @@
                               </a:solidFill>
                               <a:latin typeface="Cambria Math" panose="02040503050406030204" pitchFamily="18" charset="0"/>
                             </a:rPr>
-                            <m:t>−1</m:t>
+                            <m:t>−</m:t>
+                          </m:r>
+                          <m:r>
+                            <a:rPr lang="en-US" sz="1400" b="0" i="1" smtClean="0">
+                              <a:solidFill>
+                                <a:schemeClr val="tx1"/>
+                              </a:solidFill>
+                              <a:latin typeface="Cambria Math" panose="02040503050406030204" pitchFamily="18" charset="0"/>
+                            </a:rPr>
+                            <m:t>1</m:t>
                           </m:r>
                         </m:oMath>
                       </m:oMathPara>
@@ -40168,7 +39691,7 @@
                 </p:txBody>
               </p:sp>
             </mc:Choice>
-            <mc:Fallback>
+            <mc:Fallback xmlns="">
               <p:sp>
                 <p:nvSpPr>
                   <p:cNvPr id="681" name="Rectangle 680"/>
@@ -40210,8 +39733,8 @@
               </p:sp>
             </mc:Fallback>
           </mc:AlternateContent>
-          <mc:AlternateContent xmlns:mc="http://schemas.openxmlformats.org/markup-compatibility/2006">
-            <mc:Choice xmlns:a14="http://schemas.microsoft.com/office/drawing/2010/main" Requires="a14">
+          <mc:AlternateContent xmlns:mc="http://schemas.openxmlformats.org/markup-compatibility/2006" xmlns:a14="http://schemas.microsoft.com/office/drawing/2010/main">
+            <mc:Choice Requires="a14">
               <p:sp>
                 <p:nvSpPr>
                   <p:cNvPr id="682" name="Rectangle 681"/>
@@ -40288,7 +39811,7 @@
                 </p:txBody>
               </p:sp>
             </mc:Choice>
-            <mc:Fallback>
+            <mc:Fallback xmlns="">
               <p:sp>
                 <p:nvSpPr>
                   <p:cNvPr id="682" name="Rectangle 681"/>
@@ -40514,8 +40037,8 @@
               </a:p>
             </p:txBody>
           </p:sp>
-          <mc:AlternateContent xmlns:mc="http://schemas.openxmlformats.org/markup-compatibility/2006">
-            <mc:Choice xmlns:a14="http://schemas.microsoft.com/office/drawing/2010/main" Requires="a14">
+          <mc:AlternateContent xmlns:mc="http://schemas.openxmlformats.org/markup-compatibility/2006" xmlns:a14="http://schemas.microsoft.com/office/drawing/2010/main">
+            <mc:Choice Requires="a14">
               <p:sp>
                 <p:nvSpPr>
                   <p:cNvPr id="687" name="Rectangle 686"/>
@@ -40840,7 +40363,18 @@
                                         <a:schemeClr val="tx1"/>
                                       </a:solidFill>
                                     </a:rPr>
-                                    <m:t>′,</m:t>
+                                    <m:t>′</m:t>
+                                  </m:r>
+                                  <m:r>
+                                    <m:rPr>
+                                      <m:nor/>
+                                    </m:rPr>
+                                    <a:rPr lang="en-US" i="1" dirty="0">
+                                      <a:solidFill>
+                                        <a:schemeClr val="tx1"/>
+                                      </a:solidFill>
+                                    </a:rPr>
+                                    <m:t>,</m:t>
                                   </m:r>
                                   <m:r>
                                     <m:rPr>
@@ -40907,7 +40441,18 @@
                                         <a:schemeClr val="tx1"/>
                                       </a:solidFill>
                                     </a:rPr>
-                                    <m:t>′,</m:t>
+                                    <m:t>′</m:t>
+                                  </m:r>
+                                  <m:r>
+                                    <m:rPr>
+                                      <m:nor/>
+                                    </m:rPr>
+                                    <a:rPr lang="en-US" i="1" dirty="0">
+                                      <a:solidFill>
+                                        <a:schemeClr val="tx1"/>
+                                      </a:solidFill>
+                                    </a:rPr>
+                                    <m:t>,</m:t>
                                   </m:r>
                                   <m:r>
                                     <m:rPr>
@@ -40929,7 +40474,18 @@
                                         <a:schemeClr val="tx1"/>
                                       </a:solidFill>
                                     </a:rPr>
-                                    <m:t>−1</m:t>
+                                    <m:t>−</m:t>
+                                  </m:r>
+                                  <m:r>
+                                    <m:rPr>
+                                      <m:nor/>
+                                    </m:rPr>
+                                    <a:rPr lang="en-US" i="1" dirty="0">
+                                      <a:solidFill>
+                                        <a:schemeClr val="tx1"/>
+                                      </a:solidFill>
+                                    </a:rPr>
+                                    <m:t>1</m:t>
                                   </m:r>
                                 </m:sub>
                               </m:sSub>
@@ -40949,7 +40505,7 @@
                 </p:txBody>
               </p:sp>
             </mc:Choice>
-            <mc:Fallback>
+            <mc:Fallback xmlns="">
               <p:sp>
                 <p:nvSpPr>
                   <p:cNvPr id="687" name="Rectangle 686"/>
@@ -41144,8 +40700,8 @@
             </a:p>
           </p:txBody>
         </p:sp>
-        <mc:AlternateContent xmlns:mc="http://schemas.openxmlformats.org/markup-compatibility/2006">
-          <mc:Choice xmlns:a14="http://schemas.microsoft.com/office/drawing/2010/main" Requires="a14">
+        <mc:AlternateContent xmlns:mc="http://schemas.openxmlformats.org/markup-compatibility/2006" xmlns:a14="http://schemas.microsoft.com/office/drawing/2010/main">
+          <mc:Choice Requires="a14">
             <p:sp>
               <p:nvSpPr>
                 <p:cNvPr id="619" name="Rectangle 618"/>
@@ -41242,7 +40798,7 @@
               </p:txBody>
             </p:sp>
           </mc:Choice>
-          <mc:Fallback>
+          <mc:Fallback xmlns="">
             <p:sp>
               <p:nvSpPr>
                 <p:cNvPr id="619" name="Rectangle 618"/>
@@ -42231,8 +41787,8 @@
             </a:p>
           </p:txBody>
         </p:sp>
-        <mc:AlternateContent xmlns:mc="http://schemas.openxmlformats.org/markup-compatibility/2006">
-          <mc:Choice xmlns:a14="http://schemas.microsoft.com/office/drawing/2010/main" Requires="a14">
+        <mc:AlternateContent xmlns:mc="http://schemas.openxmlformats.org/markup-compatibility/2006" xmlns:a14="http://schemas.microsoft.com/office/drawing/2010/main">
+          <mc:Choice Requires="a14">
             <p:sp>
               <p:nvSpPr>
                 <p:cNvPr id="641" name="Rectangle 640"/>
@@ -42309,7 +41865,7 @@
               </p:txBody>
             </p:sp>
           </mc:Choice>
-          <mc:Fallback>
+          <mc:Fallback xmlns="">
             <p:sp>
               <p:nvSpPr>
                 <p:cNvPr id="641" name="Rectangle 640"/>
@@ -42483,8 +42039,8 @@
             </a:fontRef>
           </p:style>
         </p:cxnSp>
-        <mc:AlternateContent xmlns:mc="http://schemas.openxmlformats.org/markup-compatibility/2006">
-          <mc:Choice xmlns:a14="http://schemas.microsoft.com/office/drawing/2010/main" Requires="a14">
+        <mc:AlternateContent xmlns:mc="http://schemas.openxmlformats.org/markup-compatibility/2006" xmlns:a14="http://schemas.microsoft.com/office/drawing/2010/main">
+          <mc:Choice Requires="a14">
             <p:sp>
               <p:nvSpPr>
                 <p:cNvPr id="646" name="Rectangle 645"/>
@@ -42547,7 +42103,16 @@
                             </a:solidFill>
                             <a:latin typeface="Cambria Math" panose="02040503050406030204" pitchFamily="18" charset="0"/>
                           </a:rPr>
-                          <m:t>+1</m:t>
+                          <m:t>+</m:t>
+                        </m:r>
+                        <m:r>
+                          <a:rPr lang="en-US" sz="1400" b="0" i="1" smtClean="0">
+                            <a:solidFill>
+                              <a:schemeClr val="tx1"/>
+                            </a:solidFill>
+                            <a:latin typeface="Cambria Math" panose="02040503050406030204" pitchFamily="18" charset="0"/>
+                          </a:rPr>
+                          <m:t>1</m:t>
                         </m:r>
                       </m:oMath>
                     </m:oMathPara>
@@ -42561,7 +42126,7 @@
               </p:txBody>
             </p:sp>
           </mc:Choice>
-          <mc:Fallback>
+          <mc:Fallback xmlns="">
             <p:sp>
               <p:nvSpPr>
                 <p:cNvPr id="646" name="Rectangle 645"/>
@@ -42603,8 +42168,8 @@
             </p:sp>
           </mc:Fallback>
         </mc:AlternateContent>
-        <mc:AlternateContent xmlns:mc="http://schemas.openxmlformats.org/markup-compatibility/2006">
-          <mc:Choice xmlns:a14="http://schemas.microsoft.com/office/drawing/2010/main" Requires="a14">
+        <mc:AlternateContent xmlns:mc="http://schemas.openxmlformats.org/markup-compatibility/2006" xmlns:a14="http://schemas.microsoft.com/office/drawing/2010/main">
+          <mc:Choice Requires="a14">
             <p:sp>
               <p:nvSpPr>
                 <p:cNvPr id="647" name="Rectangle 646"/>
@@ -42681,7 +42246,7 @@
               </p:txBody>
             </p:sp>
           </mc:Choice>
-          <mc:Fallback>
+          <mc:Fallback xmlns="">
             <p:sp>
               <p:nvSpPr>
                 <p:cNvPr id="647" name="Rectangle 646"/>
@@ -42887,8 +42452,8 @@
             </a:p>
           </p:txBody>
         </p:sp>
-        <mc:AlternateContent xmlns:mc="http://schemas.openxmlformats.org/markup-compatibility/2006">
-          <mc:Choice xmlns:a14="http://schemas.microsoft.com/office/drawing/2010/main" Requires="a14">
+        <mc:AlternateContent xmlns:mc="http://schemas.openxmlformats.org/markup-compatibility/2006" xmlns:a14="http://schemas.microsoft.com/office/drawing/2010/main">
+          <mc:Choice Requires="a14">
             <p:sp>
               <p:nvSpPr>
                 <p:cNvPr id="688" name="Rectangle 687"/>
@@ -43121,7 +42686,18 @@
                                       <a:schemeClr val="tx1"/>
                                     </a:solidFill>
                                   </a:rPr>
-                                  <m:t>′,</m:t>
+                                  <m:t>′</m:t>
+                                </m:r>
+                                <m:r>
+                                  <m:rPr>
+                                    <m:nor/>
+                                  </m:rPr>
+                                  <a:rPr lang="en-US" i="1" dirty="0">
+                                    <a:solidFill>
+                                      <a:schemeClr val="tx1"/>
+                                    </a:solidFill>
+                                  </a:rPr>
+                                  <m:t>,</m:t>
                                 </m:r>
                                 <m:r>
                                   <m:rPr>
@@ -43253,7 +42829,16 @@
                                         </a:solidFill>
                                         <a:latin typeface="Cambria Math" panose="02040503050406030204" pitchFamily="18" charset="0"/>
                                       </a:rPr>
-                                      <m:t>+1</m:t>
+                                      <m:t>+</m:t>
+                                    </m:r>
+                                    <m:r>
+                                      <a:rPr lang="en-US" i="1" dirty="0">
+                                        <a:solidFill>
+                                          <a:schemeClr val="tx1"/>
+                                        </a:solidFill>
+                                        <a:latin typeface="Cambria Math" panose="02040503050406030204" pitchFamily="18" charset="0"/>
+                                      </a:rPr>
+                                      <m:t>1</m:t>
                                     </m:r>
                                   </m:sub>
                                 </m:sSub>
@@ -43354,7 +42939,7 @@
               </p:txBody>
             </p:sp>
           </mc:Choice>
-          <mc:Fallback>
+          <mc:Fallback xmlns="">
             <p:sp>
               <p:nvSpPr>
                 <p:cNvPr id="688" name="Rectangle 687"/>

--- a/Help/Figures2.pptx
+++ b/Help/Figures2.pptx
@@ -114,7 +114,7 @@
   <p:extLst>
     <p:ext uri="{EFAFB233-063F-42B5-8137-9DF3F51BA10A}">
       <p15:sldGuideLst xmlns:p15="http://schemas.microsoft.com/office/powerpoint/2012/main">
-        <p15:guide id="1" orient="horz" pos="2424" userDrawn="1">
+        <p15:guide id="1" orient="horz" pos="3000" userDrawn="1">
           <p15:clr>
             <a:srgbClr val="A4A3A4"/>
           </p15:clr>
@@ -226,7 +226,7 @@
           <a:p>
             <a:fld id="{C07E4396-26A3-4143-A0A3-BBC18DD0CEAD}" type="datetimeFigureOut">
               <a:rPr lang="en-US" smtClean="0"/>
-              <a:t>2020-02-10</a:t>
+              <a:t>3/13/2020</a:t>
             </a:fld>
             <a:endParaRPr lang="en-US" dirty="0"/>
           </a:p>
@@ -790,7 +790,7 @@
           <a:p>
             <a:fld id="{2DC2A043-560F-4D2E-8D1E-02B02E053659}" type="datetimeFigureOut">
               <a:rPr lang="en-US" smtClean="0"/>
-              <a:t>2020-02-10</a:t>
+              <a:t>3/13/2020</a:t>
             </a:fld>
             <a:endParaRPr lang="en-US" dirty="0"/>
           </a:p>
@@ -958,7 +958,7 @@
           <a:p>
             <a:fld id="{2DC2A043-560F-4D2E-8D1E-02B02E053659}" type="datetimeFigureOut">
               <a:rPr lang="en-US" smtClean="0"/>
-              <a:t>2020-02-10</a:t>
+              <a:t>3/13/2020</a:t>
             </a:fld>
             <a:endParaRPr lang="en-US" dirty="0"/>
           </a:p>
@@ -1136,7 +1136,7 @@
           <a:p>
             <a:fld id="{2DC2A043-560F-4D2E-8D1E-02B02E053659}" type="datetimeFigureOut">
               <a:rPr lang="en-US" smtClean="0"/>
-              <a:t>2020-02-10</a:t>
+              <a:t>3/13/2020</a:t>
             </a:fld>
             <a:endParaRPr lang="en-US" dirty="0"/>
           </a:p>
@@ -1304,7 +1304,7 @@
           <a:p>
             <a:fld id="{2DC2A043-560F-4D2E-8D1E-02B02E053659}" type="datetimeFigureOut">
               <a:rPr lang="en-US" smtClean="0"/>
-              <a:t>2020-02-10</a:t>
+              <a:t>3/13/2020</a:t>
             </a:fld>
             <a:endParaRPr lang="en-US" dirty="0"/>
           </a:p>
@@ -1549,7 +1549,7 @@
           <a:p>
             <a:fld id="{2DC2A043-560F-4D2E-8D1E-02B02E053659}" type="datetimeFigureOut">
               <a:rPr lang="en-US" smtClean="0"/>
-              <a:t>2020-02-10</a:t>
+              <a:t>3/13/2020</a:t>
             </a:fld>
             <a:endParaRPr lang="en-US" dirty="0"/>
           </a:p>
@@ -1778,7 +1778,7 @@
           <a:p>
             <a:fld id="{2DC2A043-560F-4D2E-8D1E-02B02E053659}" type="datetimeFigureOut">
               <a:rPr lang="en-US" smtClean="0"/>
-              <a:t>2020-02-10</a:t>
+              <a:t>3/13/2020</a:t>
             </a:fld>
             <a:endParaRPr lang="en-US" dirty="0"/>
           </a:p>
@@ -2142,7 +2142,7 @@
           <a:p>
             <a:fld id="{2DC2A043-560F-4D2E-8D1E-02B02E053659}" type="datetimeFigureOut">
               <a:rPr lang="en-US" smtClean="0"/>
-              <a:t>2020-02-10</a:t>
+              <a:t>3/13/2020</a:t>
             </a:fld>
             <a:endParaRPr lang="en-US" dirty="0"/>
           </a:p>
@@ -2259,7 +2259,7 @@
           <a:p>
             <a:fld id="{2DC2A043-560F-4D2E-8D1E-02B02E053659}" type="datetimeFigureOut">
               <a:rPr lang="en-US" smtClean="0"/>
-              <a:t>2020-02-10</a:t>
+              <a:t>3/13/2020</a:t>
             </a:fld>
             <a:endParaRPr lang="en-US" dirty="0"/>
           </a:p>
@@ -2354,7 +2354,7 @@
           <a:p>
             <a:fld id="{2DC2A043-560F-4D2E-8D1E-02B02E053659}" type="datetimeFigureOut">
               <a:rPr lang="en-US" smtClean="0"/>
-              <a:t>2020-02-10</a:t>
+              <a:t>3/13/2020</a:t>
             </a:fld>
             <a:endParaRPr lang="en-US" dirty="0"/>
           </a:p>
@@ -2629,7 +2629,7 @@
           <a:p>
             <a:fld id="{2DC2A043-560F-4D2E-8D1E-02B02E053659}" type="datetimeFigureOut">
               <a:rPr lang="en-US" smtClean="0"/>
-              <a:t>2020-02-10</a:t>
+              <a:t>3/13/2020</a:t>
             </a:fld>
             <a:endParaRPr lang="en-US" dirty="0"/>
           </a:p>
@@ -2881,7 +2881,7 @@
           <a:p>
             <a:fld id="{2DC2A043-560F-4D2E-8D1E-02B02E053659}" type="datetimeFigureOut">
               <a:rPr lang="en-US" smtClean="0"/>
-              <a:t>2020-02-10</a:t>
+              <a:t>3/13/2020</a:t>
             </a:fld>
             <a:endParaRPr lang="en-US" dirty="0"/>
           </a:p>
@@ -3092,7 +3092,7 @@
           <a:p>
             <a:fld id="{2DC2A043-560F-4D2E-8D1E-02B02E053659}" type="datetimeFigureOut">
               <a:rPr lang="en-US" smtClean="0"/>
-              <a:t>2020-02-10</a:t>
+              <a:t>3/13/2020</a:t>
             </a:fld>
             <a:endParaRPr lang="en-US" dirty="0"/>
           </a:p>
@@ -3525,8 +3525,8 @@
               <a:chExt cx="674551" cy="763856"/>
             </a:xfrm>
           </p:grpSpPr>
-          <mc:AlternateContent xmlns:mc="http://schemas.openxmlformats.org/markup-compatibility/2006">
-            <mc:Choice xmlns:a14="http://schemas.microsoft.com/office/drawing/2010/main" Requires="a14">
+          <mc:AlternateContent xmlns:mc="http://schemas.openxmlformats.org/markup-compatibility/2006" xmlns:a14="http://schemas.microsoft.com/office/drawing/2010/main">
+            <mc:Choice Requires="a14">
               <p:sp>
                 <p:nvSpPr>
                   <p:cNvPr id="203" name="Rectangle 202"/>
@@ -3596,7 +3596,7 @@
                 </p:txBody>
               </p:sp>
             </mc:Choice>
-            <mc:Fallback>
+            <mc:Fallback xmlns="">
               <p:sp>
                 <p:nvSpPr>
                   <p:cNvPr id="203" name="Rectangle 202"/>
@@ -3635,8 +3635,8 @@
               </p:sp>
             </mc:Fallback>
           </mc:AlternateContent>
-          <mc:AlternateContent xmlns:mc="http://schemas.openxmlformats.org/markup-compatibility/2006">
-            <mc:Choice xmlns:a14="http://schemas.microsoft.com/office/drawing/2010/main" Requires="a14">
+          <mc:AlternateContent xmlns:mc="http://schemas.openxmlformats.org/markup-compatibility/2006" xmlns:a14="http://schemas.microsoft.com/office/drawing/2010/main">
+            <mc:Choice Requires="a14">
               <p:sp>
                 <p:nvSpPr>
                   <p:cNvPr id="204" name="Rectangle 203"/>
@@ -3720,7 +3720,7 @@
                 </p:txBody>
               </p:sp>
             </mc:Choice>
-            <mc:Fallback>
+            <mc:Fallback xmlns="">
               <p:sp>
                 <p:nvSpPr>
                   <p:cNvPr id="204" name="Rectangle 203"/>
@@ -3762,8 +3762,8 @@
               </p:sp>
             </mc:Fallback>
           </mc:AlternateContent>
-          <mc:AlternateContent xmlns:mc="http://schemas.openxmlformats.org/markup-compatibility/2006">
-            <mc:Choice xmlns:a14="http://schemas.microsoft.com/office/drawing/2010/main" Requires="a14">
+          <mc:AlternateContent xmlns:mc="http://schemas.openxmlformats.org/markup-compatibility/2006" xmlns:a14="http://schemas.microsoft.com/office/drawing/2010/main">
+            <mc:Choice Requires="a14">
               <p:sp>
                 <p:nvSpPr>
                   <p:cNvPr id="205" name="Rectangle 204"/>
@@ -3834,7 +3834,7 @@
                 </p:txBody>
               </p:sp>
             </mc:Choice>
-            <mc:Fallback>
+            <mc:Fallback xmlns="">
               <p:sp>
                 <p:nvSpPr>
                   <p:cNvPr id="205" name="Rectangle 204"/>
@@ -3926,8 +3926,8 @@
               <a:chExt cx="674551" cy="763856"/>
             </a:xfrm>
           </p:grpSpPr>
-          <mc:AlternateContent xmlns:mc="http://schemas.openxmlformats.org/markup-compatibility/2006">
-            <mc:Choice xmlns:a14="http://schemas.microsoft.com/office/drawing/2010/main" Requires="a14">
+          <mc:AlternateContent xmlns:mc="http://schemas.openxmlformats.org/markup-compatibility/2006" xmlns:a14="http://schemas.microsoft.com/office/drawing/2010/main">
+            <mc:Choice Requires="a14">
               <p:sp>
                 <p:nvSpPr>
                   <p:cNvPr id="199" name="Rectangle 198"/>
@@ -3997,7 +3997,7 @@
                 </p:txBody>
               </p:sp>
             </mc:Choice>
-            <mc:Fallback>
+            <mc:Fallback xmlns="">
               <p:sp>
                 <p:nvSpPr>
                   <p:cNvPr id="199" name="Rectangle 198"/>
@@ -4036,8 +4036,8 @@
               </p:sp>
             </mc:Fallback>
           </mc:AlternateContent>
-          <mc:AlternateContent xmlns:mc="http://schemas.openxmlformats.org/markup-compatibility/2006">
-            <mc:Choice xmlns:a14="http://schemas.microsoft.com/office/drawing/2010/main" Requires="a14">
+          <mc:AlternateContent xmlns:mc="http://schemas.openxmlformats.org/markup-compatibility/2006" xmlns:a14="http://schemas.microsoft.com/office/drawing/2010/main">
+            <mc:Choice Requires="a14">
               <p:sp>
                 <p:nvSpPr>
                   <p:cNvPr id="200" name="Rectangle 199"/>
@@ -4121,7 +4121,7 @@
                 </p:txBody>
               </p:sp>
             </mc:Choice>
-            <mc:Fallback>
+            <mc:Fallback xmlns="">
               <p:sp>
                 <p:nvSpPr>
                   <p:cNvPr id="200" name="Rectangle 199"/>
@@ -4163,8 +4163,8 @@
               </p:sp>
             </mc:Fallback>
           </mc:AlternateContent>
-          <mc:AlternateContent xmlns:mc="http://schemas.openxmlformats.org/markup-compatibility/2006">
-            <mc:Choice xmlns:a14="http://schemas.microsoft.com/office/drawing/2010/main" Requires="a14">
+          <mc:AlternateContent xmlns:mc="http://schemas.openxmlformats.org/markup-compatibility/2006" xmlns:a14="http://schemas.microsoft.com/office/drawing/2010/main">
+            <mc:Choice Requires="a14">
               <p:sp>
                 <p:nvSpPr>
                   <p:cNvPr id="201" name="Rectangle 200"/>
@@ -4235,7 +4235,7 @@
                 </p:txBody>
               </p:sp>
             </mc:Choice>
-            <mc:Fallback>
+            <mc:Fallback xmlns="">
               <p:sp>
                 <p:nvSpPr>
                   <p:cNvPr id="201" name="Rectangle 200"/>
@@ -4385,8 +4385,8 @@
             </a:fontRef>
           </p:style>
         </p:cxnSp>
-        <mc:AlternateContent xmlns:mc="http://schemas.openxmlformats.org/markup-compatibility/2006">
-          <mc:Choice xmlns:a14="http://schemas.microsoft.com/office/drawing/2010/main" Requires="a14">
+        <mc:AlternateContent xmlns:mc="http://schemas.openxmlformats.org/markup-compatibility/2006" xmlns:a14="http://schemas.microsoft.com/office/drawing/2010/main">
+          <mc:Choice Requires="a14">
             <p:sp>
               <p:nvSpPr>
                 <p:cNvPr id="8" name="Rectangle 7"/>
@@ -4496,7 +4496,7 @@
               </p:txBody>
             </p:sp>
           </mc:Choice>
-          <mc:Fallback>
+          <mc:Fallback xmlns="">
             <p:sp>
               <p:nvSpPr>
                 <p:cNvPr id="8" name="Rectangle 7"/>
@@ -4535,8 +4535,8 @@
             </p:sp>
           </mc:Fallback>
         </mc:AlternateContent>
-        <mc:AlternateContent xmlns:mc="http://schemas.openxmlformats.org/markup-compatibility/2006">
-          <mc:Choice xmlns:a14="http://schemas.microsoft.com/office/drawing/2010/main" Requires="a14">
+        <mc:AlternateContent xmlns:mc="http://schemas.openxmlformats.org/markup-compatibility/2006" xmlns:a14="http://schemas.microsoft.com/office/drawing/2010/main">
+          <mc:Choice Requires="a14">
             <p:sp>
               <p:nvSpPr>
                 <p:cNvPr id="9" name="Rectangle 8"/>
@@ -4615,7 +4615,7 @@
               </p:txBody>
             </p:sp>
           </mc:Choice>
-          <mc:Fallback>
+          <mc:Fallback xmlns="">
             <p:sp>
               <p:nvSpPr>
                 <p:cNvPr id="9" name="Rectangle 8"/>
@@ -4654,8 +4654,8 @@
             </p:sp>
           </mc:Fallback>
         </mc:AlternateContent>
-        <mc:AlternateContent xmlns:mc="http://schemas.openxmlformats.org/markup-compatibility/2006">
-          <mc:Choice xmlns:a14="http://schemas.microsoft.com/office/drawing/2010/main" Requires="a14">
+        <mc:AlternateContent xmlns:mc="http://schemas.openxmlformats.org/markup-compatibility/2006" xmlns:a14="http://schemas.microsoft.com/office/drawing/2010/main">
+          <mc:Choice Requires="a14">
             <p:sp>
               <p:nvSpPr>
                 <p:cNvPr id="10" name="Rectangle 9"/>
@@ -4765,7 +4765,7 @@
               </p:txBody>
             </p:sp>
           </mc:Choice>
-          <mc:Fallback>
+          <mc:Fallback xmlns="">
             <p:sp>
               <p:nvSpPr>
                 <p:cNvPr id="10" name="Rectangle 9"/>
@@ -4834,8 +4834,8 @@
             </a:p>
           </p:txBody>
         </p:sp>
-        <mc:AlternateContent xmlns:mc="http://schemas.openxmlformats.org/markup-compatibility/2006">
-          <mc:Choice xmlns:a14="http://schemas.microsoft.com/office/drawing/2010/main" Requires="a14">
+        <mc:AlternateContent xmlns:mc="http://schemas.openxmlformats.org/markup-compatibility/2006" xmlns:a14="http://schemas.microsoft.com/office/drawing/2010/main">
+          <mc:Choice Requires="a14">
             <p:sp>
               <p:nvSpPr>
                 <p:cNvPr id="12" name="Rectangle 11"/>
@@ -4931,7 +4931,7 @@
               </p:txBody>
             </p:sp>
           </mc:Choice>
-          <mc:Fallback>
+          <mc:Fallback xmlns="">
             <p:sp>
               <p:nvSpPr>
                 <p:cNvPr id="12" name="Rectangle 11"/>
@@ -4970,8 +4970,8 @@
             </p:sp>
           </mc:Fallback>
         </mc:AlternateContent>
-        <mc:AlternateContent xmlns:mc="http://schemas.openxmlformats.org/markup-compatibility/2006">
-          <mc:Choice xmlns:a14="http://schemas.microsoft.com/office/drawing/2010/main" Requires="a14">
+        <mc:AlternateContent xmlns:mc="http://schemas.openxmlformats.org/markup-compatibility/2006" xmlns:a14="http://schemas.microsoft.com/office/drawing/2010/main">
+          <mc:Choice Requires="a14">
             <p:sp>
               <p:nvSpPr>
                 <p:cNvPr id="13" name="Rectangle 12"/>
@@ -5095,7 +5095,7 @@
               </p:txBody>
             </p:sp>
           </mc:Choice>
-          <mc:Fallback>
+          <mc:Fallback xmlns="">
             <p:sp>
               <p:nvSpPr>
                 <p:cNvPr id="13" name="Rectangle 12"/>
@@ -5134,8 +5134,8 @@
             </p:sp>
           </mc:Fallback>
         </mc:AlternateContent>
-        <mc:AlternateContent xmlns:mc="http://schemas.openxmlformats.org/markup-compatibility/2006">
-          <mc:Choice xmlns:a14="http://schemas.microsoft.com/office/drawing/2010/main" Requires="a14">
+        <mc:AlternateContent xmlns:mc="http://schemas.openxmlformats.org/markup-compatibility/2006" xmlns:a14="http://schemas.microsoft.com/office/drawing/2010/main">
+          <mc:Choice Requires="a14">
             <p:sp>
               <p:nvSpPr>
                 <p:cNvPr id="14" name="Rectangle 13"/>
@@ -5259,7 +5259,7 @@
               </p:txBody>
             </p:sp>
           </mc:Choice>
-          <mc:Fallback>
+          <mc:Fallback xmlns="">
             <p:sp>
               <p:nvSpPr>
                 <p:cNvPr id="14" name="Rectangle 13"/>
@@ -5298,8 +5298,8 @@
             </p:sp>
           </mc:Fallback>
         </mc:AlternateContent>
-        <mc:AlternateContent xmlns:mc="http://schemas.openxmlformats.org/markup-compatibility/2006">
-          <mc:Choice xmlns:a14="http://schemas.microsoft.com/office/drawing/2010/main" Requires="a14">
+        <mc:AlternateContent xmlns:mc="http://schemas.openxmlformats.org/markup-compatibility/2006" xmlns:a14="http://schemas.microsoft.com/office/drawing/2010/main">
+          <mc:Choice Requires="a14">
             <p:sp>
               <p:nvSpPr>
                 <p:cNvPr id="15" name="Rectangle 14"/>
@@ -5423,7 +5423,7 @@
               </p:txBody>
             </p:sp>
           </mc:Choice>
-          <mc:Fallback>
+          <mc:Fallback xmlns="">
             <p:sp>
               <p:nvSpPr>
                 <p:cNvPr id="15" name="Rectangle 14"/>
@@ -5462,8 +5462,8 @@
             </p:sp>
           </mc:Fallback>
         </mc:AlternateContent>
-        <mc:AlternateContent xmlns:mc="http://schemas.openxmlformats.org/markup-compatibility/2006">
-          <mc:Choice xmlns:a14="http://schemas.microsoft.com/office/drawing/2010/main" Requires="a14">
+        <mc:AlternateContent xmlns:mc="http://schemas.openxmlformats.org/markup-compatibility/2006" xmlns:a14="http://schemas.microsoft.com/office/drawing/2010/main">
+          <mc:Choice Requires="a14">
             <p:sp>
               <p:nvSpPr>
                 <p:cNvPr id="16" name="Rectangle 15"/>
@@ -5532,7 +5532,7 @@
               </p:txBody>
             </p:sp>
           </mc:Choice>
-          <mc:Fallback>
+          <mc:Fallback xmlns="">
             <p:sp>
               <p:nvSpPr>
                 <p:cNvPr id="16" name="Rectangle 15"/>
@@ -5571,8 +5571,8 @@
             </p:sp>
           </mc:Fallback>
         </mc:AlternateContent>
-        <mc:AlternateContent xmlns:mc="http://schemas.openxmlformats.org/markup-compatibility/2006">
-          <mc:Choice xmlns:a14="http://schemas.microsoft.com/office/drawing/2010/main" Requires="a14">
+        <mc:AlternateContent xmlns:mc="http://schemas.openxmlformats.org/markup-compatibility/2006" xmlns:a14="http://schemas.microsoft.com/office/drawing/2010/main">
+          <mc:Choice Requires="a14">
             <p:sp>
               <p:nvSpPr>
                 <p:cNvPr id="17" name="Rectangle 16"/>
@@ -5641,7 +5641,7 @@
               </p:txBody>
             </p:sp>
           </mc:Choice>
-          <mc:Fallback>
+          <mc:Fallback xmlns="">
             <p:sp>
               <p:nvSpPr>
                 <p:cNvPr id="17" name="Rectangle 16"/>
@@ -5680,8 +5680,8 @@
             </p:sp>
           </mc:Fallback>
         </mc:AlternateContent>
-        <mc:AlternateContent xmlns:mc="http://schemas.openxmlformats.org/markup-compatibility/2006">
-          <mc:Choice xmlns:a14="http://schemas.microsoft.com/office/drawing/2010/main" Requires="a14">
+        <mc:AlternateContent xmlns:mc="http://schemas.openxmlformats.org/markup-compatibility/2006" xmlns:a14="http://schemas.microsoft.com/office/drawing/2010/main">
+          <mc:Choice Requires="a14">
             <p:sp>
               <p:nvSpPr>
                 <p:cNvPr id="18" name="Rectangle 17"/>
@@ -5748,7 +5748,7 @@
               </p:txBody>
             </p:sp>
           </mc:Choice>
-          <mc:Fallback>
+          <mc:Fallback xmlns="">
             <p:sp>
               <p:nvSpPr>
                 <p:cNvPr id="18" name="Rectangle 17"/>
@@ -5787,8 +5787,8 @@
             </p:sp>
           </mc:Fallback>
         </mc:AlternateContent>
-        <mc:AlternateContent xmlns:mc="http://schemas.openxmlformats.org/markup-compatibility/2006">
-          <mc:Choice xmlns:a14="http://schemas.microsoft.com/office/drawing/2010/main" Requires="a14">
+        <mc:AlternateContent xmlns:mc="http://schemas.openxmlformats.org/markup-compatibility/2006" xmlns:a14="http://schemas.microsoft.com/office/drawing/2010/main">
+          <mc:Choice Requires="a14">
             <p:sp>
               <p:nvSpPr>
                 <p:cNvPr id="19" name="Rectangle 18"/>
@@ -5857,7 +5857,7 @@
               </p:txBody>
             </p:sp>
           </mc:Choice>
-          <mc:Fallback>
+          <mc:Fallback xmlns="">
             <p:sp>
               <p:nvSpPr>
                 <p:cNvPr id="19" name="Rectangle 18"/>
@@ -5896,8 +5896,8 @@
             </p:sp>
           </mc:Fallback>
         </mc:AlternateContent>
-        <mc:AlternateContent xmlns:mc="http://schemas.openxmlformats.org/markup-compatibility/2006">
-          <mc:Choice xmlns:a14="http://schemas.microsoft.com/office/drawing/2010/main" Requires="a14">
+        <mc:AlternateContent xmlns:mc="http://schemas.openxmlformats.org/markup-compatibility/2006" xmlns:a14="http://schemas.microsoft.com/office/drawing/2010/main">
+          <mc:Choice Requires="a14">
             <p:sp>
               <p:nvSpPr>
                 <p:cNvPr id="20" name="Rectangle 19"/>
@@ -5967,7 +5967,7 @@
               </p:txBody>
             </p:sp>
           </mc:Choice>
-          <mc:Fallback>
+          <mc:Fallback xmlns="">
             <p:sp>
               <p:nvSpPr>
                 <p:cNvPr id="20" name="Rectangle 19"/>
@@ -6006,8 +6006,8 @@
             </p:sp>
           </mc:Fallback>
         </mc:AlternateContent>
-        <mc:AlternateContent xmlns:mc="http://schemas.openxmlformats.org/markup-compatibility/2006">
-          <mc:Choice xmlns:a14="http://schemas.microsoft.com/office/drawing/2010/main" Requires="a14">
+        <mc:AlternateContent xmlns:mc="http://schemas.openxmlformats.org/markup-compatibility/2006" xmlns:a14="http://schemas.microsoft.com/office/drawing/2010/main">
+          <mc:Choice Requires="a14">
             <p:sp>
               <p:nvSpPr>
                 <p:cNvPr id="21" name="Rectangle 20"/>
@@ -6074,7 +6074,7 @@
               </p:txBody>
             </p:sp>
           </mc:Choice>
-          <mc:Fallback>
+          <mc:Fallback xmlns="">
             <p:sp>
               <p:nvSpPr>
                 <p:cNvPr id="21" name="Rectangle 20"/>
@@ -6113,8 +6113,8 @@
             </p:sp>
           </mc:Fallback>
         </mc:AlternateContent>
-        <mc:AlternateContent xmlns:mc="http://schemas.openxmlformats.org/markup-compatibility/2006">
-          <mc:Choice xmlns:a14="http://schemas.microsoft.com/office/drawing/2010/main" Requires="a14">
+        <mc:AlternateContent xmlns:mc="http://schemas.openxmlformats.org/markup-compatibility/2006" xmlns:a14="http://schemas.microsoft.com/office/drawing/2010/main">
+          <mc:Choice Requires="a14">
             <p:sp>
               <p:nvSpPr>
                 <p:cNvPr id="22" name="Rectangle 21"/>
@@ -6181,7 +6181,7 @@
               </p:txBody>
             </p:sp>
           </mc:Choice>
-          <mc:Fallback>
+          <mc:Fallback xmlns="">
             <p:sp>
               <p:nvSpPr>
                 <p:cNvPr id="22" name="Rectangle 21"/>
@@ -6220,8 +6220,8 @@
             </p:sp>
           </mc:Fallback>
         </mc:AlternateContent>
-        <mc:AlternateContent xmlns:mc="http://schemas.openxmlformats.org/markup-compatibility/2006">
-          <mc:Choice xmlns:a14="http://schemas.microsoft.com/office/drawing/2010/main" Requires="a14">
+        <mc:AlternateContent xmlns:mc="http://schemas.openxmlformats.org/markup-compatibility/2006" xmlns:a14="http://schemas.microsoft.com/office/drawing/2010/main">
+          <mc:Choice Requires="a14">
             <p:sp>
               <p:nvSpPr>
                 <p:cNvPr id="23" name="Rectangle 22"/>
@@ -6288,7 +6288,7 @@
               </p:txBody>
             </p:sp>
           </mc:Choice>
-          <mc:Fallback>
+          <mc:Fallback xmlns="">
             <p:sp>
               <p:nvSpPr>
                 <p:cNvPr id="23" name="Rectangle 22"/>
@@ -6327,8 +6327,8 @@
             </p:sp>
           </mc:Fallback>
         </mc:AlternateContent>
-        <mc:AlternateContent xmlns:mc="http://schemas.openxmlformats.org/markup-compatibility/2006">
-          <mc:Choice xmlns:a14="http://schemas.microsoft.com/office/drawing/2010/main" Requires="a14">
+        <mc:AlternateContent xmlns:mc="http://schemas.openxmlformats.org/markup-compatibility/2006" xmlns:a14="http://schemas.microsoft.com/office/drawing/2010/main">
+          <mc:Choice Requires="a14">
             <p:sp>
               <p:nvSpPr>
                 <p:cNvPr id="24" name="Rectangle 23"/>
@@ -6440,7 +6440,7 @@
               </p:txBody>
             </p:sp>
           </mc:Choice>
-          <mc:Fallback>
+          <mc:Fallback xmlns="">
             <p:sp>
               <p:nvSpPr>
                 <p:cNvPr id="24" name="Rectangle 23"/>
@@ -6479,8 +6479,8 @@
             </p:sp>
           </mc:Fallback>
         </mc:AlternateContent>
-        <mc:AlternateContent xmlns:mc="http://schemas.openxmlformats.org/markup-compatibility/2006">
-          <mc:Choice xmlns:a14="http://schemas.microsoft.com/office/drawing/2010/main" Requires="a14">
+        <mc:AlternateContent xmlns:mc="http://schemas.openxmlformats.org/markup-compatibility/2006" xmlns:a14="http://schemas.microsoft.com/office/drawing/2010/main">
+          <mc:Choice Requires="a14">
             <p:sp>
               <p:nvSpPr>
                 <p:cNvPr id="25" name="Rectangle 24"/>
@@ -6592,7 +6592,7 @@
               </p:txBody>
             </p:sp>
           </mc:Choice>
-          <mc:Fallback>
+          <mc:Fallback xmlns="">
             <p:sp>
               <p:nvSpPr>
                 <p:cNvPr id="25" name="Rectangle 24"/>
@@ -6667,8 +6667,8 @@
             </a:fontRef>
           </p:style>
         </p:cxnSp>
-        <mc:AlternateContent xmlns:mc="http://schemas.openxmlformats.org/markup-compatibility/2006">
-          <mc:Choice xmlns:a14="http://schemas.microsoft.com/office/drawing/2010/main" Requires="a14">
+        <mc:AlternateContent xmlns:mc="http://schemas.openxmlformats.org/markup-compatibility/2006" xmlns:a14="http://schemas.microsoft.com/office/drawing/2010/main">
+          <mc:Choice Requires="a14">
             <p:sp>
               <p:nvSpPr>
                 <p:cNvPr id="34" name="Rectangle 33"/>
@@ -6792,7 +6792,7 @@
               </p:txBody>
             </p:sp>
           </mc:Choice>
-          <mc:Fallback>
+          <mc:Fallback xmlns="">
             <p:sp>
               <p:nvSpPr>
                 <p:cNvPr id="34" name="Rectangle 33"/>
@@ -6831,8 +6831,8 @@
             </p:sp>
           </mc:Fallback>
         </mc:AlternateContent>
-        <mc:AlternateContent xmlns:mc="http://schemas.openxmlformats.org/markup-compatibility/2006">
-          <mc:Choice xmlns:a14="http://schemas.microsoft.com/office/drawing/2010/main" Requires="a14">
+        <mc:AlternateContent xmlns:mc="http://schemas.openxmlformats.org/markup-compatibility/2006" xmlns:a14="http://schemas.microsoft.com/office/drawing/2010/main">
+          <mc:Choice Requires="a14">
             <p:sp>
               <p:nvSpPr>
                 <p:cNvPr id="35" name="Rectangle 34"/>
@@ -6956,7 +6956,7 @@
               </p:txBody>
             </p:sp>
           </mc:Choice>
-          <mc:Fallback>
+          <mc:Fallback xmlns="">
             <p:sp>
               <p:nvSpPr>
                 <p:cNvPr id="35" name="Rectangle 34"/>
@@ -6995,8 +6995,8 @@
             </p:sp>
           </mc:Fallback>
         </mc:AlternateContent>
-        <mc:AlternateContent xmlns:mc="http://schemas.openxmlformats.org/markup-compatibility/2006">
-          <mc:Choice xmlns:a14="http://schemas.microsoft.com/office/drawing/2010/main" Requires="a14">
+        <mc:AlternateContent xmlns:mc="http://schemas.openxmlformats.org/markup-compatibility/2006" xmlns:a14="http://schemas.microsoft.com/office/drawing/2010/main">
+          <mc:Choice Requires="a14">
             <p:sp>
               <p:nvSpPr>
                 <p:cNvPr id="36" name="Rectangle 35"/>
@@ -7120,7 +7120,7 @@
               </p:txBody>
             </p:sp>
           </mc:Choice>
-          <mc:Fallback>
+          <mc:Fallback xmlns="">
             <p:sp>
               <p:nvSpPr>
                 <p:cNvPr id="36" name="Rectangle 35"/>
@@ -7159,8 +7159,8 @@
             </p:sp>
           </mc:Fallback>
         </mc:AlternateContent>
-        <mc:AlternateContent xmlns:mc="http://schemas.openxmlformats.org/markup-compatibility/2006">
-          <mc:Choice xmlns:a14="http://schemas.microsoft.com/office/drawing/2010/main" Requires="a14">
+        <mc:AlternateContent xmlns:mc="http://schemas.openxmlformats.org/markup-compatibility/2006" xmlns:a14="http://schemas.microsoft.com/office/drawing/2010/main">
+          <mc:Choice Requires="a14">
             <p:sp>
               <p:nvSpPr>
                 <p:cNvPr id="37" name="Rectangle 36"/>
@@ -7227,7 +7227,7 @@
               </p:txBody>
             </p:sp>
           </mc:Choice>
-          <mc:Fallback>
+          <mc:Fallback xmlns="">
             <p:sp>
               <p:nvSpPr>
                 <p:cNvPr id="37" name="Rectangle 36"/>
@@ -7266,8 +7266,8 @@
             </p:sp>
           </mc:Fallback>
         </mc:AlternateContent>
-        <mc:AlternateContent xmlns:mc="http://schemas.openxmlformats.org/markup-compatibility/2006">
-          <mc:Choice xmlns:a14="http://schemas.microsoft.com/office/drawing/2010/main" Requires="a14">
+        <mc:AlternateContent xmlns:mc="http://schemas.openxmlformats.org/markup-compatibility/2006" xmlns:a14="http://schemas.microsoft.com/office/drawing/2010/main">
+          <mc:Choice Requires="a14">
             <p:sp>
               <p:nvSpPr>
                 <p:cNvPr id="38" name="Rectangle 37"/>
@@ -7334,7 +7334,7 @@
               </p:txBody>
             </p:sp>
           </mc:Choice>
-          <mc:Fallback>
+          <mc:Fallback xmlns="">
             <p:sp>
               <p:nvSpPr>
                 <p:cNvPr id="38" name="Rectangle 37"/>
@@ -7373,8 +7373,8 @@
             </p:sp>
           </mc:Fallback>
         </mc:AlternateContent>
-        <mc:AlternateContent xmlns:mc="http://schemas.openxmlformats.org/markup-compatibility/2006">
-          <mc:Choice xmlns:a14="http://schemas.microsoft.com/office/drawing/2010/main" Requires="a14">
+        <mc:AlternateContent xmlns:mc="http://schemas.openxmlformats.org/markup-compatibility/2006" xmlns:a14="http://schemas.microsoft.com/office/drawing/2010/main">
+          <mc:Choice Requires="a14">
             <p:sp>
               <p:nvSpPr>
                 <p:cNvPr id="39" name="Rectangle 38"/>
@@ -7441,7 +7441,7 @@
               </p:txBody>
             </p:sp>
           </mc:Choice>
-          <mc:Fallback>
+          <mc:Fallback xmlns="">
             <p:sp>
               <p:nvSpPr>
                 <p:cNvPr id="39" name="Rectangle 38"/>
@@ -7480,8 +7480,8 @@
             </p:sp>
           </mc:Fallback>
         </mc:AlternateContent>
-        <mc:AlternateContent xmlns:mc="http://schemas.openxmlformats.org/markup-compatibility/2006">
-          <mc:Choice xmlns:a14="http://schemas.microsoft.com/office/drawing/2010/main" Requires="a14">
+        <mc:AlternateContent xmlns:mc="http://schemas.openxmlformats.org/markup-compatibility/2006" xmlns:a14="http://schemas.microsoft.com/office/drawing/2010/main">
+          <mc:Choice Requires="a14">
             <p:sp>
               <p:nvSpPr>
                 <p:cNvPr id="40" name="Rectangle 39"/>
@@ -7548,7 +7548,7 @@
               </p:txBody>
             </p:sp>
           </mc:Choice>
-          <mc:Fallback>
+          <mc:Fallback xmlns="">
             <p:sp>
               <p:nvSpPr>
                 <p:cNvPr id="40" name="Rectangle 39"/>
@@ -7587,8 +7587,8 @@
             </p:sp>
           </mc:Fallback>
         </mc:AlternateContent>
-        <mc:AlternateContent xmlns:mc="http://schemas.openxmlformats.org/markup-compatibility/2006">
-          <mc:Choice xmlns:a14="http://schemas.microsoft.com/office/drawing/2010/main" Requires="a14">
+        <mc:AlternateContent xmlns:mc="http://schemas.openxmlformats.org/markup-compatibility/2006" xmlns:a14="http://schemas.microsoft.com/office/drawing/2010/main">
+          <mc:Choice Requires="a14">
             <p:sp>
               <p:nvSpPr>
                 <p:cNvPr id="41" name="Rectangle 40"/>
@@ -7657,7 +7657,7 @@
               </p:txBody>
             </p:sp>
           </mc:Choice>
-          <mc:Fallback>
+          <mc:Fallback xmlns="">
             <p:sp>
               <p:nvSpPr>
                 <p:cNvPr id="41" name="Rectangle 40"/>
@@ -7696,8 +7696,8 @@
             </p:sp>
           </mc:Fallback>
         </mc:AlternateContent>
-        <mc:AlternateContent xmlns:mc="http://schemas.openxmlformats.org/markup-compatibility/2006">
-          <mc:Choice xmlns:a14="http://schemas.microsoft.com/office/drawing/2010/main" Requires="a14">
+        <mc:AlternateContent xmlns:mc="http://schemas.openxmlformats.org/markup-compatibility/2006" xmlns:a14="http://schemas.microsoft.com/office/drawing/2010/main">
+          <mc:Choice Requires="a14">
             <p:sp>
               <p:nvSpPr>
                 <p:cNvPr id="42" name="Rectangle 41"/>
@@ -7764,7 +7764,7 @@
               </p:txBody>
             </p:sp>
           </mc:Choice>
-          <mc:Fallback>
+          <mc:Fallback xmlns="">
             <p:sp>
               <p:nvSpPr>
                 <p:cNvPr id="42" name="Rectangle 41"/>
@@ -7803,8 +7803,8 @@
             </p:sp>
           </mc:Fallback>
         </mc:AlternateContent>
-        <mc:AlternateContent xmlns:mc="http://schemas.openxmlformats.org/markup-compatibility/2006">
-          <mc:Choice xmlns:a14="http://schemas.microsoft.com/office/drawing/2010/main" Requires="a14">
+        <mc:AlternateContent xmlns:mc="http://schemas.openxmlformats.org/markup-compatibility/2006" xmlns:a14="http://schemas.microsoft.com/office/drawing/2010/main">
+          <mc:Choice Requires="a14">
             <p:sp>
               <p:nvSpPr>
                 <p:cNvPr id="43" name="Rectangle 42"/>
@@ -7928,7 +7928,7 @@
               </p:txBody>
             </p:sp>
           </mc:Choice>
-          <mc:Fallback>
+          <mc:Fallback xmlns="">
             <p:sp>
               <p:nvSpPr>
                 <p:cNvPr id="43" name="Rectangle 42"/>
@@ -7967,8 +7967,8 @@
             </p:sp>
           </mc:Fallback>
         </mc:AlternateContent>
-        <mc:AlternateContent xmlns:mc="http://schemas.openxmlformats.org/markup-compatibility/2006">
-          <mc:Choice xmlns:a14="http://schemas.microsoft.com/office/drawing/2010/main" Requires="a14">
+        <mc:AlternateContent xmlns:mc="http://schemas.openxmlformats.org/markup-compatibility/2006" xmlns:a14="http://schemas.microsoft.com/office/drawing/2010/main">
+          <mc:Choice Requires="a14">
             <p:sp>
               <p:nvSpPr>
                 <p:cNvPr id="44" name="Rectangle 43"/>
@@ -8035,7 +8035,7 @@
               </p:txBody>
             </p:sp>
           </mc:Choice>
-          <mc:Fallback>
+          <mc:Fallback xmlns="">
             <p:sp>
               <p:nvSpPr>
                 <p:cNvPr id="44" name="Rectangle 43"/>
@@ -8074,8 +8074,8 @@
             </p:sp>
           </mc:Fallback>
         </mc:AlternateContent>
-        <mc:AlternateContent xmlns:mc="http://schemas.openxmlformats.org/markup-compatibility/2006">
-          <mc:Choice xmlns:a14="http://schemas.microsoft.com/office/drawing/2010/main" Requires="a14">
+        <mc:AlternateContent xmlns:mc="http://schemas.openxmlformats.org/markup-compatibility/2006" xmlns:a14="http://schemas.microsoft.com/office/drawing/2010/main">
+          <mc:Choice Requires="a14">
             <p:sp>
               <p:nvSpPr>
                 <p:cNvPr id="45" name="Rectangle 44"/>
@@ -8142,7 +8142,7 @@
               </p:txBody>
             </p:sp>
           </mc:Choice>
-          <mc:Fallback>
+          <mc:Fallback xmlns="">
             <p:sp>
               <p:nvSpPr>
                 <p:cNvPr id="45" name="Rectangle 44"/>
@@ -8181,8 +8181,8 @@
             </p:sp>
           </mc:Fallback>
         </mc:AlternateContent>
-        <mc:AlternateContent xmlns:mc="http://schemas.openxmlformats.org/markup-compatibility/2006">
-          <mc:Choice xmlns:a14="http://schemas.microsoft.com/office/drawing/2010/main" Requires="a14">
+        <mc:AlternateContent xmlns:mc="http://schemas.openxmlformats.org/markup-compatibility/2006" xmlns:a14="http://schemas.microsoft.com/office/drawing/2010/main">
+          <mc:Choice Requires="a14">
             <p:sp>
               <p:nvSpPr>
                 <p:cNvPr id="46" name="Rectangle 45"/>
@@ -8249,7 +8249,7 @@
               </p:txBody>
             </p:sp>
           </mc:Choice>
-          <mc:Fallback>
+          <mc:Fallback xmlns="">
             <p:sp>
               <p:nvSpPr>
                 <p:cNvPr id="46" name="Rectangle 45"/>
@@ -8288,8 +8288,8 @@
             </p:sp>
           </mc:Fallback>
         </mc:AlternateContent>
-        <mc:AlternateContent xmlns:mc="http://schemas.openxmlformats.org/markup-compatibility/2006">
-          <mc:Choice xmlns:a14="http://schemas.microsoft.com/office/drawing/2010/main" Requires="a14">
+        <mc:AlternateContent xmlns:mc="http://schemas.openxmlformats.org/markup-compatibility/2006" xmlns:a14="http://schemas.microsoft.com/office/drawing/2010/main">
+          <mc:Choice Requires="a14">
             <p:sp>
               <p:nvSpPr>
                 <p:cNvPr id="47" name="Rectangle 46"/>
@@ -8356,7 +8356,7 @@
               </p:txBody>
             </p:sp>
           </mc:Choice>
-          <mc:Fallback>
+          <mc:Fallback xmlns="">
             <p:sp>
               <p:nvSpPr>
                 <p:cNvPr id="47" name="Rectangle 46"/>
@@ -8395,8 +8395,8 @@
             </p:sp>
           </mc:Fallback>
         </mc:AlternateContent>
-        <mc:AlternateContent xmlns:mc="http://schemas.openxmlformats.org/markup-compatibility/2006">
-          <mc:Choice xmlns:a14="http://schemas.microsoft.com/office/drawing/2010/main" Requires="a14">
+        <mc:AlternateContent xmlns:mc="http://schemas.openxmlformats.org/markup-compatibility/2006" xmlns:a14="http://schemas.microsoft.com/office/drawing/2010/main">
+          <mc:Choice Requires="a14">
             <p:sp>
               <p:nvSpPr>
                 <p:cNvPr id="48" name="Rectangle 47"/>
@@ -8463,7 +8463,7 @@
               </p:txBody>
             </p:sp>
           </mc:Choice>
-          <mc:Fallback>
+          <mc:Fallback xmlns="">
             <p:sp>
               <p:nvSpPr>
                 <p:cNvPr id="48" name="Rectangle 47"/>
@@ -8502,8 +8502,8 @@
             </p:sp>
           </mc:Fallback>
         </mc:AlternateContent>
-        <mc:AlternateContent xmlns:mc="http://schemas.openxmlformats.org/markup-compatibility/2006">
-          <mc:Choice xmlns:a14="http://schemas.microsoft.com/office/drawing/2010/main" Requires="a14">
+        <mc:AlternateContent xmlns:mc="http://schemas.openxmlformats.org/markup-compatibility/2006" xmlns:a14="http://schemas.microsoft.com/office/drawing/2010/main">
+          <mc:Choice Requires="a14">
             <p:sp>
               <p:nvSpPr>
                 <p:cNvPr id="49" name="Rectangle 48"/>
@@ -8570,7 +8570,7 @@
               </p:txBody>
             </p:sp>
           </mc:Choice>
-          <mc:Fallback>
+          <mc:Fallback xmlns="">
             <p:sp>
               <p:nvSpPr>
                 <p:cNvPr id="49" name="Rectangle 48"/>
@@ -8609,8 +8609,8 @@
             </p:sp>
           </mc:Fallback>
         </mc:AlternateContent>
-        <mc:AlternateContent xmlns:mc="http://schemas.openxmlformats.org/markup-compatibility/2006">
-          <mc:Choice xmlns:a14="http://schemas.microsoft.com/office/drawing/2010/main" Requires="a14">
+        <mc:AlternateContent xmlns:mc="http://schemas.openxmlformats.org/markup-compatibility/2006" xmlns:a14="http://schemas.microsoft.com/office/drawing/2010/main">
+          <mc:Choice Requires="a14">
             <p:sp>
               <p:nvSpPr>
                 <p:cNvPr id="50" name="Rectangle 49"/>
@@ -8677,7 +8677,7 @@
               </p:txBody>
             </p:sp>
           </mc:Choice>
-          <mc:Fallback>
+          <mc:Fallback xmlns="">
             <p:sp>
               <p:nvSpPr>
                 <p:cNvPr id="50" name="Rectangle 49"/>
@@ -8716,8 +8716,8 @@
             </p:sp>
           </mc:Fallback>
         </mc:AlternateContent>
-        <mc:AlternateContent xmlns:mc="http://schemas.openxmlformats.org/markup-compatibility/2006">
-          <mc:Choice xmlns:a14="http://schemas.microsoft.com/office/drawing/2010/main" Requires="a14">
+        <mc:AlternateContent xmlns:mc="http://schemas.openxmlformats.org/markup-compatibility/2006" xmlns:a14="http://schemas.microsoft.com/office/drawing/2010/main">
+          <mc:Choice Requires="a14">
             <p:sp>
               <p:nvSpPr>
                 <p:cNvPr id="51" name="Rectangle 50"/>
@@ -8784,7 +8784,7 @@
               </p:txBody>
             </p:sp>
           </mc:Choice>
-          <mc:Fallback>
+          <mc:Fallback xmlns="">
             <p:sp>
               <p:nvSpPr>
                 <p:cNvPr id="51" name="Rectangle 50"/>
@@ -8823,8 +8823,8 @@
             </p:sp>
           </mc:Fallback>
         </mc:AlternateContent>
-        <mc:AlternateContent xmlns:mc="http://schemas.openxmlformats.org/markup-compatibility/2006">
-          <mc:Choice xmlns:a14="http://schemas.microsoft.com/office/drawing/2010/main" Requires="a14">
+        <mc:AlternateContent xmlns:mc="http://schemas.openxmlformats.org/markup-compatibility/2006" xmlns:a14="http://schemas.microsoft.com/office/drawing/2010/main">
+          <mc:Choice Requires="a14">
             <p:sp>
               <p:nvSpPr>
                 <p:cNvPr id="52" name="Rectangle 51"/>
@@ -8891,7 +8891,7 @@
               </p:txBody>
             </p:sp>
           </mc:Choice>
-          <mc:Fallback>
+          <mc:Fallback xmlns="">
             <p:sp>
               <p:nvSpPr>
                 <p:cNvPr id="52" name="Rectangle 51"/>
@@ -8930,8 +8930,8 @@
             </p:sp>
           </mc:Fallback>
         </mc:AlternateContent>
-        <mc:AlternateContent xmlns:mc="http://schemas.openxmlformats.org/markup-compatibility/2006">
-          <mc:Choice xmlns:a14="http://schemas.microsoft.com/office/drawing/2010/main" Requires="a14">
+        <mc:AlternateContent xmlns:mc="http://schemas.openxmlformats.org/markup-compatibility/2006" xmlns:a14="http://schemas.microsoft.com/office/drawing/2010/main">
+          <mc:Choice Requires="a14">
             <p:sp>
               <p:nvSpPr>
                 <p:cNvPr id="53" name="Rectangle 52"/>
@@ -8998,7 +8998,7 @@
               </p:txBody>
             </p:sp>
           </mc:Choice>
-          <mc:Fallback>
+          <mc:Fallback xmlns="">
             <p:sp>
               <p:nvSpPr>
                 <p:cNvPr id="53" name="Rectangle 52"/>
@@ -9037,8 +9037,8 @@
             </p:sp>
           </mc:Fallback>
         </mc:AlternateContent>
-        <mc:AlternateContent xmlns:mc="http://schemas.openxmlformats.org/markup-compatibility/2006">
-          <mc:Choice xmlns:a14="http://schemas.microsoft.com/office/drawing/2010/main" Requires="a14">
+        <mc:AlternateContent xmlns:mc="http://schemas.openxmlformats.org/markup-compatibility/2006" xmlns:a14="http://schemas.microsoft.com/office/drawing/2010/main">
+          <mc:Choice Requires="a14">
             <p:sp>
               <p:nvSpPr>
                 <p:cNvPr id="54" name="Rectangle 53"/>
@@ -9162,7 +9162,7 @@
               </p:txBody>
             </p:sp>
           </mc:Choice>
-          <mc:Fallback>
+          <mc:Fallback xmlns="">
             <p:sp>
               <p:nvSpPr>
                 <p:cNvPr id="54" name="Rectangle 53"/>
@@ -9201,8 +9201,8 @@
             </p:sp>
           </mc:Fallback>
         </mc:AlternateContent>
-        <mc:AlternateContent xmlns:mc="http://schemas.openxmlformats.org/markup-compatibility/2006">
-          <mc:Choice xmlns:a14="http://schemas.microsoft.com/office/drawing/2010/main" Requires="a14">
+        <mc:AlternateContent xmlns:mc="http://schemas.openxmlformats.org/markup-compatibility/2006" xmlns:a14="http://schemas.microsoft.com/office/drawing/2010/main">
+          <mc:Choice Requires="a14">
             <p:sp>
               <p:nvSpPr>
                 <p:cNvPr id="55" name="Rectangle 54"/>
@@ -9269,7 +9269,7 @@
               </p:txBody>
             </p:sp>
           </mc:Choice>
-          <mc:Fallback>
+          <mc:Fallback xmlns="">
             <p:sp>
               <p:nvSpPr>
                 <p:cNvPr id="55" name="Rectangle 54"/>
@@ -9308,8 +9308,8 @@
             </p:sp>
           </mc:Fallback>
         </mc:AlternateContent>
-        <mc:AlternateContent xmlns:mc="http://schemas.openxmlformats.org/markup-compatibility/2006">
-          <mc:Choice xmlns:a14="http://schemas.microsoft.com/office/drawing/2010/main" Requires="a14">
+        <mc:AlternateContent xmlns:mc="http://schemas.openxmlformats.org/markup-compatibility/2006" xmlns:a14="http://schemas.microsoft.com/office/drawing/2010/main">
+          <mc:Choice Requires="a14">
             <p:sp>
               <p:nvSpPr>
                 <p:cNvPr id="56" name="Rectangle 55"/>
@@ -9376,7 +9376,7 @@
               </p:txBody>
             </p:sp>
           </mc:Choice>
-          <mc:Fallback>
+          <mc:Fallback xmlns="">
             <p:sp>
               <p:nvSpPr>
                 <p:cNvPr id="56" name="Rectangle 55"/>
@@ -9415,8 +9415,8 @@
             </p:sp>
           </mc:Fallback>
         </mc:AlternateContent>
-        <mc:AlternateContent xmlns:mc="http://schemas.openxmlformats.org/markup-compatibility/2006">
-          <mc:Choice xmlns:a14="http://schemas.microsoft.com/office/drawing/2010/main" Requires="a14">
+        <mc:AlternateContent xmlns:mc="http://schemas.openxmlformats.org/markup-compatibility/2006" xmlns:a14="http://schemas.microsoft.com/office/drawing/2010/main">
+          <mc:Choice Requires="a14">
             <p:sp>
               <p:nvSpPr>
                 <p:cNvPr id="57" name="Rectangle 56"/>
@@ -9483,7 +9483,7 @@
               </p:txBody>
             </p:sp>
           </mc:Choice>
-          <mc:Fallback>
+          <mc:Fallback xmlns="">
             <p:sp>
               <p:nvSpPr>
                 <p:cNvPr id="57" name="Rectangle 56"/>
@@ -9522,8 +9522,8 @@
             </p:sp>
           </mc:Fallback>
         </mc:AlternateContent>
-        <mc:AlternateContent xmlns:mc="http://schemas.openxmlformats.org/markup-compatibility/2006">
-          <mc:Choice xmlns:a14="http://schemas.microsoft.com/office/drawing/2010/main" Requires="a14">
+        <mc:AlternateContent xmlns:mc="http://schemas.openxmlformats.org/markup-compatibility/2006" xmlns:a14="http://schemas.microsoft.com/office/drawing/2010/main">
+          <mc:Choice Requires="a14">
             <p:sp>
               <p:nvSpPr>
                 <p:cNvPr id="58" name="Rectangle 57"/>
@@ -9590,7 +9590,7 @@
               </p:txBody>
             </p:sp>
           </mc:Choice>
-          <mc:Fallback>
+          <mc:Fallback xmlns="">
             <p:sp>
               <p:nvSpPr>
                 <p:cNvPr id="58" name="Rectangle 57"/>
@@ -9629,8 +9629,8 @@
             </p:sp>
           </mc:Fallback>
         </mc:AlternateContent>
-        <mc:AlternateContent xmlns:mc="http://schemas.openxmlformats.org/markup-compatibility/2006">
-          <mc:Choice xmlns:a14="http://schemas.microsoft.com/office/drawing/2010/main" Requires="a14">
+        <mc:AlternateContent xmlns:mc="http://schemas.openxmlformats.org/markup-compatibility/2006" xmlns:a14="http://schemas.microsoft.com/office/drawing/2010/main">
+          <mc:Choice Requires="a14">
             <p:sp>
               <p:nvSpPr>
                 <p:cNvPr id="59" name="Rectangle 58"/>
@@ -9697,7 +9697,7 @@
               </p:txBody>
             </p:sp>
           </mc:Choice>
-          <mc:Fallback>
+          <mc:Fallback xmlns="">
             <p:sp>
               <p:nvSpPr>
                 <p:cNvPr id="59" name="Rectangle 58"/>
@@ -9736,8 +9736,8 @@
             </p:sp>
           </mc:Fallback>
         </mc:AlternateContent>
-        <mc:AlternateContent xmlns:mc="http://schemas.openxmlformats.org/markup-compatibility/2006">
-          <mc:Choice xmlns:a14="http://schemas.microsoft.com/office/drawing/2010/main" Requires="a14">
+        <mc:AlternateContent xmlns:mc="http://schemas.openxmlformats.org/markup-compatibility/2006" xmlns:a14="http://schemas.microsoft.com/office/drawing/2010/main">
+          <mc:Choice Requires="a14">
             <p:sp>
               <p:nvSpPr>
                 <p:cNvPr id="60" name="Rectangle 59"/>
@@ -9804,7 +9804,7 @@
               </p:txBody>
             </p:sp>
           </mc:Choice>
-          <mc:Fallback>
+          <mc:Fallback xmlns="">
             <p:sp>
               <p:nvSpPr>
                 <p:cNvPr id="60" name="Rectangle 59"/>
@@ -9843,8 +9843,8 @@
             </p:sp>
           </mc:Fallback>
         </mc:AlternateContent>
-        <mc:AlternateContent xmlns:mc="http://schemas.openxmlformats.org/markup-compatibility/2006">
-          <mc:Choice xmlns:a14="http://schemas.microsoft.com/office/drawing/2010/main" Requires="a14">
+        <mc:AlternateContent xmlns:mc="http://schemas.openxmlformats.org/markup-compatibility/2006" xmlns:a14="http://schemas.microsoft.com/office/drawing/2010/main">
+          <mc:Choice Requires="a14">
             <p:sp>
               <p:nvSpPr>
                 <p:cNvPr id="61" name="Rectangle 60"/>
@@ -9968,7 +9968,7 @@
               </p:txBody>
             </p:sp>
           </mc:Choice>
-          <mc:Fallback>
+          <mc:Fallback xmlns="">
             <p:sp>
               <p:nvSpPr>
                 <p:cNvPr id="61" name="Rectangle 60"/>
@@ -10007,8 +10007,8 @@
             </p:sp>
           </mc:Fallback>
         </mc:AlternateContent>
-        <mc:AlternateContent xmlns:mc="http://schemas.openxmlformats.org/markup-compatibility/2006">
-          <mc:Choice xmlns:a14="http://schemas.microsoft.com/office/drawing/2010/main" Requires="a14">
+        <mc:AlternateContent xmlns:mc="http://schemas.openxmlformats.org/markup-compatibility/2006" xmlns:a14="http://schemas.microsoft.com/office/drawing/2010/main">
+          <mc:Choice Requires="a14">
             <p:sp>
               <p:nvSpPr>
                 <p:cNvPr id="62" name="Rectangle 61"/>
@@ -10075,7 +10075,7 @@
               </p:txBody>
             </p:sp>
           </mc:Choice>
-          <mc:Fallback>
+          <mc:Fallback xmlns="">
             <p:sp>
               <p:nvSpPr>
                 <p:cNvPr id="62" name="Rectangle 61"/>
@@ -10114,8 +10114,8 @@
             </p:sp>
           </mc:Fallback>
         </mc:AlternateContent>
-        <mc:AlternateContent xmlns:mc="http://schemas.openxmlformats.org/markup-compatibility/2006">
-          <mc:Choice xmlns:a14="http://schemas.microsoft.com/office/drawing/2010/main" Requires="a14">
+        <mc:AlternateContent xmlns:mc="http://schemas.openxmlformats.org/markup-compatibility/2006" xmlns:a14="http://schemas.microsoft.com/office/drawing/2010/main">
+          <mc:Choice Requires="a14">
             <p:sp>
               <p:nvSpPr>
                 <p:cNvPr id="63" name="Rectangle 62"/>
@@ -10182,7 +10182,7 @@
               </p:txBody>
             </p:sp>
           </mc:Choice>
-          <mc:Fallback>
+          <mc:Fallback xmlns="">
             <p:sp>
               <p:nvSpPr>
                 <p:cNvPr id="63" name="Rectangle 62"/>
@@ -10221,8 +10221,8 @@
             </p:sp>
           </mc:Fallback>
         </mc:AlternateContent>
-        <mc:AlternateContent xmlns:mc="http://schemas.openxmlformats.org/markup-compatibility/2006">
-          <mc:Choice xmlns:a14="http://schemas.microsoft.com/office/drawing/2010/main" Requires="a14">
+        <mc:AlternateContent xmlns:mc="http://schemas.openxmlformats.org/markup-compatibility/2006" xmlns:a14="http://schemas.microsoft.com/office/drawing/2010/main">
+          <mc:Choice Requires="a14">
             <p:sp>
               <p:nvSpPr>
                 <p:cNvPr id="64" name="Rectangle 63"/>
@@ -10289,7 +10289,7 @@
               </p:txBody>
             </p:sp>
           </mc:Choice>
-          <mc:Fallback>
+          <mc:Fallback xmlns="">
             <p:sp>
               <p:nvSpPr>
                 <p:cNvPr id="64" name="Rectangle 63"/>
@@ -10328,8 +10328,8 @@
             </p:sp>
           </mc:Fallback>
         </mc:AlternateContent>
-        <mc:AlternateContent xmlns:mc="http://schemas.openxmlformats.org/markup-compatibility/2006">
-          <mc:Choice xmlns:a14="http://schemas.microsoft.com/office/drawing/2010/main" Requires="a14">
+        <mc:AlternateContent xmlns:mc="http://schemas.openxmlformats.org/markup-compatibility/2006" xmlns:a14="http://schemas.microsoft.com/office/drawing/2010/main">
+          <mc:Choice Requires="a14">
             <p:sp>
               <p:nvSpPr>
                 <p:cNvPr id="65" name="Rectangle 64"/>
@@ -10396,7 +10396,7 @@
               </p:txBody>
             </p:sp>
           </mc:Choice>
-          <mc:Fallback>
+          <mc:Fallback xmlns="">
             <p:sp>
               <p:nvSpPr>
                 <p:cNvPr id="65" name="Rectangle 64"/>
@@ -10435,8 +10435,8 @@
             </p:sp>
           </mc:Fallback>
         </mc:AlternateContent>
-        <mc:AlternateContent xmlns:mc="http://schemas.openxmlformats.org/markup-compatibility/2006">
-          <mc:Choice xmlns:a14="http://schemas.microsoft.com/office/drawing/2010/main" Requires="a14">
+        <mc:AlternateContent xmlns:mc="http://schemas.openxmlformats.org/markup-compatibility/2006" xmlns:a14="http://schemas.microsoft.com/office/drawing/2010/main">
+          <mc:Choice Requires="a14">
             <p:sp>
               <p:nvSpPr>
                 <p:cNvPr id="66" name="Rectangle 65"/>
@@ -10503,7 +10503,7 @@
               </p:txBody>
             </p:sp>
           </mc:Choice>
-          <mc:Fallback>
+          <mc:Fallback xmlns="">
             <p:sp>
               <p:nvSpPr>
                 <p:cNvPr id="66" name="Rectangle 65"/>
@@ -10542,8 +10542,8 @@
             </p:sp>
           </mc:Fallback>
         </mc:AlternateContent>
-        <mc:AlternateContent xmlns:mc="http://schemas.openxmlformats.org/markup-compatibility/2006">
-          <mc:Choice xmlns:a14="http://schemas.microsoft.com/office/drawing/2010/main" Requires="a14">
+        <mc:AlternateContent xmlns:mc="http://schemas.openxmlformats.org/markup-compatibility/2006" xmlns:a14="http://schemas.microsoft.com/office/drawing/2010/main">
+          <mc:Choice Requires="a14">
             <p:sp>
               <p:nvSpPr>
                 <p:cNvPr id="67" name="Rectangle 66"/>
@@ -10610,7 +10610,7 @@
               </p:txBody>
             </p:sp>
           </mc:Choice>
-          <mc:Fallback>
+          <mc:Fallback xmlns="">
             <p:sp>
               <p:nvSpPr>
                 <p:cNvPr id="67" name="Rectangle 66"/>
@@ -10649,8 +10649,8 @@
             </p:sp>
           </mc:Fallback>
         </mc:AlternateContent>
-        <mc:AlternateContent xmlns:mc="http://schemas.openxmlformats.org/markup-compatibility/2006">
-          <mc:Choice xmlns:a14="http://schemas.microsoft.com/office/drawing/2010/main" Requires="a14">
+        <mc:AlternateContent xmlns:mc="http://schemas.openxmlformats.org/markup-compatibility/2006" xmlns:a14="http://schemas.microsoft.com/office/drawing/2010/main">
+          <mc:Choice Requires="a14">
             <p:sp>
               <p:nvSpPr>
                 <p:cNvPr id="68" name="Rectangle 67"/>
@@ -10717,7 +10717,7 @@
               </p:txBody>
             </p:sp>
           </mc:Choice>
-          <mc:Fallback>
+          <mc:Fallback xmlns="">
             <p:sp>
               <p:nvSpPr>
                 <p:cNvPr id="68" name="Rectangle 67"/>
@@ -10756,8 +10756,8 @@
             </p:sp>
           </mc:Fallback>
         </mc:AlternateContent>
-        <mc:AlternateContent xmlns:mc="http://schemas.openxmlformats.org/markup-compatibility/2006">
-          <mc:Choice xmlns:a14="http://schemas.microsoft.com/office/drawing/2010/main" Requires="a14">
+        <mc:AlternateContent xmlns:mc="http://schemas.openxmlformats.org/markup-compatibility/2006" xmlns:a14="http://schemas.microsoft.com/office/drawing/2010/main">
+          <mc:Choice Requires="a14">
             <p:sp>
               <p:nvSpPr>
                 <p:cNvPr id="69" name="Rectangle 68"/>
@@ -10824,7 +10824,7 @@
               </p:txBody>
             </p:sp>
           </mc:Choice>
-          <mc:Fallback>
+          <mc:Fallback xmlns="">
             <p:sp>
               <p:nvSpPr>
                 <p:cNvPr id="69" name="Rectangle 68"/>
@@ -10863,8 +10863,8 @@
             </p:sp>
           </mc:Fallback>
         </mc:AlternateContent>
-        <mc:AlternateContent xmlns:mc="http://schemas.openxmlformats.org/markup-compatibility/2006">
-          <mc:Choice xmlns:a14="http://schemas.microsoft.com/office/drawing/2010/main" Requires="a14">
+        <mc:AlternateContent xmlns:mc="http://schemas.openxmlformats.org/markup-compatibility/2006" xmlns:a14="http://schemas.microsoft.com/office/drawing/2010/main">
+          <mc:Choice Requires="a14">
             <p:sp>
               <p:nvSpPr>
                 <p:cNvPr id="70" name="Rectangle 69"/>
@@ -10931,7 +10931,7 @@
               </p:txBody>
             </p:sp>
           </mc:Choice>
-          <mc:Fallback>
+          <mc:Fallback xmlns="">
             <p:sp>
               <p:nvSpPr>
                 <p:cNvPr id="70" name="Rectangle 69"/>
@@ -10970,8 +10970,8 @@
             </p:sp>
           </mc:Fallback>
         </mc:AlternateContent>
-        <mc:AlternateContent xmlns:mc="http://schemas.openxmlformats.org/markup-compatibility/2006">
-          <mc:Choice xmlns:a14="http://schemas.microsoft.com/office/drawing/2010/main" Requires="a14">
+        <mc:AlternateContent xmlns:mc="http://schemas.openxmlformats.org/markup-compatibility/2006" xmlns:a14="http://schemas.microsoft.com/office/drawing/2010/main">
+          <mc:Choice Requires="a14">
             <p:sp>
               <p:nvSpPr>
                 <p:cNvPr id="71" name="Rectangle 70"/>
@@ -11038,7 +11038,7 @@
               </p:txBody>
             </p:sp>
           </mc:Choice>
-          <mc:Fallback>
+          <mc:Fallback xmlns="">
             <p:sp>
               <p:nvSpPr>
                 <p:cNvPr id="71" name="Rectangle 70"/>
@@ -11077,8 +11077,8 @@
             </p:sp>
           </mc:Fallback>
         </mc:AlternateContent>
-        <mc:AlternateContent xmlns:mc="http://schemas.openxmlformats.org/markup-compatibility/2006">
-          <mc:Choice xmlns:a14="http://schemas.microsoft.com/office/drawing/2010/main" Requires="a14">
+        <mc:AlternateContent xmlns:mc="http://schemas.openxmlformats.org/markup-compatibility/2006" xmlns:a14="http://schemas.microsoft.com/office/drawing/2010/main">
+          <mc:Choice Requires="a14">
             <p:sp>
               <p:nvSpPr>
                 <p:cNvPr id="72" name="Rectangle 71"/>
@@ -11202,7 +11202,7 @@
               </p:txBody>
             </p:sp>
           </mc:Choice>
-          <mc:Fallback>
+          <mc:Fallback xmlns="">
             <p:sp>
               <p:nvSpPr>
                 <p:cNvPr id="72" name="Rectangle 71"/>
@@ -11241,8 +11241,8 @@
             </p:sp>
           </mc:Fallback>
         </mc:AlternateContent>
-        <mc:AlternateContent xmlns:mc="http://schemas.openxmlformats.org/markup-compatibility/2006">
-          <mc:Choice xmlns:a14="http://schemas.microsoft.com/office/drawing/2010/main" Requires="a14">
+        <mc:AlternateContent xmlns:mc="http://schemas.openxmlformats.org/markup-compatibility/2006" xmlns:a14="http://schemas.microsoft.com/office/drawing/2010/main">
+          <mc:Choice Requires="a14">
             <p:sp>
               <p:nvSpPr>
                 <p:cNvPr id="73" name="Rectangle 72"/>
@@ -11309,7 +11309,7 @@
               </p:txBody>
             </p:sp>
           </mc:Choice>
-          <mc:Fallback>
+          <mc:Fallback xmlns="">
             <p:sp>
               <p:nvSpPr>
                 <p:cNvPr id="73" name="Rectangle 72"/>
@@ -11348,8 +11348,8 @@
             </p:sp>
           </mc:Fallback>
         </mc:AlternateContent>
-        <mc:AlternateContent xmlns:mc="http://schemas.openxmlformats.org/markup-compatibility/2006">
-          <mc:Choice xmlns:a14="http://schemas.microsoft.com/office/drawing/2010/main" Requires="a14">
+        <mc:AlternateContent xmlns:mc="http://schemas.openxmlformats.org/markup-compatibility/2006" xmlns:a14="http://schemas.microsoft.com/office/drawing/2010/main">
+          <mc:Choice Requires="a14">
             <p:sp>
               <p:nvSpPr>
                 <p:cNvPr id="74" name="Rectangle 73"/>
@@ -11416,7 +11416,7 @@
               </p:txBody>
             </p:sp>
           </mc:Choice>
-          <mc:Fallback>
+          <mc:Fallback xmlns="">
             <p:sp>
               <p:nvSpPr>
                 <p:cNvPr id="74" name="Rectangle 73"/>
@@ -11455,8 +11455,8 @@
             </p:sp>
           </mc:Fallback>
         </mc:AlternateContent>
-        <mc:AlternateContent xmlns:mc="http://schemas.openxmlformats.org/markup-compatibility/2006">
-          <mc:Choice xmlns:a14="http://schemas.microsoft.com/office/drawing/2010/main" Requires="a14">
+        <mc:AlternateContent xmlns:mc="http://schemas.openxmlformats.org/markup-compatibility/2006" xmlns:a14="http://schemas.microsoft.com/office/drawing/2010/main">
+          <mc:Choice Requires="a14">
             <p:sp>
               <p:nvSpPr>
                 <p:cNvPr id="75" name="Rectangle 74"/>
@@ -11523,7 +11523,7 @@
               </p:txBody>
             </p:sp>
           </mc:Choice>
-          <mc:Fallback>
+          <mc:Fallback xmlns="">
             <p:sp>
               <p:nvSpPr>
                 <p:cNvPr id="75" name="Rectangle 74"/>
@@ -11562,8 +11562,8 @@
             </p:sp>
           </mc:Fallback>
         </mc:AlternateContent>
-        <mc:AlternateContent xmlns:mc="http://schemas.openxmlformats.org/markup-compatibility/2006">
-          <mc:Choice xmlns:a14="http://schemas.microsoft.com/office/drawing/2010/main" Requires="a14">
+        <mc:AlternateContent xmlns:mc="http://schemas.openxmlformats.org/markup-compatibility/2006" xmlns:a14="http://schemas.microsoft.com/office/drawing/2010/main">
+          <mc:Choice Requires="a14">
             <p:sp>
               <p:nvSpPr>
                 <p:cNvPr id="76" name="Rectangle 75"/>
@@ -11630,7 +11630,7 @@
               </p:txBody>
             </p:sp>
           </mc:Choice>
-          <mc:Fallback>
+          <mc:Fallback xmlns="">
             <p:sp>
               <p:nvSpPr>
                 <p:cNvPr id="76" name="Rectangle 75"/>
@@ -11669,8 +11669,8 @@
             </p:sp>
           </mc:Fallback>
         </mc:AlternateContent>
-        <mc:AlternateContent xmlns:mc="http://schemas.openxmlformats.org/markup-compatibility/2006">
-          <mc:Choice xmlns:a14="http://schemas.microsoft.com/office/drawing/2010/main" Requires="a14">
+        <mc:AlternateContent xmlns:mc="http://schemas.openxmlformats.org/markup-compatibility/2006" xmlns:a14="http://schemas.microsoft.com/office/drawing/2010/main">
+          <mc:Choice Requires="a14">
             <p:sp>
               <p:nvSpPr>
                 <p:cNvPr id="77" name="Rectangle 76"/>
@@ -11737,7 +11737,7 @@
               </p:txBody>
             </p:sp>
           </mc:Choice>
-          <mc:Fallback>
+          <mc:Fallback xmlns="">
             <p:sp>
               <p:nvSpPr>
                 <p:cNvPr id="77" name="Rectangle 76"/>
@@ -11776,8 +11776,8 @@
             </p:sp>
           </mc:Fallback>
         </mc:AlternateContent>
-        <mc:AlternateContent xmlns:mc="http://schemas.openxmlformats.org/markup-compatibility/2006">
-          <mc:Choice xmlns:a14="http://schemas.microsoft.com/office/drawing/2010/main" Requires="a14">
+        <mc:AlternateContent xmlns:mc="http://schemas.openxmlformats.org/markup-compatibility/2006" xmlns:a14="http://schemas.microsoft.com/office/drawing/2010/main">
+          <mc:Choice Requires="a14">
             <p:sp>
               <p:nvSpPr>
                 <p:cNvPr id="78" name="Rectangle 77"/>
@@ -11844,7 +11844,7 @@
               </p:txBody>
             </p:sp>
           </mc:Choice>
-          <mc:Fallback>
+          <mc:Fallback xmlns="">
             <p:sp>
               <p:nvSpPr>
                 <p:cNvPr id="78" name="Rectangle 77"/>
@@ -11883,8 +11883,8 @@
             </p:sp>
           </mc:Fallback>
         </mc:AlternateContent>
-        <mc:AlternateContent xmlns:mc="http://schemas.openxmlformats.org/markup-compatibility/2006">
-          <mc:Choice xmlns:a14="http://schemas.microsoft.com/office/drawing/2010/main" Requires="a14">
+        <mc:AlternateContent xmlns:mc="http://schemas.openxmlformats.org/markup-compatibility/2006" xmlns:a14="http://schemas.microsoft.com/office/drawing/2010/main">
+          <mc:Choice Requires="a14">
             <p:sp>
               <p:nvSpPr>
                 <p:cNvPr id="79" name="Rectangle 78"/>
@@ -12008,7 +12008,7 @@
               </p:txBody>
             </p:sp>
           </mc:Choice>
-          <mc:Fallback>
+          <mc:Fallback xmlns="">
             <p:sp>
               <p:nvSpPr>
                 <p:cNvPr id="79" name="Rectangle 78"/>
@@ -12047,8 +12047,8 @@
             </p:sp>
           </mc:Fallback>
         </mc:AlternateContent>
-        <mc:AlternateContent xmlns:mc="http://schemas.openxmlformats.org/markup-compatibility/2006">
-          <mc:Choice xmlns:a14="http://schemas.microsoft.com/office/drawing/2010/main" Requires="a14">
+        <mc:AlternateContent xmlns:mc="http://schemas.openxmlformats.org/markup-compatibility/2006" xmlns:a14="http://schemas.microsoft.com/office/drawing/2010/main">
+          <mc:Choice Requires="a14">
             <p:sp>
               <p:nvSpPr>
                 <p:cNvPr id="80" name="Rectangle 79"/>
@@ -12115,7 +12115,7 @@
               </p:txBody>
             </p:sp>
           </mc:Choice>
-          <mc:Fallback>
+          <mc:Fallback xmlns="">
             <p:sp>
               <p:nvSpPr>
                 <p:cNvPr id="80" name="Rectangle 79"/>
@@ -12154,8 +12154,8 @@
             </p:sp>
           </mc:Fallback>
         </mc:AlternateContent>
-        <mc:AlternateContent xmlns:mc="http://schemas.openxmlformats.org/markup-compatibility/2006">
-          <mc:Choice xmlns:a14="http://schemas.microsoft.com/office/drawing/2010/main" Requires="a14">
+        <mc:AlternateContent xmlns:mc="http://schemas.openxmlformats.org/markup-compatibility/2006" xmlns:a14="http://schemas.microsoft.com/office/drawing/2010/main">
+          <mc:Choice Requires="a14">
             <p:sp>
               <p:nvSpPr>
                 <p:cNvPr id="81" name="Rectangle 80"/>
@@ -12222,7 +12222,7 @@
               </p:txBody>
             </p:sp>
           </mc:Choice>
-          <mc:Fallback>
+          <mc:Fallback xmlns="">
             <p:sp>
               <p:nvSpPr>
                 <p:cNvPr id="81" name="Rectangle 80"/>
@@ -12261,8 +12261,8 @@
             </p:sp>
           </mc:Fallback>
         </mc:AlternateContent>
-        <mc:AlternateContent xmlns:mc="http://schemas.openxmlformats.org/markup-compatibility/2006">
-          <mc:Choice xmlns:a14="http://schemas.microsoft.com/office/drawing/2010/main" Requires="a14">
+        <mc:AlternateContent xmlns:mc="http://schemas.openxmlformats.org/markup-compatibility/2006" xmlns:a14="http://schemas.microsoft.com/office/drawing/2010/main">
+          <mc:Choice Requires="a14">
             <p:sp>
               <p:nvSpPr>
                 <p:cNvPr id="82" name="Rectangle 81"/>
@@ -12329,7 +12329,7 @@
               </p:txBody>
             </p:sp>
           </mc:Choice>
-          <mc:Fallback>
+          <mc:Fallback xmlns="">
             <p:sp>
               <p:nvSpPr>
                 <p:cNvPr id="82" name="Rectangle 81"/>
@@ -12368,8 +12368,8 @@
             </p:sp>
           </mc:Fallback>
         </mc:AlternateContent>
-        <mc:AlternateContent xmlns:mc="http://schemas.openxmlformats.org/markup-compatibility/2006">
-          <mc:Choice xmlns:a14="http://schemas.microsoft.com/office/drawing/2010/main" Requires="a14">
+        <mc:AlternateContent xmlns:mc="http://schemas.openxmlformats.org/markup-compatibility/2006" xmlns:a14="http://schemas.microsoft.com/office/drawing/2010/main">
+          <mc:Choice Requires="a14">
             <p:sp>
               <p:nvSpPr>
                 <p:cNvPr id="83" name="Rectangle 82"/>
@@ -12436,7 +12436,7 @@
               </p:txBody>
             </p:sp>
           </mc:Choice>
-          <mc:Fallback>
+          <mc:Fallback xmlns="">
             <p:sp>
               <p:nvSpPr>
                 <p:cNvPr id="83" name="Rectangle 82"/>
@@ -12475,8 +12475,8 @@
             </p:sp>
           </mc:Fallback>
         </mc:AlternateContent>
-        <mc:AlternateContent xmlns:mc="http://schemas.openxmlformats.org/markup-compatibility/2006">
-          <mc:Choice xmlns:a14="http://schemas.microsoft.com/office/drawing/2010/main" Requires="a14">
+        <mc:AlternateContent xmlns:mc="http://schemas.openxmlformats.org/markup-compatibility/2006" xmlns:a14="http://schemas.microsoft.com/office/drawing/2010/main">
+          <mc:Choice Requires="a14">
             <p:sp>
               <p:nvSpPr>
                 <p:cNvPr id="84" name="Rectangle 83"/>
@@ -12543,7 +12543,7 @@
               </p:txBody>
             </p:sp>
           </mc:Choice>
-          <mc:Fallback>
+          <mc:Fallback xmlns="">
             <p:sp>
               <p:nvSpPr>
                 <p:cNvPr id="84" name="Rectangle 83"/>
@@ -12582,8 +12582,8 @@
             </p:sp>
           </mc:Fallback>
         </mc:AlternateContent>
-        <mc:AlternateContent xmlns:mc="http://schemas.openxmlformats.org/markup-compatibility/2006">
-          <mc:Choice xmlns:a14="http://schemas.microsoft.com/office/drawing/2010/main" Requires="a14">
+        <mc:AlternateContent xmlns:mc="http://schemas.openxmlformats.org/markup-compatibility/2006" xmlns:a14="http://schemas.microsoft.com/office/drawing/2010/main">
+          <mc:Choice Requires="a14">
             <p:sp>
               <p:nvSpPr>
                 <p:cNvPr id="85" name="Rectangle 84"/>
@@ -12650,7 +12650,7 @@
               </p:txBody>
             </p:sp>
           </mc:Choice>
-          <mc:Fallback>
+          <mc:Fallback xmlns="">
             <p:sp>
               <p:nvSpPr>
                 <p:cNvPr id="85" name="Rectangle 84"/>
@@ -12689,8 +12689,8 @@
             </p:sp>
           </mc:Fallback>
         </mc:AlternateContent>
-        <mc:AlternateContent xmlns:mc="http://schemas.openxmlformats.org/markup-compatibility/2006">
-          <mc:Choice xmlns:a14="http://schemas.microsoft.com/office/drawing/2010/main" Requires="a14">
+        <mc:AlternateContent xmlns:mc="http://schemas.openxmlformats.org/markup-compatibility/2006" xmlns:a14="http://schemas.microsoft.com/office/drawing/2010/main">
+          <mc:Choice Requires="a14">
             <p:sp>
               <p:nvSpPr>
                 <p:cNvPr id="86" name="Rectangle 85"/>
@@ -12757,7 +12757,7 @@
               </p:txBody>
             </p:sp>
           </mc:Choice>
-          <mc:Fallback>
+          <mc:Fallback xmlns="">
             <p:sp>
               <p:nvSpPr>
                 <p:cNvPr id="86" name="Rectangle 85"/>
@@ -12796,8 +12796,8 @@
             </p:sp>
           </mc:Fallback>
         </mc:AlternateContent>
-        <mc:AlternateContent xmlns:mc="http://schemas.openxmlformats.org/markup-compatibility/2006">
-          <mc:Choice xmlns:a14="http://schemas.microsoft.com/office/drawing/2010/main" Requires="a14">
+        <mc:AlternateContent xmlns:mc="http://schemas.openxmlformats.org/markup-compatibility/2006" xmlns:a14="http://schemas.microsoft.com/office/drawing/2010/main">
+          <mc:Choice Requires="a14">
             <p:sp>
               <p:nvSpPr>
                 <p:cNvPr id="87" name="Rectangle 86"/>
@@ -12864,7 +12864,7 @@
               </p:txBody>
             </p:sp>
           </mc:Choice>
-          <mc:Fallback>
+          <mc:Fallback xmlns="">
             <p:sp>
               <p:nvSpPr>
                 <p:cNvPr id="87" name="Rectangle 86"/>
@@ -12903,8 +12903,8 @@
             </p:sp>
           </mc:Fallback>
         </mc:AlternateContent>
-        <mc:AlternateContent xmlns:mc="http://schemas.openxmlformats.org/markup-compatibility/2006">
-          <mc:Choice xmlns:a14="http://schemas.microsoft.com/office/drawing/2010/main" Requires="a14">
+        <mc:AlternateContent xmlns:mc="http://schemas.openxmlformats.org/markup-compatibility/2006" xmlns:a14="http://schemas.microsoft.com/office/drawing/2010/main">
+          <mc:Choice Requires="a14">
             <p:sp>
               <p:nvSpPr>
                 <p:cNvPr id="88" name="Rectangle 87"/>
@@ -12971,7 +12971,7 @@
               </p:txBody>
             </p:sp>
           </mc:Choice>
-          <mc:Fallback>
+          <mc:Fallback xmlns="">
             <p:sp>
               <p:nvSpPr>
                 <p:cNvPr id="88" name="Rectangle 87"/>
@@ -13010,8 +13010,8 @@
             </p:sp>
           </mc:Fallback>
         </mc:AlternateContent>
-        <mc:AlternateContent xmlns:mc="http://schemas.openxmlformats.org/markup-compatibility/2006">
-          <mc:Choice xmlns:a14="http://schemas.microsoft.com/office/drawing/2010/main" Requires="a14">
+        <mc:AlternateContent xmlns:mc="http://schemas.openxmlformats.org/markup-compatibility/2006" xmlns:a14="http://schemas.microsoft.com/office/drawing/2010/main">
+          <mc:Choice Requires="a14">
             <p:sp>
               <p:nvSpPr>
                 <p:cNvPr id="89" name="Rectangle 88"/>
@@ -13078,7 +13078,7 @@
               </p:txBody>
             </p:sp>
           </mc:Choice>
-          <mc:Fallback>
+          <mc:Fallback xmlns="">
             <p:sp>
               <p:nvSpPr>
                 <p:cNvPr id="89" name="Rectangle 88"/>
@@ -13117,8 +13117,8 @@
             </p:sp>
           </mc:Fallback>
         </mc:AlternateContent>
-        <mc:AlternateContent xmlns:mc="http://schemas.openxmlformats.org/markup-compatibility/2006">
-          <mc:Choice xmlns:a14="http://schemas.microsoft.com/office/drawing/2010/main" Requires="a14">
+        <mc:AlternateContent xmlns:mc="http://schemas.openxmlformats.org/markup-compatibility/2006" xmlns:a14="http://schemas.microsoft.com/office/drawing/2010/main">
+          <mc:Choice Requires="a14">
             <p:sp>
               <p:nvSpPr>
                 <p:cNvPr id="90" name="Rectangle 89"/>
@@ -13242,7 +13242,7 @@
               </p:txBody>
             </p:sp>
           </mc:Choice>
-          <mc:Fallback>
+          <mc:Fallback xmlns="">
             <p:sp>
               <p:nvSpPr>
                 <p:cNvPr id="90" name="Rectangle 89"/>
@@ -13281,8 +13281,8 @@
             </p:sp>
           </mc:Fallback>
         </mc:AlternateContent>
-        <mc:AlternateContent xmlns:mc="http://schemas.openxmlformats.org/markup-compatibility/2006">
-          <mc:Choice xmlns:a14="http://schemas.microsoft.com/office/drawing/2010/main" Requires="a14">
+        <mc:AlternateContent xmlns:mc="http://schemas.openxmlformats.org/markup-compatibility/2006" xmlns:a14="http://schemas.microsoft.com/office/drawing/2010/main">
+          <mc:Choice Requires="a14">
             <p:sp>
               <p:nvSpPr>
                 <p:cNvPr id="91" name="Rectangle 90"/>
@@ -13349,7 +13349,7 @@
               </p:txBody>
             </p:sp>
           </mc:Choice>
-          <mc:Fallback>
+          <mc:Fallback xmlns="">
             <p:sp>
               <p:nvSpPr>
                 <p:cNvPr id="91" name="Rectangle 90"/>
@@ -13388,8 +13388,8 @@
             </p:sp>
           </mc:Fallback>
         </mc:AlternateContent>
-        <mc:AlternateContent xmlns:mc="http://schemas.openxmlformats.org/markup-compatibility/2006">
-          <mc:Choice xmlns:a14="http://schemas.microsoft.com/office/drawing/2010/main" Requires="a14">
+        <mc:AlternateContent xmlns:mc="http://schemas.openxmlformats.org/markup-compatibility/2006" xmlns:a14="http://schemas.microsoft.com/office/drawing/2010/main">
+          <mc:Choice Requires="a14">
             <p:sp>
               <p:nvSpPr>
                 <p:cNvPr id="92" name="Rectangle 91"/>
@@ -13456,7 +13456,7 @@
               </p:txBody>
             </p:sp>
           </mc:Choice>
-          <mc:Fallback>
+          <mc:Fallback xmlns="">
             <p:sp>
               <p:nvSpPr>
                 <p:cNvPr id="92" name="Rectangle 91"/>
@@ -13495,8 +13495,8 @@
             </p:sp>
           </mc:Fallback>
         </mc:AlternateContent>
-        <mc:AlternateContent xmlns:mc="http://schemas.openxmlformats.org/markup-compatibility/2006">
-          <mc:Choice xmlns:a14="http://schemas.microsoft.com/office/drawing/2010/main" Requires="a14">
+        <mc:AlternateContent xmlns:mc="http://schemas.openxmlformats.org/markup-compatibility/2006" xmlns:a14="http://schemas.microsoft.com/office/drawing/2010/main">
+          <mc:Choice Requires="a14">
             <p:sp>
               <p:nvSpPr>
                 <p:cNvPr id="93" name="Rectangle 92"/>
@@ -13563,7 +13563,7 @@
               </p:txBody>
             </p:sp>
           </mc:Choice>
-          <mc:Fallback>
+          <mc:Fallback xmlns="">
             <p:sp>
               <p:nvSpPr>
                 <p:cNvPr id="93" name="Rectangle 92"/>
@@ -13602,8 +13602,8 @@
             </p:sp>
           </mc:Fallback>
         </mc:AlternateContent>
-        <mc:AlternateContent xmlns:mc="http://schemas.openxmlformats.org/markup-compatibility/2006">
-          <mc:Choice xmlns:a14="http://schemas.microsoft.com/office/drawing/2010/main" Requires="a14">
+        <mc:AlternateContent xmlns:mc="http://schemas.openxmlformats.org/markup-compatibility/2006" xmlns:a14="http://schemas.microsoft.com/office/drawing/2010/main">
+          <mc:Choice Requires="a14">
             <p:sp>
               <p:nvSpPr>
                 <p:cNvPr id="94" name="Rectangle 93"/>
@@ -13670,7 +13670,7 @@
               </p:txBody>
             </p:sp>
           </mc:Choice>
-          <mc:Fallback>
+          <mc:Fallback xmlns="">
             <p:sp>
               <p:nvSpPr>
                 <p:cNvPr id="94" name="Rectangle 93"/>
@@ -13709,8 +13709,8 @@
             </p:sp>
           </mc:Fallback>
         </mc:AlternateContent>
-        <mc:AlternateContent xmlns:mc="http://schemas.openxmlformats.org/markup-compatibility/2006">
-          <mc:Choice xmlns:a14="http://schemas.microsoft.com/office/drawing/2010/main" Requires="a14">
+        <mc:AlternateContent xmlns:mc="http://schemas.openxmlformats.org/markup-compatibility/2006" xmlns:a14="http://schemas.microsoft.com/office/drawing/2010/main">
+          <mc:Choice Requires="a14">
             <p:sp>
               <p:nvSpPr>
                 <p:cNvPr id="95" name="Rectangle 94"/>
@@ -13777,7 +13777,7 @@
               </p:txBody>
             </p:sp>
           </mc:Choice>
-          <mc:Fallback>
+          <mc:Fallback xmlns="">
             <p:sp>
               <p:nvSpPr>
                 <p:cNvPr id="95" name="Rectangle 94"/>
@@ -13816,8 +13816,8 @@
             </p:sp>
           </mc:Fallback>
         </mc:AlternateContent>
-        <mc:AlternateContent xmlns:mc="http://schemas.openxmlformats.org/markup-compatibility/2006">
-          <mc:Choice xmlns:a14="http://schemas.microsoft.com/office/drawing/2010/main" Requires="a14">
+        <mc:AlternateContent xmlns:mc="http://schemas.openxmlformats.org/markup-compatibility/2006" xmlns:a14="http://schemas.microsoft.com/office/drawing/2010/main">
+          <mc:Choice Requires="a14">
             <p:sp>
               <p:nvSpPr>
                 <p:cNvPr id="96" name="Rectangle 95"/>
@@ -13884,7 +13884,7 @@
               </p:txBody>
             </p:sp>
           </mc:Choice>
-          <mc:Fallback>
+          <mc:Fallback xmlns="">
             <p:sp>
               <p:nvSpPr>
                 <p:cNvPr id="96" name="Rectangle 95"/>
@@ -13963,8 +13963,8 @@
             </a:p>
           </p:txBody>
         </p:sp>
-        <mc:AlternateContent xmlns:mc="http://schemas.openxmlformats.org/markup-compatibility/2006">
-          <mc:Choice xmlns:a14="http://schemas.microsoft.com/office/drawing/2010/main" Requires="a14">
+        <mc:AlternateContent xmlns:mc="http://schemas.openxmlformats.org/markup-compatibility/2006" xmlns:a14="http://schemas.microsoft.com/office/drawing/2010/main">
+          <mc:Choice Requires="a14">
             <p:sp>
               <p:nvSpPr>
                 <p:cNvPr id="102" name="Rectangle 101"/>
@@ -14074,7 +14074,7 @@
               </p:txBody>
             </p:sp>
           </mc:Choice>
-          <mc:Fallback>
+          <mc:Fallback xmlns="">
             <p:sp>
               <p:nvSpPr>
                 <p:cNvPr id="102" name="Rectangle 101"/>
@@ -14113,8 +14113,8 @@
             </p:sp>
           </mc:Fallback>
         </mc:AlternateContent>
-        <mc:AlternateContent xmlns:mc="http://schemas.openxmlformats.org/markup-compatibility/2006">
-          <mc:Choice xmlns:a14="http://schemas.microsoft.com/office/drawing/2010/main" Requires="a14">
+        <mc:AlternateContent xmlns:mc="http://schemas.openxmlformats.org/markup-compatibility/2006" xmlns:a14="http://schemas.microsoft.com/office/drawing/2010/main">
+          <mc:Choice Requires="a14">
             <p:sp>
               <p:nvSpPr>
                 <p:cNvPr id="103" name="Rectangle 102"/>
@@ -14193,7 +14193,7 @@
               </p:txBody>
             </p:sp>
           </mc:Choice>
-          <mc:Fallback>
+          <mc:Fallback xmlns="">
             <p:sp>
               <p:nvSpPr>
                 <p:cNvPr id="103" name="Rectangle 102"/>
@@ -14232,8 +14232,8 @@
             </p:sp>
           </mc:Fallback>
         </mc:AlternateContent>
-        <mc:AlternateContent xmlns:mc="http://schemas.openxmlformats.org/markup-compatibility/2006">
-          <mc:Choice xmlns:a14="http://schemas.microsoft.com/office/drawing/2010/main" Requires="a14">
+        <mc:AlternateContent xmlns:mc="http://schemas.openxmlformats.org/markup-compatibility/2006" xmlns:a14="http://schemas.microsoft.com/office/drawing/2010/main">
+          <mc:Choice Requires="a14">
             <p:sp>
               <p:nvSpPr>
                 <p:cNvPr id="104" name="Rectangle 103"/>
@@ -14343,7 +14343,7 @@
               </p:txBody>
             </p:sp>
           </mc:Choice>
-          <mc:Fallback>
+          <mc:Fallback xmlns="">
             <p:sp>
               <p:nvSpPr>
                 <p:cNvPr id="104" name="Rectangle 103"/>
@@ -14382,8 +14382,8 @@
             </p:sp>
           </mc:Fallback>
         </mc:AlternateContent>
-        <mc:AlternateContent xmlns:mc="http://schemas.openxmlformats.org/markup-compatibility/2006">
-          <mc:Choice xmlns:a14="http://schemas.microsoft.com/office/drawing/2010/main" Requires="a14">
+        <mc:AlternateContent xmlns:mc="http://schemas.openxmlformats.org/markup-compatibility/2006" xmlns:a14="http://schemas.microsoft.com/office/drawing/2010/main">
+          <mc:Choice Requires="a14">
             <p:sp>
               <p:nvSpPr>
                 <p:cNvPr id="106" name="Rectangle 105"/>
@@ -14479,7 +14479,7 @@
               </p:txBody>
             </p:sp>
           </mc:Choice>
-          <mc:Fallback>
+          <mc:Fallback xmlns="">
             <p:sp>
               <p:nvSpPr>
                 <p:cNvPr id="106" name="Rectangle 105"/>
@@ -14518,8 +14518,8 @@
             </p:sp>
           </mc:Fallback>
         </mc:AlternateContent>
-        <mc:AlternateContent xmlns:mc="http://schemas.openxmlformats.org/markup-compatibility/2006">
-          <mc:Choice xmlns:a14="http://schemas.microsoft.com/office/drawing/2010/main" Requires="a14">
+        <mc:AlternateContent xmlns:mc="http://schemas.openxmlformats.org/markup-compatibility/2006" xmlns:a14="http://schemas.microsoft.com/office/drawing/2010/main">
+          <mc:Choice Requires="a14">
             <p:sp>
               <p:nvSpPr>
                 <p:cNvPr id="107" name="Rectangle 106"/>
@@ -14643,7 +14643,7 @@
               </p:txBody>
             </p:sp>
           </mc:Choice>
-          <mc:Fallback>
+          <mc:Fallback xmlns="">
             <p:sp>
               <p:nvSpPr>
                 <p:cNvPr id="107" name="Rectangle 106"/>
@@ -14682,8 +14682,8 @@
             </p:sp>
           </mc:Fallback>
         </mc:AlternateContent>
-        <mc:AlternateContent xmlns:mc="http://schemas.openxmlformats.org/markup-compatibility/2006">
-          <mc:Choice xmlns:a14="http://schemas.microsoft.com/office/drawing/2010/main" Requires="a14">
+        <mc:AlternateContent xmlns:mc="http://schemas.openxmlformats.org/markup-compatibility/2006" xmlns:a14="http://schemas.microsoft.com/office/drawing/2010/main">
+          <mc:Choice Requires="a14">
             <p:sp>
               <p:nvSpPr>
                 <p:cNvPr id="108" name="Rectangle 107"/>
@@ -14807,7 +14807,7 @@
               </p:txBody>
             </p:sp>
           </mc:Choice>
-          <mc:Fallback>
+          <mc:Fallback xmlns="">
             <p:sp>
               <p:nvSpPr>
                 <p:cNvPr id="108" name="Rectangle 107"/>
@@ -14846,8 +14846,8 @@
             </p:sp>
           </mc:Fallback>
         </mc:AlternateContent>
-        <mc:AlternateContent xmlns:mc="http://schemas.openxmlformats.org/markup-compatibility/2006">
-          <mc:Choice xmlns:a14="http://schemas.microsoft.com/office/drawing/2010/main" Requires="a14">
+        <mc:AlternateContent xmlns:mc="http://schemas.openxmlformats.org/markup-compatibility/2006" xmlns:a14="http://schemas.microsoft.com/office/drawing/2010/main">
+          <mc:Choice Requires="a14">
             <p:sp>
               <p:nvSpPr>
                 <p:cNvPr id="109" name="Rectangle 108"/>
@@ -14971,7 +14971,7 @@
               </p:txBody>
             </p:sp>
           </mc:Choice>
-          <mc:Fallback>
+          <mc:Fallback xmlns="">
             <p:sp>
               <p:nvSpPr>
                 <p:cNvPr id="109" name="Rectangle 108"/>
@@ -15010,8 +15010,8 @@
             </p:sp>
           </mc:Fallback>
         </mc:AlternateContent>
-        <mc:AlternateContent xmlns:mc="http://schemas.openxmlformats.org/markup-compatibility/2006">
-          <mc:Choice xmlns:a14="http://schemas.microsoft.com/office/drawing/2010/main" Requires="a14">
+        <mc:AlternateContent xmlns:mc="http://schemas.openxmlformats.org/markup-compatibility/2006" xmlns:a14="http://schemas.microsoft.com/office/drawing/2010/main">
+          <mc:Choice Requires="a14">
             <p:sp>
               <p:nvSpPr>
                 <p:cNvPr id="110" name="Rectangle 109"/>
@@ -15080,7 +15080,7 @@
               </p:txBody>
             </p:sp>
           </mc:Choice>
-          <mc:Fallback>
+          <mc:Fallback xmlns="">
             <p:sp>
               <p:nvSpPr>
                 <p:cNvPr id="110" name="Rectangle 109"/>
@@ -15119,8 +15119,8 @@
             </p:sp>
           </mc:Fallback>
         </mc:AlternateContent>
-        <mc:AlternateContent xmlns:mc="http://schemas.openxmlformats.org/markup-compatibility/2006">
-          <mc:Choice xmlns:a14="http://schemas.microsoft.com/office/drawing/2010/main" Requires="a14">
+        <mc:AlternateContent xmlns:mc="http://schemas.openxmlformats.org/markup-compatibility/2006" xmlns:a14="http://schemas.microsoft.com/office/drawing/2010/main">
+          <mc:Choice Requires="a14">
             <p:sp>
               <p:nvSpPr>
                 <p:cNvPr id="111" name="Rectangle 110"/>
@@ -15189,7 +15189,7 @@
               </p:txBody>
             </p:sp>
           </mc:Choice>
-          <mc:Fallback>
+          <mc:Fallback xmlns="">
             <p:sp>
               <p:nvSpPr>
                 <p:cNvPr id="111" name="Rectangle 110"/>
@@ -15228,8 +15228,8 @@
             </p:sp>
           </mc:Fallback>
         </mc:AlternateContent>
-        <mc:AlternateContent xmlns:mc="http://schemas.openxmlformats.org/markup-compatibility/2006">
-          <mc:Choice xmlns:a14="http://schemas.microsoft.com/office/drawing/2010/main" Requires="a14">
+        <mc:AlternateContent xmlns:mc="http://schemas.openxmlformats.org/markup-compatibility/2006" xmlns:a14="http://schemas.microsoft.com/office/drawing/2010/main">
+          <mc:Choice Requires="a14">
             <p:sp>
               <p:nvSpPr>
                 <p:cNvPr id="112" name="Rectangle 111"/>
@@ -15296,7 +15296,7 @@
               </p:txBody>
             </p:sp>
           </mc:Choice>
-          <mc:Fallback>
+          <mc:Fallback xmlns="">
             <p:sp>
               <p:nvSpPr>
                 <p:cNvPr id="112" name="Rectangle 111"/>
@@ -15335,8 +15335,8 @@
             </p:sp>
           </mc:Fallback>
         </mc:AlternateContent>
-        <mc:AlternateContent xmlns:mc="http://schemas.openxmlformats.org/markup-compatibility/2006">
-          <mc:Choice xmlns:a14="http://schemas.microsoft.com/office/drawing/2010/main" Requires="a14">
+        <mc:AlternateContent xmlns:mc="http://schemas.openxmlformats.org/markup-compatibility/2006" xmlns:a14="http://schemas.microsoft.com/office/drawing/2010/main">
+          <mc:Choice Requires="a14">
             <p:sp>
               <p:nvSpPr>
                 <p:cNvPr id="113" name="Rectangle 112"/>
@@ -15405,7 +15405,7 @@
               </p:txBody>
             </p:sp>
           </mc:Choice>
-          <mc:Fallback>
+          <mc:Fallback xmlns="">
             <p:sp>
               <p:nvSpPr>
                 <p:cNvPr id="113" name="Rectangle 112"/>
@@ -15444,8 +15444,8 @@
             </p:sp>
           </mc:Fallback>
         </mc:AlternateContent>
-        <mc:AlternateContent xmlns:mc="http://schemas.openxmlformats.org/markup-compatibility/2006">
-          <mc:Choice xmlns:a14="http://schemas.microsoft.com/office/drawing/2010/main" Requires="a14">
+        <mc:AlternateContent xmlns:mc="http://schemas.openxmlformats.org/markup-compatibility/2006" xmlns:a14="http://schemas.microsoft.com/office/drawing/2010/main">
+          <mc:Choice Requires="a14">
             <p:sp>
               <p:nvSpPr>
                 <p:cNvPr id="114" name="Rectangle 113"/>
@@ -15515,7 +15515,7 @@
               </p:txBody>
             </p:sp>
           </mc:Choice>
-          <mc:Fallback>
+          <mc:Fallback xmlns="">
             <p:sp>
               <p:nvSpPr>
                 <p:cNvPr id="114" name="Rectangle 113"/>
@@ -15554,8 +15554,8 @@
             </p:sp>
           </mc:Fallback>
         </mc:AlternateContent>
-        <mc:AlternateContent xmlns:mc="http://schemas.openxmlformats.org/markup-compatibility/2006">
-          <mc:Choice xmlns:a14="http://schemas.microsoft.com/office/drawing/2010/main" Requires="a14">
+        <mc:AlternateContent xmlns:mc="http://schemas.openxmlformats.org/markup-compatibility/2006" xmlns:a14="http://schemas.microsoft.com/office/drawing/2010/main">
+          <mc:Choice Requires="a14">
             <p:sp>
               <p:nvSpPr>
                 <p:cNvPr id="118" name="Rectangle 117"/>
@@ -15667,7 +15667,7 @@
               </p:txBody>
             </p:sp>
           </mc:Choice>
-          <mc:Fallback>
+          <mc:Fallback xmlns="">
             <p:sp>
               <p:nvSpPr>
                 <p:cNvPr id="118" name="Rectangle 117"/>
@@ -15706,8 +15706,8 @@
             </p:sp>
           </mc:Fallback>
         </mc:AlternateContent>
-        <mc:AlternateContent xmlns:mc="http://schemas.openxmlformats.org/markup-compatibility/2006">
-          <mc:Choice xmlns:a14="http://schemas.microsoft.com/office/drawing/2010/main" Requires="a14">
+        <mc:AlternateContent xmlns:mc="http://schemas.openxmlformats.org/markup-compatibility/2006" xmlns:a14="http://schemas.microsoft.com/office/drawing/2010/main">
+          <mc:Choice Requires="a14">
             <p:sp>
               <p:nvSpPr>
                 <p:cNvPr id="119" name="Rectangle 118"/>
@@ -15819,7 +15819,7 @@
               </p:txBody>
             </p:sp>
           </mc:Choice>
-          <mc:Fallback>
+          <mc:Fallback xmlns="">
             <p:sp>
               <p:nvSpPr>
                 <p:cNvPr id="119" name="Rectangle 118"/>
@@ -15858,8 +15858,8 @@
             </p:sp>
           </mc:Fallback>
         </mc:AlternateContent>
-        <mc:AlternateContent xmlns:mc="http://schemas.openxmlformats.org/markup-compatibility/2006">
-          <mc:Choice xmlns:a14="http://schemas.microsoft.com/office/drawing/2010/main" Requires="a14">
+        <mc:AlternateContent xmlns:mc="http://schemas.openxmlformats.org/markup-compatibility/2006" xmlns:a14="http://schemas.microsoft.com/office/drawing/2010/main">
+          <mc:Choice Requires="a14">
             <p:sp>
               <p:nvSpPr>
                 <p:cNvPr id="134" name="Rectangle 133"/>
@@ -15926,7 +15926,7 @@
               </p:txBody>
             </p:sp>
           </mc:Choice>
-          <mc:Fallback>
+          <mc:Fallback xmlns="">
             <p:sp>
               <p:nvSpPr>
                 <p:cNvPr id="134" name="Rectangle 133"/>
@@ -15965,8 +15965,8 @@
             </p:sp>
           </mc:Fallback>
         </mc:AlternateContent>
-        <mc:AlternateContent xmlns:mc="http://schemas.openxmlformats.org/markup-compatibility/2006">
-          <mc:Choice xmlns:a14="http://schemas.microsoft.com/office/drawing/2010/main" Requires="a14">
+        <mc:AlternateContent xmlns:mc="http://schemas.openxmlformats.org/markup-compatibility/2006" xmlns:a14="http://schemas.microsoft.com/office/drawing/2010/main">
+          <mc:Choice Requires="a14">
             <p:sp>
               <p:nvSpPr>
                 <p:cNvPr id="135" name="Rectangle 134"/>
@@ -16035,7 +16035,7 @@
               </p:txBody>
             </p:sp>
           </mc:Choice>
-          <mc:Fallback>
+          <mc:Fallback xmlns="">
             <p:sp>
               <p:nvSpPr>
                 <p:cNvPr id="135" name="Rectangle 134"/>
@@ -16074,8 +16074,8 @@
             </p:sp>
           </mc:Fallback>
         </mc:AlternateContent>
-        <mc:AlternateContent xmlns:mc="http://schemas.openxmlformats.org/markup-compatibility/2006">
-          <mc:Choice xmlns:a14="http://schemas.microsoft.com/office/drawing/2010/main" Requires="a14">
+        <mc:AlternateContent xmlns:mc="http://schemas.openxmlformats.org/markup-compatibility/2006" xmlns:a14="http://schemas.microsoft.com/office/drawing/2010/main">
+          <mc:Choice Requires="a14">
             <p:sp>
               <p:nvSpPr>
                 <p:cNvPr id="136" name="Rectangle 135"/>
@@ -16142,7 +16142,7 @@
               </p:txBody>
             </p:sp>
           </mc:Choice>
-          <mc:Fallback>
+          <mc:Fallback xmlns="">
             <p:sp>
               <p:nvSpPr>
                 <p:cNvPr id="136" name="Rectangle 135"/>
@@ -16457,8 +16457,8 @@
             </a:p>
           </p:txBody>
         </p:sp>
-        <mc:AlternateContent xmlns:mc="http://schemas.openxmlformats.org/markup-compatibility/2006">
-          <mc:Choice xmlns:a14="http://schemas.microsoft.com/office/drawing/2010/main" Requires="a14">
+        <mc:AlternateContent xmlns:mc="http://schemas.openxmlformats.org/markup-compatibility/2006" xmlns:a14="http://schemas.microsoft.com/office/drawing/2010/main">
+          <mc:Choice Requires="a14">
             <p:sp>
               <p:nvSpPr>
                 <p:cNvPr id="281" name="Rectangle 280"/>
@@ -16526,7 +16526,7 @@
               </p:txBody>
             </p:sp>
           </mc:Choice>
-          <mc:Fallback>
+          <mc:Fallback xmlns="">
             <p:sp>
               <p:nvSpPr>
                 <p:cNvPr id="281" name="Rectangle 280"/>
@@ -16611,8 +16611,8 @@
             </a:p>
           </p:txBody>
         </p:sp>
-        <mc:AlternateContent xmlns:mc="http://schemas.openxmlformats.org/markup-compatibility/2006">
-          <mc:Choice xmlns:a14="http://schemas.microsoft.com/office/drawing/2010/main" Requires="a14">
+        <mc:AlternateContent xmlns:mc="http://schemas.openxmlformats.org/markup-compatibility/2006" xmlns:a14="http://schemas.microsoft.com/office/drawing/2010/main">
+          <mc:Choice Requires="a14">
             <p:sp>
               <p:nvSpPr>
                 <p:cNvPr id="285" name="Rectangle 284"/>
@@ -16691,7 +16691,7 @@
               </p:txBody>
             </p:sp>
           </mc:Choice>
-          <mc:Fallback>
+          <mc:Fallback xmlns="">
             <p:sp>
               <p:nvSpPr>
                 <p:cNvPr id="285" name="Rectangle 284"/>
@@ -16776,8 +16776,8 @@
             </a:p>
           </p:txBody>
         </p:sp>
-        <mc:AlternateContent xmlns:mc="http://schemas.openxmlformats.org/markup-compatibility/2006">
-          <mc:Choice xmlns:a14="http://schemas.microsoft.com/office/drawing/2010/main" Requires="a14">
+        <mc:AlternateContent xmlns:mc="http://schemas.openxmlformats.org/markup-compatibility/2006" xmlns:a14="http://schemas.microsoft.com/office/drawing/2010/main">
+          <mc:Choice Requires="a14">
             <p:sp>
               <p:nvSpPr>
                 <p:cNvPr id="291" name="Rectangle 290"/>
@@ -16856,7 +16856,7 @@
               </p:txBody>
             </p:sp>
           </mc:Choice>
-          <mc:Fallback>
+          <mc:Fallback xmlns="">
             <p:sp>
               <p:nvSpPr>
                 <p:cNvPr id="291" name="Rectangle 290"/>
@@ -16898,8 +16898,8 @@
             </p:sp>
           </mc:Fallback>
         </mc:AlternateContent>
-        <mc:AlternateContent xmlns:mc="http://schemas.openxmlformats.org/markup-compatibility/2006">
-          <mc:Choice xmlns:a14="http://schemas.microsoft.com/office/drawing/2010/main" Requires="a14">
+        <mc:AlternateContent xmlns:mc="http://schemas.openxmlformats.org/markup-compatibility/2006" xmlns:a14="http://schemas.microsoft.com/office/drawing/2010/main">
+          <mc:Choice Requires="a14">
             <p:sp>
               <p:nvSpPr>
                 <p:cNvPr id="131" name="Rectangle 130"/>
@@ -17022,7 +17022,7 @@
               </p:txBody>
             </p:sp>
           </mc:Choice>
-          <mc:Fallback>
+          <mc:Fallback xmlns="">
             <p:sp>
               <p:nvSpPr>
                 <p:cNvPr id="131" name="Rectangle 130"/>
@@ -17064,8 +17064,8 @@
             </p:sp>
           </mc:Fallback>
         </mc:AlternateContent>
-        <mc:AlternateContent xmlns:mc="http://schemas.openxmlformats.org/markup-compatibility/2006">
-          <mc:Choice xmlns:a14="http://schemas.microsoft.com/office/drawing/2010/main" Requires="a14">
+        <mc:AlternateContent xmlns:mc="http://schemas.openxmlformats.org/markup-compatibility/2006" xmlns:a14="http://schemas.microsoft.com/office/drawing/2010/main">
+          <mc:Choice Requires="a14">
             <p:sp>
               <p:nvSpPr>
                 <p:cNvPr id="132" name="Rectangle 131"/>
@@ -17193,7 +17193,7 @@
               </p:txBody>
             </p:sp>
           </mc:Choice>
-          <mc:Fallback>
+          <mc:Fallback xmlns="">
             <p:sp>
               <p:nvSpPr>
                 <p:cNvPr id="132" name="Rectangle 131"/>
@@ -17235,8 +17235,8 @@
             </p:sp>
           </mc:Fallback>
         </mc:AlternateContent>
-        <mc:AlternateContent xmlns:mc="http://schemas.openxmlformats.org/markup-compatibility/2006">
-          <mc:Choice xmlns:a14="http://schemas.microsoft.com/office/drawing/2010/main" Requires="a14">
+        <mc:AlternateContent xmlns:mc="http://schemas.openxmlformats.org/markup-compatibility/2006" xmlns:a14="http://schemas.microsoft.com/office/drawing/2010/main">
+          <mc:Choice Requires="a14">
             <p:sp>
               <p:nvSpPr>
                 <p:cNvPr id="128" name="Rectangle 127"/>
@@ -17295,7 +17295,7 @@
               </p:txBody>
             </p:sp>
           </mc:Choice>
-          <mc:Fallback>
+          <mc:Fallback xmlns="">
             <p:sp>
               <p:nvSpPr>
                 <p:cNvPr id="128" name="Rectangle 127"/>
@@ -17334,8 +17334,8 @@
             </p:sp>
           </mc:Fallback>
         </mc:AlternateContent>
-        <mc:AlternateContent xmlns:mc="http://schemas.openxmlformats.org/markup-compatibility/2006">
-          <mc:Choice xmlns:a14="http://schemas.microsoft.com/office/drawing/2010/main" Requires="a14">
+        <mc:AlternateContent xmlns:mc="http://schemas.openxmlformats.org/markup-compatibility/2006" xmlns:a14="http://schemas.microsoft.com/office/drawing/2010/main">
+          <mc:Choice Requires="a14">
             <p:sp>
               <p:nvSpPr>
                 <p:cNvPr id="130" name="Rectangle 129"/>
@@ -17394,7 +17394,7 @@
               </p:txBody>
             </p:sp>
           </mc:Choice>
-          <mc:Fallback>
+          <mc:Fallback xmlns="">
             <p:sp>
               <p:nvSpPr>
                 <p:cNvPr id="130" name="Rectangle 129"/>
@@ -17433,8 +17433,8 @@
             </p:sp>
           </mc:Fallback>
         </mc:AlternateContent>
-        <mc:AlternateContent xmlns:mc="http://schemas.openxmlformats.org/markup-compatibility/2006">
-          <mc:Choice xmlns:a14="http://schemas.microsoft.com/office/drawing/2010/main" Requires="a14">
+        <mc:AlternateContent xmlns:mc="http://schemas.openxmlformats.org/markup-compatibility/2006" xmlns:a14="http://schemas.microsoft.com/office/drawing/2010/main">
+          <mc:Choice Requires="a14">
             <p:sp>
               <p:nvSpPr>
                 <p:cNvPr id="133" name="Rectangle 132"/>
@@ -17493,7 +17493,7 @@
               </p:txBody>
             </p:sp>
           </mc:Choice>
-          <mc:Fallback>
+          <mc:Fallback xmlns="">
             <p:sp>
               <p:nvSpPr>
                 <p:cNvPr id="133" name="Rectangle 132"/>
@@ -17532,8 +17532,8 @@
             </p:sp>
           </mc:Fallback>
         </mc:AlternateContent>
-        <mc:AlternateContent xmlns:mc="http://schemas.openxmlformats.org/markup-compatibility/2006">
-          <mc:Choice xmlns:a14="http://schemas.microsoft.com/office/drawing/2010/main" Requires="a14">
+        <mc:AlternateContent xmlns:mc="http://schemas.openxmlformats.org/markup-compatibility/2006" xmlns:a14="http://schemas.microsoft.com/office/drawing/2010/main">
+          <mc:Choice Requires="a14">
             <p:sp>
               <p:nvSpPr>
                 <p:cNvPr id="137" name="Rectangle 136"/>
@@ -17592,7 +17592,7 @@
               </p:txBody>
             </p:sp>
           </mc:Choice>
-          <mc:Fallback>
+          <mc:Fallback xmlns="">
             <p:sp>
               <p:nvSpPr>
                 <p:cNvPr id="137" name="Rectangle 136"/>
@@ -17631,8 +17631,8 @@
             </p:sp>
           </mc:Fallback>
         </mc:AlternateContent>
-        <mc:AlternateContent xmlns:mc="http://schemas.openxmlformats.org/markup-compatibility/2006">
-          <mc:Choice xmlns:a14="http://schemas.microsoft.com/office/drawing/2010/main" Requires="a14">
+        <mc:AlternateContent xmlns:mc="http://schemas.openxmlformats.org/markup-compatibility/2006" xmlns:a14="http://schemas.microsoft.com/office/drawing/2010/main">
+          <mc:Choice Requires="a14">
             <p:sp>
               <p:nvSpPr>
                 <p:cNvPr id="138" name="Rectangle 137"/>
@@ -17691,7 +17691,7 @@
               </p:txBody>
             </p:sp>
           </mc:Choice>
-          <mc:Fallback>
+          <mc:Fallback xmlns="">
             <p:sp>
               <p:nvSpPr>
                 <p:cNvPr id="138" name="Rectangle 137"/>
@@ -17730,8 +17730,8 @@
             </p:sp>
           </mc:Fallback>
         </mc:AlternateContent>
-        <mc:AlternateContent xmlns:mc="http://schemas.openxmlformats.org/markup-compatibility/2006">
-          <mc:Choice xmlns:a14="http://schemas.microsoft.com/office/drawing/2010/main" Requires="a14">
+        <mc:AlternateContent xmlns:mc="http://schemas.openxmlformats.org/markup-compatibility/2006" xmlns:a14="http://schemas.microsoft.com/office/drawing/2010/main">
+          <mc:Choice Requires="a14">
             <p:sp>
               <p:nvSpPr>
                 <p:cNvPr id="139" name="Rectangle 138"/>
@@ -17790,7 +17790,7 @@
               </p:txBody>
             </p:sp>
           </mc:Choice>
-          <mc:Fallback>
+          <mc:Fallback xmlns="">
             <p:sp>
               <p:nvSpPr>
                 <p:cNvPr id="139" name="Rectangle 138"/>
@@ -17829,8 +17829,8 @@
             </p:sp>
           </mc:Fallback>
         </mc:AlternateContent>
-        <mc:AlternateContent xmlns:mc="http://schemas.openxmlformats.org/markup-compatibility/2006">
-          <mc:Choice xmlns:a14="http://schemas.microsoft.com/office/drawing/2010/main" Requires="a14">
+        <mc:AlternateContent xmlns:mc="http://schemas.openxmlformats.org/markup-compatibility/2006" xmlns:a14="http://schemas.microsoft.com/office/drawing/2010/main">
+          <mc:Choice Requires="a14">
             <p:sp>
               <p:nvSpPr>
                 <p:cNvPr id="143" name="Rectangle 142"/>
@@ -17889,7 +17889,7 @@
               </p:txBody>
             </p:sp>
           </mc:Choice>
-          <mc:Fallback>
+          <mc:Fallback xmlns="">
             <p:sp>
               <p:nvSpPr>
                 <p:cNvPr id="143" name="Rectangle 142"/>
@@ -17928,8 +17928,8 @@
             </p:sp>
           </mc:Fallback>
         </mc:AlternateContent>
-        <mc:AlternateContent xmlns:mc="http://schemas.openxmlformats.org/markup-compatibility/2006">
-          <mc:Choice xmlns:a14="http://schemas.microsoft.com/office/drawing/2010/main" Requires="a14">
+        <mc:AlternateContent xmlns:mc="http://schemas.openxmlformats.org/markup-compatibility/2006" xmlns:a14="http://schemas.microsoft.com/office/drawing/2010/main">
+          <mc:Choice Requires="a14">
             <p:sp>
               <p:nvSpPr>
                 <p:cNvPr id="144" name="Rectangle 143"/>
@@ -17988,7 +17988,7 @@
               </p:txBody>
             </p:sp>
           </mc:Choice>
-          <mc:Fallback>
+          <mc:Fallback xmlns="">
             <p:sp>
               <p:nvSpPr>
                 <p:cNvPr id="144" name="Rectangle 143"/>
@@ -18027,8 +18027,8 @@
             </p:sp>
           </mc:Fallback>
         </mc:AlternateContent>
-        <mc:AlternateContent xmlns:mc="http://schemas.openxmlformats.org/markup-compatibility/2006">
-          <mc:Choice xmlns:a14="http://schemas.microsoft.com/office/drawing/2010/main" Requires="a14">
+        <mc:AlternateContent xmlns:mc="http://schemas.openxmlformats.org/markup-compatibility/2006" xmlns:a14="http://schemas.microsoft.com/office/drawing/2010/main">
+          <mc:Choice Requires="a14">
             <p:sp>
               <p:nvSpPr>
                 <p:cNvPr id="145" name="Rectangle 144"/>
@@ -18087,7 +18087,7 @@
               </p:txBody>
             </p:sp>
           </mc:Choice>
-          <mc:Fallback>
+          <mc:Fallback xmlns="">
             <p:sp>
               <p:nvSpPr>
                 <p:cNvPr id="145" name="Rectangle 144"/>
@@ -18126,8 +18126,8 @@
             </p:sp>
           </mc:Fallback>
         </mc:AlternateContent>
-        <mc:AlternateContent xmlns:mc="http://schemas.openxmlformats.org/markup-compatibility/2006">
-          <mc:Choice xmlns:a14="http://schemas.microsoft.com/office/drawing/2010/main" Requires="a14">
+        <mc:AlternateContent xmlns:mc="http://schemas.openxmlformats.org/markup-compatibility/2006" xmlns:a14="http://schemas.microsoft.com/office/drawing/2010/main">
+          <mc:Choice Requires="a14">
             <p:sp>
               <p:nvSpPr>
                 <p:cNvPr id="146" name="Rectangle 145"/>
@@ -18186,7 +18186,7 @@
               </p:txBody>
             </p:sp>
           </mc:Choice>
-          <mc:Fallback>
+          <mc:Fallback xmlns="">
             <p:sp>
               <p:nvSpPr>
                 <p:cNvPr id="146" name="Rectangle 145"/>
@@ -18225,8 +18225,8 @@
             </p:sp>
           </mc:Fallback>
         </mc:AlternateContent>
-        <mc:AlternateContent xmlns:mc="http://schemas.openxmlformats.org/markup-compatibility/2006">
-          <mc:Choice xmlns:a14="http://schemas.microsoft.com/office/drawing/2010/main" Requires="a14">
+        <mc:AlternateContent xmlns:mc="http://schemas.openxmlformats.org/markup-compatibility/2006" xmlns:a14="http://schemas.microsoft.com/office/drawing/2010/main">
+          <mc:Choice Requires="a14">
             <p:sp>
               <p:nvSpPr>
                 <p:cNvPr id="147" name="Rectangle 146"/>
@@ -18285,7 +18285,7 @@
               </p:txBody>
             </p:sp>
           </mc:Choice>
-          <mc:Fallback>
+          <mc:Fallback xmlns="">
             <p:sp>
               <p:nvSpPr>
                 <p:cNvPr id="147" name="Rectangle 146"/>
@@ -18324,8 +18324,8 @@
             </p:sp>
           </mc:Fallback>
         </mc:AlternateContent>
-        <mc:AlternateContent xmlns:mc="http://schemas.openxmlformats.org/markup-compatibility/2006">
-          <mc:Choice xmlns:a14="http://schemas.microsoft.com/office/drawing/2010/main" Requires="a14">
+        <mc:AlternateContent xmlns:mc="http://schemas.openxmlformats.org/markup-compatibility/2006" xmlns:a14="http://schemas.microsoft.com/office/drawing/2010/main">
+          <mc:Choice Requires="a14">
             <p:sp>
               <p:nvSpPr>
                 <p:cNvPr id="148" name="Rectangle 147"/>
@@ -18384,7 +18384,7 @@
               </p:txBody>
             </p:sp>
           </mc:Choice>
-          <mc:Fallback>
+          <mc:Fallback xmlns="">
             <p:sp>
               <p:nvSpPr>
                 <p:cNvPr id="148" name="Rectangle 147"/>
@@ -18423,8 +18423,8 @@
             </p:sp>
           </mc:Fallback>
         </mc:AlternateContent>
-        <mc:AlternateContent xmlns:mc="http://schemas.openxmlformats.org/markup-compatibility/2006">
-          <mc:Choice xmlns:a14="http://schemas.microsoft.com/office/drawing/2010/main" Requires="a14">
+        <mc:AlternateContent xmlns:mc="http://schemas.openxmlformats.org/markup-compatibility/2006" xmlns:a14="http://schemas.microsoft.com/office/drawing/2010/main">
+          <mc:Choice Requires="a14">
             <p:sp>
               <p:nvSpPr>
                 <p:cNvPr id="149" name="Rectangle 148"/>
@@ -18483,7 +18483,7 @@
               </p:txBody>
             </p:sp>
           </mc:Choice>
-          <mc:Fallback>
+          <mc:Fallback xmlns="">
             <p:sp>
               <p:nvSpPr>
                 <p:cNvPr id="149" name="Rectangle 148"/>
@@ -18522,8 +18522,8 @@
             </p:sp>
           </mc:Fallback>
         </mc:AlternateContent>
-        <mc:AlternateContent xmlns:mc="http://schemas.openxmlformats.org/markup-compatibility/2006">
-          <mc:Choice xmlns:a14="http://schemas.microsoft.com/office/drawing/2010/main" Requires="a14">
+        <mc:AlternateContent xmlns:mc="http://schemas.openxmlformats.org/markup-compatibility/2006" xmlns:a14="http://schemas.microsoft.com/office/drawing/2010/main">
+          <mc:Choice Requires="a14">
             <p:sp>
               <p:nvSpPr>
                 <p:cNvPr id="150" name="Rectangle 149"/>
@@ -18582,7 +18582,7 @@
               </p:txBody>
             </p:sp>
           </mc:Choice>
-          <mc:Fallback>
+          <mc:Fallback xmlns="">
             <p:sp>
               <p:nvSpPr>
                 <p:cNvPr id="150" name="Rectangle 149"/>
@@ -18621,8 +18621,8 @@
             </p:sp>
           </mc:Fallback>
         </mc:AlternateContent>
-        <mc:AlternateContent xmlns:mc="http://schemas.openxmlformats.org/markup-compatibility/2006">
-          <mc:Choice xmlns:a14="http://schemas.microsoft.com/office/drawing/2010/main" Requires="a14">
+        <mc:AlternateContent xmlns:mc="http://schemas.openxmlformats.org/markup-compatibility/2006" xmlns:a14="http://schemas.microsoft.com/office/drawing/2010/main">
+          <mc:Choice Requires="a14">
             <p:sp>
               <p:nvSpPr>
                 <p:cNvPr id="151" name="Rectangle 150"/>
@@ -18681,7 +18681,7 @@
               </p:txBody>
             </p:sp>
           </mc:Choice>
-          <mc:Fallback>
+          <mc:Fallback xmlns="">
             <p:sp>
               <p:nvSpPr>
                 <p:cNvPr id="151" name="Rectangle 150"/>
@@ -18720,8 +18720,8 @@
             </p:sp>
           </mc:Fallback>
         </mc:AlternateContent>
-        <mc:AlternateContent xmlns:mc="http://schemas.openxmlformats.org/markup-compatibility/2006">
-          <mc:Choice xmlns:a14="http://schemas.microsoft.com/office/drawing/2010/main" Requires="a14">
+        <mc:AlternateContent xmlns:mc="http://schemas.openxmlformats.org/markup-compatibility/2006" xmlns:a14="http://schemas.microsoft.com/office/drawing/2010/main">
+          <mc:Choice Requires="a14">
             <p:sp>
               <p:nvSpPr>
                 <p:cNvPr id="152" name="Rectangle 151"/>
@@ -18780,7 +18780,7 @@
               </p:txBody>
             </p:sp>
           </mc:Choice>
-          <mc:Fallback>
+          <mc:Fallback xmlns="">
             <p:sp>
               <p:nvSpPr>
                 <p:cNvPr id="152" name="Rectangle 151"/>
@@ -18819,8 +18819,8 @@
             </p:sp>
           </mc:Fallback>
         </mc:AlternateContent>
-        <mc:AlternateContent xmlns:mc="http://schemas.openxmlformats.org/markup-compatibility/2006">
-          <mc:Choice xmlns:a14="http://schemas.microsoft.com/office/drawing/2010/main" Requires="a14">
+        <mc:AlternateContent xmlns:mc="http://schemas.openxmlformats.org/markup-compatibility/2006" xmlns:a14="http://schemas.microsoft.com/office/drawing/2010/main">
+          <mc:Choice Requires="a14">
             <p:sp>
               <p:nvSpPr>
                 <p:cNvPr id="153" name="Rectangle 152"/>
@@ -18879,7 +18879,7 @@
               </p:txBody>
             </p:sp>
           </mc:Choice>
-          <mc:Fallback>
+          <mc:Fallback xmlns="">
             <p:sp>
               <p:nvSpPr>
                 <p:cNvPr id="153" name="Rectangle 152"/>
@@ -18918,8 +18918,8 @@
             </p:sp>
           </mc:Fallback>
         </mc:AlternateContent>
-        <mc:AlternateContent xmlns:mc="http://schemas.openxmlformats.org/markup-compatibility/2006">
-          <mc:Choice xmlns:a14="http://schemas.microsoft.com/office/drawing/2010/main" Requires="a14">
+        <mc:AlternateContent xmlns:mc="http://schemas.openxmlformats.org/markup-compatibility/2006" xmlns:a14="http://schemas.microsoft.com/office/drawing/2010/main">
+          <mc:Choice Requires="a14">
             <p:sp>
               <p:nvSpPr>
                 <p:cNvPr id="154" name="Rectangle 153"/>
@@ -18978,7 +18978,7 @@
               </p:txBody>
             </p:sp>
           </mc:Choice>
-          <mc:Fallback>
+          <mc:Fallback xmlns="">
             <p:sp>
               <p:nvSpPr>
                 <p:cNvPr id="154" name="Rectangle 153"/>
@@ -19017,8 +19017,8 @@
             </p:sp>
           </mc:Fallback>
         </mc:AlternateContent>
-        <mc:AlternateContent xmlns:mc="http://schemas.openxmlformats.org/markup-compatibility/2006">
-          <mc:Choice xmlns:a14="http://schemas.microsoft.com/office/drawing/2010/main" Requires="a14">
+        <mc:AlternateContent xmlns:mc="http://schemas.openxmlformats.org/markup-compatibility/2006" xmlns:a14="http://schemas.microsoft.com/office/drawing/2010/main">
+          <mc:Choice Requires="a14">
             <p:sp>
               <p:nvSpPr>
                 <p:cNvPr id="155" name="Rectangle 154"/>
@@ -19077,7 +19077,7 @@
               </p:txBody>
             </p:sp>
           </mc:Choice>
-          <mc:Fallback>
+          <mc:Fallback xmlns="">
             <p:sp>
               <p:nvSpPr>
                 <p:cNvPr id="155" name="Rectangle 154"/>
@@ -19116,8 +19116,8 @@
             </p:sp>
           </mc:Fallback>
         </mc:AlternateContent>
-        <mc:AlternateContent xmlns:mc="http://schemas.openxmlformats.org/markup-compatibility/2006">
-          <mc:Choice xmlns:a14="http://schemas.microsoft.com/office/drawing/2010/main" Requires="a14">
+        <mc:AlternateContent xmlns:mc="http://schemas.openxmlformats.org/markup-compatibility/2006" xmlns:a14="http://schemas.microsoft.com/office/drawing/2010/main">
+          <mc:Choice Requires="a14">
             <p:sp>
               <p:nvSpPr>
                 <p:cNvPr id="156" name="Rectangle 155"/>
@@ -19176,7 +19176,7 @@
               </p:txBody>
             </p:sp>
           </mc:Choice>
-          <mc:Fallback>
+          <mc:Fallback xmlns="">
             <p:sp>
               <p:nvSpPr>
                 <p:cNvPr id="156" name="Rectangle 155"/>
@@ -19215,8 +19215,8 @@
             </p:sp>
           </mc:Fallback>
         </mc:AlternateContent>
-        <mc:AlternateContent xmlns:mc="http://schemas.openxmlformats.org/markup-compatibility/2006">
-          <mc:Choice xmlns:a14="http://schemas.microsoft.com/office/drawing/2010/main" Requires="a14">
+        <mc:AlternateContent xmlns:mc="http://schemas.openxmlformats.org/markup-compatibility/2006" xmlns:a14="http://schemas.microsoft.com/office/drawing/2010/main">
+          <mc:Choice Requires="a14">
             <p:sp>
               <p:nvSpPr>
                 <p:cNvPr id="157" name="Rectangle 156"/>
@@ -19275,7 +19275,7 @@
               </p:txBody>
             </p:sp>
           </mc:Choice>
-          <mc:Fallback>
+          <mc:Fallback xmlns="">
             <p:sp>
               <p:nvSpPr>
                 <p:cNvPr id="157" name="Rectangle 156"/>
@@ -19314,8 +19314,8 @@
             </p:sp>
           </mc:Fallback>
         </mc:AlternateContent>
-        <mc:AlternateContent xmlns:mc="http://schemas.openxmlformats.org/markup-compatibility/2006">
-          <mc:Choice xmlns:a14="http://schemas.microsoft.com/office/drawing/2010/main" Requires="a14">
+        <mc:AlternateContent xmlns:mc="http://schemas.openxmlformats.org/markup-compatibility/2006" xmlns:a14="http://schemas.microsoft.com/office/drawing/2010/main">
+          <mc:Choice Requires="a14">
             <p:sp>
               <p:nvSpPr>
                 <p:cNvPr id="175" name="Rectangle 174"/>
@@ -19374,7 +19374,7 @@
               </p:txBody>
             </p:sp>
           </mc:Choice>
-          <mc:Fallback>
+          <mc:Fallback xmlns="">
             <p:sp>
               <p:nvSpPr>
                 <p:cNvPr id="175" name="Rectangle 174"/>
@@ -19413,8 +19413,8 @@
             </p:sp>
           </mc:Fallback>
         </mc:AlternateContent>
-        <mc:AlternateContent xmlns:mc="http://schemas.openxmlformats.org/markup-compatibility/2006">
-          <mc:Choice xmlns:a14="http://schemas.microsoft.com/office/drawing/2010/main" Requires="a14">
+        <mc:AlternateContent xmlns:mc="http://schemas.openxmlformats.org/markup-compatibility/2006" xmlns:a14="http://schemas.microsoft.com/office/drawing/2010/main">
+          <mc:Choice Requires="a14">
             <p:sp>
               <p:nvSpPr>
                 <p:cNvPr id="176" name="Rectangle 175"/>
@@ -19473,7 +19473,7 @@
               </p:txBody>
             </p:sp>
           </mc:Choice>
-          <mc:Fallback>
+          <mc:Fallback xmlns="">
             <p:sp>
               <p:nvSpPr>
                 <p:cNvPr id="176" name="Rectangle 175"/>
@@ -19512,8 +19512,8 @@
             </p:sp>
           </mc:Fallback>
         </mc:AlternateContent>
-        <mc:AlternateContent xmlns:mc="http://schemas.openxmlformats.org/markup-compatibility/2006">
-          <mc:Choice xmlns:a14="http://schemas.microsoft.com/office/drawing/2010/main" Requires="a14">
+        <mc:AlternateContent xmlns:mc="http://schemas.openxmlformats.org/markup-compatibility/2006" xmlns:a14="http://schemas.microsoft.com/office/drawing/2010/main">
+          <mc:Choice Requires="a14">
             <p:sp>
               <p:nvSpPr>
                 <p:cNvPr id="177" name="Rectangle 176"/>
@@ -19572,7 +19572,7 @@
               </p:txBody>
             </p:sp>
           </mc:Choice>
-          <mc:Fallback>
+          <mc:Fallback xmlns="">
             <p:sp>
               <p:nvSpPr>
                 <p:cNvPr id="177" name="Rectangle 176"/>
@@ -19611,8 +19611,8 @@
             </p:sp>
           </mc:Fallback>
         </mc:AlternateContent>
-        <mc:AlternateContent xmlns:mc="http://schemas.openxmlformats.org/markup-compatibility/2006">
-          <mc:Choice xmlns:a14="http://schemas.microsoft.com/office/drawing/2010/main" Requires="a14">
+        <mc:AlternateContent xmlns:mc="http://schemas.openxmlformats.org/markup-compatibility/2006" xmlns:a14="http://schemas.microsoft.com/office/drawing/2010/main">
+          <mc:Choice Requires="a14">
             <p:sp>
               <p:nvSpPr>
                 <p:cNvPr id="178" name="Rectangle 177"/>
@@ -19671,7 +19671,7 @@
               </p:txBody>
             </p:sp>
           </mc:Choice>
-          <mc:Fallback>
+          <mc:Fallback xmlns="">
             <p:sp>
               <p:nvSpPr>
                 <p:cNvPr id="178" name="Rectangle 177"/>
@@ -19710,8 +19710,8 @@
             </p:sp>
           </mc:Fallback>
         </mc:AlternateContent>
-        <mc:AlternateContent xmlns:mc="http://schemas.openxmlformats.org/markup-compatibility/2006">
-          <mc:Choice xmlns:a14="http://schemas.microsoft.com/office/drawing/2010/main" Requires="a14">
+        <mc:AlternateContent xmlns:mc="http://schemas.openxmlformats.org/markup-compatibility/2006" xmlns:a14="http://schemas.microsoft.com/office/drawing/2010/main">
+          <mc:Choice Requires="a14">
             <p:sp>
               <p:nvSpPr>
                 <p:cNvPr id="179" name="Rectangle 178"/>
@@ -19770,7 +19770,7 @@
               </p:txBody>
             </p:sp>
           </mc:Choice>
-          <mc:Fallback>
+          <mc:Fallback xmlns="">
             <p:sp>
               <p:nvSpPr>
                 <p:cNvPr id="179" name="Rectangle 178"/>
@@ -19809,8 +19809,8 @@
             </p:sp>
           </mc:Fallback>
         </mc:AlternateContent>
-        <mc:AlternateContent xmlns:mc="http://schemas.openxmlformats.org/markup-compatibility/2006">
-          <mc:Choice xmlns:a14="http://schemas.microsoft.com/office/drawing/2010/main" Requires="a14">
+        <mc:AlternateContent xmlns:mc="http://schemas.openxmlformats.org/markup-compatibility/2006" xmlns:a14="http://schemas.microsoft.com/office/drawing/2010/main">
+          <mc:Choice Requires="a14">
             <p:sp>
               <p:nvSpPr>
                 <p:cNvPr id="180" name="Rectangle 179"/>
@@ -19869,7 +19869,7 @@
               </p:txBody>
             </p:sp>
           </mc:Choice>
-          <mc:Fallback>
+          <mc:Fallback xmlns="">
             <p:sp>
               <p:nvSpPr>
                 <p:cNvPr id="180" name="Rectangle 179"/>
@@ -19908,8 +19908,8 @@
             </p:sp>
           </mc:Fallback>
         </mc:AlternateContent>
-        <mc:AlternateContent xmlns:mc="http://schemas.openxmlformats.org/markup-compatibility/2006">
-          <mc:Choice xmlns:a14="http://schemas.microsoft.com/office/drawing/2010/main" Requires="a14">
+        <mc:AlternateContent xmlns:mc="http://schemas.openxmlformats.org/markup-compatibility/2006" xmlns:a14="http://schemas.microsoft.com/office/drawing/2010/main">
+          <mc:Choice Requires="a14">
             <p:sp>
               <p:nvSpPr>
                 <p:cNvPr id="181" name="Rectangle 180"/>
@@ -19968,7 +19968,7 @@
               </p:txBody>
             </p:sp>
           </mc:Choice>
-          <mc:Fallback>
+          <mc:Fallback xmlns="">
             <p:sp>
               <p:nvSpPr>
                 <p:cNvPr id="181" name="Rectangle 180"/>
@@ -20007,8 +20007,8 @@
             </p:sp>
           </mc:Fallback>
         </mc:AlternateContent>
-        <mc:AlternateContent xmlns:mc="http://schemas.openxmlformats.org/markup-compatibility/2006">
-          <mc:Choice xmlns:a14="http://schemas.microsoft.com/office/drawing/2010/main" Requires="a14">
+        <mc:AlternateContent xmlns:mc="http://schemas.openxmlformats.org/markup-compatibility/2006" xmlns:a14="http://schemas.microsoft.com/office/drawing/2010/main">
+          <mc:Choice Requires="a14">
             <p:sp>
               <p:nvSpPr>
                 <p:cNvPr id="182" name="Rectangle 181"/>
@@ -20067,7 +20067,7 @@
               </p:txBody>
             </p:sp>
           </mc:Choice>
-          <mc:Fallback>
+          <mc:Fallback xmlns="">
             <p:sp>
               <p:nvSpPr>
                 <p:cNvPr id="182" name="Rectangle 181"/>
@@ -20106,8 +20106,8 @@
             </p:sp>
           </mc:Fallback>
         </mc:AlternateContent>
-        <mc:AlternateContent xmlns:mc="http://schemas.openxmlformats.org/markup-compatibility/2006">
-          <mc:Choice xmlns:a14="http://schemas.microsoft.com/office/drawing/2010/main" Requires="a14">
+        <mc:AlternateContent xmlns:mc="http://schemas.openxmlformats.org/markup-compatibility/2006" xmlns:a14="http://schemas.microsoft.com/office/drawing/2010/main">
+          <mc:Choice Requires="a14">
             <p:sp>
               <p:nvSpPr>
                 <p:cNvPr id="183" name="Rectangle 182"/>
@@ -20166,7 +20166,7 @@
               </p:txBody>
             </p:sp>
           </mc:Choice>
-          <mc:Fallback>
+          <mc:Fallback xmlns="">
             <p:sp>
               <p:nvSpPr>
                 <p:cNvPr id="183" name="Rectangle 182"/>
@@ -20205,8 +20205,8 @@
             </p:sp>
           </mc:Fallback>
         </mc:AlternateContent>
-        <mc:AlternateContent xmlns:mc="http://schemas.openxmlformats.org/markup-compatibility/2006">
-          <mc:Choice xmlns:a14="http://schemas.microsoft.com/office/drawing/2010/main" Requires="a14">
+        <mc:AlternateContent xmlns:mc="http://schemas.openxmlformats.org/markup-compatibility/2006" xmlns:a14="http://schemas.microsoft.com/office/drawing/2010/main">
+          <mc:Choice Requires="a14">
             <p:sp>
               <p:nvSpPr>
                 <p:cNvPr id="184" name="Rectangle 183"/>
@@ -20265,7 +20265,7 @@
               </p:txBody>
             </p:sp>
           </mc:Choice>
-          <mc:Fallback>
+          <mc:Fallback xmlns="">
             <p:sp>
               <p:nvSpPr>
                 <p:cNvPr id="184" name="Rectangle 183"/>
@@ -20304,8 +20304,8 @@
             </p:sp>
           </mc:Fallback>
         </mc:AlternateContent>
-        <mc:AlternateContent xmlns:mc="http://schemas.openxmlformats.org/markup-compatibility/2006">
-          <mc:Choice xmlns:a14="http://schemas.microsoft.com/office/drawing/2010/main" Requires="a14">
+        <mc:AlternateContent xmlns:mc="http://schemas.openxmlformats.org/markup-compatibility/2006" xmlns:a14="http://schemas.microsoft.com/office/drawing/2010/main">
+          <mc:Choice Requires="a14">
             <p:sp>
               <p:nvSpPr>
                 <p:cNvPr id="185" name="Rectangle 184"/>
@@ -20364,7 +20364,7 @@
               </p:txBody>
             </p:sp>
           </mc:Choice>
-          <mc:Fallback>
+          <mc:Fallback xmlns="">
             <p:sp>
               <p:nvSpPr>
                 <p:cNvPr id="185" name="Rectangle 184"/>
@@ -20403,8 +20403,8 @@
             </p:sp>
           </mc:Fallback>
         </mc:AlternateContent>
-        <mc:AlternateContent xmlns:mc="http://schemas.openxmlformats.org/markup-compatibility/2006">
-          <mc:Choice xmlns:a14="http://schemas.microsoft.com/office/drawing/2010/main" Requires="a14">
+        <mc:AlternateContent xmlns:mc="http://schemas.openxmlformats.org/markup-compatibility/2006" xmlns:a14="http://schemas.microsoft.com/office/drawing/2010/main">
+          <mc:Choice Requires="a14">
             <p:sp>
               <p:nvSpPr>
                 <p:cNvPr id="186" name="Rectangle 185"/>
@@ -20463,7 +20463,7 @@
               </p:txBody>
             </p:sp>
           </mc:Choice>
-          <mc:Fallback>
+          <mc:Fallback xmlns="">
             <p:sp>
               <p:nvSpPr>
                 <p:cNvPr id="186" name="Rectangle 185"/>
@@ -20502,8 +20502,8 @@
             </p:sp>
           </mc:Fallback>
         </mc:AlternateContent>
-        <mc:AlternateContent xmlns:mc="http://schemas.openxmlformats.org/markup-compatibility/2006">
-          <mc:Choice xmlns:a14="http://schemas.microsoft.com/office/drawing/2010/main" Requires="a14">
+        <mc:AlternateContent xmlns:mc="http://schemas.openxmlformats.org/markup-compatibility/2006" xmlns:a14="http://schemas.microsoft.com/office/drawing/2010/main">
+          <mc:Choice Requires="a14">
             <p:sp>
               <p:nvSpPr>
                 <p:cNvPr id="187" name="Rectangle 186"/>
@@ -20562,7 +20562,7 @@
               </p:txBody>
             </p:sp>
           </mc:Choice>
-          <mc:Fallback>
+          <mc:Fallback xmlns="">
             <p:sp>
               <p:nvSpPr>
                 <p:cNvPr id="187" name="Rectangle 186"/>
@@ -20601,8 +20601,8 @@
             </p:sp>
           </mc:Fallback>
         </mc:AlternateContent>
-        <mc:AlternateContent xmlns:mc="http://schemas.openxmlformats.org/markup-compatibility/2006">
-          <mc:Choice xmlns:a14="http://schemas.microsoft.com/office/drawing/2010/main" Requires="a14">
+        <mc:AlternateContent xmlns:mc="http://schemas.openxmlformats.org/markup-compatibility/2006" xmlns:a14="http://schemas.microsoft.com/office/drawing/2010/main">
+          <mc:Choice Requires="a14">
             <p:sp>
               <p:nvSpPr>
                 <p:cNvPr id="188" name="Rectangle 187"/>
@@ -20661,7 +20661,7 @@
               </p:txBody>
             </p:sp>
           </mc:Choice>
-          <mc:Fallback>
+          <mc:Fallback xmlns="">
             <p:sp>
               <p:nvSpPr>
                 <p:cNvPr id="188" name="Rectangle 187"/>
@@ -20700,8 +20700,8 @@
             </p:sp>
           </mc:Fallback>
         </mc:AlternateContent>
-        <mc:AlternateContent xmlns:mc="http://schemas.openxmlformats.org/markup-compatibility/2006">
-          <mc:Choice xmlns:a14="http://schemas.microsoft.com/office/drawing/2010/main" Requires="a14">
+        <mc:AlternateContent xmlns:mc="http://schemas.openxmlformats.org/markup-compatibility/2006" xmlns:a14="http://schemas.microsoft.com/office/drawing/2010/main">
+          <mc:Choice Requires="a14">
             <p:sp>
               <p:nvSpPr>
                 <p:cNvPr id="189" name="Rectangle 188"/>
@@ -20760,7 +20760,7 @@
               </p:txBody>
             </p:sp>
           </mc:Choice>
-          <mc:Fallback>
+          <mc:Fallback xmlns="">
             <p:sp>
               <p:nvSpPr>
                 <p:cNvPr id="189" name="Rectangle 188"/>
@@ -20799,8 +20799,8 @@
             </p:sp>
           </mc:Fallback>
         </mc:AlternateContent>
-        <mc:AlternateContent xmlns:mc="http://schemas.openxmlformats.org/markup-compatibility/2006">
-          <mc:Choice xmlns:a14="http://schemas.microsoft.com/office/drawing/2010/main" Requires="a14">
+        <mc:AlternateContent xmlns:mc="http://schemas.openxmlformats.org/markup-compatibility/2006" xmlns:a14="http://schemas.microsoft.com/office/drawing/2010/main">
+          <mc:Choice Requires="a14">
             <p:sp>
               <p:nvSpPr>
                 <p:cNvPr id="190" name="Rectangle 189"/>
@@ -20859,7 +20859,7 @@
               </p:txBody>
             </p:sp>
           </mc:Choice>
-          <mc:Fallback>
+          <mc:Fallback xmlns="">
             <p:sp>
               <p:nvSpPr>
                 <p:cNvPr id="190" name="Rectangle 189"/>
@@ -20898,8 +20898,8 @@
             </p:sp>
           </mc:Fallback>
         </mc:AlternateContent>
-        <mc:AlternateContent xmlns:mc="http://schemas.openxmlformats.org/markup-compatibility/2006">
-          <mc:Choice xmlns:a14="http://schemas.microsoft.com/office/drawing/2010/main" Requires="a14">
+        <mc:AlternateContent xmlns:mc="http://schemas.openxmlformats.org/markup-compatibility/2006" xmlns:a14="http://schemas.microsoft.com/office/drawing/2010/main">
+          <mc:Choice Requires="a14">
             <p:sp>
               <p:nvSpPr>
                 <p:cNvPr id="197" name="Rectangle 196"/>
@@ -20958,7 +20958,7 @@
               </p:txBody>
             </p:sp>
           </mc:Choice>
-          <mc:Fallback>
+          <mc:Fallback xmlns="">
             <p:sp>
               <p:nvSpPr>
                 <p:cNvPr id="197" name="Rectangle 196"/>
@@ -20997,8 +20997,8 @@
             </p:sp>
           </mc:Fallback>
         </mc:AlternateContent>
-        <mc:AlternateContent xmlns:mc="http://schemas.openxmlformats.org/markup-compatibility/2006">
-          <mc:Choice xmlns:a14="http://schemas.microsoft.com/office/drawing/2010/main" Requires="a14">
+        <mc:AlternateContent xmlns:mc="http://schemas.openxmlformats.org/markup-compatibility/2006" xmlns:a14="http://schemas.microsoft.com/office/drawing/2010/main">
+          <mc:Choice Requires="a14">
             <p:sp>
               <p:nvSpPr>
                 <p:cNvPr id="198" name="Rectangle 197"/>
@@ -21057,7 +21057,7 @@
               </p:txBody>
             </p:sp>
           </mc:Choice>
-          <mc:Fallback>
+          <mc:Fallback xmlns="">
             <p:sp>
               <p:nvSpPr>
                 <p:cNvPr id="198" name="Rectangle 197"/>
@@ -21096,8 +21096,8 @@
             </p:sp>
           </mc:Fallback>
         </mc:AlternateContent>
-        <mc:AlternateContent xmlns:mc="http://schemas.openxmlformats.org/markup-compatibility/2006">
-          <mc:Choice xmlns:a14="http://schemas.microsoft.com/office/drawing/2010/main" Requires="a14">
+        <mc:AlternateContent xmlns:mc="http://schemas.openxmlformats.org/markup-compatibility/2006" xmlns:a14="http://schemas.microsoft.com/office/drawing/2010/main">
+          <mc:Choice Requires="a14">
             <p:sp>
               <p:nvSpPr>
                 <p:cNvPr id="223" name="Rectangle 222"/>
@@ -21156,7 +21156,7 @@
               </p:txBody>
             </p:sp>
           </mc:Choice>
-          <mc:Fallback>
+          <mc:Fallback xmlns="">
             <p:sp>
               <p:nvSpPr>
                 <p:cNvPr id="223" name="Rectangle 222"/>
@@ -21195,8 +21195,8 @@
             </p:sp>
           </mc:Fallback>
         </mc:AlternateContent>
-        <mc:AlternateContent xmlns:mc="http://schemas.openxmlformats.org/markup-compatibility/2006">
-          <mc:Choice xmlns:a14="http://schemas.microsoft.com/office/drawing/2010/main" Requires="a14">
+        <mc:AlternateContent xmlns:mc="http://schemas.openxmlformats.org/markup-compatibility/2006" xmlns:a14="http://schemas.microsoft.com/office/drawing/2010/main">
+          <mc:Choice Requires="a14">
             <p:sp>
               <p:nvSpPr>
                 <p:cNvPr id="224" name="Rectangle 223"/>
@@ -21255,7 +21255,7 @@
               </p:txBody>
             </p:sp>
           </mc:Choice>
-          <mc:Fallback>
+          <mc:Fallback xmlns="">
             <p:sp>
               <p:nvSpPr>
                 <p:cNvPr id="224" name="Rectangle 223"/>
@@ -21294,8 +21294,8 @@
             </p:sp>
           </mc:Fallback>
         </mc:AlternateContent>
-        <mc:AlternateContent xmlns:mc="http://schemas.openxmlformats.org/markup-compatibility/2006">
-          <mc:Choice xmlns:a14="http://schemas.microsoft.com/office/drawing/2010/main" Requires="a14">
+        <mc:AlternateContent xmlns:mc="http://schemas.openxmlformats.org/markup-compatibility/2006" xmlns:a14="http://schemas.microsoft.com/office/drawing/2010/main">
+          <mc:Choice Requires="a14">
             <p:sp>
               <p:nvSpPr>
                 <p:cNvPr id="225" name="Rectangle 224"/>
@@ -21354,7 +21354,7 @@
               </p:txBody>
             </p:sp>
           </mc:Choice>
-          <mc:Fallback>
+          <mc:Fallback xmlns="">
             <p:sp>
               <p:nvSpPr>
                 <p:cNvPr id="225" name="Rectangle 224"/>
@@ -21393,8 +21393,8 @@
             </p:sp>
           </mc:Fallback>
         </mc:AlternateContent>
-        <mc:AlternateContent xmlns:mc="http://schemas.openxmlformats.org/markup-compatibility/2006">
-          <mc:Choice xmlns:a14="http://schemas.microsoft.com/office/drawing/2010/main" Requires="a14">
+        <mc:AlternateContent xmlns:mc="http://schemas.openxmlformats.org/markup-compatibility/2006" xmlns:a14="http://schemas.microsoft.com/office/drawing/2010/main">
+          <mc:Choice Requires="a14">
             <p:sp>
               <p:nvSpPr>
                 <p:cNvPr id="226" name="Rectangle 225"/>
@@ -21453,7 +21453,7 @@
               </p:txBody>
             </p:sp>
           </mc:Choice>
-          <mc:Fallback>
+          <mc:Fallback xmlns="">
             <p:sp>
               <p:nvSpPr>
                 <p:cNvPr id="226" name="Rectangle 225"/>
@@ -21492,8 +21492,8 @@
             </p:sp>
           </mc:Fallback>
         </mc:AlternateContent>
-        <mc:AlternateContent xmlns:mc="http://schemas.openxmlformats.org/markup-compatibility/2006">
-          <mc:Choice xmlns:a14="http://schemas.microsoft.com/office/drawing/2010/main" Requires="a14">
+        <mc:AlternateContent xmlns:mc="http://schemas.openxmlformats.org/markup-compatibility/2006" xmlns:a14="http://schemas.microsoft.com/office/drawing/2010/main">
+          <mc:Choice Requires="a14">
             <p:sp>
               <p:nvSpPr>
                 <p:cNvPr id="227" name="Rectangle 226"/>
@@ -21552,7 +21552,7 @@
               </p:txBody>
             </p:sp>
           </mc:Choice>
-          <mc:Fallback>
+          <mc:Fallback xmlns="">
             <p:sp>
               <p:nvSpPr>
                 <p:cNvPr id="227" name="Rectangle 226"/>
@@ -21591,8 +21591,8 @@
             </p:sp>
           </mc:Fallback>
         </mc:AlternateContent>
-        <mc:AlternateContent xmlns:mc="http://schemas.openxmlformats.org/markup-compatibility/2006">
-          <mc:Choice xmlns:a14="http://schemas.microsoft.com/office/drawing/2010/main" Requires="a14">
+        <mc:AlternateContent xmlns:mc="http://schemas.openxmlformats.org/markup-compatibility/2006" xmlns:a14="http://schemas.microsoft.com/office/drawing/2010/main">
+          <mc:Choice Requires="a14">
             <p:sp>
               <p:nvSpPr>
                 <p:cNvPr id="228" name="Rectangle 227"/>
@@ -21651,7 +21651,7 @@
               </p:txBody>
             </p:sp>
           </mc:Choice>
-          <mc:Fallback>
+          <mc:Fallback xmlns="">
             <p:sp>
               <p:nvSpPr>
                 <p:cNvPr id="228" name="Rectangle 227"/>
@@ -21690,8 +21690,8 @@
             </p:sp>
           </mc:Fallback>
         </mc:AlternateContent>
-        <mc:AlternateContent xmlns:mc="http://schemas.openxmlformats.org/markup-compatibility/2006">
-          <mc:Choice xmlns:a14="http://schemas.microsoft.com/office/drawing/2010/main" Requires="a14">
+        <mc:AlternateContent xmlns:mc="http://schemas.openxmlformats.org/markup-compatibility/2006" xmlns:a14="http://schemas.microsoft.com/office/drawing/2010/main">
+          <mc:Choice Requires="a14">
             <p:sp>
               <p:nvSpPr>
                 <p:cNvPr id="229" name="Rectangle 228"/>
@@ -21750,7 +21750,7 @@
               </p:txBody>
             </p:sp>
           </mc:Choice>
-          <mc:Fallback>
+          <mc:Fallback xmlns="">
             <p:sp>
               <p:nvSpPr>
                 <p:cNvPr id="229" name="Rectangle 228"/>
@@ -21789,8 +21789,8 @@
             </p:sp>
           </mc:Fallback>
         </mc:AlternateContent>
-        <mc:AlternateContent xmlns:mc="http://schemas.openxmlformats.org/markup-compatibility/2006">
-          <mc:Choice xmlns:a14="http://schemas.microsoft.com/office/drawing/2010/main" Requires="a14">
+        <mc:AlternateContent xmlns:mc="http://schemas.openxmlformats.org/markup-compatibility/2006" xmlns:a14="http://schemas.microsoft.com/office/drawing/2010/main">
+          <mc:Choice Requires="a14">
             <p:sp>
               <p:nvSpPr>
                 <p:cNvPr id="230" name="Rectangle 229"/>
@@ -21849,7 +21849,7 @@
               </p:txBody>
             </p:sp>
           </mc:Choice>
-          <mc:Fallback>
+          <mc:Fallback xmlns="">
             <p:sp>
               <p:nvSpPr>
                 <p:cNvPr id="230" name="Rectangle 229"/>
@@ -21888,8 +21888,8 @@
             </p:sp>
           </mc:Fallback>
         </mc:AlternateContent>
-        <mc:AlternateContent xmlns:mc="http://schemas.openxmlformats.org/markup-compatibility/2006">
-          <mc:Choice xmlns:a14="http://schemas.microsoft.com/office/drawing/2010/main" Requires="a14">
+        <mc:AlternateContent xmlns:mc="http://schemas.openxmlformats.org/markup-compatibility/2006" xmlns:a14="http://schemas.microsoft.com/office/drawing/2010/main">
+          <mc:Choice Requires="a14">
             <p:sp>
               <p:nvSpPr>
                 <p:cNvPr id="231" name="Rectangle 230"/>
@@ -21948,7 +21948,7 @@
               </p:txBody>
             </p:sp>
           </mc:Choice>
-          <mc:Fallback>
+          <mc:Fallback xmlns="">
             <p:sp>
               <p:nvSpPr>
                 <p:cNvPr id="231" name="Rectangle 230"/>
@@ -21987,8 +21987,8 @@
             </p:sp>
           </mc:Fallback>
         </mc:AlternateContent>
-        <mc:AlternateContent xmlns:mc="http://schemas.openxmlformats.org/markup-compatibility/2006">
-          <mc:Choice xmlns:a14="http://schemas.microsoft.com/office/drawing/2010/main" Requires="a14">
+        <mc:AlternateContent xmlns:mc="http://schemas.openxmlformats.org/markup-compatibility/2006" xmlns:a14="http://schemas.microsoft.com/office/drawing/2010/main">
+          <mc:Choice Requires="a14">
             <p:sp>
               <p:nvSpPr>
                 <p:cNvPr id="232" name="Rectangle 231"/>
@@ -22047,7 +22047,7 @@
               </p:txBody>
             </p:sp>
           </mc:Choice>
-          <mc:Fallback>
+          <mc:Fallback xmlns="">
             <p:sp>
               <p:nvSpPr>
                 <p:cNvPr id="232" name="Rectangle 231"/>
@@ -22086,8 +22086,8 @@
             </p:sp>
           </mc:Fallback>
         </mc:AlternateContent>
-        <mc:AlternateContent xmlns:mc="http://schemas.openxmlformats.org/markup-compatibility/2006">
-          <mc:Choice xmlns:a14="http://schemas.microsoft.com/office/drawing/2010/main" Requires="a14">
+        <mc:AlternateContent xmlns:mc="http://schemas.openxmlformats.org/markup-compatibility/2006" xmlns:a14="http://schemas.microsoft.com/office/drawing/2010/main">
+          <mc:Choice Requires="a14">
             <p:sp>
               <p:nvSpPr>
                 <p:cNvPr id="233" name="Rectangle 232"/>
@@ -22146,7 +22146,7 @@
               </p:txBody>
             </p:sp>
           </mc:Choice>
-          <mc:Fallback>
+          <mc:Fallback xmlns="">
             <p:sp>
               <p:nvSpPr>
                 <p:cNvPr id="233" name="Rectangle 232"/>
@@ -22185,8 +22185,8 @@
             </p:sp>
           </mc:Fallback>
         </mc:AlternateContent>
-        <mc:AlternateContent xmlns:mc="http://schemas.openxmlformats.org/markup-compatibility/2006">
-          <mc:Choice xmlns:a14="http://schemas.microsoft.com/office/drawing/2010/main" Requires="a14">
+        <mc:AlternateContent xmlns:mc="http://schemas.openxmlformats.org/markup-compatibility/2006" xmlns:a14="http://schemas.microsoft.com/office/drawing/2010/main">
+          <mc:Choice Requires="a14">
             <p:sp>
               <p:nvSpPr>
                 <p:cNvPr id="234" name="Rectangle 233"/>
@@ -22245,7 +22245,7 @@
               </p:txBody>
             </p:sp>
           </mc:Choice>
-          <mc:Fallback>
+          <mc:Fallback xmlns="">
             <p:sp>
               <p:nvSpPr>
                 <p:cNvPr id="234" name="Rectangle 233"/>
@@ -22284,8 +22284,8 @@
             </p:sp>
           </mc:Fallback>
         </mc:AlternateContent>
-        <mc:AlternateContent xmlns:mc="http://schemas.openxmlformats.org/markup-compatibility/2006">
-          <mc:Choice xmlns:a14="http://schemas.microsoft.com/office/drawing/2010/main" Requires="a14">
+        <mc:AlternateContent xmlns:mc="http://schemas.openxmlformats.org/markup-compatibility/2006" xmlns:a14="http://schemas.microsoft.com/office/drawing/2010/main">
+          <mc:Choice Requires="a14">
             <p:sp>
               <p:nvSpPr>
                 <p:cNvPr id="235" name="Rectangle 234"/>
@@ -22344,7 +22344,7 @@
               </p:txBody>
             </p:sp>
           </mc:Choice>
-          <mc:Fallback>
+          <mc:Fallback xmlns="">
             <p:sp>
               <p:nvSpPr>
                 <p:cNvPr id="235" name="Rectangle 234"/>
@@ -22383,8 +22383,8 @@
             </p:sp>
           </mc:Fallback>
         </mc:AlternateContent>
-        <mc:AlternateContent xmlns:mc="http://schemas.openxmlformats.org/markup-compatibility/2006">
-          <mc:Choice xmlns:a14="http://schemas.microsoft.com/office/drawing/2010/main" Requires="a14">
+        <mc:AlternateContent xmlns:mc="http://schemas.openxmlformats.org/markup-compatibility/2006" xmlns:a14="http://schemas.microsoft.com/office/drawing/2010/main">
+          <mc:Choice Requires="a14">
             <p:sp>
               <p:nvSpPr>
                 <p:cNvPr id="236" name="Rectangle 235"/>
@@ -22443,7 +22443,7 @@
               </p:txBody>
             </p:sp>
           </mc:Choice>
-          <mc:Fallback>
+          <mc:Fallback xmlns="">
             <p:sp>
               <p:nvSpPr>
                 <p:cNvPr id="236" name="Rectangle 235"/>
@@ -22482,8 +22482,8 @@
             </p:sp>
           </mc:Fallback>
         </mc:AlternateContent>
-        <mc:AlternateContent xmlns:mc="http://schemas.openxmlformats.org/markup-compatibility/2006">
-          <mc:Choice xmlns:a14="http://schemas.microsoft.com/office/drawing/2010/main" Requires="a14">
+        <mc:AlternateContent xmlns:mc="http://schemas.openxmlformats.org/markup-compatibility/2006" xmlns:a14="http://schemas.microsoft.com/office/drawing/2010/main">
+          <mc:Choice Requires="a14">
             <p:sp>
               <p:nvSpPr>
                 <p:cNvPr id="237" name="Rectangle 236"/>
@@ -22542,7 +22542,7 @@
               </p:txBody>
             </p:sp>
           </mc:Choice>
-          <mc:Fallback>
+          <mc:Fallback xmlns="">
             <p:sp>
               <p:nvSpPr>
                 <p:cNvPr id="237" name="Rectangle 236"/>
@@ -22647,8 +22647,8 @@
               <a:chExt cx="3938965" cy="6254379"/>
             </a:xfrm>
           </p:grpSpPr>
-          <mc:AlternateContent xmlns:mc="http://schemas.openxmlformats.org/markup-compatibility/2006">
-            <mc:Choice xmlns:a14="http://schemas.microsoft.com/office/drawing/2010/main" Requires="a14">
+          <mc:AlternateContent xmlns:mc="http://schemas.openxmlformats.org/markup-compatibility/2006" xmlns:a14="http://schemas.microsoft.com/office/drawing/2010/main">
+            <mc:Choice Requires="a14">
               <p:sp>
                 <p:nvSpPr>
                   <p:cNvPr id="520" name="Rectangle 519"/>
@@ -22785,7 +22785,7 @@
                 </p:txBody>
               </p:sp>
             </mc:Choice>
-            <mc:Fallback>
+            <mc:Fallback xmlns="">
               <p:sp>
                 <p:nvSpPr>
                   <p:cNvPr id="520" name="Rectangle 519"/>
@@ -22824,8 +22824,8 @@
               </p:sp>
             </mc:Fallback>
           </mc:AlternateContent>
-          <mc:AlternateContent xmlns:mc="http://schemas.openxmlformats.org/markup-compatibility/2006">
-            <mc:Choice xmlns:a14="http://schemas.microsoft.com/office/drawing/2010/main" Requires="a14">
+          <mc:AlternateContent xmlns:mc="http://schemas.openxmlformats.org/markup-compatibility/2006" xmlns:a14="http://schemas.microsoft.com/office/drawing/2010/main">
+            <mc:Choice Requires="a14">
               <p:sp>
                 <p:nvSpPr>
                   <p:cNvPr id="521" name="Rectangle 520"/>
@@ -22976,7 +22976,7 @@
                 </p:txBody>
               </p:sp>
             </mc:Choice>
-            <mc:Fallback>
+            <mc:Fallback xmlns="">
               <p:sp>
                 <p:nvSpPr>
                   <p:cNvPr id="521" name="Rectangle 520"/>
@@ -23150,8 +23150,8 @@
               </a:p>
             </p:txBody>
           </p:sp>
-          <mc:AlternateContent xmlns:mc="http://schemas.openxmlformats.org/markup-compatibility/2006">
-            <mc:Choice xmlns:a14="http://schemas.microsoft.com/office/drawing/2010/main" Requires="a14">
+          <mc:AlternateContent xmlns:mc="http://schemas.openxmlformats.org/markup-compatibility/2006" xmlns:a14="http://schemas.microsoft.com/office/drawing/2010/main">
+            <mc:Choice Requires="a14">
               <p:sp>
                 <p:nvSpPr>
                   <p:cNvPr id="525" name="Rectangle 524"/>
@@ -23232,7 +23232,7 @@
                 </p:txBody>
               </p:sp>
             </mc:Choice>
-            <mc:Fallback>
+            <mc:Fallback xmlns="">
               <p:sp>
                 <p:nvSpPr>
                   <p:cNvPr id="525" name="Rectangle 524"/>
@@ -23312,8 +23312,8 @@
               </a:fontRef>
             </p:style>
           </p:cxnSp>
-          <mc:AlternateContent xmlns:mc="http://schemas.openxmlformats.org/markup-compatibility/2006">
-            <mc:Choice xmlns:a14="http://schemas.microsoft.com/office/drawing/2010/main" Requires="a14">
+          <mc:AlternateContent xmlns:mc="http://schemas.openxmlformats.org/markup-compatibility/2006" xmlns:a14="http://schemas.microsoft.com/office/drawing/2010/main">
+            <mc:Choice Requires="a14">
               <p:sp>
                 <p:nvSpPr>
                   <p:cNvPr id="527" name="Rectangle 526"/>
@@ -23394,7 +23394,7 @@
                 </p:txBody>
               </p:sp>
             </mc:Choice>
-            <mc:Fallback>
+            <mc:Fallback xmlns="">
               <p:sp>
                 <p:nvSpPr>
                   <p:cNvPr id="527" name="Rectangle 526"/>
@@ -23438,8 +23438,8 @@
               </p:sp>
             </mc:Fallback>
           </mc:AlternateContent>
-          <mc:AlternateContent xmlns:mc="http://schemas.openxmlformats.org/markup-compatibility/2006">
-            <mc:Choice xmlns:a14="http://schemas.microsoft.com/office/drawing/2010/main" Requires="a14">
+          <mc:AlternateContent xmlns:mc="http://schemas.openxmlformats.org/markup-compatibility/2006" xmlns:a14="http://schemas.microsoft.com/office/drawing/2010/main">
+            <mc:Choice Requires="a14">
               <p:sp>
                 <p:nvSpPr>
                   <p:cNvPr id="528" name="Rectangle 527"/>
@@ -23520,7 +23520,7 @@
                 </p:txBody>
               </p:sp>
             </mc:Choice>
-            <mc:Fallback>
+            <mc:Fallback xmlns="">
               <p:sp>
                 <p:nvSpPr>
                   <p:cNvPr id="528" name="Rectangle 527"/>
@@ -23564,8 +23564,8 @@
               </p:sp>
             </mc:Fallback>
           </mc:AlternateContent>
-          <mc:AlternateContent xmlns:mc="http://schemas.openxmlformats.org/markup-compatibility/2006">
-            <mc:Choice xmlns:a14="http://schemas.microsoft.com/office/drawing/2010/main" Requires="a14">
+          <mc:AlternateContent xmlns:mc="http://schemas.openxmlformats.org/markup-compatibility/2006" xmlns:a14="http://schemas.microsoft.com/office/drawing/2010/main">
+            <mc:Choice Requires="a14">
               <p:sp>
                 <p:nvSpPr>
                   <p:cNvPr id="529" name="Rectangle 528"/>
@@ -23646,7 +23646,7 @@
                 </p:txBody>
               </p:sp>
             </mc:Choice>
-            <mc:Fallback>
+            <mc:Fallback xmlns="">
               <p:sp>
                 <p:nvSpPr>
                   <p:cNvPr id="529" name="Rectangle 528"/>
@@ -23690,8 +23690,8 @@
               </p:sp>
             </mc:Fallback>
           </mc:AlternateContent>
-          <mc:AlternateContent xmlns:mc="http://schemas.openxmlformats.org/markup-compatibility/2006">
-            <mc:Choice xmlns:a14="http://schemas.microsoft.com/office/drawing/2010/main" Requires="a14">
+          <mc:AlternateContent xmlns:mc="http://schemas.openxmlformats.org/markup-compatibility/2006" xmlns:a14="http://schemas.microsoft.com/office/drawing/2010/main">
+            <mc:Choice Requires="a14">
               <p:sp>
                 <p:nvSpPr>
                   <p:cNvPr id="548" name="Rectangle 547"/>
@@ -23836,7 +23836,7 @@
                 </p:txBody>
               </p:sp>
             </mc:Choice>
-            <mc:Fallback>
+            <mc:Fallback xmlns="">
               <p:sp>
                 <p:nvSpPr>
                   <p:cNvPr id="548" name="Rectangle 547"/>
@@ -23875,8 +23875,8 @@
               </p:sp>
             </mc:Fallback>
           </mc:AlternateContent>
-          <mc:AlternateContent xmlns:mc="http://schemas.openxmlformats.org/markup-compatibility/2006">
-            <mc:Choice xmlns:a14="http://schemas.microsoft.com/office/drawing/2010/main" Requires="a14">
+          <mc:AlternateContent xmlns:mc="http://schemas.openxmlformats.org/markup-compatibility/2006" xmlns:a14="http://schemas.microsoft.com/office/drawing/2010/main">
+            <mc:Choice Requires="a14">
               <p:sp>
                 <p:nvSpPr>
                   <p:cNvPr id="549" name="Rectangle 548"/>
@@ -24021,7 +24021,7 @@
                 </p:txBody>
               </p:sp>
             </mc:Choice>
-            <mc:Fallback>
+            <mc:Fallback xmlns="">
               <p:sp>
                 <p:nvSpPr>
                   <p:cNvPr id="549" name="Rectangle 548"/>
@@ -24464,8 +24464,8 @@
               </a:p>
             </p:txBody>
           </p:sp>
-          <mc:AlternateContent xmlns:mc="http://schemas.openxmlformats.org/markup-compatibility/2006">
-            <mc:Choice xmlns:a14="http://schemas.microsoft.com/office/drawing/2010/main" Requires="a14">
+          <mc:AlternateContent xmlns:mc="http://schemas.openxmlformats.org/markup-compatibility/2006" xmlns:a14="http://schemas.microsoft.com/office/drawing/2010/main">
+            <mc:Choice Requires="a14">
               <p:sp>
                 <p:nvSpPr>
                   <p:cNvPr id="236" name="Rectangle 235"/>
@@ -24620,7 +24620,7 @@
                 </p:txBody>
               </p:sp>
             </mc:Choice>
-            <mc:Fallback>
+            <mc:Fallback xmlns="">
               <p:sp>
                 <p:nvSpPr>
                   <p:cNvPr id="236" name="Rectangle 235"/>
@@ -24659,8 +24659,8 @@
               </p:sp>
             </mc:Fallback>
           </mc:AlternateContent>
-          <mc:AlternateContent xmlns:mc="http://schemas.openxmlformats.org/markup-compatibility/2006">
-            <mc:Choice xmlns:a14="http://schemas.microsoft.com/office/drawing/2010/main" Requires="a14">
+          <mc:AlternateContent xmlns:mc="http://schemas.openxmlformats.org/markup-compatibility/2006" xmlns:a14="http://schemas.microsoft.com/office/drawing/2010/main">
+            <mc:Choice Requires="a14">
               <p:sp>
                 <p:nvSpPr>
                   <p:cNvPr id="237" name="Rectangle 236"/>
@@ -24820,7 +24820,7 @@
                 </p:txBody>
               </p:sp>
             </mc:Choice>
-            <mc:Fallback>
+            <mc:Fallback xmlns="">
               <p:sp>
                 <p:nvSpPr>
                   <p:cNvPr id="237" name="Rectangle 236"/>
@@ -24994,8 +24994,8 @@
               </a:p>
             </p:txBody>
           </p:sp>
-          <mc:AlternateContent xmlns:mc="http://schemas.openxmlformats.org/markup-compatibility/2006">
-            <mc:Choice xmlns:a14="http://schemas.microsoft.com/office/drawing/2010/main" Requires="a14">
+          <mc:AlternateContent xmlns:mc="http://schemas.openxmlformats.org/markup-compatibility/2006" xmlns:a14="http://schemas.microsoft.com/office/drawing/2010/main">
+            <mc:Choice Requires="a14">
               <p:sp>
                 <p:nvSpPr>
                   <p:cNvPr id="241" name="Rectangle 240"/>
@@ -25076,7 +25076,7 @@
                 </p:txBody>
               </p:sp>
             </mc:Choice>
-            <mc:Fallback>
+            <mc:Fallback xmlns="">
               <p:sp>
                 <p:nvSpPr>
                   <p:cNvPr id="241" name="Rectangle 240"/>
@@ -25156,8 +25156,8 @@
               </a:fontRef>
             </p:style>
           </p:cxnSp>
-          <mc:AlternateContent xmlns:mc="http://schemas.openxmlformats.org/markup-compatibility/2006">
-            <mc:Choice xmlns:a14="http://schemas.microsoft.com/office/drawing/2010/main" Requires="a14">
+          <mc:AlternateContent xmlns:mc="http://schemas.openxmlformats.org/markup-compatibility/2006" xmlns:a14="http://schemas.microsoft.com/office/drawing/2010/main">
+            <mc:Choice Requires="a14">
               <p:sp>
                 <p:nvSpPr>
                   <p:cNvPr id="243" name="Rectangle 242"/>
@@ -25238,7 +25238,7 @@
                 </p:txBody>
               </p:sp>
             </mc:Choice>
-            <mc:Fallback>
+            <mc:Fallback xmlns="">
               <p:sp>
                 <p:nvSpPr>
                   <p:cNvPr id="243" name="Rectangle 242"/>
@@ -25282,8 +25282,8 @@
               </p:sp>
             </mc:Fallback>
           </mc:AlternateContent>
-          <mc:AlternateContent xmlns:mc="http://schemas.openxmlformats.org/markup-compatibility/2006">
-            <mc:Choice xmlns:a14="http://schemas.microsoft.com/office/drawing/2010/main" Requires="a14">
+          <mc:AlternateContent xmlns:mc="http://schemas.openxmlformats.org/markup-compatibility/2006" xmlns:a14="http://schemas.microsoft.com/office/drawing/2010/main">
+            <mc:Choice Requires="a14">
               <p:sp>
                 <p:nvSpPr>
                   <p:cNvPr id="244" name="Rectangle 243"/>
@@ -25364,7 +25364,7 @@
                 </p:txBody>
               </p:sp>
             </mc:Choice>
-            <mc:Fallback>
+            <mc:Fallback xmlns="">
               <p:sp>
                 <p:nvSpPr>
                   <p:cNvPr id="244" name="Rectangle 243"/>
@@ -25408,8 +25408,8 @@
               </p:sp>
             </mc:Fallback>
           </mc:AlternateContent>
-          <mc:AlternateContent xmlns:mc="http://schemas.openxmlformats.org/markup-compatibility/2006">
-            <mc:Choice xmlns:a14="http://schemas.microsoft.com/office/drawing/2010/main" Requires="a14">
+          <mc:AlternateContent xmlns:mc="http://schemas.openxmlformats.org/markup-compatibility/2006" xmlns:a14="http://schemas.microsoft.com/office/drawing/2010/main">
+            <mc:Choice Requires="a14">
               <p:sp>
                 <p:nvSpPr>
                   <p:cNvPr id="249" name="Rectangle 248"/>
@@ -25490,7 +25490,7 @@
                 </p:txBody>
               </p:sp>
             </mc:Choice>
-            <mc:Fallback>
+            <mc:Fallback xmlns="">
               <p:sp>
                 <p:nvSpPr>
                   <p:cNvPr id="249" name="Rectangle 248"/>
@@ -25534,8 +25534,8 @@
               </p:sp>
             </mc:Fallback>
           </mc:AlternateContent>
-          <mc:AlternateContent xmlns:mc="http://schemas.openxmlformats.org/markup-compatibility/2006">
-            <mc:Choice xmlns:a14="http://schemas.microsoft.com/office/drawing/2010/main" Requires="a14">
+          <mc:AlternateContent xmlns:mc="http://schemas.openxmlformats.org/markup-compatibility/2006" xmlns:a14="http://schemas.microsoft.com/office/drawing/2010/main">
+            <mc:Choice Requires="a14">
               <p:sp>
                 <p:nvSpPr>
                   <p:cNvPr id="255" name="Rectangle 254"/>
@@ -25686,7 +25686,7 @@
                 </p:txBody>
               </p:sp>
             </mc:Choice>
-            <mc:Fallback>
+            <mc:Fallback xmlns="">
               <p:sp>
                 <p:nvSpPr>
                   <p:cNvPr id="255" name="Rectangle 254"/>
@@ -25725,8 +25725,8 @@
               </p:sp>
             </mc:Fallback>
           </mc:AlternateContent>
-          <mc:AlternateContent xmlns:mc="http://schemas.openxmlformats.org/markup-compatibility/2006">
-            <mc:Choice xmlns:a14="http://schemas.microsoft.com/office/drawing/2010/main" Requires="a14">
+          <mc:AlternateContent xmlns:mc="http://schemas.openxmlformats.org/markup-compatibility/2006" xmlns:a14="http://schemas.microsoft.com/office/drawing/2010/main">
+            <mc:Choice Requires="a14">
               <p:sp>
                 <p:nvSpPr>
                   <p:cNvPr id="259" name="Rectangle 258"/>
@@ -25871,7 +25871,7 @@
                 </p:txBody>
               </p:sp>
             </mc:Choice>
-            <mc:Fallback>
+            <mc:Fallback xmlns="">
               <p:sp>
                 <p:nvSpPr>
                   <p:cNvPr id="259" name="Rectangle 258"/>
@@ -26234,8 +26234,8 @@
               </a:p>
             </p:txBody>
           </p:sp>
-          <mc:AlternateContent xmlns:mc="http://schemas.openxmlformats.org/markup-compatibility/2006">
-            <mc:Choice xmlns:a14="http://schemas.microsoft.com/office/drawing/2010/main" Requires="a14">
+          <mc:AlternateContent xmlns:mc="http://schemas.openxmlformats.org/markup-compatibility/2006" xmlns:a14="http://schemas.microsoft.com/office/drawing/2010/main">
+            <mc:Choice Requires="a14">
               <p:sp>
                 <p:nvSpPr>
                   <p:cNvPr id="287" name="Rectangle 286"/>
@@ -26399,7 +26399,7 @@
                 </p:txBody>
               </p:sp>
             </mc:Choice>
-            <mc:Fallback>
+            <mc:Fallback xmlns="">
               <p:sp>
                 <p:nvSpPr>
                   <p:cNvPr id="287" name="Rectangle 286"/>
@@ -26438,8 +26438,8 @@
               </p:sp>
             </mc:Fallback>
           </mc:AlternateContent>
-          <mc:AlternateContent xmlns:mc="http://schemas.openxmlformats.org/markup-compatibility/2006">
-            <mc:Choice xmlns:a14="http://schemas.microsoft.com/office/drawing/2010/main" Requires="a14">
+          <mc:AlternateContent xmlns:mc="http://schemas.openxmlformats.org/markup-compatibility/2006" xmlns:a14="http://schemas.microsoft.com/office/drawing/2010/main">
+            <mc:Choice Requires="a14">
               <p:sp>
                 <p:nvSpPr>
                   <p:cNvPr id="288" name="Rectangle 287"/>
@@ -26626,7 +26626,7 @@
                 </p:txBody>
               </p:sp>
             </mc:Choice>
-            <mc:Fallback>
+            <mc:Fallback xmlns="">
               <p:sp>
                 <p:nvSpPr>
                   <p:cNvPr id="288" name="Rectangle 287"/>
@@ -26800,8 +26800,8 @@
               </a:p>
             </p:txBody>
           </p:sp>
-          <mc:AlternateContent xmlns:mc="http://schemas.openxmlformats.org/markup-compatibility/2006">
-            <mc:Choice xmlns:a14="http://schemas.microsoft.com/office/drawing/2010/main" Requires="a14">
+          <mc:AlternateContent xmlns:mc="http://schemas.openxmlformats.org/markup-compatibility/2006" xmlns:a14="http://schemas.microsoft.com/office/drawing/2010/main">
+            <mc:Choice Requires="a14">
               <p:sp>
                 <p:nvSpPr>
                   <p:cNvPr id="293" name="Rectangle 292"/>
@@ -26882,7 +26882,7 @@
                 </p:txBody>
               </p:sp>
             </mc:Choice>
-            <mc:Fallback>
+            <mc:Fallback xmlns="">
               <p:sp>
                 <p:nvSpPr>
                   <p:cNvPr id="293" name="Rectangle 292"/>
@@ -26962,8 +26962,8 @@
               </a:fontRef>
             </p:style>
           </p:cxnSp>
-          <mc:AlternateContent xmlns:mc="http://schemas.openxmlformats.org/markup-compatibility/2006">
-            <mc:Choice xmlns:a14="http://schemas.microsoft.com/office/drawing/2010/main" Requires="a14">
+          <mc:AlternateContent xmlns:mc="http://schemas.openxmlformats.org/markup-compatibility/2006" xmlns:a14="http://schemas.microsoft.com/office/drawing/2010/main">
+            <mc:Choice Requires="a14">
               <p:sp>
                 <p:nvSpPr>
                   <p:cNvPr id="295" name="Rectangle 294"/>
@@ -27044,7 +27044,7 @@
                 </p:txBody>
               </p:sp>
             </mc:Choice>
-            <mc:Fallback>
+            <mc:Fallback xmlns="">
               <p:sp>
                 <p:nvSpPr>
                   <p:cNvPr id="295" name="Rectangle 294"/>
@@ -27088,8 +27088,8 @@
               </p:sp>
             </mc:Fallback>
           </mc:AlternateContent>
-          <mc:AlternateContent xmlns:mc="http://schemas.openxmlformats.org/markup-compatibility/2006">
-            <mc:Choice xmlns:a14="http://schemas.microsoft.com/office/drawing/2010/main" Requires="a14">
+          <mc:AlternateContent xmlns:mc="http://schemas.openxmlformats.org/markup-compatibility/2006" xmlns:a14="http://schemas.microsoft.com/office/drawing/2010/main">
+            <mc:Choice Requires="a14">
               <p:sp>
                 <p:nvSpPr>
                   <p:cNvPr id="296" name="Rectangle 295"/>
@@ -27170,7 +27170,7 @@
                 </p:txBody>
               </p:sp>
             </mc:Choice>
-            <mc:Fallback>
+            <mc:Fallback xmlns="">
               <p:sp>
                 <p:nvSpPr>
                   <p:cNvPr id="296" name="Rectangle 295"/>
@@ -27214,8 +27214,8 @@
               </p:sp>
             </mc:Fallback>
           </mc:AlternateContent>
-          <mc:AlternateContent xmlns:mc="http://schemas.openxmlformats.org/markup-compatibility/2006">
-            <mc:Choice xmlns:a14="http://schemas.microsoft.com/office/drawing/2010/main" Requires="a14">
+          <mc:AlternateContent xmlns:mc="http://schemas.openxmlformats.org/markup-compatibility/2006" xmlns:a14="http://schemas.microsoft.com/office/drawing/2010/main">
+            <mc:Choice Requires="a14">
               <p:sp>
                 <p:nvSpPr>
                   <p:cNvPr id="297" name="Rectangle 296"/>
@@ -27296,7 +27296,7 @@
                 </p:txBody>
               </p:sp>
             </mc:Choice>
-            <mc:Fallback>
+            <mc:Fallback xmlns="">
               <p:sp>
                 <p:nvSpPr>
                   <p:cNvPr id="297" name="Rectangle 296"/>
@@ -27340,8 +27340,8 @@
               </p:sp>
             </mc:Fallback>
           </mc:AlternateContent>
-          <mc:AlternateContent xmlns:mc="http://schemas.openxmlformats.org/markup-compatibility/2006">
-            <mc:Choice xmlns:a14="http://schemas.microsoft.com/office/drawing/2010/main" Requires="a14">
+          <mc:AlternateContent xmlns:mc="http://schemas.openxmlformats.org/markup-compatibility/2006" xmlns:a14="http://schemas.microsoft.com/office/drawing/2010/main">
+            <mc:Choice Requires="a14">
               <p:sp>
                 <p:nvSpPr>
                   <p:cNvPr id="298" name="Rectangle 297"/>
@@ -27486,7 +27486,7 @@
                 </p:txBody>
               </p:sp>
             </mc:Choice>
-            <mc:Fallback>
+            <mc:Fallback xmlns="">
               <p:sp>
                 <p:nvSpPr>
                   <p:cNvPr id="298" name="Rectangle 297"/>
@@ -27525,8 +27525,8 @@
               </p:sp>
             </mc:Fallback>
           </mc:AlternateContent>
-          <mc:AlternateContent xmlns:mc="http://schemas.openxmlformats.org/markup-compatibility/2006">
-            <mc:Choice xmlns:a14="http://schemas.microsoft.com/office/drawing/2010/main" Requires="a14">
+          <mc:AlternateContent xmlns:mc="http://schemas.openxmlformats.org/markup-compatibility/2006" xmlns:a14="http://schemas.microsoft.com/office/drawing/2010/main">
+            <mc:Choice Requires="a14">
               <p:sp>
                 <p:nvSpPr>
                   <p:cNvPr id="299" name="Rectangle 298"/>
@@ -27677,7 +27677,7 @@
                 </p:txBody>
               </p:sp>
             </mc:Choice>
-            <mc:Fallback>
+            <mc:Fallback xmlns="">
               <p:sp>
                 <p:nvSpPr>
                   <p:cNvPr id="299" name="Rectangle 298"/>
@@ -28976,14 +28976,7 @@
                   <a:latin typeface="Cambria Math" panose="02040503050406030204" pitchFamily="18" charset="0"/>
                   <a:ea typeface="Cambria Math" panose="02040503050406030204" pitchFamily="18" charset="0"/>
                 </a:rPr>
-                <a:t>Type </a:t>
-              </a:r>
-              <a:r>
-                <a:rPr lang="en-US" sz="1600" dirty="0" smtClean="0">
-                  <a:latin typeface="Cambria Math" panose="02040503050406030204" pitchFamily="18" charset="0"/>
-                  <a:ea typeface="Cambria Math" panose="02040503050406030204" pitchFamily="18" charset="0"/>
-                </a:rPr>
-                <a:t>1</a:t>
+                <a:t>Type 1</a:t>
               </a:r>
               <a:endParaRPr lang="en-US" sz="1600" dirty="0">
                 <a:latin typeface="Cambria Math" panose="02040503050406030204" pitchFamily="18" charset="0"/>
@@ -29030,14 +29023,7 @@
                   <a:latin typeface="Cambria Math" panose="02040503050406030204" pitchFamily="18" charset="0"/>
                   <a:ea typeface="Cambria Math" panose="02040503050406030204" pitchFamily="18" charset="0"/>
                 </a:rPr>
-                <a:t>Type </a:t>
-              </a:r>
-              <a:r>
-                <a:rPr lang="en-US" sz="1600" dirty="0" smtClean="0">
-                  <a:latin typeface="Cambria Math" panose="02040503050406030204" pitchFamily="18" charset="0"/>
-                  <a:ea typeface="Cambria Math" panose="02040503050406030204" pitchFamily="18" charset="0"/>
-                </a:rPr>
-                <a:t>2</a:t>
+                <a:t>Type 2</a:t>
               </a:r>
               <a:endParaRPr lang="en-US" sz="1600" dirty="0">
                 <a:latin typeface="Cambria Math" panose="02040503050406030204" pitchFamily="18" charset="0"/>
@@ -29084,14 +29070,7 @@
                   <a:latin typeface="Cambria Math" panose="02040503050406030204" pitchFamily="18" charset="0"/>
                   <a:ea typeface="Cambria Math" panose="02040503050406030204" pitchFamily="18" charset="0"/>
                 </a:rPr>
-                <a:t>Type </a:t>
-              </a:r>
-              <a:r>
-                <a:rPr lang="en-US" sz="1600" dirty="0" smtClean="0">
-                  <a:latin typeface="Cambria Math" panose="02040503050406030204" pitchFamily="18" charset="0"/>
-                  <a:ea typeface="Cambria Math" panose="02040503050406030204" pitchFamily="18" charset="0"/>
-                </a:rPr>
-                <a:t>m</a:t>
+                <a:t>Type m</a:t>
               </a:r>
               <a:endParaRPr lang="en-US" sz="1600" dirty="0">
                 <a:latin typeface="Cambria Math" panose="02040503050406030204" pitchFamily="18" charset="0"/>
@@ -30351,8 +30330,8 @@
                 </a:p>
               </p:txBody>
             </p:sp>
-            <mc:AlternateContent xmlns:mc="http://schemas.openxmlformats.org/markup-compatibility/2006">
-              <mc:Choice xmlns:a14="http://schemas.microsoft.com/office/drawing/2010/main" Requires="a14">
+            <mc:AlternateContent xmlns:mc="http://schemas.openxmlformats.org/markup-compatibility/2006" xmlns:a14="http://schemas.microsoft.com/office/drawing/2010/main">
+              <mc:Choice Requires="a14">
                 <p:sp>
                   <p:nvSpPr>
                     <p:cNvPr id="116" name="Rectangle 115"/>
@@ -30429,7 +30408,7 @@
                   </p:txBody>
                 </p:sp>
               </mc:Choice>
-              <mc:Fallback>
+              <mc:Fallback xmlns="">
                 <p:sp>
                   <p:nvSpPr>
                     <p:cNvPr id="116" name="Rectangle 115"/>
@@ -30603,8 +30582,8 @@
                 </a:fontRef>
               </p:style>
             </p:cxnSp>
-            <mc:AlternateContent xmlns:mc="http://schemas.openxmlformats.org/markup-compatibility/2006">
-              <mc:Choice xmlns:a14="http://schemas.microsoft.com/office/drawing/2010/main" Requires="a14">
+            <mc:AlternateContent xmlns:mc="http://schemas.openxmlformats.org/markup-compatibility/2006" xmlns:a14="http://schemas.microsoft.com/office/drawing/2010/main">
+              <mc:Choice Requires="a14">
                 <p:sp>
                   <p:nvSpPr>
                     <p:cNvPr id="121" name="Rectangle 120"/>
@@ -30694,7 +30673,7 @@
                   </p:txBody>
                 </p:sp>
               </mc:Choice>
-              <mc:Fallback>
+              <mc:Fallback xmlns="">
                 <p:sp>
                   <p:nvSpPr>
                     <p:cNvPr id="121" name="Rectangle 120"/>
@@ -30736,8 +30715,8 @@
                 </p:sp>
               </mc:Fallback>
             </mc:AlternateContent>
-            <mc:AlternateContent xmlns:mc="http://schemas.openxmlformats.org/markup-compatibility/2006">
-              <mc:Choice xmlns:a14="http://schemas.microsoft.com/office/drawing/2010/main" Requires="a14">
+            <mc:AlternateContent xmlns:mc="http://schemas.openxmlformats.org/markup-compatibility/2006" xmlns:a14="http://schemas.microsoft.com/office/drawing/2010/main">
+              <mc:Choice Requires="a14">
                 <p:sp>
                   <p:nvSpPr>
                     <p:cNvPr id="122" name="Rectangle 121"/>
@@ -30814,7 +30793,7 @@
                   </p:txBody>
                 </p:sp>
               </mc:Choice>
-              <mc:Fallback>
+              <mc:Fallback xmlns="">
                 <p:sp>
                   <p:nvSpPr>
                     <p:cNvPr id="122" name="Rectangle 121"/>
@@ -32118,8 +32097,8 @@
                 </a:p>
               </p:txBody>
             </p:sp>
-            <mc:AlternateContent xmlns:mc="http://schemas.openxmlformats.org/markup-compatibility/2006">
-              <mc:Choice xmlns:a14="http://schemas.microsoft.com/office/drawing/2010/main" Requires="a14">
+            <mc:AlternateContent xmlns:mc="http://schemas.openxmlformats.org/markup-compatibility/2006" xmlns:a14="http://schemas.microsoft.com/office/drawing/2010/main">
+              <mc:Choice Requires="a14">
                 <p:sp>
                   <p:nvSpPr>
                     <p:cNvPr id="189" name="Rectangle 188"/>
@@ -32196,7 +32175,7 @@
                   </p:txBody>
                 </p:sp>
               </mc:Choice>
-              <mc:Fallback>
+              <mc:Fallback xmlns="">
                 <p:sp>
                   <p:nvSpPr>
                     <p:cNvPr id="189" name="Rectangle 188"/>
@@ -32238,8 +32217,8 @@
                 </p:sp>
               </mc:Fallback>
             </mc:AlternateContent>
-            <mc:AlternateContent xmlns:mc="http://schemas.openxmlformats.org/markup-compatibility/2006">
-              <mc:Choice xmlns:a14="http://schemas.microsoft.com/office/drawing/2010/main" Requires="a14">
+            <mc:AlternateContent xmlns:mc="http://schemas.openxmlformats.org/markup-compatibility/2006" xmlns:a14="http://schemas.microsoft.com/office/drawing/2010/main">
+              <mc:Choice Requires="a14">
                 <p:sp>
                   <p:nvSpPr>
                     <p:cNvPr id="190" name="Rectangle 189"/>
@@ -32316,7 +32295,7 @@
                   </p:txBody>
                 </p:sp>
               </mc:Choice>
-              <mc:Fallback>
+              <mc:Fallback xmlns="">
                 <p:sp>
                   <p:nvSpPr>
                     <p:cNvPr id="190" name="Rectangle 189"/>
@@ -33066,8 +33045,8 @@
                 </a:fontRef>
               </p:style>
             </p:cxnSp>
-            <mc:AlternateContent xmlns:mc="http://schemas.openxmlformats.org/markup-compatibility/2006">
-              <mc:Choice xmlns:a14="http://schemas.microsoft.com/office/drawing/2010/main" Requires="a14">
+            <mc:AlternateContent xmlns:mc="http://schemas.openxmlformats.org/markup-compatibility/2006" xmlns:a14="http://schemas.microsoft.com/office/drawing/2010/main">
+              <mc:Choice Requires="a14">
                 <p:sp>
                   <p:nvSpPr>
                     <p:cNvPr id="205" name="Rectangle 204"/>
@@ -33134,7 +33113,7 @@
                                 <a:latin typeface="Cambria Math" panose="02040503050406030204" pitchFamily="18" charset="0"/>
                                 <a:ea typeface="Cambria Math" panose="02040503050406030204" pitchFamily="18" charset="0"/>
                               </a:rPr>
-                              <m:t>-</m:t>
+                              <m:t>−</m:t>
                             </m:r>
                             <m:r>
                               <a:rPr lang="en-US" sz="1600" b="0" i="1" smtClean="0">
@@ -33199,7 +33178,7 @@
                                 <a:latin typeface="Cambria Math" panose="02040503050406030204" pitchFamily="18" charset="0"/>
                                 <a:ea typeface="Cambria Math" panose="02040503050406030204" pitchFamily="18" charset="0"/>
                               </a:rPr>
-                              <m:t>-</m:t>
+                              <m:t>−</m:t>
                             </m:r>
                             <m:r>
                               <a:rPr lang="en-US" sz="1600" b="0" i="1" smtClean="0">
@@ -33222,7 +33201,7 @@
                   </p:txBody>
                 </p:sp>
               </mc:Choice>
-              <mc:Fallback>
+              <mc:Fallback xmlns="">
                 <p:sp>
                   <p:nvSpPr>
                     <p:cNvPr id="205" name="Rectangle 204"/>
@@ -33264,8 +33243,8 @@
                 </p:sp>
               </mc:Fallback>
             </mc:AlternateContent>
-            <mc:AlternateContent xmlns:mc="http://schemas.openxmlformats.org/markup-compatibility/2006">
-              <mc:Choice xmlns:a14="http://schemas.microsoft.com/office/drawing/2010/main" Requires="a14">
+            <mc:AlternateContent xmlns:mc="http://schemas.openxmlformats.org/markup-compatibility/2006" xmlns:a14="http://schemas.microsoft.com/office/drawing/2010/main">
+              <mc:Choice Requires="a14">
                 <p:sp>
                   <p:nvSpPr>
                     <p:cNvPr id="206" name="Rectangle 205"/>
@@ -33332,7 +33311,7 @@
                                 <a:latin typeface="Cambria Math" panose="02040503050406030204" pitchFamily="18" charset="0"/>
                                 <a:ea typeface="Cambria Math" panose="02040503050406030204" pitchFamily="18" charset="0"/>
                               </a:rPr>
-                              <m:t>-</m:t>
+                              <m:t>−</m:t>
                             </m:r>
                             <m:r>
                               <a:rPr lang="en-US" sz="1600" i="1">
@@ -33397,7 +33376,7 @@
                                 <a:latin typeface="Cambria Math" panose="02040503050406030204" pitchFamily="18" charset="0"/>
                                 <a:ea typeface="Cambria Math" panose="02040503050406030204" pitchFamily="18" charset="0"/>
                               </a:rPr>
-                              <m:t>-</m:t>
+                              <m:t>−</m:t>
                             </m:r>
                             <m:r>
                               <a:rPr lang="en-US" sz="1600" i="1">
@@ -33420,7 +33399,7 @@
                   </p:txBody>
                 </p:sp>
               </mc:Choice>
-              <mc:Fallback>
+              <mc:Fallback xmlns="">
                 <p:sp>
                   <p:nvSpPr>
                     <p:cNvPr id="206" name="Rectangle 205"/>
@@ -34721,8 +34700,8 @@
               </a:p>
             </p:txBody>
           </p:sp>
-          <mc:AlternateContent xmlns:mc="http://schemas.openxmlformats.org/markup-compatibility/2006">
-            <mc:Choice xmlns:a14="http://schemas.microsoft.com/office/drawing/2010/main" Requires="a14">
+          <mc:AlternateContent xmlns:mc="http://schemas.openxmlformats.org/markup-compatibility/2006" xmlns:a14="http://schemas.microsoft.com/office/drawing/2010/main">
+            <mc:Choice Requires="a14">
               <p:sp>
                 <p:nvSpPr>
                   <p:cNvPr id="82" name="Rectangle 81"/>
@@ -34799,7 +34778,7 @@
                 </p:txBody>
               </p:sp>
             </mc:Choice>
-            <mc:Fallback>
+            <mc:Fallback xmlns="">
               <p:sp>
                 <p:nvSpPr>
                   <p:cNvPr id="82" name="Rectangle 81"/>
@@ -34973,8 +34952,8 @@
               </a:fontRef>
             </p:style>
           </p:cxnSp>
-          <mc:AlternateContent xmlns:mc="http://schemas.openxmlformats.org/markup-compatibility/2006">
-            <mc:Choice xmlns:a14="http://schemas.microsoft.com/office/drawing/2010/main" Requires="a14">
+          <mc:AlternateContent xmlns:mc="http://schemas.openxmlformats.org/markup-compatibility/2006" xmlns:a14="http://schemas.microsoft.com/office/drawing/2010/main">
+            <mc:Choice Requires="a14">
               <p:sp>
                 <p:nvSpPr>
                   <p:cNvPr id="89" name="Rectangle 88"/>
@@ -35041,7 +35020,7 @@
                               <a:latin typeface="Cambria Math" panose="02040503050406030204" pitchFamily="18" charset="0"/>
                               <a:ea typeface="Cambria Math" panose="02040503050406030204" pitchFamily="18" charset="0"/>
                             </a:rPr>
-                            <m:t>-</m:t>
+                            <m:t>−</m:t>
                           </m:r>
                           <m:r>
                             <a:rPr lang="en-US" sz="1600" b="0" i="1" smtClean="0">
@@ -35064,7 +35043,7 @@
                 </p:txBody>
               </p:sp>
             </mc:Choice>
-            <mc:Fallback>
+            <mc:Fallback xmlns="">
               <p:sp>
                 <p:nvSpPr>
                   <p:cNvPr id="89" name="Rectangle 88"/>
@@ -35106,8 +35085,8 @@
               </p:sp>
             </mc:Fallback>
           </mc:AlternateContent>
-          <mc:AlternateContent xmlns:mc="http://schemas.openxmlformats.org/markup-compatibility/2006">
-            <mc:Choice xmlns:a14="http://schemas.microsoft.com/office/drawing/2010/main" Requires="a14">
+          <mc:AlternateContent xmlns:mc="http://schemas.openxmlformats.org/markup-compatibility/2006" xmlns:a14="http://schemas.microsoft.com/office/drawing/2010/main">
+            <mc:Choice Requires="a14">
               <p:sp>
                 <p:nvSpPr>
                   <p:cNvPr id="90" name="Rectangle 89"/>
@@ -35184,7 +35163,7 @@
                 </p:txBody>
               </p:sp>
             </mc:Choice>
-            <mc:Fallback>
+            <mc:Fallback xmlns="">
               <p:sp>
                 <p:nvSpPr>
                   <p:cNvPr id="90" name="Rectangle 89"/>
@@ -36567,8 +36546,8 @@
               </a:p>
             </p:txBody>
           </p:sp>
-          <mc:AlternateContent xmlns:mc="http://schemas.openxmlformats.org/markup-compatibility/2006">
-            <mc:Choice xmlns:a14="http://schemas.microsoft.com/office/drawing/2010/main" Requires="a14">
+          <mc:AlternateContent xmlns:mc="http://schemas.openxmlformats.org/markup-compatibility/2006" xmlns:a14="http://schemas.microsoft.com/office/drawing/2010/main">
+            <mc:Choice Requires="a14">
               <p:sp>
                 <p:nvSpPr>
                   <p:cNvPr id="163" name="Rectangle 162"/>
@@ -36645,7 +36624,7 @@
                 </p:txBody>
               </p:sp>
             </mc:Choice>
-            <mc:Fallback>
+            <mc:Fallback xmlns="">
               <p:sp>
                 <p:nvSpPr>
                   <p:cNvPr id="163" name="Rectangle 162"/>
@@ -36687,8 +36666,8 @@
               </p:sp>
             </mc:Fallback>
           </mc:AlternateContent>
-          <mc:AlternateContent xmlns:mc="http://schemas.openxmlformats.org/markup-compatibility/2006">
-            <mc:Choice xmlns:a14="http://schemas.microsoft.com/office/drawing/2010/main" Requires="a14">
+          <mc:AlternateContent xmlns:mc="http://schemas.openxmlformats.org/markup-compatibility/2006" xmlns:a14="http://schemas.microsoft.com/office/drawing/2010/main">
+            <mc:Choice Requires="a14">
               <p:sp>
                 <p:nvSpPr>
                   <p:cNvPr id="168" name="Rectangle 167"/>
@@ -36755,7 +36734,7 @@
                               <a:latin typeface="Cambria Math" panose="02040503050406030204" pitchFamily="18" charset="0"/>
                               <a:ea typeface="Cambria Math" panose="02040503050406030204" pitchFamily="18" charset="0"/>
                             </a:rPr>
-                            <m:t>-</m:t>
+                            <m:t>−</m:t>
                           </m:r>
                           <m:r>
                             <a:rPr lang="en-US" sz="1600" b="0" i="1" smtClean="0">
@@ -36820,7 +36799,7 @@
                               <a:latin typeface="Cambria Math" panose="02040503050406030204" pitchFamily="18" charset="0"/>
                               <a:ea typeface="Cambria Math" panose="02040503050406030204" pitchFamily="18" charset="0"/>
                             </a:rPr>
-                            <m:t>-</m:t>
+                            <m:t>−</m:t>
                           </m:r>
                           <m:r>
                             <a:rPr lang="en-US" sz="1600" b="0" i="1" smtClean="0">
@@ -36843,7 +36822,7 @@
                 </p:txBody>
               </p:sp>
             </mc:Choice>
-            <mc:Fallback>
+            <mc:Fallback xmlns="">
               <p:sp>
                 <p:nvSpPr>
                   <p:cNvPr id="168" name="Rectangle 167"/>
@@ -36885,8 +36864,8 @@
               </p:sp>
             </mc:Fallback>
           </mc:AlternateContent>
-          <mc:AlternateContent xmlns:mc="http://schemas.openxmlformats.org/markup-compatibility/2006">
-            <mc:Choice xmlns:a14="http://schemas.microsoft.com/office/drawing/2010/main" Requires="a14">
+          <mc:AlternateContent xmlns:mc="http://schemas.openxmlformats.org/markup-compatibility/2006" xmlns:a14="http://schemas.microsoft.com/office/drawing/2010/main">
+            <mc:Choice Requires="a14">
               <p:sp>
                 <p:nvSpPr>
                   <p:cNvPr id="169" name="Rectangle 168"/>
@@ -36963,7 +36942,7 @@
                 </p:txBody>
               </p:sp>
             </mc:Choice>
-            <mc:Fallback>
+            <mc:Fallback xmlns="">
               <p:sp>
                 <p:nvSpPr>
                   <p:cNvPr id="169" name="Rectangle 168"/>
@@ -37416,8 +37395,8 @@
               </a:p>
             </p:txBody>
           </p:sp>
-          <mc:AlternateContent xmlns:mc="http://schemas.openxmlformats.org/markup-compatibility/2006">
-            <mc:Choice xmlns:a14="http://schemas.microsoft.com/office/drawing/2010/main" Requires="a14">
+          <mc:AlternateContent xmlns:mc="http://schemas.openxmlformats.org/markup-compatibility/2006" xmlns:a14="http://schemas.microsoft.com/office/drawing/2010/main">
+            <mc:Choice Requires="a14">
               <p:sp>
                 <p:nvSpPr>
                   <p:cNvPr id="80" name="Rectangle 79"/>
@@ -37484,7 +37463,7 @@
                               <a:latin typeface="Cambria Math" panose="02040503050406030204" pitchFamily="18" charset="0"/>
                               <a:ea typeface="Cambria Math" panose="02040503050406030204" pitchFamily="18" charset="0"/>
                             </a:rPr>
-                            <m:t>-</m:t>
+                            <m:t>−</m:t>
                           </m:r>
                           <m:r>
                             <a:rPr lang="en-US" sz="1600" i="1">
@@ -37549,7 +37528,7 @@
                               <a:latin typeface="Cambria Math" panose="02040503050406030204" pitchFamily="18" charset="0"/>
                               <a:ea typeface="Cambria Math" panose="02040503050406030204" pitchFamily="18" charset="0"/>
                             </a:rPr>
-                            <m:t>-</m:t>
+                            <m:t>−</m:t>
                           </m:r>
                           <m:r>
                             <a:rPr lang="en-US" sz="1600" i="1">
@@ -37572,7 +37551,7 @@
                 </p:txBody>
               </p:sp>
             </mc:Choice>
-            <mc:Fallback>
+            <mc:Fallback xmlns="">
               <p:sp>
                 <p:nvSpPr>
                   <p:cNvPr id="80" name="Rectangle 79"/>
@@ -38859,8 +38838,8 @@
             </a:p>
           </p:txBody>
         </p:sp>
-        <mc:AlternateContent xmlns:mc="http://schemas.openxmlformats.org/markup-compatibility/2006">
-          <mc:Choice xmlns:a14="http://schemas.microsoft.com/office/drawing/2010/main" Requires="a14">
+        <mc:AlternateContent xmlns:mc="http://schemas.openxmlformats.org/markup-compatibility/2006" xmlns:a14="http://schemas.microsoft.com/office/drawing/2010/main">
+          <mc:Choice Requires="a14">
             <p:sp>
               <p:nvSpPr>
                 <p:cNvPr id="670" name="Rectangle 669"/>
@@ -38957,7 +38936,7 @@
               </p:txBody>
             </p:sp>
           </mc:Choice>
-          <mc:Fallback>
+          <mc:Fallback xmlns="">
             <p:sp>
               <p:nvSpPr>
                 <p:cNvPr id="670" name="Rectangle 669"/>
@@ -39201,8 +39180,8 @@
             </a:p>
           </p:txBody>
         </p:sp>
-        <mc:AlternateContent xmlns:mc="http://schemas.openxmlformats.org/markup-compatibility/2006">
-          <mc:Choice xmlns:a14="http://schemas.microsoft.com/office/drawing/2010/main" Requires="a14">
+        <mc:AlternateContent xmlns:mc="http://schemas.openxmlformats.org/markup-compatibility/2006" xmlns:a14="http://schemas.microsoft.com/office/drawing/2010/main">
+          <mc:Choice Requires="a14">
             <p:sp>
               <p:nvSpPr>
                 <p:cNvPr id="676" name="Rectangle 675"/>
@@ -39279,7 +39258,7 @@
               </p:txBody>
             </p:sp>
           </mc:Choice>
-          <mc:Fallback>
+          <mc:Fallback xmlns="">
             <p:sp>
               <p:nvSpPr>
                 <p:cNvPr id="676" name="Rectangle 675"/>
@@ -39453,8 +39432,8 @@
             </a:fontRef>
           </p:style>
         </p:cxnSp>
-        <mc:AlternateContent xmlns:mc="http://schemas.openxmlformats.org/markup-compatibility/2006">
-          <mc:Choice xmlns:a14="http://schemas.microsoft.com/office/drawing/2010/main" Requires="a14">
+        <mc:AlternateContent xmlns:mc="http://schemas.openxmlformats.org/markup-compatibility/2006" xmlns:a14="http://schemas.microsoft.com/office/drawing/2010/main">
+          <mc:Choice Requires="a14">
             <p:sp>
               <p:nvSpPr>
                 <p:cNvPr id="681" name="Rectangle 680"/>
@@ -39521,7 +39500,7 @@
                             <a:latin typeface="Cambria Math" panose="02040503050406030204" pitchFamily="18" charset="0"/>
                             <a:ea typeface="Cambria Math" panose="02040503050406030204" pitchFamily="18" charset="0"/>
                           </a:rPr>
-                          <m:t>-</m:t>
+                          <m:t>−</m:t>
                         </m:r>
                         <m:r>
                           <a:rPr lang="en-US" sz="1600" b="0" i="1" smtClean="0">
@@ -39544,7 +39523,7 @@
               </p:txBody>
             </p:sp>
           </mc:Choice>
-          <mc:Fallback>
+          <mc:Fallback xmlns="">
             <p:sp>
               <p:nvSpPr>
                 <p:cNvPr id="681" name="Rectangle 680"/>
@@ -39586,8 +39565,8 @@
             </p:sp>
           </mc:Fallback>
         </mc:AlternateContent>
-        <mc:AlternateContent xmlns:mc="http://schemas.openxmlformats.org/markup-compatibility/2006">
-          <mc:Choice xmlns:a14="http://schemas.microsoft.com/office/drawing/2010/main" Requires="a14">
+        <mc:AlternateContent xmlns:mc="http://schemas.openxmlformats.org/markup-compatibility/2006" xmlns:a14="http://schemas.microsoft.com/office/drawing/2010/main">
+          <mc:Choice Requires="a14">
             <p:sp>
               <p:nvSpPr>
                 <p:cNvPr id="682" name="Rectangle 681"/>
@@ -39664,7 +39643,7 @@
               </p:txBody>
             </p:sp>
           </mc:Choice>
-          <mc:Fallback>
+          <mc:Fallback xmlns="">
             <p:sp>
               <p:nvSpPr>
                 <p:cNvPr id="682" name="Rectangle 681"/>
@@ -39890,8 +39869,8 @@
             </a:p>
           </p:txBody>
         </p:sp>
-        <mc:AlternateContent xmlns:mc="http://schemas.openxmlformats.org/markup-compatibility/2006">
-          <mc:Choice xmlns:a14="http://schemas.microsoft.com/office/drawing/2010/main" Requires="a14">
+        <mc:AlternateContent xmlns:mc="http://schemas.openxmlformats.org/markup-compatibility/2006" xmlns:a14="http://schemas.microsoft.com/office/drawing/2010/main">
+          <mc:Choice Requires="a14">
             <p:sp>
               <p:nvSpPr>
                 <p:cNvPr id="687" name="Rectangle 686"/>
@@ -40325,7 +40304,7 @@
               </p:txBody>
             </p:sp>
           </mc:Choice>
-          <mc:Fallback>
+          <mc:Fallback xmlns="">
             <p:sp>
               <p:nvSpPr>
                 <p:cNvPr id="687" name="Rectangle 686"/>
@@ -40521,8 +40500,8 @@
           </a:p>
         </p:txBody>
       </p:sp>
-      <mc:AlternateContent xmlns:mc="http://schemas.openxmlformats.org/markup-compatibility/2006">
-        <mc:Choice xmlns:a14="http://schemas.microsoft.com/office/drawing/2010/main" Requires="a14">
+      <mc:AlternateContent xmlns:mc="http://schemas.openxmlformats.org/markup-compatibility/2006" xmlns:a14="http://schemas.microsoft.com/office/drawing/2010/main">
+        <mc:Choice Requires="a14">
           <p:sp>
             <p:nvSpPr>
               <p:cNvPr id="619" name="Rectangle 618"/>
@@ -40619,7 +40598,7 @@
             </p:txBody>
           </p:sp>
         </mc:Choice>
-        <mc:Fallback>
+        <mc:Fallback xmlns="">
           <p:sp>
             <p:nvSpPr>
               <p:cNvPr id="619" name="Rectangle 618"/>
@@ -41608,8 +41587,8 @@
           </a:p>
         </p:txBody>
       </p:sp>
-      <mc:AlternateContent xmlns:mc="http://schemas.openxmlformats.org/markup-compatibility/2006">
-        <mc:Choice xmlns:a14="http://schemas.microsoft.com/office/drawing/2010/main" Requires="a14">
+      <mc:AlternateContent xmlns:mc="http://schemas.openxmlformats.org/markup-compatibility/2006" xmlns:a14="http://schemas.microsoft.com/office/drawing/2010/main">
+        <mc:Choice Requires="a14">
           <p:sp>
             <p:nvSpPr>
               <p:cNvPr id="641" name="Rectangle 640"/>
@@ -41686,7 +41665,7 @@
             </p:txBody>
           </p:sp>
         </mc:Choice>
-        <mc:Fallback>
+        <mc:Fallback xmlns="">
           <p:sp>
             <p:nvSpPr>
               <p:cNvPr id="641" name="Rectangle 640"/>
@@ -41860,8 +41839,8 @@
           </a:fontRef>
         </p:style>
       </p:cxnSp>
-      <mc:AlternateContent xmlns:mc="http://schemas.openxmlformats.org/markup-compatibility/2006">
-        <mc:Choice xmlns:a14="http://schemas.microsoft.com/office/drawing/2010/main" Requires="a14">
+      <mc:AlternateContent xmlns:mc="http://schemas.openxmlformats.org/markup-compatibility/2006" xmlns:a14="http://schemas.microsoft.com/office/drawing/2010/main">
+        <mc:Choice Requires="a14">
           <p:sp>
             <p:nvSpPr>
               <p:cNvPr id="646" name="Rectangle 645"/>
@@ -41951,7 +41930,7 @@
             </p:txBody>
           </p:sp>
         </mc:Choice>
-        <mc:Fallback>
+        <mc:Fallback xmlns="">
           <p:sp>
             <p:nvSpPr>
               <p:cNvPr id="646" name="Rectangle 645"/>
@@ -41993,8 +41972,8 @@
           </p:sp>
         </mc:Fallback>
       </mc:AlternateContent>
-      <mc:AlternateContent xmlns:mc="http://schemas.openxmlformats.org/markup-compatibility/2006">
-        <mc:Choice xmlns:a14="http://schemas.microsoft.com/office/drawing/2010/main" Requires="a14">
+      <mc:AlternateContent xmlns:mc="http://schemas.openxmlformats.org/markup-compatibility/2006" xmlns:a14="http://schemas.microsoft.com/office/drawing/2010/main">
+        <mc:Choice Requires="a14">
           <p:sp>
             <p:nvSpPr>
               <p:cNvPr id="647" name="Rectangle 646"/>
@@ -42071,7 +42050,7 @@
             </p:txBody>
           </p:sp>
         </mc:Choice>
-        <mc:Fallback>
+        <mc:Fallback xmlns="">
           <p:sp>
             <p:nvSpPr>
               <p:cNvPr id="647" name="Rectangle 646"/>
@@ -42277,8 +42256,8 @@
           </a:p>
         </p:txBody>
       </p:sp>
-      <mc:AlternateContent xmlns:mc="http://schemas.openxmlformats.org/markup-compatibility/2006">
-        <mc:Choice xmlns:a14="http://schemas.microsoft.com/office/drawing/2010/main" Requires="a14">
+      <mc:AlternateContent xmlns:mc="http://schemas.openxmlformats.org/markup-compatibility/2006" xmlns:a14="http://schemas.microsoft.com/office/drawing/2010/main">
+        <mc:Choice Requires="a14">
           <p:sp>
             <p:nvSpPr>
               <p:cNvPr id="688" name="Rectangle 687"/>
@@ -42733,7 +42712,7 @@
             </p:txBody>
           </p:sp>
         </mc:Choice>
-        <mc:Fallback>
+        <mc:Fallback xmlns="">
           <p:sp>
             <p:nvSpPr>
               <p:cNvPr id="688" name="Rectangle 687"/>
@@ -42814,7 +42793,7 @@
       </p:grpSpPr>
       <p:grpSp>
         <p:nvGrpSpPr>
-          <p:cNvPr id="2" name="Group 1"/>
+          <p:cNvPr id="14" name="Group 13"/>
           <p:cNvGrpSpPr/>
           <p:nvPr/>
         </p:nvGrpSpPr>
@@ -42822,1162 +42801,1247 @@
           <a:xfrm>
             <a:off x="-438006" y="443167"/>
             <a:ext cx="12869753" cy="5341997"/>
-            <a:chOff x="-448166" y="445072"/>
+            <a:chOff x="-438006" y="443167"/>
             <a:chExt cx="12869753" cy="5341997"/>
           </a:xfrm>
         </p:grpSpPr>
-        <p:sp>
-          <p:nvSpPr>
-            <p:cNvPr id="11" name="Oval 10"/>
-            <p:cNvSpPr/>
+        <p:grpSp>
+          <p:nvGrpSpPr>
+            <p:cNvPr id="2" name="Group 1"/>
+            <p:cNvGrpSpPr/>
             <p:nvPr/>
-          </p:nvSpPr>
-          <p:spPr>
+          </p:nvGrpSpPr>
+          <p:grpSpPr>
             <a:xfrm>
-              <a:off x="3846007" y="2849882"/>
-              <a:ext cx="150832" cy="167635"/>
+              <a:off x="-438006" y="443167"/>
+              <a:ext cx="12869753" cy="5341997"/>
+              <a:chOff x="-448166" y="445072"/>
+              <a:chExt cx="12869753" cy="5341997"/>
             </a:xfrm>
-            <a:prstGeom prst="ellipse">
-              <a:avLst/>
-            </a:prstGeom>
-            <a:solidFill>
-              <a:schemeClr val="bg1"/>
-            </a:solidFill>
-            <a:ln w="57150">
+          </p:grpSpPr>
+          <p:sp>
+            <p:nvSpPr>
+              <p:cNvPr id="11" name="Oval 10"/>
+              <p:cNvSpPr/>
+              <p:nvPr/>
+            </p:nvSpPr>
+            <p:spPr>
+              <a:xfrm>
+                <a:off x="3846007" y="2849882"/>
+                <a:ext cx="150832" cy="167635"/>
+              </a:xfrm>
+              <a:prstGeom prst="ellipse">
+                <a:avLst/>
+              </a:prstGeom>
+              <a:solidFill>
+                <a:schemeClr val="bg1"/>
+              </a:solidFill>
+              <a:ln w="57150">
+                <a:solidFill>
+                  <a:schemeClr val="tx1"/>
+                </a:solidFill>
+              </a:ln>
+            </p:spPr>
+            <p:style>
+              <a:lnRef idx="2">
+                <a:schemeClr val="accent1">
+                  <a:shade val="50000"/>
+                </a:schemeClr>
+              </a:lnRef>
+              <a:fillRef idx="1">
+                <a:schemeClr val="accent1"/>
+              </a:fillRef>
+              <a:effectRef idx="0">
+                <a:schemeClr val="accent1"/>
+              </a:effectRef>
+              <a:fontRef idx="minor">
+                <a:schemeClr val="lt1"/>
+              </a:fontRef>
+            </p:style>
+            <p:txBody>
+              <a:bodyPr rtlCol="0" anchor="ctr"/>
+              <a:lstStyle/>
+              <a:p>
+                <a:pPr algn="ctr"/>
+                <a:endParaRPr lang="en-US" dirty="0"/>
+              </a:p>
+            </p:txBody>
+          </p:sp>
+          <p:sp>
+            <p:nvSpPr>
+              <p:cNvPr id="12" name="Equal 11"/>
+              <p:cNvSpPr/>
+              <p:nvPr/>
+            </p:nvSpPr>
+            <p:spPr>
+              <a:xfrm>
+                <a:off x="7863208" y="2816863"/>
+                <a:ext cx="438009" cy="233675"/>
+              </a:xfrm>
+              <a:prstGeom prst="mathEqual">
+                <a:avLst>
+                  <a:gd name="adj1" fmla="val 26550"/>
+                  <a:gd name="adj2" fmla="val 36003"/>
+                </a:avLst>
+              </a:prstGeom>
               <a:solidFill>
                 <a:schemeClr val="tx1"/>
               </a:solidFill>
-            </a:ln>
-          </p:spPr>
-          <p:style>
-            <a:lnRef idx="2">
-              <a:schemeClr val="accent1">
-                <a:shade val="50000"/>
-              </a:schemeClr>
-            </a:lnRef>
-            <a:fillRef idx="1">
-              <a:schemeClr val="accent1"/>
-            </a:fillRef>
-            <a:effectRef idx="0">
-              <a:schemeClr val="accent1"/>
-            </a:effectRef>
-            <a:fontRef idx="minor">
-              <a:schemeClr val="lt1"/>
-            </a:fontRef>
-          </p:style>
-          <p:txBody>
-            <a:bodyPr rtlCol="0" anchor="ctr"/>
-            <a:lstStyle/>
-            <a:p>
-              <a:pPr algn="ctr"/>
-              <a:endParaRPr lang="en-US" dirty="0"/>
-            </a:p>
-          </p:txBody>
-        </p:sp>
-        <p:sp>
-          <p:nvSpPr>
-            <p:cNvPr id="12" name="Equal 11"/>
-            <p:cNvSpPr/>
-            <p:nvPr/>
-          </p:nvSpPr>
-          <p:spPr>
-            <a:xfrm>
-              <a:off x="7863208" y="2816863"/>
-              <a:ext cx="438009" cy="233675"/>
-            </a:xfrm>
-            <a:prstGeom prst="mathEqual">
-              <a:avLst>
-                <a:gd name="adj1" fmla="val 26550"/>
-                <a:gd name="adj2" fmla="val 36003"/>
-              </a:avLst>
-            </a:prstGeom>
-            <a:solidFill>
-              <a:schemeClr val="tx1"/>
-            </a:solidFill>
-            <a:ln>
+              <a:ln>
+                <a:solidFill>
+                  <a:schemeClr val="tx1"/>
+                </a:solidFill>
+              </a:ln>
+            </p:spPr>
+            <p:style>
+              <a:lnRef idx="2">
+                <a:schemeClr val="accent1">
+                  <a:shade val="50000"/>
+                </a:schemeClr>
+              </a:lnRef>
+              <a:fillRef idx="1">
+                <a:schemeClr val="accent1"/>
+              </a:fillRef>
+              <a:effectRef idx="0">
+                <a:schemeClr val="accent1"/>
+              </a:effectRef>
+              <a:fontRef idx="minor">
+                <a:schemeClr val="lt1"/>
+              </a:fontRef>
+            </p:style>
+            <p:txBody>
+              <a:bodyPr rtlCol="0" anchor="ctr"/>
+              <a:lstStyle/>
+              <a:p>
+                <a:pPr algn="ctr"/>
+                <a:endParaRPr lang="en-US" dirty="0">
+                  <a:solidFill>
+                    <a:schemeClr val="tx1"/>
+                  </a:solidFill>
+                </a:endParaRPr>
+              </a:p>
+            </p:txBody>
+          </p:sp>
+          <p:cxnSp>
+            <p:nvCxnSpPr>
+              <p:cNvPr id="21" name="Straight Connector 20"/>
+              <p:cNvCxnSpPr/>
+              <p:nvPr/>
+            </p:nvCxnSpPr>
+            <p:spPr>
+              <a:xfrm flipH="1">
+                <a:off x="47999" y="981725"/>
+                <a:ext cx="585731" cy="1054546"/>
+              </a:xfrm>
+              <a:prstGeom prst="line">
+                <a:avLst/>
+              </a:prstGeom>
+              <a:ln w="12700">
+                <a:solidFill>
+                  <a:schemeClr val="tx1"/>
+                </a:solidFill>
+              </a:ln>
+            </p:spPr>
+            <p:style>
+              <a:lnRef idx="1">
+                <a:schemeClr val="accent1"/>
+              </a:lnRef>
+              <a:fillRef idx="0">
+                <a:schemeClr val="accent1"/>
+              </a:fillRef>
+              <a:effectRef idx="0">
+                <a:schemeClr val="accent1"/>
+              </a:effectRef>
+              <a:fontRef idx="minor">
+                <a:schemeClr val="tx1"/>
+              </a:fontRef>
+            </p:style>
+          </p:cxnSp>
+          <p:cxnSp>
+            <p:nvCxnSpPr>
+              <p:cNvPr id="266" name="Straight Connector 265"/>
+              <p:cNvCxnSpPr/>
+              <p:nvPr/>
+            </p:nvCxnSpPr>
+            <p:spPr>
+              <a:xfrm>
+                <a:off x="2963288" y="980563"/>
+                <a:ext cx="672361" cy="1054546"/>
+              </a:xfrm>
+              <a:prstGeom prst="line">
+                <a:avLst/>
+              </a:prstGeom>
+              <a:ln w="12700">
+                <a:solidFill>
+                  <a:schemeClr val="tx1"/>
+                </a:solidFill>
+              </a:ln>
+            </p:spPr>
+            <p:style>
+              <a:lnRef idx="1">
+                <a:schemeClr val="accent1"/>
+              </a:lnRef>
+              <a:fillRef idx="0">
+                <a:schemeClr val="accent1"/>
+              </a:fillRef>
+              <a:effectRef idx="0">
+                <a:schemeClr val="accent1"/>
+              </a:effectRef>
+              <a:fontRef idx="minor">
+                <a:schemeClr val="tx1"/>
+              </a:fontRef>
+            </p:style>
+          </p:cxnSp>
+          <p:sp>
+            <p:nvSpPr>
+              <p:cNvPr id="267" name="Rectangle 266"/>
+              <p:cNvSpPr/>
+              <p:nvPr/>
+            </p:nvSpPr>
+            <p:spPr>
+              <a:xfrm>
+                <a:off x="3675345" y="1472184"/>
+                <a:ext cx="4572000" cy="606467"/>
+              </a:xfrm>
+              <a:prstGeom prst="rect">
+                <a:avLst/>
+              </a:prstGeom>
+              <a:noFill/>
+              <a:ln>
+                <a:noFill/>
+              </a:ln>
+            </p:spPr>
+            <p:style>
+              <a:lnRef idx="2">
+                <a:schemeClr val="accent1">
+                  <a:shade val="50000"/>
+                </a:schemeClr>
+              </a:lnRef>
+              <a:fillRef idx="1">
+                <a:schemeClr val="accent1"/>
+              </a:fillRef>
+              <a:effectRef idx="0">
+                <a:schemeClr val="accent1"/>
+              </a:effectRef>
+              <a:fontRef idx="minor">
+                <a:schemeClr val="lt1"/>
+              </a:fontRef>
+            </p:style>
+            <p:txBody>
+              <a:bodyPr rtlCol="0" anchor="ctr"/>
+              <a:lstStyle/>
+              <a:p>
+                <a:pPr algn="ctr"/>
+                <a:r>
+                  <a:rPr lang="en-US" sz="2400" dirty="0">
+                    <a:solidFill>
+                      <a:schemeClr val="tx1"/>
+                    </a:solidFill>
+                    <a:latin typeface="Cambria Math" panose="02040503050406030204" pitchFamily="18" charset="0"/>
+                    <a:ea typeface="Cambria Math" panose="02040503050406030204" pitchFamily="18" charset="0"/>
+                  </a:rPr>
+                  <a:t>PWM</a:t>
+                </a:r>
+              </a:p>
+            </p:txBody>
+          </p:sp>
+          <p:sp>
+            <p:nvSpPr>
+              <p:cNvPr id="61" name="Rectangle 60"/>
+              <p:cNvSpPr/>
+              <p:nvPr/>
+            </p:nvSpPr>
+            <p:spPr>
+              <a:xfrm>
+                <a:off x="7849587" y="1472184"/>
+                <a:ext cx="4572000" cy="606467"/>
+              </a:xfrm>
+              <a:prstGeom prst="rect">
+                <a:avLst/>
+              </a:prstGeom>
+              <a:noFill/>
+              <a:ln>
+                <a:noFill/>
+              </a:ln>
+            </p:spPr>
+            <p:style>
+              <a:lnRef idx="2">
+                <a:schemeClr val="accent1">
+                  <a:shade val="50000"/>
+                </a:schemeClr>
+              </a:lnRef>
+              <a:fillRef idx="1">
+                <a:schemeClr val="accent1"/>
+              </a:fillRef>
+              <a:effectRef idx="0">
+                <a:schemeClr val="accent1"/>
+              </a:effectRef>
+              <a:fontRef idx="minor">
+                <a:schemeClr val="lt1"/>
+              </a:fontRef>
+            </p:style>
+            <p:txBody>
+              <a:bodyPr rtlCol="0" anchor="ctr"/>
+              <a:lstStyle/>
+              <a:p>
+                <a:pPr algn="ctr"/>
+                <a:r>
+                  <a:rPr lang="en-US" sz="2400" dirty="0">
+                    <a:solidFill>
+                      <a:schemeClr val="tx1"/>
+                    </a:solidFill>
+                    <a:latin typeface="Cambria Math" panose="02040503050406030204" pitchFamily="18" charset="0"/>
+                    <a:ea typeface="Cambria Math" panose="02040503050406030204" pitchFamily="18" charset="0"/>
+                  </a:rPr>
+                  <a:t>M</a:t>
+                </a:r>
+              </a:p>
+            </p:txBody>
+          </p:sp>
+          <p:sp>
+            <p:nvSpPr>
+              <p:cNvPr id="72" name="Rectangle 71"/>
+              <p:cNvSpPr/>
+              <p:nvPr/>
+            </p:nvSpPr>
+            <p:spPr>
+              <a:xfrm>
+                <a:off x="-448166" y="445072"/>
+                <a:ext cx="4572000" cy="606467"/>
+              </a:xfrm>
+              <a:prstGeom prst="rect">
+                <a:avLst/>
+              </a:prstGeom>
+              <a:noFill/>
+              <a:ln>
+                <a:noFill/>
+              </a:ln>
+            </p:spPr>
+            <p:style>
+              <a:lnRef idx="2">
+                <a:schemeClr val="accent1">
+                  <a:shade val="50000"/>
+                </a:schemeClr>
+              </a:lnRef>
+              <a:fillRef idx="1">
+                <a:schemeClr val="accent1"/>
+              </a:fillRef>
+              <a:effectRef idx="0">
+                <a:schemeClr val="accent1"/>
+              </a:effectRef>
+              <a:fontRef idx="minor">
+                <a:schemeClr val="lt1"/>
+              </a:fontRef>
+            </p:style>
+            <p:txBody>
+              <a:bodyPr rtlCol="0" anchor="ctr"/>
+              <a:lstStyle/>
+              <a:p>
+                <a:pPr algn="ctr"/>
+                <a:r>
+                  <a:rPr lang="en-US" sz="2800" b="1" spc="600">
+                    <a:solidFill>
+                      <a:schemeClr val="bg2">
+                        <a:lumMod val="75000"/>
+                      </a:schemeClr>
+                    </a:solidFill>
+                    <a:latin typeface="Courier New" panose="02070309020205020404" pitchFamily="49" charset="0"/>
+                    <a:cs typeface="Courier New" panose="02070309020205020404" pitchFamily="49" charset="0"/>
+                  </a:rPr>
+                  <a:t>…</a:t>
+                </a:r>
+                <a:r>
+                  <a:rPr lang="en-US" sz="2800" b="1" spc="600" smtClean="0">
+                    <a:solidFill>
+                      <a:schemeClr val="bg2">
+                        <a:lumMod val="75000"/>
+                      </a:schemeClr>
+                    </a:solidFill>
+                    <a:latin typeface="Courier New" panose="02070309020205020404" pitchFamily="49" charset="0"/>
+                    <a:cs typeface="Courier New" panose="02070309020205020404" pitchFamily="49" charset="0"/>
+                  </a:rPr>
+                  <a:t>CG</a:t>
+                </a:r>
+                <a:r>
+                  <a:rPr lang="en-US" sz="2800" b="1" spc="600" smtClean="0">
+                    <a:solidFill>
+                      <a:sysClr val="windowText" lastClr="000000"/>
+                    </a:solidFill>
+                    <a:latin typeface="Courier New" panose="02070309020205020404" pitchFamily="49" charset="0"/>
+                    <a:cs typeface="Courier New" panose="02070309020205020404" pitchFamily="49" charset="0"/>
+                  </a:rPr>
+                  <a:t>ACTCCGTA</a:t>
+                </a:r>
+                <a:r>
+                  <a:rPr lang="en-US" sz="2800" b="1" spc="600" smtClean="0">
+                    <a:solidFill>
+                      <a:schemeClr val="bg2">
+                        <a:lumMod val="75000"/>
+                      </a:schemeClr>
+                    </a:solidFill>
+                    <a:latin typeface="Courier New" panose="02070309020205020404" pitchFamily="49" charset="0"/>
+                    <a:cs typeface="Courier New" panose="02070309020205020404" pitchFamily="49" charset="0"/>
+                  </a:rPr>
+                  <a:t>TA</a:t>
+                </a:r>
+                <a:r>
+                  <a:rPr lang="en-US" sz="2800" b="1" spc="600" dirty="0">
+                    <a:solidFill>
+                      <a:schemeClr val="bg2">
+                        <a:lumMod val="75000"/>
+                      </a:schemeClr>
+                    </a:solidFill>
+                    <a:latin typeface="Courier New" panose="02070309020205020404" pitchFamily="49" charset="0"/>
+                    <a:cs typeface="Courier New" panose="02070309020205020404" pitchFamily="49" charset="0"/>
+                  </a:rPr>
+                  <a:t>…</a:t>
+                </a:r>
+              </a:p>
+            </p:txBody>
+          </p:sp>
+          <p:sp>
+            <p:nvSpPr>
+              <p:cNvPr id="73" name="Rectangle 72"/>
+              <p:cNvSpPr/>
+              <p:nvPr/>
+            </p:nvSpPr>
+            <p:spPr>
+              <a:xfrm>
+                <a:off x="638954" y="525428"/>
+                <a:ext cx="2326640" cy="450835"/>
+              </a:xfrm>
+              <a:prstGeom prst="rect">
+                <a:avLst/>
+              </a:prstGeom>
+              <a:noFill/>
+              <a:ln w="38100">
+                <a:solidFill>
+                  <a:schemeClr val="tx1"/>
+                </a:solidFill>
+              </a:ln>
+            </p:spPr>
+            <p:style>
+              <a:lnRef idx="2">
+                <a:schemeClr val="accent1">
+                  <a:shade val="50000"/>
+                </a:schemeClr>
+              </a:lnRef>
+              <a:fillRef idx="1">
+                <a:schemeClr val="accent1"/>
+              </a:fillRef>
+              <a:effectRef idx="0">
+                <a:schemeClr val="accent1"/>
+              </a:effectRef>
+              <a:fontRef idx="minor">
+                <a:schemeClr val="lt1"/>
+              </a:fontRef>
+            </p:style>
+            <p:txBody>
+              <a:bodyPr rtlCol="0" anchor="ctr"/>
+              <a:lstStyle/>
+              <a:p>
+                <a:pPr algn="ctr"/>
+                <a:endParaRPr lang="en-US" dirty="0"/>
+              </a:p>
+            </p:txBody>
+          </p:sp>
+          <p:cxnSp>
+            <p:nvCxnSpPr>
+              <p:cNvPr id="74" name="Straight Arrow Connector 73"/>
+              <p:cNvCxnSpPr/>
+              <p:nvPr/>
+            </p:nvCxnSpPr>
+            <p:spPr>
+              <a:xfrm>
+                <a:off x="2833948" y="457381"/>
+                <a:ext cx="901161" cy="3397"/>
+              </a:xfrm>
+              <a:prstGeom prst="straightConnector1">
+                <a:avLst/>
+              </a:prstGeom>
+              <a:ln w="57150">
+                <a:solidFill>
+                  <a:srgbClr val="C00000"/>
+                </a:solidFill>
+                <a:tailEnd type="triangle"/>
+              </a:ln>
+            </p:spPr>
+            <p:style>
+              <a:lnRef idx="1">
+                <a:schemeClr val="accent1"/>
+              </a:lnRef>
+              <a:fillRef idx="0">
+                <a:schemeClr val="accent1"/>
+              </a:fillRef>
+              <a:effectRef idx="0">
+                <a:schemeClr val="accent1"/>
+              </a:effectRef>
+              <a:fontRef idx="minor">
+                <a:schemeClr val="tx1"/>
+              </a:fontRef>
+            </p:style>
+          </p:cxnSp>
+          <mc:AlternateContent xmlns:mc="http://schemas.openxmlformats.org/markup-compatibility/2006">
+            <mc:Choice xmlns:a14="http://schemas.microsoft.com/office/drawing/2010/main" Requires="a14">
+              <p:sp>
+                <p:nvSpPr>
+                  <p:cNvPr id="30" name="Rectangle 29"/>
+                  <p:cNvSpPr/>
+                  <p:nvPr/>
+                </p:nvSpPr>
+                <p:spPr>
+                  <a:xfrm>
+                    <a:off x="7045673" y="4219372"/>
+                    <a:ext cx="2761267" cy="1151875"/>
+                  </a:xfrm>
+                  <a:prstGeom prst="rect">
+                    <a:avLst/>
+                  </a:prstGeom>
+                  <a:noFill/>
+                  <a:ln>
+                    <a:solidFill>
+                      <a:schemeClr val="bg1"/>
+                    </a:solidFill>
+                  </a:ln>
+                </p:spPr>
+                <p:style>
+                  <a:lnRef idx="2">
+                    <a:schemeClr val="accent1">
+                      <a:shade val="50000"/>
+                    </a:schemeClr>
+                  </a:lnRef>
+                  <a:fillRef idx="1">
+                    <a:schemeClr val="accent1"/>
+                  </a:fillRef>
+                  <a:effectRef idx="0">
+                    <a:schemeClr val="accent1"/>
+                  </a:effectRef>
+                  <a:fontRef idx="minor">
+                    <a:schemeClr val="lt1"/>
+                  </a:fontRef>
+                </p:style>
+                <p:txBody>
+                  <a:bodyPr rtlCol="0" anchor="ctr"/>
+                  <a:lstStyle/>
+                  <a:p>
+                    <a:pPr algn="ctr"/>
+                    <a14:m>
+                      <m:oMathPara xmlns:m="http://schemas.openxmlformats.org/officeDocument/2006/math">
+                        <m:oMathParaPr>
+                          <m:jc m:val="centerGroup"/>
+                        </m:oMathParaPr>
+                        <m:oMath xmlns:m="http://schemas.openxmlformats.org/officeDocument/2006/math">
+                          <m:nary>
+                            <m:naryPr>
+                              <m:chr m:val="∑"/>
+                              <m:supHide m:val="on"/>
+                              <m:ctrlPr>
+                                <a:rPr lang="en-US" sz="2400" i="1" smtClean="0">
+                                  <a:solidFill>
+                                    <a:schemeClr val="tx1"/>
+                                  </a:solidFill>
+                                  <a:latin typeface="Cambria Math" panose="02040503050406030204" pitchFamily="18" charset="0"/>
+                                  <a:ea typeface="Cambria Math" panose="02040503050406030204" pitchFamily="18" charset="0"/>
+                                </a:rPr>
+                              </m:ctrlPr>
+                            </m:naryPr>
+                            <m:sub>
+                              <m:r>
+                                <m:rPr>
+                                  <m:sty m:val="p"/>
+                                </m:rPr>
+                                <a:rPr lang="en-GB" sz="2400" b="0" i="0" smtClean="0">
+                                  <a:solidFill>
+                                    <a:schemeClr val="tx1"/>
+                                  </a:solidFill>
+                                  <a:latin typeface="Cambria Math" panose="02040503050406030204" pitchFamily="18" charset="0"/>
+                                  <a:ea typeface="Cambria Math" panose="02040503050406030204" pitchFamily="18" charset="0"/>
+                                </a:rPr>
+                                <m:t>j</m:t>
+                              </m:r>
+                            </m:sub>
+                            <m:sup/>
+                            <m:e>
+                              <m:r>
+                                <m:rPr>
+                                  <m:sty m:val="p"/>
+                                </m:rPr>
+                                <a:rPr lang="en-US" sz="2400" smtClean="0">
+                                  <a:solidFill>
+                                    <a:schemeClr val="tx1"/>
+                                  </a:solidFill>
+                                  <a:latin typeface="Cambria Math" panose="02040503050406030204" pitchFamily="18" charset="0"/>
+                                  <a:ea typeface="Cambria Math" panose="02040503050406030204" pitchFamily="18" charset="0"/>
+                                </a:rPr>
+                                <m:t>log</m:t>
+                              </m:r>
+                              <m:r>
+                                <a:rPr lang="en-US" sz="2400" smtClean="0">
+                                  <a:solidFill>
+                                    <a:schemeClr val="tx1"/>
+                                  </a:solidFill>
+                                  <a:latin typeface="Cambria Math" panose="02040503050406030204" pitchFamily="18" charset="0"/>
+                                  <a:ea typeface="Cambria Math" panose="02040503050406030204" pitchFamily="18" charset="0"/>
+                                </a:rPr>
+                                <m:t>⁡</m:t>
+                              </m:r>
+                              <m:d>
+                                <m:dPr>
+                                  <m:ctrlPr>
+                                    <a:rPr lang="en-US" sz="2400" i="1">
+                                      <a:solidFill>
+                                        <a:schemeClr val="tx1"/>
+                                      </a:solidFill>
+                                      <a:latin typeface="Cambria Math" panose="02040503050406030204" pitchFamily="18" charset="0"/>
+                                      <a:ea typeface="Cambria Math" panose="02040503050406030204" pitchFamily="18" charset="0"/>
+                                    </a:rPr>
+                                  </m:ctrlPr>
+                                </m:dPr>
+                                <m:e>
+                                  <m:func>
+                                    <m:funcPr>
+                                      <m:ctrlPr>
+                                        <a:rPr lang="en-GB" sz="2400" b="0" i="0" smtClean="0">
+                                          <a:solidFill>
+                                            <a:schemeClr val="tx1"/>
+                                          </a:solidFill>
+                                          <a:latin typeface="Cambria Math" panose="02040503050406030204" pitchFamily="18" charset="0"/>
+                                          <a:ea typeface="Cambria Math" panose="02040503050406030204" pitchFamily="18" charset="0"/>
+                                        </a:rPr>
+                                      </m:ctrlPr>
+                                    </m:funcPr>
+                                    <m:fName>
+                                      <m:limLow>
+                                        <m:limLowPr>
+                                          <m:ctrlPr>
+                                            <a:rPr lang="en-GB" sz="2400" b="0" i="0" smtClean="0">
+                                              <a:solidFill>
+                                                <a:schemeClr val="tx1"/>
+                                              </a:solidFill>
+                                              <a:latin typeface="Cambria Math" panose="02040503050406030204" pitchFamily="18" charset="0"/>
+                                              <a:ea typeface="Cambria Math" panose="02040503050406030204" pitchFamily="18" charset="0"/>
+                                            </a:rPr>
+                                          </m:ctrlPr>
+                                        </m:limLowPr>
+                                        <m:e>
+                                          <m:r>
+                                            <m:rPr>
+                                              <m:sty m:val="p"/>
+                                            </m:rPr>
+                                            <a:rPr lang="en-US" sz="2400">
+                                              <a:solidFill>
+                                                <a:schemeClr val="tx1"/>
+                                              </a:solidFill>
+                                              <a:latin typeface="Cambria Math" panose="02040503050406030204" pitchFamily="18" charset="0"/>
+                                              <a:ea typeface="Cambria Math" panose="02040503050406030204" pitchFamily="18" charset="0"/>
+                                            </a:rPr>
+                                            <m:t>max</m:t>
+                                          </m:r>
+                                        </m:e>
+                                        <m:lim>
+                                          <m:r>
+                                            <m:rPr>
+                                              <m:sty m:val="p"/>
+                                            </m:rPr>
+                                            <a:rPr lang="en-GB" sz="2400" b="0" i="0" smtClean="0">
+                                              <a:solidFill>
+                                                <a:schemeClr val="tx1"/>
+                                              </a:solidFill>
+                                              <a:latin typeface="Cambria Math" panose="02040503050406030204" pitchFamily="18" charset="0"/>
+                                              <a:ea typeface="Cambria Math" panose="02040503050406030204" pitchFamily="18" charset="0"/>
+                                            </a:rPr>
+                                            <m:t>i</m:t>
+                                          </m:r>
+                                        </m:lim>
+                                      </m:limLow>
+                                    </m:fName>
+                                    <m:e>
+                                      <m:d>
+                                        <m:dPr>
+                                          <m:ctrlPr>
+                                            <a:rPr lang="en-US" sz="2400" i="1">
+                                              <a:solidFill>
+                                                <a:schemeClr val="tx1"/>
+                                              </a:solidFill>
+                                              <a:latin typeface="Cambria Math" panose="02040503050406030204" pitchFamily="18" charset="0"/>
+                                              <a:ea typeface="Cambria Math" panose="02040503050406030204" pitchFamily="18" charset="0"/>
+                                            </a:rPr>
+                                          </m:ctrlPr>
+                                        </m:dPr>
+                                        <m:e>
+                                          <m:sSub>
+                                            <m:sSubPr>
+                                              <m:ctrlPr>
+                                                <a:rPr lang="en-US" sz="2400" i="1">
+                                                  <a:solidFill>
+                                                    <a:schemeClr val="tx1"/>
+                                                  </a:solidFill>
+                                                  <a:latin typeface="Cambria Math" panose="02040503050406030204" pitchFamily="18" charset="0"/>
+                                                  <a:ea typeface="Cambria Math" panose="02040503050406030204" pitchFamily="18" charset="0"/>
+                                                </a:rPr>
+                                              </m:ctrlPr>
+                                            </m:sSubPr>
+                                            <m:e>
+                                              <m:r>
+                                                <a:rPr lang="en-US" sz="2400">
+                                                  <a:solidFill>
+                                                    <a:schemeClr val="tx1"/>
+                                                  </a:solidFill>
+                                                  <a:latin typeface="Cambria Math" panose="02040503050406030204" pitchFamily="18" charset="0"/>
+                                                  <a:ea typeface="Cambria Math" panose="02040503050406030204" pitchFamily="18" charset="0"/>
+                                                </a:rPr>
+                                                <m:t>𝑀</m:t>
+                                              </m:r>
+                                            </m:e>
+                                            <m:sub>
+                                              <m:r>
+                                                <m:rPr>
+                                                  <m:sty m:val="p"/>
+                                                </m:rPr>
+                                                <a:rPr lang="en-GB" sz="2400" b="0" i="0" smtClean="0">
+                                                  <a:solidFill>
+                                                    <a:schemeClr val="tx1"/>
+                                                  </a:solidFill>
+                                                  <a:latin typeface="Cambria Math" panose="02040503050406030204" pitchFamily="18" charset="0"/>
+                                                  <a:ea typeface="Cambria Math" panose="02040503050406030204" pitchFamily="18" charset="0"/>
+                                                </a:rPr>
+                                                <m:t>i</m:t>
+                                              </m:r>
+                                              <m:r>
+                                                <a:rPr lang="en-GB" sz="2400" b="0" i="0" smtClean="0">
+                                                  <a:solidFill>
+                                                    <a:schemeClr val="tx1"/>
+                                                  </a:solidFill>
+                                                  <a:latin typeface="Cambria Math" panose="02040503050406030204" pitchFamily="18" charset="0"/>
+                                                  <a:ea typeface="Cambria Math" panose="02040503050406030204" pitchFamily="18" charset="0"/>
+                                                </a:rPr>
+                                                <m:t>,</m:t>
+                                              </m:r>
+                                              <m:r>
+                                                <m:rPr>
+                                                  <m:sty m:val="p"/>
+                                                </m:rPr>
+                                                <a:rPr lang="en-GB" sz="2400" b="0" i="0" smtClean="0">
+                                                  <a:solidFill>
+                                                    <a:schemeClr val="tx1"/>
+                                                  </a:solidFill>
+                                                  <a:latin typeface="Cambria Math" panose="02040503050406030204" pitchFamily="18" charset="0"/>
+                                                  <a:ea typeface="Cambria Math" panose="02040503050406030204" pitchFamily="18" charset="0"/>
+                                                </a:rPr>
+                                                <m:t>j</m:t>
+                                              </m:r>
+                                            </m:sub>
+                                          </m:sSub>
+                                        </m:e>
+                                      </m:d>
+                                    </m:e>
+                                  </m:func>
+                                </m:e>
+                              </m:d>
+                              <m:r>
+                                <m:rPr>
+                                  <m:nor/>
+                                </m:rPr>
+                                <a:rPr lang="en-US" sz="2400" dirty="0">
+                                  <a:solidFill>
+                                    <a:schemeClr val="tx1"/>
+                                  </a:solidFill>
+                                  <a:latin typeface="Cambria Math" panose="02040503050406030204" pitchFamily="18" charset="0"/>
+                                  <a:ea typeface="Cambria Math" panose="02040503050406030204" pitchFamily="18" charset="0"/>
+                                </a:rPr>
+                                <m:t>=</m:t>
+                              </m:r>
+                              <m:r>
+                                <m:rPr>
+                                  <m:nor/>
+                                </m:rPr>
+                                <a:rPr lang="en-US" sz="2400" dirty="0" smtClean="0">
+                                  <a:solidFill>
+                                    <a:schemeClr val="tx1"/>
+                                  </a:solidFill>
+                                  <a:latin typeface="Cambria Math" panose="02040503050406030204" pitchFamily="18" charset="0"/>
+                                  <a:ea typeface="Cambria Math" panose="02040503050406030204" pitchFamily="18" charset="0"/>
+                                </a:rPr>
+                                <m:t>6.</m:t>
+                              </m:r>
+                              <m:r>
+                                <m:rPr>
+                                  <m:nor/>
+                                </m:rPr>
+                                <a:rPr lang="en-US" sz="2400" b="0" i="0" dirty="0" smtClean="0">
+                                  <a:solidFill>
+                                    <a:schemeClr val="tx1"/>
+                                  </a:solidFill>
+                                  <a:latin typeface="Cambria Math" panose="02040503050406030204" pitchFamily="18" charset="0"/>
+                                  <a:ea typeface="Cambria Math" panose="02040503050406030204" pitchFamily="18" charset="0"/>
+                                </a:rPr>
+                                <m:t>8</m:t>
+                              </m:r>
+                            </m:e>
+                          </m:nary>
+                        </m:oMath>
+                      </m:oMathPara>
+                    </a14:m>
+                    <a:endParaRPr lang="en-US" sz="2400" dirty="0">
+                      <a:solidFill>
+                        <a:schemeClr val="tx1"/>
+                      </a:solidFill>
+                      <a:latin typeface="Cambria Math" panose="02040503050406030204" pitchFamily="18" charset="0"/>
+                      <a:ea typeface="Cambria Math" panose="02040503050406030204" pitchFamily="18" charset="0"/>
+                    </a:endParaRPr>
+                  </a:p>
+                </p:txBody>
+              </p:sp>
+            </mc:Choice>
+            <mc:Fallback>
+              <p:sp>
+                <p:nvSpPr>
+                  <p:cNvPr id="30" name="Rectangle 29"/>
+                  <p:cNvSpPr>
+                    <a:spLocks noRot="1" noChangeAspect="1" noMove="1" noResize="1" noEditPoints="1" noAdjustHandles="1" noChangeArrowheads="1" noChangeShapeType="1" noTextEdit="1"/>
+                  </p:cNvSpPr>
+                  <p:nvPr/>
+                </p:nvSpPr>
+                <p:spPr>
+                  <a:xfrm>
+                    <a:off x="7045673" y="4219372"/>
+                    <a:ext cx="2761267" cy="1151875"/>
+                  </a:xfrm>
+                  <a:prstGeom prst="rect">
+                    <a:avLst/>
+                  </a:prstGeom>
+                  <a:blipFill rotWithShape="0">
+                    <a:blip r:embed="rId2"/>
+                    <a:stretch>
+                      <a:fillRect l="-7692" r="-5055"/>
+                    </a:stretch>
+                  </a:blipFill>
+                  <a:ln>
+                    <a:solidFill>
+                      <a:schemeClr val="bg1"/>
+                    </a:solidFill>
+                  </a:ln>
+                </p:spPr>
+                <p:txBody>
+                  <a:bodyPr/>
+                  <a:lstStyle/>
+                  <a:p>
+                    <a:r>
+                      <a:rPr lang="en-US">
+                        <a:noFill/>
+                      </a:rPr>
+                      <a:t> </a:t>
+                    </a:r>
+                  </a:p>
+                </p:txBody>
+              </p:sp>
+            </mc:Fallback>
+          </mc:AlternateContent>
+          <p:sp>
+            <p:nvSpPr>
+              <p:cNvPr id="31" name="Bent-Up Arrow 30"/>
+              <p:cNvSpPr/>
+              <p:nvPr/>
+            </p:nvSpPr>
+            <p:spPr>
+              <a:xfrm rot="5400000" flipV="1">
+                <a:off x="10531095" y="4007233"/>
+                <a:ext cx="801064" cy="1094938"/>
+              </a:xfrm>
+              <a:prstGeom prst="bentUpArrow">
+                <a:avLst>
+                  <a:gd name="adj1" fmla="val 22965"/>
+                  <a:gd name="adj2" fmla="val 25000"/>
+                  <a:gd name="adj3" fmla="val 25000"/>
+                </a:avLst>
+              </a:prstGeom>
               <a:solidFill>
                 <a:schemeClr val="tx1"/>
               </a:solidFill>
-            </a:ln>
-          </p:spPr>
-          <p:style>
-            <a:lnRef idx="2">
-              <a:schemeClr val="accent1">
-                <a:shade val="50000"/>
-              </a:schemeClr>
-            </a:lnRef>
-            <a:fillRef idx="1">
-              <a:schemeClr val="accent1"/>
-            </a:fillRef>
-            <a:effectRef idx="0">
-              <a:schemeClr val="accent1"/>
-            </a:effectRef>
-            <a:fontRef idx="minor">
-              <a:schemeClr val="lt1"/>
-            </a:fontRef>
-          </p:style>
-          <p:txBody>
-            <a:bodyPr rtlCol="0" anchor="ctr"/>
-            <a:lstStyle/>
-            <a:p>
-              <a:pPr algn="ctr"/>
-              <a:endParaRPr lang="en-US" dirty="0">
+              <a:ln>
                 <a:solidFill>
                   <a:schemeClr val="tx1"/>
                 </a:solidFill>
-              </a:endParaRPr>
-            </a:p>
-          </p:txBody>
-        </p:sp>
-        <p:cxnSp>
-          <p:nvCxnSpPr>
-            <p:cNvPr id="21" name="Straight Connector 20"/>
-            <p:cNvCxnSpPr/>
-            <p:nvPr/>
-          </p:nvCxnSpPr>
-          <p:spPr>
-            <a:xfrm flipH="1">
-              <a:off x="47999" y="981725"/>
-              <a:ext cx="585731" cy="1054546"/>
-            </a:xfrm>
-            <a:prstGeom prst="line">
-              <a:avLst/>
-            </a:prstGeom>
-            <a:ln w="12700">
-              <a:solidFill>
-                <a:schemeClr val="tx1"/>
-              </a:solidFill>
-            </a:ln>
-          </p:spPr>
-          <p:style>
-            <a:lnRef idx="1">
-              <a:schemeClr val="accent1"/>
-            </a:lnRef>
-            <a:fillRef idx="0">
-              <a:schemeClr val="accent1"/>
-            </a:fillRef>
-            <a:effectRef idx="0">
-              <a:schemeClr val="accent1"/>
-            </a:effectRef>
-            <a:fontRef idx="minor">
-              <a:schemeClr val="tx1"/>
-            </a:fontRef>
-          </p:style>
-        </p:cxnSp>
-        <p:cxnSp>
-          <p:nvCxnSpPr>
-            <p:cNvPr id="266" name="Straight Connector 265"/>
-            <p:cNvCxnSpPr/>
-            <p:nvPr/>
-          </p:nvCxnSpPr>
-          <p:spPr>
-            <a:xfrm>
-              <a:off x="2963288" y="980563"/>
-              <a:ext cx="672361" cy="1054546"/>
-            </a:xfrm>
-            <a:prstGeom prst="line">
-              <a:avLst/>
-            </a:prstGeom>
-            <a:ln w="12700">
-              <a:solidFill>
-                <a:schemeClr val="tx1"/>
-              </a:solidFill>
-            </a:ln>
-          </p:spPr>
-          <p:style>
-            <a:lnRef idx="1">
-              <a:schemeClr val="accent1"/>
-            </a:lnRef>
-            <a:fillRef idx="0">
-              <a:schemeClr val="accent1"/>
-            </a:fillRef>
-            <a:effectRef idx="0">
-              <a:schemeClr val="accent1"/>
-            </a:effectRef>
-            <a:fontRef idx="minor">
-              <a:schemeClr val="tx1"/>
-            </a:fontRef>
-          </p:style>
-        </p:cxnSp>
-        <p:sp>
-          <p:nvSpPr>
-            <p:cNvPr id="267" name="Rectangle 266"/>
-            <p:cNvSpPr/>
-            <p:nvPr/>
-          </p:nvSpPr>
-          <p:spPr>
-            <a:xfrm>
-              <a:off x="3675345" y="1472184"/>
-              <a:ext cx="4572000" cy="606467"/>
-            </a:xfrm>
-            <a:prstGeom prst="rect">
-              <a:avLst/>
-            </a:prstGeom>
-            <a:noFill/>
-            <a:ln>
+              </a:ln>
+            </p:spPr>
+            <p:style>
+              <a:lnRef idx="2">
+                <a:schemeClr val="accent1">
+                  <a:shade val="50000"/>
+                </a:schemeClr>
+              </a:lnRef>
+              <a:fillRef idx="1">
+                <a:schemeClr val="accent1"/>
+              </a:fillRef>
+              <a:effectRef idx="0">
+                <a:schemeClr val="accent1"/>
+              </a:effectRef>
+              <a:fontRef idx="minor">
+                <a:schemeClr val="lt1"/>
+              </a:fontRef>
+            </p:style>
+            <p:txBody>
+              <a:bodyPr rtlCol="0" anchor="ctr"/>
+              <a:lstStyle/>
+              <a:p>
+                <a:pPr algn="ctr"/>
+                <a:endParaRPr lang="en-US" dirty="0"/>
+              </a:p>
+            </p:txBody>
+          </p:sp>
+          <p:pic>
+            <p:nvPicPr>
+              <p:cNvPr id="36" name="Picture 35"/>
+              <p:cNvPicPr>
+                <a:picLocks noChangeAspect="1"/>
+              </p:cNvPicPr>
+              <p:nvPr/>
+            </p:nvPicPr>
+            <p:blipFill rotWithShape="1">
+              <a:blip r:embed="rId3"/>
+              <a:srcRect l="12750" t="16058" r="16917" b="16369"/>
+              <a:stretch/>
+            </p:blipFill>
+            <p:spPr>
+              <a:xfrm>
+                <a:off x="2633229" y="3903529"/>
+                <a:ext cx="3043716" cy="1281349"/>
+              </a:xfrm>
+              <a:prstGeom prst="rect">
+                <a:avLst/>
+              </a:prstGeom>
+            </p:spPr>
+          </p:pic>
+          <p:sp>
+            <p:nvSpPr>
+              <p:cNvPr id="37" name="Rectangle 36"/>
+              <p:cNvSpPr/>
+              <p:nvPr/>
+            </p:nvSpPr>
+            <p:spPr>
+              <a:xfrm>
+                <a:off x="2768388" y="5133122"/>
+                <a:ext cx="2855768" cy="653947"/>
+              </a:xfrm>
+              <a:prstGeom prst="rect">
+                <a:avLst/>
+              </a:prstGeom>
               <a:noFill/>
-            </a:ln>
-          </p:spPr>
-          <p:style>
-            <a:lnRef idx="2">
-              <a:schemeClr val="accent1">
-                <a:shade val="50000"/>
-              </a:schemeClr>
-            </a:lnRef>
-            <a:fillRef idx="1">
-              <a:schemeClr val="accent1"/>
-            </a:fillRef>
-            <a:effectRef idx="0">
-              <a:schemeClr val="accent1"/>
-            </a:effectRef>
-            <a:fontRef idx="minor">
-              <a:schemeClr val="lt1"/>
-            </a:fontRef>
-          </p:style>
-          <p:txBody>
-            <a:bodyPr rtlCol="0" anchor="ctr"/>
-            <a:lstStyle/>
-            <a:p>
-              <a:pPr algn="ctr"/>
-              <a:r>
-                <a:rPr lang="en-US" sz="2400" dirty="0">
+              <a:ln>
+                <a:noFill/>
+              </a:ln>
+            </p:spPr>
+            <p:style>
+              <a:lnRef idx="2">
+                <a:schemeClr val="accent1">
+                  <a:shade val="50000"/>
+                </a:schemeClr>
+              </a:lnRef>
+              <a:fillRef idx="1">
+                <a:schemeClr val="accent1"/>
+              </a:fillRef>
+              <a:effectRef idx="0">
+                <a:schemeClr val="accent1"/>
+              </a:effectRef>
+              <a:fontRef idx="minor">
+                <a:schemeClr val="lt1"/>
+              </a:fontRef>
+            </p:style>
+            <p:txBody>
+              <a:bodyPr rtlCol="0" anchor="ctr"/>
+              <a:lstStyle/>
+              <a:p>
+                <a:pPr algn="ctr"/>
+                <a:r>
+                  <a:rPr lang="en-US" sz="2000" dirty="0">
+                    <a:solidFill>
+                      <a:schemeClr val="tx1"/>
+                    </a:solidFill>
+                    <a:latin typeface="Cambria Math" panose="02040503050406030204" pitchFamily="18" charset="0"/>
+                    <a:ea typeface="Cambria Math" panose="02040503050406030204" pitchFamily="18" charset="0"/>
+                  </a:rPr>
+                  <a:t>Location in sequence</a:t>
+                </a:r>
+              </a:p>
+            </p:txBody>
+          </p:sp>
+          <p:sp>
+            <p:nvSpPr>
+              <p:cNvPr id="92" name="Rectangle 91"/>
+              <p:cNvSpPr/>
+              <p:nvPr/>
+            </p:nvSpPr>
+            <p:spPr>
+              <a:xfrm>
+                <a:off x="843604" y="4544203"/>
+                <a:ext cx="1745889" cy="575616"/>
+              </a:xfrm>
+              <a:prstGeom prst="rect">
+                <a:avLst/>
+              </a:prstGeom>
+              <a:noFill/>
+              <a:ln>
+                <a:noFill/>
+              </a:ln>
+            </p:spPr>
+            <p:style>
+              <a:lnRef idx="2">
+                <a:schemeClr val="accent1">
+                  <a:shade val="50000"/>
+                </a:schemeClr>
+              </a:lnRef>
+              <a:fillRef idx="1">
+                <a:schemeClr val="accent1"/>
+              </a:fillRef>
+              <a:effectRef idx="0">
+                <a:schemeClr val="accent1"/>
+              </a:effectRef>
+              <a:fontRef idx="minor">
+                <a:schemeClr val="lt1"/>
+              </a:fontRef>
+            </p:style>
+            <p:txBody>
+              <a:bodyPr rtlCol="0" anchor="ctr"/>
+              <a:lstStyle/>
+              <a:p>
+                <a:pPr algn="ctr"/>
+                <a:r>
+                  <a:rPr lang="en-US" sz="2000" dirty="0">
+                    <a:solidFill>
+                      <a:schemeClr val="tx1"/>
+                    </a:solidFill>
+                    <a:latin typeface="Cambria Math" panose="02040503050406030204" pitchFamily="18" charset="0"/>
+                    <a:ea typeface="Cambria Math" panose="02040503050406030204" pitchFamily="18" charset="0"/>
+                  </a:rPr>
+                  <a:t>Log likelihood of TF binding</a:t>
+                </a:r>
+              </a:p>
+            </p:txBody>
+          </p:sp>
+          <p:sp>
+            <p:nvSpPr>
+              <p:cNvPr id="38" name="Left Arrow 37"/>
+              <p:cNvSpPr/>
+              <p:nvPr/>
+            </p:nvSpPr>
+            <p:spPr>
+              <a:xfrm>
+                <a:off x="5895726" y="4596605"/>
+                <a:ext cx="654009" cy="338309"/>
+              </a:xfrm>
+              <a:prstGeom prst="leftArrow">
+                <a:avLst/>
+              </a:prstGeom>
+            </p:spPr>
+            <p:style>
+              <a:lnRef idx="2">
+                <a:schemeClr val="dk1">
+                  <a:shade val="50000"/>
+                </a:schemeClr>
+              </a:lnRef>
+              <a:fillRef idx="1">
+                <a:schemeClr val="dk1"/>
+              </a:fillRef>
+              <a:effectRef idx="0">
+                <a:schemeClr val="dk1"/>
+              </a:effectRef>
+              <a:fontRef idx="minor">
+                <a:schemeClr val="lt1"/>
+              </a:fontRef>
+            </p:style>
+            <p:txBody>
+              <a:bodyPr rtlCol="0" anchor="ctr"/>
+              <a:lstStyle/>
+              <a:p>
+                <a:pPr algn="ctr"/>
+                <a:endParaRPr lang="en-US" dirty="0"/>
+              </a:p>
+            </p:txBody>
+          </p:sp>
+          <p:sp>
+            <p:nvSpPr>
+              <p:cNvPr id="24" name="Rectangle 23"/>
+              <p:cNvSpPr/>
+              <p:nvPr/>
+            </p:nvSpPr>
+            <p:spPr>
+              <a:xfrm>
+                <a:off x="487349" y="1540272"/>
+                <a:ext cx="3683296" cy="575616"/>
+              </a:xfrm>
+              <a:prstGeom prst="rect">
+                <a:avLst/>
+              </a:prstGeom>
+              <a:noFill/>
+              <a:ln>
+                <a:noFill/>
+              </a:ln>
+            </p:spPr>
+            <p:style>
+              <a:lnRef idx="2">
+                <a:schemeClr val="accent1">
+                  <a:shade val="50000"/>
+                </a:schemeClr>
+              </a:lnRef>
+              <a:fillRef idx="1">
+                <a:schemeClr val="accent1"/>
+              </a:fillRef>
+              <a:effectRef idx="0">
+                <a:schemeClr val="accent1"/>
+              </a:effectRef>
+              <a:fontRef idx="minor">
+                <a:schemeClr val="lt1"/>
+              </a:fontRef>
+            </p:style>
+            <p:txBody>
+              <a:bodyPr rtlCol="0" anchor="ctr"/>
+              <a:lstStyle/>
+              <a:p>
+                <a:pPr algn="ctr"/>
+                <a:endParaRPr lang="en-US" sz="2800" dirty="0">
+                  <a:ln w="0"/>
                   <a:solidFill>
-                    <a:schemeClr val="tx1"/>
+                    <a:schemeClr val="accent1"/>
                   </a:solidFill>
-                  <a:latin typeface="Cambria Math" panose="02040503050406030204" pitchFamily="18" charset="0"/>
-                  <a:ea typeface="Cambria Math" panose="02040503050406030204" pitchFamily="18" charset="0"/>
-                </a:rPr>
-                <a:t>PWM</a:t>
-              </a:r>
-            </a:p>
-          </p:txBody>
-        </p:sp>
-        <p:sp>
-          <p:nvSpPr>
-            <p:cNvPr id="61" name="Rectangle 60"/>
-            <p:cNvSpPr/>
-            <p:nvPr/>
-          </p:nvSpPr>
-          <p:spPr>
-            <a:xfrm>
-              <a:off x="7849587" y="1472184"/>
-              <a:ext cx="4572000" cy="606467"/>
-            </a:xfrm>
-            <a:prstGeom prst="rect">
-              <a:avLst/>
-            </a:prstGeom>
-            <a:noFill/>
-            <a:ln>
+                  <a:effectLst>
+                    <a:outerShdw blurRad="38100" dist="25400" dir="5400000" algn="ctr" rotWithShape="0">
+                      <a:srgbClr val="6E747A">
+                        <a:alpha val="43000"/>
+                      </a:srgbClr>
+                    </a:outerShdw>
+                  </a:effectLst>
+                  <a:latin typeface="Courier New" panose="02070309020205020404" pitchFamily="49" charset="0"/>
+                  <a:cs typeface="Courier New" panose="02070309020205020404" pitchFamily="49" charset="0"/>
+                </a:endParaRPr>
+              </a:p>
+            </p:txBody>
+          </p:sp>
+          <p:sp>
+            <p:nvSpPr>
+              <p:cNvPr id="25" name="Rectangle 24"/>
+              <p:cNvSpPr/>
+              <p:nvPr/>
+            </p:nvSpPr>
+            <p:spPr>
+              <a:xfrm>
+                <a:off x="-448166" y="1472184"/>
+                <a:ext cx="4572000" cy="606467"/>
+              </a:xfrm>
+              <a:prstGeom prst="rect">
+                <a:avLst/>
+              </a:prstGeom>
               <a:noFill/>
-            </a:ln>
-          </p:spPr>
-          <p:style>
-            <a:lnRef idx="2">
-              <a:schemeClr val="accent1">
-                <a:shade val="50000"/>
-              </a:schemeClr>
-            </a:lnRef>
-            <a:fillRef idx="1">
-              <a:schemeClr val="accent1"/>
-            </a:fillRef>
-            <a:effectRef idx="0">
-              <a:schemeClr val="accent1"/>
-            </a:effectRef>
-            <a:fontRef idx="minor">
-              <a:schemeClr val="lt1"/>
-            </a:fontRef>
-          </p:style>
-          <p:txBody>
-            <a:bodyPr rtlCol="0" anchor="ctr"/>
-            <a:lstStyle/>
-            <a:p>
-              <a:pPr algn="ctr"/>
-              <a:r>
-                <a:rPr lang="en-US" sz="2400" dirty="0">
-                  <a:solidFill>
-                    <a:schemeClr val="tx1"/>
-                  </a:solidFill>
-                  <a:latin typeface="Cambria Math" panose="02040503050406030204" pitchFamily="18" charset="0"/>
-                  <a:ea typeface="Cambria Math" panose="02040503050406030204" pitchFamily="18" charset="0"/>
-                </a:rPr>
-                <a:t>M</a:t>
-              </a:r>
-              <a:endParaRPr lang="en-US" sz="2400" dirty="0">
-                <a:solidFill>
-                  <a:schemeClr val="tx1"/>
-                </a:solidFill>
-                <a:latin typeface="Cambria Math" panose="02040503050406030204" pitchFamily="18" charset="0"/>
-                <a:ea typeface="Cambria Math" panose="02040503050406030204" pitchFamily="18" charset="0"/>
-              </a:endParaRPr>
-            </a:p>
-          </p:txBody>
-        </p:sp>
+              <a:ln>
+                <a:noFill/>
+              </a:ln>
+            </p:spPr>
+            <p:style>
+              <a:lnRef idx="2">
+                <a:schemeClr val="accent1">
+                  <a:shade val="50000"/>
+                </a:schemeClr>
+              </a:lnRef>
+              <a:fillRef idx="1">
+                <a:schemeClr val="accent1"/>
+              </a:fillRef>
+              <a:effectRef idx="0">
+                <a:schemeClr val="accent1"/>
+              </a:effectRef>
+              <a:fontRef idx="minor">
+                <a:schemeClr val="lt1"/>
+              </a:fontRef>
+            </p:style>
+            <p:txBody>
+              <a:bodyPr rtlCol="0" anchor="ctr"/>
+              <a:lstStyle/>
+              <a:p>
+                <a:pPr algn="ctr"/>
+                <a:r>
+                  <a:rPr lang="en-US" sz="2400" dirty="0">
+                    <a:solidFill>
+                      <a:schemeClr val="tx1"/>
+                    </a:solidFill>
+                    <a:latin typeface="Cambria Math" panose="02040503050406030204" pitchFamily="18" charset="0"/>
+                    <a:ea typeface="Cambria Math" panose="02040503050406030204" pitchFamily="18" charset="0"/>
+                  </a:rPr>
+                  <a:t>One-hot encoding</a:t>
+                </a:r>
+              </a:p>
+            </p:txBody>
+          </p:sp>
+        </p:grpSp>
         <p:pic>
           <p:nvPicPr>
-            <p:cNvPr id="26" name="Picture 25"/>
+            <p:cNvPr id="9" name="Picture 8"/>
             <p:cNvPicPr>
               <a:picLocks noChangeAspect="1"/>
             </p:cNvPicPr>
             <p:nvPr/>
           </p:nvPicPr>
-          <p:blipFill rotWithShape="1">
-            <a:blip r:embed="rId2" cstate="print">
-              <a:extLst>
-                <a:ext uri="{28A0092B-C50C-407E-A947-70E740481C1C}">
-                  <a14:useLocalDpi xmlns:a14="http://schemas.microsoft.com/office/drawing/2010/main" val="0"/>
-                </a:ext>
-              </a:extLst>
-            </a:blip>
-            <a:srcRect l="3977" t="2455" r="4030" b="2291"/>
-            <a:stretch/>
+          <p:blipFill>
+            <a:blip r:embed="rId4"/>
+            <a:stretch>
+              <a:fillRect/>
+            </a:stretch>
           </p:blipFill>
           <p:spPr>
             <a:xfrm>
-              <a:off x="8396971" y="2025181"/>
-              <a:ext cx="3618847" cy="1826729"/>
-            </a:xfrm>
-            <a:prstGeom prst="rect">
-              <a:avLst/>
-            </a:prstGeom>
-            <a:ln>
-              <a:solidFill>
-                <a:schemeClr val="bg1"/>
-              </a:solidFill>
-            </a:ln>
-          </p:spPr>
-        </p:pic>
-        <p:pic>
-          <p:nvPicPr>
-            <p:cNvPr id="27" name="Picture 26"/>
-            <p:cNvPicPr>
-              <a:picLocks noChangeAspect="1"/>
-            </p:cNvPicPr>
-            <p:nvPr/>
-          </p:nvPicPr>
-          <p:blipFill rotWithShape="1">
-            <a:blip r:embed="rId3" cstate="print">
-              <a:extLst>
-                <a:ext uri="{28A0092B-C50C-407E-A947-70E740481C1C}">
-                  <a14:useLocalDpi xmlns:a14="http://schemas.microsoft.com/office/drawing/2010/main" val="0"/>
-                </a:ext>
-              </a:extLst>
-            </a:blip>
-            <a:srcRect l="4123" t="2855" r="3983" b="2292"/>
-            <a:stretch/>
-          </p:blipFill>
-          <p:spPr>
-            <a:xfrm>
-              <a:off x="87630" y="2032829"/>
-              <a:ext cx="3615086" cy="1819081"/>
-            </a:xfrm>
-            <a:prstGeom prst="rect">
-              <a:avLst/>
-            </a:prstGeom>
-            <a:noFill/>
-            <a:ln>
-              <a:noFill/>
-            </a:ln>
-          </p:spPr>
-        </p:pic>
-        <p:pic>
-          <p:nvPicPr>
-            <p:cNvPr id="28" name="Picture 27"/>
-            <p:cNvPicPr>
-              <a:picLocks noChangeAspect="1"/>
-            </p:cNvPicPr>
-            <p:nvPr/>
-          </p:nvPicPr>
-          <p:blipFill rotWithShape="1">
-            <a:blip r:embed="rId4" cstate="print">
-              <a:extLst>
-                <a:ext uri="{28A0092B-C50C-407E-A947-70E740481C1C}">
-                  <a14:useLocalDpi xmlns:a14="http://schemas.microsoft.com/office/drawing/2010/main" val="0"/>
-                </a:ext>
-              </a:extLst>
-            </a:blip>
-            <a:srcRect l="3903" t="2455" r="3811" b="2692"/>
-            <a:stretch/>
-          </p:blipFill>
-          <p:spPr>
-            <a:xfrm>
-              <a:off x="4140130" y="2024949"/>
-              <a:ext cx="3627325" cy="1817505"/>
-            </a:xfrm>
-            <a:prstGeom prst="rect">
-              <a:avLst/>
-            </a:prstGeom>
-            <a:ln>
-              <a:solidFill>
-                <a:schemeClr val="bg1"/>
-              </a:solidFill>
-            </a:ln>
-          </p:spPr>
-        </p:pic>
-        <p:sp>
-          <p:nvSpPr>
-            <p:cNvPr id="72" name="Rectangle 71"/>
-            <p:cNvSpPr/>
-            <p:nvPr/>
-          </p:nvSpPr>
-          <p:spPr>
-            <a:xfrm>
-              <a:off x="-448166" y="445072"/>
-              <a:ext cx="4572000" cy="606467"/>
-            </a:xfrm>
-            <a:prstGeom prst="rect">
-              <a:avLst/>
-            </a:prstGeom>
-            <a:noFill/>
-            <a:ln>
-              <a:noFill/>
-            </a:ln>
-          </p:spPr>
-          <p:style>
-            <a:lnRef idx="2">
-              <a:schemeClr val="accent1">
-                <a:shade val="50000"/>
-              </a:schemeClr>
-            </a:lnRef>
-            <a:fillRef idx="1">
-              <a:schemeClr val="accent1"/>
-            </a:fillRef>
-            <a:effectRef idx="0">
-              <a:schemeClr val="accent1"/>
-            </a:effectRef>
-            <a:fontRef idx="minor">
-              <a:schemeClr val="lt1"/>
-            </a:fontRef>
-          </p:style>
-          <p:txBody>
-            <a:bodyPr rtlCol="0" anchor="ctr"/>
-            <a:lstStyle/>
-            <a:p>
-              <a:pPr algn="ctr"/>
-              <a:r>
-                <a:rPr lang="en-US" sz="2800" b="1" spc="600" dirty="0">
-                  <a:solidFill>
-                    <a:schemeClr val="bg2">
-                      <a:lumMod val="75000"/>
-                    </a:schemeClr>
-                  </a:solidFill>
-                  <a:latin typeface="Courier New" panose="02070309020205020404" pitchFamily="49" charset="0"/>
-                  <a:cs typeface="Courier New" panose="02070309020205020404" pitchFamily="49" charset="0"/>
-                </a:rPr>
-                <a:t>…CG</a:t>
-              </a:r>
-              <a:r>
-                <a:rPr lang="en-US" sz="2800" b="1" spc="600" dirty="0">
-                  <a:solidFill>
-                    <a:sysClr val="windowText" lastClr="000000"/>
-                  </a:solidFill>
-                  <a:latin typeface="Courier New" panose="02070309020205020404" pitchFamily="49" charset="0"/>
-                  <a:cs typeface="Courier New" panose="02070309020205020404" pitchFamily="49" charset="0"/>
-                </a:rPr>
-                <a:t>GCTACTCT</a:t>
-              </a:r>
-              <a:r>
-                <a:rPr lang="en-US" sz="2800" b="1" spc="600" dirty="0">
-                  <a:solidFill>
-                    <a:schemeClr val="bg2">
-                      <a:lumMod val="75000"/>
-                    </a:schemeClr>
-                  </a:solidFill>
-                  <a:latin typeface="Courier New" panose="02070309020205020404" pitchFamily="49" charset="0"/>
-                  <a:cs typeface="Courier New" panose="02070309020205020404" pitchFamily="49" charset="0"/>
-                </a:rPr>
-                <a:t>TA…</a:t>
-              </a:r>
-            </a:p>
-          </p:txBody>
-        </p:sp>
-        <p:sp>
-          <p:nvSpPr>
-            <p:cNvPr id="73" name="Rectangle 72"/>
-            <p:cNvSpPr/>
-            <p:nvPr/>
-          </p:nvSpPr>
-          <p:spPr>
-            <a:xfrm>
-              <a:off x="638954" y="525428"/>
-              <a:ext cx="2326640" cy="450835"/>
-            </a:xfrm>
-            <a:prstGeom prst="rect">
-              <a:avLst/>
-            </a:prstGeom>
-            <a:noFill/>
-            <a:ln w="38100">
-              <a:solidFill>
-                <a:schemeClr val="tx1"/>
-              </a:solidFill>
-            </a:ln>
-          </p:spPr>
-          <p:style>
-            <a:lnRef idx="2">
-              <a:schemeClr val="accent1">
-                <a:shade val="50000"/>
-              </a:schemeClr>
-            </a:lnRef>
-            <a:fillRef idx="1">
-              <a:schemeClr val="accent1"/>
-            </a:fillRef>
-            <a:effectRef idx="0">
-              <a:schemeClr val="accent1"/>
-            </a:effectRef>
-            <a:fontRef idx="minor">
-              <a:schemeClr val="lt1"/>
-            </a:fontRef>
-          </p:style>
-          <p:txBody>
-            <a:bodyPr rtlCol="0" anchor="ctr"/>
-            <a:lstStyle/>
-            <a:p>
-              <a:pPr algn="ctr"/>
-              <a:endParaRPr lang="en-US" dirty="0"/>
-            </a:p>
-          </p:txBody>
-        </p:sp>
-        <p:cxnSp>
-          <p:nvCxnSpPr>
-            <p:cNvPr id="74" name="Straight Arrow Connector 73"/>
-            <p:cNvCxnSpPr/>
-            <p:nvPr/>
-          </p:nvCxnSpPr>
-          <p:spPr>
-            <a:xfrm>
-              <a:off x="2833948" y="457381"/>
-              <a:ext cx="901161" cy="3397"/>
-            </a:xfrm>
-            <a:prstGeom prst="straightConnector1">
-              <a:avLst/>
-            </a:prstGeom>
-            <a:ln w="57150">
-              <a:solidFill>
-                <a:srgbClr val="C00000"/>
-              </a:solidFill>
-              <a:tailEnd type="triangle"/>
-            </a:ln>
-          </p:spPr>
-          <p:style>
-            <a:lnRef idx="1">
-              <a:schemeClr val="accent1"/>
-            </a:lnRef>
-            <a:fillRef idx="0">
-              <a:schemeClr val="accent1"/>
-            </a:fillRef>
-            <a:effectRef idx="0">
-              <a:schemeClr val="accent1"/>
-            </a:effectRef>
-            <a:fontRef idx="minor">
-              <a:schemeClr val="tx1"/>
-            </a:fontRef>
-          </p:style>
-        </p:cxnSp>
-        <mc:AlternateContent xmlns:mc="http://schemas.openxmlformats.org/markup-compatibility/2006">
-          <mc:Choice xmlns:a14="http://schemas.microsoft.com/office/drawing/2010/main" Requires="a14">
-            <p:sp>
-              <p:nvSpPr>
-                <p:cNvPr id="30" name="Rectangle 29"/>
-                <p:cNvSpPr/>
-                <p:nvPr/>
-              </p:nvSpPr>
-              <p:spPr>
-                <a:xfrm>
-                  <a:off x="7147273" y="4219372"/>
-                  <a:ext cx="2761267" cy="1151875"/>
-                </a:xfrm>
-                <a:prstGeom prst="rect">
-                  <a:avLst/>
-                </a:prstGeom>
-                <a:noFill/>
-                <a:ln>
-                  <a:solidFill>
-                    <a:schemeClr val="bg1"/>
-                  </a:solidFill>
-                </a:ln>
-              </p:spPr>
-              <p:style>
-                <a:lnRef idx="2">
-                  <a:schemeClr val="accent1">
-                    <a:shade val="50000"/>
-                  </a:schemeClr>
-                </a:lnRef>
-                <a:fillRef idx="1">
-                  <a:schemeClr val="accent1"/>
-                </a:fillRef>
-                <a:effectRef idx="0">
-                  <a:schemeClr val="accent1"/>
-                </a:effectRef>
-                <a:fontRef idx="minor">
-                  <a:schemeClr val="lt1"/>
-                </a:fontRef>
-              </p:style>
-              <p:txBody>
-                <a:bodyPr rtlCol="0" anchor="ctr"/>
-                <a:lstStyle/>
-                <a:p>
-                  <a:pPr algn="ctr"/>
-                  <a14:m>
-                    <m:oMathPara xmlns:m="http://schemas.openxmlformats.org/officeDocument/2006/math">
-                      <m:oMathParaPr>
-                        <m:jc m:val="centerGroup"/>
-                      </m:oMathParaPr>
-                      <m:oMath xmlns:m="http://schemas.openxmlformats.org/officeDocument/2006/math">
-                        <m:nary>
-                          <m:naryPr>
-                            <m:chr m:val="∑"/>
-                            <m:supHide m:val="on"/>
-                            <m:ctrlPr>
-                              <a:rPr lang="en-US" sz="2400">
-                                <a:solidFill>
-                                  <a:schemeClr val="tx1"/>
-                                </a:solidFill>
-                                <a:latin typeface="Cambria Math" panose="02040503050406030204" pitchFamily="18" charset="0"/>
-                                <a:ea typeface="Cambria Math" panose="02040503050406030204" pitchFamily="18" charset="0"/>
-                              </a:rPr>
-                            </m:ctrlPr>
-                          </m:naryPr>
-                          <m:sub>
-                            <m:r>
-                              <a:rPr lang="en-US" sz="2400">
-                                <a:solidFill>
-                                  <a:schemeClr val="tx1"/>
-                                </a:solidFill>
-                                <a:latin typeface="Cambria Math" panose="02040503050406030204" pitchFamily="18" charset="0"/>
-                                <a:ea typeface="Cambria Math" panose="02040503050406030204" pitchFamily="18" charset="0"/>
-                              </a:rPr>
-                              <m:t>𝑖</m:t>
-                            </m:r>
-                          </m:sub>
-                          <m:sup/>
-                          <m:e>
-                            <m:r>
-                              <m:rPr>
-                                <m:sty m:val="p"/>
-                              </m:rPr>
-                              <a:rPr lang="en-US" sz="2400">
-                                <a:solidFill>
-                                  <a:schemeClr val="tx1"/>
-                                </a:solidFill>
-                                <a:latin typeface="Cambria Math" panose="02040503050406030204" pitchFamily="18" charset="0"/>
-                                <a:ea typeface="Cambria Math" panose="02040503050406030204" pitchFamily="18" charset="0"/>
-                              </a:rPr>
-                              <m:t>log</m:t>
-                            </m:r>
-                            <m:r>
-                              <a:rPr lang="en-US" sz="2400">
-                                <a:solidFill>
-                                  <a:schemeClr val="tx1"/>
-                                </a:solidFill>
-                                <a:latin typeface="Cambria Math" panose="02040503050406030204" pitchFamily="18" charset="0"/>
-                                <a:ea typeface="Cambria Math" panose="02040503050406030204" pitchFamily="18" charset="0"/>
-                              </a:rPr>
-                              <m:t>⁡</m:t>
-                            </m:r>
-                            <m:d>
-                              <m:dPr>
-                                <m:ctrlPr>
-                                  <a:rPr lang="en-US" sz="2400">
-                                    <a:solidFill>
-                                      <a:schemeClr val="tx1"/>
-                                    </a:solidFill>
-                                    <a:latin typeface="Cambria Math" panose="02040503050406030204" pitchFamily="18" charset="0"/>
-                                    <a:ea typeface="Cambria Math" panose="02040503050406030204" pitchFamily="18" charset="0"/>
-                                  </a:rPr>
-                                </m:ctrlPr>
-                              </m:dPr>
-                              <m:e>
-                                <m:r>
-                                  <m:rPr>
-                                    <m:sty m:val="p"/>
-                                  </m:rPr>
-                                  <a:rPr lang="en-US" sz="2400">
-                                    <a:solidFill>
-                                      <a:schemeClr val="tx1"/>
-                                    </a:solidFill>
-                                    <a:latin typeface="Cambria Math" panose="02040503050406030204" pitchFamily="18" charset="0"/>
-                                    <a:ea typeface="Cambria Math" panose="02040503050406030204" pitchFamily="18" charset="0"/>
-                                  </a:rPr>
-                                  <m:t>max</m:t>
-                                </m:r>
-                                <m:r>
-                                  <a:rPr lang="en-US" sz="2400">
-                                    <a:solidFill>
-                                      <a:schemeClr val="tx1"/>
-                                    </a:solidFill>
-                                    <a:latin typeface="Cambria Math" panose="02040503050406030204" pitchFamily="18" charset="0"/>
-                                    <a:ea typeface="Cambria Math" panose="02040503050406030204" pitchFamily="18" charset="0"/>
-                                  </a:rPr>
-                                  <m:t>⁡</m:t>
-                                </m:r>
-                                <m:d>
-                                  <m:dPr>
-                                    <m:ctrlPr>
-                                      <a:rPr lang="en-US" sz="2400">
-                                        <a:solidFill>
-                                          <a:schemeClr val="tx1"/>
-                                        </a:solidFill>
-                                        <a:latin typeface="Cambria Math" panose="02040503050406030204" pitchFamily="18" charset="0"/>
-                                        <a:ea typeface="Cambria Math" panose="02040503050406030204" pitchFamily="18" charset="0"/>
-                                      </a:rPr>
-                                    </m:ctrlPr>
-                                  </m:dPr>
-                                  <m:e>
-                                    <m:sSub>
-                                      <m:sSubPr>
-                                        <m:ctrlPr>
-                                          <a:rPr lang="en-US" sz="2400">
-                                            <a:solidFill>
-                                              <a:schemeClr val="tx1"/>
-                                            </a:solidFill>
-                                            <a:latin typeface="Cambria Math" panose="02040503050406030204" pitchFamily="18" charset="0"/>
-                                            <a:ea typeface="Cambria Math" panose="02040503050406030204" pitchFamily="18" charset="0"/>
-                                          </a:rPr>
-                                        </m:ctrlPr>
-                                      </m:sSubPr>
-                                      <m:e>
-                                        <m:r>
-                                          <a:rPr lang="en-US" sz="2400">
-                                            <a:solidFill>
-                                              <a:schemeClr val="tx1"/>
-                                            </a:solidFill>
-                                            <a:latin typeface="Cambria Math" panose="02040503050406030204" pitchFamily="18" charset="0"/>
-                                            <a:ea typeface="Cambria Math" panose="02040503050406030204" pitchFamily="18" charset="0"/>
-                                          </a:rPr>
-                                          <m:t>𝑀</m:t>
-                                        </m:r>
-                                      </m:e>
-                                      <m:sub>
-                                        <m:r>
-                                          <a:rPr lang="en-US" sz="2400">
-                                            <a:solidFill>
-                                              <a:schemeClr val="tx1"/>
-                                            </a:solidFill>
-                                            <a:latin typeface="Cambria Math" panose="02040503050406030204" pitchFamily="18" charset="0"/>
-                                            <a:ea typeface="Cambria Math" panose="02040503050406030204" pitchFamily="18" charset="0"/>
-                                          </a:rPr>
-                                          <m:t>∗,</m:t>
-                                        </m:r>
-                                        <m:r>
-                                          <a:rPr lang="en-US" sz="2400">
-                                            <a:solidFill>
-                                              <a:schemeClr val="tx1"/>
-                                            </a:solidFill>
-                                            <a:latin typeface="Cambria Math" panose="02040503050406030204" pitchFamily="18" charset="0"/>
-                                            <a:ea typeface="Cambria Math" panose="02040503050406030204" pitchFamily="18" charset="0"/>
-                                          </a:rPr>
-                                          <m:t>𝑖</m:t>
-                                        </m:r>
-                                      </m:sub>
-                                    </m:sSub>
-                                  </m:e>
-                                </m:d>
-                              </m:e>
-                            </m:d>
-                            <m:r>
-                              <m:rPr>
-                                <m:nor/>
-                              </m:rPr>
-                              <a:rPr lang="en-US" sz="2400" dirty="0">
-                                <a:solidFill>
-                                  <a:schemeClr val="tx1"/>
-                                </a:solidFill>
-                                <a:latin typeface="Cambria Math" panose="02040503050406030204" pitchFamily="18" charset="0"/>
-                                <a:ea typeface="Cambria Math" panose="02040503050406030204" pitchFamily="18" charset="0"/>
-                              </a:rPr>
-                              <m:t>=−6.50</m:t>
-                            </m:r>
-                          </m:e>
-                        </m:nary>
-                      </m:oMath>
-                    </m:oMathPara>
-                  </a14:m>
-                  <a:endParaRPr lang="en-US" sz="2400" dirty="0">
-                    <a:solidFill>
-                      <a:schemeClr val="tx1"/>
-                    </a:solidFill>
-                    <a:latin typeface="Cambria Math" panose="02040503050406030204" pitchFamily="18" charset="0"/>
-                    <a:ea typeface="Cambria Math" panose="02040503050406030204" pitchFamily="18" charset="0"/>
-                  </a:endParaRPr>
-                </a:p>
-              </p:txBody>
-            </p:sp>
-          </mc:Choice>
-          <mc:Fallback>
-            <p:sp>
-              <p:nvSpPr>
-                <p:cNvPr id="30" name="Rectangle 29"/>
-                <p:cNvSpPr>
-                  <a:spLocks noRot="1" noChangeAspect="1" noMove="1" noResize="1" noEditPoints="1" noAdjustHandles="1" noChangeArrowheads="1" noChangeShapeType="1" noTextEdit="1"/>
-                </p:cNvSpPr>
-                <p:nvPr/>
-              </p:nvSpPr>
-              <p:spPr>
-                <a:xfrm>
-                  <a:off x="7147273" y="4219372"/>
-                  <a:ext cx="2761267" cy="1151875"/>
-                </a:xfrm>
-                <a:prstGeom prst="rect">
-                  <a:avLst/>
-                </a:prstGeom>
-                <a:blipFill rotWithShape="0">
-                  <a:blip r:embed="rId5"/>
-                  <a:stretch>
-                    <a:fillRect l="-15824" r="-12967"/>
-                  </a:stretch>
-                </a:blipFill>
-                <a:ln>
-                  <a:solidFill>
-                    <a:schemeClr val="bg1"/>
-                  </a:solidFill>
-                </a:ln>
-              </p:spPr>
-              <p:txBody>
-                <a:bodyPr/>
-                <a:lstStyle/>
-                <a:p>
-                  <a:r>
-                    <a:rPr lang="en-US">
-                      <a:noFill/>
-                    </a:rPr>
-                    <a:t> </a:t>
-                  </a:r>
-                </a:p>
-              </p:txBody>
-            </p:sp>
-          </mc:Fallback>
-        </mc:AlternateContent>
-        <p:sp>
-          <p:nvSpPr>
-            <p:cNvPr id="31" name="Bent-Up Arrow 30"/>
-            <p:cNvSpPr/>
-            <p:nvPr/>
-          </p:nvSpPr>
-          <p:spPr>
-            <a:xfrm rot="5400000" flipV="1">
-              <a:off x="10653015" y="3986913"/>
-              <a:ext cx="801064" cy="1094938"/>
-            </a:xfrm>
-            <a:prstGeom prst="bentUpArrow">
-              <a:avLst>
-                <a:gd name="adj1" fmla="val 22965"/>
-                <a:gd name="adj2" fmla="val 25000"/>
-                <a:gd name="adj3" fmla="val 25000"/>
-              </a:avLst>
-            </a:prstGeom>
-            <a:solidFill>
-              <a:schemeClr val="tx1"/>
-            </a:solidFill>
-            <a:ln>
-              <a:solidFill>
-                <a:schemeClr val="tx1"/>
-              </a:solidFill>
-            </a:ln>
-          </p:spPr>
-          <p:style>
-            <a:lnRef idx="2">
-              <a:schemeClr val="accent1">
-                <a:shade val="50000"/>
-              </a:schemeClr>
-            </a:lnRef>
-            <a:fillRef idx="1">
-              <a:schemeClr val="accent1"/>
-            </a:fillRef>
-            <a:effectRef idx="0">
-              <a:schemeClr val="accent1"/>
-            </a:effectRef>
-            <a:fontRef idx="minor">
-              <a:schemeClr val="lt1"/>
-            </a:fontRef>
-          </p:style>
-          <p:txBody>
-            <a:bodyPr rtlCol="0" anchor="ctr"/>
-            <a:lstStyle/>
-            <a:p>
-              <a:pPr algn="ctr"/>
-              <a:endParaRPr lang="en-US" dirty="0"/>
-            </a:p>
-          </p:txBody>
-        </p:sp>
-        <p:pic>
-          <p:nvPicPr>
-            <p:cNvPr id="36" name="Picture 35"/>
-            <p:cNvPicPr>
-              <a:picLocks noChangeAspect="1"/>
-            </p:cNvPicPr>
-            <p:nvPr/>
-          </p:nvPicPr>
-          <p:blipFill rotWithShape="1">
-            <a:blip r:embed="rId6"/>
-            <a:srcRect l="12750" t="16058" r="16917" b="16369"/>
-            <a:stretch/>
-          </p:blipFill>
-          <p:spPr>
-            <a:xfrm>
-              <a:off x="2633229" y="3903529"/>
-              <a:ext cx="3043716" cy="1281349"/>
+              <a:off x="4161991" y="2017394"/>
+              <a:ext cx="3616304" cy="1828800"/>
             </a:xfrm>
             <a:prstGeom prst="rect">
               <a:avLst/>
             </a:prstGeom>
           </p:spPr>
         </p:pic>
-        <p:sp>
-          <p:nvSpPr>
-            <p:cNvPr id="37" name="Rectangle 36"/>
-            <p:cNvSpPr/>
+        <p:pic>
+          <p:nvPicPr>
+            <p:cNvPr id="10" name="Picture 9"/>
+            <p:cNvPicPr>
+              <a:picLocks noChangeAspect="1"/>
+            </p:cNvPicPr>
             <p:nvPr/>
-          </p:nvSpPr>
+          </p:nvPicPr>
+          <p:blipFill>
+            <a:blip r:embed="rId5"/>
+            <a:stretch>
+              <a:fillRect/>
+            </a:stretch>
+          </p:blipFill>
           <p:spPr>
             <a:xfrm>
-              <a:off x="2768388" y="5133122"/>
-              <a:ext cx="2855768" cy="653947"/>
+              <a:off x="53549" y="2009775"/>
+              <a:ext cx="3622431" cy="1828800"/>
             </a:xfrm>
             <a:prstGeom prst="rect">
               <a:avLst/>
             </a:prstGeom>
-            <a:noFill/>
-            <a:ln>
-              <a:noFill/>
-            </a:ln>
           </p:spPr>
-          <p:style>
-            <a:lnRef idx="2">
-              <a:schemeClr val="accent1">
-                <a:shade val="50000"/>
-              </a:schemeClr>
-            </a:lnRef>
-            <a:fillRef idx="1">
-              <a:schemeClr val="accent1"/>
-            </a:fillRef>
-            <a:effectRef idx="0">
-              <a:schemeClr val="accent1"/>
-            </a:effectRef>
-            <a:fontRef idx="minor">
-              <a:schemeClr val="lt1"/>
-            </a:fontRef>
-          </p:style>
-          <p:txBody>
-            <a:bodyPr rtlCol="0" anchor="ctr"/>
-            <a:lstStyle/>
-            <a:p>
-              <a:pPr algn="ctr"/>
-              <a:r>
-                <a:rPr lang="en-US" sz="2000" dirty="0">
-                  <a:solidFill>
-                    <a:schemeClr val="tx1"/>
-                  </a:solidFill>
-                  <a:latin typeface="Cambria Math" panose="02040503050406030204" pitchFamily="18" charset="0"/>
-                  <a:ea typeface="Cambria Math" panose="02040503050406030204" pitchFamily="18" charset="0"/>
-                </a:rPr>
-                <a:t>Location in sequence</a:t>
-              </a:r>
-            </a:p>
-          </p:txBody>
-        </p:sp>
-        <p:sp>
-          <p:nvSpPr>
-            <p:cNvPr id="92" name="Rectangle 91"/>
-            <p:cNvSpPr/>
+        </p:pic>
+        <p:pic>
+          <p:nvPicPr>
+            <p:cNvPr id="13" name="Picture 12"/>
+            <p:cNvPicPr>
+              <a:picLocks noChangeAspect="1"/>
+            </p:cNvPicPr>
             <p:nvPr/>
-          </p:nvSpPr>
+          </p:nvPicPr>
+          <p:blipFill>
+            <a:blip r:embed="rId6"/>
+            <a:stretch>
+              <a:fillRect/>
+            </a:stretch>
+          </p:blipFill>
           <p:spPr>
             <a:xfrm>
-              <a:off x="843604" y="4544203"/>
-              <a:ext cx="1745889" cy="575616"/>
+              <a:off x="8386797" y="2028190"/>
+              <a:ext cx="3634002" cy="1828800"/>
             </a:xfrm>
             <a:prstGeom prst="rect">
               <a:avLst/>
             </a:prstGeom>
-            <a:noFill/>
-            <a:ln>
-              <a:noFill/>
-            </a:ln>
           </p:spPr>
-          <p:style>
-            <a:lnRef idx="2">
-              <a:schemeClr val="accent1">
-                <a:shade val="50000"/>
-              </a:schemeClr>
-            </a:lnRef>
-            <a:fillRef idx="1">
-              <a:schemeClr val="accent1"/>
-            </a:fillRef>
-            <a:effectRef idx="0">
-              <a:schemeClr val="accent1"/>
-            </a:effectRef>
-            <a:fontRef idx="minor">
-              <a:schemeClr val="lt1"/>
-            </a:fontRef>
-          </p:style>
-          <p:txBody>
-            <a:bodyPr rtlCol="0" anchor="ctr"/>
-            <a:lstStyle/>
-            <a:p>
-              <a:pPr algn="ctr"/>
-              <a:r>
-                <a:rPr lang="en-US" sz="2000" dirty="0">
-                  <a:solidFill>
-                    <a:schemeClr val="tx1"/>
-                  </a:solidFill>
-                  <a:latin typeface="Cambria Math" panose="02040503050406030204" pitchFamily="18" charset="0"/>
-                  <a:ea typeface="Cambria Math" panose="02040503050406030204" pitchFamily="18" charset="0"/>
-                </a:rPr>
-                <a:t>Log likelihood of TF binding</a:t>
-              </a:r>
-            </a:p>
-          </p:txBody>
-        </p:sp>
-        <p:sp>
-          <p:nvSpPr>
-            <p:cNvPr id="38" name="Left Arrow 37"/>
-            <p:cNvSpPr/>
-            <p:nvPr/>
-          </p:nvSpPr>
-          <p:spPr>
-            <a:xfrm>
-              <a:off x="5895726" y="4596605"/>
-              <a:ext cx="654009" cy="338309"/>
-            </a:xfrm>
-            <a:prstGeom prst="leftArrow">
-              <a:avLst/>
-            </a:prstGeom>
-          </p:spPr>
-          <p:style>
-            <a:lnRef idx="2">
-              <a:schemeClr val="dk1">
-                <a:shade val="50000"/>
-              </a:schemeClr>
-            </a:lnRef>
-            <a:fillRef idx="1">
-              <a:schemeClr val="dk1"/>
-            </a:fillRef>
-            <a:effectRef idx="0">
-              <a:schemeClr val="dk1"/>
-            </a:effectRef>
-            <a:fontRef idx="minor">
-              <a:schemeClr val="lt1"/>
-            </a:fontRef>
-          </p:style>
-          <p:txBody>
-            <a:bodyPr rtlCol="0" anchor="ctr"/>
-            <a:lstStyle/>
-            <a:p>
-              <a:pPr algn="ctr"/>
-              <a:endParaRPr lang="en-US" dirty="0"/>
-            </a:p>
-          </p:txBody>
-        </p:sp>
-        <p:sp>
-          <p:nvSpPr>
-            <p:cNvPr id="24" name="Rectangle 23"/>
-            <p:cNvSpPr/>
-            <p:nvPr/>
-          </p:nvSpPr>
-          <p:spPr>
-            <a:xfrm>
-              <a:off x="487349" y="1540272"/>
-              <a:ext cx="3683296" cy="575616"/>
-            </a:xfrm>
-            <a:prstGeom prst="rect">
-              <a:avLst/>
-            </a:prstGeom>
-            <a:noFill/>
-            <a:ln>
-              <a:noFill/>
-            </a:ln>
-          </p:spPr>
-          <p:style>
-            <a:lnRef idx="2">
-              <a:schemeClr val="accent1">
-                <a:shade val="50000"/>
-              </a:schemeClr>
-            </a:lnRef>
-            <a:fillRef idx="1">
-              <a:schemeClr val="accent1"/>
-            </a:fillRef>
-            <a:effectRef idx="0">
-              <a:schemeClr val="accent1"/>
-            </a:effectRef>
-            <a:fontRef idx="minor">
-              <a:schemeClr val="lt1"/>
-            </a:fontRef>
-          </p:style>
-          <p:txBody>
-            <a:bodyPr rtlCol="0" anchor="ctr"/>
-            <a:lstStyle/>
-            <a:p>
-              <a:pPr algn="ctr"/>
-              <a:endParaRPr lang="en-US" sz="2800" dirty="0">
-                <a:ln w="0"/>
-                <a:solidFill>
-                  <a:schemeClr val="accent1"/>
-                </a:solidFill>
-                <a:effectLst>
-                  <a:outerShdw blurRad="38100" dist="25400" dir="5400000" algn="ctr" rotWithShape="0">
-                    <a:srgbClr val="6E747A">
-                      <a:alpha val="43000"/>
-                    </a:srgbClr>
-                  </a:outerShdw>
-                </a:effectLst>
-                <a:latin typeface="Courier New" panose="02070309020205020404" pitchFamily="49" charset="0"/>
-                <a:cs typeface="Courier New" panose="02070309020205020404" pitchFamily="49" charset="0"/>
-              </a:endParaRPr>
-            </a:p>
-          </p:txBody>
-        </p:sp>
-        <p:sp>
-          <p:nvSpPr>
-            <p:cNvPr id="25" name="Rectangle 24"/>
-            <p:cNvSpPr/>
-            <p:nvPr/>
-          </p:nvSpPr>
-          <p:spPr>
-            <a:xfrm>
-              <a:off x="-448166" y="1472184"/>
-              <a:ext cx="4572000" cy="606467"/>
-            </a:xfrm>
-            <a:prstGeom prst="rect">
-              <a:avLst/>
-            </a:prstGeom>
-            <a:noFill/>
-            <a:ln>
-              <a:noFill/>
-            </a:ln>
-          </p:spPr>
-          <p:style>
-            <a:lnRef idx="2">
-              <a:schemeClr val="accent1">
-                <a:shade val="50000"/>
-              </a:schemeClr>
-            </a:lnRef>
-            <a:fillRef idx="1">
-              <a:schemeClr val="accent1"/>
-            </a:fillRef>
-            <a:effectRef idx="0">
-              <a:schemeClr val="accent1"/>
-            </a:effectRef>
-            <a:fontRef idx="minor">
-              <a:schemeClr val="lt1"/>
-            </a:fontRef>
-          </p:style>
-          <p:txBody>
-            <a:bodyPr rtlCol="0" anchor="ctr"/>
-            <a:lstStyle/>
-            <a:p>
-              <a:pPr algn="ctr"/>
-              <a:r>
-                <a:rPr lang="en-US" sz="2400" dirty="0">
-                  <a:solidFill>
-                    <a:schemeClr val="tx1"/>
-                  </a:solidFill>
-                  <a:latin typeface="Cambria Math" panose="02040503050406030204" pitchFamily="18" charset="0"/>
-                  <a:ea typeface="Cambria Math" panose="02040503050406030204" pitchFamily="18" charset="0"/>
-                </a:rPr>
-                <a:t>One-hot encoding</a:t>
-              </a:r>
-            </a:p>
-          </p:txBody>
-        </p:sp>
+        </p:pic>
       </p:grpSp>
     </p:spTree>
     <p:extLst>

--- a/Help/Figures2.pptx
+++ b/Help/Figures2.pptx
@@ -226,7 +226,7 @@
           <a:p>
             <a:fld id="{C07E4396-26A3-4143-A0A3-BBC18DD0CEAD}" type="datetimeFigureOut">
               <a:rPr lang="en-US" smtClean="0"/>
-              <a:t>3/13/2020</a:t>
+              <a:t>4/19/2020</a:t>
             </a:fld>
             <a:endParaRPr lang="en-US" dirty="0"/>
           </a:p>
@@ -790,7 +790,7 @@
           <a:p>
             <a:fld id="{2DC2A043-560F-4D2E-8D1E-02B02E053659}" type="datetimeFigureOut">
               <a:rPr lang="en-US" smtClean="0"/>
-              <a:t>3/13/2020</a:t>
+              <a:t>4/19/2020</a:t>
             </a:fld>
             <a:endParaRPr lang="en-US" dirty="0"/>
           </a:p>
@@ -958,7 +958,7 @@
           <a:p>
             <a:fld id="{2DC2A043-560F-4D2E-8D1E-02B02E053659}" type="datetimeFigureOut">
               <a:rPr lang="en-US" smtClean="0"/>
-              <a:t>3/13/2020</a:t>
+              <a:t>4/19/2020</a:t>
             </a:fld>
             <a:endParaRPr lang="en-US" dirty="0"/>
           </a:p>
@@ -1136,7 +1136,7 @@
           <a:p>
             <a:fld id="{2DC2A043-560F-4D2E-8D1E-02B02E053659}" type="datetimeFigureOut">
               <a:rPr lang="en-US" smtClean="0"/>
-              <a:t>3/13/2020</a:t>
+              <a:t>4/19/2020</a:t>
             </a:fld>
             <a:endParaRPr lang="en-US" dirty="0"/>
           </a:p>
@@ -1304,7 +1304,7 @@
           <a:p>
             <a:fld id="{2DC2A043-560F-4D2E-8D1E-02B02E053659}" type="datetimeFigureOut">
               <a:rPr lang="en-US" smtClean="0"/>
-              <a:t>3/13/2020</a:t>
+              <a:t>4/19/2020</a:t>
             </a:fld>
             <a:endParaRPr lang="en-US" dirty="0"/>
           </a:p>
@@ -1549,7 +1549,7 @@
           <a:p>
             <a:fld id="{2DC2A043-560F-4D2E-8D1E-02B02E053659}" type="datetimeFigureOut">
               <a:rPr lang="en-US" smtClean="0"/>
-              <a:t>3/13/2020</a:t>
+              <a:t>4/19/2020</a:t>
             </a:fld>
             <a:endParaRPr lang="en-US" dirty="0"/>
           </a:p>
@@ -1778,7 +1778,7 @@
           <a:p>
             <a:fld id="{2DC2A043-560F-4D2E-8D1E-02B02E053659}" type="datetimeFigureOut">
               <a:rPr lang="en-US" smtClean="0"/>
-              <a:t>3/13/2020</a:t>
+              <a:t>4/19/2020</a:t>
             </a:fld>
             <a:endParaRPr lang="en-US" dirty="0"/>
           </a:p>
@@ -2142,7 +2142,7 @@
           <a:p>
             <a:fld id="{2DC2A043-560F-4D2E-8D1E-02B02E053659}" type="datetimeFigureOut">
               <a:rPr lang="en-US" smtClean="0"/>
-              <a:t>3/13/2020</a:t>
+              <a:t>4/19/2020</a:t>
             </a:fld>
             <a:endParaRPr lang="en-US" dirty="0"/>
           </a:p>
@@ -2259,7 +2259,7 @@
           <a:p>
             <a:fld id="{2DC2A043-560F-4D2E-8D1E-02B02E053659}" type="datetimeFigureOut">
               <a:rPr lang="en-US" smtClean="0"/>
-              <a:t>3/13/2020</a:t>
+              <a:t>4/19/2020</a:t>
             </a:fld>
             <a:endParaRPr lang="en-US" dirty="0"/>
           </a:p>
@@ -2354,7 +2354,7 @@
           <a:p>
             <a:fld id="{2DC2A043-560F-4D2E-8D1E-02B02E053659}" type="datetimeFigureOut">
               <a:rPr lang="en-US" smtClean="0"/>
-              <a:t>3/13/2020</a:t>
+              <a:t>4/19/2020</a:t>
             </a:fld>
             <a:endParaRPr lang="en-US" dirty="0"/>
           </a:p>
@@ -2629,7 +2629,7 @@
           <a:p>
             <a:fld id="{2DC2A043-560F-4D2E-8D1E-02B02E053659}" type="datetimeFigureOut">
               <a:rPr lang="en-US" smtClean="0"/>
-              <a:t>3/13/2020</a:t>
+              <a:t>4/19/2020</a:t>
             </a:fld>
             <a:endParaRPr lang="en-US" dirty="0"/>
           </a:p>
@@ -2881,7 +2881,7 @@
           <a:p>
             <a:fld id="{2DC2A043-560F-4D2E-8D1E-02B02E053659}" type="datetimeFigureOut">
               <a:rPr lang="en-US" smtClean="0"/>
-              <a:t>3/13/2020</a:t>
+              <a:t>4/19/2020</a:t>
             </a:fld>
             <a:endParaRPr lang="en-US" dirty="0"/>
           </a:p>
@@ -3092,7 +3092,7 @@
           <a:p>
             <a:fld id="{2DC2A043-560F-4D2E-8D1E-02B02E053659}" type="datetimeFigureOut">
               <a:rPr lang="en-US" smtClean="0"/>
-              <a:t>3/13/2020</a:t>
+              <a:t>4/19/2020</a:t>
             </a:fld>
             <a:endParaRPr lang="en-US" dirty="0"/>
           </a:p>
@@ -4601,7 +4601,25 @@
                             </a:solidFill>
                             <a:latin typeface="Cambria Math" panose="02040503050406030204" pitchFamily="18" charset="0"/>
                           </a:rPr>
-                          <m:t>0.8</m:t>
+                          <m:t>0</m:t>
+                        </m:r>
+                        <m:r>
+                          <a:rPr lang="en-US" sz="1700" b="0" i="1" smtClean="0">
+                            <a:solidFill>
+                              <a:schemeClr val="bg1"/>
+                            </a:solidFill>
+                            <a:latin typeface="Cambria Math" panose="02040503050406030204" pitchFamily="18" charset="0"/>
+                          </a:rPr>
+                          <m:t>.</m:t>
+                        </m:r>
+                        <m:r>
+                          <a:rPr lang="en-US" sz="1700" b="0" i="1" smtClean="0">
+                            <a:solidFill>
+                              <a:schemeClr val="bg1"/>
+                            </a:solidFill>
+                            <a:latin typeface="Cambria Math" panose="02040503050406030204" pitchFamily="18" charset="0"/>
+                          </a:rPr>
+                          <m:t>8</m:t>
                         </m:r>
                       </m:oMath>
                     </m:oMathPara>
@@ -4890,7 +4908,16 @@
                             </a:solidFill>
                             <a:latin typeface="Cambria Math" panose="02040503050406030204" pitchFamily="18" charset="0"/>
                           </a:rPr>
-                          <m:t> 0</m:t>
+                          <m:t> </m:t>
+                        </m:r>
+                        <m:r>
+                          <a:rPr lang="en-US" sz="1700" b="0" i="1" smtClean="0">
+                            <a:solidFill>
+                              <a:schemeClr val="tx1"/>
+                            </a:solidFill>
+                            <a:latin typeface="Cambria Math" panose="02040503050406030204" pitchFamily="18" charset="0"/>
+                          </a:rPr>
+                          <m:t>0</m:t>
                         </m:r>
                         <m:r>
                           <a:rPr lang="en-US" sz="1700" b="0" i="0" smtClean="0">
@@ -5518,7 +5545,34 @@
                             </a:solidFill>
                             <a:latin typeface="Cambria Math" panose="02040503050406030204" pitchFamily="18" charset="0"/>
                           </a:rPr>
-                          <m:t> 0.1</m:t>
+                          <m:t> </m:t>
+                        </m:r>
+                        <m:r>
+                          <a:rPr lang="en-US" sz="1700" b="0" i="1" smtClean="0">
+                            <a:solidFill>
+                              <a:schemeClr val="tx1"/>
+                            </a:solidFill>
+                            <a:latin typeface="Cambria Math" panose="02040503050406030204" pitchFamily="18" charset="0"/>
+                          </a:rPr>
+                          <m:t>0</m:t>
+                        </m:r>
+                        <m:r>
+                          <a:rPr lang="en-US" sz="1700" b="0" i="1" smtClean="0">
+                            <a:solidFill>
+                              <a:schemeClr val="tx1"/>
+                            </a:solidFill>
+                            <a:latin typeface="Cambria Math" panose="02040503050406030204" pitchFamily="18" charset="0"/>
+                          </a:rPr>
+                          <m:t>.</m:t>
+                        </m:r>
+                        <m:r>
+                          <a:rPr lang="en-US" sz="1700" b="0" i="1" smtClean="0">
+                            <a:solidFill>
+                              <a:schemeClr val="tx1"/>
+                            </a:solidFill>
+                            <a:latin typeface="Cambria Math" panose="02040503050406030204" pitchFamily="18" charset="0"/>
+                          </a:rPr>
+                          <m:t>1</m:t>
                         </m:r>
                       </m:oMath>
                     </m:oMathPara>
@@ -5627,7 +5681,34 @@
                             </a:solidFill>
                             <a:latin typeface="Cambria Math" panose="02040503050406030204" pitchFamily="18" charset="0"/>
                           </a:rPr>
-                          <m:t> 0.05</m:t>
+                          <m:t> </m:t>
+                        </m:r>
+                        <m:r>
+                          <a:rPr lang="en-US" sz="1700" b="0" i="1" smtClean="0">
+                            <a:solidFill>
+                              <a:sysClr val="windowText" lastClr="000000"/>
+                            </a:solidFill>
+                            <a:latin typeface="Cambria Math" panose="02040503050406030204" pitchFamily="18" charset="0"/>
+                          </a:rPr>
+                          <m:t>0</m:t>
+                        </m:r>
+                        <m:r>
+                          <a:rPr lang="en-US" sz="1700" b="0" i="1" smtClean="0">
+                            <a:solidFill>
+                              <a:sysClr val="windowText" lastClr="000000"/>
+                            </a:solidFill>
+                            <a:latin typeface="Cambria Math" panose="02040503050406030204" pitchFamily="18" charset="0"/>
+                          </a:rPr>
+                          <m:t>.</m:t>
+                        </m:r>
+                        <m:r>
+                          <a:rPr lang="en-US" sz="1700" b="0" i="1" smtClean="0">
+                            <a:solidFill>
+                              <a:sysClr val="windowText" lastClr="000000"/>
+                            </a:solidFill>
+                            <a:latin typeface="Cambria Math" panose="02040503050406030204" pitchFamily="18" charset="0"/>
+                          </a:rPr>
+                          <m:t>05</m:t>
                         </m:r>
                       </m:oMath>
                     </m:oMathPara>
@@ -5734,7 +5815,34 @@
                             </a:solidFill>
                             <a:latin typeface="Cambria Math" panose="02040503050406030204" pitchFamily="18" charset="0"/>
                           </a:rPr>
-                          <m:t> 0.0</m:t>
+                          <m:t> </m:t>
+                        </m:r>
+                        <m:r>
+                          <a:rPr lang="en-US" sz="1700" b="0" i="1" smtClean="0">
+                            <a:solidFill>
+                              <a:schemeClr val="tx1"/>
+                            </a:solidFill>
+                            <a:latin typeface="Cambria Math" panose="02040503050406030204" pitchFamily="18" charset="0"/>
+                          </a:rPr>
+                          <m:t>0</m:t>
+                        </m:r>
+                        <m:r>
+                          <a:rPr lang="en-US" sz="1700" b="0" i="1" smtClean="0">
+                            <a:solidFill>
+                              <a:schemeClr val="tx1"/>
+                            </a:solidFill>
+                            <a:latin typeface="Cambria Math" panose="02040503050406030204" pitchFamily="18" charset="0"/>
+                          </a:rPr>
+                          <m:t>.</m:t>
+                        </m:r>
+                        <m:r>
+                          <a:rPr lang="en-US" sz="1700" b="0" i="1" smtClean="0">
+                            <a:solidFill>
+                              <a:schemeClr val="tx1"/>
+                            </a:solidFill>
+                            <a:latin typeface="Cambria Math" panose="02040503050406030204" pitchFamily="18" charset="0"/>
+                          </a:rPr>
+                          <m:t>0</m:t>
                         </m:r>
                       </m:oMath>
                     </m:oMathPara>
@@ -5843,7 +5951,34 @@
                             </a:solidFill>
                             <a:latin typeface="Cambria Math" panose="02040503050406030204" pitchFamily="18" charset="0"/>
                           </a:rPr>
-                          <m:t> 0.05</m:t>
+                          <m:t> </m:t>
+                        </m:r>
+                        <m:r>
+                          <a:rPr lang="en-US" sz="1700" b="0" i="1" smtClean="0">
+                            <a:solidFill>
+                              <a:sysClr val="windowText" lastClr="000000"/>
+                            </a:solidFill>
+                            <a:latin typeface="Cambria Math" panose="02040503050406030204" pitchFamily="18" charset="0"/>
+                          </a:rPr>
+                          <m:t>0</m:t>
+                        </m:r>
+                        <m:r>
+                          <a:rPr lang="en-US" sz="1700" b="0" i="1" smtClean="0">
+                            <a:solidFill>
+                              <a:sysClr val="windowText" lastClr="000000"/>
+                            </a:solidFill>
+                            <a:latin typeface="Cambria Math" panose="02040503050406030204" pitchFamily="18" charset="0"/>
+                          </a:rPr>
+                          <m:t>.</m:t>
+                        </m:r>
+                        <m:r>
+                          <a:rPr lang="en-US" sz="1700" b="0" i="1" smtClean="0">
+                            <a:solidFill>
+                              <a:sysClr val="windowText" lastClr="000000"/>
+                            </a:solidFill>
+                            <a:latin typeface="Cambria Math" panose="02040503050406030204" pitchFamily="18" charset="0"/>
+                          </a:rPr>
+                          <m:t>05</m:t>
                         </m:r>
                       </m:oMath>
                     </m:oMathPara>
@@ -5953,7 +6088,34 @@
                             </a:solidFill>
                             <a:latin typeface="Cambria Math" panose="02040503050406030204" pitchFamily="18" charset="0"/>
                           </a:rPr>
-                          <m:t> 0.8</m:t>
+                          <m:t> </m:t>
+                        </m:r>
+                        <m:r>
+                          <a:rPr lang="en-US" sz="1700" b="0" i="1" smtClean="0">
+                            <a:solidFill>
+                              <a:schemeClr val="bg1"/>
+                            </a:solidFill>
+                            <a:latin typeface="Cambria Math" panose="02040503050406030204" pitchFamily="18" charset="0"/>
+                          </a:rPr>
+                          <m:t>0</m:t>
+                        </m:r>
+                        <m:r>
+                          <a:rPr lang="en-US" sz="1700" b="0" i="1" smtClean="0">
+                            <a:solidFill>
+                              <a:schemeClr val="bg1"/>
+                            </a:solidFill>
+                            <a:latin typeface="Cambria Math" panose="02040503050406030204" pitchFamily="18" charset="0"/>
+                          </a:rPr>
+                          <m:t>.</m:t>
+                        </m:r>
+                        <m:r>
+                          <a:rPr lang="en-US" sz="1700" b="0" i="1" smtClean="0">
+                            <a:solidFill>
+                              <a:schemeClr val="bg1"/>
+                            </a:solidFill>
+                            <a:latin typeface="Cambria Math" panose="02040503050406030204" pitchFamily="18" charset="0"/>
+                          </a:rPr>
+                          <m:t>8</m:t>
                         </m:r>
                       </m:oMath>
                     </m:oMathPara>
@@ -7534,7 +7696,34 @@
                             </a:solidFill>
                             <a:latin typeface="Cambria Math" panose="02040503050406030204" pitchFamily="18" charset="0"/>
                           </a:rPr>
-                          <m:t> 0.0</m:t>
+                          <m:t> </m:t>
+                        </m:r>
+                        <m:r>
+                          <a:rPr lang="en-US" sz="1700" b="0" i="1" smtClean="0">
+                            <a:solidFill>
+                              <a:sysClr val="windowText" lastClr="000000"/>
+                            </a:solidFill>
+                            <a:latin typeface="Cambria Math" panose="02040503050406030204" pitchFamily="18" charset="0"/>
+                          </a:rPr>
+                          <m:t>0</m:t>
+                        </m:r>
+                        <m:r>
+                          <a:rPr lang="en-US" sz="1700" b="0" i="1" smtClean="0">
+                            <a:solidFill>
+                              <a:sysClr val="windowText" lastClr="000000"/>
+                            </a:solidFill>
+                            <a:latin typeface="Cambria Math" panose="02040503050406030204" pitchFamily="18" charset="0"/>
+                          </a:rPr>
+                          <m:t>.</m:t>
+                        </m:r>
+                        <m:r>
+                          <a:rPr lang="en-US" sz="1700" b="0" i="1" smtClean="0">
+                            <a:solidFill>
+                              <a:sysClr val="windowText" lastClr="000000"/>
+                            </a:solidFill>
+                            <a:latin typeface="Cambria Math" panose="02040503050406030204" pitchFamily="18" charset="0"/>
+                          </a:rPr>
+                          <m:t>0</m:t>
                         </m:r>
                       </m:oMath>
                     </m:oMathPara>
@@ -7643,7 +7832,34 @@
                             </a:solidFill>
                             <a:latin typeface="Cambria Math" panose="02040503050406030204" pitchFamily="18" charset="0"/>
                           </a:rPr>
-                          <m:t> 0.1</m:t>
+                          <m:t> </m:t>
+                        </m:r>
+                        <m:r>
+                          <a:rPr lang="en-US" sz="1700" b="0" i="1" smtClean="0">
+                            <a:solidFill>
+                              <a:schemeClr val="tx1"/>
+                            </a:solidFill>
+                            <a:latin typeface="Cambria Math" panose="02040503050406030204" pitchFamily="18" charset="0"/>
+                          </a:rPr>
+                          <m:t>0</m:t>
+                        </m:r>
+                        <m:r>
+                          <a:rPr lang="en-US" sz="1700" b="0" i="1" smtClean="0">
+                            <a:solidFill>
+                              <a:schemeClr val="tx1"/>
+                            </a:solidFill>
+                            <a:latin typeface="Cambria Math" panose="02040503050406030204" pitchFamily="18" charset="0"/>
+                          </a:rPr>
+                          <m:t>.</m:t>
+                        </m:r>
+                        <m:r>
+                          <a:rPr lang="en-US" sz="1700" b="0" i="1" smtClean="0">
+                            <a:solidFill>
+                              <a:schemeClr val="tx1"/>
+                            </a:solidFill>
+                            <a:latin typeface="Cambria Math" panose="02040503050406030204" pitchFamily="18" charset="0"/>
+                          </a:rPr>
+                          <m:t>1</m:t>
                         </m:r>
                       </m:oMath>
                     </m:oMathPara>
@@ -7750,7 +7966,34 @@
                             </a:solidFill>
                             <a:latin typeface="Cambria Math" panose="02040503050406030204" pitchFamily="18" charset="0"/>
                           </a:rPr>
-                          <m:t> 0.0</m:t>
+                          <m:t> </m:t>
+                        </m:r>
+                        <m:r>
+                          <a:rPr lang="en-US" sz="1700" b="0" i="1" smtClean="0">
+                            <a:solidFill>
+                              <a:sysClr val="windowText" lastClr="000000"/>
+                            </a:solidFill>
+                            <a:latin typeface="Cambria Math" panose="02040503050406030204" pitchFamily="18" charset="0"/>
+                          </a:rPr>
+                          <m:t>0</m:t>
+                        </m:r>
+                        <m:r>
+                          <a:rPr lang="en-US" sz="1700" b="0" i="1" smtClean="0">
+                            <a:solidFill>
+                              <a:sysClr val="windowText" lastClr="000000"/>
+                            </a:solidFill>
+                            <a:latin typeface="Cambria Math" panose="02040503050406030204" pitchFamily="18" charset="0"/>
+                          </a:rPr>
+                          <m:t>.</m:t>
+                        </m:r>
+                        <m:r>
+                          <a:rPr lang="en-US" sz="1700" b="0" i="1" smtClean="0">
+                            <a:solidFill>
+                              <a:sysClr val="windowText" lastClr="000000"/>
+                            </a:solidFill>
+                            <a:latin typeface="Cambria Math" panose="02040503050406030204" pitchFamily="18" charset="0"/>
+                          </a:rPr>
+                          <m:t>0</m:t>
                         </m:r>
                       </m:oMath>
                     </m:oMathPara>
@@ -14179,7 +14422,25 @@
                             </a:solidFill>
                             <a:latin typeface="Cambria Math" panose="02040503050406030204" pitchFamily="18" charset="0"/>
                           </a:rPr>
-                          <m:t>0.8</m:t>
+                          <m:t>0</m:t>
+                        </m:r>
+                        <m:r>
+                          <a:rPr lang="en-US" sz="1700" b="0" i="1" smtClean="0">
+                            <a:solidFill>
+                              <a:schemeClr val="bg1"/>
+                            </a:solidFill>
+                            <a:latin typeface="Cambria Math" panose="02040503050406030204" pitchFamily="18" charset="0"/>
+                          </a:rPr>
+                          <m:t>.</m:t>
+                        </m:r>
+                        <m:r>
+                          <a:rPr lang="en-US" sz="1700" b="0" i="1" smtClean="0">
+                            <a:solidFill>
+                              <a:schemeClr val="bg1"/>
+                            </a:solidFill>
+                            <a:latin typeface="Cambria Math" panose="02040503050406030204" pitchFamily="18" charset="0"/>
+                          </a:rPr>
+                          <m:t>8</m:t>
                         </m:r>
                       </m:oMath>
                     </m:oMathPara>
@@ -14438,7 +14699,16 @@
                             </a:solidFill>
                             <a:latin typeface="Cambria Math" panose="02040503050406030204" pitchFamily="18" charset="0"/>
                           </a:rPr>
-                          <m:t> 0</m:t>
+                          <m:t> </m:t>
+                        </m:r>
+                        <m:r>
+                          <a:rPr lang="en-US" sz="1700" b="0" i="1" smtClean="0">
+                            <a:solidFill>
+                              <a:schemeClr val="tx1"/>
+                            </a:solidFill>
+                            <a:latin typeface="Cambria Math" panose="02040503050406030204" pitchFamily="18" charset="0"/>
+                          </a:rPr>
+                          <m:t>0</m:t>
                         </m:r>
                         <m:r>
                           <a:rPr lang="en-US" sz="1700" b="0" i="0" smtClean="0">
@@ -15066,7 +15336,34 @@
                             </a:solidFill>
                             <a:latin typeface="Cambria Math" panose="02040503050406030204" pitchFamily="18" charset="0"/>
                           </a:rPr>
-                          <m:t> 0.1</m:t>
+                          <m:t> </m:t>
+                        </m:r>
+                        <m:r>
+                          <a:rPr lang="en-US" sz="1700" b="0" i="1" smtClean="0">
+                            <a:solidFill>
+                              <a:schemeClr val="tx1"/>
+                            </a:solidFill>
+                            <a:latin typeface="Cambria Math" panose="02040503050406030204" pitchFamily="18" charset="0"/>
+                          </a:rPr>
+                          <m:t>0</m:t>
+                        </m:r>
+                        <m:r>
+                          <a:rPr lang="en-US" sz="1700" b="0" i="1" smtClean="0">
+                            <a:solidFill>
+                              <a:schemeClr val="tx1"/>
+                            </a:solidFill>
+                            <a:latin typeface="Cambria Math" panose="02040503050406030204" pitchFamily="18" charset="0"/>
+                          </a:rPr>
+                          <m:t>.</m:t>
+                        </m:r>
+                        <m:r>
+                          <a:rPr lang="en-US" sz="1700" b="0" i="1" smtClean="0">
+                            <a:solidFill>
+                              <a:schemeClr val="tx1"/>
+                            </a:solidFill>
+                            <a:latin typeface="Cambria Math" panose="02040503050406030204" pitchFamily="18" charset="0"/>
+                          </a:rPr>
+                          <m:t>1</m:t>
                         </m:r>
                       </m:oMath>
                     </m:oMathPara>
@@ -15175,7 +15472,34 @@
                             </a:solidFill>
                             <a:latin typeface="Cambria Math" panose="02040503050406030204" pitchFamily="18" charset="0"/>
                           </a:rPr>
-                          <m:t> 0.05</m:t>
+                          <m:t> </m:t>
+                        </m:r>
+                        <m:r>
+                          <a:rPr lang="en-US" sz="1700" b="0" i="1" smtClean="0">
+                            <a:solidFill>
+                              <a:sysClr val="windowText" lastClr="000000"/>
+                            </a:solidFill>
+                            <a:latin typeface="Cambria Math" panose="02040503050406030204" pitchFamily="18" charset="0"/>
+                          </a:rPr>
+                          <m:t>0</m:t>
+                        </m:r>
+                        <m:r>
+                          <a:rPr lang="en-US" sz="1700" b="0" i="1" smtClean="0">
+                            <a:solidFill>
+                              <a:sysClr val="windowText" lastClr="000000"/>
+                            </a:solidFill>
+                            <a:latin typeface="Cambria Math" panose="02040503050406030204" pitchFamily="18" charset="0"/>
+                          </a:rPr>
+                          <m:t>.</m:t>
+                        </m:r>
+                        <m:r>
+                          <a:rPr lang="en-US" sz="1700" b="0" i="1" smtClean="0">
+                            <a:solidFill>
+                              <a:sysClr val="windowText" lastClr="000000"/>
+                            </a:solidFill>
+                            <a:latin typeface="Cambria Math" panose="02040503050406030204" pitchFamily="18" charset="0"/>
+                          </a:rPr>
+                          <m:t>05</m:t>
                         </m:r>
                       </m:oMath>
                     </m:oMathPara>
@@ -15282,7 +15606,34 @@
                             </a:solidFill>
                             <a:latin typeface="Cambria Math" panose="02040503050406030204" pitchFamily="18" charset="0"/>
                           </a:rPr>
-                          <m:t> 0.0</m:t>
+                          <m:t> </m:t>
+                        </m:r>
+                        <m:r>
+                          <a:rPr lang="en-US" sz="1700" b="0" i="1" smtClean="0">
+                            <a:solidFill>
+                              <a:schemeClr val="tx1"/>
+                            </a:solidFill>
+                            <a:latin typeface="Cambria Math" panose="02040503050406030204" pitchFamily="18" charset="0"/>
+                          </a:rPr>
+                          <m:t>0</m:t>
+                        </m:r>
+                        <m:r>
+                          <a:rPr lang="en-US" sz="1700" b="0" i="1" smtClean="0">
+                            <a:solidFill>
+                              <a:schemeClr val="tx1"/>
+                            </a:solidFill>
+                            <a:latin typeface="Cambria Math" panose="02040503050406030204" pitchFamily="18" charset="0"/>
+                          </a:rPr>
+                          <m:t>.</m:t>
+                        </m:r>
+                        <m:r>
+                          <a:rPr lang="en-US" sz="1700" b="0" i="1" smtClean="0">
+                            <a:solidFill>
+                              <a:schemeClr val="tx1"/>
+                            </a:solidFill>
+                            <a:latin typeface="Cambria Math" panose="02040503050406030204" pitchFamily="18" charset="0"/>
+                          </a:rPr>
+                          <m:t>0</m:t>
                         </m:r>
                       </m:oMath>
                     </m:oMathPara>
@@ -15391,7 +15742,34 @@
                             </a:solidFill>
                             <a:latin typeface="Cambria Math" panose="02040503050406030204" pitchFamily="18" charset="0"/>
                           </a:rPr>
-                          <m:t> 0.05</m:t>
+                          <m:t> </m:t>
+                        </m:r>
+                        <m:r>
+                          <a:rPr lang="en-US" sz="1700" b="0" i="1" smtClean="0">
+                            <a:solidFill>
+                              <a:sysClr val="windowText" lastClr="000000"/>
+                            </a:solidFill>
+                            <a:latin typeface="Cambria Math" panose="02040503050406030204" pitchFamily="18" charset="0"/>
+                          </a:rPr>
+                          <m:t>0</m:t>
+                        </m:r>
+                        <m:r>
+                          <a:rPr lang="en-US" sz="1700" b="0" i="1" smtClean="0">
+                            <a:solidFill>
+                              <a:sysClr val="windowText" lastClr="000000"/>
+                            </a:solidFill>
+                            <a:latin typeface="Cambria Math" panose="02040503050406030204" pitchFamily="18" charset="0"/>
+                          </a:rPr>
+                          <m:t>.</m:t>
+                        </m:r>
+                        <m:r>
+                          <a:rPr lang="en-US" sz="1700" b="0" i="1" smtClean="0">
+                            <a:solidFill>
+                              <a:sysClr val="windowText" lastClr="000000"/>
+                            </a:solidFill>
+                            <a:latin typeface="Cambria Math" panose="02040503050406030204" pitchFamily="18" charset="0"/>
+                          </a:rPr>
+                          <m:t>05</m:t>
                         </m:r>
                       </m:oMath>
                     </m:oMathPara>
@@ -15501,7 +15879,34 @@
                             </a:solidFill>
                             <a:latin typeface="Cambria Math" panose="02040503050406030204" pitchFamily="18" charset="0"/>
                           </a:rPr>
-                          <m:t> 0.8</m:t>
+                          <m:t> </m:t>
+                        </m:r>
+                        <m:r>
+                          <a:rPr lang="en-US" sz="1700" b="0" i="1" smtClean="0">
+                            <a:solidFill>
+                              <a:schemeClr val="bg1"/>
+                            </a:solidFill>
+                            <a:latin typeface="Cambria Math" panose="02040503050406030204" pitchFamily="18" charset="0"/>
+                          </a:rPr>
+                          <m:t>0</m:t>
+                        </m:r>
+                        <m:r>
+                          <a:rPr lang="en-US" sz="1700" b="0" i="1" smtClean="0">
+                            <a:solidFill>
+                              <a:schemeClr val="bg1"/>
+                            </a:solidFill>
+                            <a:latin typeface="Cambria Math" panose="02040503050406030204" pitchFamily="18" charset="0"/>
+                          </a:rPr>
+                          <m:t>.</m:t>
+                        </m:r>
+                        <m:r>
+                          <a:rPr lang="en-US" sz="1700" b="0" i="1" smtClean="0">
+                            <a:solidFill>
+                              <a:schemeClr val="bg1"/>
+                            </a:solidFill>
+                            <a:latin typeface="Cambria Math" panose="02040503050406030204" pitchFamily="18" charset="0"/>
+                          </a:rPr>
+                          <m:t>8</m:t>
                         </m:r>
                       </m:oMath>
                     </m:oMathPara>
@@ -15912,7 +16317,34 @@
                             </a:solidFill>
                             <a:latin typeface="Cambria Math" panose="02040503050406030204" pitchFamily="18" charset="0"/>
                           </a:rPr>
-                          <m:t> 0.0</m:t>
+                          <m:t> </m:t>
+                        </m:r>
+                        <m:r>
+                          <a:rPr lang="en-US" sz="1700" b="0" i="1" smtClean="0">
+                            <a:solidFill>
+                              <a:sysClr val="windowText" lastClr="000000"/>
+                            </a:solidFill>
+                            <a:latin typeface="Cambria Math" panose="02040503050406030204" pitchFamily="18" charset="0"/>
+                          </a:rPr>
+                          <m:t>0</m:t>
+                        </m:r>
+                        <m:r>
+                          <a:rPr lang="en-US" sz="1700" b="0" i="1" smtClean="0">
+                            <a:solidFill>
+                              <a:sysClr val="windowText" lastClr="000000"/>
+                            </a:solidFill>
+                            <a:latin typeface="Cambria Math" panose="02040503050406030204" pitchFamily="18" charset="0"/>
+                          </a:rPr>
+                          <m:t>.</m:t>
+                        </m:r>
+                        <m:r>
+                          <a:rPr lang="en-US" sz="1700" b="0" i="1" smtClean="0">
+                            <a:solidFill>
+                              <a:sysClr val="windowText" lastClr="000000"/>
+                            </a:solidFill>
+                            <a:latin typeface="Cambria Math" panose="02040503050406030204" pitchFamily="18" charset="0"/>
+                          </a:rPr>
+                          <m:t>0</m:t>
                         </m:r>
                       </m:oMath>
                     </m:oMathPara>
@@ -16021,7 +16453,34 @@
                             </a:solidFill>
                             <a:latin typeface="Cambria Math" panose="02040503050406030204" pitchFamily="18" charset="0"/>
                           </a:rPr>
-                          <m:t> 0.1</m:t>
+                          <m:t> </m:t>
+                        </m:r>
+                        <m:r>
+                          <a:rPr lang="en-US" sz="1700" b="0" i="1" smtClean="0">
+                            <a:solidFill>
+                              <a:schemeClr val="tx1"/>
+                            </a:solidFill>
+                            <a:latin typeface="Cambria Math" panose="02040503050406030204" pitchFamily="18" charset="0"/>
+                          </a:rPr>
+                          <m:t>0</m:t>
+                        </m:r>
+                        <m:r>
+                          <a:rPr lang="en-US" sz="1700" b="0" i="1" smtClean="0">
+                            <a:solidFill>
+                              <a:schemeClr val="tx1"/>
+                            </a:solidFill>
+                            <a:latin typeface="Cambria Math" panose="02040503050406030204" pitchFamily="18" charset="0"/>
+                          </a:rPr>
+                          <m:t>.</m:t>
+                        </m:r>
+                        <m:r>
+                          <a:rPr lang="en-US" sz="1700" b="0" i="1" smtClean="0">
+                            <a:solidFill>
+                              <a:schemeClr val="tx1"/>
+                            </a:solidFill>
+                            <a:latin typeface="Cambria Math" panose="02040503050406030204" pitchFamily="18" charset="0"/>
+                          </a:rPr>
+                          <m:t>1</m:t>
                         </m:r>
                       </m:oMath>
                     </m:oMathPara>
@@ -16128,7 +16587,34 @@
                             </a:solidFill>
                             <a:latin typeface="Cambria Math" panose="02040503050406030204" pitchFamily="18" charset="0"/>
                           </a:rPr>
-                          <m:t> 0.0</m:t>
+                          <m:t> </m:t>
+                        </m:r>
+                        <m:r>
+                          <a:rPr lang="en-US" sz="1700" b="0" i="1" smtClean="0">
+                            <a:solidFill>
+                              <a:sysClr val="windowText" lastClr="000000"/>
+                            </a:solidFill>
+                            <a:latin typeface="Cambria Math" panose="02040503050406030204" pitchFamily="18" charset="0"/>
+                          </a:rPr>
+                          <m:t>0</m:t>
+                        </m:r>
+                        <m:r>
+                          <a:rPr lang="en-US" sz="1700" b="0" i="1" smtClean="0">
+                            <a:solidFill>
+                              <a:sysClr val="windowText" lastClr="000000"/>
+                            </a:solidFill>
+                            <a:latin typeface="Cambria Math" panose="02040503050406030204" pitchFamily="18" charset="0"/>
+                          </a:rPr>
+                          <m:t>.</m:t>
+                        </m:r>
+                        <m:r>
+                          <a:rPr lang="en-US" sz="1700" b="0" i="1" smtClean="0">
+                            <a:solidFill>
+                              <a:sysClr val="windowText" lastClr="000000"/>
+                            </a:solidFill>
+                            <a:latin typeface="Cambria Math" panose="02040503050406030204" pitchFamily="18" charset="0"/>
+                          </a:rPr>
+                          <m:t>0</m:t>
                         </m:r>
                       </m:oMath>
                     </m:oMathPara>
@@ -22771,7 +23257,43 @@
                               </a:solidFill>
                               <a:latin typeface="Cambria Math" panose="02040503050406030204" pitchFamily="18" charset="0"/>
                             </a:rPr>
-                            <m:t> (1,0)</m:t>
+                            <m:t> (</m:t>
+                          </m:r>
+                          <m:r>
+                            <a:rPr lang="en-US" sz="1200" b="0" i="1" smtClean="0">
+                              <a:solidFill>
+                                <a:schemeClr val="tx1"/>
+                              </a:solidFill>
+                              <a:latin typeface="Cambria Math" panose="02040503050406030204" pitchFamily="18" charset="0"/>
+                            </a:rPr>
+                            <m:t>1</m:t>
+                          </m:r>
+                          <m:r>
+                            <a:rPr lang="en-US" sz="1200" b="0" i="1" smtClean="0">
+                              <a:solidFill>
+                                <a:schemeClr val="tx1"/>
+                              </a:solidFill>
+                              <a:latin typeface="Cambria Math" panose="02040503050406030204" pitchFamily="18" charset="0"/>
+                            </a:rPr>
+                            <m:t>,</m:t>
+                          </m:r>
+                          <m:r>
+                            <a:rPr lang="en-US" sz="1200" b="0" i="1" smtClean="0">
+                              <a:solidFill>
+                                <a:schemeClr val="tx1"/>
+                              </a:solidFill>
+                              <a:latin typeface="Cambria Math" panose="02040503050406030204" pitchFamily="18" charset="0"/>
+                            </a:rPr>
+                            <m:t>0</m:t>
+                          </m:r>
+                          <m:r>
+                            <a:rPr lang="en-US" sz="1200" b="0" i="1" smtClean="0">
+                              <a:solidFill>
+                                <a:schemeClr val="tx1"/>
+                              </a:solidFill>
+                              <a:latin typeface="Cambria Math" panose="02040503050406030204" pitchFamily="18" charset="0"/>
+                            </a:rPr>
+                            <m:t>)</m:t>
                           </m:r>
                         </m:oMath>
                       </m:oMathPara>
@@ -22962,7 +23484,43 @@
                               </a:solidFill>
                               <a:latin typeface="Cambria Math" panose="02040503050406030204" pitchFamily="18" charset="0"/>
                             </a:rPr>
-                            <m:t> (1,1)</m:t>
+                            <m:t> (</m:t>
+                          </m:r>
+                          <m:r>
+                            <a:rPr lang="en-US" sz="1200" b="0" i="1" smtClean="0">
+                              <a:solidFill>
+                                <a:schemeClr val="tx1"/>
+                              </a:solidFill>
+                              <a:latin typeface="Cambria Math" panose="02040503050406030204" pitchFamily="18" charset="0"/>
+                            </a:rPr>
+                            <m:t>1</m:t>
+                          </m:r>
+                          <m:r>
+                            <a:rPr lang="en-US" sz="1200" b="0" i="1" smtClean="0">
+                              <a:solidFill>
+                                <a:schemeClr val="tx1"/>
+                              </a:solidFill>
+                              <a:latin typeface="Cambria Math" panose="02040503050406030204" pitchFamily="18" charset="0"/>
+                            </a:rPr>
+                            <m:t>,</m:t>
+                          </m:r>
+                          <m:r>
+                            <a:rPr lang="en-US" sz="1200" b="0" i="1" smtClean="0">
+                              <a:solidFill>
+                                <a:schemeClr val="tx1"/>
+                              </a:solidFill>
+                              <a:latin typeface="Cambria Math" panose="02040503050406030204" pitchFamily="18" charset="0"/>
+                            </a:rPr>
+                            <m:t>1</m:t>
+                          </m:r>
+                          <m:r>
+                            <a:rPr lang="en-US" sz="1200" b="0" i="1" smtClean="0">
+                              <a:solidFill>
+                                <a:schemeClr val="tx1"/>
+                              </a:solidFill>
+                              <a:latin typeface="Cambria Math" panose="02040503050406030204" pitchFamily="18" charset="0"/>
+                            </a:rPr>
+                            <m:t>)</m:t>
                           </m:r>
                         </m:oMath>
                       </m:oMathPara>
@@ -23822,7 +24380,43 @@
                               </a:solidFill>
                               <a:latin typeface="Cambria Math" panose="02040503050406030204" pitchFamily="18" charset="0"/>
                             </a:rPr>
-                            <m:t> (1,1)</m:t>
+                            <m:t> (</m:t>
+                          </m:r>
+                          <m:r>
+                            <a:rPr lang="en-US" sz="1200" i="1">
+                              <a:solidFill>
+                                <a:schemeClr val="tx1"/>
+                              </a:solidFill>
+                              <a:latin typeface="Cambria Math" panose="02040503050406030204" pitchFamily="18" charset="0"/>
+                            </a:rPr>
+                            <m:t>1</m:t>
+                          </m:r>
+                          <m:r>
+                            <a:rPr lang="en-US" sz="1200" i="1">
+                              <a:solidFill>
+                                <a:schemeClr val="tx1"/>
+                              </a:solidFill>
+                              <a:latin typeface="Cambria Math" panose="02040503050406030204" pitchFamily="18" charset="0"/>
+                            </a:rPr>
+                            <m:t>,</m:t>
+                          </m:r>
+                          <m:r>
+                            <a:rPr lang="en-US" sz="1200" i="1">
+                              <a:solidFill>
+                                <a:schemeClr val="tx1"/>
+                              </a:solidFill>
+                              <a:latin typeface="Cambria Math" panose="02040503050406030204" pitchFamily="18" charset="0"/>
+                            </a:rPr>
+                            <m:t>1</m:t>
+                          </m:r>
+                          <m:r>
+                            <a:rPr lang="en-US" sz="1200" i="1">
+                              <a:solidFill>
+                                <a:schemeClr val="tx1"/>
+                              </a:solidFill>
+                              <a:latin typeface="Cambria Math" panose="02040503050406030204" pitchFamily="18" charset="0"/>
+                            </a:rPr>
+                            <m:t>)</m:t>
                           </m:r>
                         </m:oMath>
                       </m:oMathPara>
@@ -24007,7 +24601,43 @@
                               </a:solidFill>
                               <a:latin typeface="Cambria Math" panose="02040503050406030204" pitchFamily="18" charset="0"/>
                             </a:rPr>
-                            <m:t> (1,1)</m:t>
+                            <m:t> (</m:t>
+                          </m:r>
+                          <m:r>
+                            <a:rPr lang="en-US" sz="1200" i="1">
+                              <a:solidFill>
+                                <a:schemeClr val="tx1"/>
+                              </a:solidFill>
+                              <a:latin typeface="Cambria Math" panose="02040503050406030204" pitchFamily="18" charset="0"/>
+                            </a:rPr>
+                            <m:t>1</m:t>
+                          </m:r>
+                          <m:r>
+                            <a:rPr lang="en-US" sz="1200" i="1">
+                              <a:solidFill>
+                                <a:schemeClr val="tx1"/>
+                              </a:solidFill>
+                              <a:latin typeface="Cambria Math" panose="02040503050406030204" pitchFamily="18" charset="0"/>
+                            </a:rPr>
+                            <m:t>,</m:t>
+                          </m:r>
+                          <m:r>
+                            <a:rPr lang="en-US" sz="1200" i="1">
+                              <a:solidFill>
+                                <a:schemeClr val="tx1"/>
+                              </a:solidFill>
+                              <a:latin typeface="Cambria Math" panose="02040503050406030204" pitchFamily="18" charset="0"/>
+                            </a:rPr>
+                            <m:t>1</m:t>
+                          </m:r>
+                          <m:r>
+                            <a:rPr lang="en-US" sz="1200" i="1">
+                              <a:solidFill>
+                                <a:schemeClr val="tx1"/>
+                              </a:solidFill>
+                              <a:latin typeface="Cambria Math" panose="02040503050406030204" pitchFamily="18" charset="0"/>
+                            </a:rPr>
+                            <m:t>)</m:t>
                           </m:r>
                         </m:oMath>
                       </m:oMathPara>
@@ -24606,7 +25236,25 @@
                               </a:solidFill>
                               <a:latin typeface="Cambria Math" panose="02040503050406030204" pitchFamily="18" charset="0"/>
                             </a:rPr>
-                            <m:t>,0)</m:t>
+                            <m:t>,</m:t>
+                          </m:r>
+                          <m:r>
+                            <a:rPr lang="en-US" sz="1200" i="1">
+                              <a:solidFill>
+                                <a:schemeClr val="tx1"/>
+                              </a:solidFill>
+                              <a:latin typeface="Cambria Math" panose="02040503050406030204" pitchFamily="18" charset="0"/>
+                            </a:rPr>
+                            <m:t>0</m:t>
+                          </m:r>
+                          <m:r>
+                            <a:rPr lang="en-US" sz="1200" i="1">
+                              <a:solidFill>
+                                <a:schemeClr val="tx1"/>
+                              </a:solidFill>
+                              <a:latin typeface="Cambria Math" panose="02040503050406030204" pitchFamily="18" charset="0"/>
+                            </a:rPr>
+                            <m:t>)</m:t>
                           </m:r>
                         </m:oMath>
                       </m:oMathPara>
@@ -24806,7 +25454,43 @@
                               </a:solidFill>
                               <a:latin typeface="Cambria Math" panose="02040503050406030204" pitchFamily="18" charset="0"/>
                             </a:rPr>
-                            <m:t>(1,1)</m:t>
+                            <m:t>(</m:t>
+                          </m:r>
+                          <m:r>
+                            <a:rPr lang="en-US" sz="1200" i="1">
+                              <a:solidFill>
+                                <a:schemeClr val="tx1"/>
+                              </a:solidFill>
+                              <a:latin typeface="Cambria Math" panose="02040503050406030204" pitchFamily="18" charset="0"/>
+                            </a:rPr>
+                            <m:t>1</m:t>
+                          </m:r>
+                          <m:r>
+                            <a:rPr lang="en-US" sz="1200" i="1">
+                              <a:solidFill>
+                                <a:schemeClr val="tx1"/>
+                              </a:solidFill>
+                              <a:latin typeface="Cambria Math" panose="02040503050406030204" pitchFamily="18" charset="0"/>
+                            </a:rPr>
+                            <m:t>,</m:t>
+                          </m:r>
+                          <m:r>
+                            <a:rPr lang="en-US" sz="1200" i="1">
+                              <a:solidFill>
+                                <a:schemeClr val="tx1"/>
+                              </a:solidFill>
+                              <a:latin typeface="Cambria Math" panose="02040503050406030204" pitchFamily="18" charset="0"/>
+                            </a:rPr>
+                            <m:t>1</m:t>
+                          </m:r>
+                          <m:r>
+                            <a:rPr lang="en-US" sz="1200" i="1">
+                              <a:solidFill>
+                                <a:schemeClr val="tx1"/>
+                              </a:solidFill>
+                              <a:latin typeface="Cambria Math" panose="02040503050406030204" pitchFamily="18" charset="0"/>
+                            </a:rPr>
+                            <m:t>)</m:t>
                           </m:r>
                         </m:oMath>
                       </m:oMathPara>
@@ -25672,7 +26356,43 @@
                               </a:solidFill>
                               <a:latin typeface="Cambria Math" panose="02040503050406030204" pitchFamily="18" charset="0"/>
                             </a:rPr>
-                            <m:t> (1,1)</m:t>
+                            <m:t> (</m:t>
+                          </m:r>
+                          <m:r>
+                            <a:rPr lang="en-US" sz="1200" i="1">
+                              <a:solidFill>
+                                <a:schemeClr val="tx1"/>
+                              </a:solidFill>
+                              <a:latin typeface="Cambria Math" panose="02040503050406030204" pitchFamily="18" charset="0"/>
+                            </a:rPr>
+                            <m:t>1</m:t>
+                          </m:r>
+                          <m:r>
+                            <a:rPr lang="en-US" sz="1200" i="1">
+                              <a:solidFill>
+                                <a:schemeClr val="tx1"/>
+                              </a:solidFill>
+                              <a:latin typeface="Cambria Math" panose="02040503050406030204" pitchFamily="18" charset="0"/>
+                            </a:rPr>
+                            <m:t>,</m:t>
+                          </m:r>
+                          <m:r>
+                            <a:rPr lang="en-US" sz="1200" i="1">
+                              <a:solidFill>
+                                <a:schemeClr val="tx1"/>
+                              </a:solidFill>
+                              <a:latin typeface="Cambria Math" panose="02040503050406030204" pitchFamily="18" charset="0"/>
+                            </a:rPr>
+                            <m:t>1</m:t>
+                          </m:r>
+                          <m:r>
+                            <a:rPr lang="en-US" sz="1200" i="1">
+                              <a:solidFill>
+                                <a:schemeClr val="tx1"/>
+                              </a:solidFill>
+                              <a:latin typeface="Cambria Math" panose="02040503050406030204" pitchFamily="18" charset="0"/>
+                            </a:rPr>
+                            <m:t>)</m:t>
                           </m:r>
                         </m:oMath>
                       </m:oMathPara>
@@ -25857,7 +26577,43 @@
                               </a:solidFill>
                               <a:latin typeface="Cambria Math" panose="02040503050406030204" pitchFamily="18" charset="0"/>
                             </a:rPr>
-                            <m:t> (1,1)</m:t>
+                            <m:t> (</m:t>
+                          </m:r>
+                          <m:r>
+                            <a:rPr lang="en-US" sz="1200" i="1">
+                              <a:solidFill>
+                                <a:schemeClr val="tx1"/>
+                              </a:solidFill>
+                              <a:latin typeface="Cambria Math" panose="02040503050406030204" pitchFamily="18" charset="0"/>
+                            </a:rPr>
+                            <m:t>1</m:t>
+                          </m:r>
+                          <m:r>
+                            <a:rPr lang="en-US" sz="1200" i="1">
+                              <a:solidFill>
+                                <a:schemeClr val="tx1"/>
+                              </a:solidFill>
+                              <a:latin typeface="Cambria Math" panose="02040503050406030204" pitchFamily="18" charset="0"/>
+                            </a:rPr>
+                            <m:t>,</m:t>
+                          </m:r>
+                          <m:r>
+                            <a:rPr lang="en-US" sz="1200" i="1">
+                              <a:solidFill>
+                                <a:schemeClr val="tx1"/>
+                              </a:solidFill>
+                              <a:latin typeface="Cambria Math" panose="02040503050406030204" pitchFamily="18" charset="0"/>
+                            </a:rPr>
+                            <m:t>1</m:t>
+                          </m:r>
+                          <m:r>
+                            <a:rPr lang="en-US" sz="1200" i="1">
+                              <a:solidFill>
+                                <a:schemeClr val="tx1"/>
+                              </a:solidFill>
+                              <a:latin typeface="Cambria Math" panose="02040503050406030204" pitchFamily="18" charset="0"/>
+                            </a:rPr>
+                            <m:t>)</m:t>
                           </m:r>
                         </m:oMath>
                       </m:oMathPara>
@@ -26385,7 +27141,25 @@
                               </a:solidFill>
                               <a:latin typeface="Cambria Math" panose="02040503050406030204" pitchFamily="18" charset="0"/>
                             </a:rPr>
-                            <m:t> ,0 )</m:t>
+                            <m:t> ,</m:t>
+                          </m:r>
+                          <m:r>
+                            <a:rPr lang="en-US" sz="1200" b="0" i="1" spc="-150" smtClean="0">
+                              <a:solidFill>
+                                <a:schemeClr val="tx1"/>
+                              </a:solidFill>
+                              <a:latin typeface="Cambria Math" panose="02040503050406030204" pitchFamily="18" charset="0"/>
+                            </a:rPr>
+                            <m:t>0</m:t>
+                          </m:r>
+                          <m:r>
+                            <a:rPr lang="en-US" sz="1200" b="0" i="1" spc="-150" smtClean="0">
+                              <a:solidFill>
+                                <a:schemeClr val="tx1"/>
+                              </a:solidFill>
+                              <a:latin typeface="Cambria Math" panose="02040503050406030204" pitchFamily="18" charset="0"/>
+                            </a:rPr>
+                            <m:t> )</m:t>
                           </m:r>
                         </m:oMath>
                       </m:oMathPara>
@@ -26612,7 +27386,25 @@
                               </a:solidFill>
                               <a:latin typeface="Cambria Math" panose="02040503050406030204" pitchFamily="18" charset="0"/>
                             </a:rPr>
-                            <m:t>,1)</m:t>
+                            <m:t>,</m:t>
+                          </m:r>
+                          <m:r>
+                            <a:rPr lang="en-US" sz="1200" b="0" i="1" spc="-150" smtClean="0">
+                              <a:solidFill>
+                                <a:schemeClr val="tx1"/>
+                              </a:solidFill>
+                              <a:latin typeface="Cambria Math" panose="02040503050406030204" pitchFamily="18" charset="0"/>
+                            </a:rPr>
+                            <m:t>1</m:t>
+                          </m:r>
+                          <m:r>
+                            <a:rPr lang="en-US" sz="1200" b="0" i="1" spc="-150" smtClean="0">
+                              <a:solidFill>
+                                <a:schemeClr val="tx1"/>
+                              </a:solidFill>
+                              <a:latin typeface="Cambria Math" panose="02040503050406030204" pitchFamily="18" charset="0"/>
+                            </a:rPr>
+                            <m:t>)</m:t>
                           </m:r>
                         </m:oMath>
                       </m:oMathPara>
@@ -27472,7 +28264,43 @@
                               </a:solidFill>
                               <a:latin typeface="Cambria Math" panose="02040503050406030204" pitchFamily="18" charset="0"/>
                             </a:rPr>
-                            <m:t> (1,1)</m:t>
+                            <m:t> (</m:t>
+                          </m:r>
+                          <m:r>
+                            <a:rPr lang="en-US" sz="1200" i="1">
+                              <a:solidFill>
+                                <a:schemeClr val="tx1"/>
+                              </a:solidFill>
+                              <a:latin typeface="Cambria Math" panose="02040503050406030204" pitchFamily="18" charset="0"/>
+                            </a:rPr>
+                            <m:t>1</m:t>
+                          </m:r>
+                          <m:r>
+                            <a:rPr lang="en-US" sz="1200" i="1">
+                              <a:solidFill>
+                                <a:schemeClr val="tx1"/>
+                              </a:solidFill>
+                              <a:latin typeface="Cambria Math" panose="02040503050406030204" pitchFamily="18" charset="0"/>
+                            </a:rPr>
+                            <m:t>,</m:t>
+                          </m:r>
+                          <m:r>
+                            <a:rPr lang="en-US" sz="1200" i="1">
+                              <a:solidFill>
+                                <a:schemeClr val="tx1"/>
+                              </a:solidFill>
+                              <a:latin typeface="Cambria Math" panose="02040503050406030204" pitchFamily="18" charset="0"/>
+                            </a:rPr>
+                            <m:t>1</m:t>
+                          </m:r>
+                          <m:r>
+                            <a:rPr lang="en-US" sz="1200" i="1">
+                              <a:solidFill>
+                                <a:schemeClr val="tx1"/>
+                              </a:solidFill>
+                              <a:latin typeface="Cambria Math" panose="02040503050406030204" pitchFamily="18" charset="0"/>
+                            </a:rPr>
+                            <m:t>)</m:t>
                           </m:r>
                         </m:oMath>
                       </m:oMathPara>
@@ -27663,7 +28491,43 @@
                               </a:solidFill>
                               <a:latin typeface="Cambria Math" panose="02040503050406030204" pitchFamily="18" charset="0"/>
                             </a:rPr>
-                            <m:t> (1,1)</m:t>
+                            <m:t> (</m:t>
+                          </m:r>
+                          <m:r>
+                            <a:rPr lang="en-US" sz="1200" i="1">
+                              <a:solidFill>
+                                <a:schemeClr val="tx1"/>
+                              </a:solidFill>
+                              <a:latin typeface="Cambria Math" panose="02040503050406030204" pitchFamily="18" charset="0"/>
+                            </a:rPr>
+                            <m:t>1</m:t>
+                          </m:r>
+                          <m:r>
+                            <a:rPr lang="en-US" sz="1200" i="1">
+                              <a:solidFill>
+                                <a:schemeClr val="tx1"/>
+                              </a:solidFill>
+                              <a:latin typeface="Cambria Math" panose="02040503050406030204" pitchFamily="18" charset="0"/>
+                            </a:rPr>
+                            <m:t>,</m:t>
+                          </m:r>
+                          <m:r>
+                            <a:rPr lang="en-US" sz="1200" i="1">
+                              <a:solidFill>
+                                <a:schemeClr val="tx1"/>
+                              </a:solidFill>
+                              <a:latin typeface="Cambria Math" panose="02040503050406030204" pitchFamily="18" charset="0"/>
+                            </a:rPr>
+                            <m:t>1</m:t>
+                          </m:r>
+                          <m:r>
+                            <a:rPr lang="en-US" sz="1200" i="1">
+                              <a:solidFill>
+                                <a:schemeClr val="tx1"/>
+                              </a:solidFill>
+                              <a:latin typeface="Cambria Math" panose="02040503050406030204" pitchFamily="18" charset="0"/>
+                            </a:rPr>
+                            <m:t>)</m:t>
                           </m:r>
                         </m:oMath>
                       </m:oMathPara>
@@ -40195,7 +41059,18 @@
                                       <a:schemeClr val="tx1"/>
                                     </a:solidFill>
                                   </a:rPr>
-                                  <m:t>′,</m:t>
+                                  <m:t>′</m:t>
+                                </m:r>
+                                <m:r>
+                                  <m:rPr>
+                                    <m:nor/>
+                                  </m:rPr>
+                                  <a:rPr lang="en-US" sz="2400" i="1" dirty="0">
+                                    <a:solidFill>
+                                      <a:schemeClr val="tx1"/>
+                                    </a:solidFill>
+                                  </a:rPr>
+                                  <m:t>,</m:t>
                                 </m:r>
                                 <m:r>
                                   <m:rPr>
@@ -40262,7 +41137,18 @@
                                       <a:schemeClr val="tx1"/>
                                     </a:solidFill>
                                   </a:rPr>
-                                  <m:t>′,</m:t>
+                                  <m:t>′</m:t>
+                                </m:r>
+                                <m:r>
+                                  <m:rPr>
+                                    <m:nor/>
+                                  </m:rPr>
+                                  <a:rPr lang="en-US" sz="2400" i="1" dirty="0">
+                                    <a:solidFill>
+                                      <a:schemeClr val="tx1"/>
+                                    </a:solidFill>
+                                  </a:rPr>
+                                  <m:t>,</m:t>
                                 </m:r>
                                 <m:r>
                                   <m:rPr>
@@ -40284,7 +41170,18 @@
                                       <a:schemeClr val="tx1"/>
                                     </a:solidFill>
                                   </a:rPr>
-                                  <m:t>−1</m:t>
+                                  <m:t>−</m:t>
+                                </m:r>
+                                <m:r>
+                                  <m:rPr>
+                                    <m:nor/>
+                                  </m:rPr>
+                                  <a:rPr lang="en-US" sz="2400" i="1" dirty="0">
+                                    <a:solidFill>
+                                      <a:schemeClr val="tx1"/>
+                                    </a:solidFill>
+                                  </a:rPr>
+                                  <m:t>1</m:t>
                                 </m:r>
                               </m:sub>
                             </m:sSub>
@@ -42490,7 +43387,18 @@
                                     <a:schemeClr val="tx1"/>
                                   </a:solidFill>
                                 </a:rPr>
-                                <m:t>′,</m:t>
+                                <m:t>′</m:t>
+                              </m:r>
+                              <m:r>
+                                <m:rPr>
+                                  <m:nor/>
+                                </m:rPr>
+                                <a:rPr lang="en-US" sz="2400" i="1" dirty="0">
+                                  <a:solidFill>
+                                    <a:schemeClr val="tx1"/>
+                                  </a:solidFill>
+                                </a:rPr>
+                                <m:t>,</m:t>
                               </m:r>
                               <m:r>
                                 <m:rPr>
@@ -42512,7 +43420,18 @@
                                     <a:schemeClr val="tx1"/>
                                   </a:solidFill>
                                 </a:rPr>
-                                <m:t>+1</m:t>
+                                <m:t>+</m:t>
+                              </m:r>
+                              <m:r>
+                                <m:rPr>
+                                  <m:nor/>
+                                </m:rPr>
+                                <a:rPr lang="en-US" sz="2400" i="1" dirty="0">
+                                  <a:solidFill>
+                                    <a:schemeClr val="tx1"/>
+                                  </a:solidFill>
+                                </a:rPr>
+                                <m:t>1</m:t>
                               </m:r>
                             </m:sub>
                           </m:sSub>
@@ -42611,7 +43530,16 @@
                                       </a:solidFill>
                                       <a:latin typeface="Cambria Math" panose="02040503050406030204" pitchFamily="18" charset="0"/>
                                     </a:rPr>
-                                    <m:t>+1</m:t>
+                                    <m:t>+</m:t>
+                                  </m:r>
+                                  <m:r>
+                                    <a:rPr lang="en-US" sz="2400" i="1" dirty="0">
+                                      <a:solidFill>
+                                        <a:schemeClr val="tx1"/>
+                                      </a:solidFill>
+                                      <a:latin typeface="Cambria Math" panose="02040503050406030204" pitchFamily="18" charset="0"/>
+                                    </a:rPr>
+                                    <m:t>1</m:t>
                                   </m:r>
                                 </m:sub>
                               </m:sSub>
@@ -42793,1183 +43721,1016 @@
       </p:grpSpPr>
       <p:grpSp>
         <p:nvGrpSpPr>
-          <p:cNvPr id="14" name="Group 13"/>
+          <p:cNvPr id="4" name="Group 3"/>
           <p:cNvGrpSpPr/>
           <p:nvPr/>
         </p:nvGrpSpPr>
         <p:grpSpPr>
           <a:xfrm>
-            <a:off x="-438006" y="443167"/>
-            <a:ext cx="12869753" cy="5341997"/>
+            <a:off x="-427846" y="443167"/>
+            <a:ext cx="11554370" cy="5328625"/>
             <a:chOff x="-438006" y="443167"/>
-            <a:chExt cx="12869753" cy="5341997"/>
+            <a:chExt cx="11554370" cy="5328625"/>
           </a:xfrm>
         </p:grpSpPr>
-        <p:grpSp>
-          <p:nvGrpSpPr>
-            <p:cNvPr id="2" name="Group 1"/>
-            <p:cNvGrpSpPr/>
+        <p:sp>
+          <p:nvSpPr>
+            <p:cNvPr id="12" name="Equal 11"/>
+            <p:cNvSpPr/>
             <p:nvPr/>
-          </p:nvGrpSpPr>
-          <p:grpSpPr>
+          </p:nvSpPr>
+          <p:spPr>
             <a:xfrm>
-              <a:off x="-438006" y="443167"/>
-              <a:ext cx="12869753" cy="5341997"/>
-              <a:chOff x="-448166" y="445072"/>
-              <a:chExt cx="12869753" cy="5341997"/>
+              <a:off x="7997566" y="2814956"/>
+              <a:ext cx="438009" cy="233675"/>
             </a:xfrm>
-          </p:grpSpPr>
-          <p:sp>
-            <p:nvSpPr>
-              <p:cNvPr id="11" name="Oval 10"/>
-              <p:cNvSpPr/>
-              <p:nvPr/>
-            </p:nvSpPr>
-            <p:spPr>
-              <a:xfrm>
-                <a:off x="3846007" y="2849882"/>
-                <a:ext cx="150832" cy="167635"/>
-              </a:xfrm>
-              <a:prstGeom prst="ellipse">
-                <a:avLst/>
-              </a:prstGeom>
+            <a:prstGeom prst="mathEqual">
+              <a:avLst>
+                <a:gd name="adj1" fmla="val 26550"/>
+                <a:gd name="adj2" fmla="val 36003"/>
+              </a:avLst>
+            </a:prstGeom>
+            <a:solidFill>
+              <a:schemeClr val="tx1"/>
+            </a:solidFill>
+            <a:ln>
               <a:solidFill>
-                <a:schemeClr val="bg1"/>
+                <a:schemeClr val="tx1"/>
               </a:solidFill>
-              <a:ln w="57150">
+            </a:ln>
+          </p:spPr>
+          <p:style>
+            <a:lnRef idx="2">
+              <a:schemeClr val="accent1">
+                <a:shade val="50000"/>
+              </a:schemeClr>
+            </a:lnRef>
+            <a:fillRef idx="1">
+              <a:schemeClr val="accent1"/>
+            </a:fillRef>
+            <a:effectRef idx="0">
+              <a:schemeClr val="accent1"/>
+            </a:effectRef>
+            <a:fontRef idx="minor">
+              <a:schemeClr val="lt1"/>
+            </a:fontRef>
+          </p:style>
+          <p:txBody>
+            <a:bodyPr rtlCol="0" anchor="ctr"/>
+            <a:lstStyle/>
+            <a:p>
+              <a:pPr algn="ctr"/>
+              <a:endParaRPr lang="en-US" dirty="0">
                 <a:solidFill>
                   <a:schemeClr val="tx1"/>
                 </a:solidFill>
-              </a:ln>
-            </p:spPr>
-            <p:style>
-              <a:lnRef idx="2">
-                <a:schemeClr val="accent1">
-                  <a:shade val="50000"/>
-                </a:schemeClr>
-              </a:lnRef>
-              <a:fillRef idx="1">
-                <a:schemeClr val="accent1"/>
-              </a:fillRef>
-              <a:effectRef idx="0">
-                <a:schemeClr val="accent1"/>
-              </a:effectRef>
-              <a:fontRef idx="minor">
-                <a:schemeClr val="lt1"/>
-              </a:fontRef>
-            </p:style>
-            <p:txBody>
-              <a:bodyPr rtlCol="0" anchor="ctr"/>
-              <a:lstStyle/>
-              <a:p>
-                <a:pPr algn="ctr"/>
-                <a:endParaRPr lang="en-US" dirty="0"/>
-              </a:p>
-            </p:txBody>
-          </p:sp>
-          <p:sp>
-            <p:nvSpPr>
-              <p:cNvPr id="12" name="Equal 11"/>
-              <p:cNvSpPr/>
-              <p:nvPr/>
-            </p:nvSpPr>
-            <p:spPr>
-              <a:xfrm>
-                <a:off x="7863208" y="2816863"/>
-                <a:ext cx="438009" cy="233675"/>
-              </a:xfrm>
-              <a:prstGeom prst="mathEqual">
-                <a:avLst>
-                  <a:gd name="adj1" fmla="val 26550"/>
-                  <a:gd name="adj2" fmla="val 36003"/>
-                </a:avLst>
-              </a:prstGeom>
+              </a:endParaRPr>
+            </a:p>
+          </p:txBody>
+        </p:sp>
+        <p:cxnSp>
+          <p:nvCxnSpPr>
+            <p:cNvPr id="21" name="Straight Connector 20"/>
+            <p:cNvCxnSpPr/>
+            <p:nvPr/>
+          </p:nvCxnSpPr>
+          <p:spPr>
+            <a:xfrm flipH="1">
+              <a:off x="58159" y="979820"/>
+              <a:ext cx="585731" cy="1054546"/>
+            </a:xfrm>
+            <a:prstGeom prst="line">
+              <a:avLst/>
+            </a:prstGeom>
+            <a:ln w="12700">
               <a:solidFill>
                 <a:schemeClr val="tx1"/>
               </a:solidFill>
-              <a:ln>
+            </a:ln>
+          </p:spPr>
+          <p:style>
+            <a:lnRef idx="1">
+              <a:schemeClr val="accent1"/>
+            </a:lnRef>
+            <a:fillRef idx="0">
+              <a:schemeClr val="accent1"/>
+            </a:fillRef>
+            <a:effectRef idx="0">
+              <a:schemeClr val="accent1"/>
+            </a:effectRef>
+            <a:fontRef idx="minor">
+              <a:schemeClr val="tx1"/>
+            </a:fontRef>
+          </p:style>
+        </p:cxnSp>
+        <p:cxnSp>
+          <p:nvCxnSpPr>
+            <p:cNvPr id="266" name="Straight Connector 265"/>
+            <p:cNvCxnSpPr/>
+            <p:nvPr/>
+          </p:nvCxnSpPr>
+          <p:spPr>
+            <a:xfrm>
+              <a:off x="2973448" y="978658"/>
+              <a:ext cx="672361" cy="1054546"/>
+            </a:xfrm>
+            <a:prstGeom prst="line">
+              <a:avLst/>
+            </a:prstGeom>
+            <a:ln w="12700">
+              <a:solidFill>
+                <a:schemeClr val="tx1"/>
+              </a:solidFill>
+            </a:ln>
+          </p:spPr>
+          <p:style>
+            <a:lnRef idx="1">
+              <a:schemeClr val="accent1"/>
+            </a:lnRef>
+            <a:fillRef idx="0">
+              <a:schemeClr val="accent1"/>
+            </a:fillRef>
+            <a:effectRef idx="0">
+              <a:schemeClr val="accent1"/>
+            </a:effectRef>
+            <a:fontRef idx="minor">
+              <a:schemeClr val="tx1"/>
+            </a:fontRef>
+          </p:style>
+        </p:cxnSp>
+        <p:sp>
+          <p:nvSpPr>
+            <p:cNvPr id="267" name="Rectangle 266"/>
+            <p:cNvSpPr/>
+            <p:nvPr/>
+          </p:nvSpPr>
+          <p:spPr>
+            <a:xfrm>
+              <a:off x="3685505" y="1470279"/>
+              <a:ext cx="4572000" cy="606467"/>
+            </a:xfrm>
+            <a:prstGeom prst="rect">
+              <a:avLst/>
+            </a:prstGeom>
+            <a:noFill/>
+            <a:ln>
+              <a:noFill/>
+            </a:ln>
+          </p:spPr>
+          <p:style>
+            <a:lnRef idx="2">
+              <a:schemeClr val="accent1">
+                <a:shade val="50000"/>
+              </a:schemeClr>
+            </a:lnRef>
+            <a:fillRef idx="1">
+              <a:schemeClr val="accent1"/>
+            </a:fillRef>
+            <a:effectRef idx="0">
+              <a:schemeClr val="accent1"/>
+            </a:effectRef>
+            <a:fontRef idx="minor">
+              <a:schemeClr val="lt1"/>
+            </a:fontRef>
+          </p:style>
+          <p:txBody>
+            <a:bodyPr rtlCol="0" anchor="ctr"/>
+            <a:lstStyle/>
+            <a:p>
+              <a:pPr algn="ctr"/>
+              <a:r>
+                <a:rPr lang="en-US" sz="2400" dirty="0" smtClean="0">
+                  <a:solidFill>
+                    <a:schemeClr val="tx1"/>
+                  </a:solidFill>
+                  <a:latin typeface="Cambria Math" panose="02040503050406030204" pitchFamily="18" charset="0"/>
+                  <a:ea typeface="Cambria Math" panose="02040503050406030204" pitchFamily="18" charset="0"/>
+                </a:rPr>
+                <a:t>PWM (M)</a:t>
+              </a:r>
+              <a:endParaRPr lang="en-US" sz="2400" dirty="0">
                 <a:solidFill>
                   <a:schemeClr val="tx1"/>
                 </a:solidFill>
-              </a:ln>
-            </p:spPr>
-            <p:style>
-              <a:lnRef idx="2">
-                <a:schemeClr val="accent1">
-                  <a:shade val="50000"/>
-                </a:schemeClr>
-              </a:lnRef>
-              <a:fillRef idx="1">
-                <a:schemeClr val="accent1"/>
-              </a:fillRef>
-              <a:effectRef idx="0">
-                <a:schemeClr val="accent1"/>
-              </a:effectRef>
-              <a:fontRef idx="minor">
-                <a:schemeClr val="lt1"/>
-              </a:fontRef>
-            </p:style>
-            <p:txBody>
-              <a:bodyPr rtlCol="0" anchor="ctr"/>
-              <a:lstStyle/>
-              <a:p>
-                <a:pPr algn="ctr"/>
-                <a:endParaRPr lang="en-US" dirty="0">
+                <a:latin typeface="Cambria Math" panose="02040503050406030204" pitchFamily="18" charset="0"/>
+                <a:ea typeface="Cambria Math" panose="02040503050406030204" pitchFamily="18" charset="0"/>
+              </a:endParaRPr>
+            </a:p>
+          </p:txBody>
+        </p:sp>
+        <p:sp>
+          <p:nvSpPr>
+            <p:cNvPr id="72" name="Rectangle 71"/>
+            <p:cNvSpPr/>
+            <p:nvPr/>
+          </p:nvSpPr>
+          <p:spPr>
+            <a:xfrm>
+              <a:off x="-438006" y="443167"/>
+              <a:ext cx="4572000" cy="606467"/>
+            </a:xfrm>
+            <a:prstGeom prst="rect">
+              <a:avLst/>
+            </a:prstGeom>
+            <a:noFill/>
+            <a:ln>
+              <a:noFill/>
+            </a:ln>
+          </p:spPr>
+          <p:style>
+            <a:lnRef idx="2">
+              <a:schemeClr val="accent1">
+                <a:shade val="50000"/>
+              </a:schemeClr>
+            </a:lnRef>
+            <a:fillRef idx="1">
+              <a:schemeClr val="accent1"/>
+            </a:fillRef>
+            <a:effectRef idx="0">
+              <a:schemeClr val="accent1"/>
+            </a:effectRef>
+            <a:fontRef idx="minor">
+              <a:schemeClr val="lt1"/>
+            </a:fontRef>
+          </p:style>
+          <p:txBody>
+            <a:bodyPr rtlCol="0" anchor="ctr"/>
+            <a:lstStyle/>
+            <a:p>
+              <a:pPr algn="ctr"/>
+              <a:r>
+                <a:rPr lang="en-US" sz="2800" b="1" spc="600" dirty="0">
                   <a:solidFill>
-                    <a:schemeClr val="tx1"/>
+                    <a:schemeClr val="bg2">
+                      <a:lumMod val="75000"/>
+                    </a:schemeClr>
                   </a:solidFill>
-                </a:endParaRPr>
-              </a:p>
-            </p:txBody>
-          </p:sp>
-          <p:cxnSp>
-            <p:nvCxnSpPr>
-              <p:cNvPr id="21" name="Straight Connector 20"/>
-              <p:cNvCxnSpPr/>
-              <p:nvPr/>
-            </p:nvCxnSpPr>
-            <p:spPr>
-              <a:xfrm flipH="1">
-                <a:off x="47999" y="981725"/>
-                <a:ext cx="585731" cy="1054546"/>
-              </a:xfrm>
-              <a:prstGeom prst="line">
-                <a:avLst/>
-              </a:prstGeom>
-              <a:ln w="12700">
-                <a:solidFill>
-                  <a:schemeClr val="tx1"/>
-                </a:solidFill>
-              </a:ln>
-            </p:spPr>
-            <p:style>
-              <a:lnRef idx="1">
-                <a:schemeClr val="accent1"/>
-              </a:lnRef>
-              <a:fillRef idx="0">
-                <a:schemeClr val="accent1"/>
-              </a:fillRef>
-              <a:effectRef idx="0">
-                <a:schemeClr val="accent1"/>
-              </a:effectRef>
-              <a:fontRef idx="minor">
+                  <a:latin typeface="Courier New" panose="02070309020205020404" pitchFamily="49" charset="0"/>
+                  <a:cs typeface="Courier New" panose="02070309020205020404" pitchFamily="49" charset="0"/>
+                </a:rPr>
+                <a:t>…</a:t>
+              </a:r>
+              <a:r>
+                <a:rPr lang="en-US" sz="2800" b="1" spc="600" dirty="0" smtClean="0">
+                  <a:solidFill>
+                    <a:schemeClr val="bg2">
+                      <a:lumMod val="75000"/>
+                    </a:schemeClr>
+                  </a:solidFill>
+                  <a:latin typeface="Courier New" panose="02070309020205020404" pitchFamily="49" charset="0"/>
+                  <a:cs typeface="Courier New" panose="02070309020205020404" pitchFamily="49" charset="0"/>
+                </a:rPr>
+                <a:t>CG</a:t>
+              </a:r>
+              <a:r>
+                <a:rPr lang="en-US" sz="2800" b="1" spc="600" dirty="0" smtClean="0">
+                  <a:solidFill>
+                    <a:sysClr val="windowText" lastClr="000000"/>
+                  </a:solidFill>
+                  <a:latin typeface="Courier New" panose="02070309020205020404" pitchFamily="49" charset="0"/>
+                  <a:cs typeface="Courier New" panose="02070309020205020404" pitchFamily="49" charset="0"/>
+                </a:rPr>
+                <a:t>ACTCCGTA</a:t>
+              </a:r>
+              <a:r>
+                <a:rPr lang="en-US" sz="2800" b="1" spc="600" dirty="0" smtClean="0">
+                  <a:solidFill>
+                    <a:schemeClr val="bg2">
+                      <a:lumMod val="75000"/>
+                    </a:schemeClr>
+                  </a:solidFill>
+                  <a:latin typeface="Courier New" panose="02070309020205020404" pitchFamily="49" charset="0"/>
+                  <a:cs typeface="Courier New" panose="02070309020205020404" pitchFamily="49" charset="0"/>
+                </a:rPr>
+                <a:t>TA</a:t>
+              </a:r>
+              <a:r>
+                <a:rPr lang="en-US" sz="2800" b="1" spc="600" dirty="0">
+                  <a:solidFill>
+                    <a:schemeClr val="bg2">
+                      <a:lumMod val="75000"/>
+                    </a:schemeClr>
+                  </a:solidFill>
+                  <a:latin typeface="Courier New" panose="02070309020205020404" pitchFamily="49" charset="0"/>
+                  <a:cs typeface="Courier New" panose="02070309020205020404" pitchFamily="49" charset="0"/>
+                </a:rPr>
+                <a:t>…</a:t>
+              </a:r>
+            </a:p>
+          </p:txBody>
+        </p:sp>
+        <p:sp>
+          <p:nvSpPr>
+            <p:cNvPr id="73" name="Rectangle 72"/>
+            <p:cNvSpPr/>
+            <p:nvPr/>
+          </p:nvSpPr>
+          <p:spPr>
+            <a:xfrm>
+              <a:off x="649114" y="523523"/>
+              <a:ext cx="2326640" cy="450835"/>
+            </a:xfrm>
+            <a:prstGeom prst="rect">
+              <a:avLst/>
+            </a:prstGeom>
+            <a:noFill/>
+            <a:ln w="38100">
+              <a:solidFill>
                 <a:schemeClr val="tx1"/>
-              </a:fontRef>
-            </p:style>
-          </p:cxnSp>
-          <p:cxnSp>
-            <p:nvCxnSpPr>
-              <p:cNvPr id="266" name="Straight Connector 265"/>
-              <p:cNvCxnSpPr/>
-              <p:nvPr/>
-            </p:nvCxnSpPr>
-            <p:spPr>
-              <a:xfrm>
-                <a:off x="2963288" y="980563"/>
-                <a:ext cx="672361" cy="1054546"/>
-              </a:xfrm>
-              <a:prstGeom prst="line">
-                <a:avLst/>
-              </a:prstGeom>
-              <a:ln w="12700">
-                <a:solidFill>
-                  <a:schemeClr val="tx1"/>
-                </a:solidFill>
-              </a:ln>
-            </p:spPr>
-            <p:style>
-              <a:lnRef idx="1">
-                <a:schemeClr val="accent1"/>
-              </a:lnRef>
-              <a:fillRef idx="0">
-                <a:schemeClr val="accent1"/>
-              </a:fillRef>
-              <a:effectRef idx="0">
-                <a:schemeClr val="accent1"/>
-              </a:effectRef>
-              <a:fontRef idx="minor">
-                <a:schemeClr val="tx1"/>
-              </a:fontRef>
-            </p:style>
-          </p:cxnSp>
-          <p:sp>
-            <p:nvSpPr>
-              <p:cNvPr id="267" name="Rectangle 266"/>
-              <p:cNvSpPr/>
-              <p:nvPr/>
-            </p:nvSpPr>
-            <p:spPr>
-              <a:xfrm>
-                <a:off x="3675345" y="1472184"/>
-                <a:ext cx="4572000" cy="606467"/>
-              </a:xfrm>
-              <a:prstGeom prst="rect">
-                <a:avLst/>
-              </a:prstGeom>
-              <a:noFill/>
-              <a:ln>
+              </a:solidFill>
+            </a:ln>
+          </p:spPr>
+          <p:style>
+            <a:lnRef idx="2">
+              <a:schemeClr val="accent1">
+                <a:shade val="50000"/>
+              </a:schemeClr>
+            </a:lnRef>
+            <a:fillRef idx="1">
+              <a:schemeClr val="accent1"/>
+            </a:fillRef>
+            <a:effectRef idx="0">
+              <a:schemeClr val="accent1"/>
+            </a:effectRef>
+            <a:fontRef idx="minor">
+              <a:schemeClr val="lt1"/>
+            </a:fontRef>
+          </p:style>
+          <p:txBody>
+            <a:bodyPr rtlCol="0" anchor="ctr"/>
+            <a:lstStyle/>
+            <a:p>
+              <a:pPr algn="ctr"/>
+              <a:endParaRPr lang="en-US" dirty="0"/>
+            </a:p>
+          </p:txBody>
+        </p:sp>
+        <p:cxnSp>
+          <p:nvCxnSpPr>
+            <p:cNvPr id="74" name="Straight Arrow Connector 73"/>
+            <p:cNvCxnSpPr/>
+            <p:nvPr/>
+          </p:nvCxnSpPr>
+          <p:spPr>
+            <a:xfrm>
+              <a:off x="2844108" y="455476"/>
+              <a:ext cx="901161" cy="3397"/>
+            </a:xfrm>
+            <a:prstGeom prst="straightConnector1">
+              <a:avLst/>
+            </a:prstGeom>
+            <a:ln w="57150">
+              <a:solidFill>
+                <a:srgbClr val="C00000"/>
+              </a:solidFill>
+              <a:tailEnd type="triangle"/>
+            </a:ln>
+          </p:spPr>
+          <p:style>
+            <a:lnRef idx="1">
+              <a:schemeClr val="accent1"/>
+            </a:lnRef>
+            <a:fillRef idx="0">
+              <a:schemeClr val="accent1"/>
+            </a:fillRef>
+            <a:effectRef idx="0">
+              <a:schemeClr val="accent1"/>
+            </a:effectRef>
+            <a:fontRef idx="minor">
+              <a:schemeClr val="tx1"/>
+            </a:fontRef>
+          </p:style>
+        </p:cxnSp>
+        <mc:AlternateContent xmlns:mc="http://schemas.openxmlformats.org/markup-compatibility/2006">
+          <mc:Choice xmlns:a14="http://schemas.microsoft.com/office/drawing/2010/main" Requires="a14">
+            <p:sp>
+              <p:nvSpPr>
+                <p:cNvPr id="30" name="Rectangle 29"/>
+                <p:cNvSpPr/>
+                <p:nvPr/>
+              </p:nvSpPr>
+              <p:spPr>
+                <a:xfrm>
+                  <a:off x="8355097" y="2348237"/>
+                  <a:ext cx="2761267" cy="1151875"/>
+                </a:xfrm>
+                <a:prstGeom prst="rect">
+                  <a:avLst/>
+                </a:prstGeom>
                 <a:noFill/>
-              </a:ln>
-            </p:spPr>
-            <p:style>
-              <a:lnRef idx="2">
-                <a:schemeClr val="accent1">
-                  <a:shade val="50000"/>
-                </a:schemeClr>
-              </a:lnRef>
-              <a:fillRef idx="1">
-                <a:schemeClr val="accent1"/>
-              </a:fillRef>
-              <a:effectRef idx="0">
-                <a:schemeClr val="accent1"/>
-              </a:effectRef>
-              <a:fontRef idx="minor">
-                <a:schemeClr val="lt1"/>
-              </a:fontRef>
-            </p:style>
-            <p:txBody>
-              <a:bodyPr rtlCol="0" anchor="ctr"/>
-              <a:lstStyle/>
-              <a:p>
-                <a:pPr algn="ctr"/>
-                <a:r>
-                  <a:rPr lang="en-US" sz="2400" dirty="0">
+                <a:ln>
+                  <a:solidFill>
+                    <a:schemeClr val="bg1"/>
+                  </a:solidFill>
+                </a:ln>
+              </p:spPr>
+              <p:style>
+                <a:lnRef idx="2">
+                  <a:schemeClr val="accent1">
+                    <a:shade val="50000"/>
+                  </a:schemeClr>
+                </a:lnRef>
+                <a:fillRef idx="1">
+                  <a:schemeClr val="accent1"/>
+                </a:fillRef>
+                <a:effectRef idx="0">
+                  <a:schemeClr val="accent1"/>
+                </a:effectRef>
+                <a:fontRef idx="minor">
+                  <a:schemeClr val="lt1"/>
+                </a:fontRef>
+              </p:style>
+              <p:txBody>
+                <a:bodyPr rtlCol="0" anchor="ctr"/>
+                <a:lstStyle/>
+                <a:p>
+                  <a:pPr algn="ctr"/>
+                  <a14:m>
+                    <m:oMathPara xmlns:m="http://schemas.openxmlformats.org/officeDocument/2006/math">
+                      <m:oMathParaPr>
+                        <m:jc m:val="centerGroup"/>
+                      </m:oMathParaPr>
+                      <m:oMath xmlns:m="http://schemas.openxmlformats.org/officeDocument/2006/math">
+                        <m:nary>
+                          <m:naryPr>
+                            <m:chr m:val="∑"/>
+                            <m:supHide m:val="on"/>
+                            <m:ctrlPr>
+                              <a:rPr lang="en-US" sz="2400" i="1" smtClean="0">
+                                <a:solidFill>
+                                  <a:schemeClr val="tx1"/>
+                                </a:solidFill>
+                                <a:latin typeface="Cambria Math" panose="02040503050406030204" pitchFamily="18" charset="0"/>
+                                <a:ea typeface="Cambria Math" panose="02040503050406030204" pitchFamily="18" charset="0"/>
+                              </a:rPr>
+                            </m:ctrlPr>
+                          </m:naryPr>
+                          <m:sub>
+                            <m:r>
+                              <m:rPr>
+                                <m:sty m:val="p"/>
+                              </m:rPr>
+                              <a:rPr lang="en-GB" sz="2400" b="0" i="0" smtClean="0">
+                                <a:solidFill>
+                                  <a:schemeClr val="tx1"/>
+                                </a:solidFill>
+                                <a:latin typeface="Cambria Math" panose="02040503050406030204" pitchFamily="18" charset="0"/>
+                                <a:ea typeface="Cambria Math" panose="02040503050406030204" pitchFamily="18" charset="0"/>
+                              </a:rPr>
+                              <m:t>i</m:t>
+                            </m:r>
+                            <m:r>
+                              <a:rPr lang="en-GB" sz="2400" b="0" i="0" smtClean="0">
+                                <a:solidFill>
+                                  <a:schemeClr val="tx1"/>
+                                </a:solidFill>
+                                <a:latin typeface="Cambria Math" panose="02040503050406030204" pitchFamily="18" charset="0"/>
+                                <a:ea typeface="Cambria Math" panose="02040503050406030204" pitchFamily="18" charset="0"/>
+                              </a:rPr>
+                              <m:t>,</m:t>
+                            </m:r>
+                            <m:r>
+                              <m:rPr>
+                                <m:sty m:val="p"/>
+                              </m:rPr>
+                              <a:rPr lang="en-GB" sz="2400">
+                                <a:solidFill>
+                                  <a:schemeClr val="tx1"/>
+                                </a:solidFill>
+                                <a:latin typeface="Cambria Math" panose="02040503050406030204" pitchFamily="18" charset="0"/>
+                                <a:ea typeface="Cambria Math" panose="02040503050406030204" pitchFamily="18" charset="0"/>
+                              </a:rPr>
+                              <m:t>j</m:t>
+                            </m:r>
+                          </m:sub>
+                          <m:sup/>
+                          <m:e>
+                            <m:nary>
+                              <m:naryPr>
+                                <m:chr m:val="∑"/>
+                                <m:supHide m:val="on"/>
+                                <m:ctrlPr>
+                                  <a:rPr lang="en-US" sz="2400" i="1">
+                                    <a:solidFill>
+                                      <a:schemeClr val="tx1"/>
+                                    </a:solidFill>
+                                    <a:latin typeface="Cambria Math" panose="02040503050406030204" pitchFamily="18" charset="0"/>
+                                    <a:ea typeface="Cambria Math" panose="02040503050406030204" pitchFamily="18" charset="0"/>
+                                  </a:rPr>
+                                </m:ctrlPr>
+                              </m:naryPr>
+                              <m:sub>
+                                <m:r>
+                                  <m:rPr>
+                                    <m:sty m:val="p"/>
+                                  </m:rPr>
+                                  <a:rPr lang="en-GB" sz="2400">
+                                    <a:solidFill>
+                                      <a:schemeClr val="tx1"/>
+                                    </a:solidFill>
+                                    <a:latin typeface="Cambria Math" panose="02040503050406030204" pitchFamily="18" charset="0"/>
+                                    <a:ea typeface="Cambria Math" panose="02040503050406030204" pitchFamily="18" charset="0"/>
+                                  </a:rPr>
+                                  <m:t>j</m:t>
+                                </m:r>
+                              </m:sub>
+                              <m:sup/>
+                              <m:e>
+                                <m:sSub>
+                                  <m:sSubPr>
+                                    <m:ctrlPr>
+                                      <a:rPr lang="en-US" sz="2400" b="0" i="1" smtClean="0">
+                                        <a:solidFill>
+                                          <a:schemeClr val="tx1"/>
+                                        </a:solidFill>
+                                        <a:latin typeface="Cambria Math" panose="02040503050406030204" pitchFamily="18" charset="0"/>
+                                        <a:ea typeface="Cambria Math" panose="02040503050406030204" pitchFamily="18" charset="0"/>
+                                      </a:rPr>
+                                    </m:ctrlPr>
+                                  </m:sSubPr>
+                                  <m:e>
+                                    <m:r>
+                                      <a:rPr lang="en-US" sz="2400" b="0" i="1" smtClean="0">
+                                        <a:solidFill>
+                                          <a:schemeClr val="tx1"/>
+                                        </a:solidFill>
+                                        <a:latin typeface="Cambria Math" panose="02040503050406030204" pitchFamily="18" charset="0"/>
+                                        <a:ea typeface="Cambria Math" panose="02040503050406030204" pitchFamily="18" charset="0"/>
+                                      </a:rPr>
+                                      <m:t>𝐻</m:t>
+                                    </m:r>
+                                  </m:e>
+                                  <m:sub>
+                                    <m:r>
+                                      <a:rPr lang="en-US" sz="2400" b="0" i="1" smtClean="0">
+                                        <a:solidFill>
+                                          <a:schemeClr val="tx1"/>
+                                        </a:solidFill>
+                                        <a:latin typeface="Cambria Math" panose="02040503050406030204" pitchFamily="18" charset="0"/>
+                                        <a:ea typeface="Cambria Math" panose="02040503050406030204" pitchFamily="18" charset="0"/>
+                                      </a:rPr>
+                                      <m:t>𝑖</m:t>
+                                    </m:r>
+                                    <m:r>
+                                      <a:rPr lang="en-US" sz="2400" b="0" i="1" smtClean="0">
+                                        <a:solidFill>
+                                          <a:schemeClr val="tx1"/>
+                                        </a:solidFill>
+                                        <a:latin typeface="Cambria Math" panose="02040503050406030204" pitchFamily="18" charset="0"/>
+                                        <a:ea typeface="Cambria Math" panose="02040503050406030204" pitchFamily="18" charset="0"/>
+                                      </a:rPr>
+                                      <m:t>,</m:t>
+                                    </m:r>
+                                    <m:r>
+                                      <a:rPr lang="en-US" sz="2400" b="0" i="1" smtClean="0">
+                                        <a:solidFill>
+                                          <a:schemeClr val="tx1"/>
+                                        </a:solidFill>
+                                        <a:latin typeface="Cambria Math" panose="02040503050406030204" pitchFamily="18" charset="0"/>
+                                        <a:ea typeface="Cambria Math" panose="02040503050406030204" pitchFamily="18" charset="0"/>
+                                      </a:rPr>
+                                      <m:t>𝑗</m:t>
+                                    </m:r>
+                                  </m:sub>
+                                </m:sSub>
+                              </m:e>
+                            </m:nary>
+                            <m:r>
+                              <a:rPr lang="en-US" sz="2400" b="0" i="1" smtClean="0">
+                                <a:solidFill>
+                                  <a:schemeClr val="tx1"/>
+                                </a:solidFill>
+                                <a:latin typeface="Cambria Math" panose="02040503050406030204" pitchFamily="18" charset="0"/>
+                                <a:ea typeface="Cambria Math" panose="02040503050406030204" pitchFamily="18" charset="0"/>
+                              </a:rPr>
+                              <m:t>⋅</m:t>
+                            </m:r>
+                            <m:sSub>
+                              <m:sSubPr>
+                                <m:ctrlPr>
+                                  <a:rPr lang="en-US" sz="2400" b="0" i="1" smtClean="0">
+                                    <a:solidFill>
+                                      <a:schemeClr val="tx1"/>
+                                    </a:solidFill>
+                                    <a:latin typeface="Cambria Math" panose="02040503050406030204" pitchFamily="18" charset="0"/>
+                                    <a:ea typeface="Cambria Math" panose="02040503050406030204" pitchFamily="18" charset="0"/>
+                                  </a:rPr>
+                                </m:ctrlPr>
+                              </m:sSubPr>
+                              <m:e>
+                                <m:r>
+                                  <a:rPr lang="en-US" sz="2400" b="0" i="1" smtClean="0">
+                                    <a:solidFill>
+                                      <a:schemeClr val="tx1"/>
+                                    </a:solidFill>
+                                    <a:latin typeface="Cambria Math" panose="02040503050406030204" pitchFamily="18" charset="0"/>
+                                    <a:ea typeface="Cambria Math" panose="02040503050406030204" pitchFamily="18" charset="0"/>
+                                  </a:rPr>
+                                  <m:t>𝑀</m:t>
+                                </m:r>
+                              </m:e>
+                              <m:sub>
+                                <m:r>
+                                  <a:rPr lang="en-US" sz="2400" b="0" i="1" smtClean="0">
+                                    <a:solidFill>
+                                      <a:schemeClr val="tx1"/>
+                                    </a:solidFill>
+                                    <a:latin typeface="Cambria Math" panose="02040503050406030204" pitchFamily="18" charset="0"/>
+                                    <a:ea typeface="Cambria Math" panose="02040503050406030204" pitchFamily="18" charset="0"/>
+                                  </a:rPr>
+                                  <m:t>𝑖</m:t>
+                                </m:r>
+                                <m:r>
+                                  <a:rPr lang="en-US" sz="2400" b="0" i="1" smtClean="0">
+                                    <a:solidFill>
+                                      <a:schemeClr val="tx1"/>
+                                    </a:solidFill>
+                                    <a:latin typeface="Cambria Math" panose="02040503050406030204" pitchFamily="18" charset="0"/>
+                                    <a:ea typeface="Cambria Math" panose="02040503050406030204" pitchFamily="18" charset="0"/>
+                                  </a:rPr>
+                                  <m:t>,</m:t>
+                                </m:r>
+                                <m:r>
+                                  <a:rPr lang="en-US" sz="2400" b="0" i="1" smtClean="0">
+                                    <a:solidFill>
+                                      <a:schemeClr val="tx1"/>
+                                    </a:solidFill>
+                                    <a:latin typeface="Cambria Math" panose="02040503050406030204" pitchFamily="18" charset="0"/>
+                                    <a:ea typeface="Cambria Math" panose="02040503050406030204" pitchFamily="18" charset="0"/>
+                                  </a:rPr>
+                                  <m:t>𝑗</m:t>
+                                </m:r>
+                              </m:sub>
+                            </m:sSub>
+                          </m:e>
+                        </m:nary>
+                      </m:oMath>
+                    </m:oMathPara>
+                  </a14:m>
+                  <a:endParaRPr lang="en-US" sz="2400" dirty="0">
                     <a:solidFill>
                       <a:schemeClr val="tx1"/>
                     </a:solidFill>
                     <a:latin typeface="Cambria Math" panose="02040503050406030204" pitchFamily="18" charset="0"/>
                     <a:ea typeface="Cambria Math" panose="02040503050406030204" pitchFamily="18" charset="0"/>
-                  </a:rPr>
-                  <a:t>PWM</a:t>
-                </a:r>
-              </a:p>
-            </p:txBody>
-          </p:sp>
-          <p:sp>
-            <p:nvSpPr>
-              <p:cNvPr id="61" name="Rectangle 60"/>
-              <p:cNvSpPr/>
-              <p:nvPr/>
-            </p:nvSpPr>
-            <p:spPr>
-              <a:xfrm>
-                <a:off x="7849587" y="1472184"/>
-                <a:ext cx="4572000" cy="606467"/>
-              </a:xfrm>
-              <a:prstGeom prst="rect">
-                <a:avLst/>
-              </a:prstGeom>
+                  </a:endParaRPr>
+                </a:p>
+              </p:txBody>
+            </p:sp>
+          </mc:Choice>
+          <mc:Fallback>
+            <p:sp>
+              <p:nvSpPr>
+                <p:cNvPr id="30" name="Rectangle 29"/>
+                <p:cNvSpPr>
+                  <a:spLocks noRot="1" noChangeAspect="1" noMove="1" noResize="1" noEditPoints="1" noAdjustHandles="1" noChangeArrowheads="1" noChangeShapeType="1" noTextEdit="1"/>
+                </p:cNvSpPr>
+                <p:nvPr/>
+              </p:nvSpPr>
+              <p:spPr>
+                <a:xfrm>
+                  <a:off x="8355097" y="2348237"/>
+                  <a:ext cx="2761267" cy="1151875"/>
+                </a:xfrm>
+                <a:prstGeom prst="rect">
+                  <a:avLst/>
+                </a:prstGeom>
+                <a:blipFill rotWithShape="0">
+                  <a:blip r:embed="rId2"/>
+                  <a:stretch>
+                    <a:fillRect/>
+                  </a:stretch>
+                </a:blipFill>
+                <a:ln>
+                  <a:solidFill>
+                    <a:schemeClr val="bg1"/>
+                  </a:solidFill>
+                </a:ln>
+              </p:spPr>
+              <p:txBody>
+                <a:bodyPr/>
+                <a:lstStyle/>
+                <a:p>
+                  <a:r>
+                    <a:rPr lang="en-US">
+                      <a:noFill/>
+                    </a:rPr>
+                    <a:t> </a:t>
+                  </a:r>
+                </a:p>
+              </p:txBody>
+            </p:sp>
+          </mc:Fallback>
+        </mc:AlternateContent>
+        <p:sp>
+          <p:nvSpPr>
+            <p:cNvPr id="31" name="Bent-Up Arrow 30"/>
+            <p:cNvSpPr/>
+            <p:nvPr/>
+          </p:nvSpPr>
+          <p:spPr>
+            <a:xfrm rot="5400000" flipV="1">
+              <a:off x="8787730" y="4055005"/>
+              <a:ext cx="801064" cy="1094938"/>
+            </a:xfrm>
+            <a:prstGeom prst="bentUpArrow">
+              <a:avLst>
+                <a:gd name="adj1" fmla="val 22965"/>
+                <a:gd name="adj2" fmla="val 25000"/>
+                <a:gd name="adj3" fmla="val 25000"/>
+              </a:avLst>
+            </a:prstGeom>
+            <a:solidFill>
+              <a:schemeClr val="tx1"/>
+            </a:solidFill>
+            <a:ln>
+              <a:solidFill>
+                <a:schemeClr val="tx1"/>
+              </a:solidFill>
+            </a:ln>
+          </p:spPr>
+          <p:style>
+            <a:lnRef idx="2">
+              <a:schemeClr val="accent1">
+                <a:shade val="50000"/>
+              </a:schemeClr>
+            </a:lnRef>
+            <a:fillRef idx="1">
+              <a:schemeClr val="accent1"/>
+            </a:fillRef>
+            <a:effectRef idx="0">
+              <a:schemeClr val="accent1"/>
+            </a:effectRef>
+            <a:fontRef idx="minor">
+              <a:schemeClr val="lt1"/>
+            </a:fontRef>
+          </p:style>
+          <p:txBody>
+            <a:bodyPr rtlCol="0" anchor="ctr"/>
+            <a:lstStyle/>
+            <a:p>
+              <a:pPr algn="ctr"/>
+              <a:endParaRPr lang="en-US" dirty="0"/>
+            </a:p>
+          </p:txBody>
+        </p:sp>
+        <p:pic>
+          <p:nvPicPr>
+            <p:cNvPr id="36" name="Picture 35"/>
+            <p:cNvPicPr>
+              <a:picLocks noChangeAspect="1"/>
+            </p:cNvPicPr>
+            <p:nvPr/>
+          </p:nvPicPr>
+          <p:blipFill rotWithShape="1">
+            <a:blip r:embed="rId3"/>
+            <a:srcRect l="12750" t="16058" r="16917" b="16369"/>
+            <a:stretch/>
+          </p:blipFill>
+          <p:spPr>
+            <a:xfrm>
+              <a:off x="5225644" y="3888252"/>
+              <a:ext cx="3043716" cy="1281349"/>
+            </a:xfrm>
+            <a:prstGeom prst="rect">
+              <a:avLst/>
+            </a:prstGeom>
+          </p:spPr>
+        </p:pic>
+        <p:sp>
+          <p:nvSpPr>
+            <p:cNvPr id="37" name="Rectangle 36"/>
+            <p:cNvSpPr/>
+            <p:nvPr/>
+          </p:nvSpPr>
+          <p:spPr>
+            <a:xfrm>
+              <a:off x="5360803" y="5117845"/>
+              <a:ext cx="2855768" cy="653947"/>
+            </a:xfrm>
+            <a:prstGeom prst="rect">
+              <a:avLst/>
+            </a:prstGeom>
+            <a:noFill/>
+            <a:ln>
               <a:noFill/>
-              <a:ln>
-                <a:noFill/>
-              </a:ln>
-            </p:spPr>
-            <p:style>
-              <a:lnRef idx="2">
-                <a:schemeClr val="accent1">
-                  <a:shade val="50000"/>
-                </a:schemeClr>
-              </a:lnRef>
-              <a:fillRef idx="1">
-                <a:schemeClr val="accent1"/>
-              </a:fillRef>
-              <a:effectRef idx="0">
-                <a:schemeClr val="accent1"/>
-              </a:effectRef>
-              <a:fontRef idx="minor">
-                <a:schemeClr val="lt1"/>
-              </a:fontRef>
-            </p:style>
-            <p:txBody>
-              <a:bodyPr rtlCol="0" anchor="ctr"/>
-              <a:lstStyle/>
-              <a:p>
-                <a:pPr algn="ctr"/>
-                <a:r>
-                  <a:rPr lang="en-US" sz="2400" dirty="0">
-                    <a:solidFill>
-                      <a:schemeClr val="tx1"/>
-                    </a:solidFill>
-                    <a:latin typeface="Cambria Math" panose="02040503050406030204" pitchFamily="18" charset="0"/>
-                    <a:ea typeface="Cambria Math" panose="02040503050406030204" pitchFamily="18" charset="0"/>
-                  </a:rPr>
-                  <a:t>M</a:t>
-                </a:r>
-              </a:p>
-            </p:txBody>
-          </p:sp>
-          <p:sp>
-            <p:nvSpPr>
-              <p:cNvPr id="72" name="Rectangle 71"/>
-              <p:cNvSpPr/>
-              <p:nvPr/>
-            </p:nvSpPr>
-            <p:spPr>
-              <a:xfrm>
-                <a:off x="-448166" y="445072"/>
-                <a:ext cx="4572000" cy="606467"/>
-              </a:xfrm>
-              <a:prstGeom prst="rect">
-                <a:avLst/>
-              </a:prstGeom>
+            </a:ln>
+          </p:spPr>
+          <p:style>
+            <a:lnRef idx="2">
+              <a:schemeClr val="accent1">
+                <a:shade val="50000"/>
+              </a:schemeClr>
+            </a:lnRef>
+            <a:fillRef idx="1">
+              <a:schemeClr val="accent1"/>
+            </a:fillRef>
+            <a:effectRef idx="0">
+              <a:schemeClr val="accent1"/>
+            </a:effectRef>
+            <a:fontRef idx="minor">
+              <a:schemeClr val="lt1"/>
+            </a:fontRef>
+          </p:style>
+          <p:txBody>
+            <a:bodyPr rtlCol="0" anchor="ctr"/>
+            <a:lstStyle/>
+            <a:p>
+              <a:pPr algn="ctr"/>
+              <a:r>
+                <a:rPr lang="en-US" sz="2000" dirty="0">
+                  <a:solidFill>
+                    <a:schemeClr val="tx1"/>
+                  </a:solidFill>
+                  <a:latin typeface="Cambria Math" panose="02040503050406030204" pitchFamily="18" charset="0"/>
+                  <a:ea typeface="Cambria Math" panose="02040503050406030204" pitchFamily="18" charset="0"/>
+                </a:rPr>
+                <a:t>Location in sequence</a:t>
+              </a:r>
+            </a:p>
+          </p:txBody>
+        </p:sp>
+        <p:sp>
+          <p:nvSpPr>
+            <p:cNvPr id="92" name="Rectangle 91"/>
+            <p:cNvSpPr/>
+            <p:nvPr/>
+          </p:nvSpPr>
+          <p:spPr>
+            <a:xfrm>
+              <a:off x="3436019" y="4528926"/>
+              <a:ext cx="1745889" cy="575616"/>
+            </a:xfrm>
+            <a:prstGeom prst="rect">
+              <a:avLst/>
+            </a:prstGeom>
+            <a:noFill/>
+            <a:ln>
               <a:noFill/>
-              <a:ln>
-                <a:noFill/>
-              </a:ln>
-            </p:spPr>
-            <p:style>
-              <a:lnRef idx="2">
-                <a:schemeClr val="accent1">
-                  <a:shade val="50000"/>
-                </a:schemeClr>
-              </a:lnRef>
-              <a:fillRef idx="1">
-                <a:schemeClr val="accent1"/>
-              </a:fillRef>
-              <a:effectRef idx="0">
-                <a:schemeClr val="accent1"/>
-              </a:effectRef>
-              <a:fontRef idx="minor">
-                <a:schemeClr val="lt1"/>
-              </a:fontRef>
-            </p:style>
-            <p:txBody>
-              <a:bodyPr rtlCol="0" anchor="ctr"/>
-              <a:lstStyle/>
-              <a:p>
-                <a:pPr algn="ctr"/>
-                <a:r>
-                  <a:rPr lang="en-US" sz="2800" b="1" spc="600">
-                    <a:solidFill>
-                      <a:schemeClr val="bg2">
-                        <a:lumMod val="75000"/>
-                      </a:schemeClr>
-                    </a:solidFill>
-                    <a:latin typeface="Courier New" panose="02070309020205020404" pitchFamily="49" charset="0"/>
-                    <a:cs typeface="Courier New" panose="02070309020205020404" pitchFamily="49" charset="0"/>
-                  </a:rPr>
-                  <a:t>…</a:t>
-                </a:r>
-                <a:r>
-                  <a:rPr lang="en-US" sz="2800" b="1" spc="600" smtClean="0">
-                    <a:solidFill>
-                      <a:schemeClr val="bg2">
-                        <a:lumMod val="75000"/>
-                      </a:schemeClr>
-                    </a:solidFill>
-                    <a:latin typeface="Courier New" panose="02070309020205020404" pitchFamily="49" charset="0"/>
-                    <a:cs typeface="Courier New" panose="02070309020205020404" pitchFamily="49" charset="0"/>
-                  </a:rPr>
-                  <a:t>CG</a:t>
-                </a:r>
-                <a:r>
-                  <a:rPr lang="en-US" sz="2800" b="1" spc="600" smtClean="0">
-                    <a:solidFill>
-                      <a:sysClr val="windowText" lastClr="000000"/>
-                    </a:solidFill>
-                    <a:latin typeface="Courier New" panose="02070309020205020404" pitchFamily="49" charset="0"/>
-                    <a:cs typeface="Courier New" panose="02070309020205020404" pitchFamily="49" charset="0"/>
-                  </a:rPr>
-                  <a:t>ACTCCGTA</a:t>
-                </a:r>
-                <a:r>
-                  <a:rPr lang="en-US" sz="2800" b="1" spc="600" smtClean="0">
-                    <a:solidFill>
-                      <a:schemeClr val="bg2">
-                        <a:lumMod val="75000"/>
-                      </a:schemeClr>
-                    </a:solidFill>
-                    <a:latin typeface="Courier New" panose="02070309020205020404" pitchFamily="49" charset="0"/>
-                    <a:cs typeface="Courier New" panose="02070309020205020404" pitchFamily="49" charset="0"/>
-                  </a:rPr>
-                  <a:t>TA</a:t>
-                </a:r>
-                <a:r>
-                  <a:rPr lang="en-US" sz="2800" b="1" spc="600" dirty="0">
-                    <a:solidFill>
-                      <a:schemeClr val="bg2">
-                        <a:lumMod val="75000"/>
-                      </a:schemeClr>
-                    </a:solidFill>
-                    <a:latin typeface="Courier New" panose="02070309020205020404" pitchFamily="49" charset="0"/>
-                    <a:cs typeface="Courier New" panose="02070309020205020404" pitchFamily="49" charset="0"/>
-                  </a:rPr>
-                  <a:t>…</a:t>
-                </a:r>
-              </a:p>
-            </p:txBody>
-          </p:sp>
-          <p:sp>
-            <p:nvSpPr>
-              <p:cNvPr id="73" name="Rectangle 72"/>
-              <p:cNvSpPr/>
-              <p:nvPr/>
-            </p:nvSpPr>
-            <p:spPr>
-              <a:xfrm>
-                <a:off x="638954" y="525428"/>
-                <a:ext cx="2326640" cy="450835"/>
-              </a:xfrm>
-              <a:prstGeom prst="rect">
-                <a:avLst/>
-              </a:prstGeom>
+            </a:ln>
+          </p:spPr>
+          <p:style>
+            <a:lnRef idx="2">
+              <a:schemeClr val="accent1">
+                <a:shade val="50000"/>
+              </a:schemeClr>
+            </a:lnRef>
+            <a:fillRef idx="1">
+              <a:schemeClr val="accent1"/>
+            </a:fillRef>
+            <a:effectRef idx="0">
+              <a:schemeClr val="accent1"/>
+            </a:effectRef>
+            <a:fontRef idx="minor">
+              <a:schemeClr val="lt1"/>
+            </a:fontRef>
+          </p:style>
+          <p:txBody>
+            <a:bodyPr rtlCol="0" anchor="ctr"/>
+            <a:lstStyle/>
+            <a:p>
+              <a:pPr algn="ctr"/>
+              <a:r>
+                <a:rPr lang="en-US" sz="2000" dirty="0">
+                  <a:solidFill>
+                    <a:schemeClr val="tx1"/>
+                  </a:solidFill>
+                  <a:latin typeface="Cambria Math" panose="02040503050406030204" pitchFamily="18" charset="0"/>
+                  <a:ea typeface="Cambria Math" panose="02040503050406030204" pitchFamily="18" charset="0"/>
+                </a:rPr>
+                <a:t>Log likelihood of TF binding</a:t>
+              </a:r>
+            </a:p>
+          </p:txBody>
+        </p:sp>
+        <p:sp>
+          <p:nvSpPr>
+            <p:cNvPr id="24" name="Rectangle 23"/>
+            <p:cNvSpPr/>
+            <p:nvPr/>
+          </p:nvSpPr>
+          <p:spPr>
+            <a:xfrm>
+              <a:off x="497509" y="1538367"/>
+              <a:ext cx="3683296" cy="575616"/>
+            </a:xfrm>
+            <a:prstGeom prst="rect">
+              <a:avLst/>
+            </a:prstGeom>
+            <a:noFill/>
+            <a:ln>
               <a:noFill/>
-              <a:ln w="38100">
+            </a:ln>
+          </p:spPr>
+          <p:style>
+            <a:lnRef idx="2">
+              <a:schemeClr val="accent1">
+                <a:shade val="50000"/>
+              </a:schemeClr>
+            </a:lnRef>
+            <a:fillRef idx="1">
+              <a:schemeClr val="accent1"/>
+            </a:fillRef>
+            <a:effectRef idx="0">
+              <a:schemeClr val="accent1"/>
+            </a:effectRef>
+            <a:fontRef idx="minor">
+              <a:schemeClr val="lt1"/>
+            </a:fontRef>
+          </p:style>
+          <p:txBody>
+            <a:bodyPr rtlCol="0" anchor="ctr"/>
+            <a:lstStyle/>
+            <a:p>
+              <a:pPr algn="ctr"/>
+              <a:endParaRPr lang="en-US" sz="2800" dirty="0">
+                <a:ln w="0"/>
+                <a:solidFill>
+                  <a:schemeClr val="accent1"/>
+                </a:solidFill>
+                <a:effectLst>
+                  <a:outerShdw blurRad="38100" dist="25400" dir="5400000" algn="ctr" rotWithShape="0">
+                    <a:srgbClr val="6E747A">
+                      <a:alpha val="43000"/>
+                    </a:srgbClr>
+                  </a:outerShdw>
+                </a:effectLst>
+                <a:latin typeface="Courier New" panose="02070309020205020404" pitchFamily="49" charset="0"/>
+                <a:cs typeface="Courier New" panose="02070309020205020404" pitchFamily="49" charset="0"/>
+              </a:endParaRPr>
+            </a:p>
+          </p:txBody>
+        </p:sp>
+        <p:sp>
+          <p:nvSpPr>
+            <p:cNvPr id="25" name="Rectangle 24"/>
+            <p:cNvSpPr/>
+            <p:nvPr/>
+          </p:nvSpPr>
+          <p:spPr>
+            <a:xfrm>
+              <a:off x="-438006" y="1470279"/>
+              <a:ext cx="4572000" cy="606467"/>
+            </a:xfrm>
+            <a:prstGeom prst="rect">
+              <a:avLst/>
+            </a:prstGeom>
+            <a:noFill/>
+            <a:ln>
+              <a:noFill/>
+            </a:ln>
+          </p:spPr>
+          <p:style>
+            <a:lnRef idx="2">
+              <a:schemeClr val="accent1">
+                <a:shade val="50000"/>
+              </a:schemeClr>
+            </a:lnRef>
+            <a:fillRef idx="1">
+              <a:schemeClr val="accent1"/>
+            </a:fillRef>
+            <a:effectRef idx="0">
+              <a:schemeClr val="accent1"/>
+            </a:effectRef>
+            <a:fontRef idx="minor">
+              <a:schemeClr val="lt1"/>
+            </a:fontRef>
+          </p:style>
+          <p:txBody>
+            <a:bodyPr rtlCol="0" anchor="ctr"/>
+            <a:lstStyle/>
+            <a:p>
+              <a:pPr algn="ctr"/>
+              <a:r>
+                <a:rPr lang="en-US" sz="2400" dirty="0">
+                  <a:solidFill>
+                    <a:schemeClr val="tx1"/>
+                  </a:solidFill>
+                  <a:latin typeface="Cambria Math" panose="02040503050406030204" pitchFamily="18" charset="0"/>
+                  <a:ea typeface="Cambria Math" panose="02040503050406030204" pitchFamily="18" charset="0"/>
+                </a:rPr>
+                <a:t>One-hot </a:t>
+              </a:r>
+              <a:r>
+                <a:rPr lang="en-US" sz="2400" dirty="0" smtClean="0">
+                  <a:solidFill>
+                    <a:schemeClr val="tx1"/>
+                  </a:solidFill>
+                  <a:latin typeface="Cambria Math" panose="02040503050406030204" pitchFamily="18" charset="0"/>
+                  <a:ea typeface="Cambria Math" panose="02040503050406030204" pitchFamily="18" charset="0"/>
+                </a:rPr>
+                <a:t>encoding (H)</a:t>
+              </a:r>
+              <a:endParaRPr lang="en-US" sz="2400" dirty="0">
                 <a:solidFill>
                   <a:schemeClr val="tx1"/>
                 </a:solidFill>
-              </a:ln>
-            </p:spPr>
-            <p:style>
-              <a:lnRef idx="2">
-                <a:schemeClr val="accent1">
-                  <a:shade val="50000"/>
-                </a:schemeClr>
-              </a:lnRef>
-              <a:fillRef idx="1">
-                <a:schemeClr val="accent1"/>
-              </a:fillRef>
-              <a:effectRef idx="0">
-                <a:schemeClr val="accent1"/>
-              </a:effectRef>
-              <a:fontRef idx="minor">
-                <a:schemeClr val="lt1"/>
-              </a:fontRef>
-            </p:style>
-            <p:txBody>
-              <a:bodyPr rtlCol="0" anchor="ctr"/>
-              <a:lstStyle/>
-              <a:p>
-                <a:pPr algn="ctr"/>
-                <a:endParaRPr lang="en-US" dirty="0"/>
-              </a:p>
-            </p:txBody>
-          </p:sp>
-          <p:cxnSp>
-            <p:nvCxnSpPr>
-              <p:cNvPr id="74" name="Straight Arrow Connector 73"/>
-              <p:cNvCxnSpPr/>
-              <p:nvPr/>
-            </p:nvCxnSpPr>
-            <p:spPr>
-              <a:xfrm>
-                <a:off x="2833948" y="457381"/>
-                <a:ext cx="901161" cy="3397"/>
-              </a:xfrm>
-              <a:prstGeom prst="straightConnector1">
-                <a:avLst/>
-              </a:prstGeom>
-              <a:ln w="57150">
-                <a:solidFill>
-                  <a:srgbClr val="C00000"/>
-                </a:solidFill>
-                <a:tailEnd type="triangle"/>
-              </a:ln>
-            </p:spPr>
-            <p:style>
-              <a:lnRef idx="1">
-                <a:schemeClr val="accent1"/>
-              </a:lnRef>
-              <a:fillRef idx="0">
-                <a:schemeClr val="accent1"/>
-              </a:fillRef>
-              <a:effectRef idx="0">
-                <a:schemeClr val="accent1"/>
-              </a:effectRef>
-              <a:fontRef idx="minor">
-                <a:schemeClr val="tx1"/>
-              </a:fontRef>
-            </p:style>
-          </p:cxnSp>
-          <mc:AlternateContent xmlns:mc="http://schemas.openxmlformats.org/markup-compatibility/2006">
-            <mc:Choice xmlns:a14="http://schemas.microsoft.com/office/drawing/2010/main" Requires="a14">
-              <p:sp>
-                <p:nvSpPr>
-                  <p:cNvPr id="30" name="Rectangle 29"/>
-                  <p:cNvSpPr/>
-                  <p:nvPr/>
-                </p:nvSpPr>
-                <p:spPr>
-                  <a:xfrm>
-                    <a:off x="7045673" y="4219372"/>
-                    <a:ext cx="2761267" cy="1151875"/>
-                  </a:xfrm>
-                  <a:prstGeom prst="rect">
-                    <a:avLst/>
-                  </a:prstGeom>
-                  <a:noFill/>
-                  <a:ln>
-                    <a:solidFill>
-                      <a:schemeClr val="bg1"/>
-                    </a:solidFill>
-                  </a:ln>
-                </p:spPr>
-                <p:style>
-                  <a:lnRef idx="2">
-                    <a:schemeClr val="accent1">
-                      <a:shade val="50000"/>
-                    </a:schemeClr>
-                  </a:lnRef>
-                  <a:fillRef idx="1">
-                    <a:schemeClr val="accent1"/>
-                  </a:fillRef>
-                  <a:effectRef idx="0">
-                    <a:schemeClr val="accent1"/>
-                  </a:effectRef>
-                  <a:fontRef idx="minor">
-                    <a:schemeClr val="lt1"/>
-                  </a:fontRef>
-                </p:style>
-                <p:txBody>
-                  <a:bodyPr rtlCol="0" anchor="ctr"/>
-                  <a:lstStyle/>
-                  <a:p>
-                    <a:pPr algn="ctr"/>
-                    <a14:m>
-                      <m:oMathPara xmlns:m="http://schemas.openxmlformats.org/officeDocument/2006/math">
-                        <m:oMathParaPr>
-                          <m:jc m:val="centerGroup"/>
-                        </m:oMathParaPr>
-                        <m:oMath xmlns:m="http://schemas.openxmlformats.org/officeDocument/2006/math">
-                          <m:nary>
-                            <m:naryPr>
-                              <m:chr m:val="∑"/>
-                              <m:supHide m:val="on"/>
-                              <m:ctrlPr>
-                                <a:rPr lang="en-US" sz="2400" i="1" smtClean="0">
-                                  <a:solidFill>
-                                    <a:schemeClr val="tx1"/>
-                                  </a:solidFill>
-                                  <a:latin typeface="Cambria Math" panose="02040503050406030204" pitchFamily="18" charset="0"/>
-                                  <a:ea typeface="Cambria Math" panose="02040503050406030204" pitchFamily="18" charset="0"/>
-                                </a:rPr>
-                              </m:ctrlPr>
-                            </m:naryPr>
-                            <m:sub>
-                              <m:r>
-                                <m:rPr>
-                                  <m:sty m:val="p"/>
-                                </m:rPr>
-                                <a:rPr lang="en-GB" sz="2400" b="0" i="0" smtClean="0">
-                                  <a:solidFill>
-                                    <a:schemeClr val="tx1"/>
-                                  </a:solidFill>
-                                  <a:latin typeface="Cambria Math" panose="02040503050406030204" pitchFamily="18" charset="0"/>
-                                  <a:ea typeface="Cambria Math" panose="02040503050406030204" pitchFamily="18" charset="0"/>
-                                </a:rPr>
-                                <m:t>j</m:t>
-                              </m:r>
-                            </m:sub>
-                            <m:sup/>
-                            <m:e>
-                              <m:r>
-                                <m:rPr>
-                                  <m:sty m:val="p"/>
-                                </m:rPr>
-                                <a:rPr lang="en-US" sz="2400" smtClean="0">
-                                  <a:solidFill>
-                                    <a:schemeClr val="tx1"/>
-                                  </a:solidFill>
-                                  <a:latin typeface="Cambria Math" panose="02040503050406030204" pitchFamily="18" charset="0"/>
-                                  <a:ea typeface="Cambria Math" panose="02040503050406030204" pitchFamily="18" charset="0"/>
-                                </a:rPr>
-                                <m:t>log</m:t>
-                              </m:r>
-                              <m:r>
-                                <a:rPr lang="en-US" sz="2400" smtClean="0">
-                                  <a:solidFill>
-                                    <a:schemeClr val="tx1"/>
-                                  </a:solidFill>
-                                  <a:latin typeface="Cambria Math" panose="02040503050406030204" pitchFamily="18" charset="0"/>
-                                  <a:ea typeface="Cambria Math" panose="02040503050406030204" pitchFamily="18" charset="0"/>
-                                </a:rPr>
-                                <m:t>⁡</m:t>
-                              </m:r>
-                              <m:d>
-                                <m:dPr>
-                                  <m:ctrlPr>
-                                    <a:rPr lang="en-US" sz="2400" i="1">
-                                      <a:solidFill>
-                                        <a:schemeClr val="tx1"/>
-                                      </a:solidFill>
-                                      <a:latin typeface="Cambria Math" panose="02040503050406030204" pitchFamily="18" charset="0"/>
-                                      <a:ea typeface="Cambria Math" panose="02040503050406030204" pitchFamily="18" charset="0"/>
-                                    </a:rPr>
-                                  </m:ctrlPr>
-                                </m:dPr>
-                                <m:e>
-                                  <m:func>
-                                    <m:funcPr>
-                                      <m:ctrlPr>
-                                        <a:rPr lang="en-GB" sz="2400" b="0" i="0" smtClean="0">
-                                          <a:solidFill>
-                                            <a:schemeClr val="tx1"/>
-                                          </a:solidFill>
-                                          <a:latin typeface="Cambria Math" panose="02040503050406030204" pitchFamily="18" charset="0"/>
-                                          <a:ea typeface="Cambria Math" panose="02040503050406030204" pitchFamily="18" charset="0"/>
-                                        </a:rPr>
-                                      </m:ctrlPr>
-                                    </m:funcPr>
-                                    <m:fName>
-                                      <m:limLow>
-                                        <m:limLowPr>
-                                          <m:ctrlPr>
-                                            <a:rPr lang="en-GB" sz="2400" b="0" i="0" smtClean="0">
-                                              <a:solidFill>
-                                                <a:schemeClr val="tx1"/>
-                                              </a:solidFill>
-                                              <a:latin typeface="Cambria Math" panose="02040503050406030204" pitchFamily="18" charset="0"/>
-                                              <a:ea typeface="Cambria Math" panose="02040503050406030204" pitchFamily="18" charset="0"/>
-                                            </a:rPr>
-                                          </m:ctrlPr>
-                                        </m:limLowPr>
-                                        <m:e>
-                                          <m:r>
-                                            <m:rPr>
-                                              <m:sty m:val="p"/>
-                                            </m:rPr>
-                                            <a:rPr lang="en-US" sz="2400">
-                                              <a:solidFill>
-                                                <a:schemeClr val="tx1"/>
-                                              </a:solidFill>
-                                              <a:latin typeface="Cambria Math" panose="02040503050406030204" pitchFamily="18" charset="0"/>
-                                              <a:ea typeface="Cambria Math" panose="02040503050406030204" pitchFamily="18" charset="0"/>
-                                            </a:rPr>
-                                            <m:t>max</m:t>
-                                          </m:r>
-                                        </m:e>
-                                        <m:lim>
-                                          <m:r>
-                                            <m:rPr>
-                                              <m:sty m:val="p"/>
-                                            </m:rPr>
-                                            <a:rPr lang="en-GB" sz="2400" b="0" i="0" smtClean="0">
-                                              <a:solidFill>
-                                                <a:schemeClr val="tx1"/>
-                                              </a:solidFill>
-                                              <a:latin typeface="Cambria Math" panose="02040503050406030204" pitchFamily="18" charset="0"/>
-                                              <a:ea typeface="Cambria Math" panose="02040503050406030204" pitchFamily="18" charset="0"/>
-                                            </a:rPr>
-                                            <m:t>i</m:t>
-                                          </m:r>
-                                        </m:lim>
-                                      </m:limLow>
-                                    </m:fName>
-                                    <m:e>
-                                      <m:d>
-                                        <m:dPr>
-                                          <m:ctrlPr>
-                                            <a:rPr lang="en-US" sz="2400" i="1">
-                                              <a:solidFill>
-                                                <a:schemeClr val="tx1"/>
-                                              </a:solidFill>
-                                              <a:latin typeface="Cambria Math" panose="02040503050406030204" pitchFamily="18" charset="0"/>
-                                              <a:ea typeface="Cambria Math" panose="02040503050406030204" pitchFamily="18" charset="0"/>
-                                            </a:rPr>
-                                          </m:ctrlPr>
-                                        </m:dPr>
-                                        <m:e>
-                                          <m:sSub>
-                                            <m:sSubPr>
-                                              <m:ctrlPr>
-                                                <a:rPr lang="en-US" sz="2400" i="1">
-                                                  <a:solidFill>
-                                                    <a:schemeClr val="tx1"/>
-                                                  </a:solidFill>
-                                                  <a:latin typeface="Cambria Math" panose="02040503050406030204" pitchFamily="18" charset="0"/>
-                                                  <a:ea typeface="Cambria Math" panose="02040503050406030204" pitchFamily="18" charset="0"/>
-                                                </a:rPr>
-                                              </m:ctrlPr>
-                                            </m:sSubPr>
-                                            <m:e>
-                                              <m:r>
-                                                <a:rPr lang="en-US" sz="2400">
-                                                  <a:solidFill>
-                                                    <a:schemeClr val="tx1"/>
-                                                  </a:solidFill>
-                                                  <a:latin typeface="Cambria Math" panose="02040503050406030204" pitchFamily="18" charset="0"/>
-                                                  <a:ea typeface="Cambria Math" panose="02040503050406030204" pitchFamily="18" charset="0"/>
-                                                </a:rPr>
-                                                <m:t>𝑀</m:t>
-                                              </m:r>
-                                            </m:e>
-                                            <m:sub>
-                                              <m:r>
-                                                <m:rPr>
-                                                  <m:sty m:val="p"/>
-                                                </m:rPr>
-                                                <a:rPr lang="en-GB" sz="2400" b="0" i="0" smtClean="0">
-                                                  <a:solidFill>
-                                                    <a:schemeClr val="tx1"/>
-                                                  </a:solidFill>
-                                                  <a:latin typeface="Cambria Math" panose="02040503050406030204" pitchFamily="18" charset="0"/>
-                                                  <a:ea typeface="Cambria Math" panose="02040503050406030204" pitchFamily="18" charset="0"/>
-                                                </a:rPr>
-                                                <m:t>i</m:t>
-                                              </m:r>
-                                              <m:r>
-                                                <a:rPr lang="en-GB" sz="2400" b="0" i="0" smtClean="0">
-                                                  <a:solidFill>
-                                                    <a:schemeClr val="tx1"/>
-                                                  </a:solidFill>
-                                                  <a:latin typeface="Cambria Math" panose="02040503050406030204" pitchFamily="18" charset="0"/>
-                                                  <a:ea typeface="Cambria Math" panose="02040503050406030204" pitchFamily="18" charset="0"/>
-                                                </a:rPr>
-                                                <m:t>,</m:t>
-                                              </m:r>
-                                              <m:r>
-                                                <m:rPr>
-                                                  <m:sty m:val="p"/>
-                                                </m:rPr>
-                                                <a:rPr lang="en-GB" sz="2400" b="0" i="0" smtClean="0">
-                                                  <a:solidFill>
-                                                    <a:schemeClr val="tx1"/>
-                                                  </a:solidFill>
-                                                  <a:latin typeface="Cambria Math" panose="02040503050406030204" pitchFamily="18" charset="0"/>
-                                                  <a:ea typeface="Cambria Math" panose="02040503050406030204" pitchFamily="18" charset="0"/>
-                                                </a:rPr>
-                                                <m:t>j</m:t>
-                                              </m:r>
-                                            </m:sub>
-                                          </m:sSub>
-                                        </m:e>
-                                      </m:d>
-                                    </m:e>
-                                  </m:func>
-                                </m:e>
-                              </m:d>
-                              <m:r>
-                                <m:rPr>
-                                  <m:nor/>
-                                </m:rPr>
-                                <a:rPr lang="en-US" sz="2400" dirty="0">
-                                  <a:solidFill>
-                                    <a:schemeClr val="tx1"/>
-                                  </a:solidFill>
-                                  <a:latin typeface="Cambria Math" panose="02040503050406030204" pitchFamily="18" charset="0"/>
-                                  <a:ea typeface="Cambria Math" panose="02040503050406030204" pitchFamily="18" charset="0"/>
-                                </a:rPr>
-                                <m:t>=</m:t>
-                              </m:r>
-                              <m:r>
-                                <m:rPr>
-                                  <m:nor/>
-                                </m:rPr>
-                                <a:rPr lang="en-US" sz="2400" dirty="0" smtClean="0">
-                                  <a:solidFill>
-                                    <a:schemeClr val="tx1"/>
-                                  </a:solidFill>
-                                  <a:latin typeface="Cambria Math" panose="02040503050406030204" pitchFamily="18" charset="0"/>
-                                  <a:ea typeface="Cambria Math" panose="02040503050406030204" pitchFamily="18" charset="0"/>
-                                </a:rPr>
-                                <m:t>6.</m:t>
-                              </m:r>
-                              <m:r>
-                                <m:rPr>
-                                  <m:nor/>
-                                </m:rPr>
-                                <a:rPr lang="en-US" sz="2400" b="0" i="0" dirty="0" smtClean="0">
-                                  <a:solidFill>
-                                    <a:schemeClr val="tx1"/>
-                                  </a:solidFill>
-                                  <a:latin typeface="Cambria Math" panose="02040503050406030204" pitchFamily="18" charset="0"/>
-                                  <a:ea typeface="Cambria Math" panose="02040503050406030204" pitchFamily="18" charset="0"/>
-                                </a:rPr>
-                                <m:t>8</m:t>
-                              </m:r>
-                            </m:e>
-                          </m:nary>
-                        </m:oMath>
-                      </m:oMathPara>
-                    </a14:m>
-                    <a:endParaRPr lang="en-US" sz="2400" dirty="0">
-                      <a:solidFill>
-                        <a:schemeClr val="tx1"/>
-                      </a:solidFill>
-                      <a:latin typeface="Cambria Math" panose="02040503050406030204" pitchFamily="18" charset="0"/>
-                      <a:ea typeface="Cambria Math" panose="02040503050406030204" pitchFamily="18" charset="0"/>
-                    </a:endParaRPr>
-                  </a:p>
-                </p:txBody>
-              </p:sp>
-            </mc:Choice>
-            <mc:Fallback>
-              <p:sp>
-                <p:nvSpPr>
-                  <p:cNvPr id="30" name="Rectangle 29"/>
-                  <p:cNvSpPr>
-                    <a:spLocks noRot="1" noChangeAspect="1" noMove="1" noResize="1" noEditPoints="1" noAdjustHandles="1" noChangeArrowheads="1" noChangeShapeType="1" noTextEdit="1"/>
-                  </p:cNvSpPr>
-                  <p:nvPr/>
-                </p:nvSpPr>
-                <p:spPr>
-                  <a:xfrm>
-                    <a:off x="7045673" y="4219372"/>
-                    <a:ext cx="2761267" cy="1151875"/>
-                  </a:xfrm>
-                  <a:prstGeom prst="rect">
-                    <a:avLst/>
-                  </a:prstGeom>
-                  <a:blipFill rotWithShape="0">
-                    <a:blip r:embed="rId2"/>
-                    <a:stretch>
-                      <a:fillRect l="-7692" r="-5055"/>
-                    </a:stretch>
-                  </a:blipFill>
-                  <a:ln>
-                    <a:solidFill>
-                      <a:schemeClr val="bg1"/>
-                    </a:solidFill>
-                  </a:ln>
-                </p:spPr>
-                <p:txBody>
-                  <a:bodyPr/>
-                  <a:lstStyle/>
-                  <a:p>
-                    <a:r>
-                      <a:rPr lang="en-US">
-                        <a:noFill/>
-                      </a:rPr>
-                      <a:t> </a:t>
-                    </a:r>
-                  </a:p>
-                </p:txBody>
-              </p:sp>
-            </mc:Fallback>
-          </mc:AlternateContent>
-          <p:sp>
-            <p:nvSpPr>
-              <p:cNvPr id="31" name="Bent-Up Arrow 30"/>
-              <p:cNvSpPr/>
-              <p:nvPr/>
-            </p:nvSpPr>
-            <p:spPr>
-              <a:xfrm rot="5400000" flipV="1">
-                <a:off x="10531095" y="4007233"/>
-                <a:ext cx="801064" cy="1094938"/>
-              </a:xfrm>
-              <a:prstGeom prst="bentUpArrow">
-                <a:avLst>
-                  <a:gd name="adj1" fmla="val 22965"/>
-                  <a:gd name="adj2" fmla="val 25000"/>
-                  <a:gd name="adj3" fmla="val 25000"/>
-                </a:avLst>
-              </a:prstGeom>
-              <a:solidFill>
-                <a:schemeClr val="tx1"/>
-              </a:solidFill>
-              <a:ln>
-                <a:solidFill>
-                  <a:schemeClr val="tx1"/>
-                </a:solidFill>
-              </a:ln>
-            </p:spPr>
-            <p:style>
-              <a:lnRef idx="2">
-                <a:schemeClr val="accent1">
-                  <a:shade val="50000"/>
-                </a:schemeClr>
-              </a:lnRef>
-              <a:fillRef idx="1">
-                <a:schemeClr val="accent1"/>
-              </a:fillRef>
-              <a:effectRef idx="0">
-                <a:schemeClr val="accent1"/>
-              </a:effectRef>
-              <a:fontRef idx="minor">
-                <a:schemeClr val="lt1"/>
-              </a:fontRef>
-            </p:style>
-            <p:txBody>
-              <a:bodyPr rtlCol="0" anchor="ctr"/>
-              <a:lstStyle/>
-              <a:p>
-                <a:pPr algn="ctr"/>
-                <a:endParaRPr lang="en-US" dirty="0"/>
-              </a:p>
-            </p:txBody>
-          </p:sp>
-          <p:pic>
-            <p:nvPicPr>
-              <p:cNvPr id="36" name="Picture 35"/>
-              <p:cNvPicPr>
-                <a:picLocks noChangeAspect="1"/>
-              </p:cNvPicPr>
-              <p:nvPr/>
-            </p:nvPicPr>
-            <p:blipFill rotWithShape="1">
-              <a:blip r:embed="rId3"/>
-              <a:srcRect l="12750" t="16058" r="16917" b="16369"/>
-              <a:stretch/>
-            </p:blipFill>
-            <p:spPr>
-              <a:xfrm>
-                <a:off x="2633229" y="3903529"/>
-                <a:ext cx="3043716" cy="1281349"/>
-              </a:xfrm>
-              <a:prstGeom prst="rect">
-                <a:avLst/>
-              </a:prstGeom>
-            </p:spPr>
-          </p:pic>
-          <p:sp>
-            <p:nvSpPr>
-              <p:cNvPr id="37" name="Rectangle 36"/>
-              <p:cNvSpPr/>
-              <p:nvPr/>
-            </p:nvSpPr>
-            <p:spPr>
-              <a:xfrm>
-                <a:off x="2768388" y="5133122"/>
-                <a:ext cx="2855768" cy="653947"/>
-              </a:xfrm>
-              <a:prstGeom prst="rect">
-                <a:avLst/>
-              </a:prstGeom>
-              <a:noFill/>
-              <a:ln>
-                <a:noFill/>
-              </a:ln>
-            </p:spPr>
-            <p:style>
-              <a:lnRef idx="2">
-                <a:schemeClr val="accent1">
-                  <a:shade val="50000"/>
-                </a:schemeClr>
-              </a:lnRef>
-              <a:fillRef idx="1">
-                <a:schemeClr val="accent1"/>
-              </a:fillRef>
-              <a:effectRef idx="0">
-                <a:schemeClr val="accent1"/>
-              </a:effectRef>
-              <a:fontRef idx="minor">
-                <a:schemeClr val="lt1"/>
-              </a:fontRef>
-            </p:style>
-            <p:txBody>
-              <a:bodyPr rtlCol="0" anchor="ctr"/>
-              <a:lstStyle/>
-              <a:p>
-                <a:pPr algn="ctr"/>
-                <a:r>
-                  <a:rPr lang="en-US" sz="2000" dirty="0">
-                    <a:solidFill>
-                      <a:schemeClr val="tx1"/>
-                    </a:solidFill>
-                    <a:latin typeface="Cambria Math" panose="02040503050406030204" pitchFamily="18" charset="0"/>
-                    <a:ea typeface="Cambria Math" panose="02040503050406030204" pitchFamily="18" charset="0"/>
-                  </a:rPr>
-                  <a:t>Location in sequence</a:t>
-                </a:r>
-              </a:p>
-            </p:txBody>
-          </p:sp>
-          <p:sp>
-            <p:nvSpPr>
-              <p:cNvPr id="92" name="Rectangle 91"/>
-              <p:cNvSpPr/>
-              <p:nvPr/>
-            </p:nvSpPr>
-            <p:spPr>
-              <a:xfrm>
-                <a:off x="843604" y="4544203"/>
-                <a:ext cx="1745889" cy="575616"/>
-              </a:xfrm>
-              <a:prstGeom prst="rect">
-                <a:avLst/>
-              </a:prstGeom>
-              <a:noFill/>
-              <a:ln>
-                <a:noFill/>
-              </a:ln>
-            </p:spPr>
-            <p:style>
-              <a:lnRef idx="2">
-                <a:schemeClr val="accent1">
-                  <a:shade val="50000"/>
-                </a:schemeClr>
-              </a:lnRef>
-              <a:fillRef idx="1">
-                <a:schemeClr val="accent1"/>
-              </a:fillRef>
-              <a:effectRef idx="0">
-                <a:schemeClr val="accent1"/>
-              </a:effectRef>
-              <a:fontRef idx="minor">
-                <a:schemeClr val="lt1"/>
-              </a:fontRef>
-            </p:style>
-            <p:txBody>
-              <a:bodyPr rtlCol="0" anchor="ctr"/>
-              <a:lstStyle/>
-              <a:p>
-                <a:pPr algn="ctr"/>
-                <a:r>
-                  <a:rPr lang="en-US" sz="2000" dirty="0">
-                    <a:solidFill>
-                      <a:schemeClr val="tx1"/>
-                    </a:solidFill>
-                    <a:latin typeface="Cambria Math" panose="02040503050406030204" pitchFamily="18" charset="0"/>
-                    <a:ea typeface="Cambria Math" panose="02040503050406030204" pitchFamily="18" charset="0"/>
-                  </a:rPr>
-                  <a:t>Log likelihood of TF binding</a:t>
-                </a:r>
-              </a:p>
-            </p:txBody>
-          </p:sp>
-          <p:sp>
-            <p:nvSpPr>
-              <p:cNvPr id="38" name="Left Arrow 37"/>
-              <p:cNvSpPr/>
-              <p:nvPr/>
-            </p:nvSpPr>
-            <p:spPr>
-              <a:xfrm>
-                <a:off x="5895726" y="4596605"/>
-                <a:ext cx="654009" cy="338309"/>
-              </a:xfrm>
-              <a:prstGeom prst="leftArrow">
-                <a:avLst/>
-              </a:prstGeom>
-            </p:spPr>
-            <p:style>
-              <a:lnRef idx="2">
-                <a:schemeClr val="dk1">
-                  <a:shade val="50000"/>
-                </a:schemeClr>
-              </a:lnRef>
-              <a:fillRef idx="1">
-                <a:schemeClr val="dk1"/>
-              </a:fillRef>
-              <a:effectRef idx="0">
-                <a:schemeClr val="dk1"/>
-              </a:effectRef>
-              <a:fontRef idx="minor">
-                <a:schemeClr val="lt1"/>
-              </a:fontRef>
-            </p:style>
-            <p:txBody>
-              <a:bodyPr rtlCol="0" anchor="ctr"/>
-              <a:lstStyle/>
-              <a:p>
-                <a:pPr algn="ctr"/>
-                <a:endParaRPr lang="en-US" dirty="0"/>
-              </a:p>
-            </p:txBody>
-          </p:sp>
-          <p:sp>
-            <p:nvSpPr>
-              <p:cNvPr id="24" name="Rectangle 23"/>
-              <p:cNvSpPr/>
-              <p:nvPr/>
-            </p:nvSpPr>
-            <p:spPr>
-              <a:xfrm>
-                <a:off x="487349" y="1540272"/>
-                <a:ext cx="3683296" cy="575616"/>
-              </a:xfrm>
-              <a:prstGeom prst="rect">
-                <a:avLst/>
-              </a:prstGeom>
-              <a:noFill/>
-              <a:ln>
-                <a:noFill/>
-              </a:ln>
-            </p:spPr>
-            <p:style>
-              <a:lnRef idx="2">
-                <a:schemeClr val="accent1">
-                  <a:shade val="50000"/>
-                </a:schemeClr>
-              </a:lnRef>
-              <a:fillRef idx="1">
-                <a:schemeClr val="accent1"/>
-              </a:fillRef>
-              <a:effectRef idx="0">
-                <a:schemeClr val="accent1"/>
-              </a:effectRef>
-              <a:fontRef idx="minor">
-                <a:schemeClr val="lt1"/>
-              </a:fontRef>
-            </p:style>
-            <p:txBody>
-              <a:bodyPr rtlCol="0" anchor="ctr"/>
-              <a:lstStyle/>
-              <a:p>
-                <a:pPr algn="ctr"/>
-                <a:endParaRPr lang="en-US" sz="2800" dirty="0">
-                  <a:ln w="0"/>
-                  <a:solidFill>
-                    <a:schemeClr val="accent1"/>
-                  </a:solidFill>
-                  <a:effectLst>
-                    <a:outerShdw blurRad="38100" dist="25400" dir="5400000" algn="ctr" rotWithShape="0">
-                      <a:srgbClr val="6E747A">
-                        <a:alpha val="43000"/>
-                      </a:srgbClr>
-                    </a:outerShdw>
-                  </a:effectLst>
-                  <a:latin typeface="Courier New" panose="02070309020205020404" pitchFamily="49" charset="0"/>
-                  <a:cs typeface="Courier New" panose="02070309020205020404" pitchFamily="49" charset="0"/>
-                </a:endParaRPr>
-              </a:p>
-            </p:txBody>
-          </p:sp>
-          <p:sp>
-            <p:nvSpPr>
-              <p:cNvPr id="25" name="Rectangle 24"/>
-              <p:cNvSpPr/>
-              <p:nvPr/>
-            </p:nvSpPr>
-            <p:spPr>
-              <a:xfrm>
-                <a:off x="-448166" y="1472184"/>
-                <a:ext cx="4572000" cy="606467"/>
-              </a:xfrm>
-              <a:prstGeom prst="rect">
-                <a:avLst/>
-              </a:prstGeom>
-              <a:noFill/>
-              <a:ln>
-                <a:noFill/>
-              </a:ln>
-            </p:spPr>
-            <p:style>
-              <a:lnRef idx="2">
-                <a:schemeClr val="accent1">
-                  <a:shade val="50000"/>
-                </a:schemeClr>
-              </a:lnRef>
-              <a:fillRef idx="1">
-                <a:schemeClr val="accent1"/>
-              </a:fillRef>
-              <a:effectRef idx="0">
-                <a:schemeClr val="accent1"/>
-              </a:effectRef>
-              <a:fontRef idx="minor">
-                <a:schemeClr val="lt1"/>
-              </a:fontRef>
-            </p:style>
-            <p:txBody>
-              <a:bodyPr rtlCol="0" anchor="ctr"/>
-              <a:lstStyle/>
-              <a:p>
-                <a:pPr algn="ctr"/>
-                <a:r>
-                  <a:rPr lang="en-US" sz="2400" dirty="0">
-                    <a:solidFill>
-                      <a:schemeClr val="tx1"/>
-                    </a:solidFill>
-                    <a:latin typeface="Cambria Math" panose="02040503050406030204" pitchFamily="18" charset="0"/>
-                    <a:ea typeface="Cambria Math" panose="02040503050406030204" pitchFamily="18" charset="0"/>
-                  </a:rPr>
-                  <a:t>One-hot encoding</a:t>
-                </a:r>
-              </a:p>
-            </p:txBody>
-          </p:sp>
-        </p:grpSp>
+                <a:latin typeface="Cambria Math" panose="02040503050406030204" pitchFamily="18" charset="0"/>
+                <a:ea typeface="Cambria Math" panose="02040503050406030204" pitchFamily="18" charset="0"/>
+              </a:endParaRPr>
+            </a:p>
+          </p:txBody>
+        </p:sp>
         <p:pic>
           <p:nvPicPr>
             <p:cNvPr id="9" name="Picture 8"/>
@@ -44018,30 +44779,66 @@
             </a:prstGeom>
           </p:spPr>
         </p:pic>
-        <p:pic>
-          <p:nvPicPr>
-            <p:cNvPr id="13" name="Picture 12"/>
-            <p:cNvPicPr>
-              <a:picLocks noChangeAspect="1"/>
-            </p:cNvPicPr>
+        <p:sp>
+          <p:nvSpPr>
+            <p:cNvPr id="26" name="Round Diagonal Corner Rectangle 25"/>
+            <p:cNvSpPr/>
             <p:nvPr/>
-          </p:nvPicPr>
-          <p:blipFill>
-            <a:blip r:embed="rId6"/>
-            <a:stretch>
-              <a:fillRect/>
-            </a:stretch>
-          </p:blipFill>
+          </p:nvSpPr>
           <p:spPr>
             <a:xfrm>
-              <a:off x="8386797" y="2028190"/>
-              <a:ext cx="3634002" cy="1828800"/>
+              <a:off x="3763741" y="2877882"/>
+              <a:ext cx="300258" cy="311022"/>
             </a:xfrm>
-            <a:prstGeom prst="rect">
+            <a:prstGeom prst="round2DiagRect">
               <a:avLst/>
             </a:prstGeom>
+            <a:solidFill>
+              <a:schemeClr val="bg1"/>
+            </a:solidFill>
+            <a:ln>
+              <a:solidFill>
+                <a:schemeClr val="bg1"/>
+              </a:solidFill>
+            </a:ln>
           </p:spPr>
-        </p:pic>
+          <p:style>
+            <a:lnRef idx="2">
+              <a:schemeClr val="accent1">
+                <a:shade val="50000"/>
+              </a:schemeClr>
+            </a:lnRef>
+            <a:fillRef idx="1">
+              <a:schemeClr val="accent1"/>
+            </a:fillRef>
+            <a:effectRef idx="0">
+              <a:schemeClr val="accent1"/>
+            </a:effectRef>
+            <a:fontRef idx="minor">
+              <a:schemeClr val="lt1"/>
+            </a:fontRef>
+          </p:style>
+          <p:txBody>
+            <a:bodyPr rtlCol="0" anchor="ctr"/>
+            <a:lstStyle/>
+            <a:p>
+              <a:pPr algn="ctr"/>
+              <a:r>
+                <a:rPr lang="en-GB" sz="5400" dirty="0">
+                  <a:solidFill>
+                    <a:schemeClr val="tx1"/>
+                  </a:solidFill>
+                </a:rPr>
+                <a:t>*</a:t>
+              </a:r>
+              <a:endParaRPr lang="en-US" sz="5400" dirty="0">
+                <a:solidFill>
+                  <a:schemeClr val="tx1"/>
+                </a:solidFill>
+              </a:endParaRPr>
+            </a:p>
+          </p:txBody>
+        </p:sp>
       </p:grpSp>
     </p:spTree>
     <p:extLst>

--- a/Help/Figures2.pptx
+++ b/Help/Figures2.pptx
@@ -114,7 +114,7 @@
   <p:extLst>
     <p:ext uri="{EFAFB233-063F-42B5-8137-9DF3F51BA10A}">
       <p15:sldGuideLst xmlns:p15="http://schemas.microsoft.com/office/powerpoint/2012/main">
-        <p15:guide id="1" orient="horz" pos="3000" userDrawn="1">
+        <p15:guide id="1" orient="horz" pos="1296" userDrawn="1">
           <p15:clr>
             <a:srgbClr val="A4A3A4"/>
           </p15:clr>
@@ -226,7 +226,7 @@
           <a:p>
             <a:fld id="{C07E4396-26A3-4143-A0A3-BBC18DD0CEAD}" type="datetimeFigureOut">
               <a:rPr lang="en-US" smtClean="0"/>
-              <a:t>4/19/2020</a:t>
+              <a:t>4/25/2020</a:t>
             </a:fld>
             <a:endParaRPr lang="en-US" dirty="0"/>
           </a:p>
@@ -790,7 +790,7 @@
           <a:p>
             <a:fld id="{2DC2A043-560F-4D2E-8D1E-02B02E053659}" type="datetimeFigureOut">
               <a:rPr lang="en-US" smtClean="0"/>
-              <a:t>4/19/2020</a:t>
+              <a:t>4/25/2020</a:t>
             </a:fld>
             <a:endParaRPr lang="en-US" dirty="0"/>
           </a:p>
@@ -958,7 +958,7 @@
           <a:p>
             <a:fld id="{2DC2A043-560F-4D2E-8D1E-02B02E053659}" type="datetimeFigureOut">
               <a:rPr lang="en-US" smtClean="0"/>
-              <a:t>4/19/2020</a:t>
+              <a:t>4/25/2020</a:t>
             </a:fld>
             <a:endParaRPr lang="en-US" dirty="0"/>
           </a:p>
@@ -1136,7 +1136,7 @@
           <a:p>
             <a:fld id="{2DC2A043-560F-4D2E-8D1E-02B02E053659}" type="datetimeFigureOut">
               <a:rPr lang="en-US" smtClean="0"/>
-              <a:t>4/19/2020</a:t>
+              <a:t>4/25/2020</a:t>
             </a:fld>
             <a:endParaRPr lang="en-US" dirty="0"/>
           </a:p>
@@ -1304,7 +1304,7 @@
           <a:p>
             <a:fld id="{2DC2A043-560F-4D2E-8D1E-02B02E053659}" type="datetimeFigureOut">
               <a:rPr lang="en-US" smtClean="0"/>
-              <a:t>4/19/2020</a:t>
+              <a:t>4/25/2020</a:t>
             </a:fld>
             <a:endParaRPr lang="en-US" dirty="0"/>
           </a:p>
@@ -1549,7 +1549,7 @@
           <a:p>
             <a:fld id="{2DC2A043-560F-4D2E-8D1E-02B02E053659}" type="datetimeFigureOut">
               <a:rPr lang="en-US" smtClean="0"/>
-              <a:t>4/19/2020</a:t>
+              <a:t>4/25/2020</a:t>
             </a:fld>
             <a:endParaRPr lang="en-US" dirty="0"/>
           </a:p>
@@ -1778,7 +1778,7 @@
           <a:p>
             <a:fld id="{2DC2A043-560F-4D2E-8D1E-02B02E053659}" type="datetimeFigureOut">
               <a:rPr lang="en-US" smtClean="0"/>
-              <a:t>4/19/2020</a:t>
+              <a:t>4/25/2020</a:t>
             </a:fld>
             <a:endParaRPr lang="en-US" dirty="0"/>
           </a:p>
@@ -2142,7 +2142,7 @@
           <a:p>
             <a:fld id="{2DC2A043-560F-4D2E-8D1E-02B02E053659}" type="datetimeFigureOut">
               <a:rPr lang="en-US" smtClean="0"/>
-              <a:t>4/19/2020</a:t>
+              <a:t>4/25/2020</a:t>
             </a:fld>
             <a:endParaRPr lang="en-US" dirty="0"/>
           </a:p>
@@ -2259,7 +2259,7 @@
           <a:p>
             <a:fld id="{2DC2A043-560F-4D2E-8D1E-02B02E053659}" type="datetimeFigureOut">
               <a:rPr lang="en-US" smtClean="0"/>
-              <a:t>4/19/2020</a:t>
+              <a:t>4/25/2020</a:t>
             </a:fld>
             <a:endParaRPr lang="en-US" dirty="0"/>
           </a:p>
@@ -2354,7 +2354,7 @@
           <a:p>
             <a:fld id="{2DC2A043-560F-4D2E-8D1E-02B02E053659}" type="datetimeFigureOut">
               <a:rPr lang="en-US" smtClean="0"/>
-              <a:t>4/19/2020</a:t>
+              <a:t>4/25/2020</a:t>
             </a:fld>
             <a:endParaRPr lang="en-US" dirty="0"/>
           </a:p>
@@ -2629,7 +2629,7 @@
           <a:p>
             <a:fld id="{2DC2A043-560F-4D2E-8D1E-02B02E053659}" type="datetimeFigureOut">
               <a:rPr lang="en-US" smtClean="0"/>
-              <a:t>4/19/2020</a:t>
+              <a:t>4/25/2020</a:t>
             </a:fld>
             <a:endParaRPr lang="en-US" dirty="0"/>
           </a:p>
@@ -2881,7 +2881,7 @@
           <a:p>
             <a:fld id="{2DC2A043-560F-4D2E-8D1E-02B02E053659}" type="datetimeFigureOut">
               <a:rPr lang="en-US" smtClean="0"/>
-              <a:t>4/19/2020</a:t>
+              <a:t>4/25/2020</a:t>
             </a:fld>
             <a:endParaRPr lang="en-US" dirty="0"/>
           </a:p>
@@ -3092,7 +3092,7 @@
           <a:p>
             <a:fld id="{2DC2A043-560F-4D2E-8D1E-02B02E053659}" type="datetimeFigureOut">
               <a:rPr lang="en-US" smtClean="0"/>
-              <a:t>4/19/2020</a:t>
+              <a:t>4/25/2020</a:t>
             </a:fld>
             <a:endParaRPr lang="en-US" dirty="0"/>
           </a:p>
@@ -4601,25 +4601,7 @@
                             </a:solidFill>
                             <a:latin typeface="Cambria Math" panose="02040503050406030204" pitchFamily="18" charset="0"/>
                           </a:rPr>
-                          <m:t>0</m:t>
-                        </m:r>
-                        <m:r>
-                          <a:rPr lang="en-US" sz="1700" b="0" i="1" smtClean="0">
-                            <a:solidFill>
-                              <a:schemeClr val="bg1"/>
-                            </a:solidFill>
-                            <a:latin typeface="Cambria Math" panose="02040503050406030204" pitchFamily="18" charset="0"/>
-                          </a:rPr>
-                          <m:t>.</m:t>
-                        </m:r>
-                        <m:r>
-                          <a:rPr lang="en-US" sz="1700" b="0" i="1" smtClean="0">
-                            <a:solidFill>
-                              <a:schemeClr val="bg1"/>
-                            </a:solidFill>
-                            <a:latin typeface="Cambria Math" panose="02040503050406030204" pitchFamily="18" charset="0"/>
-                          </a:rPr>
-                          <m:t>8</m:t>
+                          <m:t>0.8</m:t>
                         </m:r>
                       </m:oMath>
                     </m:oMathPara>
@@ -4908,16 +4890,7 @@
                             </a:solidFill>
                             <a:latin typeface="Cambria Math" panose="02040503050406030204" pitchFamily="18" charset="0"/>
                           </a:rPr>
-                          <m:t> </m:t>
-                        </m:r>
-                        <m:r>
-                          <a:rPr lang="en-US" sz="1700" b="0" i="1" smtClean="0">
-                            <a:solidFill>
-                              <a:schemeClr val="tx1"/>
-                            </a:solidFill>
-                            <a:latin typeface="Cambria Math" panose="02040503050406030204" pitchFamily="18" charset="0"/>
-                          </a:rPr>
-                          <m:t>0</m:t>
+                          <m:t> 0</m:t>
                         </m:r>
                         <m:r>
                           <a:rPr lang="en-US" sz="1700" b="0" i="0" smtClean="0">
@@ -5545,34 +5518,7 @@
                             </a:solidFill>
                             <a:latin typeface="Cambria Math" panose="02040503050406030204" pitchFamily="18" charset="0"/>
                           </a:rPr>
-                          <m:t> </m:t>
-                        </m:r>
-                        <m:r>
-                          <a:rPr lang="en-US" sz="1700" b="0" i="1" smtClean="0">
-                            <a:solidFill>
-                              <a:schemeClr val="tx1"/>
-                            </a:solidFill>
-                            <a:latin typeface="Cambria Math" panose="02040503050406030204" pitchFamily="18" charset="0"/>
-                          </a:rPr>
-                          <m:t>0</m:t>
-                        </m:r>
-                        <m:r>
-                          <a:rPr lang="en-US" sz="1700" b="0" i="1" smtClean="0">
-                            <a:solidFill>
-                              <a:schemeClr val="tx1"/>
-                            </a:solidFill>
-                            <a:latin typeface="Cambria Math" panose="02040503050406030204" pitchFamily="18" charset="0"/>
-                          </a:rPr>
-                          <m:t>.</m:t>
-                        </m:r>
-                        <m:r>
-                          <a:rPr lang="en-US" sz="1700" b="0" i="1" smtClean="0">
-                            <a:solidFill>
-                              <a:schemeClr val="tx1"/>
-                            </a:solidFill>
-                            <a:latin typeface="Cambria Math" panose="02040503050406030204" pitchFamily="18" charset="0"/>
-                          </a:rPr>
-                          <m:t>1</m:t>
+                          <m:t> 0.1</m:t>
                         </m:r>
                       </m:oMath>
                     </m:oMathPara>
@@ -5681,34 +5627,7 @@
                             </a:solidFill>
                             <a:latin typeface="Cambria Math" panose="02040503050406030204" pitchFamily="18" charset="0"/>
                           </a:rPr>
-                          <m:t> </m:t>
-                        </m:r>
-                        <m:r>
-                          <a:rPr lang="en-US" sz="1700" b="0" i="1" smtClean="0">
-                            <a:solidFill>
-                              <a:sysClr val="windowText" lastClr="000000"/>
-                            </a:solidFill>
-                            <a:latin typeface="Cambria Math" panose="02040503050406030204" pitchFamily="18" charset="0"/>
-                          </a:rPr>
-                          <m:t>0</m:t>
-                        </m:r>
-                        <m:r>
-                          <a:rPr lang="en-US" sz="1700" b="0" i="1" smtClean="0">
-                            <a:solidFill>
-                              <a:sysClr val="windowText" lastClr="000000"/>
-                            </a:solidFill>
-                            <a:latin typeface="Cambria Math" panose="02040503050406030204" pitchFamily="18" charset="0"/>
-                          </a:rPr>
-                          <m:t>.</m:t>
-                        </m:r>
-                        <m:r>
-                          <a:rPr lang="en-US" sz="1700" b="0" i="1" smtClean="0">
-                            <a:solidFill>
-                              <a:sysClr val="windowText" lastClr="000000"/>
-                            </a:solidFill>
-                            <a:latin typeface="Cambria Math" panose="02040503050406030204" pitchFamily="18" charset="0"/>
-                          </a:rPr>
-                          <m:t>05</m:t>
+                          <m:t> 0.05</m:t>
                         </m:r>
                       </m:oMath>
                     </m:oMathPara>
@@ -5815,34 +5734,7 @@
                             </a:solidFill>
                             <a:latin typeface="Cambria Math" panose="02040503050406030204" pitchFamily="18" charset="0"/>
                           </a:rPr>
-                          <m:t> </m:t>
-                        </m:r>
-                        <m:r>
-                          <a:rPr lang="en-US" sz="1700" b="0" i="1" smtClean="0">
-                            <a:solidFill>
-                              <a:schemeClr val="tx1"/>
-                            </a:solidFill>
-                            <a:latin typeface="Cambria Math" panose="02040503050406030204" pitchFamily="18" charset="0"/>
-                          </a:rPr>
-                          <m:t>0</m:t>
-                        </m:r>
-                        <m:r>
-                          <a:rPr lang="en-US" sz="1700" b="0" i="1" smtClean="0">
-                            <a:solidFill>
-                              <a:schemeClr val="tx1"/>
-                            </a:solidFill>
-                            <a:latin typeface="Cambria Math" panose="02040503050406030204" pitchFamily="18" charset="0"/>
-                          </a:rPr>
-                          <m:t>.</m:t>
-                        </m:r>
-                        <m:r>
-                          <a:rPr lang="en-US" sz="1700" b="0" i="1" smtClean="0">
-                            <a:solidFill>
-                              <a:schemeClr val="tx1"/>
-                            </a:solidFill>
-                            <a:latin typeface="Cambria Math" panose="02040503050406030204" pitchFamily="18" charset="0"/>
-                          </a:rPr>
-                          <m:t>0</m:t>
+                          <m:t> 0.0</m:t>
                         </m:r>
                       </m:oMath>
                     </m:oMathPara>
@@ -5951,34 +5843,7 @@
                             </a:solidFill>
                             <a:latin typeface="Cambria Math" panose="02040503050406030204" pitchFamily="18" charset="0"/>
                           </a:rPr>
-                          <m:t> </m:t>
-                        </m:r>
-                        <m:r>
-                          <a:rPr lang="en-US" sz="1700" b="0" i="1" smtClean="0">
-                            <a:solidFill>
-                              <a:sysClr val="windowText" lastClr="000000"/>
-                            </a:solidFill>
-                            <a:latin typeface="Cambria Math" panose="02040503050406030204" pitchFamily="18" charset="0"/>
-                          </a:rPr>
-                          <m:t>0</m:t>
-                        </m:r>
-                        <m:r>
-                          <a:rPr lang="en-US" sz="1700" b="0" i="1" smtClean="0">
-                            <a:solidFill>
-                              <a:sysClr val="windowText" lastClr="000000"/>
-                            </a:solidFill>
-                            <a:latin typeface="Cambria Math" panose="02040503050406030204" pitchFamily="18" charset="0"/>
-                          </a:rPr>
-                          <m:t>.</m:t>
-                        </m:r>
-                        <m:r>
-                          <a:rPr lang="en-US" sz="1700" b="0" i="1" smtClean="0">
-                            <a:solidFill>
-                              <a:sysClr val="windowText" lastClr="000000"/>
-                            </a:solidFill>
-                            <a:latin typeface="Cambria Math" panose="02040503050406030204" pitchFamily="18" charset="0"/>
-                          </a:rPr>
-                          <m:t>05</m:t>
+                          <m:t> 0.05</m:t>
                         </m:r>
                       </m:oMath>
                     </m:oMathPara>
@@ -6088,34 +5953,7 @@
                             </a:solidFill>
                             <a:latin typeface="Cambria Math" panose="02040503050406030204" pitchFamily="18" charset="0"/>
                           </a:rPr>
-                          <m:t> </m:t>
-                        </m:r>
-                        <m:r>
-                          <a:rPr lang="en-US" sz="1700" b="0" i="1" smtClean="0">
-                            <a:solidFill>
-                              <a:schemeClr val="bg1"/>
-                            </a:solidFill>
-                            <a:latin typeface="Cambria Math" panose="02040503050406030204" pitchFamily="18" charset="0"/>
-                          </a:rPr>
-                          <m:t>0</m:t>
-                        </m:r>
-                        <m:r>
-                          <a:rPr lang="en-US" sz="1700" b="0" i="1" smtClean="0">
-                            <a:solidFill>
-                              <a:schemeClr val="bg1"/>
-                            </a:solidFill>
-                            <a:latin typeface="Cambria Math" panose="02040503050406030204" pitchFamily="18" charset="0"/>
-                          </a:rPr>
-                          <m:t>.</m:t>
-                        </m:r>
-                        <m:r>
-                          <a:rPr lang="en-US" sz="1700" b="0" i="1" smtClean="0">
-                            <a:solidFill>
-                              <a:schemeClr val="bg1"/>
-                            </a:solidFill>
-                            <a:latin typeface="Cambria Math" panose="02040503050406030204" pitchFamily="18" charset="0"/>
-                          </a:rPr>
-                          <m:t>8</m:t>
+                          <m:t> 0.8</m:t>
                         </m:r>
                       </m:oMath>
                     </m:oMathPara>
@@ -7696,34 +7534,7 @@
                             </a:solidFill>
                             <a:latin typeface="Cambria Math" panose="02040503050406030204" pitchFamily="18" charset="0"/>
                           </a:rPr>
-                          <m:t> </m:t>
-                        </m:r>
-                        <m:r>
-                          <a:rPr lang="en-US" sz="1700" b="0" i="1" smtClean="0">
-                            <a:solidFill>
-                              <a:sysClr val="windowText" lastClr="000000"/>
-                            </a:solidFill>
-                            <a:latin typeface="Cambria Math" panose="02040503050406030204" pitchFamily="18" charset="0"/>
-                          </a:rPr>
-                          <m:t>0</m:t>
-                        </m:r>
-                        <m:r>
-                          <a:rPr lang="en-US" sz="1700" b="0" i="1" smtClean="0">
-                            <a:solidFill>
-                              <a:sysClr val="windowText" lastClr="000000"/>
-                            </a:solidFill>
-                            <a:latin typeface="Cambria Math" panose="02040503050406030204" pitchFamily="18" charset="0"/>
-                          </a:rPr>
-                          <m:t>.</m:t>
-                        </m:r>
-                        <m:r>
-                          <a:rPr lang="en-US" sz="1700" b="0" i="1" smtClean="0">
-                            <a:solidFill>
-                              <a:sysClr val="windowText" lastClr="000000"/>
-                            </a:solidFill>
-                            <a:latin typeface="Cambria Math" panose="02040503050406030204" pitchFamily="18" charset="0"/>
-                          </a:rPr>
-                          <m:t>0</m:t>
+                          <m:t> 0.0</m:t>
                         </m:r>
                       </m:oMath>
                     </m:oMathPara>
@@ -7832,34 +7643,7 @@
                             </a:solidFill>
                             <a:latin typeface="Cambria Math" panose="02040503050406030204" pitchFamily="18" charset="0"/>
                           </a:rPr>
-                          <m:t> </m:t>
-                        </m:r>
-                        <m:r>
-                          <a:rPr lang="en-US" sz="1700" b="0" i="1" smtClean="0">
-                            <a:solidFill>
-                              <a:schemeClr val="tx1"/>
-                            </a:solidFill>
-                            <a:latin typeface="Cambria Math" panose="02040503050406030204" pitchFamily="18" charset="0"/>
-                          </a:rPr>
-                          <m:t>0</m:t>
-                        </m:r>
-                        <m:r>
-                          <a:rPr lang="en-US" sz="1700" b="0" i="1" smtClean="0">
-                            <a:solidFill>
-                              <a:schemeClr val="tx1"/>
-                            </a:solidFill>
-                            <a:latin typeface="Cambria Math" panose="02040503050406030204" pitchFamily="18" charset="0"/>
-                          </a:rPr>
-                          <m:t>.</m:t>
-                        </m:r>
-                        <m:r>
-                          <a:rPr lang="en-US" sz="1700" b="0" i="1" smtClean="0">
-                            <a:solidFill>
-                              <a:schemeClr val="tx1"/>
-                            </a:solidFill>
-                            <a:latin typeface="Cambria Math" panose="02040503050406030204" pitchFamily="18" charset="0"/>
-                          </a:rPr>
-                          <m:t>1</m:t>
+                          <m:t> 0.1</m:t>
                         </m:r>
                       </m:oMath>
                     </m:oMathPara>
@@ -7966,34 +7750,7 @@
                             </a:solidFill>
                             <a:latin typeface="Cambria Math" panose="02040503050406030204" pitchFamily="18" charset="0"/>
                           </a:rPr>
-                          <m:t> </m:t>
-                        </m:r>
-                        <m:r>
-                          <a:rPr lang="en-US" sz="1700" b="0" i="1" smtClean="0">
-                            <a:solidFill>
-                              <a:sysClr val="windowText" lastClr="000000"/>
-                            </a:solidFill>
-                            <a:latin typeface="Cambria Math" panose="02040503050406030204" pitchFamily="18" charset="0"/>
-                          </a:rPr>
-                          <m:t>0</m:t>
-                        </m:r>
-                        <m:r>
-                          <a:rPr lang="en-US" sz="1700" b="0" i="1" smtClean="0">
-                            <a:solidFill>
-                              <a:sysClr val="windowText" lastClr="000000"/>
-                            </a:solidFill>
-                            <a:latin typeface="Cambria Math" panose="02040503050406030204" pitchFamily="18" charset="0"/>
-                          </a:rPr>
-                          <m:t>.</m:t>
-                        </m:r>
-                        <m:r>
-                          <a:rPr lang="en-US" sz="1700" b="0" i="1" smtClean="0">
-                            <a:solidFill>
-                              <a:sysClr val="windowText" lastClr="000000"/>
-                            </a:solidFill>
-                            <a:latin typeface="Cambria Math" panose="02040503050406030204" pitchFamily="18" charset="0"/>
-                          </a:rPr>
-                          <m:t>0</m:t>
+                          <m:t> 0.0</m:t>
                         </m:r>
                       </m:oMath>
                     </m:oMathPara>
@@ -14422,25 +14179,7 @@
                             </a:solidFill>
                             <a:latin typeface="Cambria Math" panose="02040503050406030204" pitchFamily="18" charset="0"/>
                           </a:rPr>
-                          <m:t>0</m:t>
-                        </m:r>
-                        <m:r>
-                          <a:rPr lang="en-US" sz="1700" b="0" i="1" smtClean="0">
-                            <a:solidFill>
-                              <a:schemeClr val="bg1"/>
-                            </a:solidFill>
-                            <a:latin typeface="Cambria Math" panose="02040503050406030204" pitchFamily="18" charset="0"/>
-                          </a:rPr>
-                          <m:t>.</m:t>
-                        </m:r>
-                        <m:r>
-                          <a:rPr lang="en-US" sz="1700" b="0" i="1" smtClean="0">
-                            <a:solidFill>
-                              <a:schemeClr val="bg1"/>
-                            </a:solidFill>
-                            <a:latin typeface="Cambria Math" panose="02040503050406030204" pitchFamily="18" charset="0"/>
-                          </a:rPr>
-                          <m:t>8</m:t>
+                          <m:t>0.8</m:t>
                         </m:r>
                       </m:oMath>
                     </m:oMathPara>
@@ -14699,16 +14438,7 @@
                             </a:solidFill>
                             <a:latin typeface="Cambria Math" panose="02040503050406030204" pitchFamily="18" charset="0"/>
                           </a:rPr>
-                          <m:t> </m:t>
-                        </m:r>
-                        <m:r>
-                          <a:rPr lang="en-US" sz="1700" b="0" i="1" smtClean="0">
-                            <a:solidFill>
-                              <a:schemeClr val="tx1"/>
-                            </a:solidFill>
-                            <a:latin typeface="Cambria Math" panose="02040503050406030204" pitchFamily="18" charset="0"/>
-                          </a:rPr>
-                          <m:t>0</m:t>
+                          <m:t> 0</m:t>
                         </m:r>
                         <m:r>
                           <a:rPr lang="en-US" sz="1700" b="0" i="0" smtClean="0">
@@ -15336,34 +15066,7 @@
                             </a:solidFill>
                             <a:latin typeface="Cambria Math" panose="02040503050406030204" pitchFamily="18" charset="0"/>
                           </a:rPr>
-                          <m:t> </m:t>
-                        </m:r>
-                        <m:r>
-                          <a:rPr lang="en-US" sz="1700" b="0" i="1" smtClean="0">
-                            <a:solidFill>
-                              <a:schemeClr val="tx1"/>
-                            </a:solidFill>
-                            <a:latin typeface="Cambria Math" panose="02040503050406030204" pitchFamily="18" charset="0"/>
-                          </a:rPr>
-                          <m:t>0</m:t>
-                        </m:r>
-                        <m:r>
-                          <a:rPr lang="en-US" sz="1700" b="0" i="1" smtClean="0">
-                            <a:solidFill>
-                              <a:schemeClr val="tx1"/>
-                            </a:solidFill>
-                            <a:latin typeface="Cambria Math" panose="02040503050406030204" pitchFamily="18" charset="0"/>
-                          </a:rPr>
-                          <m:t>.</m:t>
-                        </m:r>
-                        <m:r>
-                          <a:rPr lang="en-US" sz="1700" b="0" i="1" smtClean="0">
-                            <a:solidFill>
-                              <a:schemeClr val="tx1"/>
-                            </a:solidFill>
-                            <a:latin typeface="Cambria Math" panose="02040503050406030204" pitchFamily="18" charset="0"/>
-                          </a:rPr>
-                          <m:t>1</m:t>
+                          <m:t> 0.1</m:t>
                         </m:r>
                       </m:oMath>
                     </m:oMathPara>
@@ -15472,34 +15175,7 @@
                             </a:solidFill>
                             <a:latin typeface="Cambria Math" panose="02040503050406030204" pitchFamily="18" charset="0"/>
                           </a:rPr>
-                          <m:t> </m:t>
-                        </m:r>
-                        <m:r>
-                          <a:rPr lang="en-US" sz="1700" b="0" i="1" smtClean="0">
-                            <a:solidFill>
-                              <a:sysClr val="windowText" lastClr="000000"/>
-                            </a:solidFill>
-                            <a:latin typeface="Cambria Math" panose="02040503050406030204" pitchFamily="18" charset="0"/>
-                          </a:rPr>
-                          <m:t>0</m:t>
-                        </m:r>
-                        <m:r>
-                          <a:rPr lang="en-US" sz="1700" b="0" i="1" smtClean="0">
-                            <a:solidFill>
-                              <a:sysClr val="windowText" lastClr="000000"/>
-                            </a:solidFill>
-                            <a:latin typeface="Cambria Math" panose="02040503050406030204" pitchFamily="18" charset="0"/>
-                          </a:rPr>
-                          <m:t>.</m:t>
-                        </m:r>
-                        <m:r>
-                          <a:rPr lang="en-US" sz="1700" b="0" i="1" smtClean="0">
-                            <a:solidFill>
-                              <a:sysClr val="windowText" lastClr="000000"/>
-                            </a:solidFill>
-                            <a:latin typeface="Cambria Math" panose="02040503050406030204" pitchFamily="18" charset="0"/>
-                          </a:rPr>
-                          <m:t>05</m:t>
+                          <m:t> 0.05</m:t>
                         </m:r>
                       </m:oMath>
                     </m:oMathPara>
@@ -15606,34 +15282,7 @@
                             </a:solidFill>
                             <a:latin typeface="Cambria Math" panose="02040503050406030204" pitchFamily="18" charset="0"/>
                           </a:rPr>
-                          <m:t> </m:t>
-                        </m:r>
-                        <m:r>
-                          <a:rPr lang="en-US" sz="1700" b="0" i="1" smtClean="0">
-                            <a:solidFill>
-                              <a:schemeClr val="tx1"/>
-                            </a:solidFill>
-                            <a:latin typeface="Cambria Math" panose="02040503050406030204" pitchFamily="18" charset="0"/>
-                          </a:rPr>
-                          <m:t>0</m:t>
-                        </m:r>
-                        <m:r>
-                          <a:rPr lang="en-US" sz="1700" b="0" i="1" smtClean="0">
-                            <a:solidFill>
-                              <a:schemeClr val="tx1"/>
-                            </a:solidFill>
-                            <a:latin typeface="Cambria Math" panose="02040503050406030204" pitchFamily="18" charset="0"/>
-                          </a:rPr>
-                          <m:t>.</m:t>
-                        </m:r>
-                        <m:r>
-                          <a:rPr lang="en-US" sz="1700" b="0" i="1" smtClean="0">
-                            <a:solidFill>
-                              <a:schemeClr val="tx1"/>
-                            </a:solidFill>
-                            <a:latin typeface="Cambria Math" panose="02040503050406030204" pitchFamily="18" charset="0"/>
-                          </a:rPr>
-                          <m:t>0</m:t>
+                          <m:t> 0.0</m:t>
                         </m:r>
                       </m:oMath>
                     </m:oMathPara>
@@ -15742,34 +15391,7 @@
                             </a:solidFill>
                             <a:latin typeface="Cambria Math" panose="02040503050406030204" pitchFamily="18" charset="0"/>
                           </a:rPr>
-                          <m:t> </m:t>
-                        </m:r>
-                        <m:r>
-                          <a:rPr lang="en-US" sz="1700" b="0" i="1" smtClean="0">
-                            <a:solidFill>
-                              <a:sysClr val="windowText" lastClr="000000"/>
-                            </a:solidFill>
-                            <a:latin typeface="Cambria Math" panose="02040503050406030204" pitchFamily="18" charset="0"/>
-                          </a:rPr>
-                          <m:t>0</m:t>
-                        </m:r>
-                        <m:r>
-                          <a:rPr lang="en-US" sz="1700" b="0" i="1" smtClean="0">
-                            <a:solidFill>
-                              <a:sysClr val="windowText" lastClr="000000"/>
-                            </a:solidFill>
-                            <a:latin typeface="Cambria Math" panose="02040503050406030204" pitchFamily="18" charset="0"/>
-                          </a:rPr>
-                          <m:t>.</m:t>
-                        </m:r>
-                        <m:r>
-                          <a:rPr lang="en-US" sz="1700" b="0" i="1" smtClean="0">
-                            <a:solidFill>
-                              <a:sysClr val="windowText" lastClr="000000"/>
-                            </a:solidFill>
-                            <a:latin typeface="Cambria Math" panose="02040503050406030204" pitchFamily="18" charset="0"/>
-                          </a:rPr>
-                          <m:t>05</m:t>
+                          <m:t> 0.05</m:t>
                         </m:r>
                       </m:oMath>
                     </m:oMathPara>
@@ -15879,34 +15501,7 @@
                             </a:solidFill>
                             <a:latin typeface="Cambria Math" panose="02040503050406030204" pitchFamily="18" charset="0"/>
                           </a:rPr>
-                          <m:t> </m:t>
-                        </m:r>
-                        <m:r>
-                          <a:rPr lang="en-US" sz="1700" b="0" i="1" smtClean="0">
-                            <a:solidFill>
-                              <a:schemeClr val="bg1"/>
-                            </a:solidFill>
-                            <a:latin typeface="Cambria Math" panose="02040503050406030204" pitchFamily="18" charset="0"/>
-                          </a:rPr>
-                          <m:t>0</m:t>
-                        </m:r>
-                        <m:r>
-                          <a:rPr lang="en-US" sz="1700" b="0" i="1" smtClean="0">
-                            <a:solidFill>
-                              <a:schemeClr val="bg1"/>
-                            </a:solidFill>
-                            <a:latin typeface="Cambria Math" panose="02040503050406030204" pitchFamily="18" charset="0"/>
-                          </a:rPr>
-                          <m:t>.</m:t>
-                        </m:r>
-                        <m:r>
-                          <a:rPr lang="en-US" sz="1700" b="0" i="1" smtClean="0">
-                            <a:solidFill>
-                              <a:schemeClr val="bg1"/>
-                            </a:solidFill>
-                            <a:latin typeface="Cambria Math" panose="02040503050406030204" pitchFamily="18" charset="0"/>
-                          </a:rPr>
-                          <m:t>8</m:t>
+                          <m:t> 0.8</m:t>
                         </m:r>
                       </m:oMath>
                     </m:oMathPara>
@@ -16317,34 +15912,7 @@
                             </a:solidFill>
                             <a:latin typeface="Cambria Math" panose="02040503050406030204" pitchFamily="18" charset="0"/>
                           </a:rPr>
-                          <m:t> </m:t>
-                        </m:r>
-                        <m:r>
-                          <a:rPr lang="en-US" sz="1700" b="0" i="1" smtClean="0">
-                            <a:solidFill>
-                              <a:sysClr val="windowText" lastClr="000000"/>
-                            </a:solidFill>
-                            <a:latin typeface="Cambria Math" panose="02040503050406030204" pitchFamily="18" charset="0"/>
-                          </a:rPr>
-                          <m:t>0</m:t>
-                        </m:r>
-                        <m:r>
-                          <a:rPr lang="en-US" sz="1700" b="0" i="1" smtClean="0">
-                            <a:solidFill>
-                              <a:sysClr val="windowText" lastClr="000000"/>
-                            </a:solidFill>
-                            <a:latin typeface="Cambria Math" panose="02040503050406030204" pitchFamily="18" charset="0"/>
-                          </a:rPr>
-                          <m:t>.</m:t>
-                        </m:r>
-                        <m:r>
-                          <a:rPr lang="en-US" sz="1700" b="0" i="1" smtClean="0">
-                            <a:solidFill>
-                              <a:sysClr val="windowText" lastClr="000000"/>
-                            </a:solidFill>
-                            <a:latin typeface="Cambria Math" panose="02040503050406030204" pitchFamily="18" charset="0"/>
-                          </a:rPr>
-                          <m:t>0</m:t>
+                          <m:t> 0.0</m:t>
                         </m:r>
                       </m:oMath>
                     </m:oMathPara>
@@ -16453,34 +16021,7 @@
                             </a:solidFill>
                             <a:latin typeface="Cambria Math" panose="02040503050406030204" pitchFamily="18" charset="0"/>
                           </a:rPr>
-                          <m:t> </m:t>
-                        </m:r>
-                        <m:r>
-                          <a:rPr lang="en-US" sz="1700" b="0" i="1" smtClean="0">
-                            <a:solidFill>
-                              <a:schemeClr val="tx1"/>
-                            </a:solidFill>
-                            <a:latin typeface="Cambria Math" panose="02040503050406030204" pitchFamily="18" charset="0"/>
-                          </a:rPr>
-                          <m:t>0</m:t>
-                        </m:r>
-                        <m:r>
-                          <a:rPr lang="en-US" sz="1700" b="0" i="1" smtClean="0">
-                            <a:solidFill>
-                              <a:schemeClr val="tx1"/>
-                            </a:solidFill>
-                            <a:latin typeface="Cambria Math" panose="02040503050406030204" pitchFamily="18" charset="0"/>
-                          </a:rPr>
-                          <m:t>.</m:t>
-                        </m:r>
-                        <m:r>
-                          <a:rPr lang="en-US" sz="1700" b="0" i="1" smtClean="0">
-                            <a:solidFill>
-                              <a:schemeClr val="tx1"/>
-                            </a:solidFill>
-                            <a:latin typeface="Cambria Math" panose="02040503050406030204" pitchFamily="18" charset="0"/>
-                          </a:rPr>
-                          <m:t>1</m:t>
+                          <m:t> 0.1</m:t>
                         </m:r>
                       </m:oMath>
                     </m:oMathPara>
@@ -16587,34 +16128,7 @@
                             </a:solidFill>
                             <a:latin typeface="Cambria Math" panose="02040503050406030204" pitchFamily="18" charset="0"/>
                           </a:rPr>
-                          <m:t> </m:t>
-                        </m:r>
-                        <m:r>
-                          <a:rPr lang="en-US" sz="1700" b="0" i="1" smtClean="0">
-                            <a:solidFill>
-                              <a:sysClr val="windowText" lastClr="000000"/>
-                            </a:solidFill>
-                            <a:latin typeface="Cambria Math" panose="02040503050406030204" pitchFamily="18" charset="0"/>
-                          </a:rPr>
-                          <m:t>0</m:t>
-                        </m:r>
-                        <m:r>
-                          <a:rPr lang="en-US" sz="1700" b="0" i="1" smtClean="0">
-                            <a:solidFill>
-                              <a:sysClr val="windowText" lastClr="000000"/>
-                            </a:solidFill>
-                            <a:latin typeface="Cambria Math" panose="02040503050406030204" pitchFamily="18" charset="0"/>
-                          </a:rPr>
-                          <m:t>.</m:t>
-                        </m:r>
-                        <m:r>
-                          <a:rPr lang="en-US" sz="1700" b="0" i="1" smtClean="0">
-                            <a:solidFill>
-                              <a:sysClr val="windowText" lastClr="000000"/>
-                            </a:solidFill>
-                            <a:latin typeface="Cambria Math" panose="02040503050406030204" pitchFamily="18" charset="0"/>
-                          </a:rPr>
-                          <m:t>0</m:t>
+                          <m:t> 0.0</m:t>
                         </m:r>
                       </m:oMath>
                     </m:oMathPara>
@@ -23257,43 +22771,7 @@
                               </a:solidFill>
                               <a:latin typeface="Cambria Math" panose="02040503050406030204" pitchFamily="18" charset="0"/>
                             </a:rPr>
-                            <m:t> (</m:t>
-                          </m:r>
-                          <m:r>
-                            <a:rPr lang="en-US" sz="1200" b="0" i="1" smtClean="0">
-                              <a:solidFill>
-                                <a:schemeClr val="tx1"/>
-                              </a:solidFill>
-                              <a:latin typeface="Cambria Math" panose="02040503050406030204" pitchFamily="18" charset="0"/>
-                            </a:rPr>
-                            <m:t>1</m:t>
-                          </m:r>
-                          <m:r>
-                            <a:rPr lang="en-US" sz="1200" b="0" i="1" smtClean="0">
-                              <a:solidFill>
-                                <a:schemeClr val="tx1"/>
-                              </a:solidFill>
-                              <a:latin typeface="Cambria Math" panose="02040503050406030204" pitchFamily="18" charset="0"/>
-                            </a:rPr>
-                            <m:t>,</m:t>
-                          </m:r>
-                          <m:r>
-                            <a:rPr lang="en-US" sz="1200" b="0" i="1" smtClean="0">
-                              <a:solidFill>
-                                <a:schemeClr val="tx1"/>
-                              </a:solidFill>
-                              <a:latin typeface="Cambria Math" panose="02040503050406030204" pitchFamily="18" charset="0"/>
-                            </a:rPr>
-                            <m:t>0</m:t>
-                          </m:r>
-                          <m:r>
-                            <a:rPr lang="en-US" sz="1200" b="0" i="1" smtClean="0">
-                              <a:solidFill>
-                                <a:schemeClr val="tx1"/>
-                              </a:solidFill>
-                              <a:latin typeface="Cambria Math" panose="02040503050406030204" pitchFamily="18" charset="0"/>
-                            </a:rPr>
-                            <m:t>)</m:t>
+                            <m:t> (1,0)</m:t>
                           </m:r>
                         </m:oMath>
                       </m:oMathPara>
@@ -23484,43 +22962,7 @@
                               </a:solidFill>
                               <a:latin typeface="Cambria Math" panose="02040503050406030204" pitchFamily="18" charset="0"/>
                             </a:rPr>
-                            <m:t> (</m:t>
-                          </m:r>
-                          <m:r>
-                            <a:rPr lang="en-US" sz="1200" b="0" i="1" smtClean="0">
-                              <a:solidFill>
-                                <a:schemeClr val="tx1"/>
-                              </a:solidFill>
-                              <a:latin typeface="Cambria Math" panose="02040503050406030204" pitchFamily="18" charset="0"/>
-                            </a:rPr>
-                            <m:t>1</m:t>
-                          </m:r>
-                          <m:r>
-                            <a:rPr lang="en-US" sz="1200" b="0" i="1" smtClean="0">
-                              <a:solidFill>
-                                <a:schemeClr val="tx1"/>
-                              </a:solidFill>
-                              <a:latin typeface="Cambria Math" panose="02040503050406030204" pitchFamily="18" charset="0"/>
-                            </a:rPr>
-                            <m:t>,</m:t>
-                          </m:r>
-                          <m:r>
-                            <a:rPr lang="en-US" sz="1200" b="0" i="1" smtClean="0">
-                              <a:solidFill>
-                                <a:schemeClr val="tx1"/>
-                              </a:solidFill>
-                              <a:latin typeface="Cambria Math" panose="02040503050406030204" pitchFamily="18" charset="0"/>
-                            </a:rPr>
-                            <m:t>1</m:t>
-                          </m:r>
-                          <m:r>
-                            <a:rPr lang="en-US" sz="1200" b="0" i="1" smtClean="0">
-                              <a:solidFill>
-                                <a:schemeClr val="tx1"/>
-                              </a:solidFill>
-                              <a:latin typeface="Cambria Math" panose="02040503050406030204" pitchFamily="18" charset="0"/>
-                            </a:rPr>
-                            <m:t>)</m:t>
+                            <m:t> (1,1)</m:t>
                           </m:r>
                         </m:oMath>
                       </m:oMathPara>
@@ -24293,7 +23735,7 @@
                   <a:p>
                     <a:pPr algn="ctr"/>
                     <a:r>
-                      <a:rPr lang="en-US" sz="1200" dirty="0">
+                      <a:rPr lang="en-US" sz="1200" dirty="0" smtClean="0">
                         <a:solidFill>
                           <a:schemeClr val="tx1"/>
                         </a:solidFill>
@@ -24380,34 +23822,16 @@
                               </a:solidFill>
                               <a:latin typeface="Cambria Math" panose="02040503050406030204" pitchFamily="18" charset="0"/>
                             </a:rPr>
-                            <m:t> (</m:t>
+                            <m:t>(1,</m:t>
                           </m:r>
                           <m:r>
-                            <a:rPr lang="en-US" sz="1200" i="1">
+                            <a:rPr lang="en-US" sz="1200" b="0" i="1" smtClean="0">
                               <a:solidFill>
                                 <a:schemeClr val="tx1"/>
                               </a:solidFill>
                               <a:latin typeface="Cambria Math" panose="02040503050406030204" pitchFamily="18" charset="0"/>
                             </a:rPr>
-                            <m:t>1</m:t>
-                          </m:r>
-                          <m:r>
-                            <a:rPr lang="en-US" sz="1200" i="1">
-                              <a:solidFill>
-                                <a:schemeClr val="tx1"/>
-                              </a:solidFill>
-                              <a:latin typeface="Cambria Math" panose="02040503050406030204" pitchFamily="18" charset="0"/>
-                            </a:rPr>
-                            <m:t>,</m:t>
-                          </m:r>
-                          <m:r>
-                            <a:rPr lang="en-US" sz="1200" i="1">
-                              <a:solidFill>
-                                <a:schemeClr val="tx1"/>
-                              </a:solidFill>
-                              <a:latin typeface="Cambria Math" panose="02040503050406030204" pitchFamily="18" charset="0"/>
-                            </a:rPr>
-                            <m:t>1</m:t>
+                            <m:t>2</m:t>
                           </m:r>
                           <m:r>
                             <a:rPr lang="en-US" sz="1200" i="1">
@@ -24450,7 +23874,7 @@
                   <a:blipFill rotWithShape="0">
                     <a:blip r:embed="rId9"/>
                     <a:stretch>
-                      <a:fillRect l="-8065" r="-17742" b="-17742"/>
+                      <a:fillRect l="-12903" r="-14516" b="-17742"/>
                     </a:stretch>
                   </a:blipFill>
                 </p:spPr>
@@ -24514,7 +23938,7 @@
                   <a:p>
                     <a:pPr algn="ctr"/>
                     <a:r>
-                      <a:rPr lang="en-US" sz="1200" dirty="0">
+                      <a:rPr lang="en-US" sz="1200" dirty="0" smtClean="0">
                         <a:solidFill>
                           <a:schemeClr val="tx1"/>
                         </a:solidFill>
@@ -24601,34 +24025,16 @@
                               </a:solidFill>
                               <a:latin typeface="Cambria Math" panose="02040503050406030204" pitchFamily="18" charset="0"/>
                             </a:rPr>
-                            <m:t> (</m:t>
+                            <m:t>(1,</m:t>
                           </m:r>
                           <m:r>
-                            <a:rPr lang="en-US" sz="1200" i="1">
+                            <a:rPr lang="en-US" sz="1200" b="0" i="1" smtClean="0">
                               <a:solidFill>
                                 <a:schemeClr val="tx1"/>
                               </a:solidFill>
                               <a:latin typeface="Cambria Math" panose="02040503050406030204" pitchFamily="18" charset="0"/>
                             </a:rPr>
-                            <m:t>1</m:t>
-                          </m:r>
-                          <m:r>
-                            <a:rPr lang="en-US" sz="1200" i="1">
-                              <a:solidFill>
-                                <a:schemeClr val="tx1"/>
-                              </a:solidFill>
-                              <a:latin typeface="Cambria Math" panose="02040503050406030204" pitchFamily="18" charset="0"/>
-                            </a:rPr>
-                            <m:t>,</m:t>
-                          </m:r>
-                          <m:r>
-                            <a:rPr lang="en-US" sz="1200" i="1">
-                              <a:solidFill>
-                                <a:schemeClr val="tx1"/>
-                              </a:solidFill>
-                              <a:latin typeface="Cambria Math" panose="02040503050406030204" pitchFamily="18" charset="0"/>
-                            </a:rPr>
-                            <m:t>1</m:t>
+                            <m:t>𝑘</m:t>
                           </m:r>
                           <m:r>
                             <a:rPr lang="en-US" sz="1200" i="1">
@@ -24671,7 +24077,7 @@
                   <a:blipFill rotWithShape="0">
                     <a:blip r:embed="rId10"/>
                     <a:stretch>
-                      <a:fillRect l="-8065" r="-17742" b="-19355"/>
+                      <a:fillRect l="-16129" r="-17742" b="-19355"/>
                     </a:stretch>
                   </a:blipFill>
                 </p:spPr>
@@ -25236,25 +24642,7 @@
                               </a:solidFill>
                               <a:latin typeface="Cambria Math" panose="02040503050406030204" pitchFamily="18" charset="0"/>
                             </a:rPr>
-                            <m:t>,</m:t>
-                          </m:r>
-                          <m:r>
-                            <a:rPr lang="en-US" sz="1200" i="1">
-                              <a:solidFill>
-                                <a:schemeClr val="tx1"/>
-                              </a:solidFill>
-                              <a:latin typeface="Cambria Math" panose="02040503050406030204" pitchFamily="18" charset="0"/>
-                            </a:rPr>
-                            <m:t>0</m:t>
-                          </m:r>
-                          <m:r>
-                            <a:rPr lang="en-US" sz="1200" i="1">
-                              <a:solidFill>
-                                <a:schemeClr val="tx1"/>
-                              </a:solidFill>
-                              <a:latin typeface="Cambria Math" panose="02040503050406030204" pitchFamily="18" charset="0"/>
-                            </a:rPr>
-                            <m:t>)</m:t>
+                            <m:t>,0)</m:t>
                           </m:r>
                         </m:oMath>
                       </m:oMathPara>
@@ -25457,13 +24845,13 @@
                             <m:t>(</m:t>
                           </m:r>
                           <m:r>
-                            <a:rPr lang="en-US" sz="1200" i="1">
+                            <a:rPr lang="en-US" sz="1200" b="0" i="1" smtClean="0">
                               <a:solidFill>
                                 <a:schemeClr val="tx1"/>
                               </a:solidFill>
                               <a:latin typeface="Cambria Math" panose="02040503050406030204" pitchFamily="18" charset="0"/>
                             </a:rPr>
-                            <m:t>1</m:t>
+                            <m:t>2</m:t>
                           </m:r>
                           <m:r>
                             <a:rPr lang="en-US" sz="1200" i="1">
@@ -25472,25 +24860,7 @@
                               </a:solidFill>
                               <a:latin typeface="Cambria Math" panose="02040503050406030204" pitchFamily="18" charset="0"/>
                             </a:rPr>
-                            <m:t>,</m:t>
-                          </m:r>
-                          <m:r>
-                            <a:rPr lang="en-US" sz="1200" i="1">
-                              <a:solidFill>
-                                <a:schemeClr val="tx1"/>
-                              </a:solidFill>
-                              <a:latin typeface="Cambria Math" panose="02040503050406030204" pitchFamily="18" charset="0"/>
-                            </a:rPr>
-                            <m:t>1</m:t>
-                          </m:r>
-                          <m:r>
-                            <a:rPr lang="en-US" sz="1200" i="1">
-                              <a:solidFill>
-                                <a:schemeClr val="tx1"/>
-                              </a:solidFill>
-                              <a:latin typeface="Cambria Math" panose="02040503050406030204" pitchFamily="18" charset="0"/>
-                            </a:rPr>
-                            <m:t>)</m:t>
+                            <m:t>,1)</m:t>
                           </m:r>
                         </m:oMath>
                       </m:oMathPara>
@@ -26359,13 +25729,13 @@
                             <m:t> (</m:t>
                           </m:r>
                           <m:r>
-                            <a:rPr lang="en-US" sz="1200" i="1">
+                            <a:rPr lang="en-US" sz="1200" b="0" i="1" smtClean="0">
                               <a:solidFill>
                                 <a:schemeClr val="tx1"/>
                               </a:solidFill>
                               <a:latin typeface="Cambria Math" panose="02040503050406030204" pitchFamily="18" charset="0"/>
                             </a:rPr>
-                            <m:t>1</m:t>
+                            <m:t>2</m:t>
                           </m:r>
                           <m:r>
                             <a:rPr lang="en-US" sz="1200" i="1">
@@ -26377,13 +25747,13 @@
                             <m:t>,</m:t>
                           </m:r>
                           <m:r>
-                            <a:rPr lang="en-US" sz="1200" i="1">
+                            <a:rPr lang="en-US" sz="1200" b="0" i="1" smtClean="0">
                               <a:solidFill>
                                 <a:schemeClr val="tx1"/>
                               </a:solidFill>
                               <a:latin typeface="Cambria Math" panose="02040503050406030204" pitchFamily="18" charset="0"/>
                             </a:rPr>
-                            <m:t>1</m:t>
+                            <m:t>2</m:t>
                           </m:r>
                           <m:r>
                             <a:rPr lang="en-US" sz="1200" i="1">
@@ -26490,7 +25860,7 @@
                   <a:p>
                     <a:pPr algn="ctr"/>
                     <a:r>
-                      <a:rPr lang="en-US" sz="1200" dirty="0">
+                      <a:rPr lang="en-US" sz="1200" dirty="0" smtClean="0">
                         <a:solidFill>
                           <a:schemeClr val="tx1"/>
                         </a:solidFill>
@@ -26577,16 +25947,16 @@
                               </a:solidFill>
                               <a:latin typeface="Cambria Math" panose="02040503050406030204" pitchFamily="18" charset="0"/>
                             </a:rPr>
-                            <m:t> (</m:t>
+                            <m:t>(</m:t>
                           </m:r>
                           <m:r>
-                            <a:rPr lang="en-US" sz="1200" i="1">
+                            <a:rPr lang="en-US" sz="1200" b="0" i="1" smtClean="0">
                               <a:solidFill>
                                 <a:schemeClr val="tx1"/>
                               </a:solidFill>
                               <a:latin typeface="Cambria Math" panose="02040503050406030204" pitchFamily="18" charset="0"/>
                             </a:rPr>
-                            <m:t>1</m:t>
+                            <m:t>2</m:t>
                           </m:r>
                           <m:r>
                             <a:rPr lang="en-US" sz="1200" i="1">
@@ -26598,13 +25968,13 @@
                             <m:t>,</m:t>
                           </m:r>
                           <m:r>
-                            <a:rPr lang="en-US" sz="1200" i="1">
+                            <a:rPr lang="en-US" sz="1200" b="0" i="1" smtClean="0">
                               <a:solidFill>
                                 <a:schemeClr val="tx1"/>
                               </a:solidFill>
                               <a:latin typeface="Cambria Math" panose="02040503050406030204" pitchFamily="18" charset="0"/>
                             </a:rPr>
-                            <m:t>1</m:t>
+                            <m:t>𝑘</m:t>
                           </m:r>
                           <m:r>
                             <a:rPr lang="en-US" sz="1200" i="1">
@@ -26647,7 +26017,7 @@
                   <a:blipFill rotWithShape="0">
                     <a:blip r:embed="rId18"/>
                     <a:stretch>
-                      <a:fillRect l="-8065" r="-17742" b="-19355"/>
+                      <a:fillRect l="-16129" r="-17742" b="-19355"/>
                     </a:stretch>
                   </a:blipFill>
                 </p:spPr>
@@ -27141,25 +26511,7 @@
                               </a:solidFill>
                               <a:latin typeface="Cambria Math" panose="02040503050406030204" pitchFamily="18" charset="0"/>
                             </a:rPr>
-                            <m:t> ,</m:t>
-                          </m:r>
-                          <m:r>
-                            <a:rPr lang="en-US" sz="1200" b="0" i="1" spc="-150" smtClean="0">
-                              <a:solidFill>
-                                <a:schemeClr val="tx1"/>
-                              </a:solidFill>
-                              <a:latin typeface="Cambria Math" panose="02040503050406030204" pitchFamily="18" charset="0"/>
-                            </a:rPr>
-                            <m:t>0</m:t>
-                          </m:r>
-                          <m:r>
-                            <a:rPr lang="en-US" sz="1200" b="0" i="1" spc="-150" smtClean="0">
-                              <a:solidFill>
-                                <a:schemeClr val="tx1"/>
-                              </a:solidFill>
-                              <a:latin typeface="Cambria Math" panose="02040503050406030204" pitchFamily="18" charset="0"/>
-                            </a:rPr>
-                            <m:t> )</m:t>
+                            <m:t> ,0 )</m:t>
                           </m:r>
                         </m:oMath>
                       </m:oMathPara>
@@ -27386,25 +26738,7 @@
                               </a:solidFill>
                               <a:latin typeface="Cambria Math" panose="02040503050406030204" pitchFamily="18" charset="0"/>
                             </a:rPr>
-                            <m:t>,</m:t>
-                          </m:r>
-                          <m:r>
-                            <a:rPr lang="en-US" sz="1200" b="0" i="1" spc="-150" smtClean="0">
-                              <a:solidFill>
-                                <a:schemeClr val="tx1"/>
-                              </a:solidFill>
-                              <a:latin typeface="Cambria Math" panose="02040503050406030204" pitchFamily="18" charset="0"/>
-                            </a:rPr>
-                            <m:t>1</m:t>
-                          </m:r>
-                          <m:r>
-                            <a:rPr lang="en-US" sz="1200" b="0" i="1" spc="-150" smtClean="0">
-                              <a:solidFill>
-                                <a:schemeClr val="tx1"/>
-                              </a:solidFill>
-                              <a:latin typeface="Cambria Math" panose="02040503050406030204" pitchFamily="18" charset="0"/>
-                            </a:rPr>
-                            <m:t>)</m:t>
+                            <m:t>,1)</m:t>
                           </m:r>
                         </m:oMath>
                       </m:oMathPara>
@@ -28177,7 +27511,7 @@
                   <a:p>
                     <a:pPr algn="ctr"/>
                     <a:r>
-                      <a:rPr lang="en-US" sz="1200" dirty="0">
+                      <a:rPr lang="en-US" sz="1200" dirty="0" smtClean="0">
                         <a:solidFill>
                           <a:schemeClr val="tx1"/>
                         </a:solidFill>
@@ -28258,25 +27592,25 @@
                         </m:oMathParaPr>
                         <m:oMath xmlns:m="http://schemas.openxmlformats.org/officeDocument/2006/math">
                           <m:r>
-                            <a:rPr lang="en-US" sz="1200" i="1">
+                            <a:rPr lang="en-US" sz="1050" i="1">
                               <a:solidFill>
                                 <a:schemeClr val="tx1"/>
                               </a:solidFill>
                               <a:latin typeface="Cambria Math" panose="02040503050406030204" pitchFamily="18" charset="0"/>
                             </a:rPr>
-                            <m:t> (</m:t>
+                            <m:t>(</m:t>
                           </m:r>
                           <m:r>
-                            <a:rPr lang="en-US" sz="1200" i="1">
+                            <a:rPr lang="en-US" sz="1050" b="0" i="1" smtClean="0">
                               <a:solidFill>
                                 <a:schemeClr val="tx1"/>
                               </a:solidFill>
                               <a:latin typeface="Cambria Math" panose="02040503050406030204" pitchFamily="18" charset="0"/>
                             </a:rPr>
-                            <m:t>1</m:t>
+                            <m:t>𝑚</m:t>
                           </m:r>
                           <m:r>
-                            <a:rPr lang="en-US" sz="1200" i="1">
+                            <a:rPr lang="en-US" sz="1050" i="1">
                               <a:solidFill>
                                 <a:schemeClr val="tx1"/>
                               </a:solidFill>
@@ -28285,16 +27619,16 @@
                             <m:t>,</m:t>
                           </m:r>
                           <m:r>
-                            <a:rPr lang="en-US" sz="1200" i="1">
+                            <a:rPr lang="en-US" sz="1050" b="0" i="1" smtClean="0">
                               <a:solidFill>
                                 <a:schemeClr val="tx1"/>
                               </a:solidFill>
                               <a:latin typeface="Cambria Math" panose="02040503050406030204" pitchFamily="18" charset="0"/>
                             </a:rPr>
-                            <m:t>1</m:t>
+                            <m:t>2</m:t>
                           </m:r>
                           <m:r>
-                            <a:rPr lang="en-US" sz="1200" i="1">
+                            <a:rPr lang="en-US" sz="1050" i="1">
                               <a:solidFill>
                                 <a:schemeClr val="tx1"/>
                               </a:solidFill>
@@ -28305,7 +27639,7 @@
                         </m:oMath>
                       </m:oMathPara>
                     </a14:m>
-                    <a:endParaRPr lang="en-US" sz="1200" dirty="0">
+                    <a:endParaRPr lang="en-US" sz="1050" dirty="0">
                       <a:solidFill>
                         <a:schemeClr val="tx1"/>
                       </a:solidFill>
@@ -28334,7 +27668,7 @@
                   <a:blipFill rotWithShape="0">
                     <a:blip r:embed="rId21"/>
                     <a:stretch>
-                      <a:fillRect l="-8065" r="-17742" b="-17742"/>
+                      <a:fillRect l="-14516" r="-12903" b="-12903"/>
                     </a:stretch>
                   </a:blipFill>
                 </p:spPr>
@@ -28485,25 +27819,34 @@
                         </m:oMathParaPr>
                         <m:oMath xmlns:m="http://schemas.openxmlformats.org/officeDocument/2006/math">
                           <m:r>
-                            <a:rPr lang="en-US" sz="1200" i="1">
+                            <a:rPr lang="en-US" sz="1050" b="0" i="1" smtClean="0">
                               <a:solidFill>
                                 <a:schemeClr val="tx1"/>
                               </a:solidFill>
                               <a:latin typeface="Cambria Math" panose="02040503050406030204" pitchFamily="18" charset="0"/>
                             </a:rPr>
-                            <m:t> (</m:t>
+                            <m:t> </m:t>
                           </m:r>
                           <m:r>
-                            <a:rPr lang="en-US" sz="1200" i="1">
+                            <a:rPr lang="en-US" sz="1050" i="1">
                               <a:solidFill>
                                 <a:schemeClr val="tx1"/>
                               </a:solidFill>
                               <a:latin typeface="Cambria Math" panose="02040503050406030204" pitchFamily="18" charset="0"/>
                             </a:rPr>
-                            <m:t>1</m:t>
+                            <m:t>(</m:t>
                           </m:r>
                           <m:r>
-                            <a:rPr lang="en-US" sz="1200" i="1">
+                            <a:rPr lang="en-US" sz="1050" b="0" i="1" smtClean="0">
+                              <a:solidFill>
+                                <a:schemeClr val="tx1"/>
+                              </a:solidFill>
+                              <a:latin typeface="Cambria Math" panose="02040503050406030204" pitchFamily="18" charset="0"/>
+                            </a:rPr>
+                            <m:t>𝑚</m:t>
+                          </m:r>
+                          <m:r>
+                            <a:rPr lang="en-US" sz="1050" i="1">
                               <a:solidFill>
                                 <a:schemeClr val="tx1"/>
                               </a:solidFill>
@@ -28512,16 +27855,16 @@
                             <m:t>,</m:t>
                           </m:r>
                           <m:r>
-                            <a:rPr lang="en-US" sz="1200" i="1">
+                            <a:rPr lang="en-US" sz="1050" b="0" i="1" smtClean="0">
                               <a:solidFill>
                                 <a:schemeClr val="tx1"/>
                               </a:solidFill>
                               <a:latin typeface="Cambria Math" panose="02040503050406030204" pitchFamily="18" charset="0"/>
                             </a:rPr>
-                            <m:t>1</m:t>
+                            <m:t>𝑘</m:t>
                           </m:r>
                           <m:r>
-                            <a:rPr lang="en-US" sz="1200" i="1">
+                            <a:rPr lang="en-US" sz="1050" i="1">
                               <a:solidFill>
                                 <a:schemeClr val="tx1"/>
                               </a:solidFill>
@@ -28532,7 +27875,7 @@
                         </m:oMath>
                       </m:oMathPara>
                     </a14:m>
-                    <a:endParaRPr lang="en-US" sz="1200" dirty="0">
+                    <a:endParaRPr lang="en-US" sz="1050" dirty="0">
                       <a:solidFill>
                         <a:schemeClr val="tx1"/>
                       </a:solidFill>
@@ -28561,7 +27904,7 @@
                   <a:blipFill rotWithShape="0">
                     <a:blip r:embed="rId22"/>
                     <a:stretch>
-                      <a:fillRect l="-12903" r="-12903" b="-16129"/>
+                      <a:fillRect l="-12903" r="-14516" b="-11290"/>
                     </a:stretch>
                   </a:blipFill>
                 </p:spPr>
@@ -40306,7 +39649,7 @@
               </p:nvSpPr>
               <p:spPr>
                 <a:xfrm>
-                  <a:off x="2885939" y="3720049"/>
+                  <a:off x="2932119" y="3720049"/>
                   <a:ext cx="603697" cy="453839"/>
                 </a:xfrm>
                 <a:prstGeom prst="rect">
@@ -40398,7 +39741,7 @@
               </p:nvSpPr>
               <p:spPr>
                 <a:xfrm>
-                  <a:off x="2885939" y="3720049"/>
+                  <a:off x="2932119" y="3720049"/>
                   <a:ext cx="603697" cy="453839"/>
                 </a:xfrm>
                 <a:prstGeom prst="rect">
@@ -40778,7 +40121,7 @@
                   <a14:m>
                     <m:oMathPara xmlns:m="http://schemas.openxmlformats.org/officeDocument/2006/math">
                       <m:oMathParaPr>
-                        <m:jc m:val="centerGroup"/>
+                        <m:jc m:val="left"/>
                       </m:oMathParaPr>
                       <m:oMath xmlns:m="http://schemas.openxmlformats.org/officeDocument/2006/math">
                         <m:sSub>
@@ -41059,18 +40402,7 @@
                                       <a:schemeClr val="tx1"/>
                                     </a:solidFill>
                                   </a:rPr>
-                                  <m:t>′</m:t>
-                                </m:r>
-                                <m:r>
-                                  <m:rPr>
-                                    <m:nor/>
-                                  </m:rPr>
-                                  <a:rPr lang="en-US" sz="2400" i="1" dirty="0">
-                                    <a:solidFill>
-                                      <a:schemeClr val="tx1"/>
-                                    </a:solidFill>
-                                  </a:rPr>
-                                  <m:t>,</m:t>
+                                  <m:t>′,</m:t>
                                 </m:r>
                                 <m:r>
                                   <m:rPr>
@@ -41137,18 +40469,7 @@
                                       <a:schemeClr val="tx1"/>
                                     </a:solidFill>
                                   </a:rPr>
-                                  <m:t>′</m:t>
-                                </m:r>
-                                <m:r>
-                                  <m:rPr>
-                                    <m:nor/>
-                                  </m:rPr>
-                                  <a:rPr lang="en-US" sz="2400" i="1" dirty="0">
-                                    <a:solidFill>
-                                      <a:schemeClr val="tx1"/>
-                                    </a:solidFill>
-                                  </a:rPr>
-                                  <m:t>,</m:t>
+                                  <m:t>′,</m:t>
                                 </m:r>
                                 <m:r>
                                   <m:rPr>
@@ -41170,18 +40491,7 @@
                                       <a:schemeClr val="tx1"/>
                                     </a:solidFill>
                                   </a:rPr>
-                                  <m:t>−</m:t>
-                                </m:r>
-                                <m:r>
-                                  <m:rPr>
-                                    <m:nor/>
-                                  </m:rPr>
-                                  <a:rPr lang="en-US" sz="2400" i="1" dirty="0">
-                                    <a:solidFill>
-                                      <a:schemeClr val="tx1"/>
-                                    </a:solidFill>
-                                  </a:rPr>
-                                  <m:t>1</m:t>
+                                  <m:t>−1</m:t>
                                 </m:r>
                               </m:sub>
                             </m:sSub>
@@ -41244,2444 +40554,2439 @@
           </mc:Fallback>
         </mc:AlternateContent>
       </p:grpSp>
-      <p:sp>
-        <p:nvSpPr>
-          <p:cNvPr id="537" name="Rectangle 536"/>
-          <p:cNvSpPr/>
+      <p:grpSp>
+        <p:nvGrpSpPr>
+          <p:cNvPr id="3" name="Group 2"/>
+          <p:cNvGrpSpPr/>
           <p:nvPr/>
-        </p:nvSpPr>
-        <p:spPr>
+        </p:nvGrpSpPr>
+        <p:grpSpPr>
           <a:xfrm>
             <a:off x="594884" y="235984"/>
-            <a:ext cx="5638387" cy="453839"/>
+            <a:ext cx="9147019" cy="2686753"/>
+            <a:chOff x="594884" y="235984"/>
+            <a:chExt cx="9147019" cy="2686753"/>
           </a:xfrm>
-          <a:prstGeom prst="rect">
-            <a:avLst/>
-          </a:prstGeom>
-          <a:noFill/>
-          <a:ln>
+        </p:grpSpPr>
+        <p:sp>
+          <p:nvSpPr>
+            <p:cNvPr id="537" name="Rectangle 536"/>
+            <p:cNvSpPr/>
+            <p:nvPr/>
+          </p:nvSpPr>
+          <p:spPr>
+            <a:xfrm>
+              <a:off x="594884" y="235984"/>
+              <a:ext cx="5638387" cy="453839"/>
+            </a:xfrm>
+            <a:prstGeom prst="rect">
+              <a:avLst/>
+            </a:prstGeom>
             <a:noFill/>
-          </a:ln>
-        </p:spPr>
-        <p:style>
-          <a:lnRef idx="2">
-            <a:schemeClr val="accent1">
-              <a:shade val="50000"/>
-            </a:schemeClr>
-          </a:lnRef>
-          <a:fillRef idx="1">
-            <a:schemeClr val="accent1"/>
-          </a:fillRef>
-          <a:effectRef idx="0">
-            <a:schemeClr val="accent1"/>
-          </a:effectRef>
-          <a:fontRef idx="minor">
-            <a:schemeClr val="lt1"/>
-          </a:fontRef>
-        </p:style>
-        <p:txBody>
-          <a:bodyPr rtlCol="0" anchor="ctr"/>
-          <a:lstStyle/>
-          <a:p>
-            <a:r>
-              <a:rPr lang="en-US" sz="2400" dirty="0">
+            <a:ln>
+              <a:noFill/>
+            </a:ln>
+          </p:spPr>
+          <p:style>
+            <a:lnRef idx="2">
+              <a:schemeClr val="accent1">
+                <a:shade val="50000"/>
+              </a:schemeClr>
+            </a:lnRef>
+            <a:fillRef idx="1">
+              <a:schemeClr val="accent1"/>
+            </a:fillRef>
+            <a:effectRef idx="0">
+              <a:schemeClr val="accent1"/>
+            </a:effectRef>
+            <a:fontRef idx="minor">
+              <a:schemeClr val="lt1"/>
+            </a:fontRef>
+          </p:style>
+          <p:txBody>
+            <a:bodyPr rtlCol="0" anchor="ctr"/>
+            <a:lstStyle/>
+            <a:p>
+              <a:r>
+                <a:rPr lang="en-US" sz="2400" dirty="0">
+                  <a:solidFill>
+                    <a:schemeClr val="tx1"/>
+                  </a:solidFill>
+                  <a:latin typeface="Cambria Math" panose="02040503050406030204" pitchFamily="18" charset="0"/>
+                  <a:ea typeface="Cambria Math" panose="02040503050406030204" pitchFamily="18" charset="0"/>
+                </a:rPr>
+                <a:t>Backward </a:t>
+              </a:r>
+              <a:r>
+                <a:rPr lang="en-US" sz="2400" dirty="0" smtClean="0">
+                  <a:solidFill>
+                    <a:schemeClr val="tx1"/>
+                  </a:solidFill>
+                  <a:latin typeface="Cambria Math" panose="02040503050406030204" pitchFamily="18" charset="0"/>
+                  <a:ea typeface="Cambria Math" panose="02040503050406030204" pitchFamily="18" charset="0"/>
+                </a:rPr>
+                <a:t>Algorithm</a:t>
+              </a:r>
+              <a:endParaRPr lang="en-US" sz="2400" dirty="0">
                 <a:solidFill>
                   <a:schemeClr val="tx1"/>
                 </a:solidFill>
                 <a:latin typeface="Cambria Math" panose="02040503050406030204" pitchFamily="18" charset="0"/>
                 <a:ea typeface="Cambria Math" panose="02040503050406030204" pitchFamily="18" charset="0"/>
-              </a:rPr>
-              <a:t>Backward </a:t>
-            </a:r>
-            <a:r>
-              <a:rPr lang="en-US" sz="2400" dirty="0" smtClean="0">
+              </a:endParaRPr>
+            </a:p>
+          </p:txBody>
+        </p:sp>
+        <p:sp>
+          <p:nvSpPr>
+            <p:cNvPr id="617" name="Rectangle 616"/>
+            <p:cNvSpPr/>
+            <p:nvPr/>
+          </p:nvSpPr>
+          <p:spPr>
+            <a:xfrm>
+              <a:off x="1583682" y="1107381"/>
+              <a:ext cx="457599" cy="453839"/>
+            </a:xfrm>
+            <a:prstGeom prst="rect">
+              <a:avLst/>
+            </a:prstGeom>
+            <a:noFill/>
+          </p:spPr>
+          <p:style>
+            <a:lnRef idx="2">
+              <a:schemeClr val="accent1">
+                <a:shade val="50000"/>
+              </a:schemeClr>
+            </a:lnRef>
+            <a:fillRef idx="1">
+              <a:schemeClr val="accent1"/>
+            </a:fillRef>
+            <a:effectRef idx="0">
+              <a:schemeClr val="accent1"/>
+            </a:effectRef>
+            <a:fontRef idx="minor">
+              <a:schemeClr val="lt1"/>
+            </a:fontRef>
+          </p:style>
+          <p:txBody>
+            <a:bodyPr rtlCol="0" anchor="ctr"/>
+            <a:lstStyle/>
+            <a:p>
+              <a:pPr algn="ctr"/>
+              <a:endParaRPr lang="en-US" dirty="0"/>
+            </a:p>
+          </p:txBody>
+        </p:sp>
+        <p:sp>
+          <p:nvSpPr>
+            <p:cNvPr id="618" name="Rectangle 617"/>
+            <p:cNvSpPr/>
+            <p:nvPr/>
+          </p:nvSpPr>
+          <p:spPr>
+            <a:xfrm>
+              <a:off x="2041281" y="1107381"/>
+              <a:ext cx="457599" cy="453839"/>
+            </a:xfrm>
+            <a:prstGeom prst="rect">
+              <a:avLst/>
+            </a:prstGeom>
+            <a:solidFill>
+              <a:schemeClr val="accent1"/>
+            </a:solidFill>
+          </p:spPr>
+          <p:style>
+            <a:lnRef idx="2">
+              <a:schemeClr val="accent1">
+                <a:shade val="50000"/>
+              </a:schemeClr>
+            </a:lnRef>
+            <a:fillRef idx="1">
+              <a:schemeClr val="accent1"/>
+            </a:fillRef>
+            <a:effectRef idx="0">
+              <a:schemeClr val="accent1"/>
+            </a:effectRef>
+            <a:fontRef idx="minor">
+              <a:schemeClr val="lt1"/>
+            </a:fontRef>
+          </p:style>
+          <p:txBody>
+            <a:bodyPr rtlCol="0" anchor="ctr"/>
+            <a:lstStyle/>
+            <a:p>
+              <a:pPr algn="ctr"/>
+              <a:endParaRPr lang="en-US" dirty="0"/>
+            </a:p>
+          </p:txBody>
+        </p:sp>
+        <mc:AlternateContent xmlns:mc="http://schemas.openxmlformats.org/markup-compatibility/2006" xmlns:a14="http://schemas.microsoft.com/office/drawing/2010/main">
+          <mc:Choice Requires="a14">
+            <p:sp>
+              <p:nvSpPr>
+                <p:cNvPr id="619" name="Rectangle 618"/>
+                <p:cNvSpPr/>
+                <p:nvPr/>
+              </p:nvSpPr>
+              <p:spPr>
+                <a:xfrm>
+                  <a:off x="1583682" y="1561220"/>
+                  <a:ext cx="457599" cy="453839"/>
+                </a:xfrm>
+                <a:prstGeom prst="rect">
+                  <a:avLst/>
+                </a:prstGeom>
                 <a:solidFill>
-                  <a:schemeClr val="tx1"/>
+                  <a:schemeClr val="accent6"/>
                 </a:solidFill>
-                <a:latin typeface="Cambria Math" panose="02040503050406030204" pitchFamily="18" charset="0"/>
-                <a:ea typeface="Cambria Math" panose="02040503050406030204" pitchFamily="18" charset="0"/>
-              </a:rPr>
-              <a:t>Algorithm</a:t>
-            </a:r>
-            <a:endParaRPr lang="en-US" sz="2400" dirty="0">
-              <a:solidFill>
-                <a:schemeClr val="tx1"/>
-              </a:solidFill>
-              <a:latin typeface="Cambria Math" panose="02040503050406030204" pitchFamily="18" charset="0"/>
-              <a:ea typeface="Cambria Math" panose="02040503050406030204" pitchFamily="18" charset="0"/>
-            </a:endParaRPr>
-          </a:p>
-        </p:txBody>
-      </p:sp>
-      <p:sp>
-        <p:nvSpPr>
-          <p:cNvPr id="617" name="Rectangle 616"/>
-          <p:cNvSpPr/>
-          <p:nvPr/>
-        </p:nvSpPr>
-        <p:spPr>
-          <a:xfrm>
-            <a:off x="1583682" y="1107381"/>
-            <a:ext cx="457599" cy="453839"/>
-          </a:xfrm>
-          <a:prstGeom prst="rect">
-            <a:avLst/>
-          </a:prstGeom>
-          <a:noFill/>
-        </p:spPr>
-        <p:style>
-          <a:lnRef idx="2">
-            <a:schemeClr val="accent1">
-              <a:shade val="50000"/>
-            </a:schemeClr>
-          </a:lnRef>
-          <a:fillRef idx="1">
-            <a:schemeClr val="accent1"/>
-          </a:fillRef>
-          <a:effectRef idx="0">
-            <a:schemeClr val="accent1"/>
-          </a:effectRef>
-          <a:fontRef idx="minor">
-            <a:schemeClr val="lt1"/>
-          </a:fontRef>
-        </p:style>
-        <p:txBody>
-          <a:bodyPr rtlCol="0" anchor="ctr"/>
-          <a:lstStyle/>
-          <a:p>
-            <a:pPr algn="ctr"/>
-            <a:endParaRPr lang="en-US" dirty="0"/>
-          </a:p>
-        </p:txBody>
-      </p:sp>
-      <p:sp>
-        <p:nvSpPr>
-          <p:cNvPr id="618" name="Rectangle 617"/>
-          <p:cNvSpPr/>
-          <p:nvPr/>
-        </p:nvSpPr>
-        <p:spPr>
-          <a:xfrm>
-            <a:off x="2041281" y="1107381"/>
-            <a:ext cx="457599" cy="453839"/>
-          </a:xfrm>
-          <a:prstGeom prst="rect">
-            <a:avLst/>
-          </a:prstGeom>
-          <a:solidFill>
-            <a:schemeClr val="accent1"/>
-          </a:solidFill>
-        </p:spPr>
-        <p:style>
-          <a:lnRef idx="2">
-            <a:schemeClr val="accent1">
-              <a:shade val="50000"/>
-            </a:schemeClr>
-          </a:lnRef>
-          <a:fillRef idx="1">
-            <a:schemeClr val="accent1"/>
-          </a:fillRef>
-          <a:effectRef idx="0">
-            <a:schemeClr val="accent1"/>
-          </a:effectRef>
-          <a:fontRef idx="minor">
-            <a:schemeClr val="lt1"/>
-          </a:fontRef>
-        </p:style>
-        <p:txBody>
-          <a:bodyPr rtlCol="0" anchor="ctr"/>
-          <a:lstStyle/>
-          <a:p>
-            <a:pPr algn="ctr"/>
-            <a:endParaRPr lang="en-US" dirty="0"/>
-          </a:p>
-        </p:txBody>
-      </p:sp>
-      <mc:AlternateContent xmlns:mc="http://schemas.openxmlformats.org/markup-compatibility/2006" xmlns:a14="http://schemas.microsoft.com/office/drawing/2010/main">
-        <mc:Choice Requires="a14">
-          <p:sp>
-            <p:nvSpPr>
-              <p:cNvPr id="619" name="Rectangle 618"/>
-              <p:cNvSpPr/>
-              <p:nvPr/>
-            </p:nvSpPr>
-            <p:spPr>
-              <a:xfrm>
-                <a:off x="1583682" y="1561220"/>
-                <a:ext cx="457599" cy="453839"/>
-              </a:xfrm>
-              <a:prstGeom prst="rect">
-                <a:avLst/>
-              </a:prstGeom>
-              <a:solidFill>
-                <a:schemeClr val="accent6"/>
-              </a:solidFill>
-            </p:spPr>
-            <p:style>
-              <a:lnRef idx="2">
-                <a:schemeClr val="accent1">
-                  <a:shade val="50000"/>
-                </a:schemeClr>
-              </a:lnRef>
-              <a:fillRef idx="1">
-                <a:schemeClr val="accent1"/>
-              </a:fillRef>
-              <a:effectRef idx="0">
-                <a:schemeClr val="accent1"/>
-              </a:effectRef>
-              <a:fontRef idx="minor">
-                <a:schemeClr val="lt1"/>
-              </a:fontRef>
-            </p:style>
-            <p:txBody>
-              <a:bodyPr rtlCol="0" anchor="ctr"/>
-              <a:lstStyle/>
-              <a:p>
-                <a:pPr algn="ctr"/>
-                <a14:m>
-                  <m:oMathPara xmlns:m="http://schemas.openxmlformats.org/officeDocument/2006/math">
-                    <m:oMathParaPr>
-                      <m:jc m:val="centerGroup"/>
-                    </m:oMathParaPr>
-                    <m:oMath xmlns:m="http://schemas.openxmlformats.org/officeDocument/2006/math">
-                      <m:r>
-                        <a:rPr lang="en-US" sz="2000" i="1" smtClean="0">
-                          <a:latin typeface="Cambria Math" panose="02040503050406030204" pitchFamily="18" charset="0"/>
-                        </a:rPr>
-                        <m:t> </m:t>
-                      </m:r>
-                      <m:sSub>
-                        <m:sSubPr>
-                          <m:ctrlPr>
-                            <a:rPr lang="en-US" sz="2000" i="1">
-                              <a:latin typeface="Cambria Math" panose="02040503050406030204" pitchFamily="18" charset="0"/>
-                            </a:rPr>
-                          </m:ctrlPr>
-                        </m:sSubPr>
-                        <m:e>
-                          <m:r>
-                            <a:rPr lang="en-US" sz="2000" b="0" i="1" smtClean="0">
-                              <a:latin typeface="Cambria Math" panose="02040503050406030204" pitchFamily="18" charset="0"/>
-                            </a:rPr>
-                            <m:t>𝛽</m:t>
-                          </m:r>
-                        </m:e>
-                        <m:sub>
-                          <m:r>
-                            <a:rPr lang="en-US" sz="2000" i="1">
-                              <a:latin typeface="Cambria Math" panose="02040503050406030204" pitchFamily="18" charset="0"/>
-                            </a:rPr>
-                            <m:t>𝑗</m:t>
-                          </m:r>
-                          <m:r>
-                            <a:rPr lang="en-US" sz="2000" i="1">
-                              <a:latin typeface="Cambria Math" panose="02040503050406030204" pitchFamily="18" charset="0"/>
-                            </a:rPr>
-                            <m:t>,</m:t>
-                          </m:r>
-                          <m:r>
-                            <a:rPr lang="en-US" sz="2000" i="1">
-                              <a:latin typeface="Cambria Math" panose="02040503050406030204" pitchFamily="18" charset="0"/>
-                            </a:rPr>
-                            <m:t>𝑡</m:t>
-                          </m:r>
-                        </m:sub>
-                      </m:sSub>
-                    </m:oMath>
-                  </m:oMathPara>
-                </a14:m>
-                <a:endParaRPr lang="en-US" sz="2000" dirty="0"/>
-              </a:p>
-            </p:txBody>
-          </p:sp>
-        </mc:Choice>
-        <mc:Fallback xmlns="">
-          <p:sp>
-            <p:nvSpPr>
-              <p:cNvPr id="619" name="Rectangle 618"/>
-              <p:cNvSpPr>
-                <a:spLocks noRot="1" noChangeAspect="1" noMove="1" noResize="1" noEditPoints="1" noAdjustHandles="1" noChangeArrowheads="1" noChangeShapeType="1" noTextEdit="1"/>
-              </p:cNvSpPr>
-              <p:nvPr/>
-            </p:nvSpPr>
-            <p:spPr>
-              <a:xfrm>
-                <a:off x="1583682" y="1561220"/>
-                <a:ext cx="457599" cy="453839"/>
-              </a:xfrm>
-              <a:prstGeom prst="rect">
-                <a:avLst/>
-              </a:prstGeom>
-              <a:blipFill rotWithShape="0">
-                <a:blip r:embed="rId7"/>
-                <a:stretch>
-                  <a:fillRect l="-14286" b="-3896"/>
-                </a:stretch>
-              </a:blipFill>
-            </p:spPr>
-            <p:txBody>
-              <a:bodyPr/>
-              <a:lstStyle/>
-              <a:p>
-                <a:r>
-                  <a:rPr lang="en-US">
-                    <a:noFill/>
-                  </a:rPr>
-                  <a:t> </a:t>
-                </a:r>
-              </a:p>
-            </p:txBody>
-          </p:sp>
-        </mc:Fallback>
-      </mc:AlternateContent>
-      <p:sp>
-        <p:nvSpPr>
-          <p:cNvPr id="620" name="Rectangle 619"/>
-          <p:cNvSpPr/>
-          <p:nvPr/>
-        </p:nvSpPr>
-        <p:spPr>
-          <a:xfrm>
-            <a:off x="2041281" y="1561220"/>
-            <a:ext cx="457599" cy="453839"/>
-          </a:xfrm>
-          <a:prstGeom prst="rect">
-            <a:avLst/>
-          </a:prstGeom>
-          <a:solidFill>
-            <a:schemeClr val="accent1"/>
-          </a:solidFill>
-        </p:spPr>
-        <p:style>
-          <a:lnRef idx="2">
-            <a:schemeClr val="accent1">
-              <a:shade val="50000"/>
-            </a:schemeClr>
-          </a:lnRef>
-          <a:fillRef idx="1">
-            <a:schemeClr val="accent1"/>
-          </a:fillRef>
-          <a:effectRef idx="0">
-            <a:schemeClr val="accent1"/>
-          </a:effectRef>
-          <a:fontRef idx="minor">
-            <a:schemeClr val="lt1"/>
-          </a:fontRef>
-        </p:style>
-        <p:txBody>
-          <a:bodyPr rtlCol="0" anchor="ctr"/>
-          <a:lstStyle/>
-          <a:p>
-            <a:pPr algn="ctr"/>
-            <a:endParaRPr lang="en-US" dirty="0"/>
-          </a:p>
-        </p:txBody>
-      </p:sp>
-      <p:sp>
-        <p:nvSpPr>
-          <p:cNvPr id="621" name="Rectangle 620"/>
-          <p:cNvSpPr/>
-          <p:nvPr/>
-        </p:nvSpPr>
-        <p:spPr>
-          <a:xfrm>
-            <a:off x="2498880" y="1107381"/>
-            <a:ext cx="457599" cy="453839"/>
-          </a:xfrm>
-          <a:prstGeom prst="rect">
-            <a:avLst/>
-          </a:prstGeom>
-          <a:solidFill>
-            <a:schemeClr val="accent1">
-              <a:lumMod val="20000"/>
-              <a:lumOff val="80000"/>
-            </a:schemeClr>
-          </a:solidFill>
-        </p:spPr>
-        <p:style>
-          <a:lnRef idx="2">
-            <a:schemeClr val="accent1">
-              <a:shade val="50000"/>
-            </a:schemeClr>
-          </a:lnRef>
-          <a:fillRef idx="1">
-            <a:schemeClr val="accent1"/>
-          </a:fillRef>
-          <a:effectRef idx="0">
-            <a:schemeClr val="accent1"/>
-          </a:effectRef>
-          <a:fontRef idx="minor">
-            <a:schemeClr val="lt1"/>
-          </a:fontRef>
-        </p:style>
-        <p:txBody>
-          <a:bodyPr rtlCol="0" anchor="ctr"/>
-          <a:lstStyle/>
-          <a:p>
-            <a:pPr algn="ctr"/>
-            <a:endParaRPr lang="en-US" dirty="0"/>
-          </a:p>
-        </p:txBody>
-      </p:sp>
-      <p:sp>
-        <p:nvSpPr>
-          <p:cNvPr id="622" name="Rectangle 621"/>
-          <p:cNvSpPr/>
-          <p:nvPr/>
-        </p:nvSpPr>
-        <p:spPr>
-          <a:xfrm>
-            <a:off x="2956479" y="1107381"/>
-            <a:ext cx="457599" cy="453839"/>
-          </a:xfrm>
-          <a:prstGeom prst="rect">
-            <a:avLst/>
-          </a:prstGeom>
-          <a:solidFill>
-            <a:schemeClr val="accent1">
-              <a:lumMod val="20000"/>
-              <a:lumOff val="80000"/>
-            </a:schemeClr>
-          </a:solidFill>
-        </p:spPr>
-        <p:style>
-          <a:lnRef idx="2">
-            <a:schemeClr val="accent1">
-              <a:shade val="50000"/>
-            </a:schemeClr>
-          </a:lnRef>
-          <a:fillRef idx="1">
-            <a:schemeClr val="accent1"/>
-          </a:fillRef>
-          <a:effectRef idx="0">
-            <a:schemeClr val="accent1"/>
-          </a:effectRef>
-          <a:fontRef idx="minor">
-            <a:schemeClr val="lt1"/>
-          </a:fontRef>
-        </p:style>
-        <p:txBody>
-          <a:bodyPr rtlCol="0" anchor="ctr"/>
-          <a:lstStyle/>
-          <a:p>
-            <a:pPr algn="ctr"/>
-            <a:endParaRPr lang="en-US" dirty="0"/>
-          </a:p>
-        </p:txBody>
-      </p:sp>
-      <p:sp>
-        <p:nvSpPr>
-          <p:cNvPr id="623" name="Rectangle 622"/>
-          <p:cNvSpPr/>
-          <p:nvPr/>
-        </p:nvSpPr>
-        <p:spPr>
-          <a:xfrm>
-            <a:off x="2498880" y="1561220"/>
-            <a:ext cx="457599" cy="453839"/>
-          </a:xfrm>
-          <a:prstGeom prst="rect">
-            <a:avLst/>
-          </a:prstGeom>
-          <a:solidFill>
-            <a:schemeClr val="accent1">
-              <a:lumMod val="20000"/>
-              <a:lumOff val="80000"/>
-            </a:schemeClr>
-          </a:solidFill>
-        </p:spPr>
-        <p:style>
-          <a:lnRef idx="2">
-            <a:schemeClr val="accent1">
-              <a:shade val="50000"/>
-            </a:schemeClr>
-          </a:lnRef>
-          <a:fillRef idx="1">
-            <a:schemeClr val="accent1"/>
-          </a:fillRef>
-          <a:effectRef idx="0">
-            <a:schemeClr val="accent1"/>
-          </a:effectRef>
-          <a:fontRef idx="minor">
-            <a:schemeClr val="lt1"/>
-          </a:fontRef>
-        </p:style>
-        <p:txBody>
-          <a:bodyPr rtlCol="0" anchor="ctr"/>
-          <a:lstStyle/>
-          <a:p>
-            <a:pPr algn="ctr"/>
-            <a:endParaRPr lang="en-US" dirty="0"/>
-          </a:p>
-        </p:txBody>
-      </p:sp>
-      <p:sp>
-        <p:nvSpPr>
-          <p:cNvPr id="624" name="Rectangle 623"/>
-          <p:cNvSpPr/>
-          <p:nvPr/>
-        </p:nvSpPr>
-        <p:spPr>
-          <a:xfrm>
-            <a:off x="2956479" y="1561220"/>
-            <a:ext cx="457599" cy="453839"/>
-          </a:xfrm>
-          <a:prstGeom prst="rect">
-            <a:avLst/>
-          </a:prstGeom>
-          <a:solidFill>
-            <a:schemeClr val="accent1">
-              <a:lumMod val="20000"/>
-              <a:lumOff val="80000"/>
-            </a:schemeClr>
-          </a:solidFill>
-        </p:spPr>
-        <p:style>
-          <a:lnRef idx="2">
-            <a:schemeClr val="accent1">
-              <a:shade val="50000"/>
-            </a:schemeClr>
-          </a:lnRef>
-          <a:fillRef idx="1">
-            <a:schemeClr val="accent1"/>
-          </a:fillRef>
-          <a:effectRef idx="0">
-            <a:schemeClr val="accent1"/>
-          </a:effectRef>
-          <a:fontRef idx="minor">
-            <a:schemeClr val="lt1"/>
-          </a:fontRef>
-        </p:style>
-        <p:txBody>
-          <a:bodyPr rtlCol="0" anchor="ctr"/>
-          <a:lstStyle/>
-          <a:p>
-            <a:pPr algn="ctr"/>
-            <a:endParaRPr lang="en-US" dirty="0"/>
-          </a:p>
-        </p:txBody>
-      </p:sp>
-      <p:sp>
-        <p:nvSpPr>
-          <p:cNvPr id="625" name="Rectangle 624"/>
-          <p:cNvSpPr/>
-          <p:nvPr/>
-        </p:nvSpPr>
-        <p:spPr>
-          <a:xfrm>
-            <a:off x="1583682" y="2015059"/>
-            <a:ext cx="457599" cy="453839"/>
-          </a:xfrm>
-          <a:prstGeom prst="rect">
-            <a:avLst/>
-          </a:prstGeom>
-          <a:noFill/>
-        </p:spPr>
-        <p:style>
-          <a:lnRef idx="2">
-            <a:schemeClr val="accent1">
-              <a:shade val="50000"/>
-            </a:schemeClr>
-          </a:lnRef>
-          <a:fillRef idx="1">
-            <a:schemeClr val="accent1"/>
-          </a:fillRef>
-          <a:effectRef idx="0">
-            <a:schemeClr val="accent1"/>
-          </a:effectRef>
-          <a:fontRef idx="minor">
-            <a:schemeClr val="lt1"/>
-          </a:fontRef>
-        </p:style>
-        <p:txBody>
-          <a:bodyPr rtlCol="0" anchor="ctr"/>
-          <a:lstStyle/>
-          <a:p>
-            <a:pPr algn="ctr"/>
-            <a:endParaRPr lang="en-US" dirty="0"/>
-          </a:p>
-        </p:txBody>
-      </p:sp>
-      <p:sp>
-        <p:nvSpPr>
-          <p:cNvPr id="626" name="Rectangle 625"/>
-          <p:cNvSpPr/>
-          <p:nvPr/>
-        </p:nvSpPr>
-        <p:spPr>
-          <a:xfrm>
-            <a:off x="2041281" y="2015059"/>
-            <a:ext cx="457599" cy="453839"/>
-          </a:xfrm>
-          <a:prstGeom prst="rect">
-            <a:avLst/>
-          </a:prstGeom>
-          <a:solidFill>
-            <a:schemeClr val="accent1"/>
-          </a:solidFill>
-        </p:spPr>
-        <p:style>
-          <a:lnRef idx="2">
-            <a:schemeClr val="accent1">
-              <a:shade val="50000"/>
-            </a:schemeClr>
-          </a:lnRef>
-          <a:fillRef idx="1">
-            <a:schemeClr val="accent1"/>
-          </a:fillRef>
-          <a:effectRef idx="0">
-            <a:schemeClr val="accent1"/>
-          </a:effectRef>
-          <a:fontRef idx="minor">
-            <a:schemeClr val="lt1"/>
-          </a:fontRef>
-        </p:style>
-        <p:txBody>
-          <a:bodyPr rtlCol="0" anchor="ctr"/>
-          <a:lstStyle/>
-          <a:p>
-            <a:pPr algn="ctr"/>
-            <a:endParaRPr lang="en-US" dirty="0"/>
-          </a:p>
-        </p:txBody>
-      </p:sp>
-      <p:sp>
-        <p:nvSpPr>
-          <p:cNvPr id="627" name="Rectangle 626"/>
-          <p:cNvSpPr/>
-          <p:nvPr/>
-        </p:nvSpPr>
-        <p:spPr>
-          <a:xfrm>
-            <a:off x="1583682" y="2468898"/>
-            <a:ext cx="457599" cy="453839"/>
-          </a:xfrm>
-          <a:prstGeom prst="rect">
-            <a:avLst/>
-          </a:prstGeom>
-          <a:noFill/>
-        </p:spPr>
-        <p:style>
-          <a:lnRef idx="2">
-            <a:schemeClr val="accent1">
-              <a:shade val="50000"/>
-            </a:schemeClr>
-          </a:lnRef>
-          <a:fillRef idx="1">
-            <a:schemeClr val="accent1"/>
-          </a:fillRef>
-          <a:effectRef idx="0">
-            <a:schemeClr val="accent1"/>
-          </a:effectRef>
-          <a:fontRef idx="minor">
-            <a:schemeClr val="lt1"/>
-          </a:fontRef>
-        </p:style>
-        <p:txBody>
-          <a:bodyPr rtlCol="0" anchor="ctr"/>
-          <a:lstStyle/>
-          <a:p>
-            <a:pPr algn="ctr"/>
-            <a:endParaRPr lang="en-US" dirty="0"/>
-          </a:p>
-        </p:txBody>
-      </p:sp>
-      <p:sp>
-        <p:nvSpPr>
-          <p:cNvPr id="628" name="Rectangle 627"/>
-          <p:cNvSpPr/>
-          <p:nvPr/>
-        </p:nvSpPr>
-        <p:spPr>
-          <a:xfrm>
-            <a:off x="2041281" y="2468898"/>
-            <a:ext cx="457599" cy="453839"/>
-          </a:xfrm>
-          <a:prstGeom prst="rect">
-            <a:avLst/>
-          </a:prstGeom>
-          <a:solidFill>
-            <a:schemeClr val="accent1"/>
-          </a:solidFill>
-        </p:spPr>
-        <p:style>
-          <a:lnRef idx="2">
-            <a:schemeClr val="accent1">
-              <a:shade val="50000"/>
-            </a:schemeClr>
-          </a:lnRef>
-          <a:fillRef idx="1">
-            <a:schemeClr val="accent1"/>
-          </a:fillRef>
-          <a:effectRef idx="0">
-            <a:schemeClr val="accent1"/>
-          </a:effectRef>
-          <a:fontRef idx="minor">
-            <a:schemeClr val="lt1"/>
-          </a:fontRef>
-        </p:style>
-        <p:txBody>
-          <a:bodyPr rtlCol="0" anchor="ctr"/>
-          <a:lstStyle/>
-          <a:p>
-            <a:pPr algn="ctr"/>
-            <a:endParaRPr lang="en-US" dirty="0"/>
-          </a:p>
-        </p:txBody>
-      </p:sp>
-      <p:sp>
-        <p:nvSpPr>
-          <p:cNvPr id="629" name="Rectangle 628"/>
-          <p:cNvSpPr/>
-          <p:nvPr/>
-        </p:nvSpPr>
-        <p:spPr>
-          <a:xfrm>
-            <a:off x="2498880" y="2015059"/>
-            <a:ext cx="457599" cy="453839"/>
-          </a:xfrm>
-          <a:prstGeom prst="rect">
-            <a:avLst/>
-          </a:prstGeom>
-          <a:solidFill>
-            <a:schemeClr val="accent1">
-              <a:lumMod val="20000"/>
-              <a:lumOff val="80000"/>
-            </a:schemeClr>
-          </a:solidFill>
-        </p:spPr>
-        <p:style>
-          <a:lnRef idx="2">
-            <a:schemeClr val="accent1">
-              <a:shade val="50000"/>
-            </a:schemeClr>
-          </a:lnRef>
-          <a:fillRef idx="1">
-            <a:schemeClr val="accent1"/>
-          </a:fillRef>
-          <a:effectRef idx="0">
-            <a:schemeClr val="accent1"/>
-          </a:effectRef>
-          <a:fontRef idx="minor">
-            <a:schemeClr val="lt1"/>
-          </a:fontRef>
-        </p:style>
-        <p:txBody>
-          <a:bodyPr rtlCol="0" anchor="ctr"/>
-          <a:lstStyle/>
-          <a:p>
-            <a:pPr algn="ctr"/>
-            <a:endParaRPr lang="en-US" dirty="0"/>
-          </a:p>
-        </p:txBody>
-      </p:sp>
-      <p:sp>
-        <p:nvSpPr>
-          <p:cNvPr id="630" name="Rectangle 629"/>
-          <p:cNvSpPr/>
-          <p:nvPr/>
-        </p:nvSpPr>
-        <p:spPr>
-          <a:xfrm>
-            <a:off x="2956479" y="2015059"/>
-            <a:ext cx="457599" cy="453839"/>
-          </a:xfrm>
-          <a:prstGeom prst="rect">
-            <a:avLst/>
-          </a:prstGeom>
-          <a:solidFill>
-            <a:schemeClr val="accent1">
-              <a:lumMod val="20000"/>
-              <a:lumOff val="80000"/>
-            </a:schemeClr>
-          </a:solidFill>
-        </p:spPr>
-        <p:style>
-          <a:lnRef idx="2">
-            <a:schemeClr val="accent1">
-              <a:shade val="50000"/>
-            </a:schemeClr>
-          </a:lnRef>
-          <a:fillRef idx="1">
-            <a:schemeClr val="accent1"/>
-          </a:fillRef>
-          <a:effectRef idx="0">
-            <a:schemeClr val="accent1"/>
-          </a:effectRef>
-          <a:fontRef idx="minor">
-            <a:schemeClr val="lt1"/>
-          </a:fontRef>
-        </p:style>
-        <p:txBody>
-          <a:bodyPr rtlCol="0" anchor="ctr"/>
-          <a:lstStyle/>
-          <a:p>
-            <a:pPr algn="ctr"/>
-            <a:endParaRPr lang="en-US" dirty="0"/>
-          </a:p>
-        </p:txBody>
-      </p:sp>
-      <p:sp>
-        <p:nvSpPr>
-          <p:cNvPr id="631" name="Rectangle 630"/>
-          <p:cNvSpPr/>
-          <p:nvPr/>
-        </p:nvSpPr>
-        <p:spPr>
-          <a:xfrm>
-            <a:off x="2498880" y="2468898"/>
-            <a:ext cx="457599" cy="453839"/>
-          </a:xfrm>
-          <a:prstGeom prst="rect">
-            <a:avLst/>
-          </a:prstGeom>
-          <a:solidFill>
-            <a:schemeClr val="accent1">
-              <a:lumMod val="20000"/>
-              <a:lumOff val="80000"/>
-            </a:schemeClr>
-          </a:solidFill>
-        </p:spPr>
-        <p:style>
-          <a:lnRef idx="2">
-            <a:schemeClr val="accent1">
-              <a:shade val="50000"/>
-            </a:schemeClr>
-          </a:lnRef>
-          <a:fillRef idx="1">
-            <a:schemeClr val="accent1"/>
-          </a:fillRef>
-          <a:effectRef idx="0">
-            <a:schemeClr val="accent1"/>
-          </a:effectRef>
-          <a:fontRef idx="minor">
-            <a:schemeClr val="lt1"/>
-          </a:fontRef>
-        </p:style>
-        <p:txBody>
-          <a:bodyPr rtlCol="0" anchor="ctr"/>
-          <a:lstStyle/>
-          <a:p>
-            <a:pPr algn="ctr"/>
-            <a:endParaRPr lang="en-US" dirty="0"/>
-          </a:p>
-        </p:txBody>
-      </p:sp>
-      <p:sp>
-        <p:nvSpPr>
-          <p:cNvPr id="632" name="Rectangle 631"/>
-          <p:cNvSpPr/>
-          <p:nvPr/>
-        </p:nvSpPr>
-        <p:spPr>
-          <a:xfrm>
-            <a:off x="2956479" y="2468898"/>
-            <a:ext cx="457599" cy="453839"/>
-          </a:xfrm>
-          <a:prstGeom prst="rect">
-            <a:avLst/>
-          </a:prstGeom>
-          <a:solidFill>
-            <a:schemeClr val="accent1">
-              <a:lumMod val="20000"/>
-              <a:lumOff val="80000"/>
-            </a:schemeClr>
-          </a:solidFill>
-        </p:spPr>
-        <p:style>
-          <a:lnRef idx="2">
-            <a:schemeClr val="accent1">
-              <a:shade val="50000"/>
-            </a:schemeClr>
-          </a:lnRef>
-          <a:fillRef idx="1">
-            <a:schemeClr val="accent1"/>
-          </a:fillRef>
-          <a:effectRef idx="0">
-            <a:schemeClr val="accent1"/>
-          </a:effectRef>
-          <a:fontRef idx="minor">
-            <a:schemeClr val="lt1"/>
-          </a:fontRef>
-        </p:style>
-        <p:txBody>
-          <a:bodyPr rtlCol="0" anchor="ctr"/>
-          <a:lstStyle/>
-          <a:p>
-            <a:pPr algn="ctr"/>
-            <a:endParaRPr lang="en-US" dirty="0"/>
-          </a:p>
-        </p:txBody>
-      </p:sp>
-      <p:sp>
-        <p:nvSpPr>
-          <p:cNvPr id="633" name="Rectangle 632"/>
-          <p:cNvSpPr/>
-          <p:nvPr/>
-        </p:nvSpPr>
-        <p:spPr>
-          <a:xfrm>
-            <a:off x="3414078" y="1107381"/>
-            <a:ext cx="457599" cy="453839"/>
-          </a:xfrm>
-          <a:prstGeom prst="rect">
-            <a:avLst/>
-          </a:prstGeom>
-          <a:solidFill>
-            <a:schemeClr val="accent1">
-              <a:lumMod val="20000"/>
-              <a:lumOff val="80000"/>
-            </a:schemeClr>
-          </a:solidFill>
-        </p:spPr>
-        <p:style>
-          <a:lnRef idx="2">
-            <a:schemeClr val="accent1">
-              <a:shade val="50000"/>
-            </a:schemeClr>
-          </a:lnRef>
-          <a:fillRef idx="1">
-            <a:schemeClr val="accent1"/>
-          </a:fillRef>
-          <a:effectRef idx="0">
-            <a:schemeClr val="accent1"/>
-          </a:effectRef>
-          <a:fontRef idx="minor">
-            <a:schemeClr val="lt1"/>
-          </a:fontRef>
-        </p:style>
-        <p:txBody>
-          <a:bodyPr rtlCol="0" anchor="ctr"/>
-          <a:lstStyle/>
-          <a:p>
-            <a:pPr algn="ctr"/>
-            <a:endParaRPr lang="en-US" dirty="0"/>
-          </a:p>
-        </p:txBody>
-      </p:sp>
-      <p:sp>
-        <p:nvSpPr>
-          <p:cNvPr id="634" name="Rectangle 633"/>
-          <p:cNvSpPr/>
-          <p:nvPr/>
-        </p:nvSpPr>
-        <p:spPr>
-          <a:xfrm>
-            <a:off x="3871677" y="1107381"/>
-            <a:ext cx="457599" cy="453839"/>
-          </a:xfrm>
-          <a:prstGeom prst="rect">
-            <a:avLst/>
-          </a:prstGeom>
-          <a:solidFill>
-            <a:schemeClr val="accent1">
-              <a:lumMod val="20000"/>
-              <a:lumOff val="80000"/>
-            </a:schemeClr>
-          </a:solidFill>
-        </p:spPr>
-        <p:style>
-          <a:lnRef idx="2">
-            <a:schemeClr val="accent1">
-              <a:shade val="50000"/>
-            </a:schemeClr>
-          </a:lnRef>
-          <a:fillRef idx="1">
-            <a:schemeClr val="accent1"/>
-          </a:fillRef>
-          <a:effectRef idx="0">
-            <a:schemeClr val="accent1"/>
-          </a:effectRef>
-          <a:fontRef idx="minor">
-            <a:schemeClr val="lt1"/>
-          </a:fontRef>
-        </p:style>
-        <p:txBody>
-          <a:bodyPr rtlCol="0" anchor="ctr"/>
-          <a:lstStyle/>
-          <a:p>
-            <a:pPr algn="ctr"/>
-            <a:endParaRPr lang="en-US" dirty="0"/>
-          </a:p>
-        </p:txBody>
-      </p:sp>
-      <p:sp>
-        <p:nvSpPr>
-          <p:cNvPr id="635" name="Rectangle 634"/>
-          <p:cNvSpPr/>
-          <p:nvPr/>
-        </p:nvSpPr>
-        <p:spPr>
-          <a:xfrm>
-            <a:off x="3414078" y="1561220"/>
-            <a:ext cx="457599" cy="453839"/>
-          </a:xfrm>
-          <a:prstGeom prst="rect">
-            <a:avLst/>
-          </a:prstGeom>
-          <a:solidFill>
-            <a:schemeClr val="accent1">
-              <a:lumMod val="20000"/>
-              <a:lumOff val="80000"/>
-            </a:schemeClr>
-          </a:solidFill>
-        </p:spPr>
-        <p:style>
-          <a:lnRef idx="2">
-            <a:schemeClr val="accent1">
-              <a:shade val="50000"/>
-            </a:schemeClr>
-          </a:lnRef>
-          <a:fillRef idx="1">
-            <a:schemeClr val="accent1"/>
-          </a:fillRef>
-          <a:effectRef idx="0">
-            <a:schemeClr val="accent1"/>
-          </a:effectRef>
-          <a:fontRef idx="minor">
-            <a:schemeClr val="lt1"/>
-          </a:fontRef>
-        </p:style>
-        <p:txBody>
-          <a:bodyPr rtlCol="0" anchor="ctr"/>
-          <a:lstStyle/>
-          <a:p>
-            <a:pPr algn="ctr"/>
-            <a:r>
-              <a:rPr lang="en-US" dirty="0"/>
-              <a:t> </a:t>
-            </a:r>
-          </a:p>
-        </p:txBody>
-      </p:sp>
-      <p:sp>
-        <p:nvSpPr>
-          <p:cNvPr id="636" name="Rectangle 635"/>
-          <p:cNvSpPr/>
-          <p:nvPr/>
-        </p:nvSpPr>
-        <p:spPr>
-          <a:xfrm>
-            <a:off x="3871677" y="1561220"/>
-            <a:ext cx="457599" cy="453839"/>
-          </a:xfrm>
-          <a:prstGeom prst="rect">
-            <a:avLst/>
-          </a:prstGeom>
-          <a:solidFill>
-            <a:schemeClr val="accent1">
-              <a:lumMod val="20000"/>
-              <a:lumOff val="80000"/>
-            </a:schemeClr>
-          </a:solidFill>
-        </p:spPr>
-        <p:style>
-          <a:lnRef idx="2">
-            <a:schemeClr val="accent1">
-              <a:shade val="50000"/>
-            </a:schemeClr>
-          </a:lnRef>
-          <a:fillRef idx="1">
-            <a:schemeClr val="accent1"/>
-          </a:fillRef>
-          <a:effectRef idx="0">
-            <a:schemeClr val="accent1"/>
-          </a:effectRef>
-          <a:fontRef idx="minor">
-            <a:schemeClr val="lt1"/>
-          </a:fontRef>
-        </p:style>
-        <p:txBody>
-          <a:bodyPr rtlCol="0" anchor="ctr"/>
-          <a:lstStyle/>
-          <a:p>
-            <a:pPr algn="ctr"/>
-            <a:endParaRPr lang="en-US" dirty="0"/>
-          </a:p>
-        </p:txBody>
-      </p:sp>
-      <p:sp>
-        <p:nvSpPr>
-          <p:cNvPr id="637" name="Rectangle 636"/>
-          <p:cNvSpPr/>
-          <p:nvPr/>
-        </p:nvSpPr>
-        <p:spPr>
-          <a:xfrm>
-            <a:off x="3414078" y="2015059"/>
-            <a:ext cx="457599" cy="453839"/>
-          </a:xfrm>
-          <a:prstGeom prst="rect">
-            <a:avLst/>
-          </a:prstGeom>
-          <a:solidFill>
-            <a:schemeClr val="accent1">
-              <a:lumMod val="20000"/>
-              <a:lumOff val="80000"/>
-            </a:schemeClr>
-          </a:solidFill>
-        </p:spPr>
-        <p:style>
-          <a:lnRef idx="2">
-            <a:schemeClr val="accent1">
-              <a:shade val="50000"/>
-            </a:schemeClr>
-          </a:lnRef>
-          <a:fillRef idx="1">
-            <a:schemeClr val="accent1"/>
-          </a:fillRef>
-          <a:effectRef idx="0">
-            <a:schemeClr val="accent1"/>
-          </a:effectRef>
-          <a:fontRef idx="minor">
-            <a:schemeClr val="lt1"/>
-          </a:fontRef>
-        </p:style>
-        <p:txBody>
-          <a:bodyPr rtlCol="0" anchor="ctr"/>
-          <a:lstStyle/>
-          <a:p>
-            <a:pPr algn="ctr"/>
-            <a:endParaRPr lang="en-US" dirty="0"/>
-          </a:p>
-        </p:txBody>
-      </p:sp>
-      <p:sp>
-        <p:nvSpPr>
-          <p:cNvPr id="638" name="Rectangle 637"/>
-          <p:cNvSpPr/>
-          <p:nvPr/>
-        </p:nvSpPr>
-        <p:spPr>
-          <a:xfrm>
-            <a:off x="3871677" y="2015059"/>
-            <a:ext cx="457599" cy="453839"/>
-          </a:xfrm>
-          <a:prstGeom prst="rect">
-            <a:avLst/>
-          </a:prstGeom>
-          <a:solidFill>
-            <a:schemeClr val="accent1">
-              <a:lumMod val="20000"/>
-              <a:lumOff val="80000"/>
-            </a:schemeClr>
-          </a:solidFill>
-        </p:spPr>
-        <p:style>
-          <a:lnRef idx="2">
-            <a:schemeClr val="accent1">
-              <a:shade val="50000"/>
-            </a:schemeClr>
-          </a:lnRef>
-          <a:fillRef idx="1">
-            <a:schemeClr val="accent1"/>
-          </a:fillRef>
-          <a:effectRef idx="0">
-            <a:schemeClr val="accent1"/>
-          </a:effectRef>
-          <a:fontRef idx="minor">
-            <a:schemeClr val="lt1"/>
-          </a:fontRef>
-        </p:style>
-        <p:txBody>
-          <a:bodyPr rtlCol="0" anchor="ctr"/>
-          <a:lstStyle/>
-          <a:p>
-            <a:pPr algn="ctr"/>
-            <a:endParaRPr lang="en-US" dirty="0"/>
-          </a:p>
-        </p:txBody>
-      </p:sp>
-      <p:sp>
-        <p:nvSpPr>
-          <p:cNvPr id="639" name="Rectangle 638"/>
-          <p:cNvSpPr/>
-          <p:nvPr/>
-        </p:nvSpPr>
-        <p:spPr>
-          <a:xfrm>
-            <a:off x="3414078" y="2468898"/>
-            <a:ext cx="457599" cy="453839"/>
-          </a:xfrm>
-          <a:prstGeom prst="rect">
-            <a:avLst/>
-          </a:prstGeom>
-          <a:solidFill>
-            <a:schemeClr val="accent1">
-              <a:lumMod val="20000"/>
-              <a:lumOff val="80000"/>
-            </a:schemeClr>
-          </a:solidFill>
-        </p:spPr>
-        <p:style>
-          <a:lnRef idx="2">
-            <a:schemeClr val="accent1">
-              <a:shade val="50000"/>
-            </a:schemeClr>
-          </a:lnRef>
-          <a:fillRef idx="1">
-            <a:schemeClr val="accent1"/>
-          </a:fillRef>
-          <a:effectRef idx="0">
-            <a:schemeClr val="accent1"/>
-          </a:effectRef>
-          <a:fontRef idx="minor">
-            <a:schemeClr val="lt1"/>
-          </a:fontRef>
-        </p:style>
-        <p:txBody>
-          <a:bodyPr rtlCol="0" anchor="ctr"/>
-          <a:lstStyle/>
-          <a:p>
-            <a:pPr algn="ctr"/>
-            <a:endParaRPr lang="en-US" dirty="0"/>
-          </a:p>
-        </p:txBody>
-      </p:sp>
-      <p:sp>
-        <p:nvSpPr>
-          <p:cNvPr id="640" name="Rectangle 639"/>
-          <p:cNvSpPr/>
-          <p:nvPr/>
-        </p:nvSpPr>
-        <p:spPr>
-          <a:xfrm>
-            <a:off x="3871677" y="2468898"/>
-            <a:ext cx="457599" cy="453839"/>
-          </a:xfrm>
-          <a:prstGeom prst="rect">
-            <a:avLst/>
-          </a:prstGeom>
-          <a:solidFill>
-            <a:schemeClr val="accent1">
-              <a:lumMod val="20000"/>
-              <a:lumOff val="80000"/>
-            </a:schemeClr>
-          </a:solidFill>
-        </p:spPr>
-        <p:style>
-          <a:lnRef idx="2">
-            <a:schemeClr val="accent1">
-              <a:shade val="50000"/>
-            </a:schemeClr>
-          </a:lnRef>
-          <a:fillRef idx="1">
-            <a:schemeClr val="accent1"/>
-          </a:fillRef>
-          <a:effectRef idx="0">
-            <a:schemeClr val="accent1"/>
-          </a:effectRef>
-          <a:fontRef idx="minor">
-            <a:schemeClr val="lt1"/>
-          </a:fontRef>
-        </p:style>
-        <p:txBody>
-          <a:bodyPr rtlCol="0" anchor="ctr"/>
-          <a:lstStyle/>
-          <a:p>
-            <a:pPr algn="ctr"/>
-            <a:endParaRPr lang="en-US" dirty="0"/>
-          </a:p>
-        </p:txBody>
-      </p:sp>
-      <mc:AlternateContent xmlns:mc="http://schemas.openxmlformats.org/markup-compatibility/2006" xmlns:a14="http://schemas.microsoft.com/office/drawing/2010/main">
-        <mc:Choice Requires="a14">
-          <p:sp>
-            <p:nvSpPr>
-              <p:cNvPr id="641" name="Rectangle 640"/>
-              <p:cNvSpPr/>
-              <p:nvPr/>
-            </p:nvSpPr>
-            <p:spPr>
-              <a:xfrm>
-                <a:off x="1570206" y="676521"/>
-                <a:ext cx="457599" cy="453839"/>
-              </a:xfrm>
-              <a:prstGeom prst="rect">
-                <a:avLst/>
-              </a:prstGeom>
-              <a:noFill/>
-              <a:ln>
+              </p:spPr>
+              <p:style>
+                <a:lnRef idx="2">
+                  <a:schemeClr val="accent1">
+                    <a:shade val="50000"/>
+                  </a:schemeClr>
+                </a:lnRef>
+                <a:fillRef idx="1">
+                  <a:schemeClr val="accent1"/>
+                </a:fillRef>
+                <a:effectRef idx="0">
+                  <a:schemeClr val="accent1"/>
+                </a:effectRef>
+                <a:fontRef idx="minor">
+                  <a:schemeClr val="lt1"/>
+                </a:fontRef>
+              </p:style>
+              <p:txBody>
+                <a:bodyPr rtlCol="0" anchor="ctr"/>
+                <a:lstStyle/>
+                <a:p>
+                  <a:pPr algn="ctr"/>
+                  <a14:m>
+                    <m:oMathPara xmlns:m="http://schemas.openxmlformats.org/officeDocument/2006/math">
+                      <m:oMathParaPr>
+                        <m:jc m:val="centerGroup"/>
+                      </m:oMathParaPr>
+                      <m:oMath xmlns:m="http://schemas.openxmlformats.org/officeDocument/2006/math">
+                        <m:r>
+                          <a:rPr lang="en-US" sz="2000" i="1" smtClean="0">
+                            <a:latin typeface="Cambria Math" panose="02040503050406030204" pitchFamily="18" charset="0"/>
+                          </a:rPr>
+                          <m:t> </m:t>
+                        </m:r>
+                        <m:sSub>
+                          <m:sSubPr>
+                            <m:ctrlPr>
+                              <a:rPr lang="en-US" sz="2000" i="1">
+                                <a:latin typeface="Cambria Math" panose="02040503050406030204" pitchFamily="18" charset="0"/>
+                              </a:rPr>
+                            </m:ctrlPr>
+                          </m:sSubPr>
+                          <m:e>
+                            <m:r>
+                              <a:rPr lang="en-US" sz="2000" b="0" i="1" smtClean="0">
+                                <a:latin typeface="Cambria Math" panose="02040503050406030204" pitchFamily="18" charset="0"/>
+                              </a:rPr>
+                              <m:t>𝛽</m:t>
+                            </m:r>
+                          </m:e>
+                          <m:sub>
+                            <m:r>
+                              <a:rPr lang="en-US" sz="2000" i="1">
+                                <a:latin typeface="Cambria Math" panose="02040503050406030204" pitchFamily="18" charset="0"/>
+                              </a:rPr>
+                              <m:t>𝑗</m:t>
+                            </m:r>
+                            <m:r>
+                              <a:rPr lang="en-US" sz="2000" i="1">
+                                <a:latin typeface="Cambria Math" panose="02040503050406030204" pitchFamily="18" charset="0"/>
+                              </a:rPr>
+                              <m:t>,</m:t>
+                            </m:r>
+                            <m:r>
+                              <a:rPr lang="en-US" sz="2000" i="1">
+                                <a:latin typeface="Cambria Math" panose="02040503050406030204" pitchFamily="18" charset="0"/>
+                              </a:rPr>
+                              <m:t>𝑡</m:t>
+                            </m:r>
+                          </m:sub>
+                        </m:sSub>
+                      </m:oMath>
+                    </m:oMathPara>
+                  </a14:m>
+                  <a:endParaRPr lang="en-US" sz="2000" dirty="0"/>
+                </a:p>
+              </p:txBody>
+            </p:sp>
+          </mc:Choice>
+          <mc:Fallback xmlns="">
+            <p:sp>
+              <p:nvSpPr>
+                <p:cNvPr id="619" name="Rectangle 618"/>
+                <p:cNvSpPr>
+                  <a:spLocks noRot="1" noChangeAspect="1" noMove="1" noResize="1" noEditPoints="1" noAdjustHandles="1" noChangeArrowheads="1" noChangeShapeType="1" noTextEdit="1"/>
+                </p:cNvSpPr>
+                <p:nvPr/>
+              </p:nvSpPr>
+              <p:spPr>
+                <a:xfrm>
+                  <a:off x="1583682" y="1561220"/>
+                  <a:ext cx="457599" cy="453839"/>
+                </a:xfrm>
+                <a:prstGeom prst="rect">
+                  <a:avLst/>
+                </a:prstGeom>
+                <a:blipFill rotWithShape="0">
+                  <a:blip r:embed="rId7"/>
+                  <a:stretch>
+                    <a:fillRect l="-14286" b="-3896"/>
+                  </a:stretch>
+                </a:blipFill>
+              </p:spPr>
+              <p:txBody>
+                <a:bodyPr/>
+                <a:lstStyle/>
+                <a:p>
+                  <a:r>
+                    <a:rPr lang="en-US">
+                      <a:noFill/>
+                    </a:rPr>
+                    <a:t> </a:t>
+                  </a:r>
+                </a:p>
+              </p:txBody>
+            </p:sp>
+          </mc:Fallback>
+        </mc:AlternateContent>
+        <p:sp>
+          <p:nvSpPr>
+            <p:cNvPr id="620" name="Rectangle 619"/>
+            <p:cNvSpPr/>
+            <p:nvPr/>
+          </p:nvSpPr>
+          <p:spPr>
+            <a:xfrm>
+              <a:off x="2041281" y="1561220"/>
+              <a:ext cx="457599" cy="453839"/>
+            </a:xfrm>
+            <a:prstGeom prst="rect">
+              <a:avLst/>
+            </a:prstGeom>
+            <a:solidFill>
+              <a:schemeClr val="accent1"/>
+            </a:solidFill>
+          </p:spPr>
+          <p:style>
+            <a:lnRef idx="2">
+              <a:schemeClr val="accent1">
+                <a:shade val="50000"/>
+              </a:schemeClr>
+            </a:lnRef>
+            <a:fillRef idx="1">
+              <a:schemeClr val="accent1"/>
+            </a:fillRef>
+            <a:effectRef idx="0">
+              <a:schemeClr val="accent1"/>
+            </a:effectRef>
+            <a:fontRef idx="minor">
+              <a:schemeClr val="lt1"/>
+            </a:fontRef>
+          </p:style>
+          <p:txBody>
+            <a:bodyPr rtlCol="0" anchor="ctr"/>
+            <a:lstStyle/>
+            <a:p>
+              <a:pPr algn="ctr"/>
+              <a:endParaRPr lang="en-US" dirty="0"/>
+            </a:p>
+          </p:txBody>
+        </p:sp>
+        <p:sp>
+          <p:nvSpPr>
+            <p:cNvPr id="621" name="Rectangle 620"/>
+            <p:cNvSpPr/>
+            <p:nvPr/>
+          </p:nvSpPr>
+          <p:spPr>
+            <a:xfrm>
+              <a:off x="2498880" y="1107381"/>
+              <a:ext cx="457599" cy="453839"/>
+            </a:xfrm>
+            <a:prstGeom prst="rect">
+              <a:avLst/>
+            </a:prstGeom>
+            <a:solidFill>
+              <a:schemeClr val="accent1">
+                <a:lumMod val="20000"/>
+                <a:lumOff val="80000"/>
+              </a:schemeClr>
+            </a:solidFill>
+          </p:spPr>
+          <p:style>
+            <a:lnRef idx="2">
+              <a:schemeClr val="accent1">
+                <a:shade val="50000"/>
+              </a:schemeClr>
+            </a:lnRef>
+            <a:fillRef idx="1">
+              <a:schemeClr val="accent1"/>
+            </a:fillRef>
+            <a:effectRef idx="0">
+              <a:schemeClr val="accent1"/>
+            </a:effectRef>
+            <a:fontRef idx="minor">
+              <a:schemeClr val="lt1"/>
+            </a:fontRef>
+          </p:style>
+          <p:txBody>
+            <a:bodyPr rtlCol="0" anchor="ctr"/>
+            <a:lstStyle/>
+            <a:p>
+              <a:pPr algn="ctr"/>
+              <a:endParaRPr lang="en-US" dirty="0"/>
+            </a:p>
+          </p:txBody>
+        </p:sp>
+        <p:sp>
+          <p:nvSpPr>
+            <p:cNvPr id="622" name="Rectangle 621"/>
+            <p:cNvSpPr/>
+            <p:nvPr/>
+          </p:nvSpPr>
+          <p:spPr>
+            <a:xfrm>
+              <a:off x="2956479" y="1107381"/>
+              <a:ext cx="457599" cy="453839"/>
+            </a:xfrm>
+            <a:prstGeom prst="rect">
+              <a:avLst/>
+            </a:prstGeom>
+            <a:solidFill>
+              <a:schemeClr val="accent1">
+                <a:lumMod val="20000"/>
+                <a:lumOff val="80000"/>
+              </a:schemeClr>
+            </a:solidFill>
+          </p:spPr>
+          <p:style>
+            <a:lnRef idx="2">
+              <a:schemeClr val="accent1">
+                <a:shade val="50000"/>
+              </a:schemeClr>
+            </a:lnRef>
+            <a:fillRef idx="1">
+              <a:schemeClr val="accent1"/>
+            </a:fillRef>
+            <a:effectRef idx="0">
+              <a:schemeClr val="accent1"/>
+            </a:effectRef>
+            <a:fontRef idx="minor">
+              <a:schemeClr val="lt1"/>
+            </a:fontRef>
+          </p:style>
+          <p:txBody>
+            <a:bodyPr rtlCol="0" anchor="ctr"/>
+            <a:lstStyle/>
+            <a:p>
+              <a:pPr algn="ctr"/>
+              <a:endParaRPr lang="en-US" dirty="0"/>
+            </a:p>
+          </p:txBody>
+        </p:sp>
+        <p:sp>
+          <p:nvSpPr>
+            <p:cNvPr id="623" name="Rectangle 622"/>
+            <p:cNvSpPr/>
+            <p:nvPr/>
+          </p:nvSpPr>
+          <p:spPr>
+            <a:xfrm>
+              <a:off x="2498880" y="1561220"/>
+              <a:ext cx="457599" cy="453839"/>
+            </a:xfrm>
+            <a:prstGeom prst="rect">
+              <a:avLst/>
+            </a:prstGeom>
+            <a:solidFill>
+              <a:schemeClr val="accent1">
+                <a:lumMod val="20000"/>
+                <a:lumOff val="80000"/>
+              </a:schemeClr>
+            </a:solidFill>
+          </p:spPr>
+          <p:style>
+            <a:lnRef idx="2">
+              <a:schemeClr val="accent1">
+                <a:shade val="50000"/>
+              </a:schemeClr>
+            </a:lnRef>
+            <a:fillRef idx="1">
+              <a:schemeClr val="accent1"/>
+            </a:fillRef>
+            <a:effectRef idx="0">
+              <a:schemeClr val="accent1"/>
+            </a:effectRef>
+            <a:fontRef idx="minor">
+              <a:schemeClr val="lt1"/>
+            </a:fontRef>
+          </p:style>
+          <p:txBody>
+            <a:bodyPr rtlCol="0" anchor="ctr"/>
+            <a:lstStyle/>
+            <a:p>
+              <a:pPr algn="ctr"/>
+              <a:endParaRPr lang="en-US" dirty="0"/>
+            </a:p>
+          </p:txBody>
+        </p:sp>
+        <p:sp>
+          <p:nvSpPr>
+            <p:cNvPr id="624" name="Rectangle 623"/>
+            <p:cNvSpPr/>
+            <p:nvPr/>
+          </p:nvSpPr>
+          <p:spPr>
+            <a:xfrm>
+              <a:off x="2956479" y="1561220"/>
+              <a:ext cx="457599" cy="453839"/>
+            </a:xfrm>
+            <a:prstGeom prst="rect">
+              <a:avLst/>
+            </a:prstGeom>
+            <a:solidFill>
+              <a:schemeClr val="accent1">
+                <a:lumMod val="20000"/>
+                <a:lumOff val="80000"/>
+              </a:schemeClr>
+            </a:solidFill>
+          </p:spPr>
+          <p:style>
+            <a:lnRef idx="2">
+              <a:schemeClr val="accent1">
+                <a:shade val="50000"/>
+              </a:schemeClr>
+            </a:lnRef>
+            <a:fillRef idx="1">
+              <a:schemeClr val="accent1"/>
+            </a:fillRef>
+            <a:effectRef idx="0">
+              <a:schemeClr val="accent1"/>
+            </a:effectRef>
+            <a:fontRef idx="minor">
+              <a:schemeClr val="lt1"/>
+            </a:fontRef>
+          </p:style>
+          <p:txBody>
+            <a:bodyPr rtlCol="0" anchor="ctr"/>
+            <a:lstStyle/>
+            <a:p>
+              <a:pPr algn="ctr"/>
+              <a:endParaRPr lang="en-US" dirty="0"/>
+            </a:p>
+          </p:txBody>
+        </p:sp>
+        <p:sp>
+          <p:nvSpPr>
+            <p:cNvPr id="625" name="Rectangle 624"/>
+            <p:cNvSpPr/>
+            <p:nvPr/>
+          </p:nvSpPr>
+          <p:spPr>
+            <a:xfrm>
+              <a:off x="1583682" y="2015059"/>
+              <a:ext cx="457599" cy="453839"/>
+            </a:xfrm>
+            <a:prstGeom prst="rect">
+              <a:avLst/>
+            </a:prstGeom>
+            <a:noFill/>
+          </p:spPr>
+          <p:style>
+            <a:lnRef idx="2">
+              <a:schemeClr val="accent1">
+                <a:shade val="50000"/>
+              </a:schemeClr>
+            </a:lnRef>
+            <a:fillRef idx="1">
+              <a:schemeClr val="accent1"/>
+            </a:fillRef>
+            <a:effectRef idx="0">
+              <a:schemeClr val="accent1"/>
+            </a:effectRef>
+            <a:fontRef idx="minor">
+              <a:schemeClr val="lt1"/>
+            </a:fontRef>
+          </p:style>
+          <p:txBody>
+            <a:bodyPr rtlCol="0" anchor="ctr"/>
+            <a:lstStyle/>
+            <a:p>
+              <a:pPr algn="ctr"/>
+              <a:endParaRPr lang="en-US" dirty="0"/>
+            </a:p>
+          </p:txBody>
+        </p:sp>
+        <p:sp>
+          <p:nvSpPr>
+            <p:cNvPr id="626" name="Rectangle 625"/>
+            <p:cNvSpPr/>
+            <p:nvPr/>
+          </p:nvSpPr>
+          <p:spPr>
+            <a:xfrm>
+              <a:off x="2041281" y="2015059"/>
+              <a:ext cx="457599" cy="453839"/>
+            </a:xfrm>
+            <a:prstGeom prst="rect">
+              <a:avLst/>
+            </a:prstGeom>
+            <a:solidFill>
+              <a:schemeClr val="accent1"/>
+            </a:solidFill>
+          </p:spPr>
+          <p:style>
+            <a:lnRef idx="2">
+              <a:schemeClr val="accent1">
+                <a:shade val="50000"/>
+              </a:schemeClr>
+            </a:lnRef>
+            <a:fillRef idx="1">
+              <a:schemeClr val="accent1"/>
+            </a:fillRef>
+            <a:effectRef idx="0">
+              <a:schemeClr val="accent1"/>
+            </a:effectRef>
+            <a:fontRef idx="minor">
+              <a:schemeClr val="lt1"/>
+            </a:fontRef>
+          </p:style>
+          <p:txBody>
+            <a:bodyPr rtlCol="0" anchor="ctr"/>
+            <a:lstStyle/>
+            <a:p>
+              <a:pPr algn="ctr"/>
+              <a:endParaRPr lang="en-US" dirty="0"/>
+            </a:p>
+          </p:txBody>
+        </p:sp>
+        <p:sp>
+          <p:nvSpPr>
+            <p:cNvPr id="627" name="Rectangle 626"/>
+            <p:cNvSpPr/>
+            <p:nvPr/>
+          </p:nvSpPr>
+          <p:spPr>
+            <a:xfrm>
+              <a:off x="1583682" y="2468898"/>
+              <a:ext cx="457599" cy="453839"/>
+            </a:xfrm>
+            <a:prstGeom prst="rect">
+              <a:avLst/>
+            </a:prstGeom>
+            <a:noFill/>
+          </p:spPr>
+          <p:style>
+            <a:lnRef idx="2">
+              <a:schemeClr val="accent1">
+                <a:shade val="50000"/>
+              </a:schemeClr>
+            </a:lnRef>
+            <a:fillRef idx="1">
+              <a:schemeClr val="accent1"/>
+            </a:fillRef>
+            <a:effectRef idx="0">
+              <a:schemeClr val="accent1"/>
+            </a:effectRef>
+            <a:fontRef idx="minor">
+              <a:schemeClr val="lt1"/>
+            </a:fontRef>
+          </p:style>
+          <p:txBody>
+            <a:bodyPr rtlCol="0" anchor="ctr"/>
+            <a:lstStyle/>
+            <a:p>
+              <a:pPr algn="ctr"/>
+              <a:endParaRPr lang="en-US" dirty="0"/>
+            </a:p>
+          </p:txBody>
+        </p:sp>
+        <p:sp>
+          <p:nvSpPr>
+            <p:cNvPr id="628" name="Rectangle 627"/>
+            <p:cNvSpPr/>
+            <p:nvPr/>
+          </p:nvSpPr>
+          <p:spPr>
+            <a:xfrm>
+              <a:off x="2041281" y="2468898"/>
+              <a:ext cx="457599" cy="453839"/>
+            </a:xfrm>
+            <a:prstGeom prst="rect">
+              <a:avLst/>
+            </a:prstGeom>
+            <a:solidFill>
+              <a:schemeClr val="accent1"/>
+            </a:solidFill>
+          </p:spPr>
+          <p:style>
+            <a:lnRef idx="2">
+              <a:schemeClr val="accent1">
+                <a:shade val="50000"/>
+              </a:schemeClr>
+            </a:lnRef>
+            <a:fillRef idx="1">
+              <a:schemeClr val="accent1"/>
+            </a:fillRef>
+            <a:effectRef idx="0">
+              <a:schemeClr val="accent1"/>
+            </a:effectRef>
+            <a:fontRef idx="minor">
+              <a:schemeClr val="lt1"/>
+            </a:fontRef>
+          </p:style>
+          <p:txBody>
+            <a:bodyPr rtlCol="0" anchor="ctr"/>
+            <a:lstStyle/>
+            <a:p>
+              <a:pPr algn="ctr"/>
+              <a:endParaRPr lang="en-US" dirty="0"/>
+            </a:p>
+          </p:txBody>
+        </p:sp>
+        <p:sp>
+          <p:nvSpPr>
+            <p:cNvPr id="629" name="Rectangle 628"/>
+            <p:cNvSpPr/>
+            <p:nvPr/>
+          </p:nvSpPr>
+          <p:spPr>
+            <a:xfrm>
+              <a:off x="2498880" y="2015059"/>
+              <a:ext cx="457599" cy="453839"/>
+            </a:xfrm>
+            <a:prstGeom prst="rect">
+              <a:avLst/>
+            </a:prstGeom>
+            <a:solidFill>
+              <a:schemeClr val="accent1">
+                <a:lumMod val="20000"/>
+                <a:lumOff val="80000"/>
+              </a:schemeClr>
+            </a:solidFill>
+          </p:spPr>
+          <p:style>
+            <a:lnRef idx="2">
+              <a:schemeClr val="accent1">
+                <a:shade val="50000"/>
+              </a:schemeClr>
+            </a:lnRef>
+            <a:fillRef idx="1">
+              <a:schemeClr val="accent1"/>
+            </a:fillRef>
+            <a:effectRef idx="0">
+              <a:schemeClr val="accent1"/>
+            </a:effectRef>
+            <a:fontRef idx="minor">
+              <a:schemeClr val="lt1"/>
+            </a:fontRef>
+          </p:style>
+          <p:txBody>
+            <a:bodyPr rtlCol="0" anchor="ctr"/>
+            <a:lstStyle/>
+            <a:p>
+              <a:pPr algn="ctr"/>
+              <a:endParaRPr lang="en-US" dirty="0"/>
+            </a:p>
+          </p:txBody>
+        </p:sp>
+        <p:sp>
+          <p:nvSpPr>
+            <p:cNvPr id="630" name="Rectangle 629"/>
+            <p:cNvSpPr/>
+            <p:nvPr/>
+          </p:nvSpPr>
+          <p:spPr>
+            <a:xfrm>
+              <a:off x="2956479" y="2015059"/>
+              <a:ext cx="457599" cy="453839"/>
+            </a:xfrm>
+            <a:prstGeom prst="rect">
+              <a:avLst/>
+            </a:prstGeom>
+            <a:solidFill>
+              <a:schemeClr val="accent1">
+                <a:lumMod val="20000"/>
+                <a:lumOff val="80000"/>
+              </a:schemeClr>
+            </a:solidFill>
+          </p:spPr>
+          <p:style>
+            <a:lnRef idx="2">
+              <a:schemeClr val="accent1">
+                <a:shade val="50000"/>
+              </a:schemeClr>
+            </a:lnRef>
+            <a:fillRef idx="1">
+              <a:schemeClr val="accent1"/>
+            </a:fillRef>
+            <a:effectRef idx="0">
+              <a:schemeClr val="accent1"/>
+            </a:effectRef>
+            <a:fontRef idx="minor">
+              <a:schemeClr val="lt1"/>
+            </a:fontRef>
+          </p:style>
+          <p:txBody>
+            <a:bodyPr rtlCol="0" anchor="ctr"/>
+            <a:lstStyle/>
+            <a:p>
+              <a:pPr algn="ctr"/>
+              <a:endParaRPr lang="en-US" dirty="0"/>
+            </a:p>
+          </p:txBody>
+        </p:sp>
+        <p:sp>
+          <p:nvSpPr>
+            <p:cNvPr id="631" name="Rectangle 630"/>
+            <p:cNvSpPr/>
+            <p:nvPr/>
+          </p:nvSpPr>
+          <p:spPr>
+            <a:xfrm>
+              <a:off x="2498880" y="2468898"/>
+              <a:ext cx="457599" cy="453839"/>
+            </a:xfrm>
+            <a:prstGeom prst="rect">
+              <a:avLst/>
+            </a:prstGeom>
+            <a:solidFill>
+              <a:schemeClr val="accent1">
+                <a:lumMod val="20000"/>
+                <a:lumOff val="80000"/>
+              </a:schemeClr>
+            </a:solidFill>
+          </p:spPr>
+          <p:style>
+            <a:lnRef idx="2">
+              <a:schemeClr val="accent1">
+                <a:shade val="50000"/>
+              </a:schemeClr>
+            </a:lnRef>
+            <a:fillRef idx="1">
+              <a:schemeClr val="accent1"/>
+            </a:fillRef>
+            <a:effectRef idx="0">
+              <a:schemeClr val="accent1"/>
+            </a:effectRef>
+            <a:fontRef idx="minor">
+              <a:schemeClr val="lt1"/>
+            </a:fontRef>
+          </p:style>
+          <p:txBody>
+            <a:bodyPr rtlCol="0" anchor="ctr"/>
+            <a:lstStyle/>
+            <a:p>
+              <a:pPr algn="ctr"/>
+              <a:endParaRPr lang="en-US" dirty="0"/>
+            </a:p>
+          </p:txBody>
+        </p:sp>
+        <p:sp>
+          <p:nvSpPr>
+            <p:cNvPr id="632" name="Rectangle 631"/>
+            <p:cNvSpPr/>
+            <p:nvPr/>
+          </p:nvSpPr>
+          <p:spPr>
+            <a:xfrm>
+              <a:off x="2956479" y="2468898"/>
+              <a:ext cx="457599" cy="453839"/>
+            </a:xfrm>
+            <a:prstGeom prst="rect">
+              <a:avLst/>
+            </a:prstGeom>
+            <a:solidFill>
+              <a:schemeClr val="accent1">
+                <a:lumMod val="20000"/>
+                <a:lumOff val="80000"/>
+              </a:schemeClr>
+            </a:solidFill>
+          </p:spPr>
+          <p:style>
+            <a:lnRef idx="2">
+              <a:schemeClr val="accent1">
+                <a:shade val="50000"/>
+              </a:schemeClr>
+            </a:lnRef>
+            <a:fillRef idx="1">
+              <a:schemeClr val="accent1"/>
+            </a:fillRef>
+            <a:effectRef idx="0">
+              <a:schemeClr val="accent1"/>
+            </a:effectRef>
+            <a:fontRef idx="minor">
+              <a:schemeClr val="lt1"/>
+            </a:fontRef>
+          </p:style>
+          <p:txBody>
+            <a:bodyPr rtlCol="0" anchor="ctr"/>
+            <a:lstStyle/>
+            <a:p>
+              <a:pPr algn="ctr"/>
+              <a:endParaRPr lang="en-US" dirty="0"/>
+            </a:p>
+          </p:txBody>
+        </p:sp>
+        <p:sp>
+          <p:nvSpPr>
+            <p:cNvPr id="633" name="Rectangle 632"/>
+            <p:cNvSpPr/>
+            <p:nvPr/>
+          </p:nvSpPr>
+          <p:spPr>
+            <a:xfrm>
+              <a:off x="3414078" y="1107381"/>
+              <a:ext cx="457599" cy="453839"/>
+            </a:xfrm>
+            <a:prstGeom prst="rect">
+              <a:avLst/>
+            </a:prstGeom>
+            <a:solidFill>
+              <a:schemeClr val="accent1">
+                <a:lumMod val="20000"/>
+                <a:lumOff val="80000"/>
+              </a:schemeClr>
+            </a:solidFill>
+          </p:spPr>
+          <p:style>
+            <a:lnRef idx="2">
+              <a:schemeClr val="accent1">
+                <a:shade val="50000"/>
+              </a:schemeClr>
+            </a:lnRef>
+            <a:fillRef idx="1">
+              <a:schemeClr val="accent1"/>
+            </a:fillRef>
+            <a:effectRef idx="0">
+              <a:schemeClr val="accent1"/>
+            </a:effectRef>
+            <a:fontRef idx="minor">
+              <a:schemeClr val="lt1"/>
+            </a:fontRef>
+          </p:style>
+          <p:txBody>
+            <a:bodyPr rtlCol="0" anchor="ctr"/>
+            <a:lstStyle/>
+            <a:p>
+              <a:pPr algn="ctr"/>
+              <a:endParaRPr lang="en-US" dirty="0"/>
+            </a:p>
+          </p:txBody>
+        </p:sp>
+        <p:sp>
+          <p:nvSpPr>
+            <p:cNvPr id="634" name="Rectangle 633"/>
+            <p:cNvSpPr/>
+            <p:nvPr/>
+          </p:nvSpPr>
+          <p:spPr>
+            <a:xfrm>
+              <a:off x="3871677" y="1107381"/>
+              <a:ext cx="457599" cy="453839"/>
+            </a:xfrm>
+            <a:prstGeom prst="rect">
+              <a:avLst/>
+            </a:prstGeom>
+            <a:solidFill>
+              <a:schemeClr val="accent1">
+                <a:lumMod val="20000"/>
+                <a:lumOff val="80000"/>
+              </a:schemeClr>
+            </a:solidFill>
+          </p:spPr>
+          <p:style>
+            <a:lnRef idx="2">
+              <a:schemeClr val="accent1">
+                <a:shade val="50000"/>
+              </a:schemeClr>
+            </a:lnRef>
+            <a:fillRef idx="1">
+              <a:schemeClr val="accent1"/>
+            </a:fillRef>
+            <a:effectRef idx="0">
+              <a:schemeClr val="accent1"/>
+            </a:effectRef>
+            <a:fontRef idx="minor">
+              <a:schemeClr val="lt1"/>
+            </a:fontRef>
+          </p:style>
+          <p:txBody>
+            <a:bodyPr rtlCol="0" anchor="ctr"/>
+            <a:lstStyle/>
+            <a:p>
+              <a:pPr algn="ctr"/>
+              <a:endParaRPr lang="en-US" dirty="0"/>
+            </a:p>
+          </p:txBody>
+        </p:sp>
+        <p:sp>
+          <p:nvSpPr>
+            <p:cNvPr id="635" name="Rectangle 634"/>
+            <p:cNvSpPr/>
+            <p:nvPr/>
+          </p:nvSpPr>
+          <p:spPr>
+            <a:xfrm>
+              <a:off x="3414078" y="1561220"/>
+              <a:ext cx="457599" cy="453839"/>
+            </a:xfrm>
+            <a:prstGeom prst="rect">
+              <a:avLst/>
+            </a:prstGeom>
+            <a:solidFill>
+              <a:schemeClr val="accent1">
+                <a:lumMod val="20000"/>
+                <a:lumOff val="80000"/>
+              </a:schemeClr>
+            </a:solidFill>
+          </p:spPr>
+          <p:style>
+            <a:lnRef idx="2">
+              <a:schemeClr val="accent1">
+                <a:shade val="50000"/>
+              </a:schemeClr>
+            </a:lnRef>
+            <a:fillRef idx="1">
+              <a:schemeClr val="accent1"/>
+            </a:fillRef>
+            <a:effectRef idx="0">
+              <a:schemeClr val="accent1"/>
+            </a:effectRef>
+            <a:fontRef idx="minor">
+              <a:schemeClr val="lt1"/>
+            </a:fontRef>
+          </p:style>
+          <p:txBody>
+            <a:bodyPr rtlCol="0" anchor="ctr"/>
+            <a:lstStyle/>
+            <a:p>
+              <a:pPr algn="ctr"/>
+              <a:r>
+                <a:rPr lang="en-US" dirty="0"/>
+                <a:t> </a:t>
+              </a:r>
+            </a:p>
+          </p:txBody>
+        </p:sp>
+        <p:sp>
+          <p:nvSpPr>
+            <p:cNvPr id="636" name="Rectangle 635"/>
+            <p:cNvSpPr/>
+            <p:nvPr/>
+          </p:nvSpPr>
+          <p:spPr>
+            <a:xfrm>
+              <a:off x="3871677" y="1561220"/>
+              <a:ext cx="457599" cy="453839"/>
+            </a:xfrm>
+            <a:prstGeom prst="rect">
+              <a:avLst/>
+            </a:prstGeom>
+            <a:solidFill>
+              <a:schemeClr val="accent1">
+                <a:lumMod val="20000"/>
+                <a:lumOff val="80000"/>
+              </a:schemeClr>
+            </a:solidFill>
+          </p:spPr>
+          <p:style>
+            <a:lnRef idx="2">
+              <a:schemeClr val="accent1">
+                <a:shade val="50000"/>
+              </a:schemeClr>
+            </a:lnRef>
+            <a:fillRef idx="1">
+              <a:schemeClr val="accent1"/>
+            </a:fillRef>
+            <a:effectRef idx="0">
+              <a:schemeClr val="accent1"/>
+            </a:effectRef>
+            <a:fontRef idx="minor">
+              <a:schemeClr val="lt1"/>
+            </a:fontRef>
+          </p:style>
+          <p:txBody>
+            <a:bodyPr rtlCol="0" anchor="ctr"/>
+            <a:lstStyle/>
+            <a:p>
+              <a:pPr algn="ctr"/>
+              <a:endParaRPr lang="en-US" dirty="0"/>
+            </a:p>
+          </p:txBody>
+        </p:sp>
+        <p:sp>
+          <p:nvSpPr>
+            <p:cNvPr id="637" name="Rectangle 636"/>
+            <p:cNvSpPr/>
+            <p:nvPr/>
+          </p:nvSpPr>
+          <p:spPr>
+            <a:xfrm>
+              <a:off x="3414078" y="2015059"/>
+              <a:ext cx="457599" cy="453839"/>
+            </a:xfrm>
+            <a:prstGeom prst="rect">
+              <a:avLst/>
+            </a:prstGeom>
+            <a:solidFill>
+              <a:schemeClr val="accent1">
+                <a:lumMod val="20000"/>
+                <a:lumOff val="80000"/>
+              </a:schemeClr>
+            </a:solidFill>
+          </p:spPr>
+          <p:style>
+            <a:lnRef idx="2">
+              <a:schemeClr val="accent1">
+                <a:shade val="50000"/>
+              </a:schemeClr>
+            </a:lnRef>
+            <a:fillRef idx="1">
+              <a:schemeClr val="accent1"/>
+            </a:fillRef>
+            <a:effectRef idx="0">
+              <a:schemeClr val="accent1"/>
+            </a:effectRef>
+            <a:fontRef idx="minor">
+              <a:schemeClr val="lt1"/>
+            </a:fontRef>
+          </p:style>
+          <p:txBody>
+            <a:bodyPr rtlCol="0" anchor="ctr"/>
+            <a:lstStyle/>
+            <a:p>
+              <a:pPr algn="ctr"/>
+              <a:endParaRPr lang="en-US" dirty="0"/>
+            </a:p>
+          </p:txBody>
+        </p:sp>
+        <p:sp>
+          <p:nvSpPr>
+            <p:cNvPr id="638" name="Rectangle 637"/>
+            <p:cNvSpPr/>
+            <p:nvPr/>
+          </p:nvSpPr>
+          <p:spPr>
+            <a:xfrm>
+              <a:off x="3871677" y="2015059"/>
+              <a:ext cx="457599" cy="453839"/>
+            </a:xfrm>
+            <a:prstGeom prst="rect">
+              <a:avLst/>
+            </a:prstGeom>
+            <a:solidFill>
+              <a:schemeClr val="accent1">
+                <a:lumMod val="20000"/>
+                <a:lumOff val="80000"/>
+              </a:schemeClr>
+            </a:solidFill>
+          </p:spPr>
+          <p:style>
+            <a:lnRef idx="2">
+              <a:schemeClr val="accent1">
+                <a:shade val="50000"/>
+              </a:schemeClr>
+            </a:lnRef>
+            <a:fillRef idx="1">
+              <a:schemeClr val="accent1"/>
+            </a:fillRef>
+            <a:effectRef idx="0">
+              <a:schemeClr val="accent1"/>
+            </a:effectRef>
+            <a:fontRef idx="minor">
+              <a:schemeClr val="lt1"/>
+            </a:fontRef>
+          </p:style>
+          <p:txBody>
+            <a:bodyPr rtlCol="0" anchor="ctr"/>
+            <a:lstStyle/>
+            <a:p>
+              <a:pPr algn="ctr"/>
+              <a:endParaRPr lang="en-US" dirty="0"/>
+            </a:p>
+          </p:txBody>
+        </p:sp>
+        <p:sp>
+          <p:nvSpPr>
+            <p:cNvPr id="639" name="Rectangle 638"/>
+            <p:cNvSpPr/>
+            <p:nvPr/>
+          </p:nvSpPr>
+          <p:spPr>
+            <a:xfrm>
+              <a:off x="3414078" y="2468898"/>
+              <a:ext cx="457599" cy="453839"/>
+            </a:xfrm>
+            <a:prstGeom prst="rect">
+              <a:avLst/>
+            </a:prstGeom>
+            <a:solidFill>
+              <a:schemeClr val="accent1">
+                <a:lumMod val="20000"/>
+                <a:lumOff val="80000"/>
+              </a:schemeClr>
+            </a:solidFill>
+          </p:spPr>
+          <p:style>
+            <a:lnRef idx="2">
+              <a:schemeClr val="accent1">
+                <a:shade val="50000"/>
+              </a:schemeClr>
+            </a:lnRef>
+            <a:fillRef idx="1">
+              <a:schemeClr val="accent1"/>
+            </a:fillRef>
+            <a:effectRef idx="0">
+              <a:schemeClr val="accent1"/>
+            </a:effectRef>
+            <a:fontRef idx="minor">
+              <a:schemeClr val="lt1"/>
+            </a:fontRef>
+          </p:style>
+          <p:txBody>
+            <a:bodyPr rtlCol="0" anchor="ctr"/>
+            <a:lstStyle/>
+            <a:p>
+              <a:pPr algn="ctr"/>
+              <a:endParaRPr lang="en-US" dirty="0"/>
+            </a:p>
+          </p:txBody>
+        </p:sp>
+        <p:sp>
+          <p:nvSpPr>
+            <p:cNvPr id="640" name="Rectangle 639"/>
+            <p:cNvSpPr/>
+            <p:nvPr/>
+          </p:nvSpPr>
+          <p:spPr>
+            <a:xfrm>
+              <a:off x="3871677" y="2468898"/>
+              <a:ext cx="457599" cy="453839"/>
+            </a:xfrm>
+            <a:prstGeom prst="rect">
+              <a:avLst/>
+            </a:prstGeom>
+            <a:solidFill>
+              <a:schemeClr val="accent1">
+                <a:lumMod val="20000"/>
+                <a:lumOff val="80000"/>
+              </a:schemeClr>
+            </a:solidFill>
+          </p:spPr>
+          <p:style>
+            <a:lnRef idx="2">
+              <a:schemeClr val="accent1">
+                <a:shade val="50000"/>
+              </a:schemeClr>
+            </a:lnRef>
+            <a:fillRef idx="1">
+              <a:schemeClr val="accent1"/>
+            </a:fillRef>
+            <a:effectRef idx="0">
+              <a:schemeClr val="accent1"/>
+            </a:effectRef>
+            <a:fontRef idx="minor">
+              <a:schemeClr val="lt1"/>
+            </a:fontRef>
+          </p:style>
+          <p:txBody>
+            <a:bodyPr rtlCol="0" anchor="ctr"/>
+            <a:lstStyle/>
+            <a:p>
+              <a:pPr algn="ctr"/>
+              <a:endParaRPr lang="en-US" dirty="0"/>
+            </a:p>
+          </p:txBody>
+        </p:sp>
+        <mc:AlternateContent xmlns:mc="http://schemas.openxmlformats.org/markup-compatibility/2006" xmlns:a14="http://schemas.microsoft.com/office/drawing/2010/main">
+          <mc:Choice Requires="a14">
+            <p:sp>
+              <p:nvSpPr>
+                <p:cNvPr id="641" name="Rectangle 640"/>
+                <p:cNvSpPr/>
+                <p:nvPr/>
+              </p:nvSpPr>
+              <p:spPr>
+                <a:xfrm>
+                  <a:off x="1570206" y="676521"/>
+                  <a:ext cx="457599" cy="453839"/>
+                </a:xfrm>
+                <a:prstGeom prst="rect">
+                  <a:avLst/>
+                </a:prstGeom>
                 <a:noFill/>
-              </a:ln>
-            </p:spPr>
-            <p:style>
-              <a:lnRef idx="2">
-                <a:schemeClr val="accent1">
-                  <a:shade val="50000"/>
-                </a:schemeClr>
-              </a:lnRef>
-              <a:fillRef idx="1">
-                <a:schemeClr val="accent1"/>
-              </a:fillRef>
-              <a:effectRef idx="0">
-                <a:schemeClr val="accent1"/>
-              </a:effectRef>
-              <a:fontRef idx="minor">
-                <a:schemeClr val="lt1"/>
-              </a:fontRef>
-            </p:style>
-            <p:txBody>
-              <a:bodyPr rtlCol="0" anchor="ctr"/>
-              <a:lstStyle/>
-              <a:p>
-                <a:pPr algn="ctr"/>
-                <a14:m>
-                  <m:oMathPara xmlns:m="http://schemas.openxmlformats.org/officeDocument/2006/math">
-                    <m:oMathParaPr>
-                      <m:jc m:val="centerGroup"/>
-                    </m:oMathParaPr>
-                    <m:oMath xmlns:m="http://schemas.openxmlformats.org/officeDocument/2006/math">
-                      <m:r>
-                        <a:rPr lang="en-US" sz="1600" b="0" i="1" smtClean="0">
-                          <a:solidFill>
-                            <a:schemeClr val="tx1"/>
-                          </a:solidFill>
-                          <a:latin typeface="Cambria Math" panose="02040503050406030204" pitchFamily="18" charset="0"/>
-                        </a:rPr>
-                        <m:t> </m:t>
-                      </m:r>
-                      <m:r>
-                        <a:rPr lang="en-US" sz="1600" b="0" i="1" smtClean="0">
-                          <a:solidFill>
-                            <a:schemeClr val="tx1"/>
-                          </a:solidFill>
-                          <a:latin typeface="Cambria Math" panose="02040503050406030204" pitchFamily="18" charset="0"/>
-                        </a:rPr>
-                        <m:t>𝑡</m:t>
-                      </m:r>
-                    </m:oMath>
-                  </m:oMathPara>
-                </a14:m>
-                <a:endParaRPr lang="en-US" sz="1600" dirty="0">
-                  <a:solidFill>
-                    <a:schemeClr val="tx1"/>
-                  </a:solidFill>
-                </a:endParaRPr>
-              </a:p>
-            </p:txBody>
-          </p:sp>
-        </mc:Choice>
-        <mc:Fallback xmlns="">
-          <p:sp>
-            <p:nvSpPr>
-              <p:cNvPr id="641" name="Rectangle 640"/>
-              <p:cNvSpPr>
-                <a:spLocks noRot="1" noChangeAspect="1" noMove="1" noResize="1" noEditPoints="1" noAdjustHandles="1" noChangeArrowheads="1" noChangeShapeType="1" noTextEdit="1"/>
-              </p:cNvSpPr>
-              <p:nvPr/>
-            </p:nvSpPr>
-            <p:spPr>
-              <a:xfrm>
-                <a:off x="1570206" y="676521"/>
-                <a:ext cx="457599" cy="453839"/>
-              </a:xfrm>
-              <a:prstGeom prst="rect">
-                <a:avLst/>
-              </a:prstGeom>
-              <a:blipFill rotWithShape="0">
-                <a:blip r:embed="rId8"/>
-                <a:stretch>
-                  <a:fillRect/>
-                </a:stretch>
-              </a:blipFill>
-              <a:ln>
+                <a:ln>
+                  <a:noFill/>
+                </a:ln>
+              </p:spPr>
+              <p:style>
+                <a:lnRef idx="2">
+                  <a:schemeClr val="accent1">
+                    <a:shade val="50000"/>
+                  </a:schemeClr>
+                </a:lnRef>
+                <a:fillRef idx="1">
+                  <a:schemeClr val="accent1"/>
+                </a:fillRef>
+                <a:effectRef idx="0">
+                  <a:schemeClr val="accent1"/>
+                </a:effectRef>
+                <a:fontRef idx="minor">
+                  <a:schemeClr val="lt1"/>
+                </a:fontRef>
+              </p:style>
+              <p:txBody>
+                <a:bodyPr rtlCol="0" anchor="ctr"/>
+                <a:lstStyle/>
+                <a:p>
+                  <a:pPr algn="ctr"/>
+                  <a14:m>
+                    <m:oMathPara xmlns:m="http://schemas.openxmlformats.org/officeDocument/2006/math">
+                      <m:oMathParaPr>
+                        <m:jc m:val="centerGroup"/>
+                      </m:oMathParaPr>
+                      <m:oMath xmlns:m="http://schemas.openxmlformats.org/officeDocument/2006/math">
+                        <m:r>
+                          <a:rPr lang="en-US" sz="1600" b="0" i="1" smtClean="0">
+                            <a:solidFill>
+                              <a:schemeClr val="tx1"/>
+                            </a:solidFill>
+                            <a:latin typeface="Cambria Math" panose="02040503050406030204" pitchFamily="18" charset="0"/>
+                          </a:rPr>
+                          <m:t> </m:t>
+                        </m:r>
+                        <m:r>
+                          <a:rPr lang="en-US" sz="1600" b="0" i="1" smtClean="0">
+                            <a:solidFill>
+                              <a:schemeClr val="tx1"/>
+                            </a:solidFill>
+                            <a:latin typeface="Cambria Math" panose="02040503050406030204" pitchFamily="18" charset="0"/>
+                          </a:rPr>
+                          <m:t>𝑡</m:t>
+                        </m:r>
+                      </m:oMath>
+                    </m:oMathPara>
+                  </a14:m>
+                  <a:endParaRPr lang="en-US" sz="1600" dirty="0">
+                    <a:solidFill>
+                      <a:schemeClr val="tx1"/>
+                    </a:solidFill>
+                  </a:endParaRPr>
+                </a:p>
+              </p:txBody>
+            </p:sp>
+          </mc:Choice>
+          <mc:Fallback xmlns="">
+            <p:sp>
+              <p:nvSpPr>
+                <p:cNvPr id="641" name="Rectangle 640"/>
+                <p:cNvSpPr>
+                  <a:spLocks noRot="1" noChangeAspect="1" noMove="1" noResize="1" noEditPoints="1" noAdjustHandles="1" noChangeArrowheads="1" noChangeShapeType="1" noTextEdit="1"/>
+                </p:cNvSpPr>
+                <p:nvPr/>
+              </p:nvSpPr>
+              <p:spPr>
+                <a:xfrm>
+                  <a:off x="1570206" y="676521"/>
+                  <a:ext cx="457599" cy="453839"/>
+                </a:xfrm>
+                <a:prstGeom prst="rect">
+                  <a:avLst/>
+                </a:prstGeom>
+                <a:blipFill rotWithShape="0">
+                  <a:blip r:embed="rId8"/>
+                  <a:stretch>
+                    <a:fillRect/>
+                  </a:stretch>
+                </a:blipFill>
+                <a:ln>
+                  <a:noFill/>
+                </a:ln>
+              </p:spPr>
+              <p:txBody>
+                <a:bodyPr/>
+                <a:lstStyle/>
+                <a:p>
+                  <a:r>
+                    <a:rPr lang="en-US">
+                      <a:noFill/>
+                    </a:rPr>
+                    <a:t> </a:t>
+                  </a:r>
+                </a:p>
+              </p:txBody>
+            </p:sp>
+          </mc:Fallback>
+        </mc:AlternateContent>
+        <p:cxnSp>
+          <p:nvCxnSpPr>
+            <p:cNvPr id="642" name="Straight Arrow Connector 641"/>
+            <p:cNvCxnSpPr/>
+            <p:nvPr/>
+          </p:nvCxnSpPr>
+          <p:spPr>
+            <a:xfrm flipH="1">
+              <a:off x="1964111" y="1251290"/>
+              <a:ext cx="161232" cy="359143"/>
+            </a:xfrm>
+            <a:prstGeom prst="straightConnector1">
+              <a:avLst/>
+            </a:prstGeom>
+            <a:ln w="19050">
+              <a:tailEnd type="triangle"/>
+            </a:ln>
+          </p:spPr>
+          <p:style>
+            <a:lnRef idx="1">
+              <a:schemeClr val="dk1"/>
+            </a:lnRef>
+            <a:fillRef idx="0">
+              <a:schemeClr val="dk1"/>
+            </a:fillRef>
+            <a:effectRef idx="0">
+              <a:schemeClr val="dk1"/>
+            </a:effectRef>
+            <a:fontRef idx="minor">
+              <a:schemeClr val="tx1"/>
+            </a:fontRef>
+          </p:style>
+        </p:cxnSp>
+        <p:cxnSp>
+          <p:nvCxnSpPr>
+            <p:cNvPr id="643" name="Straight Arrow Connector 642"/>
+            <p:cNvCxnSpPr/>
+            <p:nvPr/>
+          </p:nvCxnSpPr>
+          <p:spPr>
+            <a:xfrm flipH="1">
+              <a:off x="1960268" y="1751563"/>
+              <a:ext cx="181331" cy="0"/>
+            </a:xfrm>
+            <a:prstGeom prst="straightConnector1">
+              <a:avLst/>
+            </a:prstGeom>
+            <a:ln w="19050">
+              <a:tailEnd type="triangle"/>
+            </a:ln>
+          </p:spPr>
+          <p:style>
+            <a:lnRef idx="1">
+              <a:schemeClr val="dk1"/>
+            </a:lnRef>
+            <a:fillRef idx="0">
+              <a:schemeClr val="dk1"/>
+            </a:fillRef>
+            <a:effectRef idx="0">
+              <a:schemeClr val="dk1"/>
+            </a:effectRef>
+            <a:fontRef idx="minor">
+              <a:schemeClr val="tx1"/>
+            </a:fontRef>
+          </p:style>
+        </p:cxnSp>
+        <p:cxnSp>
+          <p:nvCxnSpPr>
+            <p:cNvPr id="644" name="Straight Arrow Connector 643"/>
+            <p:cNvCxnSpPr/>
+            <p:nvPr/>
+          </p:nvCxnSpPr>
+          <p:spPr>
+            <a:xfrm flipH="1" flipV="1">
+              <a:off x="1950108" y="1928901"/>
+              <a:ext cx="155001" cy="157727"/>
+            </a:xfrm>
+            <a:prstGeom prst="straightConnector1">
+              <a:avLst/>
+            </a:prstGeom>
+            <a:ln w="19050">
+              <a:tailEnd type="triangle"/>
+            </a:ln>
+          </p:spPr>
+          <p:style>
+            <a:lnRef idx="1">
+              <a:schemeClr val="dk1"/>
+            </a:lnRef>
+            <a:fillRef idx="0">
+              <a:schemeClr val="dk1"/>
+            </a:fillRef>
+            <a:effectRef idx="0">
+              <a:schemeClr val="dk1"/>
+            </a:effectRef>
+            <a:fontRef idx="minor">
+              <a:schemeClr val="tx1"/>
+            </a:fontRef>
+          </p:style>
+        </p:cxnSp>
+        <p:cxnSp>
+          <p:nvCxnSpPr>
+            <p:cNvPr id="645" name="Straight Arrow Connector 644"/>
+            <p:cNvCxnSpPr/>
+            <p:nvPr/>
+          </p:nvCxnSpPr>
+          <p:spPr>
+            <a:xfrm flipH="1" flipV="1">
+              <a:off x="1950108" y="2041293"/>
+              <a:ext cx="167194" cy="513763"/>
+            </a:xfrm>
+            <a:prstGeom prst="straightConnector1">
+              <a:avLst/>
+            </a:prstGeom>
+            <a:ln w="19050">
+              <a:tailEnd type="triangle"/>
+            </a:ln>
+          </p:spPr>
+          <p:style>
+            <a:lnRef idx="1">
+              <a:schemeClr val="dk1"/>
+            </a:lnRef>
+            <a:fillRef idx="0">
+              <a:schemeClr val="dk1"/>
+            </a:fillRef>
+            <a:effectRef idx="0">
+              <a:schemeClr val="dk1"/>
+            </a:effectRef>
+            <a:fontRef idx="minor">
+              <a:schemeClr val="tx1"/>
+            </a:fontRef>
+          </p:style>
+        </p:cxnSp>
+        <mc:AlternateContent xmlns:mc="http://schemas.openxmlformats.org/markup-compatibility/2006" xmlns:a14="http://schemas.microsoft.com/office/drawing/2010/main">
+          <mc:Choice Requires="a14">
+            <p:sp>
+              <p:nvSpPr>
+                <p:cNvPr id="646" name="Rectangle 645"/>
+                <p:cNvSpPr/>
+                <p:nvPr/>
+              </p:nvSpPr>
+              <p:spPr>
+                <a:xfrm>
+                  <a:off x="2017103" y="676520"/>
+                  <a:ext cx="592718" cy="453839"/>
+                </a:xfrm>
+                <a:prstGeom prst="rect">
+                  <a:avLst/>
+                </a:prstGeom>
                 <a:noFill/>
-              </a:ln>
-            </p:spPr>
-            <p:txBody>
-              <a:bodyPr/>
-              <a:lstStyle/>
-              <a:p>
-                <a:r>
-                  <a:rPr lang="en-US">
-                    <a:noFill/>
-                  </a:rPr>
-                  <a:t> </a:t>
-                </a:r>
-              </a:p>
-            </p:txBody>
-          </p:sp>
-        </mc:Fallback>
-      </mc:AlternateContent>
-      <p:cxnSp>
-        <p:nvCxnSpPr>
-          <p:cNvPr id="642" name="Straight Arrow Connector 641"/>
-          <p:cNvCxnSpPr/>
-          <p:nvPr/>
-        </p:nvCxnSpPr>
-        <p:spPr>
-          <a:xfrm flipH="1">
-            <a:off x="1964111" y="1251290"/>
-            <a:ext cx="161232" cy="359143"/>
-          </a:xfrm>
-          <a:prstGeom prst="straightConnector1">
-            <a:avLst/>
-          </a:prstGeom>
-          <a:ln w="19050">
-            <a:tailEnd type="triangle"/>
-          </a:ln>
-        </p:spPr>
-        <p:style>
-          <a:lnRef idx="1">
-            <a:schemeClr val="dk1"/>
-          </a:lnRef>
-          <a:fillRef idx="0">
-            <a:schemeClr val="dk1"/>
-          </a:fillRef>
-          <a:effectRef idx="0">
-            <a:schemeClr val="dk1"/>
-          </a:effectRef>
-          <a:fontRef idx="minor">
-            <a:schemeClr val="tx1"/>
-          </a:fontRef>
-        </p:style>
-      </p:cxnSp>
-      <p:cxnSp>
-        <p:nvCxnSpPr>
-          <p:cNvPr id="643" name="Straight Arrow Connector 642"/>
-          <p:cNvCxnSpPr/>
-          <p:nvPr/>
-        </p:nvCxnSpPr>
-        <p:spPr>
-          <a:xfrm flipH="1">
-            <a:off x="1960268" y="1751563"/>
-            <a:ext cx="181331" cy="0"/>
-          </a:xfrm>
-          <a:prstGeom prst="straightConnector1">
-            <a:avLst/>
-          </a:prstGeom>
-          <a:ln w="19050">
-            <a:tailEnd type="triangle"/>
-          </a:ln>
-        </p:spPr>
-        <p:style>
-          <a:lnRef idx="1">
-            <a:schemeClr val="dk1"/>
-          </a:lnRef>
-          <a:fillRef idx="0">
-            <a:schemeClr val="dk1"/>
-          </a:fillRef>
-          <a:effectRef idx="0">
-            <a:schemeClr val="dk1"/>
-          </a:effectRef>
-          <a:fontRef idx="minor">
-            <a:schemeClr val="tx1"/>
-          </a:fontRef>
-        </p:style>
-      </p:cxnSp>
-      <p:cxnSp>
-        <p:nvCxnSpPr>
-          <p:cNvPr id="644" name="Straight Arrow Connector 643"/>
-          <p:cNvCxnSpPr/>
-          <p:nvPr/>
-        </p:nvCxnSpPr>
-        <p:spPr>
-          <a:xfrm flipH="1" flipV="1">
-            <a:off x="1950108" y="1928901"/>
-            <a:ext cx="155001" cy="157727"/>
-          </a:xfrm>
-          <a:prstGeom prst="straightConnector1">
-            <a:avLst/>
-          </a:prstGeom>
-          <a:ln w="19050">
-            <a:tailEnd type="triangle"/>
-          </a:ln>
-        </p:spPr>
-        <p:style>
-          <a:lnRef idx="1">
-            <a:schemeClr val="dk1"/>
-          </a:lnRef>
-          <a:fillRef idx="0">
-            <a:schemeClr val="dk1"/>
-          </a:fillRef>
-          <a:effectRef idx="0">
-            <a:schemeClr val="dk1"/>
-          </a:effectRef>
-          <a:fontRef idx="minor">
-            <a:schemeClr val="tx1"/>
-          </a:fontRef>
-        </p:style>
-      </p:cxnSp>
-      <p:cxnSp>
-        <p:nvCxnSpPr>
-          <p:cNvPr id="645" name="Straight Arrow Connector 644"/>
-          <p:cNvCxnSpPr/>
-          <p:nvPr/>
-        </p:nvCxnSpPr>
-        <p:spPr>
-          <a:xfrm flipH="1" flipV="1">
-            <a:off x="1950108" y="2041293"/>
-            <a:ext cx="167194" cy="513763"/>
-          </a:xfrm>
-          <a:prstGeom prst="straightConnector1">
-            <a:avLst/>
-          </a:prstGeom>
-          <a:ln w="19050">
-            <a:tailEnd type="triangle"/>
-          </a:ln>
-        </p:spPr>
-        <p:style>
-          <a:lnRef idx="1">
-            <a:schemeClr val="dk1"/>
-          </a:lnRef>
-          <a:fillRef idx="0">
-            <a:schemeClr val="dk1"/>
-          </a:fillRef>
-          <a:effectRef idx="0">
-            <a:schemeClr val="dk1"/>
-          </a:effectRef>
-          <a:fontRef idx="minor">
-            <a:schemeClr val="tx1"/>
-          </a:fontRef>
-        </p:style>
-      </p:cxnSp>
-      <mc:AlternateContent xmlns:mc="http://schemas.openxmlformats.org/markup-compatibility/2006" xmlns:a14="http://schemas.microsoft.com/office/drawing/2010/main">
-        <mc:Choice Requires="a14">
-          <p:sp>
-            <p:nvSpPr>
-              <p:cNvPr id="646" name="Rectangle 645"/>
-              <p:cNvSpPr/>
-              <p:nvPr/>
-            </p:nvSpPr>
-            <p:spPr>
-              <a:xfrm>
-                <a:off x="1980159" y="676520"/>
-                <a:ext cx="592718" cy="453839"/>
-              </a:xfrm>
-              <a:prstGeom prst="rect">
-                <a:avLst/>
-              </a:prstGeom>
-              <a:noFill/>
-              <a:ln>
+                <a:ln>
+                  <a:noFill/>
+                </a:ln>
+              </p:spPr>
+              <p:style>
+                <a:lnRef idx="2">
+                  <a:schemeClr val="accent1">
+                    <a:shade val="50000"/>
+                  </a:schemeClr>
+                </a:lnRef>
+                <a:fillRef idx="1">
+                  <a:schemeClr val="accent1"/>
+                </a:fillRef>
+                <a:effectRef idx="0">
+                  <a:schemeClr val="accent1"/>
+                </a:effectRef>
+                <a:fontRef idx="minor">
+                  <a:schemeClr val="lt1"/>
+                </a:fontRef>
+              </p:style>
+              <p:txBody>
+                <a:bodyPr rtlCol="0" anchor="ctr"/>
+                <a:lstStyle/>
+                <a:p>
+                  <a:pPr algn="ctr"/>
+                  <a14:m>
+                    <m:oMathPara xmlns:m="http://schemas.openxmlformats.org/officeDocument/2006/math">
+                      <m:oMathParaPr>
+                        <m:jc m:val="center"/>
+                      </m:oMathParaPr>
+                      <m:oMath xmlns:m="http://schemas.openxmlformats.org/officeDocument/2006/math">
+                        <m:r>
+                          <a:rPr lang="en-US" sz="1600" i="1">
+                            <a:solidFill>
+                              <a:schemeClr val="tx1"/>
+                            </a:solidFill>
+                            <a:latin typeface="Cambria Math" panose="02040503050406030204" pitchFamily="18" charset="0"/>
+                          </a:rPr>
+                          <m:t>𝑡</m:t>
+                        </m:r>
+                        <m:r>
+                          <m:rPr>
+                            <m:nor/>
+                          </m:rPr>
+                          <a:rPr lang="en-US" sz="1600" dirty="0">
+                            <a:solidFill>
+                              <a:schemeClr val="tx1"/>
+                            </a:solidFill>
+                            <a:latin typeface="Cambria Math" panose="02040503050406030204" pitchFamily="18" charset="0"/>
+                            <a:ea typeface="Cambria Math" panose="02040503050406030204" pitchFamily="18" charset="0"/>
+                          </a:rPr>
+                          <m:t>+</m:t>
+                        </m:r>
+                        <m:r>
+                          <a:rPr lang="en-US" sz="1600" i="1">
+                            <a:solidFill>
+                              <a:schemeClr val="tx1"/>
+                            </a:solidFill>
+                            <a:latin typeface="Cambria Math" panose="02040503050406030204" pitchFamily="18" charset="0"/>
+                          </a:rPr>
+                          <m:t>1</m:t>
+                        </m:r>
+                      </m:oMath>
+                    </m:oMathPara>
+                  </a14:m>
+                  <a:endParaRPr lang="en-US" sz="1600" dirty="0">
+                    <a:solidFill>
+                      <a:schemeClr val="tx1"/>
+                    </a:solidFill>
+                  </a:endParaRPr>
+                </a:p>
+              </p:txBody>
+            </p:sp>
+          </mc:Choice>
+          <mc:Fallback xmlns="">
+            <p:sp>
+              <p:nvSpPr>
+                <p:cNvPr id="646" name="Rectangle 645"/>
+                <p:cNvSpPr>
+                  <a:spLocks noRot="1" noChangeAspect="1" noMove="1" noResize="1" noEditPoints="1" noAdjustHandles="1" noChangeArrowheads="1" noChangeShapeType="1" noTextEdit="1"/>
+                </p:cNvSpPr>
+                <p:nvPr/>
+              </p:nvSpPr>
+              <p:spPr>
+                <a:xfrm>
+                  <a:off x="2017103" y="676520"/>
+                  <a:ext cx="592718" cy="453839"/>
+                </a:xfrm>
+                <a:prstGeom prst="rect">
+                  <a:avLst/>
+                </a:prstGeom>
+                <a:blipFill rotWithShape="0">
+                  <a:blip r:embed="rId9"/>
+                  <a:stretch>
+                    <a:fillRect/>
+                  </a:stretch>
+                </a:blipFill>
+                <a:ln>
+                  <a:noFill/>
+                </a:ln>
+              </p:spPr>
+              <p:txBody>
+                <a:bodyPr/>
+                <a:lstStyle/>
+                <a:p>
+                  <a:r>
+                    <a:rPr lang="en-US">
+                      <a:noFill/>
+                    </a:rPr>
+                    <a:t> </a:t>
+                  </a:r>
+                </a:p>
+              </p:txBody>
+            </p:sp>
+          </mc:Fallback>
+        </mc:AlternateContent>
+        <mc:AlternateContent xmlns:mc="http://schemas.openxmlformats.org/markup-compatibility/2006" xmlns:a14="http://schemas.microsoft.com/office/drawing/2010/main">
+          <mc:Choice Requires="a14">
+            <p:sp>
+              <p:nvSpPr>
+                <p:cNvPr id="647" name="Rectangle 646"/>
+                <p:cNvSpPr/>
+                <p:nvPr/>
+              </p:nvSpPr>
+              <p:spPr>
+                <a:xfrm>
+                  <a:off x="4291175" y="1556530"/>
+                  <a:ext cx="457599" cy="453839"/>
+                </a:xfrm>
+                <a:prstGeom prst="rect">
+                  <a:avLst/>
+                </a:prstGeom>
                 <a:noFill/>
-              </a:ln>
-            </p:spPr>
-            <p:style>
-              <a:lnRef idx="2">
-                <a:schemeClr val="accent1">
-                  <a:shade val="50000"/>
-                </a:schemeClr>
-              </a:lnRef>
-              <a:fillRef idx="1">
-                <a:schemeClr val="accent1"/>
-              </a:fillRef>
-              <a:effectRef idx="0">
-                <a:schemeClr val="accent1"/>
-              </a:effectRef>
-              <a:fontRef idx="minor">
-                <a:schemeClr val="lt1"/>
-              </a:fontRef>
-            </p:style>
-            <p:txBody>
-              <a:bodyPr rtlCol="0" anchor="ctr"/>
-              <a:lstStyle/>
-              <a:p>
-                <a:pPr algn="ctr"/>
-                <a14:m>
-                  <m:oMathPara xmlns:m="http://schemas.openxmlformats.org/officeDocument/2006/math">
-                    <m:oMathParaPr>
-                      <m:jc m:val="centerGroup"/>
-                    </m:oMathParaPr>
-                    <m:oMath xmlns:m="http://schemas.openxmlformats.org/officeDocument/2006/math">
-                      <m:r>
-                        <a:rPr lang="en-US" sz="1600" b="0" i="1" smtClean="0">
-                          <a:solidFill>
-                            <a:schemeClr val="tx1"/>
-                          </a:solidFill>
-                          <a:latin typeface="Cambria Math" panose="02040503050406030204" pitchFamily="18" charset="0"/>
-                        </a:rPr>
-                        <m:t>𝑡</m:t>
-                      </m:r>
-                      <m:r>
-                        <m:rPr>
-                          <m:nor/>
-                        </m:rPr>
-                        <a:rPr lang="en-US" sz="1600" dirty="0">
-                          <a:solidFill>
-                            <a:schemeClr val="tx1"/>
-                          </a:solidFill>
-                          <a:latin typeface="Cambria Math" panose="02040503050406030204" pitchFamily="18" charset="0"/>
-                          <a:ea typeface="Cambria Math" panose="02040503050406030204" pitchFamily="18" charset="0"/>
-                        </a:rPr>
-                        <m:t>+</m:t>
-                      </m:r>
-                      <m:r>
-                        <a:rPr lang="en-US" sz="1600" b="0" i="1" smtClean="0">
-                          <a:solidFill>
-                            <a:schemeClr val="tx1"/>
-                          </a:solidFill>
-                          <a:latin typeface="Cambria Math" panose="02040503050406030204" pitchFamily="18" charset="0"/>
-                        </a:rPr>
-                        <m:t>1</m:t>
-                      </m:r>
-                    </m:oMath>
-                  </m:oMathPara>
-                </a14:m>
-                <a:endParaRPr lang="en-US" sz="1600" dirty="0">
-                  <a:solidFill>
-                    <a:schemeClr val="tx1"/>
-                  </a:solidFill>
-                </a:endParaRPr>
-              </a:p>
-            </p:txBody>
-          </p:sp>
-        </mc:Choice>
-        <mc:Fallback xmlns="">
-          <p:sp>
-            <p:nvSpPr>
-              <p:cNvPr id="646" name="Rectangle 645"/>
-              <p:cNvSpPr>
-                <a:spLocks noRot="1" noChangeAspect="1" noMove="1" noResize="1" noEditPoints="1" noAdjustHandles="1" noChangeArrowheads="1" noChangeShapeType="1" noTextEdit="1"/>
-              </p:cNvSpPr>
-              <p:nvPr/>
-            </p:nvSpPr>
-            <p:spPr>
-              <a:xfrm>
-                <a:off x="1980159" y="676520"/>
-                <a:ext cx="592718" cy="453839"/>
-              </a:xfrm>
-              <a:prstGeom prst="rect">
-                <a:avLst/>
-              </a:prstGeom>
-              <a:blipFill rotWithShape="0">
-                <a:blip r:embed="rId9"/>
-                <a:stretch>
-                  <a:fillRect/>
-                </a:stretch>
-              </a:blipFill>
-              <a:ln>
+                <a:ln>
+                  <a:noFill/>
+                </a:ln>
+              </p:spPr>
+              <p:style>
+                <a:lnRef idx="2">
+                  <a:schemeClr val="accent1">
+                    <a:shade val="50000"/>
+                  </a:schemeClr>
+                </a:lnRef>
+                <a:fillRef idx="1">
+                  <a:schemeClr val="accent1"/>
+                </a:fillRef>
+                <a:effectRef idx="0">
+                  <a:schemeClr val="accent1"/>
+                </a:effectRef>
+                <a:fontRef idx="minor">
+                  <a:schemeClr val="lt1"/>
+                </a:fontRef>
+              </p:style>
+              <p:txBody>
+                <a:bodyPr rtlCol="0" anchor="ctr"/>
+                <a:lstStyle/>
+                <a:p>
+                  <a:pPr algn="ctr"/>
+                  <a14:m>
+                    <m:oMathPara xmlns:m="http://schemas.openxmlformats.org/officeDocument/2006/math">
+                      <m:oMathParaPr>
+                        <m:jc m:val="centerGroup"/>
+                      </m:oMathParaPr>
+                      <m:oMath xmlns:m="http://schemas.openxmlformats.org/officeDocument/2006/math">
+                        <m:r>
+                          <a:rPr lang="en-US" sz="1600" b="0" i="1" smtClean="0">
+                            <a:solidFill>
+                              <a:schemeClr val="tx1"/>
+                            </a:solidFill>
+                            <a:latin typeface="Cambria Math" panose="02040503050406030204" pitchFamily="18" charset="0"/>
+                          </a:rPr>
+                          <m:t> </m:t>
+                        </m:r>
+                        <m:r>
+                          <a:rPr lang="en-US" sz="1600" b="0" i="1" smtClean="0">
+                            <a:solidFill>
+                              <a:schemeClr val="tx1"/>
+                            </a:solidFill>
+                            <a:latin typeface="Cambria Math" panose="02040503050406030204" pitchFamily="18" charset="0"/>
+                          </a:rPr>
+                          <m:t>𝑗</m:t>
+                        </m:r>
+                      </m:oMath>
+                    </m:oMathPara>
+                  </a14:m>
+                  <a:endParaRPr lang="en-US" sz="1600" dirty="0">
+                    <a:solidFill>
+                      <a:schemeClr val="tx1"/>
+                    </a:solidFill>
+                  </a:endParaRPr>
+                </a:p>
+              </p:txBody>
+            </p:sp>
+          </mc:Choice>
+          <mc:Fallback xmlns="">
+            <p:sp>
+              <p:nvSpPr>
+                <p:cNvPr id="647" name="Rectangle 646"/>
+                <p:cNvSpPr>
+                  <a:spLocks noRot="1" noChangeAspect="1" noMove="1" noResize="1" noEditPoints="1" noAdjustHandles="1" noChangeArrowheads="1" noChangeShapeType="1" noTextEdit="1"/>
+                </p:cNvSpPr>
+                <p:nvPr/>
+              </p:nvSpPr>
+              <p:spPr>
+                <a:xfrm>
+                  <a:off x="4291175" y="1556530"/>
+                  <a:ext cx="457599" cy="453839"/>
+                </a:xfrm>
+                <a:prstGeom prst="rect">
+                  <a:avLst/>
+                </a:prstGeom>
+                <a:blipFill rotWithShape="0">
+                  <a:blip r:embed="rId10"/>
+                  <a:stretch>
+                    <a:fillRect/>
+                  </a:stretch>
+                </a:blipFill>
+                <a:ln>
+                  <a:noFill/>
+                </a:ln>
+              </p:spPr>
+              <p:txBody>
+                <a:bodyPr/>
+                <a:lstStyle/>
+                <a:p>
+                  <a:r>
+                    <a:rPr lang="en-US">
+                      <a:noFill/>
+                    </a:rPr>
+                    <a:t> </a:t>
+                  </a:r>
+                </a:p>
+              </p:txBody>
+            </p:sp>
+          </mc:Fallback>
+        </mc:AlternateContent>
+        <p:sp>
+          <p:nvSpPr>
+            <p:cNvPr id="648" name="Rectangle 647"/>
+            <p:cNvSpPr/>
+            <p:nvPr/>
+          </p:nvSpPr>
+          <p:spPr>
+            <a:xfrm>
+              <a:off x="1126725" y="1107381"/>
+              <a:ext cx="457599" cy="453839"/>
+            </a:xfrm>
+            <a:prstGeom prst="rect">
+              <a:avLst/>
+            </a:prstGeom>
+            <a:noFill/>
+          </p:spPr>
+          <p:style>
+            <a:lnRef idx="2">
+              <a:schemeClr val="accent1">
+                <a:shade val="50000"/>
+              </a:schemeClr>
+            </a:lnRef>
+            <a:fillRef idx="1">
+              <a:schemeClr val="accent1"/>
+            </a:fillRef>
+            <a:effectRef idx="0">
+              <a:schemeClr val="accent1"/>
+            </a:effectRef>
+            <a:fontRef idx="minor">
+              <a:schemeClr val="lt1"/>
+            </a:fontRef>
+          </p:style>
+          <p:txBody>
+            <a:bodyPr rtlCol="0" anchor="ctr"/>
+            <a:lstStyle/>
+            <a:p>
+              <a:pPr algn="ctr"/>
+              <a:endParaRPr lang="en-US" dirty="0"/>
+            </a:p>
+          </p:txBody>
+        </p:sp>
+        <p:sp>
+          <p:nvSpPr>
+            <p:cNvPr id="649" name="Rectangle 648"/>
+            <p:cNvSpPr/>
+            <p:nvPr/>
+          </p:nvSpPr>
+          <p:spPr>
+            <a:xfrm>
+              <a:off x="1126725" y="1561220"/>
+              <a:ext cx="457599" cy="453839"/>
+            </a:xfrm>
+            <a:prstGeom prst="rect">
+              <a:avLst/>
+            </a:prstGeom>
+            <a:noFill/>
+          </p:spPr>
+          <p:style>
+            <a:lnRef idx="2">
+              <a:schemeClr val="accent1">
+                <a:shade val="50000"/>
+              </a:schemeClr>
+            </a:lnRef>
+            <a:fillRef idx="1">
+              <a:schemeClr val="accent1"/>
+            </a:fillRef>
+            <a:effectRef idx="0">
+              <a:schemeClr val="accent1"/>
+            </a:effectRef>
+            <a:fontRef idx="minor">
+              <a:schemeClr val="lt1"/>
+            </a:fontRef>
+          </p:style>
+          <p:txBody>
+            <a:bodyPr rtlCol="0" anchor="ctr"/>
+            <a:lstStyle/>
+            <a:p>
+              <a:pPr algn="ctr"/>
+              <a:endParaRPr lang="en-US" dirty="0"/>
+            </a:p>
+          </p:txBody>
+        </p:sp>
+        <p:sp>
+          <p:nvSpPr>
+            <p:cNvPr id="650" name="Rectangle 649"/>
+            <p:cNvSpPr/>
+            <p:nvPr/>
+          </p:nvSpPr>
+          <p:spPr>
+            <a:xfrm>
+              <a:off x="1126725" y="2015059"/>
+              <a:ext cx="457599" cy="453839"/>
+            </a:xfrm>
+            <a:prstGeom prst="rect">
+              <a:avLst/>
+            </a:prstGeom>
+            <a:noFill/>
+          </p:spPr>
+          <p:style>
+            <a:lnRef idx="2">
+              <a:schemeClr val="accent1">
+                <a:shade val="50000"/>
+              </a:schemeClr>
+            </a:lnRef>
+            <a:fillRef idx="1">
+              <a:schemeClr val="accent1"/>
+            </a:fillRef>
+            <a:effectRef idx="0">
+              <a:schemeClr val="accent1"/>
+            </a:effectRef>
+            <a:fontRef idx="minor">
+              <a:schemeClr val="lt1"/>
+            </a:fontRef>
+          </p:style>
+          <p:txBody>
+            <a:bodyPr rtlCol="0" anchor="ctr"/>
+            <a:lstStyle/>
+            <a:p>
+              <a:pPr algn="ctr"/>
+              <a:endParaRPr lang="en-US" dirty="0"/>
+            </a:p>
+          </p:txBody>
+        </p:sp>
+        <p:sp>
+          <p:nvSpPr>
+            <p:cNvPr id="651" name="Rectangle 650"/>
+            <p:cNvSpPr/>
+            <p:nvPr/>
+          </p:nvSpPr>
+          <p:spPr>
+            <a:xfrm>
+              <a:off x="1126725" y="2468898"/>
+              <a:ext cx="457599" cy="453839"/>
+            </a:xfrm>
+            <a:prstGeom prst="rect">
+              <a:avLst/>
+            </a:prstGeom>
+            <a:noFill/>
+          </p:spPr>
+          <p:style>
+            <a:lnRef idx="2">
+              <a:schemeClr val="accent1">
+                <a:shade val="50000"/>
+              </a:schemeClr>
+            </a:lnRef>
+            <a:fillRef idx="1">
+              <a:schemeClr val="accent1"/>
+            </a:fillRef>
+            <a:effectRef idx="0">
+              <a:schemeClr val="accent1"/>
+            </a:effectRef>
+            <a:fontRef idx="minor">
+              <a:schemeClr val="lt1"/>
+            </a:fontRef>
+          </p:style>
+          <p:txBody>
+            <a:bodyPr rtlCol="0" anchor="ctr"/>
+            <a:lstStyle/>
+            <a:p>
+              <a:pPr algn="ctr"/>
+              <a:endParaRPr lang="en-US" dirty="0"/>
+            </a:p>
+          </p:txBody>
+        </p:sp>
+        <mc:AlternateContent xmlns:mc="http://schemas.openxmlformats.org/markup-compatibility/2006" xmlns:a14="http://schemas.microsoft.com/office/drawing/2010/main">
+          <mc:Choice Requires="a14">
+            <p:sp>
+              <p:nvSpPr>
+                <p:cNvPr id="688" name="Rectangle 687"/>
+                <p:cNvSpPr/>
+                <p:nvPr/>
+              </p:nvSpPr>
+              <p:spPr>
+                <a:xfrm>
+                  <a:off x="4519974" y="2256358"/>
+                  <a:ext cx="5221929" cy="453839"/>
+                </a:xfrm>
+                <a:prstGeom prst="rect">
+                  <a:avLst/>
+                </a:prstGeom>
                 <a:noFill/>
-              </a:ln>
-            </p:spPr>
-            <p:txBody>
-              <a:bodyPr/>
-              <a:lstStyle/>
-              <a:p>
-                <a:r>
-                  <a:rPr lang="en-US">
-                    <a:noFill/>
-                  </a:rPr>
-                  <a:t> </a:t>
-                </a:r>
-              </a:p>
-            </p:txBody>
-          </p:sp>
-        </mc:Fallback>
-      </mc:AlternateContent>
-      <mc:AlternateContent xmlns:mc="http://schemas.openxmlformats.org/markup-compatibility/2006" xmlns:a14="http://schemas.microsoft.com/office/drawing/2010/main">
-        <mc:Choice Requires="a14">
-          <p:sp>
-            <p:nvSpPr>
-              <p:cNvPr id="647" name="Rectangle 646"/>
-              <p:cNvSpPr/>
-              <p:nvPr/>
-            </p:nvSpPr>
-            <p:spPr>
-              <a:xfrm>
-                <a:off x="4291175" y="1556530"/>
-                <a:ext cx="457599" cy="453839"/>
-              </a:xfrm>
-              <a:prstGeom prst="rect">
-                <a:avLst/>
-              </a:prstGeom>
-              <a:noFill/>
-              <a:ln>
-                <a:noFill/>
-              </a:ln>
-            </p:spPr>
-            <p:style>
-              <a:lnRef idx="2">
-                <a:schemeClr val="accent1">
-                  <a:shade val="50000"/>
-                </a:schemeClr>
-              </a:lnRef>
-              <a:fillRef idx="1">
-                <a:schemeClr val="accent1"/>
-              </a:fillRef>
-              <a:effectRef idx="0">
-                <a:schemeClr val="accent1"/>
-              </a:effectRef>
-              <a:fontRef idx="minor">
-                <a:schemeClr val="lt1"/>
-              </a:fontRef>
-            </p:style>
-            <p:txBody>
-              <a:bodyPr rtlCol="0" anchor="ctr"/>
-              <a:lstStyle/>
-              <a:p>
-                <a:pPr algn="ctr"/>
-                <a14:m>
-                  <m:oMathPara xmlns:m="http://schemas.openxmlformats.org/officeDocument/2006/math">
-                    <m:oMathParaPr>
-                      <m:jc m:val="centerGroup"/>
-                    </m:oMathParaPr>
-                    <m:oMath xmlns:m="http://schemas.openxmlformats.org/officeDocument/2006/math">
-                      <m:r>
-                        <a:rPr lang="en-US" sz="1600" b="0" i="1" smtClean="0">
-                          <a:solidFill>
-                            <a:schemeClr val="tx1"/>
-                          </a:solidFill>
-                          <a:latin typeface="Cambria Math" panose="02040503050406030204" pitchFamily="18" charset="0"/>
-                        </a:rPr>
-                        <m:t> </m:t>
-                      </m:r>
-                      <m:r>
-                        <a:rPr lang="en-US" sz="1600" b="0" i="1" smtClean="0">
-                          <a:solidFill>
-                            <a:schemeClr val="tx1"/>
-                          </a:solidFill>
-                          <a:latin typeface="Cambria Math" panose="02040503050406030204" pitchFamily="18" charset="0"/>
-                        </a:rPr>
-                        <m:t>𝑗</m:t>
-                      </m:r>
-                    </m:oMath>
-                  </m:oMathPara>
-                </a14:m>
-                <a:endParaRPr lang="en-US" sz="1600" dirty="0">
-                  <a:solidFill>
-                    <a:schemeClr val="tx1"/>
-                  </a:solidFill>
-                </a:endParaRPr>
-              </a:p>
-            </p:txBody>
-          </p:sp>
-        </mc:Choice>
-        <mc:Fallback xmlns="">
-          <p:sp>
-            <p:nvSpPr>
-              <p:cNvPr id="647" name="Rectangle 646"/>
-              <p:cNvSpPr>
-                <a:spLocks noRot="1" noChangeAspect="1" noMove="1" noResize="1" noEditPoints="1" noAdjustHandles="1" noChangeArrowheads="1" noChangeShapeType="1" noTextEdit="1"/>
-              </p:cNvSpPr>
-              <p:nvPr/>
-            </p:nvSpPr>
-            <p:spPr>
-              <a:xfrm>
-                <a:off x="4291175" y="1556530"/>
-                <a:ext cx="457599" cy="453839"/>
-              </a:xfrm>
-              <a:prstGeom prst="rect">
-                <a:avLst/>
-              </a:prstGeom>
-              <a:blipFill rotWithShape="0">
-                <a:blip r:embed="rId10"/>
-                <a:stretch>
-                  <a:fillRect/>
-                </a:stretch>
-              </a:blipFill>
-              <a:ln>
-                <a:noFill/>
-              </a:ln>
-            </p:spPr>
-            <p:txBody>
-              <a:bodyPr/>
-              <a:lstStyle/>
-              <a:p>
-                <a:r>
-                  <a:rPr lang="en-US">
-                    <a:noFill/>
-                  </a:rPr>
-                  <a:t> </a:t>
-                </a:r>
-              </a:p>
-            </p:txBody>
-          </p:sp>
-        </mc:Fallback>
-      </mc:AlternateContent>
-      <p:sp>
-        <p:nvSpPr>
-          <p:cNvPr id="648" name="Rectangle 647"/>
-          <p:cNvSpPr/>
-          <p:nvPr/>
-        </p:nvSpPr>
-        <p:spPr>
-          <a:xfrm>
-            <a:off x="1126725" y="1107381"/>
-            <a:ext cx="457599" cy="453839"/>
-          </a:xfrm>
-          <a:prstGeom prst="rect">
-            <a:avLst/>
-          </a:prstGeom>
-          <a:noFill/>
-        </p:spPr>
-        <p:style>
-          <a:lnRef idx="2">
-            <a:schemeClr val="accent1">
-              <a:shade val="50000"/>
-            </a:schemeClr>
-          </a:lnRef>
-          <a:fillRef idx="1">
-            <a:schemeClr val="accent1"/>
-          </a:fillRef>
-          <a:effectRef idx="0">
-            <a:schemeClr val="accent1"/>
-          </a:effectRef>
-          <a:fontRef idx="minor">
-            <a:schemeClr val="lt1"/>
-          </a:fontRef>
-        </p:style>
-        <p:txBody>
-          <a:bodyPr rtlCol="0" anchor="ctr"/>
-          <a:lstStyle/>
-          <a:p>
-            <a:pPr algn="ctr"/>
-            <a:endParaRPr lang="en-US" dirty="0"/>
-          </a:p>
-        </p:txBody>
-      </p:sp>
-      <p:sp>
-        <p:nvSpPr>
-          <p:cNvPr id="649" name="Rectangle 648"/>
-          <p:cNvSpPr/>
-          <p:nvPr/>
-        </p:nvSpPr>
-        <p:spPr>
-          <a:xfrm>
-            <a:off x="1126725" y="1561220"/>
-            <a:ext cx="457599" cy="453839"/>
-          </a:xfrm>
-          <a:prstGeom prst="rect">
-            <a:avLst/>
-          </a:prstGeom>
-          <a:noFill/>
-        </p:spPr>
-        <p:style>
-          <a:lnRef idx="2">
-            <a:schemeClr val="accent1">
-              <a:shade val="50000"/>
-            </a:schemeClr>
-          </a:lnRef>
-          <a:fillRef idx="1">
-            <a:schemeClr val="accent1"/>
-          </a:fillRef>
-          <a:effectRef idx="0">
-            <a:schemeClr val="accent1"/>
-          </a:effectRef>
-          <a:fontRef idx="minor">
-            <a:schemeClr val="lt1"/>
-          </a:fontRef>
-        </p:style>
-        <p:txBody>
-          <a:bodyPr rtlCol="0" anchor="ctr"/>
-          <a:lstStyle/>
-          <a:p>
-            <a:pPr algn="ctr"/>
-            <a:endParaRPr lang="en-US" dirty="0"/>
-          </a:p>
-        </p:txBody>
-      </p:sp>
-      <p:sp>
-        <p:nvSpPr>
-          <p:cNvPr id="650" name="Rectangle 649"/>
-          <p:cNvSpPr/>
-          <p:nvPr/>
-        </p:nvSpPr>
-        <p:spPr>
-          <a:xfrm>
-            <a:off x="1126725" y="2015059"/>
-            <a:ext cx="457599" cy="453839"/>
-          </a:xfrm>
-          <a:prstGeom prst="rect">
-            <a:avLst/>
-          </a:prstGeom>
-          <a:noFill/>
-        </p:spPr>
-        <p:style>
-          <a:lnRef idx="2">
-            <a:schemeClr val="accent1">
-              <a:shade val="50000"/>
-            </a:schemeClr>
-          </a:lnRef>
-          <a:fillRef idx="1">
-            <a:schemeClr val="accent1"/>
-          </a:fillRef>
-          <a:effectRef idx="0">
-            <a:schemeClr val="accent1"/>
-          </a:effectRef>
-          <a:fontRef idx="minor">
-            <a:schemeClr val="lt1"/>
-          </a:fontRef>
-        </p:style>
-        <p:txBody>
-          <a:bodyPr rtlCol="0" anchor="ctr"/>
-          <a:lstStyle/>
-          <a:p>
-            <a:pPr algn="ctr"/>
-            <a:endParaRPr lang="en-US" dirty="0"/>
-          </a:p>
-        </p:txBody>
-      </p:sp>
-      <p:sp>
-        <p:nvSpPr>
-          <p:cNvPr id="651" name="Rectangle 650"/>
-          <p:cNvSpPr/>
-          <p:nvPr/>
-        </p:nvSpPr>
-        <p:spPr>
-          <a:xfrm>
-            <a:off x="1126725" y="2468898"/>
-            <a:ext cx="457599" cy="453839"/>
-          </a:xfrm>
-          <a:prstGeom prst="rect">
-            <a:avLst/>
-          </a:prstGeom>
-          <a:noFill/>
-        </p:spPr>
-        <p:style>
-          <a:lnRef idx="2">
-            <a:schemeClr val="accent1">
-              <a:shade val="50000"/>
-            </a:schemeClr>
-          </a:lnRef>
-          <a:fillRef idx="1">
-            <a:schemeClr val="accent1"/>
-          </a:fillRef>
-          <a:effectRef idx="0">
-            <a:schemeClr val="accent1"/>
-          </a:effectRef>
-          <a:fontRef idx="minor">
-            <a:schemeClr val="lt1"/>
-          </a:fontRef>
-        </p:style>
-        <p:txBody>
-          <a:bodyPr rtlCol="0" anchor="ctr"/>
-          <a:lstStyle/>
-          <a:p>
-            <a:pPr algn="ctr"/>
-            <a:endParaRPr lang="en-US" dirty="0"/>
-          </a:p>
-        </p:txBody>
-      </p:sp>
-      <mc:AlternateContent xmlns:mc="http://schemas.openxmlformats.org/markup-compatibility/2006" xmlns:a14="http://schemas.microsoft.com/office/drawing/2010/main">
-        <mc:Choice Requires="a14">
-          <p:sp>
-            <p:nvSpPr>
-              <p:cNvPr id="688" name="Rectangle 687"/>
-              <p:cNvSpPr/>
-              <p:nvPr/>
-            </p:nvSpPr>
-            <p:spPr>
-              <a:xfrm>
-                <a:off x="4434208" y="2249169"/>
-                <a:ext cx="4747208" cy="453839"/>
-              </a:xfrm>
-              <a:prstGeom prst="rect">
-                <a:avLst/>
-              </a:prstGeom>
-              <a:noFill/>
-              <a:ln>
-                <a:noFill/>
-              </a:ln>
-            </p:spPr>
-            <p:style>
-              <a:lnRef idx="2">
-                <a:schemeClr val="accent1">
-                  <a:shade val="50000"/>
-                </a:schemeClr>
-              </a:lnRef>
-              <a:fillRef idx="1">
-                <a:schemeClr val="accent1"/>
-              </a:fillRef>
-              <a:effectRef idx="0">
-                <a:schemeClr val="accent1"/>
-              </a:effectRef>
-              <a:fontRef idx="minor">
-                <a:schemeClr val="lt1"/>
-              </a:fontRef>
-            </p:style>
-            <p:txBody>
-              <a:bodyPr rtlCol="0" anchor="ctr"/>
-              <a:lstStyle/>
-              <a:p>
-                <a:pPr/>
-                <a14:m>
-                  <m:oMathPara xmlns:m="http://schemas.openxmlformats.org/officeDocument/2006/math">
-                    <m:oMathParaPr>
-                      <m:jc m:val="centerGroup"/>
-                    </m:oMathParaPr>
-                    <m:oMath xmlns:m="http://schemas.openxmlformats.org/officeDocument/2006/math">
-                      <m:sSub>
-                        <m:sSubPr>
-                          <m:ctrlPr>
-                            <a:rPr lang="en-US" sz="2400" b="0" i="1" dirty="0" smtClean="0">
-                              <a:solidFill>
-                                <a:schemeClr val="tx1"/>
-                              </a:solidFill>
-                              <a:latin typeface="Cambria Math" panose="02040503050406030204" pitchFamily="18" charset="0"/>
-                            </a:rPr>
-                          </m:ctrlPr>
-                        </m:sSubPr>
-                        <m:e>
-                          <m:r>
-                            <a:rPr lang="en-US" sz="2400" b="0" i="1" dirty="0" smtClean="0">
-                              <a:solidFill>
-                                <a:schemeClr val="tx1"/>
-                              </a:solidFill>
-                              <a:latin typeface="Cambria Math" panose="02040503050406030204" pitchFamily="18" charset="0"/>
-                            </a:rPr>
-                            <m:t>𝛽</m:t>
-                          </m:r>
-                        </m:e>
-                        <m:sub>
-                          <m:r>
-                            <a:rPr lang="en-US" sz="2400" b="0" i="1" dirty="0" smtClean="0">
-                              <a:solidFill>
-                                <a:schemeClr val="tx1"/>
-                              </a:solidFill>
-                              <a:latin typeface="Cambria Math" panose="02040503050406030204" pitchFamily="18" charset="0"/>
-                            </a:rPr>
-                            <m:t>𝑗</m:t>
-                          </m:r>
-                          <m:r>
-                            <a:rPr lang="en-US" sz="2400" b="0" i="1" dirty="0" smtClean="0">
-                              <a:solidFill>
-                                <a:schemeClr val="tx1"/>
-                              </a:solidFill>
-                              <a:latin typeface="Cambria Math" panose="02040503050406030204" pitchFamily="18" charset="0"/>
-                            </a:rPr>
-                            <m:t>,</m:t>
-                          </m:r>
-                          <m:r>
-                            <a:rPr lang="en-US" sz="2400" b="0" i="1" dirty="0" smtClean="0">
-                              <a:solidFill>
-                                <a:schemeClr val="tx1"/>
-                              </a:solidFill>
-                              <a:latin typeface="Cambria Math" panose="02040503050406030204" pitchFamily="18" charset="0"/>
-                            </a:rPr>
-                            <m:t>𝑡</m:t>
-                          </m:r>
-                        </m:sub>
-                      </m:sSub>
-                      <m:r>
-                        <a:rPr lang="en-US" sz="2400" b="0" i="1" dirty="0" smtClean="0">
-                          <a:solidFill>
-                            <a:schemeClr val="tx1"/>
-                          </a:solidFill>
-                          <a:latin typeface="Cambria Math" panose="02040503050406030204" pitchFamily="18" charset="0"/>
-                        </a:rPr>
-                        <m:t>=</m:t>
-                      </m:r>
-                      <m:nary>
-                        <m:naryPr>
-                          <m:chr m:val="∑"/>
-                          <m:limLoc m:val="subSup"/>
-                          <m:supHide m:val="on"/>
-                          <m:ctrlPr>
-                            <a:rPr lang="en-US" sz="2400" i="1" dirty="0">
-                              <a:solidFill>
-                                <a:schemeClr val="tx1"/>
-                              </a:solidFill>
-                              <a:latin typeface="Cambria Math" panose="02040503050406030204" pitchFamily="18" charset="0"/>
-                            </a:rPr>
-                          </m:ctrlPr>
-                        </m:naryPr>
-                        <m:sub>
-                          <m:r>
-                            <m:rPr>
-                              <m:nor/>
-                            </m:rPr>
-                            <a:rPr lang="en-US" sz="2400" i="1" dirty="0">
-                              <a:solidFill>
-                                <a:schemeClr val="tx1"/>
-                              </a:solidFill>
-                            </a:rPr>
-                            <m:t>j</m:t>
-                          </m:r>
-                          <m:r>
-                            <m:rPr>
-                              <m:nor/>
-                            </m:rPr>
-                            <a:rPr lang="en-US" sz="2400" i="1" dirty="0">
-                              <a:solidFill>
-                                <a:schemeClr val="tx1"/>
-                              </a:solidFill>
-                            </a:rPr>
-                            <m:t>′</m:t>
-                          </m:r>
-                          <m:r>
-                            <a:rPr lang="en-US" sz="2400" i="1" dirty="0">
-                              <a:solidFill>
-                                <a:schemeClr val="tx1"/>
-                              </a:solidFill>
-                              <a:latin typeface="Cambria Math" panose="02040503050406030204" pitchFamily="18" charset="0"/>
-                            </a:rPr>
-                            <m:t>∈</m:t>
-                          </m:r>
-                          <m:r>
-                            <m:rPr>
-                              <m:nor/>
-                            </m:rPr>
-                            <a:rPr lang="en-US" sz="2400" i="1" dirty="0">
-                              <a:solidFill>
-                                <a:schemeClr val="tx1"/>
-                              </a:solidFill>
-                            </a:rPr>
-                            <m:t>[</m:t>
-                          </m:r>
-                          <m:r>
-                            <m:rPr>
-                              <m:nor/>
-                            </m:rPr>
-                            <a:rPr lang="en-US" sz="2400" i="1" dirty="0">
-                              <a:solidFill>
-                                <a:schemeClr val="tx1"/>
-                              </a:solidFill>
-                            </a:rPr>
-                            <m:t>m</m:t>
-                          </m:r>
-                          <m:r>
-                            <m:rPr>
-                              <m:nor/>
-                            </m:rPr>
-                            <a:rPr lang="en-US" sz="2400" i="1" dirty="0">
-                              <a:solidFill>
-                                <a:schemeClr val="tx1"/>
-                              </a:solidFill>
-                            </a:rPr>
-                            <m:t>]</m:t>
-                          </m:r>
-                        </m:sub>
-                        <m:sup/>
-                        <m:e>
-                          <m:sSub>
-                            <m:sSubPr>
-                              <m:ctrlPr>
-                                <a:rPr lang="en-US" sz="2400" i="1" dirty="0">
-                                  <a:solidFill>
-                                    <a:schemeClr val="tx1"/>
-                                  </a:solidFill>
-                                  <a:latin typeface="Cambria Math" panose="02040503050406030204" pitchFamily="18" charset="0"/>
-                                </a:rPr>
-                              </m:ctrlPr>
-                            </m:sSubPr>
-                            <m:e>
-                              <m:r>
-                                <a:rPr lang="en-US" sz="2400" i="1" dirty="0">
-                                  <a:solidFill>
-                                    <a:schemeClr val="tx1"/>
-                                  </a:solidFill>
-                                  <a:latin typeface="Cambria Math" panose="02040503050406030204" pitchFamily="18" charset="0"/>
-                                </a:rPr>
-                                <m:t>𝛽</m:t>
-                              </m:r>
-                            </m:e>
-                            <m:sub>
-                              <m:r>
-                                <m:rPr>
-                                  <m:nor/>
-                                </m:rPr>
-                                <a:rPr lang="en-US" sz="2400" i="1" dirty="0">
-                                  <a:solidFill>
-                                    <a:schemeClr val="tx1"/>
-                                  </a:solidFill>
-                                </a:rPr>
-                                <m:t>j</m:t>
-                              </m:r>
-                              <m:r>
-                                <m:rPr>
-                                  <m:nor/>
-                                </m:rPr>
-                                <a:rPr lang="en-US" sz="2400" i="1" dirty="0">
-                                  <a:solidFill>
-                                    <a:schemeClr val="tx1"/>
-                                  </a:solidFill>
-                                </a:rPr>
-                                <m:t>′</m:t>
-                              </m:r>
-                              <m:r>
-                                <m:rPr>
-                                  <m:nor/>
-                                </m:rPr>
-                                <a:rPr lang="en-US" sz="2400" i="1" dirty="0">
-                                  <a:solidFill>
-                                    <a:schemeClr val="tx1"/>
-                                  </a:solidFill>
-                                </a:rPr>
-                                <m:t>,</m:t>
-                              </m:r>
-                              <m:r>
-                                <m:rPr>
-                                  <m:nor/>
-                                </m:rPr>
-                                <a:rPr lang="en-US" sz="2400" i="1" dirty="0">
-                                  <a:solidFill>
-                                    <a:schemeClr val="tx1"/>
-                                  </a:solidFill>
-                                </a:rPr>
-                                <m:t>t</m:t>
-                              </m:r>
-                              <m:r>
-                                <m:rPr>
-                                  <m:nor/>
-                                </m:rPr>
-                                <a:rPr lang="en-US" sz="2400" i="1" dirty="0">
-                                  <a:solidFill>
-                                    <a:schemeClr val="tx1"/>
-                                  </a:solidFill>
-                                </a:rPr>
-                                <m:t>+</m:t>
-                              </m:r>
-                              <m:r>
-                                <m:rPr>
-                                  <m:nor/>
-                                </m:rPr>
-                                <a:rPr lang="en-US" sz="2400" i="1" dirty="0">
-                                  <a:solidFill>
-                                    <a:schemeClr val="tx1"/>
-                                  </a:solidFill>
-                                </a:rPr>
-                                <m:t>1</m:t>
-                              </m:r>
-                            </m:sub>
-                          </m:sSub>
-                          <m:r>
-                            <a:rPr lang="en-US" sz="2400" i="1" dirty="0">
-                              <a:solidFill>
-                                <a:schemeClr val="tx1"/>
-                              </a:solidFill>
-                              <a:latin typeface="Cambria Math" panose="02040503050406030204" pitchFamily="18" charset="0"/>
-                            </a:rPr>
-                            <m:t>⋅</m:t>
-                          </m:r>
-                          <m:sSub>
-                            <m:sSubPr>
-                              <m:ctrlPr>
-                                <a:rPr lang="en-US" sz="2400" i="1" dirty="0">
-                                  <a:solidFill>
-                                    <a:schemeClr val="tx1"/>
-                                  </a:solidFill>
-                                  <a:latin typeface="Cambria Math" panose="02040503050406030204" pitchFamily="18" charset="0"/>
-                                </a:rPr>
-                              </m:ctrlPr>
-                            </m:sSubPr>
-                            <m:e>
-                              <m:r>
-                                <a:rPr lang="en-US" sz="2400" i="1" dirty="0">
-                                  <a:solidFill>
-                                    <a:schemeClr val="tx1"/>
-                                  </a:solidFill>
-                                  <a:latin typeface="Cambria Math" panose="02040503050406030204" pitchFamily="18" charset="0"/>
-                                </a:rPr>
-                                <m:t>𝐸</m:t>
-                              </m:r>
-                            </m:e>
-                            <m:sub>
-                              <m:sSub>
-                                <m:sSubPr>
-                                  <m:ctrlPr>
-                                    <a:rPr lang="en-US" sz="2400" i="1" dirty="0">
-                                      <a:solidFill>
-                                        <a:schemeClr val="tx1"/>
-                                      </a:solidFill>
-                                      <a:latin typeface="Cambria Math" panose="02040503050406030204" pitchFamily="18" charset="0"/>
-                                    </a:rPr>
-                                  </m:ctrlPr>
-                                </m:sSubPr>
-                                <m:e>
-                                  <m:r>
-                                    <m:rPr>
-                                      <m:nor/>
-                                    </m:rPr>
-                                    <a:rPr lang="en-US" sz="2400" i="1" dirty="0">
-                                      <a:solidFill>
-                                        <a:schemeClr val="tx1"/>
-                                      </a:solidFill>
-                                    </a:rPr>
-                                    <m:t>j</m:t>
-                                  </m:r>
-                                  <m:r>
-                                    <m:rPr>
-                                      <m:nor/>
-                                    </m:rPr>
-                                    <a:rPr lang="en-US" sz="2400" i="1" dirty="0">
-                                      <a:solidFill>
-                                        <a:schemeClr val="tx1"/>
-                                      </a:solidFill>
-                                    </a:rPr>
-                                    <m:t>,</m:t>
-                                  </m:r>
-                                  <m:r>
-                                    <m:rPr>
-                                      <m:nor/>
-                                    </m:rPr>
-                                    <a:rPr lang="en-US" sz="2400" i="1" dirty="0">
-                                      <a:solidFill>
-                                        <a:schemeClr val="tx1"/>
-                                      </a:solidFill>
-                                    </a:rPr>
-                                    <m:t>x</m:t>
-                                  </m:r>
-                                </m:e>
-                                <m:sub>
-                                  <m:r>
-                                    <a:rPr lang="en-US" sz="2400" i="1" dirty="0">
-                                      <a:solidFill>
-                                        <a:schemeClr val="tx1"/>
-                                      </a:solidFill>
-                                      <a:latin typeface="Cambria Math" panose="02040503050406030204" pitchFamily="18" charset="0"/>
-                                    </a:rPr>
-                                    <m:t>𝑡</m:t>
-                                  </m:r>
-                                  <m:r>
-                                    <a:rPr lang="en-US" sz="2400" i="1" dirty="0">
-                                      <a:solidFill>
-                                        <a:schemeClr val="tx1"/>
-                                      </a:solidFill>
-                                      <a:latin typeface="Cambria Math" panose="02040503050406030204" pitchFamily="18" charset="0"/>
-                                    </a:rPr>
-                                    <m:t>+</m:t>
-                                  </m:r>
-                                  <m:r>
-                                    <a:rPr lang="en-US" sz="2400" i="1" dirty="0">
-                                      <a:solidFill>
-                                        <a:schemeClr val="tx1"/>
-                                      </a:solidFill>
-                                      <a:latin typeface="Cambria Math" panose="02040503050406030204" pitchFamily="18" charset="0"/>
-                                    </a:rPr>
-                                    <m:t>1</m:t>
-                                  </m:r>
-                                </m:sub>
-                              </m:sSub>
-                            </m:sub>
-                          </m:sSub>
-                          <m:r>
-                            <a:rPr lang="en-US" sz="2400" i="1" dirty="0">
-                              <a:solidFill>
-                                <a:schemeClr val="tx1"/>
-                              </a:solidFill>
-                              <a:latin typeface="Cambria Math" panose="02040503050406030204" pitchFamily="18" charset="0"/>
-                            </a:rPr>
-                            <m:t>⋅</m:t>
-                          </m:r>
-                          <m:sSub>
-                            <m:sSubPr>
-                              <m:ctrlPr>
-                                <a:rPr lang="en-US" sz="2400" i="1" dirty="0">
-                                  <a:solidFill>
-                                    <a:schemeClr val="tx1"/>
-                                  </a:solidFill>
-                                  <a:latin typeface="Cambria Math" panose="02040503050406030204" pitchFamily="18" charset="0"/>
-                                </a:rPr>
-                              </m:ctrlPr>
-                            </m:sSubPr>
-                            <m:e>
-                              <m:r>
-                                <a:rPr lang="en-US" sz="2400" i="1" dirty="0">
-                                  <a:solidFill>
-                                    <a:schemeClr val="tx1"/>
-                                  </a:solidFill>
-                                  <a:latin typeface="Cambria Math" panose="02040503050406030204" pitchFamily="18" charset="0"/>
-                                </a:rPr>
-                                <m:t>𝑇</m:t>
-                              </m:r>
-                            </m:e>
-                            <m:sub>
-                              <m:r>
-                                <m:rPr>
-                                  <m:nor/>
-                                </m:rPr>
-                                <a:rPr lang="en-US" sz="2400" i="1" dirty="0">
-                                  <a:solidFill>
-                                    <a:schemeClr val="tx1"/>
-                                  </a:solidFill>
-                                  <a:latin typeface="Cambria Math" panose="02040503050406030204" pitchFamily="18" charset="0"/>
-                                </a:rPr>
-                                <m:t>j</m:t>
-                              </m:r>
-                              <m:r>
-                                <m:rPr>
-                                  <m:nor/>
-                                </m:rPr>
-                                <a:rPr lang="en-US" sz="2400" i="1" dirty="0">
-                                  <a:solidFill>
-                                    <a:schemeClr val="tx1"/>
-                                  </a:solidFill>
-                                </a:rPr>
-                                <m:t>,</m:t>
-                              </m:r>
-                              <m:r>
-                                <m:rPr>
-                                  <m:nor/>
-                                </m:rPr>
-                                <a:rPr lang="en-US" sz="2400" i="1" dirty="0">
-                                  <a:solidFill>
-                                    <a:schemeClr val="tx1"/>
-                                  </a:solidFill>
-                                </a:rPr>
-                                <m:t>j</m:t>
-                              </m:r>
-                              <m:r>
-                                <m:rPr>
-                                  <m:nor/>
-                                </m:rPr>
-                                <a:rPr lang="en-US" sz="2400" i="1" dirty="0">
-                                  <a:solidFill>
-                                    <a:schemeClr val="tx1"/>
-                                  </a:solidFill>
-                                </a:rPr>
-                                <m:t>′</m:t>
-                              </m:r>
-                            </m:sub>
-                          </m:sSub>
-                        </m:e>
-                      </m:nary>
-                    </m:oMath>
-                  </m:oMathPara>
-                </a14:m>
-                <a:endParaRPr lang="en-US" sz="2400" i="1" dirty="0">
-                  <a:solidFill>
-                    <a:schemeClr val="tx1"/>
-                  </a:solidFill>
-                  <a:latin typeface="Cambria Math" panose="02040503050406030204" pitchFamily="18" charset="0"/>
-                  <a:ea typeface="Cambria Math" panose="02040503050406030204" pitchFamily="18" charset="0"/>
-                </a:endParaRPr>
-              </a:p>
-            </p:txBody>
-          </p:sp>
-        </mc:Choice>
-        <mc:Fallback xmlns="">
-          <p:sp>
-            <p:nvSpPr>
-              <p:cNvPr id="688" name="Rectangle 687"/>
-              <p:cNvSpPr>
-                <a:spLocks noRot="1" noChangeAspect="1" noMove="1" noResize="1" noEditPoints="1" noAdjustHandles="1" noChangeArrowheads="1" noChangeShapeType="1" noTextEdit="1"/>
-              </p:cNvSpPr>
-              <p:nvPr/>
-            </p:nvSpPr>
-            <p:spPr>
-              <a:xfrm>
-                <a:off x="4434208" y="2249169"/>
-                <a:ext cx="4747208" cy="453839"/>
-              </a:xfrm>
-              <a:prstGeom prst="rect">
-                <a:avLst/>
-              </a:prstGeom>
-              <a:blipFill rotWithShape="0">
-                <a:blip r:embed="rId11"/>
-                <a:stretch>
-                  <a:fillRect t="-21622" b="-31081"/>
-                </a:stretch>
-              </a:blipFill>
-              <a:ln>
-                <a:noFill/>
-              </a:ln>
-            </p:spPr>
-            <p:txBody>
-              <a:bodyPr/>
-              <a:lstStyle/>
-              <a:p>
-                <a:r>
-                  <a:rPr lang="en-US">
-                    <a:noFill/>
-                  </a:rPr>
-                  <a:t> </a:t>
-                </a:r>
-              </a:p>
-            </p:txBody>
-          </p:sp>
-        </mc:Fallback>
-      </mc:AlternateContent>
+                <a:ln>
+                  <a:noFill/>
+                </a:ln>
+              </p:spPr>
+              <p:style>
+                <a:lnRef idx="2">
+                  <a:schemeClr val="accent1">
+                    <a:shade val="50000"/>
+                  </a:schemeClr>
+                </a:lnRef>
+                <a:fillRef idx="1">
+                  <a:schemeClr val="accent1"/>
+                </a:fillRef>
+                <a:effectRef idx="0">
+                  <a:schemeClr val="accent1"/>
+                </a:effectRef>
+                <a:fontRef idx="minor">
+                  <a:schemeClr val="lt1"/>
+                </a:fontRef>
+              </p:style>
+              <p:txBody>
+                <a:bodyPr rtlCol="0" anchor="ctr"/>
+                <a:lstStyle/>
+                <a:p>
+                  <a:pPr/>
+                  <a14:m>
+                    <m:oMathPara xmlns:m="http://schemas.openxmlformats.org/officeDocument/2006/math">
+                      <m:oMathParaPr>
+                        <m:jc m:val="left"/>
+                      </m:oMathParaPr>
+                      <m:oMath xmlns:m="http://schemas.openxmlformats.org/officeDocument/2006/math">
+                        <m:sSub>
+                          <m:sSubPr>
+                            <m:ctrlPr>
+                              <a:rPr lang="en-US" sz="2400" b="0" i="1" dirty="0" smtClean="0">
+                                <a:solidFill>
+                                  <a:schemeClr val="tx1"/>
+                                </a:solidFill>
+                                <a:latin typeface="Cambria Math" panose="02040503050406030204" pitchFamily="18" charset="0"/>
+                              </a:rPr>
+                            </m:ctrlPr>
+                          </m:sSubPr>
+                          <m:e>
+                            <m:r>
+                              <a:rPr lang="en-US" sz="2400" b="0" i="1" dirty="0" smtClean="0">
+                                <a:solidFill>
+                                  <a:schemeClr val="tx1"/>
+                                </a:solidFill>
+                                <a:latin typeface="Cambria Math" panose="02040503050406030204" pitchFamily="18" charset="0"/>
+                              </a:rPr>
+                              <m:t>𝛽</m:t>
+                            </m:r>
+                          </m:e>
+                          <m:sub>
+                            <m:r>
+                              <a:rPr lang="en-US" sz="2400" b="0" i="1" dirty="0" smtClean="0">
+                                <a:solidFill>
+                                  <a:schemeClr val="tx1"/>
+                                </a:solidFill>
+                                <a:latin typeface="Cambria Math" panose="02040503050406030204" pitchFamily="18" charset="0"/>
+                              </a:rPr>
+                              <m:t>𝑗</m:t>
+                            </m:r>
+                            <m:r>
+                              <a:rPr lang="en-US" sz="2400" b="0" i="1" dirty="0" smtClean="0">
+                                <a:solidFill>
+                                  <a:schemeClr val="tx1"/>
+                                </a:solidFill>
+                                <a:latin typeface="Cambria Math" panose="02040503050406030204" pitchFamily="18" charset="0"/>
+                              </a:rPr>
+                              <m:t>,</m:t>
+                            </m:r>
+                            <m:r>
+                              <a:rPr lang="en-US" sz="2400" b="0" i="1" dirty="0" smtClean="0">
+                                <a:solidFill>
+                                  <a:schemeClr val="tx1"/>
+                                </a:solidFill>
+                                <a:latin typeface="Cambria Math" panose="02040503050406030204" pitchFamily="18" charset="0"/>
+                              </a:rPr>
+                              <m:t>𝑡</m:t>
+                            </m:r>
+                          </m:sub>
+                        </m:sSub>
+                        <m:r>
+                          <a:rPr lang="en-US" sz="2400" b="0" i="1" dirty="0" smtClean="0">
+                            <a:solidFill>
+                              <a:schemeClr val="tx1"/>
+                            </a:solidFill>
+                            <a:latin typeface="Cambria Math" panose="02040503050406030204" pitchFamily="18" charset="0"/>
+                          </a:rPr>
+                          <m:t>=</m:t>
+                        </m:r>
+                        <m:nary>
+                          <m:naryPr>
+                            <m:chr m:val="∑"/>
+                            <m:limLoc m:val="subSup"/>
+                            <m:supHide m:val="on"/>
+                            <m:ctrlPr>
+                              <a:rPr lang="en-US" sz="2400" i="1" dirty="0">
+                                <a:solidFill>
+                                  <a:schemeClr val="tx1"/>
+                                </a:solidFill>
+                                <a:latin typeface="Cambria Math" panose="02040503050406030204" pitchFamily="18" charset="0"/>
+                              </a:rPr>
+                            </m:ctrlPr>
+                          </m:naryPr>
+                          <m:sub>
+                            <m:r>
+                              <m:rPr>
+                                <m:nor/>
+                              </m:rPr>
+                              <a:rPr lang="en-US" sz="2400" i="1" dirty="0">
+                                <a:solidFill>
+                                  <a:schemeClr val="tx1"/>
+                                </a:solidFill>
+                              </a:rPr>
+                              <m:t>j</m:t>
+                            </m:r>
+                            <m:r>
+                              <m:rPr>
+                                <m:nor/>
+                              </m:rPr>
+                              <a:rPr lang="en-US" sz="2400" i="1" dirty="0">
+                                <a:solidFill>
+                                  <a:schemeClr val="tx1"/>
+                                </a:solidFill>
+                              </a:rPr>
+                              <m:t>′</m:t>
+                            </m:r>
+                            <m:r>
+                              <a:rPr lang="en-US" sz="2400" i="1" dirty="0">
+                                <a:solidFill>
+                                  <a:schemeClr val="tx1"/>
+                                </a:solidFill>
+                                <a:latin typeface="Cambria Math" panose="02040503050406030204" pitchFamily="18" charset="0"/>
+                              </a:rPr>
+                              <m:t>∈</m:t>
+                            </m:r>
+                            <m:r>
+                              <m:rPr>
+                                <m:nor/>
+                              </m:rPr>
+                              <a:rPr lang="en-US" sz="2400" i="1" dirty="0">
+                                <a:solidFill>
+                                  <a:schemeClr val="tx1"/>
+                                </a:solidFill>
+                              </a:rPr>
+                              <m:t>[</m:t>
+                            </m:r>
+                            <m:r>
+                              <m:rPr>
+                                <m:nor/>
+                              </m:rPr>
+                              <a:rPr lang="en-US" sz="2400" i="1" dirty="0">
+                                <a:solidFill>
+                                  <a:schemeClr val="tx1"/>
+                                </a:solidFill>
+                              </a:rPr>
+                              <m:t>m</m:t>
+                            </m:r>
+                            <m:r>
+                              <m:rPr>
+                                <m:nor/>
+                              </m:rPr>
+                              <a:rPr lang="en-US" sz="2400" i="1" dirty="0">
+                                <a:solidFill>
+                                  <a:schemeClr val="tx1"/>
+                                </a:solidFill>
+                              </a:rPr>
+                              <m:t>]</m:t>
+                            </m:r>
+                          </m:sub>
+                          <m:sup/>
+                          <m:e>
+                            <m:sSub>
+                              <m:sSubPr>
+                                <m:ctrlPr>
+                                  <a:rPr lang="en-US" sz="2400" i="1" dirty="0">
+                                    <a:solidFill>
+                                      <a:schemeClr val="tx1"/>
+                                    </a:solidFill>
+                                    <a:latin typeface="Cambria Math" panose="02040503050406030204" pitchFamily="18" charset="0"/>
+                                  </a:rPr>
+                                </m:ctrlPr>
+                              </m:sSubPr>
+                              <m:e>
+                                <m:r>
+                                  <a:rPr lang="en-US" sz="2400" i="1" dirty="0">
+                                    <a:solidFill>
+                                      <a:schemeClr val="tx1"/>
+                                    </a:solidFill>
+                                    <a:latin typeface="Cambria Math" panose="02040503050406030204" pitchFamily="18" charset="0"/>
+                                  </a:rPr>
+                                  <m:t>𝛽</m:t>
+                                </m:r>
+                              </m:e>
+                              <m:sub>
+                                <m:r>
+                                  <m:rPr>
+                                    <m:nor/>
+                                  </m:rPr>
+                                  <a:rPr lang="en-US" sz="2400" i="1" dirty="0">
+                                    <a:solidFill>
+                                      <a:schemeClr val="tx1"/>
+                                    </a:solidFill>
+                                  </a:rPr>
+                                  <m:t>j</m:t>
+                                </m:r>
+                                <m:r>
+                                  <m:rPr>
+                                    <m:nor/>
+                                  </m:rPr>
+                                  <a:rPr lang="en-US" sz="2400" i="1" dirty="0">
+                                    <a:solidFill>
+                                      <a:schemeClr val="tx1"/>
+                                    </a:solidFill>
+                                  </a:rPr>
+                                  <m:t>′,</m:t>
+                                </m:r>
+                                <m:r>
+                                  <m:rPr>
+                                    <m:nor/>
+                                  </m:rPr>
+                                  <a:rPr lang="en-US" sz="2400" i="1" dirty="0">
+                                    <a:solidFill>
+                                      <a:schemeClr val="tx1"/>
+                                    </a:solidFill>
+                                  </a:rPr>
+                                  <m:t>t</m:t>
+                                </m:r>
+                                <m:r>
+                                  <m:rPr>
+                                    <m:nor/>
+                                  </m:rPr>
+                                  <a:rPr lang="en-US" sz="2400" i="1" dirty="0">
+                                    <a:solidFill>
+                                      <a:schemeClr val="tx1"/>
+                                    </a:solidFill>
+                                  </a:rPr>
+                                  <m:t>+1</m:t>
+                                </m:r>
+                              </m:sub>
+                            </m:sSub>
+                            <m:r>
+                              <a:rPr lang="en-US" sz="2400" i="1" dirty="0">
+                                <a:solidFill>
+                                  <a:schemeClr val="tx1"/>
+                                </a:solidFill>
+                                <a:latin typeface="Cambria Math" panose="02040503050406030204" pitchFamily="18" charset="0"/>
+                              </a:rPr>
+                              <m:t>⋅</m:t>
+                            </m:r>
+                            <m:sSub>
+                              <m:sSubPr>
+                                <m:ctrlPr>
+                                  <a:rPr lang="en-US" sz="2400" i="1" dirty="0">
+                                    <a:solidFill>
+                                      <a:schemeClr val="tx1"/>
+                                    </a:solidFill>
+                                    <a:latin typeface="Cambria Math" panose="02040503050406030204" pitchFamily="18" charset="0"/>
+                                  </a:rPr>
+                                </m:ctrlPr>
+                              </m:sSubPr>
+                              <m:e>
+                                <m:r>
+                                  <a:rPr lang="en-US" sz="2400" i="1" dirty="0">
+                                    <a:solidFill>
+                                      <a:schemeClr val="tx1"/>
+                                    </a:solidFill>
+                                    <a:latin typeface="Cambria Math" panose="02040503050406030204" pitchFamily="18" charset="0"/>
+                                  </a:rPr>
+                                  <m:t>𝐸</m:t>
+                                </m:r>
+                              </m:e>
+                              <m:sub>
+                                <m:sSub>
+                                  <m:sSubPr>
+                                    <m:ctrlPr>
+                                      <a:rPr lang="en-US" sz="2400" i="1" dirty="0">
+                                        <a:solidFill>
+                                          <a:schemeClr val="tx1"/>
+                                        </a:solidFill>
+                                        <a:latin typeface="Cambria Math" panose="02040503050406030204" pitchFamily="18" charset="0"/>
+                                      </a:rPr>
+                                    </m:ctrlPr>
+                                  </m:sSubPr>
+                                  <m:e>
+                                    <m:r>
+                                      <m:rPr>
+                                        <m:nor/>
+                                      </m:rPr>
+                                      <a:rPr lang="en-US" sz="2400" i="1" dirty="0">
+                                        <a:solidFill>
+                                          <a:schemeClr val="tx1"/>
+                                        </a:solidFill>
+                                      </a:rPr>
+                                      <m:t>j</m:t>
+                                    </m:r>
+                                    <m:r>
+                                      <m:rPr>
+                                        <m:nor/>
+                                      </m:rPr>
+                                      <a:rPr lang="en-US" sz="2400" b="0" i="1" dirty="0" smtClean="0">
+                                        <a:solidFill>
+                                          <a:schemeClr val="tx1"/>
+                                        </a:solidFill>
+                                      </a:rPr>
+                                      <m:t>′</m:t>
+                                    </m:r>
+                                    <m:r>
+                                      <m:rPr>
+                                        <m:nor/>
+                                      </m:rPr>
+                                      <a:rPr lang="en-US" sz="2400" i="1" dirty="0">
+                                        <a:solidFill>
+                                          <a:schemeClr val="tx1"/>
+                                        </a:solidFill>
+                                      </a:rPr>
+                                      <m:t>,</m:t>
+                                    </m:r>
+                                    <m:r>
+                                      <m:rPr>
+                                        <m:nor/>
+                                      </m:rPr>
+                                      <a:rPr lang="en-US" sz="2400" i="1" dirty="0">
+                                        <a:solidFill>
+                                          <a:schemeClr val="tx1"/>
+                                        </a:solidFill>
+                                      </a:rPr>
+                                      <m:t>x</m:t>
+                                    </m:r>
+                                  </m:e>
+                                  <m:sub>
+                                    <m:r>
+                                      <a:rPr lang="en-US" sz="2400" i="1" dirty="0">
+                                        <a:solidFill>
+                                          <a:schemeClr val="tx1"/>
+                                        </a:solidFill>
+                                        <a:latin typeface="Cambria Math" panose="02040503050406030204" pitchFamily="18" charset="0"/>
+                                      </a:rPr>
+                                      <m:t>𝑡</m:t>
+                                    </m:r>
+                                    <m:r>
+                                      <a:rPr lang="en-US" sz="2400" i="1" dirty="0">
+                                        <a:solidFill>
+                                          <a:schemeClr val="tx1"/>
+                                        </a:solidFill>
+                                        <a:latin typeface="Cambria Math" panose="02040503050406030204" pitchFamily="18" charset="0"/>
+                                      </a:rPr>
+                                      <m:t>+1</m:t>
+                                    </m:r>
+                                  </m:sub>
+                                </m:sSub>
+                              </m:sub>
+                            </m:sSub>
+                            <m:r>
+                              <a:rPr lang="en-US" sz="2400" i="1" dirty="0">
+                                <a:solidFill>
+                                  <a:schemeClr val="tx1"/>
+                                </a:solidFill>
+                                <a:latin typeface="Cambria Math" panose="02040503050406030204" pitchFamily="18" charset="0"/>
+                              </a:rPr>
+                              <m:t>⋅</m:t>
+                            </m:r>
+                            <m:sSub>
+                              <m:sSubPr>
+                                <m:ctrlPr>
+                                  <a:rPr lang="en-US" sz="2400" i="1" dirty="0">
+                                    <a:solidFill>
+                                      <a:schemeClr val="tx1"/>
+                                    </a:solidFill>
+                                    <a:latin typeface="Cambria Math" panose="02040503050406030204" pitchFamily="18" charset="0"/>
+                                  </a:rPr>
+                                </m:ctrlPr>
+                              </m:sSubPr>
+                              <m:e>
+                                <m:r>
+                                  <a:rPr lang="en-US" sz="2400" i="1" dirty="0">
+                                    <a:solidFill>
+                                      <a:schemeClr val="tx1"/>
+                                    </a:solidFill>
+                                    <a:latin typeface="Cambria Math" panose="02040503050406030204" pitchFamily="18" charset="0"/>
+                                  </a:rPr>
+                                  <m:t>𝑇</m:t>
+                                </m:r>
+                              </m:e>
+                              <m:sub>
+                                <m:r>
+                                  <m:rPr>
+                                    <m:nor/>
+                                  </m:rPr>
+                                  <a:rPr lang="en-US" sz="2400" i="1" dirty="0">
+                                    <a:solidFill>
+                                      <a:schemeClr val="tx1"/>
+                                    </a:solidFill>
+                                    <a:latin typeface="Cambria Math" panose="02040503050406030204" pitchFamily="18" charset="0"/>
+                                  </a:rPr>
+                                  <m:t>j</m:t>
+                                </m:r>
+                                <m:r>
+                                  <m:rPr>
+                                    <m:nor/>
+                                  </m:rPr>
+                                  <a:rPr lang="en-US" sz="2400" i="1" dirty="0">
+                                    <a:solidFill>
+                                      <a:schemeClr val="tx1"/>
+                                    </a:solidFill>
+                                  </a:rPr>
+                                  <m:t>,</m:t>
+                                </m:r>
+                                <m:r>
+                                  <m:rPr>
+                                    <m:nor/>
+                                  </m:rPr>
+                                  <a:rPr lang="en-US" sz="2400" i="1" dirty="0">
+                                    <a:solidFill>
+                                      <a:schemeClr val="tx1"/>
+                                    </a:solidFill>
+                                  </a:rPr>
+                                  <m:t>j</m:t>
+                                </m:r>
+                                <m:r>
+                                  <m:rPr>
+                                    <m:nor/>
+                                  </m:rPr>
+                                  <a:rPr lang="en-US" sz="2400" i="1" dirty="0">
+                                    <a:solidFill>
+                                      <a:schemeClr val="tx1"/>
+                                    </a:solidFill>
+                                  </a:rPr>
+                                  <m:t>′</m:t>
+                                </m:r>
+                              </m:sub>
+                            </m:sSub>
+                          </m:e>
+                        </m:nary>
+                      </m:oMath>
+                    </m:oMathPara>
+                  </a14:m>
+                  <a:endParaRPr lang="en-US" sz="2400" i="1" dirty="0">
+                    <a:solidFill>
+                      <a:schemeClr val="tx1"/>
+                    </a:solidFill>
+                    <a:latin typeface="Cambria Math" panose="02040503050406030204" pitchFamily="18" charset="0"/>
+                    <a:ea typeface="Cambria Math" panose="02040503050406030204" pitchFamily="18" charset="0"/>
+                  </a:endParaRPr>
+                </a:p>
+              </p:txBody>
+            </p:sp>
+          </mc:Choice>
+          <mc:Fallback xmlns="">
+            <p:sp>
+              <p:nvSpPr>
+                <p:cNvPr id="688" name="Rectangle 687"/>
+                <p:cNvSpPr>
+                  <a:spLocks noRot="1" noChangeAspect="1" noMove="1" noResize="1" noEditPoints="1" noAdjustHandles="1" noChangeArrowheads="1" noChangeShapeType="1" noTextEdit="1"/>
+                </p:cNvSpPr>
+                <p:nvPr/>
+              </p:nvSpPr>
+              <p:spPr>
+                <a:xfrm>
+                  <a:off x="4519974" y="2256358"/>
+                  <a:ext cx="5221929" cy="453839"/>
+                </a:xfrm>
+                <a:prstGeom prst="rect">
+                  <a:avLst/>
+                </a:prstGeom>
+                <a:blipFill rotWithShape="0">
+                  <a:blip r:embed="rId11"/>
+                  <a:stretch>
+                    <a:fillRect t="-21333" b="-29333"/>
+                  </a:stretch>
+                </a:blipFill>
+                <a:ln>
+                  <a:noFill/>
+                </a:ln>
+              </p:spPr>
+              <p:txBody>
+                <a:bodyPr/>
+                <a:lstStyle/>
+                <a:p>
+                  <a:r>
+                    <a:rPr lang="en-US">
+                      <a:noFill/>
+                    </a:rPr>
+                    <a:t> </a:t>
+                  </a:r>
+                </a:p>
+              </p:txBody>
+            </p:sp>
+          </mc:Fallback>
+        </mc:AlternateContent>
+      </p:grpSp>
     </p:spTree>
     <p:extLst>
       <p:ext uri="{BB962C8B-B14F-4D97-AF65-F5344CB8AC3E}">
@@ -43721,16 +43026,16 @@
       </p:grpSpPr>
       <p:grpSp>
         <p:nvGrpSpPr>
-          <p:cNvPr id="4" name="Group 3"/>
+          <p:cNvPr id="6" name="Group 5"/>
           <p:cNvGrpSpPr/>
           <p:nvPr/>
         </p:nvGrpSpPr>
         <p:grpSpPr>
           <a:xfrm>
             <a:off x="-427846" y="443167"/>
-            <a:ext cx="11554370" cy="5328625"/>
-            <a:chOff x="-438006" y="443167"/>
-            <a:chExt cx="11554370" cy="5328625"/>
+            <a:ext cx="12792039" cy="5321940"/>
+            <a:chOff x="-427846" y="443167"/>
+            <a:chExt cx="12792039" cy="5321940"/>
           </a:xfrm>
         </p:grpSpPr>
         <p:sp>
@@ -43741,7 +43046,7 @@
           </p:nvSpPr>
           <p:spPr>
             <a:xfrm>
-              <a:off x="7997566" y="2814956"/>
+              <a:off x="9005250" y="2914719"/>
               <a:ext cx="438009" cy="233675"/>
             </a:xfrm>
             <a:prstGeom prst="mathEqual">
@@ -43780,11 +43085,7 @@
             <a:lstStyle/>
             <a:p>
               <a:pPr algn="ctr"/>
-              <a:endParaRPr lang="en-US" dirty="0">
-                <a:solidFill>
-                  <a:schemeClr val="tx1"/>
-                </a:solidFill>
-              </a:endParaRPr>
+              <a:endParaRPr lang="en-US" dirty="0"/>
             </a:p>
           </p:txBody>
         </p:sp>
@@ -43796,7 +43097,7 @@
           </p:nvCxnSpPr>
           <p:spPr>
             <a:xfrm flipH="1">
-              <a:off x="58159" y="979820"/>
+              <a:off x="68319" y="979820"/>
               <a:ext cx="585731" cy="1054546"/>
             </a:xfrm>
             <a:prstGeom prst="line">
@@ -43831,7 +43132,7 @@
           </p:nvCxnSpPr>
           <p:spPr>
             <a:xfrm>
-              <a:off x="2973448" y="978658"/>
+              <a:off x="2983608" y="978658"/>
               <a:ext cx="672361" cy="1054546"/>
             </a:xfrm>
             <a:prstGeom prst="line">
@@ -43866,7 +43167,7 @@
           </p:nvSpPr>
           <p:spPr>
             <a:xfrm>
-              <a:off x="3685505" y="1470279"/>
+              <a:off x="4630315" y="1470279"/>
               <a:ext cx="4572000" cy="606467"/>
             </a:xfrm>
             <a:prstGeom prst="rect">
@@ -43906,7 +43207,17 @@
                   <a:latin typeface="Cambria Math" panose="02040503050406030204" pitchFamily="18" charset="0"/>
                   <a:ea typeface="Cambria Math" panose="02040503050406030204" pitchFamily="18" charset="0"/>
                 </a:rPr>
-                <a:t>PWM (M)</a:t>
+                <a:t>PWM </a:t>
+              </a:r>
+              <a:r>
+                <a:rPr lang="en-US" sz="2400" dirty="0" smtClean="0">
+                  <a:solidFill>
+                    <a:schemeClr val="tx1"/>
+                  </a:solidFill>
+                  <a:latin typeface="Cambria Math" panose="02040503050406030204" pitchFamily="18" charset="0"/>
+                  <a:ea typeface="Cambria Math" panose="02040503050406030204" pitchFamily="18" charset="0"/>
+                </a:rPr>
+                <a:t>(W)</a:t>
               </a:r>
               <a:endParaRPr lang="en-US" sz="2400" dirty="0">
                 <a:solidFill>
@@ -43926,7 +43237,7 @@
           </p:nvSpPr>
           <p:spPr>
             <a:xfrm>
-              <a:off x="-438006" y="443167"/>
+              <a:off x="-427846" y="443167"/>
               <a:ext cx="4572000" cy="606467"/>
             </a:xfrm>
             <a:prstGeom prst="rect">
@@ -44027,7 +43338,7 @@
           </p:nvSpPr>
           <p:spPr>
             <a:xfrm>
-              <a:off x="649114" y="523523"/>
+              <a:off x="659274" y="523523"/>
               <a:ext cx="2326640" cy="450835"/>
             </a:xfrm>
             <a:prstGeom prst="rect">
@@ -44073,7 +43384,7 @@
           </p:nvCxnSpPr>
           <p:spPr>
             <a:xfrm>
-              <a:off x="2844108" y="455476"/>
+              <a:off x="2854268" y="455476"/>
               <a:ext cx="901161" cy="3397"/>
             </a:xfrm>
             <a:prstGeom prst="straightConnector1">
@@ -44111,7 +43422,7 @@
               </p:nvSpPr>
               <p:spPr>
                 <a:xfrm>
-                  <a:off x="8355097" y="2348237"/>
+                  <a:off x="9602926" y="2523293"/>
                   <a:ext cx="2761267" cy="1151875"/>
                 </a:xfrm>
                 <a:prstGeom prst="rect">
@@ -44119,9 +43430,7 @@
                 </a:prstGeom>
                 <a:noFill/>
                 <a:ln>
-                  <a:solidFill>
-                    <a:schemeClr val="bg1"/>
-                  </a:solidFill>
+                  <a:noFill/>
                 </a:ln>
               </p:spPr>
               <p:style>
@@ -44305,8 +43614,18 @@
                               </a:rPr>
                               <m:t>⋅</m:t>
                             </m:r>
-                            <m:sSub>
-                              <m:sSubPr>
+                            <m:r>
+                              <a:rPr lang="en-US" sz="2400" b="0" i="1" smtClean="0">
+                                <a:solidFill>
+                                  <a:schemeClr val="tx1"/>
+                                </a:solidFill>
+                                <a:latin typeface="Cambria Math" panose="02040503050406030204" pitchFamily="18" charset="0"/>
+                                <a:ea typeface="Cambria Math" panose="02040503050406030204" pitchFamily="18" charset="0"/>
+                              </a:rPr>
+                              <m:t>𝑙𝑜𝑔</m:t>
+                            </m:r>
+                            <m:d>
+                              <m:dPr>
                                 <m:ctrlPr>
                                   <a:rPr lang="en-US" sz="2400" b="0" i="1" smtClean="0">
                                     <a:solidFill>
@@ -44316,52 +43635,77 @@
                                     <a:ea typeface="Cambria Math" panose="02040503050406030204" pitchFamily="18" charset="0"/>
                                   </a:rPr>
                                 </m:ctrlPr>
-                              </m:sSubPr>
+                              </m:dPr>
                               <m:e>
-                                <m:r>
-                                  <a:rPr lang="en-US" sz="2400" b="0" i="1" smtClean="0">
-                                    <a:solidFill>
-                                      <a:schemeClr val="tx1"/>
-                                    </a:solidFill>
-                                    <a:latin typeface="Cambria Math" panose="02040503050406030204" pitchFamily="18" charset="0"/>
-                                    <a:ea typeface="Cambria Math" panose="02040503050406030204" pitchFamily="18" charset="0"/>
-                                  </a:rPr>
-                                  <m:t>𝑀</m:t>
-                                </m:r>
+                                <m:sSub>
+                                  <m:sSubPr>
+                                    <m:ctrlPr>
+                                      <a:rPr lang="en-US" sz="2400" i="1">
+                                        <a:solidFill>
+                                          <a:schemeClr val="tx1"/>
+                                        </a:solidFill>
+                                        <a:latin typeface="Cambria Math" panose="02040503050406030204" pitchFamily="18" charset="0"/>
+                                        <a:ea typeface="Cambria Math" panose="02040503050406030204" pitchFamily="18" charset="0"/>
+                                      </a:rPr>
+                                    </m:ctrlPr>
+                                  </m:sSubPr>
+                                  <m:e>
+                                    <m:r>
+                                      <a:rPr lang="en-US" sz="2400" i="1">
+                                        <a:solidFill>
+                                          <a:schemeClr val="tx1"/>
+                                        </a:solidFill>
+                                        <a:latin typeface="Cambria Math" panose="02040503050406030204" pitchFamily="18" charset="0"/>
+                                        <a:ea typeface="Cambria Math" panose="02040503050406030204" pitchFamily="18" charset="0"/>
+                                      </a:rPr>
+                                      <m:t>𝑊</m:t>
+                                    </m:r>
+                                  </m:e>
+                                  <m:sub>
+                                    <m:r>
+                                      <a:rPr lang="en-US" sz="2400" i="1">
+                                        <a:solidFill>
+                                          <a:schemeClr val="tx1"/>
+                                        </a:solidFill>
+                                        <a:latin typeface="Cambria Math" panose="02040503050406030204" pitchFamily="18" charset="0"/>
+                                        <a:ea typeface="Cambria Math" panose="02040503050406030204" pitchFamily="18" charset="0"/>
+                                      </a:rPr>
+                                      <m:t>𝑖</m:t>
+                                    </m:r>
+                                    <m:r>
+                                      <a:rPr lang="en-US" sz="2400" i="1">
+                                        <a:solidFill>
+                                          <a:schemeClr val="tx1"/>
+                                        </a:solidFill>
+                                        <a:latin typeface="Cambria Math" panose="02040503050406030204" pitchFamily="18" charset="0"/>
+                                        <a:ea typeface="Cambria Math" panose="02040503050406030204" pitchFamily="18" charset="0"/>
+                                      </a:rPr>
+                                      <m:t>,</m:t>
+                                    </m:r>
+                                    <m:r>
+                                      <a:rPr lang="en-US" sz="2400" i="1">
+                                        <a:solidFill>
+                                          <a:schemeClr val="tx1"/>
+                                        </a:solidFill>
+                                        <a:latin typeface="Cambria Math" panose="02040503050406030204" pitchFamily="18" charset="0"/>
+                                        <a:ea typeface="Cambria Math" panose="02040503050406030204" pitchFamily="18" charset="0"/>
+                                      </a:rPr>
+                                      <m:t>𝑗</m:t>
+                                    </m:r>
+                                  </m:sub>
+                                </m:sSub>
                               </m:e>
-                              <m:sub>
-                                <m:r>
-                                  <a:rPr lang="en-US" sz="2400" b="0" i="1" smtClean="0">
-                                    <a:solidFill>
-                                      <a:schemeClr val="tx1"/>
-                                    </a:solidFill>
-                                    <a:latin typeface="Cambria Math" panose="02040503050406030204" pitchFamily="18" charset="0"/>
-                                    <a:ea typeface="Cambria Math" panose="02040503050406030204" pitchFamily="18" charset="0"/>
-                                  </a:rPr>
-                                  <m:t>𝑖</m:t>
-                                </m:r>
-                                <m:r>
-                                  <a:rPr lang="en-US" sz="2400" b="0" i="1" smtClean="0">
-                                    <a:solidFill>
-                                      <a:schemeClr val="tx1"/>
-                                    </a:solidFill>
-                                    <a:latin typeface="Cambria Math" panose="02040503050406030204" pitchFamily="18" charset="0"/>
-                                    <a:ea typeface="Cambria Math" panose="02040503050406030204" pitchFamily="18" charset="0"/>
-                                  </a:rPr>
-                                  <m:t>,</m:t>
-                                </m:r>
-                                <m:r>
-                                  <a:rPr lang="en-US" sz="2400" b="0" i="1" smtClean="0">
-                                    <a:solidFill>
-                                      <a:schemeClr val="tx1"/>
-                                    </a:solidFill>
-                                    <a:latin typeface="Cambria Math" panose="02040503050406030204" pitchFamily="18" charset="0"/>
-                                    <a:ea typeface="Cambria Math" panose="02040503050406030204" pitchFamily="18" charset="0"/>
-                                  </a:rPr>
-                                  <m:t>𝑗</m:t>
-                                </m:r>
-                              </m:sub>
-                            </m:sSub>
+                            </m:d>
+                            <m:r>
+                              <a:rPr lang="en-US" sz="2400" b="0" i="1" smtClean="0">
+                                <a:solidFill>
+                                  <a:schemeClr val="tx1"/>
+                                </a:solidFill>
+                                <a:latin typeface="Cambria Math" panose="02040503050406030204" pitchFamily="18" charset="0"/>
+                                <a:ea typeface="Cambria Math" panose="02040503050406030204" pitchFamily="18" charset="0"/>
+                              </a:rPr>
+                              <m:t> </m:t>
+                            </m:r>
                           </m:e>
                         </m:nary>
                       </m:oMath>
@@ -44389,7 +43733,7 @@
               </p:nvSpPr>
               <p:spPr>
                 <a:xfrm>
-                  <a:off x="8355097" y="2348237"/>
+                  <a:off x="9602926" y="2523293"/>
                   <a:ext cx="2761267" cy="1151875"/>
                 </a:xfrm>
                 <a:prstGeom prst="rect">
@@ -44398,13 +43742,11 @@
                 <a:blipFill rotWithShape="0">
                   <a:blip r:embed="rId2"/>
                   <a:stretch>
-                    <a:fillRect/>
+                    <a:fillRect l="-3311"/>
                   </a:stretch>
                 </a:blipFill>
                 <a:ln>
-                  <a:solidFill>
-                    <a:schemeClr val="bg1"/>
-                  </a:solidFill>
+                  <a:noFill/>
                 </a:ln>
               </p:spPr>
               <p:txBody>
@@ -44430,7 +43772,7 @@
           </p:nvSpPr>
           <p:spPr>
             <a:xfrm rot="5400000" flipV="1">
-              <a:off x="8787730" y="4055005"/>
+              <a:off x="9982026" y="4048320"/>
               <a:ext cx="801064" cy="1094938"/>
             </a:xfrm>
             <a:prstGeom prst="bentUpArrow">
@@ -44489,7 +43831,7 @@
           </p:blipFill>
           <p:spPr>
             <a:xfrm>
-              <a:off x="5225644" y="3888252"/>
+              <a:off x="6419940" y="3881567"/>
               <a:ext cx="3043716" cy="1281349"/>
             </a:xfrm>
             <a:prstGeom prst="rect">
@@ -44505,7 +43847,7 @@
           </p:nvSpPr>
           <p:spPr>
             <a:xfrm>
-              <a:off x="5360803" y="5117845"/>
+              <a:off x="6555099" y="5111160"/>
               <a:ext cx="2855768" cy="653947"/>
             </a:xfrm>
             <a:prstGeom prst="rect">
@@ -44558,7 +43900,7 @@
           </p:nvSpPr>
           <p:spPr>
             <a:xfrm>
-              <a:off x="3436019" y="4528926"/>
+              <a:off x="4630315" y="4522241"/>
               <a:ext cx="1745889" cy="575616"/>
             </a:xfrm>
             <a:prstGeom prst="rect">
@@ -44611,7 +43953,7 @@
           </p:nvSpPr>
           <p:spPr>
             <a:xfrm>
-              <a:off x="497509" y="1538367"/>
+              <a:off x="507669" y="1538367"/>
               <a:ext cx="3683296" cy="575616"/>
             </a:xfrm>
             <a:prstGeom prst="rect">
@@ -44669,7 +44011,7 @@
           </p:nvSpPr>
           <p:spPr>
             <a:xfrm>
-              <a:off x="-438006" y="1470279"/>
+              <a:off x="-427846" y="1470279"/>
               <a:ext cx="4572000" cy="606467"/>
             </a:xfrm>
             <a:prstGeom prst="rect">
@@ -44731,54 +44073,6 @@
             </a:p>
           </p:txBody>
         </p:sp>
-        <p:pic>
-          <p:nvPicPr>
-            <p:cNvPr id="9" name="Picture 8"/>
-            <p:cNvPicPr>
-              <a:picLocks noChangeAspect="1"/>
-            </p:cNvPicPr>
-            <p:nvPr/>
-          </p:nvPicPr>
-          <p:blipFill>
-            <a:blip r:embed="rId4"/>
-            <a:stretch>
-              <a:fillRect/>
-            </a:stretch>
-          </p:blipFill>
-          <p:spPr>
-            <a:xfrm>
-              <a:off x="4161991" y="2017394"/>
-              <a:ext cx="3616304" cy="1828800"/>
-            </a:xfrm>
-            <a:prstGeom prst="rect">
-              <a:avLst/>
-            </a:prstGeom>
-          </p:spPr>
-        </p:pic>
-        <p:pic>
-          <p:nvPicPr>
-            <p:cNvPr id="10" name="Picture 9"/>
-            <p:cNvPicPr>
-              <a:picLocks noChangeAspect="1"/>
-            </p:cNvPicPr>
-            <p:nvPr/>
-          </p:nvPicPr>
-          <p:blipFill>
-            <a:blip r:embed="rId5"/>
-            <a:stretch>
-              <a:fillRect/>
-            </a:stretch>
-          </p:blipFill>
-          <p:spPr>
-            <a:xfrm>
-              <a:off x="53549" y="2009775"/>
-              <a:ext cx="3622431" cy="1828800"/>
-            </a:xfrm>
-            <a:prstGeom prst="rect">
-              <a:avLst/>
-            </a:prstGeom>
-          </p:spPr>
-        </p:pic>
         <p:sp>
           <p:nvSpPr>
             <p:cNvPr id="26" name="Round Diagonal Corner Rectangle 25"/>
@@ -44787,8 +44081,8 @@
           </p:nvSpPr>
           <p:spPr>
             <a:xfrm>
-              <a:off x="3763741" y="2877882"/>
-              <a:ext cx="300258" cy="311022"/>
+              <a:off x="3742374" y="2787238"/>
+              <a:ext cx="363312" cy="455367"/>
             </a:xfrm>
             <a:prstGeom prst="round2DiagRect">
               <a:avLst/>
@@ -44824,7 +44118,7 @@
             <a:p>
               <a:pPr algn="ctr"/>
               <a:r>
-                <a:rPr lang="en-GB" sz="5400" dirty="0">
+                <a:rPr lang="en-GB" sz="5400" dirty="0" smtClean="0">
                   <a:solidFill>
                     <a:schemeClr val="tx1"/>
                   </a:solidFill>
@@ -44836,6 +44130,238 @@
                   <a:schemeClr val="tx1"/>
                 </a:solidFill>
               </a:endParaRPr>
+            </a:p>
+          </p:txBody>
+        </p:sp>
+        <p:pic>
+          <p:nvPicPr>
+            <p:cNvPr id="2" name="Picture 1"/>
+            <p:cNvPicPr>
+              <a:picLocks noChangeAspect="1"/>
+            </p:cNvPicPr>
+            <p:nvPr/>
+          </p:nvPicPr>
+          <p:blipFill>
+            <a:blip r:embed="rId4" cstate="print">
+              <a:extLst>
+                <a:ext uri="{28A0092B-C50C-407E-A947-70E740481C1C}">
+                  <a14:useLocalDpi xmlns:a14="http://schemas.microsoft.com/office/drawing/2010/main" val="0"/>
+                </a:ext>
+              </a:extLst>
+            </a:blip>
+            <a:stretch>
+              <a:fillRect/>
+            </a:stretch>
+          </p:blipFill>
+          <p:spPr>
+            <a:xfrm>
+              <a:off x="4961354" y="2009113"/>
+              <a:ext cx="3966113" cy="1933479"/>
+            </a:xfrm>
+            <a:prstGeom prst="rect">
+              <a:avLst/>
+            </a:prstGeom>
+          </p:spPr>
+        </p:pic>
+        <p:pic>
+          <p:nvPicPr>
+            <p:cNvPr id="3" name="Picture 2"/>
+            <p:cNvPicPr>
+              <a:picLocks noChangeAspect="1"/>
+            </p:cNvPicPr>
+            <p:nvPr/>
+          </p:nvPicPr>
+          <p:blipFill rotWithShape="1">
+            <a:blip r:embed="rId5" cstate="print">
+              <a:extLst>
+                <a:ext uri="{28A0092B-C50C-407E-A947-70E740481C1C}">
+                  <a14:useLocalDpi xmlns:a14="http://schemas.microsoft.com/office/drawing/2010/main" val="0"/>
+                </a:ext>
+              </a:extLst>
+            </a:blip>
+            <a:srcRect l="3670" t="2612" r="3391" b="2447"/>
+            <a:stretch/>
+          </p:blipFill>
+          <p:spPr>
+            <a:xfrm>
+              <a:off x="30107" y="2050557"/>
+              <a:ext cx="3676727" cy="1831010"/>
+            </a:xfrm>
+            <a:prstGeom prst="rect">
+              <a:avLst/>
+            </a:prstGeom>
+          </p:spPr>
+        </p:pic>
+        <mc:AlternateContent xmlns:mc="http://schemas.openxmlformats.org/markup-compatibility/2006">
+          <mc:Choice xmlns:a14="http://schemas.microsoft.com/office/drawing/2010/main" Requires="a14">
+            <p:sp>
+              <p:nvSpPr>
+                <p:cNvPr id="22" name="Round Diagonal Corner Rectangle 21"/>
+                <p:cNvSpPr/>
+                <p:nvPr/>
+              </p:nvSpPr>
+              <p:spPr>
+                <a:xfrm>
+                  <a:off x="4112758" y="2724105"/>
+                  <a:ext cx="926803" cy="311022"/>
+                </a:xfrm>
+                <a:prstGeom prst="round2DiagRect">
+                  <a:avLst/>
+                </a:prstGeom>
+                <a:solidFill>
+                  <a:schemeClr val="bg1"/>
+                </a:solidFill>
+                <a:ln>
+                  <a:solidFill>
+                    <a:schemeClr val="bg1"/>
+                  </a:solidFill>
+                </a:ln>
+              </p:spPr>
+              <p:style>
+                <a:lnRef idx="2">
+                  <a:schemeClr val="accent1">
+                    <a:shade val="50000"/>
+                  </a:schemeClr>
+                </a:lnRef>
+                <a:fillRef idx="1">
+                  <a:schemeClr val="accent1"/>
+                </a:fillRef>
+                <a:effectRef idx="0">
+                  <a:schemeClr val="accent1"/>
+                </a:effectRef>
+                <a:fontRef idx="minor">
+                  <a:schemeClr val="lt1"/>
+                </a:fontRef>
+              </p:style>
+              <p:txBody>
+                <a:bodyPr rtlCol="0" anchor="ctr"/>
+                <a:lstStyle/>
+                <a:p>
+                  <a:pPr algn="ctr"/>
+                  <a14:m>
+                    <m:oMathPara xmlns:m="http://schemas.openxmlformats.org/officeDocument/2006/math">
+                      <m:oMathParaPr>
+                        <m:jc m:val="centerGroup"/>
+                      </m:oMathParaPr>
+                      <m:oMath xmlns:m="http://schemas.openxmlformats.org/officeDocument/2006/math">
+                        <m:r>
+                          <a:rPr lang="en-US" sz="3600" b="0" i="1" smtClean="0">
+                            <a:solidFill>
+                              <a:schemeClr val="tx1"/>
+                            </a:solidFill>
+                            <a:latin typeface="Cambria Math" panose="02040503050406030204" pitchFamily="18" charset="0"/>
+                            <a:ea typeface="Cambria Math" panose="02040503050406030204" pitchFamily="18" charset="0"/>
+                          </a:rPr>
+                          <m:t>𝑙</m:t>
+                        </m:r>
+                        <m:r>
+                          <a:rPr lang="en-US" sz="3600" i="1">
+                            <a:solidFill>
+                              <a:schemeClr val="tx1"/>
+                            </a:solidFill>
+                            <a:latin typeface="Cambria Math" panose="02040503050406030204" pitchFamily="18" charset="0"/>
+                            <a:ea typeface="Cambria Math" panose="02040503050406030204" pitchFamily="18" charset="0"/>
+                          </a:rPr>
+                          <m:t>𝑜𝑔</m:t>
+                        </m:r>
+                      </m:oMath>
+                    </m:oMathPara>
+                  </a14:m>
+                  <a:endParaRPr lang="en-US" sz="3600" dirty="0">
+                    <a:solidFill>
+                      <a:schemeClr val="tx1"/>
+                    </a:solidFill>
+                  </a:endParaRPr>
+                </a:p>
+              </p:txBody>
+            </p:sp>
+          </mc:Choice>
+          <mc:Fallback>
+            <p:sp>
+              <p:nvSpPr>
+                <p:cNvPr id="22" name="Round Diagonal Corner Rectangle 21"/>
+                <p:cNvSpPr>
+                  <a:spLocks noRot="1" noChangeAspect="1" noMove="1" noResize="1" noEditPoints="1" noAdjustHandles="1" noChangeArrowheads="1" noChangeShapeType="1" noTextEdit="1"/>
+                </p:cNvSpPr>
+                <p:nvPr/>
+              </p:nvSpPr>
+              <p:spPr>
+                <a:xfrm>
+                  <a:off x="4112758" y="2724105"/>
+                  <a:ext cx="926803" cy="311022"/>
+                </a:xfrm>
+                <a:prstGeom prst="round2DiagRect">
+                  <a:avLst/>
+                </a:prstGeom>
+                <a:blipFill rotWithShape="0">
+                  <a:blip r:embed="rId6"/>
+                  <a:stretch>
+                    <a:fillRect t="-1887" b="-28302"/>
+                  </a:stretch>
+                </a:blipFill>
+                <a:ln>
+                  <a:solidFill>
+                    <a:schemeClr val="bg1"/>
+                  </a:solidFill>
+                </a:ln>
+              </p:spPr>
+              <p:txBody>
+                <a:bodyPr/>
+                <a:lstStyle/>
+                <a:p>
+                  <a:r>
+                    <a:rPr lang="en-US">
+                      <a:noFill/>
+                    </a:rPr>
+                    <a:t> </a:t>
+                  </a:r>
+                </a:p>
+              </p:txBody>
+            </p:sp>
+          </mc:Fallback>
+        </mc:AlternateContent>
+        <p:sp>
+          <p:nvSpPr>
+            <p:cNvPr id="5" name="Double Bracket 4"/>
+            <p:cNvSpPr/>
+            <p:nvPr/>
+          </p:nvSpPr>
+          <p:spPr>
+            <a:xfrm>
+              <a:off x="4961354" y="1939027"/>
+              <a:ext cx="3896118" cy="2071907"/>
+            </a:xfrm>
+            <a:prstGeom prst="bracketPair">
+              <a:avLst>
+                <a:gd name="adj" fmla="val 5389"/>
+              </a:avLst>
+            </a:prstGeom>
+            <a:ln w="28575">
+              <a:solidFill>
+                <a:schemeClr val="tx1"/>
+              </a:solidFill>
+            </a:ln>
+          </p:spPr>
+          <p:style>
+            <a:lnRef idx="1">
+              <a:schemeClr val="accent1"/>
+            </a:lnRef>
+            <a:fillRef idx="0">
+              <a:schemeClr val="accent1"/>
+            </a:fillRef>
+            <a:effectRef idx="0">
+              <a:schemeClr val="accent1"/>
+            </a:effectRef>
+            <a:fontRef idx="minor">
+              <a:schemeClr val="tx1"/>
+            </a:fontRef>
+          </p:style>
+          <p:txBody>
+            <a:bodyPr rtlCol="0" anchor="ctr"/>
+            <a:lstStyle/>
+            <a:p>
+              <a:pPr algn="ctr"/>
+              <a:endParaRPr lang="en-US"/>
             </a:p>
           </p:txBody>
         </p:sp>

--- a/Help/Figures2.pptx
+++ b/Help/Figures2.pptx
@@ -226,7 +226,7 @@
           <a:p>
             <a:fld id="{C07E4396-26A3-4143-A0A3-BBC18DD0CEAD}" type="datetimeFigureOut">
               <a:rPr lang="en-US" smtClean="0"/>
-              <a:t>4/25/2020</a:t>
+              <a:t>5/27/2020</a:t>
             </a:fld>
             <a:endParaRPr lang="en-US" dirty="0"/>
           </a:p>
@@ -790,7 +790,7 @@
           <a:p>
             <a:fld id="{2DC2A043-560F-4D2E-8D1E-02B02E053659}" type="datetimeFigureOut">
               <a:rPr lang="en-US" smtClean="0"/>
-              <a:t>4/25/2020</a:t>
+              <a:t>5/27/2020</a:t>
             </a:fld>
             <a:endParaRPr lang="en-US" dirty="0"/>
           </a:p>
@@ -958,7 +958,7 @@
           <a:p>
             <a:fld id="{2DC2A043-560F-4D2E-8D1E-02B02E053659}" type="datetimeFigureOut">
               <a:rPr lang="en-US" smtClean="0"/>
-              <a:t>4/25/2020</a:t>
+              <a:t>5/27/2020</a:t>
             </a:fld>
             <a:endParaRPr lang="en-US" dirty="0"/>
           </a:p>
@@ -1136,7 +1136,7 @@
           <a:p>
             <a:fld id="{2DC2A043-560F-4D2E-8D1E-02B02E053659}" type="datetimeFigureOut">
               <a:rPr lang="en-US" smtClean="0"/>
-              <a:t>4/25/2020</a:t>
+              <a:t>5/27/2020</a:t>
             </a:fld>
             <a:endParaRPr lang="en-US" dirty="0"/>
           </a:p>
@@ -1304,7 +1304,7 @@
           <a:p>
             <a:fld id="{2DC2A043-560F-4D2E-8D1E-02B02E053659}" type="datetimeFigureOut">
               <a:rPr lang="en-US" smtClean="0"/>
-              <a:t>4/25/2020</a:t>
+              <a:t>5/27/2020</a:t>
             </a:fld>
             <a:endParaRPr lang="en-US" dirty="0"/>
           </a:p>
@@ -1549,7 +1549,7 @@
           <a:p>
             <a:fld id="{2DC2A043-560F-4D2E-8D1E-02B02E053659}" type="datetimeFigureOut">
               <a:rPr lang="en-US" smtClean="0"/>
-              <a:t>4/25/2020</a:t>
+              <a:t>5/27/2020</a:t>
             </a:fld>
             <a:endParaRPr lang="en-US" dirty="0"/>
           </a:p>
@@ -1778,7 +1778,7 @@
           <a:p>
             <a:fld id="{2DC2A043-560F-4D2E-8D1E-02B02E053659}" type="datetimeFigureOut">
               <a:rPr lang="en-US" smtClean="0"/>
-              <a:t>4/25/2020</a:t>
+              <a:t>5/27/2020</a:t>
             </a:fld>
             <a:endParaRPr lang="en-US" dirty="0"/>
           </a:p>
@@ -2142,7 +2142,7 @@
           <a:p>
             <a:fld id="{2DC2A043-560F-4D2E-8D1E-02B02E053659}" type="datetimeFigureOut">
               <a:rPr lang="en-US" smtClean="0"/>
-              <a:t>4/25/2020</a:t>
+              <a:t>5/27/2020</a:t>
             </a:fld>
             <a:endParaRPr lang="en-US" dirty="0"/>
           </a:p>
@@ -2259,7 +2259,7 @@
           <a:p>
             <a:fld id="{2DC2A043-560F-4D2E-8D1E-02B02E053659}" type="datetimeFigureOut">
               <a:rPr lang="en-US" smtClean="0"/>
-              <a:t>4/25/2020</a:t>
+              <a:t>5/27/2020</a:t>
             </a:fld>
             <a:endParaRPr lang="en-US" dirty="0"/>
           </a:p>
@@ -2354,7 +2354,7 @@
           <a:p>
             <a:fld id="{2DC2A043-560F-4D2E-8D1E-02B02E053659}" type="datetimeFigureOut">
               <a:rPr lang="en-US" smtClean="0"/>
-              <a:t>4/25/2020</a:t>
+              <a:t>5/27/2020</a:t>
             </a:fld>
             <a:endParaRPr lang="en-US" dirty="0"/>
           </a:p>
@@ -2629,7 +2629,7 @@
           <a:p>
             <a:fld id="{2DC2A043-560F-4D2E-8D1E-02B02E053659}" type="datetimeFigureOut">
               <a:rPr lang="en-US" smtClean="0"/>
-              <a:t>4/25/2020</a:t>
+              <a:t>5/27/2020</a:t>
             </a:fld>
             <a:endParaRPr lang="en-US" dirty="0"/>
           </a:p>
@@ -2881,7 +2881,7 @@
           <a:p>
             <a:fld id="{2DC2A043-560F-4D2E-8D1E-02B02E053659}" type="datetimeFigureOut">
               <a:rPr lang="en-US" smtClean="0"/>
-              <a:t>4/25/2020</a:t>
+              <a:t>5/27/2020</a:t>
             </a:fld>
             <a:endParaRPr lang="en-US" dirty="0"/>
           </a:p>
@@ -3092,7 +3092,7 @@
           <a:p>
             <a:fld id="{2DC2A043-560F-4D2E-8D1E-02B02E053659}" type="datetimeFigureOut">
               <a:rPr lang="en-US" smtClean="0"/>
-              <a:t>4/25/2020</a:t>
+              <a:t>5/27/2020</a:t>
             </a:fld>
             <a:endParaRPr lang="en-US" dirty="0"/>
           </a:p>
@@ -4601,7 +4601,25 @@
                             </a:solidFill>
                             <a:latin typeface="Cambria Math" panose="02040503050406030204" pitchFamily="18" charset="0"/>
                           </a:rPr>
-                          <m:t>0.8</m:t>
+                          <m:t>0</m:t>
+                        </m:r>
+                        <m:r>
+                          <a:rPr lang="en-US" sz="1700" b="0" i="1" smtClean="0">
+                            <a:solidFill>
+                              <a:schemeClr val="bg1"/>
+                            </a:solidFill>
+                            <a:latin typeface="Cambria Math" panose="02040503050406030204" pitchFamily="18" charset="0"/>
+                          </a:rPr>
+                          <m:t>.</m:t>
+                        </m:r>
+                        <m:r>
+                          <a:rPr lang="en-US" sz="1700" b="0" i="1" smtClean="0">
+                            <a:solidFill>
+                              <a:schemeClr val="bg1"/>
+                            </a:solidFill>
+                            <a:latin typeface="Cambria Math" panose="02040503050406030204" pitchFamily="18" charset="0"/>
+                          </a:rPr>
+                          <m:t>8</m:t>
                         </m:r>
                       </m:oMath>
                     </m:oMathPara>
@@ -4890,7 +4908,16 @@
                             </a:solidFill>
                             <a:latin typeface="Cambria Math" panose="02040503050406030204" pitchFamily="18" charset="0"/>
                           </a:rPr>
-                          <m:t> 0</m:t>
+                          <m:t> </m:t>
+                        </m:r>
+                        <m:r>
+                          <a:rPr lang="en-US" sz="1700" b="0" i="1" smtClean="0">
+                            <a:solidFill>
+                              <a:schemeClr val="tx1"/>
+                            </a:solidFill>
+                            <a:latin typeface="Cambria Math" panose="02040503050406030204" pitchFamily="18" charset="0"/>
+                          </a:rPr>
+                          <m:t>0</m:t>
                         </m:r>
                         <m:r>
                           <a:rPr lang="en-US" sz="1700" b="0" i="0" smtClean="0">
@@ -5518,7 +5545,34 @@
                             </a:solidFill>
                             <a:latin typeface="Cambria Math" panose="02040503050406030204" pitchFamily="18" charset="0"/>
                           </a:rPr>
-                          <m:t> 0.1</m:t>
+                          <m:t> </m:t>
+                        </m:r>
+                        <m:r>
+                          <a:rPr lang="en-US" sz="1700" b="0" i="1" smtClean="0">
+                            <a:solidFill>
+                              <a:schemeClr val="tx1"/>
+                            </a:solidFill>
+                            <a:latin typeface="Cambria Math" panose="02040503050406030204" pitchFamily="18" charset="0"/>
+                          </a:rPr>
+                          <m:t>0</m:t>
+                        </m:r>
+                        <m:r>
+                          <a:rPr lang="en-US" sz="1700" b="0" i="1" smtClean="0">
+                            <a:solidFill>
+                              <a:schemeClr val="tx1"/>
+                            </a:solidFill>
+                            <a:latin typeface="Cambria Math" panose="02040503050406030204" pitchFamily="18" charset="0"/>
+                          </a:rPr>
+                          <m:t>.</m:t>
+                        </m:r>
+                        <m:r>
+                          <a:rPr lang="en-US" sz="1700" b="0" i="1" smtClean="0">
+                            <a:solidFill>
+                              <a:schemeClr val="tx1"/>
+                            </a:solidFill>
+                            <a:latin typeface="Cambria Math" panose="02040503050406030204" pitchFamily="18" charset="0"/>
+                          </a:rPr>
+                          <m:t>1</m:t>
                         </m:r>
                       </m:oMath>
                     </m:oMathPara>
@@ -5627,7 +5681,34 @@
                             </a:solidFill>
                             <a:latin typeface="Cambria Math" panose="02040503050406030204" pitchFamily="18" charset="0"/>
                           </a:rPr>
-                          <m:t> 0.05</m:t>
+                          <m:t> </m:t>
+                        </m:r>
+                        <m:r>
+                          <a:rPr lang="en-US" sz="1700" b="0" i="1" smtClean="0">
+                            <a:solidFill>
+                              <a:sysClr val="windowText" lastClr="000000"/>
+                            </a:solidFill>
+                            <a:latin typeface="Cambria Math" panose="02040503050406030204" pitchFamily="18" charset="0"/>
+                          </a:rPr>
+                          <m:t>0</m:t>
+                        </m:r>
+                        <m:r>
+                          <a:rPr lang="en-US" sz="1700" b="0" i="1" smtClean="0">
+                            <a:solidFill>
+                              <a:sysClr val="windowText" lastClr="000000"/>
+                            </a:solidFill>
+                            <a:latin typeface="Cambria Math" panose="02040503050406030204" pitchFamily="18" charset="0"/>
+                          </a:rPr>
+                          <m:t>.</m:t>
+                        </m:r>
+                        <m:r>
+                          <a:rPr lang="en-US" sz="1700" b="0" i="1" smtClean="0">
+                            <a:solidFill>
+                              <a:sysClr val="windowText" lastClr="000000"/>
+                            </a:solidFill>
+                            <a:latin typeface="Cambria Math" panose="02040503050406030204" pitchFamily="18" charset="0"/>
+                          </a:rPr>
+                          <m:t>05</m:t>
                         </m:r>
                       </m:oMath>
                     </m:oMathPara>
@@ -5734,7 +5815,34 @@
                             </a:solidFill>
                             <a:latin typeface="Cambria Math" panose="02040503050406030204" pitchFamily="18" charset="0"/>
                           </a:rPr>
-                          <m:t> 0.0</m:t>
+                          <m:t> </m:t>
+                        </m:r>
+                        <m:r>
+                          <a:rPr lang="en-US" sz="1700" b="0" i="1" smtClean="0">
+                            <a:solidFill>
+                              <a:schemeClr val="tx1"/>
+                            </a:solidFill>
+                            <a:latin typeface="Cambria Math" panose="02040503050406030204" pitchFamily="18" charset="0"/>
+                          </a:rPr>
+                          <m:t>0</m:t>
+                        </m:r>
+                        <m:r>
+                          <a:rPr lang="en-US" sz="1700" b="0" i="1" smtClean="0">
+                            <a:solidFill>
+                              <a:schemeClr val="tx1"/>
+                            </a:solidFill>
+                            <a:latin typeface="Cambria Math" panose="02040503050406030204" pitchFamily="18" charset="0"/>
+                          </a:rPr>
+                          <m:t>.</m:t>
+                        </m:r>
+                        <m:r>
+                          <a:rPr lang="en-US" sz="1700" b="0" i="1" smtClean="0">
+                            <a:solidFill>
+                              <a:schemeClr val="tx1"/>
+                            </a:solidFill>
+                            <a:latin typeface="Cambria Math" panose="02040503050406030204" pitchFamily="18" charset="0"/>
+                          </a:rPr>
+                          <m:t>0</m:t>
                         </m:r>
                       </m:oMath>
                     </m:oMathPara>
@@ -5843,7 +5951,34 @@
                             </a:solidFill>
                             <a:latin typeface="Cambria Math" panose="02040503050406030204" pitchFamily="18" charset="0"/>
                           </a:rPr>
-                          <m:t> 0.05</m:t>
+                          <m:t> </m:t>
+                        </m:r>
+                        <m:r>
+                          <a:rPr lang="en-US" sz="1700" b="0" i="1" smtClean="0">
+                            <a:solidFill>
+                              <a:sysClr val="windowText" lastClr="000000"/>
+                            </a:solidFill>
+                            <a:latin typeface="Cambria Math" panose="02040503050406030204" pitchFamily="18" charset="0"/>
+                          </a:rPr>
+                          <m:t>0</m:t>
+                        </m:r>
+                        <m:r>
+                          <a:rPr lang="en-US" sz="1700" b="0" i="1" smtClean="0">
+                            <a:solidFill>
+                              <a:sysClr val="windowText" lastClr="000000"/>
+                            </a:solidFill>
+                            <a:latin typeface="Cambria Math" panose="02040503050406030204" pitchFamily="18" charset="0"/>
+                          </a:rPr>
+                          <m:t>.</m:t>
+                        </m:r>
+                        <m:r>
+                          <a:rPr lang="en-US" sz="1700" b="0" i="1" smtClean="0">
+                            <a:solidFill>
+                              <a:sysClr val="windowText" lastClr="000000"/>
+                            </a:solidFill>
+                            <a:latin typeface="Cambria Math" panose="02040503050406030204" pitchFamily="18" charset="0"/>
+                          </a:rPr>
+                          <m:t>05</m:t>
                         </m:r>
                       </m:oMath>
                     </m:oMathPara>
@@ -5953,7 +6088,34 @@
                             </a:solidFill>
                             <a:latin typeface="Cambria Math" panose="02040503050406030204" pitchFamily="18" charset="0"/>
                           </a:rPr>
-                          <m:t> 0.8</m:t>
+                          <m:t> </m:t>
+                        </m:r>
+                        <m:r>
+                          <a:rPr lang="en-US" sz="1700" b="0" i="1" smtClean="0">
+                            <a:solidFill>
+                              <a:schemeClr val="bg1"/>
+                            </a:solidFill>
+                            <a:latin typeface="Cambria Math" panose="02040503050406030204" pitchFamily="18" charset="0"/>
+                          </a:rPr>
+                          <m:t>0</m:t>
+                        </m:r>
+                        <m:r>
+                          <a:rPr lang="en-US" sz="1700" b="0" i="1" smtClean="0">
+                            <a:solidFill>
+                              <a:schemeClr val="bg1"/>
+                            </a:solidFill>
+                            <a:latin typeface="Cambria Math" panose="02040503050406030204" pitchFamily="18" charset="0"/>
+                          </a:rPr>
+                          <m:t>.</m:t>
+                        </m:r>
+                        <m:r>
+                          <a:rPr lang="en-US" sz="1700" b="0" i="1" smtClean="0">
+                            <a:solidFill>
+                              <a:schemeClr val="bg1"/>
+                            </a:solidFill>
+                            <a:latin typeface="Cambria Math" panose="02040503050406030204" pitchFamily="18" charset="0"/>
+                          </a:rPr>
+                          <m:t>8</m:t>
                         </m:r>
                       </m:oMath>
                     </m:oMathPara>
@@ -7534,7 +7696,34 @@
                             </a:solidFill>
                             <a:latin typeface="Cambria Math" panose="02040503050406030204" pitchFamily="18" charset="0"/>
                           </a:rPr>
-                          <m:t> 0.0</m:t>
+                          <m:t> </m:t>
+                        </m:r>
+                        <m:r>
+                          <a:rPr lang="en-US" sz="1700" b="0" i="1" smtClean="0">
+                            <a:solidFill>
+                              <a:sysClr val="windowText" lastClr="000000"/>
+                            </a:solidFill>
+                            <a:latin typeface="Cambria Math" panose="02040503050406030204" pitchFamily="18" charset="0"/>
+                          </a:rPr>
+                          <m:t>0</m:t>
+                        </m:r>
+                        <m:r>
+                          <a:rPr lang="en-US" sz="1700" b="0" i="1" smtClean="0">
+                            <a:solidFill>
+                              <a:sysClr val="windowText" lastClr="000000"/>
+                            </a:solidFill>
+                            <a:latin typeface="Cambria Math" panose="02040503050406030204" pitchFamily="18" charset="0"/>
+                          </a:rPr>
+                          <m:t>.</m:t>
+                        </m:r>
+                        <m:r>
+                          <a:rPr lang="en-US" sz="1700" b="0" i="1" smtClean="0">
+                            <a:solidFill>
+                              <a:sysClr val="windowText" lastClr="000000"/>
+                            </a:solidFill>
+                            <a:latin typeface="Cambria Math" panose="02040503050406030204" pitchFamily="18" charset="0"/>
+                          </a:rPr>
+                          <m:t>0</m:t>
                         </m:r>
                       </m:oMath>
                     </m:oMathPara>
@@ -7643,7 +7832,34 @@
                             </a:solidFill>
                             <a:latin typeface="Cambria Math" panose="02040503050406030204" pitchFamily="18" charset="0"/>
                           </a:rPr>
-                          <m:t> 0.1</m:t>
+                          <m:t> </m:t>
+                        </m:r>
+                        <m:r>
+                          <a:rPr lang="en-US" sz="1700" b="0" i="1" smtClean="0">
+                            <a:solidFill>
+                              <a:schemeClr val="tx1"/>
+                            </a:solidFill>
+                            <a:latin typeface="Cambria Math" panose="02040503050406030204" pitchFamily="18" charset="0"/>
+                          </a:rPr>
+                          <m:t>0</m:t>
+                        </m:r>
+                        <m:r>
+                          <a:rPr lang="en-US" sz="1700" b="0" i="1" smtClean="0">
+                            <a:solidFill>
+                              <a:schemeClr val="tx1"/>
+                            </a:solidFill>
+                            <a:latin typeface="Cambria Math" panose="02040503050406030204" pitchFamily="18" charset="0"/>
+                          </a:rPr>
+                          <m:t>.</m:t>
+                        </m:r>
+                        <m:r>
+                          <a:rPr lang="en-US" sz="1700" b="0" i="1" smtClean="0">
+                            <a:solidFill>
+                              <a:schemeClr val="tx1"/>
+                            </a:solidFill>
+                            <a:latin typeface="Cambria Math" panose="02040503050406030204" pitchFamily="18" charset="0"/>
+                          </a:rPr>
+                          <m:t>1</m:t>
                         </m:r>
                       </m:oMath>
                     </m:oMathPara>
@@ -7750,7 +7966,34 @@
                             </a:solidFill>
                             <a:latin typeface="Cambria Math" panose="02040503050406030204" pitchFamily="18" charset="0"/>
                           </a:rPr>
-                          <m:t> 0.0</m:t>
+                          <m:t> </m:t>
+                        </m:r>
+                        <m:r>
+                          <a:rPr lang="en-US" sz="1700" b="0" i="1" smtClean="0">
+                            <a:solidFill>
+                              <a:sysClr val="windowText" lastClr="000000"/>
+                            </a:solidFill>
+                            <a:latin typeface="Cambria Math" panose="02040503050406030204" pitchFamily="18" charset="0"/>
+                          </a:rPr>
+                          <m:t>0</m:t>
+                        </m:r>
+                        <m:r>
+                          <a:rPr lang="en-US" sz="1700" b="0" i="1" smtClean="0">
+                            <a:solidFill>
+                              <a:sysClr val="windowText" lastClr="000000"/>
+                            </a:solidFill>
+                            <a:latin typeface="Cambria Math" panose="02040503050406030204" pitchFamily="18" charset="0"/>
+                          </a:rPr>
+                          <m:t>.</m:t>
+                        </m:r>
+                        <m:r>
+                          <a:rPr lang="en-US" sz="1700" b="0" i="1" smtClean="0">
+                            <a:solidFill>
+                              <a:sysClr val="windowText" lastClr="000000"/>
+                            </a:solidFill>
+                            <a:latin typeface="Cambria Math" panose="02040503050406030204" pitchFamily="18" charset="0"/>
+                          </a:rPr>
+                          <m:t>0</m:t>
                         </m:r>
                       </m:oMath>
                     </m:oMathPara>
@@ -14179,7 +14422,25 @@
                             </a:solidFill>
                             <a:latin typeface="Cambria Math" panose="02040503050406030204" pitchFamily="18" charset="0"/>
                           </a:rPr>
-                          <m:t>0.8</m:t>
+                          <m:t>0</m:t>
+                        </m:r>
+                        <m:r>
+                          <a:rPr lang="en-US" sz="1700" b="0" i="1" smtClean="0">
+                            <a:solidFill>
+                              <a:schemeClr val="bg1"/>
+                            </a:solidFill>
+                            <a:latin typeface="Cambria Math" panose="02040503050406030204" pitchFamily="18" charset="0"/>
+                          </a:rPr>
+                          <m:t>.</m:t>
+                        </m:r>
+                        <m:r>
+                          <a:rPr lang="en-US" sz="1700" b="0" i="1" smtClean="0">
+                            <a:solidFill>
+                              <a:schemeClr val="bg1"/>
+                            </a:solidFill>
+                            <a:latin typeface="Cambria Math" panose="02040503050406030204" pitchFamily="18" charset="0"/>
+                          </a:rPr>
+                          <m:t>8</m:t>
                         </m:r>
                       </m:oMath>
                     </m:oMathPara>
@@ -14438,7 +14699,16 @@
                             </a:solidFill>
                             <a:latin typeface="Cambria Math" panose="02040503050406030204" pitchFamily="18" charset="0"/>
                           </a:rPr>
-                          <m:t> 0</m:t>
+                          <m:t> </m:t>
+                        </m:r>
+                        <m:r>
+                          <a:rPr lang="en-US" sz="1700" b="0" i="1" smtClean="0">
+                            <a:solidFill>
+                              <a:schemeClr val="tx1"/>
+                            </a:solidFill>
+                            <a:latin typeface="Cambria Math" panose="02040503050406030204" pitchFamily="18" charset="0"/>
+                          </a:rPr>
+                          <m:t>0</m:t>
                         </m:r>
                         <m:r>
                           <a:rPr lang="en-US" sz="1700" b="0" i="0" smtClean="0">
@@ -15066,7 +15336,34 @@
                             </a:solidFill>
                             <a:latin typeface="Cambria Math" panose="02040503050406030204" pitchFamily="18" charset="0"/>
                           </a:rPr>
-                          <m:t> 0.1</m:t>
+                          <m:t> </m:t>
+                        </m:r>
+                        <m:r>
+                          <a:rPr lang="en-US" sz="1700" b="0" i="1" smtClean="0">
+                            <a:solidFill>
+                              <a:schemeClr val="tx1"/>
+                            </a:solidFill>
+                            <a:latin typeface="Cambria Math" panose="02040503050406030204" pitchFamily="18" charset="0"/>
+                          </a:rPr>
+                          <m:t>0</m:t>
+                        </m:r>
+                        <m:r>
+                          <a:rPr lang="en-US" sz="1700" b="0" i="1" smtClean="0">
+                            <a:solidFill>
+                              <a:schemeClr val="tx1"/>
+                            </a:solidFill>
+                            <a:latin typeface="Cambria Math" panose="02040503050406030204" pitchFamily="18" charset="0"/>
+                          </a:rPr>
+                          <m:t>.</m:t>
+                        </m:r>
+                        <m:r>
+                          <a:rPr lang="en-US" sz="1700" b="0" i="1" smtClean="0">
+                            <a:solidFill>
+                              <a:schemeClr val="tx1"/>
+                            </a:solidFill>
+                            <a:latin typeface="Cambria Math" panose="02040503050406030204" pitchFamily="18" charset="0"/>
+                          </a:rPr>
+                          <m:t>1</m:t>
                         </m:r>
                       </m:oMath>
                     </m:oMathPara>
@@ -15175,7 +15472,34 @@
                             </a:solidFill>
                             <a:latin typeface="Cambria Math" panose="02040503050406030204" pitchFamily="18" charset="0"/>
                           </a:rPr>
-                          <m:t> 0.05</m:t>
+                          <m:t> </m:t>
+                        </m:r>
+                        <m:r>
+                          <a:rPr lang="en-US" sz="1700" b="0" i="1" smtClean="0">
+                            <a:solidFill>
+                              <a:sysClr val="windowText" lastClr="000000"/>
+                            </a:solidFill>
+                            <a:latin typeface="Cambria Math" panose="02040503050406030204" pitchFamily="18" charset="0"/>
+                          </a:rPr>
+                          <m:t>0</m:t>
+                        </m:r>
+                        <m:r>
+                          <a:rPr lang="en-US" sz="1700" b="0" i="1" smtClean="0">
+                            <a:solidFill>
+                              <a:sysClr val="windowText" lastClr="000000"/>
+                            </a:solidFill>
+                            <a:latin typeface="Cambria Math" panose="02040503050406030204" pitchFamily="18" charset="0"/>
+                          </a:rPr>
+                          <m:t>.</m:t>
+                        </m:r>
+                        <m:r>
+                          <a:rPr lang="en-US" sz="1700" b="0" i="1" smtClean="0">
+                            <a:solidFill>
+                              <a:sysClr val="windowText" lastClr="000000"/>
+                            </a:solidFill>
+                            <a:latin typeface="Cambria Math" panose="02040503050406030204" pitchFamily="18" charset="0"/>
+                          </a:rPr>
+                          <m:t>05</m:t>
                         </m:r>
                       </m:oMath>
                     </m:oMathPara>
@@ -15282,7 +15606,34 @@
                             </a:solidFill>
                             <a:latin typeface="Cambria Math" panose="02040503050406030204" pitchFamily="18" charset="0"/>
                           </a:rPr>
-                          <m:t> 0.0</m:t>
+                          <m:t> </m:t>
+                        </m:r>
+                        <m:r>
+                          <a:rPr lang="en-US" sz="1700" b="0" i="1" smtClean="0">
+                            <a:solidFill>
+                              <a:schemeClr val="tx1"/>
+                            </a:solidFill>
+                            <a:latin typeface="Cambria Math" panose="02040503050406030204" pitchFamily="18" charset="0"/>
+                          </a:rPr>
+                          <m:t>0</m:t>
+                        </m:r>
+                        <m:r>
+                          <a:rPr lang="en-US" sz="1700" b="0" i="1" smtClean="0">
+                            <a:solidFill>
+                              <a:schemeClr val="tx1"/>
+                            </a:solidFill>
+                            <a:latin typeface="Cambria Math" panose="02040503050406030204" pitchFamily="18" charset="0"/>
+                          </a:rPr>
+                          <m:t>.</m:t>
+                        </m:r>
+                        <m:r>
+                          <a:rPr lang="en-US" sz="1700" b="0" i="1" smtClean="0">
+                            <a:solidFill>
+                              <a:schemeClr val="tx1"/>
+                            </a:solidFill>
+                            <a:latin typeface="Cambria Math" panose="02040503050406030204" pitchFamily="18" charset="0"/>
+                          </a:rPr>
+                          <m:t>0</m:t>
                         </m:r>
                       </m:oMath>
                     </m:oMathPara>
@@ -15391,7 +15742,34 @@
                             </a:solidFill>
                             <a:latin typeface="Cambria Math" panose="02040503050406030204" pitchFamily="18" charset="0"/>
                           </a:rPr>
-                          <m:t> 0.05</m:t>
+                          <m:t> </m:t>
+                        </m:r>
+                        <m:r>
+                          <a:rPr lang="en-US" sz="1700" b="0" i="1" smtClean="0">
+                            <a:solidFill>
+                              <a:sysClr val="windowText" lastClr="000000"/>
+                            </a:solidFill>
+                            <a:latin typeface="Cambria Math" panose="02040503050406030204" pitchFamily="18" charset="0"/>
+                          </a:rPr>
+                          <m:t>0</m:t>
+                        </m:r>
+                        <m:r>
+                          <a:rPr lang="en-US" sz="1700" b="0" i="1" smtClean="0">
+                            <a:solidFill>
+                              <a:sysClr val="windowText" lastClr="000000"/>
+                            </a:solidFill>
+                            <a:latin typeface="Cambria Math" panose="02040503050406030204" pitchFamily="18" charset="0"/>
+                          </a:rPr>
+                          <m:t>.</m:t>
+                        </m:r>
+                        <m:r>
+                          <a:rPr lang="en-US" sz="1700" b="0" i="1" smtClean="0">
+                            <a:solidFill>
+                              <a:sysClr val="windowText" lastClr="000000"/>
+                            </a:solidFill>
+                            <a:latin typeface="Cambria Math" panose="02040503050406030204" pitchFamily="18" charset="0"/>
+                          </a:rPr>
+                          <m:t>05</m:t>
                         </m:r>
                       </m:oMath>
                     </m:oMathPara>
@@ -15501,7 +15879,34 @@
                             </a:solidFill>
                             <a:latin typeface="Cambria Math" panose="02040503050406030204" pitchFamily="18" charset="0"/>
                           </a:rPr>
-                          <m:t> 0.8</m:t>
+                          <m:t> </m:t>
+                        </m:r>
+                        <m:r>
+                          <a:rPr lang="en-US" sz="1700" b="0" i="1" smtClean="0">
+                            <a:solidFill>
+                              <a:schemeClr val="bg1"/>
+                            </a:solidFill>
+                            <a:latin typeface="Cambria Math" panose="02040503050406030204" pitchFamily="18" charset="0"/>
+                          </a:rPr>
+                          <m:t>0</m:t>
+                        </m:r>
+                        <m:r>
+                          <a:rPr lang="en-US" sz="1700" b="0" i="1" smtClean="0">
+                            <a:solidFill>
+                              <a:schemeClr val="bg1"/>
+                            </a:solidFill>
+                            <a:latin typeface="Cambria Math" panose="02040503050406030204" pitchFamily="18" charset="0"/>
+                          </a:rPr>
+                          <m:t>.</m:t>
+                        </m:r>
+                        <m:r>
+                          <a:rPr lang="en-US" sz="1700" b="0" i="1" smtClean="0">
+                            <a:solidFill>
+                              <a:schemeClr val="bg1"/>
+                            </a:solidFill>
+                            <a:latin typeface="Cambria Math" panose="02040503050406030204" pitchFamily="18" charset="0"/>
+                          </a:rPr>
+                          <m:t>8</m:t>
                         </m:r>
                       </m:oMath>
                     </m:oMathPara>
@@ -15912,7 +16317,34 @@
                             </a:solidFill>
                             <a:latin typeface="Cambria Math" panose="02040503050406030204" pitchFamily="18" charset="0"/>
                           </a:rPr>
-                          <m:t> 0.0</m:t>
+                          <m:t> </m:t>
+                        </m:r>
+                        <m:r>
+                          <a:rPr lang="en-US" sz="1700" b="0" i="1" smtClean="0">
+                            <a:solidFill>
+                              <a:sysClr val="windowText" lastClr="000000"/>
+                            </a:solidFill>
+                            <a:latin typeface="Cambria Math" panose="02040503050406030204" pitchFamily="18" charset="0"/>
+                          </a:rPr>
+                          <m:t>0</m:t>
+                        </m:r>
+                        <m:r>
+                          <a:rPr lang="en-US" sz="1700" b="0" i="1" smtClean="0">
+                            <a:solidFill>
+                              <a:sysClr val="windowText" lastClr="000000"/>
+                            </a:solidFill>
+                            <a:latin typeface="Cambria Math" panose="02040503050406030204" pitchFamily="18" charset="0"/>
+                          </a:rPr>
+                          <m:t>.</m:t>
+                        </m:r>
+                        <m:r>
+                          <a:rPr lang="en-US" sz="1700" b="0" i="1" smtClean="0">
+                            <a:solidFill>
+                              <a:sysClr val="windowText" lastClr="000000"/>
+                            </a:solidFill>
+                            <a:latin typeface="Cambria Math" panose="02040503050406030204" pitchFamily="18" charset="0"/>
+                          </a:rPr>
+                          <m:t>0</m:t>
                         </m:r>
                       </m:oMath>
                     </m:oMathPara>
@@ -16021,7 +16453,34 @@
                             </a:solidFill>
                             <a:latin typeface="Cambria Math" panose="02040503050406030204" pitchFamily="18" charset="0"/>
                           </a:rPr>
-                          <m:t> 0.1</m:t>
+                          <m:t> </m:t>
+                        </m:r>
+                        <m:r>
+                          <a:rPr lang="en-US" sz="1700" b="0" i="1" smtClean="0">
+                            <a:solidFill>
+                              <a:schemeClr val="tx1"/>
+                            </a:solidFill>
+                            <a:latin typeface="Cambria Math" panose="02040503050406030204" pitchFamily="18" charset="0"/>
+                          </a:rPr>
+                          <m:t>0</m:t>
+                        </m:r>
+                        <m:r>
+                          <a:rPr lang="en-US" sz="1700" b="0" i="1" smtClean="0">
+                            <a:solidFill>
+                              <a:schemeClr val="tx1"/>
+                            </a:solidFill>
+                            <a:latin typeface="Cambria Math" panose="02040503050406030204" pitchFamily="18" charset="0"/>
+                          </a:rPr>
+                          <m:t>.</m:t>
+                        </m:r>
+                        <m:r>
+                          <a:rPr lang="en-US" sz="1700" b="0" i="1" smtClean="0">
+                            <a:solidFill>
+                              <a:schemeClr val="tx1"/>
+                            </a:solidFill>
+                            <a:latin typeface="Cambria Math" panose="02040503050406030204" pitchFamily="18" charset="0"/>
+                          </a:rPr>
+                          <m:t>1</m:t>
                         </m:r>
                       </m:oMath>
                     </m:oMathPara>
@@ -16128,7 +16587,34 @@
                             </a:solidFill>
              